--- a/presentation/presentation.pptx
+++ b/presentation/presentation.pptx
@@ -27,31 +27,30 @@
     <p:sldId id="272" r:id="rId22"/>
     <p:sldId id="273" r:id="rId23"/>
     <p:sldId id="274" r:id="rId24"/>
-    <p:sldId id="275" r:id="rId25"/>
   </p:sldIdLst>
   <p:sldSz cy="5143500" cx="9144000"/>
   <p:notesSz cx="6858000" cy="9144000"/>
   <p:embeddedFontLst>
     <p:embeddedFont>
       <p:font typeface="Roboto"/>
-      <p:regular r:id="rId26"/>
-      <p:bold r:id="rId27"/>
-      <p:italic r:id="rId28"/>
-      <p:boldItalic r:id="rId29"/>
+      <p:regular r:id="rId25"/>
+      <p:bold r:id="rId26"/>
+      <p:italic r:id="rId27"/>
+      <p:boldItalic r:id="rId28"/>
     </p:embeddedFont>
     <p:embeddedFont>
       <p:font typeface="Montserrat"/>
-      <p:regular r:id="rId30"/>
-      <p:bold r:id="rId31"/>
-      <p:italic r:id="rId32"/>
-      <p:boldItalic r:id="rId33"/>
+      <p:regular r:id="rId29"/>
+      <p:bold r:id="rId30"/>
+      <p:italic r:id="rId31"/>
+      <p:boldItalic r:id="rId32"/>
     </p:embeddedFont>
     <p:embeddedFont>
       <p:font typeface="Lato"/>
-      <p:regular r:id="rId34"/>
-      <p:bold r:id="rId35"/>
-      <p:italic r:id="rId36"/>
-      <p:boldItalic r:id="rId37"/>
+      <p:regular r:id="rId33"/>
+      <p:bold r:id="rId34"/>
+      <p:italic r:id="rId35"/>
+      <p:boldItalic r:id="rId36"/>
     </p:embeddedFont>
   </p:embeddedFontLst>
   <p:defaultTextStyle>
@@ -299,7 +298,7 @@
       </p15:sldGuideLst>
     </p:ext>
     <p:ext uri="GoogleSlidesCustomDataVersion2">
-      <go:slidesCustomData xmlns:go="http://customooxmlschemas.google.com/" r:id="rId38" roundtripDataSignature="AMtx7mhuy9go8JA2mQR6WGxBs6KKFLgpag=="/>
+      <go:slidesCustomData xmlns:go="http://customooxmlschemas.google.com/" r:id="rId37" roundtripDataSignature="AMtx7mg/arx++HXcFdP6ceAzhbkVjG3ysw=="/>
     </p:ext>
   </p:extLst>
 </p:presentation>
@@ -995,7 +994,7 @@
   <p:cSld>
     <p:spTree>
       <p:nvGrpSpPr>
-        <p:cNvPr id="197" name="Shape 197"/>
+        <p:cNvPr id="199" name="Shape 199"/>
         <p:cNvGrpSpPr/>
         <p:nvPr/>
       </p:nvGrpSpPr>
@@ -1009,7 +1008,7 @@
       </p:grpSpPr>
       <p:sp>
         <p:nvSpPr>
-          <p:cNvPr id="198" name="Google Shape;198;g2a0c6f9b0a2_0_42:notes"/>
+          <p:cNvPr id="200" name="Google Shape;200;g2a0c6f9b0a2_0_42:notes"/>
           <p:cNvSpPr/>
           <p:nvPr>
             <p:ph idx="2" type="sldImg"/>
@@ -1054,7 +1053,7 @@
       </p:sp>
       <p:sp>
         <p:nvSpPr>
-          <p:cNvPr id="199" name="Google Shape;199;g2a0c6f9b0a2_0_42:notes"/>
+          <p:cNvPr id="201" name="Google Shape;201;g2a0c6f9b0a2_0_42:notes"/>
           <p:cNvSpPr txBox="1"/>
           <p:nvPr>
             <p:ph idx="1" type="body"/>
@@ -1112,7 +1111,7 @@
   <p:cSld>
     <p:spTree>
       <p:nvGrpSpPr>
-        <p:cNvPr id="204" name="Shape 204"/>
+        <p:cNvPr id="206" name="Shape 206"/>
         <p:cNvGrpSpPr/>
         <p:nvPr/>
       </p:nvGrpSpPr>
@@ -1126,7 +1125,7 @@
       </p:grpSpPr>
       <p:sp>
         <p:nvSpPr>
-          <p:cNvPr id="205" name="Google Shape;205;g2a0c6f9b0a2_0_54:notes"/>
+          <p:cNvPr id="207" name="Google Shape;207;g26e1760ff98_1_67:notes"/>
           <p:cNvSpPr/>
           <p:nvPr>
             <p:ph idx="2" type="sldImg"/>
@@ -1171,7 +1170,7 @@
       </p:sp>
       <p:sp>
         <p:nvSpPr>
-          <p:cNvPr id="206" name="Google Shape;206;g2a0c6f9b0a2_0_54:notes"/>
+          <p:cNvPr id="208" name="Google Shape;208;g26e1760ff98_1_67:notes"/>
           <p:cNvSpPr txBox="1"/>
           <p:nvPr>
             <p:ph idx="1" type="body"/>
@@ -1229,7 +1228,7 @@
   <p:cSld>
     <p:spTree>
       <p:nvGrpSpPr>
-        <p:cNvPr id="211" name="Shape 211"/>
+        <p:cNvPr id="213" name="Shape 213"/>
         <p:cNvGrpSpPr/>
         <p:nvPr/>
       </p:nvGrpSpPr>
@@ -1243,7 +1242,7 @@
       </p:grpSpPr>
       <p:sp>
         <p:nvSpPr>
-          <p:cNvPr id="212" name="Google Shape;212;g26e1760ff98_1_67:notes"/>
+          <p:cNvPr id="214" name="Google Shape;214;g2a0c6f9b0a2_0_61:notes"/>
           <p:cNvSpPr/>
           <p:nvPr>
             <p:ph idx="2" type="sldImg"/>
@@ -1288,7 +1287,7 @@
       </p:sp>
       <p:sp>
         <p:nvSpPr>
-          <p:cNvPr id="213" name="Google Shape;213;g26e1760ff98_1_67:notes"/>
+          <p:cNvPr id="215" name="Google Shape;215;g2a0c6f9b0a2_0_61:notes"/>
           <p:cNvSpPr txBox="1"/>
           <p:nvPr>
             <p:ph idx="1" type="body"/>
@@ -1346,7 +1345,7 @@
   <p:cSld>
     <p:spTree>
       <p:nvGrpSpPr>
-        <p:cNvPr id="218" name="Shape 218"/>
+        <p:cNvPr id="220" name="Shape 220"/>
         <p:cNvGrpSpPr/>
         <p:nvPr/>
       </p:nvGrpSpPr>
@@ -1360,7 +1359,7 @@
       </p:grpSpPr>
       <p:sp>
         <p:nvSpPr>
-          <p:cNvPr id="219" name="Google Shape;219;g2a0c6f9b0a2_0_61:notes"/>
+          <p:cNvPr id="221" name="Google Shape;221;g2a0c6f9b0a2_0_75:notes"/>
           <p:cNvSpPr/>
           <p:nvPr>
             <p:ph idx="2" type="sldImg"/>
@@ -1405,7 +1404,7 @@
       </p:sp>
       <p:sp>
         <p:nvSpPr>
-          <p:cNvPr id="220" name="Google Shape;220;g2a0c6f9b0a2_0_61:notes"/>
+          <p:cNvPr id="222" name="Google Shape;222;g2a0c6f9b0a2_0_75:notes"/>
           <p:cNvSpPr txBox="1"/>
           <p:nvPr>
             <p:ph idx="1" type="body"/>
@@ -1463,7 +1462,7 @@
   <p:cSld>
     <p:spTree>
       <p:nvGrpSpPr>
-        <p:cNvPr id="225" name="Shape 225"/>
+        <p:cNvPr id="227" name="Shape 227"/>
         <p:cNvGrpSpPr/>
         <p:nvPr/>
       </p:nvGrpSpPr>
@@ -1477,7 +1476,7 @@
       </p:grpSpPr>
       <p:sp>
         <p:nvSpPr>
-          <p:cNvPr id="226" name="Google Shape;226;g2a0c6f9b0a2_0_75:notes"/>
+          <p:cNvPr id="228" name="Google Shape;228;g2a0c6f9b0a2_0_84:notes"/>
           <p:cNvSpPr/>
           <p:nvPr>
             <p:ph idx="2" type="sldImg"/>
@@ -1522,7 +1521,7 @@
       </p:sp>
       <p:sp>
         <p:nvSpPr>
-          <p:cNvPr id="227" name="Google Shape;227;g2a0c6f9b0a2_0_75:notes"/>
+          <p:cNvPr id="229" name="Google Shape;229;g2a0c6f9b0a2_0_84:notes"/>
           <p:cNvSpPr txBox="1"/>
           <p:nvPr>
             <p:ph idx="1" type="body"/>
@@ -1580,7 +1579,7 @@
   <p:cSld>
     <p:spTree>
       <p:nvGrpSpPr>
-        <p:cNvPr id="232" name="Shape 232"/>
+        <p:cNvPr id="234" name="Shape 234"/>
         <p:cNvGrpSpPr/>
         <p:nvPr/>
       </p:nvGrpSpPr>
@@ -1594,7 +1593,7 @@
       </p:grpSpPr>
       <p:sp>
         <p:nvSpPr>
-          <p:cNvPr id="233" name="Google Shape;233;g2a0c6f9b0a2_0_84:notes"/>
+          <p:cNvPr id="235" name="Google Shape;235;g2a0c6f9b0a2_0_91:notes"/>
           <p:cNvSpPr/>
           <p:nvPr>
             <p:ph idx="2" type="sldImg"/>
@@ -1639,7 +1638,7 @@
       </p:sp>
       <p:sp>
         <p:nvSpPr>
-          <p:cNvPr id="234" name="Google Shape;234;g2a0c6f9b0a2_0_84:notes"/>
+          <p:cNvPr id="236" name="Google Shape;236;g2a0c6f9b0a2_0_91:notes"/>
           <p:cNvSpPr txBox="1"/>
           <p:nvPr>
             <p:ph idx="1" type="body"/>
@@ -1697,7 +1696,7 @@
   <p:cSld>
     <p:spTree>
       <p:nvGrpSpPr>
-        <p:cNvPr id="239" name="Shape 239"/>
+        <p:cNvPr id="241" name="Shape 241"/>
         <p:cNvGrpSpPr/>
         <p:nvPr/>
       </p:nvGrpSpPr>
@@ -1711,7 +1710,7 @@
       </p:grpSpPr>
       <p:sp>
         <p:nvSpPr>
-          <p:cNvPr id="240" name="Google Shape;240;g2a0c6f9b0a2_0_91:notes"/>
+          <p:cNvPr id="242" name="Google Shape;242;g2a0c6f9b0a2_0_97:notes"/>
           <p:cNvSpPr/>
           <p:nvPr>
             <p:ph idx="2" type="sldImg"/>
@@ -1756,7 +1755,7 @@
       </p:sp>
       <p:sp>
         <p:nvSpPr>
-          <p:cNvPr id="241" name="Google Shape;241;g2a0c6f9b0a2_0_91:notes"/>
+          <p:cNvPr id="243" name="Google Shape;243;g2a0c6f9b0a2_0_97:notes"/>
           <p:cNvSpPr txBox="1"/>
           <p:nvPr>
             <p:ph idx="1" type="body"/>
@@ -1814,7 +1813,7 @@
   <p:cSld>
     <p:spTree>
       <p:nvGrpSpPr>
-        <p:cNvPr id="246" name="Shape 246"/>
+        <p:cNvPr id="248" name="Shape 248"/>
         <p:cNvGrpSpPr/>
         <p:nvPr/>
       </p:nvGrpSpPr>
@@ -1828,7 +1827,7 @@
       </p:grpSpPr>
       <p:sp>
         <p:nvSpPr>
-          <p:cNvPr id="247" name="Google Shape;247;g2a0c6f9b0a2_0_97:notes"/>
+          <p:cNvPr id="249" name="Google Shape;249;g2a0c6f9b0a2_0_103:notes"/>
           <p:cNvSpPr/>
           <p:nvPr>
             <p:ph idx="2" type="sldImg"/>
@@ -1873,7 +1872,7 @@
       </p:sp>
       <p:sp>
         <p:nvSpPr>
-          <p:cNvPr id="248" name="Google Shape;248;g2a0c6f9b0a2_0_97:notes"/>
+          <p:cNvPr id="250" name="Google Shape;250;g2a0c6f9b0a2_0_103:notes"/>
           <p:cNvSpPr txBox="1"/>
           <p:nvPr>
             <p:ph idx="1" type="body"/>
@@ -1931,7 +1930,7 @@
   <p:cSld>
     <p:spTree>
       <p:nvGrpSpPr>
-        <p:cNvPr id="253" name="Shape 253"/>
+        <p:cNvPr id="255" name="Shape 255"/>
         <p:cNvGrpSpPr/>
         <p:nvPr/>
       </p:nvGrpSpPr>
@@ -1945,7 +1944,7 @@
       </p:grpSpPr>
       <p:sp>
         <p:nvSpPr>
-          <p:cNvPr id="254" name="Google Shape;254;g2a0c6f9b0a2_0_103:notes"/>
+          <p:cNvPr id="256" name="Google Shape;256;g2a0c6f9b0a2_0_109:notes"/>
           <p:cNvSpPr/>
           <p:nvPr>
             <p:ph idx="2" type="sldImg"/>
@@ -1990,7 +1989,7 @@
       </p:sp>
       <p:sp>
         <p:nvSpPr>
-          <p:cNvPr id="255" name="Google Shape;255;g2a0c6f9b0a2_0_103:notes"/>
+          <p:cNvPr id="257" name="Google Shape;257;g2a0c6f9b0a2_0_109:notes"/>
           <p:cNvSpPr txBox="1"/>
           <p:nvPr>
             <p:ph idx="1" type="body"/>
@@ -2048,7 +2047,7 @@
   <p:cSld>
     <p:spTree>
       <p:nvGrpSpPr>
-        <p:cNvPr id="260" name="Shape 260"/>
+        <p:cNvPr id="262" name="Shape 262"/>
         <p:cNvGrpSpPr/>
         <p:nvPr/>
       </p:nvGrpSpPr>
@@ -2062,7 +2061,7 @@
       </p:grpSpPr>
       <p:sp>
         <p:nvSpPr>
-          <p:cNvPr id="261" name="Google Shape;261;g2a0c6f9b0a2_0_109:notes"/>
+          <p:cNvPr id="263" name="Google Shape;263;g26e1760ff98_1_133:notes"/>
           <p:cNvSpPr/>
           <p:nvPr>
             <p:ph idx="2" type="sldImg"/>
@@ -2107,7 +2106,7 @@
       </p:sp>
       <p:sp>
         <p:nvSpPr>
-          <p:cNvPr id="262" name="Google Shape;262;g2a0c6f9b0a2_0_109:notes"/>
+          <p:cNvPr id="264" name="Google Shape;264;g26e1760ff98_1_133:notes"/>
           <p:cNvSpPr txBox="1"/>
           <p:nvPr>
             <p:ph idx="1" type="body"/>
@@ -2277,123 +2276,6 @@
 </p:notes>
 </file>
 
-<file path=ppt/notesSlides/notesSlide20.xml><?xml version="1.0" encoding="utf-8"?>
-<p:notes xmlns:a="http://schemas.openxmlformats.org/drawingml/2006/main" xmlns:r="http://schemas.openxmlformats.org/officeDocument/2006/relationships" xmlns:mc="http://schemas.openxmlformats.org/markup-compatibility/2006" xmlns:mv="urn:schemas-microsoft-com:mac:vml" xmlns:p="http://schemas.openxmlformats.org/presentationml/2006/main" xmlns:c="http://schemas.openxmlformats.org/drawingml/2006/chart" xmlns:dgm="http://schemas.openxmlformats.org/drawingml/2006/diagram" xmlns:o="urn:schemas-microsoft-com:office:office" xmlns:v="urn:schemas-microsoft-com:vml" xmlns:pvml="urn:schemas-microsoft-com:office:powerpoint" xmlns:com="http://schemas.openxmlformats.org/drawingml/2006/compatibility" xmlns:p14="http://schemas.microsoft.com/office/powerpoint/2010/main" xmlns:p15="http://schemas.microsoft.com/office/powerpoint/2012/main" xmlns:ahyp="http://schemas.microsoft.com/office/drawing/2018/hyperlinkcolor" showMasterPhAnim="0" showMasterSp="0">
-  <p:cSld>
-    <p:spTree>
-      <p:nvGrpSpPr>
-        <p:cNvPr id="267" name="Shape 267"/>
-        <p:cNvGrpSpPr/>
-        <p:nvPr/>
-      </p:nvGrpSpPr>
-      <p:grpSpPr>
-        <a:xfrm>
-          <a:off x="0" y="0"/>
-          <a:ext cx="0" cy="0"/>
-          <a:chOff x="0" y="0"/>
-          <a:chExt cx="0" cy="0"/>
-        </a:xfrm>
-      </p:grpSpPr>
-      <p:sp>
-        <p:nvSpPr>
-          <p:cNvPr id="268" name="Google Shape;268;g26e1760ff98_1_133:notes"/>
-          <p:cNvSpPr/>
-          <p:nvPr>
-            <p:ph idx="2" type="sldImg"/>
-          </p:nvPr>
-        </p:nvSpPr>
-        <p:spPr>
-          <a:xfrm>
-            <a:off x="381000" y="685800"/>
-            <a:ext cx="6096000" cy="3429000"/>
-          </a:xfrm>
-          <a:custGeom>
-            <a:rect b="b" l="l" r="r" t="t"/>
-            <a:pathLst>
-              <a:path extrusionOk="0" h="120000" w="120000">
-                <a:moveTo>
-                  <a:pt x="0" y="0"/>
-                </a:moveTo>
-                <a:lnTo>
-                  <a:pt x="120000" y="0"/>
-                </a:lnTo>
-                <a:lnTo>
-                  <a:pt x="120000" y="120000"/>
-                </a:lnTo>
-                <a:lnTo>
-                  <a:pt x="0" y="120000"/>
-                </a:lnTo>
-                <a:close/>
-              </a:path>
-            </a:pathLst>
-          </a:custGeom>
-          <a:noFill/>
-          <a:ln cap="flat" cmpd="sng" w="9525">
-            <a:solidFill>
-              <a:srgbClr val="000000"/>
-            </a:solidFill>
-            <a:prstDash val="solid"/>
-            <a:round/>
-            <a:headEnd len="sm" w="sm" type="none"/>
-            <a:tailEnd len="sm" w="sm" type="none"/>
-          </a:ln>
-        </p:spPr>
-      </p:sp>
-      <p:sp>
-        <p:nvSpPr>
-          <p:cNvPr id="269" name="Google Shape;269;g26e1760ff98_1_133:notes"/>
-          <p:cNvSpPr txBox="1"/>
-          <p:nvPr>
-            <p:ph idx="1" type="body"/>
-          </p:nvPr>
-        </p:nvSpPr>
-        <p:spPr>
-          <a:xfrm>
-            <a:off x="685800" y="4343400"/>
-            <a:ext cx="5486400" cy="4114800"/>
-          </a:xfrm>
-          <a:prstGeom prst="rect">
-            <a:avLst/>
-          </a:prstGeom>
-          <a:noFill/>
-          <a:ln>
-            <a:noFill/>
-          </a:ln>
-        </p:spPr>
-        <p:txBody>
-          <a:bodyPr anchorCtr="0" anchor="t" bIns="91425" lIns="91425" spcFirstLastPara="1" rIns="91425" wrap="square" tIns="91425">
-            <a:noAutofit/>
-          </a:bodyPr>
-          <a:lstStyle/>
-          <a:p>
-            <a:pPr indent="0" lvl="0" marL="0" rtl="0" algn="l">
-              <a:lnSpc>
-                <a:spcPct val="100000"/>
-              </a:lnSpc>
-              <a:spcBef>
-                <a:spcPts val="0"/>
-              </a:spcBef>
-              <a:spcAft>
-                <a:spcPts val="0"/>
-              </a:spcAft>
-              <a:buSzPts val="1100"/>
-              <a:buNone/>
-            </a:pPr>
-            <a:r>
-              <a:t/>
-            </a:r>
-            <a:endParaRPr/>
-          </a:p>
-        </p:txBody>
-      </p:sp>
-    </p:spTree>
-  </p:cSld>
-  <p:clrMapOvr>
-    <a:masterClrMapping/>
-  </p:clrMapOvr>
-</p:notes>
-</file>
-
 <file path=ppt/notesSlides/notesSlide3.xml><?xml version="1.0" encoding="utf-8"?>
 <p:notes xmlns:a="http://schemas.openxmlformats.org/drawingml/2006/main" xmlns:r="http://schemas.openxmlformats.org/officeDocument/2006/relationships" xmlns:mc="http://schemas.openxmlformats.org/markup-compatibility/2006" xmlns:mv="urn:schemas-microsoft-com:mac:vml" xmlns:p="http://schemas.openxmlformats.org/presentationml/2006/main" xmlns:c="http://schemas.openxmlformats.org/drawingml/2006/chart" xmlns:dgm="http://schemas.openxmlformats.org/drawingml/2006/diagram" xmlns:o="urn:schemas-microsoft-com:office:office" xmlns:v="urn:schemas-microsoft-com:vml" xmlns:pvml="urn:schemas-microsoft-com:office:powerpoint" xmlns:com="http://schemas.openxmlformats.org/drawingml/2006/compatibility" xmlns:p14="http://schemas.microsoft.com/office/powerpoint/2010/main" xmlns:p15="http://schemas.microsoft.com/office/powerpoint/2012/main" xmlns:ahyp="http://schemas.microsoft.com/office/drawing/2018/hyperlinkcolor" showMasterPhAnim="0" showMasterSp="0">
   <p:cSld>
@@ -2516,7 +2398,7 @@
   <p:cSld>
     <p:spTree>
       <p:nvGrpSpPr>
-        <p:cNvPr id="150" name="Shape 150"/>
+        <p:cNvPr id="149" name="Shape 149"/>
         <p:cNvGrpSpPr/>
         <p:nvPr/>
       </p:nvGrpSpPr>
@@ -2530,7 +2412,7 @@
       </p:grpSpPr>
       <p:sp>
         <p:nvSpPr>
-          <p:cNvPr id="151" name="Google Shape;151;g26e1760ff98_1_7:notes"/>
+          <p:cNvPr id="150" name="Google Shape;150;g26e1760ff98_1_7:notes"/>
           <p:cNvSpPr/>
           <p:nvPr>
             <p:ph idx="2" type="sldImg"/>
@@ -2575,7 +2457,7 @@
       </p:sp>
       <p:sp>
         <p:nvSpPr>
-          <p:cNvPr id="152" name="Google Shape;152;g26e1760ff98_1_7:notes"/>
+          <p:cNvPr id="151" name="Google Shape;151;g26e1760ff98_1_7:notes"/>
           <p:cNvSpPr txBox="1"/>
           <p:nvPr>
             <p:ph idx="1" type="body"/>
@@ -2633,7 +2515,7 @@
   <p:cSld>
     <p:spTree>
       <p:nvGrpSpPr>
-        <p:cNvPr id="157" name="Shape 157"/>
+        <p:cNvPr id="156" name="Shape 156"/>
         <p:cNvGrpSpPr/>
         <p:nvPr/>
       </p:nvGrpSpPr>
@@ -2647,7 +2529,7 @@
       </p:grpSpPr>
       <p:sp>
         <p:nvSpPr>
-          <p:cNvPr id="158" name="Google Shape;158;g2a0c6f9b0a2_0_22:notes"/>
+          <p:cNvPr id="157" name="Google Shape;157;g2a0c6f9b0a2_0_22:notes"/>
           <p:cNvSpPr/>
           <p:nvPr>
             <p:ph idx="2" type="sldImg"/>
@@ -2692,7 +2574,7 @@
       </p:sp>
       <p:sp>
         <p:nvSpPr>
-          <p:cNvPr id="159" name="Google Shape;159;g2a0c6f9b0a2_0_22:notes"/>
+          <p:cNvPr id="158" name="Google Shape;158;g2a0c6f9b0a2_0_22:notes"/>
           <p:cNvSpPr txBox="1"/>
           <p:nvPr>
             <p:ph idx="1" type="body"/>
@@ -2750,7 +2632,7 @@
   <p:cSld>
     <p:spTree>
       <p:nvGrpSpPr>
-        <p:cNvPr id="164" name="Shape 164"/>
+        <p:cNvPr id="163" name="Shape 163"/>
         <p:cNvGrpSpPr/>
         <p:nvPr/>
       </p:nvGrpSpPr>
@@ -2764,7 +2646,7 @@
       </p:grpSpPr>
       <p:sp>
         <p:nvSpPr>
-          <p:cNvPr id="165" name="Google Shape;165;g26e1760ff98_1_46:notes"/>
+          <p:cNvPr id="164" name="Google Shape;164;g26e1760ff98_1_46:notes"/>
           <p:cNvSpPr/>
           <p:nvPr>
             <p:ph idx="2" type="sldImg"/>
@@ -2809,7 +2691,7 @@
       </p:sp>
       <p:sp>
         <p:nvSpPr>
-          <p:cNvPr id="166" name="Google Shape;166;g26e1760ff98_1_46:notes"/>
+          <p:cNvPr id="165" name="Google Shape;165;g26e1760ff98_1_46:notes"/>
           <p:cNvSpPr txBox="1"/>
           <p:nvPr>
             <p:ph idx="1" type="body"/>
@@ -2867,7 +2749,7 @@
   <p:cSld>
     <p:spTree>
       <p:nvGrpSpPr>
-        <p:cNvPr id="173" name="Shape 173"/>
+        <p:cNvPr id="172" name="Shape 172"/>
         <p:cNvGrpSpPr/>
         <p:nvPr/>
       </p:nvGrpSpPr>
@@ -2881,7 +2763,7 @@
       </p:grpSpPr>
       <p:sp>
         <p:nvSpPr>
-          <p:cNvPr id="174" name="Google Shape;174;g26e1760ff98_1_59:notes"/>
+          <p:cNvPr id="173" name="Google Shape;173;g26e1760ff98_1_59:notes"/>
           <p:cNvSpPr/>
           <p:nvPr>
             <p:ph idx="2" type="sldImg"/>
@@ -2926,7 +2808,7 @@
       </p:sp>
       <p:sp>
         <p:nvSpPr>
-          <p:cNvPr id="175" name="Google Shape;175;g26e1760ff98_1_59:notes"/>
+          <p:cNvPr id="174" name="Google Shape;174;g26e1760ff98_1_59:notes"/>
           <p:cNvSpPr txBox="1"/>
           <p:nvPr>
             <p:ph idx="1" type="body"/>
@@ -2984,7 +2866,7 @@
   <p:cSld>
     <p:spTree>
       <p:nvGrpSpPr>
-        <p:cNvPr id="180" name="Shape 180"/>
+        <p:cNvPr id="179" name="Shape 179"/>
         <p:cNvGrpSpPr/>
         <p:nvPr/>
       </p:nvGrpSpPr>
@@ -2998,7 +2880,7 @@
       </p:grpSpPr>
       <p:sp>
         <p:nvSpPr>
-          <p:cNvPr id="181" name="Google Shape;181;g2a0c6f9b0a2_0_33:notes"/>
+          <p:cNvPr id="180" name="Google Shape;180;g2a0c6f9b0a2_0_33:notes"/>
           <p:cNvSpPr/>
           <p:nvPr>
             <p:ph idx="2" type="sldImg"/>
@@ -3043,7 +2925,7 @@
       </p:sp>
       <p:sp>
         <p:nvSpPr>
-          <p:cNvPr id="182" name="Google Shape;182;g2a0c6f9b0a2_0_33:notes"/>
+          <p:cNvPr id="181" name="Google Shape;181;g2a0c6f9b0a2_0_33:notes"/>
           <p:cNvSpPr txBox="1"/>
           <p:nvPr>
             <p:ph idx="1" type="body"/>
@@ -3101,7 +2983,7 @@
   <p:cSld>
     <p:spTree>
       <p:nvGrpSpPr>
-        <p:cNvPr id="187" name="Shape 187"/>
+        <p:cNvPr id="186" name="Shape 186"/>
         <p:cNvGrpSpPr/>
         <p:nvPr/>
       </p:nvGrpSpPr>
@@ -3115,7 +2997,7 @@
       </p:grpSpPr>
       <p:sp>
         <p:nvSpPr>
-          <p:cNvPr id="188" name="Google Shape;188;g26e1760ff98_1_75:notes"/>
+          <p:cNvPr id="187" name="Google Shape;187;g26e1760ff98_1_75:notes"/>
           <p:cNvSpPr/>
           <p:nvPr>
             <p:ph idx="2" type="sldImg"/>
@@ -3160,7 +3042,7 @@
       </p:sp>
       <p:sp>
         <p:nvSpPr>
-          <p:cNvPr id="189" name="Google Shape;189;g26e1760ff98_1_75:notes"/>
+          <p:cNvPr id="188" name="Google Shape;188;g26e1760ff98_1_75:notes"/>
           <p:cNvSpPr txBox="1"/>
           <p:nvPr>
             <p:ph idx="1" type="body"/>
@@ -3377,7 +3259,7 @@
           </a:prstGeom>
           <a:solidFill>
             <a:schemeClr val="lt1">
-              <a:alpha val="2352"/>
+              <a:alpha val="1960"/>
             </a:schemeClr>
           </a:solidFill>
           <a:ln>
@@ -3454,7 +3336,7 @@
             </a:prstGeom>
             <a:solidFill>
               <a:schemeClr val="lt1">
-                <a:alpha val="2352"/>
+                <a:alpha val="1960"/>
               </a:schemeClr>
             </a:solidFill>
             <a:ln>
@@ -3517,7 +3399,7 @@
             </a:prstGeom>
             <a:solidFill>
               <a:schemeClr val="lt1">
-                <a:alpha val="2352"/>
+                <a:alpha val="1960"/>
               </a:schemeClr>
             </a:solidFill>
             <a:ln>
@@ -4333,7 +4215,7 @@
             </a:prstGeom>
             <a:solidFill>
               <a:schemeClr val="lt1">
-                <a:alpha val="2745"/>
+                <a:alpha val="2352"/>
               </a:schemeClr>
             </a:solidFill>
             <a:ln>
@@ -4396,7 +4278,7 @@
             </a:prstGeom>
             <a:solidFill>
               <a:schemeClr val="lt1">
-                <a:alpha val="2745"/>
+                <a:alpha val="2352"/>
               </a:schemeClr>
             </a:solidFill>
             <a:ln>
@@ -4459,7 +4341,7 @@
             </a:prstGeom>
             <a:solidFill>
               <a:schemeClr val="lt1">
-                <a:alpha val="6666"/>
+                <a:alpha val="6274"/>
               </a:schemeClr>
             </a:solidFill>
             <a:ln>
@@ -4522,7 +4404,7 @@
             </a:prstGeom>
             <a:solidFill>
               <a:schemeClr val="lt1">
-                <a:alpha val="6666"/>
+                <a:alpha val="6274"/>
               </a:schemeClr>
             </a:solidFill>
             <a:ln>
@@ -4585,7 +4467,7 @@
             </a:prstGeom>
             <a:solidFill>
               <a:schemeClr val="lt1">
-                <a:alpha val="6666"/>
+                <a:alpha val="6274"/>
               </a:schemeClr>
             </a:solidFill>
             <a:ln>
@@ -4648,7 +4530,7 @@
             </a:prstGeom>
             <a:solidFill>
               <a:schemeClr val="lt1">
-                <a:alpha val="6666"/>
+                <a:alpha val="6274"/>
               </a:schemeClr>
             </a:solidFill>
             <a:ln>
@@ -4711,7 +4593,7 @@
             </a:prstGeom>
             <a:solidFill>
               <a:schemeClr val="lt1">
-                <a:alpha val="6666"/>
+                <a:alpha val="6274"/>
               </a:schemeClr>
             </a:solidFill>
             <a:ln>
@@ -4835,7 +4717,7 @@
             </a:prstGeom>
             <a:solidFill>
               <a:schemeClr val="lt1">
-                <a:alpha val="6666"/>
+                <a:alpha val="6274"/>
               </a:schemeClr>
             </a:solidFill>
             <a:ln>
@@ -4898,7 +4780,7 @@
             </a:prstGeom>
             <a:solidFill>
               <a:schemeClr val="lt1">
-                <a:alpha val="6666"/>
+                <a:alpha val="6274"/>
               </a:schemeClr>
             </a:solidFill>
             <a:ln>
@@ -4961,7 +4843,7 @@
             </a:prstGeom>
             <a:solidFill>
               <a:schemeClr val="lt1">
-                <a:alpha val="6666"/>
+                <a:alpha val="6274"/>
               </a:schemeClr>
             </a:solidFill>
             <a:ln>
@@ -5024,7 +4906,7 @@
             </a:prstGeom>
             <a:solidFill>
               <a:schemeClr val="lt1">
-                <a:alpha val="6666"/>
+                <a:alpha val="6274"/>
               </a:schemeClr>
             </a:solidFill>
             <a:ln>
@@ -5087,7 +4969,7 @@
             </a:prstGeom>
             <a:solidFill>
               <a:schemeClr val="lt1">
-                <a:alpha val="6666"/>
+                <a:alpha val="6274"/>
               </a:schemeClr>
             </a:solidFill>
             <a:ln>
@@ -5211,7 +5093,7 @@
             </a:prstGeom>
             <a:solidFill>
               <a:schemeClr val="lt1">
-                <a:alpha val="6666"/>
+                <a:alpha val="6274"/>
               </a:schemeClr>
             </a:solidFill>
             <a:ln>
@@ -5274,7 +5156,7 @@
             </a:prstGeom>
             <a:solidFill>
               <a:schemeClr val="lt1">
-                <a:alpha val="6666"/>
+                <a:alpha val="6274"/>
               </a:schemeClr>
             </a:solidFill>
             <a:ln>
@@ -5337,7 +5219,7 @@
             </a:prstGeom>
             <a:solidFill>
               <a:schemeClr val="lt1">
-                <a:alpha val="6666"/>
+                <a:alpha val="6274"/>
               </a:schemeClr>
             </a:solidFill>
             <a:ln>
@@ -5400,7 +5282,7 @@
             </a:prstGeom>
             <a:solidFill>
               <a:schemeClr val="lt1">
-                <a:alpha val="6666"/>
+                <a:alpha val="6274"/>
               </a:schemeClr>
             </a:solidFill>
             <a:ln>
@@ -6843,7 +6725,7 @@
             </a:prstGeom>
             <a:solidFill>
               <a:schemeClr val="lt1">
-                <a:alpha val="2745"/>
+                <a:alpha val="2352"/>
               </a:schemeClr>
             </a:solidFill>
             <a:ln>
@@ -6906,7 +6788,7 @@
             </a:prstGeom>
             <a:solidFill>
               <a:schemeClr val="lt1">
-                <a:alpha val="2745"/>
+                <a:alpha val="2352"/>
               </a:schemeClr>
             </a:solidFill>
             <a:ln>
@@ -6969,7 +6851,7 @@
             </a:prstGeom>
             <a:solidFill>
               <a:schemeClr val="lt1">
-                <a:alpha val="6666"/>
+                <a:alpha val="6274"/>
               </a:schemeClr>
             </a:solidFill>
             <a:ln>
@@ -7032,7 +6914,7 @@
             </a:prstGeom>
             <a:solidFill>
               <a:schemeClr val="lt1">
-                <a:alpha val="6666"/>
+                <a:alpha val="6274"/>
               </a:schemeClr>
             </a:solidFill>
             <a:ln>
@@ -7095,7 +6977,7 @@
             </a:prstGeom>
             <a:solidFill>
               <a:schemeClr val="lt1">
-                <a:alpha val="6666"/>
+                <a:alpha val="6274"/>
               </a:schemeClr>
             </a:solidFill>
             <a:ln>
@@ -7158,7 +7040,7 @@
             </a:prstGeom>
             <a:solidFill>
               <a:schemeClr val="lt1">
-                <a:alpha val="6666"/>
+                <a:alpha val="6274"/>
               </a:schemeClr>
             </a:solidFill>
             <a:ln>
@@ -7221,7 +7103,7 @@
             </a:prstGeom>
             <a:solidFill>
               <a:schemeClr val="lt1">
-                <a:alpha val="6666"/>
+                <a:alpha val="6274"/>
               </a:schemeClr>
             </a:solidFill>
             <a:ln>
@@ -7345,7 +7227,7 @@
             </a:prstGeom>
             <a:solidFill>
               <a:schemeClr val="lt1">
-                <a:alpha val="6666"/>
+                <a:alpha val="6274"/>
               </a:schemeClr>
             </a:solidFill>
             <a:ln>
@@ -7408,7 +7290,7 @@
             </a:prstGeom>
             <a:solidFill>
               <a:schemeClr val="lt1">
-                <a:alpha val="6666"/>
+                <a:alpha val="6274"/>
               </a:schemeClr>
             </a:solidFill>
             <a:ln>
@@ -7471,7 +7353,7 @@
             </a:prstGeom>
             <a:solidFill>
               <a:schemeClr val="lt1">
-                <a:alpha val="6666"/>
+                <a:alpha val="6274"/>
               </a:schemeClr>
             </a:solidFill>
             <a:ln>
@@ -7534,7 +7416,7 @@
             </a:prstGeom>
             <a:solidFill>
               <a:schemeClr val="lt1">
-                <a:alpha val="6666"/>
+                <a:alpha val="6274"/>
               </a:schemeClr>
             </a:solidFill>
             <a:ln>
@@ -7597,7 +7479,7 @@
             </a:prstGeom>
             <a:solidFill>
               <a:schemeClr val="lt1">
-                <a:alpha val="6666"/>
+                <a:alpha val="6274"/>
               </a:schemeClr>
             </a:solidFill>
             <a:ln>
@@ -7721,7 +7603,7 @@
             </a:prstGeom>
             <a:solidFill>
               <a:schemeClr val="lt1">
-                <a:alpha val="6666"/>
+                <a:alpha val="6274"/>
               </a:schemeClr>
             </a:solidFill>
             <a:ln>
@@ -7784,7 +7666,7 @@
             </a:prstGeom>
             <a:solidFill>
               <a:schemeClr val="lt1">
-                <a:alpha val="6666"/>
+                <a:alpha val="6274"/>
               </a:schemeClr>
             </a:solidFill>
             <a:ln>
@@ -7847,7 +7729,7 @@
             </a:prstGeom>
             <a:solidFill>
               <a:schemeClr val="lt1">
-                <a:alpha val="6666"/>
+                <a:alpha val="6274"/>
               </a:schemeClr>
             </a:solidFill>
             <a:ln>
@@ -7910,7 +7792,7 @@
             </a:prstGeom>
             <a:solidFill>
               <a:schemeClr val="lt1">
-                <a:alpha val="6666"/>
+                <a:alpha val="6274"/>
               </a:schemeClr>
             </a:solidFill>
             <a:ln>
@@ -10551,7 +10433,7 @@
             </a:prstGeom>
             <a:solidFill>
               <a:schemeClr val="lt1">
-                <a:alpha val="2745"/>
+                <a:alpha val="2352"/>
               </a:schemeClr>
             </a:solidFill>
             <a:ln>
@@ -10614,7 +10496,7 @@
             </a:prstGeom>
             <a:solidFill>
               <a:schemeClr val="lt1">
-                <a:alpha val="2745"/>
+                <a:alpha val="2352"/>
               </a:schemeClr>
             </a:solidFill>
             <a:ln>
@@ -10677,7 +10559,7 @@
             </a:prstGeom>
             <a:solidFill>
               <a:schemeClr val="lt1">
-                <a:alpha val="6666"/>
+                <a:alpha val="6274"/>
               </a:schemeClr>
             </a:solidFill>
             <a:ln>
@@ -10740,7 +10622,7 @@
             </a:prstGeom>
             <a:solidFill>
               <a:schemeClr val="lt1">
-                <a:alpha val="6666"/>
+                <a:alpha val="6274"/>
               </a:schemeClr>
             </a:solidFill>
             <a:ln>
@@ -10803,7 +10685,7 @@
             </a:prstGeom>
             <a:solidFill>
               <a:schemeClr val="lt1">
-                <a:alpha val="6666"/>
+                <a:alpha val="6274"/>
               </a:schemeClr>
             </a:solidFill>
             <a:ln>
@@ -10866,7 +10748,7 @@
             </a:prstGeom>
             <a:solidFill>
               <a:schemeClr val="lt1">
-                <a:alpha val="6666"/>
+                <a:alpha val="6274"/>
               </a:schemeClr>
             </a:solidFill>
             <a:ln>
@@ -10929,7 +10811,7 @@
             </a:prstGeom>
             <a:solidFill>
               <a:schemeClr val="lt1">
-                <a:alpha val="6666"/>
+                <a:alpha val="6274"/>
               </a:schemeClr>
             </a:solidFill>
             <a:ln>
@@ -11053,7 +10935,7 @@
             </a:prstGeom>
             <a:solidFill>
               <a:schemeClr val="lt1">
-                <a:alpha val="6666"/>
+                <a:alpha val="6274"/>
               </a:schemeClr>
             </a:solidFill>
             <a:ln>
@@ -11116,7 +10998,7 @@
             </a:prstGeom>
             <a:solidFill>
               <a:schemeClr val="lt1">
-                <a:alpha val="6666"/>
+                <a:alpha val="6274"/>
               </a:schemeClr>
             </a:solidFill>
             <a:ln>
@@ -11179,7 +11061,7 @@
             </a:prstGeom>
             <a:solidFill>
               <a:schemeClr val="lt1">
-                <a:alpha val="6666"/>
+                <a:alpha val="6274"/>
               </a:schemeClr>
             </a:solidFill>
             <a:ln>
@@ -11242,7 +11124,7 @@
             </a:prstGeom>
             <a:solidFill>
               <a:schemeClr val="lt1">
-                <a:alpha val="6666"/>
+                <a:alpha val="6274"/>
               </a:schemeClr>
             </a:solidFill>
             <a:ln>
@@ -11305,7 +11187,7 @@
             </a:prstGeom>
             <a:solidFill>
               <a:schemeClr val="lt1">
-                <a:alpha val="6666"/>
+                <a:alpha val="6274"/>
               </a:schemeClr>
             </a:solidFill>
             <a:ln>
@@ -11429,7 +11311,7 @@
             </a:prstGeom>
             <a:solidFill>
               <a:schemeClr val="lt1">
-                <a:alpha val="6666"/>
+                <a:alpha val="6274"/>
               </a:schemeClr>
             </a:solidFill>
             <a:ln>
@@ -11492,7 +11374,7 @@
             </a:prstGeom>
             <a:solidFill>
               <a:schemeClr val="lt1">
-                <a:alpha val="6666"/>
+                <a:alpha val="6274"/>
               </a:schemeClr>
             </a:solidFill>
             <a:ln>
@@ -11555,7 +11437,7 @@
             </a:prstGeom>
             <a:solidFill>
               <a:schemeClr val="lt1">
-                <a:alpha val="6666"/>
+                <a:alpha val="6274"/>
               </a:schemeClr>
             </a:solidFill>
             <a:ln>
@@ -11618,7 +11500,7 @@
             </a:prstGeom>
             <a:solidFill>
               <a:schemeClr val="lt1">
-                <a:alpha val="6666"/>
+                <a:alpha val="6274"/>
               </a:schemeClr>
             </a:solidFill>
             <a:ln>
@@ -13065,7 +12947,7 @@
             </a:prstGeom>
             <a:solidFill>
               <a:schemeClr val="lt1">
-                <a:alpha val="9019"/>
+                <a:alpha val="8627"/>
               </a:schemeClr>
             </a:solidFill>
             <a:ln>
@@ -13128,7 +13010,7 @@
             </a:prstGeom>
             <a:solidFill>
               <a:schemeClr val="lt1">
-                <a:alpha val="9019"/>
+                <a:alpha val="8627"/>
               </a:schemeClr>
             </a:solidFill>
             <a:ln>
@@ -15152,7 +15034,7 @@
               <a:buNone/>
             </a:pPr>
             <a:r>
-              <a:rPr i="0" lang="en" sz="1400" u="none" cap="none" strike="noStrike">
+              <a:rPr b="0" i="0" lang="en" sz="1400" u="none" cap="none" strike="noStrike">
                 <a:solidFill>
                   <a:srgbClr val="FFFFFF"/>
                 </a:solidFill>
@@ -15163,7 +15045,7 @@
               </a:rPr>
               <a:t>Big Data Project</a:t>
             </a:r>
-            <a:endParaRPr i="0" sz="1400" u="none" cap="none" strike="noStrike">
+            <a:endParaRPr b="0" i="0" sz="1400" u="none" cap="none" strike="noStrike">
               <a:solidFill>
                 <a:srgbClr val="FFFFFF"/>
               </a:solidFill>
@@ -15194,7 +15076,7 @@
             <a:r>
               <a:t/>
             </a:r>
-            <a:endParaRPr i="0" sz="900" u="none" cap="none" strike="noStrike">
+            <a:endParaRPr b="0" i="0" sz="900" u="none" cap="none" strike="noStrike">
               <a:solidFill>
                 <a:srgbClr val="FFFFFF"/>
               </a:solidFill>
@@ -15225,7 +15107,7 @@
             <a:r>
               <a:t/>
             </a:r>
-            <a:endParaRPr i="0" sz="2400" u="none" cap="none" strike="noStrike">
+            <a:endParaRPr b="0" i="0" sz="2400" u="none" cap="none" strike="noStrike">
               <a:solidFill>
                 <a:srgbClr val="FFFFFF"/>
               </a:solidFill>
@@ -15254,7 +15136,7 @@
               <a:buNone/>
             </a:pPr>
             <a:r>
-              <a:rPr i="0" lang="en" sz="1600" u="none" cap="none" strike="noStrike">
+              <a:rPr b="0" i="0" lang="en" sz="1600" u="none" cap="none" strike="noStrike">
                 <a:solidFill>
                   <a:srgbClr val="FFFFFF"/>
                 </a:solidFill>
@@ -15265,7 +15147,7 @@
               </a:rPr>
               <a:t>A.Y. 2022 - 2023</a:t>
             </a:r>
-            <a:endParaRPr i="0" sz="4300" u="none" cap="none" strike="noStrike">
+            <a:endParaRPr b="0" i="0" sz="4300" u="none" cap="none" strike="noStrike">
               <a:solidFill>
                 <a:srgbClr val="FFFFFF"/>
               </a:solidFill>
@@ -15320,7 +15202,7 @@
               <a:buNone/>
             </a:pPr>
             <a:r>
-              <a:rPr i="0" lang="en" sz="1500" u="none" cap="none" strike="noStrike">
+              <a:rPr b="0" i="0" lang="en" sz="1500" u="none" cap="none" strike="noStrike">
                 <a:solidFill>
                   <a:srgbClr val="FFFFFF"/>
                 </a:solidFill>
@@ -15331,7 +15213,7 @@
               </a:rPr>
               <a:t>Danilo Corsi</a:t>
             </a:r>
-            <a:endParaRPr i="0" sz="1500" u="none" cap="none" strike="noStrike">
+            <a:endParaRPr b="0" i="0" sz="1500" u="none" cap="none" strike="noStrike">
               <a:solidFill>
                 <a:srgbClr val="FFFFFF"/>
               </a:solidFill>
@@ -15360,7 +15242,7 @@
               <a:buNone/>
             </a:pPr>
             <a:r>
-              <a:rPr i="0" lang="en" sz="1500" u="none" cap="none" strike="noStrike">
+              <a:rPr b="0" i="0" lang="en" sz="1500" u="none" cap="none" strike="noStrike">
                 <a:solidFill>
                   <a:srgbClr val="FFFFFF"/>
                 </a:solidFill>
@@ -15371,7 +15253,7 @@
               </a:rPr>
               <a:t>Matr. 1742375</a:t>
             </a:r>
-            <a:endParaRPr i="0" sz="2100" u="none" cap="none" strike="noStrike">
+            <a:endParaRPr b="0" i="0" sz="2100" u="none" cap="none" strike="noStrike">
               <a:solidFill>
                 <a:srgbClr val="FFFFFF"/>
               </a:solidFill>
@@ -15426,7 +15308,7 @@
               <a:buNone/>
             </a:pPr>
             <a:r>
-              <a:rPr i="0" lang="en" sz="1500" u="none" cap="none" strike="noStrike">
+              <a:rPr b="0" i="0" lang="en" sz="1500" u="none" cap="none" strike="noStrike">
                 <a:solidFill>
                   <a:srgbClr val="FFFFFF"/>
                 </a:solidFill>
@@ -15437,7 +15319,7 @@
               </a:rPr>
               <a:t>Faculty of Ingegneria dell'informazione, informatica e statistica</a:t>
             </a:r>
-            <a:endParaRPr i="0" sz="1500" u="none" cap="none" strike="noStrike">
+            <a:endParaRPr b="0" i="0" sz="1500" u="none" cap="none" strike="noStrike">
               <a:solidFill>
                 <a:srgbClr val="FFFFFF"/>
               </a:solidFill>
@@ -15466,7 +15348,7 @@
               <a:buNone/>
             </a:pPr>
             <a:r>
-              <a:rPr i="0" lang="en" sz="1500" u="none" cap="none" strike="noStrike">
+              <a:rPr b="0" i="0" lang="en" sz="1500" u="none" cap="none" strike="noStrike">
                 <a:solidFill>
                   <a:srgbClr val="FFFFFF"/>
                 </a:solidFill>
@@ -15477,7 +15359,7 @@
               </a:rPr>
               <a:t>Department of Informatica</a:t>
             </a:r>
-            <a:endParaRPr i="0" sz="1300" u="none" cap="none" strike="noStrike">
+            <a:endParaRPr b="0" i="0" sz="1300" u="none" cap="none" strike="noStrike">
               <a:solidFill>
                 <a:srgbClr val="000000"/>
               </a:solidFill>
@@ -15502,7 +15384,7 @@
   <p:cSld>
     <p:spTree>
       <p:nvGrpSpPr>
-        <p:cNvPr id="200" name="Shape 200"/>
+        <p:cNvPr id="202" name="Shape 202"/>
         <p:cNvGrpSpPr/>
         <p:nvPr/>
       </p:nvGrpSpPr>
@@ -15516,7 +15398,7 @@
       </p:grpSpPr>
       <p:sp>
         <p:nvSpPr>
-          <p:cNvPr id="201" name="Google Shape;201;g2a0c6f9b0a2_0_42"/>
+          <p:cNvPr id="203" name="Google Shape;203;g2a0c6f9b0a2_0_42"/>
           <p:cNvSpPr txBox="1"/>
           <p:nvPr>
             <p:ph idx="4294967295" type="title"/>
@@ -15564,7 +15446,7 @@
       </p:sp>
       <p:sp>
         <p:nvSpPr>
-          <p:cNvPr id="202" name="Google Shape;202;g2a0c6f9b0a2_0_42"/>
+          <p:cNvPr id="204" name="Google Shape;204;g2a0c6f9b0a2_0_42"/>
           <p:cNvSpPr txBox="1"/>
           <p:nvPr>
             <p:ph idx="4294967295" type="body"/>
@@ -15590,6 +15472,9 @@
           <a:lstStyle/>
           <a:p>
             <a:pPr indent="-323850" lvl="0" marL="457200" rtl="0" algn="l">
+              <a:lnSpc>
+                <a:spcPct val="115000"/>
+              </a:lnSpc>
               <a:spcBef>
                 <a:spcPts val="0"/>
               </a:spcBef>
@@ -15617,6 +15502,9 @@
           </a:p>
           <a:p>
             <a:pPr indent="-323850" lvl="1" marL="914400" rtl="0" algn="l">
+              <a:lnSpc>
+                <a:spcPct val="115000"/>
+              </a:lnSpc>
               <a:spcBef>
                 <a:spcPts val="0"/>
               </a:spcBef>
@@ -15644,6 +15532,9 @@
           </a:p>
           <a:p>
             <a:pPr indent="-323850" lvl="1" marL="914400" rtl="0" algn="l">
+              <a:lnSpc>
+                <a:spcPct val="115000"/>
+              </a:lnSpc>
               <a:spcBef>
                 <a:spcPts val="0"/>
               </a:spcBef>
@@ -15671,6 +15562,9 @@
           </a:p>
           <a:p>
             <a:pPr indent="-323850" lvl="1" marL="914400" rtl="0" algn="l">
+              <a:lnSpc>
+                <a:spcPct val="115000"/>
+              </a:lnSpc>
               <a:spcBef>
                 <a:spcPts val="0"/>
               </a:spcBef>
@@ -15698,6 +15592,9 @@
           </a:p>
           <a:p>
             <a:pPr indent="-323850" lvl="1" marL="914400" rtl="0" algn="l">
+              <a:lnSpc>
+                <a:spcPct val="115000"/>
+              </a:lnSpc>
               <a:spcBef>
                 <a:spcPts val="0"/>
               </a:spcBef>
@@ -15725,6 +15622,9 @@
           </a:p>
           <a:p>
             <a:pPr indent="-323850" lvl="0" marL="457200" rtl="0" algn="l">
+              <a:lnSpc>
+                <a:spcPct val="115000"/>
+              </a:lnSpc>
               <a:spcBef>
                 <a:spcPts val="0"/>
               </a:spcBef>
@@ -15752,6 +15652,9 @@
           </a:p>
           <a:p>
             <a:pPr indent="-323850" lvl="1" marL="914400" rtl="0" algn="l">
+              <a:lnSpc>
+                <a:spcPct val="115000"/>
+              </a:lnSpc>
               <a:spcBef>
                 <a:spcPts val="0"/>
               </a:spcBef>
@@ -15779,6 +15682,9 @@
           </a:p>
           <a:p>
             <a:pPr indent="-323850" lvl="1" marL="914400" rtl="0" algn="l">
+              <a:lnSpc>
+                <a:spcPct val="115000"/>
+              </a:lnSpc>
               <a:spcBef>
                 <a:spcPts val="0"/>
               </a:spcBef>
@@ -15806,6 +15712,9 @@
           </a:p>
           <a:p>
             <a:pPr indent="-323850" lvl="1" marL="914400" rtl="0" algn="l">
+              <a:lnSpc>
+                <a:spcPct val="115000"/>
+              </a:lnSpc>
               <a:spcBef>
                 <a:spcPts val="0"/>
               </a:spcBef>
@@ -15833,6 +15742,9 @@
           </a:p>
           <a:p>
             <a:pPr indent="-323850" lvl="1" marL="914400" rtl="0" algn="l">
+              <a:lnSpc>
+                <a:spcPct val="115000"/>
+              </a:lnSpc>
               <a:spcBef>
                 <a:spcPts val="0"/>
               </a:spcBef>
@@ -15860,6 +15772,9 @@
           </a:p>
           <a:p>
             <a:pPr indent="-323850" lvl="1" marL="914400" rtl="0" algn="l">
+              <a:lnSpc>
+                <a:spcPct val="115000"/>
+              </a:lnSpc>
               <a:spcBef>
                 <a:spcPts val="0"/>
               </a:spcBef>
@@ -15887,6 +15802,9 @@
           </a:p>
           <a:p>
             <a:pPr indent="-323850" lvl="1" marL="914400" rtl="0" algn="l">
+              <a:lnSpc>
+                <a:spcPct val="115000"/>
+              </a:lnSpc>
               <a:spcBef>
                 <a:spcPts val="0"/>
               </a:spcBef>
@@ -15916,7 +15834,7 @@
       </p:sp>
       <p:sp>
         <p:nvSpPr>
-          <p:cNvPr id="203" name="Google Shape;203;g2a0c6f9b0a2_0_42"/>
+          <p:cNvPr id="205" name="Google Shape;205;g2a0c6f9b0a2_0_42"/>
           <p:cNvSpPr txBox="1"/>
           <p:nvPr>
             <p:ph idx="12" type="sldNum"/>
@@ -15975,7 +15893,7 @@
   <p:cSld>
     <p:spTree>
       <p:nvGrpSpPr>
-        <p:cNvPr id="207" name="Shape 207"/>
+        <p:cNvPr id="209" name="Shape 209"/>
         <p:cNvGrpSpPr/>
         <p:nvPr/>
       </p:nvGrpSpPr>
@@ -15989,7 +15907,7 @@
       </p:grpSpPr>
       <p:sp>
         <p:nvSpPr>
-          <p:cNvPr id="208" name="Google Shape;208;g2a0c6f9b0a2_0_54"/>
+          <p:cNvPr id="210" name="Google Shape;210;g26e1760ff98_1_67"/>
           <p:cNvSpPr txBox="1"/>
           <p:nvPr>
             <p:ph idx="4294967295" type="title"/>
@@ -16037,7 +15955,7 @@
       </p:sp>
       <p:sp>
         <p:nvSpPr>
-          <p:cNvPr id="209" name="Google Shape;209;g2a0c6f9b0a2_0_54"/>
+          <p:cNvPr id="211" name="Google Shape;211;g26e1760ff98_1_67"/>
           <p:cNvSpPr txBox="1"/>
           <p:nvPr>
             <p:ph idx="4294967295" type="body"/>
@@ -16046,7 +15964,7 @@
         <p:spPr>
           <a:xfrm>
             <a:off x="311700" y="945300"/>
-            <a:ext cx="8520600" cy="3849900"/>
+            <a:ext cx="8520600" cy="4048200"/>
           </a:xfrm>
           <a:prstGeom prst="rect">
             <a:avLst/>
@@ -16063,6 +15981,9 @@
           <a:lstStyle/>
           <a:p>
             <a:pPr indent="-323850" lvl="0" marL="457200" rtl="0" algn="l">
+              <a:lnSpc>
+                <a:spcPct val="115000"/>
+              </a:lnSpc>
               <a:spcBef>
                 <a:spcPts val="0"/>
               </a:spcBef>
@@ -16072,6 +15993,15 @@
               <a:buSzPts val="1500"/>
               <a:buChar char="●"/>
             </a:pPr>
+            <a:r>
+              <a:rPr lang="en" sz="1500">
+                <a:latin typeface="Montserrat"/>
+                <a:ea typeface="Montserrat"/>
+                <a:cs typeface="Montserrat"/>
+                <a:sym typeface="Montserrat"/>
+              </a:rPr>
+              <a:t>Another metric, </a:t>
+            </a:r>
             <a:r>
               <a:rPr b="1" lang="en" sz="1500">
                 <a:latin typeface="Montserrat"/>
@@ -16079,7 +16009,7 @@
                 <a:cs typeface="Montserrat"/>
                 <a:sym typeface="Montserrat"/>
               </a:rPr>
-              <a:t>ML models:</a:t>
+              <a:t>Accuracy</a:t>
             </a:r>
             <a:endParaRPr b="1" sz="1500">
               <a:latin typeface="Montserrat"/>
@@ -16089,7 +16019,40 @@
             </a:endParaRPr>
           </a:p>
           <a:p>
+            <a:pPr indent="-323850" lvl="0" marL="457200" rtl="0" algn="l">
+              <a:lnSpc>
+                <a:spcPct val="115000"/>
+              </a:lnSpc>
+              <a:spcBef>
+                <a:spcPts val="0"/>
+              </a:spcBef>
+              <a:spcAft>
+                <a:spcPts val="0"/>
+              </a:spcAft>
+              <a:buSzPts val="1500"/>
+              <a:buChar char="●"/>
+            </a:pPr>
+            <a:r>
+              <a:rPr lang="en" sz="1500">
+                <a:latin typeface="Montserrat"/>
+                <a:ea typeface="Montserrat"/>
+                <a:cs typeface="Montserrat"/>
+                <a:sym typeface="Montserrat"/>
+              </a:rPr>
+              <a:t>See how good the models are at predicting whether the price will go up or down in this way:</a:t>
+            </a:r>
+            <a:endParaRPr sz="1500">
+              <a:latin typeface="Montserrat"/>
+              <a:ea typeface="Montserrat"/>
+              <a:cs typeface="Montserrat"/>
+              <a:sym typeface="Montserrat"/>
+            </a:endParaRPr>
+          </a:p>
+          <a:p>
             <a:pPr indent="-323850" lvl="1" marL="914400" rtl="0" algn="l">
+              <a:lnSpc>
+                <a:spcPct val="115000"/>
+              </a:lnSpc>
               <a:spcBef>
                 <a:spcPts val="0"/>
               </a:spcBef>
@@ -16106,7 +16069,7 @@
                 <a:cs typeface="Montserrat"/>
                 <a:sym typeface="Montserrat"/>
               </a:rPr>
-              <a:t>Linear Regression</a:t>
+              <a:t>Consider the actual market-price, next-market-price and our predicted next-market-price</a:t>
             </a:r>
             <a:endParaRPr sz="1500">
               <a:latin typeface="Montserrat"/>
@@ -16117,6 +16080,9 @@
           </a:p>
           <a:p>
             <a:pPr indent="-323850" lvl="1" marL="914400" rtl="0" algn="l">
+              <a:lnSpc>
+                <a:spcPct val="115000"/>
+              </a:lnSpc>
               <a:spcBef>
                 <a:spcPts val="0"/>
               </a:spcBef>
@@ -16133,7 +16099,7 @@
                 <a:cs typeface="Montserrat"/>
                 <a:sym typeface="Montserrat"/>
               </a:rPr>
-              <a:t>Generalized Linear Regression</a:t>
+              <a:t>Compute whether the current prediction is correct (1) or not (0)</a:t>
             </a:r>
             <a:endParaRPr sz="1500">
               <a:latin typeface="Montserrat"/>
@@ -16144,6 +16110,9 @@
           </a:p>
           <a:p>
             <a:pPr indent="-323850" lvl="1" marL="914400" rtl="0" algn="l">
+              <a:lnSpc>
+                <a:spcPct val="115000"/>
+              </a:lnSpc>
               <a:spcBef>
                 <a:spcPts val="0"/>
               </a:spcBef>
@@ -16160,7 +16129,7 @@
                 <a:cs typeface="Montserrat"/>
                 <a:sym typeface="Montserrat"/>
               </a:rPr>
-              <a:t>Random Forest Regressor</a:t>
+              <a:t>Count the number of correct prediction</a:t>
             </a:r>
             <a:endParaRPr sz="1500">
               <a:latin typeface="Montserrat"/>
@@ -16171,6 +16140,9 @@
           </a:p>
           <a:p>
             <a:pPr indent="-323850" lvl="1" marL="914400" rtl="0" algn="l">
+              <a:lnSpc>
+                <a:spcPct val="115000"/>
+              </a:lnSpc>
               <a:spcBef>
                 <a:spcPts val="0"/>
               </a:spcBef>
@@ -16187,196 +16159,7 @@
                 <a:cs typeface="Montserrat"/>
                 <a:sym typeface="Montserrat"/>
               </a:rPr>
-              <a:t>Gradient Boosting Tree Regressor</a:t>
-            </a:r>
-            <a:endParaRPr sz="1500">
-              <a:latin typeface="Montserrat"/>
-              <a:ea typeface="Montserrat"/>
-              <a:cs typeface="Montserrat"/>
-              <a:sym typeface="Montserrat"/>
-            </a:endParaRPr>
-          </a:p>
-          <a:p>
-            <a:pPr indent="-323850" lvl="0" marL="457200" rtl="0" algn="l">
-              <a:spcBef>
-                <a:spcPts val="0"/>
-              </a:spcBef>
-              <a:spcAft>
-                <a:spcPts val="0"/>
-              </a:spcAft>
-              <a:buSzPts val="1500"/>
-              <a:buChar char="●"/>
-            </a:pPr>
-            <a:r>
-              <a:rPr b="1" lang="en" sz="1500">
-                <a:latin typeface="Montserrat"/>
-                <a:ea typeface="Montserrat"/>
-                <a:cs typeface="Montserrat"/>
-                <a:sym typeface="Montserrat"/>
-              </a:rPr>
-              <a:t>Metrics:</a:t>
-            </a:r>
-            <a:endParaRPr b="1" sz="1500">
-              <a:latin typeface="Montserrat"/>
-              <a:ea typeface="Montserrat"/>
-              <a:cs typeface="Montserrat"/>
-              <a:sym typeface="Montserrat"/>
-            </a:endParaRPr>
-          </a:p>
-          <a:p>
-            <a:pPr indent="-323850" lvl="1" marL="914400" rtl="0" algn="l">
-              <a:spcBef>
-                <a:spcPts val="0"/>
-              </a:spcBef>
-              <a:spcAft>
-                <a:spcPts val="0"/>
-              </a:spcAft>
-              <a:buSzPts val="1500"/>
-              <a:buChar char="○"/>
-            </a:pPr>
-            <a:r>
-              <a:rPr lang="en" sz="1500">
-                <a:latin typeface="Montserrat"/>
-                <a:ea typeface="Montserrat"/>
-                <a:cs typeface="Montserrat"/>
-                <a:sym typeface="Montserrat"/>
-              </a:rPr>
-              <a:t>RMSE (Root Mean Squared Error)</a:t>
-            </a:r>
-            <a:endParaRPr sz="1500">
-              <a:latin typeface="Montserrat"/>
-              <a:ea typeface="Montserrat"/>
-              <a:cs typeface="Montserrat"/>
-              <a:sym typeface="Montserrat"/>
-            </a:endParaRPr>
-          </a:p>
-          <a:p>
-            <a:pPr indent="-323850" lvl="1" marL="914400" rtl="0" algn="l">
-              <a:spcBef>
-                <a:spcPts val="0"/>
-              </a:spcBef>
-              <a:spcAft>
-                <a:spcPts val="0"/>
-              </a:spcAft>
-              <a:buSzPts val="1500"/>
-              <a:buChar char="○"/>
-            </a:pPr>
-            <a:r>
-              <a:rPr lang="en" sz="1500">
-                <a:latin typeface="Montserrat"/>
-                <a:ea typeface="Montserrat"/>
-                <a:cs typeface="Montserrat"/>
-                <a:sym typeface="Montserrat"/>
-              </a:rPr>
-              <a:t>MSE (Mean Squared Error)</a:t>
-            </a:r>
-            <a:endParaRPr sz="1500">
-              <a:latin typeface="Montserrat"/>
-              <a:ea typeface="Montserrat"/>
-              <a:cs typeface="Montserrat"/>
-              <a:sym typeface="Montserrat"/>
-            </a:endParaRPr>
-          </a:p>
-          <a:p>
-            <a:pPr indent="-323850" lvl="1" marL="914400" rtl="0" algn="l">
-              <a:spcBef>
-                <a:spcPts val="0"/>
-              </a:spcBef>
-              <a:spcAft>
-                <a:spcPts val="0"/>
-              </a:spcAft>
-              <a:buSzPts val="1500"/>
-              <a:buChar char="○"/>
-            </a:pPr>
-            <a:r>
-              <a:rPr lang="en" sz="1500">
-                <a:latin typeface="Montserrat"/>
-                <a:ea typeface="Montserrat"/>
-                <a:cs typeface="Montserrat"/>
-                <a:sym typeface="Montserrat"/>
-              </a:rPr>
-              <a:t>MAE (Mean Absolute Error)</a:t>
-            </a:r>
-            <a:endParaRPr sz="1500">
-              <a:latin typeface="Montserrat"/>
-              <a:ea typeface="Montserrat"/>
-              <a:cs typeface="Montserrat"/>
-              <a:sym typeface="Montserrat"/>
-            </a:endParaRPr>
-          </a:p>
-          <a:p>
-            <a:pPr indent="-323850" lvl="1" marL="914400" rtl="0" algn="l">
-              <a:spcBef>
-                <a:spcPts val="0"/>
-              </a:spcBef>
-              <a:spcAft>
-                <a:spcPts val="0"/>
-              </a:spcAft>
-              <a:buSzPts val="1500"/>
-              <a:buChar char="○"/>
-            </a:pPr>
-            <a:r>
-              <a:rPr lang="en" sz="1500">
-                <a:latin typeface="Montserrat"/>
-                <a:ea typeface="Montserrat"/>
-                <a:cs typeface="Montserrat"/>
-                <a:sym typeface="Montserrat"/>
-              </a:rPr>
-              <a:t>MAPE (Mean Absolute Percentage Error)</a:t>
-            </a:r>
-            <a:endParaRPr sz="1500">
-              <a:latin typeface="Montserrat"/>
-              <a:ea typeface="Montserrat"/>
-              <a:cs typeface="Montserrat"/>
-              <a:sym typeface="Montserrat"/>
-            </a:endParaRPr>
-          </a:p>
-          <a:p>
-            <a:pPr indent="-323850" lvl="1" marL="914400" rtl="0" algn="l">
-              <a:spcBef>
-                <a:spcPts val="0"/>
-              </a:spcBef>
-              <a:spcAft>
-                <a:spcPts val="0"/>
-              </a:spcAft>
-              <a:buSzPts val="1500"/>
-              <a:buChar char="○"/>
-            </a:pPr>
-            <a:r>
-              <a:rPr lang="en" sz="1500">
-                <a:latin typeface="Montserrat"/>
-                <a:ea typeface="Montserrat"/>
-                <a:cs typeface="Montserrat"/>
-                <a:sym typeface="Montserrat"/>
-              </a:rPr>
-              <a:t>R2 (R-squared)</a:t>
-            </a:r>
-            <a:endParaRPr sz="1500">
-              <a:latin typeface="Montserrat"/>
-              <a:ea typeface="Montserrat"/>
-              <a:cs typeface="Montserrat"/>
-              <a:sym typeface="Montserrat"/>
-            </a:endParaRPr>
-          </a:p>
-          <a:p>
-            <a:pPr indent="-323850" lvl="1" marL="914400" rtl="0" algn="l">
-              <a:spcBef>
-                <a:spcPts val="0"/>
-              </a:spcBef>
-              <a:spcAft>
-                <a:spcPts val="0"/>
-              </a:spcAft>
-              <a:buSzPts val="1500"/>
-              <a:buChar char="○"/>
-            </a:pPr>
-            <a:r>
-              <a:rPr lang="en" sz="1500">
-                <a:latin typeface="Montserrat"/>
-                <a:ea typeface="Montserrat"/>
-                <a:cs typeface="Montserrat"/>
-                <a:sym typeface="Montserrat"/>
-              </a:rPr>
-              <a:t>Adjusted R2</a:t>
+              <a:t>Compute the percentage of accuracy of the model</a:t>
             </a:r>
             <a:endParaRPr sz="1500">
               <a:latin typeface="Montserrat"/>
@@ -16389,7 +16172,7 @@
       </p:sp>
       <p:sp>
         <p:nvSpPr>
-          <p:cNvPr id="210" name="Google Shape;210;g2a0c6f9b0a2_0_54"/>
+          <p:cNvPr id="212" name="Google Shape;212;g26e1760ff98_1_67"/>
           <p:cNvSpPr txBox="1"/>
           <p:nvPr>
             <p:ph idx="12" type="sldNum"/>
@@ -16448,7 +16231,7 @@
   <p:cSld>
     <p:spTree>
       <p:nvGrpSpPr>
-        <p:cNvPr id="214" name="Shape 214"/>
+        <p:cNvPr id="216" name="Shape 216"/>
         <p:cNvGrpSpPr/>
         <p:nvPr/>
       </p:nvGrpSpPr>
@@ -16462,7 +16245,7 @@
       </p:grpSpPr>
       <p:sp>
         <p:nvSpPr>
-          <p:cNvPr id="215" name="Google Shape;215;g26e1760ff98_1_67"/>
+          <p:cNvPr id="217" name="Google Shape;217;g2a0c6f9b0a2_0_61"/>
           <p:cNvSpPr txBox="1"/>
           <p:nvPr>
             <p:ph idx="4294967295" type="title"/>
@@ -16488,6 +16271,9 @@
           <a:lstStyle/>
           <a:p>
             <a:pPr indent="0" lvl="0" marL="0" rtl="0" algn="l">
+              <a:lnSpc>
+                <a:spcPct val="100000"/>
+              </a:lnSpc>
               <a:spcBef>
                 <a:spcPts val="0"/>
               </a:spcBef>
@@ -16507,7 +16293,7 @@
       </p:sp>
       <p:sp>
         <p:nvSpPr>
-          <p:cNvPr id="216" name="Google Shape;216;g26e1760ff98_1_67"/>
+          <p:cNvPr id="218" name="Google Shape;218;g2a0c6f9b0a2_0_61"/>
           <p:cNvSpPr txBox="1"/>
           <p:nvPr>
             <p:ph idx="4294967295" type="body"/>
@@ -16533,25 +16319,37 @@
           <a:lstStyle/>
           <a:p>
             <a:pPr indent="-323850" lvl="0" marL="457200" rtl="0" algn="l">
-              <a:spcBef>
-                <a:spcPts val="0"/>
-              </a:spcBef>
-              <a:spcAft>
-                <a:spcPts val="0"/>
-              </a:spcAft>
+              <a:lnSpc>
+                <a:spcPct val="115000"/>
+              </a:lnSpc>
+              <a:spcBef>
+                <a:spcPts val="0"/>
+              </a:spcBef>
+              <a:spcAft>
+                <a:spcPts val="0"/>
+              </a:spcAft>
+              <a:buClr>
+                <a:srgbClr val="FFFFFF"/>
+              </a:buClr>
               <a:buSzPts val="1500"/>
               <a:buChar char="●"/>
             </a:pPr>
             <a:r>
               <a:rPr lang="en" sz="1500">
+                <a:solidFill>
+                  <a:srgbClr val="FFFFFF"/>
+                </a:solidFill>
                 <a:latin typeface="Montserrat"/>
                 <a:ea typeface="Montserrat"/>
                 <a:cs typeface="Montserrat"/>
                 <a:sym typeface="Montserrat"/>
               </a:rPr>
-              <a:t>See how good the models are at predicting whether the price will go up or down in this way:</a:t>
+              <a:t>Train / validation pipeline:</a:t>
             </a:r>
             <a:endParaRPr sz="1500">
+              <a:solidFill>
+                <a:srgbClr val="FFFFFF"/>
+              </a:solidFill>
               <a:latin typeface="Montserrat"/>
               <a:ea typeface="Montserrat"/>
               <a:cs typeface="Montserrat"/>
@@ -16560,25 +16358,49 @@
           </a:p>
           <a:p>
             <a:pPr indent="-323850" lvl="1" marL="914400" rtl="0" algn="l">
-              <a:spcBef>
-                <a:spcPts val="0"/>
-              </a:spcBef>
-              <a:spcAft>
-                <a:spcPts val="0"/>
-              </a:spcAft>
+              <a:lnSpc>
+                <a:spcPct val="115000"/>
+              </a:lnSpc>
+              <a:spcBef>
+                <a:spcPts val="0"/>
+              </a:spcBef>
+              <a:spcAft>
+                <a:spcPts val="0"/>
+              </a:spcAft>
+              <a:buClr>
+                <a:srgbClr val="FFFFFF"/>
+              </a:buClr>
               <a:buSzPts val="1500"/>
               <a:buChar char="○"/>
             </a:pPr>
             <a:r>
-              <a:rPr lang="en" sz="1500">
+              <a:rPr b="1" lang="en" sz="1500">
+                <a:solidFill>
+                  <a:srgbClr val="FFFFFF"/>
+                </a:solidFill>
                 <a:latin typeface="Montserrat"/>
                 <a:ea typeface="Montserrat"/>
                 <a:cs typeface="Montserrat"/>
                 <a:sym typeface="Montserrat"/>
               </a:rPr>
-              <a:t>Consider the actual market-price, next-market-price and our predicted next-market-price</a:t>
+              <a:t>Default without normalization:</a:t>
+            </a:r>
+            <a:r>
+              <a:rPr lang="en" sz="1500">
+                <a:solidFill>
+                  <a:srgbClr val="FFFFFF"/>
+                </a:solidFill>
+                <a:latin typeface="Montserrat"/>
+                <a:ea typeface="Montserrat"/>
+                <a:cs typeface="Montserrat"/>
+                <a:sym typeface="Montserrat"/>
+              </a:rPr>
+              <a:t> make predictions using the base model</a:t>
             </a:r>
             <a:endParaRPr sz="1500">
+              <a:solidFill>
+                <a:srgbClr val="FFFFFF"/>
+              </a:solidFill>
               <a:latin typeface="Montserrat"/>
               <a:ea typeface="Montserrat"/>
               <a:cs typeface="Montserrat"/>
@@ -16587,25 +16409,139 @@
           </a:p>
           <a:p>
             <a:pPr indent="-323850" lvl="1" marL="914400" rtl="0" algn="l">
-              <a:spcBef>
-                <a:spcPts val="0"/>
-              </a:spcBef>
-              <a:spcAft>
-                <a:spcPts val="0"/>
-              </a:spcAft>
+              <a:lnSpc>
+                <a:spcPct val="115000"/>
+              </a:lnSpc>
+              <a:spcBef>
+                <a:spcPts val="0"/>
+              </a:spcBef>
+              <a:spcAft>
+                <a:spcPts val="0"/>
+              </a:spcAft>
+              <a:buClr>
+                <a:srgbClr val="FFFFFF"/>
+              </a:buClr>
               <a:buSzPts val="1500"/>
               <a:buChar char="○"/>
             </a:pPr>
             <a:r>
-              <a:rPr lang="en" sz="1500">
+              <a:rPr b="1" lang="en" sz="1500">
+                <a:solidFill>
+                  <a:srgbClr val="FFFFFF"/>
+                </a:solidFill>
                 <a:latin typeface="Montserrat"/>
                 <a:ea typeface="Montserrat"/>
                 <a:cs typeface="Montserrat"/>
                 <a:sym typeface="Montserrat"/>
               </a:rPr>
-              <a:t>I compute whether the current prediction is correct (1) or not (0)</a:t>
+              <a:t>Default with normalization:</a:t>
+            </a:r>
+            <a:r>
+              <a:rPr lang="en" sz="1500">
+                <a:solidFill>
+                  <a:srgbClr val="FFFFFF"/>
+                </a:solidFill>
+                <a:latin typeface="Montserrat"/>
+                <a:ea typeface="Montserrat"/>
+                <a:cs typeface="Montserrat"/>
+                <a:sym typeface="Montserrat"/>
+              </a:rPr>
+              <a:t> like the previous one but features are normalized</a:t>
             </a:r>
             <a:endParaRPr sz="1500">
+              <a:solidFill>
+                <a:srgbClr val="FFFFFF"/>
+              </a:solidFill>
+              <a:latin typeface="Montserrat"/>
+              <a:ea typeface="Montserrat"/>
+              <a:cs typeface="Montserrat"/>
+              <a:sym typeface="Montserrat"/>
+            </a:endParaRPr>
+          </a:p>
+          <a:p>
+            <a:pPr indent="-323850" lvl="0" marL="457200" rtl="0" algn="l">
+              <a:lnSpc>
+                <a:spcPct val="115000"/>
+              </a:lnSpc>
+              <a:spcBef>
+                <a:spcPts val="0"/>
+              </a:spcBef>
+              <a:spcAft>
+                <a:spcPts val="0"/>
+              </a:spcAft>
+              <a:buClr>
+                <a:srgbClr val="FFFFFF"/>
+              </a:buClr>
+              <a:buSzPts val="1500"/>
+              <a:buChar char="●"/>
+            </a:pPr>
+            <a:r>
+              <a:rPr lang="en" sz="1500">
+                <a:solidFill>
+                  <a:srgbClr val="FFFFFF"/>
+                </a:solidFill>
+                <a:latin typeface="Montserrat"/>
+                <a:ea typeface="Montserrat"/>
+                <a:cs typeface="Montserrat"/>
+                <a:sym typeface="Montserrat"/>
+              </a:rPr>
+              <a:t>Features that gave on average the most satisfactory results (for each model) are chosen</a:t>
+            </a:r>
+            <a:endParaRPr sz="1500">
+              <a:solidFill>
+                <a:srgbClr val="FFFFFF"/>
+              </a:solidFill>
+              <a:latin typeface="Montserrat"/>
+              <a:ea typeface="Montserrat"/>
+              <a:cs typeface="Montserrat"/>
+              <a:sym typeface="Montserrat"/>
+            </a:endParaRPr>
+          </a:p>
+          <a:p>
+            <a:pPr indent="-323850" lvl="0" marL="457200" rtl="0" algn="l">
+              <a:lnSpc>
+                <a:spcPct val="115000"/>
+              </a:lnSpc>
+              <a:spcBef>
+                <a:spcPts val="0"/>
+              </a:spcBef>
+              <a:spcAft>
+                <a:spcPts val="0"/>
+              </a:spcAft>
+              <a:buClr>
+                <a:srgbClr val="FFFFFF"/>
+              </a:buClr>
+              <a:buSzPts val="1500"/>
+              <a:buChar char="●"/>
+            </a:pPr>
+            <a:r>
+              <a:rPr b="1" lang="en" sz="1500">
+                <a:solidFill>
+                  <a:srgbClr val="FFFFFF"/>
+                </a:solidFill>
+                <a:latin typeface="Montserrat"/>
+                <a:ea typeface="Montserrat"/>
+                <a:cs typeface="Montserrat"/>
+                <a:sym typeface="Montserrat"/>
+              </a:rPr>
+              <a:t>Hyperparameter tuning:</a:t>
+            </a:r>
+            <a:r>
+              <a:rPr lang="en" sz="1500">
+                <a:solidFill>
+                  <a:srgbClr val="FFFFFF"/>
+                </a:solidFill>
+                <a:latin typeface="Montserrat"/>
+                <a:ea typeface="Montserrat"/>
+                <a:cs typeface="Montserrat"/>
+                <a:sym typeface="Montserrat"/>
+              </a:rPr>
+              <a:t> finding the best model’s parameters to use</a:t>
+            </a:r>
+            <a:endParaRPr sz="1500">
+              <a:solidFill>
+                <a:srgbClr val="FFFFFF"/>
+              </a:solidFill>
               <a:latin typeface="Montserrat"/>
               <a:ea typeface="Montserrat"/>
               <a:cs typeface="Montserrat"/>
@@ -16614,25 +16550,37 @@
           </a:p>
           <a:p>
             <a:pPr indent="-323850" lvl="1" marL="914400" rtl="0" algn="l">
-              <a:spcBef>
-                <a:spcPts val="0"/>
-              </a:spcBef>
-              <a:spcAft>
-                <a:spcPts val="0"/>
-              </a:spcAft>
+              <a:lnSpc>
+                <a:spcPct val="115000"/>
+              </a:lnSpc>
+              <a:spcBef>
+                <a:spcPts val="0"/>
+              </a:spcBef>
+              <a:spcAft>
+                <a:spcPts val="0"/>
+              </a:spcAft>
+              <a:buClr>
+                <a:srgbClr val="FFFFFF"/>
+              </a:buClr>
               <a:buSzPts val="1500"/>
               <a:buChar char="○"/>
             </a:pPr>
             <a:r>
               <a:rPr lang="en" sz="1500">
+                <a:solidFill>
+                  <a:srgbClr val="FFFFFF"/>
+                </a:solidFill>
                 <a:latin typeface="Montserrat"/>
                 <a:ea typeface="Montserrat"/>
                 <a:cs typeface="Montserrat"/>
                 <a:sym typeface="Montserrat"/>
               </a:rPr>
-              <a:t>Count the number of correct prediction</a:t>
+              <a:t>Block split / Walk forward split method will be used</a:t>
             </a:r>
             <a:endParaRPr sz="1500">
+              <a:solidFill>
+                <a:srgbClr val="FFFFFF"/>
+              </a:solidFill>
               <a:latin typeface="Montserrat"/>
               <a:ea typeface="Montserrat"/>
               <a:cs typeface="Montserrat"/>
@@ -16641,25 +16589,194 @@
           </a:p>
           <a:p>
             <a:pPr indent="-323850" lvl="1" marL="914400" rtl="0" algn="l">
-              <a:spcBef>
-                <a:spcPts val="0"/>
-              </a:spcBef>
-              <a:spcAft>
-                <a:spcPts val="0"/>
-              </a:spcAft>
+              <a:lnSpc>
+                <a:spcPct val="115000"/>
+              </a:lnSpc>
+              <a:spcBef>
+                <a:spcPts val="0"/>
+              </a:spcBef>
+              <a:spcAft>
+                <a:spcPts val="0"/>
+              </a:spcAft>
+              <a:buClr>
+                <a:srgbClr val="FFFFFF"/>
+              </a:buClr>
               <a:buSzPts val="1500"/>
               <a:buChar char="○"/>
             </a:pPr>
             <a:r>
               <a:rPr lang="en" sz="1500">
+                <a:solidFill>
+                  <a:srgbClr val="FFFFFF"/>
+                </a:solidFill>
                 <a:latin typeface="Montserrat"/>
                 <a:ea typeface="Montserrat"/>
                 <a:cs typeface="Montserrat"/>
                 <a:sym typeface="Montserrat"/>
               </a:rPr>
-              <a:t>Compute the percentage of accuracy of the model</a:t>
+              <a:t>Compute a score for each parameter chosen by each split, assigning weights based on:</a:t>
             </a:r>
             <a:endParaRPr sz="1500">
+              <a:solidFill>
+                <a:srgbClr val="FFFFFF"/>
+              </a:solidFill>
+              <a:latin typeface="Montserrat"/>
+              <a:ea typeface="Montserrat"/>
+              <a:cs typeface="Montserrat"/>
+              <a:sym typeface="Montserrat"/>
+            </a:endParaRPr>
+          </a:p>
+          <a:p>
+            <a:pPr indent="-323850" lvl="2" marL="1371600" rtl="0" algn="l">
+              <a:lnSpc>
+                <a:spcPct val="115000"/>
+              </a:lnSpc>
+              <a:spcBef>
+                <a:spcPts val="0"/>
+              </a:spcBef>
+              <a:spcAft>
+                <a:spcPts val="0"/>
+              </a:spcAft>
+              <a:buClr>
+                <a:srgbClr val="FFFFFF"/>
+              </a:buClr>
+              <a:buSzPts val="1500"/>
+              <a:buChar char="■"/>
+            </a:pPr>
+            <a:r>
+              <a:rPr lang="en" sz="1500">
+                <a:solidFill>
+                  <a:srgbClr val="FFFFFF"/>
+                </a:solidFill>
+                <a:latin typeface="Montserrat"/>
+                <a:ea typeface="Montserrat"/>
+                <a:cs typeface="Montserrat"/>
+                <a:sym typeface="Montserrat"/>
+              </a:rPr>
+              <a:t>Frequency </a:t>
+            </a:r>
+            <a:endParaRPr sz="1500">
+              <a:solidFill>
+                <a:srgbClr val="FFFFFF"/>
+              </a:solidFill>
+              <a:latin typeface="Montserrat"/>
+              <a:ea typeface="Montserrat"/>
+              <a:cs typeface="Montserrat"/>
+              <a:sym typeface="Montserrat"/>
+            </a:endParaRPr>
+          </a:p>
+          <a:p>
+            <a:pPr indent="-323850" lvl="2" marL="1371600" rtl="0" algn="l">
+              <a:lnSpc>
+                <a:spcPct val="115000"/>
+              </a:lnSpc>
+              <a:spcBef>
+                <a:spcPts val="0"/>
+              </a:spcBef>
+              <a:spcAft>
+                <a:spcPts val="0"/>
+              </a:spcAft>
+              <a:buClr>
+                <a:srgbClr val="FFFFFF"/>
+              </a:buClr>
+              <a:buSzPts val="1500"/>
+              <a:buChar char="■"/>
+            </a:pPr>
+            <a:r>
+              <a:rPr lang="en" sz="1500">
+                <a:solidFill>
+                  <a:srgbClr val="FFFFFF"/>
+                </a:solidFill>
+                <a:latin typeface="Montserrat"/>
+                <a:ea typeface="Montserrat"/>
+                <a:cs typeface="Montserrat"/>
+                <a:sym typeface="Montserrat"/>
+              </a:rPr>
+              <a:t>Split belonging </a:t>
+            </a:r>
+            <a:endParaRPr sz="1500">
+              <a:solidFill>
+                <a:srgbClr val="FFFFFF"/>
+              </a:solidFill>
+              <a:latin typeface="Montserrat"/>
+              <a:ea typeface="Montserrat"/>
+              <a:cs typeface="Montserrat"/>
+              <a:sym typeface="Montserrat"/>
+            </a:endParaRPr>
+          </a:p>
+          <a:p>
+            <a:pPr indent="-323850" lvl="2" marL="1371600" rtl="0" algn="l">
+              <a:lnSpc>
+                <a:spcPct val="115000"/>
+              </a:lnSpc>
+              <a:spcBef>
+                <a:spcPts val="0"/>
+              </a:spcBef>
+              <a:spcAft>
+                <a:spcPts val="0"/>
+              </a:spcAft>
+              <a:buClr>
+                <a:srgbClr val="FFFFFF"/>
+              </a:buClr>
+              <a:buSzPts val="1500"/>
+              <a:buChar char="■"/>
+            </a:pPr>
+            <a:r>
+              <a:rPr lang="en" sz="1500">
+                <a:solidFill>
+                  <a:srgbClr val="FFFFFF"/>
+                </a:solidFill>
+                <a:latin typeface="Montserrat"/>
+                <a:ea typeface="Montserrat"/>
+                <a:cs typeface="Montserrat"/>
+                <a:sym typeface="Montserrat"/>
+              </a:rPr>
+              <a:t>RMSE value </a:t>
+            </a:r>
+            <a:endParaRPr sz="1500">
+              <a:solidFill>
+                <a:srgbClr val="FFFFFF"/>
+              </a:solidFill>
+              <a:latin typeface="Montserrat"/>
+              <a:ea typeface="Montserrat"/>
+              <a:cs typeface="Montserrat"/>
+              <a:sym typeface="Montserrat"/>
+            </a:endParaRPr>
+          </a:p>
+          <a:p>
+            <a:pPr indent="-323850" lvl="1" marL="914400" rtl="0" algn="l">
+              <a:lnSpc>
+                <a:spcPct val="115000"/>
+              </a:lnSpc>
+              <a:spcBef>
+                <a:spcPts val="0"/>
+              </a:spcBef>
+              <a:spcAft>
+                <a:spcPts val="0"/>
+              </a:spcAft>
+              <a:buClr>
+                <a:srgbClr val="FFFFFF"/>
+              </a:buClr>
+              <a:buSzPts val="1500"/>
+              <a:buFont typeface="Montserrat"/>
+              <a:buChar char="○"/>
+            </a:pPr>
+            <a:r>
+              <a:rPr lang="en" sz="1500">
+                <a:solidFill>
+                  <a:srgbClr val="FFFFFF"/>
+                </a:solidFill>
+                <a:latin typeface="Montserrat"/>
+                <a:ea typeface="Montserrat"/>
+                <a:cs typeface="Montserrat"/>
+                <a:sym typeface="Montserrat"/>
+              </a:rPr>
+              <a:t>The best set of parameters is chosen based on the overall score obtained by putting weights together</a:t>
+            </a:r>
+            <a:endParaRPr sz="1500">
+              <a:solidFill>
+                <a:srgbClr val="FFFFFF"/>
+              </a:solidFill>
               <a:latin typeface="Montserrat"/>
               <a:ea typeface="Montserrat"/>
               <a:cs typeface="Montserrat"/>
@@ -16670,7 +16787,7 @@
       </p:sp>
       <p:sp>
         <p:nvSpPr>
-          <p:cNvPr id="217" name="Google Shape;217;g26e1760ff98_1_67"/>
+          <p:cNvPr id="219" name="Google Shape;219;g2a0c6f9b0a2_0_61"/>
           <p:cNvSpPr txBox="1"/>
           <p:nvPr>
             <p:ph idx="12" type="sldNum"/>
@@ -16729,7 +16846,7 @@
   <p:cSld>
     <p:spTree>
       <p:nvGrpSpPr>
-        <p:cNvPr id="221" name="Shape 221"/>
+        <p:cNvPr id="223" name="Shape 223"/>
         <p:cNvGrpSpPr/>
         <p:nvPr/>
       </p:nvGrpSpPr>
@@ -16743,7 +16860,7 @@
       </p:grpSpPr>
       <p:sp>
         <p:nvSpPr>
-          <p:cNvPr id="222" name="Google Shape;222;g2a0c6f9b0a2_0_61"/>
+          <p:cNvPr id="224" name="Google Shape;224;g2a0c6f9b0a2_0_75"/>
           <p:cNvSpPr txBox="1"/>
           <p:nvPr>
             <p:ph idx="4294967295" type="title"/>
@@ -16769,6 +16886,9 @@
           <a:lstStyle/>
           <a:p>
             <a:pPr indent="0" lvl="0" marL="0" rtl="0" algn="l">
+              <a:lnSpc>
+                <a:spcPct val="100000"/>
+              </a:lnSpc>
               <a:spcBef>
                 <a:spcPts val="0"/>
               </a:spcBef>
@@ -16788,7 +16908,7 @@
       </p:sp>
       <p:sp>
         <p:nvSpPr>
-          <p:cNvPr id="223" name="Google Shape;223;g2a0c6f9b0a2_0_61"/>
+          <p:cNvPr id="225" name="Google Shape;225;g2a0c6f9b0a2_0_75"/>
           <p:cNvSpPr txBox="1"/>
           <p:nvPr>
             <p:ph idx="4294967295" type="body"/>
@@ -16814,6 +16934,9 @@
           <a:lstStyle/>
           <a:p>
             <a:pPr indent="-323850" lvl="0" marL="457200" rtl="0" algn="l">
+              <a:lnSpc>
+                <a:spcPct val="115000"/>
+              </a:lnSpc>
               <a:spcBef>
                 <a:spcPts val="0"/>
               </a:spcBef>
@@ -16824,10 +16947,11 @@
                 <a:srgbClr val="FFFFFF"/>
               </a:buClr>
               <a:buSzPts val="1500"/>
+              <a:buFont typeface="Montserrat"/>
               <a:buChar char="●"/>
             </a:pPr>
             <a:r>
-              <a:rPr lang="en" sz="1500">
+              <a:rPr b="1" lang="en" sz="1500">
                 <a:solidFill>
                   <a:srgbClr val="FFFFFF"/>
                 </a:solidFill>
@@ -16836,7 +16960,19 @@
                 <a:cs typeface="Montserrat"/>
                 <a:sym typeface="Montserrat"/>
               </a:rPr>
-              <a:t>Train / validation pipeline:</a:t>
+              <a:t>Cross Validation:</a:t>
+            </a:r>
+            <a:r>
+              <a:rPr lang="en" sz="1500">
+                <a:solidFill>
+                  <a:srgbClr val="FFFFFF"/>
+                </a:solidFill>
+                <a:latin typeface="Montserrat"/>
+                <a:ea typeface="Montserrat"/>
+                <a:cs typeface="Montserrat"/>
+                <a:sym typeface="Montserrat"/>
+              </a:rPr>
+              <a:t> validate the performance of the model with the chosen parameters (using Block split / Walk forward split)</a:t>
             </a:r>
             <a:endParaRPr sz="1500">
               <a:solidFill>
@@ -16849,90 +16985,21 @@
             </a:endParaRPr>
           </a:p>
           <a:p>
-            <a:pPr indent="-323850" lvl="1" marL="914400" rtl="0" algn="l">
-              <a:spcBef>
-                <a:spcPts val="0"/>
-              </a:spcBef>
-              <a:spcAft>
-                <a:spcPts val="0"/>
-              </a:spcAft>
-              <a:buClr>
-                <a:srgbClr val="FFFFFF"/>
-              </a:buClr>
-              <a:buSzPts val="1500"/>
-              <a:buChar char="○"/>
+            <a:pPr indent="0" lvl="0" marL="0" rtl="0" algn="l">
+              <a:lnSpc>
+                <a:spcPct val="115000"/>
+              </a:lnSpc>
+              <a:spcBef>
+                <a:spcPts val="0"/>
+              </a:spcBef>
+              <a:spcAft>
+                <a:spcPts val="0"/>
+              </a:spcAft>
+              <a:buSzPts val="1300"/>
+              <a:buNone/>
             </a:pPr>
             <a:r>
-              <a:rPr b="1" lang="en" sz="1500">
-                <a:solidFill>
-                  <a:srgbClr val="FFFFFF"/>
-                </a:solidFill>
-                <a:latin typeface="Montserrat"/>
-                <a:ea typeface="Montserrat"/>
-                <a:cs typeface="Montserrat"/>
-                <a:sym typeface="Montserrat"/>
-              </a:rPr>
-              <a:t>Default without normalization:</a:t>
-            </a:r>
-            <a:r>
-              <a:rPr lang="en" sz="1500">
-                <a:solidFill>
-                  <a:srgbClr val="FFFFFF"/>
-                </a:solidFill>
-                <a:latin typeface="Montserrat"/>
-                <a:ea typeface="Montserrat"/>
-                <a:cs typeface="Montserrat"/>
-                <a:sym typeface="Montserrat"/>
-              </a:rPr>
-              <a:t> make predictions using the base model</a:t>
-            </a:r>
-            <a:endParaRPr sz="1500">
-              <a:solidFill>
-                <a:srgbClr val="FFFFFF"/>
-              </a:solidFill>
-              <a:latin typeface="Montserrat"/>
-              <a:ea typeface="Montserrat"/>
-              <a:cs typeface="Montserrat"/>
-              <a:sym typeface="Montserrat"/>
-            </a:endParaRPr>
-          </a:p>
-          <a:p>
-            <a:pPr indent="-323850" lvl="1" marL="914400" rtl="0" algn="l">
-              <a:spcBef>
-                <a:spcPts val="0"/>
-              </a:spcBef>
-              <a:spcAft>
-                <a:spcPts val="0"/>
-              </a:spcAft>
-              <a:buClr>
-                <a:srgbClr val="FFFFFF"/>
-              </a:buClr>
-              <a:buSzPts val="1500"/>
-              <a:buChar char="○"/>
-            </a:pPr>
-            <a:r>
-              <a:rPr b="1" lang="en" sz="1500">
-                <a:solidFill>
-                  <a:srgbClr val="FFFFFF"/>
-                </a:solidFill>
-                <a:latin typeface="Montserrat"/>
-                <a:ea typeface="Montserrat"/>
-                <a:cs typeface="Montserrat"/>
-                <a:sym typeface="Montserrat"/>
-              </a:rPr>
-              <a:t>Default with normalization:</a:t>
-            </a:r>
-            <a:r>
-              <a:rPr lang="en" sz="1500">
-                <a:solidFill>
-                  <a:srgbClr val="FFFFFF"/>
-                </a:solidFill>
-                <a:latin typeface="Montserrat"/>
-                <a:ea typeface="Montserrat"/>
-                <a:cs typeface="Montserrat"/>
-                <a:sym typeface="Montserrat"/>
-              </a:rPr>
-              <a:t> like the previous one but features are normalized</a:t>
+              <a:t/>
             </a:r>
             <a:endParaRPr sz="1500">
               <a:solidFill>
@@ -16946,6 +17013,9 @@
           </a:p>
           <a:p>
             <a:pPr indent="-323850" lvl="0" marL="457200" rtl="0" algn="l">
+              <a:lnSpc>
+                <a:spcPct val="115000"/>
+              </a:lnSpc>
               <a:spcBef>
                 <a:spcPts val="0"/>
               </a:spcBef>
@@ -16956,6 +17026,7 @@
                 <a:srgbClr val="FFFFFF"/>
               </a:buClr>
               <a:buSzPts val="1500"/>
+              <a:buFont typeface="Montserrat"/>
               <a:buChar char="●"/>
             </a:pPr>
             <a:r>
@@ -16968,7 +17039,7 @@
                 <a:cs typeface="Montserrat"/>
                 <a:sym typeface="Montserrat"/>
               </a:rPr>
-              <a:t>Features that gave on average the most satisfactory results (for each model) are chosen and proceed with:</a:t>
+              <a:t>If the final results are satisfactory, the model will be trained on the whole train / validation set and saved in order to make predictions on the test set</a:t>
             </a:r>
             <a:endParaRPr sz="1500">
               <a:solidFill>
@@ -16981,259 +17052,21 @@
             </a:endParaRPr>
           </a:p>
           <a:p>
-            <a:pPr indent="-323850" lvl="1" marL="914400" rtl="0" algn="l">
-              <a:spcBef>
-                <a:spcPts val="0"/>
-              </a:spcBef>
-              <a:spcAft>
-                <a:spcPts val="0"/>
-              </a:spcAft>
-              <a:buClr>
-                <a:srgbClr val="FFFFFF"/>
-              </a:buClr>
-              <a:buSzPts val="1500"/>
-              <a:buChar char="○"/>
+            <a:pPr indent="0" lvl="0" marL="0" rtl="0" algn="l">
+              <a:lnSpc>
+                <a:spcPct val="115000"/>
+              </a:lnSpc>
+              <a:spcBef>
+                <a:spcPts val="0"/>
+              </a:spcBef>
+              <a:spcAft>
+                <a:spcPts val="0"/>
+              </a:spcAft>
+              <a:buSzPts val="1300"/>
+              <a:buNone/>
             </a:pPr>
             <a:r>
-              <a:rPr b="1" lang="en" sz="1500">
-                <a:solidFill>
-                  <a:srgbClr val="FFFFFF"/>
-                </a:solidFill>
-                <a:latin typeface="Montserrat"/>
-                <a:ea typeface="Montserrat"/>
-                <a:cs typeface="Montserrat"/>
-                <a:sym typeface="Montserrat"/>
-              </a:rPr>
-              <a:t>Hyperparameter tuning:</a:t>
-            </a:r>
-            <a:r>
-              <a:rPr lang="en" sz="1500">
-                <a:solidFill>
-                  <a:srgbClr val="FFFFFF"/>
-                </a:solidFill>
-                <a:latin typeface="Montserrat"/>
-                <a:ea typeface="Montserrat"/>
-                <a:cs typeface="Montserrat"/>
-                <a:sym typeface="Montserrat"/>
-              </a:rPr>
-              <a:t> finding the best model’s parameters to use</a:t>
-            </a:r>
-            <a:endParaRPr sz="1500">
-              <a:solidFill>
-                <a:srgbClr val="FFFFFF"/>
-              </a:solidFill>
-              <a:latin typeface="Montserrat"/>
-              <a:ea typeface="Montserrat"/>
-              <a:cs typeface="Montserrat"/>
-              <a:sym typeface="Montserrat"/>
-            </a:endParaRPr>
-          </a:p>
-          <a:p>
-            <a:pPr indent="-323850" lvl="2" marL="1371600" rtl="0" algn="l">
-              <a:spcBef>
-                <a:spcPts val="0"/>
-              </a:spcBef>
-              <a:spcAft>
-                <a:spcPts val="0"/>
-              </a:spcAft>
-              <a:buClr>
-                <a:srgbClr val="FFFFFF"/>
-              </a:buClr>
-              <a:buSzPts val="1500"/>
-              <a:buChar char="■"/>
-            </a:pPr>
-            <a:r>
-              <a:rPr lang="en" sz="1500">
-                <a:solidFill>
-                  <a:srgbClr val="FFFFFF"/>
-                </a:solidFill>
-                <a:latin typeface="Montserrat"/>
-                <a:ea typeface="Montserrat"/>
-                <a:cs typeface="Montserrat"/>
-                <a:sym typeface="Montserrat"/>
-              </a:rPr>
-              <a:t>Block split / Walk forward split method will be used</a:t>
-            </a:r>
-            <a:endParaRPr sz="1500">
-              <a:solidFill>
-                <a:srgbClr val="FFFFFF"/>
-              </a:solidFill>
-              <a:latin typeface="Montserrat"/>
-              <a:ea typeface="Montserrat"/>
-              <a:cs typeface="Montserrat"/>
-              <a:sym typeface="Montserrat"/>
-            </a:endParaRPr>
-          </a:p>
-          <a:p>
-            <a:pPr indent="-323850" lvl="2" marL="1371600" rtl="0" algn="l">
-              <a:spcBef>
-                <a:spcPts val="0"/>
-              </a:spcBef>
-              <a:spcAft>
-                <a:spcPts val="0"/>
-              </a:spcAft>
-              <a:buClr>
-                <a:srgbClr val="FFFFFF"/>
-              </a:buClr>
-              <a:buSzPts val="1500"/>
-              <a:buChar char="■"/>
-            </a:pPr>
-            <a:r>
-              <a:rPr lang="en" sz="1500">
-                <a:solidFill>
-                  <a:srgbClr val="FFFFFF"/>
-                </a:solidFill>
-                <a:latin typeface="Montserrat"/>
-                <a:ea typeface="Montserrat"/>
-                <a:cs typeface="Montserrat"/>
-                <a:sym typeface="Montserrat"/>
-              </a:rPr>
-              <a:t>Compute a score for each parameter chosen by each split, assigning weights based on:</a:t>
-            </a:r>
-            <a:endParaRPr sz="1500">
-              <a:solidFill>
-                <a:srgbClr val="FFFFFF"/>
-              </a:solidFill>
-              <a:latin typeface="Montserrat"/>
-              <a:ea typeface="Montserrat"/>
-              <a:cs typeface="Montserrat"/>
-              <a:sym typeface="Montserrat"/>
-            </a:endParaRPr>
-          </a:p>
-          <a:p>
-            <a:pPr indent="-323850" lvl="3" marL="1828800" rtl="0" algn="l">
-              <a:spcBef>
-                <a:spcPts val="0"/>
-              </a:spcBef>
-              <a:spcAft>
-                <a:spcPts val="0"/>
-              </a:spcAft>
-              <a:buClr>
-                <a:srgbClr val="FFFFFF"/>
-              </a:buClr>
-              <a:buSzPts val="1500"/>
-              <a:buChar char="●"/>
-            </a:pPr>
-            <a:r>
-              <a:rPr lang="en" sz="1500">
-                <a:solidFill>
-                  <a:srgbClr val="FFFFFF"/>
-                </a:solidFill>
-                <a:latin typeface="Montserrat"/>
-                <a:ea typeface="Montserrat"/>
-                <a:cs typeface="Montserrat"/>
-                <a:sym typeface="Montserrat"/>
-              </a:rPr>
-              <a:t>Frequency </a:t>
-            </a:r>
-            <a:endParaRPr sz="1500">
-              <a:solidFill>
-                <a:srgbClr val="FFFFFF"/>
-              </a:solidFill>
-              <a:latin typeface="Montserrat"/>
-              <a:ea typeface="Montserrat"/>
-              <a:cs typeface="Montserrat"/>
-              <a:sym typeface="Montserrat"/>
-            </a:endParaRPr>
-          </a:p>
-          <a:p>
-            <a:pPr indent="-323850" lvl="3" marL="1828800" rtl="0" algn="l">
-              <a:spcBef>
-                <a:spcPts val="0"/>
-              </a:spcBef>
-              <a:spcAft>
-                <a:spcPts val="0"/>
-              </a:spcAft>
-              <a:buClr>
-                <a:srgbClr val="FFFFFF"/>
-              </a:buClr>
-              <a:buSzPts val="1500"/>
-              <a:buChar char="●"/>
-            </a:pPr>
-            <a:r>
-              <a:rPr lang="en" sz="1500">
-                <a:solidFill>
-                  <a:srgbClr val="FFFFFF"/>
-                </a:solidFill>
-                <a:latin typeface="Montserrat"/>
-                <a:ea typeface="Montserrat"/>
-                <a:cs typeface="Montserrat"/>
-                <a:sym typeface="Montserrat"/>
-              </a:rPr>
-              <a:t>Split belonging </a:t>
-            </a:r>
-            <a:endParaRPr sz="1500">
-              <a:solidFill>
-                <a:srgbClr val="FFFFFF"/>
-              </a:solidFill>
-              <a:latin typeface="Montserrat"/>
-              <a:ea typeface="Montserrat"/>
-              <a:cs typeface="Montserrat"/>
-              <a:sym typeface="Montserrat"/>
-            </a:endParaRPr>
-          </a:p>
-          <a:p>
-            <a:pPr indent="-323850" lvl="3" marL="1828800" rtl="0" algn="l">
-              <a:spcBef>
-                <a:spcPts val="0"/>
-              </a:spcBef>
-              <a:spcAft>
-                <a:spcPts val="0"/>
-              </a:spcAft>
-              <a:buClr>
-                <a:srgbClr val="FFFFFF"/>
-              </a:buClr>
-              <a:buSzPts val="1500"/>
-              <a:buChar char="●"/>
-            </a:pPr>
-            <a:r>
-              <a:rPr lang="en" sz="1500">
-                <a:solidFill>
-                  <a:srgbClr val="FFFFFF"/>
-                </a:solidFill>
-                <a:latin typeface="Montserrat"/>
-                <a:ea typeface="Montserrat"/>
-                <a:cs typeface="Montserrat"/>
-                <a:sym typeface="Montserrat"/>
-              </a:rPr>
-              <a:t>RMSE value </a:t>
-            </a:r>
-            <a:endParaRPr sz="1500">
-              <a:solidFill>
-                <a:srgbClr val="FFFFFF"/>
-              </a:solidFill>
-              <a:latin typeface="Montserrat"/>
-              <a:ea typeface="Montserrat"/>
-              <a:cs typeface="Montserrat"/>
-              <a:sym typeface="Montserrat"/>
-            </a:endParaRPr>
-          </a:p>
-          <a:p>
-            <a:pPr indent="-323850" lvl="2" marL="1371600" rtl="0" algn="l">
-              <a:spcBef>
-                <a:spcPts val="0"/>
-              </a:spcBef>
-              <a:spcAft>
-                <a:spcPts val="0"/>
-              </a:spcAft>
-              <a:buClr>
-                <a:srgbClr val="FFFFFF"/>
-              </a:buClr>
-              <a:buSzPts val="1500"/>
-              <a:buFont typeface="Montserrat"/>
-              <a:buChar char="■"/>
-            </a:pPr>
-            <a:r>
-              <a:rPr lang="en" sz="1500">
-                <a:solidFill>
-                  <a:srgbClr val="FFFFFF"/>
-                </a:solidFill>
-                <a:latin typeface="Montserrat"/>
-                <a:ea typeface="Montserrat"/>
-                <a:cs typeface="Montserrat"/>
-                <a:sym typeface="Montserrat"/>
-              </a:rPr>
-              <a:t>The best set of parameters is chosen based on the overall score obtained by putting weights together</a:t>
+              <a:t/>
             </a:r>
             <a:endParaRPr sz="1500">
               <a:solidFill>
@@ -17249,7 +17082,7 @@
       </p:sp>
       <p:sp>
         <p:nvSpPr>
-          <p:cNvPr id="224" name="Google Shape;224;g2a0c6f9b0a2_0_61"/>
+          <p:cNvPr id="226" name="Google Shape;226;g2a0c6f9b0a2_0_75"/>
           <p:cNvSpPr txBox="1"/>
           <p:nvPr>
             <p:ph idx="12" type="sldNum"/>
@@ -17308,7 +17141,7 @@
   <p:cSld>
     <p:spTree>
       <p:nvGrpSpPr>
-        <p:cNvPr id="228" name="Shape 228"/>
+        <p:cNvPr id="230" name="Shape 230"/>
         <p:cNvGrpSpPr/>
         <p:nvPr/>
       </p:nvGrpSpPr>
@@ -17322,7 +17155,7 @@
       </p:grpSpPr>
       <p:sp>
         <p:nvSpPr>
-          <p:cNvPr id="229" name="Google Shape;229;g2a0c6f9b0a2_0_75"/>
+          <p:cNvPr id="231" name="Google Shape;231;g2a0c6f9b0a2_0_84"/>
           <p:cNvSpPr txBox="1"/>
           <p:nvPr>
             <p:ph idx="4294967295" type="title"/>
@@ -17348,6 +17181,9 @@
           <a:lstStyle/>
           <a:p>
             <a:pPr indent="0" lvl="0" marL="0" rtl="0" algn="l">
+              <a:lnSpc>
+                <a:spcPct val="100000"/>
+              </a:lnSpc>
               <a:spcBef>
                 <a:spcPts val="0"/>
               </a:spcBef>
@@ -17359,7 +17195,7 @@
             </a:pPr>
             <a:r>
               <a:rPr b="1" lang="en"/>
-              <a:t>2 - Models train / validation</a:t>
+              <a:t>3 - Final scores</a:t>
             </a:r>
             <a:endParaRPr b="1"/>
           </a:p>
@@ -17367,7 +17203,7 @@
       </p:sp>
       <p:sp>
         <p:nvSpPr>
-          <p:cNvPr id="230" name="Google Shape;230;g2a0c6f9b0a2_0_75"/>
+          <p:cNvPr id="232" name="Google Shape;232;g2a0c6f9b0a2_0_84"/>
           <p:cNvSpPr txBox="1"/>
           <p:nvPr>
             <p:ph idx="4294967295" type="body"/>
@@ -17392,47 +17228,216 @@
           </a:bodyPr>
           <a:lstStyle/>
           <a:p>
-            <a:pPr indent="-323850" lvl="0" marL="914400" rtl="0" algn="l">
-              <a:spcBef>
-                <a:spcPts val="0"/>
-              </a:spcBef>
-              <a:spcAft>
-                <a:spcPts val="0"/>
-              </a:spcAft>
-              <a:buClr>
-                <a:srgbClr val="FFFFFF"/>
-              </a:buClr>
+            <a:pPr indent="-323850" lvl="0" marL="457200" rtl="0" algn="l">
+              <a:lnSpc>
+                <a:spcPct val="115000"/>
+              </a:lnSpc>
+              <a:spcBef>
+                <a:spcPts val="0"/>
+              </a:spcBef>
+              <a:spcAft>
+                <a:spcPts val="0"/>
+              </a:spcAft>
               <a:buSzPts val="1500"/>
-              <a:buChar char="○"/>
+              <a:buFont typeface="Montserrat"/>
+              <a:buChar char="●"/>
             </a:pPr>
             <a:r>
-              <a:rPr b="1" lang="en" sz="1500">
-                <a:solidFill>
-                  <a:srgbClr val="FFFFFF"/>
-                </a:solidFill>
+              <a:rPr lang="en" sz="1500">
                 <a:latin typeface="Montserrat"/>
                 <a:ea typeface="Montserrat"/>
                 <a:cs typeface="Montserrat"/>
                 <a:sym typeface="Montserrat"/>
               </a:rPr>
-              <a:t>Cross Validation:</a:t>
+              <a:t>Test set divided into further mini-sets:</a:t>
             </a:r>
+            <a:endParaRPr sz="1500">
+              <a:latin typeface="Montserrat"/>
+              <a:ea typeface="Montserrat"/>
+              <a:cs typeface="Montserrat"/>
+              <a:sym typeface="Montserrat"/>
+            </a:endParaRPr>
+          </a:p>
+          <a:p>
+            <a:pPr indent="-323850" lvl="1" marL="914400" rtl="0" algn="l">
+              <a:lnSpc>
+                <a:spcPct val="115000"/>
+              </a:lnSpc>
+              <a:spcBef>
+                <a:spcPts val="0"/>
+              </a:spcBef>
+              <a:spcAft>
+                <a:spcPts val="0"/>
+              </a:spcAft>
+              <a:buSzPts val="1500"/>
+              <a:buFont typeface="Montserrat"/>
+              <a:buChar char="○"/>
+            </a:pPr>
             <a:r>
               <a:rPr lang="en" sz="1500">
-                <a:solidFill>
-                  <a:srgbClr val="FFFFFF"/>
-                </a:solidFill>
                 <a:latin typeface="Montserrat"/>
                 <a:ea typeface="Montserrat"/>
                 <a:cs typeface="Montserrat"/>
                 <a:sym typeface="Montserrat"/>
               </a:rPr>
-              <a:t> validate the performance of the model with the chosen parameters (using Block split / Walk forward split)</a:t>
+              <a:t>1 week</a:t>
             </a:r>
             <a:endParaRPr sz="1500">
-              <a:solidFill>
-                <a:srgbClr val="FFFFFF"/>
-              </a:solidFill>
+              <a:latin typeface="Montserrat"/>
+              <a:ea typeface="Montserrat"/>
+              <a:cs typeface="Montserrat"/>
+              <a:sym typeface="Montserrat"/>
+            </a:endParaRPr>
+          </a:p>
+          <a:p>
+            <a:pPr indent="-323850" lvl="1" marL="914400" rtl="0" algn="l">
+              <a:lnSpc>
+                <a:spcPct val="115000"/>
+              </a:lnSpc>
+              <a:spcBef>
+                <a:spcPts val="0"/>
+              </a:spcBef>
+              <a:spcAft>
+                <a:spcPts val="0"/>
+              </a:spcAft>
+              <a:buSzPts val="1500"/>
+              <a:buFont typeface="Montserrat"/>
+              <a:buChar char="○"/>
+            </a:pPr>
+            <a:r>
+              <a:rPr lang="en" sz="1500">
+                <a:latin typeface="Montserrat"/>
+                <a:ea typeface="Montserrat"/>
+                <a:cs typeface="Montserrat"/>
+                <a:sym typeface="Montserrat"/>
+              </a:rPr>
+              <a:t>15 days</a:t>
+            </a:r>
+            <a:endParaRPr sz="1500">
+              <a:latin typeface="Montserrat"/>
+              <a:ea typeface="Montserrat"/>
+              <a:cs typeface="Montserrat"/>
+              <a:sym typeface="Montserrat"/>
+            </a:endParaRPr>
+          </a:p>
+          <a:p>
+            <a:pPr indent="-323850" lvl="1" marL="914400" rtl="0" algn="l">
+              <a:lnSpc>
+                <a:spcPct val="115000"/>
+              </a:lnSpc>
+              <a:spcBef>
+                <a:spcPts val="0"/>
+              </a:spcBef>
+              <a:spcAft>
+                <a:spcPts val="0"/>
+              </a:spcAft>
+              <a:buSzPts val="1500"/>
+              <a:buFont typeface="Montserrat"/>
+              <a:buChar char="○"/>
+            </a:pPr>
+            <a:r>
+              <a:rPr lang="en" sz="1500">
+                <a:latin typeface="Montserrat"/>
+                <a:ea typeface="Montserrat"/>
+                <a:cs typeface="Montserrat"/>
+                <a:sym typeface="Montserrat"/>
+              </a:rPr>
+              <a:t>1 month</a:t>
+            </a:r>
+            <a:endParaRPr sz="1500">
+              <a:latin typeface="Montserrat"/>
+              <a:ea typeface="Montserrat"/>
+              <a:cs typeface="Montserrat"/>
+              <a:sym typeface="Montserrat"/>
+            </a:endParaRPr>
+          </a:p>
+          <a:p>
+            <a:pPr indent="-323850" lvl="1" marL="914400" rtl="0" algn="l">
+              <a:lnSpc>
+                <a:spcPct val="115000"/>
+              </a:lnSpc>
+              <a:spcBef>
+                <a:spcPts val="0"/>
+              </a:spcBef>
+              <a:spcAft>
+                <a:spcPts val="0"/>
+              </a:spcAft>
+              <a:buSzPts val="1500"/>
+              <a:buFont typeface="Montserrat"/>
+              <a:buChar char="○"/>
+            </a:pPr>
+            <a:r>
+              <a:rPr lang="en" sz="1500">
+                <a:latin typeface="Montserrat"/>
+                <a:ea typeface="Montserrat"/>
+                <a:cs typeface="Montserrat"/>
+                <a:sym typeface="Montserrat"/>
+              </a:rPr>
+              <a:t>3 months</a:t>
+            </a:r>
+            <a:endParaRPr sz="1500">
+              <a:latin typeface="Montserrat"/>
+              <a:ea typeface="Montserrat"/>
+              <a:cs typeface="Montserrat"/>
+              <a:sym typeface="Montserrat"/>
+            </a:endParaRPr>
+          </a:p>
+          <a:p>
+            <a:pPr indent="-323850" lvl="0" marL="457200" rtl="0" algn="l">
+              <a:lnSpc>
+                <a:spcPct val="115000"/>
+              </a:lnSpc>
+              <a:spcBef>
+                <a:spcPts val="0"/>
+              </a:spcBef>
+              <a:spcAft>
+                <a:spcPts val="0"/>
+              </a:spcAft>
+              <a:buSzPts val="1500"/>
+              <a:buFont typeface="Montserrat"/>
+              <a:buChar char="●"/>
+            </a:pPr>
+            <a:r>
+              <a:rPr lang="en" sz="1500">
+                <a:latin typeface="Montserrat"/>
+                <a:ea typeface="Montserrat"/>
+                <a:cs typeface="Montserrat"/>
+                <a:sym typeface="Montserrat"/>
+              </a:rPr>
+              <a:t>See how models' performance degrades as time increases</a:t>
+            </a:r>
+            <a:endParaRPr sz="1500">
+              <a:latin typeface="Montserrat"/>
+              <a:ea typeface="Montserrat"/>
+              <a:cs typeface="Montserrat"/>
+              <a:sym typeface="Montserrat"/>
+            </a:endParaRPr>
+          </a:p>
+          <a:p>
+            <a:pPr indent="-323850" lvl="0" marL="457200" rtl="0" algn="l">
+              <a:lnSpc>
+                <a:spcPct val="115000"/>
+              </a:lnSpc>
+              <a:spcBef>
+                <a:spcPts val="0"/>
+              </a:spcBef>
+              <a:spcAft>
+                <a:spcPts val="0"/>
+              </a:spcAft>
+              <a:buSzPts val="1500"/>
+              <a:buFont typeface="Montserrat"/>
+              <a:buChar char="●"/>
+            </a:pPr>
+            <a:r>
+              <a:rPr lang="en" sz="1500">
+                <a:latin typeface="Montserrat"/>
+                <a:ea typeface="Montserrat"/>
+                <a:cs typeface="Montserrat"/>
+                <a:sym typeface="Montserrat"/>
+              </a:rPr>
+              <a:t>Final results are collected and compared to draw conclusions</a:t>
+            </a:r>
+            <a:endParaRPr sz="1500">
               <a:latin typeface="Montserrat"/>
               <a:ea typeface="Montserrat"/>
               <a:cs typeface="Montserrat"/>
@@ -17441,81 +17446,22 @@
           </a:p>
           <a:p>
             <a:pPr indent="0" lvl="0" marL="0" rtl="0" algn="l">
-              <a:spcBef>
-                <a:spcPts val="0"/>
-              </a:spcBef>
-              <a:spcAft>
-                <a:spcPts val="0"/>
-              </a:spcAft>
+              <a:lnSpc>
+                <a:spcPct val="115000"/>
+              </a:lnSpc>
+              <a:spcBef>
+                <a:spcPts val="0"/>
+              </a:spcBef>
+              <a:spcAft>
+                <a:spcPts val="0"/>
+              </a:spcAft>
+              <a:buSzPts val="1300"/>
               <a:buNone/>
             </a:pPr>
             <a:r>
               <a:t/>
             </a:r>
-            <a:endParaRPr sz="1500">
-              <a:solidFill>
-                <a:srgbClr val="FFFFFF"/>
-              </a:solidFill>
-              <a:latin typeface="Montserrat"/>
-              <a:ea typeface="Montserrat"/>
-              <a:cs typeface="Montserrat"/>
-              <a:sym typeface="Montserrat"/>
-            </a:endParaRPr>
-          </a:p>
-          <a:p>
-            <a:pPr indent="-323850" lvl="0" marL="457200" rtl="0" algn="l">
-              <a:spcBef>
-                <a:spcPts val="0"/>
-              </a:spcBef>
-              <a:spcAft>
-                <a:spcPts val="0"/>
-              </a:spcAft>
-              <a:buClr>
-                <a:srgbClr val="FFFFFF"/>
-              </a:buClr>
-              <a:buSzPts val="1500"/>
-              <a:buFont typeface="Montserrat"/>
-              <a:buChar char="●"/>
-            </a:pPr>
-            <a:r>
-              <a:rPr lang="en" sz="1500">
-                <a:solidFill>
-                  <a:srgbClr val="FFFFFF"/>
-                </a:solidFill>
-                <a:latin typeface="Montserrat"/>
-                <a:ea typeface="Montserrat"/>
-                <a:cs typeface="Montserrat"/>
-                <a:sym typeface="Montserrat"/>
-              </a:rPr>
-              <a:t>If the final results are satisfactory, the model will be trained on the whole train / validation set and saved in order to make predictions on the test set</a:t>
-            </a:r>
-            <a:endParaRPr sz="1500">
-              <a:solidFill>
-                <a:srgbClr val="FFFFFF"/>
-              </a:solidFill>
-              <a:latin typeface="Montserrat"/>
-              <a:ea typeface="Montserrat"/>
-              <a:cs typeface="Montserrat"/>
-              <a:sym typeface="Montserrat"/>
-            </a:endParaRPr>
-          </a:p>
-          <a:p>
-            <a:pPr indent="0" lvl="0" marL="0" rtl="0" algn="l">
-              <a:spcBef>
-                <a:spcPts val="0"/>
-              </a:spcBef>
-              <a:spcAft>
-                <a:spcPts val="0"/>
-              </a:spcAft>
-              <a:buNone/>
-            </a:pPr>
-            <a:r>
-              <a:t/>
-            </a:r>
-            <a:endParaRPr sz="1500">
-              <a:solidFill>
-                <a:srgbClr val="FFFFFF"/>
-              </a:solidFill>
+            <a:endParaRPr b="1" sz="1500">
               <a:latin typeface="Montserrat"/>
               <a:ea typeface="Montserrat"/>
               <a:cs typeface="Montserrat"/>
@@ -17526,7 +17472,7 @@
       </p:sp>
       <p:sp>
         <p:nvSpPr>
-          <p:cNvPr id="231" name="Google Shape;231;g2a0c6f9b0a2_0_75"/>
+          <p:cNvPr id="233" name="Google Shape;233;g2a0c6f9b0a2_0_84"/>
           <p:cNvSpPr txBox="1"/>
           <p:nvPr>
             <p:ph idx="12" type="sldNum"/>
@@ -17585,7 +17531,7 @@
   <p:cSld>
     <p:spTree>
       <p:nvGrpSpPr>
-        <p:cNvPr id="235" name="Shape 235"/>
+        <p:cNvPr id="237" name="Shape 237"/>
         <p:cNvGrpSpPr/>
         <p:nvPr/>
       </p:nvGrpSpPr>
@@ -17599,7 +17545,7 @@
       </p:grpSpPr>
       <p:sp>
         <p:nvSpPr>
-          <p:cNvPr id="236" name="Google Shape;236;g2a0c6f9b0a2_0_84"/>
+          <p:cNvPr id="238" name="Google Shape;238;g2a0c6f9b0a2_0_91"/>
           <p:cNvSpPr txBox="1"/>
           <p:nvPr>
             <p:ph idx="4294967295" type="title"/>
@@ -17625,6 +17571,9 @@
           <a:lstStyle/>
           <a:p>
             <a:pPr indent="0" lvl="0" marL="0" rtl="0" algn="l">
+              <a:lnSpc>
+                <a:spcPct val="100000"/>
+              </a:lnSpc>
               <a:spcBef>
                 <a:spcPts val="0"/>
               </a:spcBef>
@@ -17636,7 +17585,7 @@
             </a:pPr>
             <a:r>
               <a:rPr b="1" lang="en"/>
-              <a:t>3 - Final scores</a:t>
+              <a:t>3 - Final scores: train / validation phase</a:t>
             </a:r>
             <a:endParaRPr b="1"/>
           </a:p>
@@ -17644,7 +17593,553 @@
       </p:sp>
       <p:sp>
         <p:nvSpPr>
-          <p:cNvPr id="237" name="Google Shape;237;g2a0c6f9b0a2_0_84"/>
+          <p:cNvPr id="239" name="Google Shape;239;g2a0c6f9b0a2_0_91"/>
+          <p:cNvSpPr txBox="1"/>
+          <p:nvPr>
+            <p:ph idx="4294967295" type="body"/>
+          </p:nvPr>
+        </p:nvSpPr>
+        <p:spPr>
+          <a:xfrm>
+            <a:off x="311700" y="945300"/>
+            <a:ext cx="8520600" cy="4048200"/>
+          </a:xfrm>
+          <a:prstGeom prst="rect">
+            <a:avLst/>
+          </a:prstGeom>
+          <a:noFill/>
+          <a:ln>
+            <a:noFill/>
+          </a:ln>
+        </p:spPr>
+        <p:txBody>
+          <a:bodyPr anchorCtr="0" anchor="t" bIns="91425" lIns="91425" spcFirstLastPara="1" rIns="91425" wrap="square" tIns="91425">
+            <a:noAutofit/>
+          </a:bodyPr>
+          <a:lstStyle/>
+          <a:p>
+            <a:pPr indent="0" lvl="0" marL="0" rtl="0" algn="l">
+              <a:lnSpc>
+                <a:spcPct val="115000"/>
+              </a:lnSpc>
+              <a:spcBef>
+                <a:spcPts val="0"/>
+              </a:spcBef>
+              <a:spcAft>
+                <a:spcPts val="0"/>
+              </a:spcAft>
+              <a:buSzPts val="1300"/>
+              <a:buNone/>
+            </a:pPr>
+            <a:r>
+              <a:rPr lang="en" sz="1500">
+                <a:latin typeface="Montserrat"/>
+                <a:ea typeface="Montserrat"/>
+                <a:cs typeface="Montserrat"/>
+                <a:sym typeface="Montserrat"/>
+              </a:rPr>
+              <a:t>Features</a:t>
+            </a:r>
+            <a:endParaRPr b="1" sz="1500">
+              <a:latin typeface="Montserrat"/>
+              <a:ea typeface="Montserrat"/>
+              <a:cs typeface="Montserrat"/>
+              <a:sym typeface="Montserrat"/>
+            </a:endParaRPr>
+          </a:p>
+        </p:txBody>
+      </p:sp>
+      <p:sp>
+        <p:nvSpPr>
+          <p:cNvPr id="240" name="Google Shape;240;g2a0c6f9b0a2_0_91"/>
+          <p:cNvSpPr txBox="1"/>
+          <p:nvPr>
+            <p:ph idx="12" type="sldNum"/>
+          </p:nvPr>
+        </p:nvSpPr>
+        <p:spPr>
+          <a:xfrm>
+            <a:off x="8472458" y="4663217"/>
+            <a:ext cx="548700" cy="393600"/>
+          </a:xfrm>
+          <a:prstGeom prst="rect">
+            <a:avLst/>
+          </a:prstGeom>
+          <a:noFill/>
+          <a:ln>
+            <a:noFill/>
+          </a:ln>
+        </p:spPr>
+        <p:txBody>
+          <a:bodyPr anchorCtr="0" anchor="ctr" bIns="91425" lIns="91425" spcFirstLastPara="1" rIns="91425" wrap="square" tIns="91425">
+            <a:normAutofit/>
+          </a:bodyPr>
+          <a:lstStyle/>
+          <a:p>
+            <a:pPr indent="0" lvl="0" marL="0" rtl="0" algn="r">
+              <a:lnSpc>
+                <a:spcPct val="100000"/>
+              </a:lnSpc>
+              <a:spcBef>
+                <a:spcPts val="0"/>
+              </a:spcBef>
+              <a:spcAft>
+                <a:spcPts val="0"/>
+              </a:spcAft>
+              <a:buSzPts val="1000"/>
+              <a:buNone/>
+            </a:pPr>
+            <a:fld id="{00000000-1234-1234-1234-123412341234}" type="slidenum">
+              <a:rPr lang="en"/>
+              <a:t>‹#›</a:t>
+            </a:fld>
+            <a:endParaRPr/>
+          </a:p>
+        </p:txBody>
+      </p:sp>
+    </p:spTree>
+  </p:cSld>
+  <p:clrMapOvr>
+    <a:masterClrMapping/>
+  </p:clrMapOvr>
+</p:sld>
+</file>
+
+<file path=ppt/slides/slide16.xml><?xml version="1.0" encoding="utf-8"?>
+<p:sld xmlns:a="http://schemas.openxmlformats.org/drawingml/2006/main" xmlns:r="http://schemas.openxmlformats.org/officeDocument/2006/relationships" xmlns:mc="http://schemas.openxmlformats.org/markup-compatibility/2006" xmlns:mv="urn:schemas-microsoft-com:mac:vml" xmlns:p="http://schemas.openxmlformats.org/presentationml/2006/main" xmlns:c="http://schemas.openxmlformats.org/drawingml/2006/chart" xmlns:dgm="http://schemas.openxmlformats.org/drawingml/2006/diagram" xmlns:o="urn:schemas-microsoft-com:office:office" xmlns:v="urn:schemas-microsoft-com:vml" xmlns:pvml="urn:schemas-microsoft-com:office:powerpoint" xmlns:com="http://schemas.openxmlformats.org/drawingml/2006/compatibility" xmlns:p14="http://schemas.microsoft.com/office/powerpoint/2010/main" xmlns:p15="http://schemas.microsoft.com/office/powerpoint/2012/main" xmlns:ahyp="http://schemas.microsoft.com/office/drawing/2018/hyperlinkcolor">
+  <p:cSld>
+    <p:spTree>
+      <p:nvGrpSpPr>
+        <p:cNvPr id="244" name="Shape 244"/>
+        <p:cNvGrpSpPr/>
+        <p:nvPr/>
+      </p:nvGrpSpPr>
+      <p:grpSpPr>
+        <a:xfrm>
+          <a:off x="0" y="0"/>
+          <a:ext cx="0" cy="0"/>
+          <a:chOff x="0" y="0"/>
+          <a:chExt cx="0" cy="0"/>
+        </a:xfrm>
+      </p:grpSpPr>
+      <p:sp>
+        <p:nvSpPr>
+          <p:cNvPr id="245" name="Google Shape;245;g2a0c6f9b0a2_0_97"/>
+          <p:cNvSpPr txBox="1"/>
+          <p:nvPr>
+            <p:ph idx="4294967295" type="title"/>
+          </p:nvPr>
+        </p:nvSpPr>
+        <p:spPr>
+          <a:xfrm>
+            <a:off x="719525" y="267425"/>
+            <a:ext cx="7038900" cy="592800"/>
+          </a:xfrm>
+          <a:prstGeom prst="rect">
+            <a:avLst/>
+          </a:prstGeom>
+          <a:noFill/>
+          <a:ln>
+            <a:noFill/>
+          </a:ln>
+        </p:spPr>
+        <p:txBody>
+          <a:bodyPr anchorCtr="0" anchor="t" bIns="91425" lIns="91425" spcFirstLastPara="1" rIns="91425" wrap="square" tIns="91425">
+            <a:normAutofit fontScale="90000"/>
+          </a:bodyPr>
+          <a:lstStyle/>
+          <a:p>
+            <a:pPr indent="0" lvl="0" marL="0" rtl="0" algn="l">
+              <a:lnSpc>
+                <a:spcPct val="100000"/>
+              </a:lnSpc>
+              <a:spcBef>
+                <a:spcPts val="0"/>
+              </a:spcBef>
+              <a:spcAft>
+                <a:spcPts val="0"/>
+              </a:spcAft>
+              <a:buSzPct val="119034"/>
+              <a:buNone/>
+            </a:pPr>
+            <a:r>
+              <a:rPr b="1" lang="en"/>
+              <a:t>3 - Final scores: train / validation phase</a:t>
+            </a:r>
+            <a:endParaRPr b="1"/>
+          </a:p>
+        </p:txBody>
+      </p:sp>
+      <p:sp>
+        <p:nvSpPr>
+          <p:cNvPr id="246" name="Google Shape;246;g2a0c6f9b0a2_0_97"/>
+          <p:cNvSpPr txBox="1"/>
+          <p:nvPr>
+            <p:ph idx="4294967295" type="body"/>
+          </p:nvPr>
+        </p:nvSpPr>
+        <p:spPr>
+          <a:xfrm>
+            <a:off x="311700" y="945300"/>
+            <a:ext cx="8520600" cy="4048200"/>
+          </a:xfrm>
+          <a:prstGeom prst="rect">
+            <a:avLst/>
+          </a:prstGeom>
+          <a:noFill/>
+          <a:ln>
+            <a:noFill/>
+          </a:ln>
+        </p:spPr>
+        <p:txBody>
+          <a:bodyPr anchorCtr="0" anchor="t" bIns="91425" lIns="91425" spcFirstLastPara="1" rIns="91425" wrap="square" tIns="91425">
+            <a:noAutofit/>
+          </a:bodyPr>
+          <a:lstStyle/>
+          <a:p>
+            <a:pPr indent="0" lvl="0" marL="0" rtl="0" algn="l">
+              <a:lnSpc>
+                <a:spcPct val="115000"/>
+              </a:lnSpc>
+              <a:spcBef>
+                <a:spcPts val="0"/>
+              </a:spcBef>
+              <a:spcAft>
+                <a:spcPts val="0"/>
+              </a:spcAft>
+              <a:buSzPts val="1300"/>
+              <a:buNone/>
+            </a:pPr>
+            <a:r>
+              <a:rPr lang="en" sz="1500">
+                <a:latin typeface="Montserrat"/>
+                <a:ea typeface="Montserrat"/>
+                <a:cs typeface="Montserrat"/>
+                <a:sym typeface="Montserrat"/>
+              </a:rPr>
+              <a:t>Splitting methods and models</a:t>
+            </a:r>
+            <a:endParaRPr b="1" sz="1500">
+              <a:latin typeface="Montserrat"/>
+              <a:ea typeface="Montserrat"/>
+              <a:cs typeface="Montserrat"/>
+              <a:sym typeface="Montserrat"/>
+            </a:endParaRPr>
+          </a:p>
+        </p:txBody>
+      </p:sp>
+      <p:sp>
+        <p:nvSpPr>
+          <p:cNvPr id="247" name="Google Shape;247;g2a0c6f9b0a2_0_97"/>
+          <p:cNvSpPr txBox="1"/>
+          <p:nvPr>
+            <p:ph idx="12" type="sldNum"/>
+          </p:nvPr>
+        </p:nvSpPr>
+        <p:spPr>
+          <a:xfrm>
+            <a:off x="8472458" y="4663217"/>
+            <a:ext cx="548700" cy="393600"/>
+          </a:xfrm>
+          <a:prstGeom prst="rect">
+            <a:avLst/>
+          </a:prstGeom>
+          <a:noFill/>
+          <a:ln>
+            <a:noFill/>
+          </a:ln>
+        </p:spPr>
+        <p:txBody>
+          <a:bodyPr anchorCtr="0" anchor="ctr" bIns="91425" lIns="91425" spcFirstLastPara="1" rIns="91425" wrap="square" tIns="91425">
+            <a:normAutofit/>
+          </a:bodyPr>
+          <a:lstStyle/>
+          <a:p>
+            <a:pPr indent="0" lvl="0" marL="0" rtl="0" algn="r">
+              <a:lnSpc>
+                <a:spcPct val="100000"/>
+              </a:lnSpc>
+              <a:spcBef>
+                <a:spcPts val="0"/>
+              </a:spcBef>
+              <a:spcAft>
+                <a:spcPts val="0"/>
+              </a:spcAft>
+              <a:buSzPts val="1000"/>
+              <a:buNone/>
+            </a:pPr>
+            <a:fld id="{00000000-1234-1234-1234-123412341234}" type="slidenum">
+              <a:rPr lang="en"/>
+              <a:t>‹#›</a:t>
+            </a:fld>
+            <a:endParaRPr/>
+          </a:p>
+        </p:txBody>
+      </p:sp>
+    </p:spTree>
+  </p:cSld>
+  <p:clrMapOvr>
+    <a:masterClrMapping/>
+  </p:clrMapOvr>
+</p:sld>
+</file>
+
+<file path=ppt/slides/slide17.xml><?xml version="1.0" encoding="utf-8"?>
+<p:sld xmlns:a="http://schemas.openxmlformats.org/drawingml/2006/main" xmlns:r="http://schemas.openxmlformats.org/officeDocument/2006/relationships" xmlns:mc="http://schemas.openxmlformats.org/markup-compatibility/2006" xmlns:mv="urn:schemas-microsoft-com:mac:vml" xmlns:p="http://schemas.openxmlformats.org/presentationml/2006/main" xmlns:c="http://schemas.openxmlformats.org/drawingml/2006/chart" xmlns:dgm="http://schemas.openxmlformats.org/drawingml/2006/diagram" xmlns:o="urn:schemas-microsoft-com:office:office" xmlns:v="urn:schemas-microsoft-com:vml" xmlns:pvml="urn:schemas-microsoft-com:office:powerpoint" xmlns:com="http://schemas.openxmlformats.org/drawingml/2006/compatibility" xmlns:p14="http://schemas.microsoft.com/office/powerpoint/2010/main" xmlns:p15="http://schemas.microsoft.com/office/powerpoint/2012/main" xmlns:ahyp="http://schemas.microsoft.com/office/drawing/2018/hyperlinkcolor">
+  <p:cSld>
+    <p:spTree>
+      <p:nvGrpSpPr>
+        <p:cNvPr id="251" name="Shape 251"/>
+        <p:cNvGrpSpPr/>
+        <p:nvPr/>
+      </p:nvGrpSpPr>
+      <p:grpSpPr>
+        <a:xfrm>
+          <a:off x="0" y="0"/>
+          <a:ext cx="0" cy="0"/>
+          <a:chOff x="0" y="0"/>
+          <a:chExt cx="0" cy="0"/>
+        </a:xfrm>
+      </p:grpSpPr>
+      <p:sp>
+        <p:nvSpPr>
+          <p:cNvPr id="252" name="Google Shape;252;g2a0c6f9b0a2_0_103"/>
+          <p:cNvSpPr txBox="1"/>
+          <p:nvPr>
+            <p:ph idx="4294967295" type="title"/>
+          </p:nvPr>
+        </p:nvSpPr>
+        <p:spPr>
+          <a:xfrm>
+            <a:off x="719525" y="267425"/>
+            <a:ext cx="7038900" cy="592800"/>
+          </a:xfrm>
+          <a:prstGeom prst="rect">
+            <a:avLst/>
+          </a:prstGeom>
+          <a:noFill/>
+          <a:ln>
+            <a:noFill/>
+          </a:ln>
+        </p:spPr>
+        <p:txBody>
+          <a:bodyPr anchorCtr="0" anchor="t" bIns="91425" lIns="91425" spcFirstLastPara="1" rIns="91425" wrap="square" tIns="91425">
+            <a:normAutofit fontScale="90000"/>
+          </a:bodyPr>
+          <a:lstStyle/>
+          <a:p>
+            <a:pPr indent="0" lvl="0" marL="0" rtl="0" algn="l">
+              <a:lnSpc>
+                <a:spcPct val="100000"/>
+              </a:lnSpc>
+              <a:spcBef>
+                <a:spcPts val="0"/>
+              </a:spcBef>
+              <a:spcAft>
+                <a:spcPts val="0"/>
+              </a:spcAft>
+              <a:buSzPct val="119034"/>
+              <a:buNone/>
+            </a:pPr>
+            <a:r>
+              <a:rPr b="1" lang="en"/>
+              <a:t>3 - Final scores: testing phase</a:t>
+            </a:r>
+            <a:endParaRPr b="1"/>
+          </a:p>
+        </p:txBody>
+      </p:sp>
+      <p:sp>
+        <p:nvSpPr>
+          <p:cNvPr id="253" name="Google Shape;253;g2a0c6f9b0a2_0_103"/>
+          <p:cNvSpPr txBox="1"/>
+          <p:nvPr>
+            <p:ph idx="4294967295" type="body"/>
+          </p:nvPr>
+        </p:nvSpPr>
+        <p:spPr>
+          <a:xfrm>
+            <a:off x="311700" y="945300"/>
+            <a:ext cx="8520600" cy="4048200"/>
+          </a:xfrm>
+          <a:prstGeom prst="rect">
+            <a:avLst/>
+          </a:prstGeom>
+          <a:noFill/>
+          <a:ln>
+            <a:noFill/>
+          </a:ln>
+        </p:spPr>
+        <p:txBody>
+          <a:bodyPr anchorCtr="0" anchor="t" bIns="91425" lIns="91425" spcFirstLastPara="1" rIns="91425" wrap="square" tIns="91425">
+            <a:noAutofit/>
+          </a:bodyPr>
+          <a:lstStyle/>
+          <a:p>
+            <a:pPr indent="0" lvl="0" marL="0" rtl="0" algn="l">
+              <a:lnSpc>
+                <a:spcPct val="115000"/>
+              </a:lnSpc>
+              <a:spcBef>
+                <a:spcPts val="0"/>
+              </a:spcBef>
+              <a:spcAft>
+                <a:spcPts val="0"/>
+              </a:spcAft>
+              <a:buSzPts val="1300"/>
+              <a:buNone/>
+            </a:pPr>
+            <a:r>
+              <a:rPr lang="en" sz="1500">
+                <a:latin typeface="Montserrat"/>
+                <a:ea typeface="Montserrat"/>
+                <a:cs typeface="Montserrat"/>
+                <a:sym typeface="Montserrat"/>
+              </a:rPr>
+              <a:t>Test d</a:t>
+            </a:r>
+            <a:r>
+              <a:rPr lang="en" sz="1500">
+                <a:latin typeface="Montserrat"/>
+                <a:ea typeface="Montserrat"/>
+                <a:cs typeface="Montserrat"/>
+                <a:sym typeface="Montserrat"/>
+              </a:rPr>
+              <a:t>ataset splitting</a:t>
+            </a:r>
+            <a:endParaRPr b="1" sz="1500">
+              <a:latin typeface="Montserrat"/>
+              <a:ea typeface="Montserrat"/>
+              <a:cs typeface="Montserrat"/>
+              <a:sym typeface="Montserrat"/>
+            </a:endParaRPr>
+          </a:p>
+        </p:txBody>
+      </p:sp>
+      <p:sp>
+        <p:nvSpPr>
+          <p:cNvPr id="254" name="Google Shape;254;g2a0c6f9b0a2_0_103"/>
+          <p:cNvSpPr txBox="1"/>
+          <p:nvPr>
+            <p:ph idx="12" type="sldNum"/>
+          </p:nvPr>
+        </p:nvSpPr>
+        <p:spPr>
+          <a:xfrm>
+            <a:off x="8472458" y="4663217"/>
+            <a:ext cx="548700" cy="393600"/>
+          </a:xfrm>
+          <a:prstGeom prst="rect">
+            <a:avLst/>
+          </a:prstGeom>
+          <a:noFill/>
+          <a:ln>
+            <a:noFill/>
+          </a:ln>
+        </p:spPr>
+        <p:txBody>
+          <a:bodyPr anchorCtr="0" anchor="ctr" bIns="91425" lIns="91425" spcFirstLastPara="1" rIns="91425" wrap="square" tIns="91425">
+            <a:normAutofit/>
+          </a:bodyPr>
+          <a:lstStyle/>
+          <a:p>
+            <a:pPr indent="0" lvl="0" marL="0" rtl="0" algn="r">
+              <a:lnSpc>
+                <a:spcPct val="100000"/>
+              </a:lnSpc>
+              <a:spcBef>
+                <a:spcPts val="0"/>
+              </a:spcBef>
+              <a:spcAft>
+                <a:spcPts val="0"/>
+              </a:spcAft>
+              <a:buSzPts val="1000"/>
+              <a:buNone/>
+            </a:pPr>
+            <a:fld id="{00000000-1234-1234-1234-123412341234}" type="slidenum">
+              <a:rPr lang="en"/>
+              <a:t>‹#›</a:t>
+            </a:fld>
+            <a:endParaRPr/>
+          </a:p>
+        </p:txBody>
+      </p:sp>
+    </p:spTree>
+  </p:cSld>
+  <p:clrMapOvr>
+    <a:masterClrMapping/>
+  </p:clrMapOvr>
+</p:sld>
+</file>
+
+<file path=ppt/slides/slide18.xml><?xml version="1.0" encoding="utf-8"?>
+<p:sld xmlns:a="http://schemas.openxmlformats.org/drawingml/2006/main" xmlns:r="http://schemas.openxmlformats.org/officeDocument/2006/relationships" xmlns:mc="http://schemas.openxmlformats.org/markup-compatibility/2006" xmlns:mv="urn:schemas-microsoft-com:mac:vml" xmlns:p="http://schemas.openxmlformats.org/presentationml/2006/main" xmlns:c="http://schemas.openxmlformats.org/drawingml/2006/chart" xmlns:dgm="http://schemas.openxmlformats.org/drawingml/2006/diagram" xmlns:o="urn:schemas-microsoft-com:office:office" xmlns:v="urn:schemas-microsoft-com:vml" xmlns:pvml="urn:schemas-microsoft-com:office:powerpoint" xmlns:com="http://schemas.openxmlformats.org/drawingml/2006/compatibility" xmlns:p14="http://schemas.microsoft.com/office/powerpoint/2010/main" xmlns:p15="http://schemas.microsoft.com/office/powerpoint/2012/main" xmlns:ahyp="http://schemas.microsoft.com/office/drawing/2018/hyperlinkcolor">
+  <p:cSld>
+    <p:spTree>
+      <p:nvGrpSpPr>
+        <p:cNvPr id="258" name="Shape 258"/>
+        <p:cNvGrpSpPr/>
+        <p:nvPr/>
+      </p:nvGrpSpPr>
+      <p:grpSpPr>
+        <a:xfrm>
+          <a:off x="0" y="0"/>
+          <a:ext cx="0" cy="0"/>
+          <a:chOff x="0" y="0"/>
+          <a:chExt cx="0" cy="0"/>
+        </a:xfrm>
+      </p:grpSpPr>
+      <p:sp>
+        <p:nvSpPr>
+          <p:cNvPr id="259" name="Google Shape;259;g2a0c6f9b0a2_0_109"/>
+          <p:cNvSpPr txBox="1"/>
+          <p:nvPr>
+            <p:ph idx="4294967295" type="title"/>
+          </p:nvPr>
+        </p:nvSpPr>
+        <p:spPr>
+          <a:xfrm>
+            <a:off x="719525" y="267425"/>
+            <a:ext cx="7038900" cy="592800"/>
+          </a:xfrm>
+          <a:prstGeom prst="rect">
+            <a:avLst/>
+          </a:prstGeom>
+          <a:noFill/>
+          <a:ln>
+            <a:noFill/>
+          </a:ln>
+        </p:spPr>
+        <p:txBody>
+          <a:bodyPr anchorCtr="0" anchor="t" bIns="91425" lIns="91425" spcFirstLastPara="1" rIns="91425" wrap="square" tIns="91425">
+            <a:normAutofit fontScale="90000"/>
+          </a:bodyPr>
+          <a:lstStyle/>
+          <a:p>
+            <a:pPr indent="0" lvl="0" marL="0" rtl="0" algn="l">
+              <a:lnSpc>
+                <a:spcPct val="100000"/>
+              </a:lnSpc>
+              <a:spcBef>
+                <a:spcPts val="0"/>
+              </a:spcBef>
+              <a:spcAft>
+                <a:spcPts val="0"/>
+              </a:spcAft>
+              <a:buSzPct val="119034"/>
+              <a:buNone/>
+            </a:pPr>
+            <a:r>
+              <a:rPr b="1" lang="en"/>
+              <a:t>Conclusions</a:t>
+            </a:r>
+            <a:endParaRPr b="1"/>
+          </a:p>
+        </p:txBody>
+      </p:sp>
+      <p:sp>
+        <p:nvSpPr>
+          <p:cNvPr id="260" name="Google Shape;260;g2a0c6f9b0a2_0_109"/>
           <p:cNvSpPr txBox="1"/>
           <p:nvPr>
             <p:ph idx="4294967295" type="body"/>
@@ -17670,6 +18165,9 @@
           <a:lstStyle/>
           <a:p>
             <a:pPr indent="-323850" lvl="0" marL="457200" rtl="0" algn="l">
+              <a:lnSpc>
+                <a:spcPct val="115000"/>
+              </a:lnSpc>
               <a:spcBef>
                 <a:spcPts val="0"/>
               </a:spcBef>
@@ -17687,7 +18185,16 @@
                 <a:cs typeface="Montserrat"/>
                 <a:sym typeface="Montserrat"/>
               </a:rPr>
-              <a:t>Test set divided into further mini-sets:</a:t>
+              <a:t>F</a:t>
+            </a:r>
+            <a:r>
+              <a:rPr lang="en" sz="1500">
+                <a:latin typeface="Montserrat"/>
+                <a:ea typeface="Montserrat"/>
+                <a:cs typeface="Montserrat"/>
+                <a:sym typeface="Montserrat"/>
+              </a:rPr>
+              <a:t>eatures</a:t>
             </a:r>
             <a:endParaRPr sz="1500">
               <a:latin typeface="Montserrat"/>
@@ -17698,6 +18205,233 @@
           </a:p>
           <a:p>
             <a:pPr indent="-323850" lvl="1" marL="914400" rtl="0" algn="l">
+              <a:lnSpc>
+                <a:spcPct val="115000"/>
+              </a:lnSpc>
+              <a:spcBef>
+                <a:spcPts val="0"/>
+              </a:spcBef>
+              <a:spcAft>
+                <a:spcPts val="0"/>
+              </a:spcAft>
+              <a:buSzPts val="1500"/>
+              <a:buFont typeface="Montserrat"/>
+              <a:buChar char="○"/>
+            </a:pPr>
+            <a:r>
+              <a:t/>
+            </a:r>
+            <a:endParaRPr sz="1500">
+              <a:latin typeface="Montserrat"/>
+              <a:ea typeface="Montserrat"/>
+              <a:cs typeface="Montserrat"/>
+              <a:sym typeface="Montserrat"/>
+            </a:endParaRPr>
+          </a:p>
+          <a:p>
+            <a:pPr indent="-323850" lvl="0" marL="457200" rtl="0" algn="l">
+              <a:lnSpc>
+                <a:spcPct val="115000"/>
+              </a:lnSpc>
+              <a:spcBef>
+                <a:spcPts val="0"/>
+              </a:spcBef>
+              <a:spcAft>
+                <a:spcPts val="0"/>
+              </a:spcAft>
+              <a:buSzPts val="1500"/>
+              <a:buFont typeface="Montserrat"/>
+              <a:buChar char="●"/>
+            </a:pPr>
+            <a:r>
+              <a:rPr lang="en" sz="1500">
+                <a:latin typeface="Montserrat"/>
+                <a:ea typeface="Montserrat"/>
+                <a:cs typeface="Montserrat"/>
+                <a:sym typeface="Montserrat"/>
+              </a:rPr>
+              <a:t>Splitting methods and models</a:t>
+            </a:r>
+            <a:endParaRPr sz="1500">
+              <a:latin typeface="Montserrat"/>
+              <a:ea typeface="Montserrat"/>
+              <a:cs typeface="Montserrat"/>
+              <a:sym typeface="Montserrat"/>
+            </a:endParaRPr>
+          </a:p>
+          <a:p>
+            <a:pPr indent="-323850" lvl="1" marL="914400" rtl="0" algn="l">
+              <a:lnSpc>
+                <a:spcPct val="115000"/>
+              </a:lnSpc>
+              <a:spcBef>
+                <a:spcPts val="0"/>
+              </a:spcBef>
+              <a:spcAft>
+                <a:spcPts val="0"/>
+              </a:spcAft>
+              <a:buSzPts val="1500"/>
+              <a:buFont typeface="Montserrat"/>
+              <a:buChar char="○"/>
+            </a:pPr>
+            <a:r>
+              <a:t/>
+            </a:r>
+            <a:endParaRPr sz="1500">
+              <a:latin typeface="Montserrat"/>
+              <a:ea typeface="Montserrat"/>
+              <a:cs typeface="Montserrat"/>
+              <a:sym typeface="Montserrat"/>
+            </a:endParaRPr>
+          </a:p>
+          <a:p>
+            <a:pPr indent="-323850" lvl="0" marL="457200" rtl="0" algn="l">
+              <a:lnSpc>
+                <a:spcPct val="115000"/>
+              </a:lnSpc>
+              <a:spcBef>
+                <a:spcPts val="0"/>
+              </a:spcBef>
+              <a:spcAft>
+                <a:spcPts val="0"/>
+              </a:spcAft>
+              <a:buSzPts val="1500"/>
+              <a:buFont typeface="Montserrat"/>
+              <a:buChar char="●"/>
+            </a:pPr>
+            <a:r>
+              <a:rPr lang="en" sz="1500">
+                <a:latin typeface="Montserrat"/>
+                <a:ea typeface="Montserrat"/>
+                <a:cs typeface="Montserrat"/>
+                <a:sym typeface="Montserrat"/>
+              </a:rPr>
+              <a:t>Test dataset splitting</a:t>
+            </a:r>
+            <a:endParaRPr sz="1500">
+              <a:latin typeface="Montserrat"/>
+              <a:ea typeface="Montserrat"/>
+              <a:cs typeface="Montserrat"/>
+              <a:sym typeface="Montserrat"/>
+            </a:endParaRPr>
+          </a:p>
+          <a:p>
+            <a:pPr indent="-323850" lvl="1" marL="914400" rtl="0" algn="l">
+              <a:lnSpc>
+                <a:spcPct val="115000"/>
+              </a:lnSpc>
+              <a:spcBef>
+                <a:spcPts val="0"/>
+              </a:spcBef>
+              <a:spcAft>
+                <a:spcPts val="0"/>
+              </a:spcAft>
+              <a:buSzPts val="1500"/>
+              <a:buFont typeface="Montserrat"/>
+              <a:buChar char="○"/>
+            </a:pPr>
+            <a:r>
+              <a:t/>
+            </a:r>
+            <a:endParaRPr sz="1500">
+              <a:latin typeface="Montserrat"/>
+              <a:ea typeface="Montserrat"/>
+              <a:cs typeface="Montserrat"/>
+              <a:sym typeface="Montserrat"/>
+            </a:endParaRPr>
+          </a:p>
+          <a:p>
+            <a:pPr indent="-323850" lvl="0" marL="457200" rtl="0" algn="l">
+              <a:lnSpc>
+                <a:spcPct val="115000"/>
+              </a:lnSpc>
+              <a:spcBef>
+                <a:spcPts val="0"/>
+              </a:spcBef>
+              <a:spcAft>
+                <a:spcPts val="0"/>
+              </a:spcAft>
+              <a:buSzPts val="1500"/>
+              <a:buFont typeface="Montserrat"/>
+              <a:buChar char="●"/>
+            </a:pPr>
+            <a:r>
+              <a:rPr lang="en" sz="1500">
+                <a:latin typeface="Montserrat"/>
+                <a:ea typeface="Montserrat"/>
+                <a:cs typeface="Montserrat"/>
+                <a:sym typeface="Montserrat"/>
+              </a:rPr>
+              <a:t>Answer to the initial question</a:t>
+            </a:r>
+            <a:endParaRPr sz="1500">
+              <a:latin typeface="Montserrat"/>
+              <a:ea typeface="Montserrat"/>
+              <a:cs typeface="Montserrat"/>
+              <a:sym typeface="Montserrat"/>
+            </a:endParaRPr>
+          </a:p>
+          <a:p>
+            <a:pPr indent="-323850" lvl="1" marL="914400" rtl="0" algn="l">
+              <a:lnSpc>
+                <a:spcPct val="115000"/>
+              </a:lnSpc>
+              <a:spcBef>
+                <a:spcPts val="0"/>
+              </a:spcBef>
+              <a:spcAft>
+                <a:spcPts val="0"/>
+              </a:spcAft>
+              <a:buSzPts val="1500"/>
+              <a:buFont typeface="Montserrat"/>
+              <a:buChar char="○"/>
+            </a:pPr>
+            <a:r>
+              <a:t/>
+            </a:r>
+            <a:endParaRPr sz="1500">
+              <a:latin typeface="Montserrat"/>
+              <a:ea typeface="Montserrat"/>
+              <a:cs typeface="Montserrat"/>
+              <a:sym typeface="Montserrat"/>
+            </a:endParaRPr>
+          </a:p>
+          <a:p>
+            <a:pPr indent="-323850" lvl="0" marL="457200" rtl="0" algn="l">
+              <a:lnSpc>
+                <a:spcPct val="115000"/>
+              </a:lnSpc>
+              <a:spcBef>
+                <a:spcPts val="0"/>
+              </a:spcBef>
+              <a:spcAft>
+                <a:spcPts val="0"/>
+              </a:spcAft>
+              <a:buSzPts val="1500"/>
+              <a:buFont typeface="Montserrat"/>
+              <a:buChar char="●"/>
+            </a:pPr>
+            <a:r>
+              <a:rPr lang="en" sz="1500">
+                <a:latin typeface="Montserrat"/>
+                <a:ea typeface="Montserrat"/>
+                <a:cs typeface="Montserrat"/>
+                <a:sym typeface="Montserrat"/>
+              </a:rPr>
+              <a:t>Future developments:</a:t>
+            </a:r>
+            <a:endParaRPr sz="1500">
+              <a:latin typeface="Montserrat"/>
+              <a:ea typeface="Montserrat"/>
+              <a:cs typeface="Montserrat"/>
+              <a:sym typeface="Montserrat"/>
+            </a:endParaRPr>
+          </a:p>
+          <a:p>
+            <a:pPr indent="-323850" lvl="1" marL="914400" rtl="0" algn="l">
+              <a:lnSpc>
+                <a:spcPct val="115000"/>
+              </a:lnSpc>
               <a:spcBef>
                 <a:spcPts val="0"/>
               </a:spcBef>
@@ -17715,7 +18449,7 @@
                 <a:cs typeface="Montserrat"/>
                 <a:sym typeface="Montserrat"/>
               </a:rPr>
-              <a:t>1 week</a:t>
+              <a:t>Create a sliding window on features so that additional historical data is used</a:t>
             </a:r>
             <a:endParaRPr sz="1500">
               <a:latin typeface="Montserrat"/>
@@ -17726,6 +18460,9 @@
           </a:p>
           <a:p>
             <a:pPr indent="-323850" lvl="1" marL="914400" rtl="0" algn="l">
+              <a:lnSpc>
+                <a:spcPct val="115000"/>
+              </a:lnSpc>
               <a:spcBef>
                 <a:spcPts val="0"/>
               </a:spcBef>
@@ -17743,7 +18480,7 @@
                 <a:cs typeface="Montserrat"/>
                 <a:sym typeface="Montserrat"/>
               </a:rPr>
-              <a:t>15 days</a:t>
+              <a:t>Using deep learning approaches such as CNNs (LSTM, ARIMA...) </a:t>
             </a:r>
             <a:endParaRPr sz="1500">
               <a:latin typeface="Montserrat"/>
@@ -17754,6 +18491,9 @@
           </a:p>
           <a:p>
             <a:pPr indent="-323850" lvl="1" marL="914400" rtl="0" algn="l">
+              <a:lnSpc>
+                <a:spcPct val="115000"/>
+              </a:lnSpc>
               <a:spcBef>
                 <a:spcPts val="0"/>
               </a:spcBef>
@@ -17771,113 +18511,9 @@
                 <a:cs typeface="Montserrat"/>
                 <a:sym typeface="Montserrat"/>
               </a:rPr>
-              <a:t>1 month</a:t>
+              <a:t>Implementing transformer models that exploit self-attention</a:t>
             </a:r>
             <a:endParaRPr sz="1500">
-              <a:latin typeface="Montserrat"/>
-              <a:ea typeface="Montserrat"/>
-              <a:cs typeface="Montserrat"/>
-              <a:sym typeface="Montserrat"/>
-            </a:endParaRPr>
-          </a:p>
-          <a:p>
-            <a:pPr indent="-323850" lvl="1" marL="914400" rtl="0" algn="l">
-              <a:spcBef>
-                <a:spcPts val="0"/>
-              </a:spcBef>
-              <a:spcAft>
-                <a:spcPts val="0"/>
-              </a:spcAft>
-              <a:buSzPts val="1500"/>
-              <a:buFont typeface="Montserrat"/>
-              <a:buChar char="○"/>
-            </a:pPr>
-            <a:r>
-              <a:rPr lang="en" sz="1500">
-                <a:latin typeface="Montserrat"/>
-                <a:ea typeface="Montserrat"/>
-                <a:cs typeface="Montserrat"/>
-                <a:sym typeface="Montserrat"/>
-              </a:rPr>
-              <a:t>3 months</a:t>
-            </a:r>
-            <a:endParaRPr sz="1500">
-              <a:latin typeface="Montserrat"/>
-              <a:ea typeface="Montserrat"/>
-              <a:cs typeface="Montserrat"/>
-              <a:sym typeface="Montserrat"/>
-            </a:endParaRPr>
-          </a:p>
-          <a:p>
-            <a:pPr indent="-323850" lvl="0" marL="457200" rtl="0" algn="l">
-              <a:spcBef>
-                <a:spcPts val="0"/>
-              </a:spcBef>
-              <a:spcAft>
-                <a:spcPts val="0"/>
-              </a:spcAft>
-              <a:buSzPts val="1500"/>
-              <a:buFont typeface="Montserrat"/>
-              <a:buChar char="●"/>
-            </a:pPr>
-            <a:r>
-              <a:rPr lang="en" sz="1500">
-                <a:latin typeface="Montserrat"/>
-                <a:ea typeface="Montserrat"/>
-                <a:cs typeface="Montserrat"/>
-                <a:sym typeface="Montserrat"/>
-              </a:rPr>
-              <a:t>See how models' performance degrades as time increases. </a:t>
-            </a:r>
-            <a:endParaRPr sz="1500">
-              <a:latin typeface="Montserrat"/>
-              <a:ea typeface="Montserrat"/>
-              <a:cs typeface="Montserrat"/>
-              <a:sym typeface="Montserrat"/>
-            </a:endParaRPr>
-          </a:p>
-          <a:p>
-            <a:pPr indent="-323850" lvl="0" marL="457200" rtl="0" algn="l">
-              <a:spcBef>
-                <a:spcPts val="0"/>
-              </a:spcBef>
-              <a:spcAft>
-                <a:spcPts val="0"/>
-              </a:spcAft>
-              <a:buSzPts val="1500"/>
-              <a:buFont typeface="Montserrat"/>
-              <a:buChar char="●"/>
-            </a:pPr>
-            <a:r>
-              <a:rPr lang="en" sz="1500">
-                <a:latin typeface="Montserrat"/>
-                <a:ea typeface="Montserrat"/>
-                <a:cs typeface="Montserrat"/>
-                <a:sym typeface="Montserrat"/>
-              </a:rPr>
-              <a:t>Final results are collected and compared to draw conclusions (see next)</a:t>
-            </a:r>
-            <a:endParaRPr sz="1500">
-              <a:latin typeface="Montserrat"/>
-              <a:ea typeface="Montserrat"/>
-              <a:cs typeface="Montserrat"/>
-              <a:sym typeface="Montserrat"/>
-            </a:endParaRPr>
-          </a:p>
-          <a:p>
-            <a:pPr indent="0" lvl="0" marL="0" rtl="0" algn="l">
-              <a:spcBef>
-                <a:spcPts val="0"/>
-              </a:spcBef>
-              <a:spcAft>
-                <a:spcPts val="0"/>
-              </a:spcAft>
-              <a:buNone/>
-            </a:pPr>
-            <a:r>
-              <a:t/>
-            </a:r>
-            <a:endParaRPr b="1" sz="1500">
               <a:latin typeface="Montserrat"/>
               <a:ea typeface="Montserrat"/>
               <a:cs typeface="Montserrat"/>
@@ -17888,7 +18524,7 @@
       </p:sp>
       <p:sp>
         <p:nvSpPr>
-          <p:cNvPr id="238" name="Google Shape;238;g2a0c6f9b0a2_0_84"/>
+          <p:cNvPr id="261" name="Google Shape;261;g2a0c6f9b0a2_0_109"/>
           <p:cNvSpPr txBox="1"/>
           <p:nvPr>
             <p:ph idx="12" type="sldNum"/>
@@ -17942,12 +18578,19 @@
 </p:sld>
 </file>
 
-<file path=ppt/slides/slide16.xml><?xml version="1.0" encoding="utf-8"?>
+<file path=ppt/slides/slide19.xml><?xml version="1.0" encoding="utf-8"?>
 <p:sld xmlns:a="http://schemas.openxmlformats.org/drawingml/2006/main" xmlns:r="http://schemas.openxmlformats.org/officeDocument/2006/relationships" xmlns:mc="http://schemas.openxmlformats.org/markup-compatibility/2006" xmlns:mv="urn:schemas-microsoft-com:mac:vml" xmlns:p="http://schemas.openxmlformats.org/presentationml/2006/main" xmlns:c="http://schemas.openxmlformats.org/drawingml/2006/chart" xmlns:dgm="http://schemas.openxmlformats.org/drawingml/2006/diagram" xmlns:o="urn:schemas-microsoft-com:office:office" xmlns:v="urn:schemas-microsoft-com:vml" xmlns:pvml="urn:schemas-microsoft-com:office:powerpoint" xmlns:com="http://schemas.openxmlformats.org/drawingml/2006/compatibility" xmlns:p14="http://schemas.microsoft.com/office/powerpoint/2010/main" xmlns:p15="http://schemas.microsoft.com/office/powerpoint/2012/main" xmlns:ahyp="http://schemas.microsoft.com/office/drawing/2018/hyperlinkcolor">
   <p:cSld>
+    <p:bg>
+      <p:bgPr>
+        <a:solidFill>
+          <a:schemeClr val="dk1"/>
+        </a:solidFill>
+      </p:bgPr>
+    </p:bg>
     <p:spTree>
       <p:nvGrpSpPr>
-        <p:cNvPr id="242" name="Shape 242"/>
+        <p:cNvPr id="265" name="Shape 265"/>
         <p:cNvGrpSpPr/>
         <p:nvPr/>
       </p:nvGrpSpPr>
@@ -17961,16 +18604,14 @@
       </p:grpSpPr>
       <p:sp>
         <p:nvSpPr>
-          <p:cNvPr id="243" name="Google Shape;243;g2a0c6f9b0a2_0_91"/>
+          <p:cNvPr id="266" name="Google Shape;266;g26e1760ff98_1_133"/>
           <p:cNvSpPr txBox="1"/>
-          <p:nvPr>
-            <p:ph idx="4294967295" type="title"/>
-          </p:nvPr>
+          <p:nvPr/>
         </p:nvSpPr>
         <p:spPr>
           <a:xfrm>
-            <a:off x="719525" y="267425"/>
-            <a:ext cx="7038900" cy="592800"/>
+            <a:off x="3040225" y="2075207"/>
+            <a:ext cx="4722000" cy="727500"/>
           </a:xfrm>
           <a:prstGeom prst="rect">
             <a:avLst/>
@@ -17981,954 +18622,49 @@
           </a:ln>
         </p:spPr>
         <p:txBody>
-          <a:bodyPr anchorCtr="0" anchor="t" bIns="91425" lIns="91425" spcFirstLastPara="1" rIns="91425" wrap="square" tIns="91425">
-            <a:normAutofit fontScale="90000"/>
-          </a:bodyPr>
-          <a:lstStyle/>
-          <a:p>
-            <a:pPr indent="0" lvl="0" marL="0" rtl="0" algn="l">
-              <a:spcBef>
-                <a:spcPts val="0"/>
-              </a:spcBef>
-              <a:spcAft>
-                <a:spcPts val="0"/>
-              </a:spcAft>
-              <a:buSzPct val="119034"/>
-              <a:buNone/>
-            </a:pPr>
-            <a:r>
-              <a:rPr b="1" lang="en"/>
-              <a:t>3 - Final scores: train / validation phase</a:t>
-            </a:r>
-            <a:endParaRPr b="1"/>
-          </a:p>
-        </p:txBody>
-      </p:sp>
-      <p:sp>
-        <p:nvSpPr>
-          <p:cNvPr id="244" name="Google Shape;244;g2a0c6f9b0a2_0_91"/>
-          <p:cNvSpPr txBox="1"/>
-          <p:nvPr>
-            <p:ph idx="4294967295" type="body"/>
-          </p:nvPr>
-        </p:nvSpPr>
-        <p:spPr>
-          <a:xfrm>
-            <a:off x="311700" y="945300"/>
-            <a:ext cx="8520600" cy="4048200"/>
-          </a:xfrm>
-          <a:prstGeom prst="rect">
-            <a:avLst/>
-          </a:prstGeom>
-          <a:noFill/>
-          <a:ln>
-            <a:noFill/>
-          </a:ln>
-        </p:spPr>
-        <p:txBody>
-          <a:bodyPr anchorCtr="0" anchor="t" bIns="91425" lIns="91425" spcFirstLastPara="1" rIns="91425" wrap="square" tIns="91425">
+          <a:bodyPr anchorCtr="0" anchor="t" bIns="45700" lIns="91425" spcFirstLastPara="1" rIns="91425" wrap="square" tIns="45700">
             <a:noAutofit/>
           </a:bodyPr>
           <a:lstStyle/>
           <a:p>
-            <a:pPr indent="0" lvl="0" marL="0" rtl="0" algn="l">
-              <a:spcBef>
-                <a:spcPts val="0"/>
-              </a:spcBef>
-              <a:spcAft>
-                <a:spcPts val="0"/>
-              </a:spcAft>
+            <a:pPr indent="0" lvl="0" marL="0" marR="0" rtl="0" algn="l">
+              <a:lnSpc>
+                <a:spcPct val="100000"/>
+              </a:lnSpc>
+              <a:spcBef>
+                <a:spcPts val="0"/>
+              </a:spcBef>
+              <a:spcAft>
+                <a:spcPts val="0"/>
+              </a:spcAft>
+              <a:buClr>
+                <a:srgbClr val="000000"/>
+              </a:buClr>
+              <a:buSzPts val="3000"/>
+              <a:buFont typeface="Arial"/>
               <a:buNone/>
             </a:pPr>
             <a:r>
-              <a:rPr lang="en" sz="1500">
-                <a:latin typeface="Montserrat"/>
-                <a:ea typeface="Montserrat"/>
-                <a:cs typeface="Montserrat"/>
-                <a:sym typeface="Montserrat"/>
+              <a:rPr b="1" i="0" lang="en" sz="3000" u="none" cap="none" strike="noStrike">
+                <a:solidFill>
+                  <a:srgbClr val="FFFFFF"/>
+                </a:solidFill>
+                <a:latin typeface="Roboto"/>
+                <a:ea typeface="Roboto"/>
+                <a:cs typeface="Roboto"/>
+                <a:sym typeface="Roboto"/>
               </a:rPr>
-              <a:t>Features</a:t>
+              <a:t>Thanks for the attention</a:t>
             </a:r>
-            <a:endParaRPr b="1" sz="1500">
-              <a:latin typeface="Montserrat"/>
-              <a:ea typeface="Montserrat"/>
-              <a:cs typeface="Montserrat"/>
-              <a:sym typeface="Montserrat"/>
+            <a:endParaRPr b="0" i="0" sz="4300" u="none" cap="none" strike="noStrike">
+              <a:solidFill>
+                <a:srgbClr val="FFFFFF"/>
+              </a:solidFill>
+              <a:latin typeface="Roboto"/>
+              <a:ea typeface="Roboto"/>
+              <a:cs typeface="Roboto"/>
+              <a:sym typeface="Roboto"/>
             </a:endParaRPr>
-          </a:p>
-        </p:txBody>
-      </p:sp>
-      <p:sp>
-        <p:nvSpPr>
-          <p:cNvPr id="245" name="Google Shape;245;g2a0c6f9b0a2_0_91"/>
-          <p:cNvSpPr txBox="1"/>
-          <p:nvPr>
-            <p:ph idx="12" type="sldNum"/>
-          </p:nvPr>
-        </p:nvSpPr>
-        <p:spPr>
-          <a:xfrm>
-            <a:off x="8472458" y="4663217"/>
-            <a:ext cx="548700" cy="393600"/>
-          </a:xfrm>
-          <a:prstGeom prst="rect">
-            <a:avLst/>
-          </a:prstGeom>
-          <a:noFill/>
-          <a:ln>
-            <a:noFill/>
-          </a:ln>
-        </p:spPr>
-        <p:txBody>
-          <a:bodyPr anchorCtr="0" anchor="ctr" bIns="91425" lIns="91425" spcFirstLastPara="1" rIns="91425" wrap="square" tIns="91425">
-            <a:normAutofit/>
-          </a:bodyPr>
-          <a:lstStyle/>
-          <a:p>
-            <a:pPr indent="0" lvl="0" marL="0" rtl="0" algn="r">
-              <a:lnSpc>
-                <a:spcPct val="100000"/>
-              </a:lnSpc>
-              <a:spcBef>
-                <a:spcPts val="0"/>
-              </a:spcBef>
-              <a:spcAft>
-                <a:spcPts val="0"/>
-              </a:spcAft>
-              <a:buSzPts val="1000"/>
-              <a:buNone/>
-            </a:pPr>
-            <a:fld id="{00000000-1234-1234-1234-123412341234}" type="slidenum">
-              <a:rPr lang="en"/>
-              <a:t>‹#›</a:t>
-            </a:fld>
-            <a:endParaRPr/>
-          </a:p>
-        </p:txBody>
-      </p:sp>
-    </p:spTree>
-  </p:cSld>
-  <p:clrMapOvr>
-    <a:masterClrMapping/>
-  </p:clrMapOvr>
-</p:sld>
-</file>
-
-<file path=ppt/slides/slide17.xml><?xml version="1.0" encoding="utf-8"?>
-<p:sld xmlns:a="http://schemas.openxmlformats.org/drawingml/2006/main" xmlns:r="http://schemas.openxmlformats.org/officeDocument/2006/relationships" xmlns:mc="http://schemas.openxmlformats.org/markup-compatibility/2006" xmlns:mv="urn:schemas-microsoft-com:mac:vml" xmlns:p="http://schemas.openxmlformats.org/presentationml/2006/main" xmlns:c="http://schemas.openxmlformats.org/drawingml/2006/chart" xmlns:dgm="http://schemas.openxmlformats.org/drawingml/2006/diagram" xmlns:o="urn:schemas-microsoft-com:office:office" xmlns:v="urn:schemas-microsoft-com:vml" xmlns:pvml="urn:schemas-microsoft-com:office:powerpoint" xmlns:com="http://schemas.openxmlformats.org/drawingml/2006/compatibility" xmlns:p14="http://schemas.microsoft.com/office/powerpoint/2010/main" xmlns:p15="http://schemas.microsoft.com/office/powerpoint/2012/main" xmlns:ahyp="http://schemas.microsoft.com/office/drawing/2018/hyperlinkcolor">
-  <p:cSld>
-    <p:spTree>
-      <p:nvGrpSpPr>
-        <p:cNvPr id="249" name="Shape 249"/>
-        <p:cNvGrpSpPr/>
-        <p:nvPr/>
-      </p:nvGrpSpPr>
-      <p:grpSpPr>
-        <a:xfrm>
-          <a:off x="0" y="0"/>
-          <a:ext cx="0" cy="0"/>
-          <a:chOff x="0" y="0"/>
-          <a:chExt cx="0" cy="0"/>
-        </a:xfrm>
-      </p:grpSpPr>
-      <p:sp>
-        <p:nvSpPr>
-          <p:cNvPr id="250" name="Google Shape;250;g2a0c6f9b0a2_0_97"/>
-          <p:cNvSpPr txBox="1"/>
-          <p:nvPr>
-            <p:ph idx="4294967295" type="title"/>
-          </p:nvPr>
-        </p:nvSpPr>
-        <p:spPr>
-          <a:xfrm>
-            <a:off x="719525" y="267425"/>
-            <a:ext cx="7038900" cy="592800"/>
-          </a:xfrm>
-          <a:prstGeom prst="rect">
-            <a:avLst/>
-          </a:prstGeom>
-          <a:noFill/>
-          <a:ln>
-            <a:noFill/>
-          </a:ln>
-        </p:spPr>
-        <p:txBody>
-          <a:bodyPr anchorCtr="0" anchor="t" bIns="91425" lIns="91425" spcFirstLastPara="1" rIns="91425" wrap="square" tIns="91425">
-            <a:normAutofit fontScale="90000"/>
-          </a:bodyPr>
-          <a:lstStyle/>
-          <a:p>
-            <a:pPr indent="0" lvl="0" marL="0" rtl="0" algn="l">
-              <a:spcBef>
-                <a:spcPts val="0"/>
-              </a:spcBef>
-              <a:spcAft>
-                <a:spcPts val="0"/>
-              </a:spcAft>
-              <a:buSzPct val="119034"/>
-              <a:buNone/>
-            </a:pPr>
-            <a:r>
-              <a:rPr b="1" lang="en"/>
-              <a:t>3 - Final scores: train / validation phase</a:t>
-            </a:r>
-            <a:endParaRPr b="1"/>
-          </a:p>
-        </p:txBody>
-      </p:sp>
-      <p:sp>
-        <p:nvSpPr>
-          <p:cNvPr id="251" name="Google Shape;251;g2a0c6f9b0a2_0_97"/>
-          <p:cNvSpPr txBox="1"/>
-          <p:nvPr>
-            <p:ph idx="4294967295" type="body"/>
-          </p:nvPr>
-        </p:nvSpPr>
-        <p:spPr>
-          <a:xfrm>
-            <a:off x="311700" y="945300"/>
-            <a:ext cx="8520600" cy="4048200"/>
-          </a:xfrm>
-          <a:prstGeom prst="rect">
-            <a:avLst/>
-          </a:prstGeom>
-          <a:noFill/>
-          <a:ln>
-            <a:noFill/>
-          </a:ln>
-        </p:spPr>
-        <p:txBody>
-          <a:bodyPr anchorCtr="0" anchor="t" bIns="91425" lIns="91425" spcFirstLastPara="1" rIns="91425" wrap="square" tIns="91425">
-            <a:noAutofit/>
-          </a:bodyPr>
-          <a:lstStyle/>
-          <a:p>
-            <a:pPr indent="0" lvl="0" marL="0" rtl="0" algn="l">
-              <a:spcBef>
-                <a:spcPts val="0"/>
-              </a:spcBef>
-              <a:spcAft>
-                <a:spcPts val="0"/>
-              </a:spcAft>
-              <a:buNone/>
-            </a:pPr>
-            <a:r>
-              <a:rPr lang="en" sz="1500">
-                <a:latin typeface="Montserrat"/>
-                <a:ea typeface="Montserrat"/>
-                <a:cs typeface="Montserrat"/>
-                <a:sym typeface="Montserrat"/>
-              </a:rPr>
-              <a:t>Splitting methods and models</a:t>
-            </a:r>
-            <a:endParaRPr b="1" sz="1500">
-              <a:latin typeface="Montserrat"/>
-              <a:ea typeface="Montserrat"/>
-              <a:cs typeface="Montserrat"/>
-              <a:sym typeface="Montserrat"/>
-            </a:endParaRPr>
-          </a:p>
-        </p:txBody>
-      </p:sp>
-      <p:sp>
-        <p:nvSpPr>
-          <p:cNvPr id="252" name="Google Shape;252;g2a0c6f9b0a2_0_97"/>
-          <p:cNvSpPr txBox="1"/>
-          <p:nvPr>
-            <p:ph idx="12" type="sldNum"/>
-          </p:nvPr>
-        </p:nvSpPr>
-        <p:spPr>
-          <a:xfrm>
-            <a:off x="8472458" y="4663217"/>
-            <a:ext cx="548700" cy="393600"/>
-          </a:xfrm>
-          <a:prstGeom prst="rect">
-            <a:avLst/>
-          </a:prstGeom>
-          <a:noFill/>
-          <a:ln>
-            <a:noFill/>
-          </a:ln>
-        </p:spPr>
-        <p:txBody>
-          <a:bodyPr anchorCtr="0" anchor="ctr" bIns="91425" lIns="91425" spcFirstLastPara="1" rIns="91425" wrap="square" tIns="91425">
-            <a:normAutofit/>
-          </a:bodyPr>
-          <a:lstStyle/>
-          <a:p>
-            <a:pPr indent="0" lvl="0" marL="0" rtl="0" algn="r">
-              <a:lnSpc>
-                <a:spcPct val="100000"/>
-              </a:lnSpc>
-              <a:spcBef>
-                <a:spcPts val="0"/>
-              </a:spcBef>
-              <a:spcAft>
-                <a:spcPts val="0"/>
-              </a:spcAft>
-              <a:buSzPts val="1000"/>
-              <a:buNone/>
-            </a:pPr>
-            <a:fld id="{00000000-1234-1234-1234-123412341234}" type="slidenum">
-              <a:rPr lang="en"/>
-              <a:t>‹#›</a:t>
-            </a:fld>
-            <a:endParaRPr/>
-          </a:p>
-        </p:txBody>
-      </p:sp>
-    </p:spTree>
-  </p:cSld>
-  <p:clrMapOvr>
-    <a:masterClrMapping/>
-  </p:clrMapOvr>
-</p:sld>
-</file>
-
-<file path=ppt/slides/slide18.xml><?xml version="1.0" encoding="utf-8"?>
-<p:sld xmlns:a="http://schemas.openxmlformats.org/drawingml/2006/main" xmlns:r="http://schemas.openxmlformats.org/officeDocument/2006/relationships" xmlns:mc="http://schemas.openxmlformats.org/markup-compatibility/2006" xmlns:mv="urn:schemas-microsoft-com:mac:vml" xmlns:p="http://schemas.openxmlformats.org/presentationml/2006/main" xmlns:c="http://schemas.openxmlformats.org/drawingml/2006/chart" xmlns:dgm="http://schemas.openxmlformats.org/drawingml/2006/diagram" xmlns:o="urn:schemas-microsoft-com:office:office" xmlns:v="urn:schemas-microsoft-com:vml" xmlns:pvml="urn:schemas-microsoft-com:office:powerpoint" xmlns:com="http://schemas.openxmlformats.org/drawingml/2006/compatibility" xmlns:p14="http://schemas.microsoft.com/office/powerpoint/2010/main" xmlns:p15="http://schemas.microsoft.com/office/powerpoint/2012/main" xmlns:ahyp="http://schemas.microsoft.com/office/drawing/2018/hyperlinkcolor">
-  <p:cSld>
-    <p:spTree>
-      <p:nvGrpSpPr>
-        <p:cNvPr id="256" name="Shape 256"/>
-        <p:cNvGrpSpPr/>
-        <p:nvPr/>
-      </p:nvGrpSpPr>
-      <p:grpSpPr>
-        <a:xfrm>
-          <a:off x="0" y="0"/>
-          <a:ext cx="0" cy="0"/>
-          <a:chOff x="0" y="0"/>
-          <a:chExt cx="0" cy="0"/>
-        </a:xfrm>
-      </p:grpSpPr>
-      <p:sp>
-        <p:nvSpPr>
-          <p:cNvPr id="257" name="Google Shape;257;g2a0c6f9b0a2_0_103"/>
-          <p:cNvSpPr txBox="1"/>
-          <p:nvPr>
-            <p:ph idx="4294967295" type="title"/>
-          </p:nvPr>
-        </p:nvSpPr>
-        <p:spPr>
-          <a:xfrm>
-            <a:off x="719525" y="267425"/>
-            <a:ext cx="7038900" cy="592800"/>
-          </a:xfrm>
-          <a:prstGeom prst="rect">
-            <a:avLst/>
-          </a:prstGeom>
-          <a:noFill/>
-          <a:ln>
-            <a:noFill/>
-          </a:ln>
-        </p:spPr>
-        <p:txBody>
-          <a:bodyPr anchorCtr="0" anchor="t" bIns="91425" lIns="91425" spcFirstLastPara="1" rIns="91425" wrap="square" tIns="91425">
-            <a:normAutofit fontScale="90000"/>
-          </a:bodyPr>
-          <a:lstStyle/>
-          <a:p>
-            <a:pPr indent="0" lvl="0" marL="0" rtl="0" algn="l">
-              <a:spcBef>
-                <a:spcPts val="0"/>
-              </a:spcBef>
-              <a:spcAft>
-                <a:spcPts val="0"/>
-              </a:spcAft>
-              <a:buSzPct val="119034"/>
-              <a:buNone/>
-            </a:pPr>
-            <a:r>
-              <a:rPr b="1" lang="en"/>
-              <a:t>3 - Final scores: testing phase</a:t>
-            </a:r>
-            <a:endParaRPr b="1"/>
-          </a:p>
-        </p:txBody>
-      </p:sp>
-      <p:sp>
-        <p:nvSpPr>
-          <p:cNvPr id="258" name="Google Shape;258;g2a0c6f9b0a2_0_103"/>
-          <p:cNvSpPr txBox="1"/>
-          <p:nvPr>
-            <p:ph idx="4294967295" type="body"/>
-          </p:nvPr>
-        </p:nvSpPr>
-        <p:spPr>
-          <a:xfrm>
-            <a:off x="311700" y="945300"/>
-            <a:ext cx="8520600" cy="4048200"/>
-          </a:xfrm>
-          <a:prstGeom prst="rect">
-            <a:avLst/>
-          </a:prstGeom>
-          <a:noFill/>
-          <a:ln>
-            <a:noFill/>
-          </a:ln>
-        </p:spPr>
-        <p:txBody>
-          <a:bodyPr anchorCtr="0" anchor="t" bIns="91425" lIns="91425" spcFirstLastPara="1" rIns="91425" wrap="square" tIns="91425">
-            <a:noAutofit/>
-          </a:bodyPr>
-          <a:lstStyle/>
-          <a:p>
-            <a:pPr indent="0" lvl="0" marL="0" rtl="0" algn="l">
-              <a:spcBef>
-                <a:spcPts val="0"/>
-              </a:spcBef>
-              <a:spcAft>
-                <a:spcPts val="0"/>
-              </a:spcAft>
-              <a:buNone/>
-            </a:pPr>
-            <a:r>
-              <a:rPr lang="en" sz="1500">
-                <a:latin typeface="Montserrat"/>
-                <a:ea typeface="Montserrat"/>
-                <a:cs typeface="Montserrat"/>
-                <a:sym typeface="Montserrat"/>
-              </a:rPr>
-              <a:t>Dataset splitting</a:t>
-            </a:r>
-            <a:endParaRPr b="1" sz="1500">
-              <a:latin typeface="Montserrat"/>
-              <a:ea typeface="Montserrat"/>
-              <a:cs typeface="Montserrat"/>
-              <a:sym typeface="Montserrat"/>
-            </a:endParaRPr>
-          </a:p>
-        </p:txBody>
-      </p:sp>
-      <p:sp>
-        <p:nvSpPr>
-          <p:cNvPr id="259" name="Google Shape;259;g2a0c6f9b0a2_0_103"/>
-          <p:cNvSpPr txBox="1"/>
-          <p:nvPr>
-            <p:ph idx="12" type="sldNum"/>
-          </p:nvPr>
-        </p:nvSpPr>
-        <p:spPr>
-          <a:xfrm>
-            <a:off x="8472458" y="4663217"/>
-            <a:ext cx="548700" cy="393600"/>
-          </a:xfrm>
-          <a:prstGeom prst="rect">
-            <a:avLst/>
-          </a:prstGeom>
-          <a:noFill/>
-          <a:ln>
-            <a:noFill/>
-          </a:ln>
-        </p:spPr>
-        <p:txBody>
-          <a:bodyPr anchorCtr="0" anchor="ctr" bIns="91425" lIns="91425" spcFirstLastPara="1" rIns="91425" wrap="square" tIns="91425">
-            <a:normAutofit/>
-          </a:bodyPr>
-          <a:lstStyle/>
-          <a:p>
-            <a:pPr indent="0" lvl="0" marL="0" rtl="0" algn="r">
-              <a:lnSpc>
-                <a:spcPct val="100000"/>
-              </a:lnSpc>
-              <a:spcBef>
-                <a:spcPts val="0"/>
-              </a:spcBef>
-              <a:spcAft>
-                <a:spcPts val="0"/>
-              </a:spcAft>
-              <a:buSzPts val="1000"/>
-              <a:buNone/>
-            </a:pPr>
-            <a:fld id="{00000000-1234-1234-1234-123412341234}" type="slidenum">
-              <a:rPr lang="en"/>
-              <a:t>‹#›</a:t>
-            </a:fld>
-            <a:endParaRPr/>
-          </a:p>
-        </p:txBody>
-      </p:sp>
-    </p:spTree>
-  </p:cSld>
-  <p:clrMapOvr>
-    <a:masterClrMapping/>
-  </p:clrMapOvr>
-</p:sld>
-</file>
-
-<file path=ppt/slides/slide19.xml><?xml version="1.0" encoding="utf-8"?>
-<p:sld xmlns:a="http://schemas.openxmlformats.org/drawingml/2006/main" xmlns:r="http://schemas.openxmlformats.org/officeDocument/2006/relationships" xmlns:mc="http://schemas.openxmlformats.org/markup-compatibility/2006" xmlns:mv="urn:schemas-microsoft-com:mac:vml" xmlns:p="http://schemas.openxmlformats.org/presentationml/2006/main" xmlns:c="http://schemas.openxmlformats.org/drawingml/2006/chart" xmlns:dgm="http://schemas.openxmlformats.org/drawingml/2006/diagram" xmlns:o="urn:schemas-microsoft-com:office:office" xmlns:v="urn:schemas-microsoft-com:vml" xmlns:pvml="urn:schemas-microsoft-com:office:powerpoint" xmlns:com="http://schemas.openxmlformats.org/drawingml/2006/compatibility" xmlns:p14="http://schemas.microsoft.com/office/powerpoint/2010/main" xmlns:p15="http://schemas.microsoft.com/office/powerpoint/2012/main" xmlns:ahyp="http://schemas.microsoft.com/office/drawing/2018/hyperlinkcolor">
-  <p:cSld>
-    <p:spTree>
-      <p:nvGrpSpPr>
-        <p:cNvPr id="263" name="Shape 263"/>
-        <p:cNvGrpSpPr/>
-        <p:nvPr/>
-      </p:nvGrpSpPr>
-      <p:grpSpPr>
-        <a:xfrm>
-          <a:off x="0" y="0"/>
-          <a:ext cx="0" cy="0"/>
-          <a:chOff x="0" y="0"/>
-          <a:chExt cx="0" cy="0"/>
-        </a:xfrm>
-      </p:grpSpPr>
-      <p:sp>
-        <p:nvSpPr>
-          <p:cNvPr id="264" name="Google Shape;264;g2a0c6f9b0a2_0_109"/>
-          <p:cNvSpPr txBox="1"/>
-          <p:nvPr>
-            <p:ph idx="4294967295" type="title"/>
-          </p:nvPr>
-        </p:nvSpPr>
-        <p:spPr>
-          <a:xfrm>
-            <a:off x="719525" y="267425"/>
-            <a:ext cx="7038900" cy="592800"/>
-          </a:xfrm>
-          <a:prstGeom prst="rect">
-            <a:avLst/>
-          </a:prstGeom>
-          <a:noFill/>
-          <a:ln>
-            <a:noFill/>
-          </a:ln>
-        </p:spPr>
-        <p:txBody>
-          <a:bodyPr anchorCtr="0" anchor="t" bIns="91425" lIns="91425" spcFirstLastPara="1" rIns="91425" wrap="square" tIns="91425">
-            <a:normAutofit fontScale="90000"/>
-          </a:bodyPr>
-          <a:lstStyle/>
-          <a:p>
-            <a:pPr indent="0" lvl="0" marL="0" rtl="0" algn="l">
-              <a:spcBef>
-                <a:spcPts val="0"/>
-              </a:spcBef>
-              <a:spcAft>
-                <a:spcPts val="0"/>
-              </a:spcAft>
-              <a:buSzPct val="119034"/>
-              <a:buNone/>
-            </a:pPr>
-            <a:r>
-              <a:rPr b="1" lang="en"/>
-              <a:t>Conclusions</a:t>
-            </a:r>
-            <a:endParaRPr b="1"/>
-          </a:p>
-        </p:txBody>
-      </p:sp>
-      <p:sp>
-        <p:nvSpPr>
-          <p:cNvPr id="265" name="Google Shape;265;g2a0c6f9b0a2_0_109"/>
-          <p:cNvSpPr txBox="1"/>
-          <p:nvPr>
-            <p:ph idx="4294967295" type="body"/>
-          </p:nvPr>
-        </p:nvSpPr>
-        <p:spPr>
-          <a:xfrm>
-            <a:off x="311700" y="945300"/>
-            <a:ext cx="8520600" cy="4048200"/>
-          </a:xfrm>
-          <a:prstGeom prst="rect">
-            <a:avLst/>
-          </a:prstGeom>
-          <a:noFill/>
-          <a:ln>
-            <a:noFill/>
-          </a:ln>
-        </p:spPr>
-        <p:txBody>
-          <a:bodyPr anchorCtr="0" anchor="t" bIns="91425" lIns="91425" spcFirstLastPara="1" rIns="91425" wrap="square" tIns="91425">
-            <a:noAutofit/>
-          </a:bodyPr>
-          <a:lstStyle/>
-          <a:p>
-            <a:pPr indent="-323850" lvl="0" marL="457200" rtl="0" algn="l">
-              <a:spcBef>
-                <a:spcPts val="0"/>
-              </a:spcBef>
-              <a:spcAft>
-                <a:spcPts val="0"/>
-              </a:spcAft>
-              <a:buSzPts val="1500"/>
-              <a:buFont typeface="Montserrat"/>
-              <a:buChar char="●"/>
-            </a:pPr>
-            <a:r>
-              <a:rPr lang="en" sz="1500">
-                <a:latin typeface="Montserrat"/>
-                <a:ea typeface="Montserrat"/>
-                <a:cs typeface="Montserrat"/>
-                <a:sym typeface="Montserrat"/>
-              </a:rPr>
-              <a:t>Concerning features</a:t>
-            </a:r>
-            <a:endParaRPr sz="1500">
-              <a:latin typeface="Montserrat"/>
-              <a:ea typeface="Montserrat"/>
-              <a:cs typeface="Montserrat"/>
-              <a:sym typeface="Montserrat"/>
-            </a:endParaRPr>
-          </a:p>
-          <a:p>
-            <a:pPr indent="-323850" lvl="1" marL="914400" rtl="0" algn="l">
-              <a:spcBef>
-                <a:spcPts val="0"/>
-              </a:spcBef>
-              <a:spcAft>
-                <a:spcPts val="0"/>
-              </a:spcAft>
-              <a:buSzPts val="1500"/>
-              <a:buFont typeface="Montserrat"/>
-              <a:buChar char="○"/>
-            </a:pPr>
-            <a:r>
-              <a:rPr lang="en" sz="1500">
-                <a:latin typeface="Montserrat"/>
-                <a:ea typeface="Montserrat"/>
-                <a:cs typeface="Montserrat"/>
-                <a:sym typeface="Montserrat"/>
-              </a:rPr>
-              <a:t>❓</a:t>
-            </a:r>
-            <a:endParaRPr sz="1500">
-              <a:latin typeface="Montserrat"/>
-              <a:ea typeface="Montserrat"/>
-              <a:cs typeface="Montserrat"/>
-              <a:sym typeface="Montserrat"/>
-            </a:endParaRPr>
-          </a:p>
-          <a:p>
-            <a:pPr indent="-323850" lvl="0" marL="457200" rtl="0" algn="l">
-              <a:spcBef>
-                <a:spcPts val="0"/>
-              </a:spcBef>
-              <a:spcAft>
-                <a:spcPts val="0"/>
-              </a:spcAft>
-              <a:buSzPts val="1500"/>
-              <a:buFont typeface="Montserrat"/>
-              <a:buChar char="●"/>
-            </a:pPr>
-            <a:r>
-              <a:rPr lang="en" sz="1500">
-                <a:latin typeface="Montserrat"/>
-                <a:ea typeface="Montserrat"/>
-                <a:cs typeface="Montserrat"/>
-                <a:sym typeface="Montserrat"/>
-              </a:rPr>
-              <a:t>Concerning splitting methods and models</a:t>
-            </a:r>
-            <a:endParaRPr sz="1500">
-              <a:latin typeface="Montserrat"/>
-              <a:ea typeface="Montserrat"/>
-              <a:cs typeface="Montserrat"/>
-              <a:sym typeface="Montserrat"/>
-            </a:endParaRPr>
-          </a:p>
-          <a:p>
-            <a:pPr indent="-323850" lvl="1" marL="914400" rtl="0" algn="l">
-              <a:spcBef>
-                <a:spcPts val="0"/>
-              </a:spcBef>
-              <a:spcAft>
-                <a:spcPts val="0"/>
-              </a:spcAft>
-              <a:buSzPts val="1500"/>
-              <a:buFont typeface="Montserrat"/>
-              <a:buChar char="○"/>
-            </a:pPr>
-            <a:r>
-              <a:rPr lang="en" sz="1500">
-                <a:latin typeface="Montserrat"/>
-                <a:ea typeface="Montserrat"/>
-                <a:cs typeface="Montserrat"/>
-                <a:sym typeface="Montserrat"/>
-              </a:rPr>
-              <a:t>❓</a:t>
-            </a:r>
-            <a:endParaRPr sz="1500">
-              <a:latin typeface="Montserrat"/>
-              <a:ea typeface="Montserrat"/>
-              <a:cs typeface="Montserrat"/>
-              <a:sym typeface="Montserrat"/>
-            </a:endParaRPr>
-          </a:p>
-          <a:p>
-            <a:pPr indent="-323850" lvl="0" marL="457200" rtl="0" algn="l">
-              <a:spcBef>
-                <a:spcPts val="0"/>
-              </a:spcBef>
-              <a:spcAft>
-                <a:spcPts val="0"/>
-              </a:spcAft>
-              <a:buSzPts val="1500"/>
-              <a:buFont typeface="Montserrat"/>
-              <a:buChar char="●"/>
-            </a:pPr>
-            <a:r>
-              <a:rPr lang="en" sz="1500">
-                <a:latin typeface="Montserrat"/>
-                <a:ea typeface="Montserrat"/>
-                <a:cs typeface="Montserrat"/>
-                <a:sym typeface="Montserrat"/>
-              </a:rPr>
-              <a:t>Concerning the dataset splitting</a:t>
-            </a:r>
-            <a:endParaRPr sz="1500">
-              <a:latin typeface="Montserrat"/>
-              <a:ea typeface="Montserrat"/>
-              <a:cs typeface="Montserrat"/>
-              <a:sym typeface="Montserrat"/>
-            </a:endParaRPr>
-          </a:p>
-          <a:p>
-            <a:pPr indent="-323850" lvl="1" marL="914400" rtl="0" algn="l">
-              <a:spcBef>
-                <a:spcPts val="0"/>
-              </a:spcBef>
-              <a:spcAft>
-                <a:spcPts val="0"/>
-              </a:spcAft>
-              <a:buSzPts val="1500"/>
-              <a:buFont typeface="Montserrat"/>
-              <a:buChar char="○"/>
-            </a:pPr>
-            <a:r>
-              <a:rPr lang="en" sz="1500">
-                <a:latin typeface="Montserrat"/>
-                <a:ea typeface="Montserrat"/>
-                <a:cs typeface="Montserrat"/>
-                <a:sym typeface="Montserrat"/>
-              </a:rPr>
-              <a:t>❓</a:t>
-            </a:r>
-            <a:endParaRPr sz="1500">
-              <a:latin typeface="Montserrat"/>
-              <a:ea typeface="Montserrat"/>
-              <a:cs typeface="Montserrat"/>
-              <a:sym typeface="Montserrat"/>
-            </a:endParaRPr>
-          </a:p>
-          <a:p>
-            <a:pPr indent="-323850" lvl="0" marL="457200" rtl="0" algn="l">
-              <a:spcBef>
-                <a:spcPts val="0"/>
-              </a:spcBef>
-              <a:spcAft>
-                <a:spcPts val="0"/>
-              </a:spcAft>
-              <a:buSzPts val="1500"/>
-              <a:buFont typeface="Montserrat"/>
-              <a:buChar char="●"/>
-            </a:pPr>
-            <a:r>
-              <a:rPr lang="en" sz="1500">
-                <a:latin typeface="Montserrat"/>
-                <a:ea typeface="Montserrat"/>
-                <a:cs typeface="Montserrat"/>
-                <a:sym typeface="Montserrat"/>
-              </a:rPr>
-              <a:t>Regarding the initial question</a:t>
-            </a:r>
-            <a:endParaRPr sz="1500">
-              <a:latin typeface="Montserrat"/>
-              <a:ea typeface="Montserrat"/>
-              <a:cs typeface="Montserrat"/>
-              <a:sym typeface="Montserrat"/>
-            </a:endParaRPr>
-          </a:p>
-          <a:p>
-            <a:pPr indent="-323850" lvl="1" marL="914400" rtl="0" algn="l">
-              <a:spcBef>
-                <a:spcPts val="0"/>
-              </a:spcBef>
-              <a:spcAft>
-                <a:spcPts val="0"/>
-              </a:spcAft>
-              <a:buSzPts val="1500"/>
-              <a:buFont typeface="Montserrat"/>
-              <a:buChar char="○"/>
-            </a:pPr>
-            <a:r>
-              <a:rPr lang="en" sz="1500">
-                <a:latin typeface="Montserrat"/>
-                <a:ea typeface="Montserrat"/>
-                <a:cs typeface="Montserrat"/>
-                <a:sym typeface="Montserrat"/>
-              </a:rPr>
-              <a:t>❓</a:t>
-            </a:r>
-            <a:endParaRPr sz="1500">
-              <a:latin typeface="Montserrat"/>
-              <a:ea typeface="Montserrat"/>
-              <a:cs typeface="Montserrat"/>
-              <a:sym typeface="Montserrat"/>
-            </a:endParaRPr>
-          </a:p>
-          <a:p>
-            <a:pPr indent="-323850" lvl="0" marL="457200" rtl="0" algn="l">
-              <a:spcBef>
-                <a:spcPts val="0"/>
-              </a:spcBef>
-              <a:spcAft>
-                <a:spcPts val="0"/>
-              </a:spcAft>
-              <a:buSzPts val="1500"/>
-              <a:buFont typeface="Montserrat"/>
-              <a:buChar char="●"/>
-            </a:pPr>
-            <a:r>
-              <a:rPr lang="en" sz="1500">
-                <a:latin typeface="Montserrat"/>
-                <a:ea typeface="Montserrat"/>
-                <a:cs typeface="Montserrat"/>
-                <a:sym typeface="Montserrat"/>
-              </a:rPr>
-              <a:t>Future developments</a:t>
-            </a:r>
-            <a:endParaRPr sz="1500">
-              <a:latin typeface="Montserrat"/>
-              <a:ea typeface="Montserrat"/>
-              <a:cs typeface="Montserrat"/>
-              <a:sym typeface="Montserrat"/>
-            </a:endParaRPr>
-          </a:p>
-          <a:p>
-            <a:pPr indent="-323850" lvl="1" marL="914400" rtl="0" algn="l">
-              <a:spcBef>
-                <a:spcPts val="0"/>
-              </a:spcBef>
-              <a:spcAft>
-                <a:spcPts val="0"/>
-              </a:spcAft>
-              <a:buSzPts val="1500"/>
-              <a:buFont typeface="Montserrat"/>
-              <a:buChar char="○"/>
-            </a:pPr>
-            <a:r>
-              <a:rPr lang="en" sz="1500">
-                <a:latin typeface="Montserrat"/>
-                <a:ea typeface="Montserrat"/>
-                <a:cs typeface="Montserrat"/>
-                <a:sym typeface="Montserrat"/>
-              </a:rPr>
-              <a:t>Create a sliding window on features so that additional historical data is used</a:t>
-            </a:r>
-            <a:endParaRPr sz="1500">
-              <a:latin typeface="Montserrat"/>
-              <a:ea typeface="Montserrat"/>
-              <a:cs typeface="Montserrat"/>
-              <a:sym typeface="Montserrat"/>
-            </a:endParaRPr>
-          </a:p>
-          <a:p>
-            <a:pPr indent="-323850" lvl="1" marL="914400" rtl="0" algn="l">
-              <a:spcBef>
-                <a:spcPts val="0"/>
-              </a:spcBef>
-              <a:spcAft>
-                <a:spcPts val="0"/>
-              </a:spcAft>
-              <a:buSzPts val="1500"/>
-              <a:buFont typeface="Montserrat"/>
-              <a:buChar char="○"/>
-            </a:pPr>
-            <a:r>
-              <a:rPr lang="en" sz="1500">
-                <a:latin typeface="Montserrat"/>
-                <a:ea typeface="Montserrat"/>
-                <a:cs typeface="Montserrat"/>
-                <a:sym typeface="Montserrat"/>
-              </a:rPr>
-              <a:t>Using deep learning approaches such as CNNs (LSTM, ARIMA...) </a:t>
-            </a:r>
-            <a:endParaRPr sz="1500">
-              <a:latin typeface="Montserrat"/>
-              <a:ea typeface="Montserrat"/>
-              <a:cs typeface="Montserrat"/>
-              <a:sym typeface="Montserrat"/>
-            </a:endParaRPr>
-          </a:p>
-          <a:p>
-            <a:pPr indent="-323850" lvl="1" marL="914400" rtl="0" algn="l">
-              <a:spcBef>
-                <a:spcPts val="0"/>
-              </a:spcBef>
-              <a:spcAft>
-                <a:spcPts val="0"/>
-              </a:spcAft>
-              <a:buSzPts val="1500"/>
-              <a:buFont typeface="Montserrat"/>
-              <a:buChar char="○"/>
-            </a:pPr>
-            <a:r>
-              <a:rPr lang="en" sz="1500">
-                <a:latin typeface="Montserrat"/>
-                <a:ea typeface="Montserrat"/>
-                <a:cs typeface="Montserrat"/>
-                <a:sym typeface="Montserrat"/>
-              </a:rPr>
-              <a:t>Implementing transformer models that exploit self-attention</a:t>
-            </a:r>
-            <a:endParaRPr sz="1500">
-              <a:latin typeface="Montserrat"/>
-              <a:ea typeface="Montserrat"/>
-              <a:cs typeface="Montserrat"/>
-              <a:sym typeface="Montserrat"/>
-            </a:endParaRPr>
-          </a:p>
-        </p:txBody>
-      </p:sp>
-      <p:sp>
-        <p:nvSpPr>
-          <p:cNvPr id="266" name="Google Shape;266;g2a0c6f9b0a2_0_109"/>
-          <p:cNvSpPr txBox="1"/>
-          <p:nvPr>
-            <p:ph idx="12" type="sldNum"/>
-          </p:nvPr>
-        </p:nvSpPr>
-        <p:spPr>
-          <a:xfrm>
-            <a:off x="8472458" y="4663217"/>
-            <a:ext cx="548700" cy="393600"/>
-          </a:xfrm>
-          <a:prstGeom prst="rect">
-            <a:avLst/>
-          </a:prstGeom>
-          <a:noFill/>
-          <a:ln>
-            <a:noFill/>
-          </a:ln>
-        </p:spPr>
-        <p:txBody>
-          <a:bodyPr anchorCtr="0" anchor="ctr" bIns="91425" lIns="91425" spcFirstLastPara="1" rIns="91425" wrap="square" tIns="91425">
-            <a:normAutofit/>
-          </a:bodyPr>
-          <a:lstStyle/>
-          <a:p>
-            <a:pPr indent="0" lvl="0" marL="0" rtl="0" algn="r">
-              <a:lnSpc>
-                <a:spcPct val="100000"/>
-              </a:lnSpc>
-              <a:spcBef>
-                <a:spcPts val="0"/>
-              </a:spcBef>
-              <a:spcAft>
-                <a:spcPts val="0"/>
-              </a:spcAft>
-              <a:buSzPts val="1000"/>
-              <a:buNone/>
-            </a:pPr>
-            <a:fld id="{00000000-1234-1234-1234-123412341234}" type="slidenum">
-              <a:rPr lang="en"/>
-              <a:t>‹#›</a:t>
-            </a:fld>
-            <a:endParaRPr/>
           </a:p>
         </p:txBody>
       </p:sp>
@@ -19033,6 +18769,9 @@
           <a:lstStyle/>
           <a:p>
             <a:pPr indent="-323850" lvl="0" marL="457200" rtl="0" algn="l">
+              <a:lnSpc>
+                <a:spcPct val="115000"/>
+              </a:lnSpc>
               <a:spcBef>
                 <a:spcPts val="0"/>
               </a:spcBef>
@@ -19078,6 +18817,9 @@
           </a:p>
           <a:p>
             <a:pPr indent="-323850" lvl="0" marL="457200" rtl="0" algn="l">
+              <a:lnSpc>
+                <a:spcPct val="115000"/>
+              </a:lnSpc>
               <a:spcBef>
                 <a:spcPts val="0"/>
               </a:spcBef>
@@ -19105,7 +18847,10 @@
             </a:endParaRPr>
           </a:p>
           <a:p>
-            <a:pPr indent="-323850" lvl="1" marL="914400" rtl="0" algn="l">
+            <a:pPr indent="-323850" lvl="0" marL="457200" rtl="0" algn="l">
+              <a:lnSpc>
+                <a:spcPct val="115000"/>
+              </a:lnSpc>
               <a:spcBef>
                 <a:spcPts val="0"/>
               </a:spcBef>
@@ -19114,7 +18859,7 @@
               </a:spcAft>
               <a:buSzPts val="1500"/>
               <a:buFont typeface="Montserrat"/>
-              <a:buChar char="○"/>
+              <a:buChar char="●"/>
             </a:pPr>
             <a:r>
               <a:rPr lang="en" sz="1500">
@@ -19133,7 +18878,10 @@
             </a:endParaRPr>
           </a:p>
           <a:p>
-            <a:pPr indent="-323850" lvl="1" marL="914400" rtl="0" algn="l">
+            <a:pPr indent="-323850" lvl="0" marL="457200" rtl="0" algn="l">
+              <a:lnSpc>
+                <a:spcPct val="115000"/>
+              </a:lnSpc>
               <a:spcBef>
                 <a:spcPts val="0"/>
               </a:spcBef>
@@ -19142,7 +18890,7 @@
               </a:spcAft>
               <a:buSzPts val="1500"/>
               <a:buFont typeface="Montserrat"/>
-              <a:buChar char="○"/>
+              <a:buChar char="●"/>
             </a:pPr>
             <a:r>
               <a:rPr lang="en" sz="1500">
@@ -19162,6 +18910,9 @@
           </a:p>
           <a:p>
             <a:pPr indent="-323850" lvl="2" marL="1371600" rtl="0" algn="l">
+              <a:lnSpc>
+                <a:spcPct val="115000"/>
+              </a:lnSpc>
               <a:spcBef>
                 <a:spcPts val="0"/>
               </a:spcBef>
@@ -19190,6 +18941,9 @@
           </a:p>
           <a:p>
             <a:pPr indent="-323850" lvl="2" marL="1371600" rtl="0" algn="l">
+              <a:lnSpc>
+                <a:spcPct val="115000"/>
+              </a:lnSpc>
               <a:spcBef>
                 <a:spcPts val="0"/>
               </a:spcBef>
@@ -19218,6 +18972,9 @@
           </a:p>
           <a:p>
             <a:pPr indent="-323850" lvl="0" marL="457200" rtl="0" algn="l">
+              <a:lnSpc>
+                <a:spcPct val="115000"/>
+              </a:lnSpc>
               <a:spcBef>
                 <a:spcPts val="0"/>
               </a:spcBef>
@@ -19235,7 +18992,7 @@
                 <a:cs typeface="Montserrat"/>
                 <a:sym typeface="Montserrat"/>
               </a:rPr>
-              <a:t>Bitcoin value is determined by the market and the number of people using it</a:t>
+              <a:t>It’s value is determined by the market and the number of people using it</a:t>
             </a:r>
             <a:endParaRPr sz="1500">
               <a:latin typeface="Montserrat"/>
@@ -19246,6 +19003,9 @@
           </a:p>
           <a:p>
             <a:pPr indent="-323850" lvl="1" marL="914400" rtl="0" algn="l">
+              <a:lnSpc>
+                <a:spcPct val="115000"/>
+              </a:lnSpc>
               <a:spcBef>
                 <a:spcPts val="0"/>
               </a:spcBef>
@@ -19274,6 +19034,9 @@
           </a:p>
           <a:p>
             <a:pPr indent="-323850" lvl="1" marL="914400" rtl="0" algn="l">
+              <a:lnSpc>
+                <a:spcPct val="115000"/>
+              </a:lnSpc>
               <a:spcBef>
                 <a:spcPts val="0"/>
               </a:spcBef>
@@ -19302,6 +19065,9 @@
           </a:p>
           <a:p>
             <a:pPr indent="-323850" lvl="0" marL="457200" rtl="0" algn="l">
+              <a:lnSpc>
+                <a:spcPct val="115000"/>
+              </a:lnSpc>
               <a:spcBef>
                 <a:spcPts val="0"/>
               </a:spcBef>
@@ -19313,15 +19079,24 @@
               <a:buChar char="●"/>
             </a:pPr>
             <a:r>
-              <a:rPr lang="en" sz="1500">
+              <a:rPr b="1" lang="en" sz="1500">
                 <a:latin typeface="Montserrat"/>
                 <a:ea typeface="Montserrat"/>
                 <a:cs typeface="Montserrat"/>
                 <a:sym typeface="Montserrat"/>
               </a:rPr>
-              <a:t>Prediction of Bitcoin prices can be a competitive advantage</a:t>
+              <a:t>Prediction </a:t>
             </a:r>
-            <a:endParaRPr sz="1500">
+            <a:r>
+              <a:rPr b="1" lang="en" sz="1500">
+                <a:latin typeface="Montserrat"/>
+                <a:ea typeface="Montserrat"/>
+                <a:cs typeface="Montserrat"/>
+                <a:sym typeface="Montserrat"/>
+              </a:rPr>
+              <a:t>of Bitcoin prices can be a competitive advantage</a:t>
+            </a:r>
+            <a:endParaRPr b="1" sz="1500">
               <a:latin typeface="Montserrat"/>
               <a:ea typeface="Montserrat"/>
               <a:cs typeface="Montserrat"/>
@@ -19330,6 +19105,9 @@
           </a:p>
           <a:p>
             <a:pPr indent="-323850" lvl="1" marL="914400" rtl="0" algn="l">
+              <a:lnSpc>
+                <a:spcPct val="115000"/>
+              </a:lnSpc>
               <a:spcBef>
                 <a:spcPts val="0"/>
               </a:spcBef>
@@ -19425,7 +19203,7 @@
         </p:blipFill>
         <p:spPr>
           <a:xfrm>
-            <a:off x="7516300" y="78350"/>
+            <a:off x="7705150" y="0"/>
             <a:ext cx="1316001" cy="1316001"/>
           </a:xfrm>
           <a:prstGeom prst="rect">
@@ -19437,104 +19215,6 @@
           </a:ln>
         </p:spPr>
       </p:pic>
-    </p:spTree>
-  </p:cSld>
-  <p:clrMapOvr>
-    <a:masterClrMapping/>
-  </p:clrMapOvr>
-</p:sld>
-</file>
-
-<file path=ppt/slides/slide20.xml><?xml version="1.0" encoding="utf-8"?>
-<p:sld xmlns:a="http://schemas.openxmlformats.org/drawingml/2006/main" xmlns:r="http://schemas.openxmlformats.org/officeDocument/2006/relationships" xmlns:mc="http://schemas.openxmlformats.org/markup-compatibility/2006" xmlns:mv="urn:schemas-microsoft-com:mac:vml" xmlns:p="http://schemas.openxmlformats.org/presentationml/2006/main" xmlns:c="http://schemas.openxmlformats.org/drawingml/2006/chart" xmlns:dgm="http://schemas.openxmlformats.org/drawingml/2006/diagram" xmlns:o="urn:schemas-microsoft-com:office:office" xmlns:v="urn:schemas-microsoft-com:vml" xmlns:pvml="urn:schemas-microsoft-com:office:powerpoint" xmlns:com="http://schemas.openxmlformats.org/drawingml/2006/compatibility" xmlns:p14="http://schemas.microsoft.com/office/powerpoint/2010/main" xmlns:p15="http://schemas.microsoft.com/office/powerpoint/2012/main" xmlns:ahyp="http://schemas.microsoft.com/office/drawing/2018/hyperlinkcolor">
-  <p:cSld>
-    <p:bg>
-      <p:bgPr>
-        <a:solidFill>
-          <a:schemeClr val="dk1"/>
-        </a:solidFill>
-      </p:bgPr>
-    </p:bg>
-    <p:spTree>
-      <p:nvGrpSpPr>
-        <p:cNvPr id="270" name="Shape 270"/>
-        <p:cNvGrpSpPr/>
-        <p:nvPr/>
-      </p:nvGrpSpPr>
-      <p:grpSpPr>
-        <a:xfrm>
-          <a:off x="0" y="0"/>
-          <a:ext cx="0" cy="0"/>
-          <a:chOff x="0" y="0"/>
-          <a:chExt cx="0" cy="0"/>
-        </a:xfrm>
-      </p:grpSpPr>
-      <p:sp>
-        <p:nvSpPr>
-          <p:cNvPr id="271" name="Google Shape;271;g26e1760ff98_1_133"/>
-          <p:cNvSpPr txBox="1"/>
-          <p:nvPr/>
-        </p:nvSpPr>
-        <p:spPr>
-          <a:xfrm>
-            <a:off x="3040225" y="2075207"/>
-            <a:ext cx="4722000" cy="727500"/>
-          </a:xfrm>
-          <a:prstGeom prst="rect">
-            <a:avLst/>
-          </a:prstGeom>
-          <a:noFill/>
-          <a:ln>
-            <a:noFill/>
-          </a:ln>
-        </p:spPr>
-        <p:txBody>
-          <a:bodyPr anchorCtr="0" anchor="t" bIns="45700" lIns="91425" spcFirstLastPara="1" rIns="91425" wrap="square" tIns="45700">
-            <a:noAutofit/>
-          </a:bodyPr>
-          <a:lstStyle/>
-          <a:p>
-            <a:pPr indent="0" lvl="0" marL="0" marR="0" rtl="0" algn="l">
-              <a:lnSpc>
-                <a:spcPct val="100000"/>
-              </a:lnSpc>
-              <a:spcBef>
-                <a:spcPts val="0"/>
-              </a:spcBef>
-              <a:spcAft>
-                <a:spcPts val="0"/>
-              </a:spcAft>
-              <a:buClr>
-                <a:srgbClr val="000000"/>
-              </a:buClr>
-              <a:buSzPts val="3000"/>
-              <a:buFont typeface="Arial"/>
-              <a:buNone/>
-            </a:pPr>
-            <a:r>
-              <a:rPr b="1" i="0" lang="en" sz="3000" u="none" cap="none" strike="noStrike">
-                <a:solidFill>
-                  <a:srgbClr val="FFFFFF"/>
-                </a:solidFill>
-                <a:latin typeface="Roboto"/>
-                <a:ea typeface="Roboto"/>
-                <a:cs typeface="Roboto"/>
-                <a:sym typeface="Roboto"/>
-              </a:rPr>
-              <a:t>Thanks for the attention</a:t>
-            </a:r>
-            <a:endParaRPr b="0" i="0" sz="4300" u="none" cap="none" strike="noStrike">
-              <a:solidFill>
-                <a:srgbClr val="FFFFFF"/>
-              </a:solidFill>
-              <a:latin typeface="Roboto"/>
-              <a:ea typeface="Roboto"/>
-              <a:cs typeface="Roboto"/>
-              <a:sym typeface="Roboto"/>
-            </a:endParaRPr>
-          </a:p>
-        </p:txBody>
-      </p:sp>
     </p:spTree>
   </p:cSld>
   <p:clrMapOvr>
@@ -19636,12 +19316,16 @@
           <a:lstStyle/>
           <a:p>
             <a:pPr indent="0" lvl="0" marL="0" rtl="0" algn="l">
-              <a:spcBef>
-                <a:spcPts val="0"/>
-              </a:spcBef>
-              <a:spcAft>
-                <a:spcPts val="0"/>
-              </a:spcAft>
+              <a:lnSpc>
+                <a:spcPct val="115000"/>
+              </a:lnSpc>
+              <a:spcBef>
+                <a:spcPts val="0"/>
+              </a:spcBef>
+              <a:spcAft>
+                <a:spcPts val="0"/>
+              </a:spcAft>
+              <a:buSzPts val="1300"/>
               <a:buNone/>
             </a:pPr>
             <a:r>
@@ -19656,12 +19340,16 @@
           </a:p>
           <a:p>
             <a:pPr indent="0" lvl="0" marL="0" rtl="0" algn="l">
+              <a:lnSpc>
+                <a:spcPct val="115000"/>
+              </a:lnSpc>
               <a:spcBef>
                 <a:spcPts val="1200"/>
               </a:spcBef>
               <a:spcAft>
                 <a:spcPts val="0"/>
               </a:spcAft>
+              <a:buSzPts val="1300"/>
               <a:buNone/>
             </a:pPr>
             <a:r>
@@ -19676,12 +19364,16 @@
           </a:p>
           <a:p>
             <a:pPr indent="0" lvl="0" marL="0" rtl="0" algn="l">
+              <a:lnSpc>
+                <a:spcPct val="115000"/>
+              </a:lnSpc>
               <a:spcBef>
                 <a:spcPts val="1200"/>
               </a:spcBef>
               <a:spcAft>
                 <a:spcPts val="0"/>
               </a:spcAft>
+              <a:buSzPts val="1300"/>
               <a:buNone/>
             </a:pPr>
             <a:r>
@@ -19696,12 +19388,16 @@
           </a:p>
           <a:p>
             <a:pPr indent="0" lvl="0" marL="0" rtl="0" algn="ctr">
+              <a:lnSpc>
+                <a:spcPct val="115000"/>
+              </a:lnSpc>
               <a:spcBef>
                 <a:spcPts val="1200"/>
               </a:spcBef>
               <a:spcAft>
                 <a:spcPts val="1200"/>
               </a:spcAft>
+              <a:buSzPts val="1300"/>
               <a:buNone/>
             </a:pPr>
             <a:r>
@@ -19774,33 +19470,6 @@
           </a:p>
         </p:txBody>
       </p:sp>
-      <p:pic>
-        <p:nvPicPr>
-          <p:cNvPr id="149" name="Google Shape;149;g2a0c6f9b0a2_0_7"/>
-          <p:cNvPicPr preferRelativeResize="0"/>
-          <p:nvPr/>
-        </p:nvPicPr>
-        <p:blipFill rotWithShape="1">
-          <a:blip r:embed="rId3">
-            <a:alphaModFix/>
-          </a:blip>
-          <a:srcRect b="0" l="0" r="0" t="0"/>
-          <a:stretch/>
-        </p:blipFill>
-        <p:spPr>
-          <a:xfrm>
-            <a:off x="7516300" y="78350"/>
-            <a:ext cx="1316001" cy="1316001"/>
-          </a:xfrm>
-          <a:prstGeom prst="rect">
-            <a:avLst/>
-          </a:prstGeom>
-          <a:noFill/>
-          <a:ln>
-            <a:noFill/>
-          </a:ln>
-        </p:spPr>
-      </p:pic>
     </p:spTree>
   </p:cSld>
   <p:clrMapOvr>
@@ -19814,7 +19483,7 @@
   <p:cSld>
     <p:spTree>
       <p:nvGrpSpPr>
-        <p:cNvPr id="153" name="Shape 153"/>
+        <p:cNvPr id="152" name="Shape 152"/>
         <p:cNvGrpSpPr/>
         <p:nvPr/>
       </p:nvGrpSpPr>
@@ -19828,7 +19497,7 @@
       </p:grpSpPr>
       <p:sp>
         <p:nvSpPr>
-          <p:cNvPr id="154" name="Google Shape;154;g26e1760ff98_1_7"/>
+          <p:cNvPr id="153" name="Google Shape;153;g26e1760ff98_1_7"/>
           <p:cNvSpPr txBox="1"/>
           <p:nvPr>
             <p:ph idx="4294967295" type="title"/>
@@ -19876,7 +19545,7 @@
       </p:sp>
       <p:sp>
         <p:nvSpPr>
-          <p:cNvPr id="155" name="Google Shape;155;g26e1760ff98_1_7"/>
+          <p:cNvPr id="154" name="Google Shape;154;g26e1760ff98_1_7"/>
           <p:cNvSpPr txBox="1"/>
           <p:nvPr>
             <p:ph idx="4294967295" type="body"/>
@@ -19902,6 +19571,9 @@
           <a:lstStyle/>
           <a:p>
             <a:pPr indent="-323850" lvl="0" marL="457200" rtl="0" algn="l">
+              <a:lnSpc>
+                <a:spcPct val="115000"/>
+              </a:lnSpc>
               <a:spcBef>
                 <a:spcPts val="0"/>
               </a:spcBef>
@@ -19918,7 +19590,25 @@
                 <a:cs typeface="Montserrat"/>
                 <a:sym typeface="Montserrat"/>
               </a:rPr>
-              <a:t>Collecting Bitcoin data using:</a:t>
+              <a:t>Collecting </a:t>
+            </a:r>
+            <a:r>
+              <a:rPr lang="en" sz="1500">
+                <a:latin typeface="Montserrat"/>
+                <a:ea typeface="Montserrat"/>
+                <a:cs typeface="Montserrat"/>
+                <a:sym typeface="Montserrat"/>
+              </a:rPr>
+              <a:t>Bitcoin </a:t>
+            </a:r>
+            <a:r>
+              <a:rPr lang="en" sz="1500">
+                <a:latin typeface="Montserrat"/>
+                <a:ea typeface="Montserrat"/>
+                <a:cs typeface="Montserrat"/>
+                <a:sym typeface="Montserrat"/>
+              </a:rPr>
+              <a:t>data using:</a:t>
             </a:r>
             <a:endParaRPr sz="1500">
               <a:latin typeface="Montserrat"/>
@@ -19929,6 +19619,9 @@
           </a:p>
           <a:p>
             <a:pPr indent="-323850" lvl="1" marL="914400" rtl="0" algn="l">
+              <a:lnSpc>
+                <a:spcPct val="115000"/>
+              </a:lnSpc>
               <a:spcBef>
                 <a:spcPts val="0"/>
               </a:spcBef>
@@ -19956,6 +19649,9 @@
           </a:p>
           <a:p>
             <a:pPr indent="-323850" lvl="1" marL="914400" rtl="0" algn="l">
+              <a:lnSpc>
+                <a:spcPct val="115000"/>
+              </a:lnSpc>
               <a:spcBef>
                 <a:spcPts val="0"/>
               </a:spcBef>
@@ -19972,25 +19668,7 @@
                 <a:cs typeface="Montserrat"/>
                 <a:sym typeface="Montserrat"/>
               </a:rPr>
-              <a:t>Binance and Kraken (</a:t>
-            </a:r>
-            <a:r>
-              <a:rPr lang="en" sz="1500">
-                <a:latin typeface="Montserrat"/>
-                <a:ea typeface="Montserrat"/>
-                <a:cs typeface="Montserrat"/>
-                <a:sym typeface="Montserrat"/>
-              </a:rPr>
-              <a:t>price information</a:t>
-            </a:r>
-            <a:r>
-              <a:rPr lang="en" sz="1500">
-                <a:latin typeface="Montserrat"/>
-                <a:ea typeface="Montserrat"/>
-                <a:cs typeface="Montserrat"/>
-                <a:sym typeface="Montserrat"/>
-              </a:rPr>
-              <a:t>)</a:t>
+              <a:t>Binance and Kraken (price information)</a:t>
             </a:r>
             <a:endParaRPr sz="1500">
               <a:latin typeface="Montserrat"/>
@@ -20001,6 +19679,9 @@
           </a:p>
           <a:p>
             <a:pPr indent="-323850" lvl="0" marL="457200" rtl="0" algn="l">
+              <a:lnSpc>
+                <a:spcPct val="115000"/>
+              </a:lnSpc>
               <a:spcBef>
                 <a:spcPts val="0"/>
               </a:spcBef>
@@ -20028,6 +19709,9 @@
           </a:p>
           <a:p>
             <a:pPr indent="-323850" lvl="1" marL="914400" rtl="0" algn="l">
+              <a:lnSpc>
+                <a:spcPct val="115000"/>
+              </a:lnSpc>
               <a:spcBef>
                 <a:spcPts val="0"/>
               </a:spcBef>
@@ -20055,6 +19739,9 @@
           </a:p>
           <a:p>
             <a:pPr indent="-323850" lvl="0" marL="457200" rtl="0" algn="l">
+              <a:lnSpc>
+                <a:spcPct val="115000"/>
+              </a:lnSpc>
               <a:spcBef>
                 <a:spcPts val="0"/>
               </a:spcBef>
@@ -20071,34 +19758,7 @@
                 <a:cs typeface="Montserrat"/>
                 <a:sym typeface="Montserrat"/>
               </a:rPr>
-              <a:t>Procedure has been made as automatic as possible </a:t>
-            </a:r>
-            <a:endParaRPr sz="1500">
-              <a:latin typeface="Montserrat"/>
-              <a:ea typeface="Montserrat"/>
-              <a:cs typeface="Montserrat"/>
-              <a:sym typeface="Montserrat"/>
-            </a:endParaRPr>
-          </a:p>
-          <a:p>
-            <a:pPr indent="-323850" lvl="1" marL="914400" rtl="0" algn="l">
-              <a:spcBef>
-                <a:spcPts val="0"/>
-              </a:spcBef>
-              <a:spcAft>
-                <a:spcPts val="0"/>
-              </a:spcAft>
-              <a:buSzPts val="1500"/>
-              <a:buChar char="○"/>
-            </a:pPr>
-            <a:r>
-              <a:rPr lang="en" sz="1500">
-                <a:latin typeface="Montserrat"/>
-                <a:ea typeface="Montserrat"/>
-                <a:cs typeface="Montserrat"/>
-                <a:sym typeface="Montserrat"/>
-              </a:rPr>
-              <a:t>The same periods are considered each time</a:t>
+              <a:t>The procedure has been automated in such a way that the same period is always considered</a:t>
             </a:r>
             <a:endParaRPr sz="1500">
               <a:latin typeface="Montserrat"/>
@@ -20111,7 +19771,7 @@
       </p:sp>
       <p:sp>
         <p:nvSpPr>
-          <p:cNvPr id="156" name="Google Shape;156;g26e1760ff98_1_7"/>
+          <p:cNvPr id="155" name="Google Shape;155;g26e1760ff98_1_7"/>
           <p:cNvSpPr txBox="1"/>
           <p:nvPr>
             <p:ph idx="12" type="sldNum"/>
@@ -20170,7 +19830,7 @@
   <p:cSld>
     <p:spTree>
       <p:nvGrpSpPr>
-        <p:cNvPr id="160" name="Shape 160"/>
+        <p:cNvPr id="159" name="Shape 159"/>
         <p:cNvGrpSpPr/>
         <p:nvPr/>
       </p:nvGrpSpPr>
@@ -20184,7 +19844,7 @@
       </p:grpSpPr>
       <p:sp>
         <p:nvSpPr>
-          <p:cNvPr id="161" name="Google Shape;161;g2a0c6f9b0a2_0_22"/>
+          <p:cNvPr id="160" name="Google Shape;160;g2a0c6f9b0a2_0_22"/>
           <p:cNvSpPr txBox="1"/>
           <p:nvPr>
             <p:ph idx="4294967295" type="title"/>
@@ -20232,7 +19892,7 @@
       </p:sp>
       <p:sp>
         <p:nvSpPr>
-          <p:cNvPr id="162" name="Google Shape;162;g2a0c6f9b0a2_0_22"/>
+          <p:cNvPr id="161" name="Google Shape;161;g2a0c6f9b0a2_0_22"/>
           <p:cNvSpPr txBox="1"/>
           <p:nvPr>
             <p:ph idx="4294967295" type="body"/>
@@ -20258,6 +19918,9 @@
           <a:lstStyle/>
           <a:p>
             <a:pPr indent="-323850" lvl="0" marL="457200" rtl="0" algn="l">
+              <a:lnSpc>
+                <a:spcPct val="115000"/>
+              </a:lnSpc>
               <a:spcBef>
                 <a:spcPts val="0"/>
               </a:spcBef>
@@ -20285,6 +19948,9 @@
           </a:p>
           <a:p>
             <a:pPr indent="-323850" lvl="1" marL="914400" rtl="0" algn="l">
+              <a:lnSpc>
+                <a:spcPct val="115000"/>
+              </a:lnSpc>
               <a:spcBef>
                 <a:spcPts val="0"/>
               </a:spcBef>
@@ -20321,6 +19987,9 @@
           </a:p>
           <a:p>
             <a:pPr indent="-323850" lvl="1" marL="914400" rtl="0" algn="l">
+              <a:lnSpc>
+                <a:spcPct val="115000"/>
+              </a:lnSpc>
               <a:spcBef>
                 <a:spcPts val="0"/>
               </a:spcBef>
@@ -20357,6 +20026,9 @@
           </a:p>
           <a:p>
             <a:pPr indent="-323850" lvl="1" marL="914400" rtl="0" algn="l">
+              <a:lnSpc>
+                <a:spcPct val="115000"/>
+              </a:lnSpc>
               <a:spcBef>
                 <a:spcPts val="0"/>
               </a:spcBef>
@@ -20393,6 +20065,9 @@
           </a:p>
           <a:p>
             <a:pPr indent="-323850" lvl="1" marL="914400" rtl="0" algn="l">
+              <a:lnSpc>
+                <a:spcPct val="115000"/>
+              </a:lnSpc>
               <a:spcBef>
                 <a:spcPts val="0"/>
               </a:spcBef>
@@ -20429,6 +20104,9 @@
           </a:p>
           <a:p>
             <a:pPr indent="-323850" lvl="1" marL="914400" rtl="0" algn="l">
+              <a:lnSpc>
+                <a:spcPct val="115000"/>
+              </a:lnSpc>
               <a:spcBef>
                 <a:spcPts val="0"/>
               </a:spcBef>
@@ -20467,7 +20145,7 @@
       </p:sp>
       <p:sp>
         <p:nvSpPr>
-          <p:cNvPr id="163" name="Google Shape;163;g2a0c6f9b0a2_0_22"/>
+          <p:cNvPr id="162" name="Google Shape;162;g2a0c6f9b0a2_0_22"/>
           <p:cNvSpPr txBox="1"/>
           <p:nvPr>
             <p:ph idx="12" type="sldNum"/>
@@ -20526,7 +20204,7 @@
   <p:cSld>
     <p:spTree>
       <p:nvGrpSpPr>
-        <p:cNvPr id="167" name="Shape 167"/>
+        <p:cNvPr id="166" name="Shape 166"/>
         <p:cNvGrpSpPr/>
         <p:nvPr/>
       </p:nvGrpSpPr>
@@ -20540,7 +20218,7 @@
       </p:grpSpPr>
       <p:sp>
         <p:nvSpPr>
-          <p:cNvPr id="168" name="Google Shape;168;g26e1760ff98_1_46"/>
+          <p:cNvPr id="167" name="Google Shape;167;g26e1760ff98_1_46"/>
           <p:cNvSpPr txBox="1"/>
           <p:nvPr>
             <p:ph idx="4294967295" type="title"/>
@@ -20588,7 +20266,7 @@
       </p:sp>
       <p:sp>
         <p:nvSpPr>
-          <p:cNvPr id="169" name="Google Shape;169;g26e1760ff98_1_46"/>
+          <p:cNvPr id="168" name="Google Shape;168;g26e1760ff98_1_46"/>
           <p:cNvSpPr txBox="1"/>
           <p:nvPr>
             <p:ph idx="4294967295" type="body"/>
@@ -20614,6 +20292,9 @@
           <a:lstStyle/>
           <a:p>
             <a:pPr indent="-323850" lvl="0" marL="457200" rtl="0" algn="l">
+              <a:lnSpc>
+                <a:spcPct val="115000"/>
+              </a:lnSpc>
               <a:spcBef>
                 <a:spcPts val="0"/>
               </a:spcBef>
@@ -20641,6 +20322,9 @@
           </a:p>
           <a:p>
             <a:pPr indent="-323850" lvl="0" marL="914400" rtl="0" algn="l">
+              <a:lnSpc>
+                <a:spcPct val="115000"/>
+              </a:lnSpc>
               <a:spcBef>
                 <a:spcPts val="0"/>
               </a:spcBef>
@@ -20658,16 +20342,7 @@
                 <a:cs typeface="Montserrat"/>
                 <a:sym typeface="Montserrat"/>
               </a:rPr>
-              <a:t>Data crawling </a:t>
-            </a:r>
-            <a:r>
-              <a:rPr b="1" lang="en" sz="1500">
-                <a:latin typeface="Montserrat"/>
-                <a:ea typeface="Montserrat"/>
-                <a:cs typeface="Montserrat"/>
-                <a:sym typeface="Montserrat"/>
-              </a:rPr>
-              <a:t>/ Feature engineering: </a:t>
+              <a:t>Data crawling / Feature engineering: </a:t>
             </a:r>
             <a:r>
               <a:rPr lang="en" sz="1500">
@@ -20676,16 +20351,7 @@
                 <a:cs typeface="Montserrat"/>
                 <a:sym typeface="Montserrat"/>
               </a:rPr>
-              <a:t>Bitcoin data retrieval via APIs call and </a:t>
-            </a:r>
-            <a:r>
-              <a:rPr lang="en" sz="1500">
-                <a:latin typeface="Montserrat"/>
-                <a:ea typeface="Montserrat"/>
-                <a:cs typeface="Montserrat"/>
-                <a:sym typeface="Montserrat"/>
-              </a:rPr>
-              <a:t>manipulation, visualization and feature extraction</a:t>
+              <a:t>Bitcoin data retrieval via APIs call and manipulation, visualization and feature extraction</a:t>
             </a:r>
             <a:endParaRPr sz="1500">
               <a:latin typeface="Montserrat"/>
@@ -20696,6 +20362,9 @@
           </a:p>
           <a:p>
             <a:pPr indent="-323850" lvl="0" marL="914400" rtl="0" algn="l">
+              <a:lnSpc>
+                <a:spcPct val="115000"/>
+              </a:lnSpc>
               <a:spcBef>
                 <a:spcPts val="0"/>
               </a:spcBef>
@@ -20733,6 +20402,9 @@
           </a:p>
           <a:p>
             <a:pPr indent="-323850" lvl="0" marL="914400" rtl="0" algn="l">
+              <a:lnSpc>
+                <a:spcPct val="115000"/>
+              </a:lnSpc>
               <a:spcBef>
                 <a:spcPts val="0"/>
               </a:spcBef>
@@ -20772,7 +20444,7 @@
       </p:sp>
       <p:sp>
         <p:nvSpPr>
-          <p:cNvPr id="170" name="Google Shape;170;g26e1760ff98_1_46"/>
+          <p:cNvPr id="169" name="Google Shape;169;g26e1760ff98_1_46"/>
           <p:cNvSpPr txBox="1"/>
           <p:nvPr>
             <p:ph idx="12" type="sldNum"/>
@@ -20820,7 +20492,7 @@
       </p:sp>
       <p:sp>
         <p:nvSpPr>
-          <p:cNvPr id="171" name="Google Shape;171;g26e1760ff98_1_46"/>
+          <p:cNvPr id="170" name="Google Shape;170;g26e1760ff98_1_46"/>
           <p:cNvSpPr txBox="1"/>
           <p:nvPr/>
         </p:nvSpPr>
@@ -20861,9 +20533,9 @@
               <a:buNone/>
             </a:pPr>
             <a:r>
-              <a:rPr i="0" lang="en" sz="1400" u="none" cap="none" strike="noStrike">
-                <a:solidFill>
-                  <a:schemeClr val="dk2"/>
+              <a:rPr b="0" i="0" lang="en" sz="1400" u="none" cap="none" strike="noStrike">
+                <a:solidFill>
+                  <a:schemeClr val="lt1"/>
                 </a:solidFill>
                 <a:latin typeface="Montserrat"/>
                 <a:ea typeface="Montserrat"/>
@@ -20875,7 +20547,7 @@
             <a:r>
               <a:rPr b="1" i="0" lang="en" sz="1400" u="none" cap="none" strike="noStrike">
                 <a:solidFill>
-                  <a:schemeClr val="dk2"/>
+                  <a:schemeClr val="lt1"/>
                 </a:solidFill>
                 <a:latin typeface="Montserrat"/>
                 <a:ea typeface="Montserrat"/>
@@ -20885,9 +20557,9 @@
               <a:t>Apache Spark</a:t>
             </a:r>
             <a:r>
-              <a:rPr i="0" lang="en" sz="1400" u="none" cap="none" strike="noStrike">
-                <a:solidFill>
-                  <a:schemeClr val="dk2"/>
+              <a:rPr b="0" i="0" lang="en" sz="1400" u="none" cap="none" strike="noStrike">
+                <a:solidFill>
+                  <a:schemeClr val="lt1"/>
                 </a:solidFill>
                 <a:latin typeface="Montserrat"/>
                 <a:ea typeface="Montserrat"/>
@@ -20896,9 +20568,9 @@
               </a:rPr>
               <a:t> (but during feature engineering I converted the Spark dataframe to a Pandas one to make some plots)</a:t>
             </a:r>
-            <a:endParaRPr i="0" sz="1400" u="none" cap="none" strike="noStrike">
+            <a:endParaRPr b="0" i="0" sz="1400" u="none" cap="none" strike="noStrike">
               <a:solidFill>
-                <a:srgbClr val="000000"/>
+                <a:schemeClr val="lt1"/>
               </a:solidFill>
               <a:latin typeface="Montserrat"/>
               <a:ea typeface="Montserrat"/>
@@ -20910,7 +20582,7 @@
       </p:sp>
       <p:pic>
         <p:nvPicPr>
-          <p:cNvPr id="172" name="Google Shape;172;g26e1760ff98_1_46"/>
+          <p:cNvPr id="171" name="Google Shape;171;g26e1760ff98_1_46"/>
           <p:cNvPicPr preferRelativeResize="0"/>
           <p:nvPr/>
         </p:nvPicPr>
@@ -20948,7 +20620,7 @@
   <p:cSld>
     <p:spTree>
       <p:nvGrpSpPr>
-        <p:cNvPr id="176" name="Shape 176"/>
+        <p:cNvPr id="175" name="Shape 175"/>
         <p:cNvGrpSpPr/>
         <p:nvPr/>
       </p:nvGrpSpPr>
@@ -20962,7 +20634,7 @@
       </p:grpSpPr>
       <p:sp>
         <p:nvSpPr>
-          <p:cNvPr id="177" name="Google Shape;177;g26e1760ff98_1_59"/>
+          <p:cNvPr id="176" name="Google Shape;176;g26e1760ff98_1_59"/>
           <p:cNvSpPr txBox="1"/>
           <p:nvPr>
             <p:ph idx="4294967295" type="title"/>
@@ -21010,7 +20682,7 @@
       </p:sp>
       <p:sp>
         <p:nvSpPr>
-          <p:cNvPr id="178" name="Google Shape;178;g26e1760ff98_1_59"/>
+          <p:cNvPr id="177" name="Google Shape;177;g26e1760ff98_1_59"/>
           <p:cNvSpPr txBox="1"/>
           <p:nvPr>
             <p:ph idx="4294967295" type="body"/>
@@ -21036,6 +20708,9 @@
           <a:lstStyle/>
           <a:p>
             <a:pPr indent="-323850" lvl="0" marL="457200" rtl="0" algn="l">
+              <a:lnSpc>
+                <a:spcPct val="115000"/>
+              </a:lnSpc>
               <a:spcBef>
                 <a:spcPts val="0"/>
               </a:spcBef>
@@ -21063,6 +20738,9 @@
           </a:p>
           <a:p>
             <a:pPr indent="-323850" lvl="1" marL="914400" rtl="0" algn="l">
+              <a:lnSpc>
+                <a:spcPct val="115000"/>
+              </a:lnSpc>
               <a:spcBef>
                 <a:spcPts val="0"/>
               </a:spcBef>
@@ -21090,6 +20768,9 @@
           </a:p>
           <a:p>
             <a:pPr indent="-323850" lvl="0" marL="457200" rtl="0" algn="l">
+              <a:lnSpc>
+                <a:spcPct val="115000"/>
+              </a:lnSpc>
               <a:spcBef>
                 <a:spcPts val="0"/>
               </a:spcBef>
@@ -21117,6 +20798,9 @@
           </a:p>
           <a:p>
             <a:pPr indent="-323850" lvl="1" marL="914400" rtl="0" algn="l">
+              <a:lnSpc>
+                <a:spcPct val="115000"/>
+              </a:lnSpc>
               <a:spcBef>
                 <a:spcPts val="0"/>
               </a:spcBef>
@@ -21153,6 +20837,9 @@
           </a:p>
           <a:p>
             <a:pPr indent="-323850" lvl="1" marL="914400" rtl="0" algn="l">
+              <a:lnSpc>
+                <a:spcPct val="115000"/>
+              </a:lnSpc>
               <a:spcBef>
                 <a:spcPts val="0"/>
               </a:spcBef>
@@ -21189,6 +20876,9 @@
           </a:p>
           <a:p>
             <a:pPr indent="-323850" lvl="0" marL="457200" rtl="0" algn="l">
+              <a:lnSpc>
+                <a:spcPct val="115000"/>
+              </a:lnSpc>
               <a:spcBef>
                 <a:spcPts val="0"/>
               </a:spcBef>
@@ -21216,6 +20906,9 @@
           </a:p>
           <a:p>
             <a:pPr indent="-323850" lvl="1" marL="914400" rtl="0" algn="l">
+              <a:lnSpc>
+                <a:spcPct val="115000"/>
+              </a:lnSpc>
               <a:spcBef>
                 <a:spcPts val="0"/>
               </a:spcBef>
@@ -21252,6 +20945,9 @@
           </a:p>
           <a:p>
             <a:pPr indent="-323850" lvl="1" marL="914400" rtl="0" algn="l">
+              <a:lnSpc>
+                <a:spcPct val="115000"/>
+              </a:lnSpc>
               <a:spcBef>
                 <a:spcPts val="0"/>
               </a:spcBef>
@@ -21324,6 +21020,9 @@
           </a:p>
           <a:p>
             <a:pPr indent="-323850" lvl="2" marL="1371600" rtl="0" algn="l">
+              <a:lnSpc>
+                <a:spcPct val="115000"/>
+              </a:lnSpc>
               <a:spcBef>
                 <a:spcPts val="0"/>
               </a:spcBef>
@@ -21340,25 +21039,7 @@
                 <a:cs typeface="Montserrat"/>
                 <a:sym typeface="Montserrat"/>
               </a:rPr>
-              <a:t>If &gt;= 0.6, </a:t>
-            </a:r>
-            <a:r>
-              <a:rPr lang="en" sz="1500">
-                <a:latin typeface="Montserrat"/>
-                <a:ea typeface="Montserrat"/>
-                <a:cs typeface="Montserrat"/>
-                <a:sym typeface="Montserrat"/>
-              </a:rPr>
-              <a:t>then then they will be considered</a:t>
-            </a:r>
-            <a:r>
-              <a:rPr lang="en" sz="1500">
-                <a:latin typeface="Montserrat"/>
-                <a:ea typeface="Montserrat"/>
-                <a:cs typeface="Montserrat"/>
-                <a:sym typeface="Montserrat"/>
-              </a:rPr>
-              <a:t> </a:t>
+              <a:t>If &gt;= 0.6, then they will be considered </a:t>
             </a:r>
             <a:r>
               <a:rPr b="1" lang="en" sz="1500">
@@ -21378,6 +21059,9 @@
           </a:p>
           <a:p>
             <a:pPr indent="-323850" lvl="2" marL="1371600" rtl="0" algn="l">
+              <a:lnSpc>
+                <a:spcPct val="115000"/>
+              </a:lnSpc>
               <a:spcBef>
                 <a:spcPts val="0"/>
               </a:spcBef>
@@ -21394,7 +21078,7 @@
                 <a:cs typeface="Montserrat"/>
                 <a:sym typeface="Montserrat"/>
               </a:rPr>
-              <a:t>If &lt; 0.6, then then they will be considered </a:t>
+              <a:t>If &lt; 0.6, then they will be considered </a:t>
             </a:r>
             <a:r>
               <a:rPr b="1" lang="en" sz="1500">
@@ -21416,7 +21100,7 @@
       </p:sp>
       <p:sp>
         <p:nvSpPr>
-          <p:cNvPr id="179" name="Google Shape;179;g26e1760ff98_1_59"/>
+          <p:cNvPr id="178" name="Google Shape;178;g26e1760ff98_1_59"/>
           <p:cNvSpPr txBox="1"/>
           <p:nvPr>
             <p:ph idx="12" type="sldNum"/>
@@ -21475,7 +21159,7 @@
   <p:cSld>
     <p:spTree>
       <p:nvGrpSpPr>
-        <p:cNvPr id="183" name="Shape 183"/>
+        <p:cNvPr id="182" name="Shape 182"/>
         <p:cNvGrpSpPr/>
         <p:nvPr/>
       </p:nvGrpSpPr>
@@ -21489,7 +21173,7 @@
       </p:grpSpPr>
       <p:sp>
         <p:nvSpPr>
-          <p:cNvPr id="184" name="Google Shape;184;g2a0c6f9b0a2_0_33"/>
+          <p:cNvPr id="183" name="Google Shape;183;g2a0c6f9b0a2_0_33"/>
           <p:cNvSpPr txBox="1"/>
           <p:nvPr>
             <p:ph idx="4294967295" type="title"/>
@@ -21537,7 +21221,7 @@
       </p:sp>
       <p:sp>
         <p:nvSpPr>
-          <p:cNvPr id="185" name="Google Shape;185;g2a0c6f9b0a2_0_33"/>
+          <p:cNvPr id="184" name="Google Shape;184;g2a0c6f9b0a2_0_33"/>
           <p:cNvSpPr txBox="1"/>
           <p:nvPr>
             <p:ph idx="4294967295" type="body"/>
@@ -21563,6 +21247,9 @@
           <a:lstStyle/>
           <a:p>
             <a:pPr indent="-323850" lvl="0" marL="457200" rtl="0" algn="l">
+              <a:lnSpc>
+                <a:spcPct val="115000"/>
+              </a:lnSpc>
               <a:spcBef>
                 <a:spcPts val="0"/>
               </a:spcBef>
@@ -21579,25 +21266,7 @@
                 <a:cs typeface="Montserrat"/>
                 <a:sym typeface="Montserrat"/>
               </a:rPr>
-              <a:t>Strategy for the upcoming </a:t>
-            </a:r>
-            <a:r>
-              <a:rPr lang="en" sz="1500">
-                <a:latin typeface="Montserrat"/>
-                <a:ea typeface="Montserrat"/>
-                <a:cs typeface="Montserrat"/>
-                <a:sym typeface="Montserrat"/>
-              </a:rPr>
-              <a:t>models</a:t>
-            </a:r>
-            <a:r>
-              <a:rPr lang="en" sz="1500">
-                <a:latin typeface="Montserrat"/>
-                <a:ea typeface="Montserrat"/>
-                <a:cs typeface="Montserrat"/>
-                <a:sym typeface="Montserrat"/>
-              </a:rPr>
-              <a:t> train / validation phase:</a:t>
+              <a:t>Strategy for the upcoming models train / validation phase:</a:t>
             </a:r>
             <a:endParaRPr sz="1500">
               <a:latin typeface="Montserrat"/>
@@ -21608,6 +21277,9 @@
           </a:p>
           <a:p>
             <a:pPr indent="-323850" lvl="1" marL="914400" rtl="0" algn="l">
+              <a:lnSpc>
+                <a:spcPct val="115000"/>
+              </a:lnSpc>
               <a:spcBef>
                 <a:spcPts val="0"/>
               </a:spcBef>
@@ -21635,6 +21307,9 @@
           </a:p>
           <a:p>
             <a:pPr indent="-323850" lvl="1" marL="914400" rtl="0" algn="l">
+              <a:lnSpc>
+                <a:spcPct val="115000"/>
+              </a:lnSpc>
               <a:spcBef>
                 <a:spcPts val="0"/>
               </a:spcBef>
@@ -21662,12 +21337,16 @@
           </a:p>
           <a:p>
             <a:pPr indent="0" lvl="0" marL="914400" rtl="0" algn="l">
-              <a:spcBef>
-                <a:spcPts val="0"/>
-              </a:spcBef>
-              <a:spcAft>
-                <a:spcPts val="0"/>
-              </a:spcAft>
+              <a:lnSpc>
+                <a:spcPct val="115000"/>
+              </a:lnSpc>
+              <a:spcBef>
+                <a:spcPts val="0"/>
+              </a:spcBef>
+              <a:spcAft>
+                <a:spcPts val="0"/>
+              </a:spcAft>
+              <a:buSzPts val="1300"/>
               <a:buNone/>
             </a:pPr>
             <a:r>
@@ -21682,6 +21361,9 @@
           </a:p>
           <a:p>
             <a:pPr indent="-323850" lvl="0" marL="457200" rtl="0" algn="l">
+              <a:lnSpc>
+                <a:spcPct val="115000"/>
+              </a:lnSpc>
               <a:spcBef>
                 <a:spcPts val="0"/>
               </a:spcBef>
@@ -21709,6 +21391,9 @@
           </a:p>
           <a:p>
             <a:pPr indent="-323850" lvl="1" marL="914400" rtl="0" algn="l">
+              <a:lnSpc>
+                <a:spcPct val="115000"/>
+              </a:lnSpc>
               <a:spcBef>
                 <a:spcPts val="0"/>
               </a:spcBef>
@@ -21745,6 +21430,9 @@
           </a:p>
           <a:p>
             <a:pPr indent="-323850" lvl="1" marL="914400" rtl="0" algn="l">
+              <a:lnSpc>
+                <a:spcPct val="115000"/>
+              </a:lnSpc>
               <a:spcBef>
                 <a:spcPts val="0"/>
               </a:spcBef>
@@ -21783,7 +21471,7 @@
       </p:sp>
       <p:sp>
         <p:nvSpPr>
-          <p:cNvPr id="186" name="Google Shape;186;g2a0c6f9b0a2_0_33"/>
+          <p:cNvPr id="185" name="Google Shape;185;g2a0c6f9b0a2_0_33"/>
           <p:cNvSpPr txBox="1"/>
           <p:nvPr>
             <p:ph idx="12" type="sldNum"/>
@@ -21842,7 +21530,7 @@
   <p:cSld>
     <p:spTree>
       <p:nvGrpSpPr>
-        <p:cNvPr id="190" name="Shape 190"/>
+        <p:cNvPr id="189" name="Shape 189"/>
         <p:cNvGrpSpPr/>
         <p:nvPr/>
       </p:nvGrpSpPr>
@@ -21856,7 +21544,7 @@
       </p:grpSpPr>
       <p:sp>
         <p:nvSpPr>
-          <p:cNvPr id="191" name="Google Shape;191;g26e1760ff98_1_75"/>
+          <p:cNvPr id="190" name="Google Shape;190;g26e1760ff98_1_75"/>
           <p:cNvSpPr txBox="1"/>
           <p:nvPr>
             <p:ph idx="4294967295" type="title"/>
@@ -21904,7 +21592,7 @@
       </p:sp>
       <p:sp>
         <p:nvSpPr>
-          <p:cNvPr id="192" name="Google Shape;192;g26e1760ff98_1_75"/>
+          <p:cNvPr id="191" name="Google Shape;191;g26e1760ff98_1_75"/>
           <p:cNvSpPr txBox="1"/>
           <p:nvPr>
             <p:ph idx="4294967295" type="body"/>
@@ -21940,19 +21628,30 @@
                 <a:spcPts val="0"/>
               </a:spcAft>
               <a:buSzPts val="1500"/>
+              <a:buFont typeface="Montserrat"/>
               <a:buChar char="●"/>
             </a:pPr>
             <a:r>
-              <a:rPr lang="en" sz="1500"/>
+              <a:rPr lang="en" sz="1500">
+                <a:latin typeface="Montserrat"/>
+                <a:ea typeface="Montserrat"/>
+                <a:cs typeface="Montserrat"/>
+                <a:sym typeface="Montserrat"/>
+              </a:rPr>
               <a:t>Dataset splitted according to different splitting method:</a:t>
             </a:r>
-            <a:endParaRPr sz="1500"/>
+            <a:endParaRPr sz="1500">
+              <a:latin typeface="Montserrat"/>
+              <a:ea typeface="Montserrat"/>
+              <a:cs typeface="Montserrat"/>
+              <a:sym typeface="Montserrat"/>
+            </a:endParaRPr>
           </a:p>
         </p:txBody>
       </p:sp>
       <p:sp>
         <p:nvSpPr>
-          <p:cNvPr id="193" name="Google Shape;193;g26e1760ff98_1_75"/>
+          <p:cNvPr id="192" name="Google Shape;192;g26e1760ff98_1_75"/>
           <p:cNvSpPr txBox="1"/>
           <p:nvPr>
             <p:ph idx="12" type="sldNum"/>
@@ -22000,17 +21699,16 @@
       </p:sp>
       <p:pic>
         <p:nvPicPr>
-          <p:cNvPr id="194" name="Google Shape;194;g26e1760ff98_1_75"/>
+          <p:cNvPr id="193" name="Google Shape;193;g26e1760ff98_1_75"/>
           <p:cNvPicPr preferRelativeResize="0"/>
           <p:nvPr/>
         </p:nvPicPr>
-        <p:blipFill>
+        <p:blipFill rotWithShape="1">
           <a:blip r:embed="rId3">
             <a:alphaModFix/>
           </a:blip>
-          <a:stretch>
-            <a:fillRect/>
-          </a:stretch>
+          <a:srcRect b="0" l="0" r="0" t="0"/>
+          <a:stretch/>
         </p:blipFill>
         <p:spPr>
           <a:xfrm>
@@ -22028,21 +21726,20 @@
       </p:pic>
       <p:pic>
         <p:nvPicPr>
-          <p:cNvPr id="195" name="Google Shape;195;g26e1760ff98_1_75"/>
+          <p:cNvPr id="194" name="Google Shape;194;g26e1760ff98_1_75"/>
           <p:cNvPicPr preferRelativeResize="0"/>
           <p:nvPr/>
         </p:nvPicPr>
-        <p:blipFill>
+        <p:blipFill rotWithShape="1">
           <a:blip r:embed="rId4">
             <a:alphaModFix/>
           </a:blip>
-          <a:stretch>
-            <a:fillRect/>
-          </a:stretch>
+          <a:srcRect b="0" l="0" r="0" t="0"/>
+          <a:stretch/>
         </p:blipFill>
         <p:spPr>
           <a:xfrm>
-            <a:off x="5385567" y="1526671"/>
+            <a:off x="5523367" y="1758521"/>
             <a:ext cx="3135658" cy="2304137"/>
           </a:xfrm>
           <a:prstGeom prst="rect">
@@ -22056,21 +21753,20 @@
       </p:pic>
       <p:pic>
         <p:nvPicPr>
-          <p:cNvPr id="196" name="Google Shape;196;g26e1760ff98_1_75"/>
+          <p:cNvPr id="195" name="Google Shape;195;g26e1760ff98_1_75"/>
           <p:cNvPicPr preferRelativeResize="0"/>
           <p:nvPr/>
         </p:nvPicPr>
-        <p:blipFill>
+        <p:blipFill rotWithShape="1">
           <a:blip r:embed="rId5">
             <a:alphaModFix/>
           </a:blip>
-          <a:stretch>
-            <a:fillRect/>
-          </a:stretch>
+          <a:srcRect b="0" l="0" r="0" t="0"/>
+          <a:stretch/>
         </p:blipFill>
         <p:spPr>
           <a:xfrm>
-            <a:off x="2009963" y="4158388"/>
+            <a:off x="2490776" y="4283263"/>
             <a:ext cx="4162425" cy="504825"/>
           </a:xfrm>
           <a:prstGeom prst="rect">
@@ -22082,6 +21778,180 @@
           </a:ln>
         </p:spPr>
       </p:pic>
+      <p:sp>
+        <p:nvSpPr>
+          <p:cNvPr id="196" name="Google Shape;196;g26e1760ff98_1_75"/>
+          <p:cNvSpPr txBox="1"/>
+          <p:nvPr/>
+        </p:nvSpPr>
+        <p:spPr>
+          <a:xfrm>
+            <a:off x="887625" y="1343025"/>
+            <a:ext cx="3000000" cy="415500"/>
+          </a:xfrm>
+          <a:prstGeom prst="rect">
+            <a:avLst/>
+          </a:prstGeom>
+          <a:noFill/>
+          <a:ln>
+            <a:noFill/>
+          </a:ln>
+        </p:spPr>
+        <p:txBody>
+          <a:bodyPr anchorCtr="0" anchor="t" bIns="91425" lIns="91425" spcFirstLastPara="1" rIns="91425" wrap="square" tIns="91425">
+            <a:spAutoFit/>
+          </a:bodyPr>
+          <a:lstStyle/>
+          <a:p>
+            <a:pPr indent="0" lvl="0" marL="0" rtl="0" algn="ctr">
+              <a:lnSpc>
+                <a:spcPct val="115000"/>
+              </a:lnSpc>
+              <a:spcBef>
+                <a:spcPts val="1200"/>
+              </a:spcBef>
+              <a:spcAft>
+                <a:spcPts val="0"/>
+              </a:spcAft>
+              <a:buNone/>
+            </a:pPr>
+            <a:r>
+              <a:rPr b="1" lang="en" sz="1500">
+                <a:solidFill>
+                  <a:schemeClr val="lt1"/>
+                </a:solidFill>
+                <a:latin typeface="Montserrat"/>
+                <a:ea typeface="Montserrat"/>
+                <a:cs typeface="Montserrat"/>
+                <a:sym typeface="Montserrat"/>
+              </a:rPr>
+              <a:t>Block Splits</a:t>
+            </a:r>
+            <a:endParaRPr b="1">
+              <a:latin typeface="Montserrat"/>
+              <a:ea typeface="Montserrat"/>
+              <a:cs typeface="Montserrat"/>
+              <a:sym typeface="Montserrat"/>
+            </a:endParaRPr>
+          </a:p>
+        </p:txBody>
+      </p:sp>
+      <p:sp>
+        <p:nvSpPr>
+          <p:cNvPr id="197" name="Google Shape;197;g26e1760ff98_1_75"/>
+          <p:cNvSpPr txBox="1"/>
+          <p:nvPr/>
+        </p:nvSpPr>
+        <p:spPr>
+          <a:xfrm>
+            <a:off x="5591200" y="1343025"/>
+            <a:ext cx="3000000" cy="415500"/>
+          </a:xfrm>
+          <a:prstGeom prst="rect">
+            <a:avLst/>
+          </a:prstGeom>
+          <a:noFill/>
+          <a:ln>
+            <a:noFill/>
+          </a:ln>
+        </p:spPr>
+        <p:txBody>
+          <a:bodyPr anchorCtr="0" anchor="t" bIns="91425" lIns="91425" spcFirstLastPara="1" rIns="91425" wrap="square" tIns="91425">
+            <a:spAutoFit/>
+          </a:bodyPr>
+          <a:lstStyle/>
+          <a:p>
+            <a:pPr indent="0" lvl="0" marL="0" rtl="0" algn="ctr">
+              <a:lnSpc>
+                <a:spcPct val="115000"/>
+              </a:lnSpc>
+              <a:spcBef>
+                <a:spcPts val="1200"/>
+              </a:spcBef>
+              <a:spcAft>
+                <a:spcPts val="0"/>
+              </a:spcAft>
+              <a:buNone/>
+            </a:pPr>
+            <a:r>
+              <a:rPr b="1" lang="en" sz="1500">
+                <a:solidFill>
+                  <a:schemeClr val="lt1"/>
+                </a:solidFill>
+                <a:latin typeface="Montserrat"/>
+                <a:ea typeface="Montserrat"/>
+                <a:cs typeface="Montserrat"/>
+                <a:sym typeface="Montserrat"/>
+              </a:rPr>
+              <a:t>Walk Forward Splits</a:t>
+            </a:r>
+            <a:endParaRPr b="1">
+              <a:latin typeface="Montserrat"/>
+              <a:ea typeface="Montserrat"/>
+              <a:cs typeface="Montserrat"/>
+              <a:sym typeface="Montserrat"/>
+            </a:endParaRPr>
+          </a:p>
+        </p:txBody>
+      </p:sp>
+      <p:sp>
+        <p:nvSpPr>
+          <p:cNvPr id="198" name="Google Shape;198;g26e1760ff98_1_75"/>
+          <p:cNvSpPr txBox="1"/>
+          <p:nvPr/>
+        </p:nvSpPr>
+        <p:spPr>
+          <a:xfrm>
+            <a:off x="3071988" y="3774150"/>
+            <a:ext cx="3000000" cy="415500"/>
+          </a:xfrm>
+          <a:prstGeom prst="rect">
+            <a:avLst/>
+          </a:prstGeom>
+          <a:noFill/>
+          <a:ln>
+            <a:noFill/>
+          </a:ln>
+        </p:spPr>
+        <p:txBody>
+          <a:bodyPr anchorCtr="0" anchor="t" bIns="91425" lIns="91425" spcFirstLastPara="1" rIns="91425" wrap="square" tIns="91425">
+            <a:spAutoFit/>
+          </a:bodyPr>
+          <a:lstStyle/>
+          <a:p>
+            <a:pPr indent="0" lvl="0" marL="0" rtl="0" algn="ctr">
+              <a:lnSpc>
+                <a:spcPct val="115000"/>
+              </a:lnSpc>
+              <a:spcBef>
+                <a:spcPts val="1200"/>
+              </a:spcBef>
+              <a:spcAft>
+                <a:spcPts val="0"/>
+              </a:spcAft>
+              <a:buNone/>
+            </a:pPr>
+            <a:r>
+              <a:rPr b="1" lang="en" sz="1500">
+                <a:solidFill>
+                  <a:schemeClr val="lt1"/>
+                </a:solidFill>
+                <a:latin typeface="Montserrat"/>
+                <a:ea typeface="Montserrat"/>
+                <a:cs typeface="Montserrat"/>
+                <a:sym typeface="Montserrat"/>
+              </a:rPr>
+              <a:t>Single split</a:t>
+            </a:r>
+            <a:endParaRPr b="1">
+              <a:latin typeface="Montserrat"/>
+              <a:ea typeface="Montserrat"/>
+              <a:cs typeface="Montserrat"/>
+              <a:sym typeface="Montserrat"/>
+            </a:endParaRPr>
+          </a:p>
+        </p:txBody>
+      </p:sp>
     </p:spTree>
   </p:cSld>
   <p:clrMapOvr>

--- a/presentation/presentation.pptx
+++ b/presentation/presentation.pptx
@@ -298,7 +298,7 @@
       </p15:sldGuideLst>
     </p:ext>
     <p:ext uri="GoogleSlidesCustomDataVersion2">
-      <go:slidesCustomData xmlns:go="http://customooxmlschemas.google.com/" r:id="rId37" roundtripDataSignature="AMtx7mg/arx++HXcFdP6ceAzhbkVjG3ysw=="/>
+      <go:slidesCustomData xmlns:go="http://customooxmlschemas.google.com/" r:id="rId37" roundtripDataSignature="AMtx7mjMNb3VfCCBaWrTUIWHR9uHyrbisA=="/>
     </p:ext>
   </p:extLst>
 </p:presentation>
@@ -3259,7 +3259,7 @@
           </a:prstGeom>
           <a:solidFill>
             <a:schemeClr val="lt1">
-              <a:alpha val="1960"/>
+              <a:alpha val="1568"/>
             </a:schemeClr>
           </a:solidFill>
           <a:ln>
@@ -3336,7 +3336,7 @@
             </a:prstGeom>
             <a:solidFill>
               <a:schemeClr val="lt1">
-                <a:alpha val="1960"/>
+                <a:alpha val="1568"/>
               </a:schemeClr>
             </a:solidFill>
             <a:ln>
@@ -3399,7 +3399,7 @@
             </a:prstGeom>
             <a:solidFill>
               <a:schemeClr val="lt1">
-                <a:alpha val="1960"/>
+                <a:alpha val="1568"/>
               </a:schemeClr>
             </a:solidFill>
             <a:ln>
@@ -4215,7 +4215,7 @@
             </a:prstGeom>
             <a:solidFill>
               <a:schemeClr val="lt1">
-                <a:alpha val="2352"/>
+                <a:alpha val="1960"/>
               </a:schemeClr>
             </a:solidFill>
             <a:ln>
@@ -4278,7 +4278,7 @@
             </a:prstGeom>
             <a:solidFill>
               <a:schemeClr val="lt1">
-                <a:alpha val="2352"/>
+                <a:alpha val="1960"/>
               </a:schemeClr>
             </a:solidFill>
             <a:ln>
@@ -4341,7 +4341,7 @@
             </a:prstGeom>
             <a:solidFill>
               <a:schemeClr val="lt1">
-                <a:alpha val="6274"/>
+                <a:alpha val="5882"/>
               </a:schemeClr>
             </a:solidFill>
             <a:ln>
@@ -4404,7 +4404,7 @@
             </a:prstGeom>
             <a:solidFill>
               <a:schemeClr val="lt1">
-                <a:alpha val="6274"/>
+                <a:alpha val="5882"/>
               </a:schemeClr>
             </a:solidFill>
             <a:ln>
@@ -4467,7 +4467,7 @@
             </a:prstGeom>
             <a:solidFill>
               <a:schemeClr val="lt1">
-                <a:alpha val="6274"/>
+                <a:alpha val="5882"/>
               </a:schemeClr>
             </a:solidFill>
             <a:ln>
@@ -4530,7 +4530,7 @@
             </a:prstGeom>
             <a:solidFill>
               <a:schemeClr val="lt1">
-                <a:alpha val="6274"/>
+                <a:alpha val="5882"/>
               </a:schemeClr>
             </a:solidFill>
             <a:ln>
@@ -4593,7 +4593,7 @@
             </a:prstGeom>
             <a:solidFill>
               <a:schemeClr val="lt1">
-                <a:alpha val="6274"/>
+                <a:alpha val="5882"/>
               </a:schemeClr>
             </a:solidFill>
             <a:ln>
@@ -4717,7 +4717,7 @@
             </a:prstGeom>
             <a:solidFill>
               <a:schemeClr val="lt1">
-                <a:alpha val="6274"/>
+                <a:alpha val="5882"/>
               </a:schemeClr>
             </a:solidFill>
             <a:ln>
@@ -4780,7 +4780,7 @@
             </a:prstGeom>
             <a:solidFill>
               <a:schemeClr val="lt1">
-                <a:alpha val="6274"/>
+                <a:alpha val="5882"/>
               </a:schemeClr>
             </a:solidFill>
             <a:ln>
@@ -4843,7 +4843,7 @@
             </a:prstGeom>
             <a:solidFill>
               <a:schemeClr val="lt1">
-                <a:alpha val="6274"/>
+                <a:alpha val="5882"/>
               </a:schemeClr>
             </a:solidFill>
             <a:ln>
@@ -4906,7 +4906,7 @@
             </a:prstGeom>
             <a:solidFill>
               <a:schemeClr val="lt1">
-                <a:alpha val="6274"/>
+                <a:alpha val="5882"/>
               </a:schemeClr>
             </a:solidFill>
             <a:ln>
@@ -4969,7 +4969,7 @@
             </a:prstGeom>
             <a:solidFill>
               <a:schemeClr val="lt1">
-                <a:alpha val="6274"/>
+                <a:alpha val="5882"/>
               </a:schemeClr>
             </a:solidFill>
             <a:ln>
@@ -5093,7 +5093,7 @@
             </a:prstGeom>
             <a:solidFill>
               <a:schemeClr val="lt1">
-                <a:alpha val="6274"/>
+                <a:alpha val="5882"/>
               </a:schemeClr>
             </a:solidFill>
             <a:ln>
@@ -5156,7 +5156,7 @@
             </a:prstGeom>
             <a:solidFill>
               <a:schemeClr val="lt1">
-                <a:alpha val="6274"/>
+                <a:alpha val="5882"/>
               </a:schemeClr>
             </a:solidFill>
             <a:ln>
@@ -5219,7 +5219,7 @@
             </a:prstGeom>
             <a:solidFill>
               <a:schemeClr val="lt1">
-                <a:alpha val="6274"/>
+                <a:alpha val="5882"/>
               </a:schemeClr>
             </a:solidFill>
             <a:ln>
@@ -5282,7 +5282,7 @@
             </a:prstGeom>
             <a:solidFill>
               <a:schemeClr val="lt1">
-                <a:alpha val="6274"/>
+                <a:alpha val="5882"/>
               </a:schemeClr>
             </a:solidFill>
             <a:ln>
@@ -6725,7 +6725,7 @@
             </a:prstGeom>
             <a:solidFill>
               <a:schemeClr val="lt1">
-                <a:alpha val="2352"/>
+                <a:alpha val="1960"/>
               </a:schemeClr>
             </a:solidFill>
             <a:ln>
@@ -6788,7 +6788,7 @@
             </a:prstGeom>
             <a:solidFill>
               <a:schemeClr val="lt1">
-                <a:alpha val="2352"/>
+                <a:alpha val="1960"/>
               </a:schemeClr>
             </a:solidFill>
             <a:ln>
@@ -6851,7 +6851,7 @@
             </a:prstGeom>
             <a:solidFill>
               <a:schemeClr val="lt1">
-                <a:alpha val="6274"/>
+                <a:alpha val="5882"/>
               </a:schemeClr>
             </a:solidFill>
             <a:ln>
@@ -6914,7 +6914,7 @@
             </a:prstGeom>
             <a:solidFill>
               <a:schemeClr val="lt1">
-                <a:alpha val="6274"/>
+                <a:alpha val="5882"/>
               </a:schemeClr>
             </a:solidFill>
             <a:ln>
@@ -6977,7 +6977,7 @@
             </a:prstGeom>
             <a:solidFill>
               <a:schemeClr val="lt1">
-                <a:alpha val="6274"/>
+                <a:alpha val="5882"/>
               </a:schemeClr>
             </a:solidFill>
             <a:ln>
@@ -7040,7 +7040,7 @@
             </a:prstGeom>
             <a:solidFill>
               <a:schemeClr val="lt1">
-                <a:alpha val="6274"/>
+                <a:alpha val="5882"/>
               </a:schemeClr>
             </a:solidFill>
             <a:ln>
@@ -7103,7 +7103,7 @@
             </a:prstGeom>
             <a:solidFill>
               <a:schemeClr val="lt1">
-                <a:alpha val="6274"/>
+                <a:alpha val="5882"/>
               </a:schemeClr>
             </a:solidFill>
             <a:ln>
@@ -7227,7 +7227,7 @@
             </a:prstGeom>
             <a:solidFill>
               <a:schemeClr val="lt1">
-                <a:alpha val="6274"/>
+                <a:alpha val="5882"/>
               </a:schemeClr>
             </a:solidFill>
             <a:ln>
@@ -7290,7 +7290,7 @@
             </a:prstGeom>
             <a:solidFill>
               <a:schemeClr val="lt1">
-                <a:alpha val="6274"/>
+                <a:alpha val="5882"/>
               </a:schemeClr>
             </a:solidFill>
             <a:ln>
@@ -7353,7 +7353,7 @@
             </a:prstGeom>
             <a:solidFill>
               <a:schemeClr val="lt1">
-                <a:alpha val="6274"/>
+                <a:alpha val="5882"/>
               </a:schemeClr>
             </a:solidFill>
             <a:ln>
@@ -7416,7 +7416,7 @@
             </a:prstGeom>
             <a:solidFill>
               <a:schemeClr val="lt1">
-                <a:alpha val="6274"/>
+                <a:alpha val="5882"/>
               </a:schemeClr>
             </a:solidFill>
             <a:ln>
@@ -7479,7 +7479,7 @@
             </a:prstGeom>
             <a:solidFill>
               <a:schemeClr val="lt1">
-                <a:alpha val="6274"/>
+                <a:alpha val="5882"/>
               </a:schemeClr>
             </a:solidFill>
             <a:ln>
@@ -7603,7 +7603,7 @@
             </a:prstGeom>
             <a:solidFill>
               <a:schemeClr val="lt1">
-                <a:alpha val="6274"/>
+                <a:alpha val="5882"/>
               </a:schemeClr>
             </a:solidFill>
             <a:ln>
@@ -7666,7 +7666,7 @@
             </a:prstGeom>
             <a:solidFill>
               <a:schemeClr val="lt1">
-                <a:alpha val="6274"/>
+                <a:alpha val="5882"/>
               </a:schemeClr>
             </a:solidFill>
             <a:ln>
@@ -7729,7 +7729,7 @@
             </a:prstGeom>
             <a:solidFill>
               <a:schemeClr val="lt1">
-                <a:alpha val="6274"/>
+                <a:alpha val="5882"/>
               </a:schemeClr>
             </a:solidFill>
             <a:ln>
@@ -7792,7 +7792,7 @@
             </a:prstGeom>
             <a:solidFill>
               <a:schemeClr val="lt1">
-                <a:alpha val="6274"/>
+                <a:alpha val="5882"/>
               </a:schemeClr>
             </a:solidFill>
             <a:ln>
@@ -10433,7 +10433,7 @@
             </a:prstGeom>
             <a:solidFill>
               <a:schemeClr val="lt1">
-                <a:alpha val="2352"/>
+                <a:alpha val="1960"/>
               </a:schemeClr>
             </a:solidFill>
             <a:ln>
@@ -10496,7 +10496,7 @@
             </a:prstGeom>
             <a:solidFill>
               <a:schemeClr val="lt1">
-                <a:alpha val="2352"/>
+                <a:alpha val="1960"/>
               </a:schemeClr>
             </a:solidFill>
             <a:ln>
@@ -10559,7 +10559,7 @@
             </a:prstGeom>
             <a:solidFill>
               <a:schemeClr val="lt1">
-                <a:alpha val="6274"/>
+                <a:alpha val="5882"/>
               </a:schemeClr>
             </a:solidFill>
             <a:ln>
@@ -10622,7 +10622,7 @@
             </a:prstGeom>
             <a:solidFill>
               <a:schemeClr val="lt1">
-                <a:alpha val="6274"/>
+                <a:alpha val="5882"/>
               </a:schemeClr>
             </a:solidFill>
             <a:ln>
@@ -10685,7 +10685,7 @@
             </a:prstGeom>
             <a:solidFill>
               <a:schemeClr val="lt1">
-                <a:alpha val="6274"/>
+                <a:alpha val="5882"/>
               </a:schemeClr>
             </a:solidFill>
             <a:ln>
@@ -10748,7 +10748,7 @@
             </a:prstGeom>
             <a:solidFill>
               <a:schemeClr val="lt1">
-                <a:alpha val="6274"/>
+                <a:alpha val="5882"/>
               </a:schemeClr>
             </a:solidFill>
             <a:ln>
@@ -10811,7 +10811,7 @@
             </a:prstGeom>
             <a:solidFill>
               <a:schemeClr val="lt1">
-                <a:alpha val="6274"/>
+                <a:alpha val="5882"/>
               </a:schemeClr>
             </a:solidFill>
             <a:ln>
@@ -10935,7 +10935,7 @@
             </a:prstGeom>
             <a:solidFill>
               <a:schemeClr val="lt1">
-                <a:alpha val="6274"/>
+                <a:alpha val="5882"/>
               </a:schemeClr>
             </a:solidFill>
             <a:ln>
@@ -10998,7 +10998,7 @@
             </a:prstGeom>
             <a:solidFill>
               <a:schemeClr val="lt1">
-                <a:alpha val="6274"/>
+                <a:alpha val="5882"/>
               </a:schemeClr>
             </a:solidFill>
             <a:ln>
@@ -11061,7 +11061,7 @@
             </a:prstGeom>
             <a:solidFill>
               <a:schemeClr val="lt1">
-                <a:alpha val="6274"/>
+                <a:alpha val="5882"/>
               </a:schemeClr>
             </a:solidFill>
             <a:ln>
@@ -11124,7 +11124,7 @@
             </a:prstGeom>
             <a:solidFill>
               <a:schemeClr val="lt1">
-                <a:alpha val="6274"/>
+                <a:alpha val="5882"/>
               </a:schemeClr>
             </a:solidFill>
             <a:ln>
@@ -11187,7 +11187,7 @@
             </a:prstGeom>
             <a:solidFill>
               <a:schemeClr val="lt1">
-                <a:alpha val="6274"/>
+                <a:alpha val="5882"/>
               </a:schemeClr>
             </a:solidFill>
             <a:ln>
@@ -11311,7 +11311,7 @@
             </a:prstGeom>
             <a:solidFill>
               <a:schemeClr val="lt1">
-                <a:alpha val="6274"/>
+                <a:alpha val="5882"/>
               </a:schemeClr>
             </a:solidFill>
             <a:ln>
@@ -11374,7 +11374,7 @@
             </a:prstGeom>
             <a:solidFill>
               <a:schemeClr val="lt1">
-                <a:alpha val="6274"/>
+                <a:alpha val="5882"/>
               </a:schemeClr>
             </a:solidFill>
             <a:ln>
@@ -11437,7 +11437,7 @@
             </a:prstGeom>
             <a:solidFill>
               <a:schemeClr val="lt1">
-                <a:alpha val="6274"/>
+                <a:alpha val="5882"/>
               </a:schemeClr>
             </a:solidFill>
             <a:ln>
@@ -11500,7 +11500,7 @@
             </a:prstGeom>
             <a:solidFill>
               <a:schemeClr val="lt1">
-                <a:alpha val="6274"/>
+                <a:alpha val="5882"/>
               </a:schemeClr>
             </a:solidFill>
             <a:ln>
@@ -12947,7 +12947,7 @@
             </a:prstGeom>
             <a:solidFill>
               <a:schemeClr val="lt1">
-                <a:alpha val="8627"/>
+                <a:alpha val="8235"/>
               </a:schemeClr>
             </a:solidFill>
             <a:ln>
@@ -13010,7 +13010,7 @@
             </a:prstGeom>
             <a:solidFill>
               <a:schemeClr val="lt1">
-                <a:alpha val="8627"/>
+                <a:alpha val="8235"/>
               </a:schemeClr>
             </a:solidFill>
             <a:ln>
@@ -15043,7 +15043,7 @@
                 <a:cs typeface="Montserrat"/>
                 <a:sym typeface="Montserrat"/>
               </a:rPr>
-              <a:t>Big Data Project</a:t>
+              <a:t>Big Data Computing Project</a:t>
             </a:r>
             <a:endParaRPr b="0" i="0" sz="1400" u="none" cap="none" strike="noStrike">
               <a:solidFill>
@@ -15485,13 +15485,43 @@
               <a:buChar char="●"/>
             </a:pPr>
             <a:r>
+              <a:rPr lang="en" sz="1500">
+                <a:latin typeface="Montserrat"/>
+                <a:ea typeface="Montserrat"/>
+                <a:cs typeface="Montserrat"/>
+                <a:sym typeface="Montserrat"/>
+              </a:rPr>
+              <a:t>ML models:</a:t>
+            </a:r>
+            <a:endParaRPr sz="1500">
+              <a:latin typeface="Montserrat"/>
+              <a:ea typeface="Montserrat"/>
+              <a:cs typeface="Montserrat"/>
+              <a:sym typeface="Montserrat"/>
+            </a:endParaRPr>
+          </a:p>
+          <a:p>
+            <a:pPr indent="-323850" lvl="1" marL="914400" rtl="0" algn="l">
+              <a:lnSpc>
+                <a:spcPct val="115000"/>
+              </a:lnSpc>
+              <a:spcBef>
+                <a:spcPts val="0"/>
+              </a:spcBef>
+              <a:spcAft>
+                <a:spcPts val="0"/>
+              </a:spcAft>
+              <a:buSzPts val="1500"/>
+              <a:buChar char="○"/>
+            </a:pPr>
+            <a:r>
               <a:rPr b="1" lang="en" sz="1500">
                 <a:latin typeface="Montserrat"/>
                 <a:ea typeface="Montserrat"/>
                 <a:cs typeface="Montserrat"/>
                 <a:sym typeface="Montserrat"/>
               </a:rPr>
-              <a:t>ML models:</a:t>
+              <a:t>Linear Regression</a:t>
             </a:r>
             <a:endParaRPr b="1" sz="1500">
               <a:latin typeface="Montserrat"/>
@@ -15515,13 +15545,103 @@
               <a:buChar char="○"/>
             </a:pPr>
             <a:r>
+              <a:rPr b="1" lang="en" sz="1500">
+                <a:latin typeface="Montserrat"/>
+                <a:ea typeface="Montserrat"/>
+                <a:cs typeface="Montserrat"/>
+                <a:sym typeface="Montserrat"/>
+              </a:rPr>
+              <a:t>Generalized Linear Regression</a:t>
+            </a:r>
+            <a:endParaRPr b="1" sz="1500">
+              <a:latin typeface="Montserrat"/>
+              <a:ea typeface="Montserrat"/>
+              <a:cs typeface="Montserrat"/>
+              <a:sym typeface="Montserrat"/>
+            </a:endParaRPr>
+          </a:p>
+          <a:p>
+            <a:pPr indent="-323850" lvl="1" marL="914400" rtl="0" algn="l">
+              <a:lnSpc>
+                <a:spcPct val="115000"/>
+              </a:lnSpc>
+              <a:spcBef>
+                <a:spcPts val="0"/>
+              </a:spcBef>
+              <a:spcAft>
+                <a:spcPts val="0"/>
+              </a:spcAft>
+              <a:buSzPts val="1500"/>
+              <a:buChar char="○"/>
+            </a:pPr>
+            <a:r>
+              <a:rPr b="1" lang="en" sz="1500">
+                <a:latin typeface="Montserrat"/>
+                <a:ea typeface="Montserrat"/>
+                <a:cs typeface="Montserrat"/>
+                <a:sym typeface="Montserrat"/>
+              </a:rPr>
+              <a:t>Random Forest Regressor</a:t>
+            </a:r>
+            <a:endParaRPr b="1" sz="1500">
+              <a:latin typeface="Montserrat"/>
+              <a:ea typeface="Montserrat"/>
+              <a:cs typeface="Montserrat"/>
+              <a:sym typeface="Montserrat"/>
+            </a:endParaRPr>
+          </a:p>
+          <a:p>
+            <a:pPr indent="-323850" lvl="1" marL="914400" rtl="0" algn="l">
+              <a:lnSpc>
+                <a:spcPct val="115000"/>
+              </a:lnSpc>
+              <a:spcBef>
+                <a:spcPts val="0"/>
+              </a:spcBef>
+              <a:spcAft>
+                <a:spcPts val="0"/>
+              </a:spcAft>
+              <a:buSzPts val="1500"/>
+              <a:buChar char="○"/>
+            </a:pPr>
+            <a:r>
+              <a:rPr b="1" lang="en" sz="1500">
+                <a:latin typeface="Montserrat"/>
+                <a:ea typeface="Montserrat"/>
+                <a:cs typeface="Montserrat"/>
+                <a:sym typeface="Montserrat"/>
+              </a:rPr>
+              <a:t>Gradient Boosting Tree Regressor</a:t>
+            </a:r>
+            <a:endParaRPr b="1" sz="1500">
+              <a:latin typeface="Montserrat"/>
+              <a:ea typeface="Montserrat"/>
+              <a:cs typeface="Montserrat"/>
+              <a:sym typeface="Montserrat"/>
+            </a:endParaRPr>
+          </a:p>
+          <a:p>
+            <a:pPr indent="-323850" lvl="0" marL="457200" rtl="0" algn="l">
+              <a:lnSpc>
+                <a:spcPct val="115000"/>
+              </a:lnSpc>
+              <a:spcBef>
+                <a:spcPts val="0"/>
+              </a:spcBef>
+              <a:spcAft>
+                <a:spcPts val="0"/>
+              </a:spcAft>
+              <a:buSzPts val="1500"/>
+              <a:buChar char="●"/>
+            </a:pPr>
+            <a:r>
               <a:rPr lang="en" sz="1500">
                 <a:latin typeface="Montserrat"/>
                 <a:ea typeface="Montserrat"/>
                 <a:cs typeface="Montserrat"/>
                 <a:sym typeface="Montserrat"/>
               </a:rPr>
-              <a:t>Linear Regression</a:t>
+              <a:t>Metrics:</a:t>
             </a:r>
             <a:endParaRPr sz="1500">
               <a:latin typeface="Montserrat"/>
@@ -15545,103 +15665,13 @@
               <a:buChar char="○"/>
             </a:pPr>
             <a:r>
-              <a:rPr lang="en" sz="1500">
-                <a:latin typeface="Montserrat"/>
-                <a:ea typeface="Montserrat"/>
-                <a:cs typeface="Montserrat"/>
-                <a:sym typeface="Montserrat"/>
-              </a:rPr>
-              <a:t>Generalized Linear Regression</a:t>
-            </a:r>
-            <a:endParaRPr sz="1500">
-              <a:latin typeface="Montserrat"/>
-              <a:ea typeface="Montserrat"/>
-              <a:cs typeface="Montserrat"/>
-              <a:sym typeface="Montserrat"/>
-            </a:endParaRPr>
-          </a:p>
-          <a:p>
-            <a:pPr indent="-323850" lvl="1" marL="914400" rtl="0" algn="l">
-              <a:lnSpc>
-                <a:spcPct val="115000"/>
-              </a:lnSpc>
-              <a:spcBef>
-                <a:spcPts val="0"/>
-              </a:spcBef>
-              <a:spcAft>
-                <a:spcPts val="0"/>
-              </a:spcAft>
-              <a:buSzPts val="1500"/>
-              <a:buChar char="○"/>
-            </a:pPr>
-            <a:r>
-              <a:rPr lang="en" sz="1500">
-                <a:latin typeface="Montserrat"/>
-                <a:ea typeface="Montserrat"/>
-                <a:cs typeface="Montserrat"/>
-                <a:sym typeface="Montserrat"/>
-              </a:rPr>
-              <a:t>Random Forest Regressor</a:t>
-            </a:r>
-            <a:endParaRPr sz="1500">
-              <a:latin typeface="Montserrat"/>
-              <a:ea typeface="Montserrat"/>
-              <a:cs typeface="Montserrat"/>
-              <a:sym typeface="Montserrat"/>
-            </a:endParaRPr>
-          </a:p>
-          <a:p>
-            <a:pPr indent="-323850" lvl="1" marL="914400" rtl="0" algn="l">
-              <a:lnSpc>
-                <a:spcPct val="115000"/>
-              </a:lnSpc>
-              <a:spcBef>
-                <a:spcPts val="0"/>
-              </a:spcBef>
-              <a:spcAft>
-                <a:spcPts val="0"/>
-              </a:spcAft>
-              <a:buSzPts val="1500"/>
-              <a:buChar char="○"/>
-            </a:pPr>
-            <a:r>
-              <a:rPr lang="en" sz="1500">
-                <a:latin typeface="Montserrat"/>
-                <a:ea typeface="Montserrat"/>
-                <a:cs typeface="Montserrat"/>
-                <a:sym typeface="Montserrat"/>
-              </a:rPr>
-              <a:t>Gradient Boosting Tree Regressor</a:t>
-            </a:r>
-            <a:endParaRPr sz="1500">
-              <a:latin typeface="Montserrat"/>
-              <a:ea typeface="Montserrat"/>
-              <a:cs typeface="Montserrat"/>
-              <a:sym typeface="Montserrat"/>
-            </a:endParaRPr>
-          </a:p>
-          <a:p>
-            <a:pPr indent="-323850" lvl="0" marL="457200" rtl="0" algn="l">
-              <a:lnSpc>
-                <a:spcPct val="115000"/>
-              </a:lnSpc>
-              <a:spcBef>
-                <a:spcPts val="0"/>
-              </a:spcBef>
-              <a:spcAft>
-                <a:spcPts val="0"/>
-              </a:spcAft>
-              <a:buSzPts val="1500"/>
-              <a:buChar char="●"/>
-            </a:pPr>
-            <a:r>
               <a:rPr b="1" lang="en" sz="1500">
                 <a:latin typeface="Montserrat"/>
                 <a:ea typeface="Montserrat"/>
                 <a:cs typeface="Montserrat"/>
                 <a:sym typeface="Montserrat"/>
               </a:rPr>
-              <a:t>Metrics:</a:t>
+              <a:t>RMSE (Root Mean Squared Error)</a:t>
             </a:r>
             <a:endParaRPr b="1" sz="1500">
               <a:latin typeface="Montserrat"/>
@@ -15665,15 +15695,15 @@
               <a:buChar char="○"/>
             </a:pPr>
             <a:r>
-              <a:rPr lang="en" sz="1500">
+              <a:rPr b="1" lang="en" sz="1500">
                 <a:latin typeface="Montserrat"/>
                 <a:ea typeface="Montserrat"/>
                 <a:cs typeface="Montserrat"/>
                 <a:sym typeface="Montserrat"/>
               </a:rPr>
-              <a:t>RMSE (Root Mean Squared Error)</a:t>
+              <a:t>MSE (Mean Squared Error)</a:t>
             </a:r>
-            <a:endParaRPr sz="1500">
+            <a:endParaRPr b="1" sz="1500">
               <a:latin typeface="Montserrat"/>
               <a:ea typeface="Montserrat"/>
               <a:cs typeface="Montserrat"/>
@@ -15695,15 +15725,15 @@
               <a:buChar char="○"/>
             </a:pPr>
             <a:r>
-              <a:rPr lang="en" sz="1500">
+              <a:rPr b="1" lang="en" sz="1500">
                 <a:latin typeface="Montserrat"/>
                 <a:ea typeface="Montserrat"/>
                 <a:cs typeface="Montserrat"/>
                 <a:sym typeface="Montserrat"/>
               </a:rPr>
-              <a:t>MSE (Mean Squared Error)</a:t>
+              <a:t>MAE (Mean Absolute Error)</a:t>
             </a:r>
-            <a:endParaRPr sz="1500">
+            <a:endParaRPr b="1" sz="1500">
               <a:latin typeface="Montserrat"/>
               <a:ea typeface="Montserrat"/>
               <a:cs typeface="Montserrat"/>
@@ -15725,15 +15755,15 @@
               <a:buChar char="○"/>
             </a:pPr>
             <a:r>
-              <a:rPr lang="en" sz="1500">
+              <a:rPr b="1" lang="en" sz="1500">
                 <a:latin typeface="Montserrat"/>
                 <a:ea typeface="Montserrat"/>
                 <a:cs typeface="Montserrat"/>
                 <a:sym typeface="Montserrat"/>
               </a:rPr>
-              <a:t>MAE (Mean Absolute Error)</a:t>
+              <a:t>MAPE (Mean Absolute Percentage Error)</a:t>
             </a:r>
-            <a:endParaRPr sz="1500">
+            <a:endParaRPr b="1" sz="1500">
               <a:latin typeface="Montserrat"/>
               <a:ea typeface="Montserrat"/>
               <a:cs typeface="Montserrat"/>
@@ -15755,15 +15785,15 @@
               <a:buChar char="○"/>
             </a:pPr>
             <a:r>
-              <a:rPr lang="en" sz="1500">
+              <a:rPr b="1" lang="en" sz="1500">
                 <a:latin typeface="Montserrat"/>
                 <a:ea typeface="Montserrat"/>
                 <a:cs typeface="Montserrat"/>
                 <a:sym typeface="Montserrat"/>
               </a:rPr>
-              <a:t>MAPE (Mean Absolute Percentage Error)</a:t>
+              <a:t>R2 (R-squared)</a:t>
             </a:r>
-            <a:endParaRPr sz="1500">
+            <a:endParaRPr b="1" sz="1500">
               <a:latin typeface="Montserrat"/>
               <a:ea typeface="Montserrat"/>
               <a:cs typeface="Montserrat"/>
@@ -15785,37 +15815,7 @@
               <a:buChar char="○"/>
             </a:pPr>
             <a:r>
-              <a:rPr lang="en" sz="1500">
-                <a:latin typeface="Montserrat"/>
-                <a:ea typeface="Montserrat"/>
-                <a:cs typeface="Montserrat"/>
-                <a:sym typeface="Montserrat"/>
-              </a:rPr>
-              <a:t>R2 (R-squared)</a:t>
-            </a:r>
-            <a:endParaRPr sz="1500">
-              <a:latin typeface="Montserrat"/>
-              <a:ea typeface="Montserrat"/>
-              <a:cs typeface="Montserrat"/>
-              <a:sym typeface="Montserrat"/>
-            </a:endParaRPr>
-          </a:p>
-          <a:p>
-            <a:pPr indent="-323850" lvl="1" marL="914400" rtl="0" algn="l">
-              <a:lnSpc>
-                <a:spcPct val="115000"/>
-              </a:lnSpc>
-              <a:spcBef>
-                <a:spcPts val="0"/>
-              </a:spcBef>
-              <a:spcAft>
-                <a:spcPts val="0"/>
-              </a:spcAft>
-              <a:buSzPts val="1500"/>
-              <a:buChar char="○"/>
-            </a:pPr>
-            <a:r>
-              <a:rPr lang="en" sz="1500">
+              <a:rPr b="1" lang="en" sz="1500">
                 <a:latin typeface="Montserrat"/>
                 <a:ea typeface="Montserrat"/>
                 <a:cs typeface="Montserrat"/>
@@ -15823,7 +15823,7 @@
               </a:rPr>
               <a:t>Adjusted R2</a:t>
             </a:r>
-            <a:endParaRPr sz="1500">
+            <a:endParaRPr b="1" sz="1500">
               <a:latin typeface="Montserrat"/>
               <a:ea typeface="Montserrat"/>
               <a:cs typeface="Montserrat"/>
@@ -16009,7 +16009,16 @@
                 <a:cs typeface="Montserrat"/>
                 <a:sym typeface="Montserrat"/>
               </a:rPr>
-              <a:t>Accuracy</a:t>
+              <a:t>a</a:t>
+            </a:r>
+            <a:r>
+              <a:rPr b="1" lang="en" sz="1500">
+                <a:latin typeface="Montserrat"/>
+                <a:ea typeface="Montserrat"/>
+                <a:cs typeface="Montserrat"/>
+                <a:sym typeface="Montserrat"/>
+              </a:rPr>
+              <a:t>ccuracy:</a:t>
             </a:r>
             <a:endParaRPr b="1" sz="1500">
               <a:latin typeface="Montserrat"/>
@@ -16019,7 +16028,7 @@
             </a:endParaRPr>
           </a:p>
           <a:p>
-            <a:pPr indent="-323850" lvl="0" marL="457200" rtl="0" algn="l">
+            <a:pPr indent="-323850" lvl="1" marL="914400" rtl="0" algn="l">
               <a:lnSpc>
                 <a:spcPct val="115000"/>
               </a:lnSpc>
@@ -16030,7 +16039,7 @@
                 <a:spcPts val="0"/>
               </a:spcAft>
               <a:buSzPts val="1500"/>
-              <a:buChar char="●"/>
+              <a:buChar char="○"/>
             </a:pPr>
             <a:r>
               <a:rPr lang="en" sz="1500">
@@ -16049,7 +16058,7 @@
             </a:endParaRPr>
           </a:p>
           <a:p>
-            <a:pPr indent="-323850" lvl="1" marL="914400" rtl="0" algn="l">
+            <a:pPr indent="-323850" lvl="2" marL="1371600" rtl="0" algn="l">
               <a:lnSpc>
                 <a:spcPct val="115000"/>
               </a:lnSpc>
@@ -16060,7 +16069,7 @@
                 <a:spcPts val="0"/>
               </a:spcAft>
               <a:buSzPts val="1500"/>
-              <a:buChar char="○"/>
+              <a:buChar char="■"/>
             </a:pPr>
             <a:r>
               <a:rPr lang="en" sz="1500">
@@ -16079,7 +16088,7 @@
             </a:endParaRPr>
           </a:p>
           <a:p>
-            <a:pPr indent="-323850" lvl="1" marL="914400" rtl="0" algn="l">
+            <a:pPr indent="-323850" lvl="2" marL="1371600" rtl="0" algn="l">
               <a:lnSpc>
                 <a:spcPct val="115000"/>
               </a:lnSpc>
@@ -16090,7 +16099,7 @@
                 <a:spcPts val="0"/>
               </a:spcAft>
               <a:buSzPts val="1500"/>
-              <a:buChar char="○"/>
+              <a:buChar char="■"/>
             </a:pPr>
             <a:r>
               <a:rPr lang="en" sz="1500">
@@ -16109,7 +16118,7 @@
             </a:endParaRPr>
           </a:p>
           <a:p>
-            <a:pPr indent="-323850" lvl="1" marL="914400" rtl="0" algn="l">
+            <a:pPr indent="-323850" lvl="2" marL="1371600" rtl="0" algn="l">
               <a:lnSpc>
                 <a:spcPct val="115000"/>
               </a:lnSpc>
@@ -16120,7 +16129,7 @@
                 <a:spcPts val="0"/>
               </a:spcAft>
               <a:buSzPts val="1500"/>
-              <a:buChar char="○"/>
+              <a:buChar char="■"/>
             </a:pPr>
             <a:r>
               <a:rPr lang="en" sz="1500">
@@ -16139,7 +16148,7 @@
             </a:endParaRPr>
           </a:p>
           <a:p>
-            <a:pPr indent="-323850" lvl="1" marL="914400" rtl="0" algn="l">
+            <a:pPr indent="-323850" lvl="2" marL="1371600" rtl="0" algn="l">
               <a:lnSpc>
                 <a:spcPct val="115000"/>
               </a:lnSpc>
@@ -16150,7 +16159,7 @@
                 <a:spcPts val="0"/>
               </a:spcAft>
               <a:buSzPts val="1500"/>
-              <a:buChar char="○"/>
+              <a:buChar char="■"/>
             </a:pPr>
             <a:r>
               <a:rPr lang="en" sz="1500">
@@ -16335,45 +16344,6 @@
               <a:buChar char="●"/>
             </a:pPr>
             <a:r>
-              <a:rPr lang="en" sz="1500">
-                <a:solidFill>
-                  <a:srgbClr val="FFFFFF"/>
-                </a:solidFill>
-                <a:latin typeface="Montserrat"/>
-                <a:ea typeface="Montserrat"/>
-                <a:cs typeface="Montserrat"/>
-                <a:sym typeface="Montserrat"/>
-              </a:rPr>
-              <a:t>Train / validation pipeline:</a:t>
-            </a:r>
-            <a:endParaRPr sz="1500">
-              <a:solidFill>
-                <a:srgbClr val="FFFFFF"/>
-              </a:solidFill>
-              <a:latin typeface="Montserrat"/>
-              <a:ea typeface="Montserrat"/>
-              <a:cs typeface="Montserrat"/>
-              <a:sym typeface="Montserrat"/>
-            </a:endParaRPr>
-          </a:p>
-          <a:p>
-            <a:pPr indent="-323850" lvl="1" marL="914400" rtl="0" algn="l">
-              <a:lnSpc>
-                <a:spcPct val="115000"/>
-              </a:lnSpc>
-              <a:spcBef>
-                <a:spcPts val="0"/>
-              </a:spcBef>
-              <a:spcAft>
-                <a:spcPts val="0"/>
-              </a:spcAft>
-              <a:buClr>
-                <a:srgbClr val="FFFFFF"/>
-              </a:buClr>
-              <a:buSzPts val="1500"/>
-              <a:buChar char="○"/>
-            </a:pPr>
-            <a:r>
               <a:rPr b="1" lang="en" sz="1500">
                 <a:solidFill>
                   <a:srgbClr val="FFFFFF"/>
@@ -16408,7 +16378,7 @@
             </a:endParaRPr>
           </a:p>
           <a:p>
-            <a:pPr indent="-323850" lvl="1" marL="914400" rtl="0" algn="l">
+            <a:pPr indent="-323850" lvl="0" marL="457200" rtl="0" algn="l">
               <a:lnSpc>
                 <a:spcPct val="115000"/>
               </a:lnSpc>
@@ -16422,7 +16392,7 @@
                 <a:srgbClr val="FFFFFF"/>
               </a:buClr>
               <a:buSzPts val="1500"/>
-              <a:buChar char="○"/>
+              <a:buChar char="●"/>
             </a:pPr>
             <a:r>
               <a:rPr b="1" lang="en" sz="1500">
@@ -17274,7 +17244,7 @@
               <a:buChar char="○"/>
             </a:pPr>
             <a:r>
-              <a:rPr lang="en" sz="1500">
+              <a:rPr b="1" lang="en" sz="1500">
                 <a:latin typeface="Montserrat"/>
                 <a:ea typeface="Montserrat"/>
                 <a:cs typeface="Montserrat"/>
@@ -17282,7 +17252,7 @@
               </a:rPr>
               <a:t>1 week</a:t>
             </a:r>
-            <a:endParaRPr sz="1500">
+            <a:endParaRPr b="1" sz="1500">
               <a:latin typeface="Montserrat"/>
               <a:ea typeface="Montserrat"/>
               <a:cs typeface="Montserrat"/>
@@ -17305,7 +17275,7 @@
               <a:buChar char="○"/>
             </a:pPr>
             <a:r>
-              <a:rPr lang="en" sz="1500">
+              <a:rPr b="1" lang="en" sz="1500">
                 <a:latin typeface="Montserrat"/>
                 <a:ea typeface="Montserrat"/>
                 <a:cs typeface="Montserrat"/>
@@ -17313,7 +17283,7 @@
               </a:rPr>
               <a:t>15 days</a:t>
             </a:r>
-            <a:endParaRPr sz="1500">
+            <a:endParaRPr b="1" sz="1500">
               <a:latin typeface="Montserrat"/>
               <a:ea typeface="Montserrat"/>
               <a:cs typeface="Montserrat"/>
@@ -17336,7 +17306,7 @@
               <a:buChar char="○"/>
             </a:pPr>
             <a:r>
-              <a:rPr lang="en" sz="1500">
+              <a:rPr b="1" lang="en" sz="1500">
                 <a:latin typeface="Montserrat"/>
                 <a:ea typeface="Montserrat"/>
                 <a:cs typeface="Montserrat"/>
@@ -17344,7 +17314,7 @@
               </a:rPr>
               <a:t>1 month</a:t>
             </a:r>
-            <a:endParaRPr sz="1500">
+            <a:endParaRPr b="1" sz="1500">
               <a:latin typeface="Montserrat"/>
               <a:ea typeface="Montserrat"/>
               <a:cs typeface="Montserrat"/>
@@ -17367,7 +17337,7 @@
               <a:buChar char="○"/>
             </a:pPr>
             <a:r>
-              <a:rPr lang="en" sz="1500">
+              <a:rPr b="1" lang="en" sz="1500">
                 <a:latin typeface="Montserrat"/>
                 <a:ea typeface="Montserrat"/>
                 <a:cs typeface="Montserrat"/>
@@ -17375,7 +17345,7 @@
               </a:rPr>
               <a:t>3 months</a:t>
             </a:r>
-            <a:endParaRPr sz="1500">
+            <a:endParaRPr b="1" sz="1500">
               <a:latin typeface="Montserrat"/>
               <a:ea typeface="Montserrat"/>
               <a:cs typeface="Montserrat"/>
@@ -17996,16 +17966,7 @@
                 <a:cs typeface="Montserrat"/>
                 <a:sym typeface="Montserrat"/>
               </a:rPr>
-              <a:t>Test d</a:t>
-            </a:r>
-            <a:r>
-              <a:rPr lang="en" sz="1500">
-                <a:latin typeface="Montserrat"/>
-                <a:ea typeface="Montserrat"/>
-                <a:cs typeface="Montserrat"/>
-                <a:sym typeface="Montserrat"/>
-              </a:rPr>
-              <a:t>ataset splitting</a:t>
+              <a:t>Test dataset splitting</a:t>
             </a:r>
             <a:endParaRPr b="1" sz="1500">
               <a:latin typeface="Montserrat"/>
@@ -18185,16 +18146,7 @@
                 <a:cs typeface="Montserrat"/>
                 <a:sym typeface="Montserrat"/>
               </a:rPr>
-              <a:t>F</a:t>
-            </a:r>
-            <a:r>
-              <a:rPr lang="en" sz="1500">
-                <a:latin typeface="Montserrat"/>
-                <a:ea typeface="Montserrat"/>
-                <a:cs typeface="Montserrat"/>
-                <a:sym typeface="Montserrat"/>
-              </a:rPr>
-              <a:t>eatures</a:t>
+              <a:t>Features</a:t>
             </a:r>
             <a:endParaRPr sz="1500">
               <a:latin typeface="Montserrat"/>
@@ -19085,16 +19037,7 @@
                 <a:cs typeface="Montserrat"/>
                 <a:sym typeface="Montserrat"/>
               </a:rPr>
-              <a:t>Prediction </a:t>
-            </a:r>
-            <a:r>
-              <a:rPr b="1" lang="en" sz="1500">
-                <a:latin typeface="Montserrat"/>
-                <a:ea typeface="Montserrat"/>
-                <a:cs typeface="Montserrat"/>
-                <a:sym typeface="Montserrat"/>
-              </a:rPr>
-              <a:t>of Bitcoin prices can be a competitive advantage</a:t>
+              <a:t>Prediction of Bitcoin prices can be a competitive advantage</a:t>
             </a:r>
             <a:endParaRPr b="1" sz="1500">
               <a:latin typeface="Montserrat"/>
@@ -19590,25 +19533,7 @@
                 <a:cs typeface="Montserrat"/>
                 <a:sym typeface="Montserrat"/>
               </a:rPr>
-              <a:t>Collecting </a:t>
-            </a:r>
-            <a:r>
-              <a:rPr lang="en" sz="1500">
-                <a:latin typeface="Montserrat"/>
-                <a:ea typeface="Montserrat"/>
-                <a:cs typeface="Montserrat"/>
-                <a:sym typeface="Montserrat"/>
-              </a:rPr>
-              <a:t>Bitcoin </a:t>
-            </a:r>
-            <a:r>
-              <a:rPr lang="en" sz="1500">
-                <a:latin typeface="Montserrat"/>
-                <a:ea typeface="Montserrat"/>
-                <a:cs typeface="Montserrat"/>
-                <a:sym typeface="Montserrat"/>
-              </a:rPr>
-              <a:t>data using:</a:t>
+              <a:t>Collecting Bitcoin data using:</a:t>
             </a:r>
             <a:endParaRPr sz="1500">
               <a:latin typeface="Montserrat"/>
@@ -19632,13 +19557,22 @@
               <a:buChar char="○"/>
             </a:pPr>
             <a:r>
+              <a:rPr b="1" lang="en" sz="1500">
+                <a:latin typeface="Montserrat"/>
+                <a:ea typeface="Montserrat"/>
+                <a:cs typeface="Montserrat"/>
+                <a:sym typeface="Montserrat"/>
+              </a:rPr>
+              <a:t>Blockchain.org</a:t>
+            </a:r>
+            <a:r>
               <a:rPr lang="en" sz="1500">
                 <a:latin typeface="Montserrat"/>
                 <a:ea typeface="Montserrat"/>
                 <a:cs typeface="Montserrat"/>
                 <a:sym typeface="Montserrat"/>
               </a:rPr>
-              <a:t>Blockchain.org (blockchain data)</a:t>
+              <a:t> (blockchain data)</a:t>
             </a:r>
             <a:endParaRPr sz="1500">
               <a:latin typeface="Montserrat"/>
@@ -19662,13 +19596,22 @@
               <a:buChar char="○"/>
             </a:pPr>
             <a:r>
+              <a:rPr b="1" lang="en" sz="1500">
+                <a:latin typeface="Montserrat"/>
+                <a:ea typeface="Montserrat"/>
+                <a:cs typeface="Montserrat"/>
+                <a:sym typeface="Montserrat"/>
+              </a:rPr>
+              <a:t>Binance and Kraken</a:t>
+            </a:r>
+            <a:r>
               <a:rPr lang="en" sz="1500">
                 <a:latin typeface="Montserrat"/>
                 <a:ea typeface="Montserrat"/>
                 <a:cs typeface="Montserrat"/>
                 <a:sym typeface="Montserrat"/>
               </a:rPr>
-              <a:t>Binance and Kraken (price information)</a:t>
+              <a:t> (price information)</a:t>
             </a:r>
             <a:endParaRPr sz="1500">
               <a:latin typeface="Montserrat"/>
@@ -20934,7 +20877,7 @@
                 <a:cs typeface="Montserrat"/>
                 <a:sym typeface="Montserrat"/>
               </a:rPr>
-              <a:t> contains all the Currency Statistics features</a:t>
+              <a:t> contains all the currency statistics features</a:t>
             </a:r>
             <a:endParaRPr sz="1500">
               <a:latin typeface="Montserrat"/>
@@ -20982,7 +20925,16 @@
                 <a:cs typeface="Montserrat"/>
                 <a:sym typeface="Montserrat"/>
               </a:rPr>
-              <a:t>Base features</a:t>
+              <a:t>b</a:t>
+            </a:r>
+            <a:r>
+              <a:rPr b="1" lang="en" sz="1500">
+                <a:latin typeface="Montserrat"/>
+                <a:ea typeface="Montserrat"/>
+                <a:cs typeface="Montserrat"/>
+                <a:sym typeface="Montserrat"/>
+              </a:rPr>
+              <a:t>ase features</a:t>
             </a:r>
             <a:r>
               <a:rPr lang="en" sz="1500">
@@ -21528,6 +21480,13 @@
 <file path=ppt/slides/slide9.xml><?xml version="1.0" encoding="utf-8"?>
 <p:sld xmlns:a="http://schemas.openxmlformats.org/drawingml/2006/main" xmlns:r="http://schemas.openxmlformats.org/officeDocument/2006/relationships" xmlns:mc="http://schemas.openxmlformats.org/markup-compatibility/2006" xmlns:mv="urn:schemas-microsoft-com:mac:vml" xmlns:p="http://schemas.openxmlformats.org/presentationml/2006/main" xmlns:c="http://schemas.openxmlformats.org/drawingml/2006/chart" xmlns:dgm="http://schemas.openxmlformats.org/drawingml/2006/diagram" xmlns:o="urn:schemas-microsoft-com:office:office" xmlns:v="urn:schemas-microsoft-com:vml" xmlns:pvml="urn:schemas-microsoft-com:office:powerpoint" xmlns:com="http://schemas.openxmlformats.org/drawingml/2006/compatibility" xmlns:p14="http://schemas.microsoft.com/office/powerpoint/2010/main" xmlns:p15="http://schemas.microsoft.com/office/powerpoint/2012/main" xmlns:ahyp="http://schemas.microsoft.com/office/drawing/2018/hyperlinkcolor">
   <p:cSld>
+    <p:bg>
+      <p:bgPr>
+        <a:solidFill>
+          <a:schemeClr val="dk1"/>
+        </a:solidFill>
+      </p:bgPr>
+    </p:bg>
     <p:spTree>
       <p:nvGrpSpPr>
         <p:cNvPr id="189" name="Shape 189"/>
@@ -21766,8 +21725,8 @@
         </p:blipFill>
         <p:spPr>
           <a:xfrm>
-            <a:off x="2490776" y="4283263"/>
-            <a:ext cx="4162425" cy="504825"/>
+            <a:off x="2859035" y="4283273"/>
+            <a:ext cx="3425915" cy="415500"/>
           </a:xfrm>
           <a:prstGeom prst="rect">
             <a:avLst/>
@@ -21803,7 +21762,7 @@
           </a:bodyPr>
           <a:lstStyle/>
           <a:p>
-            <a:pPr indent="0" lvl="0" marL="0" rtl="0" algn="ctr">
+            <a:pPr indent="0" lvl="0" marL="0" marR="0" rtl="0" algn="ctr">
               <a:lnSpc>
                 <a:spcPct val="115000"/>
               </a:lnSpc>
@@ -21813,10 +21772,15 @@
               <a:spcAft>
                 <a:spcPts val="0"/>
               </a:spcAft>
+              <a:buClr>
+                <a:srgbClr val="000000"/>
+              </a:buClr>
+              <a:buSzPts val="1500"/>
+              <a:buFont typeface="Arial"/>
               <a:buNone/>
             </a:pPr>
             <a:r>
-              <a:rPr b="1" lang="en" sz="1500">
+              <a:rPr b="1" i="0" lang="en" sz="1500" u="none" cap="none" strike="noStrike">
                 <a:solidFill>
                   <a:schemeClr val="lt1"/>
                 </a:solidFill>
@@ -21827,7 +21791,10 @@
               </a:rPr>
               <a:t>Block Splits</a:t>
             </a:r>
-            <a:endParaRPr b="1">
+            <a:endParaRPr b="1" i="0" sz="1400" u="none" cap="none" strike="noStrike">
+              <a:solidFill>
+                <a:srgbClr val="000000"/>
+              </a:solidFill>
               <a:latin typeface="Montserrat"/>
               <a:ea typeface="Montserrat"/>
               <a:cs typeface="Montserrat"/>
@@ -21861,7 +21828,7 @@
           </a:bodyPr>
           <a:lstStyle/>
           <a:p>
-            <a:pPr indent="0" lvl="0" marL="0" rtl="0" algn="ctr">
+            <a:pPr indent="0" lvl="0" marL="0" marR="0" rtl="0" algn="ctr">
               <a:lnSpc>
                 <a:spcPct val="115000"/>
               </a:lnSpc>
@@ -21871,10 +21838,15 @@
               <a:spcAft>
                 <a:spcPts val="0"/>
               </a:spcAft>
+              <a:buClr>
+                <a:srgbClr val="000000"/>
+              </a:buClr>
+              <a:buSzPts val="1500"/>
+              <a:buFont typeface="Arial"/>
               <a:buNone/>
             </a:pPr>
             <a:r>
-              <a:rPr b="1" lang="en" sz="1500">
+              <a:rPr b="1" i="0" lang="en" sz="1500" u="none" cap="none" strike="noStrike">
                 <a:solidFill>
                   <a:schemeClr val="lt1"/>
                 </a:solidFill>
@@ -21885,7 +21857,10 @@
               </a:rPr>
               <a:t>Walk Forward Splits</a:t>
             </a:r>
-            <a:endParaRPr b="1">
+            <a:endParaRPr b="1" i="0" sz="1400" u="none" cap="none" strike="noStrike">
+              <a:solidFill>
+                <a:srgbClr val="000000"/>
+              </a:solidFill>
               <a:latin typeface="Montserrat"/>
               <a:ea typeface="Montserrat"/>
               <a:cs typeface="Montserrat"/>
@@ -21919,7 +21894,7 @@
           </a:bodyPr>
           <a:lstStyle/>
           <a:p>
-            <a:pPr indent="0" lvl="0" marL="0" rtl="0" algn="ctr">
+            <a:pPr indent="0" lvl="0" marL="0" marR="0" rtl="0" algn="ctr">
               <a:lnSpc>
                 <a:spcPct val="115000"/>
               </a:lnSpc>
@@ -21929,10 +21904,15 @@
               <a:spcAft>
                 <a:spcPts val="0"/>
               </a:spcAft>
+              <a:buClr>
+                <a:srgbClr val="000000"/>
+              </a:buClr>
+              <a:buSzPts val="1500"/>
+              <a:buFont typeface="Arial"/>
               <a:buNone/>
             </a:pPr>
             <a:r>
-              <a:rPr b="1" lang="en" sz="1500">
+              <a:rPr b="1" i="0" lang="en" sz="1500" u="none" cap="none" strike="noStrike">
                 <a:solidFill>
                   <a:schemeClr val="lt1"/>
                 </a:solidFill>
@@ -21943,7 +21923,10 @@
               </a:rPr>
               <a:t>Single split</a:t>
             </a:r>
-            <a:endParaRPr b="1">
+            <a:endParaRPr b="1" i="0" sz="1400" u="none" cap="none" strike="noStrike">
+              <a:solidFill>
+                <a:srgbClr val="000000"/>
+              </a:solidFill>
               <a:latin typeface="Montserrat"/>
               <a:ea typeface="Montserrat"/>
               <a:cs typeface="Montserrat"/>
@@ -21961,6 +21944,285 @@
 </file>
 
 <file path=ppt/theme/theme1.xml><?xml version="1.0" encoding="utf-8"?>
+<a:theme xmlns:a="http://schemas.openxmlformats.org/drawingml/2006/main" xmlns:r="http://schemas.openxmlformats.org/officeDocument/2006/relationships">
+  <a:themeElements>
+    <a:clrScheme name="Default">
+      <a:dk1>
+        <a:srgbClr val="000000"/>
+      </a:dk1>
+      <a:lt1>
+        <a:srgbClr val="FFFFFF"/>
+      </a:lt1>
+      <a:dk2>
+        <a:srgbClr val="158158"/>
+      </a:dk2>
+      <a:lt2>
+        <a:srgbClr val="F3F3F3"/>
+      </a:lt2>
+      <a:accent1>
+        <a:srgbClr val="058DC7"/>
+      </a:accent1>
+      <a:accent2>
+        <a:srgbClr val="50B432"/>
+      </a:accent2>
+      <a:accent3>
+        <a:srgbClr val="ED561B"/>
+      </a:accent3>
+      <a:accent4>
+        <a:srgbClr val="EDEF00"/>
+      </a:accent4>
+      <a:accent5>
+        <a:srgbClr val="24CBE5"/>
+      </a:accent5>
+      <a:accent6>
+        <a:srgbClr val="64E572"/>
+      </a:accent6>
+      <a:hlink>
+        <a:srgbClr val="2200CC"/>
+      </a:hlink>
+      <a:folHlink>
+        <a:srgbClr val="551A8B"/>
+      </a:folHlink>
+    </a:clrScheme>
+    <a:fontScheme name="Office">
+      <a:majorFont>
+        <a:latin typeface="Arial"/>
+        <a:ea typeface=""/>
+        <a:cs typeface=""/>
+        <a:font script="Jpan" typeface="ＭＳ Ｐゴシック"/>
+        <a:font script="Hang" typeface="맑은 고딕"/>
+        <a:font script="Hans" typeface="宋体"/>
+        <a:font script="Hant" typeface="新細明體"/>
+        <a:font script="Arab" typeface="Times New Roman"/>
+        <a:font script="Hebr" typeface="Times New Roman"/>
+        <a:font script="Thai" typeface="Angsana New"/>
+        <a:font script="Ethi" typeface="Nyala"/>
+        <a:font script="Beng" typeface="Vrinda"/>
+        <a:font script="Gujr" typeface="Shruti"/>
+        <a:font script="Khmr" typeface="MoolBoran"/>
+        <a:font script="Knda" typeface="Tunga"/>
+        <a:font script="Guru" typeface="Raavi"/>
+        <a:font script="Cans" typeface="Euphemia"/>
+        <a:font script="Cher" typeface="Plantagenet Cherokee"/>
+        <a:font script="Yiii" typeface="Microsoft Yi Baiti"/>
+        <a:font script="Tibt" typeface="Microsoft Himalaya"/>
+        <a:font script="Thaa" typeface="MV Boli"/>
+        <a:font script="Deva" typeface="Mangal"/>
+        <a:font script="Telu" typeface="Gautami"/>
+        <a:font script="Taml" typeface="Latha"/>
+        <a:font script="Syrc" typeface="Estrangelo Edessa"/>
+        <a:font script="Orya" typeface="Kalinga"/>
+        <a:font script="Mlym" typeface="Kartika"/>
+        <a:font script="Laoo" typeface="DokChampa"/>
+        <a:font script="Sinh" typeface="Iskoola Pota"/>
+        <a:font script="Mong" typeface="Mongolian Baiti"/>
+        <a:font script="Viet" typeface="Times New Roman"/>
+        <a:font script="Uigh" typeface="Microsoft Uighur"/>
+        <a:font script="Geor" typeface="Sylfaen"/>
+      </a:majorFont>
+      <a:minorFont>
+        <a:latin typeface="Arial"/>
+        <a:ea typeface=""/>
+        <a:cs typeface=""/>
+        <a:font script="Jpan" typeface="ＭＳ Ｐゴシック"/>
+        <a:font script="Hang" typeface="맑은 고딕"/>
+        <a:font script="Hans" typeface="宋体"/>
+        <a:font script="Hant" typeface="新細明體"/>
+        <a:font script="Arab" typeface="Arial"/>
+        <a:font script="Hebr" typeface="Arial"/>
+        <a:font script="Thai" typeface="Cordia New"/>
+        <a:font script="Ethi" typeface="Nyala"/>
+        <a:font script="Beng" typeface="Vrinda"/>
+        <a:font script="Gujr" typeface="Shruti"/>
+        <a:font script="Khmr" typeface="DaunPenh"/>
+        <a:font script="Knda" typeface="Tunga"/>
+        <a:font script="Guru" typeface="Raavi"/>
+        <a:font script="Cans" typeface="Euphemia"/>
+        <a:font script="Cher" typeface="Plantagenet Cherokee"/>
+        <a:font script="Yiii" typeface="Microsoft Yi Baiti"/>
+        <a:font script="Tibt" typeface="Microsoft Himalaya"/>
+        <a:font script="Thaa" typeface="MV Boli"/>
+        <a:font script="Deva" typeface="Mangal"/>
+        <a:font script="Telu" typeface="Gautami"/>
+        <a:font script="Taml" typeface="Latha"/>
+        <a:font script="Syrc" typeface="Estrangelo Edessa"/>
+        <a:font script="Orya" typeface="Kalinga"/>
+        <a:font script="Mlym" typeface="Kartika"/>
+        <a:font script="Laoo" typeface="DokChampa"/>
+        <a:font script="Sinh" typeface="Iskoola Pota"/>
+        <a:font script="Mong" typeface="Mongolian Baiti"/>
+        <a:font script="Viet" typeface="Arial"/>
+        <a:font script="Uigh" typeface="Microsoft Uighur"/>
+        <a:font script="Geor" typeface="Sylfaen"/>
+      </a:minorFont>
+    </a:fontScheme>
+    <a:fmtScheme name="Office">
+      <a:fillStyleLst>
+        <a:solidFill>
+          <a:schemeClr val="phClr"/>
+        </a:solidFill>
+        <a:gradFill rotWithShape="1">
+          <a:gsLst>
+            <a:gs pos="0">
+              <a:schemeClr val="phClr">
+                <a:tint val="50000"/>
+                <a:satMod val="300000"/>
+              </a:schemeClr>
+            </a:gs>
+            <a:gs pos="35000">
+              <a:schemeClr val="phClr">
+                <a:tint val="37000"/>
+                <a:satMod val="300000"/>
+              </a:schemeClr>
+            </a:gs>
+            <a:gs pos="100000">
+              <a:schemeClr val="phClr">
+                <a:tint val="15000"/>
+                <a:satMod val="350000"/>
+              </a:schemeClr>
+            </a:gs>
+          </a:gsLst>
+          <a:lin ang="16200000" scaled="1"/>
+        </a:gradFill>
+        <a:gradFill rotWithShape="1">
+          <a:gsLst>
+            <a:gs pos="0">
+              <a:schemeClr val="phClr">
+                <a:tint val="100000"/>
+                <a:shade val="100000"/>
+                <a:satMod val="130000"/>
+              </a:schemeClr>
+            </a:gs>
+            <a:gs pos="100000">
+              <a:schemeClr val="phClr">
+                <a:tint val="50000"/>
+                <a:shade val="100000"/>
+                <a:satMod val="350000"/>
+              </a:schemeClr>
+            </a:gs>
+          </a:gsLst>
+          <a:lin ang="16200000" scaled="0"/>
+        </a:gradFill>
+      </a:fillStyleLst>
+      <a:lnStyleLst>
+        <a:ln w="9525" cap="flat" cmpd="sng" algn="ctr">
+          <a:solidFill>
+            <a:schemeClr val="phClr">
+              <a:shade val="95000"/>
+              <a:satMod val="105000"/>
+            </a:schemeClr>
+          </a:solidFill>
+          <a:prstDash val="solid"/>
+        </a:ln>
+        <a:ln w="25400" cap="flat" cmpd="sng" algn="ctr">
+          <a:solidFill>
+            <a:schemeClr val="phClr"/>
+          </a:solidFill>
+          <a:prstDash val="solid"/>
+        </a:ln>
+        <a:ln w="38100" cap="flat" cmpd="sng" algn="ctr">
+          <a:solidFill>
+            <a:schemeClr val="phClr"/>
+          </a:solidFill>
+          <a:prstDash val="solid"/>
+        </a:ln>
+      </a:lnStyleLst>
+      <a:effectStyleLst>
+        <a:effectStyle>
+          <a:effectLst>
+            <a:outerShdw blurRad="40000" dist="20000" dir="5400000" rotWithShape="0">
+              <a:srgbClr val="000000">
+                <a:alpha val="38000"/>
+              </a:srgbClr>
+            </a:outerShdw>
+          </a:effectLst>
+        </a:effectStyle>
+        <a:effectStyle>
+          <a:effectLst>
+            <a:outerShdw blurRad="40000" dist="23000" dir="5400000" rotWithShape="0">
+              <a:srgbClr val="000000">
+                <a:alpha val="35000"/>
+              </a:srgbClr>
+            </a:outerShdw>
+          </a:effectLst>
+        </a:effectStyle>
+        <a:effectStyle>
+          <a:effectLst>
+            <a:outerShdw blurRad="40000" dist="23000" dir="5400000" rotWithShape="0">
+              <a:srgbClr val="000000">
+                <a:alpha val="35000"/>
+              </a:srgbClr>
+            </a:outerShdw>
+          </a:effectLst>
+          <a:scene3d>
+            <a:camera prst="orthographicFront">
+              <a:rot lat="0" lon="0" rev="0"/>
+            </a:camera>
+            <a:lightRig rig="threePt" dir="t">
+              <a:rot lat="0" lon="0" rev="1200000"/>
+            </a:lightRig>
+          </a:scene3d>
+          <a:sp3d>
+            <a:bevelT w="63500" h="25400"/>
+          </a:sp3d>
+        </a:effectStyle>
+      </a:effectStyleLst>
+      <a:bgFillStyleLst>
+        <a:solidFill>
+          <a:schemeClr val="phClr"/>
+        </a:solidFill>
+        <a:gradFill rotWithShape="1">
+          <a:gsLst>
+            <a:gs pos="0">
+              <a:schemeClr val="phClr">
+                <a:tint val="40000"/>
+                <a:satMod val="350000"/>
+              </a:schemeClr>
+            </a:gs>
+            <a:gs pos="40000">
+              <a:schemeClr val="phClr">
+                <a:tint val="45000"/>
+                <a:shade val="99000"/>
+                <a:satMod val="350000"/>
+              </a:schemeClr>
+            </a:gs>
+            <a:gs pos="100000">
+              <a:schemeClr val="phClr">
+                <a:shade val="20000"/>
+                <a:satMod val="255000"/>
+              </a:schemeClr>
+            </a:gs>
+          </a:gsLst>
+          <a:path path="circle">
+            <a:fillToRect l="50000" t="-80000" r="50000" b="180000"/>
+          </a:path>
+        </a:gradFill>
+        <a:gradFill rotWithShape="1">
+          <a:gsLst>
+            <a:gs pos="0">
+              <a:schemeClr val="phClr">
+                <a:tint val="80000"/>
+                <a:satMod val="300000"/>
+              </a:schemeClr>
+            </a:gs>
+            <a:gs pos="100000">
+              <a:schemeClr val="phClr">
+                <a:shade val="30000"/>
+                <a:satMod val="200000"/>
+              </a:schemeClr>
+            </a:gs>
+          </a:gsLst>
+          <a:path path="circle">
+            <a:fillToRect l="50000" t="50000" r="50000" b="50000"/>
+          </a:path>
+        </a:gradFill>
+      </a:bgFillStyleLst>
+    </a:fmtScheme>
+  </a:themeElements>
+</a:theme>
+</file>
+
+<file path=ppt/theme/theme2.xml><?xml version="1.0" encoding="utf-8"?>
 <a:theme xmlns:a="http://schemas.openxmlformats.org/drawingml/2006/main" xmlns:r="http://schemas.openxmlformats.org/officeDocument/2006/relationships" name="Focus">
   <a:themeElements>
     <a:clrScheme name="Focus">
@@ -22237,283 +22499,4 @@
     </a:fmtScheme>
   </a:themeElements>
 </a:theme>
-</file>
-
-<file path=ppt/theme/theme2.xml><?xml version="1.0" encoding="utf-8"?>
-<a:theme xmlns:a="http://schemas.openxmlformats.org/drawingml/2006/main" xmlns:r="http://schemas.openxmlformats.org/officeDocument/2006/relationships">
-  <a:themeElements>
-    <a:clrScheme name="Default">
-      <a:dk1>
-        <a:srgbClr val="000000"/>
-      </a:dk1>
-      <a:lt1>
-        <a:srgbClr val="FFFFFF"/>
-      </a:lt1>
-      <a:dk2>
-        <a:srgbClr val="158158"/>
-      </a:dk2>
-      <a:lt2>
-        <a:srgbClr val="F3F3F3"/>
-      </a:lt2>
-      <a:accent1>
-        <a:srgbClr val="058DC7"/>
-      </a:accent1>
-      <a:accent2>
-        <a:srgbClr val="50B432"/>
-      </a:accent2>
-      <a:accent3>
-        <a:srgbClr val="ED561B"/>
-      </a:accent3>
-      <a:accent4>
-        <a:srgbClr val="EDEF00"/>
-      </a:accent4>
-      <a:accent5>
-        <a:srgbClr val="24CBE5"/>
-      </a:accent5>
-      <a:accent6>
-        <a:srgbClr val="64E572"/>
-      </a:accent6>
-      <a:hlink>
-        <a:srgbClr val="2200CC"/>
-      </a:hlink>
-      <a:folHlink>
-        <a:srgbClr val="551A8B"/>
-      </a:folHlink>
-    </a:clrScheme>
-    <a:fontScheme name="Office">
-      <a:majorFont>
-        <a:latin typeface="Arial"/>
-        <a:ea typeface=""/>
-        <a:cs typeface=""/>
-        <a:font script="Jpan" typeface="ＭＳ Ｐゴシック"/>
-        <a:font script="Hang" typeface="맑은 고딕"/>
-        <a:font script="Hans" typeface="宋体"/>
-        <a:font script="Hant" typeface="新細明體"/>
-        <a:font script="Arab" typeface="Times New Roman"/>
-        <a:font script="Hebr" typeface="Times New Roman"/>
-        <a:font script="Thai" typeface="Angsana New"/>
-        <a:font script="Ethi" typeface="Nyala"/>
-        <a:font script="Beng" typeface="Vrinda"/>
-        <a:font script="Gujr" typeface="Shruti"/>
-        <a:font script="Khmr" typeface="MoolBoran"/>
-        <a:font script="Knda" typeface="Tunga"/>
-        <a:font script="Guru" typeface="Raavi"/>
-        <a:font script="Cans" typeface="Euphemia"/>
-        <a:font script="Cher" typeface="Plantagenet Cherokee"/>
-        <a:font script="Yiii" typeface="Microsoft Yi Baiti"/>
-        <a:font script="Tibt" typeface="Microsoft Himalaya"/>
-        <a:font script="Thaa" typeface="MV Boli"/>
-        <a:font script="Deva" typeface="Mangal"/>
-        <a:font script="Telu" typeface="Gautami"/>
-        <a:font script="Taml" typeface="Latha"/>
-        <a:font script="Syrc" typeface="Estrangelo Edessa"/>
-        <a:font script="Orya" typeface="Kalinga"/>
-        <a:font script="Mlym" typeface="Kartika"/>
-        <a:font script="Laoo" typeface="DokChampa"/>
-        <a:font script="Sinh" typeface="Iskoola Pota"/>
-        <a:font script="Mong" typeface="Mongolian Baiti"/>
-        <a:font script="Viet" typeface="Times New Roman"/>
-        <a:font script="Uigh" typeface="Microsoft Uighur"/>
-        <a:font script="Geor" typeface="Sylfaen"/>
-      </a:majorFont>
-      <a:minorFont>
-        <a:latin typeface="Arial"/>
-        <a:ea typeface=""/>
-        <a:cs typeface=""/>
-        <a:font script="Jpan" typeface="ＭＳ Ｐゴシック"/>
-        <a:font script="Hang" typeface="맑은 고딕"/>
-        <a:font script="Hans" typeface="宋体"/>
-        <a:font script="Hant" typeface="新細明體"/>
-        <a:font script="Arab" typeface="Arial"/>
-        <a:font script="Hebr" typeface="Arial"/>
-        <a:font script="Thai" typeface="Cordia New"/>
-        <a:font script="Ethi" typeface="Nyala"/>
-        <a:font script="Beng" typeface="Vrinda"/>
-        <a:font script="Gujr" typeface="Shruti"/>
-        <a:font script="Khmr" typeface="DaunPenh"/>
-        <a:font script="Knda" typeface="Tunga"/>
-        <a:font script="Guru" typeface="Raavi"/>
-        <a:font script="Cans" typeface="Euphemia"/>
-        <a:font script="Cher" typeface="Plantagenet Cherokee"/>
-        <a:font script="Yiii" typeface="Microsoft Yi Baiti"/>
-        <a:font script="Tibt" typeface="Microsoft Himalaya"/>
-        <a:font script="Thaa" typeface="MV Boli"/>
-        <a:font script="Deva" typeface="Mangal"/>
-        <a:font script="Telu" typeface="Gautami"/>
-        <a:font script="Taml" typeface="Latha"/>
-        <a:font script="Syrc" typeface="Estrangelo Edessa"/>
-        <a:font script="Orya" typeface="Kalinga"/>
-        <a:font script="Mlym" typeface="Kartika"/>
-        <a:font script="Laoo" typeface="DokChampa"/>
-        <a:font script="Sinh" typeface="Iskoola Pota"/>
-        <a:font script="Mong" typeface="Mongolian Baiti"/>
-        <a:font script="Viet" typeface="Arial"/>
-        <a:font script="Uigh" typeface="Microsoft Uighur"/>
-        <a:font script="Geor" typeface="Sylfaen"/>
-      </a:minorFont>
-    </a:fontScheme>
-    <a:fmtScheme name="Office">
-      <a:fillStyleLst>
-        <a:solidFill>
-          <a:schemeClr val="phClr"/>
-        </a:solidFill>
-        <a:gradFill rotWithShape="1">
-          <a:gsLst>
-            <a:gs pos="0">
-              <a:schemeClr val="phClr">
-                <a:tint val="50000"/>
-                <a:satMod val="300000"/>
-              </a:schemeClr>
-            </a:gs>
-            <a:gs pos="35000">
-              <a:schemeClr val="phClr">
-                <a:tint val="37000"/>
-                <a:satMod val="300000"/>
-              </a:schemeClr>
-            </a:gs>
-            <a:gs pos="100000">
-              <a:schemeClr val="phClr">
-                <a:tint val="15000"/>
-                <a:satMod val="350000"/>
-              </a:schemeClr>
-            </a:gs>
-          </a:gsLst>
-          <a:lin ang="16200000" scaled="1"/>
-        </a:gradFill>
-        <a:gradFill rotWithShape="1">
-          <a:gsLst>
-            <a:gs pos="0">
-              <a:schemeClr val="phClr">
-                <a:tint val="100000"/>
-                <a:shade val="100000"/>
-                <a:satMod val="130000"/>
-              </a:schemeClr>
-            </a:gs>
-            <a:gs pos="100000">
-              <a:schemeClr val="phClr">
-                <a:tint val="50000"/>
-                <a:shade val="100000"/>
-                <a:satMod val="350000"/>
-              </a:schemeClr>
-            </a:gs>
-          </a:gsLst>
-          <a:lin ang="16200000" scaled="0"/>
-        </a:gradFill>
-      </a:fillStyleLst>
-      <a:lnStyleLst>
-        <a:ln w="9525" cap="flat" cmpd="sng" algn="ctr">
-          <a:solidFill>
-            <a:schemeClr val="phClr">
-              <a:shade val="95000"/>
-              <a:satMod val="105000"/>
-            </a:schemeClr>
-          </a:solidFill>
-          <a:prstDash val="solid"/>
-        </a:ln>
-        <a:ln w="25400" cap="flat" cmpd="sng" algn="ctr">
-          <a:solidFill>
-            <a:schemeClr val="phClr"/>
-          </a:solidFill>
-          <a:prstDash val="solid"/>
-        </a:ln>
-        <a:ln w="38100" cap="flat" cmpd="sng" algn="ctr">
-          <a:solidFill>
-            <a:schemeClr val="phClr"/>
-          </a:solidFill>
-          <a:prstDash val="solid"/>
-        </a:ln>
-      </a:lnStyleLst>
-      <a:effectStyleLst>
-        <a:effectStyle>
-          <a:effectLst>
-            <a:outerShdw blurRad="40000" dist="20000" dir="5400000" rotWithShape="0">
-              <a:srgbClr val="000000">
-                <a:alpha val="38000"/>
-              </a:srgbClr>
-            </a:outerShdw>
-          </a:effectLst>
-        </a:effectStyle>
-        <a:effectStyle>
-          <a:effectLst>
-            <a:outerShdw blurRad="40000" dist="23000" dir="5400000" rotWithShape="0">
-              <a:srgbClr val="000000">
-                <a:alpha val="35000"/>
-              </a:srgbClr>
-            </a:outerShdw>
-          </a:effectLst>
-        </a:effectStyle>
-        <a:effectStyle>
-          <a:effectLst>
-            <a:outerShdw blurRad="40000" dist="23000" dir="5400000" rotWithShape="0">
-              <a:srgbClr val="000000">
-                <a:alpha val="35000"/>
-              </a:srgbClr>
-            </a:outerShdw>
-          </a:effectLst>
-          <a:scene3d>
-            <a:camera prst="orthographicFront">
-              <a:rot lat="0" lon="0" rev="0"/>
-            </a:camera>
-            <a:lightRig rig="threePt" dir="t">
-              <a:rot lat="0" lon="0" rev="1200000"/>
-            </a:lightRig>
-          </a:scene3d>
-          <a:sp3d>
-            <a:bevelT w="63500" h="25400"/>
-          </a:sp3d>
-        </a:effectStyle>
-      </a:effectStyleLst>
-      <a:bgFillStyleLst>
-        <a:solidFill>
-          <a:schemeClr val="phClr"/>
-        </a:solidFill>
-        <a:gradFill rotWithShape="1">
-          <a:gsLst>
-            <a:gs pos="0">
-              <a:schemeClr val="phClr">
-                <a:tint val="40000"/>
-                <a:satMod val="350000"/>
-              </a:schemeClr>
-            </a:gs>
-            <a:gs pos="40000">
-              <a:schemeClr val="phClr">
-                <a:tint val="45000"/>
-                <a:shade val="99000"/>
-                <a:satMod val="350000"/>
-              </a:schemeClr>
-            </a:gs>
-            <a:gs pos="100000">
-              <a:schemeClr val="phClr">
-                <a:shade val="20000"/>
-                <a:satMod val="255000"/>
-              </a:schemeClr>
-            </a:gs>
-          </a:gsLst>
-          <a:path path="circle">
-            <a:fillToRect l="50000" t="-80000" r="50000" b="180000"/>
-          </a:path>
-        </a:gradFill>
-        <a:gradFill rotWithShape="1">
-          <a:gsLst>
-            <a:gs pos="0">
-              <a:schemeClr val="phClr">
-                <a:tint val="80000"/>
-                <a:satMod val="300000"/>
-              </a:schemeClr>
-            </a:gs>
-            <a:gs pos="100000">
-              <a:schemeClr val="phClr">
-                <a:shade val="30000"/>
-                <a:satMod val="200000"/>
-              </a:schemeClr>
-            </a:gs>
-          </a:gsLst>
-          <a:path path="circle">
-            <a:fillToRect l="50000" t="50000" r="50000" b="50000"/>
-          </a:path>
-        </a:gradFill>
-      </a:bgFillStyleLst>
-    </a:fmtScheme>
-  </a:themeElements>
-</a:theme>
 </file>
--- a/presentation/presentation.pptx
+++ b/presentation/presentation.pptx
@@ -27,30 +27,31 @@
     <p:sldId id="272" r:id="rId22"/>
     <p:sldId id="273" r:id="rId23"/>
     <p:sldId id="274" r:id="rId24"/>
+    <p:sldId id="275" r:id="rId25"/>
   </p:sldIdLst>
   <p:sldSz cy="5143500" cx="9144000"/>
   <p:notesSz cx="6858000" cy="9144000"/>
   <p:embeddedFontLst>
     <p:embeddedFont>
       <p:font typeface="Roboto"/>
-      <p:regular r:id="rId25"/>
-      <p:bold r:id="rId26"/>
-      <p:italic r:id="rId27"/>
-      <p:boldItalic r:id="rId28"/>
+      <p:regular r:id="rId26"/>
+      <p:bold r:id="rId27"/>
+      <p:italic r:id="rId28"/>
+      <p:boldItalic r:id="rId29"/>
     </p:embeddedFont>
     <p:embeddedFont>
       <p:font typeface="Montserrat"/>
-      <p:regular r:id="rId29"/>
-      <p:bold r:id="rId30"/>
-      <p:italic r:id="rId31"/>
-      <p:boldItalic r:id="rId32"/>
+      <p:regular r:id="rId30"/>
+      <p:bold r:id="rId31"/>
+      <p:italic r:id="rId32"/>
+      <p:boldItalic r:id="rId33"/>
     </p:embeddedFont>
     <p:embeddedFont>
       <p:font typeface="Lato"/>
-      <p:regular r:id="rId33"/>
-      <p:bold r:id="rId34"/>
-      <p:italic r:id="rId35"/>
-      <p:boldItalic r:id="rId36"/>
+      <p:regular r:id="rId34"/>
+      <p:bold r:id="rId35"/>
+      <p:italic r:id="rId36"/>
+      <p:boldItalic r:id="rId37"/>
     </p:embeddedFont>
   </p:embeddedFontLst>
   <p:defaultTextStyle>
@@ -298,7 +299,7 @@
       </p15:sldGuideLst>
     </p:ext>
     <p:ext uri="GoogleSlidesCustomDataVersion2">
-      <go:slidesCustomData xmlns:go="http://customooxmlschemas.google.com/" r:id="rId37" roundtripDataSignature="AMtx7mjMNb3VfCCBaWrTUIWHR9uHyrbisA=="/>
+      <go:slidesCustomData xmlns:go="http://customooxmlschemas.google.com/" r:id="rId38" roundtripDataSignature="AMtx7mhOOLZXhfOuUhElUUgKKMkAN2vDOg=="/>
     </p:ext>
   </p:extLst>
 </p:presentation>
@@ -994,7 +995,7 @@
   <p:cSld>
     <p:spTree>
       <p:nvGrpSpPr>
-        <p:cNvPr id="199" name="Shape 199"/>
+        <p:cNvPr id="200" name="Shape 200"/>
         <p:cNvGrpSpPr/>
         <p:nvPr/>
       </p:nvGrpSpPr>
@@ -1008,7 +1009,7 @@
       </p:grpSpPr>
       <p:sp>
         <p:nvSpPr>
-          <p:cNvPr id="200" name="Google Shape;200;g2a0c6f9b0a2_0_42:notes"/>
+          <p:cNvPr id="201" name="Google Shape;201;g2a0c6f9b0a2_0_42:notes"/>
           <p:cNvSpPr/>
           <p:nvPr>
             <p:ph idx="2" type="sldImg"/>
@@ -1053,7 +1054,7 @@
       </p:sp>
       <p:sp>
         <p:nvSpPr>
-          <p:cNvPr id="201" name="Google Shape;201;g2a0c6f9b0a2_0_42:notes"/>
+          <p:cNvPr id="202" name="Google Shape;202;g2a0c6f9b0a2_0_42:notes"/>
           <p:cNvSpPr txBox="1"/>
           <p:nvPr>
             <p:ph idx="1" type="body"/>
@@ -1111,7 +1112,7 @@
   <p:cSld>
     <p:spTree>
       <p:nvGrpSpPr>
-        <p:cNvPr id="206" name="Shape 206"/>
+        <p:cNvPr id="207" name="Shape 207"/>
         <p:cNvGrpSpPr/>
         <p:nvPr/>
       </p:nvGrpSpPr>
@@ -1125,7 +1126,7 @@
       </p:grpSpPr>
       <p:sp>
         <p:nvSpPr>
-          <p:cNvPr id="207" name="Google Shape;207;g26e1760ff98_1_67:notes"/>
+          <p:cNvPr id="208" name="Google Shape;208;g26e1760ff98_1_67:notes"/>
           <p:cNvSpPr/>
           <p:nvPr>
             <p:ph idx="2" type="sldImg"/>
@@ -1170,7 +1171,7 @@
       </p:sp>
       <p:sp>
         <p:nvSpPr>
-          <p:cNvPr id="208" name="Google Shape;208;g26e1760ff98_1_67:notes"/>
+          <p:cNvPr id="209" name="Google Shape;209;g26e1760ff98_1_67:notes"/>
           <p:cNvSpPr txBox="1"/>
           <p:nvPr>
             <p:ph idx="1" type="body"/>
@@ -1228,7 +1229,7 @@
   <p:cSld>
     <p:spTree>
       <p:nvGrpSpPr>
-        <p:cNvPr id="213" name="Shape 213"/>
+        <p:cNvPr id="214" name="Shape 214"/>
         <p:cNvGrpSpPr/>
         <p:nvPr/>
       </p:nvGrpSpPr>
@@ -1242,7 +1243,7 @@
       </p:grpSpPr>
       <p:sp>
         <p:nvSpPr>
-          <p:cNvPr id="214" name="Google Shape;214;g2a0c6f9b0a2_0_61:notes"/>
+          <p:cNvPr id="215" name="Google Shape;215;g2a0c6f9b0a2_0_61:notes"/>
           <p:cNvSpPr/>
           <p:nvPr>
             <p:ph idx="2" type="sldImg"/>
@@ -1287,7 +1288,7 @@
       </p:sp>
       <p:sp>
         <p:nvSpPr>
-          <p:cNvPr id="215" name="Google Shape;215;g2a0c6f9b0a2_0_61:notes"/>
+          <p:cNvPr id="216" name="Google Shape;216;g2a0c6f9b0a2_0_61:notes"/>
           <p:cNvSpPr txBox="1"/>
           <p:nvPr>
             <p:ph idx="1" type="body"/>
@@ -1345,7 +1346,7 @@
   <p:cSld>
     <p:spTree>
       <p:nvGrpSpPr>
-        <p:cNvPr id="220" name="Shape 220"/>
+        <p:cNvPr id="221" name="Shape 221"/>
         <p:cNvGrpSpPr/>
         <p:nvPr/>
       </p:nvGrpSpPr>
@@ -1359,7 +1360,7 @@
       </p:grpSpPr>
       <p:sp>
         <p:nvSpPr>
-          <p:cNvPr id="221" name="Google Shape;221;g2a0c6f9b0a2_0_75:notes"/>
+          <p:cNvPr id="222" name="Google Shape;222;g2a0c6f9b0a2_0_75:notes"/>
           <p:cNvSpPr/>
           <p:nvPr>
             <p:ph idx="2" type="sldImg"/>
@@ -1404,7 +1405,7 @@
       </p:sp>
       <p:sp>
         <p:nvSpPr>
-          <p:cNvPr id="222" name="Google Shape;222;g2a0c6f9b0a2_0_75:notes"/>
+          <p:cNvPr id="223" name="Google Shape;223;g2a0c6f9b0a2_0_75:notes"/>
           <p:cNvSpPr txBox="1"/>
           <p:nvPr>
             <p:ph idx="1" type="body"/>
@@ -1462,7 +1463,7 @@
   <p:cSld>
     <p:spTree>
       <p:nvGrpSpPr>
-        <p:cNvPr id="227" name="Shape 227"/>
+        <p:cNvPr id="228" name="Shape 228"/>
         <p:cNvGrpSpPr/>
         <p:nvPr/>
       </p:nvGrpSpPr>
@@ -1476,7 +1477,7 @@
       </p:grpSpPr>
       <p:sp>
         <p:nvSpPr>
-          <p:cNvPr id="228" name="Google Shape;228;g2a0c6f9b0a2_0_84:notes"/>
+          <p:cNvPr id="229" name="Google Shape;229;g2a0c6f9b0a2_0_84:notes"/>
           <p:cNvSpPr/>
           <p:nvPr>
             <p:ph idx="2" type="sldImg"/>
@@ -1521,7 +1522,7 @@
       </p:sp>
       <p:sp>
         <p:nvSpPr>
-          <p:cNvPr id="229" name="Google Shape;229;g2a0c6f9b0a2_0_84:notes"/>
+          <p:cNvPr id="230" name="Google Shape;230;g2a0c6f9b0a2_0_84:notes"/>
           <p:cNvSpPr txBox="1"/>
           <p:nvPr>
             <p:ph idx="1" type="body"/>
@@ -1579,7 +1580,7 @@
   <p:cSld>
     <p:spTree>
       <p:nvGrpSpPr>
-        <p:cNvPr id="234" name="Shape 234"/>
+        <p:cNvPr id="235" name="Shape 235"/>
         <p:cNvGrpSpPr/>
         <p:nvPr/>
       </p:nvGrpSpPr>
@@ -1593,7 +1594,7 @@
       </p:grpSpPr>
       <p:sp>
         <p:nvSpPr>
-          <p:cNvPr id="235" name="Google Shape;235;g2a0c6f9b0a2_0_91:notes"/>
+          <p:cNvPr id="236" name="Google Shape;236;g2a0c6f9b0a2_0_91:notes"/>
           <p:cNvSpPr/>
           <p:nvPr>
             <p:ph idx="2" type="sldImg"/>
@@ -1638,7 +1639,7 @@
       </p:sp>
       <p:sp>
         <p:nvSpPr>
-          <p:cNvPr id="236" name="Google Shape;236;g2a0c6f9b0a2_0_91:notes"/>
+          <p:cNvPr id="237" name="Google Shape;237;g2a0c6f9b0a2_0_91:notes"/>
           <p:cNvSpPr txBox="1"/>
           <p:nvPr>
             <p:ph idx="1" type="body"/>
@@ -1696,7 +1697,7 @@
   <p:cSld>
     <p:spTree>
       <p:nvGrpSpPr>
-        <p:cNvPr id="241" name="Shape 241"/>
+        <p:cNvPr id="243" name="Shape 243"/>
         <p:cNvGrpSpPr/>
         <p:nvPr/>
       </p:nvGrpSpPr>
@@ -1710,7 +1711,7 @@
       </p:grpSpPr>
       <p:sp>
         <p:nvSpPr>
-          <p:cNvPr id="242" name="Google Shape;242;g2a0c6f9b0a2_0_97:notes"/>
+          <p:cNvPr id="244" name="Google Shape;244;g2a0c6f9b0a2_0_97:notes"/>
           <p:cNvSpPr/>
           <p:nvPr>
             <p:ph idx="2" type="sldImg"/>
@@ -1755,7 +1756,7 @@
       </p:sp>
       <p:sp>
         <p:nvSpPr>
-          <p:cNvPr id="243" name="Google Shape;243;g2a0c6f9b0a2_0_97:notes"/>
+          <p:cNvPr id="245" name="Google Shape;245;g2a0c6f9b0a2_0_97:notes"/>
           <p:cNvSpPr txBox="1"/>
           <p:nvPr>
             <p:ph idx="1" type="body"/>
@@ -1813,7 +1814,7 @@
   <p:cSld>
     <p:spTree>
       <p:nvGrpSpPr>
-        <p:cNvPr id="248" name="Shape 248"/>
+        <p:cNvPr id="252" name="Shape 252"/>
         <p:cNvGrpSpPr/>
         <p:nvPr/>
       </p:nvGrpSpPr>
@@ -1827,7 +1828,7 @@
       </p:grpSpPr>
       <p:sp>
         <p:nvSpPr>
-          <p:cNvPr id="249" name="Google Shape;249;g2a0c6f9b0a2_0_103:notes"/>
+          <p:cNvPr id="253" name="Google Shape;253;g2a0c6f9b0a2_0_103:notes"/>
           <p:cNvSpPr/>
           <p:nvPr>
             <p:ph idx="2" type="sldImg"/>
@@ -1872,7 +1873,7 @@
       </p:sp>
       <p:sp>
         <p:nvSpPr>
-          <p:cNvPr id="250" name="Google Shape;250;g2a0c6f9b0a2_0_103:notes"/>
+          <p:cNvPr id="254" name="Google Shape;254;g2a0c6f9b0a2_0_103:notes"/>
           <p:cNvSpPr txBox="1"/>
           <p:nvPr>
             <p:ph idx="1" type="body"/>
@@ -1930,7 +1931,7 @@
   <p:cSld>
     <p:spTree>
       <p:nvGrpSpPr>
-        <p:cNvPr id="255" name="Shape 255"/>
+        <p:cNvPr id="262" name="Shape 262"/>
         <p:cNvGrpSpPr/>
         <p:nvPr/>
       </p:nvGrpSpPr>
@@ -1944,7 +1945,7 @@
       </p:grpSpPr>
       <p:sp>
         <p:nvSpPr>
-          <p:cNvPr id="256" name="Google Shape;256;g2a0c6f9b0a2_0_109:notes"/>
+          <p:cNvPr id="263" name="Google Shape;263;g2a58cb8d4e2_0_19:notes"/>
           <p:cNvSpPr/>
           <p:nvPr>
             <p:ph idx="2" type="sldImg"/>
@@ -1989,7 +1990,7 @@
       </p:sp>
       <p:sp>
         <p:nvSpPr>
-          <p:cNvPr id="257" name="Google Shape;257;g2a0c6f9b0a2_0_109:notes"/>
+          <p:cNvPr id="264" name="Google Shape;264;g2a58cb8d4e2_0_19:notes"/>
           <p:cNvSpPr txBox="1"/>
           <p:nvPr>
             <p:ph idx="1" type="body"/>
@@ -2047,7 +2048,7 @@
   <p:cSld>
     <p:spTree>
       <p:nvGrpSpPr>
-        <p:cNvPr id="262" name="Shape 262"/>
+        <p:cNvPr id="271" name="Shape 271"/>
         <p:cNvGrpSpPr/>
         <p:nvPr/>
       </p:nvGrpSpPr>
@@ -2061,7 +2062,7 @@
       </p:grpSpPr>
       <p:sp>
         <p:nvSpPr>
-          <p:cNvPr id="263" name="Google Shape;263;g26e1760ff98_1_133:notes"/>
+          <p:cNvPr id="272" name="Google Shape;272;g2a0c6f9b0a2_0_109:notes"/>
           <p:cNvSpPr/>
           <p:nvPr>
             <p:ph idx="2" type="sldImg"/>
@@ -2106,7 +2107,7 @@
       </p:sp>
       <p:sp>
         <p:nvSpPr>
-          <p:cNvPr id="264" name="Google Shape;264;g26e1760ff98_1_133:notes"/>
+          <p:cNvPr id="273" name="Google Shape;273;g2a0c6f9b0a2_0_109:notes"/>
           <p:cNvSpPr txBox="1"/>
           <p:nvPr>
             <p:ph idx="1" type="body"/>
@@ -2276,6 +2277,123 @@
 </p:notes>
 </file>
 
+<file path=ppt/notesSlides/notesSlide20.xml><?xml version="1.0" encoding="utf-8"?>
+<p:notes xmlns:a="http://schemas.openxmlformats.org/drawingml/2006/main" xmlns:r="http://schemas.openxmlformats.org/officeDocument/2006/relationships" xmlns:mc="http://schemas.openxmlformats.org/markup-compatibility/2006" xmlns:mv="urn:schemas-microsoft-com:mac:vml" xmlns:p="http://schemas.openxmlformats.org/presentationml/2006/main" xmlns:c="http://schemas.openxmlformats.org/drawingml/2006/chart" xmlns:dgm="http://schemas.openxmlformats.org/drawingml/2006/diagram" xmlns:o="urn:schemas-microsoft-com:office:office" xmlns:v="urn:schemas-microsoft-com:vml" xmlns:pvml="urn:schemas-microsoft-com:office:powerpoint" xmlns:com="http://schemas.openxmlformats.org/drawingml/2006/compatibility" xmlns:p14="http://schemas.microsoft.com/office/powerpoint/2010/main" xmlns:p15="http://schemas.microsoft.com/office/powerpoint/2012/main" xmlns:ahyp="http://schemas.microsoft.com/office/drawing/2018/hyperlinkcolor" showMasterPhAnim="0" showMasterSp="0">
+  <p:cSld>
+    <p:spTree>
+      <p:nvGrpSpPr>
+        <p:cNvPr id="278" name="Shape 278"/>
+        <p:cNvGrpSpPr/>
+        <p:nvPr/>
+      </p:nvGrpSpPr>
+      <p:grpSpPr>
+        <a:xfrm>
+          <a:off x="0" y="0"/>
+          <a:ext cx="0" cy="0"/>
+          <a:chOff x="0" y="0"/>
+          <a:chExt cx="0" cy="0"/>
+        </a:xfrm>
+      </p:grpSpPr>
+      <p:sp>
+        <p:nvSpPr>
+          <p:cNvPr id="279" name="Google Shape;279;g26e1760ff98_1_133:notes"/>
+          <p:cNvSpPr/>
+          <p:nvPr>
+            <p:ph idx="2" type="sldImg"/>
+          </p:nvPr>
+        </p:nvSpPr>
+        <p:spPr>
+          <a:xfrm>
+            <a:off x="381000" y="685800"/>
+            <a:ext cx="6096000" cy="3429000"/>
+          </a:xfrm>
+          <a:custGeom>
+            <a:rect b="b" l="l" r="r" t="t"/>
+            <a:pathLst>
+              <a:path extrusionOk="0" h="120000" w="120000">
+                <a:moveTo>
+                  <a:pt x="0" y="0"/>
+                </a:moveTo>
+                <a:lnTo>
+                  <a:pt x="120000" y="0"/>
+                </a:lnTo>
+                <a:lnTo>
+                  <a:pt x="120000" y="120000"/>
+                </a:lnTo>
+                <a:lnTo>
+                  <a:pt x="0" y="120000"/>
+                </a:lnTo>
+                <a:close/>
+              </a:path>
+            </a:pathLst>
+          </a:custGeom>
+          <a:noFill/>
+          <a:ln cap="flat" cmpd="sng" w="9525">
+            <a:solidFill>
+              <a:srgbClr val="000000"/>
+            </a:solidFill>
+            <a:prstDash val="solid"/>
+            <a:round/>
+            <a:headEnd len="sm" w="sm" type="none"/>
+            <a:tailEnd len="sm" w="sm" type="none"/>
+          </a:ln>
+        </p:spPr>
+      </p:sp>
+      <p:sp>
+        <p:nvSpPr>
+          <p:cNvPr id="280" name="Google Shape;280;g26e1760ff98_1_133:notes"/>
+          <p:cNvSpPr txBox="1"/>
+          <p:nvPr>
+            <p:ph idx="1" type="body"/>
+          </p:nvPr>
+        </p:nvSpPr>
+        <p:spPr>
+          <a:xfrm>
+            <a:off x="685800" y="4343400"/>
+            <a:ext cx="5486400" cy="4114800"/>
+          </a:xfrm>
+          <a:prstGeom prst="rect">
+            <a:avLst/>
+          </a:prstGeom>
+          <a:noFill/>
+          <a:ln>
+            <a:noFill/>
+          </a:ln>
+        </p:spPr>
+        <p:txBody>
+          <a:bodyPr anchorCtr="0" anchor="t" bIns="91425" lIns="91425" spcFirstLastPara="1" rIns="91425" wrap="square" tIns="91425">
+            <a:noAutofit/>
+          </a:bodyPr>
+          <a:lstStyle/>
+          <a:p>
+            <a:pPr indent="0" lvl="0" marL="0" rtl="0" algn="l">
+              <a:lnSpc>
+                <a:spcPct val="100000"/>
+              </a:lnSpc>
+              <a:spcBef>
+                <a:spcPts val="0"/>
+              </a:spcBef>
+              <a:spcAft>
+                <a:spcPts val="0"/>
+              </a:spcAft>
+              <a:buSzPts val="1100"/>
+              <a:buNone/>
+            </a:pPr>
+            <a:r>
+              <a:t/>
+            </a:r>
+            <a:endParaRPr/>
+          </a:p>
+        </p:txBody>
+      </p:sp>
+    </p:spTree>
+  </p:cSld>
+  <p:clrMapOvr>
+    <a:masterClrMapping/>
+  </p:clrMapOvr>
+</p:notes>
+</file>
+
 <file path=ppt/notesSlides/notesSlide3.xml><?xml version="1.0" encoding="utf-8"?>
 <p:notes xmlns:a="http://schemas.openxmlformats.org/drawingml/2006/main" xmlns:r="http://schemas.openxmlformats.org/officeDocument/2006/relationships" xmlns:mc="http://schemas.openxmlformats.org/markup-compatibility/2006" xmlns:mv="urn:schemas-microsoft-com:mac:vml" xmlns:p="http://schemas.openxmlformats.org/presentationml/2006/main" xmlns:c="http://schemas.openxmlformats.org/drawingml/2006/chart" xmlns:dgm="http://schemas.openxmlformats.org/drawingml/2006/diagram" xmlns:o="urn:schemas-microsoft-com:office:office" xmlns:v="urn:schemas-microsoft-com:vml" xmlns:pvml="urn:schemas-microsoft-com:office:powerpoint" xmlns:com="http://schemas.openxmlformats.org/drawingml/2006/compatibility" xmlns:p14="http://schemas.microsoft.com/office/powerpoint/2010/main" xmlns:p15="http://schemas.microsoft.com/office/powerpoint/2012/main" xmlns:ahyp="http://schemas.microsoft.com/office/drawing/2018/hyperlinkcolor" showMasterPhAnim="0" showMasterSp="0">
   <p:cSld>
@@ -2515,7 +2633,7 @@
   <p:cSld>
     <p:spTree>
       <p:nvGrpSpPr>
-        <p:cNvPr id="156" name="Shape 156"/>
+        <p:cNvPr id="157" name="Shape 157"/>
         <p:cNvGrpSpPr/>
         <p:nvPr/>
       </p:nvGrpSpPr>
@@ -2529,7 +2647,7 @@
       </p:grpSpPr>
       <p:sp>
         <p:nvSpPr>
-          <p:cNvPr id="157" name="Google Shape;157;g2a0c6f9b0a2_0_22:notes"/>
+          <p:cNvPr id="158" name="Google Shape;158;g2a0c6f9b0a2_0_22:notes"/>
           <p:cNvSpPr/>
           <p:nvPr>
             <p:ph idx="2" type="sldImg"/>
@@ -2574,7 +2692,7 @@
       </p:sp>
       <p:sp>
         <p:nvSpPr>
-          <p:cNvPr id="158" name="Google Shape;158;g2a0c6f9b0a2_0_22:notes"/>
+          <p:cNvPr id="159" name="Google Shape;159;g2a0c6f9b0a2_0_22:notes"/>
           <p:cNvSpPr txBox="1"/>
           <p:nvPr>
             <p:ph idx="1" type="body"/>
@@ -2632,7 +2750,7 @@
   <p:cSld>
     <p:spTree>
       <p:nvGrpSpPr>
-        <p:cNvPr id="163" name="Shape 163"/>
+        <p:cNvPr id="164" name="Shape 164"/>
         <p:cNvGrpSpPr/>
         <p:nvPr/>
       </p:nvGrpSpPr>
@@ -2646,7 +2764,7 @@
       </p:grpSpPr>
       <p:sp>
         <p:nvSpPr>
-          <p:cNvPr id="164" name="Google Shape;164;g26e1760ff98_1_46:notes"/>
+          <p:cNvPr id="165" name="Google Shape;165;g26e1760ff98_1_46:notes"/>
           <p:cNvSpPr/>
           <p:nvPr>
             <p:ph idx="2" type="sldImg"/>
@@ -2691,7 +2809,7 @@
       </p:sp>
       <p:sp>
         <p:nvSpPr>
-          <p:cNvPr id="165" name="Google Shape;165;g26e1760ff98_1_46:notes"/>
+          <p:cNvPr id="166" name="Google Shape;166;g26e1760ff98_1_46:notes"/>
           <p:cNvSpPr txBox="1"/>
           <p:nvPr>
             <p:ph idx="1" type="body"/>
@@ -2749,7 +2867,7 @@
   <p:cSld>
     <p:spTree>
       <p:nvGrpSpPr>
-        <p:cNvPr id="172" name="Shape 172"/>
+        <p:cNvPr id="173" name="Shape 173"/>
         <p:cNvGrpSpPr/>
         <p:nvPr/>
       </p:nvGrpSpPr>
@@ -2763,7 +2881,7 @@
       </p:grpSpPr>
       <p:sp>
         <p:nvSpPr>
-          <p:cNvPr id="173" name="Google Shape;173;g26e1760ff98_1_59:notes"/>
+          <p:cNvPr id="174" name="Google Shape;174;g26e1760ff98_1_59:notes"/>
           <p:cNvSpPr/>
           <p:nvPr>
             <p:ph idx="2" type="sldImg"/>
@@ -2808,7 +2926,7 @@
       </p:sp>
       <p:sp>
         <p:nvSpPr>
-          <p:cNvPr id="174" name="Google Shape;174;g26e1760ff98_1_59:notes"/>
+          <p:cNvPr id="175" name="Google Shape;175;g26e1760ff98_1_59:notes"/>
           <p:cNvSpPr txBox="1"/>
           <p:nvPr>
             <p:ph idx="1" type="body"/>
@@ -2866,7 +2984,7 @@
   <p:cSld>
     <p:spTree>
       <p:nvGrpSpPr>
-        <p:cNvPr id="179" name="Shape 179"/>
+        <p:cNvPr id="180" name="Shape 180"/>
         <p:cNvGrpSpPr/>
         <p:nvPr/>
       </p:nvGrpSpPr>
@@ -2880,7 +2998,7 @@
       </p:grpSpPr>
       <p:sp>
         <p:nvSpPr>
-          <p:cNvPr id="180" name="Google Shape;180;g2a0c6f9b0a2_0_33:notes"/>
+          <p:cNvPr id="181" name="Google Shape;181;g2a0c6f9b0a2_0_33:notes"/>
           <p:cNvSpPr/>
           <p:nvPr>
             <p:ph idx="2" type="sldImg"/>
@@ -2925,7 +3043,7 @@
       </p:sp>
       <p:sp>
         <p:nvSpPr>
-          <p:cNvPr id="181" name="Google Shape;181;g2a0c6f9b0a2_0_33:notes"/>
+          <p:cNvPr id="182" name="Google Shape;182;g2a0c6f9b0a2_0_33:notes"/>
           <p:cNvSpPr txBox="1"/>
           <p:nvPr>
             <p:ph idx="1" type="body"/>
@@ -2983,7 +3101,7 @@
   <p:cSld>
     <p:spTree>
       <p:nvGrpSpPr>
-        <p:cNvPr id="186" name="Shape 186"/>
+        <p:cNvPr id="187" name="Shape 187"/>
         <p:cNvGrpSpPr/>
         <p:nvPr/>
       </p:nvGrpSpPr>
@@ -2997,7 +3115,7 @@
       </p:grpSpPr>
       <p:sp>
         <p:nvSpPr>
-          <p:cNvPr id="187" name="Google Shape;187;g26e1760ff98_1_75:notes"/>
+          <p:cNvPr id="188" name="Google Shape;188;g26e1760ff98_1_75:notes"/>
           <p:cNvSpPr/>
           <p:nvPr>
             <p:ph idx="2" type="sldImg"/>
@@ -3042,7 +3160,7 @@
       </p:sp>
       <p:sp>
         <p:nvSpPr>
-          <p:cNvPr id="188" name="Google Shape;188;g26e1760ff98_1_75:notes"/>
+          <p:cNvPr id="189" name="Google Shape;189;g26e1760ff98_1_75:notes"/>
           <p:cNvSpPr txBox="1"/>
           <p:nvPr>
             <p:ph idx="1" type="body"/>
@@ -15202,7 +15320,7 @@
               <a:buNone/>
             </a:pPr>
             <a:r>
-              <a:rPr b="0" i="0" lang="en" sz="1500" u="none" cap="none" strike="noStrike">
+              <a:rPr b="1" i="0" lang="en" sz="1500" u="none" cap="none" strike="noStrike">
                 <a:solidFill>
                   <a:srgbClr val="FFFFFF"/>
                 </a:solidFill>
@@ -15213,7 +15331,7 @@
               </a:rPr>
               <a:t>Danilo Corsi</a:t>
             </a:r>
-            <a:endParaRPr b="0" i="0" sz="1500" u="none" cap="none" strike="noStrike">
+            <a:endParaRPr b="1" i="0" sz="1500" u="none" cap="none" strike="noStrike">
               <a:solidFill>
                 <a:srgbClr val="FFFFFF"/>
               </a:solidFill>
@@ -15384,7 +15502,7 @@
   <p:cSld>
     <p:spTree>
       <p:nvGrpSpPr>
-        <p:cNvPr id="202" name="Shape 202"/>
+        <p:cNvPr id="203" name="Shape 203"/>
         <p:cNvGrpSpPr/>
         <p:nvPr/>
       </p:nvGrpSpPr>
@@ -15398,7 +15516,7 @@
       </p:grpSpPr>
       <p:sp>
         <p:nvSpPr>
-          <p:cNvPr id="203" name="Google Shape;203;g2a0c6f9b0a2_0_42"/>
+          <p:cNvPr id="204" name="Google Shape;204;g2a0c6f9b0a2_0_42"/>
           <p:cNvSpPr txBox="1"/>
           <p:nvPr>
             <p:ph idx="4294967295" type="title"/>
@@ -15446,7 +15564,7 @@
       </p:sp>
       <p:sp>
         <p:nvSpPr>
-          <p:cNvPr id="204" name="Google Shape;204;g2a0c6f9b0a2_0_42"/>
+          <p:cNvPr id="205" name="Google Shape;205;g2a0c6f9b0a2_0_42"/>
           <p:cNvSpPr txBox="1"/>
           <p:nvPr>
             <p:ph idx="4294967295" type="body"/>
@@ -15485,13 +15603,43 @@
               <a:buChar char="●"/>
             </a:pPr>
             <a:r>
+              <a:rPr b="1" lang="en" sz="1500">
+                <a:latin typeface="Montserrat"/>
+                <a:ea typeface="Montserrat"/>
+                <a:cs typeface="Montserrat"/>
+                <a:sym typeface="Montserrat"/>
+              </a:rPr>
+              <a:t>ML models used:</a:t>
+            </a:r>
+            <a:endParaRPr b="1" sz="1500">
+              <a:latin typeface="Montserrat"/>
+              <a:ea typeface="Montserrat"/>
+              <a:cs typeface="Montserrat"/>
+              <a:sym typeface="Montserrat"/>
+            </a:endParaRPr>
+          </a:p>
+          <a:p>
+            <a:pPr indent="-323850" lvl="1" marL="914400" rtl="0" algn="l">
+              <a:lnSpc>
+                <a:spcPct val="115000"/>
+              </a:lnSpc>
+              <a:spcBef>
+                <a:spcPts val="0"/>
+              </a:spcBef>
+              <a:spcAft>
+                <a:spcPts val="0"/>
+              </a:spcAft>
+              <a:buSzPts val="1500"/>
+              <a:buChar char="○"/>
+            </a:pPr>
+            <a:r>
               <a:rPr lang="en" sz="1500">
                 <a:latin typeface="Montserrat"/>
                 <a:ea typeface="Montserrat"/>
                 <a:cs typeface="Montserrat"/>
                 <a:sym typeface="Montserrat"/>
               </a:rPr>
-              <a:t>ML models:</a:t>
+              <a:t>Linear Regression</a:t>
             </a:r>
             <a:endParaRPr sz="1500">
               <a:latin typeface="Montserrat"/>
@@ -15515,13 +15663,103 @@
               <a:buChar char="○"/>
             </a:pPr>
             <a:r>
+              <a:rPr lang="en" sz="1500">
+                <a:latin typeface="Montserrat"/>
+                <a:ea typeface="Montserrat"/>
+                <a:cs typeface="Montserrat"/>
+                <a:sym typeface="Montserrat"/>
+              </a:rPr>
+              <a:t>Generalized Linear Regression</a:t>
+            </a:r>
+            <a:endParaRPr sz="1500">
+              <a:latin typeface="Montserrat"/>
+              <a:ea typeface="Montserrat"/>
+              <a:cs typeface="Montserrat"/>
+              <a:sym typeface="Montserrat"/>
+            </a:endParaRPr>
+          </a:p>
+          <a:p>
+            <a:pPr indent="-323850" lvl="1" marL="914400" rtl="0" algn="l">
+              <a:lnSpc>
+                <a:spcPct val="115000"/>
+              </a:lnSpc>
+              <a:spcBef>
+                <a:spcPts val="0"/>
+              </a:spcBef>
+              <a:spcAft>
+                <a:spcPts val="0"/>
+              </a:spcAft>
+              <a:buSzPts val="1500"/>
+              <a:buChar char="○"/>
+            </a:pPr>
+            <a:r>
+              <a:rPr lang="en" sz="1500">
+                <a:latin typeface="Montserrat"/>
+                <a:ea typeface="Montserrat"/>
+                <a:cs typeface="Montserrat"/>
+                <a:sym typeface="Montserrat"/>
+              </a:rPr>
+              <a:t>Random Forest Regressor</a:t>
+            </a:r>
+            <a:endParaRPr sz="1500">
+              <a:latin typeface="Montserrat"/>
+              <a:ea typeface="Montserrat"/>
+              <a:cs typeface="Montserrat"/>
+              <a:sym typeface="Montserrat"/>
+            </a:endParaRPr>
+          </a:p>
+          <a:p>
+            <a:pPr indent="-323850" lvl="1" marL="914400" rtl="0" algn="l">
+              <a:lnSpc>
+                <a:spcPct val="115000"/>
+              </a:lnSpc>
+              <a:spcBef>
+                <a:spcPts val="0"/>
+              </a:spcBef>
+              <a:spcAft>
+                <a:spcPts val="0"/>
+              </a:spcAft>
+              <a:buSzPts val="1500"/>
+              <a:buChar char="○"/>
+            </a:pPr>
+            <a:r>
+              <a:rPr lang="en" sz="1500">
+                <a:latin typeface="Montserrat"/>
+                <a:ea typeface="Montserrat"/>
+                <a:cs typeface="Montserrat"/>
+                <a:sym typeface="Montserrat"/>
+              </a:rPr>
+              <a:t>Gradient Boosting Tree Regressor</a:t>
+            </a:r>
+            <a:endParaRPr sz="1500">
+              <a:latin typeface="Montserrat"/>
+              <a:ea typeface="Montserrat"/>
+              <a:cs typeface="Montserrat"/>
+              <a:sym typeface="Montserrat"/>
+            </a:endParaRPr>
+          </a:p>
+          <a:p>
+            <a:pPr indent="-323850" lvl="0" marL="457200" rtl="0" algn="l">
+              <a:lnSpc>
+                <a:spcPct val="115000"/>
+              </a:lnSpc>
+              <a:spcBef>
+                <a:spcPts val="0"/>
+              </a:spcBef>
+              <a:spcAft>
+                <a:spcPts val="0"/>
+              </a:spcAft>
+              <a:buSzPts val="1500"/>
+              <a:buChar char="●"/>
+            </a:pPr>
+            <a:r>
               <a:rPr b="1" lang="en" sz="1500">
                 <a:latin typeface="Montserrat"/>
                 <a:ea typeface="Montserrat"/>
                 <a:cs typeface="Montserrat"/>
                 <a:sym typeface="Montserrat"/>
               </a:rPr>
-              <a:t>Linear Regression</a:t>
+              <a:t>Metrics used:</a:t>
             </a:r>
             <a:endParaRPr b="1" sz="1500">
               <a:latin typeface="Montserrat"/>
@@ -15545,103 +15783,13 @@
               <a:buChar char="○"/>
             </a:pPr>
             <a:r>
-              <a:rPr b="1" lang="en" sz="1500">
-                <a:latin typeface="Montserrat"/>
-                <a:ea typeface="Montserrat"/>
-                <a:cs typeface="Montserrat"/>
-                <a:sym typeface="Montserrat"/>
-              </a:rPr>
-              <a:t>Generalized Linear Regression</a:t>
-            </a:r>
-            <a:endParaRPr b="1" sz="1500">
-              <a:latin typeface="Montserrat"/>
-              <a:ea typeface="Montserrat"/>
-              <a:cs typeface="Montserrat"/>
-              <a:sym typeface="Montserrat"/>
-            </a:endParaRPr>
-          </a:p>
-          <a:p>
-            <a:pPr indent="-323850" lvl="1" marL="914400" rtl="0" algn="l">
-              <a:lnSpc>
-                <a:spcPct val="115000"/>
-              </a:lnSpc>
-              <a:spcBef>
-                <a:spcPts val="0"/>
-              </a:spcBef>
-              <a:spcAft>
-                <a:spcPts val="0"/>
-              </a:spcAft>
-              <a:buSzPts val="1500"/>
-              <a:buChar char="○"/>
-            </a:pPr>
-            <a:r>
-              <a:rPr b="1" lang="en" sz="1500">
-                <a:latin typeface="Montserrat"/>
-                <a:ea typeface="Montserrat"/>
-                <a:cs typeface="Montserrat"/>
-                <a:sym typeface="Montserrat"/>
-              </a:rPr>
-              <a:t>Random Forest Regressor</a:t>
-            </a:r>
-            <a:endParaRPr b="1" sz="1500">
-              <a:latin typeface="Montserrat"/>
-              <a:ea typeface="Montserrat"/>
-              <a:cs typeface="Montserrat"/>
-              <a:sym typeface="Montserrat"/>
-            </a:endParaRPr>
-          </a:p>
-          <a:p>
-            <a:pPr indent="-323850" lvl="1" marL="914400" rtl="0" algn="l">
-              <a:lnSpc>
-                <a:spcPct val="115000"/>
-              </a:lnSpc>
-              <a:spcBef>
-                <a:spcPts val="0"/>
-              </a:spcBef>
-              <a:spcAft>
-                <a:spcPts val="0"/>
-              </a:spcAft>
-              <a:buSzPts val="1500"/>
-              <a:buChar char="○"/>
-            </a:pPr>
-            <a:r>
-              <a:rPr b="1" lang="en" sz="1500">
-                <a:latin typeface="Montserrat"/>
-                <a:ea typeface="Montserrat"/>
-                <a:cs typeface="Montserrat"/>
-                <a:sym typeface="Montserrat"/>
-              </a:rPr>
-              <a:t>Gradient Boosting Tree Regressor</a:t>
-            </a:r>
-            <a:endParaRPr b="1" sz="1500">
-              <a:latin typeface="Montserrat"/>
-              <a:ea typeface="Montserrat"/>
-              <a:cs typeface="Montserrat"/>
-              <a:sym typeface="Montserrat"/>
-            </a:endParaRPr>
-          </a:p>
-          <a:p>
-            <a:pPr indent="-323850" lvl="0" marL="457200" rtl="0" algn="l">
-              <a:lnSpc>
-                <a:spcPct val="115000"/>
-              </a:lnSpc>
-              <a:spcBef>
-                <a:spcPts val="0"/>
-              </a:spcBef>
-              <a:spcAft>
-                <a:spcPts val="0"/>
-              </a:spcAft>
-              <a:buSzPts val="1500"/>
-              <a:buChar char="●"/>
-            </a:pPr>
-            <a:r>
               <a:rPr lang="en" sz="1500">
                 <a:latin typeface="Montserrat"/>
                 <a:ea typeface="Montserrat"/>
                 <a:cs typeface="Montserrat"/>
                 <a:sym typeface="Montserrat"/>
               </a:rPr>
-              <a:t>Metrics:</a:t>
+              <a:t>RMSE (Root Mean Squared Error)</a:t>
             </a:r>
             <a:endParaRPr sz="1500">
               <a:latin typeface="Montserrat"/>
@@ -15665,15 +15813,15 @@
               <a:buChar char="○"/>
             </a:pPr>
             <a:r>
-              <a:rPr b="1" lang="en" sz="1500">
+              <a:rPr lang="en" sz="1500">
                 <a:latin typeface="Montserrat"/>
                 <a:ea typeface="Montserrat"/>
                 <a:cs typeface="Montserrat"/>
                 <a:sym typeface="Montserrat"/>
               </a:rPr>
-              <a:t>RMSE (Root Mean Squared Error)</a:t>
+              <a:t>MSE (Mean Squared Error)</a:t>
             </a:r>
-            <a:endParaRPr b="1" sz="1500">
+            <a:endParaRPr sz="1500">
               <a:latin typeface="Montserrat"/>
               <a:ea typeface="Montserrat"/>
               <a:cs typeface="Montserrat"/>
@@ -15695,15 +15843,15 @@
               <a:buChar char="○"/>
             </a:pPr>
             <a:r>
-              <a:rPr b="1" lang="en" sz="1500">
+              <a:rPr lang="en" sz="1500">
                 <a:latin typeface="Montserrat"/>
                 <a:ea typeface="Montserrat"/>
                 <a:cs typeface="Montserrat"/>
                 <a:sym typeface="Montserrat"/>
               </a:rPr>
-              <a:t>MSE (Mean Squared Error)</a:t>
+              <a:t>MAE (Mean Absolute Error)</a:t>
             </a:r>
-            <a:endParaRPr b="1" sz="1500">
+            <a:endParaRPr sz="1500">
               <a:latin typeface="Montserrat"/>
               <a:ea typeface="Montserrat"/>
               <a:cs typeface="Montserrat"/>
@@ -15725,15 +15873,15 @@
               <a:buChar char="○"/>
             </a:pPr>
             <a:r>
-              <a:rPr b="1" lang="en" sz="1500">
+              <a:rPr lang="en" sz="1500">
                 <a:latin typeface="Montserrat"/>
                 <a:ea typeface="Montserrat"/>
                 <a:cs typeface="Montserrat"/>
                 <a:sym typeface="Montserrat"/>
               </a:rPr>
-              <a:t>MAE (Mean Absolute Error)</a:t>
+              <a:t>MAPE (Mean Absolute Percentage Error)</a:t>
             </a:r>
-            <a:endParaRPr b="1" sz="1500">
+            <a:endParaRPr sz="1500">
               <a:latin typeface="Montserrat"/>
               <a:ea typeface="Montserrat"/>
               <a:cs typeface="Montserrat"/>
@@ -15755,15 +15903,15 @@
               <a:buChar char="○"/>
             </a:pPr>
             <a:r>
-              <a:rPr b="1" lang="en" sz="1500">
+              <a:rPr lang="en" sz="1500">
                 <a:latin typeface="Montserrat"/>
                 <a:ea typeface="Montserrat"/>
                 <a:cs typeface="Montserrat"/>
                 <a:sym typeface="Montserrat"/>
               </a:rPr>
-              <a:t>MAPE (Mean Absolute Percentage Error)</a:t>
+              <a:t>R2 (R-squared)</a:t>
             </a:r>
-            <a:endParaRPr b="1" sz="1500">
+            <a:endParaRPr sz="1500">
               <a:latin typeface="Montserrat"/>
               <a:ea typeface="Montserrat"/>
               <a:cs typeface="Montserrat"/>
@@ -15785,37 +15933,7 @@
               <a:buChar char="○"/>
             </a:pPr>
             <a:r>
-              <a:rPr b="1" lang="en" sz="1500">
-                <a:latin typeface="Montserrat"/>
-                <a:ea typeface="Montserrat"/>
-                <a:cs typeface="Montserrat"/>
-                <a:sym typeface="Montserrat"/>
-              </a:rPr>
-              <a:t>R2 (R-squared)</a:t>
-            </a:r>
-            <a:endParaRPr b="1" sz="1500">
-              <a:latin typeface="Montserrat"/>
-              <a:ea typeface="Montserrat"/>
-              <a:cs typeface="Montserrat"/>
-              <a:sym typeface="Montserrat"/>
-            </a:endParaRPr>
-          </a:p>
-          <a:p>
-            <a:pPr indent="-323850" lvl="1" marL="914400" rtl="0" algn="l">
-              <a:lnSpc>
-                <a:spcPct val="115000"/>
-              </a:lnSpc>
-              <a:spcBef>
-                <a:spcPts val="0"/>
-              </a:spcBef>
-              <a:spcAft>
-                <a:spcPts val="0"/>
-              </a:spcAft>
-              <a:buSzPts val="1500"/>
-              <a:buChar char="○"/>
-            </a:pPr>
-            <a:r>
-              <a:rPr b="1" lang="en" sz="1500">
+              <a:rPr lang="en" sz="1500">
                 <a:latin typeface="Montserrat"/>
                 <a:ea typeface="Montserrat"/>
                 <a:cs typeface="Montserrat"/>
@@ -15823,7 +15941,7 @@
               </a:rPr>
               <a:t>Adjusted R2</a:t>
             </a:r>
-            <a:endParaRPr b="1" sz="1500">
+            <a:endParaRPr sz="1500">
               <a:latin typeface="Montserrat"/>
               <a:ea typeface="Montserrat"/>
               <a:cs typeface="Montserrat"/>
@@ -15834,7 +15952,7 @@
       </p:sp>
       <p:sp>
         <p:nvSpPr>
-          <p:cNvPr id="205" name="Google Shape;205;g2a0c6f9b0a2_0_42"/>
+          <p:cNvPr id="206" name="Google Shape;206;g2a0c6f9b0a2_0_42"/>
           <p:cNvSpPr txBox="1"/>
           <p:nvPr>
             <p:ph idx="12" type="sldNum"/>
@@ -15893,7 +16011,7 @@
   <p:cSld>
     <p:spTree>
       <p:nvGrpSpPr>
-        <p:cNvPr id="209" name="Shape 209"/>
+        <p:cNvPr id="210" name="Shape 210"/>
         <p:cNvGrpSpPr/>
         <p:nvPr/>
       </p:nvGrpSpPr>
@@ -15907,7 +16025,7 @@
       </p:grpSpPr>
       <p:sp>
         <p:nvSpPr>
-          <p:cNvPr id="210" name="Google Shape;210;g26e1760ff98_1_67"/>
+          <p:cNvPr id="211" name="Google Shape;211;g26e1760ff98_1_67"/>
           <p:cNvSpPr txBox="1"/>
           <p:nvPr>
             <p:ph idx="4294967295" type="title"/>
@@ -15955,7 +16073,7 @@
       </p:sp>
       <p:sp>
         <p:nvSpPr>
-          <p:cNvPr id="211" name="Google Shape;211;g26e1760ff98_1_67"/>
+          <p:cNvPr id="212" name="Google Shape;212;g26e1760ff98_1_67"/>
           <p:cNvSpPr txBox="1"/>
           <p:nvPr>
             <p:ph idx="4294967295" type="body"/>
@@ -15964,7 +16082,7 @@
         <p:spPr>
           <a:xfrm>
             <a:off x="311700" y="945300"/>
-            <a:ext cx="8520600" cy="4048200"/>
+            <a:ext cx="8614500" cy="4048200"/>
           </a:xfrm>
           <a:prstGeom prst="rect">
             <a:avLst/>
@@ -16048,7 +16166,16 @@
                 <a:cs typeface="Montserrat"/>
                 <a:sym typeface="Montserrat"/>
               </a:rPr>
-              <a:t>See how good the models are at predicting whether the price will go up or down in this way:</a:t>
+              <a:t>“H</a:t>
+            </a:r>
+            <a:r>
+              <a:rPr lang="en" sz="1500">
+                <a:latin typeface="Montserrat"/>
+                <a:ea typeface="Montserrat"/>
+                <a:cs typeface="Montserrat"/>
+                <a:sym typeface="Montserrat"/>
+              </a:rPr>
+              <a:t>ow good the models are at predicting whether the price will go up or down”</a:t>
             </a:r>
             <a:endParaRPr sz="1500">
               <a:latin typeface="Montserrat"/>
@@ -16168,7 +16295,7 @@
                 <a:cs typeface="Montserrat"/>
                 <a:sym typeface="Montserrat"/>
               </a:rPr>
-              <a:t>Compute the percentage of accuracy of the model</a:t>
+              <a:t>Compute the overall percentage of accuracy of the model</a:t>
             </a:r>
             <a:endParaRPr sz="1500">
               <a:latin typeface="Montserrat"/>
@@ -16181,7 +16308,7 @@
       </p:sp>
       <p:sp>
         <p:nvSpPr>
-          <p:cNvPr id="212" name="Google Shape;212;g26e1760ff98_1_67"/>
+          <p:cNvPr id="213" name="Google Shape;213;g26e1760ff98_1_67"/>
           <p:cNvSpPr txBox="1"/>
           <p:nvPr>
             <p:ph idx="12" type="sldNum"/>
@@ -16240,7 +16367,7 @@
   <p:cSld>
     <p:spTree>
       <p:nvGrpSpPr>
-        <p:cNvPr id="216" name="Shape 216"/>
+        <p:cNvPr id="217" name="Shape 217"/>
         <p:cNvGrpSpPr/>
         <p:nvPr/>
       </p:nvGrpSpPr>
@@ -16254,7 +16381,7 @@
       </p:grpSpPr>
       <p:sp>
         <p:nvSpPr>
-          <p:cNvPr id="217" name="Google Shape;217;g2a0c6f9b0a2_0_61"/>
+          <p:cNvPr id="218" name="Google Shape;218;g2a0c6f9b0a2_0_61"/>
           <p:cNvSpPr txBox="1"/>
           <p:nvPr>
             <p:ph idx="4294967295" type="title"/>
@@ -16302,7 +16429,7 @@
       </p:sp>
       <p:sp>
         <p:nvSpPr>
-          <p:cNvPr id="218" name="Google Shape;218;g2a0c6f9b0a2_0_61"/>
+          <p:cNvPr id="219" name="Google Shape;219;g2a0c6f9b0a2_0_61"/>
           <p:cNvSpPr txBox="1"/>
           <p:nvPr>
             <p:ph idx="4294967295" type="body"/>
@@ -16429,6 +16556,32 @@
             </a:endParaRPr>
           </a:p>
           <a:p>
+            <a:pPr indent="0" lvl="0" marL="457200" rtl="0" algn="l">
+              <a:lnSpc>
+                <a:spcPct val="115000"/>
+              </a:lnSpc>
+              <a:spcBef>
+                <a:spcPts val="0"/>
+              </a:spcBef>
+              <a:spcAft>
+                <a:spcPts val="0"/>
+              </a:spcAft>
+              <a:buNone/>
+            </a:pPr>
+            <a:r>
+              <a:t/>
+            </a:r>
+            <a:endParaRPr sz="1500">
+              <a:solidFill>
+                <a:srgbClr val="FFFFFF"/>
+              </a:solidFill>
+              <a:latin typeface="Montserrat"/>
+              <a:ea typeface="Montserrat"/>
+              <a:cs typeface="Montserrat"/>
+              <a:sym typeface="Montserrat"/>
+            </a:endParaRPr>
+          </a:p>
+          <a:p>
             <a:pPr indent="-323850" lvl="0" marL="457200" rtl="0" algn="l">
               <a:lnSpc>
                 <a:spcPct val="115000"/>
@@ -16584,7 +16737,46 @@
                 <a:cs typeface="Montserrat"/>
                 <a:sym typeface="Montserrat"/>
               </a:rPr>
-              <a:t>Compute a score for each parameter chosen by each split, assigning weights based on:</a:t>
+              <a:t>Compute a score for each parameter chosen by each split</a:t>
+            </a:r>
+            <a:endParaRPr sz="1500">
+              <a:solidFill>
+                <a:srgbClr val="FFFFFF"/>
+              </a:solidFill>
+              <a:latin typeface="Montserrat"/>
+              <a:ea typeface="Montserrat"/>
+              <a:cs typeface="Montserrat"/>
+              <a:sym typeface="Montserrat"/>
+            </a:endParaRPr>
+          </a:p>
+          <a:p>
+            <a:pPr indent="-323850" lvl="1" marL="914400" rtl="0" algn="l">
+              <a:lnSpc>
+                <a:spcPct val="115000"/>
+              </a:lnSpc>
+              <a:spcBef>
+                <a:spcPts val="0"/>
+              </a:spcBef>
+              <a:spcAft>
+                <a:spcPts val="0"/>
+              </a:spcAft>
+              <a:buClr>
+                <a:srgbClr val="FFFFFF"/>
+              </a:buClr>
+              <a:buSzPts val="1500"/>
+              <a:buChar char="○"/>
+            </a:pPr>
+            <a:r>
+              <a:rPr lang="en" sz="1500">
+                <a:solidFill>
+                  <a:srgbClr val="FFFFFF"/>
+                </a:solidFill>
+                <a:latin typeface="Montserrat"/>
+                <a:ea typeface="Montserrat"/>
+                <a:cs typeface="Montserrat"/>
+                <a:sym typeface="Montserrat"/>
+              </a:rPr>
+              <a:t>Assigning weights based on:</a:t>
             </a:r>
             <a:endParaRPr sz="1500">
               <a:solidFill>
@@ -16714,7 +16906,42 @@
             </a:endParaRPr>
           </a:p>
           <a:p>
-            <a:pPr indent="-323850" lvl="1" marL="914400" rtl="0" algn="l">
+            <a:pPr indent="0" lvl="0" marL="1371600" rtl="0" algn="l">
+              <a:lnSpc>
+                <a:spcPct val="115000"/>
+              </a:lnSpc>
+              <a:spcBef>
+                <a:spcPts val="0"/>
+              </a:spcBef>
+              <a:spcAft>
+                <a:spcPts val="0"/>
+              </a:spcAft>
+              <a:buNone/>
+            </a:pPr>
+            <a:r>
+              <a:rPr lang="en" sz="1500">
+                <a:solidFill>
+                  <a:srgbClr val="FFFFFF"/>
+                </a:solidFill>
+                <a:latin typeface="Montserrat"/>
+                <a:ea typeface="Montserrat"/>
+                <a:cs typeface="Montserrat"/>
+                <a:sym typeface="Montserrat"/>
+              </a:rPr>
+              <a:t>	</a:t>
+            </a:r>
+            <a:endParaRPr sz="1500">
+              <a:solidFill>
+                <a:srgbClr val="FFFFFF"/>
+              </a:solidFill>
+              <a:latin typeface="Montserrat"/>
+              <a:ea typeface="Montserrat"/>
+              <a:cs typeface="Montserrat"/>
+              <a:sym typeface="Montserrat"/>
+            </a:endParaRPr>
+          </a:p>
+          <a:p>
+            <a:pPr indent="-323850" lvl="0" marL="457200" rtl="0" algn="l">
               <a:lnSpc>
                 <a:spcPct val="115000"/>
               </a:lnSpc>
@@ -16729,7 +16956,7 @@
               </a:buClr>
               <a:buSzPts val="1500"/>
               <a:buFont typeface="Montserrat"/>
-              <a:buChar char="○"/>
+              <a:buChar char="●"/>
             </a:pPr>
             <a:r>
               <a:rPr lang="en" sz="1500">
@@ -16757,7 +16984,7 @@
       </p:sp>
       <p:sp>
         <p:nvSpPr>
-          <p:cNvPr id="219" name="Google Shape;219;g2a0c6f9b0a2_0_61"/>
+          <p:cNvPr id="220" name="Google Shape;220;g2a0c6f9b0a2_0_61"/>
           <p:cNvSpPr txBox="1"/>
           <p:nvPr>
             <p:ph idx="12" type="sldNum"/>
@@ -16816,7 +17043,7 @@
   <p:cSld>
     <p:spTree>
       <p:nvGrpSpPr>
-        <p:cNvPr id="223" name="Shape 223"/>
+        <p:cNvPr id="224" name="Shape 224"/>
         <p:cNvGrpSpPr/>
         <p:nvPr/>
       </p:nvGrpSpPr>
@@ -16830,7 +17057,7 @@
       </p:grpSpPr>
       <p:sp>
         <p:nvSpPr>
-          <p:cNvPr id="224" name="Google Shape;224;g2a0c6f9b0a2_0_75"/>
+          <p:cNvPr id="225" name="Google Shape;225;g2a0c6f9b0a2_0_75"/>
           <p:cNvSpPr txBox="1"/>
           <p:nvPr>
             <p:ph idx="4294967295" type="title"/>
@@ -16878,7 +17105,7 @@
       </p:sp>
       <p:sp>
         <p:nvSpPr>
-          <p:cNvPr id="225" name="Google Shape;225;g2a0c6f9b0a2_0_75"/>
+          <p:cNvPr id="226" name="Google Shape;226;g2a0c6f9b0a2_0_75"/>
           <p:cNvSpPr txBox="1"/>
           <p:nvPr>
             <p:ph idx="4294967295" type="body"/>
@@ -17052,7 +17279,7 @@
       </p:sp>
       <p:sp>
         <p:nvSpPr>
-          <p:cNvPr id="226" name="Google Shape;226;g2a0c6f9b0a2_0_75"/>
+          <p:cNvPr id="227" name="Google Shape;227;g2a0c6f9b0a2_0_75"/>
           <p:cNvSpPr txBox="1"/>
           <p:nvPr>
             <p:ph idx="12" type="sldNum"/>
@@ -17111,7 +17338,7 @@
   <p:cSld>
     <p:spTree>
       <p:nvGrpSpPr>
-        <p:cNvPr id="230" name="Shape 230"/>
+        <p:cNvPr id="231" name="Shape 231"/>
         <p:cNvGrpSpPr/>
         <p:nvPr/>
       </p:nvGrpSpPr>
@@ -17125,7 +17352,7 @@
       </p:grpSpPr>
       <p:sp>
         <p:nvSpPr>
-          <p:cNvPr id="231" name="Google Shape;231;g2a0c6f9b0a2_0_84"/>
+          <p:cNvPr id="232" name="Google Shape;232;g2a0c6f9b0a2_0_84"/>
           <p:cNvSpPr txBox="1"/>
           <p:nvPr>
             <p:ph idx="4294967295" type="title"/>
@@ -17173,7 +17400,7 @@
       </p:sp>
       <p:sp>
         <p:nvSpPr>
-          <p:cNvPr id="232" name="Google Shape;232;g2a0c6f9b0a2_0_84"/>
+          <p:cNvPr id="233" name="Google Shape;233;g2a0c6f9b0a2_0_84"/>
           <p:cNvSpPr txBox="1"/>
           <p:nvPr>
             <p:ph idx="4294967295" type="body"/>
@@ -17213,13 +17440,44 @@
               <a:buChar char="●"/>
             </a:pPr>
             <a:r>
+              <a:rPr b="1" lang="en" sz="1500">
+                <a:latin typeface="Montserrat"/>
+                <a:ea typeface="Montserrat"/>
+                <a:cs typeface="Montserrat"/>
+                <a:sym typeface="Montserrat"/>
+              </a:rPr>
+              <a:t>Test set divided into further mini-sets:</a:t>
+            </a:r>
+            <a:endParaRPr b="1" sz="1500">
+              <a:latin typeface="Montserrat"/>
+              <a:ea typeface="Montserrat"/>
+              <a:cs typeface="Montserrat"/>
+              <a:sym typeface="Montserrat"/>
+            </a:endParaRPr>
+          </a:p>
+          <a:p>
+            <a:pPr indent="-323850" lvl="1" marL="914400" rtl="0" algn="l">
+              <a:lnSpc>
+                <a:spcPct val="115000"/>
+              </a:lnSpc>
+              <a:spcBef>
+                <a:spcPts val="0"/>
+              </a:spcBef>
+              <a:spcAft>
+                <a:spcPts val="0"/>
+              </a:spcAft>
+              <a:buSzPts val="1500"/>
+              <a:buFont typeface="Montserrat"/>
+              <a:buChar char="○"/>
+            </a:pPr>
+            <a:r>
               <a:rPr lang="en" sz="1500">
                 <a:latin typeface="Montserrat"/>
                 <a:ea typeface="Montserrat"/>
                 <a:cs typeface="Montserrat"/>
                 <a:sym typeface="Montserrat"/>
               </a:rPr>
-              <a:t>Test set divided into further mini-sets:</a:t>
+              <a:t>1 week</a:t>
             </a:r>
             <a:endParaRPr sz="1500">
               <a:latin typeface="Montserrat"/>
@@ -17244,15 +17502,15 @@
               <a:buChar char="○"/>
             </a:pPr>
             <a:r>
-              <a:rPr b="1" lang="en" sz="1500">
+              <a:rPr lang="en" sz="1500">
                 <a:latin typeface="Montserrat"/>
                 <a:ea typeface="Montserrat"/>
                 <a:cs typeface="Montserrat"/>
                 <a:sym typeface="Montserrat"/>
               </a:rPr>
-              <a:t>1 week</a:t>
+              <a:t>15 days</a:t>
             </a:r>
-            <a:endParaRPr b="1" sz="1500">
+            <a:endParaRPr sz="1500">
               <a:latin typeface="Montserrat"/>
               <a:ea typeface="Montserrat"/>
               <a:cs typeface="Montserrat"/>
@@ -17275,15 +17533,15 @@
               <a:buChar char="○"/>
             </a:pPr>
             <a:r>
-              <a:rPr b="1" lang="en" sz="1500">
+              <a:rPr lang="en" sz="1500">
                 <a:latin typeface="Montserrat"/>
                 <a:ea typeface="Montserrat"/>
                 <a:cs typeface="Montserrat"/>
                 <a:sym typeface="Montserrat"/>
               </a:rPr>
-              <a:t>15 days</a:t>
+              <a:t>1 month</a:t>
             </a:r>
-            <a:endParaRPr b="1" sz="1500">
+            <a:endParaRPr sz="1500">
               <a:latin typeface="Montserrat"/>
               <a:ea typeface="Montserrat"/>
               <a:cs typeface="Montserrat"/>
@@ -17306,15 +17564,15 @@
               <a:buChar char="○"/>
             </a:pPr>
             <a:r>
-              <a:rPr b="1" lang="en" sz="1500">
+              <a:rPr lang="en" sz="1500">
                 <a:latin typeface="Montserrat"/>
                 <a:ea typeface="Montserrat"/>
                 <a:cs typeface="Montserrat"/>
                 <a:sym typeface="Montserrat"/>
               </a:rPr>
-              <a:t>1 month</a:t>
+              <a:t>3 months</a:t>
             </a:r>
-            <a:endParaRPr b="1" sz="1500">
+            <a:endParaRPr sz="1500">
               <a:latin typeface="Montserrat"/>
               <a:ea typeface="Montserrat"/>
               <a:cs typeface="Montserrat"/>
@@ -17322,7 +17580,7 @@
             </a:endParaRPr>
           </a:p>
           <a:p>
-            <a:pPr indent="-323850" lvl="1" marL="914400" rtl="0" algn="l">
+            <a:pPr indent="0" lvl="0" marL="914400" rtl="0" algn="l">
               <a:lnSpc>
                 <a:spcPct val="115000"/>
               </a:lnSpc>
@@ -17332,20 +17590,12 @@
               <a:spcAft>
                 <a:spcPts val="0"/>
               </a:spcAft>
-              <a:buSzPts val="1500"/>
-              <a:buFont typeface="Montserrat"/>
-              <a:buChar char="○"/>
+              <a:buNone/>
             </a:pPr>
             <a:r>
-              <a:rPr b="1" lang="en" sz="1500">
-                <a:latin typeface="Montserrat"/>
-                <a:ea typeface="Montserrat"/>
-                <a:cs typeface="Montserrat"/>
-                <a:sym typeface="Montserrat"/>
-              </a:rPr>
-              <a:t>3 months</a:t>
+              <a:t/>
             </a:r>
-            <a:endParaRPr b="1" sz="1500">
+            <a:endParaRPr sz="1500">
               <a:latin typeface="Montserrat"/>
               <a:ea typeface="Montserrat"/>
               <a:cs typeface="Montserrat"/>
@@ -17442,7 +17692,7 @@
       </p:sp>
       <p:sp>
         <p:nvSpPr>
-          <p:cNvPr id="233" name="Google Shape;233;g2a0c6f9b0a2_0_84"/>
+          <p:cNvPr id="234" name="Google Shape;234;g2a0c6f9b0a2_0_84"/>
           <p:cNvSpPr txBox="1"/>
           <p:nvPr>
             <p:ph idx="12" type="sldNum"/>
@@ -17501,7 +17751,7 @@
   <p:cSld>
     <p:spTree>
       <p:nvGrpSpPr>
-        <p:cNvPr id="237" name="Shape 237"/>
+        <p:cNvPr id="238" name="Shape 238"/>
         <p:cNvGrpSpPr/>
         <p:nvPr/>
       </p:nvGrpSpPr>
@@ -17515,7 +17765,7 @@
       </p:grpSpPr>
       <p:sp>
         <p:nvSpPr>
-          <p:cNvPr id="238" name="Google Shape;238;g2a0c6f9b0a2_0_91"/>
+          <p:cNvPr id="239" name="Google Shape;239;g2a0c6f9b0a2_0_91"/>
           <p:cNvSpPr txBox="1"/>
           <p:nvPr>
             <p:ph idx="4294967295" type="title"/>
@@ -17558,64 +17808,6 @@
               <a:t>3 - Final scores: train / validation phase</a:t>
             </a:r>
             <a:endParaRPr b="1"/>
-          </a:p>
-        </p:txBody>
-      </p:sp>
-      <p:sp>
-        <p:nvSpPr>
-          <p:cNvPr id="239" name="Google Shape;239;g2a0c6f9b0a2_0_91"/>
-          <p:cNvSpPr txBox="1"/>
-          <p:nvPr>
-            <p:ph idx="4294967295" type="body"/>
-          </p:nvPr>
-        </p:nvSpPr>
-        <p:spPr>
-          <a:xfrm>
-            <a:off x="311700" y="945300"/>
-            <a:ext cx="8520600" cy="4048200"/>
-          </a:xfrm>
-          <a:prstGeom prst="rect">
-            <a:avLst/>
-          </a:prstGeom>
-          <a:noFill/>
-          <a:ln>
-            <a:noFill/>
-          </a:ln>
-        </p:spPr>
-        <p:txBody>
-          <a:bodyPr anchorCtr="0" anchor="t" bIns="91425" lIns="91425" spcFirstLastPara="1" rIns="91425" wrap="square" tIns="91425">
-            <a:noAutofit/>
-          </a:bodyPr>
-          <a:lstStyle/>
-          <a:p>
-            <a:pPr indent="0" lvl="0" marL="0" rtl="0" algn="l">
-              <a:lnSpc>
-                <a:spcPct val="115000"/>
-              </a:lnSpc>
-              <a:spcBef>
-                <a:spcPts val="0"/>
-              </a:spcBef>
-              <a:spcAft>
-                <a:spcPts val="0"/>
-              </a:spcAft>
-              <a:buSzPts val="1300"/>
-              <a:buNone/>
-            </a:pPr>
-            <a:r>
-              <a:rPr lang="en" sz="1500">
-                <a:latin typeface="Montserrat"/>
-                <a:ea typeface="Montserrat"/>
-                <a:cs typeface="Montserrat"/>
-                <a:sym typeface="Montserrat"/>
-              </a:rPr>
-              <a:t>Features</a:t>
-            </a:r>
-            <a:endParaRPr b="1" sz="1500">
-              <a:latin typeface="Montserrat"/>
-              <a:ea typeface="Montserrat"/>
-              <a:cs typeface="Montserrat"/>
-              <a:sym typeface="Montserrat"/>
-            </a:endParaRPr>
           </a:p>
         </p:txBody>
       </p:sp>
@@ -17667,6 +17859,62 @@
           </a:p>
         </p:txBody>
       </p:sp>
+      <p:pic>
+        <p:nvPicPr>
+          <p:cNvPr id="241" name="Google Shape;241;g2a0c6f9b0a2_0_91"/>
+          <p:cNvPicPr preferRelativeResize="0"/>
+          <p:nvPr/>
+        </p:nvPicPr>
+        <p:blipFill>
+          <a:blip r:embed="rId3">
+            <a:alphaModFix/>
+          </a:blip>
+          <a:stretch>
+            <a:fillRect/>
+          </a:stretch>
+        </p:blipFill>
+        <p:spPr>
+          <a:xfrm>
+            <a:off x="152400" y="1012625"/>
+            <a:ext cx="5569865" cy="3978475"/>
+          </a:xfrm>
+          <a:prstGeom prst="rect">
+            <a:avLst/>
+          </a:prstGeom>
+          <a:noFill/>
+          <a:ln>
+            <a:noFill/>
+          </a:ln>
+        </p:spPr>
+      </p:pic>
+      <p:pic>
+        <p:nvPicPr>
+          <p:cNvPr id="242" name="Google Shape;242;g2a0c6f9b0a2_0_91"/>
+          <p:cNvPicPr preferRelativeResize="0"/>
+          <p:nvPr/>
+        </p:nvPicPr>
+        <p:blipFill>
+          <a:blip r:embed="rId4">
+            <a:alphaModFix/>
+          </a:blip>
+          <a:stretch>
+            <a:fillRect/>
+          </a:stretch>
+        </p:blipFill>
+        <p:spPr>
+          <a:xfrm>
+            <a:off x="-553350" y="1659784"/>
+            <a:ext cx="9144003" cy="2250282"/>
+          </a:xfrm>
+          <a:prstGeom prst="rect">
+            <a:avLst/>
+          </a:prstGeom>
+          <a:noFill/>
+          <a:ln>
+            <a:noFill/>
+          </a:ln>
+        </p:spPr>
+      </p:pic>
     </p:spTree>
   </p:cSld>
   <p:clrMapOvr>
@@ -17680,7 +17928,7 @@
   <p:cSld>
     <p:spTree>
       <p:nvGrpSpPr>
-        <p:cNvPr id="244" name="Shape 244"/>
+        <p:cNvPr id="246" name="Shape 246"/>
         <p:cNvGrpSpPr/>
         <p:nvPr/>
       </p:nvGrpSpPr>
@@ -17694,7 +17942,7 @@
       </p:grpSpPr>
       <p:sp>
         <p:nvSpPr>
-          <p:cNvPr id="245" name="Google Shape;245;g2a0c6f9b0a2_0_97"/>
+          <p:cNvPr id="247" name="Google Shape;247;g2a0c6f9b0a2_0_97"/>
           <p:cNvSpPr txBox="1"/>
           <p:nvPr>
             <p:ph idx="4294967295" type="title"/>
@@ -17742,65 +17990,7 @@
       </p:sp>
       <p:sp>
         <p:nvSpPr>
-          <p:cNvPr id="246" name="Google Shape;246;g2a0c6f9b0a2_0_97"/>
-          <p:cNvSpPr txBox="1"/>
-          <p:nvPr>
-            <p:ph idx="4294967295" type="body"/>
-          </p:nvPr>
-        </p:nvSpPr>
-        <p:spPr>
-          <a:xfrm>
-            <a:off x="311700" y="945300"/>
-            <a:ext cx="8520600" cy="4048200"/>
-          </a:xfrm>
-          <a:prstGeom prst="rect">
-            <a:avLst/>
-          </a:prstGeom>
-          <a:noFill/>
-          <a:ln>
-            <a:noFill/>
-          </a:ln>
-        </p:spPr>
-        <p:txBody>
-          <a:bodyPr anchorCtr="0" anchor="t" bIns="91425" lIns="91425" spcFirstLastPara="1" rIns="91425" wrap="square" tIns="91425">
-            <a:noAutofit/>
-          </a:bodyPr>
-          <a:lstStyle/>
-          <a:p>
-            <a:pPr indent="0" lvl="0" marL="0" rtl="0" algn="l">
-              <a:lnSpc>
-                <a:spcPct val="115000"/>
-              </a:lnSpc>
-              <a:spcBef>
-                <a:spcPts val="0"/>
-              </a:spcBef>
-              <a:spcAft>
-                <a:spcPts val="0"/>
-              </a:spcAft>
-              <a:buSzPts val="1300"/>
-              <a:buNone/>
-            </a:pPr>
-            <a:r>
-              <a:rPr lang="en" sz="1500">
-                <a:latin typeface="Montserrat"/>
-                <a:ea typeface="Montserrat"/>
-                <a:cs typeface="Montserrat"/>
-                <a:sym typeface="Montserrat"/>
-              </a:rPr>
-              <a:t>Splitting methods and models</a:t>
-            </a:r>
-            <a:endParaRPr b="1" sz="1500">
-              <a:latin typeface="Montserrat"/>
-              <a:ea typeface="Montserrat"/>
-              <a:cs typeface="Montserrat"/>
-              <a:sym typeface="Montserrat"/>
-            </a:endParaRPr>
-          </a:p>
-        </p:txBody>
-      </p:sp>
-      <p:sp>
-        <p:nvSpPr>
-          <p:cNvPr id="247" name="Google Shape;247;g2a0c6f9b0a2_0_97"/>
+          <p:cNvPr id="248" name="Google Shape;248;g2a0c6f9b0a2_0_97"/>
           <p:cNvSpPr txBox="1"/>
           <p:nvPr>
             <p:ph idx="12" type="sldNum"/>
@@ -17846,6 +18036,90 @@
           </a:p>
         </p:txBody>
       </p:sp>
+      <p:pic>
+        <p:nvPicPr>
+          <p:cNvPr id="249" name="Google Shape;249;g2a0c6f9b0a2_0_97"/>
+          <p:cNvPicPr preferRelativeResize="0"/>
+          <p:nvPr/>
+        </p:nvPicPr>
+        <p:blipFill>
+          <a:blip r:embed="rId3">
+            <a:alphaModFix/>
+          </a:blip>
+          <a:stretch>
+            <a:fillRect/>
+          </a:stretch>
+        </p:blipFill>
+        <p:spPr>
+          <a:xfrm>
+            <a:off x="152400" y="1012625"/>
+            <a:ext cx="8839204" cy="2175273"/>
+          </a:xfrm>
+          <a:prstGeom prst="rect">
+            <a:avLst/>
+          </a:prstGeom>
+          <a:noFill/>
+          <a:ln>
+            <a:noFill/>
+          </a:ln>
+        </p:spPr>
+      </p:pic>
+      <p:pic>
+        <p:nvPicPr>
+          <p:cNvPr id="250" name="Google Shape;250;g2a0c6f9b0a2_0_97"/>
+          <p:cNvPicPr preferRelativeResize="0"/>
+          <p:nvPr/>
+        </p:nvPicPr>
+        <p:blipFill>
+          <a:blip r:embed="rId4">
+            <a:alphaModFix/>
+          </a:blip>
+          <a:stretch>
+            <a:fillRect/>
+          </a:stretch>
+        </p:blipFill>
+        <p:spPr>
+          <a:xfrm>
+            <a:off x="152400" y="3340298"/>
+            <a:ext cx="2311124" cy="1650803"/>
+          </a:xfrm>
+          <a:prstGeom prst="rect">
+            <a:avLst/>
+          </a:prstGeom>
+          <a:noFill/>
+          <a:ln>
+            <a:noFill/>
+          </a:ln>
+        </p:spPr>
+      </p:pic>
+      <p:pic>
+        <p:nvPicPr>
+          <p:cNvPr id="251" name="Google Shape;251;g2a0c6f9b0a2_0_97"/>
+          <p:cNvPicPr preferRelativeResize="0"/>
+          <p:nvPr/>
+        </p:nvPicPr>
+        <p:blipFill>
+          <a:blip r:embed="rId5">
+            <a:alphaModFix/>
+          </a:blip>
+          <a:stretch>
+            <a:fillRect/>
+          </a:stretch>
+        </p:blipFill>
+        <p:spPr>
+          <a:xfrm>
+            <a:off x="2615924" y="3340298"/>
+            <a:ext cx="4952408" cy="1650803"/>
+          </a:xfrm>
+          <a:prstGeom prst="rect">
+            <a:avLst/>
+          </a:prstGeom>
+          <a:noFill/>
+          <a:ln>
+            <a:noFill/>
+          </a:ln>
+        </p:spPr>
+      </p:pic>
     </p:spTree>
   </p:cSld>
   <p:clrMapOvr>
@@ -17859,7 +18133,7 @@
   <p:cSld>
     <p:spTree>
       <p:nvGrpSpPr>
-        <p:cNvPr id="251" name="Shape 251"/>
+        <p:cNvPr id="255" name="Shape 255"/>
         <p:cNvGrpSpPr/>
         <p:nvPr/>
       </p:nvGrpSpPr>
@@ -17873,7 +18147,7 @@
       </p:grpSpPr>
       <p:sp>
         <p:nvSpPr>
-          <p:cNvPr id="252" name="Google Shape;252;g2a0c6f9b0a2_0_103"/>
+          <p:cNvPr id="256" name="Google Shape;256;g2a0c6f9b0a2_0_103"/>
           <p:cNvSpPr txBox="1"/>
           <p:nvPr>
             <p:ph idx="4294967295" type="title"/>
@@ -17921,65 +18195,7 @@
       </p:sp>
       <p:sp>
         <p:nvSpPr>
-          <p:cNvPr id="253" name="Google Shape;253;g2a0c6f9b0a2_0_103"/>
-          <p:cNvSpPr txBox="1"/>
-          <p:nvPr>
-            <p:ph idx="4294967295" type="body"/>
-          </p:nvPr>
-        </p:nvSpPr>
-        <p:spPr>
-          <a:xfrm>
-            <a:off x="311700" y="945300"/>
-            <a:ext cx="8520600" cy="4048200"/>
-          </a:xfrm>
-          <a:prstGeom prst="rect">
-            <a:avLst/>
-          </a:prstGeom>
-          <a:noFill/>
-          <a:ln>
-            <a:noFill/>
-          </a:ln>
-        </p:spPr>
-        <p:txBody>
-          <a:bodyPr anchorCtr="0" anchor="t" bIns="91425" lIns="91425" spcFirstLastPara="1" rIns="91425" wrap="square" tIns="91425">
-            <a:noAutofit/>
-          </a:bodyPr>
-          <a:lstStyle/>
-          <a:p>
-            <a:pPr indent="0" lvl="0" marL="0" rtl="0" algn="l">
-              <a:lnSpc>
-                <a:spcPct val="115000"/>
-              </a:lnSpc>
-              <a:spcBef>
-                <a:spcPts val="0"/>
-              </a:spcBef>
-              <a:spcAft>
-                <a:spcPts val="0"/>
-              </a:spcAft>
-              <a:buSzPts val="1300"/>
-              <a:buNone/>
-            </a:pPr>
-            <a:r>
-              <a:rPr lang="en" sz="1500">
-                <a:latin typeface="Montserrat"/>
-                <a:ea typeface="Montserrat"/>
-                <a:cs typeface="Montserrat"/>
-                <a:sym typeface="Montserrat"/>
-              </a:rPr>
-              <a:t>Test dataset splitting</a:t>
-            </a:r>
-            <a:endParaRPr b="1" sz="1500">
-              <a:latin typeface="Montserrat"/>
-              <a:ea typeface="Montserrat"/>
-              <a:cs typeface="Montserrat"/>
-              <a:sym typeface="Montserrat"/>
-            </a:endParaRPr>
-          </a:p>
-        </p:txBody>
-      </p:sp>
-      <p:sp>
-        <p:nvSpPr>
-          <p:cNvPr id="254" name="Google Shape;254;g2a0c6f9b0a2_0_103"/>
+          <p:cNvPr id="257" name="Google Shape;257;g2a0c6f9b0a2_0_103"/>
           <p:cNvSpPr txBox="1"/>
           <p:nvPr>
             <p:ph idx="12" type="sldNum"/>
@@ -18025,6 +18241,118 @@
           </a:p>
         </p:txBody>
       </p:sp>
+      <p:pic>
+        <p:nvPicPr>
+          <p:cNvPr id="258" name="Google Shape;258;g2a0c6f9b0a2_0_103"/>
+          <p:cNvPicPr preferRelativeResize="0"/>
+          <p:nvPr/>
+        </p:nvPicPr>
+        <p:blipFill>
+          <a:blip r:embed="rId3">
+            <a:alphaModFix/>
+          </a:blip>
+          <a:stretch>
+            <a:fillRect/>
+          </a:stretch>
+        </p:blipFill>
+        <p:spPr>
+          <a:xfrm>
+            <a:off x="152400" y="1012625"/>
+            <a:ext cx="7244613" cy="3978475"/>
+          </a:xfrm>
+          <a:prstGeom prst="rect">
+            <a:avLst/>
+          </a:prstGeom>
+          <a:noFill/>
+          <a:ln>
+            <a:noFill/>
+          </a:ln>
+        </p:spPr>
+      </p:pic>
+      <p:pic>
+        <p:nvPicPr>
+          <p:cNvPr id="259" name="Google Shape;259;g2a0c6f9b0a2_0_103"/>
+          <p:cNvPicPr preferRelativeResize="0"/>
+          <p:nvPr/>
+        </p:nvPicPr>
+        <p:blipFill>
+          <a:blip r:embed="rId4">
+            <a:alphaModFix/>
+          </a:blip>
+          <a:stretch>
+            <a:fillRect/>
+          </a:stretch>
+        </p:blipFill>
+        <p:spPr>
+          <a:xfrm>
+            <a:off x="372825" y="1209913"/>
+            <a:ext cx="9105900" cy="5000625"/>
+          </a:xfrm>
+          <a:prstGeom prst="rect">
+            <a:avLst/>
+          </a:prstGeom>
+          <a:noFill/>
+          <a:ln>
+            <a:noFill/>
+          </a:ln>
+        </p:spPr>
+      </p:pic>
+      <p:pic>
+        <p:nvPicPr>
+          <p:cNvPr id="260" name="Google Shape;260;g2a0c6f9b0a2_0_103"/>
+          <p:cNvPicPr preferRelativeResize="0"/>
+          <p:nvPr/>
+        </p:nvPicPr>
+        <p:blipFill>
+          <a:blip r:embed="rId5">
+            <a:alphaModFix/>
+          </a:blip>
+          <a:stretch>
+            <a:fillRect/>
+          </a:stretch>
+        </p:blipFill>
+        <p:spPr>
+          <a:xfrm>
+            <a:off x="372825" y="1209913"/>
+            <a:ext cx="9105900" cy="5000625"/>
+          </a:xfrm>
+          <a:prstGeom prst="rect">
+            <a:avLst/>
+          </a:prstGeom>
+          <a:noFill/>
+          <a:ln>
+            <a:noFill/>
+          </a:ln>
+        </p:spPr>
+      </p:pic>
+      <p:pic>
+        <p:nvPicPr>
+          <p:cNvPr id="261" name="Google Shape;261;g2a0c6f9b0a2_0_103"/>
+          <p:cNvPicPr preferRelativeResize="0"/>
+          <p:nvPr/>
+        </p:nvPicPr>
+        <p:blipFill>
+          <a:blip r:embed="rId6">
+            <a:alphaModFix/>
+          </a:blip>
+          <a:stretch>
+            <a:fillRect/>
+          </a:stretch>
+        </p:blipFill>
+        <p:spPr>
+          <a:xfrm>
+            <a:off x="372825" y="1209913"/>
+            <a:ext cx="9105900" cy="5000625"/>
+          </a:xfrm>
+          <a:prstGeom prst="rect">
+            <a:avLst/>
+          </a:prstGeom>
+          <a:noFill/>
+          <a:ln>
+            <a:noFill/>
+          </a:ln>
+        </p:spPr>
+      </p:pic>
     </p:spTree>
   </p:cSld>
   <p:clrMapOvr>
@@ -18038,7 +18366,7 @@
   <p:cSld>
     <p:spTree>
       <p:nvGrpSpPr>
-        <p:cNvPr id="258" name="Shape 258"/>
+        <p:cNvPr id="265" name="Shape 265"/>
         <p:cNvGrpSpPr/>
         <p:nvPr/>
       </p:nvGrpSpPr>
@@ -18052,7 +18380,7 @@
       </p:grpSpPr>
       <p:sp>
         <p:nvSpPr>
-          <p:cNvPr id="259" name="Google Shape;259;g2a0c6f9b0a2_0_109"/>
+          <p:cNvPr id="266" name="Google Shape;266;g2a58cb8d4e2_0_19"/>
           <p:cNvSpPr txBox="1"/>
           <p:nvPr>
             <p:ph idx="4294967295" type="title"/>
@@ -18087,6 +18415,211 @@
               <a:spcAft>
                 <a:spcPts val="0"/>
               </a:spcAft>
+              <a:buSzPct val="119033"/>
+              <a:buNone/>
+            </a:pPr>
+            <a:r>
+              <a:rPr b="1" lang="en"/>
+              <a:t>3 - Final scores: testing phase</a:t>
+            </a:r>
+            <a:endParaRPr b="1"/>
+          </a:p>
+        </p:txBody>
+      </p:sp>
+      <p:sp>
+        <p:nvSpPr>
+          <p:cNvPr id="267" name="Google Shape;267;g2a58cb8d4e2_0_19"/>
+          <p:cNvSpPr txBox="1"/>
+          <p:nvPr>
+            <p:ph idx="12" type="sldNum"/>
+          </p:nvPr>
+        </p:nvSpPr>
+        <p:spPr>
+          <a:xfrm>
+            <a:off x="8472458" y="4663217"/>
+            <a:ext cx="548700" cy="393600"/>
+          </a:xfrm>
+          <a:prstGeom prst="rect">
+            <a:avLst/>
+          </a:prstGeom>
+          <a:noFill/>
+          <a:ln>
+            <a:noFill/>
+          </a:ln>
+        </p:spPr>
+        <p:txBody>
+          <a:bodyPr anchorCtr="0" anchor="ctr" bIns="91425" lIns="91425" spcFirstLastPara="1" rIns="91425" wrap="square" tIns="91425">
+            <a:normAutofit/>
+          </a:bodyPr>
+          <a:lstStyle/>
+          <a:p>
+            <a:pPr indent="0" lvl="0" marL="0" rtl="0" algn="r">
+              <a:lnSpc>
+                <a:spcPct val="100000"/>
+              </a:lnSpc>
+              <a:spcBef>
+                <a:spcPts val="0"/>
+              </a:spcBef>
+              <a:spcAft>
+                <a:spcPts val="0"/>
+              </a:spcAft>
+              <a:buSzPts val="1000"/>
+              <a:buNone/>
+            </a:pPr>
+            <a:fld id="{00000000-1234-1234-1234-123412341234}" type="slidenum">
+              <a:rPr lang="en"/>
+              <a:t>‹#›</a:t>
+            </a:fld>
+            <a:endParaRPr/>
+          </a:p>
+        </p:txBody>
+      </p:sp>
+      <p:pic>
+        <p:nvPicPr>
+          <p:cNvPr id="268" name="Google Shape;268;g2a58cb8d4e2_0_19"/>
+          <p:cNvPicPr preferRelativeResize="0"/>
+          <p:nvPr/>
+        </p:nvPicPr>
+        <p:blipFill>
+          <a:blip r:embed="rId3">
+            <a:alphaModFix/>
+          </a:blip>
+          <a:stretch>
+            <a:fillRect/>
+          </a:stretch>
+        </p:blipFill>
+        <p:spPr>
+          <a:xfrm>
+            <a:off x="152400" y="1012625"/>
+            <a:ext cx="8839204" cy="2175273"/>
+          </a:xfrm>
+          <a:prstGeom prst="rect">
+            <a:avLst/>
+          </a:prstGeom>
+          <a:noFill/>
+          <a:ln>
+            <a:noFill/>
+          </a:ln>
+        </p:spPr>
+      </p:pic>
+      <p:pic>
+        <p:nvPicPr>
+          <p:cNvPr id="269" name="Google Shape;269;g2a58cb8d4e2_0_19"/>
+          <p:cNvPicPr preferRelativeResize="0"/>
+          <p:nvPr/>
+        </p:nvPicPr>
+        <p:blipFill>
+          <a:blip r:embed="rId4">
+            <a:alphaModFix/>
+          </a:blip>
+          <a:stretch>
+            <a:fillRect/>
+          </a:stretch>
+        </p:blipFill>
+        <p:spPr>
+          <a:xfrm>
+            <a:off x="152400" y="3340298"/>
+            <a:ext cx="2311124" cy="1650803"/>
+          </a:xfrm>
+          <a:prstGeom prst="rect">
+            <a:avLst/>
+          </a:prstGeom>
+          <a:noFill/>
+          <a:ln>
+            <a:noFill/>
+          </a:ln>
+        </p:spPr>
+      </p:pic>
+      <p:pic>
+        <p:nvPicPr>
+          <p:cNvPr id="270" name="Google Shape;270;g2a58cb8d4e2_0_19"/>
+          <p:cNvPicPr preferRelativeResize="0"/>
+          <p:nvPr/>
+        </p:nvPicPr>
+        <p:blipFill>
+          <a:blip r:embed="rId5">
+            <a:alphaModFix/>
+          </a:blip>
+          <a:stretch>
+            <a:fillRect/>
+          </a:stretch>
+        </p:blipFill>
+        <p:spPr>
+          <a:xfrm>
+            <a:off x="2615924" y="3340298"/>
+            <a:ext cx="4952408" cy="1650803"/>
+          </a:xfrm>
+          <a:prstGeom prst="rect">
+            <a:avLst/>
+          </a:prstGeom>
+          <a:noFill/>
+          <a:ln>
+            <a:noFill/>
+          </a:ln>
+        </p:spPr>
+      </p:pic>
+    </p:spTree>
+  </p:cSld>
+  <p:clrMapOvr>
+    <a:masterClrMapping/>
+  </p:clrMapOvr>
+</p:sld>
+</file>
+
+<file path=ppt/slides/slide19.xml><?xml version="1.0" encoding="utf-8"?>
+<p:sld xmlns:a="http://schemas.openxmlformats.org/drawingml/2006/main" xmlns:r="http://schemas.openxmlformats.org/officeDocument/2006/relationships" xmlns:mc="http://schemas.openxmlformats.org/markup-compatibility/2006" xmlns:mv="urn:schemas-microsoft-com:mac:vml" xmlns:p="http://schemas.openxmlformats.org/presentationml/2006/main" xmlns:c="http://schemas.openxmlformats.org/drawingml/2006/chart" xmlns:dgm="http://schemas.openxmlformats.org/drawingml/2006/diagram" xmlns:o="urn:schemas-microsoft-com:office:office" xmlns:v="urn:schemas-microsoft-com:vml" xmlns:pvml="urn:schemas-microsoft-com:office:powerpoint" xmlns:com="http://schemas.openxmlformats.org/drawingml/2006/compatibility" xmlns:p14="http://schemas.microsoft.com/office/powerpoint/2010/main" xmlns:p15="http://schemas.microsoft.com/office/powerpoint/2012/main" xmlns:ahyp="http://schemas.microsoft.com/office/drawing/2018/hyperlinkcolor">
+  <p:cSld>
+    <p:spTree>
+      <p:nvGrpSpPr>
+        <p:cNvPr id="274" name="Shape 274"/>
+        <p:cNvGrpSpPr/>
+        <p:nvPr/>
+      </p:nvGrpSpPr>
+      <p:grpSpPr>
+        <a:xfrm>
+          <a:off x="0" y="0"/>
+          <a:ext cx="0" cy="0"/>
+          <a:chOff x="0" y="0"/>
+          <a:chExt cx="0" cy="0"/>
+        </a:xfrm>
+      </p:grpSpPr>
+      <p:sp>
+        <p:nvSpPr>
+          <p:cNvPr id="275" name="Google Shape;275;g2a0c6f9b0a2_0_109"/>
+          <p:cNvSpPr txBox="1"/>
+          <p:nvPr>
+            <p:ph idx="4294967295" type="title"/>
+          </p:nvPr>
+        </p:nvSpPr>
+        <p:spPr>
+          <a:xfrm>
+            <a:off x="719525" y="267425"/>
+            <a:ext cx="7038900" cy="592800"/>
+          </a:xfrm>
+          <a:prstGeom prst="rect">
+            <a:avLst/>
+          </a:prstGeom>
+          <a:noFill/>
+          <a:ln>
+            <a:noFill/>
+          </a:ln>
+        </p:spPr>
+        <p:txBody>
+          <a:bodyPr anchorCtr="0" anchor="t" bIns="91425" lIns="91425" spcFirstLastPara="1" rIns="91425" wrap="square" tIns="91425">
+            <a:normAutofit fontScale="90000"/>
+          </a:bodyPr>
+          <a:lstStyle/>
+          <a:p>
+            <a:pPr indent="0" lvl="0" marL="0" rtl="0" algn="l">
+              <a:lnSpc>
+                <a:spcPct val="100000"/>
+              </a:lnSpc>
+              <a:spcBef>
+                <a:spcPts val="0"/>
+              </a:spcBef>
+              <a:spcAft>
+                <a:spcPts val="0"/>
+              </a:spcAft>
               <a:buSzPct val="119034"/>
               <a:buNone/>
             </a:pPr>
@@ -18100,7 +18633,7 @@
       </p:sp>
       <p:sp>
         <p:nvSpPr>
-          <p:cNvPr id="260" name="Google Shape;260;g2a0c6f9b0a2_0_109"/>
+          <p:cNvPr id="276" name="Google Shape;276;g2a0c6f9b0a2_0_109"/>
           <p:cNvSpPr txBox="1"/>
           <p:nvPr>
             <p:ph idx="4294967295" type="body"/>
@@ -18401,7 +18934,7 @@
                 <a:cs typeface="Montserrat"/>
                 <a:sym typeface="Montserrat"/>
               </a:rPr>
-              <a:t>Create a sliding window on features so that additional historical data is used</a:t>
+              <a:t>Create a sliding window on features (additional historical data can be used)</a:t>
             </a:r>
             <a:endParaRPr sz="1500">
               <a:latin typeface="Montserrat"/>
@@ -18432,7 +18965,7 @@
                 <a:cs typeface="Montserrat"/>
                 <a:sym typeface="Montserrat"/>
               </a:rPr>
-              <a:t>Using deep learning approaches such as CNNs (LSTM, ARIMA...) </a:t>
+              <a:t>Using deep learning approaches such as CNNs (e.g. LSTM, ARIMA...) </a:t>
             </a:r>
             <a:endParaRPr sz="1500">
               <a:latin typeface="Montserrat"/>
@@ -18463,7 +18996,7 @@
                 <a:cs typeface="Montserrat"/>
                 <a:sym typeface="Montserrat"/>
               </a:rPr>
-              <a:t>Implementing transformer models that exploit self-attention</a:t>
+              <a:t>Implementing Transformer models that exploit self-attention</a:t>
             </a:r>
             <a:endParaRPr sz="1500">
               <a:latin typeface="Montserrat"/>
@@ -18476,7 +19009,7 @@
       </p:sp>
       <p:sp>
         <p:nvSpPr>
-          <p:cNvPr id="261" name="Google Shape;261;g2a0c6f9b0a2_0_109"/>
+          <p:cNvPr id="277" name="Google Shape;277;g2a0c6f9b0a2_0_109"/>
           <p:cNvSpPr txBox="1"/>
           <p:nvPr>
             <p:ph idx="12" type="sldNum"/>
@@ -18519,104 +19052,6 @@
               <a:t>‹#›</a:t>
             </a:fld>
             <a:endParaRPr/>
-          </a:p>
-        </p:txBody>
-      </p:sp>
-    </p:spTree>
-  </p:cSld>
-  <p:clrMapOvr>
-    <a:masterClrMapping/>
-  </p:clrMapOvr>
-</p:sld>
-</file>
-
-<file path=ppt/slides/slide19.xml><?xml version="1.0" encoding="utf-8"?>
-<p:sld xmlns:a="http://schemas.openxmlformats.org/drawingml/2006/main" xmlns:r="http://schemas.openxmlformats.org/officeDocument/2006/relationships" xmlns:mc="http://schemas.openxmlformats.org/markup-compatibility/2006" xmlns:mv="urn:schemas-microsoft-com:mac:vml" xmlns:p="http://schemas.openxmlformats.org/presentationml/2006/main" xmlns:c="http://schemas.openxmlformats.org/drawingml/2006/chart" xmlns:dgm="http://schemas.openxmlformats.org/drawingml/2006/diagram" xmlns:o="urn:schemas-microsoft-com:office:office" xmlns:v="urn:schemas-microsoft-com:vml" xmlns:pvml="urn:schemas-microsoft-com:office:powerpoint" xmlns:com="http://schemas.openxmlformats.org/drawingml/2006/compatibility" xmlns:p14="http://schemas.microsoft.com/office/powerpoint/2010/main" xmlns:p15="http://schemas.microsoft.com/office/powerpoint/2012/main" xmlns:ahyp="http://schemas.microsoft.com/office/drawing/2018/hyperlinkcolor">
-  <p:cSld>
-    <p:bg>
-      <p:bgPr>
-        <a:solidFill>
-          <a:schemeClr val="dk1"/>
-        </a:solidFill>
-      </p:bgPr>
-    </p:bg>
-    <p:spTree>
-      <p:nvGrpSpPr>
-        <p:cNvPr id="265" name="Shape 265"/>
-        <p:cNvGrpSpPr/>
-        <p:nvPr/>
-      </p:nvGrpSpPr>
-      <p:grpSpPr>
-        <a:xfrm>
-          <a:off x="0" y="0"/>
-          <a:ext cx="0" cy="0"/>
-          <a:chOff x="0" y="0"/>
-          <a:chExt cx="0" cy="0"/>
-        </a:xfrm>
-      </p:grpSpPr>
-      <p:sp>
-        <p:nvSpPr>
-          <p:cNvPr id="266" name="Google Shape;266;g26e1760ff98_1_133"/>
-          <p:cNvSpPr txBox="1"/>
-          <p:nvPr/>
-        </p:nvSpPr>
-        <p:spPr>
-          <a:xfrm>
-            <a:off x="3040225" y="2075207"/>
-            <a:ext cx="4722000" cy="727500"/>
-          </a:xfrm>
-          <a:prstGeom prst="rect">
-            <a:avLst/>
-          </a:prstGeom>
-          <a:noFill/>
-          <a:ln>
-            <a:noFill/>
-          </a:ln>
-        </p:spPr>
-        <p:txBody>
-          <a:bodyPr anchorCtr="0" anchor="t" bIns="45700" lIns="91425" spcFirstLastPara="1" rIns="91425" wrap="square" tIns="45700">
-            <a:noAutofit/>
-          </a:bodyPr>
-          <a:lstStyle/>
-          <a:p>
-            <a:pPr indent="0" lvl="0" marL="0" marR="0" rtl="0" algn="l">
-              <a:lnSpc>
-                <a:spcPct val="100000"/>
-              </a:lnSpc>
-              <a:spcBef>
-                <a:spcPts val="0"/>
-              </a:spcBef>
-              <a:spcAft>
-                <a:spcPts val="0"/>
-              </a:spcAft>
-              <a:buClr>
-                <a:srgbClr val="000000"/>
-              </a:buClr>
-              <a:buSzPts val="3000"/>
-              <a:buFont typeface="Arial"/>
-              <a:buNone/>
-            </a:pPr>
-            <a:r>
-              <a:rPr b="1" i="0" lang="en" sz="3000" u="none" cap="none" strike="noStrike">
-                <a:solidFill>
-                  <a:srgbClr val="FFFFFF"/>
-                </a:solidFill>
-                <a:latin typeface="Roboto"/>
-                <a:ea typeface="Roboto"/>
-                <a:cs typeface="Roboto"/>
-                <a:sym typeface="Roboto"/>
-              </a:rPr>
-              <a:t>Thanks for the attention</a:t>
-            </a:r>
-            <a:endParaRPr b="0" i="0" sz="4300" u="none" cap="none" strike="noStrike">
-              <a:solidFill>
-                <a:srgbClr val="FFFFFF"/>
-              </a:solidFill>
-              <a:latin typeface="Roboto"/>
-              <a:ea typeface="Roboto"/>
-              <a:cs typeface="Roboto"/>
-              <a:sym typeface="Roboto"/>
-            </a:endParaRPr>
           </a:p>
         </p:txBody>
       </p:sp>
@@ -18735,22 +19170,36 @@
               <a:buChar char="●"/>
             </a:pPr>
             <a:r>
-              <a:rPr lang="en" sz="1500">
+              <a:rPr b="1" lang="en" sz="1500">
                 <a:latin typeface="Montserrat"/>
                 <a:ea typeface="Montserrat"/>
                 <a:cs typeface="Montserrat"/>
                 <a:sym typeface="Montserrat"/>
               </a:rPr>
-              <a:t>Decentralized cryptocurrency, created in 2009 by an anonymous inventor </a:t>
+              <a:t>What is Bitcoin?</a:t>
             </a:r>
-            <a:br>
-              <a:rPr lang="en" sz="1500">
-                <a:latin typeface="Montserrat"/>
-                <a:ea typeface="Montserrat"/>
-                <a:cs typeface="Montserrat"/>
-                <a:sym typeface="Montserrat"/>
-              </a:rPr>
-            </a:br>
+            <a:endParaRPr b="1" sz="1500">
+              <a:latin typeface="Montserrat"/>
+              <a:ea typeface="Montserrat"/>
+              <a:cs typeface="Montserrat"/>
+              <a:sym typeface="Montserrat"/>
+            </a:endParaRPr>
+          </a:p>
+          <a:p>
+            <a:pPr indent="-323850" lvl="1" marL="914400" rtl="0" algn="l">
+              <a:lnSpc>
+                <a:spcPct val="115000"/>
+              </a:lnSpc>
+              <a:spcBef>
+                <a:spcPts val="0"/>
+              </a:spcBef>
+              <a:spcAft>
+                <a:spcPts val="0"/>
+              </a:spcAft>
+              <a:buSzPts val="1500"/>
+              <a:buFont typeface="Montserrat"/>
+              <a:buChar char="○"/>
+            </a:pPr>
             <a:r>
               <a:rPr lang="en" sz="1500">
                 <a:latin typeface="Montserrat"/>
@@ -18758,7 +19207,7 @@
                 <a:cs typeface="Montserrat"/>
                 <a:sym typeface="Montserrat"/>
               </a:rPr>
-              <a:t>(Satoshi Nakamoto)</a:t>
+              <a:t>Decentralized cryptocurrency</a:t>
             </a:r>
             <a:endParaRPr sz="1500">
               <a:latin typeface="Montserrat"/>
@@ -18768,7 +19217,7 @@
             </a:endParaRPr>
           </a:p>
           <a:p>
-            <a:pPr indent="-323850" lvl="0" marL="457200" rtl="0" algn="l">
+            <a:pPr indent="-323850" lvl="1" marL="914400" rtl="0" algn="l">
               <a:lnSpc>
                 <a:spcPct val="115000"/>
               </a:lnSpc>
@@ -18780,7 +19229,7 @@
               </a:spcAft>
               <a:buSzPts val="1500"/>
               <a:buFont typeface="Montserrat"/>
-              <a:buChar char="●"/>
+              <a:buChar char="○"/>
             </a:pPr>
             <a:r>
               <a:rPr lang="en" sz="1500">
@@ -18799,7 +19248,7 @@
             </a:endParaRPr>
           </a:p>
           <a:p>
-            <a:pPr indent="-323850" lvl="0" marL="457200" rtl="0" algn="l">
+            <a:pPr indent="-323850" lvl="1" marL="914400" rtl="0" algn="l">
               <a:lnSpc>
                 <a:spcPct val="115000"/>
               </a:lnSpc>
@@ -18811,7 +19260,7 @@
               </a:spcAft>
               <a:buSzPts val="1500"/>
               <a:buFont typeface="Montserrat"/>
-              <a:buChar char="●"/>
+              <a:buChar char="○"/>
             </a:pPr>
             <a:r>
               <a:rPr lang="en" sz="1500">
@@ -18820,7 +19269,7 @@
                 <a:cs typeface="Montserrat"/>
                 <a:sym typeface="Montserrat"/>
               </a:rPr>
-              <a:t>Relies on a network of nodes that manage it in a distributed, peer-to-peer mode</a:t>
+              <a:t>Relies on a network of nodes</a:t>
             </a:r>
             <a:endParaRPr sz="1500">
               <a:latin typeface="Montserrat"/>
@@ -18830,7 +19279,7 @@
             </a:endParaRPr>
           </a:p>
           <a:p>
-            <a:pPr indent="-323850" lvl="0" marL="457200" rtl="0" algn="l">
+            <a:pPr indent="-323850" lvl="1" marL="914400" rtl="0" algn="l">
               <a:lnSpc>
                 <a:spcPct val="115000"/>
               </a:lnSpc>
@@ -18842,7 +19291,7 @@
               </a:spcAft>
               <a:buSzPts val="1500"/>
               <a:buFont typeface="Montserrat"/>
-              <a:buChar char="●"/>
+              <a:buChar char="○"/>
             </a:pPr>
             <a:r>
               <a:rPr lang="en" sz="1500">
@@ -18882,7 +19331,16 @@
                 <a:cs typeface="Montserrat"/>
                 <a:sym typeface="Montserrat"/>
               </a:rPr>
-              <a:t>Can be made through the Internet to anyone with a "bitcoin address" </a:t>
+              <a:t>Ma</a:t>
+            </a:r>
+            <a:r>
+              <a:rPr lang="en" sz="1500">
+                <a:latin typeface="Montserrat"/>
+                <a:ea typeface="Montserrat"/>
+                <a:cs typeface="Montserrat"/>
+                <a:sym typeface="Montserrat"/>
+              </a:rPr>
+              <a:t>de by anyone with a "bitcoin address" </a:t>
             </a:r>
             <a:endParaRPr sz="1500">
               <a:latin typeface="Montserrat"/>
@@ -18913,7 +19371,39 @@
                 <a:cs typeface="Montserrat"/>
                 <a:sym typeface="Montserrat"/>
               </a:rPr>
-              <a:t>Its blockchain (public ledger of transactions) is constantly updated and validated by nodes in the network</a:t>
+              <a:t>Has a p</a:t>
+            </a:r>
+            <a:r>
+              <a:rPr lang="en" sz="1500">
+                <a:latin typeface="Montserrat"/>
+                <a:ea typeface="Montserrat"/>
+                <a:cs typeface="Montserrat"/>
+                <a:sym typeface="Montserrat"/>
+              </a:rPr>
+              <a:t>ublic ledger constantly updated</a:t>
+            </a:r>
+            <a:endParaRPr sz="1500">
+              <a:latin typeface="Montserrat"/>
+              <a:ea typeface="Montserrat"/>
+              <a:cs typeface="Montserrat"/>
+              <a:sym typeface="Montserrat"/>
+            </a:endParaRPr>
+          </a:p>
+          <a:p>
+            <a:pPr indent="0" lvl="0" marL="1371600" rtl="0" algn="l">
+              <a:lnSpc>
+                <a:spcPct val="115000"/>
+              </a:lnSpc>
+              <a:spcBef>
+                <a:spcPts val="0"/>
+              </a:spcBef>
+              <a:spcAft>
+                <a:spcPts val="0"/>
+              </a:spcAft>
+              <a:buNone/>
+            </a:pPr>
+            <a:r>
+              <a:t/>
             </a:r>
             <a:endParaRPr sz="1500">
               <a:latin typeface="Montserrat"/>
@@ -18944,69 +19434,7 @@
                 <a:cs typeface="Montserrat"/>
                 <a:sym typeface="Montserrat"/>
               </a:rPr>
-              <a:t>It’s value is determined by the market and the number of people using it</a:t>
-            </a:r>
-            <a:endParaRPr sz="1500">
-              <a:latin typeface="Montserrat"/>
-              <a:ea typeface="Montserrat"/>
-              <a:cs typeface="Montserrat"/>
-              <a:sym typeface="Montserrat"/>
-            </a:endParaRPr>
-          </a:p>
-          <a:p>
-            <a:pPr indent="-323850" lvl="1" marL="914400" rtl="0" algn="l">
-              <a:lnSpc>
-                <a:spcPct val="115000"/>
-              </a:lnSpc>
-              <a:spcBef>
-                <a:spcPts val="0"/>
-              </a:spcBef>
-              <a:spcAft>
-                <a:spcPts val="0"/>
-              </a:spcAft>
-              <a:buSzPts val="1500"/>
-              <a:buFont typeface="Montserrat"/>
-              <a:buChar char="○"/>
-            </a:pPr>
-            <a:r>
-              <a:rPr lang="en" sz="1500">
-                <a:latin typeface="Montserrat"/>
-                <a:ea typeface="Montserrat"/>
-                <a:cs typeface="Montserrat"/>
-                <a:sym typeface="Montserrat"/>
-              </a:rPr>
-              <a:t>Has attracted the attention of many people in recent years</a:t>
-            </a:r>
-            <a:endParaRPr sz="1500">
-              <a:latin typeface="Montserrat"/>
-              <a:ea typeface="Montserrat"/>
-              <a:cs typeface="Montserrat"/>
-              <a:sym typeface="Montserrat"/>
-            </a:endParaRPr>
-          </a:p>
-          <a:p>
-            <a:pPr indent="-323850" lvl="1" marL="914400" rtl="0" algn="l">
-              <a:lnSpc>
-                <a:spcPct val="115000"/>
-              </a:lnSpc>
-              <a:spcBef>
-                <a:spcPts val="0"/>
-              </a:spcBef>
-              <a:spcAft>
-                <a:spcPts val="0"/>
-              </a:spcAft>
-              <a:buSzPts val="1500"/>
-              <a:buFont typeface="Montserrat"/>
-              <a:buChar char="○"/>
-            </a:pPr>
-            <a:r>
-              <a:rPr lang="en" sz="1500">
-                <a:latin typeface="Montserrat"/>
-                <a:ea typeface="Montserrat"/>
-                <a:cs typeface="Montserrat"/>
-                <a:sym typeface="Montserrat"/>
-              </a:rPr>
-              <a:t>It's price fluctuation can be extremely unpredictable (difficulty on choosing the right time to buy or sell)</a:t>
+              <a:t>Value determined by the market and the number of people using it</a:t>
             </a:r>
             <a:endParaRPr sz="1500">
               <a:latin typeface="Montserrat"/>
@@ -19031,15 +19459,15 @@
               <a:buChar char="●"/>
             </a:pPr>
             <a:r>
-              <a:rPr b="1" lang="en" sz="1500">
+              <a:rPr lang="en" sz="1500">
                 <a:latin typeface="Montserrat"/>
                 <a:ea typeface="Montserrat"/>
                 <a:cs typeface="Montserrat"/>
                 <a:sym typeface="Montserrat"/>
               </a:rPr>
-              <a:t>Prediction of Bitcoin prices can be a competitive advantage</a:t>
+              <a:t>Price fluctuation can be extremely unpredictable</a:t>
             </a:r>
-            <a:endParaRPr b="1" sz="1500">
+            <a:endParaRPr sz="1500">
               <a:latin typeface="Montserrat"/>
               <a:ea typeface="Montserrat"/>
               <a:cs typeface="Montserrat"/>
@@ -19047,7 +19475,7 @@
             </a:endParaRPr>
           </a:p>
           <a:p>
-            <a:pPr indent="-323850" lvl="1" marL="914400" rtl="0" algn="l">
+            <a:pPr indent="-323850" lvl="0" marL="457200" rtl="0" algn="l">
               <a:lnSpc>
                 <a:spcPct val="115000"/>
               </a:lnSpc>
@@ -19059,7 +19487,7 @@
               </a:spcAft>
               <a:buSzPts val="1500"/>
               <a:buFont typeface="Montserrat"/>
-              <a:buChar char="○"/>
+              <a:buChar char="●"/>
             </a:pPr>
             <a:r>
               <a:rPr lang="en" sz="1500">
@@ -19068,7 +19496,7 @@
                 <a:cs typeface="Montserrat"/>
                 <a:sym typeface="Montserrat"/>
               </a:rPr>
-              <a:t>Allowing people to know the right time to enter or exit the market</a:t>
+              <a:t>Prediction of Bitcoin prices can be a competitive advantage</a:t>
             </a:r>
             <a:endParaRPr sz="1500">
               <a:latin typeface="Montserrat"/>
@@ -19158,6 +19586,104 @@
           </a:ln>
         </p:spPr>
       </p:pic>
+    </p:spTree>
+  </p:cSld>
+  <p:clrMapOvr>
+    <a:masterClrMapping/>
+  </p:clrMapOvr>
+</p:sld>
+</file>
+
+<file path=ppt/slides/slide20.xml><?xml version="1.0" encoding="utf-8"?>
+<p:sld xmlns:a="http://schemas.openxmlformats.org/drawingml/2006/main" xmlns:r="http://schemas.openxmlformats.org/officeDocument/2006/relationships" xmlns:mc="http://schemas.openxmlformats.org/markup-compatibility/2006" xmlns:mv="urn:schemas-microsoft-com:mac:vml" xmlns:p="http://schemas.openxmlformats.org/presentationml/2006/main" xmlns:c="http://schemas.openxmlformats.org/drawingml/2006/chart" xmlns:dgm="http://schemas.openxmlformats.org/drawingml/2006/diagram" xmlns:o="urn:schemas-microsoft-com:office:office" xmlns:v="urn:schemas-microsoft-com:vml" xmlns:pvml="urn:schemas-microsoft-com:office:powerpoint" xmlns:com="http://schemas.openxmlformats.org/drawingml/2006/compatibility" xmlns:p14="http://schemas.microsoft.com/office/powerpoint/2010/main" xmlns:p15="http://schemas.microsoft.com/office/powerpoint/2012/main" xmlns:ahyp="http://schemas.microsoft.com/office/drawing/2018/hyperlinkcolor">
+  <p:cSld>
+    <p:bg>
+      <p:bgPr>
+        <a:solidFill>
+          <a:schemeClr val="dk1"/>
+        </a:solidFill>
+      </p:bgPr>
+    </p:bg>
+    <p:spTree>
+      <p:nvGrpSpPr>
+        <p:cNvPr id="281" name="Shape 281"/>
+        <p:cNvGrpSpPr/>
+        <p:nvPr/>
+      </p:nvGrpSpPr>
+      <p:grpSpPr>
+        <a:xfrm>
+          <a:off x="0" y="0"/>
+          <a:ext cx="0" cy="0"/>
+          <a:chOff x="0" y="0"/>
+          <a:chExt cx="0" cy="0"/>
+        </a:xfrm>
+      </p:grpSpPr>
+      <p:sp>
+        <p:nvSpPr>
+          <p:cNvPr id="282" name="Google Shape;282;g26e1760ff98_1_133"/>
+          <p:cNvSpPr txBox="1"/>
+          <p:nvPr/>
+        </p:nvSpPr>
+        <p:spPr>
+          <a:xfrm>
+            <a:off x="3040225" y="2075207"/>
+            <a:ext cx="4722000" cy="727500"/>
+          </a:xfrm>
+          <a:prstGeom prst="rect">
+            <a:avLst/>
+          </a:prstGeom>
+          <a:noFill/>
+          <a:ln>
+            <a:noFill/>
+          </a:ln>
+        </p:spPr>
+        <p:txBody>
+          <a:bodyPr anchorCtr="0" anchor="t" bIns="45700" lIns="91425" spcFirstLastPara="1" rIns="91425" wrap="square" tIns="45700">
+            <a:noAutofit/>
+          </a:bodyPr>
+          <a:lstStyle/>
+          <a:p>
+            <a:pPr indent="0" lvl="0" marL="0" marR="0" rtl="0" algn="l">
+              <a:lnSpc>
+                <a:spcPct val="100000"/>
+              </a:lnSpc>
+              <a:spcBef>
+                <a:spcPts val="0"/>
+              </a:spcBef>
+              <a:spcAft>
+                <a:spcPts val="0"/>
+              </a:spcAft>
+              <a:buClr>
+                <a:srgbClr val="000000"/>
+              </a:buClr>
+              <a:buSzPts val="3000"/>
+              <a:buFont typeface="Arial"/>
+              <a:buNone/>
+            </a:pPr>
+            <a:r>
+              <a:rPr b="1" i="0" lang="en" sz="3000" u="none" cap="none" strike="noStrike">
+                <a:solidFill>
+                  <a:srgbClr val="FFFFFF"/>
+                </a:solidFill>
+                <a:latin typeface="Roboto"/>
+                <a:ea typeface="Roboto"/>
+                <a:cs typeface="Roboto"/>
+                <a:sym typeface="Roboto"/>
+              </a:rPr>
+              <a:t>Thanks for the attention</a:t>
+            </a:r>
+            <a:endParaRPr b="0" i="0" sz="4300" u="none" cap="none" strike="noStrike">
+              <a:solidFill>
+                <a:srgbClr val="FFFFFF"/>
+              </a:solidFill>
+              <a:latin typeface="Roboto"/>
+              <a:ea typeface="Roboto"/>
+              <a:cs typeface="Roboto"/>
+              <a:sym typeface="Roboto"/>
+            </a:endParaRPr>
+          </a:p>
+        </p:txBody>
+      </p:sp>
     </p:spTree>
   </p:cSld>
   <p:clrMapOvr>
@@ -19527,15 +20053,24 @@
               <a:buChar char="●"/>
             </a:pPr>
             <a:r>
-              <a:rPr lang="en" sz="1500">
+              <a:rPr b="1" lang="en" sz="1500">
                 <a:latin typeface="Montserrat"/>
                 <a:ea typeface="Montserrat"/>
                 <a:cs typeface="Montserrat"/>
                 <a:sym typeface="Montserrat"/>
               </a:rPr>
-              <a:t>Collecting Bitcoin data using:</a:t>
+              <a:t>Collecting Bitcoin data using</a:t>
             </a:r>
-            <a:endParaRPr sz="1500">
+            <a:r>
+              <a:rPr b="1" lang="en" sz="1500">
+                <a:latin typeface="Montserrat"/>
+                <a:ea typeface="Montserrat"/>
+                <a:cs typeface="Montserrat"/>
+                <a:sym typeface="Montserrat"/>
+              </a:rPr>
+              <a:t>:</a:t>
+            </a:r>
+            <a:endParaRPr b="1" sz="1500">
               <a:latin typeface="Montserrat"/>
               <a:ea typeface="Montserrat"/>
               <a:cs typeface="Montserrat"/>
@@ -19572,7 +20107,16 @@
                 <a:cs typeface="Montserrat"/>
                 <a:sym typeface="Montserrat"/>
               </a:rPr>
-              <a:t> (blockchain data)</a:t>
+              <a:t> </a:t>
+            </a:r>
+            <a:r>
+              <a:rPr lang="en" sz="1500">
+                <a:latin typeface="Montserrat"/>
+                <a:ea typeface="Montserrat"/>
+                <a:cs typeface="Montserrat"/>
+                <a:sym typeface="Montserrat"/>
+              </a:rPr>
+              <a:t>(for blockchain data)</a:t>
             </a:r>
             <a:endParaRPr sz="1500">
               <a:latin typeface="Montserrat"/>
@@ -19602,7 +20146,7 @@
                 <a:cs typeface="Montserrat"/>
                 <a:sym typeface="Montserrat"/>
               </a:rPr>
-              <a:t>Binance and Kraken</a:t>
+              <a:t>Binance</a:t>
             </a:r>
             <a:r>
               <a:rPr lang="en" sz="1500">
@@ -19611,7 +20155,66 @@
                 <a:cs typeface="Montserrat"/>
                 <a:sym typeface="Montserrat"/>
               </a:rPr>
-              <a:t> (price information)</a:t>
+              <a:t> and </a:t>
+            </a:r>
+            <a:r>
+              <a:rPr b="1" lang="en" sz="1500">
+                <a:latin typeface="Montserrat"/>
+                <a:ea typeface="Montserrat"/>
+                <a:cs typeface="Montserrat"/>
+                <a:sym typeface="Montserrat"/>
+              </a:rPr>
+              <a:t>Kraken</a:t>
+            </a:r>
+            <a:r>
+              <a:rPr lang="en" sz="1500">
+                <a:latin typeface="Montserrat"/>
+                <a:ea typeface="Montserrat"/>
+                <a:cs typeface="Montserrat"/>
+                <a:sym typeface="Montserrat"/>
+              </a:rPr>
+              <a:t> exchanges</a:t>
+            </a:r>
+            <a:r>
+              <a:rPr b="1" lang="en" sz="1500">
+                <a:latin typeface="Montserrat"/>
+                <a:ea typeface="Montserrat"/>
+                <a:cs typeface="Montserrat"/>
+                <a:sym typeface="Montserrat"/>
+              </a:rPr>
+              <a:t> </a:t>
+            </a:r>
+            <a:r>
+              <a:rPr lang="en" sz="1500">
+                <a:latin typeface="Montserrat"/>
+                <a:ea typeface="Montserrat"/>
+                <a:cs typeface="Montserrat"/>
+                <a:sym typeface="Montserrat"/>
+              </a:rPr>
+              <a:t>(for price information)</a:t>
+            </a:r>
+            <a:endParaRPr sz="1500">
+              <a:latin typeface="Montserrat"/>
+              <a:ea typeface="Montserrat"/>
+              <a:cs typeface="Montserrat"/>
+              <a:sym typeface="Montserrat"/>
+            </a:endParaRPr>
+          </a:p>
+          <a:p>
+            <a:pPr indent="0" lvl="0" marL="914400" rtl="0" algn="l">
+              <a:lnSpc>
+                <a:spcPct val="115000"/>
+              </a:lnSpc>
+              <a:spcBef>
+                <a:spcPts val="0"/>
+              </a:spcBef>
+              <a:spcAft>
+                <a:spcPts val="0"/>
+              </a:spcAft>
+              <a:buNone/>
+            </a:pPr>
+            <a:r>
+              <a:t/>
             </a:r>
             <a:endParaRPr sz="1500">
               <a:latin typeface="Montserrat"/>
@@ -19641,67 +20244,7 @@
                 <a:cs typeface="Montserrat"/>
                 <a:sym typeface="Montserrat"/>
               </a:rPr>
-              <a:t>Retrieving the most relevant information from the last four years to the present day </a:t>
-            </a:r>
-            <a:endParaRPr sz="1500">
-              <a:latin typeface="Montserrat"/>
-              <a:ea typeface="Montserrat"/>
-              <a:cs typeface="Montserrat"/>
-              <a:sym typeface="Montserrat"/>
-            </a:endParaRPr>
-          </a:p>
-          <a:p>
-            <a:pPr indent="-323850" lvl="1" marL="914400" rtl="0" algn="l">
-              <a:lnSpc>
-                <a:spcPct val="115000"/>
-              </a:lnSpc>
-              <a:spcBef>
-                <a:spcPts val="0"/>
-              </a:spcBef>
-              <a:spcAft>
-                <a:spcPts val="0"/>
-              </a:spcAft>
-              <a:buSzPts val="1500"/>
-              <a:buChar char="○"/>
-            </a:pPr>
-            <a:r>
-              <a:rPr lang="en" sz="1500">
-                <a:latin typeface="Montserrat"/>
-                <a:ea typeface="Montserrat"/>
-                <a:cs typeface="Montserrat"/>
-                <a:sym typeface="Montserrat"/>
-              </a:rPr>
-              <a:t>Period for which there were moments of high volatility but also a lot of price lateralization)</a:t>
-            </a:r>
-            <a:endParaRPr sz="1500">
-              <a:latin typeface="Montserrat"/>
-              <a:ea typeface="Montserrat"/>
-              <a:cs typeface="Montserrat"/>
-              <a:sym typeface="Montserrat"/>
-            </a:endParaRPr>
-          </a:p>
-          <a:p>
-            <a:pPr indent="-323850" lvl="0" marL="457200" rtl="0" algn="l">
-              <a:lnSpc>
-                <a:spcPct val="115000"/>
-              </a:lnSpc>
-              <a:spcBef>
-                <a:spcPts val="0"/>
-              </a:spcBef>
-              <a:spcAft>
-                <a:spcPts val="0"/>
-              </a:spcAft>
-              <a:buSzPts val="1500"/>
-              <a:buChar char="●"/>
-            </a:pPr>
-            <a:r>
-              <a:rPr lang="en" sz="1500">
-                <a:latin typeface="Montserrat"/>
-                <a:ea typeface="Montserrat"/>
-                <a:cs typeface="Montserrat"/>
-                <a:sym typeface="Montserrat"/>
-              </a:rPr>
-              <a:t>The procedure has been automated in such a way that the same period is always considered</a:t>
+              <a:t>Retrieving the most relevant information from the last four years to current days</a:t>
             </a:r>
             <a:endParaRPr sz="1500">
               <a:latin typeface="Montserrat"/>
@@ -19760,6 +20303,34 @@
           </a:p>
         </p:txBody>
       </p:sp>
+      <p:pic>
+        <p:nvPicPr>
+          <p:cNvPr id="156" name="Google Shape;156;g26e1760ff98_1_7"/>
+          <p:cNvPicPr preferRelativeResize="0"/>
+          <p:nvPr/>
+        </p:nvPicPr>
+        <p:blipFill>
+          <a:blip r:embed="rId3">
+            <a:alphaModFix/>
+          </a:blip>
+          <a:stretch>
+            <a:fillRect/>
+          </a:stretch>
+        </p:blipFill>
+        <p:spPr>
+          <a:xfrm>
+            <a:off x="210275" y="2699600"/>
+            <a:ext cx="8723451" cy="1793250"/>
+          </a:xfrm>
+          <a:prstGeom prst="rect">
+            <a:avLst/>
+          </a:prstGeom>
+          <a:noFill/>
+          <a:ln>
+            <a:noFill/>
+          </a:ln>
+        </p:spPr>
+      </p:pic>
     </p:spTree>
   </p:cSld>
   <p:clrMapOvr>
@@ -19773,7 +20344,7 @@
   <p:cSld>
     <p:spTree>
       <p:nvGrpSpPr>
-        <p:cNvPr id="159" name="Shape 159"/>
+        <p:cNvPr id="160" name="Shape 160"/>
         <p:cNvGrpSpPr/>
         <p:nvPr/>
       </p:nvGrpSpPr>
@@ -19787,7 +20358,7 @@
       </p:grpSpPr>
       <p:sp>
         <p:nvSpPr>
-          <p:cNvPr id="160" name="Google Shape;160;g2a0c6f9b0a2_0_22"/>
+          <p:cNvPr id="161" name="Google Shape;161;g2a0c6f9b0a2_0_22"/>
           <p:cNvSpPr txBox="1"/>
           <p:nvPr>
             <p:ph idx="4294967295" type="title"/>
@@ -19835,7 +20406,7 @@
       </p:sp>
       <p:sp>
         <p:nvSpPr>
-          <p:cNvPr id="161" name="Google Shape;161;g2a0c6f9b0a2_0_22"/>
+          <p:cNvPr id="162" name="Google Shape;162;g2a0c6f9b0a2_0_22"/>
           <p:cNvSpPr txBox="1"/>
           <p:nvPr>
             <p:ph idx="4294967295" type="body"/>
@@ -19874,7 +20445,7 @@
               <a:buChar char="●"/>
             </a:pPr>
             <a:r>
-              <a:rPr lang="en" sz="1500">
+              <a:rPr b="1" lang="en" sz="1500">
                 <a:latin typeface="Montserrat"/>
                 <a:ea typeface="Montserrat"/>
                 <a:cs typeface="Montserrat"/>
@@ -19882,7 +20453,7 @@
               </a:rPr>
               <a:t>Divided into several categories:  	</a:t>
             </a:r>
-            <a:endParaRPr sz="1500">
+            <a:endParaRPr b="1" sz="1500">
               <a:latin typeface="Montserrat"/>
               <a:ea typeface="Montserrat"/>
               <a:cs typeface="Montserrat"/>
@@ -19919,7 +20490,7 @@
                 <a:cs typeface="Montserrat"/>
                 <a:sym typeface="Montserrat"/>
               </a:rPr>
-              <a:t> stands for “Open, High, Low, Close and Volume” and it's a list of the five types of data that are most common in financial analysis regarding price</a:t>
+              <a:t> aka. “Open, High, Low, Close and Volume” </a:t>
             </a:r>
             <a:endParaRPr sz="1500">
               <a:latin typeface="Montserrat"/>
@@ -19958,7 +20529,7 @@
                 <a:cs typeface="Montserrat"/>
                 <a:sym typeface="Montserrat"/>
               </a:rPr>
-              <a:t> describes its price trend (e.g. market price, number of bitcoins in circulation...)</a:t>
+              <a:t> e.g. market price, number of bitcoins in circulation...</a:t>
             </a:r>
             <a:endParaRPr sz="1500">
               <a:latin typeface="Montserrat"/>
@@ -19997,7 +20568,7 @@
                 <a:cs typeface="Montserrat"/>
                 <a:sym typeface="Montserrat"/>
               </a:rPr>
-              <a:t> describes the technical characteristics of its blockchain (e.g. block size, number of transactions...)</a:t>
+              <a:t> e.g. block size, number of transactions...</a:t>
             </a:r>
             <a:endParaRPr sz="1500">
               <a:latin typeface="Montserrat"/>
@@ -20036,7 +20607,7 @@
                 <a:cs typeface="Montserrat"/>
                 <a:sym typeface="Montserrat"/>
               </a:rPr>
-              <a:t> describes the characteristics of the consensus mode “Pow” (e.g. miners revenue, difficulty...)</a:t>
+              <a:t> e.g. miners revenue, difficulty...</a:t>
             </a:r>
             <a:endParaRPr sz="1500">
               <a:latin typeface="Montserrat"/>
@@ -20075,7 +20646,7 @@
                 <a:cs typeface="Montserrat"/>
                 <a:sym typeface="Montserrat"/>
               </a:rPr>
-              <a:t> describes the actual use of Bitcoin as a method of exchange of value (e.g. number of transactions made, cost per transaction...)</a:t>
+              <a:t> e.g. number of transactions made, cost per transaction...</a:t>
             </a:r>
             <a:endParaRPr sz="1500">
               <a:latin typeface="Montserrat"/>
@@ -20088,7 +20659,7 @@
       </p:sp>
       <p:sp>
         <p:nvSpPr>
-          <p:cNvPr id="162" name="Google Shape;162;g2a0c6f9b0a2_0_22"/>
+          <p:cNvPr id="163" name="Google Shape;163;g2a0c6f9b0a2_0_22"/>
           <p:cNvSpPr txBox="1"/>
           <p:nvPr>
             <p:ph idx="12" type="sldNum"/>
@@ -20147,7 +20718,7 @@
   <p:cSld>
     <p:spTree>
       <p:nvGrpSpPr>
-        <p:cNvPr id="166" name="Shape 166"/>
+        <p:cNvPr id="167" name="Shape 167"/>
         <p:cNvGrpSpPr/>
         <p:nvPr/>
       </p:nvGrpSpPr>
@@ -20161,7 +20732,7 @@
       </p:grpSpPr>
       <p:sp>
         <p:nvSpPr>
-          <p:cNvPr id="167" name="Google Shape;167;g26e1760ff98_1_46"/>
+          <p:cNvPr id="168" name="Google Shape;168;g26e1760ff98_1_46"/>
           <p:cNvSpPr txBox="1"/>
           <p:nvPr>
             <p:ph idx="4294967295" type="title"/>
@@ -20209,7 +20780,7 @@
       </p:sp>
       <p:sp>
         <p:nvSpPr>
-          <p:cNvPr id="168" name="Google Shape;168;g26e1760ff98_1_46"/>
+          <p:cNvPr id="169" name="Google Shape;169;g26e1760ff98_1_46"/>
           <p:cNvSpPr txBox="1"/>
           <p:nvPr>
             <p:ph idx="4294967295" type="body"/>
@@ -20248,7 +20819,7 @@
               <a:buChar char="●"/>
             </a:pPr>
             <a:r>
-              <a:rPr lang="en" sz="1500">
+              <a:rPr b="1" lang="en" sz="1500">
                 <a:latin typeface="Montserrat"/>
                 <a:ea typeface="Montserrat"/>
                 <a:cs typeface="Montserrat"/>
@@ -20256,7 +20827,7 @@
               </a:rPr>
               <a:t>Project structure:</a:t>
             </a:r>
-            <a:endParaRPr sz="1500">
+            <a:endParaRPr b="1" sz="1500">
               <a:latin typeface="Montserrat"/>
               <a:ea typeface="Montserrat"/>
               <a:cs typeface="Montserrat"/>
@@ -20285,7 +20856,16 @@
                 <a:cs typeface="Montserrat"/>
                 <a:sym typeface="Montserrat"/>
               </a:rPr>
-              <a:t>Data crawling / Feature engineering: </a:t>
+              <a:t>Data crawling / Feature engineering:</a:t>
+            </a:r>
+            <a:r>
+              <a:rPr b="1" lang="en" sz="1500">
+                <a:latin typeface="Montserrat"/>
+                <a:ea typeface="Montserrat"/>
+                <a:cs typeface="Montserrat"/>
+                <a:sym typeface="Montserrat"/>
+              </a:rPr>
+              <a:t> </a:t>
             </a:r>
             <a:r>
               <a:rPr lang="en" sz="1500">
@@ -20294,7 +20874,16 @@
                 <a:cs typeface="Montserrat"/>
                 <a:sym typeface="Montserrat"/>
               </a:rPr>
-              <a:t>Bitcoin data retrieval via APIs call and manipulation, visualization and feature extraction</a:t>
+              <a:t>d</a:t>
+            </a:r>
+            <a:r>
+              <a:rPr lang="en" sz="1500">
+                <a:latin typeface="Montserrat"/>
+                <a:ea typeface="Montserrat"/>
+                <a:cs typeface="Montserrat"/>
+                <a:sym typeface="Montserrat"/>
+              </a:rPr>
+              <a:t>ata retrieval and feature extraction</a:t>
             </a:r>
             <a:endParaRPr sz="1500">
               <a:latin typeface="Montserrat"/>
@@ -20334,7 +20923,7 @@
                 <a:cs typeface="Montserrat"/>
                 <a:sym typeface="Montserrat"/>
               </a:rPr>
-              <a:t> performed with hyperparameter tuning and cross validation based on different methods of splitting the dataset</a:t>
+              <a:t> with hyperparameter tuning and cross validation (with different methods of splitting)</a:t>
             </a:r>
             <a:endParaRPr sz="1500">
               <a:latin typeface="Montserrat"/>
@@ -20374,7 +20963,16 @@
                 <a:cs typeface="Montserrat"/>
                 <a:sym typeface="Montserrat"/>
               </a:rPr>
-              <a:t> testing the final models and compare the results</a:t>
+              <a:t> comparing </a:t>
+            </a:r>
+            <a:r>
+              <a:rPr lang="en" sz="1500">
+                <a:latin typeface="Montserrat"/>
+                <a:ea typeface="Montserrat"/>
+                <a:cs typeface="Montserrat"/>
+                <a:sym typeface="Montserrat"/>
+              </a:rPr>
+              <a:t>the results</a:t>
             </a:r>
             <a:endParaRPr b="1" sz="1500">
               <a:latin typeface="Montserrat"/>
@@ -20387,7 +20985,7 @@
       </p:sp>
       <p:sp>
         <p:nvSpPr>
-          <p:cNvPr id="169" name="Google Shape;169;g26e1760ff98_1_46"/>
+          <p:cNvPr id="170" name="Google Shape;170;g26e1760ff98_1_46"/>
           <p:cNvSpPr txBox="1"/>
           <p:nvPr>
             <p:ph idx="12" type="sldNum"/>
@@ -20435,7 +21033,7 @@
       </p:sp>
       <p:sp>
         <p:nvSpPr>
-          <p:cNvPr id="170" name="Google Shape;170;g26e1760ff98_1_46"/>
+          <p:cNvPr id="171" name="Google Shape;171;g26e1760ff98_1_46"/>
           <p:cNvSpPr txBox="1"/>
           <p:nvPr/>
         </p:nvSpPr>
@@ -20525,7 +21123,7 @@
       </p:sp>
       <p:pic>
         <p:nvPicPr>
-          <p:cNvPr id="171" name="Google Shape;171;g26e1760ff98_1_46"/>
+          <p:cNvPr id="172" name="Google Shape;172;g26e1760ff98_1_46"/>
           <p:cNvPicPr preferRelativeResize="0"/>
           <p:nvPr/>
         </p:nvPicPr>
@@ -20563,7 +21161,7 @@
   <p:cSld>
     <p:spTree>
       <p:nvGrpSpPr>
-        <p:cNvPr id="175" name="Shape 175"/>
+        <p:cNvPr id="176" name="Shape 176"/>
         <p:cNvGrpSpPr/>
         <p:nvPr/>
       </p:nvGrpSpPr>
@@ -20577,7 +21175,7 @@
       </p:grpSpPr>
       <p:sp>
         <p:nvSpPr>
-          <p:cNvPr id="176" name="Google Shape;176;g26e1760ff98_1_59"/>
+          <p:cNvPr id="177" name="Google Shape;177;g26e1760ff98_1_59"/>
           <p:cNvSpPr txBox="1"/>
           <p:nvPr>
             <p:ph idx="4294967295" type="title"/>
@@ -20625,7 +21223,632 @@
       </p:sp>
       <p:sp>
         <p:nvSpPr>
-          <p:cNvPr id="177" name="Google Shape;177;g26e1760ff98_1_59"/>
+          <p:cNvPr id="178" name="Google Shape;178;g26e1760ff98_1_59"/>
+          <p:cNvSpPr txBox="1"/>
+          <p:nvPr>
+            <p:ph idx="4294967295" type="body"/>
+          </p:nvPr>
+        </p:nvSpPr>
+        <p:spPr>
+          <a:xfrm>
+            <a:off x="311700" y="945300"/>
+            <a:ext cx="8632800" cy="3849900"/>
+          </a:xfrm>
+          <a:prstGeom prst="rect">
+            <a:avLst/>
+          </a:prstGeom>
+          <a:noFill/>
+          <a:ln>
+            <a:noFill/>
+          </a:ln>
+        </p:spPr>
+        <p:txBody>
+          <a:bodyPr anchorCtr="0" anchor="t" bIns="91425" lIns="91425" spcFirstLastPara="1" rIns="91425" wrap="square" tIns="91425">
+            <a:noAutofit/>
+          </a:bodyPr>
+          <a:lstStyle/>
+          <a:p>
+            <a:pPr indent="-323850" lvl="0" marL="457200" rtl="0" algn="l">
+              <a:lnSpc>
+                <a:spcPct val="115000"/>
+              </a:lnSpc>
+              <a:spcBef>
+                <a:spcPts val="0"/>
+              </a:spcBef>
+              <a:spcAft>
+                <a:spcPts val="0"/>
+              </a:spcAft>
+              <a:buSzPts val="1500"/>
+              <a:buChar char="●"/>
+            </a:pPr>
+            <a:r>
+              <a:rPr lang="en" sz="1500">
+                <a:latin typeface="Montserrat"/>
+                <a:ea typeface="Montserrat"/>
+                <a:cs typeface="Montserrat"/>
+                <a:sym typeface="Montserrat"/>
+              </a:rPr>
+              <a:t>Obtaining technical and </a:t>
+            </a:r>
+            <a:r>
+              <a:rPr lang="en" sz="1500">
+                <a:latin typeface="Montserrat"/>
+                <a:ea typeface="Montserrat"/>
+                <a:cs typeface="Montserrat"/>
+                <a:sym typeface="Montserrat"/>
+              </a:rPr>
+              <a:t>price data about Bitcoin</a:t>
+            </a:r>
+            <a:endParaRPr sz="1500">
+              <a:latin typeface="Montserrat"/>
+              <a:ea typeface="Montserrat"/>
+              <a:cs typeface="Montserrat"/>
+              <a:sym typeface="Montserrat"/>
+            </a:endParaRPr>
+          </a:p>
+          <a:p>
+            <a:pPr indent="-323850" lvl="0" marL="457200" rtl="0" algn="l">
+              <a:lnSpc>
+                <a:spcPct val="115000"/>
+              </a:lnSpc>
+              <a:spcBef>
+                <a:spcPts val="0"/>
+              </a:spcBef>
+              <a:spcAft>
+                <a:spcPts val="0"/>
+              </a:spcAft>
+              <a:buSzPts val="1500"/>
+              <a:buChar char="●"/>
+            </a:pPr>
+            <a:r>
+              <a:rPr b="1" lang="en" sz="1500">
+                <a:latin typeface="Montserrat"/>
+                <a:ea typeface="Montserrat"/>
+                <a:cs typeface="Montserrat"/>
+                <a:sym typeface="Montserrat"/>
+              </a:rPr>
+              <a:t>Adding other features:</a:t>
+            </a:r>
+            <a:endParaRPr b="1" sz="1500">
+              <a:latin typeface="Montserrat"/>
+              <a:ea typeface="Montserrat"/>
+              <a:cs typeface="Montserrat"/>
+              <a:sym typeface="Montserrat"/>
+            </a:endParaRPr>
+          </a:p>
+          <a:p>
+            <a:pPr indent="-323850" lvl="1" marL="914400" rtl="0" algn="l">
+              <a:lnSpc>
+                <a:spcPct val="115000"/>
+              </a:lnSpc>
+              <a:spcBef>
+                <a:spcPts val="0"/>
+              </a:spcBef>
+              <a:spcAft>
+                <a:spcPts val="0"/>
+              </a:spcAft>
+              <a:buSzPts val="1500"/>
+              <a:buChar char="○"/>
+            </a:pPr>
+            <a:r>
+              <a:rPr b="1" lang="en" sz="1500">
+                <a:latin typeface="Montserrat"/>
+                <a:ea typeface="Montserrat"/>
+                <a:cs typeface="Montserrat"/>
+                <a:sym typeface="Montserrat"/>
+              </a:rPr>
+              <a:t>next-market-price:</a:t>
+            </a:r>
+            <a:r>
+              <a:rPr lang="en" sz="1500">
+                <a:latin typeface="Montserrat"/>
+                <a:ea typeface="Montserrat"/>
+                <a:cs typeface="Montserrat"/>
+                <a:sym typeface="Montserrat"/>
+              </a:rPr>
+              <a:t> </a:t>
+            </a:r>
+            <a:r>
+              <a:rPr lang="en" sz="1500">
+                <a:latin typeface="Montserrat"/>
+                <a:ea typeface="Montserrat"/>
+                <a:cs typeface="Montserrat"/>
+                <a:sym typeface="Montserrat"/>
+              </a:rPr>
+              <a:t>next-day Bitcoin price </a:t>
+            </a:r>
+            <a:r>
+              <a:rPr lang="en" sz="1500">
+                <a:latin typeface="Montserrat"/>
+                <a:ea typeface="Montserrat"/>
+                <a:cs typeface="Montserrat"/>
+                <a:sym typeface="Montserrat"/>
+              </a:rPr>
+              <a:t>(will be the </a:t>
+            </a:r>
+            <a:r>
+              <a:rPr b="1" lang="en" sz="1500">
+                <a:latin typeface="Montserrat"/>
+                <a:ea typeface="Montserrat"/>
+                <a:cs typeface="Montserrat"/>
+                <a:sym typeface="Montserrat"/>
+              </a:rPr>
+              <a:t>target variable</a:t>
+            </a:r>
+            <a:r>
+              <a:rPr lang="en" sz="1500">
+                <a:latin typeface="Montserrat"/>
+                <a:ea typeface="Montserrat"/>
+                <a:cs typeface="Montserrat"/>
+                <a:sym typeface="Montserrat"/>
+              </a:rPr>
+              <a:t>)</a:t>
+            </a:r>
+            <a:endParaRPr sz="1500">
+              <a:latin typeface="Montserrat"/>
+              <a:ea typeface="Montserrat"/>
+              <a:cs typeface="Montserrat"/>
+              <a:sym typeface="Montserrat"/>
+            </a:endParaRPr>
+          </a:p>
+          <a:p>
+            <a:pPr indent="-323850" lvl="1" marL="914400" rtl="0" algn="l">
+              <a:lnSpc>
+                <a:spcPct val="115000"/>
+              </a:lnSpc>
+              <a:spcBef>
+                <a:spcPts val="0"/>
+              </a:spcBef>
+              <a:spcAft>
+                <a:spcPts val="0"/>
+              </a:spcAft>
+              <a:buSzPts val="1500"/>
+              <a:buChar char="○"/>
+            </a:pPr>
+            <a:r>
+              <a:rPr b="1" lang="en" sz="1500">
+                <a:latin typeface="Montserrat"/>
+                <a:ea typeface="Montserrat"/>
+                <a:cs typeface="Montserrat"/>
+                <a:sym typeface="Montserrat"/>
+              </a:rPr>
+              <a:t>sma-x-days:</a:t>
+            </a:r>
+            <a:r>
+              <a:rPr lang="en" sz="1500">
+                <a:latin typeface="Montserrat"/>
+                <a:ea typeface="Montserrat"/>
+                <a:cs typeface="Montserrat"/>
+                <a:sym typeface="Montserrat"/>
+              </a:rPr>
+              <a:t> average price (usually 5, 7, 10, 20, 50 and 100 days)</a:t>
+            </a:r>
+            <a:endParaRPr sz="1500">
+              <a:latin typeface="Montserrat"/>
+              <a:ea typeface="Montserrat"/>
+              <a:cs typeface="Montserrat"/>
+              <a:sym typeface="Montserrat"/>
+            </a:endParaRPr>
+          </a:p>
+          <a:p>
+            <a:pPr indent="0" lvl="0" marL="914400" rtl="0" algn="l">
+              <a:lnSpc>
+                <a:spcPct val="115000"/>
+              </a:lnSpc>
+              <a:spcBef>
+                <a:spcPts val="0"/>
+              </a:spcBef>
+              <a:spcAft>
+                <a:spcPts val="0"/>
+              </a:spcAft>
+              <a:buNone/>
+            </a:pPr>
+            <a:r>
+              <a:t/>
+            </a:r>
+            <a:endParaRPr sz="1500">
+              <a:latin typeface="Montserrat"/>
+              <a:ea typeface="Montserrat"/>
+              <a:cs typeface="Montserrat"/>
+              <a:sym typeface="Montserrat"/>
+            </a:endParaRPr>
+          </a:p>
+          <a:p>
+            <a:pPr indent="-323850" lvl="0" marL="457200" rtl="0" algn="l">
+              <a:lnSpc>
+                <a:spcPct val="115000"/>
+              </a:lnSpc>
+              <a:spcBef>
+                <a:spcPts val="0"/>
+              </a:spcBef>
+              <a:spcAft>
+                <a:spcPts val="0"/>
+              </a:spcAft>
+              <a:buSzPts val="1500"/>
+              <a:buChar char="●"/>
+            </a:pPr>
+            <a:r>
+              <a:rPr b="1" lang="en" sz="1500">
+                <a:latin typeface="Montserrat"/>
+                <a:ea typeface="Montserrat"/>
+                <a:cs typeface="Montserrat"/>
+                <a:sym typeface="Montserrat"/>
+              </a:rPr>
+              <a:t>Overall features divided into two distinct groups:</a:t>
+            </a:r>
+            <a:endParaRPr b="1" sz="1500">
+              <a:latin typeface="Montserrat"/>
+              <a:ea typeface="Montserrat"/>
+              <a:cs typeface="Montserrat"/>
+              <a:sym typeface="Montserrat"/>
+            </a:endParaRPr>
+          </a:p>
+          <a:p>
+            <a:pPr indent="-323850" lvl="1" marL="914400" rtl="0" algn="l">
+              <a:lnSpc>
+                <a:spcPct val="115000"/>
+              </a:lnSpc>
+              <a:spcBef>
+                <a:spcPts val="0"/>
+              </a:spcBef>
+              <a:spcAft>
+                <a:spcPts val="0"/>
+              </a:spcAft>
+              <a:buSzPts val="1500"/>
+              <a:buChar char="○"/>
+            </a:pPr>
+            <a:r>
+              <a:rPr b="1" lang="en" sz="1500">
+                <a:latin typeface="Montserrat"/>
+                <a:ea typeface="Montserrat"/>
+                <a:cs typeface="Montserrat"/>
+                <a:sym typeface="Montserrat"/>
+              </a:rPr>
+              <a:t>Base features:</a:t>
+            </a:r>
+            <a:r>
+              <a:rPr lang="en" sz="1500">
+                <a:latin typeface="Montserrat"/>
+                <a:ea typeface="Montserrat"/>
+                <a:cs typeface="Montserrat"/>
+                <a:sym typeface="Montserrat"/>
+              </a:rPr>
+              <a:t> currency statistics features</a:t>
+            </a:r>
+            <a:endParaRPr sz="1500">
+              <a:latin typeface="Montserrat"/>
+              <a:ea typeface="Montserrat"/>
+              <a:cs typeface="Montserrat"/>
+              <a:sym typeface="Montserrat"/>
+            </a:endParaRPr>
+          </a:p>
+          <a:p>
+            <a:pPr indent="-323850" lvl="1" marL="914400" rtl="0" algn="l">
+              <a:lnSpc>
+                <a:spcPct val="115000"/>
+              </a:lnSpc>
+              <a:spcBef>
+                <a:spcPts val="0"/>
+              </a:spcBef>
+              <a:spcAft>
+                <a:spcPts val="0"/>
+              </a:spcAft>
+              <a:buSzPts val="1500"/>
+              <a:buChar char="○"/>
+            </a:pPr>
+            <a:r>
+              <a:rPr b="1" lang="en" sz="1500">
+                <a:latin typeface="Montserrat"/>
+                <a:ea typeface="Montserrat"/>
+                <a:cs typeface="Montserrat"/>
+                <a:sym typeface="Montserrat"/>
+              </a:rPr>
+              <a:t>Base and additional features:</a:t>
+            </a:r>
+            <a:r>
+              <a:rPr lang="en" sz="1500">
+                <a:latin typeface="Montserrat"/>
+                <a:ea typeface="Montserrat"/>
+                <a:cs typeface="Montserrat"/>
+                <a:sym typeface="Montserrat"/>
+              </a:rPr>
+              <a:t> </a:t>
+            </a:r>
+            <a:r>
+              <a:rPr lang="en" sz="1500">
+                <a:latin typeface="Montserrat"/>
+                <a:ea typeface="Montserrat"/>
+                <a:cs typeface="Montserrat"/>
+                <a:sym typeface="Montserrat"/>
+              </a:rPr>
+              <a:t>b</a:t>
+            </a:r>
+            <a:r>
+              <a:rPr lang="en" sz="1500">
+                <a:latin typeface="Montserrat"/>
+                <a:ea typeface="Montserrat"/>
+                <a:cs typeface="Montserrat"/>
+                <a:sym typeface="Montserrat"/>
+              </a:rPr>
+              <a:t>ase features</a:t>
+            </a:r>
+            <a:r>
+              <a:rPr lang="en" sz="1500">
+                <a:latin typeface="Montserrat"/>
+                <a:ea typeface="Montserrat"/>
+                <a:cs typeface="Montserrat"/>
+                <a:sym typeface="Montserrat"/>
+              </a:rPr>
+              <a:t> + </a:t>
+            </a:r>
+            <a:r>
+              <a:rPr lang="en" sz="1500">
+                <a:latin typeface="Montserrat"/>
+                <a:ea typeface="Montserrat"/>
+                <a:cs typeface="Montserrat"/>
+                <a:sym typeface="Montserrat"/>
+              </a:rPr>
+              <a:t>additional features</a:t>
+            </a:r>
+            <a:r>
+              <a:rPr lang="en" sz="1500">
+                <a:latin typeface="Montserrat"/>
+                <a:ea typeface="Montserrat"/>
+                <a:cs typeface="Montserrat"/>
+                <a:sym typeface="Montserrat"/>
+              </a:rPr>
+              <a:t> </a:t>
+            </a:r>
+            <a:endParaRPr sz="1500">
+              <a:latin typeface="Montserrat"/>
+              <a:ea typeface="Montserrat"/>
+              <a:cs typeface="Montserrat"/>
+              <a:sym typeface="Montserrat"/>
+            </a:endParaRPr>
+          </a:p>
+          <a:p>
+            <a:pPr indent="-323850" lvl="2" marL="1371600" rtl="0" algn="l">
+              <a:lnSpc>
+                <a:spcPct val="115000"/>
+              </a:lnSpc>
+              <a:spcBef>
+                <a:spcPts val="0"/>
+              </a:spcBef>
+              <a:spcAft>
+                <a:spcPts val="0"/>
+              </a:spcAft>
+              <a:buSzPts val="1500"/>
+              <a:buChar char="■"/>
+            </a:pPr>
+            <a:r>
+              <a:rPr lang="en" sz="1500">
+                <a:latin typeface="Montserrat"/>
+                <a:ea typeface="Montserrat"/>
+                <a:cs typeface="Montserrat"/>
+                <a:sym typeface="Montserrat"/>
+              </a:rPr>
+              <a:t>Select according to</a:t>
+            </a:r>
+            <a:r>
+              <a:rPr lang="en" sz="1500">
+                <a:latin typeface="Montserrat"/>
+                <a:ea typeface="Montserrat"/>
+                <a:cs typeface="Montserrat"/>
+                <a:sym typeface="Montserrat"/>
+              </a:rPr>
+              <a:t> their correlation with the price:</a:t>
+            </a:r>
+            <a:endParaRPr sz="1500">
+              <a:latin typeface="Montserrat"/>
+              <a:ea typeface="Montserrat"/>
+              <a:cs typeface="Montserrat"/>
+              <a:sym typeface="Montserrat"/>
+            </a:endParaRPr>
+          </a:p>
+          <a:p>
+            <a:pPr indent="-323850" lvl="3" marL="1828800" rtl="0" algn="l">
+              <a:lnSpc>
+                <a:spcPct val="115000"/>
+              </a:lnSpc>
+              <a:spcBef>
+                <a:spcPts val="0"/>
+              </a:spcBef>
+              <a:spcAft>
+                <a:spcPts val="0"/>
+              </a:spcAft>
+              <a:buSzPts val="1500"/>
+              <a:buChar char="●"/>
+            </a:pPr>
+            <a:r>
+              <a:rPr lang="en" sz="1500">
+                <a:latin typeface="Montserrat"/>
+                <a:ea typeface="Montserrat"/>
+                <a:cs typeface="Montserrat"/>
+                <a:sym typeface="Montserrat"/>
+              </a:rPr>
+              <a:t>If &gt;= 0.6 -&gt; </a:t>
+            </a:r>
+            <a:r>
+              <a:rPr b="1" lang="en" sz="1500">
+                <a:latin typeface="Montserrat"/>
+                <a:ea typeface="Montserrat"/>
+                <a:cs typeface="Montserrat"/>
+                <a:sym typeface="Montserrat"/>
+              </a:rPr>
+              <a:t>most correlated</a:t>
+            </a:r>
+            <a:endParaRPr b="1" sz="1500">
+              <a:latin typeface="Montserrat"/>
+              <a:ea typeface="Montserrat"/>
+              <a:cs typeface="Montserrat"/>
+              <a:sym typeface="Montserrat"/>
+            </a:endParaRPr>
+          </a:p>
+          <a:p>
+            <a:pPr indent="-323850" lvl="3" marL="1828800" rtl="0" algn="l">
+              <a:lnSpc>
+                <a:spcPct val="115000"/>
+              </a:lnSpc>
+              <a:spcBef>
+                <a:spcPts val="0"/>
+              </a:spcBef>
+              <a:spcAft>
+                <a:spcPts val="0"/>
+              </a:spcAft>
+              <a:buSzPts val="1500"/>
+              <a:buChar char="●"/>
+            </a:pPr>
+            <a:r>
+              <a:rPr lang="en" sz="1500">
+                <a:latin typeface="Montserrat"/>
+                <a:ea typeface="Montserrat"/>
+                <a:cs typeface="Montserrat"/>
+                <a:sym typeface="Montserrat"/>
+              </a:rPr>
+              <a:t>If &lt; 0.6 -&gt;  </a:t>
+            </a:r>
+            <a:r>
+              <a:rPr b="1" lang="en" sz="1500">
+                <a:latin typeface="Montserrat"/>
+                <a:ea typeface="Montserrat"/>
+                <a:cs typeface="Montserrat"/>
+                <a:sym typeface="Montserrat"/>
+              </a:rPr>
+              <a:t>least correlated</a:t>
+            </a:r>
+            <a:endParaRPr sz="1500">
+              <a:latin typeface="Montserrat"/>
+              <a:ea typeface="Montserrat"/>
+              <a:cs typeface="Montserrat"/>
+              <a:sym typeface="Montserrat"/>
+            </a:endParaRPr>
+          </a:p>
+        </p:txBody>
+      </p:sp>
+      <p:sp>
+        <p:nvSpPr>
+          <p:cNvPr id="179" name="Google Shape;179;g26e1760ff98_1_59"/>
+          <p:cNvSpPr txBox="1"/>
+          <p:nvPr>
+            <p:ph idx="12" type="sldNum"/>
+          </p:nvPr>
+        </p:nvSpPr>
+        <p:spPr>
+          <a:xfrm>
+            <a:off x="8472458" y="4663217"/>
+            <a:ext cx="548700" cy="393600"/>
+          </a:xfrm>
+          <a:prstGeom prst="rect">
+            <a:avLst/>
+          </a:prstGeom>
+          <a:noFill/>
+          <a:ln>
+            <a:noFill/>
+          </a:ln>
+        </p:spPr>
+        <p:txBody>
+          <a:bodyPr anchorCtr="0" anchor="ctr" bIns="91425" lIns="91425" spcFirstLastPara="1" rIns="91425" wrap="square" tIns="91425">
+            <a:normAutofit/>
+          </a:bodyPr>
+          <a:lstStyle/>
+          <a:p>
+            <a:pPr indent="0" lvl="0" marL="0" rtl="0" algn="r">
+              <a:lnSpc>
+                <a:spcPct val="100000"/>
+              </a:lnSpc>
+              <a:spcBef>
+                <a:spcPts val="0"/>
+              </a:spcBef>
+              <a:spcAft>
+                <a:spcPts val="0"/>
+              </a:spcAft>
+              <a:buSzPts val="1000"/>
+              <a:buNone/>
+            </a:pPr>
+            <a:fld id="{00000000-1234-1234-1234-123412341234}" type="slidenum">
+              <a:rPr lang="en"/>
+              <a:t>‹#›</a:t>
+            </a:fld>
+            <a:endParaRPr/>
+          </a:p>
+        </p:txBody>
+      </p:sp>
+    </p:spTree>
+  </p:cSld>
+  <p:clrMapOvr>
+    <a:masterClrMapping/>
+  </p:clrMapOvr>
+</p:sld>
+</file>
+
+<file path=ppt/slides/slide8.xml><?xml version="1.0" encoding="utf-8"?>
+<p:sld xmlns:a="http://schemas.openxmlformats.org/drawingml/2006/main" xmlns:r="http://schemas.openxmlformats.org/officeDocument/2006/relationships" xmlns:mc="http://schemas.openxmlformats.org/markup-compatibility/2006" xmlns:mv="urn:schemas-microsoft-com:mac:vml" xmlns:p="http://schemas.openxmlformats.org/presentationml/2006/main" xmlns:c="http://schemas.openxmlformats.org/drawingml/2006/chart" xmlns:dgm="http://schemas.openxmlformats.org/drawingml/2006/diagram" xmlns:o="urn:schemas-microsoft-com:office:office" xmlns:v="urn:schemas-microsoft-com:vml" xmlns:pvml="urn:schemas-microsoft-com:office:powerpoint" xmlns:com="http://schemas.openxmlformats.org/drawingml/2006/compatibility" xmlns:p14="http://schemas.microsoft.com/office/powerpoint/2010/main" xmlns:p15="http://schemas.microsoft.com/office/powerpoint/2012/main" xmlns:ahyp="http://schemas.microsoft.com/office/drawing/2018/hyperlinkcolor">
+  <p:cSld>
+    <p:spTree>
+      <p:nvGrpSpPr>
+        <p:cNvPr id="183" name="Shape 183"/>
+        <p:cNvGrpSpPr/>
+        <p:nvPr/>
+      </p:nvGrpSpPr>
+      <p:grpSpPr>
+        <a:xfrm>
+          <a:off x="0" y="0"/>
+          <a:ext cx="0" cy="0"/>
+          <a:chOff x="0" y="0"/>
+          <a:chExt cx="0" cy="0"/>
+        </a:xfrm>
+      </p:grpSpPr>
+      <p:sp>
+        <p:nvSpPr>
+          <p:cNvPr id="184" name="Google Shape;184;g2a0c6f9b0a2_0_33"/>
+          <p:cNvSpPr txBox="1"/>
+          <p:nvPr>
+            <p:ph idx="4294967295" type="title"/>
+          </p:nvPr>
+        </p:nvSpPr>
+        <p:spPr>
+          <a:xfrm>
+            <a:off x="719525" y="267425"/>
+            <a:ext cx="7038900" cy="592800"/>
+          </a:xfrm>
+          <a:prstGeom prst="rect">
+            <a:avLst/>
+          </a:prstGeom>
+          <a:noFill/>
+          <a:ln>
+            <a:noFill/>
+          </a:ln>
+        </p:spPr>
+        <p:txBody>
+          <a:bodyPr anchorCtr="0" anchor="t" bIns="91425" lIns="91425" spcFirstLastPara="1" rIns="91425" wrap="square" tIns="91425">
+            <a:normAutofit fontScale="90000"/>
+          </a:bodyPr>
+          <a:lstStyle/>
+          <a:p>
+            <a:pPr indent="0" lvl="0" marL="0" rtl="0" algn="l">
+              <a:lnSpc>
+                <a:spcPct val="100000"/>
+              </a:lnSpc>
+              <a:spcBef>
+                <a:spcPts val="0"/>
+              </a:spcBef>
+              <a:spcAft>
+                <a:spcPts val="0"/>
+              </a:spcAft>
+              <a:buSzPct val="119034"/>
+              <a:buNone/>
+            </a:pPr>
+            <a:r>
+              <a:rPr b="1" lang="en"/>
+              <a:t>1 - Data crawling / Feature engineering</a:t>
+            </a:r>
+            <a:endParaRPr b="1"/>
+          </a:p>
+        </p:txBody>
+      </p:sp>
+      <p:sp>
+        <p:nvSpPr>
+          <p:cNvPr id="185" name="Google Shape;185;g2a0c6f9b0a2_0_33"/>
           <p:cNvSpPr txBox="1"/>
           <p:nvPr>
             <p:ph idx="4294967295" type="body"/>
@@ -20664,563 +21887,15 @@
               <a:buChar char="●"/>
             </a:pPr>
             <a:r>
-              <a:rPr lang="en" sz="1500">
-                <a:latin typeface="Montserrat"/>
-                <a:ea typeface="Montserrat"/>
-                <a:cs typeface="Montserrat"/>
-                <a:sym typeface="Montserrat"/>
-              </a:rPr>
-              <a:t>Obtaining the features regarding the technical data of the blockchain and the price of Bitcoin</a:t>
-            </a:r>
-            <a:endParaRPr sz="1500">
-              <a:latin typeface="Montserrat"/>
-              <a:ea typeface="Montserrat"/>
-              <a:cs typeface="Montserrat"/>
-              <a:sym typeface="Montserrat"/>
-            </a:endParaRPr>
-          </a:p>
-          <a:p>
-            <a:pPr indent="-323850" lvl="1" marL="914400" rtl="0" algn="l">
-              <a:lnSpc>
-                <a:spcPct val="115000"/>
-              </a:lnSpc>
-              <a:spcBef>
-                <a:spcPts val="0"/>
-              </a:spcBef>
-              <a:spcAft>
-                <a:spcPts val="0"/>
-              </a:spcAft>
-              <a:buSzPts val="1500"/>
-              <a:buChar char="○"/>
-            </a:pPr>
-            <a:r>
-              <a:rPr lang="en" sz="1500">
-                <a:latin typeface="Montserrat"/>
-                <a:ea typeface="Montserrat"/>
-                <a:cs typeface="Montserrat"/>
-                <a:sym typeface="Montserrat"/>
-              </a:rPr>
-              <a:t>By contacting the APIs of Blockchain.org and the two exchanges</a:t>
-            </a:r>
-            <a:endParaRPr sz="1500">
-              <a:latin typeface="Montserrat"/>
-              <a:ea typeface="Montserrat"/>
-              <a:cs typeface="Montserrat"/>
-              <a:sym typeface="Montserrat"/>
-            </a:endParaRPr>
-          </a:p>
-          <a:p>
-            <a:pPr indent="-323850" lvl="0" marL="457200" rtl="0" algn="l">
-              <a:lnSpc>
-                <a:spcPct val="115000"/>
-              </a:lnSpc>
-              <a:spcBef>
-                <a:spcPts val="0"/>
-              </a:spcBef>
-              <a:spcAft>
-                <a:spcPts val="0"/>
-              </a:spcAft>
-              <a:buSzPts val="1500"/>
-              <a:buChar char="●"/>
-            </a:pPr>
-            <a:r>
-              <a:rPr lang="en" sz="1500">
-                <a:latin typeface="Montserrat"/>
-                <a:ea typeface="Montserrat"/>
-                <a:cs typeface="Montserrat"/>
-                <a:sym typeface="Montserrat"/>
-              </a:rPr>
-              <a:t>Adding other features:</a:t>
-            </a:r>
-            <a:endParaRPr sz="1500">
-              <a:latin typeface="Montserrat"/>
-              <a:ea typeface="Montserrat"/>
-              <a:cs typeface="Montserrat"/>
-              <a:sym typeface="Montserrat"/>
-            </a:endParaRPr>
-          </a:p>
-          <a:p>
-            <a:pPr indent="-323850" lvl="1" marL="914400" rtl="0" algn="l">
-              <a:lnSpc>
-                <a:spcPct val="115000"/>
-              </a:lnSpc>
-              <a:spcBef>
-                <a:spcPts val="0"/>
-              </a:spcBef>
-              <a:spcAft>
-                <a:spcPts val="0"/>
-              </a:spcAft>
-              <a:buSzPts val="1500"/>
-              <a:buChar char="○"/>
-            </a:pPr>
-            <a:r>
               <a:rPr b="1" lang="en" sz="1500">
                 <a:latin typeface="Montserrat"/>
                 <a:ea typeface="Montserrat"/>
                 <a:cs typeface="Montserrat"/>
                 <a:sym typeface="Montserrat"/>
               </a:rPr>
-              <a:t>next-market-price:</a:t>
-            </a:r>
-            <a:r>
-              <a:rPr lang="en" sz="1500">
-                <a:latin typeface="Montserrat"/>
-                <a:ea typeface="Montserrat"/>
-                <a:cs typeface="Montserrat"/>
-                <a:sym typeface="Montserrat"/>
-              </a:rPr>
-              <a:t> represents the price of Bitcoin for the next day (this will be the target variable on which to make predictions)</a:t>
-            </a:r>
-            <a:endParaRPr sz="1500">
-              <a:latin typeface="Montserrat"/>
-              <a:ea typeface="Montserrat"/>
-              <a:cs typeface="Montserrat"/>
-              <a:sym typeface="Montserrat"/>
-            </a:endParaRPr>
-          </a:p>
-          <a:p>
-            <a:pPr indent="-323850" lvl="1" marL="914400" rtl="0" algn="l">
-              <a:lnSpc>
-                <a:spcPct val="115000"/>
-              </a:lnSpc>
-              <a:spcBef>
-                <a:spcPts val="0"/>
-              </a:spcBef>
-              <a:spcAft>
-                <a:spcPts val="0"/>
-              </a:spcAft>
-              <a:buSzPts val="1500"/>
-              <a:buChar char="○"/>
-            </a:pPr>
-            <a:r>
-              <a:rPr b="1" lang="en" sz="1500">
-                <a:latin typeface="Montserrat"/>
-                <a:ea typeface="Montserrat"/>
-                <a:cs typeface="Montserrat"/>
-                <a:sym typeface="Montserrat"/>
-              </a:rPr>
-              <a:t>sma-x-days:</a:t>
-            </a:r>
-            <a:r>
-              <a:rPr lang="en" sz="1500">
-                <a:latin typeface="Montserrat"/>
-                <a:ea typeface="Montserrat"/>
-                <a:cs typeface="Montserrat"/>
-                <a:sym typeface="Montserrat"/>
-              </a:rPr>
-              <a:t> indicators that calculate the average price over a specified number of days (5, 7, 10, 20, 50 and 100 days in our case)</a:t>
-            </a:r>
-            <a:endParaRPr sz="1500">
-              <a:latin typeface="Montserrat"/>
-              <a:ea typeface="Montserrat"/>
-              <a:cs typeface="Montserrat"/>
-              <a:sym typeface="Montserrat"/>
-            </a:endParaRPr>
-          </a:p>
-          <a:p>
-            <a:pPr indent="-323850" lvl="0" marL="457200" rtl="0" algn="l">
-              <a:lnSpc>
-                <a:spcPct val="115000"/>
-              </a:lnSpc>
-              <a:spcBef>
-                <a:spcPts val="0"/>
-              </a:spcBef>
-              <a:spcAft>
-                <a:spcPts val="0"/>
-              </a:spcAft>
-              <a:buSzPts val="1500"/>
-              <a:buChar char="●"/>
-            </a:pPr>
-            <a:r>
-              <a:rPr lang="en" sz="1500">
-                <a:latin typeface="Montserrat"/>
-                <a:ea typeface="Montserrat"/>
-                <a:cs typeface="Montserrat"/>
-                <a:sym typeface="Montserrat"/>
-              </a:rPr>
-              <a:t>Overall features divided into two distinct groups:</a:t>
-            </a:r>
-            <a:endParaRPr sz="1500">
-              <a:latin typeface="Montserrat"/>
-              <a:ea typeface="Montserrat"/>
-              <a:cs typeface="Montserrat"/>
-              <a:sym typeface="Montserrat"/>
-            </a:endParaRPr>
-          </a:p>
-          <a:p>
-            <a:pPr indent="-323850" lvl="1" marL="914400" rtl="0" algn="l">
-              <a:lnSpc>
-                <a:spcPct val="115000"/>
-              </a:lnSpc>
-              <a:spcBef>
-                <a:spcPts val="0"/>
-              </a:spcBef>
-              <a:spcAft>
-                <a:spcPts val="0"/>
-              </a:spcAft>
-              <a:buSzPts val="1500"/>
-              <a:buChar char="○"/>
-            </a:pPr>
-            <a:r>
-              <a:rPr b="1" lang="en" sz="1500">
-                <a:latin typeface="Montserrat"/>
-                <a:ea typeface="Montserrat"/>
-                <a:cs typeface="Montserrat"/>
-                <a:sym typeface="Montserrat"/>
-              </a:rPr>
-              <a:t>Base features:</a:t>
-            </a:r>
-            <a:r>
-              <a:rPr lang="en" sz="1500">
-                <a:latin typeface="Montserrat"/>
-                <a:ea typeface="Montserrat"/>
-                <a:cs typeface="Montserrat"/>
-                <a:sym typeface="Montserrat"/>
-              </a:rPr>
-              <a:t> contains all the currency statistics features</a:t>
-            </a:r>
-            <a:endParaRPr sz="1500">
-              <a:latin typeface="Montserrat"/>
-              <a:ea typeface="Montserrat"/>
-              <a:cs typeface="Montserrat"/>
-              <a:sym typeface="Montserrat"/>
-            </a:endParaRPr>
-          </a:p>
-          <a:p>
-            <a:pPr indent="-323850" lvl="1" marL="914400" rtl="0" algn="l">
-              <a:lnSpc>
-                <a:spcPct val="115000"/>
-              </a:lnSpc>
-              <a:spcBef>
-                <a:spcPts val="0"/>
-              </a:spcBef>
-              <a:spcAft>
-                <a:spcPts val="0"/>
-              </a:spcAft>
-              <a:buSzPts val="1500"/>
-              <a:buChar char="○"/>
-            </a:pPr>
-            <a:r>
-              <a:rPr b="1" lang="en" sz="1500">
-                <a:latin typeface="Montserrat"/>
-                <a:ea typeface="Montserrat"/>
-                <a:cs typeface="Montserrat"/>
-                <a:sym typeface="Montserrat"/>
-              </a:rPr>
-              <a:t>Base and additional features:</a:t>
-            </a:r>
-            <a:r>
-              <a:rPr lang="en" sz="1500">
-                <a:latin typeface="Montserrat"/>
-                <a:ea typeface="Montserrat"/>
-                <a:cs typeface="Montserrat"/>
-                <a:sym typeface="Montserrat"/>
-              </a:rPr>
-              <a:t> contains the </a:t>
-            </a:r>
-            <a:r>
-              <a:rPr b="1" lang="en" sz="1500">
-                <a:latin typeface="Montserrat"/>
-                <a:ea typeface="Montserrat"/>
-                <a:cs typeface="Montserrat"/>
-                <a:sym typeface="Montserrat"/>
-              </a:rPr>
-              <a:t>b</a:t>
-            </a:r>
-            <a:r>
-              <a:rPr b="1" lang="en" sz="1500">
-                <a:latin typeface="Montserrat"/>
-                <a:ea typeface="Montserrat"/>
-                <a:cs typeface="Montserrat"/>
-                <a:sym typeface="Montserrat"/>
-              </a:rPr>
-              <a:t>ase features</a:t>
-            </a:r>
-            <a:r>
-              <a:rPr lang="en" sz="1500">
-                <a:latin typeface="Montserrat"/>
-                <a:ea typeface="Montserrat"/>
-                <a:cs typeface="Montserrat"/>
-                <a:sym typeface="Montserrat"/>
-              </a:rPr>
-              <a:t> plus the </a:t>
-            </a:r>
-            <a:r>
-              <a:rPr b="1" lang="en" sz="1500">
-                <a:latin typeface="Montserrat"/>
-                <a:ea typeface="Montserrat"/>
-                <a:cs typeface="Montserrat"/>
-                <a:sym typeface="Montserrat"/>
-              </a:rPr>
-              <a:t>additional features</a:t>
-            </a:r>
-            <a:r>
-              <a:rPr lang="en" sz="1500">
-                <a:latin typeface="Montserrat"/>
-                <a:ea typeface="Montserrat"/>
-                <a:cs typeface="Montserrat"/>
-                <a:sym typeface="Montserrat"/>
-              </a:rPr>
-              <a:t> divided based on their correlation with the price:</a:t>
-            </a:r>
-            <a:endParaRPr sz="1500">
-              <a:latin typeface="Montserrat"/>
-              <a:ea typeface="Montserrat"/>
-              <a:cs typeface="Montserrat"/>
-              <a:sym typeface="Montserrat"/>
-            </a:endParaRPr>
-          </a:p>
-          <a:p>
-            <a:pPr indent="-323850" lvl="2" marL="1371600" rtl="0" algn="l">
-              <a:lnSpc>
-                <a:spcPct val="115000"/>
-              </a:lnSpc>
-              <a:spcBef>
-                <a:spcPts val="0"/>
-              </a:spcBef>
-              <a:spcAft>
-                <a:spcPts val="0"/>
-              </a:spcAft>
-              <a:buSzPts val="1500"/>
-              <a:buChar char="■"/>
-            </a:pPr>
-            <a:r>
-              <a:rPr lang="en" sz="1500">
-                <a:latin typeface="Montserrat"/>
-                <a:ea typeface="Montserrat"/>
-                <a:cs typeface="Montserrat"/>
-                <a:sym typeface="Montserrat"/>
-              </a:rPr>
-              <a:t>If &gt;= 0.6, then they will be considered </a:t>
-            </a:r>
-            <a:r>
-              <a:rPr b="1" lang="en" sz="1500">
-                <a:latin typeface="Montserrat"/>
-                <a:ea typeface="Montserrat"/>
-                <a:cs typeface="Montserrat"/>
-                <a:sym typeface="Montserrat"/>
-              </a:rPr>
-              <a:t>most correlated</a:t>
+              <a:t>Strategy for models train / validation phase:</a:t>
             </a:r>
             <a:endParaRPr b="1" sz="1500">
-              <a:latin typeface="Montserrat"/>
-              <a:ea typeface="Montserrat"/>
-              <a:cs typeface="Montserrat"/>
-              <a:sym typeface="Montserrat"/>
-            </a:endParaRPr>
-          </a:p>
-          <a:p>
-            <a:pPr indent="-323850" lvl="2" marL="1371600" rtl="0" algn="l">
-              <a:lnSpc>
-                <a:spcPct val="115000"/>
-              </a:lnSpc>
-              <a:spcBef>
-                <a:spcPts val="0"/>
-              </a:spcBef>
-              <a:spcAft>
-                <a:spcPts val="0"/>
-              </a:spcAft>
-              <a:buSzPts val="1500"/>
-              <a:buChar char="■"/>
-            </a:pPr>
-            <a:r>
-              <a:rPr lang="en" sz="1500">
-                <a:latin typeface="Montserrat"/>
-                <a:ea typeface="Montserrat"/>
-                <a:cs typeface="Montserrat"/>
-                <a:sym typeface="Montserrat"/>
-              </a:rPr>
-              <a:t>If &lt; 0.6, then they will be considered </a:t>
-            </a:r>
-            <a:r>
-              <a:rPr b="1" lang="en" sz="1500">
-                <a:latin typeface="Montserrat"/>
-                <a:ea typeface="Montserrat"/>
-                <a:cs typeface="Montserrat"/>
-                <a:sym typeface="Montserrat"/>
-              </a:rPr>
-              <a:t>least correlated</a:t>
-            </a:r>
-            <a:endParaRPr sz="1500">
-              <a:latin typeface="Montserrat"/>
-              <a:ea typeface="Montserrat"/>
-              <a:cs typeface="Montserrat"/>
-              <a:sym typeface="Montserrat"/>
-            </a:endParaRPr>
-          </a:p>
-        </p:txBody>
-      </p:sp>
-      <p:sp>
-        <p:nvSpPr>
-          <p:cNvPr id="178" name="Google Shape;178;g26e1760ff98_1_59"/>
-          <p:cNvSpPr txBox="1"/>
-          <p:nvPr>
-            <p:ph idx="12" type="sldNum"/>
-          </p:nvPr>
-        </p:nvSpPr>
-        <p:spPr>
-          <a:xfrm>
-            <a:off x="8472458" y="4663217"/>
-            <a:ext cx="548700" cy="393600"/>
-          </a:xfrm>
-          <a:prstGeom prst="rect">
-            <a:avLst/>
-          </a:prstGeom>
-          <a:noFill/>
-          <a:ln>
-            <a:noFill/>
-          </a:ln>
-        </p:spPr>
-        <p:txBody>
-          <a:bodyPr anchorCtr="0" anchor="ctr" bIns="91425" lIns="91425" spcFirstLastPara="1" rIns="91425" wrap="square" tIns="91425">
-            <a:normAutofit/>
-          </a:bodyPr>
-          <a:lstStyle/>
-          <a:p>
-            <a:pPr indent="0" lvl="0" marL="0" rtl="0" algn="r">
-              <a:lnSpc>
-                <a:spcPct val="100000"/>
-              </a:lnSpc>
-              <a:spcBef>
-                <a:spcPts val="0"/>
-              </a:spcBef>
-              <a:spcAft>
-                <a:spcPts val="0"/>
-              </a:spcAft>
-              <a:buSzPts val="1000"/>
-              <a:buNone/>
-            </a:pPr>
-            <a:fld id="{00000000-1234-1234-1234-123412341234}" type="slidenum">
-              <a:rPr lang="en"/>
-              <a:t>‹#›</a:t>
-            </a:fld>
-            <a:endParaRPr/>
-          </a:p>
-        </p:txBody>
-      </p:sp>
-    </p:spTree>
-  </p:cSld>
-  <p:clrMapOvr>
-    <a:masterClrMapping/>
-  </p:clrMapOvr>
-</p:sld>
-</file>
-
-<file path=ppt/slides/slide8.xml><?xml version="1.0" encoding="utf-8"?>
-<p:sld xmlns:a="http://schemas.openxmlformats.org/drawingml/2006/main" xmlns:r="http://schemas.openxmlformats.org/officeDocument/2006/relationships" xmlns:mc="http://schemas.openxmlformats.org/markup-compatibility/2006" xmlns:mv="urn:schemas-microsoft-com:mac:vml" xmlns:p="http://schemas.openxmlformats.org/presentationml/2006/main" xmlns:c="http://schemas.openxmlformats.org/drawingml/2006/chart" xmlns:dgm="http://schemas.openxmlformats.org/drawingml/2006/diagram" xmlns:o="urn:schemas-microsoft-com:office:office" xmlns:v="urn:schemas-microsoft-com:vml" xmlns:pvml="urn:schemas-microsoft-com:office:powerpoint" xmlns:com="http://schemas.openxmlformats.org/drawingml/2006/compatibility" xmlns:p14="http://schemas.microsoft.com/office/powerpoint/2010/main" xmlns:p15="http://schemas.microsoft.com/office/powerpoint/2012/main" xmlns:ahyp="http://schemas.microsoft.com/office/drawing/2018/hyperlinkcolor">
-  <p:cSld>
-    <p:spTree>
-      <p:nvGrpSpPr>
-        <p:cNvPr id="182" name="Shape 182"/>
-        <p:cNvGrpSpPr/>
-        <p:nvPr/>
-      </p:nvGrpSpPr>
-      <p:grpSpPr>
-        <a:xfrm>
-          <a:off x="0" y="0"/>
-          <a:ext cx="0" cy="0"/>
-          <a:chOff x="0" y="0"/>
-          <a:chExt cx="0" cy="0"/>
-        </a:xfrm>
-      </p:grpSpPr>
-      <p:sp>
-        <p:nvSpPr>
-          <p:cNvPr id="183" name="Google Shape;183;g2a0c6f9b0a2_0_33"/>
-          <p:cNvSpPr txBox="1"/>
-          <p:nvPr>
-            <p:ph idx="4294967295" type="title"/>
-          </p:nvPr>
-        </p:nvSpPr>
-        <p:spPr>
-          <a:xfrm>
-            <a:off x="719525" y="267425"/>
-            <a:ext cx="7038900" cy="592800"/>
-          </a:xfrm>
-          <a:prstGeom prst="rect">
-            <a:avLst/>
-          </a:prstGeom>
-          <a:noFill/>
-          <a:ln>
-            <a:noFill/>
-          </a:ln>
-        </p:spPr>
-        <p:txBody>
-          <a:bodyPr anchorCtr="0" anchor="t" bIns="91425" lIns="91425" spcFirstLastPara="1" rIns="91425" wrap="square" tIns="91425">
-            <a:normAutofit fontScale="90000"/>
-          </a:bodyPr>
-          <a:lstStyle/>
-          <a:p>
-            <a:pPr indent="0" lvl="0" marL="0" rtl="0" algn="l">
-              <a:lnSpc>
-                <a:spcPct val="100000"/>
-              </a:lnSpc>
-              <a:spcBef>
-                <a:spcPts val="0"/>
-              </a:spcBef>
-              <a:spcAft>
-                <a:spcPts val="0"/>
-              </a:spcAft>
-              <a:buSzPct val="119034"/>
-              <a:buNone/>
-            </a:pPr>
-            <a:r>
-              <a:rPr b="1" lang="en"/>
-              <a:t>1 - Data crawling / Feature engineering</a:t>
-            </a:r>
-            <a:endParaRPr b="1"/>
-          </a:p>
-        </p:txBody>
-      </p:sp>
-      <p:sp>
-        <p:nvSpPr>
-          <p:cNvPr id="184" name="Google Shape;184;g2a0c6f9b0a2_0_33"/>
-          <p:cNvSpPr txBox="1"/>
-          <p:nvPr>
-            <p:ph idx="4294967295" type="body"/>
-          </p:nvPr>
-        </p:nvSpPr>
-        <p:spPr>
-          <a:xfrm>
-            <a:off x="311700" y="945300"/>
-            <a:ext cx="8520600" cy="3849900"/>
-          </a:xfrm>
-          <a:prstGeom prst="rect">
-            <a:avLst/>
-          </a:prstGeom>
-          <a:noFill/>
-          <a:ln>
-            <a:noFill/>
-          </a:ln>
-        </p:spPr>
-        <p:txBody>
-          <a:bodyPr anchorCtr="0" anchor="t" bIns="91425" lIns="91425" spcFirstLastPara="1" rIns="91425" wrap="square" tIns="91425">
-            <a:noAutofit/>
-          </a:bodyPr>
-          <a:lstStyle/>
-          <a:p>
-            <a:pPr indent="-323850" lvl="0" marL="457200" rtl="0" algn="l">
-              <a:lnSpc>
-                <a:spcPct val="115000"/>
-              </a:lnSpc>
-              <a:spcBef>
-                <a:spcPts val="0"/>
-              </a:spcBef>
-              <a:spcAft>
-                <a:spcPts val="0"/>
-              </a:spcAft>
-              <a:buSzPts val="1500"/>
-              <a:buChar char="●"/>
-            </a:pPr>
-            <a:r>
-              <a:rPr lang="en" sz="1500">
-                <a:latin typeface="Montserrat"/>
-                <a:ea typeface="Montserrat"/>
-                <a:cs typeface="Montserrat"/>
-                <a:sym typeface="Montserrat"/>
-              </a:rPr>
-              <a:t>Strategy for the upcoming models train / validation phase:</a:t>
-            </a:r>
-            <a:endParaRPr sz="1500">
               <a:latin typeface="Montserrat"/>
               <a:ea typeface="Montserrat"/>
               <a:cs typeface="Montserrat"/>
@@ -21278,7 +21953,24 @@
                 <a:cs typeface="Montserrat"/>
                 <a:sym typeface="Montserrat"/>
               </a:rPr>
-              <a:t>See if by adding the additional most and least correlated features to them the performance improves</a:t>
+              <a:t>Adding additional most and least correlated features to them </a:t>
+            </a:r>
+            <a:br>
+              <a:rPr lang="en" sz="1500">
+                <a:latin typeface="Montserrat"/>
+                <a:ea typeface="Montserrat"/>
+                <a:cs typeface="Montserrat"/>
+                <a:sym typeface="Montserrat"/>
+              </a:rPr>
+            </a:br>
+            <a:r>
+              <a:rPr lang="en" sz="1500">
+                <a:latin typeface="Montserrat"/>
+                <a:ea typeface="Montserrat"/>
+                <a:cs typeface="Montserrat"/>
+                <a:sym typeface="Montserrat"/>
+              </a:rPr>
+              <a:t>(see if performance improves)</a:t>
             </a:r>
             <a:endParaRPr sz="1500">
               <a:latin typeface="Montserrat"/>
@@ -21326,7 +22018,7 @@
               <a:buChar char="●"/>
             </a:pPr>
             <a:r>
-              <a:rPr lang="en" sz="1500">
+              <a:rPr b="1" lang="en" sz="1500">
                 <a:latin typeface="Montserrat"/>
                 <a:ea typeface="Montserrat"/>
                 <a:cs typeface="Montserrat"/>
@@ -21334,7 +22026,7 @@
               </a:rPr>
               <a:t>Dataset splitted into two sets:</a:t>
             </a:r>
-            <a:endParaRPr sz="1500">
+            <a:endParaRPr b="1" sz="1500">
               <a:latin typeface="Montserrat"/>
               <a:ea typeface="Montserrat"/>
               <a:cs typeface="Montserrat"/>
@@ -21371,7 +22063,16 @@
                 <a:cs typeface="Montserrat"/>
                 <a:sym typeface="Montserrat"/>
               </a:rPr>
-              <a:t> will be used to train the models and validate the performances</a:t>
+              <a:t> </a:t>
+            </a:r>
+            <a:r>
+              <a:rPr lang="en" sz="1500">
+                <a:latin typeface="Montserrat"/>
+                <a:ea typeface="Montserrat"/>
+                <a:cs typeface="Montserrat"/>
+                <a:sym typeface="Montserrat"/>
+              </a:rPr>
+              <a:t>used to train and validate models</a:t>
             </a:r>
             <a:endParaRPr sz="1500">
               <a:latin typeface="Montserrat"/>
@@ -21410,7 +22111,24 @@
                 <a:cs typeface="Montserrat"/>
                 <a:sym typeface="Montserrat"/>
               </a:rPr>
-              <a:t> will be used to perform price prediction on never-before-seen data (the last 3 months of the original dataset will be used)</a:t>
+              <a:t> used to perform price prediction on never-before-seen data </a:t>
+            </a:r>
+            <a:br>
+              <a:rPr lang="en" sz="1500">
+                <a:latin typeface="Montserrat"/>
+                <a:ea typeface="Montserrat"/>
+                <a:cs typeface="Montserrat"/>
+                <a:sym typeface="Montserrat"/>
+              </a:rPr>
+            </a:br>
+            <a:r>
+              <a:rPr lang="en" sz="1500">
+                <a:latin typeface="Montserrat"/>
+                <a:ea typeface="Montserrat"/>
+                <a:cs typeface="Montserrat"/>
+                <a:sym typeface="Montserrat"/>
+              </a:rPr>
+              <a:t>(last 3 months of the original dataset will be used)</a:t>
             </a:r>
             <a:endParaRPr sz="1500">
               <a:latin typeface="Montserrat"/>
@@ -21423,7 +22141,7 @@
       </p:sp>
       <p:sp>
         <p:nvSpPr>
-          <p:cNvPr id="185" name="Google Shape;185;g2a0c6f9b0a2_0_33"/>
+          <p:cNvPr id="186" name="Google Shape;186;g2a0c6f9b0a2_0_33"/>
           <p:cNvSpPr txBox="1"/>
           <p:nvPr>
             <p:ph idx="12" type="sldNum"/>
@@ -21489,7 +22207,7 @@
     </p:bg>
     <p:spTree>
       <p:nvGrpSpPr>
-        <p:cNvPr id="189" name="Shape 189"/>
+        <p:cNvPr id="190" name="Shape 190"/>
         <p:cNvGrpSpPr/>
         <p:nvPr/>
       </p:nvGrpSpPr>
@@ -21503,7 +22221,7 @@
       </p:grpSpPr>
       <p:sp>
         <p:nvSpPr>
-          <p:cNvPr id="190" name="Google Shape;190;g26e1760ff98_1_75"/>
+          <p:cNvPr id="191" name="Google Shape;191;g26e1760ff98_1_75"/>
           <p:cNvSpPr txBox="1"/>
           <p:nvPr>
             <p:ph idx="4294967295" type="title"/>
@@ -21551,7 +22269,7 @@
       </p:sp>
       <p:sp>
         <p:nvSpPr>
-          <p:cNvPr id="191" name="Google Shape;191;g26e1760ff98_1_75"/>
+          <p:cNvPr id="192" name="Google Shape;192;g26e1760ff98_1_75"/>
           <p:cNvSpPr txBox="1"/>
           <p:nvPr>
             <p:ph idx="4294967295" type="body"/>
@@ -21591,7 +22309,7 @@
               <a:buChar char="●"/>
             </a:pPr>
             <a:r>
-              <a:rPr lang="en" sz="1500">
+              <a:rPr b="1" lang="en" sz="1500">
                 <a:latin typeface="Montserrat"/>
                 <a:ea typeface="Montserrat"/>
                 <a:cs typeface="Montserrat"/>
@@ -21599,7 +22317,7 @@
               </a:rPr>
               <a:t>Dataset splitted according to different splitting method:</a:t>
             </a:r>
-            <a:endParaRPr sz="1500">
+            <a:endParaRPr b="1" sz="1500">
               <a:latin typeface="Montserrat"/>
               <a:ea typeface="Montserrat"/>
               <a:cs typeface="Montserrat"/>
@@ -21610,7 +22328,7 @@
       </p:sp>
       <p:sp>
         <p:nvSpPr>
-          <p:cNvPr id="192" name="Google Shape;192;g26e1760ff98_1_75"/>
+          <p:cNvPr id="193" name="Google Shape;193;g26e1760ff98_1_75"/>
           <p:cNvSpPr txBox="1"/>
           <p:nvPr>
             <p:ph idx="12" type="sldNum"/>
@@ -21658,7 +22376,7 @@
       </p:sp>
       <p:pic>
         <p:nvPicPr>
-          <p:cNvPr id="193" name="Google Shape;193;g26e1760ff98_1_75"/>
+          <p:cNvPr id="194" name="Google Shape;194;g26e1760ff98_1_75"/>
           <p:cNvPicPr preferRelativeResize="0"/>
           <p:nvPr/>
         </p:nvPicPr>
@@ -21685,7 +22403,7 @@
       </p:pic>
       <p:pic>
         <p:nvPicPr>
-          <p:cNvPr id="194" name="Google Shape;194;g26e1760ff98_1_75"/>
+          <p:cNvPr id="195" name="Google Shape;195;g26e1760ff98_1_75"/>
           <p:cNvPicPr preferRelativeResize="0"/>
           <p:nvPr/>
         </p:nvPicPr>
@@ -21712,7 +22430,7 @@
       </p:pic>
       <p:pic>
         <p:nvPicPr>
-          <p:cNvPr id="195" name="Google Shape;195;g26e1760ff98_1_75"/>
+          <p:cNvPr id="196" name="Google Shape;196;g26e1760ff98_1_75"/>
           <p:cNvPicPr preferRelativeResize="0"/>
           <p:nvPr/>
         </p:nvPicPr>
@@ -21739,7 +22457,7 @@
       </p:pic>
       <p:sp>
         <p:nvSpPr>
-          <p:cNvPr id="196" name="Google Shape;196;g26e1760ff98_1_75"/>
+          <p:cNvPr id="197" name="Google Shape;197;g26e1760ff98_1_75"/>
           <p:cNvSpPr txBox="1"/>
           <p:nvPr/>
         </p:nvSpPr>
@@ -21805,7 +22523,7 @@
       </p:sp>
       <p:sp>
         <p:nvSpPr>
-          <p:cNvPr id="197" name="Google Shape;197;g26e1760ff98_1_75"/>
+          <p:cNvPr id="198" name="Google Shape;198;g26e1760ff98_1_75"/>
           <p:cNvSpPr txBox="1"/>
           <p:nvPr/>
         </p:nvSpPr>
@@ -21871,7 +22589,7 @@
       </p:sp>
       <p:sp>
         <p:nvSpPr>
-          <p:cNvPr id="198" name="Google Shape;198;g26e1760ff98_1_75"/>
+          <p:cNvPr id="199" name="Google Shape;199;g26e1760ff98_1_75"/>
           <p:cNvSpPr txBox="1"/>
           <p:nvPr/>
         </p:nvSpPr>
@@ -21944,6 +22662,285 @@
 </file>
 
 <file path=ppt/theme/theme1.xml><?xml version="1.0" encoding="utf-8"?>
+<a:theme xmlns:a="http://schemas.openxmlformats.org/drawingml/2006/main" xmlns:r="http://schemas.openxmlformats.org/officeDocument/2006/relationships" name="Focus">
+  <a:themeElements>
+    <a:clrScheme name="Focus">
+      <a:dk1>
+        <a:srgbClr val="1B212C"/>
+      </a:dk1>
+      <a:lt1>
+        <a:srgbClr val="FFFFFF"/>
+      </a:lt1>
+      <a:dk2>
+        <a:srgbClr val="D9D9D9"/>
+      </a:dk2>
+      <a:lt2>
+        <a:srgbClr val="82C7A5"/>
+      </a:lt2>
+      <a:accent1>
+        <a:srgbClr val="0145AC"/>
+      </a:accent1>
+      <a:accent2>
+        <a:srgbClr val="EECE1A"/>
+      </a:accent2>
+      <a:accent3>
+        <a:srgbClr val="4E5567"/>
+      </a:accent3>
+      <a:accent4>
+        <a:srgbClr val="F4D6AD"/>
+      </a:accent4>
+      <a:accent5>
+        <a:srgbClr val="7890CD"/>
+      </a:accent5>
+      <a:accent6>
+        <a:srgbClr val="F15E22"/>
+      </a:accent6>
+      <a:hlink>
+        <a:srgbClr val="7890CD"/>
+      </a:hlink>
+      <a:folHlink>
+        <a:srgbClr val="7890CD"/>
+      </a:folHlink>
+    </a:clrScheme>
+    <a:fontScheme name="Office">
+      <a:majorFont>
+        <a:latin typeface="Arial"/>
+        <a:ea typeface=""/>
+        <a:cs typeface=""/>
+        <a:font script="Jpan" typeface="ＭＳ Ｐゴシック"/>
+        <a:font script="Hang" typeface="맑은 고딕"/>
+        <a:font script="Hans" typeface="宋体"/>
+        <a:font script="Hant" typeface="新細明體"/>
+        <a:font script="Arab" typeface="Times New Roman"/>
+        <a:font script="Hebr" typeface="Times New Roman"/>
+        <a:font script="Thai" typeface="Angsana New"/>
+        <a:font script="Ethi" typeface="Nyala"/>
+        <a:font script="Beng" typeface="Vrinda"/>
+        <a:font script="Gujr" typeface="Shruti"/>
+        <a:font script="Khmr" typeface="MoolBoran"/>
+        <a:font script="Knda" typeface="Tunga"/>
+        <a:font script="Guru" typeface="Raavi"/>
+        <a:font script="Cans" typeface="Euphemia"/>
+        <a:font script="Cher" typeface="Plantagenet Cherokee"/>
+        <a:font script="Yiii" typeface="Microsoft Yi Baiti"/>
+        <a:font script="Tibt" typeface="Microsoft Himalaya"/>
+        <a:font script="Thaa" typeface="MV Boli"/>
+        <a:font script="Deva" typeface="Mangal"/>
+        <a:font script="Telu" typeface="Gautami"/>
+        <a:font script="Taml" typeface="Latha"/>
+        <a:font script="Syrc" typeface="Estrangelo Edessa"/>
+        <a:font script="Orya" typeface="Kalinga"/>
+        <a:font script="Mlym" typeface="Kartika"/>
+        <a:font script="Laoo" typeface="DokChampa"/>
+        <a:font script="Sinh" typeface="Iskoola Pota"/>
+        <a:font script="Mong" typeface="Mongolian Baiti"/>
+        <a:font script="Viet" typeface="Times New Roman"/>
+        <a:font script="Uigh" typeface="Microsoft Uighur"/>
+        <a:font script="Geor" typeface="Sylfaen"/>
+      </a:majorFont>
+      <a:minorFont>
+        <a:latin typeface="Arial"/>
+        <a:ea typeface=""/>
+        <a:cs typeface=""/>
+        <a:font script="Jpan" typeface="ＭＳ Ｐゴシック"/>
+        <a:font script="Hang" typeface="맑은 고딕"/>
+        <a:font script="Hans" typeface="宋体"/>
+        <a:font script="Hant" typeface="新細明體"/>
+        <a:font script="Arab" typeface="Arial"/>
+        <a:font script="Hebr" typeface="Arial"/>
+        <a:font script="Thai" typeface="Cordia New"/>
+        <a:font script="Ethi" typeface="Nyala"/>
+        <a:font script="Beng" typeface="Vrinda"/>
+        <a:font script="Gujr" typeface="Shruti"/>
+        <a:font script="Khmr" typeface="DaunPenh"/>
+        <a:font script="Knda" typeface="Tunga"/>
+        <a:font script="Guru" typeface="Raavi"/>
+        <a:font script="Cans" typeface="Euphemia"/>
+        <a:font script="Cher" typeface="Plantagenet Cherokee"/>
+        <a:font script="Yiii" typeface="Microsoft Yi Baiti"/>
+        <a:font script="Tibt" typeface="Microsoft Himalaya"/>
+        <a:font script="Thaa" typeface="MV Boli"/>
+        <a:font script="Deva" typeface="Mangal"/>
+        <a:font script="Telu" typeface="Gautami"/>
+        <a:font script="Taml" typeface="Latha"/>
+        <a:font script="Syrc" typeface="Estrangelo Edessa"/>
+        <a:font script="Orya" typeface="Kalinga"/>
+        <a:font script="Mlym" typeface="Kartika"/>
+        <a:font script="Laoo" typeface="DokChampa"/>
+        <a:font script="Sinh" typeface="Iskoola Pota"/>
+        <a:font script="Mong" typeface="Mongolian Baiti"/>
+        <a:font script="Viet" typeface="Arial"/>
+        <a:font script="Uigh" typeface="Microsoft Uighur"/>
+        <a:font script="Geor" typeface="Sylfaen"/>
+      </a:minorFont>
+    </a:fontScheme>
+    <a:fmtScheme name="Office">
+      <a:fillStyleLst>
+        <a:solidFill>
+          <a:schemeClr val="phClr"/>
+        </a:solidFill>
+        <a:gradFill rotWithShape="1">
+          <a:gsLst>
+            <a:gs pos="0">
+              <a:schemeClr val="phClr">
+                <a:tint val="50000"/>
+                <a:satMod val="300000"/>
+              </a:schemeClr>
+            </a:gs>
+            <a:gs pos="35000">
+              <a:schemeClr val="phClr">
+                <a:tint val="37000"/>
+                <a:satMod val="300000"/>
+              </a:schemeClr>
+            </a:gs>
+            <a:gs pos="100000">
+              <a:schemeClr val="phClr">
+                <a:tint val="15000"/>
+                <a:satMod val="350000"/>
+              </a:schemeClr>
+            </a:gs>
+          </a:gsLst>
+          <a:lin ang="16200000" scaled="1"/>
+        </a:gradFill>
+        <a:gradFill rotWithShape="1">
+          <a:gsLst>
+            <a:gs pos="0">
+              <a:schemeClr val="phClr">
+                <a:tint val="100000"/>
+                <a:shade val="100000"/>
+                <a:satMod val="130000"/>
+              </a:schemeClr>
+            </a:gs>
+            <a:gs pos="100000">
+              <a:schemeClr val="phClr">
+                <a:tint val="50000"/>
+                <a:shade val="100000"/>
+                <a:satMod val="350000"/>
+              </a:schemeClr>
+            </a:gs>
+          </a:gsLst>
+          <a:lin ang="16200000" scaled="0"/>
+        </a:gradFill>
+      </a:fillStyleLst>
+      <a:lnStyleLst>
+        <a:ln w="9525" cap="flat" cmpd="sng" algn="ctr">
+          <a:solidFill>
+            <a:schemeClr val="phClr">
+              <a:shade val="95000"/>
+              <a:satMod val="105000"/>
+            </a:schemeClr>
+          </a:solidFill>
+          <a:prstDash val="solid"/>
+        </a:ln>
+        <a:ln w="25400" cap="flat" cmpd="sng" algn="ctr">
+          <a:solidFill>
+            <a:schemeClr val="phClr"/>
+          </a:solidFill>
+          <a:prstDash val="solid"/>
+        </a:ln>
+        <a:ln w="38100" cap="flat" cmpd="sng" algn="ctr">
+          <a:solidFill>
+            <a:schemeClr val="phClr"/>
+          </a:solidFill>
+          <a:prstDash val="solid"/>
+        </a:ln>
+      </a:lnStyleLst>
+      <a:effectStyleLst>
+        <a:effectStyle>
+          <a:effectLst>
+            <a:outerShdw blurRad="40000" dist="20000" dir="5400000" rotWithShape="0">
+              <a:srgbClr val="000000">
+                <a:alpha val="38000"/>
+              </a:srgbClr>
+            </a:outerShdw>
+          </a:effectLst>
+        </a:effectStyle>
+        <a:effectStyle>
+          <a:effectLst>
+            <a:outerShdw blurRad="40000" dist="23000" dir="5400000" rotWithShape="0">
+              <a:srgbClr val="000000">
+                <a:alpha val="35000"/>
+              </a:srgbClr>
+            </a:outerShdw>
+          </a:effectLst>
+        </a:effectStyle>
+        <a:effectStyle>
+          <a:effectLst>
+            <a:outerShdw blurRad="40000" dist="23000" dir="5400000" rotWithShape="0">
+              <a:srgbClr val="000000">
+                <a:alpha val="35000"/>
+              </a:srgbClr>
+            </a:outerShdw>
+          </a:effectLst>
+          <a:scene3d>
+            <a:camera prst="orthographicFront">
+              <a:rot lat="0" lon="0" rev="0"/>
+            </a:camera>
+            <a:lightRig rig="threePt" dir="t">
+              <a:rot lat="0" lon="0" rev="1200000"/>
+            </a:lightRig>
+          </a:scene3d>
+          <a:sp3d>
+            <a:bevelT w="63500" h="25400"/>
+          </a:sp3d>
+        </a:effectStyle>
+      </a:effectStyleLst>
+      <a:bgFillStyleLst>
+        <a:solidFill>
+          <a:schemeClr val="phClr"/>
+        </a:solidFill>
+        <a:gradFill rotWithShape="1">
+          <a:gsLst>
+            <a:gs pos="0">
+              <a:schemeClr val="phClr">
+                <a:tint val="40000"/>
+                <a:satMod val="350000"/>
+              </a:schemeClr>
+            </a:gs>
+            <a:gs pos="40000">
+              <a:schemeClr val="phClr">
+                <a:tint val="45000"/>
+                <a:shade val="99000"/>
+                <a:satMod val="350000"/>
+              </a:schemeClr>
+            </a:gs>
+            <a:gs pos="100000">
+              <a:schemeClr val="phClr">
+                <a:shade val="20000"/>
+                <a:satMod val="255000"/>
+              </a:schemeClr>
+            </a:gs>
+          </a:gsLst>
+          <a:path path="circle">
+            <a:fillToRect l="50000" t="-80000" r="50000" b="180000"/>
+          </a:path>
+        </a:gradFill>
+        <a:gradFill rotWithShape="1">
+          <a:gsLst>
+            <a:gs pos="0">
+              <a:schemeClr val="phClr">
+                <a:tint val="80000"/>
+                <a:satMod val="300000"/>
+              </a:schemeClr>
+            </a:gs>
+            <a:gs pos="100000">
+              <a:schemeClr val="phClr">
+                <a:shade val="30000"/>
+                <a:satMod val="200000"/>
+              </a:schemeClr>
+            </a:gs>
+          </a:gsLst>
+          <a:path path="circle">
+            <a:fillToRect l="50000" t="50000" r="50000" b="50000"/>
+          </a:path>
+        </a:gradFill>
+      </a:bgFillStyleLst>
+    </a:fmtScheme>
+  </a:themeElements>
+</a:theme>
+</file>
+
+<file path=ppt/theme/theme2.xml><?xml version="1.0" encoding="utf-8"?>
 <a:theme xmlns:a="http://schemas.openxmlformats.org/drawingml/2006/main" xmlns:r="http://schemas.openxmlformats.org/officeDocument/2006/relationships">
   <a:themeElements>
     <a:clrScheme name="Default">
@@ -22220,283 +23217,4 @@
     </a:fmtScheme>
   </a:themeElements>
 </a:theme>
-</file>
-
-<file path=ppt/theme/theme2.xml><?xml version="1.0" encoding="utf-8"?>
-<a:theme xmlns:a="http://schemas.openxmlformats.org/drawingml/2006/main" xmlns:r="http://schemas.openxmlformats.org/officeDocument/2006/relationships" name="Focus">
-  <a:themeElements>
-    <a:clrScheme name="Focus">
-      <a:dk1>
-        <a:srgbClr val="1B212C"/>
-      </a:dk1>
-      <a:lt1>
-        <a:srgbClr val="FFFFFF"/>
-      </a:lt1>
-      <a:dk2>
-        <a:srgbClr val="D9D9D9"/>
-      </a:dk2>
-      <a:lt2>
-        <a:srgbClr val="82C7A5"/>
-      </a:lt2>
-      <a:accent1>
-        <a:srgbClr val="0145AC"/>
-      </a:accent1>
-      <a:accent2>
-        <a:srgbClr val="EECE1A"/>
-      </a:accent2>
-      <a:accent3>
-        <a:srgbClr val="4E5567"/>
-      </a:accent3>
-      <a:accent4>
-        <a:srgbClr val="F4D6AD"/>
-      </a:accent4>
-      <a:accent5>
-        <a:srgbClr val="7890CD"/>
-      </a:accent5>
-      <a:accent6>
-        <a:srgbClr val="F15E22"/>
-      </a:accent6>
-      <a:hlink>
-        <a:srgbClr val="7890CD"/>
-      </a:hlink>
-      <a:folHlink>
-        <a:srgbClr val="7890CD"/>
-      </a:folHlink>
-    </a:clrScheme>
-    <a:fontScheme name="Office">
-      <a:majorFont>
-        <a:latin typeface="Arial"/>
-        <a:ea typeface=""/>
-        <a:cs typeface=""/>
-        <a:font script="Jpan" typeface="ＭＳ Ｐゴシック"/>
-        <a:font script="Hang" typeface="맑은 고딕"/>
-        <a:font script="Hans" typeface="宋体"/>
-        <a:font script="Hant" typeface="新細明體"/>
-        <a:font script="Arab" typeface="Times New Roman"/>
-        <a:font script="Hebr" typeface="Times New Roman"/>
-        <a:font script="Thai" typeface="Angsana New"/>
-        <a:font script="Ethi" typeface="Nyala"/>
-        <a:font script="Beng" typeface="Vrinda"/>
-        <a:font script="Gujr" typeface="Shruti"/>
-        <a:font script="Khmr" typeface="MoolBoran"/>
-        <a:font script="Knda" typeface="Tunga"/>
-        <a:font script="Guru" typeface="Raavi"/>
-        <a:font script="Cans" typeface="Euphemia"/>
-        <a:font script="Cher" typeface="Plantagenet Cherokee"/>
-        <a:font script="Yiii" typeface="Microsoft Yi Baiti"/>
-        <a:font script="Tibt" typeface="Microsoft Himalaya"/>
-        <a:font script="Thaa" typeface="MV Boli"/>
-        <a:font script="Deva" typeface="Mangal"/>
-        <a:font script="Telu" typeface="Gautami"/>
-        <a:font script="Taml" typeface="Latha"/>
-        <a:font script="Syrc" typeface="Estrangelo Edessa"/>
-        <a:font script="Orya" typeface="Kalinga"/>
-        <a:font script="Mlym" typeface="Kartika"/>
-        <a:font script="Laoo" typeface="DokChampa"/>
-        <a:font script="Sinh" typeface="Iskoola Pota"/>
-        <a:font script="Mong" typeface="Mongolian Baiti"/>
-        <a:font script="Viet" typeface="Times New Roman"/>
-        <a:font script="Uigh" typeface="Microsoft Uighur"/>
-        <a:font script="Geor" typeface="Sylfaen"/>
-      </a:majorFont>
-      <a:minorFont>
-        <a:latin typeface="Arial"/>
-        <a:ea typeface=""/>
-        <a:cs typeface=""/>
-        <a:font script="Jpan" typeface="ＭＳ Ｐゴシック"/>
-        <a:font script="Hang" typeface="맑은 고딕"/>
-        <a:font script="Hans" typeface="宋体"/>
-        <a:font script="Hant" typeface="新細明體"/>
-        <a:font script="Arab" typeface="Arial"/>
-        <a:font script="Hebr" typeface="Arial"/>
-        <a:font script="Thai" typeface="Cordia New"/>
-        <a:font script="Ethi" typeface="Nyala"/>
-        <a:font script="Beng" typeface="Vrinda"/>
-        <a:font script="Gujr" typeface="Shruti"/>
-        <a:font script="Khmr" typeface="DaunPenh"/>
-        <a:font script="Knda" typeface="Tunga"/>
-        <a:font script="Guru" typeface="Raavi"/>
-        <a:font script="Cans" typeface="Euphemia"/>
-        <a:font script="Cher" typeface="Plantagenet Cherokee"/>
-        <a:font script="Yiii" typeface="Microsoft Yi Baiti"/>
-        <a:font script="Tibt" typeface="Microsoft Himalaya"/>
-        <a:font script="Thaa" typeface="MV Boli"/>
-        <a:font script="Deva" typeface="Mangal"/>
-        <a:font script="Telu" typeface="Gautami"/>
-        <a:font script="Taml" typeface="Latha"/>
-        <a:font script="Syrc" typeface="Estrangelo Edessa"/>
-        <a:font script="Orya" typeface="Kalinga"/>
-        <a:font script="Mlym" typeface="Kartika"/>
-        <a:font script="Laoo" typeface="DokChampa"/>
-        <a:font script="Sinh" typeface="Iskoola Pota"/>
-        <a:font script="Mong" typeface="Mongolian Baiti"/>
-        <a:font script="Viet" typeface="Arial"/>
-        <a:font script="Uigh" typeface="Microsoft Uighur"/>
-        <a:font script="Geor" typeface="Sylfaen"/>
-      </a:minorFont>
-    </a:fontScheme>
-    <a:fmtScheme name="Office">
-      <a:fillStyleLst>
-        <a:solidFill>
-          <a:schemeClr val="phClr"/>
-        </a:solidFill>
-        <a:gradFill rotWithShape="1">
-          <a:gsLst>
-            <a:gs pos="0">
-              <a:schemeClr val="phClr">
-                <a:tint val="50000"/>
-                <a:satMod val="300000"/>
-              </a:schemeClr>
-            </a:gs>
-            <a:gs pos="35000">
-              <a:schemeClr val="phClr">
-                <a:tint val="37000"/>
-                <a:satMod val="300000"/>
-              </a:schemeClr>
-            </a:gs>
-            <a:gs pos="100000">
-              <a:schemeClr val="phClr">
-                <a:tint val="15000"/>
-                <a:satMod val="350000"/>
-              </a:schemeClr>
-            </a:gs>
-          </a:gsLst>
-          <a:lin ang="16200000" scaled="1"/>
-        </a:gradFill>
-        <a:gradFill rotWithShape="1">
-          <a:gsLst>
-            <a:gs pos="0">
-              <a:schemeClr val="phClr">
-                <a:tint val="100000"/>
-                <a:shade val="100000"/>
-                <a:satMod val="130000"/>
-              </a:schemeClr>
-            </a:gs>
-            <a:gs pos="100000">
-              <a:schemeClr val="phClr">
-                <a:tint val="50000"/>
-                <a:shade val="100000"/>
-                <a:satMod val="350000"/>
-              </a:schemeClr>
-            </a:gs>
-          </a:gsLst>
-          <a:lin ang="16200000" scaled="0"/>
-        </a:gradFill>
-      </a:fillStyleLst>
-      <a:lnStyleLst>
-        <a:ln w="9525" cap="flat" cmpd="sng" algn="ctr">
-          <a:solidFill>
-            <a:schemeClr val="phClr">
-              <a:shade val="95000"/>
-              <a:satMod val="105000"/>
-            </a:schemeClr>
-          </a:solidFill>
-          <a:prstDash val="solid"/>
-        </a:ln>
-        <a:ln w="25400" cap="flat" cmpd="sng" algn="ctr">
-          <a:solidFill>
-            <a:schemeClr val="phClr"/>
-          </a:solidFill>
-          <a:prstDash val="solid"/>
-        </a:ln>
-        <a:ln w="38100" cap="flat" cmpd="sng" algn="ctr">
-          <a:solidFill>
-            <a:schemeClr val="phClr"/>
-          </a:solidFill>
-          <a:prstDash val="solid"/>
-        </a:ln>
-      </a:lnStyleLst>
-      <a:effectStyleLst>
-        <a:effectStyle>
-          <a:effectLst>
-            <a:outerShdw blurRad="40000" dist="20000" dir="5400000" rotWithShape="0">
-              <a:srgbClr val="000000">
-                <a:alpha val="38000"/>
-              </a:srgbClr>
-            </a:outerShdw>
-          </a:effectLst>
-        </a:effectStyle>
-        <a:effectStyle>
-          <a:effectLst>
-            <a:outerShdw blurRad="40000" dist="23000" dir="5400000" rotWithShape="0">
-              <a:srgbClr val="000000">
-                <a:alpha val="35000"/>
-              </a:srgbClr>
-            </a:outerShdw>
-          </a:effectLst>
-        </a:effectStyle>
-        <a:effectStyle>
-          <a:effectLst>
-            <a:outerShdw blurRad="40000" dist="23000" dir="5400000" rotWithShape="0">
-              <a:srgbClr val="000000">
-                <a:alpha val="35000"/>
-              </a:srgbClr>
-            </a:outerShdw>
-          </a:effectLst>
-          <a:scene3d>
-            <a:camera prst="orthographicFront">
-              <a:rot lat="0" lon="0" rev="0"/>
-            </a:camera>
-            <a:lightRig rig="threePt" dir="t">
-              <a:rot lat="0" lon="0" rev="1200000"/>
-            </a:lightRig>
-          </a:scene3d>
-          <a:sp3d>
-            <a:bevelT w="63500" h="25400"/>
-          </a:sp3d>
-        </a:effectStyle>
-      </a:effectStyleLst>
-      <a:bgFillStyleLst>
-        <a:solidFill>
-          <a:schemeClr val="phClr"/>
-        </a:solidFill>
-        <a:gradFill rotWithShape="1">
-          <a:gsLst>
-            <a:gs pos="0">
-              <a:schemeClr val="phClr">
-                <a:tint val="40000"/>
-                <a:satMod val="350000"/>
-              </a:schemeClr>
-            </a:gs>
-            <a:gs pos="40000">
-              <a:schemeClr val="phClr">
-                <a:tint val="45000"/>
-                <a:shade val="99000"/>
-                <a:satMod val="350000"/>
-              </a:schemeClr>
-            </a:gs>
-            <a:gs pos="100000">
-              <a:schemeClr val="phClr">
-                <a:shade val="20000"/>
-                <a:satMod val="255000"/>
-              </a:schemeClr>
-            </a:gs>
-          </a:gsLst>
-          <a:path path="circle">
-            <a:fillToRect l="50000" t="-80000" r="50000" b="180000"/>
-          </a:path>
-        </a:gradFill>
-        <a:gradFill rotWithShape="1">
-          <a:gsLst>
-            <a:gs pos="0">
-              <a:schemeClr val="phClr">
-                <a:tint val="80000"/>
-                <a:satMod val="300000"/>
-              </a:schemeClr>
-            </a:gs>
-            <a:gs pos="100000">
-              <a:schemeClr val="phClr">
-                <a:shade val="30000"/>
-                <a:satMod val="200000"/>
-              </a:schemeClr>
-            </a:gs>
-          </a:gsLst>
-          <a:path path="circle">
-            <a:fillToRect l="50000" t="50000" r="50000" b="50000"/>
-          </a:path>
-        </a:gradFill>
-      </a:bgFillStyleLst>
-    </a:fmtScheme>
-  </a:themeElements>
-</a:theme>
 </file>
--- a/presentation/presentation.pptx
+++ b/presentation/presentation.pptx
@@ -19876,7 +19876,25 @@
                 <a:cs typeface="Montserrat"/>
                 <a:sym typeface="Montserrat"/>
               </a:rPr>
-              <a:t>“Is it possible to make predictions about the price of Bitcoin using machine learning methods in combination with the price information and technical characteristics of its blockchain?”</a:t>
+              <a:t>“A</a:t>
+            </a:r>
+            <a:r>
+              <a:rPr i="1" lang="en" sz="2000">
+                <a:latin typeface="Montserrat"/>
+                <a:ea typeface="Montserrat"/>
+                <a:cs typeface="Montserrat"/>
+                <a:sym typeface="Montserrat"/>
+              </a:rPr>
+              <a:t>nalyze machine learning techniques to understand, through the processing of historical data, how accurately the price of Bitcoin can be predicted and whether this can provide added value to cryptocurrency investors and traders</a:t>
+            </a:r>
+            <a:r>
+              <a:rPr i="1" lang="en" sz="2000">
+                <a:latin typeface="Montserrat"/>
+                <a:ea typeface="Montserrat"/>
+                <a:cs typeface="Montserrat"/>
+                <a:sym typeface="Montserrat"/>
+              </a:rPr>
+              <a:t>”</a:t>
             </a:r>
             <a:endParaRPr sz="1500">
               <a:latin typeface="Montserrat"/>
@@ -22662,6 +22680,285 @@
 </file>
 
 <file path=ppt/theme/theme1.xml><?xml version="1.0" encoding="utf-8"?>
+<a:theme xmlns:a="http://schemas.openxmlformats.org/drawingml/2006/main" xmlns:r="http://schemas.openxmlformats.org/officeDocument/2006/relationships">
+  <a:themeElements>
+    <a:clrScheme name="Default">
+      <a:dk1>
+        <a:srgbClr val="000000"/>
+      </a:dk1>
+      <a:lt1>
+        <a:srgbClr val="FFFFFF"/>
+      </a:lt1>
+      <a:dk2>
+        <a:srgbClr val="158158"/>
+      </a:dk2>
+      <a:lt2>
+        <a:srgbClr val="F3F3F3"/>
+      </a:lt2>
+      <a:accent1>
+        <a:srgbClr val="058DC7"/>
+      </a:accent1>
+      <a:accent2>
+        <a:srgbClr val="50B432"/>
+      </a:accent2>
+      <a:accent3>
+        <a:srgbClr val="ED561B"/>
+      </a:accent3>
+      <a:accent4>
+        <a:srgbClr val="EDEF00"/>
+      </a:accent4>
+      <a:accent5>
+        <a:srgbClr val="24CBE5"/>
+      </a:accent5>
+      <a:accent6>
+        <a:srgbClr val="64E572"/>
+      </a:accent6>
+      <a:hlink>
+        <a:srgbClr val="2200CC"/>
+      </a:hlink>
+      <a:folHlink>
+        <a:srgbClr val="551A8B"/>
+      </a:folHlink>
+    </a:clrScheme>
+    <a:fontScheme name="Office">
+      <a:majorFont>
+        <a:latin typeface="Arial"/>
+        <a:ea typeface=""/>
+        <a:cs typeface=""/>
+        <a:font script="Jpan" typeface="ＭＳ Ｐゴシック"/>
+        <a:font script="Hang" typeface="맑은 고딕"/>
+        <a:font script="Hans" typeface="宋体"/>
+        <a:font script="Hant" typeface="新細明體"/>
+        <a:font script="Arab" typeface="Times New Roman"/>
+        <a:font script="Hebr" typeface="Times New Roman"/>
+        <a:font script="Thai" typeface="Angsana New"/>
+        <a:font script="Ethi" typeface="Nyala"/>
+        <a:font script="Beng" typeface="Vrinda"/>
+        <a:font script="Gujr" typeface="Shruti"/>
+        <a:font script="Khmr" typeface="MoolBoran"/>
+        <a:font script="Knda" typeface="Tunga"/>
+        <a:font script="Guru" typeface="Raavi"/>
+        <a:font script="Cans" typeface="Euphemia"/>
+        <a:font script="Cher" typeface="Plantagenet Cherokee"/>
+        <a:font script="Yiii" typeface="Microsoft Yi Baiti"/>
+        <a:font script="Tibt" typeface="Microsoft Himalaya"/>
+        <a:font script="Thaa" typeface="MV Boli"/>
+        <a:font script="Deva" typeface="Mangal"/>
+        <a:font script="Telu" typeface="Gautami"/>
+        <a:font script="Taml" typeface="Latha"/>
+        <a:font script="Syrc" typeface="Estrangelo Edessa"/>
+        <a:font script="Orya" typeface="Kalinga"/>
+        <a:font script="Mlym" typeface="Kartika"/>
+        <a:font script="Laoo" typeface="DokChampa"/>
+        <a:font script="Sinh" typeface="Iskoola Pota"/>
+        <a:font script="Mong" typeface="Mongolian Baiti"/>
+        <a:font script="Viet" typeface="Times New Roman"/>
+        <a:font script="Uigh" typeface="Microsoft Uighur"/>
+        <a:font script="Geor" typeface="Sylfaen"/>
+      </a:majorFont>
+      <a:minorFont>
+        <a:latin typeface="Arial"/>
+        <a:ea typeface=""/>
+        <a:cs typeface=""/>
+        <a:font script="Jpan" typeface="ＭＳ Ｐゴシック"/>
+        <a:font script="Hang" typeface="맑은 고딕"/>
+        <a:font script="Hans" typeface="宋体"/>
+        <a:font script="Hant" typeface="新細明體"/>
+        <a:font script="Arab" typeface="Arial"/>
+        <a:font script="Hebr" typeface="Arial"/>
+        <a:font script="Thai" typeface="Cordia New"/>
+        <a:font script="Ethi" typeface="Nyala"/>
+        <a:font script="Beng" typeface="Vrinda"/>
+        <a:font script="Gujr" typeface="Shruti"/>
+        <a:font script="Khmr" typeface="DaunPenh"/>
+        <a:font script="Knda" typeface="Tunga"/>
+        <a:font script="Guru" typeface="Raavi"/>
+        <a:font script="Cans" typeface="Euphemia"/>
+        <a:font script="Cher" typeface="Plantagenet Cherokee"/>
+        <a:font script="Yiii" typeface="Microsoft Yi Baiti"/>
+        <a:font script="Tibt" typeface="Microsoft Himalaya"/>
+        <a:font script="Thaa" typeface="MV Boli"/>
+        <a:font script="Deva" typeface="Mangal"/>
+        <a:font script="Telu" typeface="Gautami"/>
+        <a:font script="Taml" typeface="Latha"/>
+        <a:font script="Syrc" typeface="Estrangelo Edessa"/>
+        <a:font script="Orya" typeface="Kalinga"/>
+        <a:font script="Mlym" typeface="Kartika"/>
+        <a:font script="Laoo" typeface="DokChampa"/>
+        <a:font script="Sinh" typeface="Iskoola Pota"/>
+        <a:font script="Mong" typeface="Mongolian Baiti"/>
+        <a:font script="Viet" typeface="Arial"/>
+        <a:font script="Uigh" typeface="Microsoft Uighur"/>
+        <a:font script="Geor" typeface="Sylfaen"/>
+      </a:minorFont>
+    </a:fontScheme>
+    <a:fmtScheme name="Office">
+      <a:fillStyleLst>
+        <a:solidFill>
+          <a:schemeClr val="phClr"/>
+        </a:solidFill>
+        <a:gradFill rotWithShape="1">
+          <a:gsLst>
+            <a:gs pos="0">
+              <a:schemeClr val="phClr">
+                <a:tint val="50000"/>
+                <a:satMod val="300000"/>
+              </a:schemeClr>
+            </a:gs>
+            <a:gs pos="35000">
+              <a:schemeClr val="phClr">
+                <a:tint val="37000"/>
+                <a:satMod val="300000"/>
+              </a:schemeClr>
+            </a:gs>
+            <a:gs pos="100000">
+              <a:schemeClr val="phClr">
+                <a:tint val="15000"/>
+                <a:satMod val="350000"/>
+              </a:schemeClr>
+            </a:gs>
+          </a:gsLst>
+          <a:lin ang="16200000" scaled="1"/>
+        </a:gradFill>
+        <a:gradFill rotWithShape="1">
+          <a:gsLst>
+            <a:gs pos="0">
+              <a:schemeClr val="phClr">
+                <a:tint val="100000"/>
+                <a:shade val="100000"/>
+                <a:satMod val="130000"/>
+              </a:schemeClr>
+            </a:gs>
+            <a:gs pos="100000">
+              <a:schemeClr val="phClr">
+                <a:tint val="50000"/>
+                <a:shade val="100000"/>
+                <a:satMod val="350000"/>
+              </a:schemeClr>
+            </a:gs>
+          </a:gsLst>
+          <a:lin ang="16200000" scaled="0"/>
+        </a:gradFill>
+      </a:fillStyleLst>
+      <a:lnStyleLst>
+        <a:ln w="9525" cap="flat" cmpd="sng" algn="ctr">
+          <a:solidFill>
+            <a:schemeClr val="phClr">
+              <a:shade val="95000"/>
+              <a:satMod val="105000"/>
+            </a:schemeClr>
+          </a:solidFill>
+          <a:prstDash val="solid"/>
+        </a:ln>
+        <a:ln w="25400" cap="flat" cmpd="sng" algn="ctr">
+          <a:solidFill>
+            <a:schemeClr val="phClr"/>
+          </a:solidFill>
+          <a:prstDash val="solid"/>
+        </a:ln>
+        <a:ln w="38100" cap="flat" cmpd="sng" algn="ctr">
+          <a:solidFill>
+            <a:schemeClr val="phClr"/>
+          </a:solidFill>
+          <a:prstDash val="solid"/>
+        </a:ln>
+      </a:lnStyleLst>
+      <a:effectStyleLst>
+        <a:effectStyle>
+          <a:effectLst>
+            <a:outerShdw blurRad="40000" dist="20000" dir="5400000" rotWithShape="0">
+              <a:srgbClr val="000000">
+                <a:alpha val="38000"/>
+              </a:srgbClr>
+            </a:outerShdw>
+          </a:effectLst>
+        </a:effectStyle>
+        <a:effectStyle>
+          <a:effectLst>
+            <a:outerShdw blurRad="40000" dist="23000" dir="5400000" rotWithShape="0">
+              <a:srgbClr val="000000">
+                <a:alpha val="35000"/>
+              </a:srgbClr>
+            </a:outerShdw>
+          </a:effectLst>
+        </a:effectStyle>
+        <a:effectStyle>
+          <a:effectLst>
+            <a:outerShdw blurRad="40000" dist="23000" dir="5400000" rotWithShape="0">
+              <a:srgbClr val="000000">
+                <a:alpha val="35000"/>
+              </a:srgbClr>
+            </a:outerShdw>
+          </a:effectLst>
+          <a:scene3d>
+            <a:camera prst="orthographicFront">
+              <a:rot lat="0" lon="0" rev="0"/>
+            </a:camera>
+            <a:lightRig rig="threePt" dir="t">
+              <a:rot lat="0" lon="0" rev="1200000"/>
+            </a:lightRig>
+          </a:scene3d>
+          <a:sp3d>
+            <a:bevelT w="63500" h="25400"/>
+          </a:sp3d>
+        </a:effectStyle>
+      </a:effectStyleLst>
+      <a:bgFillStyleLst>
+        <a:solidFill>
+          <a:schemeClr val="phClr"/>
+        </a:solidFill>
+        <a:gradFill rotWithShape="1">
+          <a:gsLst>
+            <a:gs pos="0">
+              <a:schemeClr val="phClr">
+                <a:tint val="40000"/>
+                <a:satMod val="350000"/>
+              </a:schemeClr>
+            </a:gs>
+            <a:gs pos="40000">
+              <a:schemeClr val="phClr">
+                <a:tint val="45000"/>
+                <a:shade val="99000"/>
+                <a:satMod val="350000"/>
+              </a:schemeClr>
+            </a:gs>
+            <a:gs pos="100000">
+              <a:schemeClr val="phClr">
+                <a:shade val="20000"/>
+                <a:satMod val="255000"/>
+              </a:schemeClr>
+            </a:gs>
+          </a:gsLst>
+          <a:path path="circle">
+            <a:fillToRect l="50000" t="-80000" r="50000" b="180000"/>
+          </a:path>
+        </a:gradFill>
+        <a:gradFill rotWithShape="1">
+          <a:gsLst>
+            <a:gs pos="0">
+              <a:schemeClr val="phClr">
+                <a:tint val="80000"/>
+                <a:satMod val="300000"/>
+              </a:schemeClr>
+            </a:gs>
+            <a:gs pos="100000">
+              <a:schemeClr val="phClr">
+                <a:shade val="30000"/>
+                <a:satMod val="200000"/>
+              </a:schemeClr>
+            </a:gs>
+          </a:gsLst>
+          <a:path path="circle">
+            <a:fillToRect l="50000" t="50000" r="50000" b="50000"/>
+          </a:path>
+        </a:gradFill>
+      </a:bgFillStyleLst>
+    </a:fmtScheme>
+  </a:themeElements>
+</a:theme>
+</file>
+
+<file path=ppt/theme/theme2.xml><?xml version="1.0" encoding="utf-8"?>
 <a:theme xmlns:a="http://schemas.openxmlformats.org/drawingml/2006/main" xmlns:r="http://schemas.openxmlformats.org/officeDocument/2006/relationships" name="Focus">
   <a:themeElements>
     <a:clrScheme name="Focus">
@@ -22938,283 +23235,4 @@
     </a:fmtScheme>
   </a:themeElements>
 </a:theme>
-</file>
-
-<file path=ppt/theme/theme2.xml><?xml version="1.0" encoding="utf-8"?>
-<a:theme xmlns:a="http://schemas.openxmlformats.org/drawingml/2006/main" xmlns:r="http://schemas.openxmlformats.org/officeDocument/2006/relationships">
-  <a:themeElements>
-    <a:clrScheme name="Default">
-      <a:dk1>
-        <a:srgbClr val="000000"/>
-      </a:dk1>
-      <a:lt1>
-        <a:srgbClr val="FFFFFF"/>
-      </a:lt1>
-      <a:dk2>
-        <a:srgbClr val="158158"/>
-      </a:dk2>
-      <a:lt2>
-        <a:srgbClr val="F3F3F3"/>
-      </a:lt2>
-      <a:accent1>
-        <a:srgbClr val="058DC7"/>
-      </a:accent1>
-      <a:accent2>
-        <a:srgbClr val="50B432"/>
-      </a:accent2>
-      <a:accent3>
-        <a:srgbClr val="ED561B"/>
-      </a:accent3>
-      <a:accent4>
-        <a:srgbClr val="EDEF00"/>
-      </a:accent4>
-      <a:accent5>
-        <a:srgbClr val="24CBE5"/>
-      </a:accent5>
-      <a:accent6>
-        <a:srgbClr val="64E572"/>
-      </a:accent6>
-      <a:hlink>
-        <a:srgbClr val="2200CC"/>
-      </a:hlink>
-      <a:folHlink>
-        <a:srgbClr val="551A8B"/>
-      </a:folHlink>
-    </a:clrScheme>
-    <a:fontScheme name="Office">
-      <a:majorFont>
-        <a:latin typeface="Arial"/>
-        <a:ea typeface=""/>
-        <a:cs typeface=""/>
-        <a:font script="Jpan" typeface="ＭＳ Ｐゴシック"/>
-        <a:font script="Hang" typeface="맑은 고딕"/>
-        <a:font script="Hans" typeface="宋体"/>
-        <a:font script="Hant" typeface="新細明體"/>
-        <a:font script="Arab" typeface="Times New Roman"/>
-        <a:font script="Hebr" typeface="Times New Roman"/>
-        <a:font script="Thai" typeface="Angsana New"/>
-        <a:font script="Ethi" typeface="Nyala"/>
-        <a:font script="Beng" typeface="Vrinda"/>
-        <a:font script="Gujr" typeface="Shruti"/>
-        <a:font script="Khmr" typeface="MoolBoran"/>
-        <a:font script="Knda" typeface="Tunga"/>
-        <a:font script="Guru" typeface="Raavi"/>
-        <a:font script="Cans" typeface="Euphemia"/>
-        <a:font script="Cher" typeface="Plantagenet Cherokee"/>
-        <a:font script="Yiii" typeface="Microsoft Yi Baiti"/>
-        <a:font script="Tibt" typeface="Microsoft Himalaya"/>
-        <a:font script="Thaa" typeface="MV Boli"/>
-        <a:font script="Deva" typeface="Mangal"/>
-        <a:font script="Telu" typeface="Gautami"/>
-        <a:font script="Taml" typeface="Latha"/>
-        <a:font script="Syrc" typeface="Estrangelo Edessa"/>
-        <a:font script="Orya" typeface="Kalinga"/>
-        <a:font script="Mlym" typeface="Kartika"/>
-        <a:font script="Laoo" typeface="DokChampa"/>
-        <a:font script="Sinh" typeface="Iskoola Pota"/>
-        <a:font script="Mong" typeface="Mongolian Baiti"/>
-        <a:font script="Viet" typeface="Times New Roman"/>
-        <a:font script="Uigh" typeface="Microsoft Uighur"/>
-        <a:font script="Geor" typeface="Sylfaen"/>
-      </a:majorFont>
-      <a:minorFont>
-        <a:latin typeface="Arial"/>
-        <a:ea typeface=""/>
-        <a:cs typeface=""/>
-        <a:font script="Jpan" typeface="ＭＳ Ｐゴシック"/>
-        <a:font script="Hang" typeface="맑은 고딕"/>
-        <a:font script="Hans" typeface="宋体"/>
-        <a:font script="Hant" typeface="新細明體"/>
-        <a:font script="Arab" typeface="Arial"/>
-        <a:font script="Hebr" typeface="Arial"/>
-        <a:font script="Thai" typeface="Cordia New"/>
-        <a:font script="Ethi" typeface="Nyala"/>
-        <a:font script="Beng" typeface="Vrinda"/>
-        <a:font script="Gujr" typeface="Shruti"/>
-        <a:font script="Khmr" typeface="DaunPenh"/>
-        <a:font script="Knda" typeface="Tunga"/>
-        <a:font script="Guru" typeface="Raavi"/>
-        <a:font script="Cans" typeface="Euphemia"/>
-        <a:font script="Cher" typeface="Plantagenet Cherokee"/>
-        <a:font script="Yiii" typeface="Microsoft Yi Baiti"/>
-        <a:font script="Tibt" typeface="Microsoft Himalaya"/>
-        <a:font script="Thaa" typeface="MV Boli"/>
-        <a:font script="Deva" typeface="Mangal"/>
-        <a:font script="Telu" typeface="Gautami"/>
-        <a:font script="Taml" typeface="Latha"/>
-        <a:font script="Syrc" typeface="Estrangelo Edessa"/>
-        <a:font script="Orya" typeface="Kalinga"/>
-        <a:font script="Mlym" typeface="Kartika"/>
-        <a:font script="Laoo" typeface="DokChampa"/>
-        <a:font script="Sinh" typeface="Iskoola Pota"/>
-        <a:font script="Mong" typeface="Mongolian Baiti"/>
-        <a:font script="Viet" typeface="Arial"/>
-        <a:font script="Uigh" typeface="Microsoft Uighur"/>
-        <a:font script="Geor" typeface="Sylfaen"/>
-      </a:minorFont>
-    </a:fontScheme>
-    <a:fmtScheme name="Office">
-      <a:fillStyleLst>
-        <a:solidFill>
-          <a:schemeClr val="phClr"/>
-        </a:solidFill>
-        <a:gradFill rotWithShape="1">
-          <a:gsLst>
-            <a:gs pos="0">
-              <a:schemeClr val="phClr">
-                <a:tint val="50000"/>
-                <a:satMod val="300000"/>
-              </a:schemeClr>
-            </a:gs>
-            <a:gs pos="35000">
-              <a:schemeClr val="phClr">
-                <a:tint val="37000"/>
-                <a:satMod val="300000"/>
-              </a:schemeClr>
-            </a:gs>
-            <a:gs pos="100000">
-              <a:schemeClr val="phClr">
-                <a:tint val="15000"/>
-                <a:satMod val="350000"/>
-              </a:schemeClr>
-            </a:gs>
-          </a:gsLst>
-          <a:lin ang="16200000" scaled="1"/>
-        </a:gradFill>
-        <a:gradFill rotWithShape="1">
-          <a:gsLst>
-            <a:gs pos="0">
-              <a:schemeClr val="phClr">
-                <a:tint val="100000"/>
-                <a:shade val="100000"/>
-                <a:satMod val="130000"/>
-              </a:schemeClr>
-            </a:gs>
-            <a:gs pos="100000">
-              <a:schemeClr val="phClr">
-                <a:tint val="50000"/>
-                <a:shade val="100000"/>
-                <a:satMod val="350000"/>
-              </a:schemeClr>
-            </a:gs>
-          </a:gsLst>
-          <a:lin ang="16200000" scaled="0"/>
-        </a:gradFill>
-      </a:fillStyleLst>
-      <a:lnStyleLst>
-        <a:ln w="9525" cap="flat" cmpd="sng" algn="ctr">
-          <a:solidFill>
-            <a:schemeClr val="phClr">
-              <a:shade val="95000"/>
-              <a:satMod val="105000"/>
-            </a:schemeClr>
-          </a:solidFill>
-          <a:prstDash val="solid"/>
-        </a:ln>
-        <a:ln w="25400" cap="flat" cmpd="sng" algn="ctr">
-          <a:solidFill>
-            <a:schemeClr val="phClr"/>
-          </a:solidFill>
-          <a:prstDash val="solid"/>
-        </a:ln>
-        <a:ln w="38100" cap="flat" cmpd="sng" algn="ctr">
-          <a:solidFill>
-            <a:schemeClr val="phClr"/>
-          </a:solidFill>
-          <a:prstDash val="solid"/>
-        </a:ln>
-      </a:lnStyleLst>
-      <a:effectStyleLst>
-        <a:effectStyle>
-          <a:effectLst>
-            <a:outerShdw blurRad="40000" dist="20000" dir="5400000" rotWithShape="0">
-              <a:srgbClr val="000000">
-                <a:alpha val="38000"/>
-              </a:srgbClr>
-            </a:outerShdw>
-          </a:effectLst>
-        </a:effectStyle>
-        <a:effectStyle>
-          <a:effectLst>
-            <a:outerShdw blurRad="40000" dist="23000" dir="5400000" rotWithShape="0">
-              <a:srgbClr val="000000">
-                <a:alpha val="35000"/>
-              </a:srgbClr>
-            </a:outerShdw>
-          </a:effectLst>
-        </a:effectStyle>
-        <a:effectStyle>
-          <a:effectLst>
-            <a:outerShdw blurRad="40000" dist="23000" dir="5400000" rotWithShape="0">
-              <a:srgbClr val="000000">
-                <a:alpha val="35000"/>
-              </a:srgbClr>
-            </a:outerShdw>
-          </a:effectLst>
-          <a:scene3d>
-            <a:camera prst="orthographicFront">
-              <a:rot lat="0" lon="0" rev="0"/>
-            </a:camera>
-            <a:lightRig rig="threePt" dir="t">
-              <a:rot lat="0" lon="0" rev="1200000"/>
-            </a:lightRig>
-          </a:scene3d>
-          <a:sp3d>
-            <a:bevelT w="63500" h="25400"/>
-          </a:sp3d>
-        </a:effectStyle>
-      </a:effectStyleLst>
-      <a:bgFillStyleLst>
-        <a:solidFill>
-          <a:schemeClr val="phClr"/>
-        </a:solidFill>
-        <a:gradFill rotWithShape="1">
-          <a:gsLst>
-            <a:gs pos="0">
-              <a:schemeClr val="phClr">
-                <a:tint val="40000"/>
-                <a:satMod val="350000"/>
-              </a:schemeClr>
-            </a:gs>
-            <a:gs pos="40000">
-              <a:schemeClr val="phClr">
-                <a:tint val="45000"/>
-                <a:shade val="99000"/>
-                <a:satMod val="350000"/>
-              </a:schemeClr>
-            </a:gs>
-            <a:gs pos="100000">
-              <a:schemeClr val="phClr">
-                <a:shade val="20000"/>
-                <a:satMod val="255000"/>
-              </a:schemeClr>
-            </a:gs>
-          </a:gsLst>
-          <a:path path="circle">
-            <a:fillToRect l="50000" t="-80000" r="50000" b="180000"/>
-          </a:path>
-        </a:gradFill>
-        <a:gradFill rotWithShape="1">
-          <a:gsLst>
-            <a:gs pos="0">
-              <a:schemeClr val="phClr">
-                <a:tint val="80000"/>
-                <a:satMod val="300000"/>
-              </a:schemeClr>
-            </a:gs>
-            <a:gs pos="100000">
-              <a:schemeClr val="phClr">
-                <a:shade val="30000"/>
-                <a:satMod val="200000"/>
-              </a:schemeClr>
-            </a:gs>
-          </a:gsLst>
-          <a:path path="circle">
-            <a:fillToRect l="50000" t="50000" r="50000" b="50000"/>
-          </a:path>
-        </a:gradFill>
-      </a:bgFillStyleLst>
-    </a:fmtScheme>
-  </a:themeElements>
-</a:theme>
 </file>
--- a/presentation/presentation.pptx
+++ b/presentation/presentation.pptx
@@ -38,23 +38,24 @@
     <p:sldId id="283" r:id="rId34"/>
     <p:sldId id="284" r:id="rId35"/>
     <p:sldId id="285" r:id="rId36"/>
+    <p:sldId id="286" r:id="rId37"/>
   </p:sldIdLst>
   <p:sldSz cy="5143500" cx="9144000"/>
   <p:notesSz cx="6858000" cy="9144000"/>
   <p:embeddedFontLst>
     <p:embeddedFont>
       <p:font typeface="Lato"/>
-      <p:regular r:id="rId37"/>
-      <p:bold r:id="rId38"/>
-      <p:italic r:id="rId39"/>
-      <p:boldItalic r:id="rId40"/>
+      <p:regular r:id="rId38"/>
+      <p:bold r:id="rId39"/>
+      <p:italic r:id="rId40"/>
+      <p:boldItalic r:id="rId41"/>
     </p:embeddedFont>
     <p:embeddedFont>
       <p:font typeface="Montserrat"/>
-      <p:regular r:id="rId41"/>
-      <p:bold r:id="rId42"/>
-      <p:italic r:id="rId43"/>
-      <p:boldItalic r:id="rId44"/>
+      <p:regular r:id="rId42"/>
+      <p:bold r:id="rId43"/>
+      <p:italic r:id="rId44"/>
+      <p:boldItalic r:id="rId45"/>
     </p:embeddedFont>
   </p:embeddedFontLst>
   <p:defaultTextStyle>
@@ -302,7 +303,7 @@
       </p15:sldGuideLst>
     </p:ext>
     <p:ext uri="GoogleSlidesCustomDataVersion2">
-      <go:slidesCustomData xmlns:go="http://customooxmlschemas.google.com/" r:id="rId45" roundtripDataSignature="AMtx7mhWIlmX9QsZ4ZX2fPN8VIJzrgL4yg=="/>
+      <go:slidesCustomData xmlns:go="http://customooxmlschemas.google.com/" r:id="rId46" roundtripDataSignature="AMtx7mi118ukbDLkJ93ORq0LOmrHz20fCg=="/>
     </p:ext>
   </p:extLst>
 </p:presentation>
@@ -310,30 +311,13 @@
 
 <file path=ppt/commentAuthors.xml><?xml version="1.0" encoding="utf-8"?>
 <p:cmAuthorLst xmlns:a="http://schemas.openxmlformats.org/drawingml/2006/main" xmlns:r="http://schemas.openxmlformats.org/officeDocument/2006/relationships" xmlns:mc="http://schemas.openxmlformats.org/markup-compatibility/2006" xmlns:mv="urn:schemas-microsoft-com:mac:vml" xmlns:p="http://schemas.openxmlformats.org/presentationml/2006/main" xmlns:c="http://schemas.openxmlformats.org/drawingml/2006/chart" xmlns:dgm="http://schemas.openxmlformats.org/drawingml/2006/diagram" xmlns:o="urn:schemas-microsoft-com:office:office" xmlns:v="urn:schemas-microsoft-com:vml" xmlns:pvml="urn:schemas-microsoft-com:office:powerpoint" xmlns:com="http://schemas.openxmlformats.org/drawingml/2006/compatibility" xmlns:p14="http://schemas.microsoft.com/office/powerpoint/2010/main" xmlns:p15="http://schemas.microsoft.com/office/powerpoint/2012/main" xmlns:ahyp="http://schemas.microsoft.com/office/drawing/2018/hyperlinkcolor">
-  <p:cmAuthor clrIdx="0" id="0" initials="" lastIdx="4" name="Danilo Corsi"/>
+  <p:cmAuthor clrIdx="0" id="0" initials="" lastIdx="3" name="Danilo Corsi"/>
 </p:cmAuthorLst>
 </file>
 
 <file path=ppt/comments/comment1.xml><?xml version="1.0" encoding="utf-8"?>
 <p:cmLst xmlns:a="http://schemas.openxmlformats.org/drawingml/2006/main" xmlns:r="http://schemas.openxmlformats.org/officeDocument/2006/relationships" xmlns:mc="http://schemas.openxmlformats.org/markup-compatibility/2006" xmlns:mv="urn:schemas-microsoft-com:mac:vml" xmlns:p="http://schemas.openxmlformats.org/presentationml/2006/main" xmlns:c="http://schemas.openxmlformats.org/drawingml/2006/chart" xmlns:dgm="http://schemas.openxmlformats.org/drawingml/2006/diagram" xmlns:o="urn:schemas-microsoft-com:office:office" xmlns:v="urn:schemas-microsoft-com:vml" xmlns:pvml="urn:schemas-microsoft-com:office:powerpoint" xmlns:com="http://schemas.openxmlformats.org/drawingml/2006/compatibility" xmlns:p14="http://schemas.microsoft.com/office/powerpoint/2010/main" xmlns:p15="http://schemas.microsoft.com/office/powerpoint/2012/main" xmlns:ahyp="http://schemas.microsoft.com/office/drawing/2018/hyperlinkcolor">
-  <p:cm authorId="0" idx="1" dt="2023-12-15T18:00:01.780">
-    <p:pos x="6000" y="0"/>
-    <p:text>Aggiungi qualche grafico</p:text>
-    <p:extLst>
-      <p:ext uri="{C676402C-5697-4E1C-873F-D02D1690AC5C}">
-        <p15:threadingInfo timeZoneBias="0"/>
-      </p:ext>
-      <p:ext uri="http://customooxmlschemas.google.com/">
-        <go:slidesCustomData xmlns:go="http://customooxmlschemas.google.com/" commentPostId="AAABCjcA6nk"/>
-      </p:ext>
-    </p:extLst>
-  </p:cm>
-</p:cmLst>
-</file>
-
-<file path=ppt/comments/comment2.xml><?xml version="1.0" encoding="utf-8"?>
-<p:cmLst xmlns:a="http://schemas.openxmlformats.org/drawingml/2006/main" xmlns:r="http://schemas.openxmlformats.org/officeDocument/2006/relationships" xmlns:mc="http://schemas.openxmlformats.org/markup-compatibility/2006" xmlns:mv="urn:schemas-microsoft-com:mac:vml" xmlns:p="http://schemas.openxmlformats.org/presentationml/2006/main" xmlns:c="http://schemas.openxmlformats.org/drawingml/2006/chart" xmlns:dgm="http://schemas.openxmlformats.org/drawingml/2006/diagram" xmlns:o="urn:schemas-microsoft-com:office:office" xmlns:v="urn:schemas-microsoft-com:vml" xmlns:pvml="urn:schemas-microsoft-com:office:powerpoint" xmlns:com="http://schemas.openxmlformats.org/drawingml/2006/compatibility" xmlns:p14="http://schemas.microsoft.com/office/powerpoint/2010/main" xmlns:p15="http://schemas.microsoft.com/office/powerpoint/2012/main" xmlns:ahyp="http://schemas.microsoft.com/office/drawing/2018/hyperlinkcolor">
-  <p:cm authorId="0" idx="2" dt="2023-12-15T18:01:00.571">
+  <p:cm authorId="0" idx="1" dt="2023-12-15T18:01:00.571">
     <p:pos x="6000" y="0"/>
     <p:text>Aggiungi qualcosa</p:text>
     <p:extLst>
@@ -348,9 +332,9 @@
 </p:cmLst>
 </file>
 
-<file path=ppt/comments/comment3.xml><?xml version="1.0" encoding="utf-8"?>
+<file path=ppt/comments/comment2.xml><?xml version="1.0" encoding="utf-8"?>
 <p:cmLst xmlns:a="http://schemas.openxmlformats.org/drawingml/2006/main" xmlns:r="http://schemas.openxmlformats.org/officeDocument/2006/relationships" xmlns:mc="http://schemas.openxmlformats.org/markup-compatibility/2006" xmlns:mv="urn:schemas-microsoft-com:mac:vml" xmlns:p="http://schemas.openxmlformats.org/presentationml/2006/main" xmlns:c="http://schemas.openxmlformats.org/drawingml/2006/chart" xmlns:dgm="http://schemas.openxmlformats.org/drawingml/2006/diagram" xmlns:o="urn:schemas-microsoft-com:office:office" xmlns:v="urn:schemas-microsoft-com:vml" xmlns:pvml="urn:schemas-microsoft-com:office:powerpoint" xmlns:com="http://schemas.openxmlformats.org/drawingml/2006/compatibility" xmlns:p14="http://schemas.microsoft.com/office/powerpoint/2010/main" xmlns:p15="http://schemas.microsoft.com/office/powerpoint/2012/main" xmlns:ahyp="http://schemas.microsoft.com/office/drawing/2018/hyperlinkcolor">
-  <p:cm authorId="0" idx="3" dt="2023-12-15T18:01:20.025">
+  <p:cm authorId="0" idx="2" dt="2023-12-15T18:01:20.025">
     <p:pos x="6000" y="0"/>
     <p:text>Aggiungi recap</p:text>
     <p:extLst>
@@ -365,9 +349,9 @@
 </p:cmLst>
 </file>
 
-<file path=ppt/comments/comment4.xml><?xml version="1.0" encoding="utf-8"?>
+<file path=ppt/comments/comment3.xml><?xml version="1.0" encoding="utf-8"?>
 <p:cmLst xmlns:a="http://schemas.openxmlformats.org/drawingml/2006/main" xmlns:r="http://schemas.openxmlformats.org/officeDocument/2006/relationships" xmlns:mc="http://schemas.openxmlformats.org/markup-compatibility/2006" xmlns:mv="urn:schemas-microsoft-com:mac:vml" xmlns:p="http://schemas.openxmlformats.org/presentationml/2006/main" xmlns:c="http://schemas.openxmlformats.org/drawingml/2006/chart" xmlns:dgm="http://schemas.openxmlformats.org/drawingml/2006/diagram" xmlns:o="urn:schemas-microsoft-com:office:office" xmlns:v="urn:schemas-microsoft-com:vml" xmlns:pvml="urn:schemas-microsoft-com:office:powerpoint" xmlns:com="http://schemas.openxmlformats.org/drawingml/2006/compatibility" xmlns:p14="http://schemas.microsoft.com/office/powerpoint/2010/main" xmlns:p15="http://schemas.microsoft.com/office/powerpoint/2012/main" xmlns:ahyp="http://schemas.microsoft.com/office/drawing/2018/hyperlinkcolor">
-  <p:cm authorId="0" idx="4" dt="2023-12-15T18:01:29.588">
+  <p:cm authorId="0" idx="3" dt="2023-12-15T18:01:29.588">
     <p:pos x="6000" y="0"/>
     <p:text>Aggiungi recap</p:text>
     <p:extLst>
@@ -1072,7 +1056,7 @@
   <p:cSld>
     <p:spTree>
       <p:nvGrpSpPr>
-        <p:cNvPr id="132" name="Shape 132"/>
+        <p:cNvPr id="131" name="Shape 131"/>
         <p:cNvGrpSpPr/>
         <p:nvPr/>
       </p:nvGrpSpPr>
@@ -1086,7 +1070,7 @@
       </p:grpSpPr>
       <p:sp>
         <p:nvSpPr>
-          <p:cNvPr id="133" name="Google Shape;133;g2a0c6f9b0a2_0_22:notes"/>
+          <p:cNvPr id="132" name="Google Shape;132;g2a7c40ec614_0_19:notes"/>
           <p:cNvSpPr/>
           <p:nvPr>
             <p:ph idx="2" type="sldImg"/>
@@ -1131,7 +1115,7 @@
       </p:sp>
       <p:sp>
         <p:nvSpPr>
-          <p:cNvPr id="134" name="Google Shape;134;g2a0c6f9b0a2_0_22:notes"/>
+          <p:cNvPr id="133" name="Google Shape;133;g2a7c40ec614_0_19:notes"/>
           <p:cNvSpPr txBox="1"/>
           <p:nvPr>
             <p:ph idx="1" type="body"/>
@@ -2839,7 +2823,7 @@
   <p:cSld>
     <p:spTree>
       <p:nvGrpSpPr>
-        <p:cNvPr id="232" name="Shape 232"/>
+        <p:cNvPr id="233" name="Shape 233"/>
         <p:cNvGrpSpPr/>
         <p:nvPr/>
       </p:nvGrpSpPr>
@@ -2853,7 +2837,7 @@
       </p:grpSpPr>
       <p:sp>
         <p:nvSpPr>
-          <p:cNvPr id="233" name="Google Shape;233;g2a0c6f9b0a2_0_91:notes"/>
+          <p:cNvPr id="234" name="Google Shape;234;g2a0c6f9b0a2_0_91:notes"/>
           <p:cNvSpPr/>
           <p:nvPr>
             <p:ph idx="2" type="sldImg"/>
@@ -2898,7 +2882,7 @@
       </p:sp>
       <p:sp>
         <p:nvSpPr>
-          <p:cNvPr id="234" name="Google Shape;234;g2a0c6f9b0a2_0_91:notes"/>
+          <p:cNvPr id="235" name="Google Shape;235;g2a0c6f9b0a2_0_91:notes"/>
           <p:cNvSpPr txBox="1"/>
           <p:nvPr>
             <p:ph idx="1" type="body"/>
@@ -2956,7 +2940,7 @@
   <p:cSld>
     <p:spTree>
       <p:nvGrpSpPr>
-        <p:cNvPr id="246" name="Shape 246"/>
+        <p:cNvPr id="249" name="Shape 249"/>
         <p:cNvGrpSpPr/>
         <p:nvPr/>
       </p:nvGrpSpPr>
@@ -2970,7 +2954,7 @@
       </p:grpSpPr>
       <p:sp>
         <p:nvSpPr>
-          <p:cNvPr id="247" name="Google Shape;247;g2a0c6f9b0a2_0_97:notes"/>
+          <p:cNvPr id="250" name="Google Shape;250;g2a0c6f9b0a2_0_97:notes"/>
           <p:cNvSpPr/>
           <p:nvPr>
             <p:ph idx="2" type="sldImg"/>
@@ -3015,7 +2999,7 @@
       </p:sp>
       <p:sp>
         <p:nvSpPr>
-          <p:cNvPr id="248" name="Google Shape;248;g2a0c6f9b0a2_0_97:notes"/>
+          <p:cNvPr id="251" name="Google Shape;251;g2a0c6f9b0a2_0_97:notes"/>
           <p:cNvSpPr txBox="1"/>
           <p:nvPr>
             <p:ph idx="1" type="body"/>
@@ -3073,7 +3057,7 @@
   <p:cSld>
     <p:spTree>
       <p:nvGrpSpPr>
-        <p:cNvPr id="260" name="Shape 260"/>
+        <p:cNvPr id="265" name="Shape 265"/>
         <p:cNvGrpSpPr/>
         <p:nvPr/>
       </p:nvGrpSpPr>
@@ -3087,7 +3071,7 @@
       </p:grpSpPr>
       <p:sp>
         <p:nvSpPr>
-          <p:cNvPr id="261" name="Google Shape;261;g2a75948b1fc_3_59:notes"/>
+          <p:cNvPr id="266" name="Google Shape;266;g2a75948b1fc_3_59:notes"/>
           <p:cNvSpPr/>
           <p:nvPr>
             <p:ph idx="2" type="sldImg"/>
@@ -3132,7 +3116,7 @@
       </p:sp>
       <p:sp>
         <p:nvSpPr>
-          <p:cNvPr id="262" name="Google Shape;262;g2a75948b1fc_3_59:notes"/>
+          <p:cNvPr id="267" name="Google Shape;267;g2a75948b1fc_3_59:notes"/>
           <p:cNvSpPr txBox="1"/>
           <p:nvPr>
             <p:ph idx="1" type="body"/>
@@ -3190,7 +3174,7 @@
   <p:cSld>
     <p:spTree>
       <p:nvGrpSpPr>
-        <p:cNvPr id="267" name="Shape 267"/>
+        <p:cNvPr id="274" name="Shape 274"/>
         <p:cNvGrpSpPr/>
         <p:nvPr/>
       </p:nvGrpSpPr>
@@ -3204,7 +3188,7 @@
       </p:grpSpPr>
       <p:sp>
         <p:nvSpPr>
-          <p:cNvPr id="268" name="Google Shape;268;g2a0c6f9b0a2_0_103:notes"/>
+          <p:cNvPr id="275" name="Google Shape;275;g2a0c6f9b0a2_0_103:notes"/>
           <p:cNvSpPr/>
           <p:nvPr>
             <p:ph idx="2" type="sldImg"/>
@@ -3249,7 +3233,7 @@
       </p:sp>
       <p:sp>
         <p:nvSpPr>
-          <p:cNvPr id="269" name="Google Shape;269;g2a0c6f9b0a2_0_103:notes"/>
+          <p:cNvPr id="276" name="Google Shape;276;g2a0c6f9b0a2_0_103:notes"/>
           <p:cNvSpPr txBox="1"/>
           <p:nvPr>
             <p:ph idx="1" type="body"/>
@@ -3307,7 +3291,7 @@
   <p:cSld>
     <p:spTree>
       <p:nvGrpSpPr>
-        <p:cNvPr id="279" name="Shape 279"/>
+        <p:cNvPr id="289" name="Shape 289"/>
         <p:cNvGrpSpPr/>
         <p:nvPr/>
       </p:nvGrpSpPr>
@@ -3321,7 +3305,7 @@
       </p:grpSpPr>
       <p:sp>
         <p:nvSpPr>
-          <p:cNvPr id="280" name="Google Shape;280;g2a58cb8d4e2_0_19:notes"/>
+          <p:cNvPr id="290" name="Google Shape;290;g2a58cb8d4e2_0_19:notes"/>
           <p:cNvSpPr/>
           <p:nvPr>
             <p:ph idx="2" type="sldImg"/>
@@ -3366,7 +3350,7 @@
       </p:sp>
       <p:sp>
         <p:nvSpPr>
-          <p:cNvPr id="281" name="Google Shape;281;g2a58cb8d4e2_0_19:notes"/>
+          <p:cNvPr id="291" name="Google Shape;291;g2a58cb8d4e2_0_19:notes"/>
           <p:cNvSpPr txBox="1"/>
           <p:nvPr>
             <p:ph idx="1" type="body"/>
@@ -3424,7 +3408,7 @@
   <p:cSld>
     <p:spTree>
       <p:nvGrpSpPr>
-        <p:cNvPr id="295" name="Shape 295"/>
+        <p:cNvPr id="312" name="Shape 312"/>
         <p:cNvGrpSpPr/>
         <p:nvPr/>
       </p:nvGrpSpPr>
@@ -3438,7 +3422,7 @@
       </p:grpSpPr>
       <p:sp>
         <p:nvSpPr>
-          <p:cNvPr id="296" name="Google Shape;296;g2a75948b1fc_3_80:notes"/>
+          <p:cNvPr id="313" name="Google Shape;313;g2a75948b1fc_3_80:notes"/>
           <p:cNvSpPr/>
           <p:nvPr>
             <p:ph idx="2" type="sldImg"/>
@@ -3483,7 +3467,7 @@
       </p:sp>
       <p:sp>
         <p:nvSpPr>
-          <p:cNvPr id="297" name="Google Shape;297;g2a75948b1fc_3_80:notes"/>
+          <p:cNvPr id="314" name="Google Shape;314;g2a75948b1fc_3_80:notes"/>
           <p:cNvSpPr txBox="1"/>
           <p:nvPr>
             <p:ph idx="1" type="body"/>
@@ -3541,7 +3525,7 @@
   <p:cSld>
     <p:spTree>
       <p:nvGrpSpPr>
-        <p:cNvPr id="301" name="Shape 301"/>
+        <p:cNvPr id="326" name="Shape 326"/>
         <p:cNvGrpSpPr/>
         <p:nvPr/>
       </p:nvGrpSpPr>
@@ -3555,7 +3539,7 @@
       </p:grpSpPr>
       <p:sp>
         <p:nvSpPr>
-          <p:cNvPr id="302" name="Google Shape;302;g2a0c6f9b0a2_0_109:notes"/>
+          <p:cNvPr id="327" name="Google Shape;327;g2a7c40ec614_0_1:notes"/>
           <p:cNvSpPr/>
           <p:nvPr>
             <p:ph idx="2" type="sldImg"/>
@@ -3600,7 +3584,7 @@
       </p:sp>
       <p:sp>
         <p:nvSpPr>
-          <p:cNvPr id="303" name="Google Shape;303;g2a0c6f9b0a2_0_109:notes"/>
+          <p:cNvPr id="328" name="Google Shape;328;g2a7c40ec614_0_1:notes"/>
           <p:cNvSpPr txBox="1"/>
           <p:nvPr>
             <p:ph idx="1" type="body"/>
@@ -3775,7 +3759,7 @@
   <p:cSld>
     <p:spTree>
       <p:nvGrpSpPr>
-        <p:cNvPr id="307" name="Shape 307"/>
+        <p:cNvPr id="342" name="Shape 342"/>
         <p:cNvGrpSpPr/>
         <p:nvPr/>
       </p:nvGrpSpPr>
@@ -3789,7 +3773,7 @@
       </p:grpSpPr>
       <p:sp>
         <p:nvSpPr>
-          <p:cNvPr id="308" name="Google Shape;308;g26e1760ff98_1_133:notes"/>
+          <p:cNvPr id="343" name="Google Shape;343;g2a0c6f9b0a2_0_109:notes"/>
           <p:cNvSpPr/>
           <p:nvPr>
             <p:ph idx="2" type="sldImg"/>
@@ -3834,7 +3818,124 @@
       </p:sp>
       <p:sp>
         <p:nvSpPr>
-          <p:cNvPr id="309" name="Google Shape;309;g26e1760ff98_1_133:notes"/>
+          <p:cNvPr id="344" name="Google Shape;344;g2a0c6f9b0a2_0_109:notes"/>
+          <p:cNvSpPr txBox="1"/>
+          <p:nvPr>
+            <p:ph idx="1" type="body"/>
+          </p:nvPr>
+        </p:nvSpPr>
+        <p:spPr>
+          <a:xfrm>
+            <a:off x="685800" y="4343400"/>
+            <a:ext cx="5486400" cy="4114800"/>
+          </a:xfrm>
+          <a:prstGeom prst="rect">
+            <a:avLst/>
+          </a:prstGeom>
+          <a:noFill/>
+          <a:ln>
+            <a:noFill/>
+          </a:ln>
+        </p:spPr>
+        <p:txBody>
+          <a:bodyPr anchorCtr="0" anchor="t" bIns="91425" lIns="91425" spcFirstLastPara="1" rIns="91425" wrap="square" tIns="91425">
+            <a:noAutofit/>
+          </a:bodyPr>
+          <a:lstStyle/>
+          <a:p>
+            <a:pPr indent="0" lvl="0" marL="0" rtl="0" algn="l">
+              <a:lnSpc>
+                <a:spcPct val="100000"/>
+              </a:lnSpc>
+              <a:spcBef>
+                <a:spcPts val="0"/>
+              </a:spcBef>
+              <a:spcAft>
+                <a:spcPts val="0"/>
+              </a:spcAft>
+              <a:buSzPts val="1100"/>
+              <a:buNone/>
+            </a:pPr>
+            <a:r>
+              <a:t/>
+            </a:r>
+            <a:endParaRPr/>
+          </a:p>
+        </p:txBody>
+      </p:sp>
+    </p:spTree>
+  </p:cSld>
+  <p:clrMapOvr>
+    <a:masterClrMapping/>
+  </p:clrMapOvr>
+</p:notes>
+</file>
+
+<file path=ppt/notesSlides/notesSlide31.xml><?xml version="1.0" encoding="utf-8"?>
+<p:notes xmlns:a="http://schemas.openxmlformats.org/drawingml/2006/main" xmlns:r="http://schemas.openxmlformats.org/officeDocument/2006/relationships" xmlns:mc="http://schemas.openxmlformats.org/markup-compatibility/2006" xmlns:mv="urn:schemas-microsoft-com:mac:vml" xmlns:p="http://schemas.openxmlformats.org/presentationml/2006/main" xmlns:c="http://schemas.openxmlformats.org/drawingml/2006/chart" xmlns:dgm="http://schemas.openxmlformats.org/drawingml/2006/diagram" xmlns:o="urn:schemas-microsoft-com:office:office" xmlns:v="urn:schemas-microsoft-com:vml" xmlns:pvml="urn:schemas-microsoft-com:office:powerpoint" xmlns:com="http://schemas.openxmlformats.org/drawingml/2006/compatibility" xmlns:p14="http://schemas.microsoft.com/office/powerpoint/2010/main" xmlns:p15="http://schemas.microsoft.com/office/powerpoint/2012/main" xmlns:ahyp="http://schemas.microsoft.com/office/drawing/2018/hyperlinkcolor" showMasterPhAnim="0" showMasterSp="0">
+  <p:cSld>
+    <p:spTree>
+      <p:nvGrpSpPr>
+        <p:cNvPr id="348" name="Shape 348"/>
+        <p:cNvGrpSpPr/>
+        <p:nvPr/>
+      </p:nvGrpSpPr>
+      <p:grpSpPr>
+        <a:xfrm>
+          <a:off x="0" y="0"/>
+          <a:ext cx="0" cy="0"/>
+          <a:chOff x="0" y="0"/>
+          <a:chExt cx="0" cy="0"/>
+        </a:xfrm>
+      </p:grpSpPr>
+      <p:sp>
+        <p:nvSpPr>
+          <p:cNvPr id="349" name="Google Shape;349;g26e1760ff98_1_133:notes"/>
+          <p:cNvSpPr/>
+          <p:nvPr>
+            <p:ph idx="2" type="sldImg"/>
+          </p:nvPr>
+        </p:nvSpPr>
+        <p:spPr>
+          <a:xfrm>
+            <a:off x="381000" y="685800"/>
+            <a:ext cx="6096000" cy="3429000"/>
+          </a:xfrm>
+          <a:custGeom>
+            <a:rect b="b" l="l" r="r" t="t"/>
+            <a:pathLst>
+              <a:path extrusionOk="0" h="120000" w="120000">
+                <a:moveTo>
+                  <a:pt x="0" y="0"/>
+                </a:moveTo>
+                <a:lnTo>
+                  <a:pt x="120000" y="0"/>
+                </a:lnTo>
+                <a:lnTo>
+                  <a:pt x="120000" y="120000"/>
+                </a:lnTo>
+                <a:lnTo>
+                  <a:pt x="0" y="120000"/>
+                </a:lnTo>
+                <a:close/>
+              </a:path>
+            </a:pathLst>
+          </a:custGeom>
+          <a:noFill/>
+          <a:ln cap="flat" cmpd="sng" w="9525">
+            <a:solidFill>
+              <a:srgbClr val="000000"/>
+            </a:solidFill>
+            <a:prstDash val="solid"/>
+            <a:round/>
+            <a:headEnd len="sm" w="sm" type="none"/>
+            <a:tailEnd len="sm" w="sm" type="none"/>
+          </a:ln>
+        </p:spPr>
+      </p:sp>
+      <p:sp>
+        <p:nvSpPr>
+          <p:cNvPr id="350" name="Google Shape;350;g26e1760ff98_1_133:notes"/>
           <p:cNvSpPr txBox="1"/>
           <p:nvPr>
             <p:ph idx="1" type="body"/>
@@ -10193,7 +10294,7 @@
   <p:cSld>
     <p:spTree>
       <p:nvGrpSpPr>
-        <p:cNvPr id="135" name="Shape 135"/>
+        <p:cNvPr id="134" name="Shape 134"/>
         <p:cNvGrpSpPr/>
         <p:nvPr/>
       </p:nvGrpSpPr>
@@ -10207,7 +10308,7 @@
       </p:grpSpPr>
       <p:sp>
         <p:nvSpPr>
-          <p:cNvPr id="136" name="Google Shape;136;g2a0c6f9b0a2_0_22"/>
+          <p:cNvPr id="135" name="Google Shape;135;g2a7c40ec614_0_19"/>
           <p:cNvSpPr txBox="1"/>
           <p:nvPr>
             <p:ph idx="4294967295" type="title"/>
@@ -10242,7 +10343,7 @@
               <a:spcAft>
                 <a:spcPts val="0"/>
               </a:spcAft>
-              <a:buSzPct val="119034"/>
+              <a:buSzPct val="119033"/>
               <a:buNone/>
             </a:pPr>
             <a:r>
@@ -10252,7 +10353,7 @@
                 <a:cs typeface="Montserrat"/>
                 <a:sym typeface="Montserrat"/>
               </a:rPr>
-              <a:t>Features</a:t>
+              <a:t>Dataset</a:t>
             </a:r>
             <a:endParaRPr b="1">
               <a:latin typeface="Montserrat"/>
@@ -10265,7 +10366,7 @@
       </p:sp>
       <p:sp>
         <p:nvSpPr>
-          <p:cNvPr id="137" name="Google Shape;137;g2a0c6f9b0a2_0_22"/>
+          <p:cNvPr id="136" name="Google Shape;136;g2a7c40ec614_0_19"/>
           <p:cNvSpPr txBox="1"/>
           <p:nvPr>
             <p:ph idx="4294967295" type="body"/>
@@ -10311,16 +10412,7 @@
                 <a:cs typeface="Montserrat"/>
                 <a:sym typeface="Montserrat"/>
               </a:rPr>
-              <a:t>C</a:t>
-            </a:r>
-            <a:r>
-              <a:rPr b="1" lang="en" sz="1500">
-                <a:latin typeface="Montserrat"/>
-                <a:ea typeface="Montserrat"/>
-                <a:cs typeface="Montserrat"/>
-                <a:sym typeface="Montserrat"/>
-              </a:rPr>
-              <a:t>ategories:  	</a:t>
+              <a:t>Collecting Bitcoin data:</a:t>
             </a:r>
             <a:endParaRPr b="1" sz="1500">
               <a:latin typeface="Montserrat"/>
@@ -10350,7 +10442,7 @@
                 <a:cs typeface="Montserrat"/>
                 <a:sym typeface="Montserrat"/>
               </a:rPr>
-              <a:t>OHLCV:</a:t>
+              <a:t>Blockchain.org</a:t>
             </a:r>
             <a:r>
               <a:rPr lang="en" sz="1500">
@@ -10359,7 +10451,7 @@
                 <a:cs typeface="Montserrat"/>
                 <a:sym typeface="Montserrat"/>
               </a:rPr>
-              <a:t> aka. “Open, High, Low, Close and Volume” </a:t>
+              <a:t> (for blockchain data)</a:t>
             </a:r>
             <a:endParaRPr sz="1500">
               <a:latin typeface="Montserrat"/>
@@ -10389,7 +10481,7 @@
                 <a:cs typeface="Montserrat"/>
                 <a:sym typeface="Montserrat"/>
               </a:rPr>
-              <a:t>Currency statistics:</a:t>
+              <a:t>Binance</a:t>
             </a:r>
             <a:r>
               <a:rPr lang="en" sz="1500">
@@ -10398,7 +10490,43 @@
                 <a:cs typeface="Montserrat"/>
                 <a:sym typeface="Montserrat"/>
               </a:rPr>
-              <a:t> e.g. market price, number of bitcoins in circulation...</a:t>
+              <a:t> and </a:t>
+            </a:r>
+            <a:r>
+              <a:rPr b="1" lang="en" sz="1500">
+                <a:latin typeface="Montserrat"/>
+                <a:ea typeface="Montserrat"/>
+                <a:cs typeface="Montserrat"/>
+                <a:sym typeface="Montserrat"/>
+              </a:rPr>
+              <a:t>Kraken</a:t>
+            </a:r>
+            <a:r>
+              <a:rPr lang="en" sz="1500">
+                <a:latin typeface="Montserrat"/>
+                <a:ea typeface="Montserrat"/>
+                <a:cs typeface="Montserrat"/>
+                <a:sym typeface="Montserrat"/>
+              </a:rPr>
+              <a:t> exchanges</a:t>
+            </a:r>
+            <a:r>
+              <a:rPr b="1" lang="en" sz="1500">
+                <a:latin typeface="Montserrat"/>
+                <a:ea typeface="Montserrat"/>
+                <a:cs typeface="Montserrat"/>
+                <a:sym typeface="Montserrat"/>
+              </a:rPr>
+              <a:t> </a:t>
+            </a:r>
+            <a:r>
+              <a:rPr lang="en" sz="1500">
+                <a:latin typeface="Montserrat"/>
+                <a:ea typeface="Montserrat"/>
+                <a:cs typeface="Montserrat"/>
+                <a:sym typeface="Montserrat"/>
+              </a:rPr>
+              <a:t>(for price information)</a:t>
             </a:r>
             <a:endParaRPr sz="1500">
               <a:latin typeface="Montserrat"/>
@@ -10408,7 +10536,7 @@
             </a:endParaRPr>
           </a:p>
           <a:p>
-            <a:pPr indent="-323850" lvl="1" marL="914400" rtl="0" algn="l">
+            <a:pPr indent="-323850" lvl="0" marL="457200" rtl="0" algn="l">
               <a:lnSpc>
                 <a:spcPct val="115000"/>
               </a:lnSpc>
@@ -10419,17 +10547,9 @@
                 <a:spcPts val="0"/>
               </a:spcAft>
               <a:buSzPts val="1500"/>
-              <a:buChar char="○"/>
-            </a:pPr>
-            <a:r>
-              <a:rPr b="1" lang="en" sz="1500">
-                <a:latin typeface="Montserrat"/>
-                <a:ea typeface="Montserrat"/>
-                <a:cs typeface="Montserrat"/>
-                <a:sym typeface="Montserrat"/>
-              </a:rPr>
-              <a:t>Block details:</a:t>
-            </a:r>
+              <a:buFont typeface="Montserrat"/>
+              <a:buChar char="●"/>
+            </a:pPr>
             <a:r>
               <a:rPr lang="en" sz="1500">
                 <a:latin typeface="Montserrat"/>
@@ -10437,7 +10557,7 @@
                 <a:cs typeface="Montserrat"/>
                 <a:sym typeface="Montserrat"/>
               </a:rPr>
-              <a:t> e.g. block size, number of transactions...</a:t>
+              <a:t>Retrieving the most relevant information from the last four years to current days</a:t>
             </a:r>
             <a:endParaRPr sz="1500">
               <a:latin typeface="Montserrat"/>
@@ -10447,7 +10567,7 @@
             </a:endParaRPr>
           </a:p>
           <a:p>
-            <a:pPr indent="-323850" lvl="1" marL="914400" rtl="0" algn="l">
+            <a:pPr indent="0" lvl="0" marL="457200" rtl="0" algn="l">
               <a:lnSpc>
                 <a:spcPct val="115000"/>
               </a:lnSpc>
@@ -10457,26 +10577,10 @@
               <a:spcAft>
                 <a:spcPts val="0"/>
               </a:spcAft>
-              <a:buSzPts val="1500"/>
-              <a:buChar char="○"/>
-            </a:pPr>
-            <a:r>
-              <a:rPr b="1" lang="en" sz="1500">
-                <a:latin typeface="Montserrat"/>
-                <a:ea typeface="Montserrat"/>
-                <a:cs typeface="Montserrat"/>
-                <a:sym typeface="Montserrat"/>
-              </a:rPr>
-              <a:t>Mining information:</a:t>
-            </a:r>
-            <a:r>
-              <a:rPr lang="en" sz="1500">
-                <a:latin typeface="Montserrat"/>
-                <a:ea typeface="Montserrat"/>
-                <a:cs typeface="Montserrat"/>
-                <a:sym typeface="Montserrat"/>
-              </a:rPr>
-              <a:t> e.g. miners revenue, difficulty...</a:t>
+              <a:buNone/>
+            </a:pPr>
+            <a:r>
+              <a:t/>
             </a:r>
             <a:endParaRPr sz="1500">
               <a:latin typeface="Montserrat"/>
@@ -10486,10 +10590,35 @@
             </a:endParaRPr>
           </a:p>
           <a:p>
+            <a:pPr indent="-323850" lvl="0" marL="457200" rtl="0" algn="l">
+              <a:spcBef>
+                <a:spcPts val="0"/>
+              </a:spcBef>
+              <a:spcAft>
+                <a:spcPts val="0"/>
+              </a:spcAft>
+              <a:buSzPts val="1500"/>
+              <a:buFont typeface="Montserrat"/>
+              <a:buChar char="●"/>
+            </a:pPr>
+            <a:r>
+              <a:rPr b="1" lang="en" sz="1500">
+                <a:latin typeface="Montserrat"/>
+                <a:ea typeface="Montserrat"/>
+                <a:cs typeface="Montserrat"/>
+                <a:sym typeface="Montserrat"/>
+              </a:rPr>
+              <a:t>Categories</a:t>
+            </a:r>
+            <a:endParaRPr b="1" sz="1500">
+              <a:latin typeface="Montserrat"/>
+              <a:ea typeface="Montserrat"/>
+              <a:cs typeface="Montserrat"/>
+              <a:sym typeface="Montserrat"/>
+            </a:endParaRPr>
+          </a:p>
+          <a:p>
             <a:pPr indent="-323850" lvl="1" marL="914400" rtl="0" algn="l">
-              <a:lnSpc>
-                <a:spcPct val="115000"/>
-              </a:lnSpc>
               <a:spcBef>
                 <a:spcPts val="0"/>
               </a:spcBef>
@@ -10506,7 +10635,7 @@
                 <a:cs typeface="Montserrat"/>
                 <a:sym typeface="Montserrat"/>
               </a:rPr>
-              <a:t>Network activity:</a:t>
+              <a:t>OHLCV:</a:t>
             </a:r>
             <a:r>
               <a:rPr lang="en" sz="1500">
@@ -10515,7 +10644,7 @@
                 <a:cs typeface="Montserrat"/>
                 <a:sym typeface="Montserrat"/>
               </a:rPr>
-              <a:t> e.g. number of transactions made, cost per transaction...</a:t>
+              <a:t> aka. “Open, High, Low, Close and Volume” </a:t>
             </a:r>
             <a:endParaRPr sz="1500">
               <a:latin typeface="Montserrat"/>
@@ -10524,8 +10653,180 @@
               <a:sym typeface="Montserrat"/>
             </a:endParaRPr>
           </a:p>
+          <a:p>
+            <a:pPr indent="-323850" lvl="1" marL="914400" rtl="0" algn="l">
+              <a:spcBef>
+                <a:spcPts val="0"/>
+              </a:spcBef>
+              <a:spcAft>
+                <a:spcPts val="0"/>
+              </a:spcAft>
+              <a:buSzPts val="1500"/>
+              <a:buChar char="○"/>
+            </a:pPr>
+            <a:r>
+              <a:rPr b="1" lang="en" sz="1500">
+                <a:latin typeface="Montserrat"/>
+                <a:ea typeface="Montserrat"/>
+                <a:cs typeface="Montserrat"/>
+                <a:sym typeface="Montserrat"/>
+              </a:rPr>
+              <a:t>Currency statistics:</a:t>
+            </a:r>
+            <a:r>
+              <a:rPr lang="en" sz="1500">
+                <a:latin typeface="Montserrat"/>
+                <a:ea typeface="Montserrat"/>
+                <a:cs typeface="Montserrat"/>
+                <a:sym typeface="Montserrat"/>
+              </a:rPr>
+              <a:t> e.g. market price, number of bitcoins in circulation...</a:t>
+            </a:r>
+            <a:endParaRPr sz="1500">
+              <a:latin typeface="Montserrat"/>
+              <a:ea typeface="Montserrat"/>
+              <a:cs typeface="Montserrat"/>
+              <a:sym typeface="Montserrat"/>
+            </a:endParaRPr>
+          </a:p>
+          <a:p>
+            <a:pPr indent="-323850" lvl="1" marL="914400" rtl="0" algn="l">
+              <a:spcBef>
+                <a:spcPts val="0"/>
+              </a:spcBef>
+              <a:spcAft>
+                <a:spcPts val="0"/>
+              </a:spcAft>
+              <a:buSzPts val="1500"/>
+              <a:buChar char="○"/>
+            </a:pPr>
+            <a:r>
+              <a:rPr b="1" lang="en" sz="1500">
+                <a:latin typeface="Montserrat"/>
+                <a:ea typeface="Montserrat"/>
+                <a:cs typeface="Montserrat"/>
+                <a:sym typeface="Montserrat"/>
+              </a:rPr>
+              <a:t>Block details:</a:t>
+            </a:r>
+            <a:r>
+              <a:rPr lang="en" sz="1500">
+                <a:latin typeface="Montserrat"/>
+                <a:ea typeface="Montserrat"/>
+                <a:cs typeface="Montserrat"/>
+                <a:sym typeface="Montserrat"/>
+              </a:rPr>
+              <a:t> e.g. block size, number of transactions...</a:t>
+            </a:r>
+            <a:endParaRPr sz="1500">
+              <a:latin typeface="Montserrat"/>
+              <a:ea typeface="Montserrat"/>
+              <a:cs typeface="Montserrat"/>
+              <a:sym typeface="Montserrat"/>
+            </a:endParaRPr>
+          </a:p>
+          <a:p>
+            <a:pPr indent="-323850" lvl="1" marL="914400" rtl="0" algn="l">
+              <a:spcBef>
+                <a:spcPts val="0"/>
+              </a:spcBef>
+              <a:spcAft>
+                <a:spcPts val="0"/>
+              </a:spcAft>
+              <a:buSzPts val="1500"/>
+              <a:buChar char="○"/>
+            </a:pPr>
+            <a:r>
+              <a:rPr b="1" lang="en" sz="1500">
+                <a:latin typeface="Montserrat"/>
+                <a:ea typeface="Montserrat"/>
+                <a:cs typeface="Montserrat"/>
+                <a:sym typeface="Montserrat"/>
+              </a:rPr>
+              <a:t>Mining information:</a:t>
+            </a:r>
+            <a:r>
+              <a:rPr lang="en" sz="1500">
+                <a:latin typeface="Montserrat"/>
+                <a:ea typeface="Montserrat"/>
+                <a:cs typeface="Montserrat"/>
+                <a:sym typeface="Montserrat"/>
+              </a:rPr>
+              <a:t> e.g. miners revenue, difficulty...</a:t>
+            </a:r>
+            <a:endParaRPr sz="1500">
+              <a:latin typeface="Montserrat"/>
+              <a:ea typeface="Montserrat"/>
+              <a:cs typeface="Montserrat"/>
+              <a:sym typeface="Montserrat"/>
+            </a:endParaRPr>
+          </a:p>
+          <a:p>
+            <a:pPr indent="-323850" lvl="1" marL="914400" rtl="0" algn="l">
+              <a:spcBef>
+                <a:spcPts val="0"/>
+              </a:spcBef>
+              <a:spcAft>
+                <a:spcPts val="0"/>
+              </a:spcAft>
+              <a:buSzPts val="1500"/>
+              <a:buChar char="○"/>
+            </a:pPr>
+            <a:r>
+              <a:rPr b="1" lang="en" sz="1500">
+                <a:latin typeface="Montserrat"/>
+                <a:ea typeface="Montserrat"/>
+                <a:cs typeface="Montserrat"/>
+                <a:sym typeface="Montserrat"/>
+              </a:rPr>
+              <a:t>Network activity:</a:t>
+            </a:r>
+            <a:r>
+              <a:rPr lang="en" sz="1500">
+                <a:latin typeface="Montserrat"/>
+                <a:ea typeface="Montserrat"/>
+                <a:cs typeface="Montserrat"/>
+                <a:sym typeface="Montserrat"/>
+              </a:rPr>
+              <a:t> e.g. number of transactions made, cost per transaction...</a:t>
+            </a:r>
+            <a:endParaRPr sz="1500">
+              <a:latin typeface="Montserrat"/>
+              <a:ea typeface="Montserrat"/>
+              <a:cs typeface="Montserrat"/>
+              <a:sym typeface="Montserrat"/>
+            </a:endParaRPr>
+          </a:p>
         </p:txBody>
       </p:sp>
+      <p:pic>
+        <p:nvPicPr>
+          <p:cNvPr id="137" name="Google Shape;137;g2a7c40ec614_0_19"/>
+          <p:cNvPicPr preferRelativeResize="0"/>
+          <p:nvPr/>
+        </p:nvPicPr>
+        <p:blipFill>
+          <a:blip r:embed="rId3">
+            <a:alphaModFix/>
+          </a:blip>
+          <a:stretch>
+            <a:fillRect/>
+          </a:stretch>
+        </p:blipFill>
+        <p:spPr>
+          <a:xfrm>
+            <a:off x="7294750" y="768125"/>
+            <a:ext cx="922600" cy="922600"/>
+          </a:xfrm>
+          <a:prstGeom prst="rect">
+            <a:avLst/>
+          </a:prstGeom>
+          <a:noFill/>
+          <a:ln>
+            <a:noFill/>
+          </a:ln>
+        </p:spPr>
+      </p:pic>
     </p:spTree>
   </p:cSld>
   <p:clrMapOvr>
@@ -11661,29 +11962,6 @@
             </a:endParaRPr>
           </a:p>
           <a:p>
-            <a:pPr indent="0" lvl="0" marL="914400" rtl="0" algn="l">
-              <a:lnSpc>
-                <a:spcPct val="115000"/>
-              </a:lnSpc>
-              <a:spcBef>
-                <a:spcPts val="0"/>
-              </a:spcBef>
-              <a:spcAft>
-                <a:spcPts val="0"/>
-              </a:spcAft>
-              <a:buNone/>
-            </a:pPr>
-            <a:r>
-              <a:t/>
-            </a:r>
-            <a:endParaRPr sz="1500">
-              <a:latin typeface="Montserrat"/>
-              <a:ea typeface="Montserrat"/>
-              <a:cs typeface="Montserrat"/>
-              <a:sym typeface="Montserrat"/>
-            </a:endParaRPr>
-          </a:p>
-          <a:p>
             <a:pPr indent="-323850" lvl="0" marL="457200" rtl="0" algn="l">
               <a:lnSpc>
                 <a:spcPct val="115000"/>
@@ -12174,7 +12452,7 @@
         <p:spPr>
           <a:xfrm>
             <a:off x="719525" y="2313225"/>
-            <a:ext cx="7301299" cy="2541075"/>
+            <a:ext cx="7547474" cy="2626750"/>
           </a:xfrm>
           <a:prstGeom prst="rect">
             <a:avLst/>
@@ -13241,7 +13519,7 @@
               <a:buChar char="●"/>
             </a:pPr>
             <a:r>
-              <a:rPr b="1" lang="en" sz="1500">
+              <a:rPr lang="en" sz="1500">
                 <a:latin typeface="Montserrat"/>
                 <a:ea typeface="Montserrat"/>
                 <a:cs typeface="Montserrat"/>
@@ -13250,7 +13528,7 @@
               <a:t>“</a:t>
             </a:r>
             <a:r>
-              <a:rPr b="1" lang="en" sz="1500">
+              <a:rPr lang="en" sz="1500">
                 <a:latin typeface="Montserrat"/>
                 <a:ea typeface="Montserrat"/>
                 <a:cs typeface="Montserrat"/>
@@ -13259,7 +13537,7 @@
               <a:t>H</a:t>
             </a:r>
             <a:r>
-              <a:rPr b="1" lang="en" sz="1500">
+              <a:rPr lang="en" sz="1500">
                 <a:latin typeface="Montserrat"/>
                 <a:ea typeface="Montserrat"/>
                 <a:cs typeface="Montserrat"/>
@@ -13267,7 +13545,7 @@
               </a:rPr>
               <a:t>ow good the models are at predicting whether the price will go up or down?”</a:t>
             </a:r>
-            <a:endParaRPr b="1" sz="1500">
+            <a:endParaRPr sz="1500">
               <a:latin typeface="Montserrat"/>
               <a:ea typeface="Montserrat"/>
               <a:cs typeface="Montserrat"/>
@@ -13401,36 +13679,13 @@
               <a:buChar char="●"/>
             </a:pPr>
             <a:r>
-              <a:rPr b="1" lang="en" sz="1500">
+              <a:rPr lang="en" sz="1500">
                 <a:latin typeface="Montserrat"/>
                 <a:ea typeface="Montserrat"/>
                 <a:cs typeface="Montserrat"/>
                 <a:sym typeface="Montserrat"/>
               </a:rPr>
               <a:t>“How good the models are at predicting whether the price will go up or down?”</a:t>
-            </a:r>
-            <a:endParaRPr b="1" sz="1500">
-              <a:latin typeface="Montserrat"/>
-              <a:ea typeface="Montserrat"/>
-              <a:cs typeface="Montserrat"/>
-              <a:sym typeface="Montserrat"/>
-            </a:endParaRPr>
-          </a:p>
-          <a:p>
-            <a:pPr indent="0" lvl="0" marL="457200" rtl="0" algn="l">
-              <a:lnSpc>
-                <a:spcPct val="115000"/>
-              </a:lnSpc>
-              <a:spcBef>
-                <a:spcPts val="0"/>
-              </a:spcBef>
-              <a:spcAft>
-                <a:spcPts val="0"/>
-              </a:spcAft>
-              <a:buNone/>
-            </a:pPr>
-            <a:r>
-              <a:t/>
             </a:r>
             <a:endParaRPr b="1" sz="1500">
               <a:latin typeface="Montserrat"/>
@@ -15487,7 +15742,7 @@
         <p:spPr>
           <a:xfrm>
             <a:off x="311700" y="945300"/>
-            <a:ext cx="8520600" cy="4048200"/>
+            <a:ext cx="8520600" cy="2272500"/>
           </a:xfrm>
           <a:prstGeom prst="rect">
             <a:avLst/>
@@ -15587,15 +15842,6 @@
                 <a:sym typeface="Montserrat"/>
               </a:rPr>
               <a:t>Splitting</a:t>
-            </a:r>
-            <a:r>
-              <a:rPr b="1" lang="en" sz="1500">
-                <a:latin typeface="Montserrat"/>
-                <a:ea typeface="Montserrat"/>
-                <a:cs typeface="Montserrat"/>
-                <a:sym typeface="Montserrat"/>
-              </a:rPr>
-              <a:t>:</a:t>
             </a:r>
             <a:endParaRPr b="1" sz="1500">
               <a:latin typeface="Montserrat"/>
@@ -15771,13 +16017,40 @@
           <a:blip r:embed="rId3">
             <a:alphaModFix/>
           </a:blip>
-          <a:srcRect b="14229" l="2152" r="0" t="0"/>
+          <a:srcRect b="14230" l="2155" r="12991" t="5685"/>
           <a:stretch/>
         </p:blipFill>
         <p:spPr>
           <a:xfrm>
-            <a:off x="35075" y="3253025"/>
-            <a:ext cx="9073848" cy="1642825"/>
+            <a:off x="93888" y="3217800"/>
+            <a:ext cx="8956227" cy="1745850"/>
+          </a:xfrm>
+          <a:prstGeom prst="rect">
+            <a:avLst/>
+          </a:prstGeom>
+          <a:noFill/>
+          <a:ln>
+            <a:noFill/>
+          </a:ln>
+        </p:spPr>
+      </p:pic>
+      <p:pic>
+        <p:nvPicPr>
+          <p:cNvPr id="232" name="Google Shape;232;g2a0c6f9b0a2_0_84"/>
+          <p:cNvPicPr preferRelativeResize="0"/>
+          <p:nvPr/>
+        </p:nvPicPr>
+        <p:blipFill rotWithShape="1">
+          <a:blip r:embed="rId3">
+            <a:alphaModFix/>
+          </a:blip>
+          <a:srcRect b="55118" l="87261" r="0" t="0"/>
+          <a:stretch/>
+        </p:blipFill>
+        <p:spPr>
+          <a:xfrm>
+            <a:off x="7081675" y="2162950"/>
+            <a:ext cx="1449549" cy="1054850"/>
           </a:xfrm>
           <a:prstGeom prst="rect">
             <a:avLst/>
@@ -15801,7 +16074,7 @@
   <p:cSld>
     <p:spTree>
       <p:nvGrpSpPr>
-        <p:cNvPr id="235" name="Shape 235"/>
+        <p:cNvPr id="236" name="Shape 236"/>
         <p:cNvGrpSpPr/>
         <p:nvPr/>
       </p:nvGrpSpPr>
@@ -15815,7 +16088,7 @@
       </p:grpSpPr>
       <p:sp>
         <p:nvSpPr>
-          <p:cNvPr id="236" name="Google Shape;236;g2a0c6f9b0a2_0_91"/>
+          <p:cNvPr id="237" name="Google Shape;237;g2a0c6f9b0a2_0_91"/>
           <p:cNvSpPr txBox="1"/>
           <p:nvPr>
             <p:ph idx="4294967295" type="title"/>
@@ -15873,7 +16146,7 @@
       </p:sp>
       <p:pic>
         <p:nvPicPr>
-          <p:cNvPr id="237" name="Google Shape;237;g2a0c6f9b0a2_0_91"/>
+          <p:cNvPr id="238" name="Google Shape;238;g2a0c6f9b0a2_0_91"/>
           <p:cNvPicPr preferRelativeResize="0"/>
           <p:nvPr/>
         </p:nvPicPr>
@@ -15886,7 +16159,7 @@
         </p:blipFill>
         <p:spPr>
           <a:xfrm>
-            <a:off x="101600" y="922250"/>
+            <a:off x="101600" y="1455650"/>
             <a:ext cx="2876550" cy="443200"/>
           </a:xfrm>
           <a:prstGeom prst="rect">
@@ -15900,7 +16173,7 @@
       </p:pic>
       <p:pic>
         <p:nvPicPr>
-          <p:cNvPr id="238" name="Google Shape;238;g2a0c6f9b0a2_0_91"/>
+          <p:cNvPr id="239" name="Google Shape;239;g2a0c6f9b0a2_0_91"/>
           <p:cNvPicPr preferRelativeResize="0"/>
           <p:nvPr/>
         </p:nvPicPr>
@@ -15913,7 +16186,7 @@
         </p:blipFill>
         <p:spPr>
           <a:xfrm>
-            <a:off x="3175000" y="901188"/>
+            <a:off x="2952000" y="901175"/>
             <a:ext cx="4153467" cy="485337"/>
           </a:xfrm>
           <a:prstGeom prst="rect">
@@ -15927,7 +16200,7 @@
       </p:pic>
       <p:pic>
         <p:nvPicPr>
-          <p:cNvPr id="239" name="Google Shape;239;g2a0c6f9b0a2_0_91"/>
+          <p:cNvPr id="240" name="Google Shape;240;g2a0c6f9b0a2_0_91"/>
           <p:cNvPicPr preferRelativeResize="0"/>
           <p:nvPr/>
         </p:nvPicPr>
@@ -15940,35 +16213,8 @@
         </p:blipFill>
         <p:spPr>
           <a:xfrm>
-            <a:off x="7361875" y="1073150"/>
+            <a:off x="6980875" y="1682750"/>
             <a:ext cx="1701000" cy="1073150"/>
-          </a:xfrm>
-          <a:prstGeom prst="rect">
-            <a:avLst/>
-          </a:prstGeom>
-          <a:noFill/>
-          <a:ln>
-            <a:noFill/>
-          </a:ln>
-        </p:spPr>
-      </p:pic>
-      <p:pic>
-        <p:nvPicPr>
-          <p:cNvPr id="240" name="Google Shape;240;g2a0c6f9b0a2_0_91"/>
-          <p:cNvPicPr preferRelativeResize="0"/>
-          <p:nvPr/>
-        </p:nvPicPr>
-        <p:blipFill rotWithShape="1">
-          <a:blip r:embed="rId4">
-            <a:alphaModFix/>
-          </a:blip>
-          <a:srcRect b="0" l="0" r="68798" t="13882"/>
-          <a:stretch/>
-        </p:blipFill>
-        <p:spPr>
-          <a:xfrm>
-            <a:off x="3446701" y="1365450"/>
-            <a:ext cx="3178250" cy="2158800"/>
           </a:xfrm>
           <a:prstGeom prst="rect">
             <a:avLst/>
@@ -15989,13 +16235,13 @@
           <a:blip r:embed="rId4">
             <a:alphaModFix/>
           </a:blip>
-          <a:srcRect b="4392" l="58558" r="13427" t="14107"/>
+          <a:srcRect b="0" l="0" r="68798" t="13882"/>
           <a:stretch/>
         </p:blipFill>
         <p:spPr>
           <a:xfrm>
-            <a:off x="5827125" y="3336838"/>
-            <a:ext cx="2465751" cy="1765300"/>
+            <a:off x="3370501" y="1365450"/>
+            <a:ext cx="3178250" cy="2158800"/>
           </a:xfrm>
           <a:prstGeom prst="rect">
             <a:avLst/>
@@ -16016,13 +16262,13 @@
           <a:blip r:embed="rId4">
             <a:alphaModFix/>
           </a:blip>
-          <a:srcRect b="4863" l="30763" r="41221" t="13941"/>
+          <a:srcRect b="4392" l="58558" r="13427" t="14107"/>
           <a:stretch/>
         </p:blipFill>
         <p:spPr>
           <a:xfrm>
-            <a:off x="3215650" y="3340100"/>
-            <a:ext cx="2465751" cy="1758784"/>
+            <a:off x="6284325" y="3336838"/>
+            <a:ext cx="2465751" cy="1765300"/>
           </a:xfrm>
           <a:prstGeom prst="rect">
             <a:avLst/>
@@ -16043,13 +16289,13 @@
           <a:blip r:embed="rId4">
             <a:alphaModFix/>
           </a:blip>
-          <a:srcRect b="11999" l="0" r="96248" t="13882"/>
+          <a:srcRect b="4863" l="30763" r="41221" t="13941"/>
           <a:stretch/>
         </p:blipFill>
         <p:spPr>
           <a:xfrm>
-            <a:off x="2934375" y="3340100"/>
-            <a:ext cx="332698" cy="1617675"/>
+            <a:off x="3672850" y="3340100"/>
+            <a:ext cx="2465751" cy="1758784"/>
           </a:xfrm>
           <a:prstGeom prst="rect">
             <a:avLst/>
@@ -16075,7 +16321,7 @@
         </p:blipFill>
         <p:spPr>
           <a:xfrm>
-            <a:off x="5568050" y="3340100"/>
+            <a:off x="3391575" y="3340100"/>
             <a:ext cx="332698" cy="1617675"/>
           </a:xfrm>
           <a:prstGeom prst="rect">
@@ -16090,6 +16336,33 @@
       <p:pic>
         <p:nvPicPr>
           <p:cNvPr id="245" name="Google Shape;245;g2a0c6f9b0a2_0_91"/>
+          <p:cNvPicPr preferRelativeResize="0"/>
+          <p:nvPr/>
+        </p:nvPicPr>
+        <p:blipFill rotWithShape="1">
+          <a:blip r:embed="rId4">
+            <a:alphaModFix/>
+          </a:blip>
+          <a:srcRect b="11999" l="0" r="96248" t="13882"/>
+          <a:stretch/>
+        </p:blipFill>
+        <p:spPr>
+          <a:xfrm>
+            <a:off x="6025250" y="3340100"/>
+            <a:ext cx="332698" cy="1617675"/>
+          </a:xfrm>
+          <a:prstGeom prst="rect">
+            <a:avLst/>
+          </a:prstGeom>
+          <a:noFill/>
+          <a:ln>
+            <a:noFill/>
+          </a:ln>
+        </p:spPr>
+      </p:pic>
+      <p:pic>
+        <p:nvPicPr>
+          <p:cNvPr id="246" name="Google Shape;246;g2a0c6f9b0a2_0_91"/>
           <p:cNvPicPr preferRelativeResize="0"/>
           <p:nvPr/>
         </p:nvPicPr>
@@ -16102,8 +16375,64 @@
         </p:blipFill>
         <p:spPr>
           <a:xfrm>
-            <a:off x="60550" y="1310325"/>
-            <a:ext cx="3009375" cy="2715293"/>
+            <a:off x="60550" y="1843725"/>
+            <a:ext cx="3358974" cy="2936775"/>
+          </a:xfrm>
+          <a:prstGeom prst="rect">
+            <a:avLst/>
+          </a:prstGeom>
+          <a:noFill/>
+          <a:ln>
+            <a:noFill/>
+          </a:ln>
+        </p:spPr>
+      </p:pic>
+      <p:pic>
+        <p:nvPicPr>
+          <p:cNvPr id="247" name="Google Shape;247;g2a0c6f9b0a2_0_91"/>
+          <p:cNvPicPr preferRelativeResize="0"/>
+          <p:nvPr/>
+        </p:nvPicPr>
+        <p:blipFill>
+          <a:blip r:embed="rId5">
+            <a:alphaModFix/>
+          </a:blip>
+          <a:stretch>
+            <a:fillRect/>
+          </a:stretch>
+        </p:blipFill>
+        <p:spPr>
+          <a:xfrm>
+            <a:off x="789950" y="4488369"/>
+            <a:ext cx="452323" cy="292125"/>
+          </a:xfrm>
+          <a:prstGeom prst="rect">
+            <a:avLst/>
+          </a:prstGeom>
+          <a:noFill/>
+          <a:ln>
+            <a:noFill/>
+          </a:ln>
+        </p:spPr>
+      </p:pic>
+      <p:pic>
+        <p:nvPicPr>
+          <p:cNvPr id="248" name="Google Shape;248;g2a0c6f9b0a2_0_91"/>
+          <p:cNvPicPr preferRelativeResize="0"/>
+          <p:nvPr/>
+        </p:nvPicPr>
+        <p:blipFill>
+          <a:blip r:embed="rId5">
+            <a:alphaModFix/>
+          </a:blip>
+          <a:stretch>
+            <a:fillRect/>
+          </a:stretch>
+        </p:blipFill>
+        <p:spPr>
+          <a:xfrm>
+            <a:off x="2687600" y="4488369"/>
+            <a:ext cx="452323" cy="292125"/>
           </a:xfrm>
           <a:prstGeom prst="rect">
             <a:avLst/>
@@ -16127,7 +16456,7 @@
   <p:cSld>
     <p:spTree>
       <p:nvGrpSpPr>
-        <p:cNvPr id="249" name="Shape 249"/>
+        <p:cNvPr id="252" name="Shape 252"/>
         <p:cNvGrpSpPr/>
         <p:nvPr/>
       </p:nvGrpSpPr>
@@ -16141,7 +16470,7 @@
       </p:grpSpPr>
       <p:sp>
         <p:nvSpPr>
-          <p:cNvPr id="250" name="Google Shape;250;g2a0c6f9b0a2_0_97"/>
+          <p:cNvPr id="253" name="Google Shape;253;g2a0c6f9b0a2_0_97"/>
           <p:cNvSpPr txBox="1"/>
           <p:nvPr>
             <p:ph idx="4294967295" type="title"/>
@@ -16199,7 +16528,7 @@
       </p:sp>
       <p:pic>
         <p:nvPicPr>
-          <p:cNvPr id="251" name="Google Shape;251;g2a0c6f9b0a2_0_97"/>
+          <p:cNvPr id="254" name="Google Shape;254;g2a0c6f9b0a2_0_97"/>
           <p:cNvPicPr preferRelativeResize="0"/>
           <p:nvPr/>
         </p:nvPicPr>
@@ -16212,89 +16541,8 @@
         </p:blipFill>
         <p:spPr>
           <a:xfrm>
-            <a:off x="3924300" y="1392325"/>
+            <a:off x="3314700" y="1392325"/>
             <a:ext cx="3333750" cy="2103400"/>
-          </a:xfrm>
-          <a:prstGeom prst="rect">
-            <a:avLst/>
-          </a:prstGeom>
-          <a:noFill/>
-          <a:ln>
-            <a:noFill/>
-          </a:ln>
-        </p:spPr>
-      </p:pic>
-      <p:pic>
-        <p:nvPicPr>
-          <p:cNvPr id="252" name="Google Shape;252;g2a0c6f9b0a2_0_97"/>
-          <p:cNvPicPr preferRelativeResize="0"/>
-          <p:nvPr/>
-        </p:nvPicPr>
-        <p:blipFill rotWithShape="1">
-          <a:blip r:embed="rId3">
-            <a:alphaModFix/>
-          </a:blip>
-          <a:srcRect b="65689" l="94755" r="0" t="18838"/>
-          <a:stretch/>
-        </p:blipFill>
-        <p:spPr>
-          <a:xfrm>
-            <a:off x="8083550" y="1012625"/>
-            <a:ext cx="768348" cy="557850"/>
-          </a:xfrm>
-          <a:prstGeom prst="rect">
-            <a:avLst/>
-          </a:prstGeom>
-          <a:noFill/>
-          <a:ln>
-            <a:noFill/>
-          </a:ln>
-        </p:spPr>
-      </p:pic>
-      <p:pic>
-        <p:nvPicPr>
-          <p:cNvPr id="253" name="Google Shape;253;g2a0c6f9b0a2_0_97"/>
-          <p:cNvPicPr preferRelativeResize="0"/>
-          <p:nvPr/>
-        </p:nvPicPr>
-        <p:blipFill rotWithShape="1">
-          <a:blip r:embed="rId3">
-            <a:alphaModFix/>
-          </a:blip>
-          <a:srcRect b="5846" l="63793" r="5890" t="14172"/>
-          <a:stretch/>
-        </p:blipFill>
-        <p:spPr>
-          <a:xfrm>
-            <a:off x="6380475" y="3333950"/>
-            <a:ext cx="2679700" cy="1739900"/>
-          </a:xfrm>
-          <a:prstGeom prst="rect">
-            <a:avLst/>
-          </a:prstGeom>
-          <a:noFill/>
-          <a:ln>
-            <a:noFill/>
-          </a:ln>
-        </p:spPr>
-      </p:pic>
-      <p:pic>
-        <p:nvPicPr>
-          <p:cNvPr id="254" name="Google Shape;254;g2a0c6f9b0a2_0_97"/>
-          <p:cNvPicPr preferRelativeResize="0"/>
-          <p:nvPr/>
-        </p:nvPicPr>
-        <p:blipFill rotWithShape="1">
-          <a:blip r:embed="rId3">
-            <a:alphaModFix/>
-          </a:blip>
-          <a:srcRect b="5846" l="33258" r="35938" t="14172"/>
-          <a:stretch/>
-        </p:blipFill>
-        <p:spPr>
-          <a:xfrm>
-            <a:off x="3505200" y="3333950"/>
-            <a:ext cx="2722877" cy="1739900"/>
           </a:xfrm>
           <a:prstGeom prst="rect">
             <a:avLst/>
@@ -16315,13 +16563,13 @@
           <a:blip r:embed="rId3">
             <a:alphaModFix/>
           </a:blip>
-          <a:srcRect b="86890" l="0" r="66810" t="0"/>
+          <a:srcRect b="65689" l="94755" r="0" t="18838"/>
           <a:stretch/>
         </p:blipFill>
         <p:spPr>
           <a:xfrm>
-            <a:off x="3924300" y="1012625"/>
-            <a:ext cx="3954360" cy="384376"/>
+            <a:off x="7473950" y="1774625"/>
+            <a:ext cx="768348" cy="557850"/>
           </a:xfrm>
           <a:prstGeom prst="rect">
             <a:avLst/>
@@ -16342,13 +16590,13 @@
           <a:blip r:embed="rId3">
             <a:alphaModFix/>
           </a:blip>
-          <a:srcRect b="12710" l="0" r="96262" t="18950"/>
+          <a:srcRect b="5846" l="63793" r="5890" t="14172"/>
           <a:stretch/>
         </p:blipFill>
         <p:spPr>
           <a:xfrm>
-            <a:off x="3236500" y="3430250"/>
-            <a:ext cx="336476" cy="1514200"/>
+            <a:off x="6456675" y="3333950"/>
+            <a:ext cx="2679700" cy="1739900"/>
           </a:xfrm>
           <a:prstGeom prst="rect">
             <a:avLst/>
@@ -16366,16 +16614,16 @@
           <p:nvPr/>
         </p:nvPicPr>
         <p:blipFill rotWithShape="1">
-          <a:blip r:embed="rId4">
+          <a:blip r:embed="rId3">
             <a:alphaModFix/>
           </a:blip>
-          <a:srcRect b="86975" l="1847" r="14547" t="0"/>
+          <a:srcRect b="5846" l="33258" r="35938" t="14172"/>
           <a:stretch/>
         </p:blipFill>
         <p:spPr>
           <a:xfrm>
-            <a:off x="127000" y="968375"/>
-            <a:ext cx="3454400" cy="384375"/>
+            <a:off x="3581400" y="3333950"/>
+            <a:ext cx="2722877" cy="1739900"/>
           </a:xfrm>
           <a:prstGeom prst="rect">
             <a:avLst/>
@@ -16401,7 +16649,7 @@
         </p:blipFill>
         <p:spPr>
           <a:xfrm>
-            <a:off x="6099100" y="3430250"/>
+            <a:off x="3312700" y="3430250"/>
             <a:ext cx="336476" cy="1514200"/>
           </a:xfrm>
           <a:prstGeom prst="rect">
@@ -16423,13 +16671,150 @@
           <a:blip r:embed="rId4">
             <a:alphaModFix/>
           </a:blip>
+          <a:srcRect b="86975" l="1847" r="14547" t="0"/>
+          <a:stretch/>
+        </p:blipFill>
+        <p:spPr>
+          <a:xfrm>
+            <a:off x="127000" y="1425575"/>
+            <a:ext cx="3454400" cy="384375"/>
+          </a:xfrm>
+          <a:prstGeom prst="rect">
+            <a:avLst/>
+          </a:prstGeom>
+          <a:noFill/>
+          <a:ln>
+            <a:noFill/>
+          </a:ln>
+        </p:spPr>
+      </p:pic>
+      <p:pic>
+        <p:nvPicPr>
+          <p:cNvPr id="260" name="Google Shape;260;g2a0c6f9b0a2_0_97"/>
+          <p:cNvPicPr preferRelativeResize="0"/>
+          <p:nvPr/>
+        </p:nvPicPr>
+        <p:blipFill rotWithShape="1">
+          <a:blip r:embed="rId3">
+            <a:alphaModFix/>
+          </a:blip>
+          <a:srcRect b="12710" l="0" r="96262" t="18950"/>
+          <a:stretch/>
+        </p:blipFill>
+        <p:spPr>
+          <a:xfrm>
+            <a:off x="6175300" y="3430250"/>
+            <a:ext cx="336476" cy="1514200"/>
+          </a:xfrm>
+          <a:prstGeom prst="rect">
+            <a:avLst/>
+          </a:prstGeom>
+          <a:noFill/>
+          <a:ln>
+            <a:noFill/>
+          </a:ln>
+        </p:spPr>
+      </p:pic>
+      <p:pic>
+        <p:nvPicPr>
+          <p:cNvPr id="261" name="Google Shape;261;g2a0c6f9b0a2_0_97"/>
+          <p:cNvPicPr preferRelativeResize="0"/>
+          <p:nvPr/>
+        </p:nvPicPr>
+        <p:blipFill rotWithShape="1">
+          <a:blip r:embed="rId4">
+            <a:alphaModFix/>
+          </a:blip>
           <a:srcRect b="0" l="1847" r="14547" t="15909"/>
           <a:stretch/>
         </p:blipFill>
         <p:spPr>
           <a:xfrm>
-            <a:off x="68675" y="1392325"/>
+            <a:off x="68675" y="1849525"/>
             <a:ext cx="3320224" cy="2481650"/>
+          </a:xfrm>
+          <a:prstGeom prst="rect">
+            <a:avLst/>
+          </a:prstGeom>
+          <a:noFill/>
+          <a:ln>
+            <a:noFill/>
+          </a:ln>
+        </p:spPr>
+      </p:pic>
+      <p:pic>
+        <p:nvPicPr>
+          <p:cNvPr id="262" name="Google Shape;262;g2a0c6f9b0a2_0_97"/>
+          <p:cNvPicPr preferRelativeResize="0"/>
+          <p:nvPr/>
+        </p:nvPicPr>
+        <p:blipFill rotWithShape="1">
+          <a:blip r:embed="rId3">
+            <a:alphaModFix/>
+          </a:blip>
+          <a:srcRect b="86890" l="0" r="66810" t="0"/>
+          <a:stretch/>
+        </p:blipFill>
+        <p:spPr>
+          <a:xfrm>
+            <a:off x="2933700" y="1012625"/>
+            <a:ext cx="3954360" cy="384376"/>
+          </a:xfrm>
+          <a:prstGeom prst="rect">
+            <a:avLst/>
+          </a:prstGeom>
+          <a:noFill/>
+          <a:ln>
+            <a:noFill/>
+          </a:ln>
+        </p:spPr>
+      </p:pic>
+      <p:pic>
+        <p:nvPicPr>
+          <p:cNvPr id="263" name="Google Shape;263;g2a0c6f9b0a2_0_97"/>
+          <p:cNvPicPr preferRelativeResize="0"/>
+          <p:nvPr/>
+        </p:nvPicPr>
+        <p:blipFill>
+          <a:blip r:embed="rId5">
+            <a:alphaModFix/>
+          </a:blip>
+          <a:stretch>
+            <a:fillRect/>
+          </a:stretch>
+        </p:blipFill>
+        <p:spPr>
+          <a:xfrm>
+            <a:off x="683475" y="3952919"/>
+            <a:ext cx="452323" cy="292125"/>
+          </a:xfrm>
+          <a:prstGeom prst="rect">
+            <a:avLst/>
+          </a:prstGeom>
+          <a:noFill/>
+          <a:ln>
+            <a:noFill/>
+          </a:ln>
+        </p:spPr>
+      </p:pic>
+      <p:pic>
+        <p:nvPicPr>
+          <p:cNvPr id="264" name="Google Shape;264;g2a0c6f9b0a2_0_97"/>
+          <p:cNvPicPr preferRelativeResize="0"/>
+          <p:nvPr/>
+        </p:nvPicPr>
+        <p:blipFill>
+          <a:blip r:embed="rId5">
+            <a:alphaModFix/>
+          </a:blip>
+          <a:stretch>
+            <a:fillRect/>
+          </a:stretch>
+        </p:blipFill>
+        <p:spPr>
+          <a:xfrm>
+            <a:off x="2693525" y="3978869"/>
+            <a:ext cx="452323" cy="292125"/>
           </a:xfrm>
           <a:prstGeom prst="rect">
             <a:avLst/>
@@ -16453,7 +16838,7 @@
   <p:cSld>
     <p:spTree>
       <p:nvGrpSpPr>
-        <p:cNvPr id="263" name="Shape 263"/>
+        <p:cNvPr id="268" name="Shape 268"/>
         <p:cNvGrpSpPr/>
         <p:nvPr/>
       </p:nvGrpSpPr>
@@ -16467,7 +16852,7 @@
       </p:grpSpPr>
       <p:sp>
         <p:nvSpPr>
-          <p:cNvPr id="264" name="Google Shape;264;g2a75948b1fc_3_59"/>
+          <p:cNvPr id="269" name="Google Shape;269;g2a75948b1fc_3_59"/>
           <p:cNvSpPr txBox="1"/>
           <p:nvPr>
             <p:ph idx="4294967295" type="title"/>
@@ -16525,7 +16910,7 @@
       </p:sp>
       <p:pic>
         <p:nvPicPr>
-          <p:cNvPr id="265" name="Google Shape;265;g2a75948b1fc_3_59"/>
+          <p:cNvPr id="270" name="Google Shape;270;g2a75948b1fc_3_59"/>
           <p:cNvPicPr preferRelativeResize="0"/>
           <p:nvPr/>
         </p:nvPicPr>
@@ -16538,7 +16923,7 @@
         </p:blipFill>
         <p:spPr>
           <a:xfrm>
-            <a:off x="8083550" y="1012625"/>
+            <a:off x="8083550" y="2003225"/>
             <a:ext cx="768348" cy="557850"/>
           </a:xfrm>
           <a:prstGeom prst="rect">
@@ -16552,7 +16937,7 @@
       </p:pic>
       <p:pic>
         <p:nvPicPr>
-          <p:cNvPr id="266" name="Google Shape;266;g2a75948b1fc_3_59"/>
+          <p:cNvPr id="271" name="Google Shape;271;g2a75948b1fc_3_59"/>
           <p:cNvPicPr preferRelativeResize="0"/>
           <p:nvPr/>
         </p:nvPicPr>
@@ -16567,6 +16952,62 @@
           <a:xfrm>
             <a:off x="51050" y="888400"/>
             <a:ext cx="7930774" cy="2843625"/>
+          </a:xfrm>
+          <a:prstGeom prst="rect">
+            <a:avLst/>
+          </a:prstGeom>
+          <a:noFill/>
+          <a:ln>
+            <a:noFill/>
+          </a:ln>
+        </p:spPr>
+      </p:pic>
+      <p:pic>
+        <p:nvPicPr>
+          <p:cNvPr id="272" name="Google Shape;272;g2a75948b1fc_3_59"/>
+          <p:cNvPicPr preferRelativeResize="0"/>
+          <p:nvPr/>
+        </p:nvPicPr>
+        <p:blipFill>
+          <a:blip r:embed="rId6">
+            <a:alphaModFix/>
+          </a:blip>
+          <a:stretch>
+            <a:fillRect/>
+          </a:stretch>
+        </p:blipFill>
+        <p:spPr>
+          <a:xfrm>
+            <a:off x="2801425" y="2133225"/>
+            <a:ext cx="155250" cy="529075"/>
+          </a:xfrm>
+          <a:prstGeom prst="rect">
+            <a:avLst/>
+          </a:prstGeom>
+          <a:noFill/>
+          <a:ln>
+            <a:noFill/>
+          </a:ln>
+        </p:spPr>
+      </p:pic>
+      <p:pic>
+        <p:nvPicPr>
+          <p:cNvPr id="273" name="Google Shape;273;g2a75948b1fc_3_59"/>
+          <p:cNvPicPr preferRelativeResize="0"/>
+          <p:nvPr/>
+        </p:nvPicPr>
+        <p:blipFill>
+          <a:blip r:embed="rId6">
+            <a:alphaModFix/>
+          </a:blip>
+          <a:stretch>
+            <a:fillRect/>
+          </a:stretch>
+        </p:blipFill>
+        <p:spPr>
+          <a:xfrm>
+            <a:off x="5442488" y="2102200"/>
+            <a:ext cx="155250" cy="529075"/>
           </a:xfrm>
           <a:prstGeom prst="rect">
             <a:avLst/>
@@ -16590,7 +17031,7 @@
   <p:cSld>
     <p:spTree>
       <p:nvGrpSpPr>
-        <p:cNvPr id="270" name="Shape 270"/>
+        <p:cNvPr id="277" name="Shape 277"/>
         <p:cNvGrpSpPr/>
         <p:nvPr/>
       </p:nvGrpSpPr>
@@ -16604,7 +17045,7 @@
       </p:grpSpPr>
       <p:sp>
         <p:nvSpPr>
-          <p:cNvPr id="271" name="Google Shape;271;g2a0c6f9b0a2_0_103"/>
+          <p:cNvPr id="278" name="Google Shape;278;g2a0c6f9b0a2_0_103"/>
           <p:cNvSpPr txBox="1"/>
           <p:nvPr>
             <p:ph idx="4294967295" type="title"/>
@@ -16662,7 +17103,7 @@
       </p:sp>
       <p:pic>
         <p:nvPicPr>
-          <p:cNvPr id="272" name="Google Shape;272;g2a0c6f9b0a2_0_103"/>
+          <p:cNvPr id="279" name="Google Shape;279;g2a0c6f9b0a2_0_103"/>
           <p:cNvPicPr preferRelativeResize="0"/>
           <p:nvPr/>
         </p:nvPicPr>
@@ -16675,7 +17116,7 @@
         </p:blipFill>
         <p:spPr>
           <a:xfrm>
-            <a:off x="3911425" y="860225"/>
+            <a:off x="4368625" y="860225"/>
             <a:ext cx="4065249" cy="2199125"/>
           </a:xfrm>
           <a:prstGeom prst="rect">
@@ -16689,7 +17130,7 @@
       </p:pic>
       <p:pic>
         <p:nvPicPr>
-          <p:cNvPr id="273" name="Google Shape;273;g2a0c6f9b0a2_0_103"/>
+          <p:cNvPr id="280" name="Google Shape;280;g2a0c6f9b0a2_0_103"/>
           <p:cNvPicPr preferRelativeResize="0"/>
           <p:nvPr/>
         </p:nvPicPr>
@@ -16702,7 +17143,7 @@
         </p:blipFill>
         <p:spPr>
           <a:xfrm>
-            <a:off x="182925" y="860225"/>
+            <a:off x="640125" y="860225"/>
             <a:ext cx="3935250" cy="2199125"/>
           </a:xfrm>
           <a:prstGeom prst="rect">
@@ -16716,34 +17157,7 @@
       </p:pic>
       <p:pic>
         <p:nvPicPr>
-          <p:cNvPr id="274" name="Google Shape;274;g2a0c6f9b0a2_0_103"/>
-          <p:cNvPicPr preferRelativeResize="0"/>
-          <p:nvPr/>
-        </p:nvPicPr>
-        <p:blipFill rotWithShape="1">
-          <a:blip r:embed="rId4">
-            <a:alphaModFix/>
-          </a:blip>
-          <a:srcRect b="59483" l="74627" r="0" t="19489"/>
-          <a:stretch/>
-        </p:blipFill>
-        <p:spPr>
-          <a:xfrm>
-            <a:off x="7105502" y="474525"/>
-            <a:ext cx="1590774" cy="723975"/>
-          </a:xfrm>
-          <a:prstGeom prst="rect">
-            <a:avLst/>
-          </a:prstGeom>
-          <a:noFill/>
-          <a:ln>
-            <a:noFill/>
-          </a:ln>
-        </p:spPr>
-      </p:pic>
-      <p:pic>
-        <p:nvPicPr>
-          <p:cNvPr id="275" name="Google Shape;275;g2a0c6f9b0a2_0_103"/>
+          <p:cNvPr id="281" name="Google Shape;281;g2a0c6f9b0a2_0_103"/>
           <p:cNvPicPr preferRelativeResize="0"/>
           <p:nvPr/>
         </p:nvPicPr>
@@ -16751,13 +17165,13 @@
           <a:blip r:embed="rId5">
             <a:alphaModFix/>
           </a:blip>
-          <a:srcRect b="26863" l="0" r="25283" t="4061"/>
+          <a:srcRect b="26859" l="0" r="25489" t="5705"/>
           <a:stretch/>
         </p:blipFill>
         <p:spPr>
           <a:xfrm>
-            <a:off x="54150" y="3059350"/>
-            <a:ext cx="3963750" cy="2012250"/>
+            <a:off x="4392925" y="3087450"/>
+            <a:ext cx="4040950" cy="1956025"/>
           </a:xfrm>
           <a:prstGeom prst="rect">
             <a:avLst/>
@@ -16770,39 +17184,12 @@
       </p:pic>
       <p:pic>
         <p:nvPicPr>
-          <p:cNvPr id="276" name="Google Shape;276;g2a0c6f9b0a2_0_103"/>
-          <p:cNvPicPr preferRelativeResize="0"/>
-          <p:nvPr/>
-        </p:nvPicPr>
-        <p:blipFill rotWithShape="1">
-          <a:blip r:embed="rId6">
-            <a:alphaModFix/>
-          </a:blip>
-          <a:srcRect b="26859" l="0" r="25489" t="5705"/>
-          <a:stretch/>
-        </p:blipFill>
-        <p:spPr>
-          <a:xfrm>
-            <a:off x="4041425" y="3087462"/>
-            <a:ext cx="3935250" cy="1956020"/>
-          </a:xfrm>
-          <a:prstGeom prst="rect">
-            <a:avLst/>
-          </a:prstGeom>
-          <a:noFill/>
-          <a:ln>
-            <a:noFill/>
-          </a:ln>
-        </p:spPr>
-      </p:pic>
-      <p:pic>
-        <p:nvPicPr>
-          <p:cNvPr id="277" name="Google Shape;277;g2a0c6f9b0a2_0_103"/>
+          <p:cNvPr id="282" name="Google Shape;282;g2a0c6f9b0a2_0_103"/>
           <p:cNvPicPr preferRelativeResize="0"/>
           <p:nvPr/>
         </p:nvPicPr>
         <p:blipFill>
-          <a:blip r:embed="rId7">
+          <a:blip r:embed="rId6">
             <a:alphaModFix/>
           </a:blip>
           <a:stretch>
@@ -16811,7 +17198,7 @@
         </p:blipFill>
         <p:spPr>
           <a:xfrm>
-            <a:off x="4017900" y="1388150"/>
+            <a:off x="4475100" y="1388150"/>
             <a:ext cx="183200" cy="680850"/>
           </a:xfrm>
           <a:prstGeom prst="rect">
@@ -16825,22 +17212,156 @@
       </p:pic>
       <p:pic>
         <p:nvPicPr>
-          <p:cNvPr id="278" name="Google Shape;278;g2a0c6f9b0a2_0_103"/>
+          <p:cNvPr id="283" name="Google Shape;283;g2a0c6f9b0a2_0_103"/>
           <p:cNvPicPr preferRelativeResize="0"/>
           <p:nvPr/>
         </p:nvPicPr>
-        <p:blipFill>
+        <p:blipFill rotWithShape="1">
+          <a:blip r:embed="rId7">
+            <a:alphaModFix/>
+          </a:blip>
+          <a:srcRect b="26863" l="0" r="25283" t="4061"/>
+          <a:stretch/>
+        </p:blipFill>
+        <p:spPr>
+          <a:xfrm>
+            <a:off x="409850" y="3059350"/>
+            <a:ext cx="4065249" cy="2012250"/>
+          </a:xfrm>
+          <a:prstGeom prst="rect">
+            <a:avLst/>
+          </a:prstGeom>
+          <a:noFill/>
+          <a:ln>
+            <a:noFill/>
+          </a:ln>
+        </p:spPr>
+      </p:pic>
+      <p:pic>
+        <p:nvPicPr>
+          <p:cNvPr id="284" name="Google Shape;284;g2a0c6f9b0a2_0_103"/>
+          <p:cNvPicPr preferRelativeResize="0"/>
+          <p:nvPr/>
+        </p:nvPicPr>
+        <p:blipFill rotWithShape="1">
           <a:blip r:embed="rId8">
             <a:alphaModFix/>
           </a:blip>
-          <a:stretch>
-            <a:fillRect/>
-          </a:stretch>
+          <a:srcRect b="59371" l="91149" r="0" t="20151"/>
+          <a:stretch/>
         </p:blipFill>
         <p:spPr>
           <a:xfrm>
-            <a:off x="7029300" y="317675"/>
-            <a:ext cx="650850" cy="186950"/>
+            <a:off x="7100450" y="526525"/>
+            <a:ext cx="1309727" cy="751700"/>
+          </a:xfrm>
+          <a:prstGeom prst="rect">
+            <a:avLst/>
+          </a:prstGeom>
+          <a:noFill/>
+          <a:ln>
+            <a:noFill/>
+          </a:ln>
+        </p:spPr>
+      </p:pic>
+      <p:pic>
+        <p:nvPicPr>
+          <p:cNvPr id="285" name="Google Shape;285;g2a0c6f9b0a2_0_103"/>
+          <p:cNvPicPr preferRelativeResize="0"/>
+          <p:nvPr/>
+        </p:nvPicPr>
+        <p:blipFill rotWithShape="1">
+          <a:blip r:embed="rId9">
+            <a:alphaModFix/>
+          </a:blip>
+          <a:srcRect b="87830" l="4717" r="78667" t="4750"/>
+          <a:stretch/>
+        </p:blipFill>
+        <p:spPr>
+          <a:xfrm>
+            <a:off x="4658300" y="3087450"/>
+            <a:ext cx="1750630" cy="193900"/>
+          </a:xfrm>
+          <a:prstGeom prst="rect">
+            <a:avLst/>
+          </a:prstGeom>
+          <a:noFill/>
+          <a:ln>
+            <a:noFill/>
+          </a:ln>
+        </p:spPr>
+      </p:pic>
+      <p:pic>
+        <p:nvPicPr>
+          <p:cNvPr id="286" name="Google Shape;286;g2a0c6f9b0a2_0_103"/>
+          <p:cNvPicPr preferRelativeResize="0"/>
+          <p:nvPr/>
+        </p:nvPicPr>
+        <p:blipFill rotWithShape="1">
+          <a:blip r:embed="rId8">
+            <a:alphaModFix/>
+          </a:blip>
+          <a:srcRect b="88177" l="4716" r="80131" t="4403"/>
+          <a:stretch/>
+        </p:blipFill>
+        <p:spPr>
+          <a:xfrm>
+            <a:off x="619263" y="3114025"/>
+            <a:ext cx="1596436" cy="193900"/>
+          </a:xfrm>
+          <a:prstGeom prst="rect">
+            <a:avLst/>
+          </a:prstGeom>
+          <a:noFill/>
+          <a:ln>
+            <a:noFill/>
+          </a:ln>
+        </p:spPr>
+      </p:pic>
+      <p:pic>
+        <p:nvPicPr>
+          <p:cNvPr id="287" name="Google Shape;287;g2a0c6f9b0a2_0_103"/>
+          <p:cNvPicPr preferRelativeResize="0"/>
+          <p:nvPr/>
+        </p:nvPicPr>
+        <p:blipFill rotWithShape="1">
+          <a:blip r:embed="rId10">
+            <a:alphaModFix/>
+          </a:blip>
+          <a:srcRect b="88044" l="4716" r="80131" t="4536"/>
+          <a:stretch/>
+        </p:blipFill>
+        <p:spPr>
+          <a:xfrm>
+            <a:off x="4575375" y="1046090"/>
+            <a:ext cx="1596426" cy="193900"/>
+          </a:xfrm>
+          <a:prstGeom prst="rect">
+            <a:avLst/>
+          </a:prstGeom>
+          <a:noFill/>
+          <a:ln>
+            <a:noFill/>
+          </a:ln>
+        </p:spPr>
+      </p:pic>
+      <p:pic>
+        <p:nvPicPr>
+          <p:cNvPr id="288" name="Google Shape;288;g2a0c6f9b0a2_0_103"/>
+          <p:cNvPicPr preferRelativeResize="0"/>
+          <p:nvPr/>
+        </p:nvPicPr>
+        <p:blipFill rotWithShape="1">
+          <a:blip r:embed="rId11">
+            <a:alphaModFix/>
+          </a:blip>
+          <a:srcRect b="87830" l="4752" r="80991" t="6211"/>
+          <a:stretch/>
+        </p:blipFill>
+        <p:spPr>
+          <a:xfrm>
+            <a:off x="605813" y="1058912"/>
+            <a:ext cx="1623347" cy="168275"/>
           </a:xfrm>
           <a:prstGeom prst="rect">
             <a:avLst/>
@@ -16864,7 +17385,7 @@
   <p:cSld>
     <p:spTree>
       <p:nvGrpSpPr>
-        <p:cNvPr id="282" name="Shape 282"/>
+        <p:cNvPr id="292" name="Shape 292"/>
         <p:cNvGrpSpPr/>
         <p:nvPr/>
       </p:nvGrpSpPr>
@@ -16878,7 +17399,7 @@
       </p:grpSpPr>
       <p:sp>
         <p:nvSpPr>
-          <p:cNvPr id="283" name="Google Shape;283;g2a58cb8d4e2_0_19"/>
+          <p:cNvPr id="293" name="Google Shape;293;g2a58cb8d4e2_0_19"/>
           <p:cNvSpPr txBox="1"/>
           <p:nvPr>
             <p:ph idx="4294967295" type="title"/>
@@ -16936,7 +17457,7 @@
       </p:sp>
       <p:pic>
         <p:nvPicPr>
-          <p:cNvPr id="284" name="Google Shape;284;g2a58cb8d4e2_0_19"/>
+          <p:cNvPr id="294" name="Google Shape;294;g2a58cb8d4e2_0_19"/>
           <p:cNvPicPr preferRelativeResize="0"/>
           <p:nvPr/>
         </p:nvPicPr>
@@ -16949,7 +17470,7 @@
         </p:blipFill>
         <p:spPr>
           <a:xfrm>
-            <a:off x="4438499" y="862825"/>
+            <a:off x="4133699" y="862825"/>
             <a:ext cx="3007949" cy="489576"/>
           </a:xfrm>
           <a:prstGeom prst="rect">
@@ -16963,7 +17484,7 @@
       </p:pic>
       <p:pic>
         <p:nvPicPr>
-          <p:cNvPr id="285" name="Google Shape;285;g2a58cb8d4e2_0_19"/>
+          <p:cNvPr id="295" name="Google Shape;295;g2a58cb8d4e2_0_19"/>
           <p:cNvPicPr preferRelativeResize="0"/>
           <p:nvPr/>
         </p:nvPicPr>
@@ -16976,7 +17497,7 @@
         </p:blipFill>
         <p:spPr>
           <a:xfrm>
-            <a:off x="177650" y="847700"/>
+            <a:off x="177650" y="1381100"/>
             <a:ext cx="1932226" cy="489575"/>
           </a:xfrm>
           <a:prstGeom prst="rect">
@@ -16990,7 +17511,7 @@
       </p:pic>
       <p:pic>
         <p:nvPicPr>
-          <p:cNvPr id="286" name="Google Shape;286;g2a58cb8d4e2_0_19"/>
+          <p:cNvPr id="296" name="Google Shape;296;g2a58cb8d4e2_0_19"/>
           <p:cNvPicPr preferRelativeResize="0"/>
           <p:nvPr/>
         </p:nvPicPr>
@@ -17003,8 +17524,8 @@
         </p:blipFill>
         <p:spPr>
           <a:xfrm>
-            <a:off x="8003750" y="592950"/>
-            <a:ext cx="887977" cy="649725"/>
+            <a:off x="7898725" y="430275"/>
+            <a:ext cx="1094149" cy="800575"/>
           </a:xfrm>
           <a:prstGeom prst="rect">
             <a:avLst/>
@@ -17017,7 +17538,7 @@
       </p:pic>
       <p:pic>
         <p:nvPicPr>
-          <p:cNvPr id="287" name="Google Shape;287;g2a58cb8d4e2_0_19"/>
+          <p:cNvPr id="297" name="Google Shape;297;g2a58cb8d4e2_0_19"/>
           <p:cNvPicPr preferRelativeResize="0"/>
           <p:nvPr/>
         </p:nvPicPr>
@@ -17030,8 +17551,8 @@
         </p:blipFill>
         <p:spPr>
           <a:xfrm>
-            <a:off x="6431125" y="1370100"/>
-            <a:ext cx="2067901" cy="1825487"/>
+            <a:off x="6431125" y="1293900"/>
+            <a:ext cx="2134001" cy="1883834"/>
           </a:xfrm>
           <a:prstGeom prst="rect">
             <a:avLst/>
@@ -17044,7 +17565,169 @@
       </p:pic>
       <p:pic>
         <p:nvPicPr>
-          <p:cNvPr id="288" name="Google Shape;288;g2a58cb8d4e2_0_19"/>
+          <p:cNvPr id="298" name="Google Shape;298;g2a58cb8d4e2_0_19"/>
+          <p:cNvPicPr preferRelativeResize="0"/>
+          <p:nvPr/>
+        </p:nvPicPr>
+        <p:blipFill rotWithShape="1">
+          <a:blip r:embed="rId3">
+            <a:alphaModFix/>
+          </a:blip>
+          <a:srcRect b="5722" l="0" r="74605" t="14792"/>
+          <a:stretch/>
+        </p:blipFill>
+        <p:spPr>
+          <a:xfrm>
+            <a:off x="3721450" y="1325425"/>
+            <a:ext cx="2448660" cy="1886175"/>
+          </a:xfrm>
+          <a:prstGeom prst="rect">
+            <a:avLst/>
+          </a:prstGeom>
+          <a:noFill/>
+          <a:ln>
+            <a:noFill/>
+          </a:ln>
+        </p:spPr>
+      </p:pic>
+      <p:pic>
+        <p:nvPicPr>
+          <p:cNvPr id="299" name="Google Shape;299;g2a58cb8d4e2_0_19"/>
+          <p:cNvPicPr preferRelativeResize="0"/>
+          <p:nvPr/>
+        </p:nvPicPr>
+        <p:blipFill rotWithShape="1">
+          <a:blip r:embed="rId3">
+            <a:alphaModFix/>
+          </a:blip>
+          <a:srcRect b="5063" l="47972" r="30167" t="14570"/>
+          <a:stretch/>
+        </p:blipFill>
+        <p:spPr>
+          <a:xfrm>
+            <a:off x="3997475" y="3183725"/>
+            <a:ext cx="2134011" cy="1930766"/>
+          </a:xfrm>
+          <a:prstGeom prst="rect">
+            <a:avLst/>
+          </a:prstGeom>
+          <a:noFill/>
+          <a:ln>
+            <a:noFill/>
+          </a:ln>
+        </p:spPr>
+      </p:pic>
+      <p:pic>
+        <p:nvPicPr>
+          <p:cNvPr id="300" name="Google Shape;300;g2a58cb8d4e2_0_19"/>
+          <p:cNvPicPr preferRelativeResize="0"/>
+          <p:nvPr/>
+        </p:nvPicPr>
+        <p:blipFill rotWithShape="1">
+          <a:blip r:embed="rId3">
+            <a:alphaModFix/>
+          </a:blip>
+          <a:srcRect b="4407" l="70534" r="7605" t="14575"/>
+          <a:stretch/>
+        </p:blipFill>
+        <p:spPr>
+          <a:xfrm>
+            <a:off x="6458875" y="3167350"/>
+            <a:ext cx="2134001" cy="1946466"/>
+          </a:xfrm>
+          <a:prstGeom prst="rect">
+            <a:avLst/>
+          </a:prstGeom>
+          <a:noFill/>
+          <a:ln>
+            <a:noFill/>
+          </a:ln>
+        </p:spPr>
+      </p:pic>
+      <p:pic>
+        <p:nvPicPr>
+          <p:cNvPr id="301" name="Google Shape;301;g2a58cb8d4e2_0_19"/>
+          <p:cNvPicPr preferRelativeResize="0"/>
+          <p:nvPr/>
+        </p:nvPicPr>
+        <p:blipFill rotWithShape="1">
+          <a:blip r:embed="rId3">
+            <a:alphaModFix/>
+          </a:blip>
+          <a:srcRect b="13730" l="790" r="96265" t="18260"/>
+          <a:stretch/>
+        </p:blipFill>
+        <p:spPr>
+          <a:xfrm>
+            <a:off x="6187400" y="1376375"/>
+            <a:ext cx="290248" cy="1650025"/>
+          </a:xfrm>
+          <a:prstGeom prst="rect">
+            <a:avLst/>
+          </a:prstGeom>
+          <a:noFill/>
+          <a:ln>
+            <a:noFill/>
+          </a:ln>
+        </p:spPr>
+      </p:pic>
+      <p:pic>
+        <p:nvPicPr>
+          <p:cNvPr id="302" name="Google Shape;302;g2a58cb8d4e2_0_19"/>
+          <p:cNvPicPr preferRelativeResize="0"/>
+          <p:nvPr/>
+        </p:nvPicPr>
+        <p:blipFill rotWithShape="1">
+          <a:blip r:embed="rId3">
+            <a:alphaModFix/>
+          </a:blip>
+          <a:srcRect b="13730" l="790" r="96265" t="18260"/>
+          <a:stretch/>
+        </p:blipFill>
+        <p:spPr>
+          <a:xfrm>
+            <a:off x="6194875" y="3249320"/>
+            <a:ext cx="290248" cy="1650005"/>
+          </a:xfrm>
+          <a:prstGeom prst="rect">
+            <a:avLst/>
+          </a:prstGeom>
+          <a:noFill/>
+          <a:ln>
+            <a:noFill/>
+          </a:ln>
+        </p:spPr>
+      </p:pic>
+      <p:pic>
+        <p:nvPicPr>
+          <p:cNvPr id="303" name="Google Shape;303;g2a58cb8d4e2_0_19"/>
+          <p:cNvPicPr preferRelativeResize="0"/>
+          <p:nvPr/>
+        </p:nvPicPr>
+        <p:blipFill rotWithShape="1">
+          <a:blip r:embed="rId3">
+            <a:alphaModFix/>
+          </a:blip>
+          <a:srcRect b="13730" l="790" r="96265" t="18260"/>
+          <a:stretch/>
+        </p:blipFill>
+        <p:spPr>
+          <a:xfrm>
+            <a:off x="3751750" y="3275400"/>
+            <a:ext cx="287724" cy="1635625"/>
+          </a:xfrm>
+          <a:prstGeom prst="rect">
+            <a:avLst/>
+          </a:prstGeom>
+          <a:noFill/>
+          <a:ln>
+            <a:noFill/>
+          </a:ln>
+        </p:spPr>
+      </p:pic>
+      <p:pic>
+        <p:nvPicPr>
+          <p:cNvPr id="304" name="Google Shape;304;g2a58cb8d4e2_0_19"/>
           <p:cNvPicPr preferRelativeResize="0"/>
           <p:nvPr/>
         </p:nvPicPr>
@@ -17057,8 +17740,8 @@
         </p:blipFill>
         <p:spPr>
           <a:xfrm>
-            <a:off x="44725" y="1401625"/>
-            <a:ext cx="3515174" cy="2437950"/>
+            <a:off x="44725" y="1858825"/>
+            <a:ext cx="3570350" cy="2476225"/>
           </a:xfrm>
           <a:prstGeom prst="rect">
             <a:avLst/>
@@ -17071,21 +17754,21 @@
       </p:pic>
       <p:pic>
         <p:nvPicPr>
-          <p:cNvPr id="289" name="Google Shape;289;g2a58cb8d4e2_0_19"/>
+          <p:cNvPr id="305" name="Google Shape;305;g2a58cb8d4e2_0_19"/>
           <p:cNvPicPr preferRelativeResize="0"/>
           <p:nvPr/>
         </p:nvPicPr>
         <p:blipFill rotWithShape="1">
-          <a:blip r:embed="rId3">
+          <a:blip r:embed="rId5">
             <a:alphaModFix/>
           </a:blip>
-          <a:srcRect b="5722" l="0" r="74605" t="14792"/>
+          <a:srcRect b="86385" l="37562" r="58255" t="3623"/>
           <a:stretch/>
         </p:blipFill>
         <p:spPr>
           <a:xfrm>
-            <a:off x="3873850" y="1401625"/>
-            <a:ext cx="2343926" cy="1805504"/>
+            <a:off x="1745275" y="1527963"/>
+            <a:ext cx="388275" cy="309186"/>
           </a:xfrm>
           <a:prstGeom prst="rect">
             <a:avLst/>
@@ -17098,21 +17781,21 @@
       </p:pic>
       <p:pic>
         <p:nvPicPr>
-          <p:cNvPr id="290" name="Google Shape;290;g2a58cb8d4e2_0_19"/>
+          <p:cNvPr id="306" name="Google Shape;306;g2a58cb8d4e2_0_19"/>
           <p:cNvPicPr preferRelativeResize="0"/>
           <p:nvPr/>
         </p:nvPicPr>
         <p:blipFill rotWithShape="1">
-          <a:blip r:embed="rId3">
+          <a:blip r:embed="rId5">
             <a:alphaModFix/>
           </a:blip>
-          <a:srcRect b="5063" l="47972" r="30167" t="14570"/>
+          <a:srcRect b="86385" l="37562" r="58255" t="3623"/>
           <a:stretch/>
         </p:blipFill>
         <p:spPr>
           <a:xfrm>
-            <a:off x="4149875" y="3259913"/>
-            <a:ext cx="2067901" cy="1870950"/>
+            <a:off x="5455000" y="972875"/>
+            <a:ext cx="442747" cy="352550"/>
           </a:xfrm>
           <a:prstGeom prst="rect">
             <a:avLst/>
@@ -17125,21 +17808,105 @@
       </p:pic>
       <p:pic>
         <p:nvPicPr>
-          <p:cNvPr id="291" name="Google Shape;291;g2a58cb8d4e2_0_19"/>
+          <p:cNvPr id="307" name="Google Shape;307;g2a58cb8d4e2_0_19"/>
+          <p:cNvPicPr preferRelativeResize="0"/>
+          <p:nvPr/>
+        </p:nvPicPr>
+        <p:blipFill>
+          <a:blip r:embed="rId6">
+            <a:alphaModFix/>
+          </a:blip>
+          <a:stretch>
+            <a:fillRect/>
+          </a:stretch>
+        </p:blipFill>
+        <p:spPr>
+          <a:xfrm>
+            <a:off x="600625" y="4151144"/>
+            <a:ext cx="452323" cy="292125"/>
+          </a:xfrm>
+          <a:prstGeom prst="rect">
+            <a:avLst/>
+          </a:prstGeom>
+          <a:noFill/>
+          <a:ln>
+            <a:noFill/>
+          </a:ln>
+        </p:spPr>
+      </p:pic>
+      <p:pic>
+        <p:nvPicPr>
+          <p:cNvPr id="308" name="Google Shape;308;g2a58cb8d4e2_0_19"/>
+          <p:cNvPicPr preferRelativeResize="0"/>
+          <p:nvPr/>
+        </p:nvPicPr>
+        <p:blipFill>
+          <a:blip r:embed="rId6">
+            <a:alphaModFix/>
+          </a:blip>
+          <a:stretch>
+            <a:fillRect/>
+          </a:stretch>
+        </p:blipFill>
+        <p:spPr>
+          <a:xfrm>
+            <a:off x="1391975" y="4151144"/>
+            <a:ext cx="452323" cy="292125"/>
+          </a:xfrm>
+          <a:prstGeom prst="rect">
+            <a:avLst/>
+          </a:prstGeom>
+          <a:noFill/>
+          <a:ln>
+            <a:noFill/>
+          </a:ln>
+        </p:spPr>
+      </p:pic>
+      <p:pic>
+        <p:nvPicPr>
+          <p:cNvPr id="309" name="Google Shape;309;g2a58cb8d4e2_0_19"/>
+          <p:cNvPicPr preferRelativeResize="0"/>
+          <p:nvPr/>
+        </p:nvPicPr>
+        <p:blipFill>
+          <a:blip r:embed="rId6">
+            <a:alphaModFix/>
+          </a:blip>
+          <a:stretch>
+            <a:fillRect/>
+          </a:stretch>
+        </p:blipFill>
+        <p:spPr>
+          <a:xfrm>
+            <a:off x="3011600" y="4151144"/>
+            <a:ext cx="452323" cy="292125"/>
+          </a:xfrm>
+          <a:prstGeom prst="rect">
+            <a:avLst/>
+          </a:prstGeom>
+          <a:noFill/>
+          <a:ln>
+            <a:noFill/>
+          </a:ln>
+        </p:spPr>
+      </p:pic>
+      <p:pic>
+        <p:nvPicPr>
+          <p:cNvPr id="310" name="Google Shape;310;g2a58cb8d4e2_0_19"/>
           <p:cNvPicPr preferRelativeResize="0"/>
           <p:nvPr/>
         </p:nvPicPr>
         <p:blipFill rotWithShape="1">
-          <a:blip r:embed="rId3">
+          <a:blip r:embed="rId4">
             <a:alphaModFix/>
           </a:blip>
-          <a:srcRect b="4407" l="70534" r="7605" t="14575"/>
+          <a:srcRect b="6616" l="33655" r="59921" t="88621"/>
           <a:stretch/>
         </p:blipFill>
         <p:spPr>
           <a:xfrm>
-            <a:off x="6458875" y="3243550"/>
-            <a:ext cx="2067901" cy="1886172"/>
+            <a:off x="1862075" y="4182650"/>
+            <a:ext cx="287724" cy="152400"/>
           </a:xfrm>
           <a:prstGeom prst="rect">
             <a:avLst/>
@@ -17152,75 +17919,22 @@
       </p:pic>
       <p:pic>
         <p:nvPicPr>
-          <p:cNvPr id="292" name="Google Shape;292;g2a58cb8d4e2_0_19"/>
+          <p:cNvPr id="311" name="Google Shape;311;g2a58cb8d4e2_0_19"/>
           <p:cNvPicPr preferRelativeResize="0"/>
           <p:nvPr/>
         </p:nvPicPr>
-        <p:blipFill rotWithShape="1">
-          <a:blip r:embed="rId3">
+        <p:blipFill>
+          <a:blip r:embed="rId6">
             <a:alphaModFix/>
           </a:blip>
-          <a:srcRect b="13730" l="790" r="96265" t="18260"/>
-          <a:stretch/>
+          <a:stretch>
+            <a:fillRect/>
+          </a:stretch>
         </p:blipFill>
         <p:spPr>
           <a:xfrm>
-            <a:off x="6196550" y="1459375"/>
-            <a:ext cx="279199" cy="1587075"/>
-          </a:xfrm>
-          <a:prstGeom prst="rect">
-            <a:avLst/>
-          </a:prstGeom>
-          <a:noFill/>
-          <a:ln>
-            <a:noFill/>
-          </a:ln>
-        </p:spPr>
-      </p:pic>
-      <p:pic>
-        <p:nvPicPr>
-          <p:cNvPr id="293" name="Google Shape;293;g2a58cb8d4e2_0_19"/>
-          <p:cNvPicPr preferRelativeResize="0"/>
-          <p:nvPr/>
-        </p:nvPicPr>
-        <p:blipFill rotWithShape="1">
-          <a:blip r:embed="rId3">
-            <a:alphaModFix/>
-          </a:blip>
-          <a:srcRect b="13730" l="790" r="96265" t="18260"/>
-          <a:stretch/>
-        </p:blipFill>
-        <p:spPr>
-          <a:xfrm>
-            <a:off x="6196550" y="3335500"/>
-            <a:ext cx="279199" cy="1587075"/>
-          </a:xfrm>
-          <a:prstGeom prst="rect">
-            <a:avLst/>
-          </a:prstGeom>
-          <a:noFill/>
-          <a:ln>
-            <a:noFill/>
-          </a:ln>
-        </p:spPr>
-      </p:pic>
-      <p:pic>
-        <p:nvPicPr>
-          <p:cNvPr id="294" name="Google Shape;294;g2a58cb8d4e2_0_19"/>
-          <p:cNvPicPr preferRelativeResize="0"/>
-          <p:nvPr/>
-        </p:nvPicPr>
-        <p:blipFill rotWithShape="1">
-          <a:blip r:embed="rId3">
-            <a:alphaModFix/>
-          </a:blip>
-          <a:srcRect b="13730" l="790" r="96265" t="18260"/>
-          <a:stretch/>
-        </p:blipFill>
-        <p:spPr>
-          <a:xfrm>
-            <a:off x="3909825" y="3341450"/>
-            <a:ext cx="279199" cy="1587075"/>
+            <a:off x="2229250" y="4151144"/>
+            <a:ext cx="452323" cy="292125"/>
           </a:xfrm>
           <a:prstGeom prst="rect">
             <a:avLst/>
@@ -17244,7 +17958,7 @@
   <p:cSld>
     <p:spTree>
       <p:nvGrpSpPr>
-        <p:cNvPr id="298" name="Shape 298"/>
+        <p:cNvPr id="315" name="Shape 315"/>
         <p:cNvGrpSpPr/>
         <p:nvPr/>
       </p:nvGrpSpPr>
@@ -17258,7 +17972,7 @@
       </p:grpSpPr>
       <p:sp>
         <p:nvSpPr>
-          <p:cNvPr id="299" name="Google Shape;299;g2a75948b1fc_3_80"/>
+          <p:cNvPr id="316" name="Google Shape;316;g2a75948b1fc_3_80"/>
           <p:cNvSpPr txBox="1"/>
           <p:nvPr>
             <p:ph idx="4294967295" type="title"/>
@@ -17316,7 +18030,7 @@
       </p:sp>
       <p:pic>
         <p:nvPicPr>
-          <p:cNvPr id="300" name="Google Shape;300;g2a75948b1fc_3_80"/>
+          <p:cNvPr id="317" name="Google Shape;317;g2a75948b1fc_3_80"/>
           <p:cNvPicPr preferRelativeResize="0"/>
           <p:nvPr/>
         </p:nvPicPr>
@@ -17330,8 +18044,231 @@
         </p:blipFill>
         <p:spPr>
           <a:xfrm>
-            <a:off x="877763" y="965100"/>
-            <a:ext cx="7388475" cy="2462825"/>
+            <a:off x="0" y="824725"/>
+            <a:ext cx="7639174" cy="2546375"/>
+          </a:xfrm>
+          <a:prstGeom prst="rect">
+            <a:avLst/>
+          </a:prstGeom>
+          <a:noFill/>
+          <a:ln>
+            <a:noFill/>
+          </a:ln>
+        </p:spPr>
+      </p:pic>
+      <p:pic>
+        <p:nvPicPr>
+          <p:cNvPr id="318" name="Google Shape;318;g2a75948b1fc_3_80"/>
+          <p:cNvPicPr preferRelativeResize="0"/>
+          <p:nvPr/>
+        </p:nvPicPr>
+        <p:blipFill>
+          <a:blip r:embed="rId5">
+            <a:alphaModFix/>
+          </a:blip>
+          <a:stretch>
+            <a:fillRect/>
+          </a:stretch>
+        </p:blipFill>
+        <p:spPr>
+          <a:xfrm>
+            <a:off x="1891750" y="1866975"/>
+            <a:ext cx="155250" cy="529075"/>
+          </a:xfrm>
+          <a:prstGeom prst="rect">
+            <a:avLst/>
+          </a:prstGeom>
+          <a:noFill/>
+          <a:ln>
+            <a:noFill/>
+          </a:ln>
+        </p:spPr>
+      </p:pic>
+      <p:pic>
+        <p:nvPicPr>
+          <p:cNvPr id="319" name="Google Shape;319;g2a75948b1fc_3_80"/>
+          <p:cNvPicPr preferRelativeResize="0"/>
+          <p:nvPr/>
+        </p:nvPicPr>
+        <p:blipFill>
+          <a:blip r:embed="rId5">
+            <a:alphaModFix/>
+          </a:blip>
+          <a:stretch>
+            <a:fillRect/>
+          </a:stretch>
+        </p:blipFill>
+        <p:spPr>
+          <a:xfrm>
+            <a:off x="3682925" y="1866975"/>
+            <a:ext cx="155250" cy="529075"/>
+          </a:xfrm>
+          <a:prstGeom prst="rect">
+            <a:avLst/>
+          </a:prstGeom>
+          <a:noFill/>
+          <a:ln>
+            <a:noFill/>
+          </a:ln>
+        </p:spPr>
+      </p:pic>
+      <p:pic>
+        <p:nvPicPr>
+          <p:cNvPr id="320" name="Google Shape;320;g2a75948b1fc_3_80"/>
+          <p:cNvPicPr preferRelativeResize="0"/>
+          <p:nvPr/>
+        </p:nvPicPr>
+        <p:blipFill>
+          <a:blip r:embed="rId5">
+            <a:alphaModFix/>
+          </a:blip>
+          <a:stretch>
+            <a:fillRect/>
+          </a:stretch>
+        </p:blipFill>
+        <p:spPr>
+          <a:xfrm>
+            <a:off x="5474100" y="1866975"/>
+            <a:ext cx="155250" cy="529075"/>
+          </a:xfrm>
+          <a:prstGeom prst="rect">
+            <a:avLst/>
+          </a:prstGeom>
+          <a:noFill/>
+          <a:ln>
+            <a:noFill/>
+          </a:ln>
+        </p:spPr>
+      </p:pic>
+      <p:pic>
+        <p:nvPicPr>
+          <p:cNvPr id="321" name="Google Shape;321;g2a75948b1fc_3_80"/>
+          <p:cNvPicPr preferRelativeResize="0"/>
+          <p:nvPr/>
+        </p:nvPicPr>
+        <p:blipFill>
+          <a:blip r:embed="rId5">
+            <a:alphaModFix/>
+          </a:blip>
+          <a:stretch>
+            <a:fillRect/>
+          </a:stretch>
+        </p:blipFill>
+        <p:spPr>
+          <a:xfrm>
+            <a:off x="905450" y="3043894"/>
+            <a:ext cx="452323" cy="292125"/>
+          </a:xfrm>
+          <a:prstGeom prst="rect">
+            <a:avLst/>
+          </a:prstGeom>
+          <a:noFill/>
+          <a:ln>
+            <a:noFill/>
+          </a:ln>
+        </p:spPr>
+      </p:pic>
+      <p:pic>
+        <p:nvPicPr>
+          <p:cNvPr id="322" name="Google Shape;322;g2a75948b1fc_3_80"/>
+          <p:cNvPicPr preferRelativeResize="0"/>
+          <p:nvPr/>
+        </p:nvPicPr>
+        <p:blipFill>
+          <a:blip r:embed="rId5">
+            <a:alphaModFix/>
+          </a:blip>
+          <a:stretch>
+            <a:fillRect/>
+          </a:stretch>
+        </p:blipFill>
+        <p:spPr>
+          <a:xfrm>
+            <a:off x="2684800" y="3043894"/>
+            <a:ext cx="452323" cy="292125"/>
+          </a:xfrm>
+          <a:prstGeom prst="rect">
+            <a:avLst/>
+          </a:prstGeom>
+          <a:noFill/>
+          <a:ln>
+            <a:noFill/>
+          </a:ln>
+        </p:spPr>
+      </p:pic>
+      <p:pic>
+        <p:nvPicPr>
+          <p:cNvPr id="323" name="Google Shape;323;g2a75948b1fc_3_80"/>
+          <p:cNvPicPr preferRelativeResize="0"/>
+          <p:nvPr/>
+        </p:nvPicPr>
+        <p:blipFill>
+          <a:blip r:embed="rId5">
+            <a:alphaModFix/>
+          </a:blip>
+          <a:stretch>
+            <a:fillRect/>
+          </a:stretch>
+        </p:blipFill>
+        <p:spPr>
+          <a:xfrm>
+            <a:off x="4505550" y="3043894"/>
+            <a:ext cx="452323" cy="292125"/>
+          </a:xfrm>
+          <a:prstGeom prst="rect">
+            <a:avLst/>
+          </a:prstGeom>
+          <a:noFill/>
+          <a:ln>
+            <a:noFill/>
+          </a:ln>
+        </p:spPr>
+      </p:pic>
+      <p:pic>
+        <p:nvPicPr>
+          <p:cNvPr id="324" name="Google Shape;324;g2a75948b1fc_3_80"/>
+          <p:cNvPicPr preferRelativeResize="0"/>
+          <p:nvPr/>
+        </p:nvPicPr>
+        <p:blipFill rotWithShape="1">
+          <a:blip r:embed="rId4">
+            <a:alphaModFix/>
+          </a:blip>
+          <a:srcRect b="6139" l="82912" r="12449" t="88527"/>
+          <a:stretch/>
+        </p:blipFill>
+        <p:spPr>
+          <a:xfrm>
+            <a:off x="3583400" y="3124050"/>
+            <a:ext cx="354300" cy="135775"/>
+          </a:xfrm>
+          <a:prstGeom prst="rect">
+            <a:avLst/>
+          </a:prstGeom>
+          <a:noFill/>
+          <a:ln>
+            <a:noFill/>
+          </a:ln>
+        </p:spPr>
+      </p:pic>
+      <p:pic>
+        <p:nvPicPr>
+          <p:cNvPr id="325" name="Google Shape;325;g2a75948b1fc_3_80"/>
+          <p:cNvPicPr preferRelativeResize="0"/>
+          <p:nvPr/>
+        </p:nvPicPr>
+        <p:blipFill>
+          <a:blip r:embed="rId5">
+            <a:alphaModFix/>
+          </a:blip>
+          <a:stretch>
+            <a:fillRect/>
+          </a:stretch>
+        </p:blipFill>
+        <p:spPr>
+          <a:xfrm>
+            <a:off x="6265975" y="3043894"/>
+            <a:ext cx="452323" cy="292125"/>
           </a:xfrm>
           <a:prstGeom prst="rect">
             <a:avLst/>
@@ -17355,7 +18292,7 @@
   <p:cSld>
     <p:spTree>
       <p:nvGrpSpPr>
-        <p:cNvPr id="304" name="Shape 304"/>
+        <p:cNvPr id="329" name="Shape 329"/>
         <p:cNvGrpSpPr/>
         <p:nvPr/>
       </p:nvGrpSpPr>
@@ -17369,7 +18306,7 @@
       </p:grpSpPr>
       <p:sp>
         <p:nvSpPr>
-          <p:cNvPr id="305" name="Google Shape;305;g2a0c6f9b0a2_0_109"/>
+          <p:cNvPr id="330" name="Google Shape;330;g2a7c40ec614_0_1"/>
           <p:cNvSpPr txBox="1"/>
           <p:nvPr>
             <p:ph idx="4294967295" type="title"/>
@@ -17404,7 +18341,7 @@
               <a:spcAft>
                 <a:spcPts val="0"/>
               </a:spcAft>
-              <a:buSzPct val="119034"/>
+              <a:buSzPct val="119033"/>
               <a:buNone/>
             </a:pPr>
             <a:r>
@@ -17414,7 +18351,7 @@
                 <a:cs typeface="Montserrat"/>
                 <a:sym typeface="Montserrat"/>
               </a:rPr>
-              <a:t>Conclusions</a:t>
+              <a:t>3 - Final scores: testing phase</a:t>
             </a:r>
             <a:endParaRPr b="1">
               <a:latin typeface="Montserrat"/>
@@ -17425,18 +18362,45 @@
           </a:p>
         </p:txBody>
       </p:sp>
+      <p:pic>
+        <p:nvPicPr>
+          <p:cNvPr id="331" name="Google Shape;331;g2a7c40ec614_0_1"/>
+          <p:cNvPicPr preferRelativeResize="0"/>
+          <p:nvPr/>
+        </p:nvPicPr>
+        <p:blipFill rotWithShape="1">
+          <a:blip r:embed="rId3">
+            <a:alphaModFix/>
+          </a:blip>
+          <a:srcRect b="27414" l="42402" r="30468" t="17546"/>
+          <a:stretch/>
+        </p:blipFill>
+        <p:spPr>
+          <a:xfrm>
+            <a:off x="7625950" y="1730200"/>
+            <a:ext cx="1260651" cy="1404475"/>
+          </a:xfrm>
+          <a:prstGeom prst="rect">
+            <a:avLst/>
+          </a:prstGeom>
+          <a:noFill/>
+          <a:ln>
+            <a:noFill/>
+          </a:ln>
+        </p:spPr>
+      </p:pic>
       <p:sp>
         <p:nvSpPr>
-          <p:cNvPr id="306" name="Google Shape;306;g2a0c6f9b0a2_0_109"/>
+          <p:cNvPr id="332" name="Google Shape;332;g2a7c40ec614_0_1"/>
           <p:cNvSpPr txBox="1"/>
           <p:nvPr>
-            <p:ph idx="4294967295" type="body"/>
+            <p:ph idx="4294967295" type="title"/>
           </p:nvPr>
         </p:nvSpPr>
         <p:spPr>
           <a:xfrm>
-            <a:off x="311700" y="945300"/>
-            <a:ext cx="8520600" cy="4048200"/>
+            <a:off x="7639175" y="948263"/>
+            <a:ext cx="1234200" cy="846300"/>
           </a:xfrm>
           <a:prstGeom prst="rect">
             <a:avLst/>
@@ -17448,31 +18412,33 @@
         </p:spPr>
         <p:txBody>
           <a:bodyPr anchorCtr="0" anchor="t" bIns="91425" lIns="91425" spcFirstLastPara="1" rIns="91425" wrap="square" tIns="91425">
-            <a:noAutofit/>
+            <a:normAutofit/>
           </a:bodyPr>
           <a:lstStyle/>
           <a:p>
-            <a:pPr indent="-323850" lvl="0" marL="457200" rtl="0" algn="l">
-              <a:spcBef>
-                <a:spcPts val="0"/>
-              </a:spcBef>
-              <a:spcAft>
-                <a:spcPts val="0"/>
-              </a:spcAft>
-              <a:buSzPts val="1500"/>
-              <a:buFont typeface="Montserrat"/>
-              <a:buChar char="●"/>
-            </a:pPr>
-            <a:r>
-              <a:rPr b="1" lang="en" sz="1500">
-                <a:latin typeface="Montserrat"/>
-                <a:ea typeface="Montserrat"/>
-                <a:cs typeface="Montserrat"/>
-                <a:sym typeface="Montserrat"/>
-              </a:rPr>
-              <a:t>Splitting method</a:t>
-            </a:r>
-            <a:endParaRPr b="1" sz="1500">
+            <a:pPr indent="0" lvl="0" marL="0" rtl="0" algn="l">
+              <a:lnSpc>
+                <a:spcPct val="100000"/>
+              </a:lnSpc>
+              <a:spcBef>
+                <a:spcPts val="0"/>
+              </a:spcBef>
+              <a:spcAft>
+                <a:spcPts val="0"/>
+              </a:spcAft>
+              <a:buSzPts val="3333"/>
+              <a:buNone/>
+            </a:pPr>
+            <a:r>
+              <a:rPr lang="en" sz="700">
+                <a:latin typeface="Montserrat"/>
+                <a:ea typeface="Montserrat"/>
+                <a:cs typeface="Montserrat"/>
+                <a:sym typeface="Montserrat"/>
+              </a:rPr>
+              <a:t>Legend</a:t>
+            </a:r>
+            <a:endParaRPr sz="700">
               <a:latin typeface="Montserrat"/>
               <a:ea typeface="Montserrat"/>
               <a:cs typeface="Montserrat"/>
@@ -17480,27 +18446,47 @@
             </a:endParaRPr>
           </a:p>
           <a:p>
-            <a:pPr indent="-323850" lvl="1" marL="914400" rtl="0" algn="l">
-              <a:spcBef>
-                <a:spcPts val="0"/>
-              </a:spcBef>
-              <a:spcAft>
-                <a:spcPts val="0"/>
-              </a:spcAft>
-              <a:buSzPts val="1500"/>
-              <a:buFont typeface="Montserrat"/>
-              <a:buChar char="○"/>
-            </a:pPr>
-            <a:r>
-              <a:rPr lang="en" sz="1500">
-                <a:latin typeface="Montserrat"/>
-                <a:ea typeface="Montserrat"/>
-                <a:cs typeface="Montserrat"/>
-                <a:sym typeface="Montserrat"/>
-              </a:rPr>
-              <a:t>Better those that consider a shorter period (e.g. Single Split).</a:t>
-            </a:r>
-            <a:endParaRPr sz="1500">
+            <a:pPr indent="0" lvl="0" marL="0" rtl="0" algn="l">
+              <a:lnSpc>
+                <a:spcPct val="100000"/>
+              </a:lnSpc>
+              <a:spcBef>
+                <a:spcPts val="0"/>
+              </a:spcBef>
+              <a:spcAft>
+                <a:spcPts val="0"/>
+              </a:spcAft>
+              <a:buSzPts val="3333"/>
+              <a:buNone/>
+            </a:pPr>
+            <a:r>
+              <a:rPr lang="en" sz="700">
+                <a:solidFill>
+                  <a:srgbClr val="6B76FA"/>
+                </a:solidFill>
+                <a:latin typeface="Montserrat"/>
+                <a:ea typeface="Montserrat"/>
+                <a:cs typeface="Montserrat"/>
+                <a:sym typeface="Montserrat"/>
+              </a:rPr>
+              <a:t>    </a:t>
+            </a:r>
+            <a:r>
+              <a:rPr lang="en" sz="700">
+                <a:solidFill>
+                  <a:srgbClr val="6B76FA"/>
+                </a:solidFill>
+                <a:latin typeface="Montserrat"/>
+                <a:ea typeface="Montserrat"/>
+                <a:cs typeface="Montserrat"/>
+                <a:sym typeface="Montserrat"/>
+              </a:rPr>
+              <a:t>Actual market price</a:t>
+            </a:r>
+            <a:endParaRPr sz="700">
+              <a:solidFill>
+                <a:srgbClr val="6B76FA"/>
+              </a:solidFill>
               <a:latin typeface="Montserrat"/>
               <a:ea typeface="Montserrat"/>
               <a:cs typeface="Montserrat"/>
@@ -17508,27 +18494,35 @@
             </a:endParaRPr>
           </a:p>
           <a:p>
-            <a:pPr indent="-323850" lvl="0" marL="457200" rtl="0" algn="l">
-              <a:spcBef>
-                <a:spcPts val="0"/>
-              </a:spcBef>
-              <a:spcAft>
-                <a:spcPts val="0"/>
-              </a:spcAft>
-              <a:buSzPts val="1500"/>
-              <a:buFont typeface="Montserrat"/>
-              <a:buChar char="●"/>
-            </a:pPr>
-            <a:r>
-              <a:rPr b="1" lang="en" sz="1500">
-                <a:latin typeface="Montserrat"/>
-                <a:ea typeface="Montserrat"/>
-                <a:cs typeface="Montserrat"/>
-                <a:sym typeface="Montserrat"/>
-              </a:rPr>
-              <a:t>Features</a:t>
-            </a:r>
-            <a:endParaRPr sz="1500">
+            <a:pPr indent="0" lvl="0" marL="0" rtl="0" algn="l">
+              <a:lnSpc>
+                <a:spcPct val="100000"/>
+              </a:lnSpc>
+              <a:spcBef>
+                <a:spcPts val="0"/>
+              </a:spcBef>
+              <a:spcAft>
+                <a:spcPts val="0"/>
+              </a:spcAft>
+              <a:buSzPts val="3333"/>
+              <a:buNone/>
+            </a:pPr>
+            <a:r>
+              <a:rPr lang="en" sz="700">
+                <a:solidFill>
+                  <a:srgbClr val="FBAC71"/>
+                </a:solidFill>
+                <a:latin typeface="Montserrat"/>
+                <a:ea typeface="Montserrat"/>
+                <a:cs typeface="Montserrat"/>
+                <a:sym typeface="Montserrat"/>
+              </a:rPr>
+              <a:t>    GBTR</a:t>
+            </a:r>
+            <a:endParaRPr sz="700">
+              <a:solidFill>
+                <a:srgbClr val="FBAC71"/>
+              </a:solidFill>
               <a:latin typeface="Montserrat"/>
               <a:ea typeface="Montserrat"/>
               <a:cs typeface="Montserrat"/>
@@ -17536,27 +18530,35 @@
             </a:endParaRPr>
           </a:p>
           <a:p>
-            <a:pPr indent="-323850" lvl="1" marL="914400" rtl="0" algn="l">
-              <a:spcBef>
-                <a:spcPts val="0"/>
-              </a:spcBef>
-              <a:spcAft>
-                <a:spcPts val="0"/>
-              </a:spcAft>
-              <a:buSzPts val="1500"/>
-              <a:buFont typeface="Montserrat"/>
-              <a:buChar char="○"/>
-            </a:pPr>
-            <a:r>
-              <a:rPr lang="en" sz="1500">
-                <a:latin typeface="Montserrat"/>
-                <a:ea typeface="Montserrat"/>
-                <a:cs typeface="Montserrat"/>
-                <a:sym typeface="Montserrat"/>
-              </a:rPr>
-              <a:t>Depend on the type of model</a:t>
-            </a:r>
-            <a:endParaRPr sz="1500">
+            <a:pPr indent="0" lvl="0" marL="0" rtl="0" algn="l">
+              <a:lnSpc>
+                <a:spcPct val="100000"/>
+              </a:lnSpc>
+              <a:spcBef>
+                <a:spcPts val="0"/>
+              </a:spcBef>
+              <a:spcAft>
+                <a:spcPts val="0"/>
+              </a:spcAft>
+              <a:buSzPts val="3333"/>
+              <a:buNone/>
+            </a:pPr>
+            <a:r>
+              <a:rPr lang="en" sz="700">
+                <a:solidFill>
+                  <a:srgbClr val="AB63FA"/>
+                </a:solidFill>
+                <a:latin typeface="Montserrat"/>
+                <a:ea typeface="Montserrat"/>
+                <a:cs typeface="Montserrat"/>
+                <a:sym typeface="Montserrat"/>
+              </a:rPr>
+              <a:t>    RF</a:t>
+            </a:r>
+            <a:endParaRPr sz="700">
+              <a:solidFill>
+                <a:srgbClr val="AB63FA"/>
+              </a:solidFill>
               <a:latin typeface="Montserrat"/>
               <a:ea typeface="Montserrat"/>
               <a:cs typeface="Montserrat"/>
@@ -17564,36 +18566,35 @@
             </a:endParaRPr>
           </a:p>
           <a:p>
-            <a:pPr indent="-323850" lvl="1" marL="914400" rtl="0" algn="l">
-              <a:spcBef>
-                <a:spcPts val="0"/>
-              </a:spcBef>
-              <a:spcAft>
-                <a:spcPts val="0"/>
-              </a:spcAft>
-              <a:buSzPts val="1500"/>
-              <a:buFont typeface="Montserrat"/>
-              <a:buChar char="○"/>
-            </a:pPr>
-            <a:r>
-              <a:rPr lang="en" sz="1500">
-                <a:latin typeface="Montserrat"/>
-                <a:ea typeface="Montserrat"/>
-                <a:cs typeface="Montserrat"/>
-                <a:sym typeface="Montserrat"/>
-              </a:rPr>
-              <a:t>In general: </a:t>
-            </a:r>
-            <a:r>
-              <a:rPr lang="en" sz="1500">
-                <a:latin typeface="Montserrat"/>
-                <a:ea typeface="Montserrat"/>
-                <a:cs typeface="Montserrat"/>
-                <a:sym typeface="Montserrat"/>
-              </a:rPr>
-              <a:t> blockchain-related features brought slight improvements</a:t>
-            </a:r>
-            <a:endParaRPr sz="1500">
+            <a:pPr indent="0" lvl="0" marL="0" rtl="0" algn="l">
+              <a:lnSpc>
+                <a:spcPct val="100000"/>
+              </a:lnSpc>
+              <a:spcBef>
+                <a:spcPts val="0"/>
+              </a:spcBef>
+              <a:spcAft>
+                <a:spcPts val="0"/>
+              </a:spcAft>
+              <a:buSzPts val="3333"/>
+              <a:buNone/>
+            </a:pPr>
+            <a:r>
+              <a:rPr lang="en" sz="700">
+                <a:solidFill>
+                  <a:srgbClr val="EF563D"/>
+                </a:solidFill>
+                <a:latin typeface="Montserrat"/>
+                <a:ea typeface="Montserrat"/>
+                <a:cs typeface="Montserrat"/>
+                <a:sym typeface="Montserrat"/>
+              </a:rPr>
+              <a:t>    LR</a:t>
+            </a:r>
+            <a:endParaRPr sz="700">
+              <a:solidFill>
+                <a:srgbClr val="EF563D"/>
+              </a:solidFill>
               <a:latin typeface="Montserrat"/>
               <a:ea typeface="Montserrat"/>
               <a:cs typeface="Montserrat"/>
@@ -17601,315 +18602,293 @@
             </a:endParaRPr>
           </a:p>
           <a:p>
-            <a:pPr indent="-323850" lvl="0" marL="457200" rtl="0" algn="l">
-              <a:spcBef>
-                <a:spcPts val="0"/>
-              </a:spcBef>
-              <a:spcAft>
-                <a:spcPts val="0"/>
-              </a:spcAft>
-              <a:buSzPts val="1500"/>
-              <a:buFont typeface="Montserrat"/>
-              <a:buChar char="●"/>
-            </a:pPr>
-            <a:r>
-              <a:rPr b="1" lang="en" sz="1500">
-                <a:latin typeface="Montserrat"/>
-                <a:ea typeface="Montserrat"/>
-                <a:cs typeface="Montserrat"/>
-                <a:sym typeface="Montserrat"/>
-              </a:rPr>
-              <a:t>Models</a:t>
-            </a:r>
-            <a:endParaRPr b="1" sz="1500">
+            <a:pPr indent="0" lvl="0" marL="0" rtl="0" algn="l">
+              <a:lnSpc>
+                <a:spcPct val="100000"/>
+              </a:lnSpc>
+              <a:spcBef>
+                <a:spcPts val="0"/>
+              </a:spcBef>
+              <a:spcAft>
+                <a:spcPts val="0"/>
+              </a:spcAft>
+              <a:buSzPts val="3333"/>
+              <a:buNone/>
+            </a:pPr>
+            <a:r>
+              <a:rPr lang="en" sz="700">
+                <a:solidFill>
+                  <a:srgbClr val="29D1A7"/>
+                </a:solidFill>
+                <a:latin typeface="Montserrat"/>
+                <a:ea typeface="Montserrat"/>
+                <a:cs typeface="Montserrat"/>
+                <a:sym typeface="Montserrat"/>
+              </a:rPr>
+              <a:t>    GLR</a:t>
+            </a:r>
+            <a:endParaRPr sz="700">
+              <a:solidFill>
+                <a:srgbClr val="29D1A7"/>
+              </a:solidFill>
               <a:latin typeface="Montserrat"/>
               <a:ea typeface="Montserrat"/>
               <a:cs typeface="Montserrat"/>
               <a:sym typeface="Montserrat"/>
             </a:endParaRPr>
           </a:p>
-          <a:p>
-            <a:pPr indent="-323850" lvl="1" marL="914400" rtl="0" algn="l">
-              <a:spcBef>
-                <a:spcPts val="0"/>
-              </a:spcBef>
-              <a:spcAft>
-                <a:spcPts val="0"/>
-              </a:spcAft>
-              <a:buSzPts val="1500"/>
-              <a:buFont typeface="Montserrat"/>
-              <a:buChar char="○"/>
-            </a:pPr>
-            <a:r>
-              <a:rPr lang="en" sz="1500">
-                <a:latin typeface="Montserrat"/>
-                <a:ea typeface="Montserrat"/>
-                <a:cs typeface="Montserrat"/>
-                <a:sym typeface="Montserrat"/>
-              </a:rPr>
-              <a:t>Better in the s</a:t>
-            </a:r>
-            <a:r>
-              <a:rPr lang="en" sz="1500">
-                <a:latin typeface="Montserrat"/>
-                <a:ea typeface="Montserrat"/>
-                <a:cs typeface="Montserrat"/>
-                <a:sym typeface="Montserrat"/>
-              </a:rPr>
-              <a:t>hort-medium term (especially tree-based models)</a:t>
-            </a:r>
-            <a:endParaRPr sz="1500">
-              <a:latin typeface="Montserrat"/>
-              <a:ea typeface="Montserrat"/>
-              <a:cs typeface="Montserrat"/>
-              <a:sym typeface="Montserrat"/>
-            </a:endParaRPr>
-          </a:p>
-          <a:p>
-            <a:pPr indent="-323850" lvl="1" marL="914400" rtl="0" algn="l">
-              <a:spcBef>
-                <a:spcPts val="0"/>
-              </a:spcBef>
-              <a:spcAft>
-                <a:spcPts val="0"/>
-              </a:spcAft>
-              <a:buSzPts val="1500"/>
-              <a:buFont typeface="Montserrat"/>
-              <a:buChar char="○"/>
-            </a:pPr>
-            <a:r>
-              <a:rPr lang="en" sz="1500">
-                <a:latin typeface="Montserrat"/>
-                <a:ea typeface="Montserrat"/>
-                <a:cs typeface="Montserrat"/>
-                <a:sym typeface="Montserrat"/>
-              </a:rPr>
-              <a:t>performance begins to degrade (as time period increase)</a:t>
-            </a:r>
-            <a:endParaRPr sz="1500">
-              <a:latin typeface="Montserrat"/>
-              <a:ea typeface="Montserrat"/>
-              <a:cs typeface="Montserrat"/>
-              <a:sym typeface="Montserrat"/>
-            </a:endParaRPr>
-          </a:p>
-          <a:p>
-            <a:pPr indent="-323850" lvl="0" marL="457200" rtl="0" algn="l">
-              <a:spcBef>
-                <a:spcPts val="0"/>
-              </a:spcBef>
-              <a:spcAft>
-                <a:spcPts val="0"/>
-              </a:spcAft>
-              <a:buSzPts val="1500"/>
-              <a:buFont typeface="Montserrat"/>
-              <a:buChar char="●"/>
-            </a:pPr>
-            <a:r>
-              <a:rPr b="1" lang="en" sz="1500">
-                <a:latin typeface="Montserrat"/>
-                <a:ea typeface="Montserrat"/>
-                <a:cs typeface="Montserrat"/>
-                <a:sym typeface="Montserrat"/>
-              </a:rPr>
-              <a:t>Answer to the initial question</a:t>
-            </a:r>
-            <a:endParaRPr b="1" sz="1500">
-              <a:latin typeface="Montserrat"/>
-              <a:ea typeface="Montserrat"/>
-              <a:cs typeface="Montserrat"/>
-              <a:sym typeface="Montserrat"/>
-            </a:endParaRPr>
-          </a:p>
-          <a:p>
-            <a:pPr indent="-323850" lvl="1" marL="914400" rtl="0" algn="l">
-              <a:spcBef>
-                <a:spcPts val="0"/>
-              </a:spcBef>
-              <a:spcAft>
-                <a:spcPts val="0"/>
-              </a:spcAft>
-              <a:buSzPts val="1500"/>
-              <a:buFont typeface="Montserrat"/>
-              <a:buChar char="○"/>
-            </a:pPr>
-            <a:r>
-              <a:rPr b="1" lang="en" sz="1500">
-                <a:latin typeface="Montserrat"/>
-                <a:ea typeface="Montserrat"/>
-                <a:cs typeface="Montserrat"/>
-                <a:sym typeface="Montserrat"/>
-              </a:rPr>
-              <a:t>Yes</a:t>
-            </a:r>
-            <a:r>
-              <a:rPr lang="en" sz="1500">
-                <a:latin typeface="Montserrat"/>
-                <a:ea typeface="Montserrat"/>
-                <a:cs typeface="Montserrat"/>
-                <a:sym typeface="Montserrat"/>
-              </a:rPr>
-              <a:t> (at least as far as the trend is concerned)</a:t>
-            </a:r>
-            <a:endParaRPr sz="1500">
-              <a:latin typeface="Montserrat"/>
-              <a:ea typeface="Montserrat"/>
-              <a:cs typeface="Montserrat"/>
-              <a:sym typeface="Montserrat"/>
-            </a:endParaRPr>
-          </a:p>
-          <a:p>
-            <a:pPr indent="-323850" lvl="1" marL="914400" rtl="0" algn="l">
-              <a:spcBef>
-                <a:spcPts val="0"/>
-              </a:spcBef>
-              <a:spcAft>
-                <a:spcPts val="0"/>
-              </a:spcAft>
-              <a:buSzPts val="1500"/>
-              <a:buFont typeface="Montserrat"/>
-              <a:buChar char="○"/>
-            </a:pPr>
-            <a:r>
-              <a:rPr lang="en" sz="1500">
-                <a:latin typeface="Montserrat"/>
-                <a:ea typeface="Montserrat"/>
-                <a:cs typeface="Montserrat"/>
-                <a:sym typeface="Montserrat"/>
-              </a:rPr>
-              <a:t>If we consider a narrow forecast period</a:t>
-            </a:r>
-            <a:endParaRPr sz="1500">
-              <a:latin typeface="Montserrat"/>
-              <a:ea typeface="Montserrat"/>
-              <a:cs typeface="Montserrat"/>
-              <a:sym typeface="Montserrat"/>
-            </a:endParaRPr>
-          </a:p>
-          <a:p>
-            <a:pPr indent="0" lvl="0" marL="457200" rtl="0" algn="l">
-              <a:lnSpc>
-                <a:spcPct val="115000"/>
-              </a:lnSpc>
-              <a:spcBef>
-                <a:spcPts val="0"/>
-              </a:spcBef>
-              <a:spcAft>
-                <a:spcPts val="0"/>
-              </a:spcAft>
-              <a:buNone/>
-            </a:pPr>
-            <a:r>
-              <a:rPr b="1" lang="en" sz="1500">
-                <a:latin typeface="Montserrat"/>
-                <a:ea typeface="Montserrat"/>
-                <a:cs typeface="Montserrat"/>
-                <a:sym typeface="Montserrat"/>
-              </a:rPr>
-              <a:t>Future developments</a:t>
-            </a:r>
-            <a:endParaRPr b="1" sz="1500">
-              <a:latin typeface="Montserrat"/>
-              <a:ea typeface="Montserrat"/>
-              <a:cs typeface="Montserrat"/>
-              <a:sym typeface="Montserrat"/>
-            </a:endParaRPr>
-          </a:p>
-          <a:p>
-            <a:pPr indent="-323850" lvl="1" marL="914400" rtl="0" algn="l">
-              <a:lnSpc>
-                <a:spcPct val="115000"/>
-              </a:lnSpc>
-              <a:spcBef>
-                <a:spcPts val="0"/>
-              </a:spcBef>
-              <a:spcAft>
-                <a:spcPts val="0"/>
-              </a:spcAft>
-              <a:buSzPts val="1500"/>
-              <a:buFont typeface="Montserrat"/>
-              <a:buChar char="○"/>
-            </a:pPr>
-            <a:r>
-              <a:rPr lang="en" sz="1500">
-                <a:latin typeface="Montserrat"/>
-                <a:ea typeface="Montserrat"/>
-                <a:cs typeface="Montserrat"/>
-                <a:sym typeface="Montserrat"/>
-              </a:rPr>
-              <a:t>Create a sliding window on features (additional historical data can be used)</a:t>
-            </a:r>
-            <a:endParaRPr sz="1500">
-              <a:latin typeface="Montserrat"/>
-              <a:ea typeface="Montserrat"/>
-              <a:cs typeface="Montserrat"/>
-              <a:sym typeface="Montserrat"/>
-            </a:endParaRPr>
-          </a:p>
-          <a:p>
-            <a:pPr indent="-323850" lvl="1" marL="914400" rtl="0" algn="l">
-              <a:lnSpc>
-                <a:spcPct val="115000"/>
-              </a:lnSpc>
-              <a:spcBef>
-                <a:spcPts val="0"/>
-              </a:spcBef>
-              <a:spcAft>
-                <a:spcPts val="0"/>
-              </a:spcAft>
-              <a:buSzPts val="1500"/>
-              <a:buFont typeface="Montserrat"/>
-              <a:buChar char="○"/>
-            </a:pPr>
-            <a:r>
-              <a:rPr lang="en" sz="1500">
-                <a:latin typeface="Montserrat"/>
-                <a:ea typeface="Montserrat"/>
-                <a:cs typeface="Montserrat"/>
-                <a:sym typeface="Montserrat"/>
-              </a:rPr>
-              <a:t>Using deep learning approaches such as CNNs (e.g. LSTM, ARIMA...) </a:t>
-            </a:r>
-            <a:endParaRPr sz="1500">
-              <a:latin typeface="Montserrat"/>
-              <a:ea typeface="Montserrat"/>
-              <a:cs typeface="Montserrat"/>
-              <a:sym typeface="Montserrat"/>
-            </a:endParaRPr>
-          </a:p>
-          <a:p>
-            <a:pPr indent="-323850" lvl="1" marL="914400" rtl="0" algn="l">
-              <a:lnSpc>
-                <a:spcPct val="115000"/>
-              </a:lnSpc>
-              <a:spcBef>
-                <a:spcPts val="0"/>
-              </a:spcBef>
-              <a:spcAft>
-                <a:spcPts val="0"/>
-              </a:spcAft>
-              <a:buSzPts val="1500"/>
-              <a:buFont typeface="Montserrat"/>
-              <a:buChar char="○"/>
-            </a:pPr>
-            <a:r>
-              <a:rPr lang="en" sz="1500">
-                <a:latin typeface="Montserrat"/>
-                <a:ea typeface="Montserrat"/>
-                <a:cs typeface="Montserrat"/>
-                <a:sym typeface="Montserrat"/>
-              </a:rPr>
-              <a:t>Implementing Transformer models that exploit self-attention</a:t>
-            </a:r>
-            <a:endParaRPr sz="1500">
-              <a:latin typeface="Montserrat"/>
-              <a:ea typeface="Montserrat"/>
-              <a:cs typeface="Montserrat"/>
-              <a:sym typeface="Montserrat"/>
-            </a:endParaRPr>
-          </a:p>
         </p:txBody>
       </p:sp>
+      <p:pic>
+        <p:nvPicPr>
+          <p:cNvPr id="333" name="Google Shape;333;g2a7c40ec614_0_1"/>
+          <p:cNvPicPr preferRelativeResize="0"/>
+          <p:nvPr/>
+        </p:nvPicPr>
+        <p:blipFill rotWithShape="1">
+          <a:blip r:embed="rId4">
+            <a:alphaModFix/>
+          </a:blip>
+          <a:srcRect b="0" l="0" r="3446" t="0"/>
+          <a:stretch/>
+        </p:blipFill>
+        <p:spPr>
+          <a:xfrm>
+            <a:off x="0" y="824725"/>
+            <a:ext cx="7375650" cy="2546375"/>
+          </a:xfrm>
+          <a:prstGeom prst="rect">
+            <a:avLst/>
+          </a:prstGeom>
+          <a:noFill/>
+          <a:ln>
+            <a:noFill/>
+          </a:ln>
+        </p:spPr>
+      </p:pic>
+      <p:pic>
+        <p:nvPicPr>
+          <p:cNvPr id="334" name="Google Shape;334;g2a7c40ec614_0_1"/>
+          <p:cNvPicPr preferRelativeResize="0"/>
+          <p:nvPr/>
+        </p:nvPicPr>
+        <p:blipFill>
+          <a:blip r:embed="rId5">
+            <a:alphaModFix/>
+          </a:blip>
+          <a:stretch>
+            <a:fillRect/>
+          </a:stretch>
+        </p:blipFill>
+        <p:spPr>
+          <a:xfrm>
+            <a:off x="1891750" y="1866975"/>
+            <a:ext cx="155250" cy="529075"/>
+          </a:xfrm>
+          <a:prstGeom prst="rect">
+            <a:avLst/>
+          </a:prstGeom>
+          <a:noFill/>
+          <a:ln>
+            <a:noFill/>
+          </a:ln>
+        </p:spPr>
+      </p:pic>
+      <p:pic>
+        <p:nvPicPr>
+          <p:cNvPr id="335" name="Google Shape;335;g2a7c40ec614_0_1"/>
+          <p:cNvPicPr preferRelativeResize="0"/>
+          <p:nvPr/>
+        </p:nvPicPr>
+        <p:blipFill>
+          <a:blip r:embed="rId5">
+            <a:alphaModFix/>
+          </a:blip>
+          <a:stretch>
+            <a:fillRect/>
+          </a:stretch>
+        </p:blipFill>
+        <p:spPr>
+          <a:xfrm>
+            <a:off x="3682925" y="1866975"/>
+            <a:ext cx="155250" cy="529075"/>
+          </a:xfrm>
+          <a:prstGeom prst="rect">
+            <a:avLst/>
+          </a:prstGeom>
+          <a:noFill/>
+          <a:ln>
+            <a:noFill/>
+          </a:ln>
+        </p:spPr>
+      </p:pic>
+      <p:pic>
+        <p:nvPicPr>
+          <p:cNvPr id="336" name="Google Shape;336;g2a7c40ec614_0_1"/>
+          <p:cNvPicPr preferRelativeResize="0"/>
+          <p:nvPr/>
+        </p:nvPicPr>
+        <p:blipFill>
+          <a:blip r:embed="rId5">
+            <a:alphaModFix/>
+          </a:blip>
+          <a:stretch>
+            <a:fillRect/>
+          </a:stretch>
+        </p:blipFill>
+        <p:spPr>
+          <a:xfrm>
+            <a:off x="5474100" y="1866975"/>
+            <a:ext cx="155250" cy="529075"/>
+          </a:xfrm>
+          <a:prstGeom prst="rect">
+            <a:avLst/>
+          </a:prstGeom>
+          <a:noFill/>
+          <a:ln>
+            <a:noFill/>
+          </a:ln>
+        </p:spPr>
+      </p:pic>
+      <p:pic>
+        <p:nvPicPr>
+          <p:cNvPr id="337" name="Google Shape;337;g2a7c40ec614_0_1"/>
+          <p:cNvPicPr preferRelativeResize="0"/>
+          <p:nvPr/>
+        </p:nvPicPr>
+        <p:blipFill>
+          <a:blip r:embed="rId5">
+            <a:alphaModFix/>
+          </a:blip>
+          <a:stretch>
+            <a:fillRect/>
+          </a:stretch>
+        </p:blipFill>
+        <p:spPr>
+          <a:xfrm>
+            <a:off x="905450" y="3043894"/>
+            <a:ext cx="452323" cy="292125"/>
+          </a:xfrm>
+          <a:prstGeom prst="rect">
+            <a:avLst/>
+          </a:prstGeom>
+          <a:noFill/>
+          <a:ln>
+            <a:noFill/>
+          </a:ln>
+        </p:spPr>
+      </p:pic>
+      <p:pic>
+        <p:nvPicPr>
+          <p:cNvPr id="338" name="Google Shape;338;g2a7c40ec614_0_1"/>
+          <p:cNvPicPr preferRelativeResize="0"/>
+          <p:nvPr/>
+        </p:nvPicPr>
+        <p:blipFill>
+          <a:blip r:embed="rId5">
+            <a:alphaModFix/>
+          </a:blip>
+          <a:stretch>
+            <a:fillRect/>
+          </a:stretch>
+        </p:blipFill>
+        <p:spPr>
+          <a:xfrm>
+            <a:off x="2684800" y="3043894"/>
+            <a:ext cx="452323" cy="292125"/>
+          </a:xfrm>
+          <a:prstGeom prst="rect">
+            <a:avLst/>
+          </a:prstGeom>
+          <a:noFill/>
+          <a:ln>
+            <a:noFill/>
+          </a:ln>
+        </p:spPr>
+      </p:pic>
+      <p:pic>
+        <p:nvPicPr>
+          <p:cNvPr id="339" name="Google Shape;339;g2a7c40ec614_0_1"/>
+          <p:cNvPicPr preferRelativeResize="0"/>
+          <p:nvPr/>
+        </p:nvPicPr>
+        <p:blipFill>
+          <a:blip r:embed="rId5">
+            <a:alphaModFix/>
+          </a:blip>
+          <a:stretch>
+            <a:fillRect/>
+          </a:stretch>
+        </p:blipFill>
+        <p:spPr>
+          <a:xfrm>
+            <a:off x="4505550" y="3043894"/>
+            <a:ext cx="452323" cy="292125"/>
+          </a:xfrm>
+          <a:prstGeom prst="rect">
+            <a:avLst/>
+          </a:prstGeom>
+          <a:noFill/>
+          <a:ln>
+            <a:noFill/>
+          </a:ln>
+        </p:spPr>
+      </p:pic>
+      <p:pic>
+        <p:nvPicPr>
+          <p:cNvPr id="340" name="Google Shape;340;g2a7c40ec614_0_1"/>
+          <p:cNvPicPr preferRelativeResize="0"/>
+          <p:nvPr/>
+        </p:nvPicPr>
+        <p:blipFill rotWithShape="1">
+          <a:blip r:embed="rId4">
+            <a:alphaModFix/>
+          </a:blip>
+          <a:srcRect b="6139" l="82912" r="12449" t="88527"/>
+          <a:stretch/>
+        </p:blipFill>
+        <p:spPr>
+          <a:xfrm>
+            <a:off x="3583400" y="3124050"/>
+            <a:ext cx="354300" cy="135775"/>
+          </a:xfrm>
+          <a:prstGeom prst="rect">
+            <a:avLst/>
+          </a:prstGeom>
+          <a:noFill/>
+          <a:ln>
+            <a:noFill/>
+          </a:ln>
+        </p:spPr>
+      </p:pic>
+      <p:pic>
+        <p:nvPicPr>
+          <p:cNvPr id="341" name="Google Shape;341;g2a7c40ec614_0_1"/>
+          <p:cNvPicPr preferRelativeResize="0"/>
+          <p:nvPr/>
+        </p:nvPicPr>
+        <p:blipFill>
+          <a:blip r:embed="rId5">
+            <a:alphaModFix/>
+          </a:blip>
+          <a:stretch>
+            <a:fillRect/>
+          </a:stretch>
+        </p:blipFill>
+        <p:spPr>
+          <a:xfrm>
+            <a:off x="6265975" y="3043894"/>
+            <a:ext cx="452323" cy="292125"/>
+          </a:xfrm>
+          <a:prstGeom prst="rect">
+            <a:avLst/>
+          </a:prstGeom>
+          <a:noFill/>
+          <a:ln>
+            <a:noFill/>
+          </a:ln>
+        </p:spPr>
+      </p:pic>
     </p:spTree>
   </p:cSld>
   <p:clrMapOvr>
@@ -18320,16 +19299,9 @@
 <file path=ppt/slides/slide30.xml><?xml version="1.0" encoding="utf-8"?>
 <p:sld xmlns:a="http://schemas.openxmlformats.org/drawingml/2006/main" xmlns:r="http://schemas.openxmlformats.org/officeDocument/2006/relationships" xmlns:mc="http://schemas.openxmlformats.org/markup-compatibility/2006" xmlns:mv="urn:schemas-microsoft-com:mac:vml" xmlns:p="http://schemas.openxmlformats.org/presentationml/2006/main" xmlns:c="http://schemas.openxmlformats.org/drawingml/2006/chart" xmlns:dgm="http://schemas.openxmlformats.org/drawingml/2006/diagram" xmlns:o="urn:schemas-microsoft-com:office:office" xmlns:v="urn:schemas-microsoft-com:vml" xmlns:pvml="urn:schemas-microsoft-com:office:powerpoint" xmlns:com="http://schemas.openxmlformats.org/drawingml/2006/compatibility" xmlns:p14="http://schemas.microsoft.com/office/powerpoint/2010/main" xmlns:p15="http://schemas.microsoft.com/office/powerpoint/2012/main" xmlns:ahyp="http://schemas.microsoft.com/office/drawing/2018/hyperlinkcolor">
   <p:cSld>
-    <p:bg>
-      <p:bgPr>
-        <a:solidFill>
-          <a:schemeClr val="lt1"/>
-        </a:solidFill>
-      </p:bgPr>
-    </p:bg>
     <p:spTree>
       <p:nvGrpSpPr>
-        <p:cNvPr id="310" name="Shape 310"/>
+        <p:cNvPr id="345" name="Shape 345"/>
         <p:cNvGrpSpPr/>
         <p:nvPr/>
       </p:nvGrpSpPr>
@@ -18343,13 +19315,588 @@
       </p:grpSpPr>
       <p:sp>
         <p:nvSpPr>
-          <p:cNvPr id="311" name="Google Shape;311;g26e1760ff98_1_133"/>
+          <p:cNvPr id="346" name="Google Shape;346;g2a0c6f9b0a2_0_109"/>
+          <p:cNvSpPr txBox="1"/>
+          <p:nvPr>
+            <p:ph idx="4294967295" type="title"/>
+          </p:nvPr>
+        </p:nvSpPr>
+        <p:spPr>
+          <a:xfrm>
+            <a:off x="719525" y="267425"/>
+            <a:ext cx="7038900" cy="592800"/>
+          </a:xfrm>
+          <a:prstGeom prst="rect">
+            <a:avLst/>
+          </a:prstGeom>
+          <a:noFill/>
+          <a:ln>
+            <a:noFill/>
+          </a:ln>
+        </p:spPr>
+        <p:txBody>
+          <a:bodyPr anchorCtr="0" anchor="t" bIns="91425" lIns="91425" spcFirstLastPara="1" rIns="91425" wrap="square" tIns="91425">
+            <a:normAutofit fontScale="90000"/>
+          </a:bodyPr>
+          <a:lstStyle/>
+          <a:p>
+            <a:pPr indent="0" lvl="0" marL="0" rtl="0" algn="l">
+              <a:lnSpc>
+                <a:spcPct val="100000"/>
+              </a:lnSpc>
+              <a:spcBef>
+                <a:spcPts val="0"/>
+              </a:spcBef>
+              <a:spcAft>
+                <a:spcPts val="0"/>
+              </a:spcAft>
+              <a:buSzPct val="119034"/>
+              <a:buNone/>
+            </a:pPr>
+            <a:r>
+              <a:rPr b="1" lang="en">
+                <a:latin typeface="Montserrat"/>
+                <a:ea typeface="Montserrat"/>
+                <a:cs typeface="Montserrat"/>
+                <a:sym typeface="Montserrat"/>
+              </a:rPr>
+              <a:t>Conclusions</a:t>
+            </a:r>
+            <a:endParaRPr b="1">
+              <a:latin typeface="Montserrat"/>
+              <a:ea typeface="Montserrat"/>
+              <a:cs typeface="Montserrat"/>
+              <a:sym typeface="Montserrat"/>
+            </a:endParaRPr>
+          </a:p>
+        </p:txBody>
+      </p:sp>
+      <p:sp>
+        <p:nvSpPr>
+          <p:cNvPr id="347" name="Google Shape;347;g2a0c6f9b0a2_0_109"/>
+          <p:cNvSpPr txBox="1"/>
+          <p:nvPr>
+            <p:ph idx="4294967295" type="body"/>
+          </p:nvPr>
+        </p:nvSpPr>
+        <p:spPr>
+          <a:xfrm>
+            <a:off x="311700" y="945300"/>
+            <a:ext cx="8520600" cy="4048200"/>
+          </a:xfrm>
+          <a:prstGeom prst="rect">
+            <a:avLst/>
+          </a:prstGeom>
+          <a:noFill/>
+          <a:ln>
+            <a:noFill/>
+          </a:ln>
+        </p:spPr>
+        <p:txBody>
+          <a:bodyPr anchorCtr="0" anchor="t" bIns="91425" lIns="91425" spcFirstLastPara="1" rIns="91425" wrap="square" tIns="91425">
+            <a:noAutofit/>
+          </a:bodyPr>
+          <a:lstStyle/>
+          <a:p>
+            <a:pPr indent="-323850" lvl="0" marL="457200" rtl="0" algn="l">
+              <a:spcBef>
+                <a:spcPts val="0"/>
+              </a:spcBef>
+              <a:spcAft>
+                <a:spcPts val="0"/>
+              </a:spcAft>
+              <a:buSzPts val="1500"/>
+              <a:buFont typeface="Montserrat"/>
+              <a:buChar char="●"/>
+            </a:pPr>
+            <a:r>
+              <a:rPr b="1" lang="en" sz="1500">
+                <a:latin typeface="Montserrat"/>
+                <a:ea typeface="Montserrat"/>
+                <a:cs typeface="Montserrat"/>
+                <a:sym typeface="Montserrat"/>
+              </a:rPr>
+              <a:t>Splitting method</a:t>
+            </a:r>
+            <a:endParaRPr b="1" sz="1500">
+              <a:latin typeface="Montserrat"/>
+              <a:ea typeface="Montserrat"/>
+              <a:cs typeface="Montserrat"/>
+              <a:sym typeface="Montserrat"/>
+            </a:endParaRPr>
+          </a:p>
+          <a:p>
+            <a:pPr indent="-323850" lvl="1" marL="914400" rtl="0" algn="l">
+              <a:spcBef>
+                <a:spcPts val="0"/>
+              </a:spcBef>
+              <a:spcAft>
+                <a:spcPts val="0"/>
+              </a:spcAft>
+              <a:buSzPts val="1500"/>
+              <a:buFont typeface="Montserrat"/>
+              <a:buChar char="○"/>
+            </a:pPr>
+            <a:r>
+              <a:rPr lang="en" sz="1500">
+                <a:latin typeface="Montserrat"/>
+                <a:ea typeface="Montserrat"/>
+                <a:cs typeface="Montserrat"/>
+                <a:sym typeface="Montserrat"/>
+              </a:rPr>
+              <a:t>Better those that consider a shorter period (e.g. Single Split).</a:t>
+            </a:r>
+            <a:endParaRPr sz="1500">
+              <a:latin typeface="Montserrat"/>
+              <a:ea typeface="Montserrat"/>
+              <a:cs typeface="Montserrat"/>
+              <a:sym typeface="Montserrat"/>
+            </a:endParaRPr>
+          </a:p>
+          <a:p>
+            <a:pPr indent="-323850" lvl="0" marL="457200" rtl="0" algn="l">
+              <a:spcBef>
+                <a:spcPts val="0"/>
+              </a:spcBef>
+              <a:spcAft>
+                <a:spcPts val="0"/>
+              </a:spcAft>
+              <a:buSzPts val="1500"/>
+              <a:buFont typeface="Montserrat"/>
+              <a:buChar char="●"/>
+            </a:pPr>
+            <a:r>
+              <a:rPr b="1" lang="en" sz="1500">
+                <a:latin typeface="Montserrat"/>
+                <a:ea typeface="Montserrat"/>
+                <a:cs typeface="Montserrat"/>
+                <a:sym typeface="Montserrat"/>
+              </a:rPr>
+              <a:t>Features</a:t>
+            </a:r>
+            <a:endParaRPr sz="1500">
+              <a:latin typeface="Montserrat"/>
+              <a:ea typeface="Montserrat"/>
+              <a:cs typeface="Montserrat"/>
+              <a:sym typeface="Montserrat"/>
+            </a:endParaRPr>
+          </a:p>
+          <a:p>
+            <a:pPr indent="-323850" lvl="1" marL="914400" rtl="0" algn="l">
+              <a:spcBef>
+                <a:spcPts val="0"/>
+              </a:spcBef>
+              <a:spcAft>
+                <a:spcPts val="0"/>
+              </a:spcAft>
+              <a:buSzPts val="1500"/>
+              <a:buFont typeface="Montserrat"/>
+              <a:buChar char="○"/>
+            </a:pPr>
+            <a:r>
+              <a:rPr lang="en" sz="1500">
+                <a:latin typeface="Montserrat"/>
+                <a:ea typeface="Montserrat"/>
+                <a:cs typeface="Montserrat"/>
+                <a:sym typeface="Montserrat"/>
+              </a:rPr>
+              <a:t>Depend on the type of model</a:t>
+            </a:r>
+            <a:endParaRPr sz="1500">
+              <a:latin typeface="Montserrat"/>
+              <a:ea typeface="Montserrat"/>
+              <a:cs typeface="Montserrat"/>
+              <a:sym typeface="Montserrat"/>
+            </a:endParaRPr>
+          </a:p>
+          <a:p>
+            <a:pPr indent="-323850" lvl="1" marL="914400" rtl="0" algn="l">
+              <a:spcBef>
+                <a:spcPts val="0"/>
+              </a:spcBef>
+              <a:spcAft>
+                <a:spcPts val="0"/>
+              </a:spcAft>
+              <a:buSzPts val="1500"/>
+              <a:buFont typeface="Montserrat"/>
+              <a:buChar char="○"/>
+            </a:pPr>
+            <a:r>
+              <a:rPr lang="en" sz="1500">
+                <a:latin typeface="Montserrat"/>
+                <a:ea typeface="Montserrat"/>
+                <a:cs typeface="Montserrat"/>
+                <a:sym typeface="Montserrat"/>
+              </a:rPr>
+              <a:t>In general: </a:t>
+            </a:r>
+            <a:r>
+              <a:rPr lang="en" sz="1500">
+                <a:latin typeface="Montserrat"/>
+                <a:ea typeface="Montserrat"/>
+                <a:cs typeface="Montserrat"/>
+                <a:sym typeface="Montserrat"/>
+              </a:rPr>
+              <a:t> blockchain-related features brought slight improvements</a:t>
+            </a:r>
+            <a:endParaRPr sz="1500">
+              <a:latin typeface="Montserrat"/>
+              <a:ea typeface="Montserrat"/>
+              <a:cs typeface="Montserrat"/>
+              <a:sym typeface="Montserrat"/>
+            </a:endParaRPr>
+          </a:p>
+          <a:p>
+            <a:pPr indent="-323850" lvl="0" marL="457200" rtl="0" algn="l">
+              <a:spcBef>
+                <a:spcPts val="0"/>
+              </a:spcBef>
+              <a:spcAft>
+                <a:spcPts val="0"/>
+              </a:spcAft>
+              <a:buSzPts val="1500"/>
+              <a:buFont typeface="Montserrat"/>
+              <a:buChar char="●"/>
+            </a:pPr>
+            <a:r>
+              <a:rPr b="1" lang="en" sz="1500">
+                <a:latin typeface="Montserrat"/>
+                <a:ea typeface="Montserrat"/>
+                <a:cs typeface="Montserrat"/>
+                <a:sym typeface="Montserrat"/>
+              </a:rPr>
+              <a:t>Models</a:t>
+            </a:r>
+            <a:endParaRPr b="1" sz="1500">
+              <a:latin typeface="Montserrat"/>
+              <a:ea typeface="Montserrat"/>
+              <a:cs typeface="Montserrat"/>
+              <a:sym typeface="Montserrat"/>
+            </a:endParaRPr>
+          </a:p>
+          <a:p>
+            <a:pPr indent="-323850" lvl="1" marL="914400" rtl="0" algn="l">
+              <a:spcBef>
+                <a:spcPts val="0"/>
+              </a:spcBef>
+              <a:spcAft>
+                <a:spcPts val="0"/>
+              </a:spcAft>
+              <a:buSzPts val="1500"/>
+              <a:buFont typeface="Montserrat"/>
+              <a:buChar char="○"/>
+            </a:pPr>
+            <a:r>
+              <a:rPr lang="en" sz="1500">
+                <a:latin typeface="Montserrat"/>
+                <a:ea typeface="Montserrat"/>
+                <a:cs typeface="Montserrat"/>
+                <a:sym typeface="Montserrat"/>
+              </a:rPr>
+              <a:t>Better in the s</a:t>
+            </a:r>
+            <a:r>
+              <a:rPr lang="en" sz="1500">
+                <a:latin typeface="Montserrat"/>
+                <a:ea typeface="Montserrat"/>
+                <a:cs typeface="Montserrat"/>
+                <a:sym typeface="Montserrat"/>
+              </a:rPr>
+              <a:t>hort-medium term (especially tree-based models)</a:t>
+            </a:r>
+            <a:endParaRPr sz="1500">
+              <a:latin typeface="Montserrat"/>
+              <a:ea typeface="Montserrat"/>
+              <a:cs typeface="Montserrat"/>
+              <a:sym typeface="Montserrat"/>
+            </a:endParaRPr>
+          </a:p>
+          <a:p>
+            <a:pPr indent="-323850" lvl="1" marL="914400" rtl="0" algn="l">
+              <a:spcBef>
+                <a:spcPts val="0"/>
+              </a:spcBef>
+              <a:spcAft>
+                <a:spcPts val="0"/>
+              </a:spcAft>
+              <a:buSzPts val="1500"/>
+              <a:buFont typeface="Montserrat"/>
+              <a:buChar char="○"/>
+            </a:pPr>
+            <a:r>
+              <a:rPr lang="en" sz="1500">
+                <a:latin typeface="Montserrat"/>
+                <a:ea typeface="Montserrat"/>
+                <a:cs typeface="Montserrat"/>
+                <a:sym typeface="Montserrat"/>
+              </a:rPr>
+              <a:t>performance begins to degrade (as time period increase)</a:t>
+            </a:r>
+            <a:endParaRPr sz="1500">
+              <a:latin typeface="Montserrat"/>
+              <a:ea typeface="Montserrat"/>
+              <a:cs typeface="Montserrat"/>
+              <a:sym typeface="Montserrat"/>
+            </a:endParaRPr>
+          </a:p>
+          <a:p>
+            <a:pPr indent="-323850" lvl="0" marL="457200" rtl="0" algn="l">
+              <a:spcBef>
+                <a:spcPts val="0"/>
+              </a:spcBef>
+              <a:spcAft>
+                <a:spcPts val="0"/>
+              </a:spcAft>
+              <a:buSzPts val="1500"/>
+              <a:buFont typeface="Montserrat"/>
+              <a:buChar char="●"/>
+            </a:pPr>
+            <a:r>
+              <a:rPr b="1" lang="en" sz="1500">
+                <a:latin typeface="Montserrat"/>
+                <a:ea typeface="Montserrat"/>
+                <a:cs typeface="Montserrat"/>
+                <a:sym typeface="Montserrat"/>
+              </a:rPr>
+              <a:t>Answer to the initial question</a:t>
+            </a:r>
+            <a:endParaRPr b="1" sz="1500">
+              <a:latin typeface="Montserrat"/>
+              <a:ea typeface="Montserrat"/>
+              <a:cs typeface="Montserrat"/>
+              <a:sym typeface="Montserrat"/>
+            </a:endParaRPr>
+          </a:p>
+          <a:p>
+            <a:pPr indent="-323850" lvl="1" marL="914400" rtl="0" algn="l">
+              <a:spcBef>
+                <a:spcPts val="0"/>
+              </a:spcBef>
+              <a:spcAft>
+                <a:spcPts val="0"/>
+              </a:spcAft>
+              <a:buSzPts val="1500"/>
+              <a:buFont typeface="Montserrat"/>
+              <a:buChar char="○"/>
+            </a:pPr>
+            <a:r>
+              <a:rPr b="1" lang="en" sz="1500">
+                <a:latin typeface="Montserrat"/>
+                <a:ea typeface="Montserrat"/>
+                <a:cs typeface="Montserrat"/>
+                <a:sym typeface="Montserrat"/>
+              </a:rPr>
+              <a:t>Yes</a:t>
+            </a:r>
+            <a:r>
+              <a:rPr lang="en" sz="1500">
+                <a:latin typeface="Montserrat"/>
+                <a:ea typeface="Montserrat"/>
+                <a:cs typeface="Montserrat"/>
+                <a:sym typeface="Montserrat"/>
+              </a:rPr>
+              <a:t> (at least as far as the trend is concerned)</a:t>
+            </a:r>
+            <a:endParaRPr sz="1500">
+              <a:latin typeface="Montserrat"/>
+              <a:ea typeface="Montserrat"/>
+              <a:cs typeface="Montserrat"/>
+              <a:sym typeface="Montserrat"/>
+            </a:endParaRPr>
+          </a:p>
+          <a:p>
+            <a:pPr indent="-323850" lvl="1" marL="914400" rtl="0" algn="l">
+              <a:spcBef>
+                <a:spcPts val="0"/>
+              </a:spcBef>
+              <a:spcAft>
+                <a:spcPts val="0"/>
+              </a:spcAft>
+              <a:buSzPts val="1500"/>
+              <a:buFont typeface="Montserrat"/>
+              <a:buChar char="○"/>
+            </a:pPr>
+            <a:r>
+              <a:rPr lang="en" sz="1500">
+                <a:latin typeface="Montserrat"/>
+                <a:ea typeface="Montserrat"/>
+                <a:cs typeface="Montserrat"/>
+                <a:sym typeface="Montserrat"/>
+              </a:rPr>
+              <a:t>If we consider a narrow forecast period</a:t>
+            </a:r>
+            <a:endParaRPr sz="1500">
+              <a:latin typeface="Montserrat"/>
+              <a:ea typeface="Montserrat"/>
+              <a:cs typeface="Montserrat"/>
+              <a:sym typeface="Montserrat"/>
+            </a:endParaRPr>
+          </a:p>
+          <a:p>
+            <a:pPr indent="0" lvl="0" marL="457200" rtl="0" algn="l">
+              <a:lnSpc>
+                <a:spcPct val="115000"/>
+              </a:lnSpc>
+              <a:spcBef>
+                <a:spcPts val="0"/>
+              </a:spcBef>
+              <a:spcAft>
+                <a:spcPts val="0"/>
+              </a:spcAft>
+              <a:buNone/>
+            </a:pPr>
+            <a:r>
+              <a:rPr b="1" lang="en" sz="1500">
+                <a:latin typeface="Montserrat"/>
+                <a:ea typeface="Montserrat"/>
+                <a:cs typeface="Montserrat"/>
+                <a:sym typeface="Montserrat"/>
+              </a:rPr>
+              <a:t>Future developments</a:t>
+            </a:r>
+            <a:endParaRPr b="1" sz="1500">
+              <a:latin typeface="Montserrat"/>
+              <a:ea typeface="Montserrat"/>
+              <a:cs typeface="Montserrat"/>
+              <a:sym typeface="Montserrat"/>
+            </a:endParaRPr>
+          </a:p>
+          <a:p>
+            <a:pPr indent="-323850" lvl="1" marL="914400" rtl="0" algn="l">
+              <a:lnSpc>
+                <a:spcPct val="115000"/>
+              </a:lnSpc>
+              <a:spcBef>
+                <a:spcPts val="0"/>
+              </a:spcBef>
+              <a:spcAft>
+                <a:spcPts val="0"/>
+              </a:spcAft>
+              <a:buSzPts val="1500"/>
+              <a:buFont typeface="Montserrat"/>
+              <a:buChar char="○"/>
+            </a:pPr>
+            <a:r>
+              <a:rPr lang="en" sz="1500">
+                <a:latin typeface="Montserrat"/>
+                <a:ea typeface="Montserrat"/>
+                <a:cs typeface="Montserrat"/>
+                <a:sym typeface="Montserrat"/>
+              </a:rPr>
+              <a:t>Create a sliding window on features (additional historical data can be used)</a:t>
+            </a:r>
+            <a:endParaRPr sz="1500">
+              <a:latin typeface="Montserrat"/>
+              <a:ea typeface="Montserrat"/>
+              <a:cs typeface="Montserrat"/>
+              <a:sym typeface="Montserrat"/>
+            </a:endParaRPr>
+          </a:p>
+          <a:p>
+            <a:pPr indent="-323850" lvl="1" marL="914400" rtl="0" algn="l">
+              <a:lnSpc>
+                <a:spcPct val="115000"/>
+              </a:lnSpc>
+              <a:spcBef>
+                <a:spcPts val="0"/>
+              </a:spcBef>
+              <a:spcAft>
+                <a:spcPts val="0"/>
+              </a:spcAft>
+              <a:buSzPts val="1500"/>
+              <a:buFont typeface="Montserrat"/>
+              <a:buChar char="○"/>
+            </a:pPr>
+            <a:r>
+              <a:rPr lang="en" sz="1500">
+                <a:latin typeface="Montserrat"/>
+                <a:ea typeface="Montserrat"/>
+                <a:cs typeface="Montserrat"/>
+                <a:sym typeface="Montserrat"/>
+              </a:rPr>
+              <a:t>Using deep learning approaches such as CNNs (e.g. LSTM, ARIMA...) </a:t>
+            </a:r>
+            <a:endParaRPr sz="1500">
+              <a:latin typeface="Montserrat"/>
+              <a:ea typeface="Montserrat"/>
+              <a:cs typeface="Montserrat"/>
+              <a:sym typeface="Montserrat"/>
+            </a:endParaRPr>
+          </a:p>
+          <a:p>
+            <a:pPr indent="-323850" lvl="1" marL="914400" rtl="0" algn="l">
+              <a:lnSpc>
+                <a:spcPct val="115000"/>
+              </a:lnSpc>
+              <a:spcBef>
+                <a:spcPts val="0"/>
+              </a:spcBef>
+              <a:spcAft>
+                <a:spcPts val="0"/>
+              </a:spcAft>
+              <a:buSzPts val="1500"/>
+              <a:buFont typeface="Montserrat"/>
+              <a:buChar char="○"/>
+            </a:pPr>
+            <a:r>
+              <a:rPr lang="en" sz="1500">
+                <a:latin typeface="Montserrat"/>
+                <a:ea typeface="Montserrat"/>
+                <a:cs typeface="Montserrat"/>
+                <a:sym typeface="Montserrat"/>
+              </a:rPr>
+              <a:t>Implementing Transformer models that exploit self-attention</a:t>
+            </a:r>
+            <a:endParaRPr sz="1500">
+              <a:latin typeface="Montserrat"/>
+              <a:ea typeface="Montserrat"/>
+              <a:cs typeface="Montserrat"/>
+              <a:sym typeface="Montserrat"/>
+            </a:endParaRPr>
+          </a:p>
+        </p:txBody>
+      </p:sp>
+    </p:spTree>
+  </p:cSld>
+  <p:clrMapOvr>
+    <a:masterClrMapping/>
+  </p:clrMapOvr>
+</p:sld>
+</file>
+
+<file path=ppt/slides/slide31.xml><?xml version="1.0" encoding="utf-8"?>
+<p:sld xmlns:a="http://schemas.openxmlformats.org/drawingml/2006/main" xmlns:r="http://schemas.openxmlformats.org/officeDocument/2006/relationships" xmlns:mc="http://schemas.openxmlformats.org/markup-compatibility/2006" xmlns:mv="urn:schemas-microsoft-com:mac:vml" xmlns:p="http://schemas.openxmlformats.org/presentationml/2006/main" xmlns:c="http://schemas.openxmlformats.org/drawingml/2006/chart" xmlns:dgm="http://schemas.openxmlformats.org/drawingml/2006/diagram" xmlns:o="urn:schemas-microsoft-com:office:office" xmlns:v="urn:schemas-microsoft-com:vml" xmlns:pvml="urn:schemas-microsoft-com:office:powerpoint" xmlns:com="http://schemas.openxmlformats.org/drawingml/2006/compatibility" xmlns:p14="http://schemas.microsoft.com/office/powerpoint/2010/main" xmlns:p15="http://schemas.microsoft.com/office/powerpoint/2012/main" xmlns:ahyp="http://schemas.microsoft.com/office/drawing/2018/hyperlinkcolor">
+  <p:cSld>
+    <p:bg>
+      <p:bgPr>
+        <a:solidFill>
+          <a:schemeClr val="lt1"/>
+        </a:solidFill>
+      </p:bgPr>
+    </p:bg>
+    <p:spTree>
+      <p:nvGrpSpPr>
+        <p:cNvPr id="351" name="Shape 351"/>
+        <p:cNvGrpSpPr/>
+        <p:nvPr/>
+      </p:nvGrpSpPr>
+      <p:grpSpPr>
+        <a:xfrm>
+          <a:off x="0" y="0"/>
+          <a:ext cx="0" cy="0"/>
+          <a:chOff x="0" y="0"/>
+          <a:chExt cx="0" cy="0"/>
+        </a:xfrm>
+      </p:grpSpPr>
+      <p:sp>
+        <p:nvSpPr>
+          <p:cNvPr id="352" name="Google Shape;352;g26e1760ff98_1_133"/>
           <p:cNvSpPr txBox="1"/>
           <p:nvPr/>
         </p:nvSpPr>
         <p:spPr>
           <a:xfrm>
-            <a:off x="3002125" y="284500"/>
+            <a:off x="3029325" y="626400"/>
             <a:ext cx="5221200" cy="553800"/>
           </a:xfrm>
           <a:prstGeom prst="rect">
@@ -18409,22 +19956,21 @@
       </p:sp>
       <p:pic>
         <p:nvPicPr>
-          <p:cNvPr id="312" name="Google Shape;312;g26e1760ff98_1_133"/>
+          <p:cNvPr id="353" name="Google Shape;353;g26e1760ff98_1_133"/>
           <p:cNvPicPr preferRelativeResize="0"/>
           <p:nvPr/>
         </p:nvPicPr>
-        <p:blipFill>
+        <p:blipFill rotWithShape="1">
           <a:blip r:embed="rId3">
             <a:alphaModFix/>
           </a:blip>
-          <a:stretch>
-            <a:fillRect/>
-          </a:stretch>
+          <a:srcRect b="0" l="0" r="0" t="0"/>
+          <a:stretch/>
         </p:blipFill>
         <p:spPr>
           <a:xfrm>
-            <a:off x="200088" y="1387000"/>
-            <a:ext cx="2576275" cy="2576275"/>
+            <a:off x="3452275" y="1642088"/>
+            <a:ext cx="1910100" cy="1910100"/>
           </a:xfrm>
           <a:prstGeom prst="rect">
             <a:avLst/>
@@ -18437,7 +19983,7 @@
       </p:pic>
       <p:pic>
         <p:nvPicPr>
-          <p:cNvPr id="313" name="Google Shape;313;g26e1760ff98_1_133"/>
+          <p:cNvPr id="354" name="Google Shape;354;g26e1760ff98_1_133"/>
           <p:cNvPicPr preferRelativeResize="0"/>
           <p:nvPr/>
         </p:nvPicPr>
@@ -18450,9 +19996,159 @@
           </a:stretch>
         </p:blipFill>
         <p:spPr>
-          <a:xfrm rot="-1012218">
-            <a:off x="535525" y="1265937"/>
-            <a:ext cx="693651" cy="693651"/>
+          <a:xfrm>
+            <a:off x="6265978" y="2006500"/>
+            <a:ext cx="1181299" cy="1181299"/>
+          </a:xfrm>
+          <a:prstGeom prst="rect">
+            <a:avLst/>
+          </a:prstGeom>
+          <a:noFill/>
+          <a:ln>
+            <a:noFill/>
+          </a:ln>
+        </p:spPr>
+      </p:pic>
+      <p:sp>
+        <p:nvSpPr>
+          <p:cNvPr id="355" name="Google Shape;355;g26e1760ff98_1_133"/>
+          <p:cNvSpPr txBox="1"/>
+          <p:nvPr/>
+        </p:nvSpPr>
+        <p:spPr>
+          <a:xfrm>
+            <a:off x="6232025" y="1579800"/>
+            <a:ext cx="1249200" cy="375900"/>
+          </a:xfrm>
+          <a:prstGeom prst="rect">
+            <a:avLst/>
+          </a:prstGeom>
+          <a:noFill/>
+          <a:ln>
+            <a:noFill/>
+          </a:ln>
+        </p:spPr>
+        <p:txBody>
+          <a:bodyPr anchorCtr="0" anchor="t" bIns="91425" lIns="91425" spcFirstLastPara="1" rIns="91425" wrap="square" tIns="91425">
+            <a:noAutofit/>
+          </a:bodyPr>
+          <a:lstStyle/>
+          <a:p>
+            <a:pPr indent="0" lvl="0" marL="0" rtl="0" algn="l">
+              <a:lnSpc>
+                <a:spcPct val="115000"/>
+              </a:lnSpc>
+              <a:spcBef>
+                <a:spcPts val="0"/>
+              </a:spcBef>
+              <a:spcAft>
+                <a:spcPts val="0"/>
+              </a:spcAft>
+              <a:buNone/>
+            </a:pPr>
+            <a:r>
+              <a:rPr lang="en" sz="1500">
+                <a:solidFill>
+                  <a:srgbClr val="191919"/>
+                </a:solidFill>
+                <a:latin typeface="Lato"/>
+                <a:ea typeface="Lato"/>
+                <a:cs typeface="Lato"/>
+                <a:sym typeface="Lato"/>
+              </a:rPr>
+              <a:t>Danilo Corsi</a:t>
+            </a:r>
+            <a:endParaRPr sz="1500">
+              <a:solidFill>
+                <a:srgbClr val="191919"/>
+              </a:solidFill>
+              <a:latin typeface="Lato"/>
+              <a:ea typeface="Lato"/>
+              <a:cs typeface="Lato"/>
+              <a:sym typeface="Lato"/>
+            </a:endParaRPr>
+          </a:p>
+        </p:txBody>
+      </p:sp>
+      <p:sp>
+        <p:nvSpPr>
+          <p:cNvPr id="356" name="Google Shape;356;g26e1760ff98_1_133"/>
+          <p:cNvSpPr txBox="1"/>
+          <p:nvPr/>
+        </p:nvSpPr>
+        <p:spPr>
+          <a:xfrm>
+            <a:off x="5901571" y="3187800"/>
+            <a:ext cx="1910100" cy="375900"/>
+          </a:xfrm>
+          <a:prstGeom prst="rect">
+            <a:avLst/>
+          </a:prstGeom>
+          <a:noFill/>
+          <a:ln>
+            <a:noFill/>
+          </a:ln>
+        </p:spPr>
+        <p:txBody>
+          <a:bodyPr anchorCtr="0" anchor="t" bIns="91425" lIns="91425" spcFirstLastPara="1" rIns="91425" wrap="square" tIns="91425">
+            <a:noAutofit/>
+          </a:bodyPr>
+          <a:lstStyle/>
+          <a:p>
+            <a:pPr indent="0" lvl="0" marL="0" rtl="0" algn="l">
+              <a:lnSpc>
+                <a:spcPct val="115000"/>
+              </a:lnSpc>
+              <a:spcBef>
+                <a:spcPts val="0"/>
+              </a:spcBef>
+              <a:spcAft>
+                <a:spcPts val="0"/>
+              </a:spcAft>
+              <a:buNone/>
+            </a:pPr>
+            <a:r>
+              <a:rPr lang="en" sz="1000">
+                <a:solidFill>
+                  <a:srgbClr val="191919"/>
+                </a:solidFill>
+                <a:latin typeface="Lato"/>
+                <a:ea typeface="Lato"/>
+                <a:cs typeface="Lato"/>
+                <a:sym typeface="Lato"/>
+              </a:rPr>
+              <a:t>https://github.com/CorsiDanilo</a:t>
+            </a:r>
+            <a:endParaRPr sz="1000">
+              <a:solidFill>
+                <a:srgbClr val="191919"/>
+              </a:solidFill>
+              <a:latin typeface="Lato"/>
+              <a:ea typeface="Lato"/>
+              <a:cs typeface="Lato"/>
+              <a:sym typeface="Lato"/>
+            </a:endParaRPr>
+          </a:p>
+        </p:txBody>
+      </p:sp>
+      <p:pic>
+        <p:nvPicPr>
+          <p:cNvPr id="357" name="Google Shape;357;g26e1760ff98_1_133"/>
+          <p:cNvPicPr preferRelativeResize="0"/>
+          <p:nvPr/>
+        </p:nvPicPr>
+        <p:blipFill>
+          <a:blip r:embed="rId5">
+            <a:alphaModFix/>
+          </a:blip>
+          <a:stretch>
+            <a:fillRect/>
+          </a:stretch>
+        </p:blipFill>
+        <p:spPr>
+          <a:xfrm>
+            <a:off x="225488" y="1171100"/>
+            <a:ext cx="2576275" cy="2576275"/>
           </a:xfrm>
           <a:prstGeom prst="rect">
             <a:avLst/>
@@ -18465,34 +20161,7 @@
       </p:pic>
       <p:pic>
         <p:nvPicPr>
-          <p:cNvPr id="314" name="Google Shape;314;g26e1760ff98_1_133"/>
-          <p:cNvPicPr preferRelativeResize="0"/>
-          <p:nvPr/>
-        </p:nvPicPr>
-        <p:blipFill rotWithShape="1">
-          <a:blip r:embed="rId5">
-            <a:alphaModFix/>
-          </a:blip>
-          <a:srcRect b="0" l="0" r="0" t="0"/>
-          <a:stretch/>
-        </p:blipFill>
-        <p:spPr>
-          <a:xfrm>
-            <a:off x="4471900" y="1065413"/>
-            <a:ext cx="1910100" cy="1910100"/>
-          </a:xfrm>
-          <a:prstGeom prst="rect">
-            <a:avLst/>
-          </a:prstGeom>
-          <a:noFill/>
-          <a:ln>
-            <a:noFill/>
-          </a:ln>
-        </p:spPr>
-      </p:pic>
-      <p:pic>
-        <p:nvPicPr>
-          <p:cNvPr id="315" name="Google Shape;315;g26e1760ff98_1_133"/>
+          <p:cNvPr id="358" name="Google Shape;358;g26e1760ff98_1_133"/>
           <p:cNvPicPr preferRelativeResize="0"/>
           <p:nvPr/>
         </p:nvPicPr>
@@ -18505,9 +20174,9 @@
           </a:stretch>
         </p:blipFill>
         <p:spPr>
-          <a:xfrm>
-            <a:off x="4836303" y="3455625"/>
-            <a:ext cx="1181299" cy="1181299"/>
+          <a:xfrm rot="-1012218">
+            <a:off x="560925" y="1050037"/>
+            <a:ext cx="693651" cy="693651"/>
           </a:xfrm>
           <a:prstGeom prst="rect">
             <a:avLst/>
@@ -18518,128 +20187,6 @@
           </a:ln>
         </p:spPr>
       </p:pic>
-      <p:sp>
-        <p:nvSpPr>
-          <p:cNvPr id="316" name="Google Shape;316;g26e1760ff98_1_133"/>
-          <p:cNvSpPr txBox="1"/>
-          <p:nvPr/>
-        </p:nvSpPr>
-        <p:spPr>
-          <a:xfrm>
-            <a:off x="4802350" y="3028925"/>
-            <a:ext cx="1249200" cy="375900"/>
-          </a:xfrm>
-          <a:prstGeom prst="rect">
-            <a:avLst/>
-          </a:prstGeom>
-          <a:noFill/>
-          <a:ln>
-            <a:noFill/>
-          </a:ln>
-        </p:spPr>
-        <p:txBody>
-          <a:bodyPr anchorCtr="0" anchor="t" bIns="91425" lIns="91425" spcFirstLastPara="1" rIns="91425" wrap="square" tIns="91425">
-            <a:noAutofit/>
-          </a:bodyPr>
-          <a:lstStyle/>
-          <a:p>
-            <a:pPr indent="0" lvl="0" marL="0" rtl="0" algn="l">
-              <a:lnSpc>
-                <a:spcPct val="115000"/>
-              </a:lnSpc>
-              <a:spcBef>
-                <a:spcPts val="0"/>
-              </a:spcBef>
-              <a:spcAft>
-                <a:spcPts val="0"/>
-              </a:spcAft>
-              <a:buNone/>
-            </a:pPr>
-            <a:r>
-              <a:rPr lang="en" sz="1500">
-                <a:solidFill>
-                  <a:srgbClr val="191919"/>
-                </a:solidFill>
-                <a:latin typeface="Lato"/>
-                <a:ea typeface="Lato"/>
-                <a:cs typeface="Lato"/>
-                <a:sym typeface="Lato"/>
-              </a:rPr>
-              <a:t>Danilo Corsi</a:t>
-            </a:r>
-            <a:endParaRPr sz="1500">
-              <a:solidFill>
-                <a:srgbClr val="191919"/>
-              </a:solidFill>
-              <a:latin typeface="Lato"/>
-              <a:ea typeface="Lato"/>
-              <a:cs typeface="Lato"/>
-              <a:sym typeface="Lato"/>
-            </a:endParaRPr>
-          </a:p>
-        </p:txBody>
-      </p:sp>
-      <p:sp>
-        <p:nvSpPr>
-          <p:cNvPr id="317" name="Google Shape;317;g26e1760ff98_1_133"/>
-          <p:cNvSpPr txBox="1"/>
-          <p:nvPr/>
-        </p:nvSpPr>
-        <p:spPr>
-          <a:xfrm>
-            <a:off x="4471896" y="4636925"/>
-            <a:ext cx="1910100" cy="375900"/>
-          </a:xfrm>
-          <a:prstGeom prst="rect">
-            <a:avLst/>
-          </a:prstGeom>
-          <a:noFill/>
-          <a:ln>
-            <a:noFill/>
-          </a:ln>
-        </p:spPr>
-        <p:txBody>
-          <a:bodyPr anchorCtr="0" anchor="t" bIns="91425" lIns="91425" spcFirstLastPara="1" rIns="91425" wrap="square" tIns="91425">
-            <a:noAutofit/>
-          </a:bodyPr>
-          <a:lstStyle/>
-          <a:p>
-            <a:pPr indent="0" lvl="0" marL="0" rtl="0" algn="l">
-              <a:lnSpc>
-                <a:spcPct val="115000"/>
-              </a:lnSpc>
-              <a:spcBef>
-                <a:spcPts val="0"/>
-              </a:spcBef>
-              <a:spcAft>
-                <a:spcPts val="0"/>
-              </a:spcAft>
-              <a:buNone/>
-            </a:pPr>
-            <a:r>
-              <a:rPr lang="en" sz="1000">
-                <a:solidFill>
-                  <a:srgbClr val="191919"/>
-                </a:solidFill>
-                <a:latin typeface="Lato"/>
-                <a:ea typeface="Lato"/>
-                <a:cs typeface="Lato"/>
-                <a:sym typeface="Lato"/>
-              </a:rPr>
-              <a:t>https://github.com/CorsiDanilo</a:t>
-            </a:r>
-            <a:endParaRPr sz="1000">
-              <a:solidFill>
-                <a:srgbClr val="191919"/>
-              </a:solidFill>
-              <a:latin typeface="Lato"/>
-              <a:ea typeface="Lato"/>
-              <a:cs typeface="Lato"/>
-              <a:sym typeface="Lato"/>
-            </a:endParaRPr>
-          </a:p>
-        </p:txBody>
-      </p:sp>
     </p:spTree>
   </p:cSld>
   <p:clrMapOvr>
@@ -21409,29 +22956,6 @@
             </a:endParaRPr>
           </a:p>
           <a:p>
-            <a:pPr indent="0" lvl="0" marL="914400" rtl="0" algn="l">
-              <a:lnSpc>
-                <a:spcPct val="115000"/>
-              </a:lnSpc>
-              <a:spcBef>
-                <a:spcPts val="0"/>
-              </a:spcBef>
-              <a:spcAft>
-                <a:spcPts val="0"/>
-              </a:spcAft>
-              <a:buNone/>
-            </a:pPr>
-            <a:r>
-              <a:t/>
-            </a:r>
-            <a:endParaRPr sz="1500">
-              <a:latin typeface="Montserrat"/>
-              <a:ea typeface="Montserrat"/>
-              <a:cs typeface="Montserrat"/>
-              <a:sym typeface="Montserrat"/>
-            </a:endParaRPr>
-          </a:p>
-          <a:p>
             <a:pPr indent="-323850" lvl="0" marL="457200" rtl="0" algn="l">
               <a:lnSpc>
                 <a:spcPct val="115000"/>
@@ -21470,35 +22994,8 @@
           <p:cNvPicPr preferRelativeResize="0"/>
           <p:nvPr/>
         </p:nvPicPr>
-        <p:blipFill rotWithShape="1">
+        <p:blipFill>
           <a:blip r:embed="rId3">
-            <a:alphaModFix/>
-          </a:blip>
-          <a:srcRect b="0" l="2089" r="2916" t="0"/>
-          <a:stretch/>
-        </p:blipFill>
-        <p:spPr>
-          <a:xfrm>
-            <a:off x="0" y="2615750"/>
-            <a:ext cx="9144003" cy="2129790"/>
-          </a:xfrm>
-          <a:prstGeom prst="rect">
-            <a:avLst/>
-          </a:prstGeom>
-          <a:noFill/>
-          <a:ln>
-            <a:noFill/>
-          </a:ln>
-        </p:spPr>
-      </p:pic>
-      <p:pic>
-        <p:nvPicPr>
-          <p:cNvPr id="131" name="Google Shape;131;g26e1760ff98_1_7"/>
-          <p:cNvPicPr preferRelativeResize="0"/>
-          <p:nvPr/>
-        </p:nvPicPr>
-        <p:blipFill>
-          <a:blip r:embed="rId4">
             <a:alphaModFix/>
           </a:blip>
           <a:stretch>
@@ -21507,7 +23004,7 @@
         </p:blipFill>
         <p:spPr>
           <a:xfrm>
-            <a:off x="7294750" y="920525"/>
+            <a:off x="7294750" y="768125"/>
             <a:ext cx="922600" cy="922600"/>
           </a:xfrm>
           <a:prstGeom prst="rect">
@@ -21528,6 +23025,285 @@
 </file>
 
 <file path=ppt/theme/theme1.xml><?xml version="1.0" encoding="utf-8"?>
+<a:theme xmlns:a="http://schemas.openxmlformats.org/drawingml/2006/main" xmlns:r="http://schemas.openxmlformats.org/officeDocument/2006/relationships" name="Simple Light">
+  <a:themeElements>
+    <a:clrScheme name="Simple Light">
+      <a:dk1>
+        <a:srgbClr val="000000"/>
+      </a:dk1>
+      <a:lt1>
+        <a:srgbClr val="FFFFFF"/>
+      </a:lt1>
+      <a:dk2>
+        <a:srgbClr val="595959"/>
+      </a:dk2>
+      <a:lt2>
+        <a:srgbClr val="EEEEEE"/>
+      </a:lt2>
+      <a:accent1>
+        <a:srgbClr val="4285F4"/>
+      </a:accent1>
+      <a:accent2>
+        <a:srgbClr val="212121"/>
+      </a:accent2>
+      <a:accent3>
+        <a:srgbClr val="78909C"/>
+      </a:accent3>
+      <a:accent4>
+        <a:srgbClr val="FFAB40"/>
+      </a:accent4>
+      <a:accent5>
+        <a:srgbClr val="0097A7"/>
+      </a:accent5>
+      <a:accent6>
+        <a:srgbClr val="EEFF41"/>
+      </a:accent6>
+      <a:hlink>
+        <a:srgbClr val="0097A7"/>
+      </a:hlink>
+      <a:folHlink>
+        <a:srgbClr val="0097A7"/>
+      </a:folHlink>
+    </a:clrScheme>
+    <a:fontScheme name="Office">
+      <a:majorFont>
+        <a:latin typeface="Arial"/>
+        <a:ea typeface=""/>
+        <a:cs typeface=""/>
+        <a:font script="Jpan" typeface="ＭＳ Ｐゴシック"/>
+        <a:font script="Hang" typeface="맑은 고딕"/>
+        <a:font script="Hans" typeface="宋体"/>
+        <a:font script="Hant" typeface="新細明體"/>
+        <a:font script="Arab" typeface="Times New Roman"/>
+        <a:font script="Hebr" typeface="Times New Roman"/>
+        <a:font script="Thai" typeface="Angsana New"/>
+        <a:font script="Ethi" typeface="Nyala"/>
+        <a:font script="Beng" typeface="Vrinda"/>
+        <a:font script="Gujr" typeface="Shruti"/>
+        <a:font script="Khmr" typeface="MoolBoran"/>
+        <a:font script="Knda" typeface="Tunga"/>
+        <a:font script="Guru" typeface="Raavi"/>
+        <a:font script="Cans" typeface="Euphemia"/>
+        <a:font script="Cher" typeface="Plantagenet Cherokee"/>
+        <a:font script="Yiii" typeface="Microsoft Yi Baiti"/>
+        <a:font script="Tibt" typeface="Microsoft Himalaya"/>
+        <a:font script="Thaa" typeface="MV Boli"/>
+        <a:font script="Deva" typeface="Mangal"/>
+        <a:font script="Telu" typeface="Gautami"/>
+        <a:font script="Taml" typeface="Latha"/>
+        <a:font script="Syrc" typeface="Estrangelo Edessa"/>
+        <a:font script="Orya" typeface="Kalinga"/>
+        <a:font script="Mlym" typeface="Kartika"/>
+        <a:font script="Laoo" typeface="DokChampa"/>
+        <a:font script="Sinh" typeface="Iskoola Pota"/>
+        <a:font script="Mong" typeface="Mongolian Baiti"/>
+        <a:font script="Viet" typeface="Times New Roman"/>
+        <a:font script="Uigh" typeface="Microsoft Uighur"/>
+        <a:font script="Geor" typeface="Sylfaen"/>
+      </a:majorFont>
+      <a:minorFont>
+        <a:latin typeface="Arial"/>
+        <a:ea typeface=""/>
+        <a:cs typeface=""/>
+        <a:font script="Jpan" typeface="ＭＳ Ｐゴシック"/>
+        <a:font script="Hang" typeface="맑은 고딕"/>
+        <a:font script="Hans" typeface="宋体"/>
+        <a:font script="Hant" typeface="新細明體"/>
+        <a:font script="Arab" typeface="Arial"/>
+        <a:font script="Hebr" typeface="Arial"/>
+        <a:font script="Thai" typeface="Cordia New"/>
+        <a:font script="Ethi" typeface="Nyala"/>
+        <a:font script="Beng" typeface="Vrinda"/>
+        <a:font script="Gujr" typeface="Shruti"/>
+        <a:font script="Khmr" typeface="DaunPenh"/>
+        <a:font script="Knda" typeface="Tunga"/>
+        <a:font script="Guru" typeface="Raavi"/>
+        <a:font script="Cans" typeface="Euphemia"/>
+        <a:font script="Cher" typeface="Plantagenet Cherokee"/>
+        <a:font script="Yiii" typeface="Microsoft Yi Baiti"/>
+        <a:font script="Tibt" typeface="Microsoft Himalaya"/>
+        <a:font script="Thaa" typeface="MV Boli"/>
+        <a:font script="Deva" typeface="Mangal"/>
+        <a:font script="Telu" typeface="Gautami"/>
+        <a:font script="Taml" typeface="Latha"/>
+        <a:font script="Syrc" typeface="Estrangelo Edessa"/>
+        <a:font script="Orya" typeface="Kalinga"/>
+        <a:font script="Mlym" typeface="Kartika"/>
+        <a:font script="Laoo" typeface="DokChampa"/>
+        <a:font script="Sinh" typeface="Iskoola Pota"/>
+        <a:font script="Mong" typeface="Mongolian Baiti"/>
+        <a:font script="Viet" typeface="Arial"/>
+        <a:font script="Uigh" typeface="Microsoft Uighur"/>
+        <a:font script="Geor" typeface="Sylfaen"/>
+      </a:minorFont>
+    </a:fontScheme>
+    <a:fmtScheme name="Office">
+      <a:fillStyleLst>
+        <a:solidFill>
+          <a:schemeClr val="phClr"/>
+        </a:solidFill>
+        <a:gradFill rotWithShape="1">
+          <a:gsLst>
+            <a:gs pos="0">
+              <a:schemeClr val="phClr">
+                <a:tint val="50000"/>
+                <a:satMod val="300000"/>
+              </a:schemeClr>
+            </a:gs>
+            <a:gs pos="35000">
+              <a:schemeClr val="phClr">
+                <a:tint val="37000"/>
+                <a:satMod val="300000"/>
+              </a:schemeClr>
+            </a:gs>
+            <a:gs pos="100000">
+              <a:schemeClr val="phClr">
+                <a:tint val="15000"/>
+                <a:satMod val="350000"/>
+              </a:schemeClr>
+            </a:gs>
+          </a:gsLst>
+          <a:lin ang="16200000" scaled="1"/>
+        </a:gradFill>
+        <a:gradFill rotWithShape="1">
+          <a:gsLst>
+            <a:gs pos="0">
+              <a:schemeClr val="phClr">
+                <a:tint val="100000"/>
+                <a:shade val="100000"/>
+                <a:satMod val="130000"/>
+              </a:schemeClr>
+            </a:gs>
+            <a:gs pos="100000">
+              <a:schemeClr val="phClr">
+                <a:tint val="50000"/>
+                <a:shade val="100000"/>
+                <a:satMod val="350000"/>
+              </a:schemeClr>
+            </a:gs>
+          </a:gsLst>
+          <a:lin ang="16200000" scaled="0"/>
+        </a:gradFill>
+      </a:fillStyleLst>
+      <a:lnStyleLst>
+        <a:ln w="9525" cap="flat" cmpd="sng" algn="ctr">
+          <a:solidFill>
+            <a:schemeClr val="phClr">
+              <a:shade val="95000"/>
+              <a:satMod val="105000"/>
+            </a:schemeClr>
+          </a:solidFill>
+          <a:prstDash val="solid"/>
+        </a:ln>
+        <a:ln w="25400" cap="flat" cmpd="sng" algn="ctr">
+          <a:solidFill>
+            <a:schemeClr val="phClr"/>
+          </a:solidFill>
+          <a:prstDash val="solid"/>
+        </a:ln>
+        <a:ln w="38100" cap="flat" cmpd="sng" algn="ctr">
+          <a:solidFill>
+            <a:schemeClr val="phClr"/>
+          </a:solidFill>
+          <a:prstDash val="solid"/>
+        </a:ln>
+      </a:lnStyleLst>
+      <a:effectStyleLst>
+        <a:effectStyle>
+          <a:effectLst>
+            <a:outerShdw blurRad="40000" dist="20000" dir="5400000" rotWithShape="0">
+              <a:srgbClr val="000000">
+                <a:alpha val="38000"/>
+              </a:srgbClr>
+            </a:outerShdw>
+          </a:effectLst>
+        </a:effectStyle>
+        <a:effectStyle>
+          <a:effectLst>
+            <a:outerShdw blurRad="40000" dist="23000" dir="5400000" rotWithShape="0">
+              <a:srgbClr val="000000">
+                <a:alpha val="35000"/>
+              </a:srgbClr>
+            </a:outerShdw>
+          </a:effectLst>
+        </a:effectStyle>
+        <a:effectStyle>
+          <a:effectLst>
+            <a:outerShdw blurRad="40000" dist="23000" dir="5400000" rotWithShape="0">
+              <a:srgbClr val="000000">
+                <a:alpha val="35000"/>
+              </a:srgbClr>
+            </a:outerShdw>
+          </a:effectLst>
+          <a:scene3d>
+            <a:camera prst="orthographicFront">
+              <a:rot lat="0" lon="0" rev="0"/>
+            </a:camera>
+            <a:lightRig rig="threePt" dir="t">
+              <a:rot lat="0" lon="0" rev="1200000"/>
+            </a:lightRig>
+          </a:scene3d>
+          <a:sp3d>
+            <a:bevelT w="63500" h="25400"/>
+          </a:sp3d>
+        </a:effectStyle>
+      </a:effectStyleLst>
+      <a:bgFillStyleLst>
+        <a:solidFill>
+          <a:schemeClr val="phClr"/>
+        </a:solidFill>
+        <a:gradFill rotWithShape="1">
+          <a:gsLst>
+            <a:gs pos="0">
+              <a:schemeClr val="phClr">
+                <a:tint val="40000"/>
+                <a:satMod val="350000"/>
+              </a:schemeClr>
+            </a:gs>
+            <a:gs pos="40000">
+              <a:schemeClr val="phClr">
+                <a:tint val="45000"/>
+                <a:shade val="99000"/>
+                <a:satMod val="350000"/>
+              </a:schemeClr>
+            </a:gs>
+            <a:gs pos="100000">
+              <a:schemeClr val="phClr">
+                <a:shade val="20000"/>
+                <a:satMod val="255000"/>
+              </a:schemeClr>
+            </a:gs>
+          </a:gsLst>
+          <a:path path="circle">
+            <a:fillToRect l="50000" t="-80000" r="50000" b="180000"/>
+          </a:path>
+        </a:gradFill>
+        <a:gradFill rotWithShape="1">
+          <a:gsLst>
+            <a:gs pos="0">
+              <a:schemeClr val="phClr">
+                <a:tint val="80000"/>
+                <a:satMod val="300000"/>
+              </a:schemeClr>
+            </a:gs>
+            <a:gs pos="100000">
+              <a:schemeClr val="phClr">
+                <a:shade val="30000"/>
+                <a:satMod val="200000"/>
+              </a:schemeClr>
+            </a:gs>
+          </a:gsLst>
+          <a:path path="circle">
+            <a:fillToRect l="50000" t="50000" r="50000" b="50000"/>
+          </a:path>
+        </a:gradFill>
+      </a:bgFillStyleLst>
+    </a:fmtScheme>
+  </a:themeElements>
+</a:theme>
+</file>
+
+<file path=ppt/theme/theme2.xml><?xml version="1.0" encoding="utf-8"?>
 <a:theme xmlns:a="http://schemas.openxmlformats.org/drawingml/2006/main" xmlns:r="http://schemas.openxmlformats.org/officeDocument/2006/relationships">
   <a:themeElements>
     <a:clrScheme name="Default">
@@ -21804,283 +23580,4 @@
     </a:fmtScheme>
   </a:themeElements>
 </a:theme>
-</file>
-
-<file path=ppt/theme/theme2.xml><?xml version="1.0" encoding="utf-8"?>
-<a:theme xmlns:a="http://schemas.openxmlformats.org/drawingml/2006/main" xmlns:r="http://schemas.openxmlformats.org/officeDocument/2006/relationships" name="Simple Light">
-  <a:themeElements>
-    <a:clrScheme name="Simple Light">
-      <a:dk1>
-        <a:srgbClr val="000000"/>
-      </a:dk1>
-      <a:lt1>
-        <a:srgbClr val="FFFFFF"/>
-      </a:lt1>
-      <a:dk2>
-        <a:srgbClr val="595959"/>
-      </a:dk2>
-      <a:lt2>
-        <a:srgbClr val="EEEEEE"/>
-      </a:lt2>
-      <a:accent1>
-        <a:srgbClr val="4285F4"/>
-      </a:accent1>
-      <a:accent2>
-        <a:srgbClr val="212121"/>
-      </a:accent2>
-      <a:accent3>
-        <a:srgbClr val="78909C"/>
-      </a:accent3>
-      <a:accent4>
-        <a:srgbClr val="FFAB40"/>
-      </a:accent4>
-      <a:accent5>
-        <a:srgbClr val="0097A7"/>
-      </a:accent5>
-      <a:accent6>
-        <a:srgbClr val="EEFF41"/>
-      </a:accent6>
-      <a:hlink>
-        <a:srgbClr val="0097A7"/>
-      </a:hlink>
-      <a:folHlink>
-        <a:srgbClr val="0097A7"/>
-      </a:folHlink>
-    </a:clrScheme>
-    <a:fontScheme name="Office">
-      <a:majorFont>
-        <a:latin typeface="Arial"/>
-        <a:ea typeface=""/>
-        <a:cs typeface=""/>
-        <a:font script="Jpan" typeface="ＭＳ Ｐゴシック"/>
-        <a:font script="Hang" typeface="맑은 고딕"/>
-        <a:font script="Hans" typeface="宋体"/>
-        <a:font script="Hant" typeface="新細明體"/>
-        <a:font script="Arab" typeface="Times New Roman"/>
-        <a:font script="Hebr" typeface="Times New Roman"/>
-        <a:font script="Thai" typeface="Angsana New"/>
-        <a:font script="Ethi" typeface="Nyala"/>
-        <a:font script="Beng" typeface="Vrinda"/>
-        <a:font script="Gujr" typeface="Shruti"/>
-        <a:font script="Khmr" typeface="MoolBoran"/>
-        <a:font script="Knda" typeface="Tunga"/>
-        <a:font script="Guru" typeface="Raavi"/>
-        <a:font script="Cans" typeface="Euphemia"/>
-        <a:font script="Cher" typeface="Plantagenet Cherokee"/>
-        <a:font script="Yiii" typeface="Microsoft Yi Baiti"/>
-        <a:font script="Tibt" typeface="Microsoft Himalaya"/>
-        <a:font script="Thaa" typeface="MV Boli"/>
-        <a:font script="Deva" typeface="Mangal"/>
-        <a:font script="Telu" typeface="Gautami"/>
-        <a:font script="Taml" typeface="Latha"/>
-        <a:font script="Syrc" typeface="Estrangelo Edessa"/>
-        <a:font script="Orya" typeface="Kalinga"/>
-        <a:font script="Mlym" typeface="Kartika"/>
-        <a:font script="Laoo" typeface="DokChampa"/>
-        <a:font script="Sinh" typeface="Iskoola Pota"/>
-        <a:font script="Mong" typeface="Mongolian Baiti"/>
-        <a:font script="Viet" typeface="Times New Roman"/>
-        <a:font script="Uigh" typeface="Microsoft Uighur"/>
-        <a:font script="Geor" typeface="Sylfaen"/>
-      </a:majorFont>
-      <a:minorFont>
-        <a:latin typeface="Arial"/>
-        <a:ea typeface=""/>
-        <a:cs typeface=""/>
-        <a:font script="Jpan" typeface="ＭＳ Ｐゴシック"/>
-        <a:font script="Hang" typeface="맑은 고딕"/>
-        <a:font script="Hans" typeface="宋体"/>
-        <a:font script="Hant" typeface="新細明體"/>
-        <a:font script="Arab" typeface="Arial"/>
-        <a:font script="Hebr" typeface="Arial"/>
-        <a:font script="Thai" typeface="Cordia New"/>
-        <a:font script="Ethi" typeface="Nyala"/>
-        <a:font script="Beng" typeface="Vrinda"/>
-        <a:font script="Gujr" typeface="Shruti"/>
-        <a:font script="Khmr" typeface="DaunPenh"/>
-        <a:font script="Knda" typeface="Tunga"/>
-        <a:font script="Guru" typeface="Raavi"/>
-        <a:font script="Cans" typeface="Euphemia"/>
-        <a:font script="Cher" typeface="Plantagenet Cherokee"/>
-        <a:font script="Yiii" typeface="Microsoft Yi Baiti"/>
-        <a:font script="Tibt" typeface="Microsoft Himalaya"/>
-        <a:font script="Thaa" typeface="MV Boli"/>
-        <a:font script="Deva" typeface="Mangal"/>
-        <a:font script="Telu" typeface="Gautami"/>
-        <a:font script="Taml" typeface="Latha"/>
-        <a:font script="Syrc" typeface="Estrangelo Edessa"/>
-        <a:font script="Orya" typeface="Kalinga"/>
-        <a:font script="Mlym" typeface="Kartika"/>
-        <a:font script="Laoo" typeface="DokChampa"/>
-        <a:font script="Sinh" typeface="Iskoola Pota"/>
-        <a:font script="Mong" typeface="Mongolian Baiti"/>
-        <a:font script="Viet" typeface="Arial"/>
-        <a:font script="Uigh" typeface="Microsoft Uighur"/>
-        <a:font script="Geor" typeface="Sylfaen"/>
-      </a:minorFont>
-    </a:fontScheme>
-    <a:fmtScheme name="Office">
-      <a:fillStyleLst>
-        <a:solidFill>
-          <a:schemeClr val="phClr"/>
-        </a:solidFill>
-        <a:gradFill rotWithShape="1">
-          <a:gsLst>
-            <a:gs pos="0">
-              <a:schemeClr val="phClr">
-                <a:tint val="50000"/>
-                <a:satMod val="300000"/>
-              </a:schemeClr>
-            </a:gs>
-            <a:gs pos="35000">
-              <a:schemeClr val="phClr">
-                <a:tint val="37000"/>
-                <a:satMod val="300000"/>
-              </a:schemeClr>
-            </a:gs>
-            <a:gs pos="100000">
-              <a:schemeClr val="phClr">
-                <a:tint val="15000"/>
-                <a:satMod val="350000"/>
-              </a:schemeClr>
-            </a:gs>
-          </a:gsLst>
-          <a:lin ang="16200000" scaled="1"/>
-        </a:gradFill>
-        <a:gradFill rotWithShape="1">
-          <a:gsLst>
-            <a:gs pos="0">
-              <a:schemeClr val="phClr">
-                <a:tint val="100000"/>
-                <a:shade val="100000"/>
-                <a:satMod val="130000"/>
-              </a:schemeClr>
-            </a:gs>
-            <a:gs pos="100000">
-              <a:schemeClr val="phClr">
-                <a:tint val="50000"/>
-                <a:shade val="100000"/>
-                <a:satMod val="350000"/>
-              </a:schemeClr>
-            </a:gs>
-          </a:gsLst>
-          <a:lin ang="16200000" scaled="0"/>
-        </a:gradFill>
-      </a:fillStyleLst>
-      <a:lnStyleLst>
-        <a:ln w="9525" cap="flat" cmpd="sng" algn="ctr">
-          <a:solidFill>
-            <a:schemeClr val="phClr">
-              <a:shade val="95000"/>
-              <a:satMod val="105000"/>
-            </a:schemeClr>
-          </a:solidFill>
-          <a:prstDash val="solid"/>
-        </a:ln>
-        <a:ln w="25400" cap="flat" cmpd="sng" algn="ctr">
-          <a:solidFill>
-            <a:schemeClr val="phClr"/>
-          </a:solidFill>
-          <a:prstDash val="solid"/>
-        </a:ln>
-        <a:ln w="38100" cap="flat" cmpd="sng" algn="ctr">
-          <a:solidFill>
-            <a:schemeClr val="phClr"/>
-          </a:solidFill>
-          <a:prstDash val="solid"/>
-        </a:ln>
-      </a:lnStyleLst>
-      <a:effectStyleLst>
-        <a:effectStyle>
-          <a:effectLst>
-            <a:outerShdw blurRad="40000" dist="20000" dir="5400000" rotWithShape="0">
-              <a:srgbClr val="000000">
-                <a:alpha val="38000"/>
-              </a:srgbClr>
-            </a:outerShdw>
-          </a:effectLst>
-        </a:effectStyle>
-        <a:effectStyle>
-          <a:effectLst>
-            <a:outerShdw blurRad="40000" dist="23000" dir="5400000" rotWithShape="0">
-              <a:srgbClr val="000000">
-                <a:alpha val="35000"/>
-              </a:srgbClr>
-            </a:outerShdw>
-          </a:effectLst>
-        </a:effectStyle>
-        <a:effectStyle>
-          <a:effectLst>
-            <a:outerShdw blurRad="40000" dist="23000" dir="5400000" rotWithShape="0">
-              <a:srgbClr val="000000">
-                <a:alpha val="35000"/>
-              </a:srgbClr>
-            </a:outerShdw>
-          </a:effectLst>
-          <a:scene3d>
-            <a:camera prst="orthographicFront">
-              <a:rot lat="0" lon="0" rev="0"/>
-            </a:camera>
-            <a:lightRig rig="threePt" dir="t">
-              <a:rot lat="0" lon="0" rev="1200000"/>
-            </a:lightRig>
-          </a:scene3d>
-          <a:sp3d>
-            <a:bevelT w="63500" h="25400"/>
-          </a:sp3d>
-        </a:effectStyle>
-      </a:effectStyleLst>
-      <a:bgFillStyleLst>
-        <a:solidFill>
-          <a:schemeClr val="phClr"/>
-        </a:solidFill>
-        <a:gradFill rotWithShape="1">
-          <a:gsLst>
-            <a:gs pos="0">
-              <a:schemeClr val="phClr">
-                <a:tint val="40000"/>
-                <a:satMod val="350000"/>
-              </a:schemeClr>
-            </a:gs>
-            <a:gs pos="40000">
-              <a:schemeClr val="phClr">
-                <a:tint val="45000"/>
-                <a:shade val="99000"/>
-                <a:satMod val="350000"/>
-              </a:schemeClr>
-            </a:gs>
-            <a:gs pos="100000">
-              <a:schemeClr val="phClr">
-                <a:shade val="20000"/>
-                <a:satMod val="255000"/>
-              </a:schemeClr>
-            </a:gs>
-          </a:gsLst>
-          <a:path path="circle">
-            <a:fillToRect l="50000" t="-80000" r="50000" b="180000"/>
-          </a:path>
-        </a:gradFill>
-        <a:gradFill rotWithShape="1">
-          <a:gsLst>
-            <a:gs pos="0">
-              <a:schemeClr val="phClr">
-                <a:tint val="80000"/>
-                <a:satMod val="300000"/>
-              </a:schemeClr>
-            </a:gs>
-            <a:gs pos="100000">
-              <a:schemeClr val="phClr">
-                <a:shade val="30000"/>
-                <a:satMod val="200000"/>
-              </a:schemeClr>
-            </a:gs>
-          </a:gsLst>
-          <a:path path="circle">
-            <a:fillToRect l="50000" t="50000" r="50000" b="50000"/>
-          </a:path>
-        </a:gradFill>
-      </a:bgFillStyleLst>
-    </a:fmtScheme>
-  </a:themeElements>
-</a:theme>
 </file>
--- a/presentation/presentation.pptx
+++ b/presentation/presentation.pptx
@@ -303,7 +303,7 @@
       </p15:sldGuideLst>
     </p:ext>
     <p:ext uri="GoogleSlidesCustomDataVersion2">
-      <go:slidesCustomData xmlns:go="http://customooxmlschemas.google.com/" r:id="rId46" roundtripDataSignature="AMtx7mi118ukbDLkJ93ORq0LOmrHz20fCg=="/>
+      <go:slidesCustomData xmlns:go="http://customooxmlschemas.google.com/" r:id="rId46" roundtripDataSignature="AMtx7miQp7miSyOvs5kVVWWfjoDBopoTGw=="/>
     </p:ext>
   </p:extLst>
 </p:presentation>
@@ -311,7 +311,7 @@
 
 <file path=ppt/commentAuthors.xml><?xml version="1.0" encoding="utf-8"?>
 <p:cmAuthorLst xmlns:a="http://schemas.openxmlformats.org/drawingml/2006/main" xmlns:r="http://schemas.openxmlformats.org/officeDocument/2006/relationships" xmlns:mc="http://schemas.openxmlformats.org/markup-compatibility/2006" xmlns:mv="urn:schemas-microsoft-com:mac:vml" xmlns:p="http://schemas.openxmlformats.org/presentationml/2006/main" xmlns:c="http://schemas.openxmlformats.org/drawingml/2006/chart" xmlns:dgm="http://schemas.openxmlformats.org/drawingml/2006/diagram" xmlns:o="urn:schemas-microsoft-com:office:office" xmlns:v="urn:schemas-microsoft-com:vml" xmlns:pvml="urn:schemas-microsoft-com:office:powerpoint" xmlns:com="http://schemas.openxmlformats.org/drawingml/2006/compatibility" xmlns:p14="http://schemas.microsoft.com/office/powerpoint/2010/main" xmlns:p15="http://schemas.microsoft.com/office/powerpoint/2012/main" xmlns:ahyp="http://schemas.microsoft.com/office/drawing/2018/hyperlinkcolor">
-  <p:cmAuthor clrIdx="0" id="0" initials="" lastIdx="3" name="Danilo Corsi"/>
+  <p:cmAuthor clrIdx="0" id="0" initials="" lastIdx="6" name="Danilo Corsi"/>
 </p:cmAuthorLst>
 </file>
 
@@ -334,7 +334,41 @@
 
 <file path=ppt/comments/comment2.xml><?xml version="1.0" encoding="utf-8"?>
 <p:cmLst xmlns:a="http://schemas.openxmlformats.org/drawingml/2006/main" xmlns:r="http://schemas.openxmlformats.org/officeDocument/2006/relationships" xmlns:mc="http://schemas.openxmlformats.org/markup-compatibility/2006" xmlns:mv="urn:schemas-microsoft-com:mac:vml" xmlns:p="http://schemas.openxmlformats.org/presentationml/2006/main" xmlns:c="http://schemas.openxmlformats.org/drawingml/2006/chart" xmlns:dgm="http://schemas.openxmlformats.org/drawingml/2006/diagram" xmlns:o="urn:schemas-microsoft-com:office:office" xmlns:v="urn:schemas-microsoft-com:vml" xmlns:pvml="urn:schemas-microsoft-com:office:powerpoint" xmlns:com="http://schemas.openxmlformats.org/drawingml/2006/compatibility" xmlns:p14="http://schemas.microsoft.com/office/powerpoint/2010/main" xmlns:p15="http://schemas.microsoft.com/office/powerpoint/2012/main" xmlns:ahyp="http://schemas.microsoft.com/office/drawing/2018/hyperlinkcolor">
-  <p:cm authorId="0" idx="2" dt="2023-12-15T18:01:20.025">
+  <p:cm authorId="0" idx="2" dt="2023-12-17T16:50:24.371">
+    <p:pos x="6000" y="0"/>
+    <p:text>Fai slide con i cerchi per il focus</p:text>
+    <p:extLst>
+      <p:ext uri="{C676402C-5697-4E1C-873F-D02D1690AC5C}">
+        <p15:threadingInfo timeZoneBias="0"/>
+      </p:ext>
+      <p:ext uri="http://customooxmlschemas.google.com/">
+        <go:slidesCustomData xmlns:go="http://customooxmlschemas.google.com/" commentPostId="AAABCoRGpoo"/>
+      </p:ext>
+    </p:extLst>
+  </p:cm>
+</p:cmLst>
+</file>
+
+<file path=ppt/comments/comment3.xml><?xml version="1.0" encoding="utf-8"?>
+<p:cmLst xmlns:a="http://schemas.openxmlformats.org/drawingml/2006/main" xmlns:r="http://schemas.openxmlformats.org/officeDocument/2006/relationships" xmlns:mc="http://schemas.openxmlformats.org/markup-compatibility/2006" xmlns:mv="urn:schemas-microsoft-com:mac:vml" xmlns:p="http://schemas.openxmlformats.org/presentationml/2006/main" xmlns:c="http://schemas.openxmlformats.org/drawingml/2006/chart" xmlns:dgm="http://schemas.openxmlformats.org/drawingml/2006/diagram" xmlns:o="urn:schemas-microsoft-com:office:office" xmlns:v="urn:schemas-microsoft-com:vml" xmlns:pvml="urn:schemas-microsoft-com:office:powerpoint" xmlns:com="http://schemas.openxmlformats.org/drawingml/2006/compatibility" xmlns:p14="http://schemas.microsoft.com/office/powerpoint/2010/main" xmlns:p15="http://schemas.microsoft.com/office/powerpoint/2012/main" xmlns:ahyp="http://schemas.microsoft.com/office/drawing/2018/hyperlinkcolor">
+  <p:cm authorId="0" idx="3" dt="2023-12-17T16:50:28.135">
+    <p:pos x="6000" y="0"/>
+    <p:text>Fai slide con i cerchi per il focus</p:text>
+    <p:extLst>
+      <p:ext uri="{C676402C-5697-4E1C-873F-D02D1690AC5C}">
+        <p15:threadingInfo timeZoneBias="0"/>
+      </p:ext>
+      <p:ext uri="http://customooxmlschemas.google.com/">
+        <go:slidesCustomData xmlns:go="http://customooxmlschemas.google.com/" commentPostId="AAABCoRGpos"/>
+      </p:ext>
+    </p:extLst>
+  </p:cm>
+</p:cmLst>
+</file>
+
+<file path=ppt/comments/comment4.xml><?xml version="1.0" encoding="utf-8"?>
+<p:cmLst xmlns:a="http://schemas.openxmlformats.org/drawingml/2006/main" xmlns:r="http://schemas.openxmlformats.org/officeDocument/2006/relationships" xmlns:mc="http://schemas.openxmlformats.org/markup-compatibility/2006" xmlns:mv="urn:schemas-microsoft-com:mac:vml" xmlns:p="http://schemas.openxmlformats.org/presentationml/2006/main" xmlns:c="http://schemas.openxmlformats.org/drawingml/2006/chart" xmlns:dgm="http://schemas.openxmlformats.org/drawingml/2006/diagram" xmlns:o="urn:schemas-microsoft-com:office:office" xmlns:v="urn:schemas-microsoft-com:vml" xmlns:pvml="urn:schemas-microsoft-com:office:powerpoint" xmlns:com="http://schemas.openxmlformats.org/drawingml/2006/compatibility" xmlns:p14="http://schemas.microsoft.com/office/powerpoint/2010/main" xmlns:p15="http://schemas.microsoft.com/office/powerpoint/2012/main" xmlns:ahyp="http://schemas.microsoft.com/office/drawing/2018/hyperlinkcolor">
+  <p:cm authorId="0" idx="4" dt="2023-12-15T18:01:20.025">
     <p:pos x="6000" y="0"/>
     <p:text>Aggiungi recap</p:text>
     <p:extLst>
@@ -349,9 +383,26 @@
 </p:cmLst>
 </file>
 
-<file path=ppt/comments/comment3.xml><?xml version="1.0" encoding="utf-8"?>
+<file path=ppt/comments/comment5.xml><?xml version="1.0" encoding="utf-8"?>
 <p:cmLst xmlns:a="http://schemas.openxmlformats.org/drawingml/2006/main" xmlns:r="http://schemas.openxmlformats.org/officeDocument/2006/relationships" xmlns:mc="http://schemas.openxmlformats.org/markup-compatibility/2006" xmlns:mv="urn:schemas-microsoft-com:mac:vml" xmlns:p="http://schemas.openxmlformats.org/presentationml/2006/main" xmlns:c="http://schemas.openxmlformats.org/drawingml/2006/chart" xmlns:dgm="http://schemas.openxmlformats.org/drawingml/2006/diagram" xmlns:o="urn:schemas-microsoft-com:office:office" xmlns:v="urn:schemas-microsoft-com:vml" xmlns:pvml="urn:schemas-microsoft-com:office:powerpoint" xmlns:com="http://schemas.openxmlformats.org/drawingml/2006/compatibility" xmlns:p14="http://schemas.microsoft.com/office/powerpoint/2010/main" xmlns:p15="http://schemas.microsoft.com/office/powerpoint/2012/main" xmlns:ahyp="http://schemas.microsoft.com/office/drawing/2018/hyperlinkcolor">
-  <p:cm authorId="0" idx="3" dt="2023-12-15T18:01:29.588">
+  <p:cm authorId="0" idx="5" dt="2023-12-17T16:50:39.542">
+    <p:pos x="6000" y="0"/>
+    <p:text>Fai slide con i cerchi per il focus</p:text>
+    <p:extLst>
+      <p:ext uri="{C676402C-5697-4E1C-873F-D02D1690AC5C}">
+        <p15:threadingInfo timeZoneBias="0"/>
+      </p:ext>
+      <p:ext uri="http://customooxmlschemas.google.com/">
+        <go:slidesCustomData xmlns:go="http://customooxmlschemas.google.com/" commentPostId="AAABCoRGpow"/>
+      </p:ext>
+    </p:extLst>
+  </p:cm>
+</p:cmLst>
+</file>
+
+<file path=ppt/comments/comment6.xml><?xml version="1.0" encoding="utf-8"?>
+<p:cmLst xmlns:a="http://schemas.openxmlformats.org/drawingml/2006/main" xmlns:r="http://schemas.openxmlformats.org/officeDocument/2006/relationships" xmlns:mc="http://schemas.openxmlformats.org/markup-compatibility/2006" xmlns:mv="urn:schemas-microsoft-com:mac:vml" xmlns:p="http://schemas.openxmlformats.org/presentationml/2006/main" xmlns:c="http://schemas.openxmlformats.org/drawingml/2006/chart" xmlns:dgm="http://schemas.openxmlformats.org/drawingml/2006/diagram" xmlns:o="urn:schemas-microsoft-com:office:office" xmlns:v="urn:schemas-microsoft-com:vml" xmlns:pvml="urn:schemas-microsoft-com:office:powerpoint" xmlns:com="http://schemas.openxmlformats.org/drawingml/2006/compatibility" xmlns:p14="http://schemas.microsoft.com/office/powerpoint/2010/main" xmlns:p15="http://schemas.microsoft.com/office/powerpoint/2012/main" xmlns:ahyp="http://schemas.microsoft.com/office/drawing/2018/hyperlinkcolor">
+  <p:cm authorId="0" idx="6" dt="2023-12-15T18:01:29.588">
     <p:pos x="6000" y="0"/>
     <p:text>Aggiungi recap</p:text>
     <p:extLst>
@@ -16151,7 +16202,7 @@
           <p:nvPr/>
         </p:nvPicPr>
         <p:blipFill rotWithShape="1">
-          <a:blip r:embed="rId3">
+          <a:blip r:embed="rId4">
             <a:alphaModFix/>
           </a:blip>
           <a:srcRect b="85795" l="0" r="34149" t="0"/>
@@ -16178,7 +16229,7 @@
           <p:nvPr/>
         </p:nvPicPr>
         <p:blipFill rotWithShape="1">
-          <a:blip r:embed="rId4">
+          <a:blip r:embed="rId5">
             <a:alphaModFix/>
           </a:blip>
           <a:srcRect b="85184" l="0" r="68798" t="0"/>
@@ -16205,7 +16256,7 @@
           <p:nvPr/>
         </p:nvPicPr>
         <p:blipFill rotWithShape="1">
-          <a:blip r:embed="rId3">
+          <a:blip r:embed="rId4">
             <a:alphaModFix/>
           </a:blip>
           <a:srcRect b="50203" l="65069" r="0" t="18943"/>
@@ -16232,7 +16283,7 @@
           <p:nvPr/>
         </p:nvPicPr>
         <p:blipFill rotWithShape="1">
-          <a:blip r:embed="rId4">
+          <a:blip r:embed="rId5">
             <a:alphaModFix/>
           </a:blip>
           <a:srcRect b="0" l="0" r="68798" t="13882"/>
@@ -16259,7 +16310,7 @@
           <p:nvPr/>
         </p:nvPicPr>
         <p:blipFill rotWithShape="1">
-          <a:blip r:embed="rId4">
+          <a:blip r:embed="rId5">
             <a:alphaModFix/>
           </a:blip>
           <a:srcRect b="4392" l="58558" r="13427" t="14107"/>
@@ -16286,7 +16337,7 @@
           <p:nvPr/>
         </p:nvPicPr>
         <p:blipFill rotWithShape="1">
-          <a:blip r:embed="rId4">
+          <a:blip r:embed="rId5">
             <a:alphaModFix/>
           </a:blip>
           <a:srcRect b="4863" l="30763" r="41221" t="13941"/>
@@ -16313,7 +16364,7 @@
           <p:nvPr/>
         </p:nvPicPr>
         <p:blipFill rotWithShape="1">
-          <a:blip r:embed="rId4">
+          <a:blip r:embed="rId5">
             <a:alphaModFix/>
           </a:blip>
           <a:srcRect b="11999" l="0" r="96248" t="13882"/>
@@ -16340,7 +16391,7 @@
           <p:nvPr/>
         </p:nvPicPr>
         <p:blipFill rotWithShape="1">
-          <a:blip r:embed="rId4">
+          <a:blip r:embed="rId5">
             <a:alphaModFix/>
           </a:blip>
           <a:srcRect b="11999" l="0" r="96248" t="13882"/>
@@ -16367,7 +16418,7 @@
           <p:nvPr/>
         </p:nvPicPr>
         <p:blipFill rotWithShape="1">
-          <a:blip r:embed="rId3">
+          <a:blip r:embed="rId4">
             <a:alphaModFix/>
           </a:blip>
           <a:srcRect b="4396" l="1762" r="34147" t="14645"/>
@@ -16394,7 +16445,7 @@
           <p:nvPr/>
         </p:nvPicPr>
         <p:blipFill>
-          <a:blip r:embed="rId5">
+          <a:blip r:embed="rId6">
             <a:alphaModFix/>
           </a:blip>
           <a:stretch>
@@ -16422,7 +16473,7 @@
           <p:nvPr/>
         </p:nvPicPr>
         <p:blipFill>
-          <a:blip r:embed="rId5">
+          <a:blip r:embed="rId6">
             <a:alphaModFix/>
           </a:blip>
           <a:stretch>
@@ -16533,7 +16584,7 @@
           <p:nvPr/>
         </p:nvPicPr>
         <p:blipFill rotWithShape="1">
-          <a:blip r:embed="rId3">
+          <a:blip r:embed="rId4">
             <a:alphaModFix/>
           </a:blip>
           <a:srcRect b="0" l="0" r="66810" t="14908"/>
@@ -16560,7 +16611,7 @@
           <p:nvPr/>
         </p:nvPicPr>
         <p:blipFill rotWithShape="1">
-          <a:blip r:embed="rId3">
+          <a:blip r:embed="rId4">
             <a:alphaModFix/>
           </a:blip>
           <a:srcRect b="65689" l="94755" r="0" t="18838"/>
@@ -16587,7 +16638,7 @@
           <p:nvPr/>
         </p:nvPicPr>
         <p:blipFill rotWithShape="1">
-          <a:blip r:embed="rId3">
+          <a:blip r:embed="rId4">
             <a:alphaModFix/>
           </a:blip>
           <a:srcRect b="5846" l="63793" r="5890" t="14172"/>
@@ -16614,7 +16665,7 @@
           <p:nvPr/>
         </p:nvPicPr>
         <p:blipFill rotWithShape="1">
-          <a:blip r:embed="rId3">
+          <a:blip r:embed="rId4">
             <a:alphaModFix/>
           </a:blip>
           <a:srcRect b="5846" l="33258" r="35938" t="14172"/>
@@ -16641,7 +16692,7 @@
           <p:nvPr/>
         </p:nvPicPr>
         <p:blipFill rotWithShape="1">
-          <a:blip r:embed="rId3">
+          <a:blip r:embed="rId4">
             <a:alphaModFix/>
           </a:blip>
           <a:srcRect b="12710" l="0" r="96262" t="18950"/>
@@ -16668,7 +16719,7 @@
           <p:nvPr/>
         </p:nvPicPr>
         <p:blipFill rotWithShape="1">
-          <a:blip r:embed="rId4">
+          <a:blip r:embed="rId5">
             <a:alphaModFix/>
           </a:blip>
           <a:srcRect b="86975" l="1847" r="14547" t="0"/>
@@ -16695,7 +16746,7 @@
           <p:nvPr/>
         </p:nvPicPr>
         <p:blipFill rotWithShape="1">
-          <a:blip r:embed="rId3">
+          <a:blip r:embed="rId4">
             <a:alphaModFix/>
           </a:blip>
           <a:srcRect b="12710" l="0" r="96262" t="18950"/>
@@ -16722,7 +16773,7 @@
           <p:nvPr/>
         </p:nvPicPr>
         <p:blipFill rotWithShape="1">
-          <a:blip r:embed="rId4">
+          <a:blip r:embed="rId5">
             <a:alphaModFix/>
           </a:blip>
           <a:srcRect b="0" l="1847" r="14547" t="15909"/>
@@ -16749,7 +16800,7 @@
           <p:nvPr/>
         </p:nvPicPr>
         <p:blipFill rotWithShape="1">
-          <a:blip r:embed="rId3">
+          <a:blip r:embed="rId4">
             <a:alphaModFix/>
           </a:blip>
           <a:srcRect b="86890" l="0" r="66810" t="0"/>
@@ -16776,7 +16827,7 @@
           <p:nvPr/>
         </p:nvPicPr>
         <p:blipFill>
-          <a:blip r:embed="rId5">
+          <a:blip r:embed="rId6">
             <a:alphaModFix/>
           </a:blip>
           <a:stretch>
@@ -16804,7 +16855,7 @@
           <p:nvPr/>
         </p:nvPicPr>
         <p:blipFill>
-          <a:blip r:embed="rId5">
+          <a:blip r:embed="rId6">
             <a:alphaModFix/>
           </a:blip>
           <a:stretch>
@@ -17116,7 +17167,7 @@
         </p:blipFill>
         <p:spPr>
           <a:xfrm>
-            <a:off x="4368625" y="860225"/>
+            <a:off x="3911425" y="784025"/>
             <a:ext cx="4065249" cy="2199125"/>
           </a:xfrm>
           <a:prstGeom prst="rect">
@@ -17143,7 +17194,7 @@
         </p:blipFill>
         <p:spPr>
           <a:xfrm>
-            <a:off x="640125" y="860225"/>
+            <a:off x="182925" y="784025"/>
             <a:ext cx="3935250" cy="2199125"/>
           </a:xfrm>
           <a:prstGeom prst="rect">
@@ -17170,7 +17221,7 @@
         </p:blipFill>
         <p:spPr>
           <a:xfrm>
-            <a:off x="4392925" y="3087450"/>
+            <a:off x="3935725" y="3011250"/>
             <a:ext cx="4040950" cy="1956025"/>
           </a:xfrm>
           <a:prstGeom prst="rect">
@@ -17198,7 +17249,7 @@
         </p:blipFill>
         <p:spPr>
           <a:xfrm>
-            <a:off x="4475100" y="1388150"/>
+            <a:off x="4017900" y="1311950"/>
             <a:ext cx="183200" cy="680850"/>
           </a:xfrm>
           <a:prstGeom prst="rect">
@@ -17220,13 +17271,13 @@
           <a:blip r:embed="rId7">
             <a:alphaModFix/>
           </a:blip>
-          <a:srcRect b="26863" l="0" r="25283" t="4061"/>
+          <a:srcRect b="26863" l="4228" r="25288" t="4061"/>
           <a:stretch/>
         </p:blipFill>
         <p:spPr>
           <a:xfrm>
-            <a:off x="409850" y="3059350"/>
-            <a:ext cx="4065249" cy="2012250"/>
+            <a:off x="182925" y="2983150"/>
+            <a:ext cx="3834975" cy="2012250"/>
           </a:xfrm>
           <a:prstGeom prst="rect">
             <a:avLst/>
@@ -17247,13 +17298,13 @@
           <a:blip r:embed="rId8">
             <a:alphaModFix/>
           </a:blip>
-          <a:srcRect b="59371" l="91149" r="0" t="20151"/>
+          <a:srcRect b="59371" l="91665" r="461" t="20151"/>
           <a:stretch/>
         </p:blipFill>
         <p:spPr>
           <a:xfrm>
-            <a:off x="7100450" y="526525"/>
-            <a:ext cx="1309727" cy="751700"/>
+            <a:off x="7976675" y="2745775"/>
+            <a:ext cx="1165199" cy="751700"/>
           </a:xfrm>
           <a:prstGeom prst="rect">
             <a:avLst/>
@@ -17279,7 +17330,7 @@
         </p:blipFill>
         <p:spPr>
           <a:xfrm>
-            <a:off x="4658300" y="3087450"/>
+            <a:off x="4201100" y="3011250"/>
             <a:ext cx="1750630" cy="193900"/>
           </a:xfrm>
           <a:prstGeom prst="rect">
@@ -17306,7 +17357,7 @@
         </p:blipFill>
         <p:spPr>
           <a:xfrm>
-            <a:off x="619263" y="3114025"/>
+            <a:off x="162063" y="3037825"/>
             <a:ext cx="1596436" cy="193900"/>
           </a:xfrm>
           <a:prstGeom prst="rect">
@@ -17333,7 +17384,7 @@
         </p:blipFill>
         <p:spPr>
           <a:xfrm>
-            <a:off x="4575375" y="1046090"/>
+            <a:off x="4118175" y="969890"/>
             <a:ext cx="1596426" cy="193900"/>
           </a:xfrm>
           <a:prstGeom prst="rect">
@@ -17360,7 +17411,7 @@
         </p:blipFill>
         <p:spPr>
           <a:xfrm>
-            <a:off x="605813" y="1058912"/>
+            <a:off x="148613" y="982712"/>
             <a:ext cx="1623347" cy="168275"/>
           </a:xfrm>
           <a:prstGeom prst="rect">
@@ -17462,7 +17513,7 @@
           <p:nvPr/>
         </p:nvPicPr>
         <p:blipFill rotWithShape="1">
-          <a:blip r:embed="rId3">
+          <a:blip r:embed="rId4">
             <a:alphaModFix/>
           </a:blip>
           <a:srcRect b="86192" l="4519" r="74604" t="0"/>
@@ -17489,7 +17540,7 @@
           <p:nvPr/>
         </p:nvPicPr>
         <p:blipFill rotWithShape="1">
-          <a:blip r:embed="rId4">
+          <a:blip r:embed="rId5">
             <a:alphaModFix/>
           </a:blip>
           <a:srcRect b="85801" l="1593" r="58378" t="0"/>
@@ -17516,7 +17567,7 @@
           <p:nvPr/>
         </p:nvPicPr>
         <p:blipFill rotWithShape="1">
-          <a:blip r:embed="rId3">
+          <a:blip r:embed="rId4">
             <a:alphaModFix/>
           </a:blip>
           <a:srcRect b="58733" l="92392" r="0" t="18647"/>
@@ -17543,7 +17594,7 @@
           <p:nvPr/>
         </p:nvPicPr>
         <p:blipFill rotWithShape="1">
-          <a:blip r:embed="rId3">
+          <a:blip r:embed="rId4">
             <a:alphaModFix/>
           </a:blip>
           <a:srcRect b="7002" l="25502" r="52636" t="14578"/>
@@ -17570,7 +17621,7 @@
           <p:nvPr/>
         </p:nvPicPr>
         <p:blipFill rotWithShape="1">
-          <a:blip r:embed="rId3">
+          <a:blip r:embed="rId4">
             <a:alphaModFix/>
           </a:blip>
           <a:srcRect b="5722" l="0" r="74605" t="14792"/>
@@ -17597,7 +17648,7 @@
           <p:nvPr/>
         </p:nvPicPr>
         <p:blipFill rotWithShape="1">
-          <a:blip r:embed="rId3">
+          <a:blip r:embed="rId4">
             <a:alphaModFix/>
           </a:blip>
           <a:srcRect b="5063" l="47972" r="30167" t="14570"/>
@@ -17624,7 +17675,7 @@
           <p:nvPr/>
         </p:nvPicPr>
         <p:blipFill rotWithShape="1">
-          <a:blip r:embed="rId3">
+          <a:blip r:embed="rId4">
             <a:alphaModFix/>
           </a:blip>
           <a:srcRect b="4407" l="70534" r="7605" t="14575"/>
@@ -17651,7 +17702,7 @@
           <p:nvPr/>
         </p:nvPicPr>
         <p:blipFill rotWithShape="1">
-          <a:blip r:embed="rId3">
+          <a:blip r:embed="rId4">
             <a:alphaModFix/>
           </a:blip>
           <a:srcRect b="13730" l="790" r="96265" t="18260"/>
@@ -17678,7 +17729,7 @@
           <p:nvPr/>
         </p:nvPicPr>
         <p:blipFill rotWithShape="1">
-          <a:blip r:embed="rId3">
+          <a:blip r:embed="rId4">
             <a:alphaModFix/>
           </a:blip>
           <a:srcRect b="13730" l="790" r="96265" t="18260"/>
@@ -17705,7 +17756,7 @@
           <p:nvPr/>
         </p:nvPicPr>
         <p:blipFill rotWithShape="1">
-          <a:blip r:embed="rId3">
+          <a:blip r:embed="rId4">
             <a:alphaModFix/>
           </a:blip>
           <a:srcRect b="13730" l="790" r="96265" t="18260"/>
@@ -17732,7 +17783,7 @@
           <p:nvPr/>
         </p:nvPicPr>
         <p:blipFill rotWithShape="1">
-          <a:blip r:embed="rId4">
+          <a:blip r:embed="rId5">
             <a:alphaModFix/>
           </a:blip>
           <a:srcRect b="6616" l="1594" r="18705" t="16002"/>
@@ -17759,7 +17810,7 @@
           <p:nvPr/>
         </p:nvPicPr>
         <p:blipFill rotWithShape="1">
-          <a:blip r:embed="rId5">
+          <a:blip r:embed="rId6">
             <a:alphaModFix/>
           </a:blip>
           <a:srcRect b="86385" l="37562" r="58255" t="3623"/>
@@ -17786,7 +17837,7 @@
           <p:nvPr/>
         </p:nvPicPr>
         <p:blipFill rotWithShape="1">
-          <a:blip r:embed="rId5">
+          <a:blip r:embed="rId6">
             <a:alphaModFix/>
           </a:blip>
           <a:srcRect b="86385" l="37562" r="58255" t="3623"/>
@@ -17813,7 +17864,7 @@
           <p:nvPr/>
         </p:nvPicPr>
         <p:blipFill>
-          <a:blip r:embed="rId6">
+          <a:blip r:embed="rId7">
             <a:alphaModFix/>
           </a:blip>
           <a:stretch>
@@ -17841,7 +17892,7 @@
           <p:nvPr/>
         </p:nvPicPr>
         <p:blipFill>
-          <a:blip r:embed="rId6">
+          <a:blip r:embed="rId7">
             <a:alphaModFix/>
           </a:blip>
           <a:stretch>
@@ -17869,7 +17920,7 @@
           <p:nvPr/>
         </p:nvPicPr>
         <p:blipFill>
-          <a:blip r:embed="rId6">
+          <a:blip r:embed="rId7">
             <a:alphaModFix/>
           </a:blip>
           <a:stretch>
@@ -17897,7 +17948,7 @@
           <p:nvPr/>
         </p:nvPicPr>
         <p:blipFill rotWithShape="1">
-          <a:blip r:embed="rId4">
+          <a:blip r:embed="rId5">
             <a:alphaModFix/>
           </a:blip>
           <a:srcRect b="6616" l="33655" r="59921" t="88621"/>
@@ -17924,7 +17975,7 @@
           <p:nvPr/>
         </p:nvPicPr>
         <p:blipFill>
-          <a:blip r:embed="rId6">
+          <a:blip r:embed="rId7">
             <a:alphaModFix/>
           </a:blip>
           <a:stretch>
@@ -23025,6 +23076,285 @@
 </file>
 
 <file path=ppt/theme/theme1.xml><?xml version="1.0" encoding="utf-8"?>
+<a:theme xmlns:a="http://schemas.openxmlformats.org/drawingml/2006/main" xmlns:r="http://schemas.openxmlformats.org/officeDocument/2006/relationships">
+  <a:themeElements>
+    <a:clrScheme name="Default">
+      <a:dk1>
+        <a:srgbClr val="000000"/>
+      </a:dk1>
+      <a:lt1>
+        <a:srgbClr val="FFFFFF"/>
+      </a:lt1>
+      <a:dk2>
+        <a:srgbClr val="158158"/>
+      </a:dk2>
+      <a:lt2>
+        <a:srgbClr val="F3F3F3"/>
+      </a:lt2>
+      <a:accent1>
+        <a:srgbClr val="058DC7"/>
+      </a:accent1>
+      <a:accent2>
+        <a:srgbClr val="50B432"/>
+      </a:accent2>
+      <a:accent3>
+        <a:srgbClr val="ED561B"/>
+      </a:accent3>
+      <a:accent4>
+        <a:srgbClr val="EDEF00"/>
+      </a:accent4>
+      <a:accent5>
+        <a:srgbClr val="24CBE5"/>
+      </a:accent5>
+      <a:accent6>
+        <a:srgbClr val="64E572"/>
+      </a:accent6>
+      <a:hlink>
+        <a:srgbClr val="2200CC"/>
+      </a:hlink>
+      <a:folHlink>
+        <a:srgbClr val="551A8B"/>
+      </a:folHlink>
+    </a:clrScheme>
+    <a:fontScheme name="Office">
+      <a:majorFont>
+        <a:latin typeface="Arial"/>
+        <a:ea typeface=""/>
+        <a:cs typeface=""/>
+        <a:font script="Jpan" typeface="ＭＳ Ｐゴシック"/>
+        <a:font script="Hang" typeface="맑은 고딕"/>
+        <a:font script="Hans" typeface="宋体"/>
+        <a:font script="Hant" typeface="新細明體"/>
+        <a:font script="Arab" typeface="Times New Roman"/>
+        <a:font script="Hebr" typeface="Times New Roman"/>
+        <a:font script="Thai" typeface="Angsana New"/>
+        <a:font script="Ethi" typeface="Nyala"/>
+        <a:font script="Beng" typeface="Vrinda"/>
+        <a:font script="Gujr" typeface="Shruti"/>
+        <a:font script="Khmr" typeface="MoolBoran"/>
+        <a:font script="Knda" typeface="Tunga"/>
+        <a:font script="Guru" typeface="Raavi"/>
+        <a:font script="Cans" typeface="Euphemia"/>
+        <a:font script="Cher" typeface="Plantagenet Cherokee"/>
+        <a:font script="Yiii" typeface="Microsoft Yi Baiti"/>
+        <a:font script="Tibt" typeface="Microsoft Himalaya"/>
+        <a:font script="Thaa" typeface="MV Boli"/>
+        <a:font script="Deva" typeface="Mangal"/>
+        <a:font script="Telu" typeface="Gautami"/>
+        <a:font script="Taml" typeface="Latha"/>
+        <a:font script="Syrc" typeface="Estrangelo Edessa"/>
+        <a:font script="Orya" typeface="Kalinga"/>
+        <a:font script="Mlym" typeface="Kartika"/>
+        <a:font script="Laoo" typeface="DokChampa"/>
+        <a:font script="Sinh" typeface="Iskoola Pota"/>
+        <a:font script="Mong" typeface="Mongolian Baiti"/>
+        <a:font script="Viet" typeface="Times New Roman"/>
+        <a:font script="Uigh" typeface="Microsoft Uighur"/>
+        <a:font script="Geor" typeface="Sylfaen"/>
+      </a:majorFont>
+      <a:minorFont>
+        <a:latin typeface="Arial"/>
+        <a:ea typeface=""/>
+        <a:cs typeface=""/>
+        <a:font script="Jpan" typeface="ＭＳ Ｐゴシック"/>
+        <a:font script="Hang" typeface="맑은 고딕"/>
+        <a:font script="Hans" typeface="宋体"/>
+        <a:font script="Hant" typeface="新細明體"/>
+        <a:font script="Arab" typeface="Arial"/>
+        <a:font script="Hebr" typeface="Arial"/>
+        <a:font script="Thai" typeface="Cordia New"/>
+        <a:font script="Ethi" typeface="Nyala"/>
+        <a:font script="Beng" typeface="Vrinda"/>
+        <a:font script="Gujr" typeface="Shruti"/>
+        <a:font script="Khmr" typeface="DaunPenh"/>
+        <a:font script="Knda" typeface="Tunga"/>
+        <a:font script="Guru" typeface="Raavi"/>
+        <a:font script="Cans" typeface="Euphemia"/>
+        <a:font script="Cher" typeface="Plantagenet Cherokee"/>
+        <a:font script="Yiii" typeface="Microsoft Yi Baiti"/>
+        <a:font script="Tibt" typeface="Microsoft Himalaya"/>
+        <a:font script="Thaa" typeface="MV Boli"/>
+        <a:font script="Deva" typeface="Mangal"/>
+        <a:font script="Telu" typeface="Gautami"/>
+        <a:font script="Taml" typeface="Latha"/>
+        <a:font script="Syrc" typeface="Estrangelo Edessa"/>
+        <a:font script="Orya" typeface="Kalinga"/>
+        <a:font script="Mlym" typeface="Kartika"/>
+        <a:font script="Laoo" typeface="DokChampa"/>
+        <a:font script="Sinh" typeface="Iskoola Pota"/>
+        <a:font script="Mong" typeface="Mongolian Baiti"/>
+        <a:font script="Viet" typeface="Arial"/>
+        <a:font script="Uigh" typeface="Microsoft Uighur"/>
+        <a:font script="Geor" typeface="Sylfaen"/>
+      </a:minorFont>
+    </a:fontScheme>
+    <a:fmtScheme name="Office">
+      <a:fillStyleLst>
+        <a:solidFill>
+          <a:schemeClr val="phClr"/>
+        </a:solidFill>
+        <a:gradFill rotWithShape="1">
+          <a:gsLst>
+            <a:gs pos="0">
+              <a:schemeClr val="phClr">
+                <a:tint val="50000"/>
+                <a:satMod val="300000"/>
+              </a:schemeClr>
+            </a:gs>
+            <a:gs pos="35000">
+              <a:schemeClr val="phClr">
+                <a:tint val="37000"/>
+                <a:satMod val="300000"/>
+              </a:schemeClr>
+            </a:gs>
+            <a:gs pos="100000">
+              <a:schemeClr val="phClr">
+                <a:tint val="15000"/>
+                <a:satMod val="350000"/>
+              </a:schemeClr>
+            </a:gs>
+          </a:gsLst>
+          <a:lin ang="16200000" scaled="1"/>
+        </a:gradFill>
+        <a:gradFill rotWithShape="1">
+          <a:gsLst>
+            <a:gs pos="0">
+              <a:schemeClr val="phClr">
+                <a:tint val="100000"/>
+                <a:shade val="100000"/>
+                <a:satMod val="130000"/>
+              </a:schemeClr>
+            </a:gs>
+            <a:gs pos="100000">
+              <a:schemeClr val="phClr">
+                <a:tint val="50000"/>
+                <a:shade val="100000"/>
+                <a:satMod val="350000"/>
+              </a:schemeClr>
+            </a:gs>
+          </a:gsLst>
+          <a:lin ang="16200000" scaled="0"/>
+        </a:gradFill>
+      </a:fillStyleLst>
+      <a:lnStyleLst>
+        <a:ln w="9525" cap="flat" cmpd="sng" algn="ctr">
+          <a:solidFill>
+            <a:schemeClr val="phClr">
+              <a:shade val="95000"/>
+              <a:satMod val="105000"/>
+            </a:schemeClr>
+          </a:solidFill>
+          <a:prstDash val="solid"/>
+        </a:ln>
+        <a:ln w="25400" cap="flat" cmpd="sng" algn="ctr">
+          <a:solidFill>
+            <a:schemeClr val="phClr"/>
+          </a:solidFill>
+          <a:prstDash val="solid"/>
+        </a:ln>
+        <a:ln w="38100" cap="flat" cmpd="sng" algn="ctr">
+          <a:solidFill>
+            <a:schemeClr val="phClr"/>
+          </a:solidFill>
+          <a:prstDash val="solid"/>
+        </a:ln>
+      </a:lnStyleLst>
+      <a:effectStyleLst>
+        <a:effectStyle>
+          <a:effectLst>
+            <a:outerShdw blurRad="40000" dist="20000" dir="5400000" rotWithShape="0">
+              <a:srgbClr val="000000">
+                <a:alpha val="38000"/>
+              </a:srgbClr>
+            </a:outerShdw>
+          </a:effectLst>
+        </a:effectStyle>
+        <a:effectStyle>
+          <a:effectLst>
+            <a:outerShdw blurRad="40000" dist="23000" dir="5400000" rotWithShape="0">
+              <a:srgbClr val="000000">
+                <a:alpha val="35000"/>
+              </a:srgbClr>
+            </a:outerShdw>
+          </a:effectLst>
+        </a:effectStyle>
+        <a:effectStyle>
+          <a:effectLst>
+            <a:outerShdw blurRad="40000" dist="23000" dir="5400000" rotWithShape="0">
+              <a:srgbClr val="000000">
+                <a:alpha val="35000"/>
+              </a:srgbClr>
+            </a:outerShdw>
+          </a:effectLst>
+          <a:scene3d>
+            <a:camera prst="orthographicFront">
+              <a:rot lat="0" lon="0" rev="0"/>
+            </a:camera>
+            <a:lightRig rig="threePt" dir="t">
+              <a:rot lat="0" lon="0" rev="1200000"/>
+            </a:lightRig>
+          </a:scene3d>
+          <a:sp3d>
+            <a:bevelT w="63500" h="25400"/>
+          </a:sp3d>
+        </a:effectStyle>
+      </a:effectStyleLst>
+      <a:bgFillStyleLst>
+        <a:solidFill>
+          <a:schemeClr val="phClr"/>
+        </a:solidFill>
+        <a:gradFill rotWithShape="1">
+          <a:gsLst>
+            <a:gs pos="0">
+              <a:schemeClr val="phClr">
+                <a:tint val="40000"/>
+                <a:satMod val="350000"/>
+              </a:schemeClr>
+            </a:gs>
+            <a:gs pos="40000">
+              <a:schemeClr val="phClr">
+                <a:tint val="45000"/>
+                <a:shade val="99000"/>
+                <a:satMod val="350000"/>
+              </a:schemeClr>
+            </a:gs>
+            <a:gs pos="100000">
+              <a:schemeClr val="phClr">
+                <a:shade val="20000"/>
+                <a:satMod val="255000"/>
+              </a:schemeClr>
+            </a:gs>
+          </a:gsLst>
+          <a:path path="circle">
+            <a:fillToRect l="50000" t="-80000" r="50000" b="180000"/>
+          </a:path>
+        </a:gradFill>
+        <a:gradFill rotWithShape="1">
+          <a:gsLst>
+            <a:gs pos="0">
+              <a:schemeClr val="phClr">
+                <a:tint val="80000"/>
+                <a:satMod val="300000"/>
+              </a:schemeClr>
+            </a:gs>
+            <a:gs pos="100000">
+              <a:schemeClr val="phClr">
+                <a:shade val="30000"/>
+                <a:satMod val="200000"/>
+              </a:schemeClr>
+            </a:gs>
+          </a:gsLst>
+          <a:path path="circle">
+            <a:fillToRect l="50000" t="50000" r="50000" b="50000"/>
+          </a:path>
+        </a:gradFill>
+      </a:bgFillStyleLst>
+    </a:fmtScheme>
+  </a:themeElements>
+</a:theme>
+</file>
+
+<file path=ppt/theme/theme2.xml><?xml version="1.0" encoding="utf-8"?>
 <a:theme xmlns:a="http://schemas.openxmlformats.org/drawingml/2006/main" xmlns:r="http://schemas.openxmlformats.org/officeDocument/2006/relationships" name="Simple Light">
   <a:themeElements>
     <a:clrScheme name="Simple Light">
@@ -23301,283 +23631,4 @@
     </a:fmtScheme>
   </a:themeElements>
 </a:theme>
-</file>
-
-<file path=ppt/theme/theme2.xml><?xml version="1.0" encoding="utf-8"?>
-<a:theme xmlns:a="http://schemas.openxmlformats.org/drawingml/2006/main" xmlns:r="http://schemas.openxmlformats.org/officeDocument/2006/relationships">
-  <a:themeElements>
-    <a:clrScheme name="Default">
-      <a:dk1>
-        <a:srgbClr val="000000"/>
-      </a:dk1>
-      <a:lt1>
-        <a:srgbClr val="FFFFFF"/>
-      </a:lt1>
-      <a:dk2>
-        <a:srgbClr val="158158"/>
-      </a:dk2>
-      <a:lt2>
-        <a:srgbClr val="F3F3F3"/>
-      </a:lt2>
-      <a:accent1>
-        <a:srgbClr val="058DC7"/>
-      </a:accent1>
-      <a:accent2>
-        <a:srgbClr val="50B432"/>
-      </a:accent2>
-      <a:accent3>
-        <a:srgbClr val="ED561B"/>
-      </a:accent3>
-      <a:accent4>
-        <a:srgbClr val="EDEF00"/>
-      </a:accent4>
-      <a:accent5>
-        <a:srgbClr val="24CBE5"/>
-      </a:accent5>
-      <a:accent6>
-        <a:srgbClr val="64E572"/>
-      </a:accent6>
-      <a:hlink>
-        <a:srgbClr val="2200CC"/>
-      </a:hlink>
-      <a:folHlink>
-        <a:srgbClr val="551A8B"/>
-      </a:folHlink>
-    </a:clrScheme>
-    <a:fontScheme name="Office">
-      <a:majorFont>
-        <a:latin typeface="Arial"/>
-        <a:ea typeface=""/>
-        <a:cs typeface=""/>
-        <a:font script="Jpan" typeface="ＭＳ Ｐゴシック"/>
-        <a:font script="Hang" typeface="맑은 고딕"/>
-        <a:font script="Hans" typeface="宋体"/>
-        <a:font script="Hant" typeface="新細明體"/>
-        <a:font script="Arab" typeface="Times New Roman"/>
-        <a:font script="Hebr" typeface="Times New Roman"/>
-        <a:font script="Thai" typeface="Angsana New"/>
-        <a:font script="Ethi" typeface="Nyala"/>
-        <a:font script="Beng" typeface="Vrinda"/>
-        <a:font script="Gujr" typeface="Shruti"/>
-        <a:font script="Khmr" typeface="MoolBoran"/>
-        <a:font script="Knda" typeface="Tunga"/>
-        <a:font script="Guru" typeface="Raavi"/>
-        <a:font script="Cans" typeface="Euphemia"/>
-        <a:font script="Cher" typeface="Plantagenet Cherokee"/>
-        <a:font script="Yiii" typeface="Microsoft Yi Baiti"/>
-        <a:font script="Tibt" typeface="Microsoft Himalaya"/>
-        <a:font script="Thaa" typeface="MV Boli"/>
-        <a:font script="Deva" typeface="Mangal"/>
-        <a:font script="Telu" typeface="Gautami"/>
-        <a:font script="Taml" typeface="Latha"/>
-        <a:font script="Syrc" typeface="Estrangelo Edessa"/>
-        <a:font script="Orya" typeface="Kalinga"/>
-        <a:font script="Mlym" typeface="Kartika"/>
-        <a:font script="Laoo" typeface="DokChampa"/>
-        <a:font script="Sinh" typeface="Iskoola Pota"/>
-        <a:font script="Mong" typeface="Mongolian Baiti"/>
-        <a:font script="Viet" typeface="Times New Roman"/>
-        <a:font script="Uigh" typeface="Microsoft Uighur"/>
-        <a:font script="Geor" typeface="Sylfaen"/>
-      </a:majorFont>
-      <a:minorFont>
-        <a:latin typeface="Arial"/>
-        <a:ea typeface=""/>
-        <a:cs typeface=""/>
-        <a:font script="Jpan" typeface="ＭＳ Ｐゴシック"/>
-        <a:font script="Hang" typeface="맑은 고딕"/>
-        <a:font script="Hans" typeface="宋体"/>
-        <a:font script="Hant" typeface="新細明體"/>
-        <a:font script="Arab" typeface="Arial"/>
-        <a:font script="Hebr" typeface="Arial"/>
-        <a:font script="Thai" typeface="Cordia New"/>
-        <a:font script="Ethi" typeface="Nyala"/>
-        <a:font script="Beng" typeface="Vrinda"/>
-        <a:font script="Gujr" typeface="Shruti"/>
-        <a:font script="Khmr" typeface="DaunPenh"/>
-        <a:font script="Knda" typeface="Tunga"/>
-        <a:font script="Guru" typeface="Raavi"/>
-        <a:font script="Cans" typeface="Euphemia"/>
-        <a:font script="Cher" typeface="Plantagenet Cherokee"/>
-        <a:font script="Yiii" typeface="Microsoft Yi Baiti"/>
-        <a:font script="Tibt" typeface="Microsoft Himalaya"/>
-        <a:font script="Thaa" typeface="MV Boli"/>
-        <a:font script="Deva" typeface="Mangal"/>
-        <a:font script="Telu" typeface="Gautami"/>
-        <a:font script="Taml" typeface="Latha"/>
-        <a:font script="Syrc" typeface="Estrangelo Edessa"/>
-        <a:font script="Orya" typeface="Kalinga"/>
-        <a:font script="Mlym" typeface="Kartika"/>
-        <a:font script="Laoo" typeface="DokChampa"/>
-        <a:font script="Sinh" typeface="Iskoola Pota"/>
-        <a:font script="Mong" typeface="Mongolian Baiti"/>
-        <a:font script="Viet" typeface="Arial"/>
-        <a:font script="Uigh" typeface="Microsoft Uighur"/>
-        <a:font script="Geor" typeface="Sylfaen"/>
-      </a:minorFont>
-    </a:fontScheme>
-    <a:fmtScheme name="Office">
-      <a:fillStyleLst>
-        <a:solidFill>
-          <a:schemeClr val="phClr"/>
-        </a:solidFill>
-        <a:gradFill rotWithShape="1">
-          <a:gsLst>
-            <a:gs pos="0">
-              <a:schemeClr val="phClr">
-                <a:tint val="50000"/>
-                <a:satMod val="300000"/>
-              </a:schemeClr>
-            </a:gs>
-            <a:gs pos="35000">
-              <a:schemeClr val="phClr">
-                <a:tint val="37000"/>
-                <a:satMod val="300000"/>
-              </a:schemeClr>
-            </a:gs>
-            <a:gs pos="100000">
-              <a:schemeClr val="phClr">
-                <a:tint val="15000"/>
-                <a:satMod val="350000"/>
-              </a:schemeClr>
-            </a:gs>
-          </a:gsLst>
-          <a:lin ang="16200000" scaled="1"/>
-        </a:gradFill>
-        <a:gradFill rotWithShape="1">
-          <a:gsLst>
-            <a:gs pos="0">
-              <a:schemeClr val="phClr">
-                <a:tint val="100000"/>
-                <a:shade val="100000"/>
-                <a:satMod val="130000"/>
-              </a:schemeClr>
-            </a:gs>
-            <a:gs pos="100000">
-              <a:schemeClr val="phClr">
-                <a:tint val="50000"/>
-                <a:shade val="100000"/>
-                <a:satMod val="350000"/>
-              </a:schemeClr>
-            </a:gs>
-          </a:gsLst>
-          <a:lin ang="16200000" scaled="0"/>
-        </a:gradFill>
-      </a:fillStyleLst>
-      <a:lnStyleLst>
-        <a:ln w="9525" cap="flat" cmpd="sng" algn="ctr">
-          <a:solidFill>
-            <a:schemeClr val="phClr">
-              <a:shade val="95000"/>
-              <a:satMod val="105000"/>
-            </a:schemeClr>
-          </a:solidFill>
-          <a:prstDash val="solid"/>
-        </a:ln>
-        <a:ln w="25400" cap="flat" cmpd="sng" algn="ctr">
-          <a:solidFill>
-            <a:schemeClr val="phClr"/>
-          </a:solidFill>
-          <a:prstDash val="solid"/>
-        </a:ln>
-        <a:ln w="38100" cap="flat" cmpd="sng" algn="ctr">
-          <a:solidFill>
-            <a:schemeClr val="phClr"/>
-          </a:solidFill>
-          <a:prstDash val="solid"/>
-        </a:ln>
-      </a:lnStyleLst>
-      <a:effectStyleLst>
-        <a:effectStyle>
-          <a:effectLst>
-            <a:outerShdw blurRad="40000" dist="20000" dir="5400000" rotWithShape="0">
-              <a:srgbClr val="000000">
-                <a:alpha val="38000"/>
-              </a:srgbClr>
-            </a:outerShdw>
-          </a:effectLst>
-        </a:effectStyle>
-        <a:effectStyle>
-          <a:effectLst>
-            <a:outerShdw blurRad="40000" dist="23000" dir="5400000" rotWithShape="0">
-              <a:srgbClr val="000000">
-                <a:alpha val="35000"/>
-              </a:srgbClr>
-            </a:outerShdw>
-          </a:effectLst>
-        </a:effectStyle>
-        <a:effectStyle>
-          <a:effectLst>
-            <a:outerShdw blurRad="40000" dist="23000" dir="5400000" rotWithShape="0">
-              <a:srgbClr val="000000">
-                <a:alpha val="35000"/>
-              </a:srgbClr>
-            </a:outerShdw>
-          </a:effectLst>
-          <a:scene3d>
-            <a:camera prst="orthographicFront">
-              <a:rot lat="0" lon="0" rev="0"/>
-            </a:camera>
-            <a:lightRig rig="threePt" dir="t">
-              <a:rot lat="0" lon="0" rev="1200000"/>
-            </a:lightRig>
-          </a:scene3d>
-          <a:sp3d>
-            <a:bevelT w="63500" h="25400"/>
-          </a:sp3d>
-        </a:effectStyle>
-      </a:effectStyleLst>
-      <a:bgFillStyleLst>
-        <a:solidFill>
-          <a:schemeClr val="phClr"/>
-        </a:solidFill>
-        <a:gradFill rotWithShape="1">
-          <a:gsLst>
-            <a:gs pos="0">
-              <a:schemeClr val="phClr">
-                <a:tint val="40000"/>
-                <a:satMod val="350000"/>
-              </a:schemeClr>
-            </a:gs>
-            <a:gs pos="40000">
-              <a:schemeClr val="phClr">
-                <a:tint val="45000"/>
-                <a:shade val="99000"/>
-                <a:satMod val="350000"/>
-              </a:schemeClr>
-            </a:gs>
-            <a:gs pos="100000">
-              <a:schemeClr val="phClr">
-                <a:shade val="20000"/>
-                <a:satMod val="255000"/>
-              </a:schemeClr>
-            </a:gs>
-          </a:gsLst>
-          <a:path path="circle">
-            <a:fillToRect l="50000" t="-80000" r="50000" b="180000"/>
-          </a:path>
-        </a:gradFill>
-        <a:gradFill rotWithShape="1">
-          <a:gsLst>
-            <a:gs pos="0">
-              <a:schemeClr val="phClr">
-                <a:tint val="80000"/>
-                <a:satMod val="300000"/>
-              </a:schemeClr>
-            </a:gs>
-            <a:gs pos="100000">
-              <a:schemeClr val="phClr">
-                <a:shade val="30000"/>
-                <a:satMod val="200000"/>
-              </a:schemeClr>
-            </a:gs>
-          </a:gsLst>
-          <a:path path="circle">
-            <a:fillToRect l="50000" t="50000" r="50000" b="50000"/>
-          </a:path>
-        </a:gradFill>
-      </a:bgFillStyleLst>
-    </a:fmtScheme>
-  </a:themeElements>
-</a:theme>
 </file>
--- a/presentation/presentation.pptx
+++ b/presentation/presentation.pptx
@@ -303,7 +303,7 @@
       </p15:sldGuideLst>
     </p:ext>
     <p:ext uri="GoogleSlidesCustomDataVersion2">
-      <go:slidesCustomData xmlns:go="http://customooxmlschemas.google.com/" r:id="rId46" roundtripDataSignature="AMtx7miQp7miSyOvs5kVVWWfjoDBopoTGw=="/>
+      <go:slidesCustomData xmlns:go="http://customooxmlschemas.google.com/" r:id="rId46" roundtripDataSignature="AMtx7mjRcYioAw9fV7p1ASHtac6Sh/XKAA=="/>
     </p:ext>
   </p:extLst>
 </p:presentation>
@@ -311,30 +311,13 @@
 
 <file path=ppt/commentAuthors.xml><?xml version="1.0" encoding="utf-8"?>
 <p:cmAuthorLst xmlns:a="http://schemas.openxmlformats.org/drawingml/2006/main" xmlns:r="http://schemas.openxmlformats.org/officeDocument/2006/relationships" xmlns:mc="http://schemas.openxmlformats.org/markup-compatibility/2006" xmlns:mv="urn:schemas-microsoft-com:mac:vml" xmlns:p="http://schemas.openxmlformats.org/presentationml/2006/main" xmlns:c="http://schemas.openxmlformats.org/drawingml/2006/chart" xmlns:dgm="http://schemas.openxmlformats.org/drawingml/2006/diagram" xmlns:o="urn:schemas-microsoft-com:office:office" xmlns:v="urn:schemas-microsoft-com:vml" xmlns:pvml="urn:schemas-microsoft-com:office:powerpoint" xmlns:com="http://schemas.openxmlformats.org/drawingml/2006/compatibility" xmlns:p14="http://schemas.microsoft.com/office/powerpoint/2010/main" xmlns:p15="http://schemas.microsoft.com/office/powerpoint/2012/main" xmlns:ahyp="http://schemas.microsoft.com/office/drawing/2018/hyperlinkcolor">
-  <p:cmAuthor clrIdx="0" id="0" initials="" lastIdx="6" name="Danilo Corsi"/>
+  <p:cmAuthor clrIdx="0" id="0" initials="" lastIdx="5" name="Danilo Corsi"/>
 </p:cmAuthorLst>
 </file>
 
 <file path=ppt/comments/comment1.xml><?xml version="1.0" encoding="utf-8"?>
 <p:cmLst xmlns:a="http://schemas.openxmlformats.org/drawingml/2006/main" xmlns:r="http://schemas.openxmlformats.org/officeDocument/2006/relationships" xmlns:mc="http://schemas.openxmlformats.org/markup-compatibility/2006" xmlns:mv="urn:schemas-microsoft-com:mac:vml" xmlns:p="http://schemas.openxmlformats.org/presentationml/2006/main" xmlns:c="http://schemas.openxmlformats.org/drawingml/2006/chart" xmlns:dgm="http://schemas.openxmlformats.org/drawingml/2006/diagram" xmlns:o="urn:schemas-microsoft-com:office:office" xmlns:v="urn:schemas-microsoft-com:vml" xmlns:pvml="urn:schemas-microsoft-com:office:powerpoint" xmlns:com="http://schemas.openxmlformats.org/drawingml/2006/compatibility" xmlns:p14="http://schemas.microsoft.com/office/powerpoint/2010/main" xmlns:p15="http://schemas.microsoft.com/office/powerpoint/2012/main" xmlns:ahyp="http://schemas.microsoft.com/office/drawing/2018/hyperlinkcolor">
-  <p:cm authorId="0" idx="1" dt="2023-12-15T18:01:00.571">
-    <p:pos x="6000" y="0"/>
-    <p:text>Aggiungi qualcosa</p:text>
-    <p:extLst>
-      <p:ext uri="{C676402C-5697-4E1C-873F-D02D1690AC5C}">
-        <p15:threadingInfo timeZoneBias="0"/>
-      </p:ext>
-      <p:ext uri="http://customooxmlschemas.google.com/">
-        <go:slidesCustomData xmlns:go="http://customooxmlschemas.google.com/" commentPostId="AAABCjcA6ns"/>
-      </p:ext>
-    </p:extLst>
-  </p:cm>
-</p:cmLst>
-</file>
-
-<file path=ppt/comments/comment2.xml><?xml version="1.0" encoding="utf-8"?>
-<p:cmLst xmlns:a="http://schemas.openxmlformats.org/drawingml/2006/main" xmlns:r="http://schemas.openxmlformats.org/officeDocument/2006/relationships" xmlns:mc="http://schemas.openxmlformats.org/markup-compatibility/2006" xmlns:mv="urn:schemas-microsoft-com:mac:vml" xmlns:p="http://schemas.openxmlformats.org/presentationml/2006/main" xmlns:c="http://schemas.openxmlformats.org/drawingml/2006/chart" xmlns:dgm="http://schemas.openxmlformats.org/drawingml/2006/diagram" xmlns:o="urn:schemas-microsoft-com:office:office" xmlns:v="urn:schemas-microsoft-com:vml" xmlns:pvml="urn:schemas-microsoft-com:office:powerpoint" xmlns:com="http://schemas.openxmlformats.org/drawingml/2006/compatibility" xmlns:p14="http://schemas.microsoft.com/office/powerpoint/2010/main" xmlns:p15="http://schemas.microsoft.com/office/powerpoint/2012/main" xmlns:ahyp="http://schemas.microsoft.com/office/drawing/2018/hyperlinkcolor">
-  <p:cm authorId="0" idx="2" dt="2023-12-17T16:50:24.371">
+  <p:cm authorId="0" idx="1" dt="2023-12-17T16:50:24.371">
     <p:pos x="6000" y="0"/>
     <p:text>Fai slide con i cerchi per il focus</p:text>
     <p:extLst>
@@ -349,9 +332,9 @@
 </p:cmLst>
 </file>
 
-<file path=ppt/comments/comment3.xml><?xml version="1.0" encoding="utf-8"?>
+<file path=ppt/comments/comment2.xml><?xml version="1.0" encoding="utf-8"?>
 <p:cmLst xmlns:a="http://schemas.openxmlformats.org/drawingml/2006/main" xmlns:r="http://schemas.openxmlformats.org/officeDocument/2006/relationships" xmlns:mc="http://schemas.openxmlformats.org/markup-compatibility/2006" xmlns:mv="urn:schemas-microsoft-com:mac:vml" xmlns:p="http://schemas.openxmlformats.org/presentationml/2006/main" xmlns:c="http://schemas.openxmlformats.org/drawingml/2006/chart" xmlns:dgm="http://schemas.openxmlformats.org/drawingml/2006/diagram" xmlns:o="urn:schemas-microsoft-com:office:office" xmlns:v="urn:schemas-microsoft-com:vml" xmlns:pvml="urn:schemas-microsoft-com:office:powerpoint" xmlns:com="http://schemas.openxmlformats.org/drawingml/2006/compatibility" xmlns:p14="http://schemas.microsoft.com/office/powerpoint/2010/main" xmlns:p15="http://schemas.microsoft.com/office/powerpoint/2012/main" xmlns:ahyp="http://schemas.microsoft.com/office/drawing/2018/hyperlinkcolor">
-  <p:cm authorId="0" idx="3" dt="2023-12-17T16:50:28.135">
+  <p:cm authorId="0" idx="2" dt="2023-12-17T16:50:28.135">
     <p:pos x="6000" y="0"/>
     <p:text>Fai slide con i cerchi per il focus</p:text>
     <p:extLst>
@@ -366,9 +349,9 @@
 </p:cmLst>
 </file>
 
-<file path=ppt/comments/comment4.xml><?xml version="1.0" encoding="utf-8"?>
+<file path=ppt/comments/comment3.xml><?xml version="1.0" encoding="utf-8"?>
 <p:cmLst xmlns:a="http://schemas.openxmlformats.org/drawingml/2006/main" xmlns:r="http://schemas.openxmlformats.org/officeDocument/2006/relationships" xmlns:mc="http://schemas.openxmlformats.org/markup-compatibility/2006" xmlns:mv="urn:schemas-microsoft-com:mac:vml" xmlns:p="http://schemas.openxmlformats.org/presentationml/2006/main" xmlns:c="http://schemas.openxmlformats.org/drawingml/2006/chart" xmlns:dgm="http://schemas.openxmlformats.org/drawingml/2006/diagram" xmlns:o="urn:schemas-microsoft-com:office:office" xmlns:v="urn:schemas-microsoft-com:vml" xmlns:pvml="urn:schemas-microsoft-com:office:powerpoint" xmlns:com="http://schemas.openxmlformats.org/drawingml/2006/compatibility" xmlns:p14="http://schemas.microsoft.com/office/powerpoint/2010/main" xmlns:p15="http://schemas.microsoft.com/office/powerpoint/2012/main" xmlns:ahyp="http://schemas.microsoft.com/office/drawing/2018/hyperlinkcolor">
-  <p:cm authorId="0" idx="4" dt="2023-12-15T18:01:20.025">
+  <p:cm authorId="0" idx="3" dt="2023-12-15T18:01:20.025">
     <p:pos x="6000" y="0"/>
     <p:text>Aggiungi recap</p:text>
     <p:extLst>
@@ -383,9 +366,9 @@
 </p:cmLst>
 </file>
 
-<file path=ppt/comments/comment5.xml><?xml version="1.0" encoding="utf-8"?>
+<file path=ppt/comments/comment4.xml><?xml version="1.0" encoding="utf-8"?>
 <p:cmLst xmlns:a="http://schemas.openxmlformats.org/drawingml/2006/main" xmlns:r="http://schemas.openxmlformats.org/officeDocument/2006/relationships" xmlns:mc="http://schemas.openxmlformats.org/markup-compatibility/2006" xmlns:mv="urn:schemas-microsoft-com:mac:vml" xmlns:p="http://schemas.openxmlformats.org/presentationml/2006/main" xmlns:c="http://schemas.openxmlformats.org/drawingml/2006/chart" xmlns:dgm="http://schemas.openxmlformats.org/drawingml/2006/diagram" xmlns:o="urn:schemas-microsoft-com:office:office" xmlns:v="urn:schemas-microsoft-com:vml" xmlns:pvml="urn:schemas-microsoft-com:office:powerpoint" xmlns:com="http://schemas.openxmlformats.org/drawingml/2006/compatibility" xmlns:p14="http://schemas.microsoft.com/office/powerpoint/2010/main" xmlns:p15="http://schemas.microsoft.com/office/powerpoint/2012/main" xmlns:ahyp="http://schemas.microsoft.com/office/drawing/2018/hyperlinkcolor">
-  <p:cm authorId="0" idx="5" dt="2023-12-17T16:50:39.542">
+  <p:cm authorId="0" idx="4" dt="2023-12-17T16:50:39.542">
     <p:pos x="6000" y="0"/>
     <p:text>Fai slide con i cerchi per il focus</p:text>
     <p:extLst>
@@ -400,9 +383,9 @@
 </p:cmLst>
 </file>
 
-<file path=ppt/comments/comment6.xml><?xml version="1.0" encoding="utf-8"?>
+<file path=ppt/comments/comment5.xml><?xml version="1.0" encoding="utf-8"?>
 <p:cmLst xmlns:a="http://schemas.openxmlformats.org/drawingml/2006/main" xmlns:r="http://schemas.openxmlformats.org/officeDocument/2006/relationships" xmlns:mc="http://schemas.openxmlformats.org/markup-compatibility/2006" xmlns:mv="urn:schemas-microsoft-com:mac:vml" xmlns:p="http://schemas.openxmlformats.org/presentationml/2006/main" xmlns:c="http://schemas.openxmlformats.org/drawingml/2006/chart" xmlns:dgm="http://schemas.openxmlformats.org/drawingml/2006/diagram" xmlns:o="urn:schemas-microsoft-com:office:office" xmlns:v="urn:schemas-microsoft-com:vml" xmlns:pvml="urn:schemas-microsoft-com:office:powerpoint" xmlns:com="http://schemas.openxmlformats.org/drawingml/2006/compatibility" xmlns:p14="http://schemas.microsoft.com/office/powerpoint/2010/main" xmlns:p15="http://schemas.microsoft.com/office/powerpoint/2012/main" xmlns:ahyp="http://schemas.microsoft.com/office/drawing/2018/hyperlinkcolor">
-  <p:cm authorId="0" idx="6" dt="2023-12-15T18:01:29.588">
+  <p:cm authorId="0" idx="5" dt="2023-12-15T18:01:29.588">
     <p:pos x="6000" y="0"/>
     <p:text>Aggiungi recap</p:text>
     <p:extLst>
@@ -1224,7 +1207,7 @@
   <p:cSld>
     <p:spTree>
       <p:nvGrpSpPr>
-        <p:cNvPr id="138" name="Shape 138"/>
+        <p:cNvPr id="139" name="Shape 139"/>
         <p:cNvGrpSpPr/>
         <p:nvPr/>
       </p:nvGrpSpPr>
@@ -1238,7 +1221,7 @@
       </p:grpSpPr>
       <p:sp>
         <p:nvSpPr>
-          <p:cNvPr id="139" name="Google Shape;139;g26e1760ff98_1_46:notes"/>
+          <p:cNvPr id="140" name="Google Shape;140;g26e1760ff98_1_46:notes"/>
           <p:cNvSpPr/>
           <p:nvPr>
             <p:ph idx="2" type="sldImg"/>
@@ -1283,7 +1266,7 @@
       </p:sp>
       <p:sp>
         <p:nvSpPr>
-          <p:cNvPr id="140" name="Google Shape;140;g26e1760ff98_1_46:notes"/>
+          <p:cNvPr id="141" name="Google Shape;141;g26e1760ff98_1_46:notes"/>
           <p:cNvSpPr txBox="1"/>
           <p:nvPr>
             <p:ph idx="1" type="body"/>
@@ -1341,7 +1324,7 @@
   <p:cSld>
     <p:spTree>
       <p:nvGrpSpPr>
-        <p:cNvPr id="151" name="Shape 151"/>
+        <p:cNvPr id="152" name="Shape 152"/>
         <p:cNvGrpSpPr/>
         <p:nvPr/>
       </p:nvGrpSpPr>
@@ -1355,7 +1338,7 @@
       </p:grpSpPr>
       <p:sp>
         <p:nvSpPr>
-          <p:cNvPr id="152" name="Google Shape;152;g26e1760ff98_1_59:notes"/>
+          <p:cNvPr id="153" name="Google Shape;153;g26e1760ff98_1_59:notes"/>
           <p:cNvSpPr/>
           <p:nvPr>
             <p:ph idx="2" type="sldImg"/>
@@ -1400,7 +1383,7 @@
       </p:sp>
       <p:sp>
         <p:nvSpPr>
-          <p:cNvPr id="153" name="Google Shape;153;g26e1760ff98_1_59:notes"/>
+          <p:cNvPr id="154" name="Google Shape;154;g26e1760ff98_1_59:notes"/>
           <p:cNvSpPr txBox="1"/>
           <p:nvPr>
             <p:ph idx="1" type="body"/>
@@ -1458,7 +1441,7 @@
   <p:cSld>
     <p:spTree>
       <p:nvGrpSpPr>
-        <p:cNvPr id="157" name="Shape 157"/>
+        <p:cNvPr id="158" name="Shape 158"/>
         <p:cNvGrpSpPr/>
         <p:nvPr/>
       </p:nvGrpSpPr>
@@ -1472,7 +1455,7 @@
       </p:grpSpPr>
       <p:sp>
         <p:nvSpPr>
-          <p:cNvPr id="158" name="Google Shape;158;g2a75948b1fc_3_9:notes"/>
+          <p:cNvPr id="159" name="Google Shape;159;g2a75948b1fc_3_9:notes"/>
           <p:cNvSpPr/>
           <p:nvPr>
             <p:ph idx="2" type="sldImg"/>
@@ -1517,7 +1500,7 @@
       </p:sp>
       <p:sp>
         <p:nvSpPr>
-          <p:cNvPr id="159" name="Google Shape;159;g2a75948b1fc_3_9:notes"/>
+          <p:cNvPr id="160" name="Google Shape;160;g2a75948b1fc_3_9:notes"/>
           <p:cNvSpPr txBox="1"/>
           <p:nvPr>
             <p:ph idx="1" type="body"/>
@@ -1575,7 +1558,7 @@
   <p:cSld>
     <p:spTree>
       <p:nvGrpSpPr>
-        <p:cNvPr id="163" name="Shape 163"/>
+        <p:cNvPr id="165" name="Shape 165"/>
         <p:cNvGrpSpPr/>
         <p:nvPr/>
       </p:nvGrpSpPr>
@@ -1589,7 +1572,7 @@
       </p:grpSpPr>
       <p:sp>
         <p:nvSpPr>
-          <p:cNvPr id="164" name="Google Shape;164;g2a0c6f9b0a2_0_33:notes"/>
+          <p:cNvPr id="166" name="Google Shape;166;g2a0c6f9b0a2_0_33:notes"/>
           <p:cNvSpPr/>
           <p:nvPr>
             <p:ph idx="2" type="sldImg"/>
@@ -1634,7 +1617,7 @@
       </p:sp>
       <p:sp>
         <p:nvSpPr>
-          <p:cNvPr id="165" name="Google Shape;165;g2a0c6f9b0a2_0_33:notes"/>
+          <p:cNvPr id="167" name="Google Shape;167;g2a0c6f9b0a2_0_33:notes"/>
           <p:cNvSpPr txBox="1"/>
           <p:nvPr>
             <p:ph idx="1" type="body"/>
@@ -1692,7 +1675,7 @@
   <p:cSld>
     <p:spTree>
       <p:nvGrpSpPr>
-        <p:cNvPr id="170" name="Shape 170"/>
+        <p:cNvPr id="172" name="Shape 172"/>
         <p:cNvGrpSpPr/>
         <p:nvPr/>
       </p:nvGrpSpPr>
@@ -1706,7 +1689,7 @@
       </p:grpSpPr>
       <p:sp>
         <p:nvSpPr>
-          <p:cNvPr id="171" name="Google Shape;171;g26e1760ff98_1_75:notes"/>
+          <p:cNvPr id="173" name="Google Shape;173;g26e1760ff98_1_75:notes"/>
           <p:cNvSpPr/>
           <p:nvPr>
             <p:ph idx="2" type="sldImg"/>
@@ -1751,7 +1734,7 @@
       </p:sp>
       <p:sp>
         <p:nvSpPr>
-          <p:cNvPr id="172" name="Google Shape;172;g26e1760ff98_1_75:notes"/>
+          <p:cNvPr id="174" name="Google Shape;174;g26e1760ff98_1_75:notes"/>
           <p:cNvSpPr txBox="1"/>
           <p:nvPr>
             <p:ph idx="1" type="body"/>
@@ -1938,7 +1921,7 @@
   <p:cSld>
     <p:spTree>
       <p:nvGrpSpPr>
-        <p:cNvPr id="181" name="Shape 181"/>
+        <p:cNvPr id="183" name="Shape 183"/>
         <p:cNvGrpSpPr/>
         <p:nvPr/>
       </p:nvGrpSpPr>
@@ -1952,7 +1935,7 @@
       </p:grpSpPr>
       <p:sp>
         <p:nvSpPr>
-          <p:cNvPr id="182" name="Google Shape;182;g2a0c6f9b0a2_0_42:notes"/>
+          <p:cNvPr id="184" name="Google Shape;184;g2a0c6f9b0a2_0_42:notes"/>
           <p:cNvSpPr/>
           <p:nvPr>
             <p:ph idx="2" type="sldImg"/>
@@ -1997,7 +1980,7 @@
       </p:sp>
       <p:sp>
         <p:nvSpPr>
-          <p:cNvPr id="183" name="Google Shape;183;g2a0c6f9b0a2_0_42:notes"/>
+          <p:cNvPr id="185" name="Google Shape;185;g2a0c6f9b0a2_0_42:notes"/>
           <p:cNvSpPr txBox="1"/>
           <p:nvPr>
             <p:ph idx="1" type="body"/>
@@ -2055,7 +2038,7 @@
   <p:cSld>
     <p:spTree>
       <p:nvGrpSpPr>
-        <p:cNvPr id="189" name="Shape 189"/>
+        <p:cNvPr id="191" name="Shape 191"/>
         <p:cNvGrpSpPr/>
         <p:nvPr/>
       </p:nvGrpSpPr>
@@ -2069,7 +2052,7 @@
       </p:grpSpPr>
       <p:sp>
         <p:nvSpPr>
-          <p:cNvPr id="190" name="Google Shape;190;g26e1760ff98_1_67:notes"/>
+          <p:cNvPr id="192" name="Google Shape;192;g26e1760ff98_1_67:notes"/>
           <p:cNvSpPr/>
           <p:nvPr>
             <p:ph idx="2" type="sldImg"/>
@@ -2114,7 +2097,7 @@
       </p:sp>
       <p:sp>
         <p:nvSpPr>
-          <p:cNvPr id="191" name="Google Shape;191;g26e1760ff98_1_67:notes"/>
+          <p:cNvPr id="193" name="Google Shape;193;g26e1760ff98_1_67:notes"/>
           <p:cNvSpPr txBox="1"/>
           <p:nvPr>
             <p:ph idx="1" type="body"/>
@@ -2172,7 +2155,7 @@
   <p:cSld>
     <p:spTree>
       <p:nvGrpSpPr>
-        <p:cNvPr id="195" name="Shape 195"/>
+        <p:cNvPr id="197" name="Shape 197"/>
         <p:cNvGrpSpPr/>
         <p:nvPr/>
       </p:nvGrpSpPr>
@@ -2186,7 +2169,7 @@
       </p:grpSpPr>
       <p:sp>
         <p:nvSpPr>
-          <p:cNvPr id="196" name="Google Shape;196;g2a75948b1fc_3_47:notes"/>
+          <p:cNvPr id="198" name="Google Shape;198;g2a75948b1fc_3_47:notes"/>
           <p:cNvSpPr/>
           <p:nvPr>
             <p:ph idx="2" type="sldImg"/>
@@ -2231,7 +2214,7 @@
       </p:sp>
       <p:sp>
         <p:nvSpPr>
-          <p:cNvPr id="197" name="Google Shape;197;g2a75948b1fc_3_47:notes"/>
+          <p:cNvPr id="199" name="Google Shape;199;g2a75948b1fc_3_47:notes"/>
           <p:cNvSpPr txBox="1"/>
           <p:nvPr>
             <p:ph idx="1" type="body"/>
@@ -2289,7 +2272,7 @@
   <p:cSld>
     <p:spTree>
       <p:nvGrpSpPr>
-        <p:cNvPr id="201" name="Shape 201"/>
+        <p:cNvPr id="204" name="Shape 204"/>
         <p:cNvGrpSpPr/>
         <p:nvPr/>
       </p:nvGrpSpPr>
@@ -2303,7 +2286,7 @@
       </p:grpSpPr>
       <p:sp>
         <p:nvSpPr>
-          <p:cNvPr id="202" name="Google Shape;202;g2a0c6f9b0a2_0_61:notes"/>
+          <p:cNvPr id="205" name="Google Shape;205;g2a0c6f9b0a2_0_61:notes"/>
           <p:cNvSpPr/>
           <p:nvPr>
             <p:ph idx="2" type="sldImg"/>
@@ -2348,7 +2331,7 @@
       </p:sp>
       <p:sp>
         <p:nvSpPr>
-          <p:cNvPr id="203" name="Google Shape;203;g2a0c6f9b0a2_0_61:notes"/>
+          <p:cNvPr id="206" name="Google Shape;206;g2a0c6f9b0a2_0_61:notes"/>
           <p:cNvSpPr txBox="1"/>
           <p:nvPr>
             <p:ph idx="1" type="body"/>
@@ -2523,7 +2506,7 @@
   <p:cSld>
     <p:spTree>
       <p:nvGrpSpPr>
-        <p:cNvPr id="208" name="Shape 208"/>
+        <p:cNvPr id="211" name="Shape 211"/>
         <p:cNvGrpSpPr/>
         <p:nvPr/>
       </p:nvGrpSpPr>
@@ -2537,7 +2520,7 @@
       </p:grpSpPr>
       <p:sp>
         <p:nvSpPr>
-          <p:cNvPr id="209" name="Google Shape;209;g2a739442e3e_0_0:notes"/>
+          <p:cNvPr id="212" name="Google Shape;212;g2a739442e3e_0_0:notes"/>
           <p:cNvSpPr/>
           <p:nvPr>
             <p:ph idx="2" type="sldImg"/>
@@ -2582,7 +2565,7 @@
       </p:sp>
       <p:sp>
         <p:nvSpPr>
-          <p:cNvPr id="210" name="Google Shape;210;g2a739442e3e_0_0:notes"/>
+          <p:cNvPr id="213" name="Google Shape;213;g2a739442e3e_0_0:notes"/>
           <p:cNvSpPr txBox="1"/>
           <p:nvPr>
             <p:ph idx="1" type="body"/>
@@ -2640,7 +2623,7 @@
   <p:cSld>
     <p:spTree>
       <p:nvGrpSpPr>
-        <p:cNvPr id="218" name="Shape 218"/>
+        <p:cNvPr id="220" name="Shape 220"/>
         <p:cNvGrpSpPr/>
         <p:nvPr/>
       </p:nvGrpSpPr>
@@ -2654,7 +2637,7 @@
       </p:grpSpPr>
       <p:sp>
         <p:nvSpPr>
-          <p:cNvPr id="219" name="Google Shape;219;g2a0c6f9b0a2_0_75:notes"/>
+          <p:cNvPr id="221" name="Google Shape;221;g2a0c6f9b0a2_0_75:notes"/>
           <p:cNvSpPr/>
           <p:nvPr>
             <p:ph idx="2" type="sldImg"/>
@@ -2699,7 +2682,7 @@
       </p:sp>
       <p:sp>
         <p:nvSpPr>
-          <p:cNvPr id="220" name="Google Shape;220;g2a0c6f9b0a2_0_75:notes"/>
+          <p:cNvPr id="222" name="Google Shape;222;g2a0c6f9b0a2_0_75:notes"/>
           <p:cNvSpPr txBox="1"/>
           <p:nvPr>
             <p:ph idx="1" type="body"/>
@@ -2757,7 +2740,7 @@
   <p:cSld>
     <p:spTree>
       <p:nvGrpSpPr>
-        <p:cNvPr id="225" name="Shape 225"/>
+        <p:cNvPr id="227" name="Shape 227"/>
         <p:cNvGrpSpPr/>
         <p:nvPr/>
       </p:nvGrpSpPr>
@@ -2771,7 +2754,7 @@
       </p:grpSpPr>
       <p:sp>
         <p:nvSpPr>
-          <p:cNvPr id="226" name="Google Shape;226;g2a0c6f9b0a2_0_84:notes"/>
+          <p:cNvPr id="228" name="Google Shape;228;g2a0c6f9b0a2_0_84:notes"/>
           <p:cNvSpPr/>
           <p:nvPr>
             <p:ph idx="2" type="sldImg"/>
@@ -2816,7 +2799,7 @@
       </p:sp>
       <p:sp>
         <p:nvSpPr>
-          <p:cNvPr id="227" name="Google Shape;227;g2a0c6f9b0a2_0_84:notes"/>
+          <p:cNvPr id="229" name="Google Shape;229;g2a0c6f9b0a2_0_84:notes"/>
           <p:cNvSpPr txBox="1"/>
           <p:nvPr>
             <p:ph idx="1" type="body"/>
@@ -2874,7 +2857,7 @@
   <p:cSld>
     <p:spTree>
       <p:nvGrpSpPr>
-        <p:cNvPr id="233" name="Shape 233"/>
+        <p:cNvPr id="237" name="Shape 237"/>
         <p:cNvGrpSpPr/>
         <p:nvPr/>
       </p:nvGrpSpPr>
@@ -2888,7 +2871,7 @@
       </p:grpSpPr>
       <p:sp>
         <p:nvSpPr>
-          <p:cNvPr id="234" name="Google Shape;234;g2a0c6f9b0a2_0_91:notes"/>
+          <p:cNvPr id="238" name="Google Shape;238;g2a0c6f9b0a2_0_91:notes"/>
           <p:cNvSpPr/>
           <p:nvPr>
             <p:ph idx="2" type="sldImg"/>
@@ -2933,7 +2916,7 @@
       </p:sp>
       <p:sp>
         <p:nvSpPr>
-          <p:cNvPr id="235" name="Google Shape;235;g2a0c6f9b0a2_0_91:notes"/>
+          <p:cNvPr id="239" name="Google Shape;239;g2a0c6f9b0a2_0_91:notes"/>
           <p:cNvSpPr txBox="1"/>
           <p:nvPr>
             <p:ph idx="1" type="body"/>
@@ -2991,7 +2974,7 @@
   <p:cSld>
     <p:spTree>
       <p:nvGrpSpPr>
-        <p:cNvPr id="249" name="Shape 249"/>
+        <p:cNvPr id="253" name="Shape 253"/>
         <p:cNvGrpSpPr/>
         <p:nvPr/>
       </p:nvGrpSpPr>
@@ -3005,7 +2988,7 @@
       </p:grpSpPr>
       <p:sp>
         <p:nvSpPr>
-          <p:cNvPr id="250" name="Google Shape;250;g2a0c6f9b0a2_0_97:notes"/>
+          <p:cNvPr id="254" name="Google Shape;254;g2a0c6f9b0a2_0_97:notes"/>
           <p:cNvSpPr/>
           <p:nvPr>
             <p:ph idx="2" type="sldImg"/>
@@ -3050,7 +3033,7 @@
       </p:sp>
       <p:sp>
         <p:nvSpPr>
-          <p:cNvPr id="251" name="Google Shape;251;g2a0c6f9b0a2_0_97:notes"/>
+          <p:cNvPr id="255" name="Google Shape;255;g2a0c6f9b0a2_0_97:notes"/>
           <p:cNvSpPr txBox="1"/>
           <p:nvPr>
             <p:ph idx="1" type="body"/>
@@ -3108,7 +3091,7 @@
   <p:cSld>
     <p:spTree>
       <p:nvGrpSpPr>
-        <p:cNvPr id="265" name="Shape 265"/>
+        <p:cNvPr id="269" name="Shape 269"/>
         <p:cNvGrpSpPr/>
         <p:nvPr/>
       </p:nvGrpSpPr>
@@ -3122,7 +3105,7 @@
       </p:grpSpPr>
       <p:sp>
         <p:nvSpPr>
-          <p:cNvPr id="266" name="Google Shape;266;g2a75948b1fc_3_59:notes"/>
+          <p:cNvPr id="270" name="Google Shape;270;g2a75948b1fc_3_59:notes"/>
           <p:cNvSpPr/>
           <p:nvPr>
             <p:ph idx="2" type="sldImg"/>
@@ -3167,7 +3150,7 @@
       </p:sp>
       <p:sp>
         <p:nvSpPr>
-          <p:cNvPr id="267" name="Google Shape;267;g2a75948b1fc_3_59:notes"/>
+          <p:cNvPr id="271" name="Google Shape;271;g2a75948b1fc_3_59:notes"/>
           <p:cNvSpPr txBox="1"/>
           <p:nvPr>
             <p:ph idx="1" type="body"/>
@@ -3225,7 +3208,7 @@
   <p:cSld>
     <p:spTree>
       <p:nvGrpSpPr>
-        <p:cNvPr id="274" name="Shape 274"/>
+        <p:cNvPr id="278" name="Shape 278"/>
         <p:cNvGrpSpPr/>
         <p:nvPr/>
       </p:nvGrpSpPr>
@@ -3239,7 +3222,7 @@
       </p:grpSpPr>
       <p:sp>
         <p:nvSpPr>
-          <p:cNvPr id="275" name="Google Shape;275;g2a0c6f9b0a2_0_103:notes"/>
+          <p:cNvPr id="279" name="Google Shape;279;g2a0c6f9b0a2_0_103:notes"/>
           <p:cNvSpPr/>
           <p:nvPr>
             <p:ph idx="2" type="sldImg"/>
@@ -3284,7 +3267,7 @@
       </p:sp>
       <p:sp>
         <p:nvSpPr>
-          <p:cNvPr id="276" name="Google Shape;276;g2a0c6f9b0a2_0_103:notes"/>
+          <p:cNvPr id="280" name="Google Shape;280;g2a0c6f9b0a2_0_103:notes"/>
           <p:cNvSpPr txBox="1"/>
           <p:nvPr>
             <p:ph idx="1" type="body"/>
@@ -3342,7 +3325,7 @@
   <p:cSld>
     <p:spTree>
       <p:nvGrpSpPr>
-        <p:cNvPr id="289" name="Shape 289"/>
+        <p:cNvPr id="293" name="Shape 293"/>
         <p:cNvGrpSpPr/>
         <p:nvPr/>
       </p:nvGrpSpPr>
@@ -3356,7 +3339,7 @@
       </p:grpSpPr>
       <p:sp>
         <p:nvSpPr>
-          <p:cNvPr id="290" name="Google Shape;290;g2a58cb8d4e2_0_19:notes"/>
+          <p:cNvPr id="294" name="Google Shape;294;g2a58cb8d4e2_0_19:notes"/>
           <p:cNvSpPr/>
           <p:nvPr>
             <p:ph idx="2" type="sldImg"/>
@@ -3401,7 +3384,7 @@
       </p:sp>
       <p:sp>
         <p:nvSpPr>
-          <p:cNvPr id="291" name="Google Shape;291;g2a58cb8d4e2_0_19:notes"/>
+          <p:cNvPr id="295" name="Google Shape;295;g2a58cb8d4e2_0_19:notes"/>
           <p:cNvSpPr txBox="1"/>
           <p:nvPr>
             <p:ph idx="1" type="body"/>
@@ -3459,7 +3442,7 @@
   <p:cSld>
     <p:spTree>
       <p:nvGrpSpPr>
-        <p:cNvPr id="312" name="Shape 312"/>
+        <p:cNvPr id="316" name="Shape 316"/>
         <p:cNvGrpSpPr/>
         <p:nvPr/>
       </p:nvGrpSpPr>
@@ -3473,7 +3456,7 @@
       </p:grpSpPr>
       <p:sp>
         <p:nvSpPr>
-          <p:cNvPr id="313" name="Google Shape;313;g2a75948b1fc_3_80:notes"/>
+          <p:cNvPr id="317" name="Google Shape;317;g2a75948b1fc_3_80:notes"/>
           <p:cNvSpPr/>
           <p:nvPr>
             <p:ph idx="2" type="sldImg"/>
@@ -3518,7 +3501,7 @@
       </p:sp>
       <p:sp>
         <p:nvSpPr>
-          <p:cNvPr id="314" name="Google Shape;314;g2a75948b1fc_3_80:notes"/>
+          <p:cNvPr id="318" name="Google Shape;318;g2a75948b1fc_3_80:notes"/>
           <p:cNvSpPr txBox="1"/>
           <p:nvPr>
             <p:ph idx="1" type="body"/>
@@ -3576,7 +3559,7 @@
   <p:cSld>
     <p:spTree>
       <p:nvGrpSpPr>
-        <p:cNvPr id="326" name="Shape 326"/>
+        <p:cNvPr id="330" name="Shape 330"/>
         <p:cNvGrpSpPr/>
         <p:nvPr/>
       </p:nvGrpSpPr>
@@ -3590,7 +3573,7 @@
       </p:grpSpPr>
       <p:sp>
         <p:nvSpPr>
-          <p:cNvPr id="327" name="Google Shape;327;g2a7c40ec614_0_1:notes"/>
+          <p:cNvPr id="331" name="Google Shape;331;g2a7c40ec614_0_1:notes"/>
           <p:cNvSpPr/>
           <p:nvPr>
             <p:ph idx="2" type="sldImg"/>
@@ -3635,7 +3618,7 @@
       </p:sp>
       <p:sp>
         <p:nvSpPr>
-          <p:cNvPr id="328" name="Google Shape;328;g2a7c40ec614_0_1:notes"/>
+          <p:cNvPr id="332" name="Google Shape;332;g2a7c40ec614_0_1:notes"/>
           <p:cNvSpPr txBox="1"/>
           <p:nvPr>
             <p:ph idx="1" type="body"/>
@@ -3810,7 +3793,7 @@
   <p:cSld>
     <p:spTree>
       <p:nvGrpSpPr>
-        <p:cNvPr id="342" name="Shape 342"/>
+        <p:cNvPr id="346" name="Shape 346"/>
         <p:cNvGrpSpPr/>
         <p:nvPr/>
       </p:nvGrpSpPr>
@@ -3824,7 +3807,7 @@
       </p:grpSpPr>
       <p:sp>
         <p:nvSpPr>
-          <p:cNvPr id="343" name="Google Shape;343;g2a0c6f9b0a2_0_109:notes"/>
+          <p:cNvPr id="347" name="Google Shape;347;g2a0c6f9b0a2_0_109:notes"/>
           <p:cNvSpPr/>
           <p:nvPr>
             <p:ph idx="2" type="sldImg"/>
@@ -3869,7 +3852,7 @@
       </p:sp>
       <p:sp>
         <p:nvSpPr>
-          <p:cNvPr id="344" name="Google Shape;344;g2a0c6f9b0a2_0_109:notes"/>
+          <p:cNvPr id="348" name="Google Shape;348;g2a0c6f9b0a2_0_109:notes"/>
           <p:cNvSpPr txBox="1"/>
           <p:nvPr>
             <p:ph idx="1" type="body"/>
@@ -3927,7 +3910,7 @@
   <p:cSld>
     <p:spTree>
       <p:nvGrpSpPr>
-        <p:cNvPr id="348" name="Shape 348"/>
+        <p:cNvPr id="352" name="Shape 352"/>
         <p:cNvGrpSpPr/>
         <p:nvPr/>
       </p:nvGrpSpPr>
@@ -3941,7 +3924,7 @@
       </p:grpSpPr>
       <p:sp>
         <p:nvSpPr>
-          <p:cNvPr id="349" name="Google Shape;349;g26e1760ff98_1_133:notes"/>
+          <p:cNvPr id="353" name="Google Shape;353;g26e1760ff98_1_133:notes"/>
           <p:cNvSpPr/>
           <p:nvPr>
             <p:ph idx="2" type="sldImg"/>
@@ -3986,7 +3969,7 @@
       </p:sp>
       <p:sp>
         <p:nvSpPr>
-          <p:cNvPr id="350" name="Google Shape;350;g26e1760ff98_1_133:notes"/>
+          <p:cNvPr id="354" name="Google Shape;354;g26e1760ff98_1_133:notes"/>
           <p:cNvSpPr txBox="1"/>
           <p:nvPr>
             <p:ph idx="1" type="body"/>
@@ -10618,7 +10601,7 @@
             </a:endParaRPr>
           </a:p>
           <a:p>
-            <a:pPr indent="0" lvl="0" marL="457200" rtl="0" algn="l">
+            <a:pPr indent="0" lvl="0" marL="0" rtl="0" algn="l">
               <a:lnSpc>
                 <a:spcPct val="115000"/>
               </a:lnSpc>
@@ -10660,186 +10643,6 @@
                 <a:sym typeface="Montserrat"/>
               </a:rPr>
               <a:t>Categories</a:t>
-            </a:r>
-            <a:endParaRPr b="1" sz="1500">
-              <a:latin typeface="Montserrat"/>
-              <a:ea typeface="Montserrat"/>
-              <a:cs typeface="Montserrat"/>
-              <a:sym typeface="Montserrat"/>
-            </a:endParaRPr>
-          </a:p>
-          <a:p>
-            <a:pPr indent="-323850" lvl="1" marL="914400" rtl="0" algn="l">
-              <a:spcBef>
-                <a:spcPts val="0"/>
-              </a:spcBef>
-              <a:spcAft>
-                <a:spcPts val="0"/>
-              </a:spcAft>
-              <a:buSzPts val="1500"/>
-              <a:buChar char="○"/>
-            </a:pPr>
-            <a:r>
-              <a:rPr b="1" lang="en" sz="1500">
-                <a:latin typeface="Montserrat"/>
-                <a:ea typeface="Montserrat"/>
-                <a:cs typeface="Montserrat"/>
-                <a:sym typeface="Montserrat"/>
-              </a:rPr>
-              <a:t>OHLCV:</a:t>
-            </a:r>
-            <a:r>
-              <a:rPr lang="en" sz="1500">
-                <a:latin typeface="Montserrat"/>
-                <a:ea typeface="Montserrat"/>
-                <a:cs typeface="Montserrat"/>
-                <a:sym typeface="Montserrat"/>
-              </a:rPr>
-              <a:t> aka. “Open, High, Low, Close and Volume” </a:t>
-            </a:r>
-            <a:endParaRPr sz="1500">
-              <a:latin typeface="Montserrat"/>
-              <a:ea typeface="Montserrat"/>
-              <a:cs typeface="Montserrat"/>
-              <a:sym typeface="Montserrat"/>
-            </a:endParaRPr>
-          </a:p>
-          <a:p>
-            <a:pPr indent="-323850" lvl="1" marL="914400" rtl="0" algn="l">
-              <a:spcBef>
-                <a:spcPts val="0"/>
-              </a:spcBef>
-              <a:spcAft>
-                <a:spcPts val="0"/>
-              </a:spcAft>
-              <a:buSzPts val="1500"/>
-              <a:buChar char="○"/>
-            </a:pPr>
-            <a:r>
-              <a:rPr b="1" lang="en" sz="1500">
-                <a:latin typeface="Montserrat"/>
-                <a:ea typeface="Montserrat"/>
-                <a:cs typeface="Montserrat"/>
-                <a:sym typeface="Montserrat"/>
-              </a:rPr>
-              <a:t>Currency statistics:</a:t>
-            </a:r>
-            <a:r>
-              <a:rPr lang="en" sz="1500">
-                <a:latin typeface="Montserrat"/>
-                <a:ea typeface="Montserrat"/>
-                <a:cs typeface="Montserrat"/>
-                <a:sym typeface="Montserrat"/>
-              </a:rPr>
-              <a:t> e.g. market price, number of bitcoins in circulation...</a:t>
-            </a:r>
-            <a:endParaRPr sz="1500">
-              <a:latin typeface="Montserrat"/>
-              <a:ea typeface="Montserrat"/>
-              <a:cs typeface="Montserrat"/>
-              <a:sym typeface="Montserrat"/>
-            </a:endParaRPr>
-          </a:p>
-          <a:p>
-            <a:pPr indent="-323850" lvl="1" marL="914400" rtl="0" algn="l">
-              <a:spcBef>
-                <a:spcPts val="0"/>
-              </a:spcBef>
-              <a:spcAft>
-                <a:spcPts val="0"/>
-              </a:spcAft>
-              <a:buSzPts val="1500"/>
-              <a:buChar char="○"/>
-            </a:pPr>
-            <a:r>
-              <a:rPr b="1" lang="en" sz="1500">
-                <a:latin typeface="Montserrat"/>
-                <a:ea typeface="Montserrat"/>
-                <a:cs typeface="Montserrat"/>
-                <a:sym typeface="Montserrat"/>
-              </a:rPr>
-              <a:t>Block details:</a:t>
-            </a:r>
-            <a:r>
-              <a:rPr lang="en" sz="1500">
-                <a:latin typeface="Montserrat"/>
-                <a:ea typeface="Montserrat"/>
-                <a:cs typeface="Montserrat"/>
-                <a:sym typeface="Montserrat"/>
-              </a:rPr>
-              <a:t> e.g. block size, number of transactions...</a:t>
-            </a:r>
-            <a:endParaRPr sz="1500">
-              <a:latin typeface="Montserrat"/>
-              <a:ea typeface="Montserrat"/>
-              <a:cs typeface="Montserrat"/>
-              <a:sym typeface="Montserrat"/>
-            </a:endParaRPr>
-          </a:p>
-          <a:p>
-            <a:pPr indent="-323850" lvl="1" marL="914400" rtl="0" algn="l">
-              <a:spcBef>
-                <a:spcPts val="0"/>
-              </a:spcBef>
-              <a:spcAft>
-                <a:spcPts val="0"/>
-              </a:spcAft>
-              <a:buSzPts val="1500"/>
-              <a:buChar char="○"/>
-            </a:pPr>
-            <a:r>
-              <a:rPr b="1" lang="en" sz="1500">
-                <a:latin typeface="Montserrat"/>
-                <a:ea typeface="Montserrat"/>
-                <a:cs typeface="Montserrat"/>
-                <a:sym typeface="Montserrat"/>
-              </a:rPr>
-              <a:t>Mining information:</a:t>
-            </a:r>
-            <a:r>
-              <a:rPr lang="en" sz="1500">
-                <a:latin typeface="Montserrat"/>
-                <a:ea typeface="Montserrat"/>
-                <a:cs typeface="Montserrat"/>
-                <a:sym typeface="Montserrat"/>
-              </a:rPr>
-              <a:t> e.g. miners revenue, difficulty...</a:t>
-            </a:r>
-            <a:endParaRPr sz="1500">
-              <a:latin typeface="Montserrat"/>
-              <a:ea typeface="Montserrat"/>
-              <a:cs typeface="Montserrat"/>
-              <a:sym typeface="Montserrat"/>
-            </a:endParaRPr>
-          </a:p>
-          <a:p>
-            <a:pPr indent="-323850" lvl="1" marL="914400" rtl="0" algn="l">
-              <a:spcBef>
-                <a:spcPts val="0"/>
-              </a:spcBef>
-              <a:spcAft>
-                <a:spcPts val="0"/>
-              </a:spcAft>
-              <a:buSzPts val="1500"/>
-              <a:buChar char="○"/>
-            </a:pPr>
-            <a:r>
-              <a:rPr b="1" lang="en" sz="1500">
-                <a:latin typeface="Montserrat"/>
-                <a:ea typeface="Montserrat"/>
-                <a:cs typeface="Montserrat"/>
-                <a:sym typeface="Montserrat"/>
-              </a:rPr>
-              <a:t>Network activity:</a:t>
-            </a:r>
-            <a:r>
-              <a:rPr lang="en" sz="1500">
-                <a:latin typeface="Montserrat"/>
-                <a:ea typeface="Montserrat"/>
-                <a:cs typeface="Montserrat"/>
-                <a:sym typeface="Montserrat"/>
-              </a:rPr>
-              <a:t> e.g. number of transactions made, cost per transaction...</a:t>
             </a:r>
             <a:endParaRPr sz="1500">
               <a:latin typeface="Montserrat"/>
@@ -10878,6 +10681,34 @@
           </a:ln>
         </p:spPr>
       </p:pic>
+      <p:pic>
+        <p:nvPicPr>
+          <p:cNvPr id="138" name="Google Shape;138;g2a7c40ec614_0_19"/>
+          <p:cNvPicPr preferRelativeResize="0"/>
+          <p:nvPr/>
+        </p:nvPicPr>
+        <p:blipFill>
+          <a:blip r:embed="rId4">
+            <a:alphaModFix/>
+          </a:blip>
+          <a:stretch>
+            <a:fillRect/>
+          </a:stretch>
+        </p:blipFill>
+        <p:spPr>
+          <a:xfrm>
+            <a:off x="822650" y="2619575"/>
+            <a:ext cx="7868076" cy="2321125"/>
+          </a:xfrm>
+          <a:prstGeom prst="rect">
+            <a:avLst/>
+          </a:prstGeom>
+          <a:noFill/>
+          <a:ln>
+            <a:noFill/>
+          </a:ln>
+        </p:spPr>
+      </p:pic>
     </p:spTree>
   </p:cSld>
   <p:clrMapOvr>
@@ -10891,7 +10722,7 @@
   <p:cSld>
     <p:spTree>
       <p:nvGrpSpPr>
-        <p:cNvPr id="141" name="Shape 141"/>
+        <p:cNvPr id="142" name="Shape 142"/>
         <p:cNvGrpSpPr/>
         <p:nvPr/>
       </p:nvGrpSpPr>
@@ -10905,7 +10736,7 @@
       </p:grpSpPr>
       <p:sp>
         <p:nvSpPr>
-          <p:cNvPr id="142" name="Google Shape;142;g26e1760ff98_1_46"/>
+          <p:cNvPr id="143" name="Google Shape;143;g26e1760ff98_1_46"/>
           <p:cNvSpPr txBox="1"/>
           <p:nvPr>
             <p:ph idx="4294967295" type="title"/>
@@ -10963,7 +10794,7 @@
       </p:sp>
       <p:sp>
         <p:nvSpPr>
-          <p:cNvPr id="143" name="Google Shape;143;g26e1760ff98_1_46"/>
+          <p:cNvPr id="144" name="Google Shape;144;g26e1760ff98_1_46"/>
           <p:cNvSpPr txBox="1"/>
           <p:nvPr>
             <p:ph idx="4294967295" type="body"/>
@@ -11169,7 +11000,7 @@
       </p:sp>
       <p:sp>
         <p:nvSpPr>
-          <p:cNvPr id="144" name="Google Shape;144;g26e1760ff98_1_46"/>
+          <p:cNvPr id="145" name="Google Shape;145;g26e1760ff98_1_46"/>
           <p:cNvSpPr txBox="1"/>
           <p:nvPr/>
         </p:nvSpPr>
@@ -11259,7 +11090,7 @@
       </p:sp>
       <p:pic>
         <p:nvPicPr>
-          <p:cNvPr id="145" name="Google Shape;145;g26e1760ff98_1_46"/>
+          <p:cNvPr id="146" name="Google Shape;146;g26e1760ff98_1_46"/>
           <p:cNvPicPr preferRelativeResize="0"/>
           <p:nvPr/>
         </p:nvPicPr>
@@ -11286,7 +11117,7 @@
       </p:pic>
       <p:pic>
         <p:nvPicPr>
-          <p:cNvPr id="146" name="Google Shape;146;g26e1760ff98_1_46"/>
+          <p:cNvPr id="147" name="Google Shape;147;g26e1760ff98_1_46"/>
           <p:cNvPicPr preferRelativeResize="0"/>
           <p:nvPr/>
         </p:nvPicPr>
@@ -11314,7 +11145,7 @@
       </p:pic>
       <p:pic>
         <p:nvPicPr>
-          <p:cNvPr id="147" name="Google Shape;147;g26e1760ff98_1_46"/>
+          <p:cNvPr id="148" name="Google Shape;148;g26e1760ff98_1_46"/>
           <p:cNvPicPr preferRelativeResize="0"/>
           <p:nvPr/>
         </p:nvPicPr>
@@ -11342,7 +11173,7 @@
       </p:pic>
       <p:pic>
         <p:nvPicPr>
-          <p:cNvPr id="148" name="Google Shape;148;g26e1760ff98_1_46"/>
+          <p:cNvPr id="149" name="Google Shape;149;g26e1760ff98_1_46"/>
           <p:cNvPicPr preferRelativeResize="0"/>
           <p:nvPr/>
         </p:nvPicPr>
@@ -11358,34 +11189,6 @@
           <a:xfrm>
             <a:off x="5911850" y="2506025"/>
             <a:ext cx="905425" cy="905425"/>
-          </a:xfrm>
-          <a:prstGeom prst="rect">
-            <a:avLst/>
-          </a:prstGeom>
-          <a:noFill/>
-          <a:ln>
-            <a:noFill/>
-          </a:ln>
-        </p:spPr>
-      </p:pic>
-      <p:pic>
-        <p:nvPicPr>
-          <p:cNvPr id="149" name="Google Shape;149;g26e1760ff98_1_46"/>
-          <p:cNvPicPr preferRelativeResize="0"/>
-          <p:nvPr/>
-        </p:nvPicPr>
-        <p:blipFill>
-          <a:blip r:embed="rId7">
-            <a:alphaModFix/>
-          </a:blip>
-          <a:stretch>
-            <a:fillRect/>
-          </a:stretch>
-        </p:blipFill>
-        <p:spPr>
-          <a:xfrm>
-            <a:off x="2869111" y="2545525"/>
-            <a:ext cx="826426" cy="826426"/>
           </a:xfrm>
           <a:prstGeom prst="rect">
             <a:avLst/>
@@ -11412,6 +11215,34 @@
         </p:blipFill>
         <p:spPr>
           <a:xfrm>
+            <a:off x="2869111" y="2545525"/>
+            <a:ext cx="826426" cy="826426"/>
+          </a:xfrm>
+          <a:prstGeom prst="rect">
+            <a:avLst/>
+          </a:prstGeom>
+          <a:noFill/>
+          <a:ln>
+            <a:noFill/>
+          </a:ln>
+        </p:spPr>
+      </p:pic>
+      <p:pic>
+        <p:nvPicPr>
+          <p:cNvPr id="151" name="Google Shape;151;g26e1760ff98_1_46"/>
+          <p:cNvPicPr preferRelativeResize="0"/>
+          <p:nvPr/>
+        </p:nvPicPr>
+        <p:blipFill>
+          <a:blip r:embed="rId7">
+            <a:alphaModFix/>
+          </a:blip>
+          <a:stretch>
+            <a:fillRect/>
+          </a:stretch>
+        </p:blipFill>
+        <p:spPr>
+          <a:xfrm>
             <a:off x="4923948" y="2545525"/>
             <a:ext cx="826426" cy="826426"/>
           </a:xfrm>
@@ -11437,7 +11268,7 @@
   <p:cSld>
     <p:spTree>
       <p:nvGrpSpPr>
-        <p:cNvPr id="154" name="Shape 154"/>
+        <p:cNvPr id="155" name="Shape 155"/>
         <p:cNvGrpSpPr/>
         <p:nvPr/>
       </p:nvGrpSpPr>
@@ -11451,7 +11282,7 @@
       </p:grpSpPr>
       <p:sp>
         <p:nvSpPr>
-          <p:cNvPr id="155" name="Google Shape;155;g26e1760ff98_1_59"/>
+          <p:cNvPr id="156" name="Google Shape;156;g26e1760ff98_1_59"/>
           <p:cNvSpPr txBox="1"/>
           <p:nvPr>
             <p:ph idx="4294967295" type="title"/>
@@ -11509,7 +11340,7 @@
       </p:sp>
       <p:sp>
         <p:nvSpPr>
-          <p:cNvPr id="156" name="Google Shape;156;g26e1760ff98_1_59"/>
+          <p:cNvPr id="157" name="Google Shape;157;g26e1760ff98_1_59"/>
           <p:cNvSpPr txBox="1"/>
           <p:nvPr>
             <p:ph idx="4294967295" type="body"/>
@@ -11518,7 +11349,7 @@
         <p:spPr>
           <a:xfrm>
             <a:off x="311700" y="945300"/>
-            <a:ext cx="8632800" cy="3849900"/>
+            <a:ext cx="8520600" cy="1227300"/>
           </a:xfrm>
           <a:prstGeom prst="rect">
             <a:avLst/>
@@ -11535,9 +11366,6 @@
           <a:lstStyle/>
           <a:p>
             <a:pPr indent="-323850" lvl="0" marL="457200" rtl="0" algn="l">
-              <a:lnSpc>
-                <a:spcPct val="115000"/>
-              </a:lnSpc>
               <a:spcBef>
                 <a:spcPts val="0"/>
               </a:spcBef>
@@ -11555,16 +11383,7 @@
                 <a:cs typeface="Montserrat"/>
                 <a:sym typeface="Montserrat"/>
               </a:rPr>
-              <a:t>A</a:t>
-            </a:r>
-            <a:r>
-              <a:rPr b="1" lang="en" sz="1500">
-                <a:latin typeface="Montserrat"/>
-                <a:ea typeface="Montserrat"/>
-                <a:cs typeface="Montserrat"/>
-                <a:sym typeface="Montserrat"/>
-              </a:rPr>
-              <a:t>dditional features:</a:t>
+              <a:t>Additional features</a:t>
             </a:r>
             <a:endParaRPr b="1" sz="1500">
               <a:latin typeface="Montserrat"/>
@@ -11575,9 +11394,6 @@
           </a:p>
           <a:p>
             <a:pPr indent="-323850" lvl="1" marL="914400" rtl="0" algn="l">
-              <a:lnSpc>
-                <a:spcPct val="115000"/>
-              </a:lnSpc>
               <a:spcBef>
                 <a:spcPts val="0"/>
               </a:spcBef>
@@ -11603,25 +11419,7 @@
                 <a:cs typeface="Montserrat"/>
                 <a:sym typeface="Montserrat"/>
               </a:rPr>
-              <a:t> </a:t>
-            </a:r>
-            <a:r>
-              <a:rPr lang="en" sz="1500">
-                <a:latin typeface="Montserrat"/>
-                <a:ea typeface="Montserrat"/>
-                <a:cs typeface="Montserrat"/>
-                <a:sym typeface="Montserrat"/>
-              </a:rPr>
-              <a:t>next-day Bitcoin price </a:t>
-            </a:r>
-            <a:r>
-              <a:rPr lang="en" sz="1500">
-                <a:latin typeface="Montserrat"/>
-                <a:ea typeface="Montserrat"/>
-                <a:cs typeface="Montserrat"/>
-                <a:sym typeface="Montserrat"/>
-              </a:rPr>
-              <a:t>(will be the </a:t>
+              <a:t> next-day Bitcoin price (will be the </a:t>
             </a:r>
             <a:r>
               <a:rPr b="1" lang="en" sz="1500">
@@ -11650,9 +11448,6 @@
           </a:p>
           <a:p>
             <a:pPr indent="-323850" lvl="1" marL="914400" rtl="0" algn="l">
-              <a:lnSpc>
-                <a:spcPct val="115000"/>
-              </a:lnSpc>
               <a:spcBef>
                 <a:spcPts val="0"/>
               </a:spcBef>
@@ -11669,16 +11464,7 @@
                 <a:cs typeface="Montserrat"/>
                 <a:sym typeface="Montserrat"/>
               </a:rPr>
-              <a:t>Simple moving avg</a:t>
-            </a:r>
-            <a:r>
-              <a:rPr b="1" lang="en" sz="1500">
-                <a:latin typeface="Montserrat"/>
-                <a:ea typeface="Montserrat"/>
-                <a:cs typeface="Montserrat"/>
-                <a:sym typeface="Montserrat"/>
-              </a:rPr>
-              <a:t>:</a:t>
+              <a:t>Simple moving avg:</a:t>
             </a:r>
             <a:r>
               <a:rPr lang="en" sz="1500">
@@ -11687,64 +11473,9 @@
                 <a:cs typeface="Montserrat"/>
                 <a:sym typeface="Montserrat"/>
               </a:rPr>
-              <a:t> </a:t>
-            </a:r>
-            <a:r>
-              <a:rPr lang="en" sz="1500">
-                <a:latin typeface="Montserrat"/>
-                <a:ea typeface="Montserrat"/>
-                <a:cs typeface="Montserrat"/>
-                <a:sym typeface="Montserrat"/>
-              </a:rPr>
-              <a:t>average price over a specified number of days</a:t>
-            </a:r>
-            <a:endParaRPr sz="1500">
-              <a:latin typeface="Montserrat"/>
-              <a:ea typeface="Montserrat"/>
-              <a:cs typeface="Montserrat"/>
-              <a:sym typeface="Montserrat"/>
-            </a:endParaRPr>
-          </a:p>
-          <a:p>
-            <a:pPr indent="0" lvl="0" marL="914400" rtl="0" algn="l">
-              <a:lnSpc>
-                <a:spcPct val="115000"/>
-              </a:lnSpc>
-              <a:spcBef>
-                <a:spcPts val="0"/>
-              </a:spcBef>
-              <a:spcAft>
-                <a:spcPts val="0"/>
-              </a:spcAft>
-              <a:buNone/>
-            </a:pPr>
-            <a:r>
-              <a:t/>
-            </a:r>
-            <a:endParaRPr sz="1500">
-              <a:latin typeface="Montserrat"/>
-              <a:ea typeface="Montserrat"/>
-              <a:cs typeface="Montserrat"/>
-              <a:sym typeface="Montserrat"/>
-            </a:endParaRPr>
-          </a:p>
-          <a:p>
-            <a:pPr indent="0" lvl="0" marL="0" rtl="0" algn="l">
-              <a:lnSpc>
-                <a:spcPct val="115000"/>
-              </a:lnSpc>
-              <a:spcBef>
-                <a:spcPts val="0"/>
-              </a:spcBef>
-              <a:spcAft>
-                <a:spcPts val="0"/>
-              </a:spcAft>
-              <a:buNone/>
-            </a:pPr>
-            <a:r>
-              <a:t/>
-            </a:r>
-            <a:endParaRPr sz="1500">
+              <a:t> average price over a specified number of days</a:t>
+            </a:r>
+            <a:endParaRPr b="1" sz="1500">
               <a:latin typeface="Montserrat"/>
               <a:ea typeface="Montserrat"/>
               <a:cs typeface="Montserrat"/>
@@ -11766,7 +11497,7 @@
   <p:cSld>
     <p:spTree>
       <p:nvGrpSpPr>
-        <p:cNvPr id="160" name="Shape 160"/>
+        <p:cNvPr id="161" name="Shape 161"/>
         <p:cNvGrpSpPr/>
         <p:nvPr/>
       </p:nvGrpSpPr>
@@ -11780,7 +11511,7 @@
       </p:grpSpPr>
       <p:sp>
         <p:nvSpPr>
-          <p:cNvPr id="161" name="Google Shape;161;g2a75948b1fc_3_9"/>
+          <p:cNvPr id="162" name="Google Shape;162;g2a75948b1fc_3_9"/>
           <p:cNvSpPr txBox="1"/>
           <p:nvPr>
             <p:ph idx="4294967295" type="title"/>
@@ -11838,7 +11569,7 @@
       </p:sp>
       <p:sp>
         <p:nvSpPr>
-          <p:cNvPr id="162" name="Google Shape;162;g2a75948b1fc_3_9"/>
+          <p:cNvPr id="163" name="Google Shape;163;g2a75948b1fc_3_9"/>
           <p:cNvSpPr txBox="1"/>
           <p:nvPr>
             <p:ph idx="4294967295" type="body"/>
@@ -11847,7 +11578,7 @@
         <p:spPr>
           <a:xfrm>
             <a:off x="311700" y="945300"/>
-            <a:ext cx="8632800" cy="3849900"/>
+            <a:ext cx="8520600" cy="1227300"/>
           </a:xfrm>
           <a:prstGeom prst="rect">
             <a:avLst/>
@@ -11864,9 +11595,6 @@
           <a:lstStyle/>
           <a:p>
             <a:pPr indent="-323850" lvl="0" marL="457200" rtl="0" algn="l">
-              <a:lnSpc>
-                <a:spcPct val="115000"/>
-              </a:lnSpc>
               <a:spcBef>
                 <a:spcPts val="0"/>
               </a:spcBef>
@@ -11884,7 +11612,7 @@
                 <a:cs typeface="Montserrat"/>
                 <a:sym typeface="Montserrat"/>
               </a:rPr>
-              <a:t>Additional features:</a:t>
+              <a:t>Additional features</a:t>
             </a:r>
             <a:endParaRPr b="1" sz="1500">
               <a:latin typeface="Montserrat"/>
@@ -11895,9 +11623,6 @@
           </a:p>
           <a:p>
             <a:pPr indent="-323850" lvl="1" marL="914400" rtl="0" algn="l">
-              <a:lnSpc>
-                <a:spcPct val="115000"/>
-              </a:lnSpc>
               <a:spcBef>
                 <a:spcPts val="0"/>
               </a:spcBef>
@@ -11952,9 +11677,6 @@
           </a:p>
           <a:p>
             <a:pPr indent="-323850" lvl="1" marL="914400" rtl="0" algn="l">
-              <a:lnSpc>
-                <a:spcPct val="115000"/>
-              </a:lnSpc>
               <a:spcBef>
                 <a:spcPts val="0"/>
               </a:spcBef>
@@ -11990,10 +11712,7 @@
             </a:endParaRPr>
           </a:p>
           <a:p>
-            <a:pPr indent="0" lvl="0" marL="914400" rtl="0" algn="l">
-              <a:lnSpc>
-                <a:spcPct val="115000"/>
-              </a:lnSpc>
+            <a:pPr indent="0" lvl="0" marL="0" rtl="0" algn="l">
               <a:spcBef>
                 <a:spcPts val="0"/>
               </a:spcBef>
@@ -12005,24 +11724,42 @@
             <a:r>
               <a:t/>
             </a:r>
-            <a:endParaRPr sz="1500">
-              <a:latin typeface="Montserrat"/>
-              <a:ea typeface="Montserrat"/>
-              <a:cs typeface="Montserrat"/>
-              <a:sym typeface="Montserrat"/>
+            <a:endParaRPr sz="1100">
+              <a:solidFill>
+                <a:schemeClr val="dk1"/>
+              </a:solidFill>
             </a:endParaRPr>
           </a:p>
           <a:p>
+            <a:pPr indent="0" lvl="0" marL="0" rtl="0" algn="l">
+              <a:spcBef>
+                <a:spcPts val="0"/>
+              </a:spcBef>
+              <a:spcAft>
+                <a:spcPts val="0"/>
+              </a:spcAft>
+              <a:buNone/>
+            </a:pPr>
+            <a:r>
+              <a:t/>
+            </a:r>
+            <a:endParaRPr sz="1100">
+              <a:solidFill>
+                <a:schemeClr val="dk1"/>
+              </a:solidFill>
+            </a:endParaRPr>
+          </a:p>
+          <a:p>
             <a:pPr indent="-323850" lvl="0" marL="457200" rtl="0" algn="l">
-              <a:lnSpc>
-                <a:spcPct val="115000"/>
-              </a:lnSpc>
-              <a:spcBef>
-                <a:spcPts val="0"/>
-              </a:spcBef>
-              <a:spcAft>
-                <a:spcPts val="0"/>
-              </a:spcAft>
+              <a:spcBef>
+                <a:spcPts val="0"/>
+              </a:spcBef>
+              <a:spcAft>
+                <a:spcPts val="0"/>
+              </a:spcAft>
+              <a:buClr>
+                <a:schemeClr val="dk2"/>
+              </a:buClr>
               <a:buSzPts val="1500"/>
               <a:buFont typeface="Montserrat"/>
               <a:buChar char="●"/>
@@ -12034,7 +11771,7 @@
                 <a:cs typeface="Montserrat"/>
                 <a:sym typeface="Montserrat"/>
               </a:rPr>
-              <a:t>Division of features into groups:</a:t>
+              <a:t>Division of features into groups</a:t>
             </a:r>
             <a:endParaRPr b="1" sz="1500">
               <a:latin typeface="Montserrat"/>
@@ -12043,195 +11780,36 @@
               <a:sym typeface="Montserrat"/>
             </a:endParaRPr>
           </a:p>
-          <a:p>
-            <a:pPr indent="-323850" lvl="1" marL="914400" rtl="0" algn="l">
-              <a:lnSpc>
-                <a:spcPct val="115000"/>
-              </a:lnSpc>
-              <a:spcBef>
-                <a:spcPts val="0"/>
-              </a:spcBef>
-              <a:spcAft>
-                <a:spcPts val="0"/>
-              </a:spcAft>
-              <a:buSzPts val="1500"/>
-              <a:buChar char="○"/>
-            </a:pPr>
-            <a:r>
-              <a:rPr b="1" lang="en" sz="1500">
-                <a:latin typeface="Montserrat"/>
-                <a:ea typeface="Montserrat"/>
-                <a:cs typeface="Montserrat"/>
-                <a:sym typeface="Montserrat"/>
-              </a:rPr>
-              <a:t>Base features:</a:t>
-            </a:r>
-            <a:r>
-              <a:rPr lang="en" sz="1500">
-                <a:latin typeface="Montserrat"/>
-                <a:ea typeface="Montserrat"/>
-                <a:cs typeface="Montserrat"/>
-                <a:sym typeface="Montserrat"/>
-              </a:rPr>
-              <a:t> contains currency statistics features</a:t>
-            </a:r>
-            <a:endParaRPr sz="1500">
-              <a:latin typeface="Montserrat"/>
-              <a:ea typeface="Montserrat"/>
-              <a:cs typeface="Montserrat"/>
-              <a:sym typeface="Montserrat"/>
-            </a:endParaRPr>
-          </a:p>
-          <a:p>
-            <a:pPr indent="-323850" lvl="1" marL="914400" rtl="0" algn="l">
-              <a:lnSpc>
-                <a:spcPct val="115000"/>
-              </a:lnSpc>
-              <a:spcBef>
-                <a:spcPts val="0"/>
-              </a:spcBef>
-              <a:spcAft>
-                <a:spcPts val="0"/>
-              </a:spcAft>
-              <a:buSzPts val="1500"/>
-              <a:buChar char="○"/>
-            </a:pPr>
-            <a:r>
-              <a:rPr b="1" lang="en" sz="1500">
-                <a:latin typeface="Montserrat"/>
-                <a:ea typeface="Montserrat"/>
-                <a:cs typeface="Montserrat"/>
-                <a:sym typeface="Montserrat"/>
-              </a:rPr>
-              <a:t>Base and additional features:</a:t>
-            </a:r>
-            <a:r>
-              <a:rPr lang="en" sz="1500">
-                <a:latin typeface="Montserrat"/>
-                <a:ea typeface="Montserrat"/>
-                <a:cs typeface="Montserrat"/>
-                <a:sym typeface="Montserrat"/>
-              </a:rPr>
-              <a:t> contains base features + additional blockchain features </a:t>
-            </a:r>
-            <a:endParaRPr sz="1500">
-              <a:latin typeface="Montserrat"/>
-              <a:ea typeface="Montserrat"/>
-              <a:cs typeface="Montserrat"/>
-              <a:sym typeface="Montserrat"/>
-            </a:endParaRPr>
-          </a:p>
-          <a:p>
-            <a:pPr indent="-323850" lvl="2" marL="1371600" rtl="0" algn="l">
-              <a:lnSpc>
-                <a:spcPct val="115000"/>
-              </a:lnSpc>
-              <a:spcBef>
-                <a:spcPts val="0"/>
-              </a:spcBef>
-              <a:spcAft>
-                <a:spcPts val="0"/>
-              </a:spcAft>
-              <a:buSzPts val="1500"/>
-              <a:buFont typeface="Montserrat"/>
-              <a:buChar char="■"/>
-            </a:pPr>
-            <a:r>
-              <a:rPr lang="en" sz="1500">
-                <a:latin typeface="Montserrat"/>
-                <a:ea typeface="Montserrat"/>
-                <a:cs typeface="Montserrat"/>
-                <a:sym typeface="Montserrat"/>
-              </a:rPr>
-              <a:t>Divided according to their correlation value with the price:</a:t>
-            </a:r>
-            <a:endParaRPr sz="1500">
-              <a:latin typeface="Montserrat"/>
-              <a:ea typeface="Montserrat"/>
-              <a:cs typeface="Montserrat"/>
-              <a:sym typeface="Montserrat"/>
-            </a:endParaRPr>
-          </a:p>
-          <a:p>
-            <a:pPr indent="-323850" lvl="3" marL="1828800" rtl="0" algn="l">
-              <a:lnSpc>
-                <a:spcPct val="115000"/>
-              </a:lnSpc>
-              <a:spcBef>
-                <a:spcPts val="0"/>
-              </a:spcBef>
-              <a:spcAft>
-                <a:spcPts val="0"/>
-              </a:spcAft>
-              <a:buSzPts val="1500"/>
-              <a:buChar char="●"/>
-            </a:pPr>
-            <a:r>
-              <a:rPr lang="en" sz="1500">
-                <a:latin typeface="Montserrat"/>
-                <a:ea typeface="Montserrat"/>
-                <a:cs typeface="Montserrat"/>
-                <a:sym typeface="Montserrat"/>
-              </a:rPr>
-              <a:t>If value &gt;= 0.6, then </a:t>
-            </a:r>
-            <a:r>
-              <a:rPr b="1" lang="en" sz="1500">
-                <a:latin typeface="Montserrat"/>
-                <a:ea typeface="Montserrat"/>
-                <a:cs typeface="Montserrat"/>
-                <a:sym typeface="Montserrat"/>
-              </a:rPr>
-              <a:t>most correlated</a:t>
-            </a:r>
-            <a:endParaRPr b="1" sz="1500">
-              <a:latin typeface="Montserrat"/>
-              <a:ea typeface="Montserrat"/>
-              <a:cs typeface="Montserrat"/>
-              <a:sym typeface="Montserrat"/>
-            </a:endParaRPr>
-          </a:p>
-          <a:p>
-            <a:pPr indent="-323850" lvl="3" marL="1828800" rtl="0" algn="l">
-              <a:lnSpc>
-                <a:spcPct val="115000"/>
-              </a:lnSpc>
-              <a:spcBef>
-                <a:spcPts val="0"/>
-              </a:spcBef>
-              <a:spcAft>
-                <a:spcPts val="0"/>
-              </a:spcAft>
-              <a:buSzPts val="1500"/>
-              <a:buChar char="●"/>
-            </a:pPr>
-            <a:r>
-              <a:rPr lang="en" sz="1500">
-                <a:latin typeface="Montserrat"/>
-                <a:ea typeface="Montserrat"/>
-                <a:cs typeface="Montserrat"/>
-                <a:sym typeface="Montserrat"/>
-              </a:rPr>
-              <a:t>If value &lt; 0.6, then  </a:t>
-            </a:r>
-            <a:r>
-              <a:rPr b="1" lang="en" sz="1500">
-                <a:latin typeface="Montserrat"/>
-                <a:ea typeface="Montserrat"/>
-                <a:cs typeface="Montserrat"/>
-                <a:sym typeface="Montserrat"/>
-              </a:rPr>
-              <a:t>least correlated</a:t>
-            </a:r>
-            <a:endParaRPr sz="1500">
-              <a:latin typeface="Montserrat"/>
-              <a:ea typeface="Montserrat"/>
-              <a:cs typeface="Montserrat"/>
-              <a:sym typeface="Montserrat"/>
-            </a:endParaRPr>
-          </a:p>
         </p:txBody>
       </p:sp>
+      <p:pic>
+        <p:nvPicPr>
+          <p:cNvPr id="164" name="Google Shape;164;g2a75948b1fc_3_9"/>
+          <p:cNvPicPr preferRelativeResize="0"/>
+          <p:nvPr/>
+        </p:nvPicPr>
+        <p:blipFill>
+          <a:blip r:embed="rId3">
+            <a:alphaModFix/>
+          </a:blip>
+          <a:stretch>
+            <a:fillRect/>
+          </a:stretch>
+        </p:blipFill>
+        <p:spPr>
+          <a:xfrm>
+            <a:off x="442100" y="2571750"/>
+            <a:ext cx="8493551" cy="2157475"/>
+          </a:xfrm>
+          <a:prstGeom prst="rect">
+            <a:avLst/>
+          </a:prstGeom>
+          <a:noFill/>
+          <a:ln>
+            <a:noFill/>
+          </a:ln>
+        </p:spPr>
+      </p:pic>
     </p:spTree>
   </p:cSld>
   <p:clrMapOvr>
@@ -12245,7 +11823,7 @@
   <p:cSld>
     <p:spTree>
       <p:nvGrpSpPr>
-        <p:cNvPr id="166" name="Shape 166"/>
+        <p:cNvPr id="168" name="Shape 168"/>
         <p:cNvGrpSpPr/>
         <p:nvPr/>
       </p:nvGrpSpPr>
@@ -12259,7 +11837,7 @@
       </p:grpSpPr>
       <p:sp>
         <p:nvSpPr>
-          <p:cNvPr id="167" name="Google Shape;167;g2a0c6f9b0a2_0_33"/>
+          <p:cNvPr id="169" name="Google Shape;169;g2a0c6f9b0a2_0_33"/>
           <p:cNvSpPr txBox="1"/>
           <p:nvPr>
             <p:ph idx="4294967295" type="title"/>
@@ -12317,7 +11895,7 @@
       </p:sp>
       <p:sp>
         <p:nvSpPr>
-          <p:cNvPr id="168" name="Google Shape;168;g2a0c6f9b0a2_0_33"/>
+          <p:cNvPr id="170" name="Google Shape;170;g2a0c6f9b0a2_0_33"/>
           <p:cNvSpPr txBox="1"/>
           <p:nvPr>
             <p:ph idx="4294967295" type="body"/>
@@ -12489,7 +12067,7 @@
       </p:sp>
       <p:pic>
         <p:nvPicPr>
-          <p:cNvPr id="169" name="Google Shape;169;g2a0c6f9b0a2_0_33"/>
+          <p:cNvPr id="171" name="Google Shape;171;g2a0c6f9b0a2_0_33"/>
           <p:cNvPicPr preferRelativeResize="0"/>
           <p:nvPr/>
         </p:nvPicPr>
@@ -12534,7 +12112,7 @@
     </p:bg>
     <p:spTree>
       <p:nvGrpSpPr>
-        <p:cNvPr id="173" name="Shape 173"/>
+        <p:cNvPr id="175" name="Shape 175"/>
         <p:cNvGrpSpPr/>
         <p:nvPr/>
       </p:nvGrpSpPr>
@@ -12548,7 +12126,7 @@
       </p:grpSpPr>
       <p:sp>
         <p:nvSpPr>
-          <p:cNvPr id="174" name="Google Shape;174;g26e1760ff98_1_75"/>
+          <p:cNvPr id="176" name="Google Shape;176;g26e1760ff98_1_75"/>
           <p:cNvSpPr txBox="1"/>
           <p:nvPr>
             <p:ph idx="4294967295" type="title"/>
@@ -12606,7 +12184,7 @@
       </p:sp>
       <p:pic>
         <p:nvPicPr>
-          <p:cNvPr id="175" name="Google Shape;175;g26e1760ff98_1_75"/>
+          <p:cNvPr id="177" name="Google Shape;177;g26e1760ff98_1_75"/>
           <p:cNvPicPr preferRelativeResize="0"/>
           <p:nvPr/>
         </p:nvPicPr>
@@ -12633,7 +12211,7 @@
       </p:pic>
       <p:pic>
         <p:nvPicPr>
-          <p:cNvPr id="176" name="Google Shape;176;g26e1760ff98_1_75"/>
+          <p:cNvPr id="178" name="Google Shape;178;g26e1760ff98_1_75"/>
           <p:cNvPicPr preferRelativeResize="0"/>
           <p:nvPr/>
         </p:nvPicPr>
@@ -12660,7 +12238,7 @@
       </p:pic>
       <p:pic>
         <p:nvPicPr>
-          <p:cNvPr id="177" name="Google Shape;177;g26e1760ff98_1_75"/>
+          <p:cNvPr id="179" name="Google Shape;179;g26e1760ff98_1_75"/>
           <p:cNvPicPr preferRelativeResize="0"/>
           <p:nvPr/>
         </p:nvPicPr>
@@ -12687,7 +12265,7 @@
       </p:pic>
       <p:sp>
         <p:nvSpPr>
-          <p:cNvPr id="178" name="Google Shape;178;g26e1760ff98_1_75"/>
+          <p:cNvPr id="180" name="Google Shape;180;g26e1760ff98_1_75"/>
           <p:cNvSpPr txBox="1"/>
           <p:nvPr/>
         </p:nvSpPr>
@@ -12753,7 +12331,7 @@
       </p:sp>
       <p:sp>
         <p:nvSpPr>
-          <p:cNvPr id="179" name="Google Shape;179;g26e1760ff98_1_75"/>
+          <p:cNvPr id="181" name="Google Shape;181;g26e1760ff98_1_75"/>
           <p:cNvSpPr txBox="1"/>
           <p:nvPr/>
         </p:nvSpPr>
@@ -12819,7 +12397,7 @@
       </p:sp>
       <p:sp>
         <p:nvSpPr>
-          <p:cNvPr id="180" name="Google Shape;180;g26e1760ff98_1_75"/>
+          <p:cNvPr id="182" name="Google Shape;182;g26e1760ff98_1_75"/>
           <p:cNvSpPr txBox="1"/>
           <p:nvPr/>
         </p:nvSpPr>
@@ -12896,7 +12474,7 @@
   <p:cSld>
     <p:spTree>
       <p:nvGrpSpPr>
-        <p:cNvPr id="184" name="Shape 184"/>
+        <p:cNvPr id="186" name="Shape 186"/>
         <p:cNvGrpSpPr/>
         <p:nvPr/>
       </p:nvGrpSpPr>
@@ -12910,7 +12488,7 @@
       </p:grpSpPr>
       <p:sp>
         <p:nvSpPr>
-          <p:cNvPr id="185" name="Google Shape;185;g2a0c6f9b0a2_0_42"/>
+          <p:cNvPr id="187" name="Google Shape;187;g2a0c6f9b0a2_0_42"/>
           <p:cNvSpPr txBox="1"/>
           <p:nvPr>
             <p:ph idx="4294967295" type="title"/>
@@ -12968,7 +12546,7 @@
       </p:sp>
       <p:sp>
         <p:nvSpPr>
-          <p:cNvPr id="186" name="Google Shape;186;g2a0c6f9b0a2_0_42"/>
+          <p:cNvPr id="188" name="Google Shape;188;g2a0c6f9b0a2_0_42"/>
           <p:cNvSpPr txBox="1"/>
           <p:nvPr>
             <p:ph idx="4294967295" type="body"/>
@@ -13391,7 +12969,7 @@
       </p:sp>
       <p:pic>
         <p:nvPicPr>
-          <p:cNvPr id="187" name="Google Shape;187;g2a0c6f9b0a2_0_42"/>
+          <p:cNvPr id="189" name="Google Shape;189;g2a0c6f9b0a2_0_42"/>
           <p:cNvPicPr preferRelativeResize="0"/>
           <p:nvPr/>
         </p:nvPicPr>
@@ -13419,7 +12997,7 @@
       </p:pic>
       <p:pic>
         <p:nvPicPr>
-          <p:cNvPr id="188" name="Google Shape;188;g2a0c6f9b0a2_0_42"/>
+          <p:cNvPr id="190" name="Google Shape;190;g2a0c6f9b0a2_0_42"/>
           <p:cNvPicPr preferRelativeResize="0"/>
           <p:nvPr/>
         </p:nvPicPr>
@@ -13458,7 +13036,7 @@
   <p:cSld>
     <p:spTree>
       <p:nvGrpSpPr>
-        <p:cNvPr id="192" name="Shape 192"/>
+        <p:cNvPr id="194" name="Shape 194"/>
         <p:cNvGrpSpPr/>
         <p:nvPr/>
       </p:nvGrpSpPr>
@@ -13472,7 +13050,7 @@
       </p:grpSpPr>
       <p:sp>
         <p:nvSpPr>
-          <p:cNvPr id="193" name="Google Shape;193;g26e1760ff98_1_67"/>
+          <p:cNvPr id="195" name="Google Shape;195;g26e1760ff98_1_67"/>
           <p:cNvSpPr txBox="1"/>
           <p:nvPr>
             <p:ph idx="4294967295" type="title"/>
@@ -13530,7 +13108,7 @@
       </p:sp>
       <p:sp>
         <p:nvSpPr>
-          <p:cNvPr id="194" name="Google Shape;194;g26e1760ff98_1_67"/>
+          <p:cNvPr id="196" name="Google Shape;196;g26e1760ff98_1_67"/>
           <p:cNvSpPr txBox="1"/>
           <p:nvPr>
             <p:ph idx="4294967295" type="body"/>
@@ -13618,7 +13196,7 @@
   <p:cSld>
     <p:spTree>
       <p:nvGrpSpPr>
-        <p:cNvPr id="198" name="Shape 198"/>
+        <p:cNvPr id="200" name="Shape 200"/>
         <p:cNvGrpSpPr/>
         <p:nvPr/>
       </p:nvGrpSpPr>
@@ -13632,7 +13210,7 @@
       </p:grpSpPr>
       <p:sp>
         <p:nvSpPr>
-          <p:cNvPr id="199" name="Google Shape;199;g2a75948b1fc_3_47"/>
+          <p:cNvPr id="201" name="Google Shape;201;g2a75948b1fc_3_47"/>
           <p:cNvSpPr txBox="1"/>
           <p:nvPr>
             <p:ph idx="4294967295" type="title"/>
@@ -13690,7 +13268,7 @@
       </p:sp>
       <p:sp>
         <p:nvSpPr>
-          <p:cNvPr id="200" name="Google Shape;200;g2a75948b1fc_3_47"/>
+          <p:cNvPr id="202" name="Google Shape;202;g2a75948b1fc_3_47"/>
           <p:cNvSpPr txBox="1"/>
           <p:nvPr>
             <p:ph idx="4294967295" type="body"/>
@@ -13738,7 +13316,30 @@
               </a:rPr>
               <a:t>“How good the models are at predicting whether the price will go up or down?”</a:t>
             </a:r>
-            <a:endParaRPr b="1" sz="1500">
+            <a:endParaRPr sz="1500">
+              <a:latin typeface="Montserrat"/>
+              <a:ea typeface="Montserrat"/>
+              <a:cs typeface="Montserrat"/>
+              <a:sym typeface="Montserrat"/>
+            </a:endParaRPr>
+          </a:p>
+          <a:p>
+            <a:pPr indent="0" lvl="0" marL="457200" rtl="0" algn="l">
+              <a:lnSpc>
+                <a:spcPct val="115000"/>
+              </a:lnSpc>
+              <a:spcBef>
+                <a:spcPts val="0"/>
+              </a:spcBef>
+              <a:spcAft>
+                <a:spcPts val="0"/>
+              </a:spcAft>
+              <a:buNone/>
+            </a:pPr>
+            <a:r>
+              <a:t/>
+            </a:r>
+            <a:endParaRPr sz="1500">
               <a:latin typeface="Montserrat"/>
               <a:ea typeface="Montserrat"/>
               <a:cs typeface="Montserrat"/>
@@ -13776,319 +13377,36 @@
               <a:sym typeface="Montserrat"/>
             </a:endParaRPr>
           </a:p>
-          <a:p>
-            <a:pPr indent="-323850" lvl="0" marL="914400" rtl="0" algn="l">
-              <a:lnSpc>
-                <a:spcPct val="115000"/>
-              </a:lnSpc>
-              <a:spcBef>
-                <a:spcPts val="0"/>
-              </a:spcBef>
-              <a:spcAft>
-                <a:spcPts val="0"/>
-              </a:spcAft>
-              <a:buSzPts val="1500"/>
-              <a:buFont typeface="Montserrat"/>
-              <a:buChar char="●"/>
-            </a:pPr>
-            <a:r>
-              <a:rPr lang="en" sz="1500">
-                <a:latin typeface="Montserrat"/>
-                <a:ea typeface="Montserrat"/>
-                <a:cs typeface="Montserrat"/>
-                <a:sym typeface="Montserrat"/>
-              </a:rPr>
-              <a:t>For each prediction:</a:t>
-            </a:r>
-            <a:endParaRPr sz="1500">
-              <a:latin typeface="Montserrat"/>
-              <a:ea typeface="Montserrat"/>
-              <a:cs typeface="Montserrat"/>
-              <a:sym typeface="Montserrat"/>
-            </a:endParaRPr>
-          </a:p>
-          <a:p>
-            <a:pPr indent="-323850" lvl="1" marL="1371600" rtl="0" algn="l">
-              <a:lnSpc>
-                <a:spcPct val="115000"/>
-              </a:lnSpc>
-              <a:spcBef>
-                <a:spcPts val="0"/>
-              </a:spcBef>
-              <a:spcAft>
-                <a:spcPts val="0"/>
-              </a:spcAft>
-              <a:buSzPts val="1500"/>
-              <a:buFont typeface="Montserrat"/>
-              <a:buChar char="○"/>
-            </a:pPr>
-            <a:r>
-              <a:rPr lang="en" sz="1500">
-                <a:latin typeface="Montserrat"/>
-                <a:ea typeface="Montserrat"/>
-                <a:cs typeface="Montserrat"/>
-                <a:sym typeface="Montserrat"/>
-              </a:rPr>
-              <a:t>Find out if it is correct or not</a:t>
-            </a:r>
-            <a:endParaRPr sz="1500">
-              <a:latin typeface="Montserrat"/>
-              <a:ea typeface="Montserrat"/>
-              <a:cs typeface="Montserrat"/>
-              <a:sym typeface="Montserrat"/>
-            </a:endParaRPr>
-          </a:p>
-          <a:p>
-            <a:pPr indent="-323850" lvl="2" marL="1828800" rtl="0" algn="l">
-              <a:lnSpc>
-                <a:spcPct val="115000"/>
-              </a:lnSpc>
-              <a:spcBef>
-                <a:spcPts val="0"/>
-              </a:spcBef>
-              <a:spcAft>
-                <a:spcPts val="0"/>
-              </a:spcAft>
-              <a:buSzPts val="1500"/>
-              <a:buFont typeface="Montserrat"/>
-              <a:buChar char="■"/>
-            </a:pPr>
-            <a:r>
-              <a:rPr lang="en" sz="1500">
-                <a:latin typeface="Montserrat"/>
-                <a:ea typeface="Montserrat"/>
-                <a:cs typeface="Montserrat"/>
-                <a:sym typeface="Montserrat"/>
-              </a:rPr>
-              <a:t>Correct if </a:t>
-            </a:r>
-            <a:r>
-              <a:rPr b="1" lang="en" sz="1500">
-                <a:latin typeface="Montserrat"/>
-                <a:ea typeface="Montserrat"/>
-                <a:cs typeface="Montserrat"/>
-                <a:sym typeface="Montserrat"/>
-              </a:rPr>
-              <a:t>current price goes up</a:t>
-            </a:r>
-            <a:r>
-              <a:rPr lang="en" sz="1500">
-                <a:latin typeface="Montserrat"/>
-                <a:ea typeface="Montserrat"/>
-                <a:cs typeface="Montserrat"/>
-                <a:sym typeface="Montserrat"/>
-              </a:rPr>
-              <a:t> and </a:t>
-            </a:r>
-            <a:r>
-              <a:rPr b="1" lang="en" sz="1500">
-                <a:latin typeface="Montserrat"/>
-                <a:ea typeface="Montserrat"/>
-                <a:cs typeface="Montserrat"/>
-                <a:sym typeface="Montserrat"/>
-              </a:rPr>
-              <a:t>predicted price goes up</a:t>
-            </a:r>
-            <a:endParaRPr b="1" sz="1500">
-              <a:latin typeface="Montserrat"/>
-              <a:ea typeface="Montserrat"/>
-              <a:cs typeface="Montserrat"/>
-              <a:sym typeface="Montserrat"/>
-            </a:endParaRPr>
-          </a:p>
-          <a:p>
-            <a:pPr indent="-323850" lvl="3" marL="2286000" rtl="0" algn="l">
-              <a:lnSpc>
-                <a:spcPct val="115000"/>
-              </a:lnSpc>
-              <a:spcBef>
-                <a:spcPts val="0"/>
-              </a:spcBef>
-              <a:spcAft>
-                <a:spcPts val="0"/>
-              </a:spcAft>
-              <a:buSzPts val="1500"/>
-              <a:buFont typeface="Montserrat"/>
-              <a:buChar char="●"/>
-            </a:pPr>
-            <a:r>
-              <a:rPr lang="en" sz="1500">
-                <a:latin typeface="Montserrat"/>
-                <a:ea typeface="Montserrat"/>
-                <a:cs typeface="Montserrat"/>
-                <a:sym typeface="Montserrat"/>
-              </a:rPr>
-              <a:t>Also if </a:t>
-            </a:r>
-            <a:r>
-              <a:rPr b="1" lang="en" sz="1500">
-                <a:latin typeface="Montserrat"/>
-                <a:ea typeface="Montserrat"/>
-                <a:cs typeface="Montserrat"/>
-                <a:sym typeface="Montserrat"/>
-              </a:rPr>
-              <a:t>current price goes down </a:t>
-            </a:r>
-            <a:r>
-              <a:rPr lang="en" sz="1500">
-                <a:latin typeface="Montserrat"/>
-                <a:ea typeface="Montserrat"/>
-                <a:cs typeface="Montserrat"/>
-                <a:sym typeface="Montserrat"/>
-              </a:rPr>
-              <a:t>and </a:t>
-            </a:r>
-            <a:r>
-              <a:rPr b="1" lang="en" sz="1500">
-                <a:latin typeface="Montserrat"/>
-                <a:ea typeface="Montserrat"/>
-                <a:cs typeface="Montserrat"/>
-                <a:sym typeface="Montserrat"/>
-              </a:rPr>
-              <a:t>predicted price goes down</a:t>
-            </a:r>
-            <a:endParaRPr b="1" sz="1500">
-              <a:latin typeface="Montserrat"/>
-              <a:ea typeface="Montserrat"/>
-              <a:cs typeface="Montserrat"/>
-              <a:sym typeface="Montserrat"/>
-            </a:endParaRPr>
-          </a:p>
-          <a:p>
-            <a:pPr indent="-323850" lvl="2" marL="1828800" rtl="0" algn="l">
-              <a:lnSpc>
-                <a:spcPct val="115000"/>
-              </a:lnSpc>
-              <a:spcBef>
-                <a:spcPts val="0"/>
-              </a:spcBef>
-              <a:spcAft>
-                <a:spcPts val="0"/>
-              </a:spcAft>
-              <a:buSzPts val="1500"/>
-              <a:buFont typeface="Montserrat"/>
-              <a:buChar char="■"/>
-            </a:pPr>
-            <a:r>
-              <a:rPr lang="en" sz="1500">
-                <a:latin typeface="Montserrat"/>
-                <a:ea typeface="Montserrat"/>
-                <a:cs typeface="Montserrat"/>
-                <a:sym typeface="Montserrat"/>
-              </a:rPr>
-              <a:t>Wrong if vice versa</a:t>
-            </a:r>
-            <a:endParaRPr sz="1500">
-              <a:latin typeface="Montserrat"/>
-              <a:ea typeface="Montserrat"/>
-              <a:cs typeface="Montserrat"/>
-              <a:sym typeface="Montserrat"/>
-            </a:endParaRPr>
-          </a:p>
-          <a:p>
-            <a:pPr indent="-323850" lvl="1" marL="1371600" rtl="0" algn="l">
-              <a:lnSpc>
-                <a:spcPct val="115000"/>
-              </a:lnSpc>
-              <a:spcBef>
-                <a:spcPts val="0"/>
-              </a:spcBef>
-              <a:spcAft>
-                <a:spcPts val="0"/>
-              </a:spcAft>
-              <a:buSzPts val="1500"/>
-              <a:buFont typeface="Montserrat"/>
-              <a:buChar char="○"/>
-            </a:pPr>
-            <a:r>
-              <a:rPr lang="en" sz="1500">
-                <a:latin typeface="Montserrat"/>
-                <a:ea typeface="Montserrat"/>
-                <a:cs typeface="Montserrat"/>
-                <a:sym typeface="Montserrat"/>
-              </a:rPr>
-              <a:t>Count the number of </a:t>
-            </a:r>
-            <a:r>
-              <a:rPr b="1" lang="en" sz="1500">
-                <a:latin typeface="Montserrat"/>
-                <a:ea typeface="Montserrat"/>
-                <a:cs typeface="Montserrat"/>
-                <a:sym typeface="Montserrat"/>
-              </a:rPr>
-              <a:t>correct predictions</a:t>
-            </a:r>
-            <a:endParaRPr b="1" sz="1500">
-              <a:latin typeface="Montserrat"/>
-              <a:ea typeface="Montserrat"/>
-              <a:cs typeface="Montserrat"/>
-              <a:sym typeface="Montserrat"/>
-            </a:endParaRPr>
-          </a:p>
-          <a:p>
-            <a:pPr indent="-323850" lvl="1" marL="1371600" rtl="0" algn="l">
-              <a:lnSpc>
-                <a:spcPct val="115000"/>
-              </a:lnSpc>
-              <a:spcBef>
-                <a:spcPts val="0"/>
-              </a:spcBef>
-              <a:spcAft>
-                <a:spcPts val="0"/>
-              </a:spcAft>
-              <a:buSzPts val="1500"/>
-              <a:buFont typeface="Montserrat"/>
-              <a:buChar char="○"/>
-            </a:pPr>
-            <a:r>
-              <a:rPr lang="en" sz="1500">
-                <a:latin typeface="Montserrat"/>
-                <a:ea typeface="Montserrat"/>
-                <a:cs typeface="Montserrat"/>
-                <a:sym typeface="Montserrat"/>
-              </a:rPr>
-              <a:t>Compute accuracy percentage</a:t>
-            </a:r>
-            <a:endParaRPr sz="1500">
-              <a:latin typeface="Montserrat"/>
-              <a:ea typeface="Montserrat"/>
-              <a:cs typeface="Montserrat"/>
-              <a:sym typeface="Montserrat"/>
-            </a:endParaRPr>
-          </a:p>
-          <a:p>
-            <a:pPr indent="-323850" lvl="2" marL="1828800" rtl="0" algn="l">
-              <a:lnSpc>
-                <a:spcPct val="115000"/>
-              </a:lnSpc>
-              <a:spcBef>
-                <a:spcPts val="0"/>
-              </a:spcBef>
-              <a:spcAft>
-                <a:spcPts val="0"/>
-              </a:spcAft>
-              <a:buSzPts val="1500"/>
-              <a:buFont typeface="Montserrat"/>
-              <a:buChar char="■"/>
-            </a:pPr>
-            <a:r>
-              <a:rPr b="1" lang="en" sz="1500">
-                <a:latin typeface="Montserrat"/>
-                <a:ea typeface="Montserrat"/>
-                <a:cs typeface="Montserrat"/>
-                <a:sym typeface="Montserrat"/>
-              </a:rPr>
-              <a:t>Accuracy = (correct_predictions / total_predictions) * 100</a:t>
-            </a:r>
-            <a:endParaRPr b="1" sz="1500">
-              <a:latin typeface="Montserrat"/>
-              <a:ea typeface="Montserrat"/>
-              <a:cs typeface="Montserrat"/>
-              <a:sym typeface="Montserrat"/>
-            </a:endParaRPr>
-          </a:p>
         </p:txBody>
       </p:sp>
+      <p:pic>
+        <p:nvPicPr>
+          <p:cNvPr id="203" name="Google Shape;203;g2a75948b1fc_3_47"/>
+          <p:cNvPicPr preferRelativeResize="0"/>
+          <p:nvPr/>
+        </p:nvPicPr>
+        <p:blipFill>
+          <a:blip r:embed="rId3">
+            <a:alphaModFix/>
+          </a:blip>
+          <a:stretch>
+            <a:fillRect/>
+          </a:stretch>
+        </p:blipFill>
+        <p:spPr>
+          <a:xfrm>
+            <a:off x="196650" y="1902025"/>
+            <a:ext cx="8800051" cy="2737125"/>
+          </a:xfrm>
+          <a:prstGeom prst="rect">
+            <a:avLst/>
+          </a:prstGeom>
+          <a:noFill/>
+          <a:ln>
+            <a:noFill/>
+          </a:ln>
+        </p:spPr>
+      </p:pic>
     </p:spTree>
   </p:cSld>
   <p:clrMapOvr>
@@ -14102,7 +13420,7 @@
   <p:cSld>
     <p:spTree>
       <p:nvGrpSpPr>
-        <p:cNvPr id="204" name="Shape 204"/>
+        <p:cNvPr id="207" name="Shape 207"/>
         <p:cNvGrpSpPr/>
         <p:nvPr/>
       </p:nvGrpSpPr>
@@ -14116,7 +13434,7 @@
       </p:grpSpPr>
       <p:sp>
         <p:nvSpPr>
-          <p:cNvPr id="205" name="Google Shape;205;g2a0c6f9b0a2_0_61"/>
+          <p:cNvPr id="208" name="Google Shape;208;g2a0c6f9b0a2_0_61"/>
           <p:cNvSpPr txBox="1"/>
           <p:nvPr>
             <p:ph idx="4294967295" type="title"/>
@@ -14172,220 +13490,42 @@
           </a:p>
         </p:txBody>
       </p:sp>
-      <p:sp>
-        <p:nvSpPr>
-          <p:cNvPr id="206" name="Google Shape;206;g2a0c6f9b0a2_0_61"/>
-          <p:cNvSpPr txBox="1"/>
-          <p:nvPr>
-            <p:ph idx="4294967295" type="body"/>
-          </p:nvPr>
-        </p:nvSpPr>
-        <p:spPr>
-          <a:xfrm>
-            <a:off x="311700" y="945300"/>
-            <a:ext cx="8520600" cy="4048200"/>
-          </a:xfrm>
-          <a:prstGeom prst="rect">
-            <a:avLst/>
-          </a:prstGeom>
-          <a:noFill/>
-          <a:ln>
-            <a:noFill/>
-          </a:ln>
-        </p:spPr>
-        <p:txBody>
-          <a:bodyPr anchorCtr="0" anchor="t" bIns="91425" lIns="91425" spcFirstLastPara="1" rIns="91425" wrap="square" tIns="91425">
-            <a:noAutofit/>
-          </a:bodyPr>
-          <a:lstStyle/>
-          <a:p>
-            <a:pPr indent="-323850" lvl="0" marL="457200" rtl="0" algn="l">
-              <a:lnSpc>
-                <a:spcPct val="115000"/>
-              </a:lnSpc>
-              <a:spcBef>
-                <a:spcPts val="0"/>
-              </a:spcBef>
-              <a:spcAft>
-                <a:spcPts val="0"/>
-              </a:spcAft>
-              <a:buSzPts val="1500"/>
-              <a:buFont typeface="Montserrat"/>
-              <a:buChar char="●"/>
-            </a:pPr>
-            <a:r>
-              <a:rPr b="1" lang="en" sz="1500">
-                <a:latin typeface="Montserrat"/>
-                <a:ea typeface="Montserrat"/>
-                <a:cs typeface="Montserrat"/>
-                <a:sym typeface="Montserrat"/>
-              </a:rPr>
-              <a:t>Base models:</a:t>
-            </a:r>
-            <a:endParaRPr b="1" sz="1500">
-              <a:latin typeface="Montserrat"/>
-              <a:ea typeface="Montserrat"/>
-              <a:cs typeface="Montserrat"/>
-              <a:sym typeface="Montserrat"/>
-            </a:endParaRPr>
-          </a:p>
-          <a:p>
-            <a:pPr indent="-323850" lvl="1" marL="914400" rtl="0" algn="l">
-              <a:lnSpc>
-                <a:spcPct val="115000"/>
-              </a:lnSpc>
-              <a:spcBef>
-                <a:spcPts val="0"/>
-              </a:spcBef>
-              <a:spcAft>
-                <a:spcPts val="0"/>
-              </a:spcAft>
-              <a:buSzPts val="1500"/>
-              <a:buFont typeface="Montserrat"/>
-              <a:buChar char="○"/>
-            </a:pPr>
-            <a:r>
-              <a:rPr lang="en" sz="1500">
-                <a:latin typeface="Montserrat"/>
-                <a:ea typeface="Montserrat"/>
-                <a:cs typeface="Montserrat"/>
-                <a:sym typeface="Montserrat"/>
-              </a:rPr>
-              <a:t>With features group (</a:t>
-            </a:r>
-            <a:r>
-              <a:rPr b="1" lang="en" sz="1500">
-                <a:latin typeface="Montserrat"/>
-                <a:ea typeface="Montserrat"/>
-                <a:cs typeface="Montserrat"/>
-                <a:sym typeface="Montserrat"/>
-              </a:rPr>
-              <a:t>base</a:t>
-            </a:r>
-            <a:r>
-              <a:rPr lang="en" sz="1500">
-                <a:latin typeface="Montserrat"/>
-                <a:ea typeface="Montserrat"/>
-                <a:cs typeface="Montserrat"/>
-                <a:sym typeface="Montserrat"/>
-              </a:rPr>
-              <a:t>, </a:t>
-            </a:r>
-            <a:r>
-              <a:rPr b="1" lang="en" sz="1500">
-                <a:latin typeface="Montserrat"/>
-                <a:ea typeface="Montserrat"/>
-                <a:cs typeface="Montserrat"/>
-                <a:sym typeface="Montserrat"/>
-              </a:rPr>
-              <a:t>base + most corr</a:t>
-            </a:r>
-            <a:r>
-              <a:rPr lang="en" sz="1500">
-                <a:latin typeface="Montserrat"/>
-                <a:ea typeface="Montserrat"/>
-                <a:cs typeface="Montserrat"/>
-                <a:sym typeface="Montserrat"/>
-              </a:rPr>
-              <a:t>, </a:t>
-            </a:r>
-            <a:r>
-              <a:rPr b="1" lang="en" sz="1500">
-                <a:latin typeface="Montserrat"/>
-                <a:ea typeface="Montserrat"/>
-                <a:cs typeface="Montserrat"/>
-                <a:sym typeface="Montserrat"/>
-              </a:rPr>
-              <a:t>base + least corr</a:t>
-            </a:r>
-            <a:r>
-              <a:rPr lang="en" sz="1500">
-                <a:latin typeface="Montserrat"/>
-                <a:ea typeface="Montserrat"/>
-                <a:cs typeface="Montserrat"/>
-                <a:sym typeface="Montserrat"/>
-              </a:rPr>
-              <a:t>)</a:t>
-            </a:r>
-            <a:endParaRPr sz="1500">
-              <a:latin typeface="Montserrat"/>
-              <a:ea typeface="Montserrat"/>
-              <a:cs typeface="Montserrat"/>
-              <a:sym typeface="Montserrat"/>
-            </a:endParaRPr>
-          </a:p>
-          <a:p>
-            <a:pPr indent="-323850" lvl="1" marL="914400" rtl="0" algn="l">
-              <a:lnSpc>
-                <a:spcPct val="115000"/>
-              </a:lnSpc>
-              <a:spcBef>
-                <a:spcPts val="0"/>
-              </a:spcBef>
-              <a:spcAft>
-                <a:spcPts val="0"/>
-              </a:spcAft>
-              <a:buSzPts val="1500"/>
-              <a:buFont typeface="Montserrat"/>
-              <a:buChar char="○"/>
-            </a:pPr>
-            <a:r>
-              <a:rPr lang="en" sz="1500">
-                <a:latin typeface="Montserrat"/>
-                <a:ea typeface="Montserrat"/>
-                <a:cs typeface="Montserrat"/>
-                <a:sym typeface="Montserrat"/>
-              </a:rPr>
-              <a:t>With and without normalization</a:t>
-            </a:r>
-            <a:endParaRPr sz="1500">
-              <a:latin typeface="Montserrat"/>
-              <a:ea typeface="Montserrat"/>
-              <a:cs typeface="Montserrat"/>
-              <a:sym typeface="Montserrat"/>
-            </a:endParaRPr>
-          </a:p>
-          <a:p>
-            <a:pPr indent="-323850" lvl="1" marL="914400" rtl="0" algn="l">
-              <a:lnSpc>
-                <a:spcPct val="115000"/>
-              </a:lnSpc>
-              <a:spcBef>
-                <a:spcPts val="0"/>
-              </a:spcBef>
-              <a:spcAft>
-                <a:spcPts val="0"/>
-              </a:spcAft>
-              <a:buSzPts val="1500"/>
-              <a:buFont typeface="Montserrat"/>
-              <a:buChar char="○"/>
-            </a:pPr>
-            <a:r>
-              <a:rPr lang="en" sz="1500">
-                <a:latin typeface="Montserrat"/>
-                <a:ea typeface="Montserrat"/>
-                <a:cs typeface="Montserrat"/>
-                <a:sym typeface="Montserrat"/>
-              </a:rPr>
-              <a:t>Choose features that gave the most satisfactory results</a:t>
-            </a:r>
-            <a:endParaRPr sz="1500">
-              <a:latin typeface="Montserrat"/>
-              <a:ea typeface="Montserrat"/>
-              <a:cs typeface="Montserrat"/>
-              <a:sym typeface="Montserrat"/>
-            </a:endParaRPr>
-          </a:p>
-        </p:txBody>
-      </p:sp>
       <p:pic>
         <p:nvPicPr>
-          <p:cNvPr id="207" name="Google Shape;207;g2a0c6f9b0a2_0_61"/>
+          <p:cNvPr id="209" name="Google Shape;209;g2a0c6f9b0a2_0_61"/>
           <p:cNvPicPr preferRelativeResize="0"/>
           <p:nvPr/>
         </p:nvPicPr>
         <p:blipFill>
           <a:blip r:embed="rId3">
+            <a:alphaModFix/>
+          </a:blip>
+          <a:stretch>
+            <a:fillRect/>
+          </a:stretch>
+        </p:blipFill>
+        <p:spPr>
+          <a:xfrm>
+            <a:off x="582588" y="945300"/>
+            <a:ext cx="7312776" cy="4096126"/>
+          </a:xfrm>
+          <a:prstGeom prst="rect">
+            <a:avLst/>
+          </a:prstGeom>
+          <a:noFill/>
+          <a:ln>
+            <a:noFill/>
+          </a:ln>
+        </p:spPr>
+      </p:pic>
+      <p:pic>
+        <p:nvPicPr>
+          <p:cNvPr id="210" name="Google Shape;210;g2a0c6f9b0a2_0_61"/>
+          <p:cNvPicPr preferRelativeResize="0"/>
+          <p:nvPr/>
+        </p:nvPicPr>
+        <p:blipFill>
+          <a:blip r:embed="rId4">
             <a:alphaModFix/>
           </a:blip>
           <a:stretch>
@@ -14674,7 +13814,7 @@
   <p:cSld>
     <p:spTree>
       <p:nvGrpSpPr>
-        <p:cNvPr id="211" name="Shape 211"/>
+        <p:cNvPr id="214" name="Shape 214"/>
         <p:cNvGrpSpPr/>
         <p:nvPr/>
       </p:nvGrpSpPr>
@@ -14688,7 +13828,7 @@
       </p:grpSpPr>
       <p:sp>
         <p:nvSpPr>
-          <p:cNvPr id="212" name="Google Shape;212;g2a739442e3e_0_0"/>
+          <p:cNvPr id="215" name="Google Shape;215;g2a739442e3e_0_0"/>
           <p:cNvSpPr txBox="1"/>
           <p:nvPr>
             <p:ph idx="4294967295" type="title"/>
@@ -14744,517 +13884,9 @@
           </a:p>
         </p:txBody>
       </p:sp>
-      <p:sp>
-        <p:nvSpPr>
-          <p:cNvPr id="213" name="Google Shape;213;g2a739442e3e_0_0"/>
-          <p:cNvSpPr txBox="1"/>
-          <p:nvPr>
-            <p:ph idx="4294967295" type="body"/>
-          </p:nvPr>
-        </p:nvSpPr>
-        <p:spPr>
-          <a:xfrm>
-            <a:off x="311700" y="945300"/>
-            <a:ext cx="8520600" cy="4048200"/>
-          </a:xfrm>
-          <a:prstGeom prst="rect">
-            <a:avLst/>
-          </a:prstGeom>
-          <a:noFill/>
-          <a:ln>
-            <a:noFill/>
-          </a:ln>
-        </p:spPr>
-        <p:txBody>
-          <a:bodyPr anchorCtr="0" anchor="t" bIns="91425" lIns="91425" spcFirstLastPara="1" rIns="91425" wrap="square" tIns="91425">
-            <a:noAutofit/>
-          </a:bodyPr>
-          <a:lstStyle/>
-          <a:p>
-            <a:pPr indent="-323850" lvl="0" marL="457200" rtl="0" algn="l">
-              <a:lnSpc>
-                <a:spcPct val="115000"/>
-              </a:lnSpc>
-              <a:spcBef>
-                <a:spcPts val="0"/>
-              </a:spcBef>
-              <a:spcAft>
-                <a:spcPts val="0"/>
-              </a:spcAft>
-              <a:buSzPts val="1500"/>
-              <a:buFont typeface="Montserrat"/>
-              <a:buChar char="●"/>
-            </a:pPr>
-            <a:r>
-              <a:rPr b="1" lang="en" sz="1500">
-                <a:latin typeface="Montserrat"/>
-                <a:ea typeface="Montserrat"/>
-                <a:cs typeface="Montserrat"/>
-                <a:sym typeface="Montserrat"/>
-              </a:rPr>
-              <a:t>Base models:</a:t>
-            </a:r>
-            <a:endParaRPr b="1" sz="1500">
-              <a:latin typeface="Montserrat"/>
-              <a:ea typeface="Montserrat"/>
-              <a:cs typeface="Montserrat"/>
-              <a:sym typeface="Montserrat"/>
-            </a:endParaRPr>
-          </a:p>
-          <a:p>
-            <a:pPr indent="-323850" lvl="1" marL="914400" rtl="0" algn="l">
-              <a:lnSpc>
-                <a:spcPct val="115000"/>
-              </a:lnSpc>
-              <a:spcBef>
-                <a:spcPts val="0"/>
-              </a:spcBef>
-              <a:spcAft>
-                <a:spcPts val="0"/>
-              </a:spcAft>
-              <a:buSzPts val="1500"/>
-              <a:buFont typeface="Montserrat"/>
-              <a:buChar char="○"/>
-            </a:pPr>
-            <a:r>
-              <a:rPr lang="en" sz="1500">
-                <a:latin typeface="Montserrat"/>
-                <a:ea typeface="Montserrat"/>
-                <a:cs typeface="Montserrat"/>
-                <a:sym typeface="Montserrat"/>
-              </a:rPr>
-              <a:t>With features group (</a:t>
-            </a:r>
-            <a:r>
-              <a:rPr b="1" lang="en" sz="1500">
-                <a:latin typeface="Montserrat"/>
-                <a:ea typeface="Montserrat"/>
-                <a:cs typeface="Montserrat"/>
-                <a:sym typeface="Montserrat"/>
-              </a:rPr>
-              <a:t>base</a:t>
-            </a:r>
-            <a:r>
-              <a:rPr lang="en" sz="1500">
-                <a:latin typeface="Montserrat"/>
-                <a:ea typeface="Montserrat"/>
-                <a:cs typeface="Montserrat"/>
-                <a:sym typeface="Montserrat"/>
-              </a:rPr>
-              <a:t>, </a:t>
-            </a:r>
-            <a:r>
-              <a:rPr b="1" lang="en" sz="1500">
-                <a:latin typeface="Montserrat"/>
-                <a:ea typeface="Montserrat"/>
-                <a:cs typeface="Montserrat"/>
-                <a:sym typeface="Montserrat"/>
-              </a:rPr>
-              <a:t>base + most corr</a:t>
-            </a:r>
-            <a:r>
-              <a:rPr lang="en" sz="1500">
-                <a:latin typeface="Montserrat"/>
-                <a:ea typeface="Montserrat"/>
-                <a:cs typeface="Montserrat"/>
-                <a:sym typeface="Montserrat"/>
-              </a:rPr>
-              <a:t>, </a:t>
-            </a:r>
-            <a:r>
-              <a:rPr b="1" lang="en" sz="1500">
-                <a:latin typeface="Montserrat"/>
-                <a:ea typeface="Montserrat"/>
-                <a:cs typeface="Montserrat"/>
-                <a:sym typeface="Montserrat"/>
-              </a:rPr>
-              <a:t>base + least corr</a:t>
-            </a:r>
-            <a:r>
-              <a:rPr lang="en" sz="1500">
-                <a:latin typeface="Montserrat"/>
-                <a:ea typeface="Montserrat"/>
-                <a:cs typeface="Montserrat"/>
-                <a:sym typeface="Montserrat"/>
-              </a:rPr>
-              <a:t>)</a:t>
-            </a:r>
-            <a:endParaRPr sz="1500">
-              <a:latin typeface="Montserrat"/>
-              <a:ea typeface="Montserrat"/>
-              <a:cs typeface="Montserrat"/>
-              <a:sym typeface="Montserrat"/>
-            </a:endParaRPr>
-          </a:p>
-          <a:p>
-            <a:pPr indent="-323850" lvl="1" marL="914400" rtl="0" algn="l">
-              <a:lnSpc>
-                <a:spcPct val="115000"/>
-              </a:lnSpc>
-              <a:spcBef>
-                <a:spcPts val="0"/>
-              </a:spcBef>
-              <a:spcAft>
-                <a:spcPts val="0"/>
-              </a:spcAft>
-              <a:buSzPts val="1500"/>
-              <a:buFont typeface="Montserrat"/>
-              <a:buChar char="○"/>
-            </a:pPr>
-            <a:r>
-              <a:rPr lang="en" sz="1500">
-                <a:latin typeface="Montserrat"/>
-                <a:ea typeface="Montserrat"/>
-                <a:cs typeface="Montserrat"/>
-                <a:sym typeface="Montserrat"/>
-              </a:rPr>
-              <a:t>With and without normalization</a:t>
-            </a:r>
-            <a:endParaRPr sz="1500">
-              <a:latin typeface="Montserrat"/>
-              <a:ea typeface="Montserrat"/>
-              <a:cs typeface="Montserrat"/>
-              <a:sym typeface="Montserrat"/>
-            </a:endParaRPr>
-          </a:p>
-          <a:p>
-            <a:pPr indent="-323850" lvl="1" marL="914400" rtl="0" algn="l">
-              <a:lnSpc>
-                <a:spcPct val="115000"/>
-              </a:lnSpc>
-              <a:spcBef>
-                <a:spcPts val="0"/>
-              </a:spcBef>
-              <a:spcAft>
-                <a:spcPts val="0"/>
-              </a:spcAft>
-              <a:buSzPts val="1500"/>
-              <a:buFont typeface="Montserrat"/>
-              <a:buChar char="○"/>
-            </a:pPr>
-            <a:r>
-              <a:rPr lang="en" sz="1500">
-                <a:latin typeface="Montserrat"/>
-                <a:ea typeface="Montserrat"/>
-                <a:cs typeface="Montserrat"/>
-                <a:sym typeface="Montserrat"/>
-              </a:rPr>
-              <a:t>Choose features that gave the most satisfactory results</a:t>
-            </a:r>
-            <a:endParaRPr sz="1500">
-              <a:latin typeface="Montserrat"/>
-              <a:ea typeface="Montserrat"/>
-              <a:cs typeface="Montserrat"/>
-              <a:sym typeface="Montserrat"/>
-            </a:endParaRPr>
-          </a:p>
-          <a:p>
-            <a:pPr indent="0" lvl="0" marL="914400" rtl="0" algn="l">
-              <a:lnSpc>
-                <a:spcPct val="115000"/>
-              </a:lnSpc>
-              <a:spcBef>
-                <a:spcPts val="0"/>
-              </a:spcBef>
-              <a:spcAft>
-                <a:spcPts val="0"/>
-              </a:spcAft>
-              <a:buNone/>
-            </a:pPr>
-            <a:r>
-              <a:t/>
-            </a:r>
-            <a:endParaRPr sz="1500">
-              <a:latin typeface="Montserrat"/>
-              <a:ea typeface="Montserrat"/>
-              <a:cs typeface="Montserrat"/>
-              <a:sym typeface="Montserrat"/>
-            </a:endParaRPr>
-          </a:p>
-          <a:p>
-            <a:pPr indent="-323850" lvl="0" marL="457200" rtl="0" algn="l">
-              <a:lnSpc>
-                <a:spcPct val="115000"/>
-              </a:lnSpc>
-              <a:spcBef>
-                <a:spcPts val="0"/>
-              </a:spcBef>
-              <a:spcAft>
-                <a:spcPts val="0"/>
-              </a:spcAft>
-              <a:buSzPts val="1500"/>
-              <a:buFont typeface="Montserrat"/>
-              <a:buChar char="●"/>
-            </a:pPr>
-            <a:r>
-              <a:rPr b="1" lang="en" sz="1500">
-                <a:latin typeface="Montserrat"/>
-                <a:ea typeface="Montserrat"/>
-                <a:cs typeface="Montserrat"/>
-                <a:sym typeface="Montserrat"/>
-              </a:rPr>
-              <a:t>Hyper-parameter tuning</a:t>
-            </a:r>
-            <a:endParaRPr b="1" sz="1500">
-              <a:latin typeface="Montserrat"/>
-              <a:ea typeface="Montserrat"/>
-              <a:cs typeface="Montserrat"/>
-              <a:sym typeface="Montserrat"/>
-            </a:endParaRPr>
-          </a:p>
-          <a:p>
-            <a:pPr indent="-323850" lvl="1" marL="914400" rtl="0" algn="l">
-              <a:lnSpc>
-                <a:spcPct val="115000"/>
-              </a:lnSpc>
-              <a:spcBef>
-                <a:spcPts val="0"/>
-              </a:spcBef>
-              <a:spcAft>
-                <a:spcPts val="0"/>
-              </a:spcAft>
-              <a:buSzPts val="1500"/>
-              <a:buFont typeface="Montserrat"/>
-              <a:buChar char="○"/>
-            </a:pPr>
-            <a:r>
-              <a:rPr lang="en" sz="1500">
-                <a:latin typeface="Montserrat"/>
-                <a:ea typeface="Montserrat"/>
-                <a:cs typeface="Montserrat"/>
-                <a:sym typeface="Montserrat"/>
-              </a:rPr>
-              <a:t>Find the best model’s parameters</a:t>
-            </a:r>
-            <a:endParaRPr sz="1500">
-              <a:latin typeface="Montserrat"/>
-              <a:ea typeface="Montserrat"/>
-              <a:cs typeface="Montserrat"/>
-              <a:sym typeface="Montserrat"/>
-            </a:endParaRPr>
-          </a:p>
-          <a:p>
-            <a:pPr indent="-323850" lvl="1" marL="914400" rtl="0" algn="l">
-              <a:lnSpc>
-                <a:spcPct val="115000"/>
-              </a:lnSpc>
-              <a:spcBef>
-                <a:spcPts val="0"/>
-              </a:spcBef>
-              <a:spcAft>
-                <a:spcPts val="0"/>
-              </a:spcAft>
-              <a:buSzPts val="1500"/>
-              <a:buFont typeface="Montserrat"/>
-              <a:buChar char="○"/>
-            </a:pPr>
-            <a:r>
-              <a:rPr lang="en" sz="1500">
-                <a:latin typeface="Montserrat"/>
-                <a:ea typeface="Montserrat"/>
-                <a:cs typeface="Montserrat"/>
-                <a:sym typeface="Montserrat"/>
-              </a:rPr>
-              <a:t>Block split / Walk forward split method used</a:t>
-            </a:r>
-            <a:endParaRPr sz="1500">
-              <a:latin typeface="Montserrat"/>
-              <a:ea typeface="Montserrat"/>
-              <a:cs typeface="Montserrat"/>
-              <a:sym typeface="Montserrat"/>
-            </a:endParaRPr>
-          </a:p>
-          <a:p>
-            <a:pPr indent="-323850" lvl="1" marL="914400" rtl="0" algn="l">
-              <a:lnSpc>
-                <a:spcPct val="115000"/>
-              </a:lnSpc>
-              <a:spcBef>
-                <a:spcPts val="0"/>
-              </a:spcBef>
-              <a:spcAft>
-                <a:spcPts val="0"/>
-              </a:spcAft>
-              <a:buSzPts val="1500"/>
-              <a:buFont typeface="Montserrat"/>
-              <a:buChar char="○"/>
-            </a:pPr>
-            <a:r>
-              <a:rPr lang="en" sz="1500">
-                <a:latin typeface="Montserrat"/>
-                <a:ea typeface="Montserrat"/>
-                <a:cs typeface="Montserrat"/>
-                <a:sym typeface="Montserrat"/>
-              </a:rPr>
-              <a:t>Compute a score for each parameter chosen by each split</a:t>
-            </a:r>
-            <a:endParaRPr sz="1500">
-              <a:latin typeface="Montserrat"/>
-              <a:ea typeface="Montserrat"/>
-              <a:cs typeface="Montserrat"/>
-              <a:sym typeface="Montserrat"/>
-            </a:endParaRPr>
-          </a:p>
-          <a:p>
-            <a:pPr indent="-323850" lvl="1" marL="914400" rtl="0" algn="l">
-              <a:lnSpc>
-                <a:spcPct val="115000"/>
-              </a:lnSpc>
-              <a:spcBef>
-                <a:spcPts val="0"/>
-              </a:spcBef>
-              <a:spcAft>
-                <a:spcPts val="0"/>
-              </a:spcAft>
-              <a:buSzPts val="1500"/>
-              <a:buFont typeface="Montserrat"/>
-              <a:buChar char="○"/>
-            </a:pPr>
-            <a:r>
-              <a:rPr lang="en" sz="1500">
-                <a:latin typeface="Montserrat"/>
-                <a:ea typeface="Montserrat"/>
-                <a:cs typeface="Montserrat"/>
-                <a:sym typeface="Montserrat"/>
-              </a:rPr>
-              <a:t>Assigning weights based on:</a:t>
-            </a:r>
-            <a:endParaRPr sz="1500">
-              <a:latin typeface="Montserrat"/>
-              <a:ea typeface="Montserrat"/>
-              <a:cs typeface="Montserrat"/>
-              <a:sym typeface="Montserrat"/>
-            </a:endParaRPr>
-          </a:p>
-          <a:p>
-            <a:pPr indent="-323850" lvl="2" marL="1371600" rtl="0" algn="l">
-              <a:lnSpc>
-                <a:spcPct val="115000"/>
-              </a:lnSpc>
-              <a:spcBef>
-                <a:spcPts val="0"/>
-              </a:spcBef>
-              <a:spcAft>
-                <a:spcPts val="0"/>
-              </a:spcAft>
-              <a:buSzPts val="1500"/>
-              <a:buFont typeface="Montserrat"/>
-              <a:buChar char="■"/>
-            </a:pPr>
-            <a:r>
-              <a:rPr lang="en" sz="1500">
-                <a:latin typeface="Montserrat"/>
-                <a:ea typeface="Montserrat"/>
-                <a:cs typeface="Montserrat"/>
-                <a:sym typeface="Montserrat"/>
-              </a:rPr>
-              <a:t>Frequency </a:t>
-            </a:r>
-            <a:endParaRPr sz="1500">
-              <a:latin typeface="Montserrat"/>
-              <a:ea typeface="Montserrat"/>
-              <a:cs typeface="Montserrat"/>
-              <a:sym typeface="Montserrat"/>
-            </a:endParaRPr>
-          </a:p>
-          <a:p>
-            <a:pPr indent="-323850" lvl="2" marL="1371600" rtl="0" algn="l">
-              <a:lnSpc>
-                <a:spcPct val="115000"/>
-              </a:lnSpc>
-              <a:spcBef>
-                <a:spcPts val="0"/>
-              </a:spcBef>
-              <a:spcAft>
-                <a:spcPts val="0"/>
-              </a:spcAft>
-              <a:buSzPts val="1500"/>
-              <a:buFont typeface="Montserrat"/>
-              <a:buChar char="■"/>
-            </a:pPr>
-            <a:r>
-              <a:rPr lang="en" sz="1500">
-                <a:latin typeface="Montserrat"/>
-                <a:ea typeface="Montserrat"/>
-                <a:cs typeface="Montserrat"/>
-                <a:sym typeface="Montserrat"/>
-              </a:rPr>
-              <a:t>Split belonging </a:t>
-            </a:r>
-            <a:endParaRPr sz="1500">
-              <a:latin typeface="Montserrat"/>
-              <a:ea typeface="Montserrat"/>
-              <a:cs typeface="Montserrat"/>
-              <a:sym typeface="Montserrat"/>
-            </a:endParaRPr>
-          </a:p>
-          <a:p>
-            <a:pPr indent="-323850" lvl="2" marL="1371600" rtl="0" algn="l">
-              <a:lnSpc>
-                <a:spcPct val="115000"/>
-              </a:lnSpc>
-              <a:spcBef>
-                <a:spcPts val="0"/>
-              </a:spcBef>
-              <a:spcAft>
-                <a:spcPts val="0"/>
-              </a:spcAft>
-              <a:buSzPts val="1500"/>
-              <a:buFont typeface="Montserrat"/>
-              <a:buChar char="■"/>
-            </a:pPr>
-            <a:r>
-              <a:rPr lang="en" sz="1500">
-                <a:latin typeface="Montserrat"/>
-                <a:ea typeface="Montserrat"/>
-                <a:cs typeface="Montserrat"/>
-                <a:sym typeface="Montserrat"/>
-              </a:rPr>
-              <a:t>RMSE value 	</a:t>
-            </a:r>
-            <a:endParaRPr sz="1500">
-              <a:latin typeface="Montserrat"/>
-              <a:ea typeface="Montserrat"/>
-              <a:cs typeface="Montserrat"/>
-              <a:sym typeface="Montserrat"/>
-            </a:endParaRPr>
-          </a:p>
-          <a:p>
-            <a:pPr indent="-323850" lvl="1" marL="914400" rtl="0" algn="l">
-              <a:lnSpc>
-                <a:spcPct val="115000"/>
-              </a:lnSpc>
-              <a:spcBef>
-                <a:spcPts val="0"/>
-              </a:spcBef>
-              <a:spcAft>
-                <a:spcPts val="0"/>
-              </a:spcAft>
-              <a:buSzPts val="1500"/>
-              <a:buFont typeface="Montserrat"/>
-              <a:buChar char="○"/>
-            </a:pPr>
-            <a:r>
-              <a:rPr lang="en" sz="1500">
-                <a:latin typeface="Montserrat"/>
-                <a:ea typeface="Montserrat"/>
-                <a:cs typeface="Montserrat"/>
-                <a:sym typeface="Montserrat"/>
-              </a:rPr>
-              <a:t>Choose the best set of parameters based on the overall score obtained</a:t>
-            </a:r>
-            <a:endParaRPr sz="1500">
-              <a:latin typeface="Montserrat"/>
-              <a:ea typeface="Montserrat"/>
-              <a:cs typeface="Montserrat"/>
-              <a:sym typeface="Montserrat"/>
-            </a:endParaRPr>
-          </a:p>
-        </p:txBody>
-      </p:sp>
       <p:pic>
         <p:nvPicPr>
-          <p:cNvPr id="214" name="Google Shape;214;g2a739442e3e_0_0"/>
+          <p:cNvPr id="216" name="Google Shape;216;g2a739442e3e_0_0"/>
           <p:cNvPicPr preferRelativeResize="0"/>
           <p:nvPr/>
         </p:nvPicPr>
@@ -15268,8 +13900,8 @@
         </p:blipFill>
         <p:spPr>
           <a:xfrm>
-            <a:off x="7758425" y="945300"/>
-            <a:ext cx="1158825" cy="1158825"/>
+            <a:off x="2995175" y="860225"/>
+            <a:ext cx="2718400" cy="4240525"/>
           </a:xfrm>
           <a:prstGeom prst="rect">
             <a:avLst/>
@@ -15282,7 +13914,7 @@
       </p:pic>
       <p:pic>
         <p:nvPicPr>
-          <p:cNvPr id="215" name="Google Shape;215;g2a739442e3e_0_0"/>
+          <p:cNvPr id="217" name="Google Shape;217;g2a739442e3e_0_0"/>
           <p:cNvPicPr preferRelativeResize="0"/>
           <p:nvPr/>
         </p:nvPicPr>
@@ -15296,7 +13928,7 @@
         </p:blipFill>
         <p:spPr>
           <a:xfrm>
-            <a:off x="7758425" y="3079122"/>
+            <a:off x="7792025" y="904972"/>
             <a:ext cx="1158825" cy="1158825"/>
           </a:xfrm>
           <a:prstGeom prst="rect">
@@ -15310,7 +13942,7 @@
       </p:pic>
       <p:pic>
         <p:nvPicPr>
-          <p:cNvPr id="216" name="Google Shape;216;g2a739442e3e_0_0"/>
+          <p:cNvPr id="218" name="Google Shape;218;g2a739442e3e_0_0"/>
           <p:cNvPicPr preferRelativeResize="0"/>
           <p:nvPr/>
         </p:nvPicPr>
@@ -15324,7 +13956,7 @@
         </p:blipFill>
         <p:spPr>
           <a:xfrm>
-            <a:off x="8463550" y="3198375"/>
+            <a:off x="8497150" y="1024225"/>
             <a:ext cx="257925" cy="223475"/>
           </a:xfrm>
           <a:prstGeom prst="rect">
@@ -15338,7 +13970,7 @@
       </p:pic>
       <p:pic>
         <p:nvPicPr>
-          <p:cNvPr id="217" name="Google Shape;217;g2a739442e3e_0_0"/>
+          <p:cNvPr id="219" name="Google Shape;219;g2a739442e3e_0_0"/>
           <p:cNvPicPr preferRelativeResize="0"/>
           <p:nvPr/>
         </p:nvPicPr>
@@ -15352,7 +13984,7 @@
         </p:blipFill>
         <p:spPr>
           <a:xfrm>
-            <a:off x="8452138" y="3166600"/>
+            <a:off x="8485738" y="992450"/>
             <a:ext cx="280750" cy="280750"/>
           </a:xfrm>
           <a:prstGeom prst="rect">
@@ -15377,7 +14009,7 @@
   <p:cSld>
     <p:spTree>
       <p:nvGrpSpPr>
-        <p:cNvPr id="221" name="Shape 221"/>
+        <p:cNvPr id="223" name="Shape 223"/>
         <p:cNvGrpSpPr/>
         <p:nvPr/>
       </p:nvGrpSpPr>
@@ -15391,7 +14023,7 @@
       </p:grpSpPr>
       <p:sp>
         <p:nvSpPr>
-          <p:cNvPr id="222" name="Google Shape;222;g2a0c6f9b0a2_0_75"/>
+          <p:cNvPr id="224" name="Google Shape;224;g2a0c6f9b0a2_0_75"/>
           <p:cNvSpPr txBox="1"/>
           <p:nvPr>
             <p:ph idx="4294967295" type="title"/>
@@ -15456,18 +14088,24 @@
           </a:p>
         </p:txBody>
       </p:sp>
-      <p:sp>
-        <p:nvSpPr>
-          <p:cNvPr id="223" name="Google Shape;223;g2a0c6f9b0a2_0_75"/>
-          <p:cNvSpPr txBox="1"/>
-          <p:nvPr>
-            <p:ph idx="4294967295" type="body"/>
-          </p:nvPr>
-        </p:nvSpPr>
-        <p:spPr>
-          <a:xfrm>
-            <a:off x="311700" y="945300"/>
-            <a:ext cx="8520600" cy="1699200"/>
+      <p:pic>
+        <p:nvPicPr>
+          <p:cNvPr id="225" name="Google Shape;225;g2a0c6f9b0a2_0_75"/>
+          <p:cNvPicPr preferRelativeResize="0"/>
+          <p:nvPr/>
+        </p:nvPicPr>
+        <p:blipFill>
+          <a:blip r:embed="rId3">
+            <a:alphaModFix/>
+          </a:blip>
+          <a:stretch>
+            <a:fillRect/>
+          </a:stretch>
+        </p:blipFill>
+        <p:spPr>
+          <a:xfrm>
+            <a:off x="7914513" y="1027463"/>
+            <a:ext cx="913850" cy="913850"/>
           </a:xfrm>
           <a:prstGeom prst="rect">
             <a:avLst/>
@@ -15477,203 +14115,10 @@
             <a:noFill/>
           </a:ln>
         </p:spPr>
-        <p:txBody>
-          <a:bodyPr anchorCtr="0" anchor="t" bIns="91425" lIns="91425" spcFirstLastPara="1" rIns="91425" wrap="square" tIns="91425">
-            <a:noAutofit/>
-          </a:bodyPr>
-          <a:lstStyle/>
-          <a:p>
-            <a:pPr indent="-323850" lvl="0" marL="457200" rtl="0" algn="l">
-              <a:lnSpc>
-                <a:spcPct val="115000"/>
-              </a:lnSpc>
-              <a:spcBef>
-                <a:spcPts val="0"/>
-              </a:spcBef>
-              <a:spcAft>
-                <a:spcPts val="0"/>
-              </a:spcAft>
-              <a:buSzPts val="1500"/>
-              <a:buFont typeface="Montserrat"/>
-              <a:buChar char="●"/>
-            </a:pPr>
-            <a:r>
-              <a:rPr b="1" lang="en" sz="1500">
-                <a:latin typeface="Montserrat"/>
-                <a:ea typeface="Montserrat"/>
-                <a:cs typeface="Montserrat"/>
-                <a:sym typeface="Montserrat"/>
-              </a:rPr>
-              <a:t>Cross Validation</a:t>
-            </a:r>
-            <a:endParaRPr b="1" sz="1500">
-              <a:latin typeface="Montserrat"/>
-              <a:ea typeface="Montserrat"/>
-              <a:cs typeface="Montserrat"/>
-              <a:sym typeface="Montserrat"/>
-            </a:endParaRPr>
-          </a:p>
-          <a:p>
-            <a:pPr indent="-323850" lvl="1" marL="914400" rtl="0" algn="l">
-              <a:lnSpc>
-                <a:spcPct val="115000"/>
-              </a:lnSpc>
-              <a:spcBef>
-                <a:spcPts val="0"/>
-              </a:spcBef>
-              <a:spcAft>
-                <a:spcPts val="0"/>
-              </a:spcAft>
-              <a:buSzPts val="1500"/>
-              <a:buFont typeface="Montserrat"/>
-              <a:buChar char="○"/>
-            </a:pPr>
-            <a:r>
-              <a:rPr lang="en" sz="1500">
-                <a:latin typeface="Montserrat"/>
-                <a:ea typeface="Montserrat"/>
-                <a:cs typeface="Montserrat"/>
-                <a:sym typeface="Montserrat"/>
-              </a:rPr>
-              <a:t>V</a:t>
-            </a:r>
-            <a:r>
-              <a:rPr lang="en" sz="1500">
-                <a:latin typeface="Montserrat"/>
-                <a:ea typeface="Montserrat"/>
-                <a:cs typeface="Montserrat"/>
-                <a:sym typeface="Montserrat"/>
-              </a:rPr>
-              <a:t>alidate performance</a:t>
-            </a:r>
-            <a:endParaRPr sz="1500">
-              <a:latin typeface="Montserrat"/>
-              <a:ea typeface="Montserrat"/>
-              <a:cs typeface="Montserrat"/>
-              <a:sym typeface="Montserrat"/>
-            </a:endParaRPr>
-          </a:p>
-          <a:p>
-            <a:pPr indent="-323850" lvl="1" marL="914400" rtl="0" algn="l">
-              <a:spcBef>
-                <a:spcPts val="0"/>
-              </a:spcBef>
-              <a:spcAft>
-                <a:spcPts val="0"/>
-              </a:spcAft>
-              <a:buSzPts val="1500"/>
-              <a:buFont typeface="Montserrat"/>
-              <a:buChar char="○"/>
-            </a:pPr>
-            <a:r>
-              <a:rPr lang="en" sz="1500">
-                <a:latin typeface="Montserrat"/>
-                <a:ea typeface="Montserrat"/>
-                <a:cs typeface="Montserrat"/>
-                <a:sym typeface="Montserrat"/>
-              </a:rPr>
-              <a:t>Block split / Walk forward split method used</a:t>
-            </a:r>
-            <a:endParaRPr sz="1500">
-              <a:latin typeface="Montserrat"/>
-              <a:ea typeface="Montserrat"/>
-              <a:cs typeface="Montserrat"/>
-              <a:sym typeface="Montserrat"/>
-            </a:endParaRPr>
-          </a:p>
-          <a:p>
-            <a:pPr indent="0" lvl="0" marL="0" rtl="0" algn="l">
-              <a:lnSpc>
-                <a:spcPct val="115000"/>
-              </a:lnSpc>
-              <a:spcBef>
-                <a:spcPts val="1200"/>
-              </a:spcBef>
-              <a:spcAft>
-                <a:spcPts val="0"/>
-              </a:spcAft>
-              <a:buSzPts val="1300"/>
-              <a:buNone/>
-            </a:pPr>
-            <a:r>
-              <a:t/>
-            </a:r>
-            <a:endParaRPr sz="1500">
-              <a:latin typeface="Montserrat"/>
-              <a:ea typeface="Montserrat"/>
-              <a:cs typeface="Montserrat"/>
-              <a:sym typeface="Montserrat"/>
-            </a:endParaRPr>
-          </a:p>
-          <a:p>
-            <a:pPr indent="-323850" lvl="0" marL="457200" rtl="0" algn="l">
-              <a:lnSpc>
-                <a:spcPct val="115000"/>
-              </a:lnSpc>
-              <a:spcBef>
-                <a:spcPts val="0"/>
-              </a:spcBef>
-              <a:spcAft>
-                <a:spcPts val="0"/>
-              </a:spcAft>
-              <a:buSzPts val="1500"/>
-              <a:buFont typeface="Montserrat"/>
-              <a:buChar char="●"/>
-            </a:pPr>
-            <a:r>
-              <a:rPr lang="en" sz="1500">
-                <a:latin typeface="Montserrat"/>
-                <a:ea typeface="Montserrat"/>
-                <a:cs typeface="Montserrat"/>
-                <a:sym typeface="Montserrat"/>
-              </a:rPr>
-              <a:t>Models trained on the whole train / validation set (if </a:t>
-            </a:r>
-            <a:r>
-              <a:rPr lang="en" sz="1500">
-                <a:latin typeface="Montserrat"/>
-                <a:ea typeface="Montserrat"/>
-                <a:cs typeface="Montserrat"/>
-                <a:sym typeface="Montserrat"/>
-              </a:rPr>
-              <a:t> final results are satisfactory)</a:t>
-            </a:r>
-            <a:endParaRPr sz="1500">
-              <a:latin typeface="Montserrat"/>
-              <a:ea typeface="Montserrat"/>
-              <a:cs typeface="Montserrat"/>
-              <a:sym typeface="Montserrat"/>
-            </a:endParaRPr>
-          </a:p>
-          <a:p>
-            <a:pPr indent="0" lvl="0" marL="0" rtl="0" algn="l">
-              <a:lnSpc>
-                <a:spcPct val="115000"/>
-              </a:lnSpc>
-              <a:spcBef>
-                <a:spcPts val="0"/>
-              </a:spcBef>
-              <a:spcAft>
-                <a:spcPts val="0"/>
-              </a:spcAft>
-              <a:buSzPts val="1300"/>
-              <a:buNone/>
-            </a:pPr>
-            <a:r>
-              <a:t/>
-            </a:r>
-            <a:endParaRPr sz="1500">
-              <a:latin typeface="Montserrat"/>
-              <a:ea typeface="Montserrat"/>
-              <a:cs typeface="Montserrat"/>
-              <a:sym typeface="Montserrat"/>
-            </a:endParaRPr>
-          </a:p>
-        </p:txBody>
-      </p:sp>
+      </p:pic>
       <p:pic>
         <p:nvPicPr>
-          <p:cNvPr id="224" name="Google Shape;224;g2a0c6f9b0a2_0_75"/>
+          <p:cNvPr id="226" name="Google Shape;226;g2a0c6f9b0a2_0_75"/>
           <p:cNvPicPr preferRelativeResize="0"/>
           <p:nvPr/>
         </p:nvPicPr>
@@ -15687,8 +14132,8 @@
         </p:blipFill>
         <p:spPr>
           <a:xfrm>
-            <a:off x="7842250" y="945300"/>
-            <a:ext cx="913850" cy="913850"/>
+            <a:off x="3377763" y="988325"/>
+            <a:ext cx="3222172" cy="3978476"/>
           </a:xfrm>
           <a:prstGeom prst="rect">
             <a:avLst/>
@@ -15712,7 +14157,7 @@
   <p:cSld>
     <p:spTree>
       <p:nvGrpSpPr>
-        <p:cNvPr id="228" name="Shape 228"/>
+        <p:cNvPr id="230" name="Shape 230"/>
         <p:cNvGrpSpPr/>
         <p:nvPr/>
       </p:nvGrpSpPr>
@@ -15726,7 +14171,7 @@
       </p:grpSpPr>
       <p:sp>
         <p:nvSpPr>
-          <p:cNvPr id="229" name="Google Shape;229;g2a0c6f9b0a2_0_84"/>
+          <p:cNvPr id="231" name="Google Shape;231;g2a0c6f9b0a2_0_84"/>
           <p:cNvSpPr txBox="1"/>
           <p:nvPr>
             <p:ph idx="4294967295" type="title"/>
@@ -15784,7 +14229,7 @@
       </p:sp>
       <p:sp>
         <p:nvSpPr>
-          <p:cNvPr id="230" name="Google Shape;230;g2a0c6f9b0a2_0_84"/>
+          <p:cNvPr id="232" name="Google Shape;232;g2a0c6f9b0a2_0_84"/>
           <p:cNvSpPr txBox="1"/>
           <p:nvPr>
             <p:ph idx="4294967295" type="body"/>
@@ -15871,7 +14316,7 @@
             </a:endParaRPr>
           </a:p>
           <a:p>
-            <a:pPr indent="-323850" lvl="1" marL="914400" rtl="0" algn="l">
+            <a:pPr indent="0" lvl="0" marL="0" rtl="0" algn="l">
               <a:lnSpc>
                 <a:spcPct val="115000"/>
               </a:lnSpc>
@@ -15881,49 +14326,10 @@
               <a:spcAft>
                 <a:spcPts val="0"/>
               </a:spcAft>
-              <a:buSzPts val="1500"/>
-              <a:buFont typeface="Montserrat"/>
-              <a:buChar char="○"/>
-            </a:pPr>
-            <a:r>
-              <a:rPr b="1" lang="en" sz="1500">
-                <a:latin typeface="Montserrat"/>
-                <a:ea typeface="Montserrat"/>
-                <a:cs typeface="Montserrat"/>
-                <a:sym typeface="Montserrat"/>
-              </a:rPr>
-              <a:t>Splitting</a:t>
-            </a:r>
-            <a:endParaRPr b="1" sz="1500">
-              <a:latin typeface="Montserrat"/>
-              <a:ea typeface="Montserrat"/>
-              <a:cs typeface="Montserrat"/>
-              <a:sym typeface="Montserrat"/>
-            </a:endParaRPr>
-          </a:p>
-          <a:p>
-            <a:pPr indent="-323850" lvl="2" marL="1371600" rtl="0" algn="l">
-              <a:lnSpc>
-                <a:spcPct val="115000"/>
-              </a:lnSpc>
-              <a:spcBef>
-                <a:spcPts val="0"/>
-              </a:spcBef>
-              <a:spcAft>
-                <a:spcPts val="0"/>
-              </a:spcAft>
-              <a:buSzPts val="1500"/>
-              <a:buFont typeface="Montserrat"/>
-              <a:buChar char="■"/>
-            </a:pPr>
-            <a:r>
-              <a:rPr lang="en" sz="1500">
-                <a:latin typeface="Montserrat"/>
-                <a:ea typeface="Montserrat"/>
-                <a:cs typeface="Montserrat"/>
-                <a:sym typeface="Montserrat"/>
-              </a:rPr>
-              <a:t>1 week</a:t>
+              <a:buNone/>
+            </a:pPr>
+            <a:r>
+              <a:t/>
             </a:r>
             <a:endParaRPr sz="1500">
               <a:latin typeface="Montserrat"/>
@@ -15933,7 +14339,7 @@
             </a:endParaRPr>
           </a:p>
           <a:p>
-            <a:pPr indent="-323850" lvl="2" marL="1371600" rtl="0" algn="l">
+            <a:pPr indent="0" lvl="0" marL="0" rtl="0" algn="l">
               <a:lnSpc>
                 <a:spcPct val="115000"/>
               </a:lnSpc>
@@ -15943,18 +14349,10 @@
               <a:spcAft>
                 <a:spcPts val="0"/>
               </a:spcAft>
-              <a:buSzPts val="1500"/>
-              <a:buFont typeface="Montserrat"/>
-              <a:buChar char="■"/>
-            </a:pPr>
-            <a:r>
-              <a:rPr lang="en" sz="1500">
-                <a:latin typeface="Montserrat"/>
-                <a:ea typeface="Montserrat"/>
-                <a:cs typeface="Montserrat"/>
-                <a:sym typeface="Montserrat"/>
-              </a:rPr>
-              <a:t>15 days</a:t>
+              <a:buNone/>
+            </a:pPr>
+            <a:r>
+              <a:t/>
             </a:r>
             <a:endParaRPr sz="1500">
               <a:latin typeface="Montserrat"/>
@@ -15964,7 +14362,7 @@
             </a:endParaRPr>
           </a:p>
           <a:p>
-            <a:pPr indent="-323850" lvl="2" marL="1371600" rtl="0" algn="l">
+            <a:pPr indent="0" lvl="0" marL="0" rtl="0" algn="l">
               <a:lnSpc>
                 <a:spcPct val="115000"/>
               </a:lnSpc>
@@ -15974,18 +14372,10 @@
               <a:spcAft>
                 <a:spcPts val="0"/>
               </a:spcAft>
-              <a:buSzPts val="1500"/>
-              <a:buFont typeface="Montserrat"/>
-              <a:buChar char="■"/>
-            </a:pPr>
-            <a:r>
-              <a:rPr lang="en" sz="1500">
-                <a:latin typeface="Montserrat"/>
-                <a:ea typeface="Montserrat"/>
-                <a:cs typeface="Montserrat"/>
-                <a:sym typeface="Montserrat"/>
-              </a:rPr>
-              <a:t>1 month</a:t>
+              <a:buNone/>
+            </a:pPr>
+            <a:r>
+              <a:t/>
             </a:r>
             <a:endParaRPr sz="1500">
               <a:latin typeface="Montserrat"/>
@@ -15995,7 +14385,7 @@
             </a:endParaRPr>
           </a:p>
           <a:p>
-            <a:pPr indent="-323850" lvl="2" marL="1371600" rtl="0" algn="l">
+            <a:pPr indent="0" lvl="0" marL="0" rtl="0" algn="l">
               <a:lnSpc>
                 <a:spcPct val="115000"/>
               </a:lnSpc>
@@ -16005,18 +14395,33 @@
               <a:spcAft>
                 <a:spcPts val="0"/>
               </a:spcAft>
-              <a:buSzPts val="1500"/>
-              <a:buFont typeface="Montserrat"/>
-              <a:buChar char="■"/>
-            </a:pPr>
-            <a:r>
-              <a:rPr lang="en" sz="1500">
-                <a:latin typeface="Montserrat"/>
-                <a:ea typeface="Montserrat"/>
-                <a:cs typeface="Montserrat"/>
-                <a:sym typeface="Montserrat"/>
-              </a:rPr>
-              <a:t>3 months</a:t>
+              <a:buNone/>
+            </a:pPr>
+            <a:r>
+              <a:t/>
+            </a:r>
+            <a:endParaRPr sz="1500">
+              <a:latin typeface="Montserrat"/>
+              <a:ea typeface="Montserrat"/>
+              <a:cs typeface="Montserrat"/>
+              <a:sym typeface="Montserrat"/>
+            </a:endParaRPr>
+          </a:p>
+          <a:p>
+            <a:pPr indent="0" lvl="0" marL="0" rtl="0" algn="l">
+              <a:lnSpc>
+                <a:spcPct val="115000"/>
+              </a:lnSpc>
+              <a:spcBef>
+                <a:spcPts val="0"/>
+              </a:spcBef>
+              <a:spcAft>
+                <a:spcPts val="0"/>
+              </a:spcAft>
+              <a:buNone/>
+            </a:pPr>
+            <a:r>
+              <a:t/>
             </a:r>
             <a:endParaRPr sz="1500">
               <a:latin typeface="Montserrat"/>
@@ -16060,7 +14465,7 @@
       </p:sp>
       <p:pic>
         <p:nvPicPr>
-          <p:cNvPr id="231" name="Google Shape;231;g2a0c6f9b0a2_0_84"/>
+          <p:cNvPr id="233" name="Google Shape;233;g2a0c6f9b0a2_0_84"/>
           <p:cNvPicPr preferRelativeResize="0"/>
           <p:nvPr/>
         </p:nvPicPr>
@@ -16087,7 +14492,7 @@
       </p:pic>
       <p:pic>
         <p:nvPicPr>
-          <p:cNvPr id="232" name="Google Shape;232;g2a0c6f9b0a2_0_84"/>
+          <p:cNvPr id="234" name="Google Shape;234;g2a0c6f9b0a2_0_84"/>
           <p:cNvPicPr preferRelativeResize="0"/>
           <p:nvPr/>
         </p:nvPicPr>
@@ -16100,8 +14505,63 @@
         </p:blipFill>
         <p:spPr>
           <a:xfrm>
-            <a:off x="7081675" y="2162950"/>
+            <a:off x="7137625" y="2381175"/>
             <a:ext cx="1449549" cy="1054850"/>
+          </a:xfrm>
+          <a:prstGeom prst="rect">
+            <a:avLst/>
+          </a:prstGeom>
+          <a:noFill/>
+          <a:ln>
+            <a:noFill/>
+          </a:ln>
+        </p:spPr>
+      </p:pic>
+      <p:pic>
+        <p:nvPicPr>
+          <p:cNvPr id="235" name="Google Shape;235;g2a0c6f9b0a2_0_84"/>
+          <p:cNvPicPr preferRelativeResize="0"/>
+          <p:nvPr/>
+        </p:nvPicPr>
+        <p:blipFill>
+          <a:blip r:embed="rId4">
+            <a:alphaModFix/>
+          </a:blip>
+          <a:stretch>
+            <a:fillRect/>
+          </a:stretch>
+        </p:blipFill>
+        <p:spPr>
+          <a:xfrm>
+            <a:off x="1589270" y="1606575"/>
+            <a:ext cx="4257475" cy="1206175"/>
+          </a:xfrm>
+          <a:prstGeom prst="rect">
+            <a:avLst/>
+          </a:prstGeom>
+          <a:noFill/>
+          <a:ln>
+            <a:noFill/>
+          </a:ln>
+        </p:spPr>
+      </p:pic>
+      <p:pic>
+        <p:nvPicPr>
+          <p:cNvPr id="236" name="Google Shape;236;g2a0c6f9b0a2_0_84"/>
+          <p:cNvPicPr preferRelativeResize="0"/>
+          <p:nvPr/>
+        </p:nvPicPr>
+        <p:blipFill rotWithShape="1">
+          <a:blip r:embed="rId3">
+            <a:alphaModFix/>
+          </a:blip>
+          <a:srcRect b="86162" l="14879" r="79765" t="5685"/>
+          <a:stretch/>
+        </p:blipFill>
+        <p:spPr>
+          <a:xfrm>
+            <a:off x="928925" y="3217800"/>
+            <a:ext cx="565228" cy="177725"/>
           </a:xfrm>
           <a:prstGeom prst="rect">
             <a:avLst/>
@@ -16125,7 +14585,7 @@
   <p:cSld>
     <p:spTree>
       <p:nvGrpSpPr>
-        <p:cNvPr id="236" name="Shape 236"/>
+        <p:cNvPr id="240" name="Shape 240"/>
         <p:cNvGrpSpPr/>
         <p:nvPr/>
       </p:nvGrpSpPr>
@@ -16139,7 +14599,7 @@
       </p:grpSpPr>
       <p:sp>
         <p:nvSpPr>
-          <p:cNvPr id="237" name="Google Shape;237;g2a0c6f9b0a2_0_91"/>
+          <p:cNvPr id="241" name="Google Shape;241;g2a0c6f9b0a2_0_91"/>
           <p:cNvSpPr txBox="1"/>
           <p:nvPr>
             <p:ph idx="4294967295" type="title"/>
@@ -16197,7 +14657,7 @@
       </p:sp>
       <p:pic>
         <p:nvPicPr>
-          <p:cNvPr id="238" name="Google Shape;238;g2a0c6f9b0a2_0_91"/>
+          <p:cNvPr id="242" name="Google Shape;242;g2a0c6f9b0a2_0_91"/>
           <p:cNvPicPr preferRelativeResize="0"/>
           <p:nvPr/>
         </p:nvPicPr>
@@ -16212,114 +14672,6 @@
           <a:xfrm>
             <a:off x="101600" y="1455650"/>
             <a:ext cx="2876550" cy="443200"/>
-          </a:xfrm>
-          <a:prstGeom prst="rect">
-            <a:avLst/>
-          </a:prstGeom>
-          <a:noFill/>
-          <a:ln>
-            <a:noFill/>
-          </a:ln>
-        </p:spPr>
-      </p:pic>
-      <p:pic>
-        <p:nvPicPr>
-          <p:cNvPr id="239" name="Google Shape;239;g2a0c6f9b0a2_0_91"/>
-          <p:cNvPicPr preferRelativeResize="0"/>
-          <p:nvPr/>
-        </p:nvPicPr>
-        <p:blipFill rotWithShape="1">
-          <a:blip r:embed="rId5">
-            <a:alphaModFix/>
-          </a:blip>
-          <a:srcRect b="85184" l="0" r="68798" t="0"/>
-          <a:stretch/>
-        </p:blipFill>
-        <p:spPr>
-          <a:xfrm>
-            <a:off x="2952000" y="901175"/>
-            <a:ext cx="4153467" cy="485337"/>
-          </a:xfrm>
-          <a:prstGeom prst="rect">
-            <a:avLst/>
-          </a:prstGeom>
-          <a:noFill/>
-          <a:ln>
-            <a:noFill/>
-          </a:ln>
-        </p:spPr>
-      </p:pic>
-      <p:pic>
-        <p:nvPicPr>
-          <p:cNvPr id="240" name="Google Shape;240;g2a0c6f9b0a2_0_91"/>
-          <p:cNvPicPr preferRelativeResize="0"/>
-          <p:nvPr/>
-        </p:nvPicPr>
-        <p:blipFill rotWithShape="1">
-          <a:blip r:embed="rId4">
-            <a:alphaModFix/>
-          </a:blip>
-          <a:srcRect b="50203" l="65069" r="0" t="18943"/>
-          <a:stretch/>
-        </p:blipFill>
-        <p:spPr>
-          <a:xfrm>
-            <a:off x="6980875" y="1682750"/>
-            <a:ext cx="1701000" cy="1073150"/>
-          </a:xfrm>
-          <a:prstGeom prst="rect">
-            <a:avLst/>
-          </a:prstGeom>
-          <a:noFill/>
-          <a:ln>
-            <a:noFill/>
-          </a:ln>
-        </p:spPr>
-      </p:pic>
-      <p:pic>
-        <p:nvPicPr>
-          <p:cNvPr id="241" name="Google Shape;241;g2a0c6f9b0a2_0_91"/>
-          <p:cNvPicPr preferRelativeResize="0"/>
-          <p:nvPr/>
-        </p:nvPicPr>
-        <p:blipFill rotWithShape="1">
-          <a:blip r:embed="rId5">
-            <a:alphaModFix/>
-          </a:blip>
-          <a:srcRect b="0" l="0" r="68798" t="13882"/>
-          <a:stretch/>
-        </p:blipFill>
-        <p:spPr>
-          <a:xfrm>
-            <a:off x="3370501" y="1365450"/>
-            <a:ext cx="3178250" cy="2158800"/>
-          </a:xfrm>
-          <a:prstGeom prst="rect">
-            <a:avLst/>
-          </a:prstGeom>
-          <a:noFill/>
-          <a:ln>
-            <a:noFill/>
-          </a:ln>
-        </p:spPr>
-      </p:pic>
-      <p:pic>
-        <p:nvPicPr>
-          <p:cNvPr id="242" name="Google Shape;242;g2a0c6f9b0a2_0_91"/>
-          <p:cNvPicPr preferRelativeResize="0"/>
-          <p:nvPr/>
-        </p:nvPicPr>
-        <p:blipFill rotWithShape="1">
-          <a:blip r:embed="rId5">
-            <a:alphaModFix/>
-          </a:blip>
-          <a:srcRect b="4392" l="58558" r="13427" t="14107"/>
-          <a:stretch/>
-        </p:blipFill>
-        <p:spPr>
-          <a:xfrm>
-            <a:off x="6284325" y="3336838"/>
-            <a:ext cx="2465751" cy="1765300"/>
           </a:xfrm>
           <a:prstGeom prst="rect">
             <a:avLst/>
@@ -16340,13 +14692,13 @@
           <a:blip r:embed="rId5">
             <a:alphaModFix/>
           </a:blip>
-          <a:srcRect b="4863" l="30763" r="41221" t="13941"/>
+          <a:srcRect b="85184" l="0" r="68798" t="0"/>
           <a:stretch/>
         </p:blipFill>
         <p:spPr>
           <a:xfrm>
-            <a:off x="3672850" y="3340100"/>
-            <a:ext cx="2465751" cy="1758784"/>
+            <a:off x="2952000" y="901175"/>
+            <a:ext cx="4153467" cy="485337"/>
           </a:xfrm>
           <a:prstGeom prst="rect">
             <a:avLst/>
@@ -16364,16 +14716,16 @@
           <p:nvPr/>
         </p:nvPicPr>
         <p:blipFill rotWithShape="1">
-          <a:blip r:embed="rId5">
+          <a:blip r:embed="rId4">
             <a:alphaModFix/>
           </a:blip>
-          <a:srcRect b="11999" l="0" r="96248" t="13882"/>
+          <a:srcRect b="50203" l="65069" r="0" t="18943"/>
           <a:stretch/>
         </p:blipFill>
         <p:spPr>
           <a:xfrm>
-            <a:off x="3391575" y="3340100"/>
-            <a:ext cx="332698" cy="1617675"/>
+            <a:off x="6980875" y="1682750"/>
+            <a:ext cx="1701000" cy="1073150"/>
           </a:xfrm>
           <a:prstGeom prst="rect">
             <a:avLst/>
@@ -16394,13 +14746,13 @@
           <a:blip r:embed="rId5">
             <a:alphaModFix/>
           </a:blip>
-          <a:srcRect b="11999" l="0" r="96248" t="13882"/>
+          <a:srcRect b="0" l="0" r="68798" t="13882"/>
           <a:stretch/>
         </p:blipFill>
         <p:spPr>
           <a:xfrm>
-            <a:off x="6025250" y="3340100"/>
-            <a:ext cx="332698" cy="1617675"/>
+            <a:off x="3370501" y="1365450"/>
+            <a:ext cx="3178250" cy="2158800"/>
           </a:xfrm>
           <a:prstGeom prst="rect">
             <a:avLst/>
@@ -16414,6 +14766,114 @@
       <p:pic>
         <p:nvPicPr>
           <p:cNvPr id="246" name="Google Shape;246;g2a0c6f9b0a2_0_91"/>
+          <p:cNvPicPr preferRelativeResize="0"/>
+          <p:nvPr/>
+        </p:nvPicPr>
+        <p:blipFill rotWithShape="1">
+          <a:blip r:embed="rId5">
+            <a:alphaModFix/>
+          </a:blip>
+          <a:srcRect b="4392" l="58558" r="13427" t="14107"/>
+          <a:stretch/>
+        </p:blipFill>
+        <p:spPr>
+          <a:xfrm>
+            <a:off x="6284325" y="3336838"/>
+            <a:ext cx="2465751" cy="1765300"/>
+          </a:xfrm>
+          <a:prstGeom prst="rect">
+            <a:avLst/>
+          </a:prstGeom>
+          <a:noFill/>
+          <a:ln>
+            <a:noFill/>
+          </a:ln>
+        </p:spPr>
+      </p:pic>
+      <p:pic>
+        <p:nvPicPr>
+          <p:cNvPr id="247" name="Google Shape;247;g2a0c6f9b0a2_0_91"/>
+          <p:cNvPicPr preferRelativeResize="0"/>
+          <p:nvPr/>
+        </p:nvPicPr>
+        <p:blipFill rotWithShape="1">
+          <a:blip r:embed="rId5">
+            <a:alphaModFix/>
+          </a:blip>
+          <a:srcRect b="4863" l="30763" r="41221" t="13941"/>
+          <a:stretch/>
+        </p:blipFill>
+        <p:spPr>
+          <a:xfrm>
+            <a:off x="3672850" y="3340100"/>
+            <a:ext cx="2465751" cy="1758784"/>
+          </a:xfrm>
+          <a:prstGeom prst="rect">
+            <a:avLst/>
+          </a:prstGeom>
+          <a:noFill/>
+          <a:ln>
+            <a:noFill/>
+          </a:ln>
+        </p:spPr>
+      </p:pic>
+      <p:pic>
+        <p:nvPicPr>
+          <p:cNvPr id="248" name="Google Shape;248;g2a0c6f9b0a2_0_91"/>
+          <p:cNvPicPr preferRelativeResize="0"/>
+          <p:nvPr/>
+        </p:nvPicPr>
+        <p:blipFill rotWithShape="1">
+          <a:blip r:embed="rId5">
+            <a:alphaModFix/>
+          </a:blip>
+          <a:srcRect b="11999" l="0" r="96248" t="13882"/>
+          <a:stretch/>
+        </p:blipFill>
+        <p:spPr>
+          <a:xfrm>
+            <a:off x="3391575" y="3340100"/>
+            <a:ext cx="332698" cy="1617675"/>
+          </a:xfrm>
+          <a:prstGeom prst="rect">
+            <a:avLst/>
+          </a:prstGeom>
+          <a:noFill/>
+          <a:ln>
+            <a:noFill/>
+          </a:ln>
+        </p:spPr>
+      </p:pic>
+      <p:pic>
+        <p:nvPicPr>
+          <p:cNvPr id="249" name="Google Shape;249;g2a0c6f9b0a2_0_91"/>
+          <p:cNvPicPr preferRelativeResize="0"/>
+          <p:nvPr/>
+        </p:nvPicPr>
+        <p:blipFill rotWithShape="1">
+          <a:blip r:embed="rId5">
+            <a:alphaModFix/>
+          </a:blip>
+          <a:srcRect b="11999" l="0" r="96248" t="13882"/>
+          <a:stretch/>
+        </p:blipFill>
+        <p:spPr>
+          <a:xfrm>
+            <a:off x="6025250" y="3340100"/>
+            <a:ext cx="332698" cy="1617675"/>
+          </a:xfrm>
+          <a:prstGeom prst="rect">
+            <a:avLst/>
+          </a:prstGeom>
+          <a:noFill/>
+          <a:ln>
+            <a:noFill/>
+          </a:ln>
+        </p:spPr>
+      </p:pic>
+      <p:pic>
+        <p:nvPicPr>
+          <p:cNvPr id="250" name="Google Shape;250;g2a0c6f9b0a2_0_91"/>
           <p:cNvPicPr preferRelativeResize="0"/>
           <p:nvPr/>
         </p:nvPicPr>
@@ -16440,7 +14900,7 @@
       </p:pic>
       <p:pic>
         <p:nvPicPr>
-          <p:cNvPr id="247" name="Google Shape;247;g2a0c6f9b0a2_0_91"/>
+          <p:cNvPr id="251" name="Google Shape;251;g2a0c6f9b0a2_0_91"/>
           <p:cNvPicPr preferRelativeResize="0"/>
           <p:nvPr/>
         </p:nvPicPr>
@@ -16468,7 +14928,7 @@
       </p:pic>
       <p:pic>
         <p:nvPicPr>
-          <p:cNvPr id="248" name="Google Shape;248;g2a0c6f9b0a2_0_91"/>
+          <p:cNvPr id="252" name="Google Shape;252;g2a0c6f9b0a2_0_91"/>
           <p:cNvPicPr preferRelativeResize="0"/>
           <p:nvPr/>
         </p:nvPicPr>
@@ -16507,7 +14967,7 @@
   <p:cSld>
     <p:spTree>
       <p:nvGrpSpPr>
-        <p:cNvPr id="252" name="Shape 252"/>
+        <p:cNvPr id="256" name="Shape 256"/>
         <p:cNvGrpSpPr/>
         <p:nvPr/>
       </p:nvGrpSpPr>
@@ -16521,7 +14981,7 @@
       </p:grpSpPr>
       <p:sp>
         <p:nvSpPr>
-          <p:cNvPr id="253" name="Google Shape;253;g2a0c6f9b0a2_0_97"/>
+          <p:cNvPr id="257" name="Google Shape;257;g2a0c6f9b0a2_0_97"/>
           <p:cNvSpPr txBox="1"/>
           <p:nvPr>
             <p:ph idx="4294967295" type="title"/>
@@ -16579,7 +15039,7 @@
       </p:sp>
       <p:pic>
         <p:nvPicPr>
-          <p:cNvPr id="254" name="Google Shape;254;g2a0c6f9b0a2_0_97"/>
+          <p:cNvPr id="258" name="Google Shape;258;g2a0c6f9b0a2_0_97"/>
           <p:cNvPicPr preferRelativeResize="0"/>
           <p:nvPr/>
         </p:nvPicPr>
@@ -16606,7 +15066,7 @@
       </p:pic>
       <p:pic>
         <p:nvPicPr>
-          <p:cNvPr id="255" name="Google Shape;255;g2a0c6f9b0a2_0_97"/>
+          <p:cNvPr id="259" name="Google Shape;259;g2a0c6f9b0a2_0_97"/>
           <p:cNvPicPr preferRelativeResize="0"/>
           <p:nvPr/>
         </p:nvPicPr>
@@ -16621,114 +15081,6 @@
           <a:xfrm>
             <a:off x="7473950" y="1774625"/>
             <a:ext cx="768348" cy="557850"/>
-          </a:xfrm>
-          <a:prstGeom prst="rect">
-            <a:avLst/>
-          </a:prstGeom>
-          <a:noFill/>
-          <a:ln>
-            <a:noFill/>
-          </a:ln>
-        </p:spPr>
-      </p:pic>
-      <p:pic>
-        <p:nvPicPr>
-          <p:cNvPr id="256" name="Google Shape;256;g2a0c6f9b0a2_0_97"/>
-          <p:cNvPicPr preferRelativeResize="0"/>
-          <p:nvPr/>
-        </p:nvPicPr>
-        <p:blipFill rotWithShape="1">
-          <a:blip r:embed="rId4">
-            <a:alphaModFix/>
-          </a:blip>
-          <a:srcRect b="5846" l="63793" r="5890" t="14172"/>
-          <a:stretch/>
-        </p:blipFill>
-        <p:spPr>
-          <a:xfrm>
-            <a:off x="6456675" y="3333950"/>
-            <a:ext cx="2679700" cy="1739900"/>
-          </a:xfrm>
-          <a:prstGeom prst="rect">
-            <a:avLst/>
-          </a:prstGeom>
-          <a:noFill/>
-          <a:ln>
-            <a:noFill/>
-          </a:ln>
-        </p:spPr>
-      </p:pic>
-      <p:pic>
-        <p:nvPicPr>
-          <p:cNvPr id="257" name="Google Shape;257;g2a0c6f9b0a2_0_97"/>
-          <p:cNvPicPr preferRelativeResize="0"/>
-          <p:nvPr/>
-        </p:nvPicPr>
-        <p:blipFill rotWithShape="1">
-          <a:blip r:embed="rId4">
-            <a:alphaModFix/>
-          </a:blip>
-          <a:srcRect b="5846" l="33258" r="35938" t="14172"/>
-          <a:stretch/>
-        </p:blipFill>
-        <p:spPr>
-          <a:xfrm>
-            <a:off x="3581400" y="3333950"/>
-            <a:ext cx="2722877" cy="1739900"/>
-          </a:xfrm>
-          <a:prstGeom prst="rect">
-            <a:avLst/>
-          </a:prstGeom>
-          <a:noFill/>
-          <a:ln>
-            <a:noFill/>
-          </a:ln>
-        </p:spPr>
-      </p:pic>
-      <p:pic>
-        <p:nvPicPr>
-          <p:cNvPr id="258" name="Google Shape;258;g2a0c6f9b0a2_0_97"/>
-          <p:cNvPicPr preferRelativeResize="0"/>
-          <p:nvPr/>
-        </p:nvPicPr>
-        <p:blipFill rotWithShape="1">
-          <a:blip r:embed="rId4">
-            <a:alphaModFix/>
-          </a:blip>
-          <a:srcRect b="12710" l="0" r="96262" t="18950"/>
-          <a:stretch/>
-        </p:blipFill>
-        <p:spPr>
-          <a:xfrm>
-            <a:off x="3312700" y="3430250"/>
-            <a:ext cx="336476" cy="1514200"/>
-          </a:xfrm>
-          <a:prstGeom prst="rect">
-            <a:avLst/>
-          </a:prstGeom>
-          <a:noFill/>
-          <a:ln>
-            <a:noFill/>
-          </a:ln>
-        </p:spPr>
-      </p:pic>
-      <p:pic>
-        <p:nvPicPr>
-          <p:cNvPr id="259" name="Google Shape;259;g2a0c6f9b0a2_0_97"/>
-          <p:cNvPicPr preferRelativeResize="0"/>
-          <p:nvPr/>
-        </p:nvPicPr>
-        <p:blipFill rotWithShape="1">
-          <a:blip r:embed="rId5">
-            <a:alphaModFix/>
-          </a:blip>
-          <a:srcRect b="86975" l="1847" r="14547" t="0"/>
-          <a:stretch/>
-        </p:blipFill>
-        <p:spPr>
-          <a:xfrm>
-            <a:off x="127000" y="1425575"/>
-            <a:ext cx="3454400" cy="384375"/>
           </a:xfrm>
           <a:prstGeom prst="rect">
             <a:avLst/>
@@ -16749,13 +15101,13 @@
           <a:blip r:embed="rId4">
             <a:alphaModFix/>
           </a:blip>
-          <a:srcRect b="12710" l="0" r="96262" t="18950"/>
+          <a:srcRect b="5846" l="63793" r="5890" t="14172"/>
           <a:stretch/>
         </p:blipFill>
         <p:spPr>
           <a:xfrm>
-            <a:off x="6175300" y="3430250"/>
-            <a:ext cx="336476" cy="1514200"/>
+            <a:off x="6456675" y="3333950"/>
+            <a:ext cx="2679700" cy="1739900"/>
           </a:xfrm>
           <a:prstGeom prst="rect">
             <a:avLst/>
@@ -16773,16 +15125,16 @@
           <p:nvPr/>
         </p:nvPicPr>
         <p:blipFill rotWithShape="1">
-          <a:blip r:embed="rId5">
+          <a:blip r:embed="rId4">
             <a:alphaModFix/>
           </a:blip>
-          <a:srcRect b="0" l="1847" r="14547" t="15909"/>
+          <a:srcRect b="5846" l="33258" r="35938" t="14172"/>
           <a:stretch/>
         </p:blipFill>
         <p:spPr>
           <a:xfrm>
-            <a:off x="68675" y="1849525"/>
-            <a:ext cx="3320224" cy="2481650"/>
+            <a:off x="3581400" y="3333950"/>
+            <a:ext cx="2722877" cy="1739900"/>
           </a:xfrm>
           <a:prstGeom prst="rect">
             <a:avLst/>
@@ -16803,13 +15155,13 @@
           <a:blip r:embed="rId4">
             <a:alphaModFix/>
           </a:blip>
-          <a:srcRect b="86890" l="0" r="66810" t="0"/>
+          <a:srcRect b="12710" l="0" r="96262" t="18950"/>
           <a:stretch/>
         </p:blipFill>
         <p:spPr>
           <a:xfrm>
-            <a:off x="2933700" y="1012625"/>
-            <a:ext cx="3954360" cy="384376"/>
+            <a:off x="3312700" y="3430250"/>
+            <a:ext cx="336476" cy="1514200"/>
           </a:xfrm>
           <a:prstGeom prst="rect">
             <a:avLst/>
@@ -16823,6 +15175,114 @@
       <p:pic>
         <p:nvPicPr>
           <p:cNvPr id="263" name="Google Shape;263;g2a0c6f9b0a2_0_97"/>
+          <p:cNvPicPr preferRelativeResize="0"/>
+          <p:nvPr/>
+        </p:nvPicPr>
+        <p:blipFill rotWithShape="1">
+          <a:blip r:embed="rId5">
+            <a:alphaModFix/>
+          </a:blip>
+          <a:srcRect b="86975" l="1847" r="14547" t="0"/>
+          <a:stretch/>
+        </p:blipFill>
+        <p:spPr>
+          <a:xfrm>
+            <a:off x="127000" y="1425575"/>
+            <a:ext cx="3454400" cy="384375"/>
+          </a:xfrm>
+          <a:prstGeom prst="rect">
+            <a:avLst/>
+          </a:prstGeom>
+          <a:noFill/>
+          <a:ln>
+            <a:noFill/>
+          </a:ln>
+        </p:spPr>
+      </p:pic>
+      <p:pic>
+        <p:nvPicPr>
+          <p:cNvPr id="264" name="Google Shape;264;g2a0c6f9b0a2_0_97"/>
+          <p:cNvPicPr preferRelativeResize="0"/>
+          <p:nvPr/>
+        </p:nvPicPr>
+        <p:blipFill rotWithShape="1">
+          <a:blip r:embed="rId4">
+            <a:alphaModFix/>
+          </a:blip>
+          <a:srcRect b="12710" l="0" r="96262" t="18950"/>
+          <a:stretch/>
+        </p:blipFill>
+        <p:spPr>
+          <a:xfrm>
+            <a:off x="6175300" y="3430250"/>
+            <a:ext cx="336476" cy="1514200"/>
+          </a:xfrm>
+          <a:prstGeom prst="rect">
+            <a:avLst/>
+          </a:prstGeom>
+          <a:noFill/>
+          <a:ln>
+            <a:noFill/>
+          </a:ln>
+        </p:spPr>
+      </p:pic>
+      <p:pic>
+        <p:nvPicPr>
+          <p:cNvPr id="265" name="Google Shape;265;g2a0c6f9b0a2_0_97"/>
+          <p:cNvPicPr preferRelativeResize="0"/>
+          <p:nvPr/>
+        </p:nvPicPr>
+        <p:blipFill rotWithShape="1">
+          <a:blip r:embed="rId5">
+            <a:alphaModFix/>
+          </a:blip>
+          <a:srcRect b="0" l="1847" r="14547" t="15909"/>
+          <a:stretch/>
+        </p:blipFill>
+        <p:spPr>
+          <a:xfrm>
+            <a:off x="68675" y="1849525"/>
+            <a:ext cx="3320224" cy="2481650"/>
+          </a:xfrm>
+          <a:prstGeom prst="rect">
+            <a:avLst/>
+          </a:prstGeom>
+          <a:noFill/>
+          <a:ln>
+            <a:noFill/>
+          </a:ln>
+        </p:spPr>
+      </p:pic>
+      <p:pic>
+        <p:nvPicPr>
+          <p:cNvPr id="266" name="Google Shape;266;g2a0c6f9b0a2_0_97"/>
+          <p:cNvPicPr preferRelativeResize="0"/>
+          <p:nvPr/>
+        </p:nvPicPr>
+        <p:blipFill rotWithShape="1">
+          <a:blip r:embed="rId4">
+            <a:alphaModFix/>
+          </a:blip>
+          <a:srcRect b="86890" l="0" r="66810" t="0"/>
+          <a:stretch/>
+        </p:blipFill>
+        <p:spPr>
+          <a:xfrm>
+            <a:off x="2933700" y="1012625"/>
+            <a:ext cx="3954360" cy="384376"/>
+          </a:xfrm>
+          <a:prstGeom prst="rect">
+            <a:avLst/>
+          </a:prstGeom>
+          <a:noFill/>
+          <a:ln>
+            <a:noFill/>
+          </a:ln>
+        </p:spPr>
+      </p:pic>
+      <p:pic>
+        <p:nvPicPr>
+          <p:cNvPr id="267" name="Google Shape;267;g2a0c6f9b0a2_0_97"/>
           <p:cNvPicPr preferRelativeResize="0"/>
           <p:nvPr/>
         </p:nvPicPr>
@@ -16850,7 +15310,7 @@
       </p:pic>
       <p:pic>
         <p:nvPicPr>
-          <p:cNvPr id="264" name="Google Shape;264;g2a0c6f9b0a2_0_97"/>
+          <p:cNvPr id="268" name="Google Shape;268;g2a0c6f9b0a2_0_97"/>
           <p:cNvPicPr preferRelativeResize="0"/>
           <p:nvPr/>
         </p:nvPicPr>
@@ -16889,7 +15349,7 @@
   <p:cSld>
     <p:spTree>
       <p:nvGrpSpPr>
-        <p:cNvPr id="268" name="Shape 268"/>
+        <p:cNvPr id="272" name="Shape 272"/>
         <p:cNvGrpSpPr/>
         <p:nvPr/>
       </p:nvGrpSpPr>
@@ -16903,7 +15363,7 @@
       </p:grpSpPr>
       <p:sp>
         <p:nvSpPr>
-          <p:cNvPr id="269" name="Google Shape;269;g2a75948b1fc_3_59"/>
+          <p:cNvPr id="273" name="Google Shape;273;g2a75948b1fc_3_59"/>
           <p:cNvSpPr txBox="1"/>
           <p:nvPr>
             <p:ph idx="4294967295" type="title"/>
@@ -16961,7 +15421,7 @@
       </p:sp>
       <p:pic>
         <p:nvPicPr>
-          <p:cNvPr id="270" name="Google Shape;270;g2a75948b1fc_3_59"/>
+          <p:cNvPr id="274" name="Google Shape;274;g2a75948b1fc_3_59"/>
           <p:cNvPicPr preferRelativeResize="0"/>
           <p:nvPr/>
         </p:nvPicPr>
@@ -16988,7 +15448,7 @@
       </p:pic>
       <p:pic>
         <p:nvPicPr>
-          <p:cNvPr id="271" name="Google Shape;271;g2a75948b1fc_3_59"/>
+          <p:cNvPr id="275" name="Google Shape;275;g2a75948b1fc_3_59"/>
           <p:cNvPicPr preferRelativeResize="0"/>
           <p:nvPr/>
         </p:nvPicPr>
@@ -17015,7 +15475,7 @@
       </p:pic>
       <p:pic>
         <p:nvPicPr>
-          <p:cNvPr id="272" name="Google Shape;272;g2a75948b1fc_3_59"/>
+          <p:cNvPr id="276" name="Google Shape;276;g2a75948b1fc_3_59"/>
           <p:cNvPicPr preferRelativeResize="0"/>
           <p:nvPr/>
         </p:nvPicPr>
@@ -17043,7 +15503,7 @@
       </p:pic>
       <p:pic>
         <p:nvPicPr>
-          <p:cNvPr id="273" name="Google Shape;273;g2a75948b1fc_3_59"/>
+          <p:cNvPr id="277" name="Google Shape;277;g2a75948b1fc_3_59"/>
           <p:cNvPicPr preferRelativeResize="0"/>
           <p:nvPr/>
         </p:nvPicPr>
@@ -17082,7 +15542,7 @@
   <p:cSld>
     <p:spTree>
       <p:nvGrpSpPr>
-        <p:cNvPr id="277" name="Shape 277"/>
+        <p:cNvPr id="281" name="Shape 281"/>
         <p:cNvGrpSpPr/>
         <p:nvPr/>
       </p:nvGrpSpPr>
@@ -17096,7 +15556,7 @@
       </p:grpSpPr>
       <p:sp>
         <p:nvSpPr>
-          <p:cNvPr id="278" name="Google Shape;278;g2a0c6f9b0a2_0_103"/>
+          <p:cNvPr id="282" name="Google Shape;282;g2a0c6f9b0a2_0_103"/>
           <p:cNvSpPr txBox="1"/>
           <p:nvPr>
             <p:ph idx="4294967295" type="title"/>
@@ -17154,7 +15614,7 @@
       </p:sp>
       <p:pic>
         <p:nvPicPr>
-          <p:cNvPr id="279" name="Google Shape;279;g2a0c6f9b0a2_0_103"/>
+          <p:cNvPr id="283" name="Google Shape;283;g2a0c6f9b0a2_0_103"/>
           <p:cNvPicPr preferRelativeResize="0"/>
           <p:nvPr/>
         </p:nvPicPr>
@@ -17181,7 +15641,7 @@
       </p:pic>
       <p:pic>
         <p:nvPicPr>
-          <p:cNvPr id="280" name="Google Shape;280;g2a0c6f9b0a2_0_103"/>
+          <p:cNvPr id="284" name="Google Shape;284;g2a0c6f9b0a2_0_103"/>
           <p:cNvPicPr preferRelativeResize="0"/>
           <p:nvPr/>
         </p:nvPicPr>
@@ -17208,7 +15668,7 @@
       </p:pic>
       <p:pic>
         <p:nvPicPr>
-          <p:cNvPr id="281" name="Google Shape;281;g2a0c6f9b0a2_0_103"/>
+          <p:cNvPr id="285" name="Google Shape;285;g2a0c6f9b0a2_0_103"/>
           <p:cNvPicPr preferRelativeResize="0"/>
           <p:nvPr/>
         </p:nvPicPr>
@@ -17235,7 +15695,7 @@
       </p:pic>
       <p:pic>
         <p:nvPicPr>
-          <p:cNvPr id="282" name="Google Shape;282;g2a0c6f9b0a2_0_103"/>
+          <p:cNvPr id="286" name="Google Shape;286;g2a0c6f9b0a2_0_103"/>
           <p:cNvPicPr preferRelativeResize="0"/>
           <p:nvPr/>
         </p:nvPicPr>
@@ -17263,7 +15723,7 @@
       </p:pic>
       <p:pic>
         <p:nvPicPr>
-          <p:cNvPr id="283" name="Google Shape;283;g2a0c6f9b0a2_0_103"/>
+          <p:cNvPr id="287" name="Google Shape;287;g2a0c6f9b0a2_0_103"/>
           <p:cNvPicPr preferRelativeResize="0"/>
           <p:nvPr/>
         </p:nvPicPr>
@@ -17290,7 +15750,7 @@
       </p:pic>
       <p:pic>
         <p:nvPicPr>
-          <p:cNvPr id="284" name="Google Shape;284;g2a0c6f9b0a2_0_103"/>
+          <p:cNvPr id="288" name="Google Shape;288;g2a0c6f9b0a2_0_103"/>
           <p:cNvPicPr preferRelativeResize="0"/>
           <p:nvPr/>
         </p:nvPicPr>
@@ -17317,7 +15777,7 @@
       </p:pic>
       <p:pic>
         <p:nvPicPr>
-          <p:cNvPr id="285" name="Google Shape;285;g2a0c6f9b0a2_0_103"/>
+          <p:cNvPr id="289" name="Google Shape;289;g2a0c6f9b0a2_0_103"/>
           <p:cNvPicPr preferRelativeResize="0"/>
           <p:nvPr/>
         </p:nvPicPr>
@@ -17344,7 +15804,7 @@
       </p:pic>
       <p:pic>
         <p:nvPicPr>
-          <p:cNvPr id="286" name="Google Shape;286;g2a0c6f9b0a2_0_103"/>
+          <p:cNvPr id="290" name="Google Shape;290;g2a0c6f9b0a2_0_103"/>
           <p:cNvPicPr preferRelativeResize="0"/>
           <p:nvPr/>
         </p:nvPicPr>
@@ -17371,7 +15831,7 @@
       </p:pic>
       <p:pic>
         <p:nvPicPr>
-          <p:cNvPr id="287" name="Google Shape;287;g2a0c6f9b0a2_0_103"/>
+          <p:cNvPr id="291" name="Google Shape;291;g2a0c6f9b0a2_0_103"/>
           <p:cNvPicPr preferRelativeResize="0"/>
           <p:nvPr/>
         </p:nvPicPr>
@@ -17398,7 +15858,7 @@
       </p:pic>
       <p:pic>
         <p:nvPicPr>
-          <p:cNvPr id="288" name="Google Shape;288;g2a0c6f9b0a2_0_103"/>
+          <p:cNvPr id="292" name="Google Shape;292;g2a0c6f9b0a2_0_103"/>
           <p:cNvPicPr preferRelativeResize="0"/>
           <p:nvPr/>
         </p:nvPicPr>
@@ -17436,7 +15896,7 @@
   <p:cSld>
     <p:spTree>
       <p:nvGrpSpPr>
-        <p:cNvPr id="292" name="Shape 292"/>
+        <p:cNvPr id="296" name="Shape 296"/>
         <p:cNvGrpSpPr/>
         <p:nvPr/>
       </p:nvGrpSpPr>
@@ -17450,7 +15910,7 @@
       </p:grpSpPr>
       <p:sp>
         <p:nvSpPr>
-          <p:cNvPr id="293" name="Google Shape;293;g2a58cb8d4e2_0_19"/>
+          <p:cNvPr id="297" name="Google Shape;297;g2a58cb8d4e2_0_19"/>
           <p:cNvSpPr txBox="1"/>
           <p:nvPr>
             <p:ph idx="4294967295" type="title"/>
@@ -17508,7 +15968,7 @@
       </p:sp>
       <p:pic>
         <p:nvPicPr>
-          <p:cNvPr id="294" name="Google Shape;294;g2a58cb8d4e2_0_19"/>
+          <p:cNvPr id="298" name="Google Shape;298;g2a58cb8d4e2_0_19"/>
           <p:cNvPicPr preferRelativeResize="0"/>
           <p:nvPr/>
         </p:nvPicPr>
@@ -17535,7 +15995,7 @@
       </p:pic>
       <p:pic>
         <p:nvPicPr>
-          <p:cNvPr id="295" name="Google Shape;295;g2a58cb8d4e2_0_19"/>
+          <p:cNvPr id="299" name="Google Shape;299;g2a58cb8d4e2_0_19"/>
           <p:cNvPicPr preferRelativeResize="0"/>
           <p:nvPr/>
         </p:nvPicPr>
@@ -17550,114 +16010,6 @@
           <a:xfrm>
             <a:off x="177650" y="1381100"/>
             <a:ext cx="1932226" cy="489575"/>
-          </a:xfrm>
-          <a:prstGeom prst="rect">
-            <a:avLst/>
-          </a:prstGeom>
-          <a:noFill/>
-          <a:ln>
-            <a:noFill/>
-          </a:ln>
-        </p:spPr>
-      </p:pic>
-      <p:pic>
-        <p:nvPicPr>
-          <p:cNvPr id="296" name="Google Shape;296;g2a58cb8d4e2_0_19"/>
-          <p:cNvPicPr preferRelativeResize="0"/>
-          <p:nvPr/>
-        </p:nvPicPr>
-        <p:blipFill rotWithShape="1">
-          <a:blip r:embed="rId4">
-            <a:alphaModFix/>
-          </a:blip>
-          <a:srcRect b="58733" l="92392" r="0" t="18647"/>
-          <a:stretch/>
-        </p:blipFill>
-        <p:spPr>
-          <a:xfrm>
-            <a:off x="7898725" y="430275"/>
-            <a:ext cx="1094149" cy="800575"/>
-          </a:xfrm>
-          <a:prstGeom prst="rect">
-            <a:avLst/>
-          </a:prstGeom>
-          <a:noFill/>
-          <a:ln>
-            <a:noFill/>
-          </a:ln>
-        </p:spPr>
-      </p:pic>
-      <p:pic>
-        <p:nvPicPr>
-          <p:cNvPr id="297" name="Google Shape;297;g2a58cb8d4e2_0_19"/>
-          <p:cNvPicPr preferRelativeResize="0"/>
-          <p:nvPr/>
-        </p:nvPicPr>
-        <p:blipFill rotWithShape="1">
-          <a:blip r:embed="rId4">
-            <a:alphaModFix/>
-          </a:blip>
-          <a:srcRect b="7002" l="25502" r="52636" t="14578"/>
-          <a:stretch/>
-        </p:blipFill>
-        <p:spPr>
-          <a:xfrm>
-            <a:off x="6431125" y="1293900"/>
-            <a:ext cx="2134001" cy="1883834"/>
-          </a:xfrm>
-          <a:prstGeom prst="rect">
-            <a:avLst/>
-          </a:prstGeom>
-          <a:noFill/>
-          <a:ln>
-            <a:noFill/>
-          </a:ln>
-        </p:spPr>
-      </p:pic>
-      <p:pic>
-        <p:nvPicPr>
-          <p:cNvPr id="298" name="Google Shape;298;g2a58cb8d4e2_0_19"/>
-          <p:cNvPicPr preferRelativeResize="0"/>
-          <p:nvPr/>
-        </p:nvPicPr>
-        <p:blipFill rotWithShape="1">
-          <a:blip r:embed="rId4">
-            <a:alphaModFix/>
-          </a:blip>
-          <a:srcRect b="5722" l="0" r="74605" t="14792"/>
-          <a:stretch/>
-        </p:blipFill>
-        <p:spPr>
-          <a:xfrm>
-            <a:off x="3721450" y="1325425"/>
-            <a:ext cx="2448660" cy="1886175"/>
-          </a:xfrm>
-          <a:prstGeom prst="rect">
-            <a:avLst/>
-          </a:prstGeom>
-          <a:noFill/>
-          <a:ln>
-            <a:noFill/>
-          </a:ln>
-        </p:spPr>
-      </p:pic>
-      <p:pic>
-        <p:nvPicPr>
-          <p:cNvPr id="299" name="Google Shape;299;g2a58cb8d4e2_0_19"/>
-          <p:cNvPicPr preferRelativeResize="0"/>
-          <p:nvPr/>
-        </p:nvPicPr>
-        <p:blipFill rotWithShape="1">
-          <a:blip r:embed="rId4">
-            <a:alphaModFix/>
-          </a:blip>
-          <a:srcRect b="5063" l="47972" r="30167" t="14570"/>
-          <a:stretch/>
-        </p:blipFill>
-        <p:spPr>
-          <a:xfrm>
-            <a:off x="3997475" y="3183725"/>
-            <a:ext cx="2134011" cy="1930766"/>
           </a:xfrm>
           <a:prstGeom prst="rect">
             <a:avLst/>
@@ -17678,13 +16030,13 @@
           <a:blip r:embed="rId4">
             <a:alphaModFix/>
           </a:blip>
-          <a:srcRect b="4407" l="70534" r="7605" t="14575"/>
+          <a:srcRect b="58733" l="92392" r="0" t="18647"/>
           <a:stretch/>
         </p:blipFill>
         <p:spPr>
           <a:xfrm>
-            <a:off x="6458875" y="3167350"/>
-            <a:ext cx="2134001" cy="1946466"/>
+            <a:off x="7898725" y="430275"/>
+            <a:ext cx="1094149" cy="800575"/>
           </a:xfrm>
           <a:prstGeom prst="rect">
             <a:avLst/>
@@ -17705,13 +16057,13 @@
           <a:blip r:embed="rId4">
             <a:alphaModFix/>
           </a:blip>
-          <a:srcRect b="13730" l="790" r="96265" t="18260"/>
+          <a:srcRect b="7002" l="25502" r="52636" t="14578"/>
           <a:stretch/>
         </p:blipFill>
         <p:spPr>
           <a:xfrm>
-            <a:off x="6187400" y="1376375"/>
-            <a:ext cx="290248" cy="1650025"/>
+            <a:off x="6431125" y="1293900"/>
+            <a:ext cx="2134001" cy="1883834"/>
           </a:xfrm>
           <a:prstGeom prst="rect">
             <a:avLst/>
@@ -17732,13 +16084,13 @@
           <a:blip r:embed="rId4">
             <a:alphaModFix/>
           </a:blip>
-          <a:srcRect b="13730" l="790" r="96265" t="18260"/>
+          <a:srcRect b="5722" l="0" r="74605" t="14792"/>
           <a:stretch/>
         </p:blipFill>
         <p:spPr>
           <a:xfrm>
-            <a:off x="6194875" y="3249320"/>
-            <a:ext cx="290248" cy="1650005"/>
+            <a:off x="3721450" y="1325425"/>
+            <a:ext cx="2448660" cy="1886175"/>
           </a:xfrm>
           <a:prstGeom prst="rect">
             <a:avLst/>
@@ -17759,13 +16111,13 @@
           <a:blip r:embed="rId4">
             <a:alphaModFix/>
           </a:blip>
-          <a:srcRect b="13730" l="790" r="96265" t="18260"/>
+          <a:srcRect b="5063" l="47972" r="30167" t="14570"/>
           <a:stretch/>
         </p:blipFill>
         <p:spPr>
           <a:xfrm>
-            <a:off x="3751750" y="3275400"/>
-            <a:ext cx="287724" cy="1635625"/>
+            <a:off x="3997475" y="3183725"/>
+            <a:ext cx="2134011" cy="1930766"/>
           </a:xfrm>
           <a:prstGeom prst="rect">
             <a:avLst/>
@@ -17779,6 +16131,114 @@
       <p:pic>
         <p:nvPicPr>
           <p:cNvPr id="304" name="Google Shape;304;g2a58cb8d4e2_0_19"/>
+          <p:cNvPicPr preferRelativeResize="0"/>
+          <p:nvPr/>
+        </p:nvPicPr>
+        <p:blipFill rotWithShape="1">
+          <a:blip r:embed="rId4">
+            <a:alphaModFix/>
+          </a:blip>
+          <a:srcRect b="4407" l="70534" r="7605" t="14575"/>
+          <a:stretch/>
+        </p:blipFill>
+        <p:spPr>
+          <a:xfrm>
+            <a:off x="6458875" y="3167350"/>
+            <a:ext cx="2134001" cy="1946466"/>
+          </a:xfrm>
+          <a:prstGeom prst="rect">
+            <a:avLst/>
+          </a:prstGeom>
+          <a:noFill/>
+          <a:ln>
+            <a:noFill/>
+          </a:ln>
+        </p:spPr>
+      </p:pic>
+      <p:pic>
+        <p:nvPicPr>
+          <p:cNvPr id="305" name="Google Shape;305;g2a58cb8d4e2_0_19"/>
+          <p:cNvPicPr preferRelativeResize="0"/>
+          <p:nvPr/>
+        </p:nvPicPr>
+        <p:blipFill rotWithShape="1">
+          <a:blip r:embed="rId4">
+            <a:alphaModFix/>
+          </a:blip>
+          <a:srcRect b="13730" l="790" r="96265" t="18260"/>
+          <a:stretch/>
+        </p:blipFill>
+        <p:spPr>
+          <a:xfrm>
+            <a:off x="6187400" y="1376375"/>
+            <a:ext cx="290248" cy="1650025"/>
+          </a:xfrm>
+          <a:prstGeom prst="rect">
+            <a:avLst/>
+          </a:prstGeom>
+          <a:noFill/>
+          <a:ln>
+            <a:noFill/>
+          </a:ln>
+        </p:spPr>
+      </p:pic>
+      <p:pic>
+        <p:nvPicPr>
+          <p:cNvPr id="306" name="Google Shape;306;g2a58cb8d4e2_0_19"/>
+          <p:cNvPicPr preferRelativeResize="0"/>
+          <p:nvPr/>
+        </p:nvPicPr>
+        <p:blipFill rotWithShape="1">
+          <a:blip r:embed="rId4">
+            <a:alphaModFix/>
+          </a:blip>
+          <a:srcRect b="13730" l="790" r="96265" t="18260"/>
+          <a:stretch/>
+        </p:blipFill>
+        <p:spPr>
+          <a:xfrm>
+            <a:off x="6194875" y="3249320"/>
+            <a:ext cx="290248" cy="1650005"/>
+          </a:xfrm>
+          <a:prstGeom prst="rect">
+            <a:avLst/>
+          </a:prstGeom>
+          <a:noFill/>
+          <a:ln>
+            <a:noFill/>
+          </a:ln>
+        </p:spPr>
+      </p:pic>
+      <p:pic>
+        <p:nvPicPr>
+          <p:cNvPr id="307" name="Google Shape;307;g2a58cb8d4e2_0_19"/>
+          <p:cNvPicPr preferRelativeResize="0"/>
+          <p:nvPr/>
+        </p:nvPicPr>
+        <p:blipFill rotWithShape="1">
+          <a:blip r:embed="rId4">
+            <a:alphaModFix/>
+          </a:blip>
+          <a:srcRect b="13730" l="790" r="96265" t="18260"/>
+          <a:stretch/>
+        </p:blipFill>
+        <p:spPr>
+          <a:xfrm>
+            <a:off x="3751750" y="3275400"/>
+            <a:ext cx="287724" cy="1635625"/>
+          </a:xfrm>
+          <a:prstGeom prst="rect">
+            <a:avLst/>
+          </a:prstGeom>
+          <a:noFill/>
+          <a:ln>
+            <a:noFill/>
+          </a:ln>
+        </p:spPr>
+      </p:pic>
+      <p:pic>
+        <p:nvPicPr>
+          <p:cNvPr id="308" name="Google Shape;308;g2a58cb8d4e2_0_19"/>
           <p:cNvPicPr preferRelativeResize="0"/>
           <p:nvPr/>
         </p:nvPicPr>
@@ -17805,7 +16265,7 @@
       </p:pic>
       <p:pic>
         <p:nvPicPr>
-          <p:cNvPr id="305" name="Google Shape;305;g2a58cb8d4e2_0_19"/>
+          <p:cNvPr id="309" name="Google Shape;309;g2a58cb8d4e2_0_19"/>
           <p:cNvPicPr preferRelativeResize="0"/>
           <p:nvPr/>
         </p:nvPicPr>
@@ -17832,7 +16292,7 @@
       </p:pic>
       <p:pic>
         <p:nvPicPr>
-          <p:cNvPr id="306" name="Google Shape;306;g2a58cb8d4e2_0_19"/>
+          <p:cNvPr id="310" name="Google Shape;310;g2a58cb8d4e2_0_19"/>
           <p:cNvPicPr preferRelativeResize="0"/>
           <p:nvPr/>
         </p:nvPicPr>
@@ -17847,117 +16307,6 @@
           <a:xfrm>
             <a:off x="5455000" y="972875"/>
             <a:ext cx="442747" cy="352550"/>
-          </a:xfrm>
-          <a:prstGeom prst="rect">
-            <a:avLst/>
-          </a:prstGeom>
-          <a:noFill/>
-          <a:ln>
-            <a:noFill/>
-          </a:ln>
-        </p:spPr>
-      </p:pic>
-      <p:pic>
-        <p:nvPicPr>
-          <p:cNvPr id="307" name="Google Shape;307;g2a58cb8d4e2_0_19"/>
-          <p:cNvPicPr preferRelativeResize="0"/>
-          <p:nvPr/>
-        </p:nvPicPr>
-        <p:blipFill>
-          <a:blip r:embed="rId7">
-            <a:alphaModFix/>
-          </a:blip>
-          <a:stretch>
-            <a:fillRect/>
-          </a:stretch>
-        </p:blipFill>
-        <p:spPr>
-          <a:xfrm>
-            <a:off x="600625" y="4151144"/>
-            <a:ext cx="452323" cy="292125"/>
-          </a:xfrm>
-          <a:prstGeom prst="rect">
-            <a:avLst/>
-          </a:prstGeom>
-          <a:noFill/>
-          <a:ln>
-            <a:noFill/>
-          </a:ln>
-        </p:spPr>
-      </p:pic>
-      <p:pic>
-        <p:nvPicPr>
-          <p:cNvPr id="308" name="Google Shape;308;g2a58cb8d4e2_0_19"/>
-          <p:cNvPicPr preferRelativeResize="0"/>
-          <p:nvPr/>
-        </p:nvPicPr>
-        <p:blipFill>
-          <a:blip r:embed="rId7">
-            <a:alphaModFix/>
-          </a:blip>
-          <a:stretch>
-            <a:fillRect/>
-          </a:stretch>
-        </p:blipFill>
-        <p:spPr>
-          <a:xfrm>
-            <a:off x="1391975" y="4151144"/>
-            <a:ext cx="452323" cy="292125"/>
-          </a:xfrm>
-          <a:prstGeom prst="rect">
-            <a:avLst/>
-          </a:prstGeom>
-          <a:noFill/>
-          <a:ln>
-            <a:noFill/>
-          </a:ln>
-        </p:spPr>
-      </p:pic>
-      <p:pic>
-        <p:nvPicPr>
-          <p:cNvPr id="309" name="Google Shape;309;g2a58cb8d4e2_0_19"/>
-          <p:cNvPicPr preferRelativeResize="0"/>
-          <p:nvPr/>
-        </p:nvPicPr>
-        <p:blipFill>
-          <a:blip r:embed="rId7">
-            <a:alphaModFix/>
-          </a:blip>
-          <a:stretch>
-            <a:fillRect/>
-          </a:stretch>
-        </p:blipFill>
-        <p:spPr>
-          <a:xfrm>
-            <a:off x="3011600" y="4151144"/>
-            <a:ext cx="452323" cy="292125"/>
-          </a:xfrm>
-          <a:prstGeom prst="rect">
-            <a:avLst/>
-          </a:prstGeom>
-          <a:noFill/>
-          <a:ln>
-            <a:noFill/>
-          </a:ln>
-        </p:spPr>
-      </p:pic>
-      <p:pic>
-        <p:nvPicPr>
-          <p:cNvPr id="310" name="Google Shape;310;g2a58cb8d4e2_0_19"/>
-          <p:cNvPicPr preferRelativeResize="0"/>
-          <p:nvPr/>
-        </p:nvPicPr>
-        <p:blipFill rotWithShape="1">
-          <a:blip r:embed="rId5">
-            <a:alphaModFix/>
-          </a:blip>
-          <a:srcRect b="6616" l="33655" r="59921" t="88621"/>
-          <a:stretch/>
-        </p:blipFill>
-        <p:spPr>
-          <a:xfrm>
-            <a:off x="1862075" y="4182650"/>
-            <a:ext cx="287724" cy="152400"/>
           </a:xfrm>
           <a:prstGeom prst="rect">
             <a:avLst/>
@@ -17984,6 +16333,117 @@
         </p:blipFill>
         <p:spPr>
           <a:xfrm>
+            <a:off x="600625" y="4151144"/>
+            <a:ext cx="452323" cy="292125"/>
+          </a:xfrm>
+          <a:prstGeom prst="rect">
+            <a:avLst/>
+          </a:prstGeom>
+          <a:noFill/>
+          <a:ln>
+            <a:noFill/>
+          </a:ln>
+        </p:spPr>
+      </p:pic>
+      <p:pic>
+        <p:nvPicPr>
+          <p:cNvPr id="312" name="Google Shape;312;g2a58cb8d4e2_0_19"/>
+          <p:cNvPicPr preferRelativeResize="0"/>
+          <p:nvPr/>
+        </p:nvPicPr>
+        <p:blipFill>
+          <a:blip r:embed="rId7">
+            <a:alphaModFix/>
+          </a:blip>
+          <a:stretch>
+            <a:fillRect/>
+          </a:stretch>
+        </p:blipFill>
+        <p:spPr>
+          <a:xfrm>
+            <a:off x="1391975" y="4151144"/>
+            <a:ext cx="452323" cy="292125"/>
+          </a:xfrm>
+          <a:prstGeom prst="rect">
+            <a:avLst/>
+          </a:prstGeom>
+          <a:noFill/>
+          <a:ln>
+            <a:noFill/>
+          </a:ln>
+        </p:spPr>
+      </p:pic>
+      <p:pic>
+        <p:nvPicPr>
+          <p:cNvPr id="313" name="Google Shape;313;g2a58cb8d4e2_0_19"/>
+          <p:cNvPicPr preferRelativeResize="0"/>
+          <p:nvPr/>
+        </p:nvPicPr>
+        <p:blipFill>
+          <a:blip r:embed="rId7">
+            <a:alphaModFix/>
+          </a:blip>
+          <a:stretch>
+            <a:fillRect/>
+          </a:stretch>
+        </p:blipFill>
+        <p:spPr>
+          <a:xfrm>
+            <a:off x="3011600" y="4151144"/>
+            <a:ext cx="452323" cy="292125"/>
+          </a:xfrm>
+          <a:prstGeom prst="rect">
+            <a:avLst/>
+          </a:prstGeom>
+          <a:noFill/>
+          <a:ln>
+            <a:noFill/>
+          </a:ln>
+        </p:spPr>
+      </p:pic>
+      <p:pic>
+        <p:nvPicPr>
+          <p:cNvPr id="314" name="Google Shape;314;g2a58cb8d4e2_0_19"/>
+          <p:cNvPicPr preferRelativeResize="0"/>
+          <p:nvPr/>
+        </p:nvPicPr>
+        <p:blipFill rotWithShape="1">
+          <a:blip r:embed="rId5">
+            <a:alphaModFix/>
+          </a:blip>
+          <a:srcRect b="6616" l="33655" r="59921" t="88621"/>
+          <a:stretch/>
+        </p:blipFill>
+        <p:spPr>
+          <a:xfrm>
+            <a:off x="1862075" y="4182650"/>
+            <a:ext cx="287724" cy="152400"/>
+          </a:xfrm>
+          <a:prstGeom prst="rect">
+            <a:avLst/>
+          </a:prstGeom>
+          <a:noFill/>
+          <a:ln>
+            <a:noFill/>
+          </a:ln>
+        </p:spPr>
+      </p:pic>
+      <p:pic>
+        <p:nvPicPr>
+          <p:cNvPr id="315" name="Google Shape;315;g2a58cb8d4e2_0_19"/>
+          <p:cNvPicPr preferRelativeResize="0"/>
+          <p:nvPr/>
+        </p:nvPicPr>
+        <p:blipFill>
+          <a:blip r:embed="rId7">
+            <a:alphaModFix/>
+          </a:blip>
+          <a:stretch>
+            <a:fillRect/>
+          </a:stretch>
+        </p:blipFill>
+        <p:spPr>
+          <a:xfrm>
             <a:off x="2229250" y="4151144"/>
             <a:ext cx="452323" cy="292125"/>
           </a:xfrm>
@@ -18009,7 +16469,7 @@
   <p:cSld>
     <p:spTree>
       <p:nvGrpSpPr>
-        <p:cNvPr id="315" name="Shape 315"/>
+        <p:cNvPr id="319" name="Shape 319"/>
         <p:cNvGrpSpPr/>
         <p:nvPr/>
       </p:nvGrpSpPr>
@@ -18023,7 +16483,7 @@
       </p:grpSpPr>
       <p:sp>
         <p:nvSpPr>
-          <p:cNvPr id="316" name="Google Shape;316;g2a75948b1fc_3_80"/>
+          <p:cNvPr id="320" name="Google Shape;320;g2a75948b1fc_3_80"/>
           <p:cNvSpPr txBox="1"/>
           <p:nvPr>
             <p:ph idx="4294967295" type="title"/>
@@ -18081,7 +16541,7 @@
       </p:sp>
       <p:pic>
         <p:nvPicPr>
-          <p:cNvPr id="317" name="Google Shape;317;g2a75948b1fc_3_80"/>
+          <p:cNvPr id="321" name="Google Shape;321;g2a75948b1fc_3_80"/>
           <p:cNvPicPr preferRelativeResize="0"/>
           <p:nvPr/>
         </p:nvPicPr>
@@ -18097,118 +16557,6 @@
           <a:xfrm>
             <a:off x="0" y="824725"/>
             <a:ext cx="7639174" cy="2546375"/>
-          </a:xfrm>
-          <a:prstGeom prst="rect">
-            <a:avLst/>
-          </a:prstGeom>
-          <a:noFill/>
-          <a:ln>
-            <a:noFill/>
-          </a:ln>
-        </p:spPr>
-      </p:pic>
-      <p:pic>
-        <p:nvPicPr>
-          <p:cNvPr id="318" name="Google Shape;318;g2a75948b1fc_3_80"/>
-          <p:cNvPicPr preferRelativeResize="0"/>
-          <p:nvPr/>
-        </p:nvPicPr>
-        <p:blipFill>
-          <a:blip r:embed="rId5">
-            <a:alphaModFix/>
-          </a:blip>
-          <a:stretch>
-            <a:fillRect/>
-          </a:stretch>
-        </p:blipFill>
-        <p:spPr>
-          <a:xfrm>
-            <a:off x="1891750" y="1866975"/>
-            <a:ext cx="155250" cy="529075"/>
-          </a:xfrm>
-          <a:prstGeom prst="rect">
-            <a:avLst/>
-          </a:prstGeom>
-          <a:noFill/>
-          <a:ln>
-            <a:noFill/>
-          </a:ln>
-        </p:spPr>
-      </p:pic>
-      <p:pic>
-        <p:nvPicPr>
-          <p:cNvPr id="319" name="Google Shape;319;g2a75948b1fc_3_80"/>
-          <p:cNvPicPr preferRelativeResize="0"/>
-          <p:nvPr/>
-        </p:nvPicPr>
-        <p:blipFill>
-          <a:blip r:embed="rId5">
-            <a:alphaModFix/>
-          </a:blip>
-          <a:stretch>
-            <a:fillRect/>
-          </a:stretch>
-        </p:blipFill>
-        <p:spPr>
-          <a:xfrm>
-            <a:off x="3682925" y="1866975"/>
-            <a:ext cx="155250" cy="529075"/>
-          </a:xfrm>
-          <a:prstGeom prst="rect">
-            <a:avLst/>
-          </a:prstGeom>
-          <a:noFill/>
-          <a:ln>
-            <a:noFill/>
-          </a:ln>
-        </p:spPr>
-      </p:pic>
-      <p:pic>
-        <p:nvPicPr>
-          <p:cNvPr id="320" name="Google Shape;320;g2a75948b1fc_3_80"/>
-          <p:cNvPicPr preferRelativeResize="0"/>
-          <p:nvPr/>
-        </p:nvPicPr>
-        <p:blipFill>
-          <a:blip r:embed="rId5">
-            <a:alphaModFix/>
-          </a:blip>
-          <a:stretch>
-            <a:fillRect/>
-          </a:stretch>
-        </p:blipFill>
-        <p:spPr>
-          <a:xfrm>
-            <a:off x="5474100" y="1866975"/>
-            <a:ext cx="155250" cy="529075"/>
-          </a:xfrm>
-          <a:prstGeom prst="rect">
-            <a:avLst/>
-          </a:prstGeom>
-          <a:noFill/>
-          <a:ln>
-            <a:noFill/>
-          </a:ln>
-        </p:spPr>
-      </p:pic>
-      <p:pic>
-        <p:nvPicPr>
-          <p:cNvPr id="321" name="Google Shape;321;g2a75948b1fc_3_80"/>
-          <p:cNvPicPr preferRelativeResize="0"/>
-          <p:nvPr/>
-        </p:nvPicPr>
-        <p:blipFill>
-          <a:blip r:embed="rId5">
-            <a:alphaModFix/>
-          </a:blip>
-          <a:stretch>
-            <a:fillRect/>
-          </a:stretch>
-        </p:blipFill>
-        <p:spPr>
-          <a:xfrm>
-            <a:off x="905450" y="3043894"/>
-            <a:ext cx="452323" cy="292125"/>
           </a:xfrm>
           <a:prstGeom prst="rect">
             <a:avLst/>
@@ -18235,8 +16583,8 @@
         </p:blipFill>
         <p:spPr>
           <a:xfrm>
-            <a:off x="2684800" y="3043894"/>
-            <a:ext cx="452323" cy="292125"/>
+            <a:off x="1891750" y="1866975"/>
+            <a:ext cx="155250" cy="529075"/>
           </a:xfrm>
           <a:prstGeom prst="rect">
             <a:avLst/>
@@ -18263,8 +16611,8 @@
         </p:blipFill>
         <p:spPr>
           <a:xfrm>
-            <a:off x="4505550" y="3043894"/>
-            <a:ext cx="452323" cy="292125"/>
+            <a:off x="3682925" y="1866975"/>
+            <a:ext cx="155250" cy="529075"/>
           </a:xfrm>
           <a:prstGeom prst="rect">
             <a:avLst/>
@@ -18281,17 +16629,18 @@
           <p:cNvPicPr preferRelativeResize="0"/>
           <p:nvPr/>
         </p:nvPicPr>
-        <p:blipFill rotWithShape="1">
-          <a:blip r:embed="rId4">
+        <p:blipFill>
+          <a:blip r:embed="rId5">
             <a:alphaModFix/>
           </a:blip>
-          <a:srcRect b="6139" l="82912" r="12449" t="88527"/>
-          <a:stretch/>
+          <a:stretch>
+            <a:fillRect/>
+          </a:stretch>
         </p:blipFill>
         <p:spPr>
           <a:xfrm>
-            <a:off x="3583400" y="3124050"/>
-            <a:ext cx="354300" cy="135775"/>
+            <a:off x="5474100" y="1866975"/>
+            <a:ext cx="155250" cy="529075"/>
           </a:xfrm>
           <a:prstGeom prst="rect">
             <a:avLst/>
@@ -18318,6 +16667,117 @@
         </p:blipFill>
         <p:spPr>
           <a:xfrm>
+            <a:off x="905450" y="3043894"/>
+            <a:ext cx="452323" cy="292125"/>
+          </a:xfrm>
+          <a:prstGeom prst="rect">
+            <a:avLst/>
+          </a:prstGeom>
+          <a:noFill/>
+          <a:ln>
+            <a:noFill/>
+          </a:ln>
+        </p:spPr>
+      </p:pic>
+      <p:pic>
+        <p:nvPicPr>
+          <p:cNvPr id="326" name="Google Shape;326;g2a75948b1fc_3_80"/>
+          <p:cNvPicPr preferRelativeResize="0"/>
+          <p:nvPr/>
+        </p:nvPicPr>
+        <p:blipFill>
+          <a:blip r:embed="rId5">
+            <a:alphaModFix/>
+          </a:blip>
+          <a:stretch>
+            <a:fillRect/>
+          </a:stretch>
+        </p:blipFill>
+        <p:spPr>
+          <a:xfrm>
+            <a:off x="2684800" y="3043894"/>
+            <a:ext cx="452323" cy="292125"/>
+          </a:xfrm>
+          <a:prstGeom prst="rect">
+            <a:avLst/>
+          </a:prstGeom>
+          <a:noFill/>
+          <a:ln>
+            <a:noFill/>
+          </a:ln>
+        </p:spPr>
+      </p:pic>
+      <p:pic>
+        <p:nvPicPr>
+          <p:cNvPr id="327" name="Google Shape;327;g2a75948b1fc_3_80"/>
+          <p:cNvPicPr preferRelativeResize="0"/>
+          <p:nvPr/>
+        </p:nvPicPr>
+        <p:blipFill>
+          <a:blip r:embed="rId5">
+            <a:alphaModFix/>
+          </a:blip>
+          <a:stretch>
+            <a:fillRect/>
+          </a:stretch>
+        </p:blipFill>
+        <p:spPr>
+          <a:xfrm>
+            <a:off x="4505550" y="3043894"/>
+            <a:ext cx="452323" cy="292125"/>
+          </a:xfrm>
+          <a:prstGeom prst="rect">
+            <a:avLst/>
+          </a:prstGeom>
+          <a:noFill/>
+          <a:ln>
+            <a:noFill/>
+          </a:ln>
+        </p:spPr>
+      </p:pic>
+      <p:pic>
+        <p:nvPicPr>
+          <p:cNvPr id="328" name="Google Shape;328;g2a75948b1fc_3_80"/>
+          <p:cNvPicPr preferRelativeResize="0"/>
+          <p:nvPr/>
+        </p:nvPicPr>
+        <p:blipFill rotWithShape="1">
+          <a:blip r:embed="rId4">
+            <a:alphaModFix/>
+          </a:blip>
+          <a:srcRect b="6139" l="82912" r="12449" t="88527"/>
+          <a:stretch/>
+        </p:blipFill>
+        <p:spPr>
+          <a:xfrm>
+            <a:off x="3583400" y="3124050"/>
+            <a:ext cx="354300" cy="135775"/>
+          </a:xfrm>
+          <a:prstGeom prst="rect">
+            <a:avLst/>
+          </a:prstGeom>
+          <a:noFill/>
+          <a:ln>
+            <a:noFill/>
+          </a:ln>
+        </p:spPr>
+      </p:pic>
+      <p:pic>
+        <p:nvPicPr>
+          <p:cNvPr id="329" name="Google Shape;329;g2a75948b1fc_3_80"/>
+          <p:cNvPicPr preferRelativeResize="0"/>
+          <p:nvPr/>
+        </p:nvPicPr>
+        <p:blipFill>
+          <a:blip r:embed="rId5">
+            <a:alphaModFix/>
+          </a:blip>
+          <a:stretch>
+            <a:fillRect/>
+          </a:stretch>
+        </p:blipFill>
+        <p:spPr>
+          <a:xfrm>
             <a:off x="6265975" y="3043894"/>
             <a:ext cx="452323" cy="292125"/>
           </a:xfrm>
@@ -18343,7 +16803,7 @@
   <p:cSld>
     <p:spTree>
       <p:nvGrpSpPr>
-        <p:cNvPr id="329" name="Shape 329"/>
+        <p:cNvPr id="333" name="Shape 333"/>
         <p:cNvGrpSpPr/>
         <p:nvPr/>
       </p:nvGrpSpPr>
@@ -18357,7 +16817,7 @@
       </p:grpSpPr>
       <p:sp>
         <p:nvSpPr>
-          <p:cNvPr id="330" name="Google Shape;330;g2a7c40ec614_0_1"/>
+          <p:cNvPr id="334" name="Google Shape;334;g2a7c40ec614_0_1"/>
           <p:cNvSpPr txBox="1"/>
           <p:nvPr>
             <p:ph idx="4294967295" type="title"/>
@@ -18415,7 +16875,7 @@
       </p:sp>
       <p:pic>
         <p:nvPicPr>
-          <p:cNvPr id="331" name="Google Shape;331;g2a7c40ec614_0_1"/>
+          <p:cNvPr id="335" name="Google Shape;335;g2a7c40ec614_0_1"/>
           <p:cNvPicPr preferRelativeResize="0"/>
           <p:nvPr/>
         </p:nvPicPr>
@@ -18442,7 +16902,7 @@
       </p:pic>
       <p:sp>
         <p:nvSpPr>
-          <p:cNvPr id="332" name="Google Shape;332;g2a7c40ec614_0_1"/>
+          <p:cNvPr id="336" name="Google Shape;336;g2a7c40ec614_0_1"/>
           <p:cNvSpPr txBox="1"/>
           <p:nvPr>
             <p:ph idx="4294967295" type="title"/>
@@ -18692,7 +17152,7 @@
       </p:sp>
       <p:pic>
         <p:nvPicPr>
-          <p:cNvPr id="333" name="Google Shape;333;g2a7c40ec614_0_1"/>
+          <p:cNvPr id="337" name="Google Shape;337;g2a7c40ec614_0_1"/>
           <p:cNvPicPr preferRelativeResize="0"/>
           <p:nvPr/>
         </p:nvPicPr>
@@ -18707,118 +17167,6 @@
           <a:xfrm>
             <a:off x="0" y="824725"/>
             <a:ext cx="7375650" cy="2546375"/>
-          </a:xfrm>
-          <a:prstGeom prst="rect">
-            <a:avLst/>
-          </a:prstGeom>
-          <a:noFill/>
-          <a:ln>
-            <a:noFill/>
-          </a:ln>
-        </p:spPr>
-      </p:pic>
-      <p:pic>
-        <p:nvPicPr>
-          <p:cNvPr id="334" name="Google Shape;334;g2a7c40ec614_0_1"/>
-          <p:cNvPicPr preferRelativeResize="0"/>
-          <p:nvPr/>
-        </p:nvPicPr>
-        <p:blipFill>
-          <a:blip r:embed="rId5">
-            <a:alphaModFix/>
-          </a:blip>
-          <a:stretch>
-            <a:fillRect/>
-          </a:stretch>
-        </p:blipFill>
-        <p:spPr>
-          <a:xfrm>
-            <a:off x="1891750" y="1866975"/>
-            <a:ext cx="155250" cy="529075"/>
-          </a:xfrm>
-          <a:prstGeom prst="rect">
-            <a:avLst/>
-          </a:prstGeom>
-          <a:noFill/>
-          <a:ln>
-            <a:noFill/>
-          </a:ln>
-        </p:spPr>
-      </p:pic>
-      <p:pic>
-        <p:nvPicPr>
-          <p:cNvPr id="335" name="Google Shape;335;g2a7c40ec614_0_1"/>
-          <p:cNvPicPr preferRelativeResize="0"/>
-          <p:nvPr/>
-        </p:nvPicPr>
-        <p:blipFill>
-          <a:blip r:embed="rId5">
-            <a:alphaModFix/>
-          </a:blip>
-          <a:stretch>
-            <a:fillRect/>
-          </a:stretch>
-        </p:blipFill>
-        <p:spPr>
-          <a:xfrm>
-            <a:off x="3682925" y="1866975"/>
-            <a:ext cx="155250" cy="529075"/>
-          </a:xfrm>
-          <a:prstGeom prst="rect">
-            <a:avLst/>
-          </a:prstGeom>
-          <a:noFill/>
-          <a:ln>
-            <a:noFill/>
-          </a:ln>
-        </p:spPr>
-      </p:pic>
-      <p:pic>
-        <p:nvPicPr>
-          <p:cNvPr id="336" name="Google Shape;336;g2a7c40ec614_0_1"/>
-          <p:cNvPicPr preferRelativeResize="0"/>
-          <p:nvPr/>
-        </p:nvPicPr>
-        <p:blipFill>
-          <a:blip r:embed="rId5">
-            <a:alphaModFix/>
-          </a:blip>
-          <a:stretch>
-            <a:fillRect/>
-          </a:stretch>
-        </p:blipFill>
-        <p:spPr>
-          <a:xfrm>
-            <a:off x="5474100" y="1866975"/>
-            <a:ext cx="155250" cy="529075"/>
-          </a:xfrm>
-          <a:prstGeom prst="rect">
-            <a:avLst/>
-          </a:prstGeom>
-          <a:noFill/>
-          <a:ln>
-            <a:noFill/>
-          </a:ln>
-        </p:spPr>
-      </p:pic>
-      <p:pic>
-        <p:nvPicPr>
-          <p:cNvPr id="337" name="Google Shape;337;g2a7c40ec614_0_1"/>
-          <p:cNvPicPr preferRelativeResize="0"/>
-          <p:nvPr/>
-        </p:nvPicPr>
-        <p:blipFill>
-          <a:blip r:embed="rId5">
-            <a:alphaModFix/>
-          </a:blip>
-          <a:stretch>
-            <a:fillRect/>
-          </a:stretch>
-        </p:blipFill>
-        <p:spPr>
-          <a:xfrm>
-            <a:off x="905450" y="3043894"/>
-            <a:ext cx="452323" cy="292125"/>
           </a:xfrm>
           <a:prstGeom prst="rect">
             <a:avLst/>
@@ -18845,8 +17193,8 @@
         </p:blipFill>
         <p:spPr>
           <a:xfrm>
-            <a:off x="2684800" y="3043894"/>
-            <a:ext cx="452323" cy="292125"/>
+            <a:off x="1891750" y="1866975"/>
+            <a:ext cx="155250" cy="529075"/>
           </a:xfrm>
           <a:prstGeom prst="rect">
             <a:avLst/>
@@ -18873,8 +17221,8 @@
         </p:blipFill>
         <p:spPr>
           <a:xfrm>
-            <a:off x="4505550" y="3043894"/>
-            <a:ext cx="452323" cy="292125"/>
+            <a:off x="3682925" y="1866975"/>
+            <a:ext cx="155250" cy="529075"/>
           </a:xfrm>
           <a:prstGeom prst="rect">
             <a:avLst/>
@@ -18888,6 +17236,118 @@
       <p:pic>
         <p:nvPicPr>
           <p:cNvPr id="340" name="Google Shape;340;g2a7c40ec614_0_1"/>
+          <p:cNvPicPr preferRelativeResize="0"/>
+          <p:nvPr/>
+        </p:nvPicPr>
+        <p:blipFill>
+          <a:blip r:embed="rId5">
+            <a:alphaModFix/>
+          </a:blip>
+          <a:stretch>
+            <a:fillRect/>
+          </a:stretch>
+        </p:blipFill>
+        <p:spPr>
+          <a:xfrm>
+            <a:off x="5474100" y="1866975"/>
+            <a:ext cx="155250" cy="529075"/>
+          </a:xfrm>
+          <a:prstGeom prst="rect">
+            <a:avLst/>
+          </a:prstGeom>
+          <a:noFill/>
+          <a:ln>
+            <a:noFill/>
+          </a:ln>
+        </p:spPr>
+      </p:pic>
+      <p:pic>
+        <p:nvPicPr>
+          <p:cNvPr id="341" name="Google Shape;341;g2a7c40ec614_0_1"/>
+          <p:cNvPicPr preferRelativeResize="0"/>
+          <p:nvPr/>
+        </p:nvPicPr>
+        <p:blipFill>
+          <a:blip r:embed="rId5">
+            <a:alphaModFix/>
+          </a:blip>
+          <a:stretch>
+            <a:fillRect/>
+          </a:stretch>
+        </p:blipFill>
+        <p:spPr>
+          <a:xfrm>
+            <a:off x="905450" y="3043894"/>
+            <a:ext cx="452323" cy="292125"/>
+          </a:xfrm>
+          <a:prstGeom prst="rect">
+            <a:avLst/>
+          </a:prstGeom>
+          <a:noFill/>
+          <a:ln>
+            <a:noFill/>
+          </a:ln>
+        </p:spPr>
+      </p:pic>
+      <p:pic>
+        <p:nvPicPr>
+          <p:cNvPr id="342" name="Google Shape;342;g2a7c40ec614_0_1"/>
+          <p:cNvPicPr preferRelativeResize="0"/>
+          <p:nvPr/>
+        </p:nvPicPr>
+        <p:blipFill>
+          <a:blip r:embed="rId5">
+            <a:alphaModFix/>
+          </a:blip>
+          <a:stretch>
+            <a:fillRect/>
+          </a:stretch>
+        </p:blipFill>
+        <p:spPr>
+          <a:xfrm>
+            <a:off x="2684800" y="3043894"/>
+            <a:ext cx="452323" cy="292125"/>
+          </a:xfrm>
+          <a:prstGeom prst="rect">
+            <a:avLst/>
+          </a:prstGeom>
+          <a:noFill/>
+          <a:ln>
+            <a:noFill/>
+          </a:ln>
+        </p:spPr>
+      </p:pic>
+      <p:pic>
+        <p:nvPicPr>
+          <p:cNvPr id="343" name="Google Shape;343;g2a7c40ec614_0_1"/>
+          <p:cNvPicPr preferRelativeResize="0"/>
+          <p:nvPr/>
+        </p:nvPicPr>
+        <p:blipFill>
+          <a:blip r:embed="rId5">
+            <a:alphaModFix/>
+          </a:blip>
+          <a:stretch>
+            <a:fillRect/>
+          </a:stretch>
+        </p:blipFill>
+        <p:spPr>
+          <a:xfrm>
+            <a:off x="4505550" y="3043894"/>
+            <a:ext cx="452323" cy="292125"/>
+          </a:xfrm>
+          <a:prstGeom prst="rect">
+            <a:avLst/>
+          </a:prstGeom>
+          <a:noFill/>
+          <a:ln>
+            <a:noFill/>
+          </a:ln>
+        </p:spPr>
+      </p:pic>
+      <p:pic>
+        <p:nvPicPr>
+          <p:cNvPr id="344" name="Google Shape;344;g2a7c40ec614_0_1"/>
           <p:cNvPicPr preferRelativeResize="0"/>
           <p:nvPr/>
         </p:nvPicPr>
@@ -18914,7 +17374,7 @@
       </p:pic>
       <p:pic>
         <p:nvPicPr>
-          <p:cNvPr id="341" name="Google Shape;341;g2a7c40ec614_0_1"/>
+          <p:cNvPr id="345" name="Google Shape;345;g2a7c40ec614_0_1"/>
           <p:cNvPicPr preferRelativeResize="0"/>
           <p:nvPr/>
         </p:nvPicPr>
@@ -19352,7 +17812,7 @@
   <p:cSld>
     <p:spTree>
       <p:nvGrpSpPr>
-        <p:cNvPr id="345" name="Shape 345"/>
+        <p:cNvPr id="349" name="Shape 349"/>
         <p:cNvGrpSpPr/>
         <p:nvPr/>
       </p:nvGrpSpPr>
@@ -19366,7 +17826,7 @@
       </p:grpSpPr>
       <p:sp>
         <p:nvSpPr>
-          <p:cNvPr id="346" name="Google Shape;346;g2a0c6f9b0a2_0_109"/>
+          <p:cNvPr id="350" name="Google Shape;350;g2a0c6f9b0a2_0_109"/>
           <p:cNvSpPr txBox="1"/>
           <p:nvPr>
             <p:ph idx="4294967295" type="title"/>
@@ -19424,7 +17884,7 @@
       </p:sp>
       <p:sp>
         <p:nvSpPr>
-          <p:cNvPr id="347" name="Google Shape;347;g2a0c6f9b0a2_0_109"/>
+          <p:cNvPr id="351" name="Google Shape;351;g2a0c6f9b0a2_0_109"/>
           <p:cNvSpPr txBox="1"/>
           <p:nvPr>
             <p:ph idx="4294967295" type="body"/>
@@ -19927,7 +18387,7 @@
     </p:bg>
     <p:spTree>
       <p:nvGrpSpPr>
-        <p:cNvPr id="351" name="Shape 351"/>
+        <p:cNvPr id="355" name="Shape 355"/>
         <p:cNvGrpSpPr/>
         <p:nvPr/>
       </p:nvGrpSpPr>
@@ -19941,7 +18401,7 @@
       </p:grpSpPr>
       <p:sp>
         <p:nvSpPr>
-          <p:cNvPr id="352" name="Google Shape;352;g26e1760ff98_1_133"/>
+          <p:cNvPr id="356" name="Google Shape;356;g26e1760ff98_1_133"/>
           <p:cNvSpPr txBox="1"/>
           <p:nvPr/>
         </p:nvSpPr>
@@ -20007,7 +18467,7 @@
       </p:sp>
       <p:pic>
         <p:nvPicPr>
-          <p:cNvPr id="353" name="Google Shape;353;g26e1760ff98_1_133"/>
+          <p:cNvPr id="357" name="Google Shape;357;g26e1760ff98_1_133"/>
           <p:cNvPicPr preferRelativeResize="0"/>
           <p:nvPr/>
         </p:nvPicPr>
@@ -20034,7 +18494,7 @@
       </p:pic>
       <p:pic>
         <p:nvPicPr>
-          <p:cNvPr id="354" name="Google Shape;354;g26e1760ff98_1_133"/>
+          <p:cNvPr id="358" name="Google Shape;358;g26e1760ff98_1_133"/>
           <p:cNvPicPr preferRelativeResize="0"/>
           <p:nvPr/>
         </p:nvPicPr>
@@ -20062,7 +18522,7 @@
       </p:pic>
       <p:sp>
         <p:nvSpPr>
-          <p:cNvPr id="355" name="Google Shape;355;g26e1760ff98_1_133"/>
+          <p:cNvPr id="359" name="Google Shape;359;g26e1760ff98_1_133"/>
           <p:cNvSpPr txBox="1"/>
           <p:nvPr/>
         </p:nvSpPr>
@@ -20123,7 +18583,7 @@
       </p:sp>
       <p:sp>
         <p:nvSpPr>
-          <p:cNvPr id="356" name="Google Shape;356;g26e1760ff98_1_133"/>
+          <p:cNvPr id="360" name="Google Shape;360;g26e1760ff98_1_133"/>
           <p:cNvSpPr txBox="1"/>
           <p:nvPr/>
         </p:nvSpPr>
@@ -20184,7 +18644,7 @@
       </p:sp>
       <p:pic>
         <p:nvPicPr>
-          <p:cNvPr id="357" name="Google Shape;357;g26e1760ff98_1_133"/>
+          <p:cNvPr id="361" name="Google Shape;361;g26e1760ff98_1_133"/>
           <p:cNvPicPr preferRelativeResize="0"/>
           <p:nvPr/>
         </p:nvPicPr>
@@ -20212,7 +18672,7 @@
       </p:pic>
       <p:pic>
         <p:nvPicPr>
-          <p:cNvPr id="358" name="Google Shape;358;g26e1760ff98_1_133"/>
+          <p:cNvPr id="362" name="Google Shape;362;g26e1760ff98_1_133"/>
           <p:cNvPicPr preferRelativeResize="0"/>
           <p:nvPr/>
         </p:nvPicPr>
@@ -23076,6 +21536,285 @@
 </file>
 
 <file path=ppt/theme/theme1.xml><?xml version="1.0" encoding="utf-8"?>
+<a:theme xmlns:a="http://schemas.openxmlformats.org/drawingml/2006/main" xmlns:r="http://schemas.openxmlformats.org/officeDocument/2006/relationships" name="Simple Light">
+  <a:themeElements>
+    <a:clrScheme name="Simple Light">
+      <a:dk1>
+        <a:srgbClr val="000000"/>
+      </a:dk1>
+      <a:lt1>
+        <a:srgbClr val="FFFFFF"/>
+      </a:lt1>
+      <a:dk2>
+        <a:srgbClr val="595959"/>
+      </a:dk2>
+      <a:lt2>
+        <a:srgbClr val="EEEEEE"/>
+      </a:lt2>
+      <a:accent1>
+        <a:srgbClr val="4285F4"/>
+      </a:accent1>
+      <a:accent2>
+        <a:srgbClr val="212121"/>
+      </a:accent2>
+      <a:accent3>
+        <a:srgbClr val="78909C"/>
+      </a:accent3>
+      <a:accent4>
+        <a:srgbClr val="FFAB40"/>
+      </a:accent4>
+      <a:accent5>
+        <a:srgbClr val="0097A7"/>
+      </a:accent5>
+      <a:accent6>
+        <a:srgbClr val="EEFF41"/>
+      </a:accent6>
+      <a:hlink>
+        <a:srgbClr val="0097A7"/>
+      </a:hlink>
+      <a:folHlink>
+        <a:srgbClr val="0097A7"/>
+      </a:folHlink>
+    </a:clrScheme>
+    <a:fontScheme name="Office">
+      <a:majorFont>
+        <a:latin typeface="Arial"/>
+        <a:ea typeface=""/>
+        <a:cs typeface=""/>
+        <a:font script="Jpan" typeface="ＭＳ Ｐゴシック"/>
+        <a:font script="Hang" typeface="맑은 고딕"/>
+        <a:font script="Hans" typeface="宋体"/>
+        <a:font script="Hant" typeface="新細明體"/>
+        <a:font script="Arab" typeface="Times New Roman"/>
+        <a:font script="Hebr" typeface="Times New Roman"/>
+        <a:font script="Thai" typeface="Angsana New"/>
+        <a:font script="Ethi" typeface="Nyala"/>
+        <a:font script="Beng" typeface="Vrinda"/>
+        <a:font script="Gujr" typeface="Shruti"/>
+        <a:font script="Khmr" typeface="MoolBoran"/>
+        <a:font script="Knda" typeface="Tunga"/>
+        <a:font script="Guru" typeface="Raavi"/>
+        <a:font script="Cans" typeface="Euphemia"/>
+        <a:font script="Cher" typeface="Plantagenet Cherokee"/>
+        <a:font script="Yiii" typeface="Microsoft Yi Baiti"/>
+        <a:font script="Tibt" typeface="Microsoft Himalaya"/>
+        <a:font script="Thaa" typeface="MV Boli"/>
+        <a:font script="Deva" typeface="Mangal"/>
+        <a:font script="Telu" typeface="Gautami"/>
+        <a:font script="Taml" typeface="Latha"/>
+        <a:font script="Syrc" typeface="Estrangelo Edessa"/>
+        <a:font script="Orya" typeface="Kalinga"/>
+        <a:font script="Mlym" typeface="Kartika"/>
+        <a:font script="Laoo" typeface="DokChampa"/>
+        <a:font script="Sinh" typeface="Iskoola Pota"/>
+        <a:font script="Mong" typeface="Mongolian Baiti"/>
+        <a:font script="Viet" typeface="Times New Roman"/>
+        <a:font script="Uigh" typeface="Microsoft Uighur"/>
+        <a:font script="Geor" typeface="Sylfaen"/>
+      </a:majorFont>
+      <a:minorFont>
+        <a:latin typeface="Arial"/>
+        <a:ea typeface=""/>
+        <a:cs typeface=""/>
+        <a:font script="Jpan" typeface="ＭＳ Ｐゴシック"/>
+        <a:font script="Hang" typeface="맑은 고딕"/>
+        <a:font script="Hans" typeface="宋体"/>
+        <a:font script="Hant" typeface="新細明體"/>
+        <a:font script="Arab" typeface="Arial"/>
+        <a:font script="Hebr" typeface="Arial"/>
+        <a:font script="Thai" typeface="Cordia New"/>
+        <a:font script="Ethi" typeface="Nyala"/>
+        <a:font script="Beng" typeface="Vrinda"/>
+        <a:font script="Gujr" typeface="Shruti"/>
+        <a:font script="Khmr" typeface="DaunPenh"/>
+        <a:font script="Knda" typeface="Tunga"/>
+        <a:font script="Guru" typeface="Raavi"/>
+        <a:font script="Cans" typeface="Euphemia"/>
+        <a:font script="Cher" typeface="Plantagenet Cherokee"/>
+        <a:font script="Yiii" typeface="Microsoft Yi Baiti"/>
+        <a:font script="Tibt" typeface="Microsoft Himalaya"/>
+        <a:font script="Thaa" typeface="MV Boli"/>
+        <a:font script="Deva" typeface="Mangal"/>
+        <a:font script="Telu" typeface="Gautami"/>
+        <a:font script="Taml" typeface="Latha"/>
+        <a:font script="Syrc" typeface="Estrangelo Edessa"/>
+        <a:font script="Orya" typeface="Kalinga"/>
+        <a:font script="Mlym" typeface="Kartika"/>
+        <a:font script="Laoo" typeface="DokChampa"/>
+        <a:font script="Sinh" typeface="Iskoola Pota"/>
+        <a:font script="Mong" typeface="Mongolian Baiti"/>
+        <a:font script="Viet" typeface="Arial"/>
+        <a:font script="Uigh" typeface="Microsoft Uighur"/>
+        <a:font script="Geor" typeface="Sylfaen"/>
+      </a:minorFont>
+    </a:fontScheme>
+    <a:fmtScheme name="Office">
+      <a:fillStyleLst>
+        <a:solidFill>
+          <a:schemeClr val="phClr"/>
+        </a:solidFill>
+        <a:gradFill rotWithShape="1">
+          <a:gsLst>
+            <a:gs pos="0">
+              <a:schemeClr val="phClr">
+                <a:tint val="50000"/>
+                <a:satMod val="300000"/>
+              </a:schemeClr>
+            </a:gs>
+            <a:gs pos="35000">
+              <a:schemeClr val="phClr">
+                <a:tint val="37000"/>
+                <a:satMod val="300000"/>
+              </a:schemeClr>
+            </a:gs>
+            <a:gs pos="100000">
+              <a:schemeClr val="phClr">
+                <a:tint val="15000"/>
+                <a:satMod val="350000"/>
+              </a:schemeClr>
+            </a:gs>
+          </a:gsLst>
+          <a:lin ang="16200000" scaled="1"/>
+        </a:gradFill>
+        <a:gradFill rotWithShape="1">
+          <a:gsLst>
+            <a:gs pos="0">
+              <a:schemeClr val="phClr">
+                <a:tint val="100000"/>
+                <a:shade val="100000"/>
+                <a:satMod val="130000"/>
+              </a:schemeClr>
+            </a:gs>
+            <a:gs pos="100000">
+              <a:schemeClr val="phClr">
+                <a:tint val="50000"/>
+                <a:shade val="100000"/>
+                <a:satMod val="350000"/>
+              </a:schemeClr>
+            </a:gs>
+          </a:gsLst>
+          <a:lin ang="16200000" scaled="0"/>
+        </a:gradFill>
+      </a:fillStyleLst>
+      <a:lnStyleLst>
+        <a:ln w="9525" cap="flat" cmpd="sng" algn="ctr">
+          <a:solidFill>
+            <a:schemeClr val="phClr">
+              <a:shade val="95000"/>
+              <a:satMod val="105000"/>
+            </a:schemeClr>
+          </a:solidFill>
+          <a:prstDash val="solid"/>
+        </a:ln>
+        <a:ln w="25400" cap="flat" cmpd="sng" algn="ctr">
+          <a:solidFill>
+            <a:schemeClr val="phClr"/>
+          </a:solidFill>
+          <a:prstDash val="solid"/>
+        </a:ln>
+        <a:ln w="38100" cap="flat" cmpd="sng" algn="ctr">
+          <a:solidFill>
+            <a:schemeClr val="phClr"/>
+          </a:solidFill>
+          <a:prstDash val="solid"/>
+        </a:ln>
+      </a:lnStyleLst>
+      <a:effectStyleLst>
+        <a:effectStyle>
+          <a:effectLst>
+            <a:outerShdw blurRad="40000" dist="20000" dir="5400000" rotWithShape="0">
+              <a:srgbClr val="000000">
+                <a:alpha val="38000"/>
+              </a:srgbClr>
+            </a:outerShdw>
+          </a:effectLst>
+        </a:effectStyle>
+        <a:effectStyle>
+          <a:effectLst>
+            <a:outerShdw blurRad="40000" dist="23000" dir="5400000" rotWithShape="0">
+              <a:srgbClr val="000000">
+                <a:alpha val="35000"/>
+              </a:srgbClr>
+            </a:outerShdw>
+          </a:effectLst>
+        </a:effectStyle>
+        <a:effectStyle>
+          <a:effectLst>
+            <a:outerShdw blurRad="40000" dist="23000" dir="5400000" rotWithShape="0">
+              <a:srgbClr val="000000">
+                <a:alpha val="35000"/>
+              </a:srgbClr>
+            </a:outerShdw>
+          </a:effectLst>
+          <a:scene3d>
+            <a:camera prst="orthographicFront">
+              <a:rot lat="0" lon="0" rev="0"/>
+            </a:camera>
+            <a:lightRig rig="threePt" dir="t">
+              <a:rot lat="0" lon="0" rev="1200000"/>
+            </a:lightRig>
+          </a:scene3d>
+          <a:sp3d>
+            <a:bevelT w="63500" h="25400"/>
+          </a:sp3d>
+        </a:effectStyle>
+      </a:effectStyleLst>
+      <a:bgFillStyleLst>
+        <a:solidFill>
+          <a:schemeClr val="phClr"/>
+        </a:solidFill>
+        <a:gradFill rotWithShape="1">
+          <a:gsLst>
+            <a:gs pos="0">
+              <a:schemeClr val="phClr">
+                <a:tint val="40000"/>
+                <a:satMod val="350000"/>
+              </a:schemeClr>
+            </a:gs>
+            <a:gs pos="40000">
+              <a:schemeClr val="phClr">
+                <a:tint val="45000"/>
+                <a:shade val="99000"/>
+                <a:satMod val="350000"/>
+              </a:schemeClr>
+            </a:gs>
+            <a:gs pos="100000">
+              <a:schemeClr val="phClr">
+                <a:shade val="20000"/>
+                <a:satMod val="255000"/>
+              </a:schemeClr>
+            </a:gs>
+          </a:gsLst>
+          <a:path path="circle">
+            <a:fillToRect l="50000" t="-80000" r="50000" b="180000"/>
+          </a:path>
+        </a:gradFill>
+        <a:gradFill rotWithShape="1">
+          <a:gsLst>
+            <a:gs pos="0">
+              <a:schemeClr val="phClr">
+                <a:tint val="80000"/>
+                <a:satMod val="300000"/>
+              </a:schemeClr>
+            </a:gs>
+            <a:gs pos="100000">
+              <a:schemeClr val="phClr">
+                <a:shade val="30000"/>
+                <a:satMod val="200000"/>
+              </a:schemeClr>
+            </a:gs>
+          </a:gsLst>
+          <a:path path="circle">
+            <a:fillToRect l="50000" t="50000" r="50000" b="50000"/>
+          </a:path>
+        </a:gradFill>
+      </a:bgFillStyleLst>
+    </a:fmtScheme>
+  </a:themeElements>
+</a:theme>
+</file>
+
+<file path=ppt/theme/theme2.xml><?xml version="1.0" encoding="utf-8"?>
 <a:theme xmlns:a="http://schemas.openxmlformats.org/drawingml/2006/main" xmlns:r="http://schemas.openxmlformats.org/officeDocument/2006/relationships">
   <a:themeElements>
     <a:clrScheme name="Default">
@@ -23352,283 +22091,4 @@
     </a:fmtScheme>
   </a:themeElements>
 </a:theme>
-</file>
-
-<file path=ppt/theme/theme2.xml><?xml version="1.0" encoding="utf-8"?>
-<a:theme xmlns:a="http://schemas.openxmlformats.org/drawingml/2006/main" xmlns:r="http://schemas.openxmlformats.org/officeDocument/2006/relationships" name="Simple Light">
-  <a:themeElements>
-    <a:clrScheme name="Simple Light">
-      <a:dk1>
-        <a:srgbClr val="000000"/>
-      </a:dk1>
-      <a:lt1>
-        <a:srgbClr val="FFFFFF"/>
-      </a:lt1>
-      <a:dk2>
-        <a:srgbClr val="595959"/>
-      </a:dk2>
-      <a:lt2>
-        <a:srgbClr val="EEEEEE"/>
-      </a:lt2>
-      <a:accent1>
-        <a:srgbClr val="4285F4"/>
-      </a:accent1>
-      <a:accent2>
-        <a:srgbClr val="212121"/>
-      </a:accent2>
-      <a:accent3>
-        <a:srgbClr val="78909C"/>
-      </a:accent3>
-      <a:accent4>
-        <a:srgbClr val="FFAB40"/>
-      </a:accent4>
-      <a:accent5>
-        <a:srgbClr val="0097A7"/>
-      </a:accent5>
-      <a:accent6>
-        <a:srgbClr val="EEFF41"/>
-      </a:accent6>
-      <a:hlink>
-        <a:srgbClr val="0097A7"/>
-      </a:hlink>
-      <a:folHlink>
-        <a:srgbClr val="0097A7"/>
-      </a:folHlink>
-    </a:clrScheme>
-    <a:fontScheme name="Office">
-      <a:majorFont>
-        <a:latin typeface="Arial"/>
-        <a:ea typeface=""/>
-        <a:cs typeface=""/>
-        <a:font script="Jpan" typeface="ＭＳ Ｐゴシック"/>
-        <a:font script="Hang" typeface="맑은 고딕"/>
-        <a:font script="Hans" typeface="宋体"/>
-        <a:font script="Hant" typeface="新細明體"/>
-        <a:font script="Arab" typeface="Times New Roman"/>
-        <a:font script="Hebr" typeface="Times New Roman"/>
-        <a:font script="Thai" typeface="Angsana New"/>
-        <a:font script="Ethi" typeface="Nyala"/>
-        <a:font script="Beng" typeface="Vrinda"/>
-        <a:font script="Gujr" typeface="Shruti"/>
-        <a:font script="Khmr" typeface="MoolBoran"/>
-        <a:font script="Knda" typeface="Tunga"/>
-        <a:font script="Guru" typeface="Raavi"/>
-        <a:font script="Cans" typeface="Euphemia"/>
-        <a:font script="Cher" typeface="Plantagenet Cherokee"/>
-        <a:font script="Yiii" typeface="Microsoft Yi Baiti"/>
-        <a:font script="Tibt" typeface="Microsoft Himalaya"/>
-        <a:font script="Thaa" typeface="MV Boli"/>
-        <a:font script="Deva" typeface="Mangal"/>
-        <a:font script="Telu" typeface="Gautami"/>
-        <a:font script="Taml" typeface="Latha"/>
-        <a:font script="Syrc" typeface="Estrangelo Edessa"/>
-        <a:font script="Orya" typeface="Kalinga"/>
-        <a:font script="Mlym" typeface="Kartika"/>
-        <a:font script="Laoo" typeface="DokChampa"/>
-        <a:font script="Sinh" typeface="Iskoola Pota"/>
-        <a:font script="Mong" typeface="Mongolian Baiti"/>
-        <a:font script="Viet" typeface="Times New Roman"/>
-        <a:font script="Uigh" typeface="Microsoft Uighur"/>
-        <a:font script="Geor" typeface="Sylfaen"/>
-      </a:majorFont>
-      <a:minorFont>
-        <a:latin typeface="Arial"/>
-        <a:ea typeface=""/>
-        <a:cs typeface=""/>
-        <a:font script="Jpan" typeface="ＭＳ Ｐゴシック"/>
-        <a:font script="Hang" typeface="맑은 고딕"/>
-        <a:font script="Hans" typeface="宋体"/>
-        <a:font script="Hant" typeface="新細明體"/>
-        <a:font script="Arab" typeface="Arial"/>
-        <a:font script="Hebr" typeface="Arial"/>
-        <a:font script="Thai" typeface="Cordia New"/>
-        <a:font script="Ethi" typeface="Nyala"/>
-        <a:font script="Beng" typeface="Vrinda"/>
-        <a:font script="Gujr" typeface="Shruti"/>
-        <a:font script="Khmr" typeface="DaunPenh"/>
-        <a:font script="Knda" typeface="Tunga"/>
-        <a:font script="Guru" typeface="Raavi"/>
-        <a:font script="Cans" typeface="Euphemia"/>
-        <a:font script="Cher" typeface="Plantagenet Cherokee"/>
-        <a:font script="Yiii" typeface="Microsoft Yi Baiti"/>
-        <a:font script="Tibt" typeface="Microsoft Himalaya"/>
-        <a:font script="Thaa" typeface="MV Boli"/>
-        <a:font script="Deva" typeface="Mangal"/>
-        <a:font script="Telu" typeface="Gautami"/>
-        <a:font script="Taml" typeface="Latha"/>
-        <a:font script="Syrc" typeface="Estrangelo Edessa"/>
-        <a:font script="Orya" typeface="Kalinga"/>
-        <a:font script="Mlym" typeface="Kartika"/>
-        <a:font script="Laoo" typeface="DokChampa"/>
-        <a:font script="Sinh" typeface="Iskoola Pota"/>
-        <a:font script="Mong" typeface="Mongolian Baiti"/>
-        <a:font script="Viet" typeface="Arial"/>
-        <a:font script="Uigh" typeface="Microsoft Uighur"/>
-        <a:font script="Geor" typeface="Sylfaen"/>
-      </a:minorFont>
-    </a:fontScheme>
-    <a:fmtScheme name="Office">
-      <a:fillStyleLst>
-        <a:solidFill>
-          <a:schemeClr val="phClr"/>
-        </a:solidFill>
-        <a:gradFill rotWithShape="1">
-          <a:gsLst>
-            <a:gs pos="0">
-              <a:schemeClr val="phClr">
-                <a:tint val="50000"/>
-                <a:satMod val="300000"/>
-              </a:schemeClr>
-            </a:gs>
-            <a:gs pos="35000">
-              <a:schemeClr val="phClr">
-                <a:tint val="37000"/>
-                <a:satMod val="300000"/>
-              </a:schemeClr>
-            </a:gs>
-            <a:gs pos="100000">
-              <a:schemeClr val="phClr">
-                <a:tint val="15000"/>
-                <a:satMod val="350000"/>
-              </a:schemeClr>
-            </a:gs>
-          </a:gsLst>
-          <a:lin ang="16200000" scaled="1"/>
-        </a:gradFill>
-        <a:gradFill rotWithShape="1">
-          <a:gsLst>
-            <a:gs pos="0">
-              <a:schemeClr val="phClr">
-                <a:tint val="100000"/>
-                <a:shade val="100000"/>
-                <a:satMod val="130000"/>
-              </a:schemeClr>
-            </a:gs>
-            <a:gs pos="100000">
-              <a:schemeClr val="phClr">
-                <a:tint val="50000"/>
-                <a:shade val="100000"/>
-                <a:satMod val="350000"/>
-              </a:schemeClr>
-            </a:gs>
-          </a:gsLst>
-          <a:lin ang="16200000" scaled="0"/>
-        </a:gradFill>
-      </a:fillStyleLst>
-      <a:lnStyleLst>
-        <a:ln w="9525" cap="flat" cmpd="sng" algn="ctr">
-          <a:solidFill>
-            <a:schemeClr val="phClr">
-              <a:shade val="95000"/>
-              <a:satMod val="105000"/>
-            </a:schemeClr>
-          </a:solidFill>
-          <a:prstDash val="solid"/>
-        </a:ln>
-        <a:ln w="25400" cap="flat" cmpd="sng" algn="ctr">
-          <a:solidFill>
-            <a:schemeClr val="phClr"/>
-          </a:solidFill>
-          <a:prstDash val="solid"/>
-        </a:ln>
-        <a:ln w="38100" cap="flat" cmpd="sng" algn="ctr">
-          <a:solidFill>
-            <a:schemeClr val="phClr"/>
-          </a:solidFill>
-          <a:prstDash val="solid"/>
-        </a:ln>
-      </a:lnStyleLst>
-      <a:effectStyleLst>
-        <a:effectStyle>
-          <a:effectLst>
-            <a:outerShdw blurRad="40000" dist="20000" dir="5400000" rotWithShape="0">
-              <a:srgbClr val="000000">
-                <a:alpha val="38000"/>
-              </a:srgbClr>
-            </a:outerShdw>
-          </a:effectLst>
-        </a:effectStyle>
-        <a:effectStyle>
-          <a:effectLst>
-            <a:outerShdw blurRad="40000" dist="23000" dir="5400000" rotWithShape="0">
-              <a:srgbClr val="000000">
-                <a:alpha val="35000"/>
-              </a:srgbClr>
-            </a:outerShdw>
-          </a:effectLst>
-        </a:effectStyle>
-        <a:effectStyle>
-          <a:effectLst>
-            <a:outerShdw blurRad="40000" dist="23000" dir="5400000" rotWithShape="0">
-              <a:srgbClr val="000000">
-                <a:alpha val="35000"/>
-              </a:srgbClr>
-            </a:outerShdw>
-          </a:effectLst>
-          <a:scene3d>
-            <a:camera prst="orthographicFront">
-              <a:rot lat="0" lon="0" rev="0"/>
-            </a:camera>
-            <a:lightRig rig="threePt" dir="t">
-              <a:rot lat="0" lon="0" rev="1200000"/>
-            </a:lightRig>
-          </a:scene3d>
-          <a:sp3d>
-            <a:bevelT w="63500" h="25400"/>
-          </a:sp3d>
-        </a:effectStyle>
-      </a:effectStyleLst>
-      <a:bgFillStyleLst>
-        <a:solidFill>
-          <a:schemeClr val="phClr"/>
-        </a:solidFill>
-        <a:gradFill rotWithShape="1">
-          <a:gsLst>
-            <a:gs pos="0">
-              <a:schemeClr val="phClr">
-                <a:tint val="40000"/>
-                <a:satMod val="350000"/>
-              </a:schemeClr>
-            </a:gs>
-            <a:gs pos="40000">
-              <a:schemeClr val="phClr">
-                <a:tint val="45000"/>
-                <a:shade val="99000"/>
-                <a:satMod val="350000"/>
-              </a:schemeClr>
-            </a:gs>
-            <a:gs pos="100000">
-              <a:schemeClr val="phClr">
-                <a:shade val="20000"/>
-                <a:satMod val="255000"/>
-              </a:schemeClr>
-            </a:gs>
-          </a:gsLst>
-          <a:path path="circle">
-            <a:fillToRect l="50000" t="-80000" r="50000" b="180000"/>
-          </a:path>
-        </a:gradFill>
-        <a:gradFill rotWithShape="1">
-          <a:gsLst>
-            <a:gs pos="0">
-              <a:schemeClr val="phClr">
-                <a:tint val="80000"/>
-                <a:satMod val="300000"/>
-              </a:schemeClr>
-            </a:gs>
-            <a:gs pos="100000">
-              <a:schemeClr val="phClr">
-                <a:shade val="30000"/>
-                <a:satMod val="200000"/>
-              </a:schemeClr>
-            </a:gs>
-          </a:gsLst>
-          <a:path path="circle">
-            <a:fillToRect l="50000" t="50000" r="50000" b="50000"/>
-          </a:path>
-        </a:gradFill>
-      </a:bgFillStyleLst>
-    </a:fmtScheme>
-  </a:themeElements>
-</a:theme>
 </file>
--- a/presentation/presentation.pptx
+++ b/presentation/presentation.pptx
@@ -2,60 +2,63 @@
 <file path=ppt/presentation.xml><?xml version="1.0" encoding="utf-8"?>
 <p:presentation xmlns:a="http://schemas.openxmlformats.org/drawingml/2006/main" xmlns:r="http://schemas.openxmlformats.org/officeDocument/2006/relationships" xmlns:mc="http://schemas.openxmlformats.org/markup-compatibility/2006" xmlns:mv="urn:schemas-microsoft-com:mac:vml" xmlns:p="http://schemas.openxmlformats.org/presentationml/2006/main" xmlns:c="http://schemas.openxmlformats.org/drawingml/2006/chart" xmlns:dgm="http://schemas.openxmlformats.org/drawingml/2006/diagram" xmlns:o="urn:schemas-microsoft-com:office:office" xmlns:v="urn:schemas-microsoft-com:vml" xmlns:pvml="urn:schemas-microsoft-com:office:powerpoint" xmlns:com="http://schemas.openxmlformats.org/drawingml/2006/compatibility" xmlns:p14="http://schemas.microsoft.com/office/powerpoint/2010/main" xmlns:p15="http://schemas.microsoft.com/office/powerpoint/2012/main" xmlns:ahyp="http://schemas.microsoft.com/office/drawing/2018/hyperlinkcolor" autoCompressPictures="0" embedTrueTypeFonts="1" strictFirstAndLastChars="0" saveSubsetFonts="1" showSpecialPlsOnTitleSld="0">
   <p:sldMasterIdLst>
-    <p:sldMasterId id="2147483648" r:id="rId5"/>
+    <p:sldMasterId id="2147483648" r:id="rId4"/>
   </p:sldMasterIdLst>
   <p:notesMasterIdLst>
-    <p:notesMasterId r:id="rId6"/>
+    <p:notesMasterId r:id="rId5"/>
   </p:notesMasterIdLst>
   <p:sldIdLst>
-    <p:sldId id="256" r:id="rId7"/>
-    <p:sldId id="257" r:id="rId8"/>
-    <p:sldId id="258" r:id="rId9"/>
-    <p:sldId id="259" r:id="rId10"/>
-    <p:sldId id="260" r:id="rId11"/>
-    <p:sldId id="261" r:id="rId12"/>
-    <p:sldId id="262" r:id="rId13"/>
-    <p:sldId id="263" r:id="rId14"/>
-    <p:sldId id="264" r:id="rId15"/>
-    <p:sldId id="265" r:id="rId16"/>
-    <p:sldId id="266" r:id="rId17"/>
-    <p:sldId id="267" r:id="rId18"/>
-    <p:sldId id="268" r:id="rId19"/>
-    <p:sldId id="269" r:id="rId20"/>
-    <p:sldId id="270" r:id="rId21"/>
-    <p:sldId id="271" r:id="rId22"/>
-    <p:sldId id="272" r:id="rId23"/>
-    <p:sldId id="273" r:id="rId24"/>
-    <p:sldId id="274" r:id="rId25"/>
-    <p:sldId id="275" r:id="rId26"/>
-    <p:sldId id="276" r:id="rId27"/>
-    <p:sldId id="277" r:id="rId28"/>
-    <p:sldId id="278" r:id="rId29"/>
-    <p:sldId id="279" r:id="rId30"/>
-    <p:sldId id="280" r:id="rId31"/>
-    <p:sldId id="281" r:id="rId32"/>
-    <p:sldId id="282" r:id="rId33"/>
-    <p:sldId id="283" r:id="rId34"/>
-    <p:sldId id="284" r:id="rId35"/>
-    <p:sldId id="285" r:id="rId36"/>
-    <p:sldId id="286" r:id="rId37"/>
+    <p:sldId id="256" r:id="rId6"/>
+    <p:sldId id="257" r:id="rId7"/>
+    <p:sldId id="258" r:id="rId8"/>
+    <p:sldId id="259" r:id="rId9"/>
+    <p:sldId id="260" r:id="rId10"/>
+    <p:sldId id="261" r:id="rId11"/>
+    <p:sldId id="262" r:id="rId12"/>
+    <p:sldId id="263" r:id="rId13"/>
+    <p:sldId id="264" r:id="rId14"/>
+    <p:sldId id="265" r:id="rId15"/>
+    <p:sldId id="266" r:id="rId16"/>
+    <p:sldId id="267" r:id="rId17"/>
+    <p:sldId id="268" r:id="rId18"/>
+    <p:sldId id="269" r:id="rId19"/>
+    <p:sldId id="270" r:id="rId20"/>
+    <p:sldId id="271" r:id="rId21"/>
+    <p:sldId id="272" r:id="rId22"/>
+    <p:sldId id="273" r:id="rId23"/>
+    <p:sldId id="274" r:id="rId24"/>
+    <p:sldId id="275" r:id="rId25"/>
+    <p:sldId id="276" r:id="rId26"/>
+    <p:sldId id="277" r:id="rId27"/>
+    <p:sldId id="278" r:id="rId28"/>
+    <p:sldId id="279" r:id="rId29"/>
+    <p:sldId id="280" r:id="rId30"/>
+    <p:sldId id="281" r:id="rId31"/>
+    <p:sldId id="282" r:id="rId32"/>
+    <p:sldId id="283" r:id="rId33"/>
+    <p:sldId id="284" r:id="rId34"/>
+    <p:sldId id="285" r:id="rId35"/>
+    <p:sldId id="286" r:id="rId36"/>
+    <p:sldId id="287" r:id="rId37"/>
+    <p:sldId id="288" r:id="rId38"/>
+    <p:sldId id="289" r:id="rId39"/>
   </p:sldIdLst>
   <p:sldSz cy="5143500" cx="9144000"/>
   <p:notesSz cx="6858000" cy="9144000"/>
   <p:embeddedFontLst>
     <p:embeddedFont>
       <p:font typeface="Lato"/>
-      <p:regular r:id="rId38"/>
-      <p:bold r:id="rId39"/>
-      <p:italic r:id="rId40"/>
-      <p:boldItalic r:id="rId41"/>
+      <p:regular r:id="rId40"/>
+      <p:bold r:id="rId41"/>
+      <p:italic r:id="rId42"/>
+      <p:boldItalic r:id="rId43"/>
     </p:embeddedFont>
     <p:embeddedFont>
       <p:font typeface="Montserrat"/>
-      <p:regular r:id="rId42"/>
-      <p:bold r:id="rId43"/>
-      <p:italic r:id="rId44"/>
-      <p:boldItalic r:id="rId45"/>
+      <p:regular r:id="rId44"/>
+      <p:bold r:id="rId45"/>
+      <p:italic r:id="rId46"/>
+      <p:boldItalic r:id="rId47"/>
     </p:embeddedFont>
   </p:embeddedFontLst>
   <p:defaultTextStyle>
@@ -303,101 +306,10 @@
       </p15:sldGuideLst>
     </p:ext>
     <p:ext uri="GoogleSlidesCustomDataVersion2">
-      <go:slidesCustomData xmlns:go="http://customooxmlschemas.google.com/" r:id="rId46" roundtripDataSignature="AMtx7mjRcYioAw9fV7p1ASHtac6Sh/XKAA=="/>
+      <go:slidesCustomData xmlns:go="http://customooxmlschemas.google.com/" r:id="rId48" roundtripDataSignature="AMtx7mj44mYJ8KB9HZeygagG0xpq2FwvUw=="/>
     </p:ext>
   </p:extLst>
 </p:presentation>
-</file>
-
-<file path=ppt/commentAuthors.xml><?xml version="1.0" encoding="utf-8"?>
-<p:cmAuthorLst xmlns:a="http://schemas.openxmlformats.org/drawingml/2006/main" xmlns:r="http://schemas.openxmlformats.org/officeDocument/2006/relationships" xmlns:mc="http://schemas.openxmlformats.org/markup-compatibility/2006" xmlns:mv="urn:schemas-microsoft-com:mac:vml" xmlns:p="http://schemas.openxmlformats.org/presentationml/2006/main" xmlns:c="http://schemas.openxmlformats.org/drawingml/2006/chart" xmlns:dgm="http://schemas.openxmlformats.org/drawingml/2006/diagram" xmlns:o="urn:schemas-microsoft-com:office:office" xmlns:v="urn:schemas-microsoft-com:vml" xmlns:pvml="urn:schemas-microsoft-com:office:powerpoint" xmlns:com="http://schemas.openxmlformats.org/drawingml/2006/compatibility" xmlns:p14="http://schemas.microsoft.com/office/powerpoint/2010/main" xmlns:p15="http://schemas.microsoft.com/office/powerpoint/2012/main" xmlns:ahyp="http://schemas.microsoft.com/office/drawing/2018/hyperlinkcolor">
-  <p:cmAuthor clrIdx="0" id="0" initials="" lastIdx="5" name="Danilo Corsi"/>
-</p:cmAuthorLst>
-</file>
-
-<file path=ppt/comments/comment1.xml><?xml version="1.0" encoding="utf-8"?>
-<p:cmLst xmlns:a="http://schemas.openxmlformats.org/drawingml/2006/main" xmlns:r="http://schemas.openxmlformats.org/officeDocument/2006/relationships" xmlns:mc="http://schemas.openxmlformats.org/markup-compatibility/2006" xmlns:mv="urn:schemas-microsoft-com:mac:vml" xmlns:p="http://schemas.openxmlformats.org/presentationml/2006/main" xmlns:c="http://schemas.openxmlformats.org/drawingml/2006/chart" xmlns:dgm="http://schemas.openxmlformats.org/drawingml/2006/diagram" xmlns:o="urn:schemas-microsoft-com:office:office" xmlns:v="urn:schemas-microsoft-com:vml" xmlns:pvml="urn:schemas-microsoft-com:office:powerpoint" xmlns:com="http://schemas.openxmlformats.org/drawingml/2006/compatibility" xmlns:p14="http://schemas.microsoft.com/office/powerpoint/2010/main" xmlns:p15="http://schemas.microsoft.com/office/powerpoint/2012/main" xmlns:ahyp="http://schemas.microsoft.com/office/drawing/2018/hyperlinkcolor">
-  <p:cm authorId="0" idx="1" dt="2023-12-17T16:50:24.371">
-    <p:pos x="6000" y="0"/>
-    <p:text>Fai slide con i cerchi per il focus</p:text>
-    <p:extLst>
-      <p:ext uri="{C676402C-5697-4E1C-873F-D02D1690AC5C}">
-        <p15:threadingInfo timeZoneBias="0"/>
-      </p:ext>
-      <p:ext uri="http://customooxmlschemas.google.com/">
-        <go:slidesCustomData xmlns:go="http://customooxmlschemas.google.com/" commentPostId="AAABCoRGpoo"/>
-      </p:ext>
-    </p:extLst>
-  </p:cm>
-</p:cmLst>
-</file>
-
-<file path=ppt/comments/comment2.xml><?xml version="1.0" encoding="utf-8"?>
-<p:cmLst xmlns:a="http://schemas.openxmlformats.org/drawingml/2006/main" xmlns:r="http://schemas.openxmlformats.org/officeDocument/2006/relationships" xmlns:mc="http://schemas.openxmlformats.org/markup-compatibility/2006" xmlns:mv="urn:schemas-microsoft-com:mac:vml" xmlns:p="http://schemas.openxmlformats.org/presentationml/2006/main" xmlns:c="http://schemas.openxmlformats.org/drawingml/2006/chart" xmlns:dgm="http://schemas.openxmlformats.org/drawingml/2006/diagram" xmlns:o="urn:schemas-microsoft-com:office:office" xmlns:v="urn:schemas-microsoft-com:vml" xmlns:pvml="urn:schemas-microsoft-com:office:powerpoint" xmlns:com="http://schemas.openxmlformats.org/drawingml/2006/compatibility" xmlns:p14="http://schemas.microsoft.com/office/powerpoint/2010/main" xmlns:p15="http://schemas.microsoft.com/office/powerpoint/2012/main" xmlns:ahyp="http://schemas.microsoft.com/office/drawing/2018/hyperlinkcolor">
-  <p:cm authorId="0" idx="2" dt="2023-12-17T16:50:28.135">
-    <p:pos x="6000" y="0"/>
-    <p:text>Fai slide con i cerchi per il focus</p:text>
-    <p:extLst>
-      <p:ext uri="{C676402C-5697-4E1C-873F-D02D1690AC5C}">
-        <p15:threadingInfo timeZoneBias="0"/>
-      </p:ext>
-      <p:ext uri="http://customooxmlschemas.google.com/">
-        <go:slidesCustomData xmlns:go="http://customooxmlschemas.google.com/" commentPostId="AAABCoRGpos"/>
-      </p:ext>
-    </p:extLst>
-  </p:cm>
-</p:cmLst>
-</file>
-
-<file path=ppt/comments/comment3.xml><?xml version="1.0" encoding="utf-8"?>
-<p:cmLst xmlns:a="http://schemas.openxmlformats.org/drawingml/2006/main" xmlns:r="http://schemas.openxmlformats.org/officeDocument/2006/relationships" xmlns:mc="http://schemas.openxmlformats.org/markup-compatibility/2006" xmlns:mv="urn:schemas-microsoft-com:mac:vml" xmlns:p="http://schemas.openxmlformats.org/presentationml/2006/main" xmlns:c="http://schemas.openxmlformats.org/drawingml/2006/chart" xmlns:dgm="http://schemas.openxmlformats.org/drawingml/2006/diagram" xmlns:o="urn:schemas-microsoft-com:office:office" xmlns:v="urn:schemas-microsoft-com:vml" xmlns:pvml="urn:schemas-microsoft-com:office:powerpoint" xmlns:com="http://schemas.openxmlformats.org/drawingml/2006/compatibility" xmlns:p14="http://schemas.microsoft.com/office/powerpoint/2010/main" xmlns:p15="http://schemas.microsoft.com/office/powerpoint/2012/main" xmlns:ahyp="http://schemas.microsoft.com/office/drawing/2018/hyperlinkcolor">
-  <p:cm authorId="0" idx="3" dt="2023-12-15T18:01:20.025">
-    <p:pos x="6000" y="0"/>
-    <p:text>Aggiungi recap</p:text>
-    <p:extLst>
-      <p:ext uri="{C676402C-5697-4E1C-873F-D02D1690AC5C}">
-        <p15:threadingInfo timeZoneBias="0"/>
-      </p:ext>
-      <p:ext uri="http://customooxmlschemas.google.com/">
-        <go:slidesCustomData xmlns:go="http://customooxmlschemas.google.com/" commentPostId="AAABCjcA6nw"/>
-      </p:ext>
-    </p:extLst>
-  </p:cm>
-</p:cmLst>
-</file>
-
-<file path=ppt/comments/comment4.xml><?xml version="1.0" encoding="utf-8"?>
-<p:cmLst xmlns:a="http://schemas.openxmlformats.org/drawingml/2006/main" xmlns:r="http://schemas.openxmlformats.org/officeDocument/2006/relationships" xmlns:mc="http://schemas.openxmlformats.org/markup-compatibility/2006" xmlns:mv="urn:schemas-microsoft-com:mac:vml" xmlns:p="http://schemas.openxmlformats.org/presentationml/2006/main" xmlns:c="http://schemas.openxmlformats.org/drawingml/2006/chart" xmlns:dgm="http://schemas.openxmlformats.org/drawingml/2006/diagram" xmlns:o="urn:schemas-microsoft-com:office:office" xmlns:v="urn:schemas-microsoft-com:vml" xmlns:pvml="urn:schemas-microsoft-com:office:powerpoint" xmlns:com="http://schemas.openxmlformats.org/drawingml/2006/compatibility" xmlns:p14="http://schemas.microsoft.com/office/powerpoint/2010/main" xmlns:p15="http://schemas.microsoft.com/office/powerpoint/2012/main" xmlns:ahyp="http://schemas.microsoft.com/office/drawing/2018/hyperlinkcolor">
-  <p:cm authorId="0" idx="4" dt="2023-12-17T16:50:39.542">
-    <p:pos x="6000" y="0"/>
-    <p:text>Fai slide con i cerchi per il focus</p:text>
-    <p:extLst>
-      <p:ext uri="{C676402C-5697-4E1C-873F-D02D1690AC5C}">
-        <p15:threadingInfo timeZoneBias="0"/>
-      </p:ext>
-      <p:ext uri="http://customooxmlschemas.google.com/">
-        <go:slidesCustomData xmlns:go="http://customooxmlschemas.google.com/" commentPostId="AAABCoRGpow"/>
-      </p:ext>
-    </p:extLst>
-  </p:cm>
-</p:cmLst>
-</file>
-
-<file path=ppt/comments/comment5.xml><?xml version="1.0" encoding="utf-8"?>
-<p:cmLst xmlns:a="http://schemas.openxmlformats.org/drawingml/2006/main" xmlns:r="http://schemas.openxmlformats.org/officeDocument/2006/relationships" xmlns:mc="http://schemas.openxmlformats.org/markup-compatibility/2006" xmlns:mv="urn:schemas-microsoft-com:mac:vml" xmlns:p="http://schemas.openxmlformats.org/presentationml/2006/main" xmlns:c="http://schemas.openxmlformats.org/drawingml/2006/chart" xmlns:dgm="http://schemas.openxmlformats.org/drawingml/2006/diagram" xmlns:o="urn:schemas-microsoft-com:office:office" xmlns:v="urn:schemas-microsoft-com:vml" xmlns:pvml="urn:schemas-microsoft-com:office:powerpoint" xmlns:com="http://schemas.openxmlformats.org/drawingml/2006/compatibility" xmlns:p14="http://schemas.microsoft.com/office/powerpoint/2010/main" xmlns:p15="http://schemas.microsoft.com/office/powerpoint/2012/main" xmlns:ahyp="http://schemas.microsoft.com/office/drawing/2018/hyperlinkcolor">
-  <p:cm authorId="0" idx="5" dt="2023-12-15T18:01:29.588">
-    <p:pos x="6000" y="0"/>
-    <p:text>Aggiungi recap</p:text>
-    <p:extLst>
-      <p:ext uri="{C676402C-5697-4E1C-873F-D02D1690AC5C}">
-        <p15:threadingInfo timeZoneBias="0"/>
-      </p:ext>
-      <p:ext uri="http://customooxmlschemas.google.com/">
-        <go:slidesCustomData xmlns:go="http://customooxmlschemas.google.com/" commentPostId="AAABCjcD28M"/>
-      </p:ext>
-    </p:extLst>
-  </p:cm>
-</p:cmLst>
 </file>
 
 <file path=ppt/notesMasters/notesMaster1.xml><?xml version="1.0" encoding="utf-8"?>
@@ -1455,7 +1367,7 @@
       </p:grpSpPr>
       <p:sp>
         <p:nvSpPr>
-          <p:cNvPr id="159" name="Google Shape;159;g2a75948b1fc_3_9:notes"/>
+          <p:cNvPr id="159" name="Google Shape;159;g2a8639fb0e6_0_1:notes"/>
           <p:cNvSpPr/>
           <p:nvPr>
             <p:ph idx="2" type="sldImg"/>
@@ -1500,7 +1412,7 @@
       </p:sp>
       <p:sp>
         <p:nvSpPr>
-          <p:cNvPr id="160" name="Google Shape;160;g2a75948b1fc_3_9:notes"/>
+          <p:cNvPr id="160" name="Google Shape;160;g2a8639fb0e6_0_1:notes"/>
           <p:cNvSpPr txBox="1"/>
           <p:nvPr>
             <p:ph idx="1" type="body"/>
@@ -2857,7 +2769,7 @@
   <p:cSld>
     <p:spTree>
       <p:nvGrpSpPr>
-        <p:cNvPr id="237" name="Shape 237"/>
+        <p:cNvPr id="235" name="Shape 235"/>
         <p:cNvGrpSpPr/>
         <p:nvPr/>
       </p:nvGrpSpPr>
@@ -2871,7 +2783,7 @@
       </p:grpSpPr>
       <p:sp>
         <p:nvSpPr>
-          <p:cNvPr id="238" name="Google Shape;238;g2a0c6f9b0a2_0_91:notes"/>
+          <p:cNvPr id="236" name="Google Shape;236;g2a0c6f9b0a2_0_91:notes"/>
           <p:cNvSpPr/>
           <p:nvPr>
             <p:ph idx="2" type="sldImg"/>
@@ -2916,7 +2828,7 @@
       </p:sp>
       <p:sp>
         <p:nvSpPr>
-          <p:cNvPr id="239" name="Google Shape;239;g2a0c6f9b0a2_0_91:notes"/>
+          <p:cNvPr id="237" name="Google Shape;237;g2a0c6f9b0a2_0_91:notes"/>
           <p:cNvSpPr txBox="1"/>
           <p:nvPr>
             <p:ph idx="1" type="body"/>
@@ -2974,7 +2886,7 @@
   <p:cSld>
     <p:spTree>
       <p:nvGrpSpPr>
-        <p:cNvPr id="253" name="Shape 253"/>
+        <p:cNvPr id="246" name="Shape 246"/>
         <p:cNvGrpSpPr/>
         <p:nvPr/>
       </p:nvGrpSpPr>
@@ -2988,7 +2900,7 @@
       </p:grpSpPr>
       <p:sp>
         <p:nvSpPr>
-          <p:cNvPr id="254" name="Google Shape;254;g2a0c6f9b0a2_0_97:notes"/>
+          <p:cNvPr id="247" name="Google Shape;247;g2a8639fb0e6_0_17:notes"/>
           <p:cNvSpPr/>
           <p:nvPr>
             <p:ph idx="2" type="sldImg"/>
@@ -3033,7 +2945,7 @@
       </p:sp>
       <p:sp>
         <p:nvSpPr>
-          <p:cNvPr id="255" name="Google Shape;255;g2a0c6f9b0a2_0_97:notes"/>
+          <p:cNvPr id="248" name="Google Shape;248;g2a8639fb0e6_0_17:notes"/>
           <p:cNvSpPr txBox="1"/>
           <p:nvPr>
             <p:ph idx="1" type="body"/>
@@ -3091,7 +3003,7 @@
   <p:cSld>
     <p:spTree>
       <p:nvGrpSpPr>
-        <p:cNvPr id="269" name="Shape 269"/>
+        <p:cNvPr id="258" name="Shape 258"/>
         <p:cNvGrpSpPr/>
         <p:nvPr/>
       </p:nvGrpSpPr>
@@ -3105,7 +3017,7 @@
       </p:grpSpPr>
       <p:sp>
         <p:nvSpPr>
-          <p:cNvPr id="270" name="Google Shape;270;g2a75948b1fc_3_59:notes"/>
+          <p:cNvPr id="259" name="Google Shape;259;g2a0c6f9b0a2_0_97:notes"/>
           <p:cNvSpPr/>
           <p:nvPr>
             <p:ph idx="2" type="sldImg"/>
@@ -3150,7 +3062,7 @@
       </p:sp>
       <p:sp>
         <p:nvSpPr>
-          <p:cNvPr id="271" name="Google Shape;271;g2a75948b1fc_3_59:notes"/>
+          <p:cNvPr id="260" name="Google Shape;260;g2a0c6f9b0a2_0_97:notes"/>
           <p:cNvSpPr txBox="1"/>
           <p:nvPr>
             <p:ph idx="1" type="body"/>
@@ -3208,7 +3120,7 @@
   <p:cSld>
     <p:spTree>
       <p:nvGrpSpPr>
-        <p:cNvPr id="278" name="Shape 278"/>
+        <p:cNvPr id="268" name="Shape 268"/>
         <p:cNvGrpSpPr/>
         <p:nvPr/>
       </p:nvGrpSpPr>
@@ -3222,7 +3134,7 @@
       </p:grpSpPr>
       <p:sp>
         <p:nvSpPr>
-          <p:cNvPr id="279" name="Google Shape;279;g2a0c6f9b0a2_0_103:notes"/>
+          <p:cNvPr id="269" name="Google Shape;269;g2a8639fb0e6_0_35:notes"/>
           <p:cNvSpPr/>
           <p:nvPr>
             <p:ph idx="2" type="sldImg"/>
@@ -3267,7 +3179,7 @@
       </p:sp>
       <p:sp>
         <p:nvSpPr>
-          <p:cNvPr id="280" name="Google Shape;280;g2a0c6f9b0a2_0_103:notes"/>
+          <p:cNvPr id="270" name="Google Shape;270;g2a8639fb0e6_0_35:notes"/>
           <p:cNvSpPr txBox="1"/>
           <p:nvPr>
             <p:ph idx="1" type="body"/>
@@ -3325,7 +3237,7 @@
   <p:cSld>
     <p:spTree>
       <p:nvGrpSpPr>
-        <p:cNvPr id="293" name="Shape 293"/>
+        <p:cNvPr id="280" name="Shape 280"/>
         <p:cNvGrpSpPr/>
         <p:nvPr/>
       </p:nvGrpSpPr>
@@ -3339,7 +3251,7 @@
       </p:grpSpPr>
       <p:sp>
         <p:nvSpPr>
-          <p:cNvPr id="294" name="Google Shape;294;g2a58cb8d4e2_0_19:notes"/>
+          <p:cNvPr id="281" name="Google Shape;281;g2a75948b1fc_3_59:notes"/>
           <p:cNvSpPr/>
           <p:nvPr>
             <p:ph idx="2" type="sldImg"/>
@@ -3384,7 +3296,7 @@
       </p:sp>
       <p:sp>
         <p:nvSpPr>
-          <p:cNvPr id="295" name="Google Shape;295;g2a58cb8d4e2_0_19:notes"/>
+          <p:cNvPr id="282" name="Google Shape;282;g2a75948b1fc_3_59:notes"/>
           <p:cNvSpPr txBox="1"/>
           <p:nvPr>
             <p:ph idx="1" type="body"/>
@@ -3442,7 +3354,7 @@
   <p:cSld>
     <p:spTree>
       <p:nvGrpSpPr>
-        <p:cNvPr id="316" name="Shape 316"/>
+        <p:cNvPr id="289" name="Shape 289"/>
         <p:cNvGrpSpPr/>
         <p:nvPr/>
       </p:nvGrpSpPr>
@@ -3456,7 +3368,7 @@
       </p:grpSpPr>
       <p:sp>
         <p:nvSpPr>
-          <p:cNvPr id="317" name="Google Shape;317;g2a75948b1fc_3_80:notes"/>
+          <p:cNvPr id="290" name="Google Shape;290;g2a0c6f9b0a2_0_103:notes"/>
           <p:cNvSpPr/>
           <p:nvPr>
             <p:ph idx="2" type="sldImg"/>
@@ -3501,7 +3413,7 @@
       </p:sp>
       <p:sp>
         <p:nvSpPr>
-          <p:cNvPr id="318" name="Google Shape;318;g2a75948b1fc_3_80:notes"/>
+          <p:cNvPr id="291" name="Google Shape;291;g2a0c6f9b0a2_0_103:notes"/>
           <p:cNvSpPr txBox="1"/>
           <p:nvPr>
             <p:ph idx="1" type="body"/>
@@ -3559,7 +3471,7 @@
   <p:cSld>
     <p:spTree>
       <p:nvGrpSpPr>
-        <p:cNvPr id="330" name="Shape 330"/>
+        <p:cNvPr id="304" name="Shape 304"/>
         <p:cNvGrpSpPr/>
         <p:nvPr/>
       </p:nvGrpSpPr>
@@ -3573,7 +3485,7 @@
       </p:grpSpPr>
       <p:sp>
         <p:nvSpPr>
-          <p:cNvPr id="331" name="Google Shape;331;g2a7c40ec614_0_1:notes"/>
+          <p:cNvPr id="305" name="Google Shape;305;g2a58cb8d4e2_0_19:notes"/>
           <p:cNvSpPr/>
           <p:nvPr>
             <p:ph idx="2" type="sldImg"/>
@@ -3618,7 +3530,7 @@
       </p:sp>
       <p:sp>
         <p:nvSpPr>
-          <p:cNvPr id="332" name="Google Shape;332;g2a7c40ec614_0_1:notes"/>
+          <p:cNvPr id="306" name="Google Shape;306;g2a58cb8d4e2_0_19:notes"/>
           <p:cNvSpPr txBox="1"/>
           <p:nvPr>
             <p:ph idx="1" type="body"/>
@@ -3793,7 +3705,7 @@
   <p:cSld>
     <p:spTree>
       <p:nvGrpSpPr>
-        <p:cNvPr id="346" name="Shape 346"/>
+        <p:cNvPr id="317" name="Shape 317"/>
         <p:cNvGrpSpPr/>
         <p:nvPr/>
       </p:nvGrpSpPr>
@@ -3807,7 +3719,7 @@
       </p:grpSpPr>
       <p:sp>
         <p:nvSpPr>
-          <p:cNvPr id="347" name="Google Shape;347;g2a0c6f9b0a2_0_109:notes"/>
+          <p:cNvPr id="318" name="Google Shape;318;g2a8639fb0e6_0_52:notes"/>
           <p:cNvSpPr/>
           <p:nvPr>
             <p:ph idx="2" type="sldImg"/>
@@ -3852,7 +3764,7 @@
       </p:sp>
       <p:sp>
         <p:nvSpPr>
-          <p:cNvPr id="348" name="Google Shape;348;g2a0c6f9b0a2_0_109:notes"/>
+          <p:cNvPr id="319" name="Google Shape;319;g2a8639fb0e6_0_52:notes"/>
           <p:cNvSpPr txBox="1"/>
           <p:nvPr>
             <p:ph idx="1" type="body"/>
@@ -3910,7 +3822,7 @@
   <p:cSld>
     <p:spTree>
       <p:nvGrpSpPr>
-        <p:cNvPr id="352" name="Shape 352"/>
+        <p:cNvPr id="331" name="Shape 331"/>
         <p:cNvGrpSpPr/>
         <p:nvPr/>
       </p:nvGrpSpPr>
@@ -3924,7 +3836,7 @@
       </p:grpSpPr>
       <p:sp>
         <p:nvSpPr>
-          <p:cNvPr id="353" name="Google Shape;353;g26e1760ff98_1_133:notes"/>
+          <p:cNvPr id="332" name="Google Shape;332;g2a75948b1fc_3_80:notes"/>
           <p:cNvSpPr/>
           <p:nvPr>
             <p:ph idx="2" type="sldImg"/>
@@ -3969,7 +3881,358 @@
       </p:sp>
       <p:sp>
         <p:nvSpPr>
-          <p:cNvPr id="354" name="Google Shape;354;g26e1760ff98_1_133:notes"/>
+          <p:cNvPr id="333" name="Google Shape;333;g2a75948b1fc_3_80:notes"/>
+          <p:cNvSpPr txBox="1"/>
+          <p:nvPr>
+            <p:ph idx="1" type="body"/>
+          </p:nvPr>
+        </p:nvSpPr>
+        <p:spPr>
+          <a:xfrm>
+            <a:off x="685800" y="4343400"/>
+            <a:ext cx="5486400" cy="4114800"/>
+          </a:xfrm>
+          <a:prstGeom prst="rect">
+            <a:avLst/>
+          </a:prstGeom>
+          <a:noFill/>
+          <a:ln>
+            <a:noFill/>
+          </a:ln>
+        </p:spPr>
+        <p:txBody>
+          <a:bodyPr anchorCtr="0" anchor="t" bIns="91425" lIns="91425" spcFirstLastPara="1" rIns="91425" wrap="square" tIns="91425">
+            <a:noAutofit/>
+          </a:bodyPr>
+          <a:lstStyle/>
+          <a:p>
+            <a:pPr indent="0" lvl="0" marL="0" rtl="0" algn="l">
+              <a:lnSpc>
+                <a:spcPct val="100000"/>
+              </a:lnSpc>
+              <a:spcBef>
+                <a:spcPts val="0"/>
+              </a:spcBef>
+              <a:spcAft>
+                <a:spcPts val="0"/>
+              </a:spcAft>
+              <a:buSzPts val="1100"/>
+              <a:buNone/>
+            </a:pPr>
+            <a:r>
+              <a:t/>
+            </a:r>
+            <a:endParaRPr/>
+          </a:p>
+        </p:txBody>
+      </p:sp>
+    </p:spTree>
+  </p:cSld>
+  <p:clrMapOvr>
+    <a:masterClrMapping/>
+  </p:clrMapOvr>
+</p:notes>
+</file>
+
+<file path=ppt/notesSlides/notesSlide32.xml><?xml version="1.0" encoding="utf-8"?>
+<p:notes xmlns:a="http://schemas.openxmlformats.org/drawingml/2006/main" xmlns:r="http://schemas.openxmlformats.org/officeDocument/2006/relationships" xmlns:mc="http://schemas.openxmlformats.org/markup-compatibility/2006" xmlns:mv="urn:schemas-microsoft-com:mac:vml" xmlns:p="http://schemas.openxmlformats.org/presentationml/2006/main" xmlns:c="http://schemas.openxmlformats.org/drawingml/2006/chart" xmlns:dgm="http://schemas.openxmlformats.org/drawingml/2006/diagram" xmlns:o="urn:schemas-microsoft-com:office:office" xmlns:v="urn:schemas-microsoft-com:vml" xmlns:pvml="urn:schemas-microsoft-com:office:powerpoint" xmlns:com="http://schemas.openxmlformats.org/drawingml/2006/compatibility" xmlns:p14="http://schemas.microsoft.com/office/powerpoint/2010/main" xmlns:p15="http://schemas.microsoft.com/office/powerpoint/2012/main" xmlns:ahyp="http://schemas.microsoft.com/office/drawing/2018/hyperlinkcolor" showMasterPhAnim="0" showMasterSp="0">
+  <p:cSld>
+    <p:spTree>
+      <p:nvGrpSpPr>
+        <p:cNvPr id="345" name="Shape 345"/>
+        <p:cNvGrpSpPr/>
+        <p:nvPr/>
+      </p:nvGrpSpPr>
+      <p:grpSpPr>
+        <a:xfrm>
+          <a:off x="0" y="0"/>
+          <a:ext cx="0" cy="0"/>
+          <a:chOff x="0" y="0"/>
+          <a:chExt cx="0" cy="0"/>
+        </a:xfrm>
+      </p:grpSpPr>
+      <p:sp>
+        <p:nvSpPr>
+          <p:cNvPr id="346" name="Google Shape;346;g2a7c40ec614_0_1:notes"/>
+          <p:cNvSpPr/>
+          <p:nvPr>
+            <p:ph idx="2" type="sldImg"/>
+          </p:nvPr>
+        </p:nvSpPr>
+        <p:spPr>
+          <a:xfrm>
+            <a:off x="381000" y="685800"/>
+            <a:ext cx="6096000" cy="3429000"/>
+          </a:xfrm>
+          <a:custGeom>
+            <a:rect b="b" l="l" r="r" t="t"/>
+            <a:pathLst>
+              <a:path extrusionOk="0" h="120000" w="120000">
+                <a:moveTo>
+                  <a:pt x="0" y="0"/>
+                </a:moveTo>
+                <a:lnTo>
+                  <a:pt x="120000" y="0"/>
+                </a:lnTo>
+                <a:lnTo>
+                  <a:pt x="120000" y="120000"/>
+                </a:lnTo>
+                <a:lnTo>
+                  <a:pt x="0" y="120000"/>
+                </a:lnTo>
+                <a:close/>
+              </a:path>
+            </a:pathLst>
+          </a:custGeom>
+          <a:noFill/>
+          <a:ln cap="flat" cmpd="sng" w="9525">
+            <a:solidFill>
+              <a:srgbClr val="000000"/>
+            </a:solidFill>
+            <a:prstDash val="solid"/>
+            <a:round/>
+            <a:headEnd len="sm" w="sm" type="none"/>
+            <a:tailEnd len="sm" w="sm" type="none"/>
+          </a:ln>
+        </p:spPr>
+      </p:sp>
+      <p:sp>
+        <p:nvSpPr>
+          <p:cNvPr id="347" name="Google Shape;347;g2a7c40ec614_0_1:notes"/>
+          <p:cNvSpPr txBox="1"/>
+          <p:nvPr>
+            <p:ph idx="1" type="body"/>
+          </p:nvPr>
+        </p:nvSpPr>
+        <p:spPr>
+          <a:xfrm>
+            <a:off x="685800" y="4343400"/>
+            <a:ext cx="5486400" cy="4114800"/>
+          </a:xfrm>
+          <a:prstGeom prst="rect">
+            <a:avLst/>
+          </a:prstGeom>
+          <a:noFill/>
+          <a:ln>
+            <a:noFill/>
+          </a:ln>
+        </p:spPr>
+        <p:txBody>
+          <a:bodyPr anchorCtr="0" anchor="t" bIns="91425" lIns="91425" spcFirstLastPara="1" rIns="91425" wrap="square" tIns="91425">
+            <a:noAutofit/>
+          </a:bodyPr>
+          <a:lstStyle/>
+          <a:p>
+            <a:pPr indent="0" lvl="0" marL="0" rtl="0" algn="l">
+              <a:lnSpc>
+                <a:spcPct val="100000"/>
+              </a:lnSpc>
+              <a:spcBef>
+                <a:spcPts val="0"/>
+              </a:spcBef>
+              <a:spcAft>
+                <a:spcPts val="0"/>
+              </a:spcAft>
+              <a:buSzPts val="1100"/>
+              <a:buNone/>
+            </a:pPr>
+            <a:r>
+              <a:t/>
+            </a:r>
+            <a:endParaRPr/>
+          </a:p>
+        </p:txBody>
+      </p:sp>
+    </p:spTree>
+  </p:cSld>
+  <p:clrMapOvr>
+    <a:masterClrMapping/>
+  </p:clrMapOvr>
+</p:notes>
+</file>
+
+<file path=ppt/notesSlides/notesSlide33.xml><?xml version="1.0" encoding="utf-8"?>
+<p:notes xmlns:a="http://schemas.openxmlformats.org/drawingml/2006/main" xmlns:r="http://schemas.openxmlformats.org/officeDocument/2006/relationships" xmlns:mc="http://schemas.openxmlformats.org/markup-compatibility/2006" xmlns:mv="urn:schemas-microsoft-com:mac:vml" xmlns:p="http://schemas.openxmlformats.org/presentationml/2006/main" xmlns:c="http://schemas.openxmlformats.org/drawingml/2006/chart" xmlns:dgm="http://schemas.openxmlformats.org/drawingml/2006/diagram" xmlns:o="urn:schemas-microsoft-com:office:office" xmlns:v="urn:schemas-microsoft-com:vml" xmlns:pvml="urn:schemas-microsoft-com:office:powerpoint" xmlns:com="http://schemas.openxmlformats.org/drawingml/2006/compatibility" xmlns:p14="http://schemas.microsoft.com/office/powerpoint/2010/main" xmlns:p15="http://schemas.microsoft.com/office/powerpoint/2012/main" xmlns:ahyp="http://schemas.microsoft.com/office/drawing/2018/hyperlinkcolor" showMasterPhAnim="0" showMasterSp="0">
+  <p:cSld>
+    <p:spTree>
+      <p:nvGrpSpPr>
+        <p:cNvPr id="361" name="Shape 361"/>
+        <p:cNvGrpSpPr/>
+        <p:nvPr/>
+      </p:nvGrpSpPr>
+      <p:grpSpPr>
+        <a:xfrm>
+          <a:off x="0" y="0"/>
+          <a:ext cx="0" cy="0"/>
+          <a:chOff x="0" y="0"/>
+          <a:chExt cx="0" cy="0"/>
+        </a:xfrm>
+      </p:grpSpPr>
+      <p:sp>
+        <p:nvSpPr>
+          <p:cNvPr id="362" name="Google Shape;362;g2a0c6f9b0a2_0_109:notes"/>
+          <p:cNvSpPr/>
+          <p:nvPr>
+            <p:ph idx="2" type="sldImg"/>
+          </p:nvPr>
+        </p:nvSpPr>
+        <p:spPr>
+          <a:xfrm>
+            <a:off x="381000" y="685800"/>
+            <a:ext cx="6096000" cy="3429000"/>
+          </a:xfrm>
+          <a:custGeom>
+            <a:rect b="b" l="l" r="r" t="t"/>
+            <a:pathLst>
+              <a:path extrusionOk="0" h="120000" w="120000">
+                <a:moveTo>
+                  <a:pt x="0" y="0"/>
+                </a:moveTo>
+                <a:lnTo>
+                  <a:pt x="120000" y="0"/>
+                </a:lnTo>
+                <a:lnTo>
+                  <a:pt x="120000" y="120000"/>
+                </a:lnTo>
+                <a:lnTo>
+                  <a:pt x="0" y="120000"/>
+                </a:lnTo>
+                <a:close/>
+              </a:path>
+            </a:pathLst>
+          </a:custGeom>
+          <a:noFill/>
+          <a:ln cap="flat" cmpd="sng" w="9525">
+            <a:solidFill>
+              <a:srgbClr val="000000"/>
+            </a:solidFill>
+            <a:prstDash val="solid"/>
+            <a:round/>
+            <a:headEnd len="sm" w="sm" type="none"/>
+            <a:tailEnd len="sm" w="sm" type="none"/>
+          </a:ln>
+        </p:spPr>
+      </p:sp>
+      <p:sp>
+        <p:nvSpPr>
+          <p:cNvPr id="363" name="Google Shape;363;g2a0c6f9b0a2_0_109:notes"/>
+          <p:cNvSpPr txBox="1"/>
+          <p:nvPr>
+            <p:ph idx="1" type="body"/>
+          </p:nvPr>
+        </p:nvSpPr>
+        <p:spPr>
+          <a:xfrm>
+            <a:off x="685800" y="4343400"/>
+            <a:ext cx="5486400" cy="4114800"/>
+          </a:xfrm>
+          <a:prstGeom prst="rect">
+            <a:avLst/>
+          </a:prstGeom>
+          <a:noFill/>
+          <a:ln>
+            <a:noFill/>
+          </a:ln>
+        </p:spPr>
+        <p:txBody>
+          <a:bodyPr anchorCtr="0" anchor="t" bIns="91425" lIns="91425" spcFirstLastPara="1" rIns="91425" wrap="square" tIns="91425">
+            <a:noAutofit/>
+          </a:bodyPr>
+          <a:lstStyle/>
+          <a:p>
+            <a:pPr indent="0" lvl="0" marL="0" rtl="0" algn="l">
+              <a:lnSpc>
+                <a:spcPct val="100000"/>
+              </a:lnSpc>
+              <a:spcBef>
+                <a:spcPts val="0"/>
+              </a:spcBef>
+              <a:spcAft>
+                <a:spcPts val="0"/>
+              </a:spcAft>
+              <a:buSzPts val="1100"/>
+              <a:buNone/>
+            </a:pPr>
+            <a:r>
+              <a:t/>
+            </a:r>
+            <a:endParaRPr/>
+          </a:p>
+        </p:txBody>
+      </p:sp>
+    </p:spTree>
+  </p:cSld>
+  <p:clrMapOvr>
+    <a:masterClrMapping/>
+  </p:clrMapOvr>
+</p:notes>
+</file>
+
+<file path=ppt/notesSlides/notesSlide34.xml><?xml version="1.0" encoding="utf-8"?>
+<p:notes xmlns:a="http://schemas.openxmlformats.org/drawingml/2006/main" xmlns:r="http://schemas.openxmlformats.org/officeDocument/2006/relationships" xmlns:mc="http://schemas.openxmlformats.org/markup-compatibility/2006" xmlns:mv="urn:schemas-microsoft-com:mac:vml" xmlns:p="http://schemas.openxmlformats.org/presentationml/2006/main" xmlns:c="http://schemas.openxmlformats.org/drawingml/2006/chart" xmlns:dgm="http://schemas.openxmlformats.org/drawingml/2006/diagram" xmlns:o="urn:schemas-microsoft-com:office:office" xmlns:v="urn:schemas-microsoft-com:vml" xmlns:pvml="urn:schemas-microsoft-com:office:powerpoint" xmlns:com="http://schemas.openxmlformats.org/drawingml/2006/compatibility" xmlns:p14="http://schemas.microsoft.com/office/powerpoint/2010/main" xmlns:p15="http://schemas.microsoft.com/office/powerpoint/2012/main" xmlns:ahyp="http://schemas.microsoft.com/office/drawing/2018/hyperlinkcolor" showMasterPhAnim="0" showMasterSp="0">
+  <p:cSld>
+    <p:spTree>
+      <p:nvGrpSpPr>
+        <p:cNvPr id="367" name="Shape 367"/>
+        <p:cNvGrpSpPr/>
+        <p:nvPr/>
+      </p:nvGrpSpPr>
+      <p:grpSpPr>
+        <a:xfrm>
+          <a:off x="0" y="0"/>
+          <a:ext cx="0" cy="0"/>
+          <a:chOff x="0" y="0"/>
+          <a:chExt cx="0" cy="0"/>
+        </a:xfrm>
+      </p:grpSpPr>
+      <p:sp>
+        <p:nvSpPr>
+          <p:cNvPr id="368" name="Google Shape;368;g26e1760ff98_1_133:notes"/>
+          <p:cNvSpPr/>
+          <p:nvPr>
+            <p:ph idx="2" type="sldImg"/>
+          </p:nvPr>
+        </p:nvSpPr>
+        <p:spPr>
+          <a:xfrm>
+            <a:off x="381000" y="685800"/>
+            <a:ext cx="6096000" cy="3429000"/>
+          </a:xfrm>
+          <a:custGeom>
+            <a:rect b="b" l="l" r="r" t="t"/>
+            <a:pathLst>
+              <a:path extrusionOk="0" h="120000" w="120000">
+                <a:moveTo>
+                  <a:pt x="0" y="0"/>
+                </a:moveTo>
+                <a:lnTo>
+                  <a:pt x="120000" y="0"/>
+                </a:lnTo>
+                <a:lnTo>
+                  <a:pt x="120000" y="120000"/>
+                </a:lnTo>
+                <a:lnTo>
+                  <a:pt x="0" y="120000"/>
+                </a:lnTo>
+                <a:close/>
+              </a:path>
+            </a:pathLst>
+          </a:custGeom>
+          <a:noFill/>
+          <a:ln cap="flat" cmpd="sng" w="9525">
+            <a:solidFill>
+              <a:srgbClr val="000000"/>
+            </a:solidFill>
+            <a:prstDash val="solid"/>
+            <a:round/>
+            <a:headEnd len="sm" w="sm" type="none"/>
+            <a:tailEnd len="sm" w="sm" type="none"/>
+          </a:ln>
+        </p:spPr>
+      </p:sp>
+      <p:sp>
+        <p:nvSpPr>
+          <p:cNvPr id="369" name="Google Shape;369;g26e1760ff98_1_133:notes"/>
           <p:cNvSpPr txBox="1"/>
           <p:nvPr>
             <p:ph idx="1" type="body"/>
@@ -10387,7 +10650,7 @@
                 <a:cs typeface="Montserrat"/>
                 <a:sym typeface="Montserrat"/>
               </a:rPr>
-              <a:t>Dataset</a:t>
+              <a:t>Dataset and features</a:t>
             </a:r>
             <a:endParaRPr b="1">
               <a:latin typeface="Montserrat"/>
@@ -11511,7 +11774,7 @@
       </p:grpSpPr>
       <p:sp>
         <p:nvSpPr>
-          <p:cNvPr id="162" name="Google Shape;162;g2a75948b1fc_3_9"/>
+          <p:cNvPr id="162" name="Google Shape;162;g2a8639fb0e6_0_1"/>
           <p:cNvSpPr txBox="1"/>
           <p:nvPr>
             <p:ph idx="4294967295" type="title"/>
@@ -11569,7 +11832,7 @@
       </p:sp>
       <p:sp>
         <p:nvSpPr>
-          <p:cNvPr id="163" name="Google Shape;163;g2a75948b1fc_3_9"/>
+          <p:cNvPr id="163" name="Google Shape;163;g2a8639fb0e6_0_1"/>
           <p:cNvSpPr txBox="1"/>
           <p:nvPr>
             <p:ph idx="4294967295" type="body"/>
@@ -11578,7 +11841,7 @@
         <p:spPr>
           <a:xfrm>
             <a:off x="311700" y="945300"/>
-            <a:ext cx="8520600" cy="1227300"/>
+            <a:ext cx="8520600" cy="1626600"/>
           </a:xfrm>
           <a:prstGeom prst="rect">
             <a:avLst/>
@@ -11784,7 +12047,7 @@
       </p:sp>
       <p:pic>
         <p:nvPicPr>
-          <p:cNvPr id="164" name="Google Shape;164;g2a75948b1fc_3_9"/>
+          <p:cNvPr id="164" name="Google Shape;164;g2a8639fb0e6_0_1"/>
           <p:cNvPicPr preferRelativeResize="0"/>
           <p:nvPr/>
         </p:nvPicPr>
@@ -11798,8 +12061,8 @@
         </p:blipFill>
         <p:spPr>
           <a:xfrm>
-            <a:off x="442100" y="2571750"/>
-            <a:ext cx="8493551" cy="2157475"/>
+            <a:off x="152400" y="2724300"/>
+            <a:ext cx="8839201" cy="2123296"/>
           </a:xfrm>
           <a:prstGeom prst="rect">
             <a:avLst/>
@@ -12182,90 +12445,9 @@
           </a:p>
         </p:txBody>
       </p:sp>
-      <p:pic>
-        <p:nvPicPr>
-          <p:cNvPr id="177" name="Google Shape;177;g26e1760ff98_1_75"/>
-          <p:cNvPicPr preferRelativeResize="0"/>
-          <p:nvPr/>
-        </p:nvPicPr>
-        <p:blipFill rotWithShape="1">
-          <a:blip r:embed="rId3">
-            <a:alphaModFix/>
-          </a:blip>
-          <a:srcRect b="0" l="0" r="0" t="0"/>
-          <a:stretch/>
-        </p:blipFill>
-        <p:spPr>
-          <a:xfrm>
-            <a:off x="154325" y="1529925"/>
-            <a:ext cx="5071051" cy="1986525"/>
-          </a:xfrm>
-          <a:prstGeom prst="rect">
-            <a:avLst/>
-          </a:prstGeom>
-          <a:noFill/>
-          <a:ln>
-            <a:noFill/>
-          </a:ln>
-        </p:spPr>
-      </p:pic>
-      <p:pic>
-        <p:nvPicPr>
-          <p:cNvPr id="178" name="Google Shape;178;g26e1760ff98_1_75"/>
-          <p:cNvPicPr preferRelativeResize="0"/>
-          <p:nvPr/>
-        </p:nvPicPr>
-        <p:blipFill rotWithShape="1">
-          <a:blip r:embed="rId4">
-            <a:alphaModFix/>
-          </a:blip>
-          <a:srcRect b="0" l="0" r="0" t="0"/>
-          <a:stretch/>
-        </p:blipFill>
-        <p:spPr>
-          <a:xfrm>
-            <a:off x="5523367" y="1529921"/>
-            <a:ext cx="3135658" cy="2304137"/>
-          </a:xfrm>
-          <a:prstGeom prst="rect">
-            <a:avLst/>
-          </a:prstGeom>
-          <a:noFill/>
-          <a:ln>
-            <a:noFill/>
-          </a:ln>
-        </p:spPr>
-      </p:pic>
-      <p:pic>
-        <p:nvPicPr>
-          <p:cNvPr id="179" name="Google Shape;179;g26e1760ff98_1_75"/>
-          <p:cNvPicPr preferRelativeResize="0"/>
-          <p:nvPr/>
-        </p:nvPicPr>
-        <p:blipFill rotWithShape="1">
-          <a:blip r:embed="rId5">
-            <a:alphaModFix/>
-          </a:blip>
-          <a:srcRect b="0" l="0" r="0" t="0"/>
-          <a:stretch/>
-        </p:blipFill>
-        <p:spPr>
-          <a:xfrm>
-            <a:off x="3034314" y="4283275"/>
-            <a:ext cx="3075375" cy="372975"/>
-          </a:xfrm>
-          <a:prstGeom prst="rect">
-            <a:avLst/>
-          </a:prstGeom>
-          <a:noFill/>
-          <a:ln>
-            <a:noFill/>
-          </a:ln>
-        </p:spPr>
-      </p:pic>
       <p:sp>
         <p:nvSpPr>
-          <p:cNvPr id="180" name="Google Shape;180;g26e1760ff98_1_75"/>
+          <p:cNvPr id="177" name="Google Shape;177;g26e1760ff98_1_75"/>
           <p:cNvSpPr txBox="1"/>
           <p:nvPr/>
         </p:nvSpPr>
@@ -12331,7 +12513,7 @@
       </p:sp>
       <p:sp>
         <p:nvSpPr>
-          <p:cNvPr id="181" name="Google Shape;181;g26e1760ff98_1_75"/>
+          <p:cNvPr id="178" name="Google Shape;178;g26e1760ff98_1_75"/>
           <p:cNvSpPr txBox="1"/>
           <p:nvPr/>
         </p:nvSpPr>
@@ -12397,13 +12579,13 @@
       </p:sp>
       <p:sp>
         <p:nvSpPr>
-          <p:cNvPr id="182" name="Google Shape;182;g26e1760ff98_1_75"/>
+          <p:cNvPr id="179" name="Google Shape;179;g26e1760ff98_1_75"/>
           <p:cNvSpPr txBox="1"/>
           <p:nvPr/>
         </p:nvSpPr>
         <p:spPr>
           <a:xfrm>
-            <a:off x="3071988" y="3774150"/>
+            <a:off x="2966963" y="3443975"/>
             <a:ext cx="3000000" cy="415500"/>
           </a:xfrm>
           <a:prstGeom prst="rect">
@@ -12461,6 +12643,90 @@
           </a:p>
         </p:txBody>
       </p:sp>
+      <p:pic>
+        <p:nvPicPr>
+          <p:cNvPr id="180" name="Google Shape;180;g26e1760ff98_1_75"/>
+          <p:cNvPicPr preferRelativeResize="0"/>
+          <p:nvPr/>
+        </p:nvPicPr>
+        <p:blipFill>
+          <a:blip r:embed="rId3">
+            <a:alphaModFix/>
+          </a:blip>
+          <a:stretch>
+            <a:fillRect/>
+          </a:stretch>
+        </p:blipFill>
+        <p:spPr>
+          <a:xfrm>
+            <a:off x="3016625" y="3795375"/>
+            <a:ext cx="2950350" cy="1198376"/>
+          </a:xfrm>
+          <a:prstGeom prst="rect">
+            <a:avLst/>
+          </a:prstGeom>
+          <a:noFill/>
+          <a:ln>
+            <a:noFill/>
+          </a:ln>
+        </p:spPr>
+      </p:pic>
+      <p:pic>
+        <p:nvPicPr>
+          <p:cNvPr id="181" name="Google Shape;181;g26e1760ff98_1_75"/>
+          <p:cNvPicPr preferRelativeResize="0"/>
+          <p:nvPr/>
+        </p:nvPicPr>
+        <p:blipFill>
+          <a:blip r:embed="rId4">
+            <a:alphaModFix/>
+          </a:blip>
+          <a:stretch>
+            <a:fillRect/>
+          </a:stretch>
+        </p:blipFill>
+        <p:spPr>
+          <a:xfrm>
+            <a:off x="497713" y="1428575"/>
+            <a:ext cx="4237025" cy="2113750"/>
+          </a:xfrm>
+          <a:prstGeom prst="rect">
+            <a:avLst/>
+          </a:prstGeom>
+          <a:noFill/>
+          <a:ln>
+            <a:noFill/>
+          </a:ln>
+        </p:spPr>
+      </p:pic>
+      <p:pic>
+        <p:nvPicPr>
+          <p:cNvPr id="182" name="Google Shape;182;g26e1760ff98_1_75"/>
+          <p:cNvPicPr preferRelativeResize="0"/>
+          <p:nvPr/>
+        </p:nvPicPr>
+        <p:blipFill>
+          <a:blip r:embed="rId5">
+            <a:alphaModFix/>
+          </a:blip>
+          <a:stretch>
+            <a:fillRect/>
+          </a:stretch>
+        </p:blipFill>
+        <p:spPr>
+          <a:xfrm>
+            <a:off x="5839876" y="1428575"/>
+            <a:ext cx="2950350" cy="2678313"/>
+          </a:xfrm>
+          <a:prstGeom prst="rect">
+            <a:avLst/>
+          </a:prstGeom>
+          <a:noFill/>
+          <a:ln>
+            <a:noFill/>
+          </a:ln>
+        </p:spPr>
+      </p:pic>
     </p:spTree>
   </p:cSld>
   <p:clrMapOvr>
@@ -13506,8 +13772,8 @@
         </p:blipFill>
         <p:spPr>
           <a:xfrm>
-            <a:off x="582588" y="945300"/>
-            <a:ext cx="7312776" cy="4096126"/>
+            <a:off x="292313" y="945300"/>
+            <a:ext cx="7893325" cy="4113550"/>
           </a:xfrm>
           <a:prstGeom prst="rect">
             <a:avLst/>
@@ -14306,122 +14572,7 @@
                 <a:cs typeface="Montserrat"/>
                 <a:sym typeface="Montserrat"/>
               </a:rPr>
-              <a:t>Prediction on the test set</a:t>
-            </a:r>
-            <a:endParaRPr sz="1500">
-              <a:latin typeface="Montserrat"/>
-              <a:ea typeface="Montserrat"/>
-              <a:cs typeface="Montserrat"/>
-              <a:sym typeface="Montserrat"/>
-            </a:endParaRPr>
-          </a:p>
-          <a:p>
-            <a:pPr indent="0" lvl="0" marL="0" rtl="0" algn="l">
-              <a:lnSpc>
-                <a:spcPct val="115000"/>
-              </a:lnSpc>
-              <a:spcBef>
-                <a:spcPts val="0"/>
-              </a:spcBef>
-              <a:spcAft>
-                <a:spcPts val="0"/>
-              </a:spcAft>
-              <a:buNone/>
-            </a:pPr>
-            <a:r>
-              <a:t/>
-            </a:r>
-            <a:endParaRPr sz="1500">
-              <a:latin typeface="Montserrat"/>
-              <a:ea typeface="Montserrat"/>
-              <a:cs typeface="Montserrat"/>
-              <a:sym typeface="Montserrat"/>
-            </a:endParaRPr>
-          </a:p>
-          <a:p>
-            <a:pPr indent="0" lvl="0" marL="0" rtl="0" algn="l">
-              <a:lnSpc>
-                <a:spcPct val="115000"/>
-              </a:lnSpc>
-              <a:spcBef>
-                <a:spcPts val="0"/>
-              </a:spcBef>
-              <a:spcAft>
-                <a:spcPts val="0"/>
-              </a:spcAft>
-              <a:buNone/>
-            </a:pPr>
-            <a:r>
-              <a:t/>
-            </a:r>
-            <a:endParaRPr sz="1500">
-              <a:latin typeface="Montserrat"/>
-              <a:ea typeface="Montserrat"/>
-              <a:cs typeface="Montserrat"/>
-              <a:sym typeface="Montserrat"/>
-            </a:endParaRPr>
-          </a:p>
-          <a:p>
-            <a:pPr indent="0" lvl="0" marL="0" rtl="0" algn="l">
-              <a:lnSpc>
-                <a:spcPct val="115000"/>
-              </a:lnSpc>
-              <a:spcBef>
-                <a:spcPts val="0"/>
-              </a:spcBef>
-              <a:spcAft>
-                <a:spcPts val="0"/>
-              </a:spcAft>
-              <a:buNone/>
-            </a:pPr>
-            <a:r>
-              <a:t/>
-            </a:r>
-            <a:endParaRPr sz="1500">
-              <a:latin typeface="Montserrat"/>
-              <a:ea typeface="Montserrat"/>
-              <a:cs typeface="Montserrat"/>
-              <a:sym typeface="Montserrat"/>
-            </a:endParaRPr>
-          </a:p>
-          <a:p>
-            <a:pPr indent="0" lvl="0" marL="0" rtl="0" algn="l">
-              <a:lnSpc>
-                <a:spcPct val="115000"/>
-              </a:lnSpc>
-              <a:spcBef>
-                <a:spcPts val="0"/>
-              </a:spcBef>
-              <a:spcAft>
-                <a:spcPts val="0"/>
-              </a:spcAft>
-              <a:buNone/>
-            </a:pPr>
-            <a:r>
-              <a:t/>
-            </a:r>
-            <a:endParaRPr sz="1500">
-              <a:latin typeface="Montserrat"/>
-              <a:ea typeface="Montserrat"/>
-              <a:cs typeface="Montserrat"/>
-              <a:sym typeface="Montserrat"/>
-            </a:endParaRPr>
-          </a:p>
-          <a:p>
-            <a:pPr indent="0" lvl="0" marL="0" rtl="0" algn="l">
-              <a:lnSpc>
-                <a:spcPct val="115000"/>
-              </a:lnSpc>
-              <a:spcBef>
-                <a:spcPts val="0"/>
-              </a:spcBef>
-              <a:spcAft>
-                <a:spcPts val="0"/>
-              </a:spcAft>
-              <a:buNone/>
-            </a:pPr>
-            <a:r>
-              <a:t/>
+              <a:t>Prediction on the test set (splitted)</a:t>
             </a:r>
             <a:endParaRPr sz="1500">
               <a:latin typeface="Montserrat"/>
@@ -14473,13 +14624,13 @@
           <a:blip r:embed="rId3">
             <a:alphaModFix/>
           </a:blip>
-          <a:srcRect b="14230" l="2155" r="12991" t="5685"/>
+          <a:srcRect b="86162" l="14879" r="79765" t="5685"/>
           <a:stretch/>
         </p:blipFill>
         <p:spPr>
           <a:xfrm>
-            <a:off x="93888" y="3217800"/>
-            <a:ext cx="8956227" cy="1745850"/>
+            <a:off x="740178" y="3301414"/>
+            <a:ext cx="578724" cy="188635"/>
           </a:xfrm>
           <a:prstGeom prst="rect">
             <a:avLst/>
@@ -14497,71 +14648,16 @@
           <p:nvPr/>
         </p:nvPicPr>
         <p:blipFill rotWithShape="1">
-          <a:blip r:embed="rId3">
-            <a:alphaModFix/>
-          </a:blip>
-          <a:srcRect b="55118" l="87261" r="0" t="0"/>
-          <a:stretch/>
-        </p:blipFill>
-        <p:spPr>
-          <a:xfrm>
-            <a:off x="7137625" y="2381175"/>
-            <a:ext cx="1449549" cy="1054850"/>
-          </a:xfrm>
-          <a:prstGeom prst="rect">
-            <a:avLst/>
-          </a:prstGeom>
-          <a:noFill/>
-          <a:ln>
-            <a:noFill/>
-          </a:ln>
-        </p:spPr>
-      </p:pic>
-      <p:pic>
-        <p:nvPicPr>
-          <p:cNvPr id="235" name="Google Shape;235;g2a0c6f9b0a2_0_84"/>
-          <p:cNvPicPr preferRelativeResize="0"/>
-          <p:nvPr/>
-        </p:nvPicPr>
-        <p:blipFill>
           <a:blip r:embed="rId4">
             <a:alphaModFix/>
           </a:blip>
-          <a:stretch>
-            <a:fillRect/>
-          </a:stretch>
-        </p:blipFill>
-        <p:spPr>
-          <a:xfrm>
-            <a:off x="1589270" y="1606575"/>
-            <a:ext cx="4257475" cy="1206175"/>
-          </a:xfrm>
-          <a:prstGeom prst="rect">
-            <a:avLst/>
-          </a:prstGeom>
-          <a:noFill/>
-          <a:ln>
-            <a:noFill/>
-          </a:ln>
-        </p:spPr>
-      </p:pic>
-      <p:pic>
-        <p:nvPicPr>
-          <p:cNvPr id="236" name="Google Shape;236;g2a0c6f9b0a2_0_84"/>
-          <p:cNvPicPr preferRelativeResize="0"/>
-          <p:nvPr/>
-        </p:nvPicPr>
-        <p:blipFill rotWithShape="1">
-          <a:blip r:embed="rId3">
-            <a:alphaModFix/>
-          </a:blip>
-          <a:srcRect b="86162" l="14879" r="79765" t="5685"/>
+          <a:srcRect b="0" l="2809" r="13079" t="0"/>
           <a:stretch/>
         </p:blipFill>
         <p:spPr>
           <a:xfrm>
-            <a:off x="928925" y="3217800"/>
-            <a:ext cx="565228" cy="177725"/>
+            <a:off x="311700" y="1855800"/>
+            <a:ext cx="8520602" cy="2733000"/>
           </a:xfrm>
           <a:prstGeom prst="rect">
             <a:avLst/>
@@ -14585,7 +14681,7 @@
   <p:cSld>
     <p:spTree>
       <p:nvGrpSpPr>
-        <p:cNvPr id="240" name="Shape 240"/>
+        <p:cNvPr id="238" name="Shape 238"/>
         <p:cNvGrpSpPr/>
         <p:nvPr/>
       </p:nvGrpSpPr>
@@ -14599,7 +14695,7 @@
       </p:grpSpPr>
       <p:sp>
         <p:nvSpPr>
-          <p:cNvPr id="241" name="Google Shape;241;g2a0c6f9b0a2_0_91"/>
+          <p:cNvPr id="239" name="Google Shape;239;g2a0c6f9b0a2_0_91"/>
           <p:cNvSpPr txBox="1"/>
           <p:nvPr>
             <p:ph idx="4294967295" type="title"/>
@@ -14657,12 +14753,12 @@
       </p:sp>
       <p:pic>
         <p:nvPicPr>
-          <p:cNvPr id="242" name="Google Shape;242;g2a0c6f9b0a2_0_91"/>
+          <p:cNvPr id="240" name="Google Shape;240;g2a0c6f9b0a2_0_91"/>
           <p:cNvPicPr preferRelativeResize="0"/>
           <p:nvPr/>
         </p:nvPicPr>
         <p:blipFill rotWithShape="1">
-          <a:blip r:embed="rId4">
+          <a:blip r:embed="rId3">
             <a:alphaModFix/>
           </a:blip>
           <a:srcRect b="85795" l="0" r="34149" t="0"/>
@@ -14670,8 +14766,63 @@
         </p:blipFill>
         <p:spPr>
           <a:xfrm>
-            <a:off x="101600" y="1455650"/>
-            <a:ext cx="2876550" cy="443200"/>
+            <a:off x="122276" y="935225"/>
+            <a:ext cx="3724536" cy="535504"/>
+          </a:xfrm>
+          <a:prstGeom prst="rect">
+            <a:avLst/>
+          </a:prstGeom>
+          <a:noFill/>
+          <a:ln>
+            <a:noFill/>
+          </a:ln>
+        </p:spPr>
+      </p:pic>
+      <p:pic>
+        <p:nvPicPr>
+          <p:cNvPr id="241" name="Google Shape;241;g2a0c6f9b0a2_0_91"/>
+          <p:cNvPicPr preferRelativeResize="0"/>
+          <p:nvPr/>
+        </p:nvPicPr>
+        <p:blipFill rotWithShape="1">
+          <a:blip r:embed="rId3">
+            <a:alphaModFix/>
+          </a:blip>
+          <a:srcRect b="4396" l="1762" r="34147" t="14645"/>
+          <a:stretch/>
+        </p:blipFill>
+        <p:spPr>
+          <a:xfrm>
+            <a:off x="69125" y="1404122"/>
+            <a:ext cx="4349175" cy="3548403"/>
+          </a:xfrm>
+          <a:prstGeom prst="rect">
+            <a:avLst/>
+          </a:prstGeom>
+          <a:noFill/>
+          <a:ln>
+            <a:noFill/>
+          </a:ln>
+        </p:spPr>
+      </p:pic>
+      <p:pic>
+        <p:nvPicPr>
+          <p:cNvPr id="242" name="Google Shape;242;g2a0c6f9b0a2_0_91"/>
+          <p:cNvPicPr preferRelativeResize="0"/>
+          <p:nvPr/>
+        </p:nvPicPr>
+        <p:blipFill>
+          <a:blip r:embed="rId4">
+            <a:alphaModFix/>
+          </a:blip>
+          <a:stretch>
+            <a:fillRect/>
+          </a:stretch>
+        </p:blipFill>
+        <p:spPr>
+          <a:xfrm>
+            <a:off x="1013547" y="4599554"/>
+            <a:ext cx="585664" cy="352964"/>
           </a:xfrm>
           <a:prstGeom prst="rect">
             <a:avLst/>
@@ -14688,17 +14839,18 @@
           <p:cNvPicPr preferRelativeResize="0"/>
           <p:nvPr/>
         </p:nvPicPr>
-        <p:blipFill rotWithShape="1">
-          <a:blip r:embed="rId5">
+        <p:blipFill>
+          <a:blip r:embed="rId4">
             <a:alphaModFix/>
           </a:blip>
-          <a:srcRect b="85184" l="0" r="68798" t="0"/>
-          <a:stretch/>
+          <a:stretch>
+            <a:fillRect/>
+          </a:stretch>
         </p:blipFill>
         <p:spPr>
           <a:xfrm>
-            <a:off x="2952000" y="901175"/>
-            <a:ext cx="4153467" cy="485337"/>
+            <a:off x="3470610" y="4599554"/>
+            <a:ext cx="585664" cy="352964"/>
           </a:xfrm>
           <a:prstGeom prst="rect">
             <a:avLst/>
@@ -14716,7 +14868,7 @@
           <p:nvPr/>
         </p:nvPicPr>
         <p:blipFill rotWithShape="1">
-          <a:blip r:embed="rId4">
+          <a:blip r:embed="rId3">
             <a:alphaModFix/>
           </a:blip>
           <a:srcRect b="50203" l="65069" r="0" t="18943"/>
@@ -14724,7 +14876,7 @@
         </p:blipFill>
         <p:spPr>
           <a:xfrm>
-            <a:off x="6980875" y="1682750"/>
+            <a:off x="7388550" y="27250"/>
             <a:ext cx="1701000" cy="1073150"/>
           </a:xfrm>
           <a:prstGeom prst="rect">
@@ -14736,224 +14888,127 @@
           </a:ln>
         </p:spPr>
       </p:pic>
-      <p:pic>
-        <p:nvPicPr>
+      <p:sp>
+        <p:nvSpPr>
           <p:cNvPr id="245" name="Google Shape;245;g2a0c6f9b0a2_0_91"/>
-          <p:cNvPicPr preferRelativeResize="0"/>
-          <p:nvPr/>
-        </p:nvPicPr>
-        <p:blipFill rotWithShape="1">
-          <a:blip r:embed="rId5">
-            <a:alphaModFix/>
-          </a:blip>
-          <a:srcRect b="0" l="0" r="68798" t="13882"/>
-          <a:stretch/>
-        </p:blipFill>
-        <p:spPr>
-          <a:xfrm>
-            <a:off x="3370501" y="1365450"/>
-            <a:ext cx="3178250" cy="2158800"/>
-          </a:xfrm>
-          <a:prstGeom prst="rect">
-            <a:avLst/>
-          </a:prstGeom>
-          <a:noFill/>
-          <a:ln>
-            <a:noFill/>
-          </a:ln>
-        </p:spPr>
-      </p:pic>
-      <p:pic>
-        <p:nvPicPr>
-          <p:cNvPr id="246" name="Google Shape;246;g2a0c6f9b0a2_0_91"/>
-          <p:cNvPicPr preferRelativeResize="0"/>
-          <p:nvPr/>
-        </p:nvPicPr>
-        <p:blipFill rotWithShape="1">
-          <a:blip r:embed="rId5">
-            <a:alphaModFix/>
-          </a:blip>
-          <a:srcRect b="4392" l="58558" r="13427" t="14107"/>
-          <a:stretch/>
-        </p:blipFill>
-        <p:spPr>
-          <a:xfrm>
-            <a:off x="6284325" y="3336838"/>
-            <a:ext cx="2465751" cy="1765300"/>
-          </a:xfrm>
-          <a:prstGeom prst="rect">
-            <a:avLst/>
-          </a:prstGeom>
-          <a:noFill/>
-          <a:ln>
-            <a:noFill/>
-          </a:ln>
-        </p:spPr>
-      </p:pic>
-      <p:pic>
-        <p:nvPicPr>
-          <p:cNvPr id="247" name="Google Shape;247;g2a0c6f9b0a2_0_91"/>
-          <p:cNvPicPr preferRelativeResize="0"/>
-          <p:nvPr/>
-        </p:nvPicPr>
-        <p:blipFill rotWithShape="1">
-          <a:blip r:embed="rId5">
-            <a:alphaModFix/>
-          </a:blip>
-          <a:srcRect b="4863" l="30763" r="41221" t="13941"/>
-          <a:stretch/>
-        </p:blipFill>
-        <p:spPr>
-          <a:xfrm>
-            <a:off x="3672850" y="3340100"/>
-            <a:ext cx="2465751" cy="1758784"/>
-          </a:xfrm>
-          <a:prstGeom prst="rect">
-            <a:avLst/>
-          </a:prstGeom>
-          <a:noFill/>
-          <a:ln>
-            <a:noFill/>
-          </a:ln>
-        </p:spPr>
-      </p:pic>
-      <p:pic>
-        <p:nvPicPr>
-          <p:cNvPr id="248" name="Google Shape;248;g2a0c6f9b0a2_0_91"/>
-          <p:cNvPicPr preferRelativeResize="0"/>
-          <p:nvPr/>
-        </p:nvPicPr>
-        <p:blipFill rotWithShape="1">
-          <a:blip r:embed="rId5">
-            <a:alphaModFix/>
-          </a:blip>
-          <a:srcRect b="11999" l="0" r="96248" t="13882"/>
-          <a:stretch/>
-        </p:blipFill>
-        <p:spPr>
-          <a:xfrm>
-            <a:off x="3391575" y="3340100"/>
-            <a:ext cx="332698" cy="1617675"/>
-          </a:xfrm>
-          <a:prstGeom prst="rect">
-            <a:avLst/>
-          </a:prstGeom>
-          <a:noFill/>
-          <a:ln>
-            <a:noFill/>
-          </a:ln>
-        </p:spPr>
-      </p:pic>
-      <p:pic>
-        <p:nvPicPr>
-          <p:cNvPr id="249" name="Google Shape;249;g2a0c6f9b0a2_0_91"/>
-          <p:cNvPicPr preferRelativeResize="0"/>
-          <p:nvPr/>
-        </p:nvPicPr>
-        <p:blipFill rotWithShape="1">
-          <a:blip r:embed="rId5">
-            <a:alphaModFix/>
-          </a:blip>
-          <a:srcRect b="11999" l="0" r="96248" t="13882"/>
-          <a:stretch/>
-        </p:blipFill>
-        <p:spPr>
-          <a:xfrm>
-            <a:off x="6025250" y="3340100"/>
-            <a:ext cx="332698" cy="1617675"/>
-          </a:xfrm>
-          <a:prstGeom prst="rect">
-            <a:avLst/>
-          </a:prstGeom>
-          <a:noFill/>
-          <a:ln>
-            <a:noFill/>
-          </a:ln>
-        </p:spPr>
-      </p:pic>
-      <p:pic>
-        <p:nvPicPr>
-          <p:cNvPr id="250" name="Google Shape;250;g2a0c6f9b0a2_0_91"/>
-          <p:cNvPicPr preferRelativeResize="0"/>
-          <p:nvPr/>
-        </p:nvPicPr>
-        <p:blipFill rotWithShape="1">
-          <a:blip r:embed="rId4">
-            <a:alphaModFix/>
-          </a:blip>
-          <a:srcRect b="4396" l="1762" r="34147" t="14645"/>
-          <a:stretch/>
-        </p:blipFill>
-        <p:spPr>
-          <a:xfrm>
-            <a:off x="60550" y="1843725"/>
-            <a:ext cx="3358974" cy="2936775"/>
-          </a:xfrm>
-          <a:prstGeom prst="rect">
-            <a:avLst/>
-          </a:prstGeom>
-          <a:noFill/>
-          <a:ln>
-            <a:noFill/>
-          </a:ln>
-        </p:spPr>
-      </p:pic>
-      <p:pic>
-        <p:nvPicPr>
-          <p:cNvPr id="251" name="Google Shape;251;g2a0c6f9b0a2_0_91"/>
-          <p:cNvPicPr preferRelativeResize="0"/>
-          <p:nvPr/>
-        </p:nvPicPr>
-        <p:blipFill>
-          <a:blip r:embed="rId6">
-            <a:alphaModFix/>
-          </a:blip>
-          <a:stretch>
-            <a:fillRect/>
-          </a:stretch>
-        </p:blipFill>
-        <p:spPr>
-          <a:xfrm>
-            <a:off x="789950" y="4488369"/>
-            <a:ext cx="452323" cy="292125"/>
-          </a:xfrm>
-          <a:prstGeom prst="rect">
-            <a:avLst/>
-          </a:prstGeom>
-          <a:noFill/>
-          <a:ln>
-            <a:noFill/>
-          </a:ln>
-        </p:spPr>
-      </p:pic>
-      <p:pic>
-        <p:nvPicPr>
-          <p:cNvPr id="252" name="Google Shape;252;g2a0c6f9b0a2_0_91"/>
-          <p:cNvPicPr preferRelativeResize="0"/>
-          <p:nvPr/>
-        </p:nvPicPr>
-        <p:blipFill>
-          <a:blip r:embed="rId6">
-            <a:alphaModFix/>
-          </a:blip>
-          <a:stretch>
-            <a:fillRect/>
-          </a:stretch>
-        </p:blipFill>
-        <p:spPr>
-          <a:xfrm>
-            <a:off x="2687600" y="4488369"/>
-            <a:ext cx="452323" cy="292125"/>
-          </a:xfrm>
-          <a:prstGeom prst="rect">
-            <a:avLst/>
-          </a:prstGeom>
-          <a:noFill/>
-          <a:ln>
-            <a:noFill/>
-          </a:ln>
-        </p:spPr>
-      </p:pic>
+          <p:cNvSpPr txBox="1"/>
+          <p:nvPr>
+            <p:ph idx="4294967295" type="body"/>
+          </p:nvPr>
+        </p:nvSpPr>
+        <p:spPr>
+          <a:xfrm>
+            <a:off x="4538425" y="1751125"/>
+            <a:ext cx="4551000" cy="2949600"/>
+          </a:xfrm>
+          <a:prstGeom prst="rect">
+            <a:avLst/>
+          </a:prstGeom>
+          <a:noFill/>
+          <a:ln>
+            <a:noFill/>
+          </a:ln>
+        </p:spPr>
+        <p:txBody>
+          <a:bodyPr anchorCtr="0" anchor="t" bIns="91425" lIns="91425" spcFirstLastPara="1" rIns="91425" wrap="square" tIns="91425">
+            <a:noAutofit/>
+          </a:bodyPr>
+          <a:lstStyle/>
+          <a:p>
+            <a:pPr indent="-323850" lvl="0" marL="457200" rtl="0" algn="l">
+              <a:lnSpc>
+                <a:spcPct val="115000"/>
+              </a:lnSpc>
+              <a:spcBef>
+                <a:spcPts val="0"/>
+              </a:spcBef>
+              <a:spcAft>
+                <a:spcPts val="0"/>
+              </a:spcAft>
+              <a:buSzPts val="1500"/>
+              <a:buFont typeface="Montserrat"/>
+              <a:buChar char="●"/>
+            </a:pPr>
+            <a:r>
+              <a:rPr lang="en" sz="1500">
+                <a:latin typeface="Montserrat"/>
+                <a:ea typeface="Montserrat"/>
+                <a:cs typeface="Montserrat"/>
+                <a:sym typeface="Montserrat"/>
+              </a:rPr>
+              <a:t>Comparison between final results</a:t>
+            </a:r>
+            <a:endParaRPr sz="1500">
+              <a:latin typeface="Montserrat"/>
+              <a:ea typeface="Montserrat"/>
+              <a:cs typeface="Montserrat"/>
+              <a:sym typeface="Montserrat"/>
+            </a:endParaRPr>
+          </a:p>
+          <a:p>
+            <a:pPr indent="-323850" lvl="0" marL="457200" rtl="0" algn="l">
+              <a:lnSpc>
+                <a:spcPct val="115000"/>
+              </a:lnSpc>
+              <a:spcBef>
+                <a:spcPts val="0"/>
+              </a:spcBef>
+              <a:spcAft>
+                <a:spcPts val="0"/>
+              </a:spcAft>
+              <a:buSzPts val="1500"/>
+              <a:buFont typeface="Montserrat"/>
+              <a:buChar char="●"/>
+            </a:pPr>
+            <a:r>
+              <a:rPr lang="en" sz="1500">
+                <a:latin typeface="Montserrat"/>
+                <a:ea typeface="Montserrat"/>
+                <a:cs typeface="Montserrat"/>
+                <a:sym typeface="Montserrat"/>
+              </a:rPr>
+              <a:t>Prediction on the test set (splitted)</a:t>
+            </a:r>
+            <a:endParaRPr sz="1500">
+              <a:latin typeface="Montserrat"/>
+              <a:ea typeface="Montserrat"/>
+              <a:cs typeface="Montserrat"/>
+              <a:sym typeface="Montserrat"/>
+            </a:endParaRPr>
+          </a:p>
+          <a:p>
+            <a:pPr indent="-323850" lvl="0" marL="457200" rtl="0" algn="l">
+              <a:lnSpc>
+                <a:spcPct val="115000"/>
+              </a:lnSpc>
+              <a:spcBef>
+                <a:spcPts val="0"/>
+              </a:spcBef>
+              <a:spcAft>
+                <a:spcPts val="0"/>
+              </a:spcAft>
+              <a:buSzPts val="1500"/>
+              <a:buFont typeface="Montserrat"/>
+              <a:buChar char="●"/>
+            </a:pPr>
+            <a:r>
+              <a:rPr lang="en" sz="1500">
+                <a:latin typeface="Montserrat"/>
+                <a:ea typeface="Montserrat"/>
+                <a:cs typeface="Montserrat"/>
+                <a:sym typeface="Montserrat"/>
+              </a:rPr>
+              <a:t>See how models' performance degrades as time increases</a:t>
+            </a:r>
+            <a:endParaRPr b="1" sz="1500">
+              <a:latin typeface="Montserrat"/>
+              <a:ea typeface="Montserrat"/>
+              <a:cs typeface="Montserrat"/>
+              <a:sym typeface="Montserrat"/>
+            </a:endParaRPr>
+          </a:p>
+        </p:txBody>
+      </p:sp>
     </p:spTree>
   </p:cSld>
   <p:clrMapOvr>
@@ -14967,7 +15022,7 @@
   <p:cSld>
     <p:spTree>
       <p:nvGrpSpPr>
-        <p:cNvPr id="256" name="Shape 256"/>
+        <p:cNvPr id="249" name="Shape 249"/>
         <p:cNvGrpSpPr/>
         <p:nvPr/>
       </p:nvGrpSpPr>
@@ -14981,7 +15036,7 @@
       </p:grpSpPr>
       <p:sp>
         <p:nvSpPr>
-          <p:cNvPr id="257" name="Google Shape;257;g2a0c6f9b0a2_0_97"/>
+          <p:cNvPr id="250" name="Google Shape;250;g2a8639fb0e6_0_17"/>
           <p:cNvSpPr txBox="1"/>
           <p:nvPr>
             <p:ph idx="4294967295" type="title"/>
@@ -15016,7 +15071,7 @@
               <a:spcAft>
                 <a:spcPts val="0"/>
               </a:spcAft>
-              <a:buSzPct val="119034"/>
+              <a:buSzPct val="119033"/>
               <a:buNone/>
             </a:pPr>
             <a:r>
@@ -15039,7 +15094,169 @@
       </p:sp>
       <p:pic>
         <p:nvPicPr>
-          <p:cNvPr id="258" name="Google Shape;258;g2a0c6f9b0a2_0_97"/>
+          <p:cNvPr id="251" name="Google Shape;251;g2a8639fb0e6_0_17"/>
+          <p:cNvPicPr preferRelativeResize="0"/>
+          <p:nvPr/>
+        </p:nvPicPr>
+        <p:blipFill rotWithShape="1">
+          <a:blip r:embed="rId3">
+            <a:alphaModFix/>
+          </a:blip>
+          <a:srcRect b="88056" l="4567" r="75379" t="3514"/>
+          <a:stretch/>
+        </p:blipFill>
+        <p:spPr>
+          <a:xfrm>
+            <a:off x="124300" y="995450"/>
+            <a:ext cx="3126902" cy="323458"/>
+          </a:xfrm>
+          <a:prstGeom prst="rect">
+            <a:avLst/>
+          </a:prstGeom>
+          <a:noFill/>
+          <a:ln>
+            <a:noFill/>
+          </a:ln>
+        </p:spPr>
+      </p:pic>
+      <p:pic>
+        <p:nvPicPr>
+          <p:cNvPr id="252" name="Google Shape;252;g2a8639fb0e6_0_17"/>
+          <p:cNvPicPr preferRelativeResize="0"/>
+          <p:nvPr/>
+        </p:nvPicPr>
+        <p:blipFill rotWithShape="1">
+          <a:blip r:embed="rId3">
+            <a:alphaModFix/>
+          </a:blip>
+          <a:srcRect b="5873" l="737" r="68799" t="13882"/>
+          <a:stretch/>
+        </p:blipFill>
+        <p:spPr>
+          <a:xfrm>
+            <a:off x="-14625" y="1376550"/>
+            <a:ext cx="3436052" cy="2227325"/>
+          </a:xfrm>
+          <a:prstGeom prst="rect">
+            <a:avLst/>
+          </a:prstGeom>
+          <a:noFill/>
+          <a:ln>
+            <a:noFill/>
+          </a:ln>
+        </p:spPr>
+      </p:pic>
+      <p:pic>
+        <p:nvPicPr>
+          <p:cNvPr id="253" name="Google Shape;253;g2a8639fb0e6_0_17"/>
+          <p:cNvPicPr preferRelativeResize="0"/>
+          <p:nvPr/>
+        </p:nvPicPr>
+        <p:blipFill rotWithShape="1">
+          <a:blip r:embed="rId3">
+            <a:alphaModFix/>
+          </a:blip>
+          <a:srcRect b="4392" l="58558" r="13427" t="14107"/>
+          <a:stretch/>
+        </p:blipFill>
+        <p:spPr>
+          <a:xfrm>
+            <a:off x="6492011" y="1376550"/>
+            <a:ext cx="2597540" cy="2265650"/>
+          </a:xfrm>
+          <a:prstGeom prst="rect">
+            <a:avLst/>
+          </a:prstGeom>
+          <a:noFill/>
+          <a:ln>
+            <a:noFill/>
+          </a:ln>
+        </p:spPr>
+      </p:pic>
+      <p:pic>
+        <p:nvPicPr>
+          <p:cNvPr id="254" name="Google Shape;254;g2a8639fb0e6_0_17"/>
+          <p:cNvPicPr preferRelativeResize="0"/>
+          <p:nvPr/>
+        </p:nvPicPr>
+        <p:blipFill rotWithShape="1">
+          <a:blip r:embed="rId3">
+            <a:alphaModFix/>
+          </a:blip>
+          <a:srcRect b="4863" l="30763" r="41221" t="13941"/>
+          <a:stretch/>
+        </p:blipFill>
+        <p:spPr>
+          <a:xfrm>
+            <a:off x="3539063" y="1376550"/>
+            <a:ext cx="2842614" cy="2265650"/>
+          </a:xfrm>
+          <a:prstGeom prst="rect">
+            <a:avLst/>
+          </a:prstGeom>
+          <a:noFill/>
+          <a:ln>
+            <a:noFill/>
+          </a:ln>
+        </p:spPr>
+      </p:pic>
+      <p:pic>
+        <p:nvPicPr>
+          <p:cNvPr id="255" name="Google Shape;255;g2a8639fb0e6_0_17"/>
+          <p:cNvPicPr preferRelativeResize="0"/>
+          <p:nvPr/>
+        </p:nvPicPr>
+        <p:blipFill rotWithShape="1">
+          <a:blip r:embed="rId3">
+            <a:alphaModFix/>
+          </a:blip>
+          <a:srcRect b="11999" l="2491" r="96248" t="13882"/>
+          <a:stretch/>
+        </p:blipFill>
+        <p:spPr>
+          <a:xfrm>
+            <a:off x="3469571" y="1376550"/>
+            <a:ext cx="128773" cy="2083875"/>
+          </a:xfrm>
+          <a:prstGeom prst="rect">
+            <a:avLst/>
+          </a:prstGeom>
+          <a:noFill/>
+          <a:ln>
+            <a:noFill/>
+          </a:ln>
+        </p:spPr>
+      </p:pic>
+      <p:pic>
+        <p:nvPicPr>
+          <p:cNvPr id="256" name="Google Shape;256;g2a8639fb0e6_0_17"/>
+          <p:cNvPicPr preferRelativeResize="0"/>
+          <p:nvPr/>
+        </p:nvPicPr>
+        <p:blipFill rotWithShape="1">
+          <a:blip r:embed="rId3">
+            <a:alphaModFix/>
+          </a:blip>
+          <a:srcRect b="11999" l="2372" r="96248" t="13882"/>
+          <a:stretch/>
+        </p:blipFill>
+        <p:spPr>
+          <a:xfrm>
+            <a:off x="6440795" y="1380750"/>
+            <a:ext cx="128773" cy="2076175"/>
+          </a:xfrm>
+          <a:prstGeom prst="rect">
+            <a:avLst/>
+          </a:prstGeom>
+          <a:noFill/>
+          <a:ln>
+            <a:noFill/>
+          </a:ln>
+        </p:spPr>
+      </p:pic>
+      <p:pic>
+        <p:nvPicPr>
+          <p:cNvPr id="257" name="Google Shape;257;g2a8639fb0e6_0_17"/>
           <p:cNvPicPr preferRelativeResize="0"/>
           <p:nvPr/>
         </p:nvPicPr>
@@ -15047,285 +15264,13 @@
           <a:blip r:embed="rId4">
             <a:alphaModFix/>
           </a:blip>
-          <a:srcRect b="0" l="0" r="66810" t="14908"/>
+          <a:srcRect b="50203" l="65069" r="0" t="18943"/>
           <a:stretch/>
         </p:blipFill>
         <p:spPr>
           <a:xfrm>
-            <a:off x="3314700" y="1392325"/>
-            <a:ext cx="3333750" cy="2103400"/>
-          </a:xfrm>
-          <a:prstGeom prst="rect">
-            <a:avLst/>
-          </a:prstGeom>
-          <a:noFill/>
-          <a:ln>
-            <a:noFill/>
-          </a:ln>
-        </p:spPr>
-      </p:pic>
-      <p:pic>
-        <p:nvPicPr>
-          <p:cNvPr id="259" name="Google Shape;259;g2a0c6f9b0a2_0_97"/>
-          <p:cNvPicPr preferRelativeResize="0"/>
-          <p:nvPr/>
-        </p:nvPicPr>
-        <p:blipFill rotWithShape="1">
-          <a:blip r:embed="rId4">
-            <a:alphaModFix/>
-          </a:blip>
-          <a:srcRect b="65689" l="94755" r="0" t="18838"/>
-          <a:stretch/>
-        </p:blipFill>
-        <p:spPr>
-          <a:xfrm>
-            <a:off x="7473950" y="1774625"/>
-            <a:ext cx="768348" cy="557850"/>
-          </a:xfrm>
-          <a:prstGeom prst="rect">
-            <a:avLst/>
-          </a:prstGeom>
-          <a:noFill/>
-          <a:ln>
-            <a:noFill/>
-          </a:ln>
-        </p:spPr>
-      </p:pic>
-      <p:pic>
-        <p:nvPicPr>
-          <p:cNvPr id="260" name="Google Shape;260;g2a0c6f9b0a2_0_97"/>
-          <p:cNvPicPr preferRelativeResize="0"/>
-          <p:nvPr/>
-        </p:nvPicPr>
-        <p:blipFill rotWithShape="1">
-          <a:blip r:embed="rId4">
-            <a:alphaModFix/>
-          </a:blip>
-          <a:srcRect b="5846" l="63793" r="5890" t="14172"/>
-          <a:stretch/>
-        </p:blipFill>
-        <p:spPr>
-          <a:xfrm>
-            <a:off x="6456675" y="3333950"/>
-            <a:ext cx="2679700" cy="1739900"/>
-          </a:xfrm>
-          <a:prstGeom prst="rect">
-            <a:avLst/>
-          </a:prstGeom>
-          <a:noFill/>
-          <a:ln>
-            <a:noFill/>
-          </a:ln>
-        </p:spPr>
-      </p:pic>
-      <p:pic>
-        <p:nvPicPr>
-          <p:cNvPr id="261" name="Google Shape;261;g2a0c6f9b0a2_0_97"/>
-          <p:cNvPicPr preferRelativeResize="0"/>
-          <p:nvPr/>
-        </p:nvPicPr>
-        <p:blipFill rotWithShape="1">
-          <a:blip r:embed="rId4">
-            <a:alphaModFix/>
-          </a:blip>
-          <a:srcRect b="5846" l="33258" r="35938" t="14172"/>
-          <a:stretch/>
-        </p:blipFill>
-        <p:spPr>
-          <a:xfrm>
-            <a:off x="3581400" y="3333950"/>
-            <a:ext cx="2722877" cy="1739900"/>
-          </a:xfrm>
-          <a:prstGeom prst="rect">
-            <a:avLst/>
-          </a:prstGeom>
-          <a:noFill/>
-          <a:ln>
-            <a:noFill/>
-          </a:ln>
-        </p:spPr>
-      </p:pic>
-      <p:pic>
-        <p:nvPicPr>
-          <p:cNvPr id="262" name="Google Shape;262;g2a0c6f9b0a2_0_97"/>
-          <p:cNvPicPr preferRelativeResize="0"/>
-          <p:nvPr/>
-        </p:nvPicPr>
-        <p:blipFill rotWithShape="1">
-          <a:blip r:embed="rId4">
-            <a:alphaModFix/>
-          </a:blip>
-          <a:srcRect b="12710" l="0" r="96262" t="18950"/>
-          <a:stretch/>
-        </p:blipFill>
-        <p:spPr>
-          <a:xfrm>
-            <a:off x="3312700" y="3430250"/>
-            <a:ext cx="336476" cy="1514200"/>
-          </a:xfrm>
-          <a:prstGeom prst="rect">
-            <a:avLst/>
-          </a:prstGeom>
-          <a:noFill/>
-          <a:ln>
-            <a:noFill/>
-          </a:ln>
-        </p:spPr>
-      </p:pic>
-      <p:pic>
-        <p:nvPicPr>
-          <p:cNvPr id="263" name="Google Shape;263;g2a0c6f9b0a2_0_97"/>
-          <p:cNvPicPr preferRelativeResize="0"/>
-          <p:nvPr/>
-        </p:nvPicPr>
-        <p:blipFill rotWithShape="1">
-          <a:blip r:embed="rId5">
-            <a:alphaModFix/>
-          </a:blip>
-          <a:srcRect b="86975" l="1847" r="14547" t="0"/>
-          <a:stretch/>
-        </p:blipFill>
-        <p:spPr>
-          <a:xfrm>
-            <a:off x="127000" y="1425575"/>
-            <a:ext cx="3454400" cy="384375"/>
-          </a:xfrm>
-          <a:prstGeom prst="rect">
-            <a:avLst/>
-          </a:prstGeom>
-          <a:noFill/>
-          <a:ln>
-            <a:noFill/>
-          </a:ln>
-        </p:spPr>
-      </p:pic>
-      <p:pic>
-        <p:nvPicPr>
-          <p:cNvPr id="264" name="Google Shape;264;g2a0c6f9b0a2_0_97"/>
-          <p:cNvPicPr preferRelativeResize="0"/>
-          <p:nvPr/>
-        </p:nvPicPr>
-        <p:blipFill rotWithShape="1">
-          <a:blip r:embed="rId4">
-            <a:alphaModFix/>
-          </a:blip>
-          <a:srcRect b="12710" l="0" r="96262" t="18950"/>
-          <a:stretch/>
-        </p:blipFill>
-        <p:spPr>
-          <a:xfrm>
-            <a:off x="6175300" y="3430250"/>
-            <a:ext cx="336476" cy="1514200"/>
-          </a:xfrm>
-          <a:prstGeom prst="rect">
-            <a:avLst/>
-          </a:prstGeom>
-          <a:noFill/>
-          <a:ln>
-            <a:noFill/>
-          </a:ln>
-        </p:spPr>
-      </p:pic>
-      <p:pic>
-        <p:nvPicPr>
-          <p:cNvPr id="265" name="Google Shape;265;g2a0c6f9b0a2_0_97"/>
-          <p:cNvPicPr preferRelativeResize="0"/>
-          <p:nvPr/>
-        </p:nvPicPr>
-        <p:blipFill rotWithShape="1">
-          <a:blip r:embed="rId5">
-            <a:alphaModFix/>
-          </a:blip>
-          <a:srcRect b="0" l="1847" r="14547" t="15909"/>
-          <a:stretch/>
-        </p:blipFill>
-        <p:spPr>
-          <a:xfrm>
-            <a:off x="68675" y="1849525"/>
-            <a:ext cx="3320224" cy="2481650"/>
-          </a:xfrm>
-          <a:prstGeom prst="rect">
-            <a:avLst/>
-          </a:prstGeom>
-          <a:noFill/>
-          <a:ln>
-            <a:noFill/>
-          </a:ln>
-        </p:spPr>
-      </p:pic>
-      <p:pic>
-        <p:nvPicPr>
-          <p:cNvPr id="266" name="Google Shape;266;g2a0c6f9b0a2_0_97"/>
-          <p:cNvPicPr preferRelativeResize="0"/>
-          <p:nvPr/>
-        </p:nvPicPr>
-        <p:blipFill rotWithShape="1">
-          <a:blip r:embed="rId4">
-            <a:alphaModFix/>
-          </a:blip>
-          <a:srcRect b="86890" l="0" r="66810" t="0"/>
-          <a:stretch/>
-        </p:blipFill>
-        <p:spPr>
-          <a:xfrm>
-            <a:off x="2933700" y="1012625"/>
-            <a:ext cx="3954360" cy="384376"/>
-          </a:xfrm>
-          <a:prstGeom prst="rect">
-            <a:avLst/>
-          </a:prstGeom>
-          <a:noFill/>
-          <a:ln>
-            <a:noFill/>
-          </a:ln>
-        </p:spPr>
-      </p:pic>
-      <p:pic>
-        <p:nvPicPr>
-          <p:cNvPr id="267" name="Google Shape;267;g2a0c6f9b0a2_0_97"/>
-          <p:cNvPicPr preferRelativeResize="0"/>
-          <p:nvPr/>
-        </p:nvPicPr>
-        <p:blipFill>
-          <a:blip r:embed="rId6">
-            <a:alphaModFix/>
-          </a:blip>
-          <a:stretch>
-            <a:fillRect/>
-          </a:stretch>
-        </p:blipFill>
-        <p:spPr>
-          <a:xfrm>
-            <a:off x="683475" y="3952919"/>
-            <a:ext cx="452323" cy="292125"/>
-          </a:xfrm>
-          <a:prstGeom prst="rect">
-            <a:avLst/>
-          </a:prstGeom>
-          <a:noFill/>
-          <a:ln>
-            <a:noFill/>
-          </a:ln>
-        </p:spPr>
-      </p:pic>
-      <p:pic>
-        <p:nvPicPr>
-          <p:cNvPr id="268" name="Google Shape;268;g2a0c6f9b0a2_0_97"/>
-          <p:cNvPicPr preferRelativeResize="0"/>
-          <p:nvPr/>
-        </p:nvPicPr>
-        <p:blipFill>
-          <a:blip r:embed="rId6">
-            <a:alphaModFix/>
-          </a:blip>
-          <a:stretch>
-            <a:fillRect/>
-          </a:stretch>
-        </p:blipFill>
-        <p:spPr>
-          <a:xfrm>
-            <a:off x="2693525" y="3978869"/>
-            <a:ext cx="452323" cy="292125"/>
+            <a:off x="7388550" y="27250"/>
+            <a:ext cx="1701000" cy="1073150"/>
           </a:xfrm>
           <a:prstGeom prst="rect">
             <a:avLst/>
@@ -15349,7 +15294,7 @@
   <p:cSld>
     <p:spTree>
       <p:nvGrpSpPr>
-        <p:cNvPr id="272" name="Shape 272"/>
+        <p:cNvPr id="261" name="Shape 261"/>
         <p:cNvGrpSpPr/>
         <p:nvPr/>
       </p:nvGrpSpPr>
@@ -15363,7 +15308,7 @@
       </p:grpSpPr>
       <p:sp>
         <p:nvSpPr>
-          <p:cNvPr id="273" name="Google Shape;273;g2a75948b1fc_3_59"/>
+          <p:cNvPr id="262" name="Google Shape;262;g2a0c6f9b0a2_0_97"/>
           <p:cNvSpPr txBox="1"/>
           <p:nvPr>
             <p:ph idx="4294967295" type="title"/>
@@ -15398,7 +15343,7 @@
               <a:spcAft>
                 <a:spcPts val="0"/>
               </a:spcAft>
-              <a:buSzPct val="119033"/>
+              <a:buSzPct val="119034"/>
               <a:buNone/>
             </a:pPr>
             <a:r>
@@ -15421,7 +15366,34 @@
       </p:sp>
       <p:pic>
         <p:nvPicPr>
-          <p:cNvPr id="274" name="Google Shape;274;g2a75948b1fc_3_59"/>
+          <p:cNvPr id="263" name="Google Shape;263;g2a0c6f9b0a2_0_97"/>
+          <p:cNvPicPr preferRelativeResize="0"/>
+          <p:nvPr/>
+        </p:nvPicPr>
+        <p:blipFill rotWithShape="1">
+          <a:blip r:embed="rId3">
+            <a:alphaModFix/>
+          </a:blip>
+          <a:srcRect b="65689" l="94755" r="0" t="18838"/>
+          <a:stretch/>
+        </p:blipFill>
+        <p:spPr>
+          <a:xfrm>
+            <a:off x="7991775" y="284900"/>
+            <a:ext cx="768348" cy="557850"/>
+          </a:xfrm>
+          <a:prstGeom prst="rect">
+            <a:avLst/>
+          </a:prstGeom>
+          <a:noFill/>
+          <a:ln>
+            <a:noFill/>
+          </a:ln>
+        </p:spPr>
+      </p:pic>
+      <p:pic>
+        <p:nvPicPr>
+          <p:cNvPr id="264" name="Google Shape;264;g2a0c6f9b0a2_0_97"/>
           <p:cNvPicPr preferRelativeResize="0"/>
           <p:nvPr/>
         </p:nvPicPr>
@@ -15429,13 +15401,13 @@
           <a:blip r:embed="rId4">
             <a:alphaModFix/>
           </a:blip>
-          <a:srcRect b="65689" l="94755" r="0" t="18838"/>
+          <a:srcRect b="86975" l="1847" r="14547" t="0"/>
           <a:stretch/>
         </p:blipFill>
         <p:spPr>
           <a:xfrm>
-            <a:off x="8083550" y="2003225"/>
-            <a:ext cx="768348" cy="557850"/>
+            <a:off x="132625" y="899625"/>
+            <a:ext cx="4578571" cy="557850"/>
           </a:xfrm>
           <a:prstGeom prst="rect">
             <a:avLst/>
@@ -15448,21 +15420,21 @@
       </p:pic>
       <p:pic>
         <p:nvPicPr>
-          <p:cNvPr id="275" name="Google Shape;275;g2a75948b1fc_3_59"/>
+          <p:cNvPr id="265" name="Google Shape;265;g2a0c6f9b0a2_0_97"/>
           <p:cNvPicPr preferRelativeResize="0"/>
           <p:nvPr/>
         </p:nvPicPr>
         <p:blipFill rotWithShape="1">
-          <a:blip r:embed="rId5">
+          <a:blip r:embed="rId4">
             <a:alphaModFix/>
           </a:blip>
-          <a:srcRect b="0" l="0" r="7037" t="0"/>
+          <a:srcRect b="0" l="1847" r="14547" t="15909"/>
           <a:stretch/>
         </p:blipFill>
         <p:spPr>
           <a:xfrm>
-            <a:off x="51050" y="888400"/>
-            <a:ext cx="7930774" cy="2843625"/>
+            <a:off x="75500" y="1508125"/>
+            <a:ext cx="4244676" cy="3321300"/>
           </a:xfrm>
           <a:prstGeom prst="rect">
             <a:avLst/>
@@ -15475,12 +15447,12 @@
       </p:pic>
       <p:pic>
         <p:nvPicPr>
-          <p:cNvPr id="276" name="Google Shape;276;g2a75948b1fc_3_59"/>
+          <p:cNvPr id="266" name="Google Shape;266;g2a0c6f9b0a2_0_97"/>
           <p:cNvPicPr preferRelativeResize="0"/>
           <p:nvPr/>
         </p:nvPicPr>
         <p:blipFill>
-          <a:blip r:embed="rId6">
+          <a:blip r:embed="rId5">
             <a:alphaModFix/>
           </a:blip>
           <a:stretch>
@@ -15489,8 +15461,8 @@
         </p:blipFill>
         <p:spPr>
           <a:xfrm>
-            <a:off x="2801425" y="2133225"/>
-            <a:ext cx="155250" cy="529075"/>
+            <a:off x="895192" y="4323189"/>
+            <a:ext cx="547004" cy="390964"/>
           </a:xfrm>
           <a:prstGeom prst="rect">
             <a:avLst/>
@@ -15503,12 +15475,12 @@
       </p:pic>
       <p:pic>
         <p:nvPicPr>
-          <p:cNvPr id="277" name="Google Shape;277;g2a75948b1fc_3_59"/>
+          <p:cNvPr id="267" name="Google Shape;267;g2a0c6f9b0a2_0_97"/>
           <p:cNvPicPr preferRelativeResize="0"/>
           <p:nvPr/>
         </p:nvPicPr>
         <p:blipFill>
-          <a:blip r:embed="rId6">
+          <a:blip r:embed="rId5">
             <a:alphaModFix/>
           </a:blip>
           <a:stretch>
@@ -15517,8 +15489,8 @@
         </p:blipFill>
         <p:spPr>
           <a:xfrm>
-            <a:off x="5442488" y="2102200"/>
-            <a:ext cx="155250" cy="529075"/>
+            <a:off x="3325993" y="4357919"/>
+            <a:ext cx="547004" cy="390964"/>
           </a:xfrm>
           <a:prstGeom prst="rect">
             <a:avLst/>
@@ -15542,7 +15514,7 @@
   <p:cSld>
     <p:spTree>
       <p:nvGrpSpPr>
-        <p:cNvPr id="281" name="Shape 281"/>
+        <p:cNvPr id="271" name="Shape 271"/>
         <p:cNvGrpSpPr/>
         <p:nvPr/>
       </p:nvGrpSpPr>
@@ -15556,7 +15528,7 @@
       </p:grpSpPr>
       <p:sp>
         <p:nvSpPr>
-          <p:cNvPr id="282" name="Google Shape;282;g2a0c6f9b0a2_0_103"/>
+          <p:cNvPr id="272" name="Google Shape;272;g2a8639fb0e6_0_35"/>
           <p:cNvSpPr txBox="1"/>
           <p:nvPr>
             <p:ph idx="4294967295" type="title"/>
@@ -15591,7 +15563,7 @@
               <a:spcAft>
                 <a:spcPts val="0"/>
               </a:spcAft>
-              <a:buSzPct val="119034"/>
+              <a:buSzPct val="119033"/>
               <a:buNone/>
             </a:pPr>
             <a:r>
@@ -15601,7 +15573,7 @@
                 <a:cs typeface="Montserrat"/>
                 <a:sym typeface="Montserrat"/>
               </a:rPr>
-              <a:t>3 - Final scores: testing phase</a:t>
+              <a:t>3 - Final scores: train / validation phase</a:t>
             </a:r>
             <a:endParaRPr b="1">
               <a:latin typeface="Montserrat"/>
@@ -15614,7 +15586,7 @@
       </p:sp>
       <p:pic>
         <p:nvPicPr>
-          <p:cNvPr id="283" name="Google Shape;283;g2a0c6f9b0a2_0_103"/>
+          <p:cNvPr id="273" name="Google Shape;273;g2a8639fb0e6_0_35"/>
           <p:cNvPicPr preferRelativeResize="0"/>
           <p:nvPr/>
         </p:nvPicPr>
@@ -15622,13 +15594,13 @@
           <a:blip r:embed="rId3">
             <a:alphaModFix/>
           </a:blip>
-          <a:srcRect b="27446" l="0" r="24958" t="-1367"/>
+          <a:srcRect b="0" l="758" r="66810" t="14908"/>
           <a:stretch/>
         </p:blipFill>
         <p:spPr>
           <a:xfrm>
-            <a:off x="3911425" y="784025"/>
-            <a:ext cx="4065249" cy="2199125"/>
+            <a:off x="0" y="1326850"/>
+            <a:ext cx="3257549" cy="2103400"/>
           </a:xfrm>
           <a:prstGeom prst="rect">
             <a:avLst/>
@@ -15641,21 +15613,21 @@
       </p:pic>
       <p:pic>
         <p:nvPicPr>
-          <p:cNvPr id="284" name="Google Shape;284;g2a0c6f9b0a2_0_103"/>
+          <p:cNvPr id="274" name="Google Shape;274;g2a8639fb0e6_0_35"/>
           <p:cNvPicPr preferRelativeResize="0"/>
           <p:nvPr/>
         </p:nvPicPr>
         <p:blipFill rotWithShape="1">
-          <a:blip r:embed="rId4">
+          <a:blip r:embed="rId3">
             <a:alphaModFix/>
           </a:blip>
-          <a:srcRect b="27415" l="4786" r="23887" t="0"/>
+          <a:srcRect b="5846" l="63793" r="5890" t="14172"/>
           <a:stretch/>
         </p:blipFill>
         <p:spPr>
           <a:xfrm>
-            <a:off x="182925" y="784025"/>
-            <a:ext cx="3935250" cy="2199125"/>
+            <a:off x="6316480" y="1326850"/>
+            <a:ext cx="2827520" cy="1946850"/>
           </a:xfrm>
           <a:prstGeom prst="rect">
             <a:avLst/>
@@ -15668,21 +15640,21 @@
       </p:pic>
       <p:pic>
         <p:nvPicPr>
-          <p:cNvPr id="285" name="Google Shape;285;g2a0c6f9b0a2_0_103"/>
+          <p:cNvPr id="275" name="Google Shape;275;g2a8639fb0e6_0_35"/>
           <p:cNvPicPr preferRelativeResize="0"/>
           <p:nvPr/>
         </p:nvPicPr>
         <p:blipFill rotWithShape="1">
-          <a:blip r:embed="rId5">
+          <a:blip r:embed="rId3">
             <a:alphaModFix/>
           </a:blip>
-          <a:srcRect b="26859" l="0" r="25489" t="5705"/>
+          <a:srcRect b="5846" l="33258" r="35938" t="14172"/>
           <a:stretch/>
         </p:blipFill>
         <p:spPr>
           <a:xfrm>
-            <a:off x="3935725" y="3011250"/>
-            <a:ext cx="4040950" cy="1956025"/>
+            <a:off x="3377366" y="1326850"/>
+            <a:ext cx="2851082" cy="1946850"/>
           </a:xfrm>
           <a:prstGeom prst="rect">
             <a:avLst/>
@@ -15695,49 +15667,21 @@
       </p:pic>
       <p:pic>
         <p:nvPicPr>
-          <p:cNvPr id="286" name="Google Shape;286;g2a0c6f9b0a2_0_103"/>
-          <p:cNvPicPr preferRelativeResize="0"/>
-          <p:nvPr/>
-        </p:nvPicPr>
-        <p:blipFill>
-          <a:blip r:embed="rId6">
-            <a:alphaModFix/>
-          </a:blip>
-          <a:stretch>
-            <a:fillRect/>
-          </a:stretch>
-        </p:blipFill>
-        <p:spPr>
-          <a:xfrm>
-            <a:off x="4017900" y="1311950"/>
-            <a:ext cx="183200" cy="680850"/>
-          </a:xfrm>
-          <a:prstGeom prst="rect">
-            <a:avLst/>
-          </a:prstGeom>
-          <a:noFill/>
-          <a:ln>
-            <a:noFill/>
-          </a:ln>
-        </p:spPr>
-      </p:pic>
-      <p:pic>
-        <p:nvPicPr>
-          <p:cNvPr id="287" name="Google Shape;287;g2a0c6f9b0a2_0_103"/>
+          <p:cNvPr id="276" name="Google Shape;276;g2a8639fb0e6_0_35"/>
           <p:cNvPicPr preferRelativeResize="0"/>
           <p:nvPr/>
         </p:nvPicPr>
         <p:blipFill rotWithShape="1">
-          <a:blip r:embed="rId7">
+          <a:blip r:embed="rId3">
             <a:alphaModFix/>
           </a:blip>
-          <a:srcRect b="26863" l="4228" r="25288" t="4061"/>
+          <a:srcRect b="12710" l="2122" r="96262" t="18950"/>
           <a:stretch/>
         </p:blipFill>
         <p:spPr>
           <a:xfrm>
-            <a:off x="182925" y="2983150"/>
-            <a:ext cx="3834975" cy="2012250"/>
+            <a:off x="3296103" y="1434600"/>
+            <a:ext cx="152223" cy="1694301"/>
           </a:xfrm>
           <a:prstGeom prst="rect">
             <a:avLst/>
@@ -15750,21 +15694,21 @@
       </p:pic>
       <p:pic>
         <p:nvPicPr>
-          <p:cNvPr id="288" name="Google Shape;288;g2a0c6f9b0a2_0_103"/>
+          <p:cNvPr id="277" name="Google Shape;277;g2a8639fb0e6_0_35"/>
           <p:cNvPicPr preferRelativeResize="0"/>
           <p:nvPr/>
         </p:nvPicPr>
         <p:blipFill rotWithShape="1">
-          <a:blip r:embed="rId8">
+          <a:blip r:embed="rId3">
             <a:alphaModFix/>
           </a:blip>
-          <a:srcRect b="59371" l="91665" r="461" t="20151"/>
+          <a:srcRect b="12710" l="2198" r="96262" t="18950"/>
           <a:stretch/>
         </p:blipFill>
         <p:spPr>
           <a:xfrm>
-            <a:off x="7976675" y="2745775"/>
-            <a:ext cx="1165199" cy="751700"/>
+            <a:off x="6228448" y="1434600"/>
+            <a:ext cx="146176" cy="1694301"/>
           </a:xfrm>
           <a:prstGeom prst="rect">
             <a:avLst/>
@@ -15777,21 +15721,21 @@
       </p:pic>
       <p:pic>
         <p:nvPicPr>
-          <p:cNvPr id="289" name="Google Shape;289;g2a0c6f9b0a2_0_103"/>
+          <p:cNvPr id="278" name="Google Shape;278;g2a8639fb0e6_0_35"/>
           <p:cNvPicPr preferRelativeResize="0"/>
           <p:nvPr/>
         </p:nvPicPr>
         <p:blipFill rotWithShape="1">
-          <a:blip r:embed="rId9">
+          <a:blip r:embed="rId3">
             <a:alphaModFix/>
           </a:blip>
-          <a:srcRect b="87830" l="4717" r="78667" t="4750"/>
+          <a:srcRect b="86890" l="4778" r="66811" t="0"/>
           <a:stretch/>
         </p:blipFill>
         <p:spPr>
           <a:xfrm>
-            <a:off x="4201100" y="3011250"/>
-            <a:ext cx="1750630" cy="193900"/>
+            <a:off x="179825" y="883925"/>
+            <a:ext cx="4205051" cy="477500"/>
           </a:xfrm>
           <a:prstGeom prst="rect">
             <a:avLst/>
@@ -15804,75 +15748,21 @@
       </p:pic>
       <p:pic>
         <p:nvPicPr>
-          <p:cNvPr id="290" name="Google Shape;290;g2a0c6f9b0a2_0_103"/>
+          <p:cNvPr id="279" name="Google Shape;279;g2a8639fb0e6_0_35"/>
           <p:cNvPicPr preferRelativeResize="0"/>
           <p:nvPr/>
         </p:nvPicPr>
         <p:blipFill rotWithShape="1">
-          <a:blip r:embed="rId8">
+          <a:blip r:embed="rId3">
             <a:alphaModFix/>
           </a:blip>
-          <a:srcRect b="88177" l="4716" r="80131" t="4403"/>
+          <a:srcRect b="65689" l="94755" r="0" t="18838"/>
           <a:stretch/>
         </p:blipFill>
         <p:spPr>
           <a:xfrm>
-            <a:off x="162063" y="3037825"/>
-            <a:ext cx="1596436" cy="193900"/>
-          </a:xfrm>
-          <a:prstGeom prst="rect">
-            <a:avLst/>
-          </a:prstGeom>
-          <a:noFill/>
-          <a:ln>
-            <a:noFill/>
-          </a:ln>
-        </p:spPr>
-      </p:pic>
-      <p:pic>
-        <p:nvPicPr>
-          <p:cNvPr id="291" name="Google Shape;291;g2a0c6f9b0a2_0_103"/>
-          <p:cNvPicPr preferRelativeResize="0"/>
-          <p:nvPr/>
-        </p:nvPicPr>
-        <p:blipFill rotWithShape="1">
-          <a:blip r:embed="rId10">
-            <a:alphaModFix/>
-          </a:blip>
-          <a:srcRect b="88044" l="4716" r="80131" t="4536"/>
-          <a:stretch/>
-        </p:blipFill>
-        <p:spPr>
-          <a:xfrm>
-            <a:off x="4118175" y="969890"/>
-            <a:ext cx="1596426" cy="193900"/>
-          </a:xfrm>
-          <a:prstGeom prst="rect">
-            <a:avLst/>
-          </a:prstGeom>
-          <a:noFill/>
-          <a:ln>
-            <a:noFill/>
-          </a:ln>
-        </p:spPr>
-      </p:pic>
-      <p:pic>
-        <p:nvPicPr>
-          <p:cNvPr id="292" name="Google Shape;292;g2a0c6f9b0a2_0_103"/>
-          <p:cNvPicPr preferRelativeResize="0"/>
-          <p:nvPr/>
-        </p:nvPicPr>
-        <p:blipFill rotWithShape="1">
-          <a:blip r:embed="rId11">
-            <a:alphaModFix/>
-          </a:blip>
-          <a:srcRect b="87830" l="4752" r="80991" t="6211"/>
-          <a:stretch/>
-        </p:blipFill>
-        <p:spPr>
-          <a:xfrm>
-            <a:off x="148613" y="982712"/>
-            <a:ext cx="1623347" cy="168275"/>
+            <a:off x="7991775" y="284900"/>
+            <a:ext cx="768348" cy="557850"/>
           </a:xfrm>
           <a:prstGeom prst="rect">
             <a:avLst/>
@@ -15896,7 +15786,7 @@
   <p:cSld>
     <p:spTree>
       <p:nvGrpSpPr>
-        <p:cNvPr id="296" name="Shape 296"/>
+        <p:cNvPr id="283" name="Shape 283"/>
         <p:cNvGrpSpPr/>
         <p:nvPr/>
       </p:nvGrpSpPr>
@@ -15910,7 +15800,7 @@
       </p:grpSpPr>
       <p:sp>
         <p:nvSpPr>
-          <p:cNvPr id="297" name="Google Shape;297;g2a58cb8d4e2_0_19"/>
+          <p:cNvPr id="284" name="Google Shape;284;g2a75948b1fc_3_59"/>
           <p:cNvSpPr txBox="1"/>
           <p:nvPr>
             <p:ph idx="4294967295" type="title"/>
@@ -15955,7 +15845,7 @@
                 <a:cs typeface="Montserrat"/>
                 <a:sym typeface="Montserrat"/>
               </a:rPr>
-              <a:t>3 - Final scores: testing phase</a:t>
+              <a:t>3 - Final scores: train / validation phase</a:t>
             </a:r>
             <a:endParaRPr b="1">
               <a:latin typeface="Montserrat"/>
@@ -15968,21 +15858,49 @@
       </p:sp>
       <p:pic>
         <p:nvPicPr>
-          <p:cNvPr id="298" name="Google Shape;298;g2a58cb8d4e2_0_19"/>
+          <p:cNvPr id="285" name="Google Shape;285;g2a75948b1fc_3_59"/>
           <p:cNvPicPr preferRelativeResize="0"/>
           <p:nvPr/>
         </p:nvPicPr>
         <p:blipFill rotWithShape="1">
+          <a:blip r:embed="rId3">
+            <a:alphaModFix/>
+          </a:blip>
+          <a:srcRect b="5930" l="0" r="7037" t="3251"/>
+          <a:stretch/>
+        </p:blipFill>
+        <p:spPr>
+          <a:xfrm>
+            <a:off x="61000" y="784025"/>
+            <a:ext cx="8858149" cy="3023600"/>
+          </a:xfrm>
+          <a:prstGeom prst="rect">
+            <a:avLst/>
+          </a:prstGeom>
+          <a:noFill/>
+          <a:ln>
+            <a:noFill/>
+          </a:ln>
+        </p:spPr>
+      </p:pic>
+      <p:pic>
+        <p:nvPicPr>
+          <p:cNvPr id="286" name="Google Shape;286;g2a75948b1fc_3_59"/>
+          <p:cNvPicPr preferRelativeResize="0"/>
+          <p:nvPr/>
+        </p:nvPicPr>
+        <p:blipFill>
           <a:blip r:embed="rId4">
             <a:alphaModFix/>
           </a:blip>
-          <a:srcRect b="86192" l="4519" r="74604" t="0"/>
-          <a:stretch/>
+          <a:stretch>
+            <a:fillRect/>
+          </a:stretch>
         </p:blipFill>
         <p:spPr>
           <a:xfrm>
-            <a:off x="4133699" y="862825"/>
-            <a:ext cx="3007949" cy="489576"/>
+            <a:off x="3132987" y="2209559"/>
+            <a:ext cx="173404" cy="619438"/>
           </a:xfrm>
           <a:prstGeom prst="rect">
             <a:avLst/>
@@ -15995,7 +15913,35 @@
       </p:pic>
       <p:pic>
         <p:nvPicPr>
-          <p:cNvPr id="299" name="Google Shape;299;g2a58cb8d4e2_0_19"/>
+          <p:cNvPr id="287" name="Google Shape;287;g2a75948b1fc_3_59"/>
+          <p:cNvPicPr preferRelativeResize="0"/>
+          <p:nvPr/>
+        </p:nvPicPr>
+        <p:blipFill>
+          <a:blip r:embed="rId4">
+            <a:alphaModFix/>
+          </a:blip>
+          <a:stretch>
+            <a:fillRect/>
+          </a:stretch>
+        </p:blipFill>
+        <p:spPr>
+          <a:xfrm>
+            <a:off x="6082879" y="2173235"/>
+            <a:ext cx="173404" cy="619438"/>
+          </a:xfrm>
+          <a:prstGeom prst="rect">
+            <a:avLst/>
+          </a:prstGeom>
+          <a:noFill/>
+          <a:ln>
+            <a:noFill/>
+          </a:ln>
+        </p:spPr>
+      </p:pic>
+      <p:pic>
+        <p:nvPicPr>
+          <p:cNvPr id="288" name="Google Shape;288;g2a75948b1fc_3_59"/>
           <p:cNvPicPr preferRelativeResize="0"/>
           <p:nvPr/>
         </p:nvPicPr>
@@ -16003,449 +15949,13 @@
           <a:blip r:embed="rId5">
             <a:alphaModFix/>
           </a:blip>
-          <a:srcRect b="85801" l="1593" r="58378" t="0"/>
+          <a:srcRect b="65689" l="94755" r="0" t="18838"/>
           <a:stretch/>
         </p:blipFill>
         <p:spPr>
           <a:xfrm>
-            <a:off x="177650" y="1381100"/>
-            <a:ext cx="1932226" cy="489575"/>
-          </a:xfrm>
-          <a:prstGeom prst="rect">
-            <a:avLst/>
-          </a:prstGeom>
-          <a:noFill/>
-          <a:ln>
-            <a:noFill/>
-          </a:ln>
-        </p:spPr>
-      </p:pic>
-      <p:pic>
-        <p:nvPicPr>
-          <p:cNvPr id="300" name="Google Shape;300;g2a58cb8d4e2_0_19"/>
-          <p:cNvPicPr preferRelativeResize="0"/>
-          <p:nvPr/>
-        </p:nvPicPr>
-        <p:blipFill rotWithShape="1">
-          <a:blip r:embed="rId4">
-            <a:alphaModFix/>
-          </a:blip>
-          <a:srcRect b="58733" l="92392" r="0" t="18647"/>
-          <a:stretch/>
-        </p:blipFill>
-        <p:spPr>
-          <a:xfrm>
-            <a:off x="7898725" y="430275"/>
-            <a:ext cx="1094149" cy="800575"/>
-          </a:xfrm>
-          <a:prstGeom prst="rect">
-            <a:avLst/>
-          </a:prstGeom>
-          <a:noFill/>
-          <a:ln>
-            <a:noFill/>
-          </a:ln>
-        </p:spPr>
-      </p:pic>
-      <p:pic>
-        <p:nvPicPr>
-          <p:cNvPr id="301" name="Google Shape;301;g2a58cb8d4e2_0_19"/>
-          <p:cNvPicPr preferRelativeResize="0"/>
-          <p:nvPr/>
-        </p:nvPicPr>
-        <p:blipFill rotWithShape="1">
-          <a:blip r:embed="rId4">
-            <a:alphaModFix/>
-          </a:blip>
-          <a:srcRect b="7002" l="25502" r="52636" t="14578"/>
-          <a:stretch/>
-        </p:blipFill>
-        <p:spPr>
-          <a:xfrm>
-            <a:off x="6431125" y="1293900"/>
-            <a:ext cx="2134001" cy="1883834"/>
-          </a:xfrm>
-          <a:prstGeom prst="rect">
-            <a:avLst/>
-          </a:prstGeom>
-          <a:noFill/>
-          <a:ln>
-            <a:noFill/>
-          </a:ln>
-        </p:spPr>
-      </p:pic>
-      <p:pic>
-        <p:nvPicPr>
-          <p:cNvPr id="302" name="Google Shape;302;g2a58cb8d4e2_0_19"/>
-          <p:cNvPicPr preferRelativeResize="0"/>
-          <p:nvPr/>
-        </p:nvPicPr>
-        <p:blipFill rotWithShape="1">
-          <a:blip r:embed="rId4">
-            <a:alphaModFix/>
-          </a:blip>
-          <a:srcRect b="5722" l="0" r="74605" t="14792"/>
-          <a:stretch/>
-        </p:blipFill>
-        <p:spPr>
-          <a:xfrm>
-            <a:off x="3721450" y="1325425"/>
-            <a:ext cx="2448660" cy="1886175"/>
-          </a:xfrm>
-          <a:prstGeom prst="rect">
-            <a:avLst/>
-          </a:prstGeom>
-          <a:noFill/>
-          <a:ln>
-            <a:noFill/>
-          </a:ln>
-        </p:spPr>
-      </p:pic>
-      <p:pic>
-        <p:nvPicPr>
-          <p:cNvPr id="303" name="Google Shape;303;g2a58cb8d4e2_0_19"/>
-          <p:cNvPicPr preferRelativeResize="0"/>
-          <p:nvPr/>
-        </p:nvPicPr>
-        <p:blipFill rotWithShape="1">
-          <a:blip r:embed="rId4">
-            <a:alphaModFix/>
-          </a:blip>
-          <a:srcRect b="5063" l="47972" r="30167" t="14570"/>
-          <a:stretch/>
-        </p:blipFill>
-        <p:spPr>
-          <a:xfrm>
-            <a:off x="3997475" y="3183725"/>
-            <a:ext cx="2134011" cy="1930766"/>
-          </a:xfrm>
-          <a:prstGeom prst="rect">
-            <a:avLst/>
-          </a:prstGeom>
-          <a:noFill/>
-          <a:ln>
-            <a:noFill/>
-          </a:ln>
-        </p:spPr>
-      </p:pic>
-      <p:pic>
-        <p:nvPicPr>
-          <p:cNvPr id="304" name="Google Shape;304;g2a58cb8d4e2_0_19"/>
-          <p:cNvPicPr preferRelativeResize="0"/>
-          <p:nvPr/>
-        </p:nvPicPr>
-        <p:blipFill rotWithShape="1">
-          <a:blip r:embed="rId4">
-            <a:alphaModFix/>
-          </a:blip>
-          <a:srcRect b="4407" l="70534" r="7605" t="14575"/>
-          <a:stretch/>
-        </p:blipFill>
-        <p:spPr>
-          <a:xfrm>
-            <a:off x="6458875" y="3167350"/>
-            <a:ext cx="2134001" cy="1946466"/>
-          </a:xfrm>
-          <a:prstGeom prst="rect">
-            <a:avLst/>
-          </a:prstGeom>
-          <a:noFill/>
-          <a:ln>
-            <a:noFill/>
-          </a:ln>
-        </p:spPr>
-      </p:pic>
-      <p:pic>
-        <p:nvPicPr>
-          <p:cNvPr id="305" name="Google Shape;305;g2a58cb8d4e2_0_19"/>
-          <p:cNvPicPr preferRelativeResize="0"/>
-          <p:nvPr/>
-        </p:nvPicPr>
-        <p:blipFill rotWithShape="1">
-          <a:blip r:embed="rId4">
-            <a:alphaModFix/>
-          </a:blip>
-          <a:srcRect b="13730" l="790" r="96265" t="18260"/>
-          <a:stretch/>
-        </p:blipFill>
-        <p:spPr>
-          <a:xfrm>
-            <a:off x="6187400" y="1376375"/>
-            <a:ext cx="290248" cy="1650025"/>
-          </a:xfrm>
-          <a:prstGeom prst="rect">
-            <a:avLst/>
-          </a:prstGeom>
-          <a:noFill/>
-          <a:ln>
-            <a:noFill/>
-          </a:ln>
-        </p:spPr>
-      </p:pic>
-      <p:pic>
-        <p:nvPicPr>
-          <p:cNvPr id="306" name="Google Shape;306;g2a58cb8d4e2_0_19"/>
-          <p:cNvPicPr preferRelativeResize="0"/>
-          <p:nvPr/>
-        </p:nvPicPr>
-        <p:blipFill rotWithShape="1">
-          <a:blip r:embed="rId4">
-            <a:alphaModFix/>
-          </a:blip>
-          <a:srcRect b="13730" l="790" r="96265" t="18260"/>
-          <a:stretch/>
-        </p:blipFill>
-        <p:spPr>
-          <a:xfrm>
-            <a:off x="6194875" y="3249320"/>
-            <a:ext cx="290248" cy="1650005"/>
-          </a:xfrm>
-          <a:prstGeom prst="rect">
-            <a:avLst/>
-          </a:prstGeom>
-          <a:noFill/>
-          <a:ln>
-            <a:noFill/>
-          </a:ln>
-        </p:spPr>
-      </p:pic>
-      <p:pic>
-        <p:nvPicPr>
-          <p:cNvPr id="307" name="Google Shape;307;g2a58cb8d4e2_0_19"/>
-          <p:cNvPicPr preferRelativeResize="0"/>
-          <p:nvPr/>
-        </p:nvPicPr>
-        <p:blipFill rotWithShape="1">
-          <a:blip r:embed="rId4">
-            <a:alphaModFix/>
-          </a:blip>
-          <a:srcRect b="13730" l="790" r="96265" t="18260"/>
-          <a:stretch/>
-        </p:blipFill>
-        <p:spPr>
-          <a:xfrm>
-            <a:off x="3751750" y="3275400"/>
-            <a:ext cx="287724" cy="1635625"/>
-          </a:xfrm>
-          <a:prstGeom prst="rect">
-            <a:avLst/>
-          </a:prstGeom>
-          <a:noFill/>
-          <a:ln>
-            <a:noFill/>
-          </a:ln>
-        </p:spPr>
-      </p:pic>
-      <p:pic>
-        <p:nvPicPr>
-          <p:cNvPr id="308" name="Google Shape;308;g2a58cb8d4e2_0_19"/>
-          <p:cNvPicPr preferRelativeResize="0"/>
-          <p:nvPr/>
-        </p:nvPicPr>
-        <p:blipFill rotWithShape="1">
-          <a:blip r:embed="rId5">
-            <a:alphaModFix/>
-          </a:blip>
-          <a:srcRect b="6616" l="1594" r="18705" t="16002"/>
-          <a:stretch/>
-        </p:blipFill>
-        <p:spPr>
-          <a:xfrm>
-            <a:off x="44725" y="1858825"/>
-            <a:ext cx="3570350" cy="2476225"/>
-          </a:xfrm>
-          <a:prstGeom prst="rect">
-            <a:avLst/>
-          </a:prstGeom>
-          <a:noFill/>
-          <a:ln>
-            <a:noFill/>
-          </a:ln>
-        </p:spPr>
-      </p:pic>
-      <p:pic>
-        <p:nvPicPr>
-          <p:cNvPr id="309" name="Google Shape;309;g2a58cb8d4e2_0_19"/>
-          <p:cNvPicPr preferRelativeResize="0"/>
-          <p:nvPr/>
-        </p:nvPicPr>
-        <p:blipFill rotWithShape="1">
-          <a:blip r:embed="rId6">
-            <a:alphaModFix/>
-          </a:blip>
-          <a:srcRect b="86385" l="37562" r="58255" t="3623"/>
-          <a:stretch/>
-        </p:blipFill>
-        <p:spPr>
-          <a:xfrm>
-            <a:off x="1745275" y="1527963"/>
-            <a:ext cx="388275" cy="309186"/>
-          </a:xfrm>
-          <a:prstGeom prst="rect">
-            <a:avLst/>
-          </a:prstGeom>
-          <a:noFill/>
-          <a:ln>
-            <a:noFill/>
-          </a:ln>
-        </p:spPr>
-      </p:pic>
-      <p:pic>
-        <p:nvPicPr>
-          <p:cNvPr id="310" name="Google Shape;310;g2a58cb8d4e2_0_19"/>
-          <p:cNvPicPr preferRelativeResize="0"/>
-          <p:nvPr/>
-        </p:nvPicPr>
-        <p:blipFill rotWithShape="1">
-          <a:blip r:embed="rId6">
-            <a:alphaModFix/>
-          </a:blip>
-          <a:srcRect b="86385" l="37562" r="58255" t="3623"/>
-          <a:stretch/>
-        </p:blipFill>
-        <p:spPr>
-          <a:xfrm>
-            <a:off x="5455000" y="972875"/>
-            <a:ext cx="442747" cy="352550"/>
-          </a:xfrm>
-          <a:prstGeom prst="rect">
-            <a:avLst/>
-          </a:prstGeom>
-          <a:noFill/>
-          <a:ln>
-            <a:noFill/>
-          </a:ln>
-        </p:spPr>
-      </p:pic>
-      <p:pic>
-        <p:nvPicPr>
-          <p:cNvPr id="311" name="Google Shape;311;g2a58cb8d4e2_0_19"/>
-          <p:cNvPicPr preferRelativeResize="0"/>
-          <p:nvPr/>
-        </p:nvPicPr>
-        <p:blipFill>
-          <a:blip r:embed="rId7">
-            <a:alphaModFix/>
-          </a:blip>
-          <a:stretch>
-            <a:fillRect/>
-          </a:stretch>
-        </p:blipFill>
-        <p:spPr>
-          <a:xfrm>
-            <a:off x="600625" y="4151144"/>
-            <a:ext cx="452323" cy="292125"/>
-          </a:xfrm>
-          <a:prstGeom prst="rect">
-            <a:avLst/>
-          </a:prstGeom>
-          <a:noFill/>
-          <a:ln>
-            <a:noFill/>
-          </a:ln>
-        </p:spPr>
-      </p:pic>
-      <p:pic>
-        <p:nvPicPr>
-          <p:cNvPr id="312" name="Google Shape;312;g2a58cb8d4e2_0_19"/>
-          <p:cNvPicPr preferRelativeResize="0"/>
-          <p:nvPr/>
-        </p:nvPicPr>
-        <p:blipFill>
-          <a:blip r:embed="rId7">
-            <a:alphaModFix/>
-          </a:blip>
-          <a:stretch>
-            <a:fillRect/>
-          </a:stretch>
-        </p:blipFill>
-        <p:spPr>
-          <a:xfrm>
-            <a:off x="1391975" y="4151144"/>
-            <a:ext cx="452323" cy="292125"/>
-          </a:xfrm>
-          <a:prstGeom prst="rect">
-            <a:avLst/>
-          </a:prstGeom>
-          <a:noFill/>
-          <a:ln>
-            <a:noFill/>
-          </a:ln>
-        </p:spPr>
-      </p:pic>
-      <p:pic>
-        <p:nvPicPr>
-          <p:cNvPr id="313" name="Google Shape;313;g2a58cb8d4e2_0_19"/>
-          <p:cNvPicPr preferRelativeResize="0"/>
-          <p:nvPr/>
-        </p:nvPicPr>
-        <p:blipFill>
-          <a:blip r:embed="rId7">
-            <a:alphaModFix/>
-          </a:blip>
-          <a:stretch>
-            <a:fillRect/>
-          </a:stretch>
-        </p:blipFill>
-        <p:spPr>
-          <a:xfrm>
-            <a:off x="3011600" y="4151144"/>
-            <a:ext cx="452323" cy="292125"/>
-          </a:xfrm>
-          <a:prstGeom prst="rect">
-            <a:avLst/>
-          </a:prstGeom>
-          <a:noFill/>
-          <a:ln>
-            <a:noFill/>
-          </a:ln>
-        </p:spPr>
-      </p:pic>
-      <p:pic>
-        <p:nvPicPr>
-          <p:cNvPr id="314" name="Google Shape;314;g2a58cb8d4e2_0_19"/>
-          <p:cNvPicPr preferRelativeResize="0"/>
-          <p:nvPr/>
-        </p:nvPicPr>
-        <p:blipFill rotWithShape="1">
-          <a:blip r:embed="rId5">
-            <a:alphaModFix/>
-          </a:blip>
-          <a:srcRect b="6616" l="33655" r="59921" t="88621"/>
-          <a:stretch/>
-        </p:blipFill>
-        <p:spPr>
-          <a:xfrm>
-            <a:off x="1862075" y="4182650"/>
-            <a:ext cx="287724" cy="152400"/>
-          </a:xfrm>
-          <a:prstGeom prst="rect">
-            <a:avLst/>
-          </a:prstGeom>
-          <a:noFill/>
-          <a:ln>
-            <a:noFill/>
-          </a:ln>
-        </p:spPr>
-      </p:pic>
-      <p:pic>
-        <p:nvPicPr>
-          <p:cNvPr id="315" name="Google Shape;315;g2a58cb8d4e2_0_19"/>
-          <p:cNvPicPr preferRelativeResize="0"/>
-          <p:nvPr/>
-        </p:nvPicPr>
-        <p:blipFill>
-          <a:blip r:embed="rId7">
-            <a:alphaModFix/>
-          </a:blip>
-          <a:stretch>
-            <a:fillRect/>
-          </a:stretch>
-        </p:blipFill>
-        <p:spPr>
-          <a:xfrm>
-            <a:off x="2229250" y="4151144"/>
-            <a:ext cx="452323" cy="292125"/>
+            <a:off x="7991775" y="284900"/>
+            <a:ext cx="768348" cy="557850"/>
           </a:xfrm>
           <a:prstGeom prst="rect">
             <a:avLst/>
@@ -16469,7 +15979,7 @@
   <p:cSld>
     <p:spTree>
       <p:nvGrpSpPr>
-        <p:cNvPr id="319" name="Shape 319"/>
+        <p:cNvPr id="292" name="Shape 292"/>
         <p:cNvGrpSpPr/>
         <p:nvPr/>
       </p:nvGrpSpPr>
@@ -16483,7 +15993,7 @@
       </p:grpSpPr>
       <p:sp>
         <p:nvSpPr>
-          <p:cNvPr id="320" name="Google Shape;320;g2a75948b1fc_3_80"/>
+          <p:cNvPr id="293" name="Google Shape;293;g2a0c6f9b0a2_0_103"/>
           <p:cNvSpPr txBox="1"/>
           <p:nvPr>
             <p:ph idx="4294967295" type="title"/>
@@ -16518,7 +16028,7 @@
               <a:spcAft>
                 <a:spcPts val="0"/>
               </a:spcAft>
-              <a:buSzPct val="119033"/>
+              <a:buSzPct val="119034"/>
               <a:buNone/>
             </a:pPr>
             <a:r>
@@ -16541,22 +16051,21 @@
       </p:sp>
       <p:pic>
         <p:nvPicPr>
-          <p:cNvPr id="321" name="Google Shape;321;g2a75948b1fc_3_80"/>
+          <p:cNvPr id="294" name="Google Shape;294;g2a0c6f9b0a2_0_103"/>
           <p:cNvPicPr preferRelativeResize="0"/>
           <p:nvPr/>
         </p:nvPicPr>
-        <p:blipFill>
-          <a:blip r:embed="rId4">
+        <p:blipFill rotWithShape="1">
+          <a:blip r:embed="rId3">
             <a:alphaModFix/>
           </a:blip>
-          <a:stretch>
-            <a:fillRect/>
-          </a:stretch>
+          <a:srcRect b="27446" l="0" r="24958" t="-1367"/>
+          <a:stretch/>
         </p:blipFill>
         <p:spPr>
           <a:xfrm>
-            <a:off x="0" y="824725"/>
-            <a:ext cx="7639174" cy="2546375"/>
+            <a:off x="4444825" y="784025"/>
+            <a:ext cx="4065249" cy="2199125"/>
           </a:xfrm>
           <a:prstGeom prst="rect">
             <a:avLst/>
@@ -16569,175 +16078,7 @@
       </p:pic>
       <p:pic>
         <p:nvPicPr>
-          <p:cNvPr id="322" name="Google Shape;322;g2a75948b1fc_3_80"/>
-          <p:cNvPicPr preferRelativeResize="0"/>
-          <p:nvPr/>
-        </p:nvPicPr>
-        <p:blipFill>
-          <a:blip r:embed="rId5">
-            <a:alphaModFix/>
-          </a:blip>
-          <a:stretch>
-            <a:fillRect/>
-          </a:stretch>
-        </p:blipFill>
-        <p:spPr>
-          <a:xfrm>
-            <a:off x="1891750" y="1866975"/>
-            <a:ext cx="155250" cy="529075"/>
-          </a:xfrm>
-          <a:prstGeom prst="rect">
-            <a:avLst/>
-          </a:prstGeom>
-          <a:noFill/>
-          <a:ln>
-            <a:noFill/>
-          </a:ln>
-        </p:spPr>
-      </p:pic>
-      <p:pic>
-        <p:nvPicPr>
-          <p:cNvPr id="323" name="Google Shape;323;g2a75948b1fc_3_80"/>
-          <p:cNvPicPr preferRelativeResize="0"/>
-          <p:nvPr/>
-        </p:nvPicPr>
-        <p:blipFill>
-          <a:blip r:embed="rId5">
-            <a:alphaModFix/>
-          </a:blip>
-          <a:stretch>
-            <a:fillRect/>
-          </a:stretch>
-        </p:blipFill>
-        <p:spPr>
-          <a:xfrm>
-            <a:off x="3682925" y="1866975"/>
-            <a:ext cx="155250" cy="529075"/>
-          </a:xfrm>
-          <a:prstGeom prst="rect">
-            <a:avLst/>
-          </a:prstGeom>
-          <a:noFill/>
-          <a:ln>
-            <a:noFill/>
-          </a:ln>
-        </p:spPr>
-      </p:pic>
-      <p:pic>
-        <p:nvPicPr>
-          <p:cNvPr id="324" name="Google Shape;324;g2a75948b1fc_3_80"/>
-          <p:cNvPicPr preferRelativeResize="0"/>
-          <p:nvPr/>
-        </p:nvPicPr>
-        <p:blipFill>
-          <a:blip r:embed="rId5">
-            <a:alphaModFix/>
-          </a:blip>
-          <a:stretch>
-            <a:fillRect/>
-          </a:stretch>
-        </p:blipFill>
-        <p:spPr>
-          <a:xfrm>
-            <a:off x="5474100" y="1866975"/>
-            <a:ext cx="155250" cy="529075"/>
-          </a:xfrm>
-          <a:prstGeom prst="rect">
-            <a:avLst/>
-          </a:prstGeom>
-          <a:noFill/>
-          <a:ln>
-            <a:noFill/>
-          </a:ln>
-        </p:spPr>
-      </p:pic>
-      <p:pic>
-        <p:nvPicPr>
-          <p:cNvPr id="325" name="Google Shape;325;g2a75948b1fc_3_80"/>
-          <p:cNvPicPr preferRelativeResize="0"/>
-          <p:nvPr/>
-        </p:nvPicPr>
-        <p:blipFill>
-          <a:blip r:embed="rId5">
-            <a:alphaModFix/>
-          </a:blip>
-          <a:stretch>
-            <a:fillRect/>
-          </a:stretch>
-        </p:blipFill>
-        <p:spPr>
-          <a:xfrm>
-            <a:off x="905450" y="3043894"/>
-            <a:ext cx="452323" cy="292125"/>
-          </a:xfrm>
-          <a:prstGeom prst="rect">
-            <a:avLst/>
-          </a:prstGeom>
-          <a:noFill/>
-          <a:ln>
-            <a:noFill/>
-          </a:ln>
-        </p:spPr>
-      </p:pic>
-      <p:pic>
-        <p:nvPicPr>
-          <p:cNvPr id="326" name="Google Shape;326;g2a75948b1fc_3_80"/>
-          <p:cNvPicPr preferRelativeResize="0"/>
-          <p:nvPr/>
-        </p:nvPicPr>
-        <p:blipFill>
-          <a:blip r:embed="rId5">
-            <a:alphaModFix/>
-          </a:blip>
-          <a:stretch>
-            <a:fillRect/>
-          </a:stretch>
-        </p:blipFill>
-        <p:spPr>
-          <a:xfrm>
-            <a:off x="2684800" y="3043894"/>
-            <a:ext cx="452323" cy="292125"/>
-          </a:xfrm>
-          <a:prstGeom prst="rect">
-            <a:avLst/>
-          </a:prstGeom>
-          <a:noFill/>
-          <a:ln>
-            <a:noFill/>
-          </a:ln>
-        </p:spPr>
-      </p:pic>
-      <p:pic>
-        <p:nvPicPr>
-          <p:cNvPr id="327" name="Google Shape;327;g2a75948b1fc_3_80"/>
-          <p:cNvPicPr preferRelativeResize="0"/>
-          <p:nvPr/>
-        </p:nvPicPr>
-        <p:blipFill>
-          <a:blip r:embed="rId5">
-            <a:alphaModFix/>
-          </a:blip>
-          <a:stretch>
-            <a:fillRect/>
-          </a:stretch>
-        </p:blipFill>
-        <p:spPr>
-          <a:xfrm>
-            <a:off x="4505550" y="3043894"/>
-            <a:ext cx="452323" cy="292125"/>
-          </a:xfrm>
-          <a:prstGeom prst="rect">
-            <a:avLst/>
-          </a:prstGeom>
-          <a:noFill/>
-          <a:ln>
-            <a:noFill/>
-          </a:ln>
-        </p:spPr>
-      </p:pic>
-      <p:pic>
-        <p:nvPicPr>
-          <p:cNvPr id="328" name="Google Shape;328;g2a75948b1fc_3_80"/>
+          <p:cNvPr id="295" name="Google Shape;295;g2a0c6f9b0a2_0_103"/>
           <p:cNvPicPr preferRelativeResize="0"/>
           <p:nvPr/>
         </p:nvPicPr>
@@ -16745,13 +16086,13 @@
           <a:blip r:embed="rId4">
             <a:alphaModFix/>
           </a:blip>
-          <a:srcRect b="6139" l="82912" r="12449" t="88527"/>
+          <a:srcRect b="27415" l="4786" r="23887" t="0"/>
           <a:stretch/>
         </p:blipFill>
         <p:spPr>
           <a:xfrm>
-            <a:off x="3583400" y="3124050"/>
-            <a:ext cx="354300" cy="135775"/>
+            <a:off x="716325" y="784025"/>
+            <a:ext cx="3935250" cy="2199125"/>
           </a:xfrm>
           <a:prstGeom prst="rect">
             <a:avLst/>
@@ -16764,12 +16105,39 @@
       </p:pic>
       <p:pic>
         <p:nvPicPr>
-          <p:cNvPr id="329" name="Google Shape;329;g2a75948b1fc_3_80"/>
+          <p:cNvPr id="296" name="Google Shape;296;g2a0c6f9b0a2_0_103"/>
+          <p:cNvPicPr preferRelativeResize="0"/>
+          <p:nvPr/>
+        </p:nvPicPr>
+        <p:blipFill rotWithShape="1">
+          <a:blip r:embed="rId5">
+            <a:alphaModFix/>
+          </a:blip>
+          <a:srcRect b="26859" l="0" r="25489" t="5705"/>
+          <a:stretch/>
+        </p:blipFill>
+        <p:spPr>
+          <a:xfrm>
+            <a:off x="4469125" y="3011250"/>
+            <a:ext cx="4040950" cy="1956025"/>
+          </a:xfrm>
+          <a:prstGeom prst="rect">
+            <a:avLst/>
+          </a:prstGeom>
+          <a:noFill/>
+          <a:ln>
+            <a:noFill/>
+          </a:ln>
+        </p:spPr>
+      </p:pic>
+      <p:pic>
+        <p:nvPicPr>
+          <p:cNvPr id="297" name="Google Shape;297;g2a0c6f9b0a2_0_103"/>
           <p:cNvPicPr preferRelativeResize="0"/>
           <p:nvPr/>
         </p:nvPicPr>
         <p:blipFill>
-          <a:blip r:embed="rId5">
+          <a:blip r:embed="rId6">
             <a:alphaModFix/>
           </a:blip>
           <a:stretch>
@@ -16778,8 +16146,170 @@
         </p:blipFill>
         <p:spPr>
           <a:xfrm>
-            <a:off x="6265975" y="3043894"/>
-            <a:ext cx="452323" cy="292125"/>
+            <a:off x="4551300" y="1311950"/>
+            <a:ext cx="183200" cy="680850"/>
+          </a:xfrm>
+          <a:prstGeom prst="rect">
+            <a:avLst/>
+          </a:prstGeom>
+          <a:noFill/>
+          <a:ln>
+            <a:noFill/>
+          </a:ln>
+        </p:spPr>
+      </p:pic>
+      <p:pic>
+        <p:nvPicPr>
+          <p:cNvPr id="298" name="Google Shape;298;g2a0c6f9b0a2_0_103"/>
+          <p:cNvPicPr preferRelativeResize="0"/>
+          <p:nvPr/>
+        </p:nvPicPr>
+        <p:blipFill rotWithShape="1">
+          <a:blip r:embed="rId7">
+            <a:alphaModFix/>
+          </a:blip>
+          <a:srcRect b="26863" l="4228" r="25288" t="4061"/>
+          <a:stretch/>
+        </p:blipFill>
+        <p:spPr>
+          <a:xfrm>
+            <a:off x="716325" y="2983150"/>
+            <a:ext cx="3834975" cy="2012250"/>
+          </a:xfrm>
+          <a:prstGeom prst="rect">
+            <a:avLst/>
+          </a:prstGeom>
+          <a:noFill/>
+          <a:ln>
+            <a:noFill/>
+          </a:ln>
+        </p:spPr>
+      </p:pic>
+      <p:pic>
+        <p:nvPicPr>
+          <p:cNvPr id="299" name="Google Shape;299;g2a0c6f9b0a2_0_103"/>
+          <p:cNvPicPr preferRelativeResize="0"/>
+          <p:nvPr/>
+        </p:nvPicPr>
+        <p:blipFill rotWithShape="1">
+          <a:blip r:embed="rId8">
+            <a:alphaModFix/>
+          </a:blip>
+          <a:srcRect b="87830" l="4717" r="78667" t="4750"/>
+          <a:stretch/>
+        </p:blipFill>
+        <p:spPr>
+          <a:xfrm>
+            <a:off x="4734500" y="3011250"/>
+            <a:ext cx="1750630" cy="193900"/>
+          </a:xfrm>
+          <a:prstGeom prst="rect">
+            <a:avLst/>
+          </a:prstGeom>
+          <a:noFill/>
+          <a:ln>
+            <a:noFill/>
+          </a:ln>
+        </p:spPr>
+      </p:pic>
+      <p:pic>
+        <p:nvPicPr>
+          <p:cNvPr id="300" name="Google Shape;300;g2a0c6f9b0a2_0_103"/>
+          <p:cNvPicPr preferRelativeResize="0"/>
+          <p:nvPr/>
+        </p:nvPicPr>
+        <p:blipFill rotWithShape="1">
+          <a:blip r:embed="rId9">
+            <a:alphaModFix/>
+          </a:blip>
+          <a:srcRect b="88177" l="4716" r="80131" t="4403"/>
+          <a:stretch/>
+        </p:blipFill>
+        <p:spPr>
+          <a:xfrm>
+            <a:off x="695463" y="3037825"/>
+            <a:ext cx="1596436" cy="193900"/>
+          </a:xfrm>
+          <a:prstGeom prst="rect">
+            <a:avLst/>
+          </a:prstGeom>
+          <a:noFill/>
+          <a:ln>
+            <a:noFill/>
+          </a:ln>
+        </p:spPr>
+      </p:pic>
+      <p:pic>
+        <p:nvPicPr>
+          <p:cNvPr id="301" name="Google Shape;301;g2a0c6f9b0a2_0_103"/>
+          <p:cNvPicPr preferRelativeResize="0"/>
+          <p:nvPr/>
+        </p:nvPicPr>
+        <p:blipFill rotWithShape="1">
+          <a:blip r:embed="rId10">
+            <a:alphaModFix/>
+          </a:blip>
+          <a:srcRect b="88044" l="4716" r="80131" t="4536"/>
+          <a:stretch/>
+        </p:blipFill>
+        <p:spPr>
+          <a:xfrm>
+            <a:off x="4651575" y="969890"/>
+            <a:ext cx="1596426" cy="193900"/>
+          </a:xfrm>
+          <a:prstGeom prst="rect">
+            <a:avLst/>
+          </a:prstGeom>
+          <a:noFill/>
+          <a:ln>
+            <a:noFill/>
+          </a:ln>
+        </p:spPr>
+      </p:pic>
+      <p:pic>
+        <p:nvPicPr>
+          <p:cNvPr id="302" name="Google Shape;302;g2a0c6f9b0a2_0_103"/>
+          <p:cNvPicPr preferRelativeResize="0"/>
+          <p:nvPr/>
+        </p:nvPicPr>
+        <p:blipFill rotWithShape="1">
+          <a:blip r:embed="rId11">
+            <a:alphaModFix/>
+          </a:blip>
+          <a:srcRect b="87830" l="4752" r="80991" t="6211"/>
+          <a:stretch/>
+        </p:blipFill>
+        <p:spPr>
+          <a:xfrm>
+            <a:off x="682013" y="982712"/>
+            <a:ext cx="1623347" cy="168275"/>
+          </a:xfrm>
+          <a:prstGeom prst="rect">
+            <a:avLst/>
+          </a:prstGeom>
+          <a:noFill/>
+          <a:ln>
+            <a:noFill/>
+          </a:ln>
+        </p:spPr>
+      </p:pic>
+      <p:pic>
+        <p:nvPicPr>
+          <p:cNvPr id="303" name="Google Shape;303;g2a0c6f9b0a2_0_103"/>
+          <p:cNvPicPr preferRelativeResize="0"/>
+          <p:nvPr/>
+        </p:nvPicPr>
+        <p:blipFill rotWithShape="1">
+          <a:blip r:embed="rId9">
+            <a:alphaModFix/>
+          </a:blip>
+          <a:srcRect b="59371" l="91665" r="461" t="20151"/>
+          <a:stretch/>
+        </p:blipFill>
+        <p:spPr>
+          <a:xfrm>
+            <a:off x="7657700" y="267425"/>
+            <a:ext cx="1165199" cy="751700"/>
           </a:xfrm>
           <a:prstGeom prst="rect">
             <a:avLst/>
@@ -16803,7 +16333,7 @@
   <p:cSld>
     <p:spTree>
       <p:nvGrpSpPr>
-        <p:cNvPr id="333" name="Shape 333"/>
+        <p:cNvPr id="307" name="Shape 307"/>
         <p:cNvGrpSpPr/>
         <p:nvPr/>
       </p:nvGrpSpPr>
@@ -16817,7 +16347,7 @@
       </p:grpSpPr>
       <p:sp>
         <p:nvSpPr>
-          <p:cNvPr id="334" name="Google Shape;334;g2a7c40ec614_0_1"/>
+          <p:cNvPr id="308" name="Google Shape;308;g2a58cb8d4e2_0_19"/>
           <p:cNvSpPr txBox="1"/>
           <p:nvPr>
             <p:ph idx="4294967295" type="title"/>
@@ -16875,7 +16405,7 @@
       </p:sp>
       <p:pic>
         <p:nvPicPr>
-          <p:cNvPr id="335" name="Google Shape;335;g2a7c40ec614_0_1"/>
+          <p:cNvPr id="309" name="Google Shape;309;g2a58cb8d4e2_0_19"/>
           <p:cNvPicPr preferRelativeResize="0"/>
           <p:nvPr/>
         </p:nvPicPr>
@@ -16883,13 +16413,13 @@
           <a:blip r:embed="rId3">
             <a:alphaModFix/>
           </a:blip>
-          <a:srcRect b="27414" l="42402" r="30468" t="17546"/>
+          <a:srcRect b="85801" l="1593" r="58378" t="0"/>
           <a:stretch/>
         </p:blipFill>
         <p:spPr>
           <a:xfrm>
-            <a:off x="7625950" y="1730200"/>
-            <a:ext cx="1260651" cy="1404475"/>
+            <a:off x="240568" y="860225"/>
+            <a:ext cx="2165436" cy="574571"/>
           </a:xfrm>
           <a:prstGeom prst="rect">
             <a:avLst/>
@@ -16900,259 +16430,36 @@
           </a:ln>
         </p:spPr>
       </p:pic>
-      <p:sp>
-        <p:nvSpPr>
-          <p:cNvPr id="336" name="Google Shape;336;g2a7c40ec614_0_1"/>
-          <p:cNvSpPr txBox="1"/>
-          <p:nvPr>
-            <p:ph idx="4294967295" type="title"/>
-          </p:nvPr>
-        </p:nvSpPr>
-        <p:spPr>
-          <a:xfrm>
-            <a:off x="7639175" y="948263"/>
-            <a:ext cx="1234200" cy="846300"/>
-          </a:xfrm>
-          <a:prstGeom prst="rect">
-            <a:avLst/>
-          </a:prstGeom>
-          <a:noFill/>
-          <a:ln>
-            <a:noFill/>
-          </a:ln>
-        </p:spPr>
-        <p:txBody>
-          <a:bodyPr anchorCtr="0" anchor="t" bIns="91425" lIns="91425" spcFirstLastPara="1" rIns="91425" wrap="square" tIns="91425">
-            <a:normAutofit/>
-          </a:bodyPr>
-          <a:lstStyle/>
-          <a:p>
-            <a:pPr indent="0" lvl="0" marL="0" rtl="0" algn="l">
-              <a:lnSpc>
-                <a:spcPct val="100000"/>
-              </a:lnSpc>
-              <a:spcBef>
-                <a:spcPts val="0"/>
-              </a:spcBef>
-              <a:spcAft>
-                <a:spcPts val="0"/>
-              </a:spcAft>
-              <a:buSzPts val="3333"/>
-              <a:buNone/>
-            </a:pPr>
-            <a:r>
-              <a:rPr lang="en" sz="700">
-                <a:latin typeface="Montserrat"/>
-                <a:ea typeface="Montserrat"/>
-                <a:cs typeface="Montserrat"/>
-                <a:sym typeface="Montserrat"/>
-              </a:rPr>
-              <a:t>Legend</a:t>
-            </a:r>
-            <a:endParaRPr sz="700">
-              <a:latin typeface="Montserrat"/>
-              <a:ea typeface="Montserrat"/>
-              <a:cs typeface="Montserrat"/>
-              <a:sym typeface="Montserrat"/>
-            </a:endParaRPr>
-          </a:p>
-          <a:p>
-            <a:pPr indent="0" lvl="0" marL="0" rtl="0" algn="l">
-              <a:lnSpc>
-                <a:spcPct val="100000"/>
-              </a:lnSpc>
-              <a:spcBef>
-                <a:spcPts val="0"/>
-              </a:spcBef>
-              <a:spcAft>
-                <a:spcPts val="0"/>
-              </a:spcAft>
-              <a:buSzPts val="3333"/>
-              <a:buNone/>
-            </a:pPr>
-            <a:r>
-              <a:rPr lang="en" sz="700">
-                <a:solidFill>
-                  <a:srgbClr val="6B76FA"/>
-                </a:solidFill>
-                <a:latin typeface="Montserrat"/>
-                <a:ea typeface="Montserrat"/>
-                <a:cs typeface="Montserrat"/>
-                <a:sym typeface="Montserrat"/>
-              </a:rPr>
-              <a:t>    </a:t>
-            </a:r>
-            <a:r>
-              <a:rPr lang="en" sz="700">
-                <a:solidFill>
-                  <a:srgbClr val="6B76FA"/>
-                </a:solidFill>
-                <a:latin typeface="Montserrat"/>
-                <a:ea typeface="Montserrat"/>
-                <a:cs typeface="Montserrat"/>
-                <a:sym typeface="Montserrat"/>
-              </a:rPr>
-              <a:t>Actual market price</a:t>
-            </a:r>
-            <a:endParaRPr sz="700">
-              <a:solidFill>
-                <a:srgbClr val="6B76FA"/>
-              </a:solidFill>
-              <a:latin typeface="Montserrat"/>
-              <a:ea typeface="Montserrat"/>
-              <a:cs typeface="Montserrat"/>
-              <a:sym typeface="Montserrat"/>
-            </a:endParaRPr>
-          </a:p>
-          <a:p>
-            <a:pPr indent="0" lvl="0" marL="0" rtl="0" algn="l">
-              <a:lnSpc>
-                <a:spcPct val="100000"/>
-              </a:lnSpc>
-              <a:spcBef>
-                <a:spcPts val="0"/>
-              </a:spcBef>
-              <a:spcAft>
-                <a:spcPts val="0"/>
-              </a:spcAft>
-              <a:buSzPts val="3333"/>
-              <a:buNone/>
-            </a:pPr>
-            <a:r>
-              <a:rPr lang="en" sz="700">
-                <a:solidFill>
-                  <a:srgbClr val="FBAC71"/>
-                </a:solidFill>
-                <a:latin typeface="Montserrat"/>
-                <a:ea typeface="Montserrat"/>
-                <a:cs typeface="Montserrat"/>
-                <a:sym typeface="Montserrat"/>
-              </a:rPr>
-              <a:t>    GBTR</a:t>
-            </a:r>
-            <a:endParaRPr sz="700">
-              <a:solidFill>
-                <a:srgbClr val="FBAC71"/>
-              </a:solidFill>
-              <a:latin typeface="Montserrat"/>
-              <a:ea typeface="Montserrat"/>
-              <a:cs typeface="Montserrat"/>
-              <a:sym typeface="Montserrat"/>
-            </a:endParaRPr>
-          </a:p>
-          <a:p>
-            <a:pPr indent="0" lvl="0" marL="0" rtl="0" algn="l">
-              <a:lnSpc>
-                <a:spcPct val="100000"/>
-              </a:lnSpc>
-              <a:spcBef>
-                <a:spcPts val="0"/>
-              </a:spcBef>
-              <a:spcAft>
-                <a:spcPts val="0"/>
-              </a:spcAft>
-              <a:buSzPts val="3333"/>
-              <a:buNone/>
-            </a:pPr>
-            <a:r>
-              <a:rPr lang="en" sz="700">
-                <a:solidFill>
-                  <a:srgbClr val="AB63FA"/>
-                </a:solidFill>
-                <a:latin typeface="Montserrat"/>
-                <a:ea typeface="Montserrat"/>
-                <a:cs typeface="Montserrat"/>
-                <a:sym typeface="Montserrat"/>
-              </a:rPr>
-              <a:t>    RF</a:t>
-            </a:r>
-            <a:endParaRPr sz="700">
-              <a:solidFill>
-                <a:srgbClr val="AB63FA"/>
-              </a:solidFill>
-              <a:latin typeface="Montserrat"/>
-              <a:ea typeface="Montserrat"/>
-              <a:cs typeface="Montserrat"/>
-              <a:sym typeface="Montserrat"/>
-            </a:endParaRPr>
-          </a:p>
-          <a:p>
-            <a:pPr indent="0" lvl="0" marL="0" rtl="0" algn="l">
-              <a:lnSpc>
-                <a:spcPct val="100000"/>
-              </a:lnSpc>
-              <a:spcBef>
-                <a:spcPts val="0"/>
-              </a:spcBef>
-              <a:spcAft>
-                <a:spcPts val="0"/>
-              </a:spcAft>
-              <a:buSzPts val="3333"/>
-              <a:buNone/>
-            </a:pPr>
-            <a:r>
-              <a:rPr lang="en" sz="700">
-                <a:solidFill>
-                  <a:srgbClr val="EF563D"/>
-                </a:solidFill>
-                <a:latin typeface="Montserrat"/>
-                <a:ea typeface="Montserrat"/>
-                <a:cs typeface="Montserrat"/>
-                <a:sym typeface="Montserrat"/>
-              </a:rPr>
-              <a:t>    LR</a:t>
-            </a:r>
-            <a:endParaRPr sz="700">
-              <a:solidFill>
-                <a:srgbClr val="EF563D"/>
-              </a:solidFill>
-              <a:latin typeface="Montserrat"/>
-              <a:ea typeface="Montserrat"/>
-              <a:cs typeface="Montserrat"/>
-              <a:sym typeface="Montserrat"/>
-            </a:endParaRPr>
-          </a:p>
-          <a:p>
-            <a:pPr indent="0" lvl="0" marL="0" rtl="0" algn="l">
-              <a:lnSpc>
-                <a:spcPct val="100000"/>
-              </a:lnSpc>
-              <a:spcBef>
-                <a:spcPts val="0"/>
-              </a:spcBef>
-              <a:spcAft>
-                <a:spcPts val="0"/>
-              </a:spcAft>
-              <a:buSzPts val="3333"/>
-              <a:buNone/>
-            </a:pPr>
-            <a:r>
-              <a:rPr lang="en" sz="700">
-                <a:solidFill>
-                  <a:srgbClr val="29D1A7"/>
-                </a:solidFill>
-                <a:latin typeface="Montserrat"/>
-                <a:ea typeface="Montserrat"/>
-                <a:cs typeface="Montserrat"/>
-                <a:sym typeface="Montserrat"/>
-              </a:rPr>
-              <a:t>    GLR</a:t>
-            </a:r>
-            <a:endParaRPr sz="700">
-              <a:solidFill>
-                <a:srgbClr val="29D1A7"/>
-              </a:solidFill>
-              <a:latin typeface="Montserrat"/>
-              <a:ea typeface="Montserrat"/>
-              <a:cs typeface="Montserrat"/>
-              <a:sym typeface="Montserrat"/>
-            </a:endParaRPr>
-          </a:p>
-        </p:txBody>
-      </p:sp>
       <p:pic>
         <p:nvPicPr>
-          <p:cNvPr id="337" name="Google Shape;337;g2a7c40ec614_0_1"/>
+          <p:cNvPr id="310" name="Google Shape;310;g2a58cb8d4e2_0_19"/>
+          <p:cNvPicPr preferRelativeResize="0"/>
+          <p:nvPr/>
+        </p:nvPicPr>
+        <p:blipFill rotWithShape="1">
+          <a:blip r:embed="rId3">
+            <a:alphaModFix/>
+          </a:blip>
+          <a:srcRect b="6616" l="1594" r="18705" t="16002"/>
+          <a:stretch/>
+        </p:blipFill>
+        <p:spPr>
+          <a:xfrm>
+            <a:off x="91600" y="1420900"/>
+            <a:ext cx="4189400" cy="3222899"/>
+          </a:xfrm>
+          <a:prstGeom prst="rect">
+            <a:avLst/>
+          </a:prstGeom>
+          <a:noFill/>
+          <a:ln>
+            <a:noFill/>
+          </a:ln>
+        </p:spPr>
+      </p:pic>
+      <p:pic>
+        <p:nvPicPr>
+          <p:cNvPr id="311" name="Google Shape;311;g2a58cb8d4e2_0_19"/>
           <p:cNvPicPr preferRelativeResize="0"/>
           <p:nvPr/>
         </p:nvPicPr>
@@ -17160,13 +16467,13 @@
           <a:blip r:embed="rId4">
             <a:alphaModFix/>
           </a:blip>
-          <a:srcRect b="0" l="0" r="3446" t="0"/>
+          <a:srcRect b="86385" l="37562" r="58255" t="3623"/>
           <a:stretch/>
         </p:blipFill>
         <p:spPr>
           <a:xfrm>
-            <a:off x="0" y="824725"/>
-            <a:ext cx="7375650" cy="2546375"/>
+            <a:off x="1997399" y="1032585"/>
+            <a:ext cx="435139" cy="362865"/>
           </a:xfrm>
           <a:prstGeom prst="rect">
             <a:avLst/>
@@ -17179,7 +16486,7 @@
       </p:pic>
       <p:pic>
         <p:nvPicPr>
-          <p:cNvPr id="338" name="Google Shape;338;g2a7c40ec614_0_1"/>
+          <p:cNvPr id="312" name="Google Shape;312;g2a58cb8d4e2_0_19"/>
           <p:cNvPicPr preferRelativeResize="0"/>
           <p:nvPr/>
         </p:nvPicPr>
@@ -17193,8 +16500,8 @@
         </p:blipFill>
         <p:spPr>
           <a:xfrm>
-            <a:off x="1891750" y="1866975"/>
-            <a:ext cx="155250" cy="529075"/>
+            <a:off x="743886" y="4404438"/>
+            <a:ext cx="530749" cy="380212"/>
           </a:xfrm>
           <a:prstGeom prst="rect">
             <a:avLst/>
@@ -17207,7 +16514,7 @@
       </p:pic>
       <p:pic>
         <p:nvPicPr>
-          <p:cNvPr id="339" name="Google Shape;339;g2a7c40ec614_0_1"/>
+          <p:cNvPr id="313" name="Google Shape;313;g2a58cb8d4e2_0_19"/>
           <p:cNvPicPr preferRelativeResize="0"/>
           <p:nvPr/>
         </p:nvPicPr>
@@ -17221,8 +16528,8 @@
         </p:blipFill>
         <p:spPr>
           <a:xfrm>
-            <a:off x="3682925" y="1866975"/>
-            <a:ext cx="155250" cy="529075"/>
+            <a:off x="1672445" y="4404438"/>
+            <a:ext cx="530749" cy="380212"/>
           </a:xfrm>
           <a:prstGeom prst="rect">
             <a:avLst/>
@@ -17235,7 +16542,7 @@
       </p:pic>
       <p:pic>
         <p:nvPicPr>
-          <p:cNvPr id="340" name="Google Shape;340;g2a7c40ec614_0_1"/>
+          <p:cNvPr id="314" name="Google Shape;314;g2a58cb8d4e2_0_19"/>
           <p:cNvPicPr preferRelativeResize="0"/>
           <p:nvPr/>
         </p:nvPicPr>
@@ -17249,8 +16556,8 @@
         </p:blipFill>
         <p:spPr>
           <a:xfrm>
-            <a:off x="5474100" y="1866975"/>
-            <a:ext cx="155250" cy="529075"/>
+            <a:off x="3572891" y="4404438"/>
+            <a:ext cx="530749" cy="380212"/>
           </a:xfrm>
           <a:prstGeom prst="rect">
             <a:avLst/>
@@ -17263,7 +16570,34 @@
       </p:pic>
       <p:pic>
         <p:nvPicPr>
-          <p:cNvPr id="341" name="Google Shape;341;g2a7c40ec614_0_1"/>
+          <p:cNvPr id="315" name="Google Shape;315;g2a58cb8d4e2_0_19"/>
+          <p:cNvPicPr preferRelativeResize="0"/>
+          <p:nvPr/>
+        </p:nvPicPr>
+        <p:blipFill rotWithShape="1">
+          <a:blip r:embed="rId3">
+            <a:alphaModFix/>
+          </a:blip>
+          <a:srcRect b="6616" l="33655" r="59921" t="88621"/>
+          <a:stretch/>
+        </p:blipFill>
+        <p:spPr>
+          <a:xfrm>
+            <a:off x="2224054" y="4445444"/>
+            <a:ext cx="337612" cy="198355"/>
+          </a:xfrm>
+          <a:prstGeom prst="rect">
+            <a:avLst/>
+          </a:prstGeom>
+          <a:noFill/>
+          <a:ln>
+            <a:noFill/>
+          </a:ln>
+        </p:spPr>
+      </p:pic>
+      <p:pic>
+        <p:nvPicPr>
+          <p:cNvPr id="316" name="Google Shape;316;g2a58cb8d4e2_0_19"/>
           <p:cNvPicPr preferRelativeResize="0"/>
           <p:nvPr/>
         </p:nvPicPr>
@@ -17277,119 +16611,8 @@
         </p:blipFill>
         <p:spPr>
           <a:xfrm>
-            <a:off x="905450" y="3043894"/>
-            <a:ext cx="452323" cy="292125"/>
-          </a:xfrm>
-          <a:prstGeom prst="rect">
-            <a:avLst/>
-          </a:prstGeom>
-          <a:noFill/>
-          <a:ln>
-            <a:noFill/>
-          </a:ln>
-        </p:spPr>
-      </p:pic>
-      <p:pic>
-        <p:nvPicPr>
-          <p:cNvPr id="342" name="Google Shape;342;g2a7c40ec614_0_1"/>
-          <p:cNvPicPr preferRelativeResize="0"/>
-          <p:nvPr/>
-        </p:nvPicPr>
-        <p:blipFill>
-          <a:blip r:embed="rId5">
-            <a:alphaModFix/>
-          </a:blip>
-          <a:stretch>
-            <a:fillRect/>
-          </a:stretch>
-        </p:blipFill>
-        <p:spPr>
-          <a:xfrm>
-            <a:off x="2684800" y="3043894"/>
-            <a:ext cx="452323" cy="292125"/>
-          </a:xfrm>
-          <a:prstGeom prst="rect">
-            <a:avLst/>
-          </a:prstGeom>
-          <a:noFill/>
-          <a:ln>
-            <a:noFill/>
-          </a:ln>
-        </p:spPr>
-      </p:pic>
-      <p:pic>
-        <p:nvPicPr>
-          <p:cNvPr id="343" name="Google Shape;343;g2a7c40ec614_0_1"/>
-          <p:cNvPicPr preferRelativeResize="0"/>
-          <p:nvPr/>
-        </p:nvPicPr>
-        <p:blipFill>
-          <a:blip r:embed="rId5">
-            <a:alphaModFix/>
-          </a:blip>
-          <a:stretch>
-            <a:fillRect/>
-          </a:stretch>
-        </p:blipFill>
-        <p:spPr>
-          <a:xfrm>
-            <a:off x="4505550" y="3043894"/>
-            <a:ext cx="452323" cy="292125"/>
-          </a:xfrm>
-          <a:prstGeom prst="rect">
-            <a:avLst/>
-          </a:prstGeom>
-          <a:noFill/>
-          <a:ln>
-            <a:noFill/>
-          </a:ln>
-        </p:spPr>
-      </p:pic>
-      <p:pic>
-        <p:nvPicPr>
-          <p:cNvPr id="344" name="Google Shape;344;g2a7c40ec614_0_1"/>
-          <p:cNvPicPr preferRelativeResize="0"/>
-          <p:nvPr/>
-        </p:nvPicPr>
-        <p:blipFill rotWithShape="1">
-          <a:blip r:embed="rId4">
-            <a:alphaModFix/>
-          </a:blip>
-          <a:srcRect b="6139" l="82912" r="12449" t="88527"/>
-          <a:stretch/>
-        </p:blipFill>
-        <p:spPr>
-          <a:xfrm>
-            <a:off x="3583400" y="3124050"/>
-            <a:ext cx="354300" cy="135775"/>
-          </a:xfrm>
-          <a:prstGeom prst="rect">
-            <a:avLst/>
-          </a:prstGeom>
-          <a:noFill/>
-          <a:ln>
-            <a:noFill/>
-          </a:ln>
-        </p:spPr>
-      </p:pic>
-      <p:pic>
-        <p:nvPicPr>
-          <p:cNvPr id="345" name="Google Shape;345;g2a7c40ec614_0_1"/>
-          <p:cNvPicPr preferRelativeResize="0"/>
-          <p:nvPr/>
-        </p:nvPicPr>
-        <p:blipFill>
-          <a:blip r:embed="rId5">
-            <a:alphaModFix/>
-          </a:blip>
-          <a:stretch>
-            <a:fillRect/>
-          </a:stretch>
-        </p:blipFill>
-        <p:spPr>
-          <a:xfrm>
-            <a:off x="6265975" y="3043894"/>
-            <a:ext cx="452323" cy="292125"/>
+            <a:off x="2654892" y="4404438"/>
+            <a:ext cx="530749" cy="380212"/>
           </a:xfrm>
           <a:prstGeom prst="rect">
             <a:avLst/>
@@ -17647,7 +16870,16 @@
                 <a:cs typeface="Montserrat"/>
                 <a:sym typeface="Montserrat"/>
               </a:rPr>
-              <a:t>Dataset</a:t>
+              <a:t>Dataset and </a:t>
+            </a:r>
+            <a:r>
+              <a:rPr b="1" lang="en" sz="1500">
+                <a:latin typeface="Montserrat"/>
+                <a:ea typeface="Montserrat"/>
+                <a:cs typeface="Montserrat"/>
+                <a:sym typeface="Montserrat"/>
+              </a:rPr>
+              <a:t>features</a:t>
             </a:r>
             <a:endParaRPr b="1" sz="1500">
               <a:latin typeface="Montserrat"/>
@@ -17812,7 +17044,7 @@
   <p:cSld>
     <p:spTree>
       <p:nvGrpSpPr>
-        <p:cNvPr id="349" name="Shape 349"/>
+        <p:cNvPr id="320" name="Shape 320"/>
         <p:cNvGrpSpPr/>
         <p:nvPr/>
       </p:nvGrpSpPr>
@@ -17826,7 +17058,7 @@
       </p:grpSpPr>
       <p:sp>
         <p:nvSpPr>
-          <p:cNvPr id="350" name="Google Shape;350;g2a0c6f9b0a2_0_109"/>
+          <p:cNvPr id="321" name="Google Shape;321;g2a8639fb0e6_0_52"/>
           <p:cNvSpPr txBox="1"/>
           <p:nvPr>
             <p:ph idx="4294967295" type="title"/>
@@ -17861,7 +17093,7 @@
               <a:spcAft>
                 <a:spcPts val="0"/>
               </a:spcAft>
-              <a:buSzPct val="119034"/>
+              <a:buSzPct val="119033"/>
               <a:buNone/>
             </a:pPr>
             <a:r>
@@ -17871,7 +17103,7 @@
                 <a:cs typeface="Montserrat"/>
                 <a:sym typeface="Montserrat"/>
               </a:rPr>
-              <a:t>Conclusions</a:t>
+              <a:t>3 - Final scores: testing phase</a:t>
             </a:r>
             <a:endParaRPr b="1">
               <a:latin typeface="Montserrat"/>
@@ -17882,491 +17114,249 @@
           </a:p>
         </p:txBody>
       </p:sp>
-      <p:sp>
-        <p:nvSpPr>
-          <p:cNvPr id="351" name="Google Shape;351;g2a0c6f9b0a2_0_109"/>
-          <p:cNvSpPr txBox="1"/>
-          <p:nvPr>
-            <p:ph idx="4294967295" type="body"/>
-          </p:nvPr>
-        </p:nvSpPr>
-        <p:spPr>
-          <a:xfrm>
-            <a:off x="311700" y="945300"/>
-            <a:ext cx="8520600" cy="4048200"/>
-          </a:xfrm>
-          <a:prstGeom prst="rect">
-            <a:avLst/>
-          </a:prstGeom>
-          <a:noFill/>
-          <a:ln>
-            <a:noFill/>
-          </a:ln>
-        </p:spPr>
-        <p:txBody>
-          <a:bodyPr anchorCtr="0" anchor="t" bIns="91425" lIns="91425" spcFirstLastPara="1" rIns="91425" wrap="square" tIns="91425">
-            <a:noAutofit/>
-          </a:bodyPr>
-          <a:lstStyle/>
-          <a:p>
-            <a:pPr indent="-323850" lvl="0" marL="457200" rtl="0" algn="l">
-              <a:spcBef>
-                <a:spcPts val="0"/>
-              </a:spcBef>
-              <a:spcAft>
-                <a:spcPts val="0"/>
-              </a:spcAft>
-              <a:buSzPts val="1500"/>
-              <a:buFont typeface="Montserrat"/>
-              <a:buChar char="●"/>
-            </a:pPr>
-            <a:r>
-              <a:rPr b="1" lang="en" sz="1500">
-                <a:latin typeface="Montserrat"/>
-                <a:ea typeface="Montserrat"/>
-                <a:cs typeface="Montserrat"/>
-                <a:sym typeface="Montserrat"/>
-              </a:rPr>
-              <a:t>Splitting method</a:t>
-            </a:r>
-            <a:endParaRPr b="1" sz="1500">
-              <a:latin typeface="Montserrat"/>
-              <a:ea typeface="Montserrat"/>
-              <a:cs typeface="Montserrat"/>
-              <a:sym typeface="Montserrat"/>
-            </a:endParaRPr>
-          </a:p>
-          <a:p>
-            <a:pPr indent="-323850" lvl="1" marL="914400" rtl="0" algn="l">
-              <a:spcBef>
-                <a:spcPts val="0"/>
-              </a:spcBef>
-              <a:spcAft>
-                <a:spcPts val="0"/>
-              </a:spcAft>
-              <a:buSzPts val="1500"/>
-              <a:buFont typeface="Montserrat"/>
-              <a:buChar char="○"/>
-            </a:pPr>
-            <a:r>
-              <a:rPr lang="en" sz="1500">
-                <a:latin typeface="Montserrat"/>
-                <a:ea typeface="Montserrat"/>
-                <a:cs typeface="Montserrat"/>
-                <a:sym typeface="Montserrat"/>
-              </a:rPr>
-              <a:t>Better those that consider a shorter period (e.g. Single Split).</a:t>
-            </a:r>
-            <a:endParaRPr sz="1500">
-              <a:latin typeface="Montserrat"/>
-              <a:ea typeface="Montserrat"/>
-              <a:cs typeface="Montserrat"/>
-              <a:sym typeface="Montserrat"/>
-            </a:endParaRPr>
-          </a:p>
-          <a:p>
-            <a:pPr indent="-323850" lvl="0" marL="457200" rtl="0" algn="l">
-              <a:spcBef>
-                <a:spcPts val="0"/>
-              </a:spcBef>
-              <a:spcAft>
-                <a:spcPts val="0"/>
-              </a:spcAft>
-              <a:buSzPts val="1500"/>
-              <a:buFont typeface="Montserrat"/>
-              <a:buChar char="●"/>
-            </a:pPr>
-            <a:r>
-              <a:rPr b="1" lang="en" sz="1500">
-                <a:latin typeface="Montserrat"/>
-                <a:ea typeface="Montserrat"/>
-                <a:cs typeface="Montserrat"/>
-                <a:sym typeface="Montserrat"/>
-              </a:rPr>
-              <a:t>Features</a:t>
-            </a:r>
-            <a:endParaRPr sz="1500">
-              <a:latin typeface="Montserrat"/>
-              <a:ea typeface="Montserrat"/>
-              <a:cs typeface="Montserrat"/>
-              <a:sym typeface="Montserrat"/>
-            </a:endParaRPr>
-          </a:p>
-          <a:p>
-            <a:pPr indent="-323850" lvl="1" marL="914400" rtl="0" algn="l">
-              <a:spcBef>
-                <a:spcPts val="0"/>
-              </a:spcBef>
-              <a:spcAft>
-                <a:spcPts val="0"/>
-              </a:spcAft>
-              <a:buSzPts val="1500"/>
-              <a:buFont typeface="Montserrat"/>
-              <a:buChar char="○"/>
-            </a:pPr>
-            <a:r>
-              <a:rPr lang="en" sz="1500">
-                <a:latin typeface="Montserrat"/>
-                <a:ea typeface="Montserrat"/>
-                <a:cs typeface="Montserrat"/>
-                <a:sym typeface="Montserrat"/>
-              </a:rPr>
-              <a:t>Depend on the type of model</a:t>
-            </a:r>
-            <a:endParaRPr sz="1500">
-              <a:latin typeface="Montserrat"/>
-              <a:ea typeface="Montserrat"/>
-              <a:cs typeface="Montserrat"/>
-              <a:sym typeface="Montserrat"/>
-            </a:endParaRPr>
-          </a:p>
-          <a:p>
-            <a:pPr indent="-323850" lvl="1" marL="914400" rtl="0" algn="l">
-              <a:spcBef>
-                <a:spcPts val="0"/>
-              </a:spcBef>
-              <a:spcAft>
-                <a:spcPts val="0"/>
-              </a:spcAft>
-              <a:buSzPts val="1500"/>
-              <a:buFont typeface="Montserrat"/>
-              <a:buChar char="○"/>
-            </a:pPr>
-            <a:r>
-              <a:rPr lang="en" sz="1500">
-                <a:latin typeface="Montserrat"/>
-                <a:ea typeface="Montserrat"/>
-                <a:cs typeface="Montserrat"/>
-                <a:sym typeface="Montserrat"/>
-              </a:rPr>
-              <a:t>In general: </a:t>
-            </a:r>
-            <a:r>
-              <a:rPr lang="en" sz="1500">
-                <a:latin typeface="Montserrat"/>
-                <a:ea typeface="Montserrat"/>
-                <a:cs typeface="Montserrat"/>
-                <a:sym typeface="Montserrat"/>
-              </a:rPr>
-              <a:t> blockchain-related features brought slight improvements</a:t>
-            </a:r>
-            <a:endParaRPr sz="1500">
-              <a:latin typeface="Montserrat"/>
-              <a:ea typeface="Montserrat"/>
-              <a:cs typeface="Montserrat"/>
-              <a:sym typeface="Montserrat"/>
-            </a:endParaRPr>
-          </a:p>
-          <a:p>
-            <a:pPr indent="-323850" lvl="0" marL="457200" rtl="0" algn="l">
-              <a:spcBef>
-                <a:spcPts val="0"/>
-              </a:spcBef>
-              <a:spcAft>
-                <a:spcPts val="0"/>
-              </a:spcAft>
-              <a:buSzPts val="1500"/>
-              <a:buFont typeface="Montserrat"/>
-              <a:buChar char="●"/>
-            </a:pPr>
-            <a:r>
-              <a:rPr b="1" lang="en" sz="1500">
-                <a:latin typeface="Montserrat"/>
-                <a:ea typeface="Montserrat"/>
-                <a:cs typeface="Montserrat"/>
-                <a:sym typeface="Montserrat"/>
-              </a:rPr>
-              <a:t>Models</a:t>
-            </a:r>
-            <a:endParaRPr b="1" sz="1500">
-              <a:latin typeface="Montserrat"/>
-              <a:ea typeface="Montserrat"/>
-              <a:cs typeface="Montserrat"/>
-              <a:sym typeface="Montserrat"/>
-            </a:endParaRPr>
-          </a:p>
-          <a:p>
-            <a:pPr indent="-323850" lvl="1" marL="914400" rtl="0" algn="l">
-              <a:spcBef>
-                <a:spcPts val="0"/>
-              </a:spcBef>
-              <a:spcAft>
-                <a:spcPts val="0"/>
-              </a:spcAft>
-              <a:buSzPts val="1500"/>
-              <a:buFont typeface="Montserrat"/>
-              <a:buChar char="○"/>
-            </a:pPr>
-            <a:r>
-              <a:rPr lang="en" sz="1500">
-                <a:latin typeface="Montserrat"/>
-                <a:ea typeface="Montserrat"/>
-                <a:cs typeface="Montserrat"/>
-                <a:sym typeface="Montserrat"/>
-              </a:rPr>
-              <a:t>Better in the s</a:t>
-            </a:r>
-            <a:r>
-              <a:rPr lang="en" sz="1500">
-                <a:latin typeface="Montserrat"/>
-                <a:ea typeface="Montserrat"/>
-                <a:cs typeface="Montserrat"/>
-                <a:sym typeface="Montserrat"/>
-              </a:rPr>
-              <a:t>hort-medium term (especially tree-based models)</a:t>
-            </a:r>
-            <a:endParaRPr sz="1500">
-              <a:latin typeface="Montserrat"/>
-              <a:ea typeface="Montserrat"/>
-              <a:cs typeface="Montserrat"/>
-              <a:sym typeface="Montserrat"/>
-            </a:endParaRPr>
-          </a:p>
-          <a:p>
-            <a:pPr indent="-323850" lvl="1" marL="914400" rtl="0" algn="l">
-              <a:spcBef>
-                <a:spcPts val="0"/>
-              </a:spcBef>
-              <a:spcAft>
-                <a:spcPts val="0"/>
-              </a:spcAft>
-              <a:buSzPts val="1500"/>
-              <a:buFont typeface="Montserrat"/>
-              <a:buChar char="○"/>
-            </a:pPr>
-            <a:r>
-              <a:rPr lang="en" sz="1500">
-                <a:latin typeface="Montserrat"/>
-                <a:ea typeface="Montserrat"/>
-                <a:cs typeface="Montserrat"/>
-                <a:sym typeface="Montserrat"/>
-              </a:rPr>
-              <a:t>performance begins to degrade (as time period increase)</a:t>
-            </a:r>
-            <a:endParaRPr sz="1500">
-              <a:latin typeface="Montserrat"/>
-              <a:ea typeface="Montserrat"/>
-              <a:cs typeface="Montserrat"/>
-              <a:sym typeface="Montserrat"/>
-            </a:endParaRPr>
-          </a:p>
-          <a:p>
-            <a:pPr indent="-323850" lvl="0" marL="457200" rtl="0" algn="l">
-              <a:spcBef>
-                <a:spcPts val="0"/>
-              </a:spcBef>
-              <a:spcAft>
-                <a:spcPts val="0"/>
-              </a:spcAft>
-              <a:buSzPts val="1500"/>
-              <a:buFont typeface="Montserrat"/>
-              <a:buChar char="●"/>
-            </a:pPr>
-            <a:r>
-              <a:rPr b="1" lang="en" sz="1500">
-                <a:latin typeface="Montserrat"/>
-                <a:ea typeface="Montserrat"/>
-                <a:cs typeface="Montserrat"/>
-                <a:sym typeface="Montserrat"/>
-              </a:rPr>
-              <a:t>Answer to the initial question</a:t>
-            </a:r>
-            <a:endParaRPr b="1" sz="1500">
-              <a:latin typeface="Montserrat"/>
-              <a:ea typeface="Montserrat"/>
-              <a:cs typeface="Montserrat"/>
-              <a:sym typeface="Montserrat"/>
-            </a:endParaRPr>
-          </a:p>
-          <a:p>
-            <a:pPr indent="-323850" lvl="1" marL="914400" rtl="0" algn="l">
-              <a:spcBef>
-                <a:spcPts val="0"/>
-              </a:spcBef>
-              <a:spcAft>
-                <a:spcPts val="0"/>
-              </a:spcAft>
-              <a:buSzPts val="1500"/>
-              <a:buFont typeface="Montserrat"/>
-              <a:buChar char="○"/>
-            </a:pPr>
-            <a:r>
-              <a:rPr b="1" lang="en" sz="1500">
-                <a:latin typeface="Montserrat"/>
-                <a:ea typeface="Montserrat"/>
-                <a:cs typeface="Montserrat"/>
-                <a:sym typeface="Montserrat"/>
-              </a:rPr>
-              <a:t>Yes</a:t>
-            </a:r>
-            <a:r>
-              <a:rPr lang="en" sz="1500">
-                <a:latin typeface="Montserrat"/>
-                <a:ea typeface="Montserrat"/>
-                <a:cs typeface="Montserrat"/>
-                <a:sym typeface="Montserrat"/>
-              </a:rPr>
-              <a:t> (at least as far as the trend is concerned)</a:t>
-            </a:r>
-            <a:endParaRPr sz="1500">
-              <a:latin typeface="Montserrat"/>
-              <a:ea typeface="Montserrat"/>
-              <a:cs typeface="Montserrat"/>
-              <a:sym typeface="Montserrat"/>
-            </a:endParaRPr>
-          </a:p>
-          <a:p>
-            <a:pPr indent="-323850" lvl="1" marL="914400" rtl="0" algn="l">
-              <a:spcBef>
-                <a:spcPts val="0"/>
-              </a:spcBef>
-              <a:spcAft>
-                <a:spcPts val="0"/>
-              </a:spcAft>
-              <a:buSzPts val="1500"/>
-              <a:buFont typeface="Montserrat"/>
-              <a:buChar char="○"/>
-            </a:pPr>
-            <a:r>
-              <a:rPr lang="en" sz="1500">
-                <a:latin typeface="Montserrat"/>
-                <a:ea typeface="Montserrat"/>
-                <a:cs typeface="Montserrat"/>
-                <a:sym typeface="Montserrat"/>
-              </a:rPr>
-              <a:t>If we consider a narrow forecast period</a:t>
-            </a:r>
-            <a:endParaRPr sz="1500">
-              <a:latin typeface="Montserrat"/>
-              <a:ea typeface="Montserrat"/>
-              <a:cs typeface="Montserrat"/>
-              <a:sym typeface="Montserrat"/>
-            </a:endParaRPr>
-          </a:p>
-          <a:p>
-            <a:pPr indent="0" lvl="0" marL="457200" rtl="0" algn="l">
-              <a:lnSpc>
-                <a:spcPct val="115000"/>
-              </a:lnSpc>
-              <a:spcBef>
-                <a:spcPts val="0"/>
-              </a:spcBef>
-              <a:spcAft>
-                <a:spcPts val="0"/>
-              </a:spcAft>
-              <a:buNone/>
-            </a:pPr>
-            <a:r>
-              <a:rPr b="1" lang="en" sz="1500">
-                <a:latin typeface="Montserrat"/>
-                <a:ea typeface="Montserrat"/>
-                <a:cs typeface="Montserrat"/>
-                <a:sym typeface="Montserrat"/>
-              </a:rPr>
-              <a:t>Future developments</a:t>
-            </a:r>
-            <a:endParaRPr b="1" sz="1500">
-              <a:latin typeface="Montserrat"/>
-              <a:ea typeface="Montserrat"/>
-              <a:cs typeface="Montserrat"/>
-              <a:sym typeface="Montserrat"/>
-            </a:endParaRPr>
-          </a:p>
-          <a:p>
-            <a:pPr indent="-323850" lvl="1" marL="914400" rtl="0" algn="l">
-              <a:lnSpc>
-                <a:spcPct val="115000"/>
-              </a:lnSpc>
-              <a:spcBef>
-                <a:spcPts val="0"/>
-              </a:spcBef>
-              <a:spcAft>
-                <a:spcPts val="0"/>
-              </a:spcAft>
-              <a:buSzPts val="1500"/>
-              <a:buFont typeface="Montserrat"/>
-              <a:buChar char="○"/>
-            </a:pPr>
-            <a:r>
-              <a:rPr lang="en" sz="1500">
-                <a:latin typeface="Montserrat"/>
-                <a:ea typeface="Montserrat"/>
-                <a:cs typeface="Montserrat"/>
-                <a:sym typeface="Montserrat"/>
-              </a:rPr>
-              <a:t>Create a sliding window on features (additional historical data can be used)</a:t>
-            </a:r>
-            <a:endParaRPr sz="1500">
-              <a:latin typeface="Montserrat"/>
-              <a:ea typeface="Montserrat"/>
-              <a:cs typeface="Montserrat"/>
-              <a:sym typeface="Montserrat"/>
-            </a:endParaRPr>
-          </a:p>
-          <a:p>
-            <a:pPr indent="-323850" lvl="1" marL="914400" rtl="0" algn="l">
-              <a:lnSpc>
-                <a:spcPct val="115000"/>
-              </a:lnSpc>
-              <a:spcBef>
-                <a:spcPts val="0"/>
-              </a:spcBef>
-              <a:spcAft>
-                <a:spcPts val="0"/>
-              </a:spcAft>
-              <a:buSzPts val="1500"/>
-              <a:buFont typeface="Montserrat"/>
-              <a:buChar char="○"/>
-            </a:pPr>
-            <a:r>
-              <a:rPr lang="en" sz="1500">
-                <a:latin typeface="Montserrat"/>
-                <a:ea typeface="Montserrat"/>
-                <a:cs typeface="Montserrat"/>
-                <a:sym typeface="Montserrat"/>
-              </a:rPr>
-              <a:t>Using deep learning approaches such as CNNs (e.g. LSTM, ARIMA...) </a:t>
-            </a:r>
-            <a:endParaRPr sz="1500">
-              <a:latin typeface="Montserrat"/>
-              <a:ea typeface="Montserrat"/>
-              <a:cs typeface="Montserrat"/>
-              <a:sym typeface="Montserrat"/>
-            </a:endParaRPr>
-          </a:p>
-          <a:p>
-            <a:pPr indent="-323850" lvl="1" marL="914400" rtl="0" algn="l">
-              <a:lnSpc>
-                <a:spcPct val="115000"/>
-              </a:lnSpc>
-              <a:spcBef>
-                <a:spcPts val="0"/>
-              </a:spcBef>
-              <a:spcAft>
-                <a:spcPts val="0"/>
-              </a:spcAft>
-              <a:buSzPts val="1500"/>
-              <a:buFont typeface="Montserrat"/>
-              <a:buChar char="○"/>
-            </a:pPr>
-            <a:r>
-              <a:rPr lang="en" sz="1500">
-                <a:latin typeface="Montserrat"/>
-                <a:ea typeface="Montserrat"/>
-                <a:cs typeface="Montserrat"/>
-                <a:sym typeface="Montserrat"/>
-              </a:rPr>
-              <a:t>Implementing Transformer models that exploit self-attention</a:t>
-            </a:r>
-            <a:endParaRPr sz="1500">
-              <a:latin typeface="Montserrat"/>
-              <a:ea typeface="Montserrat"/>
-              <a:cs typeface="Montserrat"/>
-              <a:sym typeface="Montserrat"/>
-            </a:endParaRPr>
-          </a:p>
-        </p:txBody>
-      </p:sp>
+      <p:pic>
+        <p:nvPicPr>
+          <p:cNvPr id="322" name="Google Shape;322;g2a8639fb0e6_0_52"/>
+          <p:cNvPicPr preferRelativeResize="0"/>
+          <p:nvPr/>
+        </p:nvPicPr>
+        <p:blipFill rotWithShape="1">
+          <a:blip r:embed="rId3">
+            <a:alphaModFix/>
+          </a:blip>
+          <a:srcRect b="86192" l="4519" r="74604" t="0"/>
+          <a:stretch/>
+        </p:blipFill>
+        <p:spPr>
+          <a:xfrm>
+            <a:off x="186124" y="804325"/>
+            <a:ext cx="3007949" cy="489576"/>
+          </a:xfrm>
+          <a:prstGeom prst="rect">
+            <a:avLst/>
+          </a:prstGeom>
+          <a:noFill/>
+          <a:ln>
+            <a:noFill/>
+          </a:ln>
+        </p:spPr>
+      </p:pic>
+      <p:pic>
+        <p:nvPicPr>
+          <p:cNvPr id="323" name="Google Shape;323;g2a8639fb0e6_0_52"/>
+          <p:cNvPicPr preferRelativeResize="0"/>
+          <p:nvPr/>
+        </p:nvPicPr>
+        <p:blipFill rotWithShape="1">
+          <a:blip r:embed="rId3">
+            <a:alphaModFix/>
+          </a:blip>
+          <a:srcRect b="7002" l="25502" r="52636" t="14578"/>
+          <a:stretch/>
+        </p:blipFill>
+        <p:spPr>
+          <a:xfrm>
+            <a:off x="2481075" y="1215550"/>
+            <a:ext cx="2134001" cy="1883834"/>
+          </a:xfrm>
+          <a:prstGeom prst="rect">
+            <a:avLst/>
+          </a:prstGeom>
+          <a:noFill/>
+          <a:ln>
+            <a:noFill/>
+          </a:ln>
+        </p:spPr>
+      </p:pic>
+      <p:pic>
+        <p:nvPicPr>
+          <p:cNvPr id="324" name="Google Shape;324;g2a8639fb0e6_0_52"/>
+          <p:cNvPicPr preferRelativeResize="0"/>
+          <p:nvPr/>
+        </p:nvPicPr>
+        <p:blipFill rotWithShape="1">
+          <a:blip r:embed="rId3">
+            <a:alphaModFix/>
+          </a:blip>
+          <a:srcRect b="5722" l="813" r="74604" t="14792"/>
+          <a:stretch/>
+        </p:blipFill>
+        <p:spPr>
+          <a:xfrm>
+            <a:off x="78350" y="1247075"/>
+            <a:ext cx="2370299" cy="1886175"/>
+          </a:xfrm>
+          <a:prstGeom prst="rect">
+            <a:avLst/>
+          </a:prstGeom>
+          <a:noFill/>
+          <a:ln>
+            <a:noFill/>
+          </a:ln>
+        </p:spPr>
+      </p:pic>
+      <p:pic>
+        <p:nvPicPr>
+          <p:cNvPr id="325" name="Google Shape;325;g2a8639fb0e6_0_52"/>
+          <p:cNvPicPr preferRelativeResize="0"/>
+          <p:nvPr/>
+        </p:nvPicPr>
+        <p:blipFill rotWithShape="1">
+          <a:blip r:embed="rId3">
+            <a:alphaModFix/>
+          </a:blip>
+          <a:srcRect b="5063" l="47972" r="30167" t="14570"/>
+          <a:stretch/>
+        </p:blipFill>
+        <p:spPr>
+          <a:xfrm>
+            <a:off x="4708400" y="1200263"/>
+            <a:ext cx="2134011" cy="1930766"/>
+          </a:xfrm>
+          <a:prstGeom prst="rect">
+            <a:avLst/>
+          </a:prstGeom>
+          <a:noFill/>
+          <a:ln>
+            <a:noFill/>
+          </a:ln>
+        </p:spPr>
+      </p:pic>
+      <p:pic>
+        <p:nvPicPr>
+          <p:cNvPr id="326" name="Google Shape;326;g2a8639fb0e6_0_52"/>
+          <p:cNvPicPr preferRelativeResize="0"/>
+          <p:nvPr/>
+        </p:nvPicPr>
+        <p:blipFill rotWithShape="1">
+          <a:blip r:embed="rId3">
+            <a:alphaModFix/>
+          </a:blip>
+          <a:srcRect b="4407" l="70534" r="7605" t="14575"/>
+          <a:stretch/>
+        </p:blipFill>
+        <p:spPr>
+          <a:xfrm>
+            <a:off x="6941200" y="1183888"/>
+            <a:ext cx="2134001" cy="1946466"/>
+          </a:xfrm>
+          <a:prstGeom prst="rect">
+            <a:avLst/>
+          </a:prstGeom>
+          <a:noFill/>
+          <a:ln>
+            <a:noFill/>
+          </a:ln>
+        </p:spPr>
+      </p:pic>
+      <p:pic>
+        <p:nvPicPr>
+          <p:cNvPr id="327" name="Google Shape;327;g2a8639fb0e6_0_52"/>
+          <p:cNvPicPr preferRelativeResize="0"/>
+          <p:nvPr/>
+        </p:nvPicPr>
+        <p:blipFill rotWithShape="1">
+          <a:blip r:embed="rId3">
+            <a:alphaModFix/>
+          </a:blip>
+          <a:srcRect b="13730" l="2285" r="96265" t="18260"/>
+          <a:stretch/>
+        </p:blipFill>
+        <p:spPr>
+          <a:xfrm>
+            <a:off x="2384774" y="1298025"/>
+            <a:ext cx="142828" cy="1650025"/>
+          </a:xfrm>
+          <a:prstGeom prst="rect">
+            <a:avLst/>
+          </a:prstGeom>
+          <a:noFill/>
+          <a:ln>
+            <a:noFill/>
+          </a:ln>
+        </p:spPr>
+      </p:pic>
+      <p:pic>
+        <p:nvPicPr>
+          <p:cNvPr id="328" name="Google Shape;328;g2a8639fb0e6_0_52"/>
+          <p:cNvPicPr preferRelativeResize="0"/>
+          <p:nvPr/>
+        </p:nvPicPr>
+        <p:blipFill rotWithShape="1">
+          <a:blip r:embed="rId3">
+            <a:alphaModFix/>
+          </a:blip>
+          <a:srcRect b="13730" l="2285" r="96265" t="18260"/>
+          <a:stretch/>
+        </p:blipFill>
+        <p:spPr>
+          <a:xfrm>
+            <a:off x="6824624" y="1265850"/>
+            <a:ext cx="142828" cy="1650025"/>
+          </a:xfrm>
+          <a:prstGeom prst="rect">
+            <a:avLst/>
+          </a:prstGeom>
+          <a:noFill/>
+          <a:ln>
+            <a:noFill/>
+          </a:ln>
+        </p:spPr>
+      </p:pic>
+      <p:pic>
+        <p:nvPicPr>
+          <p:cNvPr id="329" name="Google Shape;329;g2a8639fb0e6_0_52"/>
+          <p:cNvPicPr preferRelativeResize="0"/>
+          <p:nvPr/>
+        </p:nvPicPr>
+        <p:blipFill rotWithShape="1">
+          <a:blip r:embed="rId3">
+            <a:alphaModFix/>
+          </a:blip>
+          <a:srcRect b="13730" l="2272" r="96265" t="18260"/>
+          <a:stretch/>
+        </p:blipFill>
+        <p:spPr>
+          <a:xfrm>
+            <a:off x="4607574" y="1291925"/>
+            <a:ext cx="142828" cy="1635625"/>
+          </a:xfrm>
+          <a:prstGeom prst="rect">
+            <a:avLst/>
+          </a:prstGeom>
+          <a:noFill/>
+          <a:ln>
+            <a:noFill/>
+          </a:ln>
+        </p:spPr>
+      </p:pic>
+      <p:pic>
+        <p:nvPicPr>
+          <p:cNvPr id="330" name="Google Shape;330;g2a8639fb0e6_0_52"/>
+          <p:cNvPicPr preferRelativeResize="0"/>
+          <p:nvPr/>
+        </p:nvPicPr>
+        <p:blipFill rotWithShape="1">
+          <a:blip r:embed="rId4">
+            <a:alphaModFix/>
+          </a:blip>
+          <a:srcRect b="86385" l="37562" r="58255" t="3623"/>
+          <a:stretch/>
+        </p:blipFill>
+        <p:spPr>
+          <a:xfrm>
+            <a:off x="1507425" y="914375"/>
+            <a:ext cx="442747" cy="352550"/>
+          </a:xfrm>
+          <a:prstGeom prst="rect">
+            <a:avLst/>
+          </a:prstGeom>
+          <a:noFill/>
+          <a:ln>
+            <a:noFill/>
+          </a:ln>
+        </p:spPr>
+      </p:pic>
     </p:spTree>
   </p:cSld>
   <p:clrMapOvr>
@@ -18378,16 +17368,9 @@
 <file path=ppt/slides/slide31.xml><?xml version="1.0" encoding="utf-8"?>
 <p:sld xmlns:a="http://schemas.openxmlformats.org/drawingml/2006/main" xmlns:r="http://schemas.openxmlformats.org/officeDocument/2006/relationships" xmlns:mc="http://schemas.openxmlformats.org/markup-compatibility/2006" xmlns:mv="urn:schemas-microsoft-com:mac:vml" xmlns:p="http://schemas.openxmlformats.org/presentationml/2006/main" xmlns:c="http://schemas.openxmlformats.org/drawingml/2006/chart" xmlns:dgm="http://schemas.openxmlformats.org/drawingml/2006/diagram" xmlns:o="urn:schemas-microsoft-com:office:office" xmlns:v="urn:schemas-microsoft-com:vml" xmlns:pvml="urn:schemas-microsoft-com:office:powerpoint" xmlns:com="http://schemas.openxmlformats.org/drawingml/2006/compatibility" xmlns:p14="http://schemas.microsoft.com/office/powerpoint/2010/main" xmlns:p15="http://schemas.microsoft.com/office/powerpoint/2012/main" xmlns:ahyp="http://schemas.microsoft.com/office/drawing/2018/hyperlinkcolor">
   <p:cSld>
-    <p:bg>
-      <p:bgPr>
-        <a:solidFill>
-          <a:schemeClr val="lt1"/>
-        </a:solidFill>
-      </p:bgPr>
-    </p:bg>
     <p:spTree>
       <p:nvGrpSpPr>
-        <p:cNvPr id="355" name="Shape 355"/>
+        <p:cNvPr id="334" name="Shape 334"/>
         <p:cNvGrpSpPr/>
         <p:nvPr/>
       </p:nvGrpSpPr>
@@ -18401,14 +17384,16 @@
       </p:grpSpPr>
       <p:sp>
         <p:nvSpPr>
-          <p:cNvPr id="356" name="Google Shape;356;g26e1760ff98_1_133"/>
+          <p:cNvPr id="335" name="Google Shape;335;g2a75948b1fc_3_80"/>
           <p:cNvSpPr txBox="1"/>
-          <p:nvPr/>
+          <p:nvPr>
+            <p:ph idx="4294967295" type="title"/>
+          </p:nvPr>
         </p:nvSpPr>
         <p:spPr>
           <a:xfrm>
-            <a:off x="3029325" y="626400"/>
-            <a:ext cx="5221200" cy="553800"/>
+            <a:off x="719525" y="267425"/>
+            <a:ext cx="7038900" cy="592800"/>
           </a:xfrm>
           <a:prstGeom prst="rect">
             <a:avLst/>
@@ -18419,12 +17404,12 @@
           </a:ln>
         </p:spPr>
         <p:txBody>
-          <a:bodyPr anchorCtr="0" anchor="t" bIns="45700" lIns="91425" spcFirstLastPara="1" rIns="91425" wrap="square" tIns="45700">
-            <a:noAutofit/>
+          <a:bodyPr anchorCtr="0" anchor="t" bIns="91425" lIns="91425" spcFirstLastPara="1" rIns="91425" wrap="square" tIns="91425">
+            <a:normAutofit fontScale="90000"/>
           </a:bodyPr>
           <a:lstStyle/>
           <a:p>
-            <a:pPr indent="0" lvl="0" marL="0" marR="0" rtl="0" algn="l">
+            <a:pPr indent="0" lvl="0" marL="0" rtl="0" algn="l">
               <a:lnSpc>
                 <a:spcPct val="100000"/>
               </a:lnSpc>
@@ -18434,29 +17419,19 @@
               <a:spcAft>
                 <a:spcPts val="0"/>
               </a:spcAft>
-              <a:buClr>
-                <a:srgbClr val="000000"/>
-              </a:buClr>
-              <a:buSzPts val="3000"/>
-              <a:buFont typeface="Arial"/>
-              <a:buNone/>
-            </a:pPr>
-            <a:r>
-              <a:rPr b="1" i="0" lang="en" sz="3000" u="none" cap="none" strike="noStrike">
-                <a:solidFill>
-                  <a:schemeClr val="dk1"/>
-                </a:solidFill>
+              <a:buSzPct val="119033"/>
+              <a:buNone/>
+            </a:pPr>
+            <a:r>
+              <a:rPr b="1" lang="en">
                 <a:latin typeface="Montserrat"/>
                 <a:ea typeface="Montserrat"/>
                 <a:cs typeface="Montserrat"/>
                 <a:sym typeface="Montserrat"/>
               </a:rPr>
-              <a:t>Thanks for the attention!</a:t>
-            </a:r>
-            <a:endParaRPr i="0" sz="4300" u="none" cap="none" strike="noStrike">
-              <a:solidFill>
-                <a:schemeClr val="dk1"/>
-              </a:solidFill>
+              <a:t>3 - Final scores: testing phase</a:t>
+            </a:r>
+            <a:endParaRPr b="1">
               <a:latin typeface="Montserrat"/>
               <a:ea typeface="Montserrat"/>
               <a:cs typeface="Montserrat"/>
@@ -18467,21 +17442,22 @@
       </p:sp>
       <p:pic>
         <p:nvPicPr>
-          <p:cNvPr id="357" name="Google Shape;357;g26e1760ff98_1_133"/>
+          <p:cNvPr id="336" name="Google Shape;336;g2a75948b1fc_3_80"/>
           <p:cNvPicPr preferRelativeResize="0"/>
           <p:nvPr/>
         </p:nvPicPr>
-        <p:blipFill rotWithShape="1">
+        <p:blipFill>
           <a:blip r:embed="rId3">
             <a:alphaModFix/>
           </a:blip>
-          <a:srcRect b="0" l="0" r="0" t="0"/>
-          <a:stretch/>
+          <a:stretch>
+            <a:fillRect/>
+          </a:stretch>
         </p:blipFill>
         <p:spPr>
           <a:xfrm>
-            <a:off x="3452275" y="1642088"/>
-            <a:ext cx="1910100" cy="1910100"/>
+            <a:off x="0" y="824725"/>
+            <a:ext cx="7639174" cy="2546375"/>
           </a:xfrm>
           <a:prstGeom prst="rect">
             <a:avLst/>
@@ -18494,7 +17470,7 @@
       </p:pic>
       <p:pic>
         <p:nvPicPr>
-          <p:cNvPr id="358" name="Google Shape;358;g26e1760ff98_1_133"/>
+          <p:cNvPr id="337" name="Google Shape;337;g2a75948b1fc_3_80"/>
           <p:cNvPicPr preferRelativeResize="0"/>
           <p:nvPr/>
         </p:nvPicPr>
@@ -18508,8 +17484,8 @@
         </p:blipFill>
         <p:spPr>
           <a:xfrm>
-            <a:off x="6265978" y="2006500"/>
-            <a:ext cx="1181299" cy="1181299"/>
+            <a:off x="1891750" y="1866975"/>
+            <a:ext cx="155250" cy="529075"/>
           </a:xfrm>
           <a:prstGeom prst="rect">
             <a:avLst/>
@@ -18520,16 +17496,238 @@
           </a:ln>
         </p:spPr>
       </p:pic>
+      <p:pic>
+        <p:nvPicPr>
+          <p:cNvPr id="338" name="Google Shape;338;g2a75948b1fc_3_80"/>
+          <p:cNvPicPr preferRelativeResize="0"/>
+          <p:nvPr/>
+        </p:nvPicPr>
+        <p:blipFill>
+          <a:blip r:embed="rId4">
+            <a:alphaModFix/>
+          </a:blip>
+          <a:stretch>
+            <a:fillRect/>
+          </a:stretch>
+        </p:blipFill>
+        <p:spPr>
+          <a:xfrm>
+            <a:off x="3682925" y="1866975"/>
+            <a:ext cx="155250" cy="529075"/>
+          </a:xfrm>
+          <a:prstGeom prst="rect">
+            <a:avLst/>
+          </a:prstGeom>
+          <a:noFill/>
+          <a:ln>
+            <a:noFill/>
+          </a:ln>
+        </p:spPr>
+      </p:pic>
+      <p:pic>
+        <p:nvPicPr>
+          <p:cNvPr id="339" name="Google Shape;339;g2a75948b1fc_3_80"/>
+          <p:cNvPicPr preferRelativeResize="0"/>
+          <p:nvPr/>
+        </p:nvPicPr>
+        <p:blipFill>
+          <a:blip r:embed="rId4">
+            <a:alphaModFix/>
+          </a:blip>
+          <a:stretch>
+            <a:fillRect/>
+          </a:stretch>
+        </p:blipFill>
+        <p:spPr>
+          <a:xfrm>
+            <a:off x="5474100" y="1866975"/>
+            <a:ext cx="155250" cy="529075"/>
+          </a:xfrm>
+          <a:prstGeom prst="rect">
+            <a:avLst/>
+          </a:prstGeom>
+          <a:noFill/>
+          <a:ln>
+            <a:noFill/>
+          </a:ln>
+        </p:spPr>
+      </p:pic>
+      <p:pic>
+        <p:nvPicPr>
+          <p:cNvPr id="340" name="Google Shape;340;g2a75948b1fc_3_80"/>
+          <p:cNvPicPr preferRelativeResize="0"/>
+          <p:nvPr/>
+        </p:nvPicPr>
+        <p:blipFill>
+          <a:blip r:embed="rId4">
+            <a:alphaModFix/>
+          </a:blip>
+          <a:stretch>
+            <a:fillRect/>
+          </a:stretch>
+        </p:blipFill>
+        <p:spPr>
+          <a:xfrm>
+            <a:off x="905450" y="3043894"/>
+            <a:ext cx="452323" cy="292125"/>
+          </a:xfrm>
+          <a:prstGeom prst="rect">
+            <a:avLst/>
+          </a:prstGeom>
+          <a:noFill/>
+          <a:ln>
+            <a:noFill/>
+          </a:ln>
+        </p:spPr>
+      </p:pic>
+      <p:pic>
+        <p:nvPicPr>
+          <p:cNvPr id="341" name="Google Shape;341;g2a75948b1fc_3_80"/>
+          <p:cNvPicPr preferRelativeResize="0"/>
+          <p:nvPr/>
+        </p:nvPicPr>
+        <p:blipFill>
+          <a:blip r:embed="rId4">
+            <a:alphaModFix/>
+          </a:blip>
+          <a:stretch>
+            <a:fillRect/>
+          </a:stretch>
+        </p:blipFill>
+        <p:spPr>
+          <a:xfrm>
+            <a:off x="2684800" y="3043894"/>
+            <a:ext cx="452323" cy="292125"/>
+          </a:xfrm>
+          <a:prstGeom prst="rect">
+            <a:avLst/>
+          </a:prstGeom>
+          <a:noFill/>
+          <a:ln>
+            <a:noFill/>
+          </a:ln>
+        </p:spPr>
+      </p:pic>
+      <p:pic>
+        <p:nvPicPr>
+          <p:cNvPr id="342" name="Google Shape;342;g2a75948b1fc_3_80"/>
+          <p:cNvPicPr preferRelativeResize="0"/>
+          <p:nvPr/>
+        </p:nvPicPr>
+        <p:blipFill>
+          <a:blip r:embed="rId4">
+            <a:alphaModFix/>
+          </a:blip>
+          <a:stretch>
+            <a:fillRect/>
+          </a:stretch>
+        </p:blipFill>
+        <p:spPr>
+          <a:xfrm>
+            <a:off x="4505550" y="3043894"/>
+            <a:ext cx="452323" cy="292125"/>
+          </a:xfrm>
+          <a:prstGeom prst="rect">
+            <a:avLst/>
+          </a:prstGeom>
+          <a:noFill/>
+          <a:ln>
+            <a:noFill/>
+          </a:ln>
+        </p:spPr>
+      </p:pic>
+      <p:pic>
+        <p:nvPicPr>
+          <p:cNvPr id="343" name="Google Shape;343;g2a75948b1fc_3_80"/>
+          <p:cNvPicPr preferRelativeResize="0"/>
+          <p:nvPr/>
+        </p:nvPicPr>
+        <p:blipFill rotWithShape="1">
+          <a:blip r:embed="rId3">
+            <a:alphaModFix/>
+          </a:blip>
+          <a:srcRect b="6139" l="82912" r="12449" t="88527"/>
+          <a:stretch/>
+        </p:blipFill>
+        <p:spPr>
+          <a:xfrm>
+            <a:off x="3583400" y="3124050"/>
+            <a:ext cx="354300" cy="135775"/>
+          </a:xfrm>
+          <a:prstGeom prst="rect">
+            <a:avLst/>
+          </a:prstGeom>
+          <a:noFill/>
+          <a:ln>
+            <a:noFill/>
+          </a:ln>
+        </p:spPr>
+      </p:pic>
+      <p:pic>
+        <p:nvPicPr>
+          <p:cNvPr id="344" name="Google Shape;344;g2a75948b1fc_3_80"/>
+          <p:cNvPicPr preferRelativeResize="0"/>
+          <p:nvPr/>
+        </p:nvPicPr>
+        <p:blipFill>
+          <a:blip r:embed="rId4">
+            <a:alphaModFix/>
+          </a:blip>
+          <a:stretch>
+            <a:fillRect/>
+          </a:stretch>
+        </p:blipFill>
+        <p:spPr>
+          <a:xfrm>
+            <a:off x="6265975" y="3043894"/>
+            <a:ext cx="452323" cy="292125"/>
+          </a:xfrm>
+          <a:prstGeom prst="rect">
+            <a:avLst/>
+          </a:prstGeom>
+          <a:noFill/>
+          <a:ln>
+            <a:noFill/>
+          </a:ln>
+        </p:spPr>
+      </p:pic>
+    </p:spTree>
+  </p:cSld>
+  <p:clrMapOvr>
+    <a:masterClrMapping/>
+  </p:clrMapOvr>
+</p:sld>
+</file>
+
+<file path=ppt/slides/slide32.xml><?xml version="1.0" encoding="utf-8"?>
+<p:sld xmlns:a="http://schemas.openxmlformats.org/drawingml/2006/main" xmlns:r="http://schemas.openxmlformats.org/officeDocument/2006/relationships" xmlns:mc="http://schemas.openxmlformats.org/markup-compatibility/2006" xmlns:mv="urn:schemas-microsoft-com:mac:vml" xmlns:p="http://schemas.openxmlformats.org/presentationml/2006/main" xmlns:c="http://schemas.openxmlformats.org/drawingml/2006/chart" xmlns:dgm="http://schemas.openxmlformats.org/drawingml/2006/diagram" xmlns:o="urn:schemas-microsoft-com:office:office" xmlns:v="urn:schemas-microsoft-com:vml" xmlns:pvml="urn:schemas-microsoft-com:office:powerpoint" xmlns:com="http://schemas.openxmlformats.org/drawingml/2006/compatibility" xmlns:p14="http://schemas.microsoft.com/office/powerpoint/2010/main" xmlns:p15="http://schemas.microsoft.com/office/powerpoint/2012/main" xmlns:ahyp="http://schemas.microsoft.com/office/drawing/2018/hyperlinkcolor">
+  <p:cSld>
+    <p:spTree>
+      <p:nvGrpSpPr>
+        <p:cNvPr id="348" name="Shape 348"/>
+        <p:cNvGrpSpPr/>
+        <p:nvPr/>
+      </p:nvGrpSpPr>
+      <p:grpSpPr>
+        <a:xfrm>
+          <a:off x="0" y="0"/>
+          <a:ext cx="0" cy="0"/>
+          <a:chOff x="0" y="0"/>
+          <a:chExt cx="0" cy="0"/>
+        </a:xfrm>
+      </p:grpSpPr>
       <p:sp>
         <p:nvSpPr>
-          <p:cNvPr id="359" name="Google Shape;359;g26e1760ff98_1_133"/>
+          <p:cNvPr id="349" name="Google Shape;349;g2a7c40ec614_0_1"/>
           <p:cNvSpPr txBox="1"/>
-          <p:nvPr/>
+          <p:nvPr>
+            <p:ph idx="4294967295" type="title"/>
+          </p:nvPr>
         </p:nvSpPr>
         <p:spPr>
           <a:xfrm>
-            <a:off x="6232025" y="1579800"/>
-            <a:ext cx="1249200" cy="375900"/>
+            <a:off x="719525" y="267425"/>
+            <a:ext cx="7038900" cy="592800"/>
           </a:xfrm>
           <a:prstGeom prst="rect">
             <a:avLst/>
@@ -18541,110 +17739,348 @@
         </p:spPr>
         <p:txBody>
           <a:bodyPr anchorCtr="0" anchor="t" bIns="91425" lIns="91425" spcFirstLastPara="1" rIns="91425" wrap="square" tIns="91425">
-            <a:noAutofit/>
+            <a:normAutofit fontScale="90000"/>
           </a:bodyPr>
           <a:lstStyle/>
           <a:p>
             <a:pPr indent="0" lvl="0" marL="0" rtl="0" algn="l">
               <a:lnSpc>
-                <a:spcPct val="115000"/>
-              </a:lnSpc>
-              <a:spcBef>
-                <a:spcPts val="0"/>
-              </a:spcBef>
-              <a:spcAft>
-                <a:spcPts val="0"/>
-              </a:spcAft>
-              <a:buNone/>
-            </a:pPr>
-            <a:r>
-              <a:rPr lang="en" sz="1500">
-                <a:solidFill>
-                  <a:srgbClr val="191919"/>
-                </a:solidFill>
-                <a:latin typeface="Lato"/>
-                <a:ea typeface="Lato"/>
-                <a:cs typeface="Lato"/>
-                <a:sym typeface="Lato"/>
+                <a:spcPct val="100000"/>
+              </a:lnSpc>
+              <a:spcBef>
+                <a:spcPts val="0"/>
+              </a:spcBef>
+              <a:spcAft>
+                <a:spcPts val="0"/>
+              </a:spcAft>
+              <a:buSzPct val="119033"/>
+              <a:buNone/>
+            </a:pPr>
+            <a:r>
+              <a:rPr b="1" lang="en">
+                <a:latin typeface="Montserrat"/>
+                <a:ea typeface="Montserrat"/>
+                <a:cs typeface="Montserrat"/>
+                <a:sym typeface="Montserrat"/>
               </a:rPr>
-              <a:t>Danilo Corsi</a:t>
-            </a:r>
-            <a:endParaRPr sz="1500">
-              <a:solidFill>
-                <a:srgbClr val="191919"/>
-              </a:solidFill>
-              <a:latin typeface="Lato"/>
-              <a:ea typeface="Lato"/>
-              <a:cs typeface="Lato"/>
-              <a:sym typeface="Lato"/>
-            </a:endParaRPr>
-          </a:p>
-        </p:txBody>
-      </p:sp>
-      <p:sp>
-        <p:nvSpPr>
-          <p:cNvPr id="360" name="Google Shape;360;g26e1760ff98_1_133"/>
-          <p:cNvSpPr txBox="1"/>
-          <p:nvPr/>
-        </p:nvSpPr>
-        <p:spPr>
-          <a:xfrm>
-            <a:off x="5901571" y="3187800"/>
-            <a:ext cx="1910100" cy="375900"/>
-          </a:xfrm>
-          <a:prstGeom prst="rect">
-            <a:avLst/>
-          </a:prstGeom>
-          <a:noFill/>
-          <a:ln>
-            <a:noFill/>
-          </a:ln>
-        </p:spPr>
-        <p:txBody>
-          <a:bodyPr anchorCtr="0" anchor="t" bIns="91425" lIns="91425" spcFirstLastPara="1" rIns="91425" wrap="square" tIns="91425">
-            <a:noAutofit/>
-          </a:bodyPr>
-          <a:lstStyle/>
-          <a:p>
-            <a:pPr indent="0" lvl="0" marL="0" rtl="0" algn="l">
-              <a:lnSpc>
-                <a:spcPct val="115000"/>
-              </a:lnSpc>
-              <a:spcBef>
-                <a:spcPts val="0"/>
-              </a:spcBef>
-              <a:spcAft>
-                <a:spcPts val="0"/>
-              </a:spcAft>
-              <a:buNone/>
-            </a:pPr>
-            <a:r>
-              <a:rPr lang="en" sz="1000">
-                <a:solidFill>
-                  <a:srgbClr val="191919"/>
-                </a:solidFill>
-                <a:latin typeface="Lato"/>
-                <a:ea typeface="Lato"/>
-                <a:cs typeface="Lato"/>
-                <a:sym typeface="Lato"/>
-              </a:rPr>
-              <a:t>https://github.com/CorsiDanilo</a:t>
-            </a:r>
-            <a:endParaRPr sz="1000">
-              <a:solidFill>
-                <a:srgbClr val="191919"/>
-              </a:solidFill>
-              <a:latin typeface="Lato"/>
-              <a:ea typeface="Lato"/>
-              <a:cs typeface="Lato"/>
-              <a:sym typeface="Lato"/>
+              <a:t>3 - Final scores: testing phase</a:t>
+            </a:r>
+            <a:endParaRPr b="1">
+              <a:latin typeface="Montserrat"/>
+              <a:ea typeface="Montserrat"/>
+              <a:cs typeface="Montserrat"/>
+              <a:sym typeface="Montserrat"/>
             </a:endParaRPr>
           </a:p>
         </p:txBody>
       </p:sp>
       <p:pic>
         <p:nvPicPr>
-          <p:cNvPr id="361" name="Google Shape;361;g26e1760ff98_1_133"/>
+          <p:cNvPr id="350" name="Google Shape;350;g2a7c40ec614_0_1"/>
+          <p:cNvPicPr preferRelativeResize="0"/>
+          <p:nvPr/>
+        </p:nvPicPr>
+        <p:blipFill rotWithShape="1">
+          <a:blip r:embed="rId3">
+            <a:alphaModFix/>
+          </a:blip>
+          <a:srcRect b="27414" l="42402" r="30468" t="17546"/>
+          <a:stretch/>
+        </p:blipFill>
+        <p:spPr>
+          <a:xfrm>
+            <a:off x="7625950" y="1730200"/>
+            <a:ext cx="1260651" cy="1404475"/>
+          </a:xfrm>
+          <a:prstGeom prst="rect">
+            <a:avLst/>
+          </a:prstGeom>
+          <a:noFill/>
+          <a:ln>
+            <a:noFill/>
+          </a:ln>
+        </p:spPr>
+      </p:pic>
+      <p:sp>
+        <p:nvSpPr>
+          <p:cNvPr id="351" name="Google Shape;351;g2a7c40ec614_0_1"/>
+          <p:cNvSpPr txBox="1"/>
+          <p:nvPr>
+            <p:ph idx="4294967295" type="title"/>
+          </p:nvPr>
+        </p:nvSpPr>
+        <p:spPr>
+          <a:xfrm>
+            <a:off x="7639175" y="948263"/>
+            <a:ext cx="1234200" cy="846300"/>
+          </a:xfrm>
+          <a:prstGeom prst="rect">
+            <a:avLst/>
+          </a:prstGeom>
+          <a:noFill/>
+          <a:ln>
+            <a:noFill/>
+          </a:ln>
+        </p:spPr>
+        <p:txBody>
+          <a:bodyPr anchorCtr="0" anchor="t" bIns="91425" lIns="91425" spcFirstLastPara="1" rIns="91425" wrap="square" tIns="91425">
+            <a:normAutofit/>
+          </a:bodyPr>
+          <a:lstStyle/>
+          <a:p>
+            <a:pPr indent="0" lvl="0" marL="0" rtl="0" algn="l">
+              <a:lnSpc>
+                <a:spcPct val="100000"/>
+              </a:lnSpc>
+              <a:spcBef>
+                <a:spcPts val="0"/>
+              </a:spcBef>
+              <a:spcAft>
+                <a:spcPts val="0"/>
+              </a:spcAft>
+              <a:buSzPts val="3333"/>
+              <a:buNone/>
+            </a:pPr>
+            <a:r>
+              <a:rPr lang="en" sz="700">
+                <a:latin typeface="Montserrat"/>
+                <a:ea typeface="Montserrat"/>
+                <a:cs typeface="Montserrat"/>
+                <a:sym typeface="Montserrat"/>
+              </a:rPr>
+              <a:t>Legend</a:t>
+            </a:r>
+            <a:endParaRPr sz="700">
+              <a:latin typeface="Montserrat"/>
+              <a:ea typeface="Montserrat"/>
+              <a:cs typeface="Montserrat"/>
+              <a:sym typeface="Montserrat"/>
+            </a:endParaRPr>
+          </a:p>
+          <a:p>
+            <a:pPr indent="0" lvl="0" marL="0" rtl="0" algn="l">
+              <a:lnSpc>
+                <a:spcPct val="100000"/>
+              </a:lnSpc>
+              <a:spcBef>
+                <a:spcPts val="0"/>
+              </a:spcBef>
+              <a:spcAft>
+                <a:spcPts val="0"/>
+              </a:spcAft>
+              <a:buSzPts val="3333"/>
+              <a:buNone/>
+            </a:pPr>
+            <a:r>
+              <a:rPr lang="en" sz="700">
+                <a:solidFill>
+                  <a:srgbClr val="6B76FA"/>
+                </a:solidFill>
+                <a:latin typeface="Montserrat"/>
+                <a:ea typeface="Montserrat"/>
+                <a:cs typeface="Montserrat"/>
+                <a:sym typeface="Montserrat"/>
+              </a:rPr>
+              <a:t>    </a:t>
+            </a:r>
+            <a:r>
+              <a:rPr lang="en" sz="700">
+                <a:solidFill>
+                  <a:srgbClr val="6B76FA"/>
+                </a:solidFill>
+                <a:latin typeface="Montserrat"/>
+                <a:ea typeface="Montserrat"/>
+                <a:cs typeface="Montserrat"/>
+                <a:sym typeface="Montserrat"/>
+              </a:rPr>
+              <a:t>Actual market price</a:t>
+            </a:r>
+            <a:endParaRPr sz="700">
+              <a:solidFill>
+                <a:srgbClr val="6B76FA"/>
+              </a:solidFill>
+              <a:latin typeface="Montserrat"/>
+              <a:ea typeface="Montserrat"/>
+              <a:cs typeface="Montserrat"/>
+              <a:sym typeface="Montserrat"/>
+            </a:endParaRPr>
+          </a:p>
+          <a:p>
+            <a:pPr indent="0" lvl="0" marL="0" rtl="0" algn="l">
+              <a:lnSpc>
+                <a:spcPct val="100000"/>
+              </a:lnSpc>
+              <a:spcBef>
+                <a:spcPts val="0"/>
+              </a:spcBef>
+              <a:spcAft>
+                <a:spcPts val="0"/>
+              </a:spcAft>
+              <a:buSzPts val="3333"/>
+              <a:buNone/>
+            </a:pPr>
+            <a:r>
+              <a:rPr lang="en" sz="700">
+                <a:solidFill>
+                  <a:srgbClr val="FBAC71"/>
+                </a:solidFill>
+                <a:latin typeface="Montserrat"/>
+                <a:ea typeface="Montserrat"/>
+                <a:cs typeface="Montserrat"/>
+                <a:sym typeface="Montserrat"/>
+              </a:rPr>
+              <a:t>    GBTR</a:t>
+            </a:r>
+            <a:endParaRPr sz="700">
+              <a:solidFill>
+                <a:srgbClr val="FBAC71"/>
+              </a:solidFill>
+              <a:latin typeface="Montserrat"/>
+              <a:ea typeface="Montserrat"/>
+              <a:cs typeface="Montserrat"/>
+              <a:sym typeface="Montserrat"/>
+            </a:endParaRPr>
+          </a:p>
+          <a:p>
+            <a:pPr indent="0" lvl="0" marL="0" rtl="0" algn="l">
+              <a:lnSpc>
+                <a:spcPct val="100000"/>
+              </a:lnSpc>
+              <a:spcBef>
+                <a:spcPts val="0"/>
+              </a:spcBef>
+              <a:spcAft>
+                <a:spcPts val="0"/>
+              </a:spcAft>
+              <a:buSzPts val="3333"/>
+              <a:buNone/>
+            </a:pPr>
+            <a:r>
+              <a:rPr lang="en" sz="700">
+                <a:solidFill>
+                  <a:srgbClr val="AB63FA"/>
+                </a:solidFill>
+                <a:latin typeface="Montserrat"/>
+                <a:ea typeface="Montserrat"/>
+                <a:cs typeface="Montserrat"/>
+                <a:sym typeface="Montserrat"/>
+              </a:rPr>
+              <a:t>    RF</a:t>
+            </a:r>
+            <a:endParaRPr sz="700">
+              <a:solidFill>
+                <a:srgbClr val="AB63FA"/>
+              </a:solidFill>
+              <a:latin typeface="Montserrat"/>
+              <a:ea typeface="Montserrat"/>
+              <a:cs typeface="Montserrat"/>
+              <a:sym typeface="Montserrat"/>
+            </a:endParaRPr>
+          </a:p>
+          <a:p>
+            <a:pPr indent="0" lvl="0" marL="0" rtl="0" algn="l">
+              <a:lnSpc>
+                <a:spcPct val="100000"/>
+              </a:lnSpc>
+              <a:spcBef>
+                <a:spcPts val="0"/>
+              </a:spcBef>
+              <a:spcAft>
+                <a:spcPts val="0"/>
+              </a:spcAft>
+              <a:buSzPts val="3333"/>
+              <a:buNone/>
+            </a:pPr>
+            <a:r>
+              <a:rPr lang="en" sz="700">
+                <a:solidFill>
+                  <a:srgbClr val="EF563D"/>
+                </a:solidFill>
+                <a:latin typeface="Montserrat"/>
+                <a:ea typeface="Montserrat"/>
+                <a:cs typeface="Montserrat"/>
+                <a:sym typeface="Montserrat"/>
+              </a:rPr>
+              <a:t>    LR</a:t>
+            </a:r>
+            <a:endParaRPr sz="700">
+              <a:solidFill>
+                <a:srgbClr val="EF563D"/>
+              </a:solidFill>
+              <a:latin typeface="Montserrat"/>
+              <a:ea typeface="Montserrat"/>
+              <a:cs typeface="Montserrat"/>
+              <a:sym typeface="Montserrat"/>
+            </a:endParaRPr>
+          </a:p>
+          <a:p>
+            <a:pPr indent="0" lvl="0" marL="0" rtl="0" algn="l">
+              <a:lnSpc>
+                <a:spcPct val="100000"/>
+              </a:lnSpc>
+              <a:spcBef>
+                <a:spcPts val="0"/>
+              </a:spcBef>
+              <a:spcAft>
+                <a:spcPts val="0"/>
+              </a:spcAft>
+              <a:buSzPts val="3333"/>
+              <a:buNone/>
+            </a:pPr>
+            <a:r>
+              <a:rPr lang="en" sz="700">
+                <a:solidFill>
+                  <a:srgbClr val="29D1A7"/>
+                </a:solidFill>
+                <a:latin typeface="Montserrat"/>
+                <a:ea typeface="Montserrat"/>
+                <a:cs typeface="Montserrat"/>
+                <a:sym typeface="Montserrat"/>
+              </a:rPr>
+              <a:t>    GLR</a:t>
+            </a:r>
+            <a:endParaRPr sz="700">
+              <a:solidFill>
+                <a:srgbClr val="29D1A7"/>
+              </a:solidFill>
+              <a:latin typeface="Montserrat"/>
+              <a:ea typeface="Montserrat"/>
+              <a:cs typeface="Montserrat"/>
+              <a:sym typeface="Montserrat"/>
+            </a:endParaRPr>
+          </a:p>
+        </p:txBody>
+      </p:sp>
+      <p:pic>
+        <p:nvPicPr>
+          <p:cNvPr id="352" name="Google Shape;352;g2a7c40ec614_0_1"/>
+          <p:cNvPicPr preferRelativeResize="0"/>
+          <p:nvPr/>
+        </p:nvPicPr>
+        <p:blipFill rotWithShape="1">
+          <a:blip r:embed="rId4">
+            <a:alphaModFix/>
+          </a:blip>
+          <a:srcRect b="0" l="0" r="3446" t="0"/>
+          <a:stretch/>
+        </p:blipFill>
+        <p:spPr>
+          <a:xfrm>
+            <a:off x="0" y="824725"/>
+            <a:ext cx="7375650" cy="2546375"/>
+          </a:xfrm>
+          <a:prstGeom prst="rect">
+            <a:avLst/>
+          </a:prstGeom>
+          <a:noFill/>
+          <a:ln>
+            <a:noFill/>
+          </a:ln>
+        </p:spPr>
+      </p:pic>
+      <p:pic>
+        <p:nvPicPr>
+          <p:cNvPr id="353" name="Google Shape;353;g2a7c40ec614_0_1"/>
           <p:cNvPicPr preferRelativeResize="0"/>
           <p:nvPr/>
         </p:nvPicPr>
@@ -18658,8 +18094,8 @@
         </p:blipFill>
         <p:spPr>
           <a:xfrm>
-            <a:off x="225488" y="1171100"/>
-            <a:ext cx="2576275" cy="2576275"/>
+            <a:off x="1891750" y="1866975"/>
+            <a:ext cx="155250" cy="529075"/>
           </a:xfrm>
           <a:prstGeom prst="rect">
             <a:avLst/>
@@ -18672,7 +18108,1073 @@
       </p:pic>
       <p:pic>
         <p:nvPicPr>
-          <p:cNvPr id="362" name="Google Shape;362;g26e1760ff98_1_133"/>
+          <p:cNvPr id="354" name="Google Shape;354;g2a7c40ec614_0_1"/>
+          <p:cNvPicPr preferRelativeResize="0"/>
+          <p:nvPr/>
+        </p:nvPicPr>
+        <p:blipFill>
+          <a:blip r:embed="rId5">
+            <a:alphaModFix/>
+          </a:blip>
+          <a:stretch>
+            <a:fillRect/>
+          </a:stretch>
+        </p:blipFill>
+        <p:spPr>
+          <a:xfrm>
+            <a:off x="3682925" y="1866975"/>
+            <a:ext cx="155250" cy="529075"/>
+          </a:xfrm>
+          <a:prstGeom prst="rect">
+            <a:avLst/>
+          </a:prstGeom>
+          <a:noFill/>
+          <a:ln>
+            <a:noFill/>
+          </a:ln>
+        </p:spPr>
+      </p:pic>
+      <p:pic>
+        <p:nvPicPr>
+          <p:cNvPr id="355" name="Google Shape;355;g2a7c40ec614_0_1"/>
+          <p:cNvPicPr preferRelativeResize="0"/>
+          <p:nvPr/>
+        </p:nvPicPr>
+        <p:blipFill>
+          <a:blip r:embed="rId5">
+            <a:alphaModFix/>
+          </a:blip>
+          <a:stretch>
+            <a:fillRect/>
+          </a:stretch>
+        </p:blipFill>
+        <p:spPr>
+          <a:xfrm>
+            <a:off x="5474100" y="1866975"/>
+            <a:ext cx="155250" cy="529075"/>
+          </a:xfrm>
+          <a:prstGeom prst="rect">
+            <a:avLst/>
+          </a:prstGeom>
+          <a:noFill/>
+          <a:ln>
+            <a:noFill/>
+          </a:ln>
+        </p:spPr>
+      </p:pic>
+      <p:pic>
+        <p:nvPicPr>
+          <p:cNvPr id="356" name="Google Shape;356;g2a7c40ec614_0_1"/>
+          <p:cNvPicPr preferRelativeResize="0"/>
+          <p:nvPr/>
+        </p:nvPicPr>
+        <p:blipFill>
+          <a:blip r:embed="rId5">
+            <a:alphaModFix/>
+          </a:blip>
+          <a:stretch>
+            <a:fillRect/>
+          </a:stretch>
+        </p:blipFill>
+        <p:spPr>
+          <a:xfrm>
+            <a:off x="905450" y="3043894"/>
+            <a:ext cx="452323" cy="292125"/>
+          </a:xfrm>
+          <a:prstGeom prst="rect">
+            <a:avLst/>
+          </a:prstGeom>
+          <a:noFill/>
+          <a:ln>
+            <a:noFill/>
+          </a:ln>
+        </p:spPr>
+      </p:pic>
+      <p:pic>
+        <p:nvPicPr>
+          <p:cNvPr id="357" name="Google Shape;357;g2a7c40ec614_0_1"/>
+          <p:cNvPicPr preferRelativeResize="0"/>
+          <p:nvPr/>
+        </p:nvPicPr>
+        <p:blipFill>
+          <a:blip r:embed="rId5">
+            <a:alphaModFix/>
+          </a:blip>
+          <a:stretch>
+            <a:fillRect/>
+          </a:stretch>
+        </p:blipFill>
+        <p:spPr>
+          <a:xfrm>
+            <a:off x="2684800" y="3043894"/>
+            <a:ext cx="452323" cy="292125"/>
+          </a:xfrm>
+          <a:prstGeom prst="rect">
+            <a:avLst/>
+          </a:prstGeom>
+          <a:noFill/>
+          <a:ln>
+            <a:noFill/>
+          </a:ln>
+        </p:spPr>
+      </p:pic>
+      <p:pic>
+        <p:nvPicPr>
+          <p:cNvPr id="358" name="Google Shape;358;g2a7c40ec614_0_1"/>
+          <p:cNvPicPr preferRelativeResize="0"/>
+          <p:nvPr/>
+        </p:nvPicPr>
+        <p:blipFill>
+          <a:blip r:embed="rId5">
+            <a:alphaModFix/>
+          </a:blip>
+          <a:stretch>
+            <a:fillRect/>
+          </a:stretch>
+        </p:blipFill>
+        <p:spPr>
+          <a:xfrm>
+            <a:off x="4505550" y="3043894"/>
+            <a:ext cx="452323" cy="292125"/>
+          </a:xfrm>
+          <a:prstGeom prst="rect">
+            <a:avLst/>
+          </a:prstGeom>
+          <a:noFill/>
+          <a:ln>
+            <a:noFill/>
+          </a:ln>
+        </p:spPr>
+      </p:pic>
+      <p:pic>
+        <p:nvPicPr>
+          <p:cNvPr id="359" name="Google Shape;359;g2a7c40ec614_0_1"/>
+          <p:cNvPicPr preferRelativeResize="0"/>
+          <p:nvPr/>
+        </p:nvPicPr>
+        <p:blipFill rotWithShape="1">
+          <a:blip r:embed="rId4">
+            <a:alphaModFix/>
+          </a:blip>
+          <a:srcRect b="6139" l="82912" r="12449" t="88527"/>
+          <a:stretch/>
+        </p:blipFill>
+        <p:spPr>
+          <a:xfrm>
+            <a:off x="3583400" y="3124050"/>
+            <a:ext cx="354300" cy="135775"/>
+          </a:xfrm>
+          <a:prstGeom prst="rect">
+            <a:avLst/>
+          </a:prstGeom>
+          <a:noFill/>
+          <a:ln>
+            <a:noFill/>
+          </a:ln>
+        </p:spPr>
+      </p:pic>
+      <p:pic>
+        <p:nvPicPr>
+          <p:cNvPr id="360" name="Google Shape;360;g2a7c40ec614_0_1"/>
+          <p:cNvPicPr preferRelativeResize="0"/>
+          <p:nvPr/>
+        </p:nvPicPr>
+        <p:blipFill>
+          <a:blip r:embed="rId5">
+            <a:alphaModFix/>
+          </a:blip>
+          <a:stretch>
+            <a:fillRect/>
+          </a:stretch>
+        </p:blipFill>
+        <p:spPr>
+          <a:xfrm>
+            <a:off x="6265975" y="3043894"/>
+            <a:ext cx="452323" cy="292125"/>
+          </a:xfrm>
+          <a:prstGeom prst="rect">
+            <a:avLst/>
+          </a:prstGeom>
+          <a:noFill/>
+          <a:ln>
+            <a:noFill/>
+          </a:ln>
+        </p:spPr>
+      </p:pic>
+    </p:spTree>
+  </p:cSld>
+  <p:clrMapOvr>
+    <a:masterClrMapping/>
+  </p:clrMapOvr>
+</p:sld>
+</file>
+
+<file path=ppt/slides/slide33.xml><?xml version="1.0" encoding="utf-8"?>
+<p:sld xmlns:a="http://schemas.openxmlformats.org/drawingml/2006/main" xmlns:r="http://schemas.openxmlformats.org/officeDocument/2006/relationships" xmlns:mc="http://schemas.openxmlformats.org/markup-compatibility/2006" xmlns:mv="urn:schemas-microsoft-com:mac:vml" xmlns:p="http://schemas.openxmlformats.org/presentationml/2006/main" xmlns:c="http://schemas.openxmlformats.org/drawingml/2006/chart" xmlns:dgm="http://schemas.openxmlformats.org/drawingml/2006/diagram" xmlns:o="urn:schemas-microsoft-com:office:office" xmlns:v="urn:schemas-microsoft-com:vml" xmlns:pvml="urn:schemas-microsoft-com:office:powerpoint" xmlns:com="http://schemas.openxmlformats.org/drawingml/2006/compatibility" xmlns:p14="http://schemas.microsoft.com/office/powerpoint/2010/main" xmlns:p15="http://schemas.microsoft.com/office/powerpoint/2012/main" xmlns:ahyp="http://schemas.microsoft.com/office/drawing/2018/hyperlinkcolor">
+  <p:cSld>
+    <p:spTree>
+      <p:nvGrpSpPr>
+        <p:cNvPr id="364" name="Shape 364"/>
+        <p:cNvGrpSpPr/>
+        <p:nvPr/>
+      </p:nvGrpSpPr>
+      <p:grpSpPr>
+        <a:xfrm>
+          <a:off x="0" y="0"/>
+          <a:ext cx="0" cy="0"/>
+          <a:chOff x="0" y="0"/>
+          <a:chExt cx="0" cy="0"/>
+        </a:xfrm>
+      </p:grpSpPr>
+      <p:sp>
+        <p:nvSpPr>
+          <p:cNvPr id="365" name="Google Shape;365;g2a0c6f9b0a2_0_109"/>
+          <p:cNvSpPr txBox="1"/>
+          <p:nvPr>
+            <p:ph idx="4294967295" type="title"/>
+          </p:nvPr>
+        </p:nvSpPr>
+        <p:spPr>
+          <a:xfrm>
+            <a:off x="719525" y="267425"/>
+            <a:ext cx="7038900" cy="592800"/>
+          </a:xfrm>
+          <a:prstGeom prst="rect">
+            <a:avLst/>
+          </a:prstGeom>
+          <a:noFill/>
+          <a:ln>
+            <a:noFill/>
+          </a:ln>
+        </p:spPr>
+        <p:txBody>
+          <a:bodyPr anchorCtr="0" anchor="t" bIns="91425" lIns="91425" spcFirstLastPara="1" rIns="91425" wrap="square" tIns="91425">
+            <a:normAutofit fontScale="90000"/>
+          </a:bodyPr>
+          <a:lstStyle/>
+          <a:p>
+            <a:pPr indent="0" lvl="0" marL="0" rtl="0" algn="l">
+              <a:lnSpc>
+                <a:spcPct val="100000"/>
+              </a:lnSpc>
+              <a:spcBef>
+                <a:spcPts val="0"/>
+              </a:spcBef>
+              <a:spcAft>
+                <a:spcPts val="0"/>
+              </a:spcAft>
+              <a:buSzPct val="119034"/>
+              <a:buNone/>
+            </a:pPr>
+            <a:r>
+              <a:rPr b="1" lang="en">
+                <a:latin typeface="Montserrat"/>
+                <a:ea typeface="Montserrat"/>
+                <a:cs typeface="Montserrat"/>
+                <a:sym typeface="Montserrat"/>
+              </a:rPr>
+              <a:t>Conclusions</a:t>
+            </a:r>
+            <a:endParaRPr b="1">
+              <a:latin typeface="Montserrat"/>
+              <a:ea typeface="Montserrat"/>
+              <a:cs typeface="Montserrat"/>
+              <a:sym typeface="Montserrat"/>
+            </a:endParaRPr>
+          </a:p>
+        </p:txBody>
+      </p:sp>
+      <p:sp>
+        <p:nvSpPr>
+          <p:cNvPr id="366" name="Google Shape;366;g2a0c6f9b0a2_0_109"/>
+          <p:cNvSpPr txBox="1"/>
+          <p:nvPr>
+            <p:ph idx="4294967295" type="body"/>
+          </p:nvPr>
+        </p:nvSpPr>
+        <p:spPr>
+          <a:xfrm>
+            <a:off x="311700" y="945300"/>
+            <a:ext cx="8520600" cy="4048200"/>
+          </a:xfrm>
+          <a:prstGeom prst="rect">
+            <a:avLst/>
+          </a:prstGeom>
+          <a:noFill/>
+          <a:ln>
+            <a:noFill/>
+          </a:ln>
+        </p:spPr>
+        <p:txBody>
+          <a:bodyPr anchorCtr="0" anchor="t" bIns="91425" lIns="91425" spcFirstLastPara="1" rIns="91425" wrap="square" tIns="91425">
+            <a:noAutofit/>
+          </a:bodyPr>
+          <a:lstStyle/>
+          <a:p>
+            <a:pPr indent="-323850" lvl="0" marL="457200" rtl="0" algn="l">
+              <a:spcBef>
+                <a:spcPts val="0"/>
+              </a:spcBef>
+              <a:spcAft>
+                <a:spcPts val="0"/>
+              </a:spcAft>
+              <a:buSzPts val="1500"/>
+              <a:buFont typeface="Montserrat"/>
+              <a:buChar char="●"/>
+            </a:pPr>
+            <a:r>
+              <a:rPr b="1" lang="en" sz="1500">
+                <a:latin typeface="Montserrat"/>
+                <a:ea typeface="Montserrat"/>
+                <a:cs typeface="Montserrat"/>
+                <a:sym typeface="Montserrat"/>
+              </a:rPr>
+              <a:t>Splitting method</a:t>
+            </a:r>
+            <a:endParaRPr b="1" sz="1500">
+              <a:latin typeface="Montserrat"/>
+              <a:ea typeface="Montserrat"/>
+              <a:cs typeface="Montserrat"/>
+              <a:sym typeface="Montserrat"/>
+            </a:endParaRPr>
+          </a:p>
+          <a:p>
+            <a:pPr indent="-323850" lvl="1" marL="914400" rtl="0" algn="l">
+              <a:spcBef>
+                <a:spcPts val="0"/>
+              </a:spcBef>
+              <a:spcAft>
+                <a:spcPts val="0"/>
+              </a:spcAft>
+              <a:buSzPts val="1500"/>
+              <a:buFont typeface="Montserrat"/>
+              <a:buChar char="○"/>
+            </a:pPr>
+            <a:r>
+              <a:rPr lang="en" sz="1500">
+                <a:latin typeface="Montserrat"/>
+                <a:ea typeface="Montserrat"/>
+                <a:cs typeface="Montserrat"/>
+                <a:sym typeface="Montserrat"/>
+              </a:rPr>
+              <a:t>Better those that consider a shorter period (e.g. Single Split).</a:t>
+            </a:r>
+            <a:endParaRPr sz="1500">
+              <a:latin typeface="Montserrat"/>
+              <a:ea typeface="Montserrat"/>
+              <a:cs typeface="Montserrat"/>
+              <a:sym typeface="Montserrat"/>
+            </a:endParaRPr>
+          </a:p>
+          <a:p>
+            <a:pPr indent="-323850" lvl="0" marL="457200" rtl="0" algn="l">
+              <a:spcBef>
+                <a:spcPts val="0"/>
+              </a:spcBef>
+              <a:spcAft>
+                <a:spcPts val="0"/>
+              </a:spcAft>
+              <a:buSzPts val="1500"/>
+              <a:buFont typeface="Montserrat"/>
+              <a:buChar char="●"/>
+            </a:pPr>
+            <a:r>
+              <a:rPr b="1" lang="en" sz="1500">
+                <a:latin typeface="Montserrat"/>
+                <a:ea typeface="Montserrat"/>
+                <a:cs typeface="Montserrat"/>
+                <a:sym typeface="Montserrat"/>
+              </a:rPr>
+              <a:t>Features</a:t>
+            </a:r>
+            <a:endParaRPr sz="1500">
+              <a:latin typeface="Montserrat"/>
+              <a:ea typeface="Montserrat"/>
+              <a:cs typeface="Montserrat"/>
+              <a:sym typeface="Montserrat"/>
+            </a:endParaRPr>
+          </a:p>
+          <a:p>
+            <a:pPr indent="-323850" lvl="1" marL="914400" rtl="0" algn="l">
+              <a:spcBef>
+                <a:spcPts val="0"/>
+              </a:spcBef>
+              <a:spcAft>
+                <a:spcPts val="0"/>
+              </a:spcAft>
+              <a:buSzPts val="1500"/>
+              <a:buFont typeface="Montserrat"/>
+              <a:buChar char="○"/>
+            </a:pPr>
+            <a:r>
+              <a:rPr lang="en" sz="1500">
+                <a:latin typeface="Montserrat"/>
+                <a:ea typeface="Montserrat"/>
+                <a:cs typeface="Montserrat"/>
+                <a:sym typeface="Montserrat"/>
+              </a:rPr>
+              <a:t>Depend on the type of model</a:t>
+            </a:r>
+            <a:endParaRPr sz="1500">
+              <a:latin typeface="Montserrat"/>
+              <a:ea typeface="Montserrat"/>
+              <a:cs typeface="Montserrat"/>
+              <a:sym typeface="Montserrat"/>
+            </a:endParaRPr>
+          </a:p>
+          <a:p>
+            <a:pPr indent="-323850" lvl="1" marL="914400" rtl="0" algn="l">
+              <a:spcBef>
+                <a:spcPts val="0"/>
+              </a:spcBef>
+              <a:spcAft>
+                <a:spcPts val="0"/>
+              </a:spcAft>
+              <a:buSzPts val="1500"/>
+              <a:buFont typeface="Montserrat"/>
+              <a:buChar char="○"/>
+            </a:pPr>
+            <a:r>
+              <a:rPr lang="en" sz="1500">
+                <a:latin typeface="Montserrat"/>
+                <a:ea typeface="Montserrat"/>
+                <a:cs typeface="Montserrat"/>
+                <a:sym typeface="Montserrat"/>
+              </a:rPr>
+              <a:t>In general: </a:t>
+            </a:r>
+            <a:r>
+              <a:rPr lang="en" sz="1500">
+                <a:latin typeface="Montserrat"/>
+                <a:ea typeface="Montserrat"/>
+                <a:cs typeface="Montserrat"/>
+                <a:sym typeface="Montserrat"/>
+              </a:rPr>
+              <a:t> blockchain-related features brought slight improvements</a:t>
+            </a:r>
+            <a:endParaRPr sz="1500">
+              <a:latin typeface="Montserrat"/>
+              <a:ea typeface="Montserrat"/>
+              <a:cs typeface="Montserrat"/>
+              <a:sym typeface="Montserrat"/>
+            </a:endParaRPr>
+          </a:p>
+          <a:p>
+            <a:pPr indent="-323850" lvl="0" marL="457200" rtl="0" algn="l">
+              <a:spcBef>
+                <a:spcPts val="0"/>
+              </a:spcBef>
+              <a:spcAft>
+                <a:spcPts val="0"/>
+              </a:spcAft>
+              <a:buSzPts val="1500"/>
+              <a:buFont typeface="Montserrat"/>
+              <a:buChar char="●"/>
+            </a:pPr>
+            <a:r>
+              <a:rPr b="1" lang="en" sz="1500">
+                <a:latin typeface="Montserrat"/>
+                <a:ea typeface="Montserrat"/>
+                <a:cs typeface="Montserrat"/>
+                <a:sym typeface="Montserrat"/>
+              </a:rPr>
+              <a:t>Models</a:t>
+            </a:r>
+            <a:endParaRPr b="1" sz="1500">
+              <a:latin typeface="Montserrat"/>
+              <a:ea typeface="Montserrat"/>
+              <a:cs typeface="Montserrat"/>
+              <a:sym typeface="Montserrat"/>
+            </a:endParaRPr>
+          </a:p>
+          <a:p>
+            <a:pPr indent="-323850" lvl="1" marL="914400" rtl="0" algn="l">
+              <a:spcBef>
+                <a:spcPts val="0"/>
+              </a:spcBef>
+              <a:spcAft>
+                <a:spcPts val="0"/>
+              </a:spcAft>
+              <a:buSzPts val="1500"/>
+              <a:buFont typeface="Montserrat"/>
+              <a:buChar char="○"/>
+            </a:pPr>
+            <a:r>
+              <a:rPr lang="en" sz="1500">
+                <a:latin typeface="Montserrat"/>
+                <a:ea typeface="Montserrat"/>
+                <a:cs typeface="Montserrat"/>
+                <a:sym typeface="Montserrat"/>
+              </a:rPr>
+              <a:t>Better in the s</a:t>
+            </a:r>
+            <a:r>
+              <a:rPr lang="en" sz="1500">
+                <a:latin typeface="Montserrat"/>
+                <a:ea typeface="Montserrat"/>
+                <a:cs typeface="Montserrat"/>
+                <a:sym typeface="Montserrat"/>
+              </a:rPr>
+              <a:t>hort-medium term (especially tree-based models)</a:t>
+            </a:r>
+            <a:endParaRPr sz="1500">
+              <a:latin typeface="Montserrat"/>
+              <a:ea typeface="Montserrat"/>
+              <a:cs typeface="Montserrat"/>
+              <a:sym typeface="Montserrat"/>
+            </a:endParaRPr>
+          </a:p>
+          <a:p>
+            <a:pPr indent="-323850" lvl="1" marL="914400" rtl="0" algn="l">
+              <a:spcBef>
+                <a:spcPts val="0"/>
+              </a:spcBef>
+              <a:spcAft>
+                <a:spcPts val="0"/>
+              </a:spcAft>
+              <a:buSzPts val="1500"/>
+              <a:buFont typeface="Montserrat"/>
+              <a:buChar char="○"/>
+            </a:pPr>
+            <a:r>
+              <a:rPr lang="en" sz="1500">
+                <a:latin typeface="Montserrat"/>
+                <a:ea typeface="Montserrat"/>
+                <a:cs typeface="Montserrat"/>
+                <a:sym typeface="Montserrat"/>
+              </a:rPr>
+              <a:t>performance begins to degrade (as time period increase)</a:t>
+            </a:r>
+            <a:endParaRPr sz="1500">
+              <a:latin typeface="Montserrat"/>
+              <a:ea typeface="Montserrat"/>
+              <a:cs typeface="Montserrat"/>
+              <a:sym typeface="Montserrat"/>
+            </a:endParaRPr>
+          </a:p>
+          <a:p>
+            <a:pPr indent="-323850" lvl="0" marL="457200" rtl="0" algn="l">
+              <a:spcBef>
+                <a:spcPts val="0"/>
+              </a:spcBef>
+              <a:spcAft>
+                <a:spcPts val="0"/>
+              </a:spcAft>
+              <a:buSzPts val="1500"/>
+              <a:buFont typeface="Montserrat"/>
+              <a:buChar char="●"/>
+            </a:pPr>
+            <a:r>
+              <a:rPr b="1" lang="en" sz="1500">
+                <a:latin typeface="Montserrat"/>
+                <a:ea typeface="Montserrat"/>
+                <a:cs typeface="Montserrat"/>
+                <a:sym typeface="Montserrat"/>
+              </a:rPr>
+              <a:t>Answer to the initial question</a:t>
+            </a:r>
+            <a:endParaRPr b="1" sz="1500">
+              <a:latin typeface="Montserrat"/>
+              <a:ea typeface="Montserrat"/>
+              <a:cs typeface="Montserrat"/>
+              <a:sym typeface="Montserrat"/>
+            </a:endParaRPr>
+          </a:p>
+          <a:p>
+            <a:pPr indent="-323850" lvl="1" marL="914400" rtl="0" algn="l">
+              <a:spcBef>
+                <a:spcPts val="0"/>
+              </a:spcBef>
+              <a:spcAft>
+                <a:spcPts val="0"/>
+              </a:spcAft>
+              <a:buSzPts val="1500"/>
+              <a:buFont typeface="Montserrat"/>
+              <a:buChar char="○"/>
+            </a:pPr>
+            <a:r>
+              <a:rPr b="1" lang="en" sz="1500">
+                <a:latin typeface="Montserrat"/>
+                <a:ea typeface="Montserrat"/>
+                <a:cs typeface="Montserrat"/>
+                <a:sym typeface="Montserrat"/>
+              </a:rPr>
+              <a:t>Yes</a:t>
+            </a:r>
+            <a:r>
+              <a:rPr lang="en" sz="1500">
+                <a:latin typeface="Montserrat"/>
+                <a:ea typeface="Montserrat"/>
+                <a:cs typeface="Montserrat"/>
+                <a:sym typeface="Montserrat"/>
+              </a:rPr>
+              <a:t> (at least as far as the trend is concerned)</a:t>
+            </a:r>
+            <a:endParaRPr sz="1500">
+              <a:latin typeface="Montserrat"/>
+              <a:ea typeface="Montserrat"/>
+              <a:cs typeface="Montserrat"/>
+              <a:sym typeface="Montserrat"/>
+            </a:endParaRPr>
+          </a:p>
+          <a:p>
+            <a:pPr indent="-323850" lvl="1" marL="914400" rtl="0" algn="l">
+              <a:spcBef>
+                <a:spcPts val="0"/>
+              </a:spcBef>
+              <a:spcAft>
+                <a:spcPts val="0"/>
+              </a:spcAft>
+              <a:buSzPts val="1500"/>
+              <a:buFont typeface="Montserrat"/>
+              <a:buChar char="○"/>
+            </a:pPr>
+            <a:r>
+              <a:rPr lang="en" sz="1500">
+                <a:latin typeface="Montserrat"/>
+                <a:ea typeface="Montserrat"/>
+                <a:cs typeface="Montserrat"/>
+                <a:sym typeface="Montserrat"/>
+              </a:rPr>
+              <a:t>If we consider a narrow forecast period</a:t>
+            </a:r>
+            <a:endParaRPr sz="1500">
+              <a:latin typeface="Montserrat"/>
+              <a:ea typeface="Montserrat"/>
+              <a:cs typeface="Montserrat"/>
+              <a:sym typeface="Montserrat"/>
+            </a:endParaRPr>
+          </a:p>
+          <a:p>
+            <a:pPr indent="0" lvl="0" marL="457200" rtl="0" algn="l">
+              <a:lnSpc>
+                <a:spcPct val="115000"/>
+              </a:lnSpc>
+              <a:spcBef>
+                <a:spcPts val="0"/>
+              </a:spcBef>
+              <a:spcAft>
+                <a:spcPts val="0"/>
+              </a:spcAft>
+              <a:buNone/>
+            </a:pPr>
+            <a:r>
+              <a:rPr b="1" lang="en" sz="1500">
+                <a:latin typeface="Montserrat"/>
+                <a:ea typeface="Montserrat"/>
+                <a:cs typeface="Montserrat"/>
+                <a:sym typeface="Montserrat"/>
+              </a:rPr>
+              <a:t>Future developments</a:t>
+            </a:r>
+            <a:endParaRPr b="1" sz="1500">
+              <a:latin typeface="Montserrat"/>
+              <a:ea typeface="Montserrat"/>
+              <a:cs typeface="Montserrat"/>
+              <a:sym typeface="Montserrat"/>
+            </a:endParaRPr>
+          </a:p>
+          <a:p>
+            <a:pPr indent="-323850" lvl="1" marL="914400" rtl="0" algn="l">
+              <a:lnSpc>
+                <a:spcPct val="115000"/>
+              </a:lnSpc>
+              <a:spcBef>
+                <a:spcPts val="0"/>
+              </a:spcBef>
+              <a:spcAft>
+                <a:spcPts val="0"/>
+              </a:spcAft>
+              <a:buSzPts val="1500"/>
+              <a:buFont typeface="Montserrat"/>
+              <a:buChar char="○"/>
+            </a:pPr>
+            <a:r>
+              <a:rPr lang="en" sz="1500">
+                <a:latin typeface="Montserrat"/>
+                <a:ea typeface="Montserrat"/>
+                <a:cs typeface="Montserrat"/>
+                <a:sym typeface="Montserrat"/>
+              </a:rPr>
+              <a:t>Create a sliding window on features (additional historical data can be used)</a:t>
+            </a:r>
+            <a:endParaRPr sz="1500">
+              <a:latin typeface="Montserrat"/>
+              <a:ea typeface="Montserrat"/>
+              <a:cs typeface="Montserrat"/>
+              <a:sym typeface="Montserrat"/>
+            </a:endParaRPr>
+          </a:p>
+          <a:p>
+            <a:pPr indent="-323850" lvl="1" marL="914400" rtl="0" algn="l">
+              <a:lnSpc>
+                <a:spcPct val="115000"/>
+              </a:lnSpc>
+              <a:spcBef>
+                <a:spcPts val="0"/>
+              </a:spcBef>
+              <a:spcAft>
+                <a:spcPts val="0"/>
+              </a:spcAft>
+              <a:buSzPts val="1500"/>
+              <a:buFont typeface="Montserrat"/>
+              <a:buChar char="○"/>
+            </a:pPr>
+            <a:r>
+              <a:rPr lang="en" sz="1500">
+                <a:latin typeface="Montserrat"/>
+                <a:ea typeface="Montserrat"/>
+                <a:cs typeface="Montserrat"/>
+                <a:sym typeface="Montserrat"/>
+              </a:rPr>
+              <a:t>Using deep learning approaches such as CNNs (e.g. LSTM, ARIMA...) </a:t>
+            </a:r>
+            <a:endParaRPr sz="1500">
+              <a:latin typeface="Montserrat"/>
+              <a:ea typeface="Montserrat"/>
+              <a:cs typeface="Montserrat"/>
+              <a:sym typeface="Montserrat"/>
+            </a:endParaRPr>
+          </a:p>
+          <a:p>
+            <a:pPr indent="-323850" lvl="1" marL="914400" rtl="0" algn="l">
+              <a:lnSpc>
+                <a:spcPct val="115000"/>
+              </a:lnSpc>
+              <a:spcBef>
+                <a:spcPts val="0"/>
+              </a:spcBef>
+              <a:spcAft>
+                <a:spcPts val="0"/>
+              </a:spcAft>
+              <a:buSzPts val="1500"/>
+              <a:buFont typeface="Montserrat"/>
+              <a:buChar char="○"/>
+            </a:pPr>
+            <a:r>
+              <a:rPr lang="en" sz="1500">
+                <a:latin typeface="Montserrat"/>
+                <a:ea typeface="Montserrat"/>
+                <a:cs typeface="Montserrat"/>
+                <a:sym typeface="Montserrat"/>
+              </a:rPr>
+              <a:t>Implementing Transformer models that exploit self-attention</a:t>
+            </a:r>
+            <a:endParaRPr sz="1500">
+              <a:latin typeface="Montserrat"/>
+              <a:ea typeface="Montserrat"/>
+              <a:cs typeface="Montserrat"/>
+              <a:sym typeface="Montserrat"/>
+            </a:endParaRPr>
+          </a:p>
+        </p:txBody>
+      </p:sp>
+    </p:spTree>
+  </p:cSld>
+  <p:clrMapOvr>
+    <a:masterClrMapping/>
+  </p:clrMapOvr>
+</p:sld>
+</file>
+
+<file path=ppt/slides/slide34.xml><?xml version="1.0" encoding="utf-8"?>
+<p:sld xmlns:a="http://schemas.openxmlformats.org/drawingml/2006/main" xmlns:r="http://schemas.openxmlformats.org/officeDocument/2006/relationships" xmlns:mc="http://schemas.openxmlformats.org/markup-compatibility/2006" xmlns:mv="urn:schemas-microsoft-com:mac:vml" xmlns:p="http://schemas.openxmlformats.org/presentationml/2006/main" xmlns:c="http://schemas.openxmlformats.org/drawingml/2006/chart" xmlns:dgm="http://schemas.openxmlformats.org/drawingml/2006/diagram" xmlns:o="urn:schemas-microsoft-com:office:office" xmlns:v="urn:schemas-microsoft-com:vml" xmlns:pvml="urn:schemas-microsoft-com:office:powerpoint" xmlns:com="http://schemas.openxmlformats.org/drawingml/2006/compatibility" xmlns:p14="http://schemas.microsoft.com/office/powerpoint/2010/main" xmlns:p15="http://schemas.microsoft.com/office/powerpoint/2012/main" xmlns:ahyp="http://schemas.microsoft.com/office/drawing/2018/hyperlinkcolor">
+  <p:cSld>
+    <p:bg>
+      <p:bgPr>
+        <a:solidFill>
+          <a:schemeClr val="lt1"/>
+        </a:solidFill>
+      </p:bgPr>
+    </p:bg>
+    <p:spTree>
+      <p:nvGrpSpPr>
+        <p:cNvPr id="370" name="Shape 370"/>
+        <p:cNvGrpSpPr/>
+        <p:nvPr/>
+      </p:nvGrpSpPr>
+      <p:grpSpPr>
+        <a:xfrm>
+          <a:off x="0" y="0"/>
+          <a:ext cx="0" cy="0"/>
+          <a:chOff x="0" y="0"/>
+          <a:chExt cx="0" cy="0"/>
+        </a:xfrm>
+      </p:grpSpPr>
+      <p:sp>
+        <p:nvSpPr>
+          <p:cNvPr id="371" name="Google Shape;371;g26e1760ff98_1_133"/>
+          <p:cNvSpPr txBox="1"/>
+          <p:nvPr/>
+        </p:nvSpPr>
+        <p:spPr>
+          <a:xfrm>
+            <a:off x="3029325" y="626400"/>
+            <a:ext cx="5221200" cy="553800"/>
+          </a:xfrm>
+          <a:prstGeom prst="rect">
+            <a:avLst/>
+          </a:prstGeom>
+          <a:noFill/>
+          <a:ln>
+            <a:noFill/>
+          </a:ln>
+        </p:spPr>
+        <p:txBody>
+          <a:bodyPr anchorCtr="0" anchor="t" bIns="45700" lIns="91425" spcFirstLastPara="1" rIns="91425" wrap="square" tIns="45700">
+            <a:noAutofit/>
+          </a:bodyPr>
+          <a:lstStyle/>
+          <a:p>
+            <a:pPr indent="0" lvl="0" marL="0" marR="0" rtl="0" algn="l">
+              <a:lnSpc>
+                <a:spcPct val="100000"/>
+              </a:lnSpc>
+              <a:spcBef>
+                <a:spcPts val="0"/>
+              </a:spcBef>
+              <a:spcAft>
+                <a:spcPts val="0"/>
+              </a:spcAft>
+              <a:buClr>
+                <a:srgbClr val="000000"/>
+              </a:buClr>
+              <a:buSzPts val="3000"/>
+              <a:buFont typeface="Arial"/>
+              <a:buNone/>
+            </a:pPr>
+            <a:r>
+              <a:rPr b="1" i="0" lang="en" sz="3000" u="none" cap="none" strike="noStrike">
+                <a:solidFill>
+                  <a:schemeClr val="dk1"/>
+                </a:solidFill>
+                <a:latin typeface="Montserrat"/>
+                <a:ea typeface="Montserrat"/>
+                <a:cs typeface="Montserrat"/>
+                <a:sym typeface="Montserrat"/>
+              </a:rPr>
+              <a:t>Thanks for the attention!</a:t>
+            </a:r>
+            <a:endParaRPr i="0" sz="4300" u="none" cap="none" strike="noStrike">
+              <a:solidFill>
+                <a:schemeClr val="dk1"/>
+              </a:solidFill>
+              <a:latin typeface="Montserrat"/>
+              <a:ea typeface="Montserrat"/>
+              <a:cs typeface="Montserrat"/>
+              <a:sym typeface="Montserrat"/>
+            </a:endParaRPr>
+          </a:p>
+        </p:txBody>
+      </p:sp>
+      <p:pic>
+        <p:nvPicPr>
+          <p:cNvPr id="372" name="Google Shape;372;g26e1760ff98_1_133"/>
+          <p:cNvPicPr preferRelativeResize="0"/>
+          <p:nvPr/>
+        </p:nvPicPr>
+        <p:blipFill rotWithShape="1">
+          <a:blip r:embed="rId3">
+            <a:alphaModFix/>
+          </a:blip>
+          <a:srcRect b="0" l="0" r="0" t="0"/>
+          <a:stretch/>
+        </p:blipFill>
+        <p:spPr>
+          <a:xfrm>
+            <a:off x="3452275" y="1642088"/>
+            <a:ext cx="1910100" cy="1910100"/>
+          </a:xfrm>
+          <a:prstGeom prst="rect">
+            <a:avLst/>
+          </a:prstGeom>
+          <a:noFill/>
+          <a:ln>
+            <a:noFill/>
+          </a:ln>
+        </p:spPr>
+      </p:pic>
+      <p:pic>
+        <p:nvPicPr>
+          <p:cNvPr id="373" name="Google Shape;373;g26e1760ff98_1_133"/>
+          <p:cNvPicPr preferRelativeResize="0"/>
+          <p:nvPr/>
+        </p:nvPicPr>
+        <p:blipFill>
+          <a:blip r:embed="rId4">
+            <a:alphaModFix/>
+          </a:blip>
+          <a:stretch>
+            <a:fillRect/>
+          </a:stretch>
+        </p:blipFill>
+        <p:spPr>
+          <a:xfrm>
+            <a:off x="6265978" y="2006500"/>
+            <a:ext cx="1181299" cy="1181299"/>
+          </a:xfrm>
+          <a:prstGeom prst="rect">
+            <a:avLst/>
+          </a:prstGeom>
+          <a:noFill/>
+          <a:ln>
+            <a:noFill/>
+          </a:ln>
+        </p:spPr>
+      </p:pic>
+      <p:sp>
+        <p:nvSpPr>
+          <p:cNvPr id="374" name="Google Shape;374;g26e1760ff98_1_133"/>
+          <p:cNvSpPr txBox="1"/>
+          <p:nvPr/>
+        </p:nvSpPr>
+        <p:spPr>
+          <a:xfrm>
+            <a:off x="6232025" y="1579800"/>
+            <a:ext cx="1249200" cy="375900"/>
+          </a:xfrm>
+          <a:prstGeom prst="rect">
+            <a:avLst/>
+          </a:prstGeom>
+          <a:noFill/>
+          <a:ln>
+            <a:noFill/>
+          </a:ln>
+        </p:spPr>
+        <p:txBody>
+          <a:bodyPr anchorCtr="0" anchor="t" bIns="91425" lIns="91425" spcFirstLastPara="1" rIns="91425" wrap="square" tIns="91425">
+            <a:noAutofit/>
+          </a:bodyPr>
+          <a:lstStyle/>
+          <a:p>
+            <a:pPr indent="0" lvl="0" marL="0" rtl="0" algn="l">
+              <a:lnSpc>
+                <a:spcPct val="115000"/>
+              </a:lnSpc>
+              <a:spcBef>
+                <a:spcPts val="0"/>
+              </a:spcBef>
+              <a:spcAft>
+                <a:spcPts val="0"/>
+              </a:spcAft>
+              <a:buNone/>
+            </a:pPr>
+            <a:r>
+              <a:rPr lang="en" sz="1500">
+                <a:solidFill>
+                  <a:srgbClr val="191919"/>
+                </a:solidFill>
+                <a:latin typeface="Lato"/>
+                <a:ea typeface="Lato"/>
+                <a:cs typeface="Lato"/>
+                <a:sym typeface="Lato"/>
+              </a:rPr>
+              <a:t>Danilo Corsi</a:t>
+            </a:r>
+            <a:endParaRPr sz="1500">
+              <a:solidFill>
+                <a:srgbClr val="191919"/>
+              </a:solidFill>
+              <a:latin typeface="Lato"/>
+              <a:ea typeface="Lato"/>
+              <a:cs typeface="Lato"/>
+              <a:sym typeface="Lato"/>
+            </a:endParaRPr>
+          </a:p>
+        </p:txBody>
+      </p:sp>
+      <p:sp>
+        <p:nvSpPr>
+          <p:cNvPr id="375" name="Google Shape;375;g26e1760ff98_1_133"/>
+          <p:cNvSpPr txBox="1"/>
+          <p:nvPr/>
+        </p:nvSpPr>
+        <p:spPr>
+          <a:xfrm>
+            <a:off x="5901571" y="3187800"/>
+            <a:ext cx="1910100" cy="375900"/>
+          </a:xfrm>
+          <a:prstGeom prst="rect">
+            <a:avLst/>
+          </a:prstGeom>
+          <a:noFill/>
+          <a:ln>
+            <a:noFill/>
+          </a:ln>
+        </p:spPr>
+        <p:txBody>
+          <a:bodyPr anchorCtr="0" anchor="t" bIns="91425" lIns="91425" spcFirstLastPara="1" rIns="91425" wrap="square" tIns="91425">
+            <a:noAutofit/>
+          </a:bodyPr>
+          <a:lstStyle/>
+          <a:p>
+            <a:pPr indent="0" lvl="0" marL="0" rtl="0" algn="l">
+              <a:lnSpc>
+                <a:spcPct val="115000"/>
+              </a:lnSpc>
+              <a:spcBef>
+                <a:spcPts val="0"/>
+              </a:spcBef>
+              <a:spcAft>
+                <a:spcPts val="0"/>
+              </a:spcAft>
+              <a:buNone/>
+            </a:pPr>
+            <a:r>
+              <a:rPr lang="en" sz="1000">
+                <a:solidFill>
+                  <a:srgbClr val="191919"/>
+                </a:solidFill>
+                <a:latin typeface="Lato"/>
+                <a:ea typeface="Lato"/>
+                <a:cs typeface="Lato"/>
+                <a:sym typeface="Lato"/>
+              </a:rPr>
+              <a:t>https://github.com/CorsiDanilo</a:t>
+            </a:r>
+            <a:endParaRPr sz="1000">
+              <a:solidFill>
+                <a:srgbClr val="191919"/>
+              </a:solidFill>
+              <a:latin typeface="Lato"/>
+              <a:ea typeface="Lato"/>
+              <a:cs typeface="Lato"/>
+              <a:sym typeface="Lato"/>
+            </a:endParaRPr>
+          </a:p>
+        </p:txBody>
+      </p:sp>
+      <p:pic>
+        <p:nvPicPr>
+          <p:cNvPr id="376" name="Google Shape;376;g26e1760ff98_1_133"/>
+          <p:cNvPicPr preferRelativeResize="0"/>
+          <p:nvPr/>
+        </p:nvPicPr>
+        <p:blipFill>
+          <a:blip r:embed="rId5">
+            <a:alphaModFix/>
+          </a:blip>
+          <a:stretch>
+            <a:fillRect/>
+          </a:stretch>
+        </p:blipFill>
+        <p:spPr>
+          <a:xfrm>
+            <a:off x="225488" y="1171100"/>
+            <a:ext cx="2576275" cy="2576275"/>
+          </a:xfrm>
+          <a:prstGeom prst="rect">
+            <a:avLst/>
+          </a:prstGeom>
+          <a:noFill/>
+          <a:ln>
+            <a:noFill/>
+          </a:ln>
+        </p:spPr>
+      </p:pic>
+      <p:pic>
+        <p:nvPicPr>
+          <p:cNvPr id="377" name="Google Shape;377;g26e1760ff98_1_133"/>
           <p:cNvPicPr preferRelativeResize="0"/>
           <p:nvPr/>
         </p:nvPicPr>
@@ -18945,7 +19447,7 @@
                 <a:cs typeface="Montserrat"/>
                 <a:sym typeface="Montserrat"/>
               </a:rPr>
-              <a:t>Dataset</a:t>
+              <a:t>Dataset and features</a:t>
             </a:r>
             <a:endParaRPr b="1" sz="1500">
               <a:latin typeface="Montserrat"/>
@@ -19505,7 +20007,7 @@
                 <a:cs typeface="Montserrat"/>
                 <a:sym typeface="Montserrat"/>
               </a:rPr>
-              <a:t>Dataset</a:t>
+              <a:t>Dataset and features</a:t>
             </a:r>
             <a:endParaRPr b="1" sz="1500">
               <a:latin typeface="Montserrat"/>
@@ -21536,6 +22038,285 @@
 </file>
 
 <file path=ppt/theme/theme1.xml><?xml version="1.0" encoding="utf-8"?>
+<a:theme xmlns:a="http://schemas.openxmlformats.org/drawingml/2006/main" xmlns:r="http://schemas.openxmlformats.org/officeDocument/2006/relationships">
+  <a:themeElements>
+    <a:clrScheme name="Default">
+      <a:dk1>
+        <a:srgbClr val="000000"/>
+      </a:dk1>
+      <a:lt1>
+        <a:srgbClr val="FFFFFF"/>
+      </a:lt1>
+      <a:dk2>
+        <a:srgbClr val="158158"/>
+      </a:dk2>
+      <a:lt2>
+        <a:srgbClr val="F3F3F3"/>
+      </a:lt2>
+      <a:accent1>
+        <a:srgbClr val="058DC7"/>
+      </a:accent1>
+      <a:accent2>
+        <a:srgbClr val="50B432"/>
+      </a:accent2>
+      <a:accent3>
+        <a:srgbClr val="ED561B"/>
+      </a:accent3>
+      <a:accent4>
+        <a:srgbClr val="EDEF00"/>
+      </a:accent4>
+      <a:accent5>
+        <a:srgbClr val="24CBE5"/>
+      </a:accent5>
+      <a:accent6>
+        <a:srgbClr val="64E572"/>
+      </a:accent6>
+      <a:hlink>
+        <a:srgbClr val="2200CC"/>
+      </a:hlink>
+      <a:folHlink>
+        <a:srgbClr val="551A8B"/>
+      </a:folHlink>
+    </a:clrScheme>
+    <a:fontScheme name="Office">
+      <a:majorFont>
+        <a:latin typeface="Arial"/>
+        <a:ea typeface=""/>
+        <a:cs typeface=""/>
+        <a:font script="Jpan" typeface="ＭＳ Ｐゴシック"/>
+        <a:font script="Hang" typeface="맑은 고딕"/>
+        <a:font script="Hans" typeface="宋体"/>
+        <a:font script="Hant" typeface="新細明體"/>
+        <a:font script="Arab" typeface="Times New Roman"/>
+        <a:font script="Hebr" typeface="Times New Roman"/>
+        <a:font script="Thai" typeface="Angsana New"/>
+        <a:font script="Ethi" typeface="Nyala"/>
+        <a:font script="Beng" typeface="Vrinda"/>
+        <a:font script="Gujr" typeface="Shruti"/>
+        <a:font script="Khmr" typeface="MoolBoran"/>
+        <a:font script="Knda" typeface="Tunga"/>
+        <a:font script="Guru" typeface="Raavi"/>
+        <a:font script="Cans" typeface="Euphemia"/>
+        <a:font script="Cher" typeface="Plantagenet Cherokee"/>
+        <a:font script="Yiii" typeface="Microsoft Yi Baiti"/>
+        <a:font script="Tibt" typeface="Microsoft Himalaya"/>
+        <a:font script="Thaa" typeface="MV Boli"/>
+        <a:font script="Deva" typeface="Mangal"/>
+        <a:font script="Telu" typeface="Gautami"/>
+        <a:font script="Taml" typeface="Latha"/>
+        <a:font script="Syrc" typeface="Estrangelo Edessa"/>
+        <a:font script="Orya" typeface="Kalinga"/>
+        <a:font script="Mlym" typeface="Kartika"/>
+        <a:font script="Laoo" typeface="DokChampa"/>
+        <a:font script="Sinh" typeface="Iskoola Pota"/>
+        <a:font script="Mong" typeface="Mongolian Baiti"/>
+        <a:font script="Viet" typeface="Times New Roman"/>
+        <a:font script="Uigh" typeface="Microsoft Uighur"/>
+        <a:font script="Geor" typeface="Sylfaen"/>
+      </a:majorFont>
+      <a:minorFont>
+        <a:latin typeface="Arial"/>
+        <a:ea typeface=""/>
+        <a:cs typeface=""/>
+        <a:font script="Jpan" typeface="ＭＳ Ｐゴシック"/>
+        <a:font script="Hang" typeface="맑은 고딕"/>
+        <a:font script="Hans" typeface="宋体"/>
+        <a:font script="Hant" typeface="新細明體"/>
+        <a:font script="Arab" typeface="Arial"/>
+        <a:font script="Hebr" typeface="Arial"/>
+        <a:font script="Thai" typeface="Cordia New"/>
+        <a:font script="Ethi" typeface="Nyala"/>
+        <a:font script="Beng" typeface="Vrinda"/>
+        <a:font script="Gujr" typeface="Shruti"/>
+        <a:font script="Khmr" typeface="DaunPenh"/>
+        <a:font script="Knda" typeface="Tunga"/>
+        <a:font script="Guru" typeface="Raavi"/>
+        <a:font script="Cans" typeface="Euphemia"/>
+        <a:font script="Cher" typeface="Plantagenet Cherokee"/>
+        <a:font script="Yiii" typeface="Microsoft Yi Baiti"/>
+        <a:font script="Tibt" typeface="Microsoft Himalaya"/>
+        <a:font script="Thaa" typeface="MV Boli"/>
+        <a:font script="Deva" typeface="Mangal"/>
+        <a:font script="Telu" typeface="Gautami"/>
+        <a:font script="Taml" typeface="Latha"/>
+        <a:font script="Syrc" typeface="Estrangelo Edessa"/>
+        <a:font script="Orya" typeface="Kalinga"/>
+        <a:font script="Mlym" typeface="Kartika"/>
+        <a:font script="Laoo" typeface="DokChampa"/>
+        <a:font script="Sinh" typeface="Iskoola Pota"/>
+        <a:font script="Mong" typeface="Mongolian Baiti"/>
+        <a:font script="Viet" typeface="Arial"/>
+        <a:font script="Uigh" typeface="Microsoft Uighur"/>
+        <a:font script="Geor" typeface="Sylfaen"/>
+      </a:minorFont>
+    </a:fontScheme>
+    <a:fmtScheme name="Office">
+      <a:fillStyleLst>
+        <a:solidFill>
+          <a:schemeClr val="phClr"/>
+        </a:solidFill>
+        <a:gradFill rotWithShape="1">
+          <a:gsLst>
+            <a:gs pos="0">
+              <a:schemeClr val="phClr">
+                <a:tint val="50000"/>
+                <a:satMod val="300000"/>
+              </a:schemeClr>
+            </a:gs>
+            <a:gs pos="35000">
+              <a:schemeClr val="phClr">
+                <a:tint val="37000"/>
+                <a:satMod val="300000"/>
+              </a:schemeClr>
+            </a:gs>
+            <a:gs pos="100000">
+              <a:schemeClr val="phClr">
+                <a:tint val="15000"/>
+                <a:satMod val="350000"/>
+              </a:schemeClr>
+            </a:gs>
+          </a:gsLst>
+          <a:lin ang="16200000" scaled="1"/>
+        </a:gradFill>
+        <a:gradFill rotWithShape="1">
+          <a:gsLst>
+            <a:gs pos="0">
+              <a:schemeClr val="phClr">
+                <a:tint val="100000"/>
+                <a:shade val="100000"/>
+                <a:satMod val="130000"/>
+              </a:schemeClr>
+            </a:gs>
+            <a:gs pos="100000">
+              <a:schemeClr val="phClr">
+                <a:tint val="50000"/>
+                <a:shade val="100000"/>
+                <a:satMod val="350000"/>
+              </a:schemeClr>
+            </a:gs>
+          </a:gsLst>
+          <a:lin ang="16200000" scaled="0"/>
+        </a:gradFill>
+      </a:fillStyleLst>
+      <a:lnStyleLst>
+        <a:ln w="9525" cap="flat" cmpd="sng" algn="ctr">
+          <a:solidFill>
+            <a:schemeClr val="phClr">
+              <a:shade val="95000"/>
+              <a:satMod val="105000"/>
+            </a:schemeClr>
+          </a:solidFill>
+          <a:prstDash val="solid"/>
+        </a:ln>
+        <a:ln w="25400" cap="flat" cmpd="sng" algn="ctr">
+          <a:solidFill>
+            <a:schemeClr val="phClr"/>
+          </a:solidFill>
+          <a:prstDash val="solid"/>
+        </a:ln>
+        <a:ln w="38100" cap="flat" cmpd="sng" algn="ctr">
+          <a:solidFill>
+            <a:schemeClr val="phClr"/>
+          </a:solidFill>
+          <a:prstDash val="solid"/>
+        </a:ln>
+      </a:lnStyleLst>
+      <a:effectStyleLst>
+        <a:effectStyle>
+          <a:effectLst>
+            <a:outerShdw blurRad="40000" dist="20000" dir="5400000" rotWithShape="0">
+              <a:srgbClr val="000000">
+                <a:alpha val="38000"/>
+              </a:srgbClr>
+            </a:outerShdw>
+          </a:effectLst>
+        </a:effectStyle>
+        <a:effectStyle>
+          <a:effectLst>
+            <a:outerShdw blurRad="40000" dist="23000" dir="5400000" rotWithShape="0">
+              <a:srgbClr val="000000">
+                <a:alpha val="35000"/>
+              </a:srgbClr>
+            </a:outerShdw>
+          </a:effectLst>
+        </a:effectStyle>
+        <a:effectStyle>
+          <a:effectLst>
+            <a:outerShdw blurRad="40000" dist="23000" dir="5400000" rotWithShape="0">
+              <a:srgbClr val="000000">
+                <a:alpha val="35000"/>
+              </a:srgbClr>
+            </a:outerShdw>
+          </a:effectLst>
+          <a:scene3d>
+            <a:camera prst="orthographicFront">
+              <a:rot lat="0" lon="0" rev="0"/>
+            </a:camera>
+            <a:lightRig rig="threePt" dir="t">
+              <a:rot lat="0" lon="0" rev="1200000"/>
+            </a:lightRig>
+          </a:scene3d>
+          <a:sp3d>
+            <a:bevelT w="63500" h="25400"/>
+          </a:sp3d>
+        </a:effectStyle>
+      </a:effectStyleLst>
+      <a:bgFillStyleLst>
+        <a:solidFill>
+          <a:schemeClr val="phClr"/>
+        </a:solidFill>
+        <a:gradFill rotWithShape="1">
+          <a:gsLst>
+            <a:gs pos="0">
+              <a:schemeClr val="phClr">
+                <a:tint val="40000"/>
+                <a:satMod val="350000"/>
+              </a:schemeClr>
+            </a:gs>
+            <a:gs pos="40000">
+              <a:schemeClr val="phClr">
+                <a:tint val="45000"/>
+                <a:shade val="99000"/>
+                <a:satMod val="350000"/>
+              </a:schemeClr>
+            </a:gs>
+            <a:gs pos="100000">
+              <a:schemeClr val="phClr">
+                <a:shade val="20000"/>
+                <a:satMod val="255000"/>
+              </a:schemeClr>
+            </a:gs>
+          </a:gsLst>
+          <a:path path="circle">
+            <a:fillToRect l="50000" t="-80000" r="50000" b="180000"/>
+          </a:path>
+        </a:gradFill>
+        <a:gradFill rotWithShape="1">
+          <a:gsLst>
+            <a:gs pos="0">
+              <a:schemeClr val="phClr">
+                <a:tint val="80000"/>
+                <a:satMod val="300000"/>
+              </a:schemeClr>
+            </a:gs>
+            <a:gs pos="100000">
+              <a:schemeClr val="phClr">
+                <a:shade val="30000"/>
+                <a:satMod val="200000"/>
+              </a:schemeClr>
+            </a:gs>
+          </a:gsLst>
+          <a:path path="circle">
+            <a:fillToRect l="50000" t="50000" r="50000" b="50000"/>
+          </a:path>
+        </a:gradFill>
+      </a:bgFillStyleLst>
+    </a:fmtScheme>
+  </a:themeElements>
+</a:theme>
+</file>
+
+<file path=ppt/theme/theme2.xml><?xml version="1.0" encoding="utf-8"?>
 <a:theme xmlns:a="http://schemas.openxmlformats.org/drawingml/2006/main" xmlns:r="http://schemas.openxmlformats.org/officeDocument/2006/relationships" name="Simple Light">
   <a:themeElements>
     <a:clrScheme name="Simple Light">
@@ -21812,283 +22593,4 @@
     </a:fmtScheme>
   </a:themeElements>
 </a:theme>
-</file>
-
-<file path=ppt/theme/theme2.xml><?xml version="1.0" encoding="utf-8"?>
-<a:theme xmlns:a="http://schemas.openxmlformats.org/drawingml/2006/main" xmlns:r="http://schemas.openxmlformats.org/officeDocument/2006/relationships">
-  <a:themeElements>
-    <a:clrScheme name="Default">
-      <a:dk1>
-        <a:srgbClr val="000000"/>
-      </a:dk1>
-      <a:lt1>
-        <a:srgbClr val="FFFFFF"/>
-      </a:lt1>
-      <a:dk2>
-        <a:srgbClr val="158158"/>
-      </a:dk2>
-      <a:lt2>
-        <a:srgbClr val="F3F3F3"/>
-      </a:lt2>
-      <a:accent1>
-        <a:srgbClr val="058DC7"/>
-      </a:accent1>
-      <a:accent2>
-        <a:srgbClr val="50B432"/>
-      </a:accent2>
-      <a:accent3>
-        <a:srgbClr val="ED561B"/>
-      </a:accent3>
-      <a:accent4>
-        <a:srgbClr val="EDEF00"/>
-      </a:accent4>
-      <a:accent5>
-        <a:srgbClr val="24CBE5"/>
-      </a:accent5>
-      <a:accent6>
-        <a:srgbClr val="64E572"/>
-      </a:accent6>
-      <a:hlink>
-        <a:srgbClr val="2200CC"/>
-      </a:hlink>
-      <a:folHlink>
-        <a:srgbClr val="551A8B"/>
-      </a:folHlink>
-    </a:clrScheme>
-    <a:fontScheme name="Office">
-      <a:majorFont>
-        <a:latin typeface="Arial"/>
-        <a:ea typeface=""/>
-        <a:cs typeface=""/>
-        <a:font script="Jpan" typeface="ＭＳ Ｐゴシック"/>
-        <a:font script="Hang" typeface="맑은 고딕"/>
-        <a:font script="Hans" typeface="宋体"/>
-        <a:font script="Hant" typeface="新細明體"/>
-        <a:font script="Arab" typeface="Times New Roman"/>
-        <a:font script="Hebr" typeface="Times New Roman"/>
-        <a:font script="Thai" typeface="Angsana New"/>
-        <a:font script="Ethi" typeface="Nyala"/>
-        <a:font script="Beng" typeface="Vrinda"/>
-        <a:font script="Gujr" typeface="Shruti"/>
-        <a:font script="Khmr" typeface="MoolBoran"/>
-        <a:font script="Knda" typeface="Tunga"/>
-        <a:font script="Guru" typeface="Raavi"/>
-        <a:font script="Cans" typeface="Euphemia"/>
-        <a:font script="Cher" typeface="Plantagenet Cherokee"/>
-        <a:font script="Yiii" typeface="Microsoft Yi Baiti"/>
-        <a:font script="Tibt" typeface="Microsoft Himalaya"/>
-        <a:font script="Thaa" typeface="MV Boli"/>
-        <a:font script="Deva" typeface="Mangal"/>
-        <a:font script="Telu" typeface="Gautami"/>
-        <a:font script="Taml" typeface="Latha"/>
-        <a:font script="Syrc" typeface="Estrangelo Edessa"/>
-        <a:font script="Orya" typeface="Kalinga"/>
-        <a:font script="Mlym" typeface="Kartika"/>
-        <a:font script="Laoo" typeface="DokChampa"/>
-        <a:font script="Sinh" typeface="Iskoola Pota"/>
-        <a:font script="Mong" typeface="Mongolian Baiti"/>
-        <a:font script="Viet" typeface="Times New Roman"/>
-        <a:font script="Uigh" typeface="Microsoft Uighur"/>
-        <a:font script="Geor" typeface="Sylfaen"/>
-      </a:majorFont>
-      <a:minorFont>
-        <a:latin typeface="Arial"/>
-        <a:ea typeface=""/>
-        <a:cs typeface=""/>
-        <a:font script="Jpan" typeface="ＭＳ Ｐゴシック"/>
-        <a:font script="Hang" typeface="맑은 고딕"/>
-        <a:font script="Hans" typeface="宋体"/>
-        <a:font script="Hant" typeface="新細明體"/>
-        <a:font script="Arab" typeface="Arial"/>
-        <a:font script="Hebr" typeface="Arial"/>
-        <a:font script="Thai" typeface="Cordia New"/>
-        <a:font script="Ethi" typeface="Nyala"/>
-        <a:font script="Beng" typeface="Vrinda"/>
-        <a:font script="Gujr" typeface="Shruti"/>
-        <a:font script="Khmr" typeface="DaunPenh"/>
-        <a:font script="Knda" typeface="Tunga"/>
-        <a:font script="Guru" typeface="Raavi"/>
-        <a:font script="Cans" typeface="Euphemia"/>
-        <a:font script="Cher" typeface="Plantagenet Cherokee"/>
-        <a:font script="Yiii" typeface="Microsoft Yi Baiti"/>
-        <a:font script="Tibt" typeface="Microsoft Himalaya"/>
-        <a:font script="Thaa" typeface="MV Boli"/>
-        <a:font script="Deva" typeface="Mangal"/>
-        <a:font script="Telu" typeface="Gautami"/>
-        <a:font script="Taml" typeface="Latha"/>
-        <a:font script="Syrc" typeface="Estrangelo Edessa"/>
-        <a:font script="Orya" typeface="Kalinga"/>
-        <a:font script="Mlym" typeface="Kartika"/>
-        <a:font script="Laoo" typeface="DokChampa"/>
-        <a:font script="Sinh" typeface="Iskoola Pota"/>
-        <a:font script="Mong" typeface="Mongolian Baiti"/>
-        <a:font script="Viet" typeface="Arial"/>
-        <a:font script="Uigh" typeface="Microsoft Uighur"/>
-        <a:font script="Geor" typeface="Sylfaen"/>
-      </a:minorFont>
-    </a:fontScheme>
-    <a:fmtScheme name="Office">
-      <a:fillStyleLst>
-        <a:solidFill>
-          <a:schemeClr val="phClr"/>
-        </a:solidFill>
-        <a:gradFill rotWithShape="1">
-          <a:gsLst>
-            <a:gs pos="0">
-              <a:schemeClr val="phClr">
-                <a:tint val="50000"/>
-                <a:satMod val="300000"/>
-              </a:schemeClr>
-            </a:gs>
-            <a:gs pos="35000">
-              <a:schemeClr val="phClr">
-                <a:tint val="37000"/>
-                <a:satMod val="300000"/>
-              </a:schemeClr>
-            </a:gs>
-            <a:gs pos="100000">
-              <a:schemeClr val="phClr">
-                <a:tint val="15000"/>
-                <a:satMod val="350000"/>
-              </a:schemeClr>
-            </a:gs>
-          </a:gsLst>
-          <a:lin ang="16200000" scaled="1"/>
-        </a:gradFill>
-        <a:gradFill rotWithShape="1">
-          <a:gsLst>
-            <a:gs pos="0">
-              <a:schemeClr val="phClr">
-                <a:tint val="100000"/>
-                <a:shade val="100000"/>
-                <a:satMod val="130000"/>
-              </a:schemeClr>
-            </a:gs>
-            <a:gs pos="100000">
-              <a:schemeClr val="phClr">
-                <a:tint val="50000"/>
-                <a:shade val="100000"/>
-                <a:satMod val="350000"/>
-              </a:schemeClr>
-            </a:gs>
-          </a:gsLst>
-          <a:lin ang="16200000" scaled="0"/>
-        </a:gradFill>
-      </a:fillStyleLst>
-      <a:lnStyleLst>
-        <a:ln w="9525" cap="flat" cmpd="sng" algn="ctr">
-          <a:solidFill>
-            <a:schemeClr val="phClr">
-              <a:shade val="95000"/>
-              <a:satMod val="105000"/>
-            </a:schemeClr>
-          </a:solidFill>
-          <a:prstDash val="solid"/>
-        </a:ln>
-        <a:ln w="25400" cap="flat" cmpd="sng" algn="ctr">
-          <a:solidFill>
-            <a:schemeClr val="phClr"/>
-          </a:solidFill>
-          <a:prstDash val="solid"/>
-        </a:ln>
-        <a:ln w="38100" cap="flat" cmpd="sng" algn="ctr">
-          <a:solidFill>
-            <a:schemeClr val="phClr"/>
-          </a:solidFill>
-          <a:prstDash val="solid"/>
-        </a:ln>
-      </a:lnStyleLst>
-      <a:effectStyleLst>
-        <a:effectStyle>
-          <a:effectLst>
-            <a:outerShdw blurRad="40000" dist="20000" dir="5400000" rotWithShape="0">
-              <a:srgbClr val="000000">
-                <a:alpha val="38000"/>
-              </a:srgbClr>
-            </a:outerShdw>
-          </a:effectLst>
-        </a:effectStyle>
-        <a:effectStyle>
-          <a:effectLst>
-            <a:outerShdw blurRad="40000" dist="23000" dir="5400000" rotWithShape="0">
-              <a:srgbClr val="000000">
-                <a:alpha val="35000"/>
-              </a:srgbClr>
-            </a:outerShdw>
-          </a:effectLst>
-        </a:effectStyle>
-        <a:effectStyle>
-          <a:effectLst>
-            <a:outerShdw blurRad="40000" dist="23000" dir="5400000" rotWithShape="0">
-              <a:srgbClr val="000000">
-                <a:alpha val="35000"/>
-              </a:srgbClr>
-            </a:outerShdw>
-          </a:effectLst>
-          <a:scene3d>
-            <a:camera prst="orthographicFront">
-              <a:rot lat="0" lon="0" rev="0"/>
-            </a:camera>
-            <a:lightRig rig="threePt" dir="t">
-              <a:rot lat="0" lon="0" rev="1200000"/>
-            </a:lightRig>
-          </a:scene3d>
-          <a:sp3d>
-            <a:bevelT w="63500" h="25400"/>
-          </a:sp3d>
-        </a:effectStyle>
-      </a:effectStyleLst>
-      <a:bgFillStyleLst>
-        <a:solidFill>
-          <a:schemeClr val="phClr"/>
-        </a:solidFill>
-        <a:gradFill rotWithShape="1">
-          <a:gsLst>
-            <a:gs pos="0">
-              <a:schemeClr val="phClr">
-                <a:tint val="40000"/>
-                <a:satMod val="350000"/>
-              </a:schemeClr>
-            </a:gs>
-            <a:gs pos="40000">
-              <a:schemeClr val="phClr">
-                <a:tint val="45000"/>
-                <a:shade val="99000"/>
-                <a:satMod val="350000"/>
-              </a:schemeClr>
-            </a:gs>
-            <a:gs pos="100000">
-              <a:schemeClr val="phClr">
-                <a:shade val="20000"/>
-                <a:satMod val="255000"/>
-              </a:schemeClr>
-            </a:gs>
-          </a:gsLst>
-          <a:path path="circle">
-            <a:fillToRect l="50000" t="-80000" r="50000" b="180000"/>
-          </a:path>
-        </a:gradFill>
-        <a:gradFill rotWithShape="1">
-          <a:gsLst>
-            <a:gs pos="0">
-              <a:schemeClr val="phClr">
-                <a:tint val="80000"/>
-                <a:satMod val="300000"/>
-              </a:schemeClr>
-            </a:gs>
-            <a:gs pos="100000">
-              <a:schemeClr val="phClr">
-                <a:shade val="30000"/>
-                <a:satMod val="200000"/>
-              </a:schemeClr>
-            </a:gs>
-          </a:gsLst>
-          <a:path path="circle">
-            <a:fillToRect l="50000" t="50000" r="50000" b="50000"/>
-          </a:path>
-        </a:gradFill>
-      </a:bgFillStyleLst>
-    </a:fmtScheme>
-  </a:themeElements>
-</a:theme>
 </file>
--- a/presentation/presentation.pptx
+++ b/presentation/presentation.pptx
@@ -312,7 +312,7 @@
       </p15:sldGuideLst>
     </p:ext>
     <p:ext uri="GoogleSlidesCustomDataVersion2">
-      <go:slidesCustomData xmlns:go="http://customooxmlschemas.google.com/" r:id="rId54" roundtripDataSignature="AMtx7mjQ4ihSHl2AmpFg3sGBkdvrkq6t5w=="/>
+      <go:slidesCustomData xmlns:go="http://customooxmlschemas.google.com/" r:id="rId54" roundtripDataSignature="AMtx7mjqTjnXvBxzfUJIfmgu5rxlDanqEg=="/>
     </p:ext>
   </p:extLst>
 </p:presentation>
@@ -4424,7 +4424,7 @@
   <p:cSld>
     <p:spTree>
       <p:nvGrpSpPr>
-        <p:cNvPr id="336" name="Shape 336"/>
+        <p:cNvPr id="337" name="Shape 337"/>
         <p:cNvGrpSpPr/>
         <p:nvPr/>
       </p:nvGrpSpPr>
@@ -4438,7 +4438,7 @@
       </p:grpSpPr>
       <p:sp>
         <p:nvSpPr>
-          <p:cNvPr id="337" name="Google Shape;337;g2a75948b1fc_3_59:notes"/>
+          <p:cNvPr id="338" name="Google Shape;338;g2a75948b1fc_3_59:notes"/>
           <p:cNvSpPr/>
           <p:nvPr>
             <p:ph idx="2" type="sldImg"/>
@@ -4483,7 +4483,7 @@
       </p:sp>
       <p:sp>
         <p:nvSpPr>
-          <p:cNvPr id="338" name="Google Shape;338;g2a75948b1fc_3_59:notes"/>
+          <p:cNvPr id="339" name="Google Shape;339;g2a75948b1fc_3_59:notes"/>
           <p:cNvSpPr txBox="1"/>
           <p:nvPr>
             <p:ph idx="1" type="body"/>
@@ -4545,7 +4545,7 @@
   <p:cSld>
     <p:spTree>
       <p:nvGrpSpPr>
-        <p:cNvPr id="346" name="Shape 346"/>
+        <p:cNvPr id="347" name="Shape 347"/>
         <p:cNvGrpSpPr/>
         <p:nvPr/>
       </p:nvGrpSpPr>
@@ -4559,7 +4559,7 @@
       </p:grpSpPr>
       <p:sp>
         <p:nvSpPr>
-          <p:cNvPr id="347" name="Google Shape;347;g2a8be63b007_0_53:notes"/>
+          <p:cNvPr id="348" name="Google Shape;348;g2a8be63b007_0_53:notes"/>
           <p:cNvSpPr/>
           <p:nvPr>
             <p:ph idx="2" type="sldImg"/>
@@ -4604,7 +4604,7 @@
       </p:sp>
       <p:sp>
         <p:nvSpPr>
-          <p:cNvPr id="348" name="Google Shape;348;g2a8be63b007_0_53:notes"/>
+          <p:cNvPr id="349" name="Google Shape;349;g2a8be63b007_0_53:notes"/>
           <p:cNvSpPr txBox="1"/>
           <p:nvPr>
             <p:ph idx="1" type="body"/>
@@ -4670,7 +4670,7 @@
   <p:cSld>
     <p:spTree>
       <p:nvGrpSpPr>
-        <p:cNvPr id="357" name="Shape 357"/>
+        <p:cNvPr id="358" name="Shape 358"/>
         <p:cNvGrpSpPr/>
         <p:nvPr/>
       </p:nvGrpSpPr>
@@ -4684,7 +4684,7 @@
       </p:grpSpPr>
       <p:sp>
         <p:nvSpPr>
-          <p:cNvPr id="358" name="Google Shape;358;g2a0c6f9b0a2_0_103:notes"/>
+          <p:cNvPr id="359" name="Google Shape;359;g2a0c6f9b0a2_0_103:notes"/>
           <p:cNvSpPr/>
           <p:nvPr>
             <p:ph idx="2" type="sldImg"/>
@@ -4729,7 +4729,7 @@
       </p:sp>
       <p:sp>
         <p:nvSpPr>
-          <p:cNvPr id="359" name="Google Shape;359;g2a0c6f9b0a2_0_103:notes"/>
+          <p:cNvPr id="360" name="Google Shape;360;g2a0c6f9b0a2_0_103:notes"/>
           <p:cNvSpPr txBox="1"/>
           <p:nvPr>
             <p:ph idx="1" type="body"/>
@@ -4788,7 +4788,7 @@
   <p:cSld>
     <p:spTree>
       <p:nvGrpSpPr>
-        <p:cNvPr id="376" name="Shape 376"/>
+        <p:cNvPr id="377" name="Shape 377"/>
         <p:cNvGrpSpPr/>
         <p:nvPr/>
       </p:nvGrpSpPr>
@@ -4802,7 +4802,7 @@
       </p:grpSpPr>
       <p:sp>
         <p:nvSpPr>
-          <p:cNvPr id="377" name="Google Shape;377;g2a58cb8d4e2_0_19:notes"/>
+          <p:cNvPr id="378" name="Google Shape;378;g2a58cb8d4e2_0_19:notes"/>
           <p:cNvSpPr/>
           <p:nvPr>
             <p:ph idx="2" type="sldImg"/>
@@ -4847,7 +4847,7 @@
       </p:sp>
       <p:sp>
         <p:nvSpPr>
-          <p:cNvPr id="378" name="Google Shape;378;g2a58cb8d4e2_0_19:notes"/>
+          <p:cNvPr id="379" name="Google Shape;379;g2a58cb8d4e2_0_19:notes"/>
           <p:cNvSpPr txBox="1"/>
           <p:nvPr>
             <p:ph idx="1" type="body"/>
@@ -4932,7 +4932,7 @@
   <p:cSld>
     <p:spTree>
       <p:nvGrpSpPr>
-        <p:cNvPr id="393" name="Shape 393"/>
+        <p:cNvPr id="394" name="Shape 394"/>
         <p:cNvGrpSpPr/>
         <p:nvPr/>
       </p:nvGrpSpPr>
@@ -4946,7 +4946,7 @@
       </p:grpSpPr>
       <p:sp>
         <p:nvSpPr>
-          <p:cNvPr id="394" name="Google Shape;394;g2a8639fb0e6_0_52:notes"/>
+          <p:cNvPr id="395" name="Google Shape;395;g2a8639fb0e6_0_52:notes"/>
           <p:cNvSpPr/>
           <p:nvPr>
             <p:ph idx="2" type="sldImg"/>
@@ -4991,7 +4991,7 @@
       </p:sp>
       <p:sp>
         <p:nvSpPr>
-          <p:cNvPr id="395" name="Google Shape;395;g2a8639fb0e6_0_52:notes"/>
+          <p:cNvPr id="396" name="Google Shape;396;g2a8639fb0e6_0_52:notes"/>
           <p:cNvSpPr txBox="1"/>
           <p:nvPr>
             <p:ph idx="1" type="body"/>
@@ -5050,7 +5050,7 @@
   <p:cSld>
     <p:spTree>
       <p:nvGrpSpPr>
-        <p:cNvPr id="410" name="Shape 410"/>
+        <p:cNvPr id="411" name="Shape 411"/>
         <p:cNvGrpSpPr/>
         <p:nvPr/>
       </p:nvGrpSpPr>
@@ -5064,7 +5064,7 @@
       </p:grpSpPr>
       <p:sp>
         <p:nvSpPr>
-          <p:cNvPr id="411" name="Google Shape;411;g2a7c40ec614_0_1:notes"/>
+          <p:cNvPr id="412" name="Google Shape;412;g2a7c40ec614_0_1:notes"/>
           <p:cNvSpPr/>
           <p:nvPr>
             <p:ph idx="2" type="sldImg"/>
@@ -5109,7 +5109,7 @@
       </p:sp>
       <p:sp>
         <p:nvSpPr>
-          <p:cNvPr id="412" name="Google Shape;412;g2a7c40ec614_0_1:notes"/>
+          <p:cNvPr id="413" name="Google Shape;413;g2a7c40ec614_0_1:notes"/>
           <p:cNvSpPr txBox="1"/>
           <p:nvPr>
             <p:ph idx="1" type="body"/>
@@ -5183,7 +5183,7 @@
   <p:cSld>
     <p:spTree>
       <p:nvGrpSpPr>
-        <p:cNvPr id="428" name="Shape 428"/>
+        <p:cNvPr id="429" name="Shape 429"/>
         <p:cNvGrpSpPr/>
         <p:nvPr/>
       </p:nvGrpSpPr>
@@ -5197,7 +5197,7 @@
       </p:grpSpPr>
       <p:sp>
         <p:nvSpPr>
-          <p:cNvPr id="429" name="Google Shape;429;g2a8be63b007_0_121:notes"/>
+          <p:cNvPr id="430" name="Google Shape;430;g2a8be63b007_0_121:notes"/>
           <p:cNvSpPr/>
           <p:nvPr>
             <p:ph idx="2" type="sldImg"/>
@@ -5242,7 +5242,7 @@
       </p:sp>
       <p:sp>
         <p:nvSpPr>
-          <p:cNvPr id="430" name="Google Shape;430;g2a8be63b007_0_121:notes"/>
+          <p:cNvPr id="431" name="Google Shape;431;g2a8be63b007_0_121:notes"/>
           <p:cNvSpPr txBox="1"/>
           <p:nvPr>
             <p:ph idx="1" type="body"/>
@@ -5308,7 +5308,7 @@
   <p:cSld>
     <p:spTree>
       <p:nvGrpSpPr>
-        <p:cNvPr id="448" name="Shape 448"/>
+        <p:cNvPr id="449" name="Shape 449"/>
         <p:cNvGrpSpPr/>
         <p:nvPr/>
       </p:nvGrpSpPr>
@@ -5322,7 +5322,7 @@
       </p:grpSpPr>
       <p:sp>
         <p:nvSpPr>
-          <p:cNvPr id="449" name="Google Shape;449;g2a0c6f9b0a2_0_109:notes"/>
+          <p:cNvPr id="450" name="Google Shape;450;g2a0c6f9b0a2_0_109:notes"/>
           <p:cNvSpPr/>
           <p:nvPr>
             <p:ph idx="2" type="sldImg"/>
@@ -5367,7 +5367,7 @@
       </p:sp>
       <p:sp>
         <p:nvSpPr>
-          <p:cNvPr id="450" name="Google Shape;450;g2a0c6f9b0a2_0_109:notes"/>
+          <p:cNvPr id="451" name="Google Shape;451;g2a0c6f9b0a2_0_109:notes"/>
           <p:cNvSpPr txBox="1"/>
           <p:nvPr>
             <p:ph idx="1" type="body"/>
@@ -5499,7 +5499,7 @@
   <p:cSld>
     <p:spTree>
       <p:nvGrpSpPr>
-        <p:cNvPr id="454" name="Shape 454"/>
+        <p:cNvPr id="455" name="Shape 455"/>
         <p:cNvGrpSpPr/>
         <p:nvPr/>
       </p:nvGrpSpPr>
@@ -5513,7 +5513,7 @@
       </p:grpSpPr>
       <p:sp>
         <p:nvSpPr>
-          <p:cNvPr id="455" name="Google Shape;455;g2a8be63b007_0_181:notes"/>
+          <p:cNvPr id="456" name="Google Shape;456;g2a8be63b007_0_181:notes"/>
           <p:cNvSpPr/>
           <p:nvPr>
             <p:ph idx="2" type="sldImg"/>
@@ -5558,7 +5558,7 @@
       </p:sp>
       <p:sp>
         <p:nvSpPr>
-          <p:cNvPr id="456" name="Google Shape;456;g2a8be63b007_0_181:notes"/>
+          <p:cNvPr id="457" name="Google Shape;457;g2a8be63b007_0_181:notes"/>
           <p:cNvSpPr txBox="1"/>
           <p:nvPr>
             <p:ph idx="1" type="body"/>
@@ -5624,7 +5624,11 @@
             </a:pPr>
             <a:r>
               <a:rPr lang="en"/>
-              <a:t>Some future developments could be the creation of a sliding window on features to use additional historical data</a:t>
+              <a:t>Some future developments could be </a:t>
+            </a:r>
+            <a:r>
+              <a:rPr lang="en"/>
+              <a:t>the creation of a sliding window on features to use additional historical data or the consideration of events that could influence the price</a:t>
             </a:r>
             <a:endParaRPr/>
           </a:p>
@@ -5647,7 +5651,7 @@
             </a:pPr>
             <a:r>
               <a:rPr lang="en"/>
-              <a:t>Or the use of deep learning approaches such as CNNs or even the implementation of transformer models that exploit self-attention to better capture trends</a:t>
+              <a:t>Even the use of deep learning approaches such as CNNs and Transformer models that exploit self-attention to better capture trends</a:t>
             </a:r>
             <a:endParaRPr/>
           </a:p>
@@ -5784,7 +5788,7 @@
   <p:cSld>
     <p:spTree>
       <p:nvGrpSpPr>
-        <p:cNvPr id="460" name="Shape 460"/>
+        <p:cNvPr id="461" name="Shape 461"/>
         <p:cNvGrpSpPr/>
         <p:nvPr/>
       </p:nvGrpSpPr>
@@ -5798,7 +5802,7 @@
       </p:grpSpPr>
       <p:sp>
         <p:nvSpPr>
-          <p:cNvPr id="461" name="Google Shape;461;g26e1760ff98_1_133:notes"/>
+          <p:cNvPr id="462" name="Google Shape;462;g26e1760ff98_1_133:notes"/>
           <p:cNvSpPr/>
           <p:nvPr>
             <p:ph idx="2" type="sldImg"/>
@@ -5843,7 +5847,7 @@
       </p:sp>
       <p:sp>
         <p:nvSpPr>
-          <p:cNvPr id="462" name="Google Shape;462;g26e1760ff98_1_133:notes"/>
+          <p:cNvPr id="463" name="Google Shape;463;g26e1760ff98_1_133:notes"/>
           <p:cNvSpPr txBox="1"/>
           <p:nvPr>
             <p:ph idx="1" type="body"/>
@@ -19715,13 +19719,13 @@
           <a:blip r:embed="rId3">
             <a:alphaModFix/>
           </a:blip>
-          <a:srcRect b="0" l="758" r="66810" t="14908"/>
+          <a:srcRect b="0" l="758" r="97450" t="14908"/>
           <a:stretch/>
         </p:blipFill>
         <p:spPr>
           <a:xfrm>
             <a:off x="0" y="1860250"/>
-            <a:ext cx="3257549" cy="2103400"/>
+            <a:ext cx="179825" cy="2103400"/>
           </a:xfrm>
           <a:prstGeom prst="rect">
             <a:avLst/>
@@ -19742,13 +19746,13 @@
           <a:blip r:embed="rId3">
             <a:alphaModFix/>
           </a:blip>
-          <a:srcRect b="5846" l="63793" r="5890" t="14172"/>
+          <a:srcRect b="86890" l="4778" r="66811" t="0"/>
           <a:stretch/>
         </p:blipFill>
         <p:spPr>
           <a:xfrm>
-            <a:off x="6316480" y="1860250"/>
-            <a:ext cx="2827520" cy="1946850"/>
+            <a:off x="179825" y="1417325"/>
+            <a:ext cx="4205051" cy="477500"/>
           </a:xfrm>
           <a:prstGeom prst="rect">
             <a:avLst/>
@@ -19769,13 +19773,13 @@
           <a:blip r:embed="rId3">
             <a:alphaModFix/>
           </a:blip>
-          <a:srcRect b="5846" l="33258" r="35938" t="14172"/>
+          <a:srcRect b="65689" l="94755" r="0" t="18838"/>
           <a:stretch/>
         </p:blipFill>
         <p:spPr>
           <a:xfrm>
-            <a:off x="3377366" y="1860250"/>
-            <a:ext cx="2851082" cy="1946850"/>
+            <a:off x="7991775" y="284900"/>
+            <a:ext cx="768348" cy="557850"/>
           </a:xfrm>
           <a:prstGeom prst="rect">
             <a:avLst/>
@@ -19793,16 +19797,16 @@
           <p:nvPr/>
         </p:nvPicPr>
         <p:blipFill rotWithShape="1">
-          <a:blip r:embed="rId3">
+          <a:blip r:embed="rId4">
             <a:alphaModFix/>
           </a:blip>
-          <a:srcRect b="12710" l="2122" r="96262" t="18950"/>
+          <a:srcRect b="10335" l="2260" r="66938" t="13947"/>
           <a:stretch/>
         </p:blipFill>
         <p:spPr>
           <a:xfrm>
-            <a:off x="3296103" y="1968000"/>
-            <a:ext cx="152223" cy="1694301"/>
+            <a:off x="3174988" y="1968000"/>
+            <a:ext cx="3078323" cy="1629550"/>
           </a:xfrm>
           <a:prstGeom prst="rect">
             <a:avLst/>
@@ -19820,16 +19824,16 @@
           <p:nvPr/>
         </p:nvPicPr>
         <p:blipFill rotWithShape="1">
-          <a:blip r:embed="rId3">
+          <a:blip r:embed="rId4">
             <a:alphaModFix/>
           </a:blip>
-          <a:srcRect b="12710" l="2198" r="96262" t="18950"/>
+          <a:srcRect b="6373" l="33989" r="36462" t="13951"/>
           <a:stretch/>
         </p:blipFill>
         <p:spPr>
           <a:xfrm>
-            <a:off x="6228448" y="1968000"/>
-            <a:ext cx="146176" cy="1694301"/>
+            <a:off x="237800" y="1968000"/>
+            <a:ext cx="2919398" cy="1714725"/>
           </a:xfrm>
           <a:prstGeom prst="rect">
             <a:avLst/>
@@ -19847,16 +19851,16 @@
           <p:nvPr/>
         </p:nvPicPr>
         <p:blipFill rotWithShape="1">
-          <a:blip r:embed="rId3">
+          <a:blip r:embed="rId4">
             <a:alphaModFix/>
           </a:blip>
-          <a:srcRect b="86890" l="4778" r="66811" t="0"/>
+          <a:srcRect b="10452" l="64059" r="5669" t="15314"/>
           <a:stretch/>
         </p:blipFill>
         <p:spPr>
           <a:xfrm>
-            <a:off x="179825" y="1417325"/>
-            <a:ext cx="4205051" cy="477500"/>
+            <a:off x="6271100" y="1994100"/>
+            <a:ext cx="2846700" cy="1603450"/>
           </a:xfrm>
           <a:prstGeom prst="rect">
             <a:avLst/>
@@ -19874,16 +19878,43 @@
           <p:nvPr/>
         </p:nvPicPr>
         <p:blipFill rotWithShape="1">
-          <a:blip r:embed="rId3">
+          <a:blip r:embed="rId4">
             <a:alphaModFix/>
           </a:blip>
-          <a:srcRect b="65689" l="94755" r="0" t="18838"/>
+          <a:srcRect b="10335" l="2260" r="96764" t="13947"/>
           <a:stretch/>
         </p:blipFill>
         <p:spPr>
           <a:xfrm>
-            <a:off x="7991775" y="284900"/>
-            <a:ext cx="768348" cy="557850"/>
+            <a:off x="140413" y="1968000"/>
+            <a:ext cx="97398" cy="1629550"/>
+          </a:xfrm>
+          <a:prstGeom prst="rect">
+            <a:avLst/>
+          </a:prstGeom>
+          <a:noFill/>
+          <a:ln>
+            <a:noFill/>
+          </a:ln>
+        </p:spPr>
+      </p:pic>
+      <p:pic>
+        <p:nvPicPr>
+          <p:cNvPr id="336" name="Google Shape;336;g2a8639fb0e6_0_35"/>
+          <p:cNvPicPr preferRelativeResize="0"/>
+          <p:nvPr/>
+        </p:nvPicPr>
+        <p:blipFill rotWithShape="1">
+          <a:blip r:embed="rId4">
+            <a:alphaModFix/>
+          </a:blip>
+          <a:srcRect b="10335" l="2260" r="96764" t="13947"/>
+          <a:stretch/>
+        </p:blipFill>
+        <p:spPr>
+          <a:xfrm>
+            <a:off x="6253263" y="1968000"/>
+            <a:ext cx="97398" cy="1629550"/>
           </a:xfrm>
           <a:prstGeom prst="rect">
             <a:avLst/>
@@ -19907,7 +19938,7 @@
   <p:cSld>
     <p:spTree>
       <p:nvGrpSpPr>
-        <p:cNvPr id="339" name="Shape 339"/>
+        <p:cNvPr id="340" name="Shape 340"/>
         <p:cNvGrpSpPr/>
         <p:nvPr/>
       </p:nvGrpSpPr>
@@ -19921,7 +19952,7 @@
       </p:grpSpPr>
       <p:sp>
         <p:nvSpPr>
-          <p:cNvPr id="340" name="Google Shape;340;g2a75948b1fc_3_59"/>
+          <p:cNvPr id="341" name="Google Shape;341;g2a75948b1fc_3_59"/>
           <p:cNvSpPr txBox="1"/>
           <p:nvPr>
             <p:ph idx="4294967295" type="title"/>
@@ -19979,7 +20010,7 @@
       </p:sp>
       <p:pic>
         <p:nvPicPr>
-          <p:cNvPr id="341" name="Google Shape;341;g2a75948b1fc_3_59"/>
+          <p:cNvPr id="342" name="Google Shape;342;g2a75948b1fc_3_59"/>
           <p:cNvPicPr preferRelativeResize="0"/>
           <p:nvPr/>
         </p:nvPicPr>
@@ -19994,34 +20025,6 @@
           <a:xfrm>
             <a:off x="61000" y="784025"/>
             <a:ext cx="8858149" cy="3023600"/>
-          </a:xfrm>
-          <a:prstGeom prst="rect">
-            <a:avLst/>
-          </a:prstGeom>
-          <a:noFill/>
-          <a:ln>
-            <a:noFill/>
-          </a:ln>
-        </p:spPr>
-      </p:pic>
-      <p:pic>
-        <p:nvPicPr>
-          <p:cNvPr id="342" name="Google Shape;342;g2a75948b1fc_3_59"/>
-          <p:cNvPicPr preferRelativeResize="0"/>
-          <p:nvPr/>
-        </p:nvPicPr>
-        <p:blipFill>
-          <a:blip r:embed="rId4">
-            <a:alphaModFix/>
-          </a:blip>
-          <a:stretch>
-            <a:fillRect/>
-          </a:stretch>
-        </p:blipFill>
-        <p:spPr>
-          <a:xfrm>
-            <a:off x="3132987" y="2209559"/>
-            <a:ext cx="173404" cy="619438"/>
           </a:xfrm>
           <a:prstGeom prst="rect">
             <a:avLst/>
@@ -20048,7 +20051,7 @@
         </p:blipFill>
         <p:spPr>
           <a:xfrm>
-            <a:off x="6082879" y="2173235"/>
+            <a:off x="3132987" y="2209559"/>
             <a:ext cx="173404" cy="619438"/>
           </a:xfrm>
           <a:prstGeom prst="rect">
@@ -20063,6 +20066,34 @@
       <p:pic>
         <p:nvPicPr>
           <p:cNvPr id="344" name="Google Shape;344;g2a75948b1fc_3_59"/>
+          <p:cNvPicPr preferRelativeResize="0"/>
+          <p:nvPr/>
+        </p:nvPicPr>
+        <p:blipFill>
+          <a:blip r:embed="rId4">
+            <a:alphaModFix/>
+          </a:blip>
+          <a:stretch>
+            <a:fillRect/>
+          </a:stretch>
+        </p:blipFill>
+        <p:spPr>
+          <a:xfrm>
+            <a:off x="6082879" y="2173235"/>
+            <a:ext cx="173404" cy="619438"/>
+          </a:xfrm>
+          <a:prstGeom prst="rect">
+            <a:avLst/>
+          </a:prstGeom>
+          <a:noFill/>
+          <a:ln>
+            <a:noFill/>
+          </a:ln>
+        </p:spPr>
+      </p:pic>
+      <p:pic>
+        <p:nvPicPr>
+          <p:cNvPr id="345" name="Google Shape;345;g2a75948b1fc_3_59"/>
           <p:cNvPicPr preferRelativeResize="0"/>
           <p:nvPr/>
         </p:nvPicPr>
@@ -20089,7 +20120,7 @@
       </p:pic>
       <p:sp>
         <p:nvSpPr>
-          <p:cNvPr id="345" name="Google Shape;345;g2a75948b1fc_3_59"/>
+          <p:cNvPr id="346" name="Google Shape;346;g2a75948b1fc_3_59"/>
           <p:cNvSpPr txBox="1"/>
           <p:nvPr>
             <p:ph idx="4294967295" type="body"/>
@@ -20193,7 +20224,7 @@
   <p:cSld>
     <p:spTree>
       <p:nvGrpSpPr>
-        <p:cNvPr id="349" name="Shape 349"/>
+        <p:cNvPr id="350" name="Shape 350"/>
         <p:cNvGrpSpPr/>
         <p:nvPr/>
       </p:nvGrpSpPr>
@@ -20207,7 +20238,7 @@
       </p:grpSpPr>
       <p:sp>
         <p:nvSpPr>
-          <p:cNvPr id="350" name="Google Shape;350;g2a8be63b007_0_53"/>
+          <p:cNvPr id="351" name="Google Shape;351;g2a8be63b007_0_53"/>
           <p:cNvSpPr txBox="1"/>
           <p:nvPr>
             <p:ph idx="4294967295" type="title"/>
@@ -20265,7 +20296,7 @@
       </p:sp>
       <p:pic>
         <p:nvPicPr>
-          <p:cNvPr id="351" name="Google Shape;351;g2a8be63b007_0_53"/>
+          <p:cNvPr id="352" name="Google Shape;352;g2a8be63b007_0_53"/>
           <p:cNvPicPr preferRelativeResize="0"/>
           <p:nvPr/>
         </p:nvPicPr>
@@ -20280,34 +20311,6 @@
           <a:xfrm>
             <a:off x="61000" y="784025"/>
             <a:ext cx="8858149" cy="3023600"/>
-          </a:xfrm>
-          <a:prstGeom prst="rect">
-            <a:avLst/>
-          </a:prstGeom>
-          <a:noFill/>
-          <a:ln>
-            <a:noFill/>
-          </a:ln>
-        </p:spPr>
-      </p:pic>
-      <p:pic>
-        <p:nvPicPr>
-          <p:cNvPr id="352" name="Google Shape;352;g2a8be63b007_0_53"/>
-          <p:cNvPicPr preferRelativeResize="0"/>
-          <p:nvPr/>
-        </p:nvPicPr>
-        <p:blipFill>
-          <a:blip r:embed="rId4">
-            <a:alphaModFix/>
-          </a:blip>
-          <a:stretch>
-            <a:fillRect/>
-          </a:stretch>
-        </p:blipFill>
-        <p:spPr>
-          <a:xfrm>
-            <a:off x="3132987" y="2209559"/>
-            <a:ext cx="173404" cy="619438"/>
           </a:xfrm>
           <a:prstGeom prst="rect">
             <a:avLst/>
@@ -20334,7 +20337,7 @@
         </p:blipFill>
         <p:spPr>
           <a:xfrm>
-            <a:off x="6082879" y="2173235"/>
+            <a:off x="3132987" y="2209559"/>
             <a:ext cx="173404" cy="619438"/>
           </a:xfrm>
           <a:prstGeom prst="rect">
@@ -20349,6 +20352,34 @@
       <p:pic>
         <p:nvPicPr>
           <p:cNvPr id="354" name="Google Shape;354;g2a8be63b007_0_53"/>
+          <p:cNvPicPr preferRelativeResize="0"/>
+          <p:nvPr/>
+        </p:nvPicPr>
+        <p:blipFill>
+          <a:blip r:embed="rId4">
+            <a:alphaModFix/>
+          </a:blip>
+          <a:stretch>
+            <a:fillRect/>
+          </a:stretch>
+        </p:blipFill>
+        <p:spPr>
+          <a:xfrm>
+            <a:off x="6082879" y="2173235"/>
+            <a:ext cx="173404" cy="619438"/>
+          </a:xfrm>
+          <a:prstGeom prst="rect">
+            <a:avLst/>
+          </a:prstGeom>
+          <a:noFill/>
+          <a:ln>
+            <a:noFill/>
+          </a:ln>
+        </p:spPr>
+      </p:pic>
+      <p:pic>
+        <p:nvPicPr>
+          <p:cNvPr id="355" name="Google Shape;355;g2a8be63b007_0_53"/>
           <p:cNvPicPr preferRelativeResize="0"/>
           <p:nvPr/>
         </p:nvPicPr>
@@ -20375,7 +20406,7 @@
       </p:pic>
       <p:sp>
         <p:nvSpPr>
-          <p:cNvPr id="355" name="Google Shape;355;g2a8be63b007_0_53"/>
+          <p:cNvPr id="356" name="Google Shape;356;g2a8be63b007_0_53"/>
           <p:cNvSpPr txBox="1"/>
           <p:nvPr>
             <p:ph idx="4294967295" type="body"/>
@@ -20505,7 +20536,7 @@
       </p:sp>
       <p:sp>
         <p:nvSpPr>
-          <p:cNvPr id="356" name="Google Shape;356;g2a8be63b007_0_53"/>
+          <p:cNvPr id="357" name="Google Shape;357;g2a8be63b007_0_53"/>
           <p:cNvSpPr txBox="1"/>
           <p:nvPr>
             <p:ph idx="4294967295" type="body"/>
@@ -20609,7 +20640,7 @@
   <p:cSld>
     <p:spTree>
       <p:nvGrpSpPr>
-        <p:cNvPr id="360" name="Shape 360"/>
+        <p:cNvPr id="361" name="Shape 361"/>
         <p:cNvGrpSpPr/>
         <p:nvPr/>
       </p:nvGrpSpPr>
@@ -20623,7 +20654,7 @@
       </p:grpSpPr>
       <p:sp>
         <p:nvSpPr>
-          <p:cNvPr id="361" name="Google Shape;361;g2a0c6f9b0a2_0_103"/>
+          <p:cNvPr id="362" name="Google Shape;362;g2a0c6f9b0a2_0_103"/>
           <p:cNvSpPr txBox="1"/>
           <p:nvPr>
             <p:ph idx="4294967295" type="title"/>
@@ -20681,7 +20712,7 @@
       </p:sp>
       <p:pic>
         <p:nvPicPr>
-          <p:cNvPr id="362" name="Google Shape;362;g2a0c6f9b0a2_0_103"/>
+          <p:cNvPr id="363" name="Google Shape;363;g2a0c6f9b0a2_0_103"/>
           <p:cNvPicPr preferRelativeResize="0"/>
           <p:nvPr/>
         </p:nvPicPr>
@@ -20708,7 +20739,7 @@
       </p:pic>
       <p:pic>
         <p:nvPicPr>
-          <p:cNvPr id="363" name="Google Shape;363;g2a0c6f9b0a2_0_103"/>
+          <p:cNvPr id="364" name="Google Shape;364;g2a0c6f9b0a2_0_103"/>
           <p:cNvPicPr preferRelativeResize="0"/>
           <p:nvPr/>
         </p:nvPicPr>
@@ -20735,7 +20766,7 @@
       </p:pic>
       <p:pic>
         <p:nvPicPr>
-          <p:cNvPr id="364" name="Google Shape;364;g2a0c6f9b0a2_0_103"/>
+          <p:cNvPr id="365" name="Google Shape;365;g2a0c6f9b0a2_0_103"/>
           <p:cNvPicPr preferRelativeResize="0"/>
           <p:nvPr/>
         </p:nvPicPr>
@@ -20762,7 +20793,7 @@
       </p:pic>
       <p:pic>
         <p:nvPicPr>
-          <p:cNvPr id="365" name="Google Shape;365;g2a0c6f9b0a2_0_103"/>
+          <p:cNvPr id="366" name="Google Shape;366;g2a0c6f9b0a2_0_103"/>
           <p:cNvPicPr preferRelativeResize="0"/>
           <p:nvPr/>
         </p:nvPicPr>
@@ -20790,7 +20821,7 @@
       </p:pic>
       <p:pic>
         <p:nvPicPr>
-          <p:cNvPr id="366" name="Google Shape;366;g2a0c6f9b0a2_0_103"/>
+          <p:cNvPr id="367" name="Google Shape;367;g2a0c6f9b0a2_0_103"/>
           <p:cNvPicPr preferRelativeResize="0"/>
           <p:nvPr/>
         </p:nvPicPr>
@@ -20817,7 +20848,7 @@
       </p:pic>
       <p:pic>
         <p:nvPicPr>
-          <p:cNvPr id="367" name="Google Shape;367;g2a0c6f9b0a2_0_103"/>
+          <p:cNvPr id="368" name="Google Shape;368;g2a0c6f9b0a2_0_103"/>
           <p:cNvPicPr preferRelativeResize="0"/>
           <p:nvPr/>
         </p:nvPicPr>
@@ -20844,7 +20875,7 @@
       </p:pic>
       <p:pic>
         <p:nvPicPr>
-          <p:cNvPr id="368" name="Google Shape;368;g2a0c6f9b0a2_0_103"/>
+          <p:cNvPr id="369" name="Google Shape;369;g2a0c6f9b0a2_0_103"/>
           <p:cNvPicPr preferRelativeResize="0"/>
           <p:nvPr/>
         </p:nvPicPr>
@@ -20871,7 +20902,7 @@
       </p:pic>
       <p:pic>
         <p:nvPicPr>
-          <p:cNvPr id="369" name="Google Shape;369;g2a0c6f9b0a2_0_103"/>
+          <p:cNvPr id="370" name="Google Shape;370;g2a0c6f9b0a2_0_103"/>
           <p:cNvPicPr preferRelativeResize="0"/>
           <p:nvPr/>
         </p:nvPicPr>
@@ -20898,7 +20929,7 @@
       </p:pic>
       <p:pic>
         <p:nvPicPr>
-          <p:cNvPr id="370" name="Google Shape;370;g2a0c6f9b0a2_0_103"/>
+          <p:cNvPr id="371" name="Google Shape;371;g2a0c6f9b0a2_0_103"/>
           <p:cNvPicPr preferRelativeResize="0"/>
           <p:nvPr/>
         </p:nvPicPr>
@@ -20925,7 +20956,7 @@
       </p:pic>
       <p:pic>
         <p:nvPicPr>
-          <p:cNvPr id="371" name="Google Shape;371;g2a0c6f9b0a2_0_103"/>
+          <p:cNvPr id="372" name="Google Shape;372;g2a0c6f9b0a2_0_103"/>
           <p:cNvPicPr preferRelativeResize="0"/>
           <p:nvPr/>
         </p:nvPicPr>
@@ -20952,7 +20983,7 @@
       </p:pic>
       <p:sp>
         <p:nvSpPr>
-          <p:cNvPr id="372" name="Google Shape;372;g2a0c6f9b0a2_0_103"/>
+          <p:cNvPr id="373" name="Google Shape;373;g2a0c6f9b0a2_0_103"/>
           <p:cNvSpPr txBox="1"/>
           <p:nvPr>
             <p:ph idx="4294967295" type="body"/>
@@ -21085,7 +21116,7 @@
       </p:sp>
       <p:sp>
         <p:nvSpPr>
-          <p:cNvPr id="373" name="Google Shape;373;g2a0c6f9b0a2_0_103"/>
+          <p:cNvPr id="374" name="Google Shape;374;g2a0c6f9b0a2_0_103"/>
           <p:cNvSpPr/>
           <p:nvPr/>
         </p:nvSpPr>
@@ -21138,7 +21169,7 @@
       </p:sp>
       <p:sp>
         <p:nvSpPr>
-          <p:cNvPr id="374" name="Google Shape;374;g2a0c6f9b0a2_0_103"/>
+          <p:cNvPr id="375" name="Google Shape;375;g2a0c6f9b0a2_0_103"/>
           <p:cNvSpPr/>
           <p:nvPr/>
         </p:nvSpPr>
@@ -21191,7 +21222,7 @@
       </p:sp>
       <p:pic>
         <p:nvPicPr>
-          <p:cNvPr id="375" name="Google Shape;375;g2a0c6f9b0a2_0_103"/>
+          <p:cNvPr id="376" name="Google Shape;376;g2a0c6f9b0a2_0_103"/>
           <p:cNvPicPr preferRelativeResize="0"/>
           <p:nvPr/>
         </p:nvPicPr>
@@ -21230,7 +21261,7 @@
   <p:cSld>
     <p:spTree>
       <p:nvGrpSpPr>
-        <p:cNvPr id="379" name="Shape 379"/>
+        <p:cNvPr id="380" name="Shape 380"/>
         <p:cNvGrpSpPr/>
         <p:nvPr/>
       </p:nvGrpSpPr>
@@ -21244,7 +21275,7 @@
       </p:grpSpPr>
       <p:sp>
         <p:nvSpPr>
-          <p:cNvPr id="380" name="Google Shape;380;g2a58cb8d4e2_0_19"/>
+          <p:cNvPr id="381" name="Google Shape;381;g2a58cb8d4e2_0_19"/>
           <p:cNvSpPr txBox="1"/>
           <p:nvPr>
             <p:ph idx="4294967295" type="title"/>
@@ -21302,7 +21333,7 @@
       </p:sp>
       <p:pic>
         <p:nvPicPr>
-          <p:cNvPr id="381" name="Google Shape;381;g2a58cb8d4e2_0_19"/>
+          <p:cNvPr id="382" name="Google Shape;382;g2a58cb8d4e2_0_19"/>
           <p:cNvPicPr preferRelativeResize="0"/>
           <p:nvPr/>
         </p:nvPicPr>
@@ -21329,7 +21360,7 @@
       </p:pic>
       <p:pic>
         <p:nvPicPr>
-          <p:cNvPr id="382" name="Google Shape;382;g2a58cb8d4e2_0_19"/>
+          <p:cNvPr id="383" name="Google Shape;383;g2a58cb8d4e2_0_19"/>
           <p:cNvPicPr preferRelativeResize="0"/>
           <p:nvPr/>
         </p:nvPicPr>
@@ -21356,7 +21387,7 @@
       </p:pic>
       <p:pic>
         <p:nvPicPr>
-          <p:cNvPr id="383" name="Google Shape;383;g2a58cb8d4e2_0_19"/>
+          <p:cNvPr id="384" name="Google Shape;384;g2a58cb8d4e2_0_19"/>
           <p:cNvPicPr preferRelativeResize="0"/>
           <p:nvPr/>
         </p:nvPicPr>
@@ -21371,34 +21402,6 @@
           <a:xfrm>
             <a:off x="1997399" y="1032585"/>
             <a:ext cx="435139" cy="362865"/>
-          </a:xfrm>
-          <a:prstGeom prst="rect">
-            <a:avLst/>
-          </a:prstGeom>
-          <a:noFill/>
-          <a:ln>
-            <a:noFill/>
-          </a:ln>
-        </p:spPr>
-      </p:pic>
-      <p:pic>
-        <p:nvPicPr>
-          <p:cNvPr id="384" name="Google Shape;384;g2a58cb8d4e2_0_19"/>
-          <p:cNvPicPr preferRelativeResize="0"/>
-          <p:nvPr/>
-        </p:nvPicPr>
-        <p:blipFill>
-          <a:blip r:embed="rId5">
-            <a:alphaModFix/>
-          </a:blip>
-          <a:stretch>
-            <a:fillRect/>
-          </a:stretch>
-        </p:blipFill>
-        <p:spPr>
-          <a:xfrm>
-            <a:off x="743886" y="4404438"/>
-            <a:ext cx="530749" cy="380212"/>
           </a:xfrm>
           <a:prstGeom prst="rect">
             <a:avLst/>
@@ -21425,7 +21428,7 @@
         </p:blipFill>
         <p:spPr>
           <a:xfrm>
-            <a:off x="1672445" y="4404438"/>
+            <a:off x="743886" y="4404438"/>
             <a:ext cx="530749" cy="380212"/>
           </a:xfrm>
           <a:prstGeom prst="rect">
@@ -21453,7 +21456,7 @@
         </p:blipFill>
         <p:spPr>
           <a:xfrm>
-            <a:off x="3572891" y="4404438"/>
+            <a:off x="1672445" y="4404438"/>
             <a:ext cx="530749" cy="380212"/>
           </a:xfrm>
           <a:prstGeom prst="rect">
@@ -21468,33 +21471,6 @@
       <p:pic>
         <p:nvPicPr>
           <p:cNvPr id="387" name="Google Shape;387;g2a58cb8d4e2_0_19"/>
-          <p:cNvPicPr preferRelativeResize="0"/>
-          <p:nvPr/>
-        </p:nvPicPr>
-        <p:blipFill rotWithShape="1">
-          <a:blip r:embed="rId3">
-            <a:alphaModFix/>
-          </a:blip>
-          <a:srcRect b="6616" l="33655" r="59921" t="88621"/>
-          <a:stretch/>
-        </p:blipFill>
-        <p:spPr>
-          <a:xfrm>
-            <a:off x="2224054" y="4445444"/>
-            <a:ext cx="337612" cy="198355"/>
-          </a:xfrm>
-          <a:prstGeom prst="rect">
-            <a:avLst/>
-          </a:prstGeom>
-          <a:noFill/>
-          <a:ln>
-            <a:noFill/>
-          </a:ln>
-        </p:spPr>
-      </p:pic>
-      <p:pic>
-        <p:nvPicPr>
-          <p:cNvPr id="388" name="Google Shape;388;g2a58cb8d4e2_0_19"/>
           <p:cNvPicPr preferRelativeResize="0"/>
           <p:nvPr/>
         </p:nvPicPr>
@@ -21508,6 +21484,61 @@
         </p:blipFill>
         <p:spPr>
           <a:xfrm>
+            <a:off x="3572891" y="4404438"/>
+            <a:ext cx="530749" cy="380212"/>
+          </a:xfrm>
+          <a:prstGeom prst="rect">
+            <a:avLst/>
+          </a:prstGeom>
+          <a:noFill/>
+          <a:ln>
+            <a:noFill/>
+          </a:ln>
+        </p:spPr>
+      </p:pic>
+      <p:pic>
+        <p:nvPicPr>
+          <p:cNvPr id="388" name="Google Shape;388;g2a58cb8d4e2_0_19"/>
+          <p:cNvPicPr preferRelativeResize="0"/>
+          <p:nvPr/>
+        </p:nvPicPr>
+        <p:blipFill rotWithShape="1">
+          <a:blip r:embed="rId3">
+            <a:alphaModFix/>
+          </a:blip>
+          <a:srcRect b="6616" l="33655" r="59921" t="88621"/>
+          <a:stretch/>
+        </p:blipFill>
+        <p:spPr>
+          <a:xfrm>
+            <a:off x="2224054" y="4445444"/>
+            <a:ext cx="337612" cy="198355"/>
+          </a:xfrm>
+          <a:prstGeom prst="rect">
+            <a:avLst/>
+          </a:prstGeom>
+          <a:noFill/>
+          <a:ln>
+            <a:noFill/>
+          </a:ln>
+        </p:spPr>
+      </p:pic>
+      <p:pic>
+        <p:nvPicPr>
+          <p:cNvPr id="389" name="Google Shape;389;g2a58cb8d4e2_0_19"/>
+          <p:cNvPicPr preferRelativeResize="0"/>
+          <p:nvPr/>
+        </p:nvPicPr>
+        <p:blipFill>
+          <a:blip r:embed="rId5">
+            <a:alphaModFix/>
+          </a:blip>
+          <a:stretch>
+            <a:fillRect/>
+          </a:stretch>
+        </p:blipFill>
+        <p:spPr>
+          <a:xfrm>
             <a:off x="2654892" y="4404438"/>
             <a:ext cx="530749" cy="380212"/>
           </a:xfrm>
@@ -21520,376 +21551,6 @@
           </a:ln>
         </p:spPr>
       </p:pic>
-      <p:sp>
-        <p:nvSpPr>
-          <p:cNvPr id="389" name="Google Shape;389;g2a58cb8d4e2_0_19"/>
-          <p:cNvSpPr txBox="1"/>
-          <p:nvPr>
-            <p:ph idx="4294967295" type="body"/>
-          </p:nvPr>
-        </p:nvSpPr>
-        <p:spPr>
-          <a:xfrm>
-            <a:off x="4343400" y="1568625"/>
-            <a:ext cx="4704600" cy="2949600"/>
-          </a:xfrm>
-          <a:prstGeom prst="rect">
-            <a:avLst/>
-          </a:prstGeom>
-          <a:noFill/>
-          <a:ln>
-            <a:noFill/>
-          </a:ln>
-        </p:spPr>
-        <p:txBody>
-          <a:bodyPr anchorCtr="0" anchor="t" bIns="91425" lIns="91425" spcFirstLastPara="1" rIns="91425" wrap="square" tIns="91425">
-            <a:noAutofit/>
-          </a:bodyPr>
-          <a:lstStyle/>
-          <a:p>
-            <a:pPr indent="-323850" lvl="0" marL="457200" rtl="0" algn="l">
-              <a:spcBef>
-                <a:spcPts val="0"/>
-              </a:spcBef>
-              <a:spcAft>
-                <a:spcPts val="0"/>
-              </a:spcAft>
-              <a:buSzPts val="1500"/>
-              <a:buFont typeface="Montserrat"/>
-              <a:buChar char="●"/>
-            </a:pPr>
-            <a:r>
-              <a:rPr b="1" lang="en" sz="1500">
-                <a:latin typeface="Montserrat"/>
-                <a:ea typeface="Montserrat"/>
-                <a:cs typeface="Montserrat"/>
-                <a:sym typeface="Montserrat"/>
-              </a:rPr>
-              <a:t>In the short-medium term</a:t>
-            </a:r>
-            <a:endParaRPr b="1" sz="1500">
-              <a:latin typeface="Montserrat"/>
-              <a:ea typeface="Montserrat"/>
-              <a:cs typeface="Montserrat"/>
-              <a:sym typeface="Montserrat"/>
-            </a:endParaRPr>
-          </a:p>
-          <a:p>
-            <a:pPr indent="-323850" lvl="1" marL="914400" rtl="0" algn="l">
-              <a:spcBef>
-                <a:spcPts val="0"/>
-              </a:spcBef>
-              <a:spcAft>
-                <a:spcPts val="0"/>
-              </a:spcAft>
-              <a:buSzPts val="1500"/>
-              <a:buFont typeface="Montserrat"/>
-              <a:buChar char="○"/>
-            </a:pPr>
-            <a:r>
-              <a:rPr b="1" lang="en" sz="1500">
-                <a:latin typeface="Montserrat"/>
-                <a:ea typeface="Montserrat"/>
-                <a:cs typeface="Montserrat"/>
-                <a:sym typeface="Montserrat"/>
-              </a:rPr>
-              <a:t>Same </a:t>
-            </a:r>
-            <a:r>
-              <a:rPr lang="en" sz="1500">
-                <a:latin typeface="Montserrat"/>
-                <a:ea typeface="Montserrat"/>
-                <a:cs typeface="Montserrat"/>
-                <a:sym typeface="Montserrat"/>
-              </a:rPr>
-              <a:t>(linear models)</a:t>
-            </a:r>
-            <a:endParaRPr sz="1500">
-              <a:latin typeface="Montserrat"/>
-              <a:ea typeface="Montserrat"/>
-              <a:cs typeface="Montserrat"/>
-              <a:sym typeface="Montserrat"/>
-            </a:endParaRPr>
-          </a:p>
-          <a:p>
-            <a:pPr indent="-323850" lvl="1" marL="914400" rtl="0" algn="l">
-              <a:spcBef>
-                <a:spcPts val="0"/>
-              </a:spcBef>
-              <a:spcAft>
-                <a:spcPts val="0"/>
-              </a:spcAft>
-              <a:buSzPts val="1500"/>
-              <a:buFont typeface="Montserrat"/>
-              <a:buChar char="○"/>
-            </a:pPr>
-            <a:r>
-              <a:rPr b="1" lang="en" sz="1500">
-                <a:latin typeface="Montserrat"/>
-                <a:ea typeface="Montserrat"/>
-                <a:cs typeface="Montserrat"/>
-                <a:sym typeface="Montserrat"/>
-              </a:rPr>
-              <a:t>Increases slowly </a:t>
-            </a:r>
-            <a:r>
-              <a:rPr lang="en" sz="1500">
-                <a:latin typeface="Montserrat"/>
-                <a:ea typeface="Montserrat"/>
-                <a:cs typeface="Montserrat"/>
-                <a:sym typeface="Montserrat"/>
-              </a:rPr>
-              <a:t>(tree-based </a:t>
-            </a:r>
-            <a:r>
-              <a:rPr lang="en" sz="1500">
-                <a:latin typeface="Montserrat"/>
-                <a:ea typeface="Montserrat"/>
-                <a:cs typeface="Montserrat"/>
-                <a:sym typeface="Montserrat"/>
-              </a:rPr>
-              <a:t>models</a:t>
-            </a:r>
-            <a:r>
-              <a:rPr lang="en" sz="1500">
-                <a:latin typeface="Montserrat"/>
-                <a:ea typeface="Montserrat"/>
-                <a:cs typeface="Montserrat"/>
-                <a:sym typeface="Montserrat"/>
-              </a:rPr>
-              <a:t>)</a:t>
-            </a:r>
-            <a:endParaRPr sz="1500">
-              <a:latin typeface="Montserrat"/>
-              <a:ea typeface="Montserrat"/>
-              <a:cs typeface="Montserrat"/>
-              <a:sym typeface="Montserrat"/>
-            </a:endParaRPr>
-          </a:p>
-          <a:p>
-            <a:pPr indent="-323850" lvl="0" marL="457200" rtl="0" algn="l">
-              <a:spcBef>
-                <a:spcPts val="0"/>
-              </a:spcBef>
-              <a:spcAft>
-                <a:spcPts val="0"/>
-              </a:spcAft>
-              <a:buSzPts val="1500"/>
-              <a:buFont typeface="Montserrat"/>
-              <a:buChar char="●"/>
-            </a:pPr>
-            <a:r>
-              <a:rPr b="1" lang="en" sz="1500">
-                <a:latin typeface="Montserrat"/>
-                <a:ea typeface="Montserrat"/>
-                <a:cs typeface="Montserrat"/>
-                <a:sym typeface="Montserrat"/>
-              </a:rPr>
-              <a:t>In the long term</a:t>
-            </a:r>
-            <a:endParaRPr b="1" sz="1500">
-              <a:latin typeface="Montserrat"/>
-              <a:ea typeface="Montserrat"/>
-              <a:cs typeface="Montserrat"/>
-              <a:sym typeface="Montserrat"/>
-            </a:endParaRPr>
-          </a:p>
-          <a:p>
-            <a:pPr indent="-323850" lvl="1" marL="914400" rtl="0" algn="l">
-              <a:spcBef>
-                <a:spcPts val="0"/>
-              </a:spcBef>
-              <a:spcAft>
-                <a:spcPts val="0"/>
-              </a:spcAft>
-              <a:buSzPts val="1500"/>
-              <a:buFont typeface="Montserrat"/>
-              <a:buChar char="○"/>
-            </a:pPr>
-            <a:r>
-              <a:rPr b="1" lang="en" sz="1500">
-                <a:latin typeface="Montserrat"/>
-                <a:ea typeface="Montserrat"/>
-                <a:cs typeface="Montserrat"/>
-                <a:sym typeface="Montserrat"/>
-              </a:rPr>
-              <a:t>Increase </a:t>
-            </a:r>
-            <a:r>
-              <a:rPr b="1" lang="en" sz="1500">
-                <a:latin typeface="Montserrat"/>
-                <a:ea typeface="Montserrat"/>
-                <a:cs typeface="Montserrat"/>
-                <a:sym typeface="Montserrat"/>
-              </a:rPr>
-              <a:t>slowly </a:t>
-            </a:r>
-            <a:r>
-              <a:rPr lang="en" sz="1500">
-                <a:latin typeface="Montserrat"/>
-                <a:ea typeface="Montserrat"/>
-                <a:cs typeface="Montserrat"/>
-                <a:sym typeface="Montserrat"/>
-              </a:rPr>
-              <a:t>(for all models)</a:t>
-            </a:r>
-            <a:endParaRPr sz="1500">
-              <a:latin typeface="Montserrat"/>
-              <a:ea typeface="Montserrat"/>
-              <a:cs typeface="Montserrat"/>
-              <a:sym typeface="Montserrat"/>
-            </a:endParaRPr>
-          </a:p>
-          <a:p>
-            <a:pPr indent="-323850" lvl="0" marL="457200" rtl="0" algn="l">
-              <a:spcBef>
-                <a:spcPts val="0"/>
-              </a:spcBef>
-              <a:spcAft>
-                <a:spcPts val="0"/>
-              </a:spcAft>
-              <a:buSzPts val="1500"/>
-              <a:buFont typeface="Montserrat"/>
-              <a:buChar char="●"/>
-            </a:pPr>
-            <a:r>
-              <a:rPr b="1" lang="en" sz="1500">
-                <a:latin typeface="Montserrat"/>
-                <a:ea typeface="Montserrat"/>
-                <a:cs typeface="Montserrat"/>
-                <a:sym typeface="Montserrat"/>
-              </a:rPr>
-              <a:t>Note</a:t>
-            </a:r>
-            <a:endParaRPr b="1" sz="1500">
-              <a:latin typeface="Montserrat"/>
-              <a:ea typeface="Montserrat"/>
-              <a:cs typeface="Montserrat"/>
-              <a:sym typeface="Montserrat"/>
-            </a:endParaRPr>
-          </a:p>
-          <a:p>
-            <a:pPr indent="-323850" lvl="1" marL="914400" rtl="0" algn="l">
-              <a:spcBef>
-                <a:spcPts val="0"/>
-              </a:spcBef>
-              <a:spcAft>
-                <a:spcPts val="0"/>
-              </a:spcAft>
-              <a:buSzPts val="1500"/>
-              <a:buFont typeface="Montserrat"/>
-              <a:buChar char="○"/>
-            </a:pPr>
-            <a:r>
-              <a:rPr lang="en" sz="1500">
-                <a:latin typeface="Montserrat"/>
-                <a:ea typeface="Montserrat"/>
-                <a:cs typeface="Montserrat"/>
-                <a:sym typeface="Montserrat"/>
-              </a:rPr>
-              <a:t>Results were averaged</a:t>
-            </a:r>
-            <a:endParaRPr sz="1500">
-              <a:latin typeface="Montserrat"/>
-              <a:ea typeface="Montserrat"/>
-              <a:cs typeface="Montserrat"/>
-              <a:sym typeface="Montserrat"/>
-            </a:endParaRPr>
-          </a:p>
-          <a:p>
-            <a:pPr indent="-323850" lvl="1" marL="914400" rtl="0" algn="l">
-              <a:spcBef>
-                <a:spcPts val="0"/>
-              </a:spcBef>
-              <a:spcAft>
-                <a:spcPts val="0"/>
-              </a:spcAft>
-              <a:buSzPts val="1500"/>
-              <a:buFont typeface="Montserrat"/>
-              <a:buChar char="○"/>
-            </a:pPr>
-            <a:r>
-              <a:rPr lang="en" sz="1500">
-                <a:latin typeface="Montserrat"/>
-                <a:ea typeface="Montserrat"/>
-                <a:cs typeface="Montserrat"/>
-                <a:sym typeface="Montserrat"/>
-              </a:rPr>
-              <a:t>Having more data at their disposal</a:t>
-            </a:r>
-            <a:endParaRPr sz="1500">
-              <a:latin typeface="Montserrat"/>
-              <a:ea typeface="Montserrat"/>
-              <a:cs typeface="Montserrat"/>
-              <a:sym typeface="Montserrat"/>
-            </a:endParaRPr>
-          </a:p>
-          <a:p>
-            <a:pPr indent="-323850" lvl="1" marL="914400" rtl="0" algn="l">
-              <a:spcBef>
-                <a:spcPts val="0"/>
-              </a:spcBef>
-              <a:spcAft>
-                <a:spcPts val="0"/>
-              </a:spcAft>
-              <a:buSzPts val="1500"/>
-              <a:buFont typeface="Montserrat"/>
-              <a:buChar char="○"/>
-            </a:pPr>
-            <a:r>
-              <a:rPr lang="en" sz="1500">
-                <a:latin typeface="Montserrat"/>
-                <a:ea typeface="Montserrat"/>
-                <a:cs typeface="Montserrat"/>
-                <a:sym typeface="Montserrat"/>
-              </a:rPr>
-              <a:t>Periods in which the models did </a:t>
-            </a:r>
-            <a:r>
-              <a:rPr b="1" lang="en" sz="1500">
-                <a:latin typeface="Montserrat"/>
-                <a:ea typeface="Montserrat"/>
-                <a:cs typeface="Montserrat"/>
-                <a:sym typeface="Montserrat"/>
-              </a:rPr>
-              <a:t>better </a:t>
-            </a:r>
-            <a:r>
-              <a:rPr lang="en" sz="1500">
-                <a:latin typeface="Montserrat"/>
-                <a:ea typeface="Montserrat"/>
-                <a:cs typeface="Montserrat"/>
-                <a:sym typeface="Montserrat"/>
-              </a:rPr>
-              <a:t>(short-mid term) compensated for the </a:t>
-            </a:r>
-            <a:r>
-              <a:rPr b="1" lang="en" sz="1500">
-                <a:latin typeface="Montserrat"/>
-                <a:ea typeface="Montserrat"/>
-                <a:cs typeface="Montserrat"/>
-                <a:sym typeface="Montserrat"/>
-              </a:rPr>
-              <a:t>worst </a:t>
-            </a:r>
-            <a:r>
-              <a:rPr lang="en" sz="1500">
-                <a:latin typeface="Montserrat"/>
-                <a:ea typeface="Montserrat"/>
-                <a:cs typeface="Montserrat"/>
-                <a:sym typeface="Montserrat"/>
-              </a:rPr>
-              <a:t>results in the last period (long term)</a:t>
-            </a:r>
-            <a:endParaRPr sz="1500">
-              <a:latin typeface="Montserrat"/>
-              <a:ea typeface="Montserrat"/>
-              <a:cs typeface="Montserrat"/>
-              <a:sym typeface="Montserrat"/>
-            </a:endParaRPr>
-          </a:p>
-        </p:txBody>
-      </p:sp>
       <p:sp>
         <p:nvSpPr>
           <p:cNvPr id="390" name="Google Shape;390;g2a58cb8d4e2_0_19"/>
@@ -21900,6 +21561,376 @@
         </p:nvSpPr>
         <p:spPr>
           <a:xfrm>
+            <a:off x="4343400" y="1568625"/>
+            <a:ext cx="4704600" cy="2949600"/>
+          </a:xfrm>
+          <a:prstGeom prst="rect">
+            <a:avLst/>
+          </a:prstGeom>
+          <a:noFill/>
+          <a:ln>
+            <a:noFill/>
+          </a:ln>
+        </p:spPr>
+        <p:txBody>
+          <a:bodyPr anchorCtr="0" anchor="t" bIns="91425" lIns="91425" spcFirstLastPara="1" rIns="91425" wrap="square" tIns="91425">
+            <a:noAutofit/>
+          </a:bodyPr>
+          <a:lstStyle/>
+          <a:p>
+            <a:pPr indent="-323850" lvl="0" marL="457200" rtl="0" algn="l">
+              <a:spcBef>
+                <a:spcPts val="0"/>
+              </a:spcBef>
+              <a:spcAft>
+                <a:spcPts val="0"/>
+              </a:spcAft>
+              <a:buSzPts val="1500"/>
+              <a:buFont typeface="Montserrat"/>
+              <a:buChar char="●"/>
+            </a:pPr>
+            <a:r>
+              <a:rPr b="1" lang="en" sz="1500">
+                <a:latin typeface="Montserrat"/>
+                <a:ea typeface="Montserrat"/>
+                <a:cs typeface="Montserrat"/>
+                <a:sym typeface="Montserrat"/>
+              </a:rPr>
+              <a:t>In the short-medium term</a:t>
+            </a:r>
+            <a:endParaRPr b="1" sz="1500">
+              <a:latin typeface="Montserrat"/>
+              <a:ea typeface="Montserrat"/>
+              <a:cs typeface="Montserrat"/>
+              <a:sym typeface="Montserrat"/>
+            </a:endParaRPr>
+          </a:p>
+          <a:p>
+            <a:pPr indent="-323850" lvl="1" marL="914400" rtl="0" algn="l">
+              <a:spcBef>
+                <a:spcPts val="0"/>
+              </a:spcBef>
+              <a:spcAft>
+                <a:spcPts val="0"/>
+              </a:spcAft>
+              <a:buSzPts val="1500"/>
+              <a:buFont typeface="Montserrat"/>
+              <a:buChar char="○"/>
+            </a:pPr>
+            <a:r>
+              <a:rPr b="1" lang="en" sz="1500">
+                <a:latin typeface="Montserrat"/>
+                <a:ea typeface="Montserrat"/>
+                <a:cs typeface="Montserrat"/>
+                <a:sym typeface="Montserrat"/>
+              </a:rPr>
+              <a:t>Same </a:t>
+            </a:r>
+            <a:r>
+              <a:rPr lang="en" sz="1500">
+                <a:latin typeface="Montserrat"/>
+                <a:ea typeface="Montserrat"/>
+                <a:cs typeface="Montserrat"/>
+                <a:sym typeface="Montserrat"/>
+              </a:rPr>
+              <a:t>(linear models)</a:t>
+            </a:r>
+            <a:endParaRPr sz="1500">
+              <a:latin typeface="Montserrat"/>
+              <a:ea typeface="Montserrat"/>
+              <a:cs typeface="Montserrat"/>
+              <a:sym typeface="Montserrat"/>
+            </a:endParaRPr>
+          </a:p>
+          <a:p>
+            <a:pPr indent="-323850" lvl="1" marL="914400" rtl="0" algn="l">
+              <a:spcBef>
+                <a:spcPts val="0"/>
+              </a:spcBef>
+              <a:spcAft>
+                <a:spcPts val="0"/>
+              </a:spcAft>
+              <a:buSzPts val="1500"/>
+              <a:buFont typeface="Montserrat"/>
+              <a:buChar char="○"/>
+            </a:pPr>
+            <a:r>
+              <a:rPr b="1" lang="en" sz="1500">
+                <a:latin typeface="Montserrat"/>
+                <a:ea typeface="Montserrat"/>
+                <a:cs typeface="Montserrat"/>
+                <a:sym typeface="Montserrat"/>
+              </a:rPr>
+              <a:t>Increases slowly </a:t>
+            </a:r>
+            <a:r>
+              <a:rPr lang="en" sz="1500">
+                <a:latin typeface="Montserrat"/>
+                <a:ea typeface="Montserrat"/>
+                <a:cs typeface="Montserrat"/>
+                <a:sym typeface="Montserrat"/>
+              </a:rPr>
+              <a:t>(tree-based </a:t>
+            </a:r>
+            <a:r>
+              <a:rPr lang="en" sz="1500">
+                <a:latin typeface="Montserrat"/>
+                <a:ea typeface="Montserrat"/>
+                <a:cs typeface="Montserrat"/>
+                <a:sym typeface="Montserrat"/>
+              </a:rPr>
+              <a:t>models</a:t>
+            </a:r>
+            <a:r>
+              <a:rPr lang="en" sz="1500">
+                <a:latin typeface="Montserrat"/>
+                <a:ea typeface="Montserrat"/>
+                <a:cs typeface="Montserrat"/>
+                <a:sym typeface="Montserrat"/>
+              </a:rPr>
+              <a:t>)</a:t>
+            </a:r>
+            <a:endParaRPr sz="1500">
+              <a:latin typeface="Montserrat"/>
+              <a:ea typeface="Montserrat"/>
+              <a:cs typeface="Montserrat"/>
+              <a:sym typeface="Montserrat"/>
+            </a:endParaRPr>
+          </a:p>
+          <a:p>
+            <a:pPr indent="-323850" lvl="0" marL="457200" rtl="0" algn="l">
+              <a:spcBef>
+                <a:spcPts val="0"/>
+              </a:spcBef>
+              <a:spcAft>
+                <a:spcPts val="0"/>
+              </a:spcAft>
+              <a:buSzPts val="1500"/>
+              <a:buFont typeface="Montserrat"/>
+              <a:buChar char="●"/>
+            </a:pPr>
+            <a:r>
+              <a:rPr b="1" lang="en" sz="1500">
+                <a:latin typeface="Montserrat"/>
+                <a:ea typeface="Montserrat"/>
+                <a:cs typeface="Montserrat"/>
+                <a:sym typeface="Montserrat"/>
+              </a:rPr>
+              <a:t>In the long term</a:t>
+            </a:r>
+            <a:endParaRPr b="1" sz="1500">
+              <a:latin typeface="Montserrat"/>
+              <a:ea typeface="Montserrat"/>
+              <a:cs typeface="Montserrat"/>
+              <a:sym typeface="Montserrat"/>
+            </a:endParaRPr>
+          </a:p>
+          <a:p>
+            <a:pPr indent="-323850" lvl="1" marL="914400" rtl="0" algn="l">
+              <a:spcBef>
+                <a:spcPts val="0"/>
+              </a:spcBef>
+              <a:spcAft>
+                <a:spcPts val="0"/>
+              </a:spcAft>
+              <a:buSzPts val="1500"/>
+              <a:buFont typeface="Montserrat"/>
+              <a:buChar char="○"/>
+            </a:pPr>
+            <a:r>
+              <a:rPr b="1" lang="en" sz="1500">
+                <a:latin typeface="Montserrat"/>
+                <a:ea typeface="Montserrat"/>
+                <a:cs typeface="Montserrat"/>
+                <a:sym typeface="Montserrat"/>
+              </a:rPr>
+              <a:t>Increase </a:t>
+            </a:r>
+            <a:r>
+              <a:rPr b="1" lang="en" sz="1500">
+                <a:latin typeface="Montserrat"/>
+                <a:ea typeface="Montserrat"/>
+                <a:cs typeface="Montserrat"/>
+                <a:sym typeface="Montserrat"/>
+              </a:rPr>
+              <a:t>slowly </a:t>
+            </a:r>
+            <a:r>
+              <a:rPr lang="en" sz="1500">
+                <a:latin typeface="Montserrat"/>
+                <a:ea typeface="Montserrat"/>
+                <a:cs typeface="Montserrat"/>
+                <a:sym typeface="Montserrat"/>
+              </a:rPr>
+              <a:t>(for all models)</a:t>
+            </a:r>
+            <a:endParaRPr sz="1500">
+              <a:latin typeface="Montserrat"/>
+              <a:ea typeface="Montserrat"/>
+              <a:cs typeface="Montserrat"/>
+              <a:sym typeface="Montserrat"/>
+            </a:endParaRPr>
+          </a:p>
+          <a:p>
+            <a:pPr indent="-323850" lvl="0" marL="457200" rtl="0" algn="l">
+              <a:spcBef>
+                <a:spcPts val="0"/>
+              </a:spcBef>
+              <a:spcAft>
+                <a:spcPts val="0"/>
+              </a:spcAft>
+              <a:buSzPts val="1500"/>
+              <a:buFont typeface="Montserrat"/>
+              <a:buChar char="●"/>
+            </a:pPr>
+            <a:r>
+              <a:rPr b="1" lang="en" sz="1500">
+                <a:latin typeface="Montserrat"/>
+                <a:ea typeface="Montserrat"/>
+                <a:cs typeface="Montserrat"/>
+                <a:sym typeface="Montserrat"/>
+              </a:rPr>
+              <a:t>Note</a:t>
+            </a:r>
+            <a:endParaRPr b="1" sz="1500">
+              <a:latin typeface="Montserrat"/>
+              <a:ea typeface="Montserrat"/>
+              <a:cs typeface="Montserrat"/>
+              <a:sym typeface="Montserrat"/>
+            </a:endParaRPr>
+          </a:p>
+          <a:p>
+            <a:pPr indent="-323850" lvl="1" marL="914400" rtl="0" algn="l">
+              <a:spcBef>
+                <a:spcPts val="0"/>
+              </a:spcBef>
+              <a:spcAft>
+                <a:spcPts val="0"/>
+              </a:spcAft>
+              <a:buSzPts val="1500"/>
+              <a:buFont typeface="Montserrat"/>
+              <a:buChar char="○"/>
+            </a:pPr>
+            <a:r>
+              <a:rPr lang="en" sz="1500">
+                <a:latin typeface="Montserrat"/>
+                <a:ea typeface="Montserrat"/>
+                <a:cs typeface="Montserrat"/>
+                <a:sym typeface="Montserrat"/>
+              </a:rPr>
+              <a:t>Results were averaged</a:t>
+            </a:r>
+            <a:endParaRPr sz="1500">
+              <a:latin typeface="Montserrat"/>
+              <a:ea typeface="Montserrat"/>
+              <a:cs typeface="Montserrat"/>
+              <a:sym typeface="Montserrat"/>
+            </a:endParaRPr>
+          </a:p>
+          <a:p>
+            <a:pPr indent="-323850" lvl="1" marL="914400" rtl="0" algn="l">
+              <a:spcBef>
+                <a:spcPts val="0"/>
+              </a:spcBef>
+              <a:spcAft>
+                <a:spcPts val="0"/>
+              </a:spcAft>
+              <a:buSzPts val="1500"/>
+              <a:buFont typeface="Montserrat"/>
+              <a:buChar char="○"/>
+            </a:pPr>
+            <a:r>
+              <a:rPr lang="en" sz="1500">
+                <a:latin typeface="Montserrat"/>
+                <a:ea typeface="Montserrat"/>
+                <a:cs typeface="Montserrat"/>
+                <a:sym typeface="Montserrat"/>
+              </a:rPr>
+              <a:t>Having more data at their disposal</a:t>
+            </a:r>
+            <a:endParaRPr sz="1500">
+              <a:latin typeface="Montserrat"/>
+              <a:ea typeface="Montserrat"/>
+              <a:cs typeface="Montserrat"/>
+              <a:sym typeface="Montserrat"/>
+            </a:endParaRPr>
+          </a:p>
+          <a:p>
+            <a:pPr indent="-323850" lvl="1" marL="914400" rtl="0" algn="l">
+              <a:spcBef>
+                <a:spcPts val="0"/>
+              </a:spcBef>
+              <a:spcAft>
+                <a:spcPts val="0"/>
+              </a:spcAft>
+              <a:buSzPts val="1500"/>
+              <a:buFont typeface="Montserrat"/>
+              <a:buChar char="○"/>
+            </a:pPr>
+            <a:r>
+              <a:rPr lang="en" sz="1500">
+                <a:latin typeface="Montserrat"/>
+                <a:ea typeface="Montserrat"/>
+                <a:cs typeface="Montserrat"/>
+                <a:sym typeface="Montserrat"/>
+              </a:rPr>
+              <a:t>Periods in which the models did </a:t>
+            </a:r>
+            <a:r>
+              <a:rPr b="1" lang="en" sz="1500">
+                <a:latin typeface="Montserrat"/>
+                <a:ea typeface="Montserrat"/>
+                <a:cs typeface="Montserrat"/>
+                <a:sym typeface="Montserrat"/>
+              </a:rPr>
+              <a:t>better </a:t>
+            </a:r>
+            <a:r>
+              <a:rPr lang="en" sz="1500">
+                <a:latin typeface="Montserrat"/>
+                <a:ea typeface="Montserrat"/>
+                <a:cs typeface="Montserrat"/>
+                <a:sym typeface="Montserrat"/>
+              </a:rPr>
+              <a:t>(short-mid term) compensated for the </a:t>
+            </a:r>
+            <a:r>
+              <a:rPr b="1" lang="en" sz="1500">
+                <a:latin typeface="Montserrat"/>
+                <a:ea typeface="Montserrat"/>
+                <a:cs typeface="Montserrat"/>
+                <a:sym typeface="Montserrat"/>
+              </a:rPr>
+              <a:t>worst </a:t>
+            </a:r>
+            <a:r>
+              <a:rPr lang="en" sz="1500">
+                <a:latin typeface="Montserrat"/>
+                <a:ea typeface="Montserrat"/>
+                <a:cs typeface="Montserrat"/>
+                <a:sym typeface="Montserrat"/>
+              </a:rPr>
+              <a:t>results in the last period (long term)</a:t>
+            </a:r>
+            <a:endParaRPr sz="1500">
+              <a:latin typeface="Montserrat"/>
+              <a:ea typeface="Montserrat"/>
+              <a:cs typeface="Montserrat"/>
+              <a:sym typeface="Montserrat"/>
+            </a:endParaRPr>
+          </a:p>
+        </p:txBody>
+      </p:sp>
+      <p:sp>
+        <p:nvSpPr>
+          <p:cNvPr id="391" name="Google Shape;391;g2a58cb8d4e2_0_19"/>
+          <p:cNvSpPr txBox="1"/>
+          <p:nvPr>
+            <p:ph idx="4294967295" type="body"/>
+          </p:nvPr>
+        </p:nvSpPr>
+        <p:spPr>
+          <a:xfrm>
             <a:off x="6011100" y="187875"/>
             <a:ext cx="3111900" cy="910800"/>
           </a:xfrm>
@@ -22025,7 +22056,7 @@
       </p:sp>
       <p:sp>
         <p:nvSpPr>
-          <p:cNvPr id="391" name="Google Shape;391;g2a58cb8d4e2_0_19"/>
+          <p:cNvPr id="392" name="Google Shape;392;g2a58cb8d4e2_0_19"/>
           <p:cNvSpPr/>
           <p:nvPr/>
         </p:nvSpPr>
@@ -22078,7 +22109,7 @@
       </p:sp>
       <p:sp>
         <p:nvSpPr>
-          <p:cNvPr id="392" name="Google Shape;392;g2a58cb8d4e2_0_19"/>
+          <p:cNvPr id="393" name="Google Shape;393;g2a58cb8d4e2_0_19"/>
           <p:cNvSpPr/>
           <p:nvPr/>
         </p:nvSpPr>
@@ -22142,7 +22173,7 @@
   <p:cSld>
     <p:spTree>
       <p:nvGrpSpPr>
-        <p:cNvPr id="396" name="Shape 396"/>
+        <p:cNvPr id="397" name="Shape 397"/>
         <p:cNvGrpSpPr/>
         <p:nvPr/>
       </p:nvGrpSpPr>
@@ -22156,7 +22187,7 @@
       </p:grpSpPr>
       <p:sp>
         <p:nvSpPr>
-          <p:cNvPr id="397" name="Google Shape;397;g2a8639fb0e6_0_52"/>
+          <p:cNvPr id="398" name="Google Shape;398;g2a8639fb0e6_0_52"/>
           <p:cNvSpPr txBox="1"/>
           <p:nvPr>
             <p:ph idx="4294967295" type="title"/>
@@ -22214,7 +22245,7 @@
       </p:sp>
       <p:pic>
         <p:nvPicPr>
-          <p:cNvPr id="398" name="Google Shape;398;g2a8639fb0e6_0_52"/>
+          <p:cNvPr id="399" name="Google Shape;399;g2a8639fb0e6_0_52"/>
           <p:cNvPicPr preferRelativeResize="0"/>
           <p:nvPr/>
         </p:nvPicPr>
@@ -22229,33 +22260,6 @@
           <a:xfrm>
             <a:off x="186124" y="1261525"/>
             <a:ext cx="3007949" cy="489576"/>
-          </a:xfrm>
-          <a:prstGeom prst="rect">
-            <a:avLst/>
-          </a:prstGeom>
-          <a:noFill/>
-          <a:ln>
-            <a:noFill/>
-          </a:ln>
-        </p:spPr>
-      </p:pic>
-      <p:pic>
-        <p:nvPicPr>
-          <p:cNvPr id="399" name="Google Shape;399;g2a8639fb0e6_0_52"/>
-          <p:cNvPicPr preferRelativeResize="0"/>
-          <p:nvPr/>
-        </p:nvPicPr>
-        <p:blipFill rotWithShape="1">
-          <a:blip r:embed="rId3">
-            <a:alphaModFix/>
-          </a:blip>
-          <a:srcRect b="7002" l="25502" r="52636" t="14578"/>
-          <a:stretch/>
-        </p:blipFill>
-        <p:spPr>
-          <a:xfrm>
-            <a:off x="2481075" y="1672750"/>
-            <a:ext cx="2134001" cy="1883834"/>
           </a:xfrm>
           <a:prstGeom prst="rect">
             <a:avLst/>
@@ -22276,13 +22280,13 @@
           <a:blip r:embed="rId3">
             <a:alphaModFix/>
           </a:blip>
-          <a:srcRect b="5722" l="813" r="74604" t="14792"/>
+          <a:srcRect b="7002" l="25502" r="52636" t="14578"/>
           <a:stretch/>
         </p:blipFill>
         <p:spPr>
           <a:xfrm>
-            <a:off x="78350" y="1704275"/>
-            <a:ext cx="2370299" cy="1886175"/>
+            <a:off x="2481075" y="1672750"/>
+            <a:ext cx="2134001" cy="1883834"/>
           </a:xfrm>
           <a:prstGeom prst="rect">
             <a:avLst/>
@@ -22303,13 +22307,13 @@
           <a:blip r:embed="rId3">
             <a:alphaModFix/>
           </a:blip>
-          <a:srcRect b="5063" l="47972" r="30167" t="14570"/>
+          <a:srcRect b="5722" l="813" r="74604" t="14792"/>
           <a:stretch/>
         </p:blipFill>
         <p:spPr>
           <a:xfrm>
-            <a:off x="4708400" y="1657463"/>
-            <a:ext cx="2134011" cy="1930766"/>
+            <a:off x="78350" y="1704275"/>
+            <a:ext cx="2370299" cy="1886175"/>
           </a:xfrm>
           <a:prstGeom prst="rect">
             <a:avLst/>
@@ -22330,13 +22334,13 @@
           <a:blip r:embed="rId3">
             <a:alphaModFix/>
           </a:blip>
-          <a:srcRect b="4407" l="70534" r="7605" t="14575"/>
+          <a:srcRect b="5063" l="47972" r="30167" t="14570"/>
           <a:stretch/>
         </p:blipFill>
         <p:spPr>
           <a:xfrm>
-            <a:off x="6941200" y="1641088"/>
-            <a:ext cx="2134001" cy="1946466"/>
+            <a:off x="4708400" y="1657463"/>
+            <a:ext cx="2134011" cy="1930766"/>
           </a:xfrm>
           <a:prstGeom prst="rect">
             <a:avLst/>
@@ -22357,13 +22361,13 @@
           <a:blip r:embed="rId3">
             <a:alphaModFix/>
           </a:blip>
-          <a:srcRect b="13730" l="2285" r="96265" t="18260"/>
+          <a:srcRect b="4407" l="70534" r="7605" t="14575"/>
           <a:stretch/>
         </p:blipFill>
         <p:spPr>
           <a:xfrm>
-            <a:off x="2384774" y="1755225"/>
-            <a:ext cx="142828" cy="1650025"/>
+            <a:off x="6941200" y="1641088"/>
+            <a:ext cx="2134001" cy="1946466"/>
           </a:xfrm>
           <a:prstGeom prst="rect">
             <a:avLst/>
@@ -22389,7 +22393,7 @@
         </p:blipFill>
         <p:spPr>
           <a:xfrm>
-            <a:off x="6824624" y="1723050"/>
+            <a:off x="2384774" y="1755225"/>
             <a:ext cx="142828" cy="1650025"/>
           </a:xfrm>
           <a:prstGeom prst="rect">
@@ -22411,13 +22415,13 @@
           <a:blip r:embed="rId3">
             <a:alphaModFix/>
           </a:blip>
-          <a:srcRect b="13730" l="2272" r="96265" t="18260"/>
+          <a:srcRect b="13730" l="2285" r="96265" t="18260"/>
           <a:stretch/>
         </p:blipFill>
         <p:spPr>
           <a:xfrm>
-            <a:off x="4607574" y="1749125"/>
-            <a:ext cx="142828" cy="1635625"/>
+            <a:off x="6824624" y="1723050"/>
+            <a:ext cx="142828" cy="1650025"/>
           </a:xfrm>
           <a:prstGeom prst="rect">
             <a:avLst/>
@@ -22431,6 +22435,33 @@
       <p:pic>
         <p:nvPicPr>
           <p:cNvPr id="406" name="Google Shape;406;g2a8639fb0e6_0_52"/>
+          <p:cNvPicPr preferRelativeResize="0"/>
+          <p:nvPr/>
+        </p:nvPicPr>
+        <p:blipFill rotWithShape="1">
+          <a:blip r:embed="rId3">
+            <a:alphaModFix/>
+          </a:blip>
+          <a:srcRect b="13730" l="2272" r="96265" t="18260"/>
+          <a:stretch/>
+        </p:blipFill>
+        <p:spPr>
+          <a:xfrm>
+            <a:off x="4607574" y="1749125"/>
+            <a:ext cx="142828" cy="1635625"/>
+          </a:xfrm>
+          <a:prstGeom prst="rect">
+            <a:avLst/>
+          </a:prstGeom>
+          <a:noFill/>
+          <a:ln>
+            <a:noFill/>
+          </a:ln>
+        </p:spPr>
+      </p:pic>
+      <p:pic>
+        <p:nvPicPr>
+          <p:cNvPr id="407" name="Google Shape;407;g2a8639fb0e6_0_52"/>
           <p:cNvPicPr preferRelativeResize="0"/>
           <p:nvPr/>
         </p:nvPicPr>
@@ -22457,7 +22488,7 @@
       </p:pic>
       <p:sp>
         <p:nvSpPr>
-          <p:cNvPr id="407" name="Google Shape;407;g2a8639fb0e6_0_52"/>
+          <p:cNvPr id="408" name="Google Shape;408;g2a8639fb0e6_0_52"/>
           <p:cNvSpPr txBox="1"/>
           <p:nvPr>
             <p:ph idx="4294967295" type="body"/>
@@ -22590,7 +22621,7 @@
       </p:sp>
       <p:sp>
         <p:nvSpPr>
-          <p:cNvPr id="408" name="Google Shape;408;g2a8639fb0e6_0_52"/>
+          <p:cNvPr id="409" name="Google Shape;409;g2a8639fb0e6_0_52"/>
           <p:cNvSpPr/>
           <p:nvPr/>
         </p:nvSpPr>
@@ -22643,7 +22674,7 @@
       </p:sp>
       <p:sp>
         <p:nvSpPr>
-          <p:cNvPr id="409" name="Google Shape;409;g2a8639fb0e6_0_52"/>
+          <p:cNvPr id="410" name="Google Shape;410;g2a8639fb0e6_0_52"/>
           <p:cNvSpPr/>
           <p:nvPr/>
         </p:nvSpPr>
@@ -22707,7 +22738,7 @@
   <p:cSld>
     <p:spTree>
       <p:nvGrpSpPr>
-        <p:cNvPr id="413" name="Shape 413"/>
+        <p:cNvPr id="414" name="Shape 414"/>
         <p:cNvGrpSpPr/>
         <p:nvPr/>
       </p:nvGrpSpPr>
@@ -22721,7 +22752,7 @@
       </p:grpSpPr>
       <p:sp>
         <p:nvSpPr>
-          <p:cNvPr id="414" name="Google Shape;414;g2a7c40ec614_0_1"/>
+          <p:cNvPr id="415" name="Google Shape;415;g2a7c40ec614_0_1"/>
           <p:cNvSpPr txBox="1"/>
           <p:nvPr>
             <p:ph idx="4294967295" type="title"/>
@@ -22779,7 +22810,7 @@
       </p:sp>
       <p:pic>
         <p:nvPicPr>
-          <p:cNvPr id="415" name="Google Shape;415;g2a7c40ec614_0_1"/>
+          <p:cNvPr id="416" name="Google Shape;416;g2a7c40ec614_0_1"/>
           <p:cNvPicPr preferRelativeResize="0"/>
           <p:nvPr/>
         </p:nvPicPr>
@@ -22794,34 +22825,6 @@
           <a:xfrm>
             <a:off x="304800" y="728025"/>
             <a:ext cx="8125875" cy="2954705"/>
-          </a:xfrm>
-          <a:prstGeom prst="rect">
-            <a:avLst/>
-          </a:prstGeom>
-          <a:noFill/>
-          <a:ln>
-            <a:noFill/>
-          </a:ln>
-        </p:spPr>
-      </p:pic>
-      <p:pic>
-        <p:nvPicPr>
-          <p:cNvPr id="416" name="Google Shape;416;g2a7c40ec614_0_1"/>
-          <p:cNvPicPr preferRelativeResize="0"/>
-          <p:nvPr/>
-        </p:nvPicPr>
-        <p:blipFill>
-          <a:blip r:embed="rId4">
-            <a:alphaModFix/>
-          </a:blip>
-          <a:stretch>
-            <a:fillRect/>
-          </a:stretch>
-        </p:blipFill>
-        <p:spPr>
-          <a:xfrm>
-            <a:off x="2388972" y="2061833"/>
-            <a:ext cx="171042" cy="613916"/>
           </a:xfrm>
           <a:prstGeom prst="rect">
             <a:avLst/>
@@ -22848,7 +22851,7 @@
         </p:blipFill>
         <p:spPr>
           <a:xfrm>
-            <a:off x="4362338" y="2061833"/>
+            <a:off x="2388972" y="2061833"/>
             <a:ext cx="171042" cy="613916"/>
           </a:xfrm>
           <a:prstGeom prst="rect">
@@ -22876,7 +22879,7 @@
         </p:blipFill>
         <p:spPr>
           <a:xfrm>
-            <a:off x="6335705" y="2061833"/>
+            <a:off x="4362338" y="2061833"/>
             <a:ext cx="171042" cy="613916"/>
           </a:xfrm>
           <a:prstGeom prst="rect">
@@ -22904,8 +22907,8 @@
         </p:blipFill>
         <p:spPr>
           <a:xfrm>
-            <a:off x="1302349" y="3351281"/>
-            <a:ext cx="498331" cy="338969"/>
+            <a:off x="6335705" y="2061833"/>
+            <a:ext cx="171042" cy="613916"/>
           </a:xfrm>
           <a:prstGeom prst="rect">
             <a:avLst/>
@@ -22932,7 +22935,7 @@
         </p:blipFill>
         <p:spPr>
           <a:xfrm>
-            <a:off x="3262688" y="3351281"/>
+            <a:off x="1302349" y="3351281"/>
             <a:ext cx="498331" cy="338969"/>
           </a:xfrm>
           <a:prstGeom prst="rect">
@@ -22960,7 +22963,7 @@
         </p:blipFill>
         <p:spPr>
           <a:xfrm>
-            <a:off x="5268638" y="3351281"/>
+            <a:off x="3262688" y="3351281"/>
             <a:ext cx="498331" cy="338969"/>
           </a:xfrm>
           <a:prstGeom prst="rect">
@@ -22975,33 +22978,6 @@
       <p:pic>
         <p:nvPicPr>
           <p:cNvPr id="422" name="Google Shape;422;g2a7c40ec614_0_1"/>
-          <p:cNvPicPr preferRelativeResize="0"/>
-          <p:nvPr/>
-        </p:nvPicPr>
-        <p:blipFill rotWithShape="1">
-          <a:blip r:embed="rId3">
-            <a:alphaModFix/>
-          </a:blip>
-          <a:srcRect b="6139" l="82912" r="12449" t="88527"/>
-          <a:stretch/>
-        </p:blipFill>
-        <p:spPr>
-          <a:xfrm>
-            <a:off x="4252690" y="3444290"/>
-            <a:ext cx="390338" cy="157547"/>
-          </a:xfrm>
-          <a:prstGeom prst="rect">
-            <a:avLst/>
-          </a:prstGeom>
-          <a:noFill/>
-          <a:ln>
-            <a:noFill/>
-          </a:ln>
-        </p:spPr>
-      </p:pic>
-      <p:pic>
-        <p:nvPicPr>
-          <p:cNvPr id="423" name="Google Shape;423;g2a7c40ec614_0_1"/>
           <p:cNvPicPr preferRelativeResize="0"/>
           <p:nvPr/>
         </p:nvPicPr>
@@ -23015,6 +22991,61 @@
         </p:blipFill>
         <p:spPr>
           <a:xfrm>
+            <a:off x="5268638" y="3351281"/>
+            <a:ext cx="498331" cy="338969"/>
+          </a:xfrm>
+          <a:prstGeom prst="rect">
+            <a:avLst/>
+          </a:prstGeom>
+          <a:noFill/>
+          <a:ln>
+            <a:noFill/>
+          </a:ln>
+        </p:spPr>
+      </p:pic>
+      <p:pic>
+        <p:nvPicPr>
+          <p:cNvPr id="423" name="Google Shape;423;g2a7c40ec614_0_1"/>
+          <p:cNvPicPr preferRelativeResize="0"/>
+          <p:nvPr/>
+        </p:nvPicPr>
+        <p:blipFill rotWithShape="1">
+          <a:blip r:embed="rId3">
+            <a:alphaModFix/>
+          </a:blip>
+          <a:srcRect b="6139" l="82912" r="12449" t="88527"/>
+          <a:stretch/>
+        </p:blipFill>
+        <p:spPr>
+          <a:xfrm>
+            <a:off x="4252690" y="3444290"/>
+            <a:ext cx="390338" cy="157547"/>
+          </a:xfrm>
+          <a:prstGeom prst="rect">
+            <a:avLst/>
+          </a:prstGeom>
+          <a:noFill/>
+          <a:ln>
+            <a:noFill/>
+          </a:ln>
+        </p:spPr>
+      </p:pic>
+      <p:pic>
+        <p:nvPicPr>
+          <p:cNvPr id="424" name="Google Shape;424;g2a7c40ec614_0_1"/>
+          <p:cNvPicPr preferRelativeResize="0"/>
+          <p:nvPr/>
+        </p:nvPicPr>
+        <p:blipFill>
+          <a:blip r:embed="rId4">
+            <a:alphaModFix/>
+          </a:blip>
+          <a:stretch>
+            <a:fillRect/>
+          </a:stretch>
+        </p:blipFill>
+        <p:spPr>
+          <a:xfrm>
             <a:off x="7208125" y="3351276"/>
             <a:ext cx="498325" cy="250550"/>
           </a:xfrm>
@@ -23027,108 +23058,6 @@
           </a:ln>
         </p:spPr>
       </p:pic>
-      <p:sp>
-        <p:nvSpPr>
-          <p:cNvPr id="424" name="Google Shape;424;g2a7c40ec614_0_1"/>
-          <p:cNvSpPr txBox="1"/>
-          <p:nvPr>
-            <p:ph idx="4294967295" type="body"/>
-          </p:nvPr>
-        </p:nvSpPr>
-        <p:spPr>
-          <a:xfrm>
-            <a:off x="220900" y="3561900"/>
-            <a:ext cx="5695800" cy="1429200"/>
-          </a:xfrm>
-          <a:prstGeom prst="rect">
-            <a:avLst/>
-          </a:prstGeom>
-          <a:noFill/>
-          <a:ln>
-            <a:noFill/>
-          </a:ln>
-        </p:spPr>
-        <p:txBody>
-          <a:bodyPr anchorCtr="0" anchor="t" bIns="91425" lIns="91425" spcFirstLastPara="1" rIns="91425" wrap="square" tIns="91425">
-            <a:noAutofit/>
-          </a:bodyPr>
-          <a:lstStyle/>
-          <a:p>
-            <a:pPr indent="-323850" lvl="0" marL="457200" rtl="0" algn="l">
-              <a:spcBef>
-                <a:spcPts val="0"/>
-              </a:spcBef>
-              <a:spcAft>
-                <a:spcPts val="0"/>
-              </a:spcAft>
-              <a:buSzPts val="1500"/>
-              <a:buFont typeface="Montserrat"/>
-              <a:buChar char="●"/>
-            </a:pPr>
-            <a:r>
-              <a:rPr b="1" lang="en" sz="1500">
-                <a:latin typeface="Montserrat"/>
-                <a:ea typeface="Montserrat"/>
-                <a:cs typeface="Montserrat"/>
-                <a:sym typeface="Montserrat"/>
-              </a:rPr>
-              <a:t>Higher </a:t>
-            </a:r>
-            <a:r>
-              <a:rPr lang="en" sz="1500">
-                <a:latin typeface="Montserrat"/>
-                <a:ea typeface="Montserrat"/>
-                <a:cs typeface="Montserrat"/>
-                <a:sym typeface="Montserrat"/>
-              </a:rPr>
-              <a:t>in the short-term </a:t>
-            </a:r>
-            <a:endParaRPr sz="1500">
-              <a:latin typeface="Montserrat"/>
-              <a:ea typeface="Montserrat"/>
-              <a:cs typeface="Montserrat"/>
-              <a:sym typeface="Montserrat"/>
-            </a:endParaRPr>
-          </a:p>
-          <a:p>
-            <a:pPr indent="-323850" lvl="0" marL="457200" rtl="0" algn="l">
-              <a:spcBef>
-                <a:spcPts val="0"/>
-              </a:spcBef>
-              <a:spcAft>
-                <a:spcPts val="0"/>
-              </a:spcAft>
-              <a:buSzPts val="1500"/>
-              <a:buFont typeface="Montserrat"/>
-              <a:buChar char="●"/>
-            </a:pPr>
-            <a:r>
-              <a:rPr b="1" lang="en" sz="1500">
-                <a:latin typeface="Montserrat"/>
-                <a:ea typeface="Montserrat"/>
-                <a:cs typeface="Montserrat"/>
-                <a:sym typeface="Montserrat"/>
-              </a:rPr>
-              <a:t>Lower </a:t>
-            </a:r>
-            <a:r>
-              <a:rPr lang="en" sz="1500">
-                <a:latin typeface="Montserrat"/>
-                <a:ea typeface="Montserrat"/>
-                <a:cs typeface="Montserrat"/>
-                <a:sym typeface="Montserrat"/>
-              </a:rPr>
-              <a:t>in the long-term</a:t>
-            </a:r>
-            <a:endParaRPr sz="1500">
-              <a:latin typeface="Montserrat"/>
-              <a:ea typeface="Montserrat"/>
-              <a:cs typeface="Montserrat"/>
-              <a:sym typeface="Montserrat"/>
-            </a:endParaRPr>
-          </a:p>
-        </p:txBody>
-      </p:sp>
       <p:sp>
         <p:nvSpPr>
           <p:cNvPr id="425" name="Google Shape;425;g2a7c40ec614_0_1"/>
@@ -23139,6 +23068,108 @@
         </p:nvSpPr>
         <p:spPr>
           <a:xfrm>
+            <a:off x="220900" y="3561900"/>
+            <a:ext cx="5695800" cy="1429200"/>
+          </a:xfrm>
+          <a:prstGeom prst="rect">
+            <a:avLst/>
+          </a:prstGeom>
+          <a:noFill/>
+          <a:ln>
+            <a:noFill/>
+          </a:ln>
+        </p:spPr>
+        <p:txBody>
+          <a:bodyPr anchorCtr="0" anchor="t" bIns="91425" lIns="91425" spcFirstLastPara="1" rIns="91425" wrap="square" tIns="91425">
+            <a:noAutofit/>
+          </a:bodyPr>
+          <a:lstStyle/>
+          <a:p>
+            <a:pPr indent="-323850" lvl="0" marL="457200" rtl="0" algn="l">
+              <a:spcBef>
+                <a:spcPts val="0"/>
+              </a:spcBef>
+              <a:spcAft>
+                <a:spcPts val="0"/>
+              </a:spcAft>
+              <a:buSzPts val="1500"/>
+              <a:buFont typeface="Montserrat"/>
+              <a:buChar char="●"/>
+            </a:pPr>
+            <a:r>
+              <a:rPr b="1" lang="en" sz="1500">
+                <a:latin typeface="Montserrat"/>
+                <a:ea typeface="Montserrat"/>
+                <a:cs typeface="Montserrat"/>
+                <a:sym typeface="Montserrat"/>
+              </a:rPr>
+              <a:t>Higher </a:t>
+            </a:r>
+            <a:r>
+              <a:rPr lang="en" sz="1500">
+                <a:latin typeface="Montserrat"/>
+                <a:ea typeface="Montserrat"/>
+                <a:cs typeface="Montserrat"/>
+                <a:sym typeface="Montserrat"/>
+              </a:rPr>
+              <a:t>in the short-term </a:t>
+            </a:r>
+            <a:endParaRPr sz="1500">
+              <a:latin typeface="Montserrat"/>
+              <a:ea typeface="Montserrat"/>
+              <a:cs typeface="Montserrat"/>
+              <a:sym typeface="Montserrat"/>
+            </a:endParaRPr>
+          </a:p>
+          <a:p>
+            <a:pPr indent="-323850" lvl="0" marL="457200" rtl="0" algn="l">
+              <a:spcBef>
+                <a:spcPts val="0"/>
+              </a:spcBef>
+              <a:spcAft>
+                <a:spcPts val="0"/>
+              </a:spcAft>
+              <a:buSzPts val="1500"/>
+              <a:buFont typeface="Montserrat"/>
+              <a:buChar char="●"/>
+            </a:pPr>
+            <a:r>
+              <a:rPr b="1" lang="en" sz="1500">
+                <a:latin typeface="Montserrat"/>
+                <a:ea typeface="Montserrat"/>
+                <a:cs typeface="Montserrat"/>
+                <a:sym typeface="Montserrat"/>
+              </a:rPr>
+              <a:t>Lower </a:t>
+            </a:r>
+            <a:r>
+              <a:rPr lang="en" sz="1500">
+                <a:latin typeface="Montserrat"/>
+                <a:ea typeface="Montserrat"/>
+                <a:cs typeface="Montserrat"/>
+                <a:sym typeface="Montserrat"/>
+              </a:rPr>
+              <a:t>in the long-term</a:t>
+            </a:r>
+            <a:endParaRPr sz="1500">
+              <a:latin typeface="Montserrat"/>
+              <a:ea typeface="Montserrat"/>
+              <a:cs typeface="Montserrat"/>
+              <a:sym typeface="Montserrat"/>
+            </a:endParaRPr>
+          </a:p>
+        </p:txBody>
+      </p:sp>
+      <p:sp>
+        <p:nvSpPr>
+          <p:cNvPr id="426" name="Google Shape;426;g2a7c40ec614_0_1"/>
+          <p:cNvSpPr txBox="1"/>
+          <p:nvPr>
+            <p:ph idx="4294967295" type="body"/>
+          </p:nvPr>
+        </p:nvSpPr>
+        <p:spPr>
+          <a:xfrm>
             <a:off x="6011100" y="187875"/>
             <a:ext cx="3111900" cy="910800"/>
           </a:xfrm>
@@ -23264,7 +23295,7 @@
       </p:sp>
       <p:sp>
         <p:nvSpPr>
-          <p:cNvPr id="426" name="Google Shape;426;g2a7c40ec614_0_1"/>
+          <p:cNvPr id="427" name="Google Shape;427;g2a7c40ec614_0_1"/>
           <p:cNvSpPr/>
           <p:nvPr/>
         </p:nvSpPr>
@@ -23317,7 +23348,7 @@
       </p:sp>
       <p:sp>
         <p:nvSpPr>
-          <p:cNvPr id="427" name="Google Shape;427;g2a7c40ec614_0_1"/>
+          <p:cNvPr id="428" name="Google Shape;428;g2a7c40ec614_0_1"/>
           <p:cNvSpPr/>
           <p:nvPr/>
         </p:nvSpPr>
@@ -23381,7 +23412,7 @@
   <p:cSld>
     <p:spTree>
       <p:nvGrpSpPr>
-        <p:cNvPr id="431" name="Shape 431"/>
+        <p:cNvPr id="432" name="Shape 432"/>
         <p:cNvGrpSpPr/>
         <p:nvPr/>
       </p:nvGrpSpPr>
@@ -23395,7 +23426,7 @@
       </p:grpSpPr>
       <p:sp>
         <p:nvSpPr>
-          <p:cNvPr id="432" name="Google Shape;432;g2a8be63b007_0_121"/>
+          <p:cNvPr id="433" name="Google Shape;433;g2a8be63b007_0_121"/>
           <p:cNvSpPr txBox="1"/>
           <p:nvPr>
             <p:ph idx="4294967295" type="title"/>
@@ -23453,7 +23484,7 @@
       </p:sp>
       <p:pic>
         <p:nvPicPr>
-          <p:cNvPr id="433" name="Google Shape;433;g2a8be63b007_0_121"/>
+          <p:cNvPr id="434" name="Google Shape;434;g2a8be63b007_0_121"/>
           <p:cNvPicPr preferRelativeResize="0"/>
           <p:nvPr/>
         </p:nvPicPr>
@@ -23480,7 +23511,7 @@
       </p:pic>
       <p:pic>
         <p:nvPicPr>
-          <p:cNvPr id="434" name="Google Shape;434;g2a8be63b007_0_121"/>
+          <p:cNvPr id="435" name="Google Shape;435;g2a8be63b007_0_121"/>
           <p:cNvPicPr preferRelativeResize="0"/>
           <p:nvPr/>
         </p:nvPicPr>
@@ -23495,34 +23526,6 @@
           <a:xfrm>
             <a:off x="304800" y="728025"/>
             <a:ext cx="8125875" cy="2954705"/>
-          </a:xfrm>
-          <a:prstGeom prst="rect">
-            <a:avLst/>
-          </a:prstGeom>
-          <a:noFill/>
-          <a:ln>
-            <a:noFill/>
-          </a:ln>
-        </p:spPr>
-      </p:pic>
-      <p:pic>
-        <p:nvPicPr>
-          <p:cNvPr id="435" name="Google Shape;435;g2a8be63b007_0_121"/>
-          <p:cNvPicPr preferRelativeResize="0"/>
-          <p:nvPr/>
-        </p:nvPicPr>
-        <p:blipFill>
-          <a:blip r:embed="rId5">
-            <a:alphaModFix/>
-          </a:blip>
-          <a:stretch>
-            <a:fillRect/>
-          </a:stretch>
-        </p:blipFill>
-        <p:spPr>
-          <a:xfrm>
-            <a:off x="2388972" y="2061833"/>
-            <a:ext cx="171042" cy="613916"/>
           </a:xfrm>
           <a:prstGeom prst="rect">
             <a:avLst/>
@@ -23549,7 +23552,7 @@
         </p:blipFill>
         <p:spPr>
           <a:xfrm>
-            <a:off x="4362338" y="2061833"/>
+            <a:off x="2388972" y="2061833"/>
             <a:ext cx="171042" cy="613916"/>
           </a:xfrm>
           <a:prstGeom prst="rect">
@@ -23577,7 +23580,7 @@
         </p:blipFill>
         <p:spPr>
           <a:xfrm>
-            <a:off x="6335705" y="2061833"/>
+            <a:off x="4362338" y="2061833"/>
             <a:ext cx="171042" cy="613916"/>
           </a:xfrm>
           <a:prstGeom prst="rect">
@@ -23605,8 +23608,8 @@
         </p:blipFill>
         <p:spPr>
           <a:xfrm>
-            <a:off x="1302349" y="3351281"/>
-            <a:ext cx="498331" cy="338969"/>
+            <a:off x="6335705" y="2061833"/>
+            <a:ext cx="171042" cy="613916"/>
           </a:xfrm>
           <a:prstGeom prst="rect">
             <a:avLst/>
@@ -23633,7 +23636,7 @@
         </p:blipFill>
         <p:spPr>
           <a:xfrm>
-            <a:off x="3262688" y="3351281"/>
+            <a:off x="1302349" y="3351281"/>
             <a:ext cx="498331" cy="338969"/>
           </a:xfrm>
           <a:prstGeom prst="rect">
@@ -23661,7 +23664,7 @@
         </p:blipFill>
         <p:spPr>
           <a:xfrm>
-            <a:off x="5268638" y="3351281"/>
+            <a:off x="3262688" y="3351281"/>
             <a:ext cx="498331" cy="338969"/>
           </a:xfrm>
           <a:prstGeom prst="rect">
@@ -23676,33 +23679,6 @@
       <p:pic>
         <p:nvPicPr>
           <p:cNvPr id="441" name="Google Shape;441;g2a8be63b007_0_121"/>
-          <p:cNvPicPr preferRelativeResize="0"/>
-          <p:nvPr/>
-        </p:nvPicPr>
-        <p:blipFill rotWithShape="1">
-          <a:blip r:embed="rId4">
-            <a:alphaModFix/>
-          </a:blip>
-          <a:srcRect b="6139" l="82912" r="12449" t="88527"/>
-          <a:stretch/>
-        </p:blipFill>
-        <p:spPr>
-          <a:xfrm>
-            <a:off x="4252690" y="3444290"/>
-            <a:ext cx="390338" cy="157547"/>
-          </a:xfrm>
-          <a:prstGeom prst="rect">
-            <a:avLst/>
-          </a:prstGeom>
-          <a:noFill/>
-          <a:ln>
-            <a:noFill/>
-          </a:ln>
-        </p:spPr>
-      </p:pic>
-      <p:pic>
-        <p:nvPicPr>
-          <p:cNvPr id="442" name="Google Shape;442;g2a8be63b007_0_121"/>
           <p:cNvPicPr preferRelativeResize="0"/>
           <p:nvPr/>
         </p:nvPicPr>
@@ -23716,6 +23692,61 @@
         </p:blipFill>
         <p:spPr>
           <a:xfrm>
+            <a:off x="5268638" y="3351281"/>
+            <a:ext cx="498331" cy="338969"/>
+          </a:xfrm>
+          <a:prstGeom prst="rect">
+            <a:avLst/>
+          </a:prstGeom>
+          <a:noFill/>
+          <a:ln>
+            <a:noFill/>
+          </a:ln>
+        </p:spPr>
+      </p:pic>
+      <p:pic>
+        <p:nvPicPr>
+          <p:cNvPr id="442" name="Google Shape;442;g2a8be63b007_0_121"/>
+          <p:cNvPicPr preferRelativeResize="0"/>
+          <p:nvPr/>
+        </p:nvPicPr>
+        <p:blipFill rotWithShape="1">
+          <a:blip r:embed="rId4">
+            <a:alphaModFix/>
+          </a:blip>
+          <a:srcRect b="6139" l="82912" r="12449" t="88527"/>
+          <a:stretch/>
+        </p:blipFill>
+        <p:spPr>
+          <a:xfrm>
+            <a:off x="4252690" y="3444290"/>
+            <a:ext cx="390338" cy="157547"/>
+          </a:xfrm>
+          <a:prstGeom prst="rect">
+            <a:avLst/>
+          </a:prstGeom>
+          <a:noFill/>
+          <a:ln>
+            <a:noFill/>
+          </a:ln>
+        </p:spPr>
+      </p:pic>
+      <p:pic>
+        <p:nvPicPr>
+          <p:cNvPr id="443" name="Google Shape;443;g2a8be63b007_0_121"/>
+          <p:cNvPicPr preferRelativeResize="0"/>
+          <p:nvPr/>
+        </p:nvPicPr>
+        <p:blipFill>
+          <a:blip r:embed="rId5">
+            <a:alphaModFix/>
+          </a:blip>
+          <a:stretch>
+            <a:fillRect/>
+          </a:stretch>
+        </p:blipFill>
+        <p:spPr>
+          <a:xfrm>
             <a:off x="7208125" y="3351276"/>
             <a:ext cx="498325" cy="250550"/>
           </a:xfrm>
@@ -23728,182 +23759,6 @@
           </a:ln>
         </p:spPr>
       </p:pic>
-      <p:sp>
-        <p:nvSpPr>
-          <p:cNvPr id="443" name="Google Shape;443;g2a8be63b007_0_121"/>
-          <p:cNvSpPr txBox="1"/>
-          <p:nvPr>
-            <p:ph idx="4294967295" type="body"/>
-          </p:nvPr>
-        </p:nvSpPr>
-        <p:spPr>
-          <a:xfrm>
-            <a:off x="220900" y="3561900"/>
-            <a:ext cx="6045600" cy="1429200"/>
-          </a:xfrm>
-          <a:prstGeom prst="rect">
-            <a:avLst/>
-          </a:prstGeom>
-          <a:noFill/>
-          <a:ln>
-            <a:noFill/>
-          </a:ln>
-        </p:spPr>
-        <p:txBody>
-          <a:bodyPr anchorCtr="0" anchor="t" bIns="91425" lIns="91425" spcFirstLastPara="1" rIns="91425" wrap="square" tIns="91425">
-            <a:noAutofit/>
-          </a:bodyPr>
-          <a:lstStyle/>
-          <a:p>
-            <a:pPr indent="-323850" lvl="0" marL="457200" rtl="0" algn="l">
-              <a:spcBef>
-                <a:spcPts val="0"/>
-              </a:spcBef>
-              <a:spcAft>
-                <a:spcPts val="0"/>
-              </a:spcAft>
-              <a:buSzPts val="1500"/>
-              <a:buFont typeface="Montserrat"/>
-              <a:buChar char="●"/>
-            </a:pPr>
-            <a:r>
-              <a:rPr b="1" lang="en" sz="1500">
-                <a:latin typeface="Montserrat"/>
-                <a:ea typeface="Montserrat"/>
-                <a:cs typeface="Montserrat"/>
-                <a:sym typeface="Montserrat"/>
-              </a:rPr>
-              <a:t>Higher </a:t>
-            </a:r>
-            <a:r>
-              <a:rPr lang="en" sz="1500">
-                <a:latin typeface="Montserrat"/>
-                <a:ea typeface="Montserrat"/>
-                <a:cs typeface="Montserrat"/>
-                <a:sym typeface="Montserrat"/>
-              </a:rPr>
-              <a:t>in the short-term </a:t>
-            </a:r>
-            <a:endParaRPr sz="1500">
-              <a:latin typeface="Montserrat"/>
-              <a:ea typeface="Montserrat"/>
-              <a:cs typeface="Montserrat"/>
-              <a:sym typeface="Montserrat"/>
-            </a:endParaRPr>
-          </a:p>
-          <a:p>
-            <a:pPr indent="-323850" lvl="0" marL="457200" rtl="0" algn="l">
-              <a:spcBef>
-                <a:spcPts val="0"/>
-              </a:spcBef>
-              <a:spcAft>
-                <a:spcPts val="0"/>
-              </a:spcAft>
-              <a:buSzPts val="1500"/>
-              <a:buFont typeface="Montserrat"/>
-              <a:buChar char="●"/>
-            </a:pPr>
-            <a:r>
-              <a:rPr b="1" lang="en" sz="1500">
-                <a:latin typeface="Montserrat"/>
-                <a:ea typeface="Montserrat"/>
-                <a:cs typeface="Montserrat"/>
-                <a:sym typeface="Montserrat"/>
-              </a:rPr>
-              <a:t>Lower </a:t>
-            </a:r>
-            <a:r>
-              <a:rPr lang="en" sz="1500">
-                <a:latin typeface="Montserrat"/>
-                <a:ea typeface="Montserrat"/>
-                <a:cs typeface="Montserrat"/>
-                <a:sym typeface="Montserrat"/>
-              </a:rPr>
-              <a:t>in the long-term</a:t>
-            </a:r>
-            <a:endParaRPr sz="1500">
-              <a:latin typeface="Montserrat"/>
-              <a:ea typeface="Montserrat"/>
-              <a:cs typeface="Montserrat"/>
-              <a:sym typeface="Montserrat"/>
-            </a:endParaRPr>
-          </a:p>
-          <a:p>
-            <a:pPr indent="-323850" lvl="0" marL="457200" rtl="0" algn="l">
-              <a:spcBef>
-                <a:spcPts val="0"/>
-              </a:spcBef>
-              <a:spcAft>
-                <a:spcPts val="0"/>
-              </a:spcAft>
-              <a:buSzPts val="1500"/>
-              <a:buFont typeface="Montserrat"/>
-              <a:buChar char="●"/>
-            </a:pPr>
-            <a:r>
-              <a:rPr lang="en" sz="1500">
-                <a:latin typeface="Montserrat"/>
-                <a:ea typeface="Montserrat"/>
-                <a:cs typeface="Montserrat"/>
-                <a:sym typeface="Montserrat"/>
-              </a:rPr>
-              <a:t>Linear models have a </a:t>
-            </a:r>
-            <a:r>
-              <a:rPr b="1" lang="en" sz="1500">
-                <a:latin typeface="Montserrat"/>
-                <a:ea typeface="Montserrat"/>
-                <a:cs typeface="Montserrat"/>
-                <a:sym typeface="Montserrat"/>
-              </a:rPr>
-              <a:t>higher accuracy </a:t>
-            </a:r>
-            <a:r>
-              <a:rPr lang="en" sz="1500">
-                <a:latin typeface="Montserrat"/>
-                <a:ea typeface="Montserrat"/>
-                <a:cs typeface="Montserrat"/>
-                <a:sym typeface="Montserrat"/>
-              </a:rPr>
-              <a:t>than tree-based models</a:t>
-            </a:r>
-            <a:endParaRPr sz="1500">
-              <a:latin typeface="Montserrat"/>
-              <a:ea typeface="Montserrat"/>
-              <a:cs typeface="Montserrat"/>
-              <a:sym typeface="Montserrat"/>
-            </a:endParaRPr>
-          </a:p>
-          <a:p>
-            <a:pPr indent="-323850" lvl="1" marL="914400" rtl="0" algn="l">
-              <a:spcBef>
-                <a:spcPts val="0"/>
-              </a:spcBef>
-              <a:spcAft>
-                <a:spcPts val="0"/>
-              </a:spcAft>
-              <a:buSzPts val="1500"/>
-              <a:buFont typeface="Montserrat"/>
-              <a:buChar char="○"/>
-            </a:pPr>
-            <a:r>
-              <a:rPr lang="en" sz="1500">
-                <a:latin typeface="Montserrat"/>
-                <a:ea typeface="Montserrat"/>
-                <a:cs typeface="Montserrat"/>
-                <a:sym typeface="Montserrat"/>
-              </a:rPr>
-              <a:t>Probably because because of the smoother curves</a:t>
-            </a:r>
-            <a:endParaRPr sz="1500">
-              <a:latin typeface="Montserrat"/>
-              <a:ea typeface="Montserrat"/>
-              <a:cs typeface="Montserrat"/>
-              <a:sym typeface="Montserrat"/>
-            </a:endParaRPr>
-          </a:p>
-        </p:txBody>
-      </p:sp>
       <p:sp>
         <p:nvSpPr>
           <p:cNvPr id="444" name="Google Shape;444;g2a8be63b007_0_121"/>
@@ -23914,6 +23769,182 @@
         </p:nvSpPr>
         <p:spPr>
           <a:xfrm>
+            <a:off x="220900" y="3561900"/>
+            <a:ext cx="6045600" cy="1429200"/>
+          </a:xfrm>
+          <a:prstGeom prst="rect">
+            <a:avLst/>
+          </a:prstGeom>
+          <a:noFill/>
+          <a:ln>
+            <a:noFill/>
+          </a:ln>
+        </p:spPr>
+        <p:txBody>
+          <a:bodyPr anchorCtr="0" anchor="t" bIns="91425" lIns="91425" spcFirstLastPara="1" rIns="91425" wrap="square" tIns="91425">
+            <a:noAutofit/>
+          </a:bodyPr>
+          <a:lstStyle/>
+          <a:p>
+            <a:pPr indent="-323850" lvl="0" marL="457200" rtl="0" algn="l">
+              <a:spcBef>
+                <a:spcPts val="0"/>
+              </a:spcBef>
+              <a:spcAft>
+                <a:spcPts val="0"/>
+              </a:spcAft>
+              <a:buSzPts val="1500"/>
+              <a:buFont typeface="Montserrat"/>
+              <a:buChar char="●"/>
+            </a:pPr>
+            <a:r>
+              <a:rPr b="1" lang="en" sz="1500">
+                <a:latin typeface="Montserrat"/>
+                <a:ea typeface="Montserrat"/>
+                <a:cs typeface="Montserrat"/>
+                <a:sym typeface="Montserrat"/>
+              </a:rPr>
+              <a:t>Higher </a:t>
+            </a:r>
+            <a:r>
+              <a:rPr lang="en" sz="1500">
+                <a:latin typeface="Montserrat"/>
+                <a:ea typeface="Montserrat"/>
+                <a:cs typeface="Montserrat"/>
+                <a:sym typeface="Montserrat"/>
+              </a:rPr>
+              <a:t>in the short-term </a:t>
+            </a:r>
+            <a:endParaRPr sz="1500">
+              <a:latin typeface="Montserrat"/>
+              <a:ea typeface="Montserrat"/>
+              <a:cs typeface="Montserrat"/>
+              <a:sym typeface="Montserrat"/>
+            </a:endParaRPr>
+          </a:p>
+          <a:p>
+            <a:pPr indent="-323850" lvl="0" marL="457200" rtl="0" algn="l">
+              <a:spcBef>
+                <a:spcPts val="0"/>
+              </a:spcBef>
+              <a:spcAft>
+                <a:spcPts val="0"/>
+              </a:spcAft>
+              <a:buSzPts val="1500"/>
+              <a:buFont typeface="Montserrat"/>
+              <a:buChar char="●"/>
+            </a:pPr>
+            <a:r>
+              <a:rPr b="1" lang="en" sz="1500">
+                <a:latin typeface="Montserrat"/>
+                <a:ea typeface="Montserrat"/>
+                <a:cs typeface="Montserrat"/>
+                <a:sym typeface="Montserrat"/>
+              </a:rPr>
+              <a:t>Lower </a:t>
+            </a:r>
+            <a:r>
+              <a:rPr lang="en" sz="1500">
+                <a:latin typeface="Montserrat"/>
+                <a:ea typeface="Montserrat"/>
+                <a:cs typeface="Montserrat"/>
+                <a:sym typeface="Montserrat"/>
+              </a:rPr>
+              <a:t>in the long-term</a:t>
+            </a:r>
+            <a:endParaRPr sz="1500">
+              <a:latin typeface="Montserrat"/>
+              <a:ea typeface="Montserrat"/>
+              <a:cs typeface="Montserrat"/>
+              <a:sym typeface="Montserrat"/>
+            </a:endParaRPr>
+          </a:p>
+          <a:p>
+            <a:pPr indent="-323850" lvl="0" marL="457200" rtl="0" algn="l">
+              <a:spcBef>
+                <a:spcPts val="0"/>
+              </a:spcBef>
+              <a:spcAft>
+                <a:spcPts val="0"/>
+              </a:spcAft>
+              <a:buSzPts val="1500"/>
+              <a:buFont typeface="Montserrat"/>
+              <a:buChar char="●"/>
+            </a:pPr>
+            <a:r>
+              <a:rPr lang="en" sz="1500">
+                <a:latin typeface="Montserrat"/>
+                <a:ea typeface="Montserrat"/>
+                <a:cs typeface="Montserrat"/>
+                <a:sym typeface="Montserrat"/>
+              </a:rPr>
+              <a:t>Linear models have a </a:t>
+            </a:r>
+            <a:r>
+              <a:rPr b="1" lang="en" sz="1500">
+                <a:latin typeface="Montserrat"/>
+                <a:ea typeface="Montserrat"/>
+                <a:cs typeface="Montserrat"/>
+                <a:sym typeface="Montserrat"/>
+              </a:rPr>
+              <a:t>higher accuracy </a:t>
+            </a:r>
+            <a:r>
+              <a:rPr lang="en" sz="1500">
+                <a:latin typeface="Montserrat"/>
+                <a:ea typeface="Montserrat"/>
+                <a:cs typeface="Montserrat"/>
+                <a:sym typeface="Montserrat"/>
+              </a:rPr>
+              <a:t>than tree-based models</a:t>
+            </a:r>
+            <a:endParaRPr sz="1500">
+              <a:latin typeface="Montserrat"/>
+              <a:ea typeface="Montserrat"/>
+              <a:cs typeface="Montserrat"/>
+              <a:sym typeface="Montserrat"/>
+            </a:endParaRPr>
+          </a:p>
+          <a:p>
+            <a:pPr indent="-323850" lvl="1" marL="914400" rtl="0" algn="l">
+              <a:spcBef>
+                <a:spcPts val="0"/>
+              </a:spcBef>
+              <a:spcAft>
+                <a:spcPts val="0"/>
+              </a:spcAft>
+              <a:buSzPts val="1500"/>
+              <a:buFont typeface="Montserrat"/>
+              <a:buChar char="○"/>
+            </a:pPr>
+            <a:r>
+              <a:rPr lang="en" sz="1500">
+                <a:latin typeface="Montserrat"/>
+                <a:ea typeface="Montserrat"/>
+                <a:cs typeface="Montserrat"/>
+                <a:sym typeface="Montserrat"/>
+              </a:rPr>
+              <a:t>Probably because because of the smoother curves</a:t>
+            </a:r>
+            <a:endParaRPr sz="1500">
+              <a:latin typeface="Montserrat"/>
+              <a:ea typeface="Montserrat"/>
+              <a:cs typeface="Montserrat"/>
+              <a:sym typeface="Montserrat"/>
+            </a:endParaRPr>
+          </a:p>
+        </p:txBody>
+      </p:sp>
+      <p:sp>
+        <p:nvSpPr>
+          <p:cNvPr id="445" name="Google Shape;445;g2a8be63b007_0_121"/>
+          <p:cNvSpPr txBox="1"/>
+          <p:nvPr>
+            <p:ph idx="4294967295" type="body"/>
+          </p:nvPr>
+        </p:nvSpPr>
+        <p:spPr>
+          <a:xfrm>
             <a:off x="6011100" y="187875"/>
             <a:ext cx="3111900" cy="910800"/>
           </a:xfrm>
@@ -24039,7 +24070,7 @@
       </p:sp>
       <p:sp>
         <p:nvSpPr>
-          <p:cNvPr id="445" name="Google Shape;445;g2a8be63b007_0_121"/>
+          <p:cNvPr id="446" name="Google Shape;446;g2a8be63b007_0_121"/>
           <p:cNvSpPr/>
           <p:nvPr/>
         </p:nvSpPr>
@@ -24092,7 +24123,7 @@
       </p:sp>
       <p:sp>
         <p:nvSpPr>
-          <p:cNvPr id="446" name="Google Shape;446;g2a8be63b007_0_121"/>
+          <p:cNvPr id="447" name="Google Shape;447;g2a8be63b007_0_121"/>
           <p:cNvSpPr/>
           <p:nvPr/>
         </p:nvSpPr>
@@ -24145,7 +24176,7 @@
       </p:sp>
       <p:pic>
         <p:nvPicPr>
-          <p:cNvPr id="447" name="Google Shape;447;g2a8be63b007_0_121"/>
+          <p:cNvPr id="448" name="Google Shape;448;g2a8be63b007_0_121"/>
           <p:cNvPicPr preferRelativeResize="0"/>
           <p:nvPr/>
         </p:nvPicPr>
@@ -24183,7 +24214,7 @@
   <p:cSld>
     <p:spTree>
       <p:nvGrpSpPr>
-        <p:cNvPr id="451" name="Shape 451"/>
+        <p:cNvPr id="452" name="Shape 452"/>
         <p:cNvGrpSpPr/>
         <p:nvPr/>
       </p:nvGrpSpPr>
@@ -24197,7 +24228,7 @@
       </p:grpSpPr>
       <p:sp>
         <p:nvSpPr>
-          <p:cNvPr id="452" name="Google Shape;452;g2a0c6f9b0a2_0_109"/>
+          <p:cNvPr id="453" name="Google Shape;453;g2a0c6f9b0a2_0_109"/>
           <p:cNvSpPr txBox="1"/>
           <p:nvPr>
             <p:ph idx="4294967295" type="title"/>
@@ -24255,7 +24286,7 @@
       </p:sp>
       <p:sp>
         <p:nvSpPr>
-          <p:cNvPr id="453" name="Google Shape;453;g2a0c6f9b0a2_0_109"/>
+          <p:cNvPr id="454" name="Google Shape;454;g2a0c6f9b0a2_0_109"/>
           <p:cNvSpPr txBox="1"/>
           <p:nvPr>
             <p:ph idx="4294967295" type="body"/>
@@ -24536,7 +24567,7 @@
   <p:cSld>
     <p:spTree>
       <p:nvGrpSpPr>
-        <p:cNvPr id="457" name="Shape 457"/>
+        <p:cNvPr id="458" name="Shape 458"/>
         <p:cNvGrpSpPr/>
         <p:nvPr/>
       </p:nvGrpSpPr>
@@ -24550,7 +24581,7 @@
       </p:grpSpPr>
       <p:sp>
         <p:nvSpPr>
-          <p:cNvPr id="458" name="Google Shape;458;g2a8be63b007_0_181"/>
+          <p:cNvPr id="459" name="Google Shape;459;g2a8be63b007_0_181"/>
           <p:cNvSpPr txBox="1"/>
           <p:nvPr>
             <p:ph idx="4294967295" type="title"/>
@@ -24608,7 +24639,7 @@
       </p:sp>
       <p:sp>
         <p:nvSpPr>
-          <p:cNvPr id="459" name="Google Shape;459;g2a8be63b007_0_181"/>
+          <p:cNvPr id="460" name="Google Shape;460;g2a8be63b007_0_181"/>
           <p:cNvSpPr txBox="1"/>
           <p:nvPr>
             <p:ph idx="4294967295" type="body"/>
@@ -25013,9 +25044,6 @@
           </a:p>
           <a:p>
             <a:pPr indent="-323850" lvl="1" marL="914400" rtl="0" algn="l">
-              <a:lnSpc>
-                <a:spcPct val="115000"/>
-              </a:lnSpc>
               <a:spcBef>
                 <a:spcPts val="0"/>
               </a:spcBef>
@@ -25033,7 +25061,16 @@
                 <a:cs typeface="Montserrat"/>
                 <a:sym typeface="Montserrat"/>
               </a:rPr>
-              <a:t>Using deep learning approaches such as CNNs (e.g. LSTM, ARIMA...) </a:t>
+              <a:t>Consider </a:t>
+            </a:r>
+            <a:r>
+              <a:rPr lang="en" sz="1500">
+                <a:latin typeface="Montserrat"/>
+                <a:ea typeface="Montserrat"/>
+                <a:cs typeface="Montserrat"/>
+                <a:sym typeface="Montserrat"/>
+              </a:rPr>
+              <a:t>events that could influence the price</a:t>
             </a:r>
             <a:endParaRPr sz="1500">
               <a:latin typeface="Montserrat"/>
@@ -25064,7 +25101,7 @@
                 <a:cs typeface="Montserrat"/>
                 <a:sym typeface="Montserrat"/>
               </a:rPr>
-              <a:t>Implementing Transformer models that exploit self-attention</a:t>
+              <a:t>Using deep learning approaches such as CNNs or Transformers</a:t>
             </a:r>
             <a:endParaRPr sz="1500">
               <a:latin typeface="Montserrat"/>
@@ -25646,7 +25683,7 @@
     </p:bg>
     <p:spTree>
       <p:nvGrpSpPr>
-        <p:cNvPr id="463" name="Shape 463"/>
+        <p:cNvPr id="464" name="Shape 464"/>
         <p:cNvGrpSpPr/>
         <p:nvPr/>
       </p:nvGrpSpPr>
@@ -25660,7 +25697,7 @@
       </p:grpSpPr>
       <p:sp>
         <p:nvSpPr>
-          <p:cNvPr id="464" name="Google Shape;464;g26e1760ff98_1_133"/>
+          <p:cNvPr id="465" name="Google Shape;465;g26e1760ff98_1_133"/>
           <p:cNvSpPr txBox="1"/>
           <p:nvPr/>
         </p:nvSpPr>
@@ -25726,7 +25763,7 @@
       </p:sp>
       <p:pic>
         <p:nvPicPr>
-          <p:cNvPr id="465" name="Google Shape;465;g26e1760ff98_1_133"/>
+          <p:cNvPr id="466" name="Google Shape;466;g26e1760ff98_1_133"/>
           <p:cNvPicPr preferRelativeResize="0"/>
           <p:nvPr/>
         </p:nvPicPr>
@@ -25754,7 +25791,7 @@
       </p:pic>
       <p:sp>
         <p:nvSpPr>
-          <p:cNvPr id="466" name="Google Shape;466;g26e1760ff98_1_133"/>
+          <p:cNvPr id="467" name="Google Shape;467;g26e1760ff98_1_133"/>
           <p:cNvSpPr txBox="1"/>
           <p:nvPr/>
         </p:nvSpPr>
@@ -25815,7 +25852,7 @@
       </p:sp>
       <p:sp>
         <p:nvSpPr>
-          <p:cNvPr id="467" name="Google Shape;467;g26e1760ff98_1_133"/>
+          <p:cNvPr id="468" name="Google Shape;468;g26e1760ff98_1_133"/>
           <p:cNvSpPr txBox="1"/>
           <p:nvPr/>
         </p:nvSpPr>
@@ -25876,7 +25913,7 @@
       </p:sp>
       <p:pic>
         <p:nvPicPr>
-          <p:cNvPr id="468" name="Google Shape;468;g26e1760ff98_1_133"/>
+          <p:cNvPr id="469" name="Google Shape;469;g26e1760ff98_1_133"/>
           <p:cNvPicPr preferRelativeResize="0"/>
           <p:nvPr/>
         </p:nvPicPr>
@@ -25904,7 +25941,7 @@
       </p:pic>
       <p:pic>
         <p:nvPicPr>
-          <p:cNvPr id="469" name="Google Shape;469;g26e1760ff98_1_133"/>
+          <p:cNvPr id="470" name="Google Shape;470;g26e1760ff98_1_133"/>
           <p:cNvPicPr preferRelativeResize="0"/>
           <p:nvPr/>
         </p:nvPicPr>
@@ -25932,7 +25969,7 @@
       </p:pic>
       <p:pic>
         <p:nvPicPr>
-          <p:cNvPr id="470" name="Google Shape;470;g26e1760ff98_1_133"/>
+          <p:cNvPr id="471" name="Google Shape;471;g26e1760ff98_1_133"/>
           <p:cNvPicPr preferRelativeResize="0"/>
           <p:nvPr/>
         </p:nvPicPr>

--- a/presentation/presentation.pptx
+++ b/presentation/presentation.pptx
@@ -975,7 +975,7 @@
           </a:bodyPr>
           <a:lstStyle/>
           <a:p>
-            <a:pPr indent="-298450" lvl="0" marL="457200" rtl="0" algn="l">
+            <a:pPr indent="-323850" lvl="0" marL="457200" rtl="0" algn="l">
               <a:lnSpc>
                 <a:spcPct val="100000"/>
               </a:lnSpc>
@@ -985,14 +985,14 @@
               <a:spcAft>
                 <a:spcPts val="0"/>
               </a:spcAft>
-              <a:buSzPts val="1100"/>
+              <a:buSzPts val="1500"/>
               <a:buChar char="●"/>
             </a:pPr>
             <a:r>
-              <a:rPr lang="en"/>
+              <a:rPr lang="en" sz="1500"/>
               <a:t>Good evening, I’m Danilo and for this final project I’ve decided to build a Bitcoin price forecasting model in order to see if it possible to make predictions about the price of Bitcoin using machine learning methods</a:t>
             </a:r>
-            <a:endParaRPr/>
+            <a:endParaRPr sz="1500"/>
           </a:p>
         </p:txBody>
       </p:sp>
@@ -3488,7 +3488,7 @@
             </a:pPr>
             <a:r>
               <a:rPr lang="en"/>
-              <a:t>On the last phase, all results obtained up to that point are compared and final predictions on the test set are made</a:t>
+              <a:t>Which would be the following final stage where all the results obtained up to that point are also compared</a:t>
             </a:r>
             <a:endParaRPr/>
           </a:p>
@@ -3511,7 +3511,7 @@
             </a:pPr>
             <a:r>
               <a:rPr lang="en"/>
-              <a:t>This has been divided into further mini-sets to see how the models performance degrades as time increases</a:t>
+              <a:t>The test set has been divided into further mini-sets to see how the models performance degrades as time increases</a:t>
             </a:r>
             <a:endParaRPr/>
           </a:p>
@@ -4142,7 +4142,7 @@
             </a:pPr>
             <a:r>
               <a:rPr lang="en"/>
-              <a:t>In general, hyper parameter tuning brought some improvements in the tuned model compared with the default ones</a:t>
+              <a:t>In general, hyper parameter tuning brought some improvements compared with the default ones</a:t>
             </a:r>
             <a:endParaRPr/>
           </a:p>
@@ -5289,7 +5289,7 @@
                   <a:schemeClr val="dk1"/>
                 </a:solidFill>
               </a:rPr>
-              <a:t>It should be noted that in this case linear models have a higher accuracy than tree-based models, probably because they have smoother curves that allow them to better represent price values than tree-based models that are more jagged</a:t>
+              <a:t>It should be noted that in this case linear models have a higher accuracy than tree-based models, probably because they have smoother curves that allow them to better represent price values than tree-based ones that are more jagged</a:t>
             </a:r>
             <a:endParaRPr/>
           </a:p>
@@ -28335,6 +28335,285 @@
 </file>
 
 <file path=ppt/theme/theme1.xml><?xml version="1.0" encoding="utf-8"?>
+<a:theme xmlns:a="http://schemas.openxmlformats.org/drawingml/2006/main" xmlns:r="http://schemas.openxmlformats.org/officeDocument/2006/relationships">
+  <a:themeElements>
+    <a:clrScheme name="Default">
+      <a:dk1>
+        <a:srgbClr val="000000"/>
+      </a:dk1>
+      <a:lt1>
+        <a:srgbClr val="FFFFFF"/>
+      </a:lt1>
+      <a:dk2>
+        <a:srgbClr val="158158"/>
+      </a:dk2>
+      <a:lt2>
+        <a:srgbClr val="F3F3F3"/>
+      </a:lt2>
+      <a:accent1>
+        <a:srgbClr val="058DC7"/>
+      </a:accent1>
+      <a:accent2>
+        <a:srgbClr val="50B432"/>
+      </a:accent2>
+      <a:accent3>
+        <a:srgbClr val="ED561B"/>
+      </a:accent3>
+      <a:accent4>
+        <a:srgbClr val="EDEF00"/>
+      </a:accent4>
+      <a:accent5>
+        <a:srgbClr val="24CBE5"/>
+      </a:accent5>
+      <a:accent6>
+        <a:srgbClr val="64E572"/>
+      </a:accent6>
+      <a:hlink>
+        <a:srgbClr val="2200CC"/>
+      </a:hlink>
+      <a:folHlink>
+        <a:srgbClr val="551A8B"/>
+      </a:folHlink>
+    </a:clrScheme>
+    <a:fontScheme name="Office">
+      <a:majorFont>
+        <a:latin typeface="Arial"/>
+        <a:ea typeface=""/>
+        <a:cs typeface=""/>
+        <a:font script="Jpan" typeface="ＭＳ Ｐゴシック"/>
+        <a:font script="Hang" typeface="맑은 고딕"/>
+        <a:font script="Hans" typeface="宋体"/>
+        <a:font script="Hant" typeface="新細明體"/>
+        <a:font script="Arab" typeface="Times New Roman"/>
+        <a:font script="Hebr" typeface="Times New Roman"/>
+        <a:font script="Thai" typeface="Angsana New"/>
+        <a:font script="Ethi" typeface="Nyala"/>
+        <a:font script="Beng" typeface="Vrinda"/>
+        <a:font script="Gujr" typeface="Shruti"/>
+        <a:font script="Khmr" typeface="MoolBoran"/>
+        <a:font script="Knda" typeface="Tunga"/>
+        <a:font script="Guru" typeface="Raavi"/>
+        <a:font script="Cans" typeface="Euphemia"/>
+        <a:font script="Cher" typeface="Plantagenet Cherokee"/>
+        <a:font script="Yiii" typeface="Microsoft Yi Baiti"/>
+        <a:font script="Tibt" typeface="Microsoft Himalaya"/>
+        <a:font script="Thaa" typeface="MV Boli"/>
+        <a:font script="Deva" typeface="Mangal"/>
+        <a:font script="Telu" typeface="Gautami"/>
+        <a:font script="Taml" typeface="Latha"/>
+        <a:font script="Syrc" typeface="Estrangelo Edessa"/>
+        <a:font script="Orya" typeface="Kalinga"/>
+        <a:font script="Mlym" typeface="Kartika"/>
+        <a:font script="Laoo" typeface="DokChampa"/>
+        <a:font script="Sinh" typeface="Iskoola Pota"/>
+        <a:font script="Mong" typeface="Mongolian Baiti"/>
+        <a:font script="Viet" typeface="Times New Roman"/>
+        <a:font script="Uigh" typeface="Microsoft Uighur"/>
+        <a:font script="Geor" typeface="Sylfaen"/>
+      </a:majorFont>
+      <a:minorFont>
+        <a:latin typeface="Arial"/>
+        <a:ea typeface=""/>
+        <a:cs typeface=""/>
+        <a:font script="Jpan" typeface="ＭＳ Ｐゴシック"/>
+        <a:font script="Hang" typeface="맑은 고딕"/>
+        <a:font script="Hans" typeface="宋体"/>
+        <a:font script="Hant" typeface="新細明體"/>
+        <a:font script="Arab" typeface="Arial"/>
+        <a:font script="Hebr" typeface="Arial"/>
+        <a:font script="Thai" typeface="Cordia New"/>
+        <a:font script="Ethi" typeface="Nyala"/>
+        <a:font script="Beng" typeface="Vrinda"/>
+        <a:font script="Gujr" typeface="Shruti"/>
+        <a:font script="Khmr" typeface="DaunPenh"/>
+        <a:font script="Knda" typeface="Tunga"/>
+        <a:font script="Guru" typeface="Raavi"/>
+        <a:font script="Cans" typeface="Euphemia"/>
+        <a:font script="Cher" typeface="Plantagenet Cherokee"/>
+        <a:font script="Yiii" typeface="Microsoft Yi Baiti"/>
+        <a:font script="Tibt" typeface="Microsoft Himalaya"/>
+        <a:font script="Thaa" typeface="MV Boli"/>
+        <a:font script="Deva" typeface="Mangal"/>
+        <a:font script="Telu" typeface="Gautami"/>
+        <a:font script="Taml" typeface="Latha"/>
+        <a:font script="Syrc" typeface="Estrangelo Edessa"/>
+        <a:font script="Orya" typeface="Kalinga"/>
+        <a:font script="Mlym" typeface="Kartika"/>
+        <a:font script="Laoo" typeface="DokChampa"/>
+        <a:font script="Sinh" typeface="Iskoola Pota"/>
+        <a:font script="Mong" typeface="Mongolian Baiti"/>
+        <a:font script="Viet" typeface="Arial"/>
+        <a:font script="Uigh" typeface="Microsoft Uighur"/>
+        <a:font script="Geor" typeface="Sylfaen"/>
+      </a:minorFont>
+    </a:fontScheme>
+    <a:fmtScheme name="Office">
+      <a:fillStyleLst>
+        <a:solidFill>
+          <a:schemeClr val="phClr"/>
+        </a:solidFill>
+        <a:gradFill rotWithShape="1">
+          <a:gsLst>
+            <a:gs pos="0">
+              <a:schemeClr val="phClr">
+                <a:tint val="50000"/>
+                <a:satMod val="300000"/>
+              </a:schemeClr>
+            </a:gs>
+            <a:gs pos="35000">
+              <a:schemeClr val="phClr">
+                <a:tint val="37000"/>
+                <a:satMod val="300000"/>
+              </a:schemeClr>
+            </a:gs>
+            <a:gs pos="100000">
+              <a:schemeClr val="phClr">
+                <a:tint val="15000"/>
+                <a:satMod val="350000"/>
+              </a:schemeClr>
+            </a:gs>
+          </a:gsLst>
+          <a:lin ang="16200000" scaled="1"/>
+        </a:gradFill>
+        <a:gradFill rotWithShape="1">
+          <a:gsLst>
+            <a:gs pos="0">
+              <a:schemeClr val="phClr">
+                <a:tint val="100000"/>
+                <a:shade val="100000"/>
+                <a:satMod val="130000"/>
+              </a:schemeClr>
+            </a:gs>
+            <a:gs pos="100000">
+              <a:schemeClr val="phClr">
+                <a:tint val="50000"/>
+                <a:shade val="100000"/>
+                <a:satMod val="350000"/>
+              </a:schemeClr>
+            </a:gs>
+          </a:gsLst>
+          <a:lin ang="16200000" scaled="0"/>
+        </a:gradFill>
+      </a:fillStyleLst>
+      <a:lnStyleLst>
+        <a:ln w="9525" cap="flat" cmpd="sng" algn="ctr">
+          <a:solidFill>
+            <a:schemeClr val="phClr">
+              <a:shade val="95000"/>
+              <a:satMod val="105000"/>
+            </a:schemeClr>
+          </a:solidFill>
+          <a:prstDash val="solid"/>
+        </a:ln>
+        <a:ln w="25400" cap="flat" cmpd="sng" algn="ctr">
+          <a:solidFill>
+            <a:schemeClr val="phClr"/>
+          </a:solidFill>
+          <a:prstDash val="solid"/>
+        </a:ln>
+        <a:ln w="38100" cap="flat" cmpd="sng" algn="ctr">
+          <a:solidFill>
+            <a:schemeClr val="phClr"/>
+          </a:solidFill>
+          <a:prstDash val="solid"/>
+        </a:ln>
+      </a:lnStyleLst>
+      <a:effectStyleLst>
+        <a:effectStyle>
+          <a:effectLst>
+            <a:outerShdw blurRad="40000" dist="20000" dir="5400000" rotWithShape="0">
+              <a:srgbClr val="000000">
+                <a:alpha val="38000"/>
+              </a:srgbClr>
+            </a:outerShdw>
+          </a:effectLst>
+        </a:effectStyle>
+        <a:effectStyle>
+          <a:effectLst>
+            <a:outerShdw blurRad="40000" dist="23000" dir="5400000" rotWithShape="0">
+              <a:srgbClr val="000000">
+                <a:alpha val="35000"/>
+              </a:srgbClr>
+            </a:outerShdw>
+          </a:effectLst>
+        </a:effectStyle>
+        <a:effectStyle>
+          <a:effectLst>
+            <a:outerShdw blurRad="40000" dist="23000" dir="5400000" rotWithShape="0">
+              <a:srgbClr val="000000">
+                <a:alpha val="35000"/>
+              </a:srgbClr>
+            </a:outerShdw>
+          </a:effectLst>
+          <a:scene3d>
+            <a:camera prst="orthographicFront">
+              <a:rot lat="0" lon="0" rev="0"/>
+            </a:camera>
+            <a:lightRig rig="threePt" dir="t">
+              <a:rot lat="0" lon="0" rev="1200000"/>
+            </a:lightRig>
+          </a:scene3d>
+          <a:sp3d>
+            <a:bevelT w="63500" h="25400"/>
+          </a:sp3d>
+        </a:effectStyle>
+      </a:effectStyleLst>
+      <a:bgFillStyleLst>
+        <a:solidFill>
+          <a:schemeClr val="phClr"/>
+        </a:solidFill>
+        <a:gradFill rotWithShape="1">
+          <a:gsLst>
+            <a:gs pos="0">
+              <a:schemeClr val="phClr">
+                <a:tint val="40000"/>
+                <a:satMod val="350000"/>
+              </a:schemeClr>
+            </a:gs>
+            <a:gs pos="40000">
+              <a:schemeClr val="phClr">
+                <a:tint val="45000"/>
+                <a:shade val="99000"/>
+                <a:satMod val="350000"/>
+              </a:schemeClr>
+            </a:gs>
+            <a:gs pos="100000">
+              <a:schemeClr val="phClr">
+                <a:shade val="20000"/>
+                <a:satMod val="255000"/>
+              </a:schemeClr>
+            </a:gs>
+          </a:gsLst>
+          <a:path path="circle">
+            <a:fillToRect l="50000" t="-80000" r="50000" b="180000"/>
+          </a:path>
+        </a:gradFill>
+        <a:gradFill rotWithShape="1">
+          <a:gsLst>
+            <a:gs pos="0">
+              <a:schemeClr val="phClr">
+                <a:tint val="80000"/>
+                <a:satMod val="300000"/>
+              </a:schemeClr>
+            </a:gs>
+            <a:gs pos="100000">
+              <a:schemeClr val="phClr">
+                <a:shade val="30000"/>
+                <a:satMod val="200000"/>
+              </a:schemeClr>
+            </a:gs>
+          </a:gsLst>
+          <a:path path="circle">
+            <a:fillToRect l="50000" t="50000" r="50000" b="50000"/>
+          </a:path>
+        </a:gradFill>
+      </a:bgFillStyleLst>
+    </a:fmtScheme>
+  </a:themeElements>
+</a:theme>
+</file>
+
+<file path=ppt/theme/theme2.xml><?xml version="1.0" encoding="utf-8"?>
 <a:theme xmlns:a="http://schemas.openxmlformats.org/drawingml/2006/main" xmlns:r="http://schemas.openxmlformats.org/officeDocument/2006/relationships" name="Simple Light">
   <a:themeElements>
     <a:clrScheme name="Simple Light">
@@ -28611,283 +28890,4 @@
     </a:fmtScheme>
   </a:themeElements>
 </a:theme>
-</file>
-
-<file path=ppt/theme/theme2.xml><?xml version="1.0" encoding="utf-8"?>
-<a:theme xmlns:a="http://schemas.openxmlformats.org/drawingml/2006/main" xmlns:r="http://schemas.openxmlformats.org/officeDocument/2006/relationships">
-  <a:themeElements>
-    <a:clrScheme name="Default">
-      <a:dk1>
-        <a:srgbClr val="000000"/>
-      </a:dk1>
-      <a:lt1>
-        <a:srgbClr val="FFFFFF"/>
-      </a:lt1>
-      <a:dk2>
-        <a:srgbClr val="158158"/>
-      </a:dk2>
-      <a:lt2>
-        <a:srgbClr val="F3F3F3"/>
-      </a:lt2>
-      <a:accent1>
-        <a:srgbClr val="058DC7"/>
-      </a:accent1>
-      <a:accent2>
-        <a:srgbClr val="50B432"/>
-      </a:accent2>
-      <a:accent3>
-        <a:srgbClr val="ED561B"/>
-      </a:accent3>
-      <a:accent4>
-        <a:srgbClr val="EDEF00"/>
-      </a:accent4>
-      <a:accent5>
-        <a:srgbClr val="24CBE5"/>
-      </a:accent5>
-      <a:accent6>
-        <a:srgbClr val="64E572"/>
-      </a:accent6>
-      <a:hlink>
-        <a:srgbClr val="2200CC"/>
-      </a:hlink>
-      <a:folHlink>
-        <a:srgbClr val="551A8B"/>
-      </a:folHlink>
-    </a:clrScheme>
-    <a:fontScheme name="Office">
-      <a:majorFont>
-        <a:latin typeface="Arial"/>
-        <a:ea typeface=""/>
-        <a:cs typeface=""/>
-        <a:font script="Jpan" typeface="ＭＳ Ｐゴシック"/>
-        <a:font script="Hang" typeface="맑은 고딕"/>
-        <a:font script="Hans" typeface="宋体"/>
-        <a:font script="Hant" typeface="新細明體"/>
-        <a:font script="Arab" typeface="Times New Roman"/>
-        <a:font script="Hebr" typeface="Times New Roman"/>
-        <a:font script="Thai" typeface="Angsana New"/>
-        <a:font script="Ethi" typeface="Nyala"/>
-        <a:font script="Beng" typeface="Vrinda"/>
-        <a:font script="Gujr" typeface="Shruti"/>
-        <a:font script="Khmr" typeface="MoolBoran"/>
-        <a:font script="Knda" typeface="Tunga"/>
-        <a:font script="Guru" typeface="Raavi"/>
-        <a:font script="Cans" typeface="Euphemia"/>
-        <a:font script="Cher" typeface="Plantagenet Cherokee"/>
-        <a:font script="Yiii" typeface="Microsoft Yi Baiti"/>
-        <a:font script="Tibt" typeface="Microsoft Himalaya"/>
-        <a:font script="Thaa" typeface="MV Boli"/>
-        <a:font script="Deva" typeface="Mangal"/>
-        <a:font script="Telu" typeface="Gautami"/>
-        <a:font script="Taml" typeface="Latha"/>
-        <a:font script="Syrc" typeface="Estrangelo Edessa"/>
-        <a:font script="Orya" typeface="Kalinga"/>
-        <a:font script="Mlym" typeface="Kartika"/>
-        <a:font script="Laoo" typeface="DokChampa"/>
-        <a:font script="Sinh" typeface="Iskoola Pota"/>
-        <a:font script="Mong" typeface="Mongolian Baiti"/>
-        <a:font script="Viet" typeface="Times New Roman"/>
-        <a:font script="Uigh" typeface="Microsoft Uighur"/>
-        <a:font script="Geor" typeface="Sylfaen"/>
-      </a:majorFont>
-      <a:minorFont>
-        <a:latin typeface="Arial"/>
-        <a:ea typeface=""/>
-        <a:cs typeface=""/>
-        <a:font script="Jpan" typeface="ＭＳ Ｐゴシック"/>
-        <a:font script="Hang" typeface="맑은 고딕"/>
-        <a:font script="Hans" typeface="宋体"/>
-        <a:font script="Hant" typeface="新細明體"/>
-        <a:font script="Arab" typeface="Arial"/>
-        <a:font script="Hebr" typeface="Arial"/>
-        <a:font script="Thai" typeface="Cordia New"/>
-        <a:font script="Ethi" typeface="Nyala"/>
-        <a:font script="Beng" typeface="Vrinda"/>
-        <a:font script="Gujr" typeface="Shruti"/>
-        <a:font script="Khmr" typeface="DaunPenh"/>
-        <a:font script="Knda" typeface="Tunga"/>
-        <a:font script="Guru" typeface="Raavi"/>
-        <a:font script="Cans" typeface="Euphemia"/>
-        <a:font script="Cher" typeface="Plantagenet Cherokee"/>
-        <a:font script="Yiii" typeface="Microsoft Yi Baiti"/>
-        <a:font script="Tibt" typeface="Microsoft Himalaya"/>
-        <a:font script="Thaa" typeface="MV Boli"/>
-        <a:font script="Deva" typeface="Mangal"/>
-        <a:font script="Telu" typeface="Gautami"/>
-        <a:font script="Taml" typeface="Latha"/>
-        <a:font script="Syrc" typeface="Estrangelo Edessa"/>
-        <a:font script="Orya" typeface="Kalinga"/>
-        <a:font script="Mlym" typeface="Kartika"/>
-        <a:font script="Laoo" typeface="DokChampa"/>
-        <a:font script="Sinh" typeface="Iskoola Pota"/>
-        <a:font script="Mong" typeface="Mongolian Baiti"/>
-        <a:font script="Viet" typeface="Arial"/>
-        <a:font script="Uigh" typeface="Microsoft Uighur"/>
-        <a:font script="Geor" typeface="Sylfaen"/>
-      </a:minorFont>
-    </a:fontScheme>
-    <a:fmtScheme name="Office">
-      <a:fillStyleLst>
-        <a:solidFill>
-          <a:schemeClr val="phClr"/>
-        </a:solidFill>
-        <a:gradFill rotWithShape="1">
-          <a:gsLst>
-            <a:gs pos="0">
-              <a:schemeClr val="phClr">
-                <a:tint val="50000"/>
-                <a:satMod val="300000"/>
-              </a:schemeClr>
-            </a:gs>
-            <a:gs pos="35000">
-              <a:schemeClr val="phClr">
-                <a:tint val="37000"/>
-                <a:satMod val="300000"/>
-              </a:schemeClr>
-            </a:gs>
-            <a:gs pos="100000">
-              <a:schemeClr val="phClr">
-                <a:tint val="15000"/>
-                <a:satMod val="350000"/>
-              </a:schemeClr>
-            </a:gs>
-          </a:gsLst>
-          <a:lin ang="16200000" scaled="1"/>
-        </a:gradFill>
-        <a:gradFill rotWithShape="1">
-          <a:gsLst>
-            <a:gs pos="0">
-              <a:schemeClr val="phClr">
-                <a:tint val="100000"/>
-                <a:shade val="100000"/>
-                <a:satMod val="130000"/>
-              </a:schemeClr>
-            </a:gs>
-            <a:gs pos="100000">
-              <a:schemeClr val="phClr">
-                <a:tint val="50000"/>
-                <a:shade val="100000"/>
-                <a:satMod val="350000"/>
-              </a:schemeClr>
-            </a:gs>
-          </a:gsLst>
-          <a:lin ang="16200000" scaled="0"/>
-        </a:gradFill>
-      </a:fillStyleLst>
-      <a:lnStyleLst>
-        <a:ln w="9525" cap="flat" cmpd="sng" algn="ctr">
-          <a:solidFill>
-            <a:schemeClr val="phClr">
-              <a:shade val="95000"/>
-              <a:satMod val="105000"/>
-            </a:schemeClr>
-          </a:solidFill>
-          <a:prstDash val="solid"/>
-        </a:ln>
-        <a:ln w="25400" cap="flat" cmpd="sng" algn="ctr">
-          <a:solidFill>
-            <a:schemeClr val="phClr"/>
-          </a:solidFill>
-          <a:prstDash val="solid"/>
-        </a:ln>
-        <a:ln w="38100" cap="flat" cmpd="sng" algn="ctr">
-          <a:solidFill>
-            <a:schemeClr val="phClr"/>
-          </a:solidFill>
-          <a:prstDash val="solid"/>
-        </a:ln>
-      </a:lnStyleLst>
-      <a:effectStyleLst>
-        <a:effectStyle>
-          <a:effectLst>
-            <a:outerShdw blurRad="40000" dist="20000" dir="5400000" rotWithShape="0">
-              <a:srgbClr val="000000">
-                <a:alpha val="38000"/>
-              </a:srgbClr>
-            </a:outerShdw>
-          </a:effectLst>
-        </a:effectStyle>
-        <a:effectStyle>
-          <a:effectLst>
-            <a:outerShdw blurRad="40000" dist="23000" dir="5400000" rotWithShape="0">
-              <a:srgbClr val="000000">
-                <a:alpha val="35000"/>
-              </a:srgbClr>
-            </a:outerShdw>
-          </a:effectLst>
-        </a:effectStyle>
-        <a:effectStyle>
-          <a:effectLst>
-            <a:outerShdw blurRad="40000" dist="23000" dir="5400000" rotWithShape="0">
-              <a:srgbClr val="000000">
-                <a:alpha val="35000"/>
-              </a:srgbClr>
-            </a:outerShdw>
-          </a:effectLst>
-          <a:scene3d>
-            <a:camera prst="orthographicFront">
-              <a:rot lat="0" lon="0" rev="0"/>
-            </a:camera>
-            <a:lightRig rig="threePt" dir="t">
-              <a:rot lat="0" lon="0" rev="1200000"/>
-            </a:lightRig>
-          </a:scene3d>
-          <a:sp3d>
-            <a:bevelT w="63500" h="25400"/>
-          </a:sp3d>
-        </a:effectStyle>
-      </a:effectStyleLst>
-      <a:bgFillStyleLst>
-        <a:solidFill>
-          <a:schemeClr val="phClr"/>
-        </a:solidFill>
-        <a:gradFill rotWithShape="1">
-          <a:gsLst>
-            <a:gs pos="0">
-              <a:schemeClr val="phClr">
-                <a:tint val="40000"/>
-                <a:satMod val="350000"/>
-              </a:schemeClr>
-            </a:gs>
-            <a:gs pos="40000">
-              <a:schemeClr val="phClr">
-                <a:tint val="45000"/>
-                <a:shade val="99000"/>
-                <a:satMod val="350000"/>
-              </a:schemeClr>
-            </a:gs>
-            <a:gs pos="100000">
-              <a:schemeClr val="phClr">
-                <a:shade val="20000"/>
-                <a:satMod val="255000"/>
-              </a:schemeClr>
-            </a:gs>
-          </a:gsLst>
-          <a:path path="circle">
-            <a:fillToRect l="50000" t="-80000" r="50000" b="180000"/>
-          </a:path>
-        </a:gradFill>
-        <a:gradFill rotWithShape="1">
-          <a:gsLst>
-            <a:gs pos="0">
-              <a:schemeClr val="phClr">
-                <a:tint val="80000"/>
-                <a:satMod val="300000"/>
-              </a:schemeClr>
-            </a:gs>
-            <a:gs pos="100000">
-              <a:schemeClr val="phClr">
-                <a:shade val="30000"/>
-                <a:satMod val="200000"/>
-              </a:schemeClr>
-            </a:gs>
-          </a:gsLst>
-          <a:path path="circle">
-            <a:fillToRect l="50000" t="50000" r="50000" b="50000"/>
-          </a:path>
-        </a:gradFill>
-      </a:bgFillStyleLst>
-    </a:fmtScheme>
-  </a:themeElements>
-</a:theme>
 </file>
--- a/presentation/presentation.pptx
+++ b/presentation/presentation.pptx
@@ -1465,7 +1465,7 @@
             </a:pPr>
             <a:r>
               <a:rPr lang="en"/>
-              <a:t>Such as next-market-price that represents the price of Bitcoin for the next day, on which predictions will be made</a:t>
+              <a:t>Such as next-market-price that represents the price of Bitcoin for the next 15 minutes, on which predictions will be made</a:t>
             </a:r>
             <a:endParaRPr/>
           </a:p>
@@ -2274,7 +2274,7 @@
             </a:pPr>
             <a:r>
               <a:rPr lang="en"/>
-              <a:t>Several types of regression algorithms between linear and tree-based will be tested to see their differences using these types of metrics to obtain a complete picture of the performance</a:t>
+              <a:t>Several types of regression algorithms between linear and tree-based will be tested to see their differences using the following types of metrics to obtain a complete picture of the performance</a:t>
             </a:r>
             <a:endParaRPr/>
           </a:p>
@@ -2825,7 +2825,7 @@
             </a:pPr>
             <a:r>
               <a:rPr lang="en"/>
-              <a:t>First of all, I saw how the default models behave with the three feature groups and applying normalisation to them or not</a:t>
+              <a:t>First of all, I saw how the default models behave with the three feature groups also by applying normalisation to them or not</a:t>
             </a:r>
             <a:endParaRPr/>
           </a:p>
@@ -2973,7 +2973,7 @@
                   <a:schemeClr val="dk1"/>
                 </a:solidFill>
               </a:rPr>
-              <a:t>Here we will</a:t>
+              <a:t>Here I will</a:t>
             </a:r>
             <a:r>
               <a:rPr lang="en">
@@ -3488,7 +3488,11 @@
             </a:pPr>
             <a:r>
               <a:rPr lang="en"/>
-              <a:t>Which would be the following final stage where all the results obtained up to that point are also compared</a:t>
+              <a:t>During this</a:t>
+            </a:r>
+            <a:r>
+              <a:rPr lang="en"/>
+              <a:t> final stage all the results obtained up to that point are also compared</a:t>
             </a:r>
             <a:endParaRPr/>
           </a:p>
@@ -3511,7 +3515,7 @@
             </a:pPr>
             <a:r>
               <a:rPr lang="en"/>
-              <a:t>The test set has been divided into further mini-sets to see how the models performance degrades as time increases</a:t>
+              <a:t>Moreover, the test set has been divided into further mini-sets to see how the models performance degrades as time increases</a:t>
             </a:r>
             <a:endParaRPr/>
           </a:p>
@@ -4526,7 +4530,7 @@
             </a:pPr>
             <a:r>
               <a:rPr lang="en"/>
-              <a:t>Looking at the accuracy, on the other hand, we can see that this has remained more or less the same at around 50%, this could be due to the period taken into consideration being too long</a:t>
+              <a:t>Looking at the accuracy, on the other hand, we can see that this has remained more or less the same for both default and tuned models at around 50%, this could be due to the period taken into consideration being too long</a:t>
             </a:r>
             <a:endParaRPr/>
           </a:p>
@@ -6667,7 +6671,7 @@
                   <a:schemeClr val="dk1"/>
                 </a:solidFill>
               </a:rPr>
-              <a:t> website and price information from two popular exchanges, Binance and Kraken</a:t>
+              <a:t> website and price information from two popular exchanges, Binance and Kraken, </a:t>
             </a:r>
             <a:endParaRPr>
               <a:solidFill>
@@ -6698,7 +6702,7 @@
                   <a:schemeClr val="dk1"/>
                 </a:solidFill>
               </a:rPr>
-              <a:t>I decided to retrieve the most relevant data from the last four years to current days, a period for which there were moments of high volatility but also some price lateralization</a:t>
+              <a:t>I decided to organize them in 15-minute time-frame and I’ve retrieved the most relevant data from the last four years to current days, a period for which there were moments of high volatility but also some price lateralization</a:t>
             </a:r>
             <a:endParaRPr>
               <a:solidFill>
@@ -12563,6 +12567,34 @@
           </a:p>
           <a:p>
             <a:pPr indent="-323850" lvl="0" marL="457200" rtl="0" algn="l">
+              <a:spcBef>
+                <a:spcPts val="0"/>
+              </a:spcBef>
+              <a:spcAft>
+                <a:spcPts val="0"/>
+              </a:spcAft>
+              <a:buSzPts val="1500"/>
+              <a:buFont typeface="Montserrat"/>
+              <a:buChar char="●"/>
+            </a:pPr>
+            <a:r>
+              <a:rPr lang="en" sz="1500">
+                <a:latin typeface="Montserrat"/>
+                <a:ea typeface="Montserrat"/>
+                <a:cs typeface="Montserrat"/>
+                <a:sym typeface="Montserrat"/>
+              </a:rPr>
+              <a:t>Data organized in 15-minute time-frame</a:t>
+            </a:r>
+            <a:endParaRPr sz="1500">
+              <a:latin typeface="Montserrat"/>
+              <a:ea typeface="Montserrat"/>
+              <a:cs typeface="Montserrat"/>
+              <a:sym typeface="Montserrat"/>
+            </a:endParaRPr>
+          </a:p>
+          <a:p>
+            <a:pPr indent="-323850" lvl="0" marL="457200" rtl="0" algn="l">
               <a:lnSpc>
                 <a:spcPct val="115000"/>
               </a:lnSpc>
@@ -13436,7 +13468,7 @@
                 <a:cs typeface="Montserrat"/>
                 <a:sym typeface="Montserrat"/>
               </a:rPr>
-              <a:t> next-day Bitcoin price (will be the </a:t>
+              <a:t> next-15 minutes Bitcoin price (will be the </a:t>
             </a:r>
             <a:r>
               <a:rPr b="1" lang="en" sz="1500">
@@ -13665,7 +13697,7 @@
                 <a:cs typeface="Montserrat"/>
                 <a:sym typeface="Montserrat"/>
               </a:rPr>
-              <a:t> next-day Bitcoin price (will be the </a:t>
+              <a:t> next-15 minutes Bitcoin price (will be the </a:t>
             </a:r>
             <a:r>
               <a:rPr b="1" lang="en" sz="1500">
@@ -13685,7 +13717,7 @@
               </a:rPr>
               <a:t>)</a:t>
             </a:r>
-            <a:endParaRPr sz="1500">
+            <a:endParaRPr b="1" sz="1500">
               <a:latin typeface="Montserrat"/>
               <a:ea typeface="Montserrat"/>
               <a:cs typeface="Montserrat"/>
@@ -25777,7 +25809,7 @@
         </p:blipFill>
         <p:spPr>
           <a:xfrm>
-            <a:off x="6265978" y="2006500"/>
+            <a:off x="3981353" y="1893988"/>
             <a:ext cx="1181299" cy="1181299"/>
           </a:xfrm>
           <a:prstGeom prst="rect">
@@ -25797,7 +25829,7 @@
         </p:nvSpPr>
         <p:spPr>
           <a:xfrm>
-            <a:off x="6232025" y="1579800"/>
+            <a:off x="3947400" y="1467288"/>
             <a:ext cx="1249200" cy="375900"/>
           </a:xfrm>
           <a:prstGeom prst="rect">
@@ -25858,7 +25890,7 @@
         </p:nvSpPr>
         <p:spPr>
           <a:xfrm>
-            <a:off x="5901571" y="3187800"/>
+            <a:off x="3616946" y="3075288"/>
             <a:ext cx="1910100" cy="375900"/>
           </a:xfrm>
           <a:prstGeom prst="rect">
@@ -25983,7 +26015,7 @@
         </p:blipFill>
         <p:spPr>
           <a:xfrm>
-            <a:off x="3452275" y="1642100"/>
+            <a:off x="6342225" y="1504188"/>
             <a:ext cx="1910100" cy="1910100"/>
           </a:xfrm>
           <a:prstGeom prst="rect">
@@ -28068,16 +28100,7 @@
                 <a:cs typeface="Montserrat"/>
                 <a:sym typeface="Montserrat"/>
               </a:rPr>
-              <a:t>Collecting Bitcoin data</a:t>
-            </a:r>
-            <a:r>
-              <a:rPr b="1" lang="en" sz="1500">
-                <a:latin typeface="Montserrat"/>
-                <a:ea typeface="Montserrat"/>
-                <a:cs typeface="Montserrat"/>
-                <a:sym typeface="Montserrat"/>
-              </a:rPr>
-              <a:t>:</a:t>
+              <a:t>Collecting Bitcoin data:</a:t>
             </a:r>
             <a:endParaRPr b="1" sz="1500">
               <a:latin typeface="Montserrat"/>
@@ -28201,6 +28224,37 @@
                 <a:sym typeface="Montserrat"/>
               </a:rPr>
               <a:t>(for price information)</a:t>
+            </a:r>
+            <a:endParaRPr sz="1500">
+              <a:latin typeface="Montserrat"/>
+              <a:ea typeface="Montserrat"/>
+              <a:cs typeface="Montserrat"/>
+              <a:sym typeface="Montserrat"/>
+            </a:endParaRPr>
+          </a:p>
+          <a:p>
+            <a:pPr indent="-323850" lvl="0" marL="457200" rtl="0" algn="l">
+              <a:lnSpc>
+                <a:spcPct val="115000"/>
+              </a:lnSpc>
+              <a:spcBef>
+                <a:spcPts val="0"/>
+              </a:spcBef>
+              <a:spcAft>
+                <a:spcPts val="0"/>
+              </a:spcAft>
+              <a:buSzPts val="1500"/>
+              <a:buFont typeface="Montserrat"/>
+              <a:buChar char="●"/>
+            </a:pPr>
+            <a:r>
+              <a:rPr lang="en" sz="1500">
+                <a:latin typeface="Montserrat"/>
+                <a:ea typeface="Montserrat"/>
+                <a:cs typeface="Montserrat"/>
+                <a:sym typeface="Montserrat"/>
+              </a:rPr>
+              <a:t>Data organized in 15-minute time-frame</a:t>
             </a:r>
             <a:endParaRPr sz="1500">
               <a:latin typeface="Montserrat"/>
@@ -28335,6 +28389,285 @@
 </file>
 
 <file path=ppt/theme/theme1.xml><?xml version="1.0" encoding="utf-8"?>
+<a:theme xmlns:a="http://schemas.openxmlformats.org/drawingml/2006/main" xmlns:r="http://schemas.openxmlformats.org/officeDocument/2006/relationships" name="Simple Light">
+  <a:themeElements>
+    <a:clrScheme name="Simple Light">
+      <a:dk1>
+        <a:srgbClr val="000000"/>
+      </a:dk1>
+      <a:lt1>
+        <a:srgbClr val="FFFFFF"/>
+      </a:lt1>
+      <a:dk2>
+        <a:srgbClr val="595959"/>
+      </a:dk2>
+      <a:lt2>
+        <a:srgbClr val="EEEEEE"/>
+      </a:lt2>
+      <a:accent1>
+        <a:srgbClr val="4285F4"/>
+      </a:accent1>
+      <a:accent2>
+        <a:srgbClr val="212121"/>
+      </a:accent2>
+      <a:accent3>
+        <a:srgbClr val="78909C"/>
+      </a:accent3>
+      <a:accent4>
+        <a:srgbClr val="FFAB40"/>
+      </a:accent4>
+      <a:accent5>
+        <a:srgbClr val="0097A7"/>
+      </a:accent5>
+      <a:accent6>
+        <a:srgbClr val="EEFF41"/>
+      </a:accent6>
+      <a:hlink>
+        <a:srgbClr val="0097A7"/>
+      </a:hlink>
+      <a:folHlink>
+        <a:srgbClr val="0097A7"/>
+      </a:folHlink>
+    </a:clrScheme>
+    <a:fontScheme name="Office">
+      <a:majorFont>
+        <a:latin typeface="Arial"/>
+        <a:ea typeface=""/>
+        <a:cs typeface=""/>
+        <a:font script="Jpan" typeface="ＭＳ Ｐゴシック"/>
+        <a:font script="Hang" typeface="맑은 고딕"/>
+        <a:font script="Hans" typeface="宋体"/>
+        <a:font script="Hant" typeface="新細明體"/>
+        <a:font script="Arab" typeface="Times New Roman"/>
+        <a:font script="Hebr" typeface="Times New Roman"/>
+        <a:font script="Thai" typeface="Angsana New"/>
+        <a:font script="Ethi" typeface="Nyala"/>
+        <a:font script="Beng" typeface="Vrinda"/>
+        <a:font script="Gujr" typeface="Shruti"/>
+        <a:font script="Khmr" typeface="MoolBoran"/>
+        <a:font script="Knda" typeface="Tunga"/>
+        <a:font script="Guru" typeface="Raavi"/>
+        <a:font script="Cans" typeface="Euphemia"/>
+        <a:font script="Cher" typeface="Plantagenet Cherokee"/>
+        <a:font script="Yiii" typeface="Microsoft Yi Baiti"/>
+        <a:font script="Tibt" typeface="Microsoft Himalaya"/>
+        <a:font script="Thaa" typeface="MV Boli"/>
+        <a:font script="Deva" typeface="Mangal"/>
+        <a:font script="Telu" typeface="Gautami"/>
+        <a:font script="Taml" typeface="Latha"/>
+        <a:font script="Syrc" typeface="Estrangelo Edessa"/>
+        <a:font script="Orya" typeface="Kalinga"/>
+        <a:font script="Mlym" typeface="Kartika"/>
+        <a:font script="Laoo" typeface="DokChampa"/>
+        <a:font script="Sinh" typeface="Iskoola Pota"/>
+        <a:font script="Mong" typeface="Mongolian Baiti"/>
+        <a:font script="Viet" typeface="Times New Roman"/>
+        <a:font script="Uigh" typeface="Microsoft Uighur"/>
+        <a:font script="Geor" typeface="Sylfaen"/>
+      </a:majorFont>
+      <a:minorFont>
+        <a:latin typeface="Arial"/>
+        <a:ea typeface=""/>
+        <a:cs typeface=""/>
+        <a:font script="Jpan" typeface="ＭＳ Ｐゴシック"/>
+        <a:font script="Hang" typeface="맑은 고딕"/>
+        <a:font script="Hans" typeface="宋体"/>
+        <a:font script="Hant" typeface="新細明體"/>
+        <a:font script="Arab" typeface="Arial"/>
+        <a:font script="Hebr" typeface="Arial"/>
+        <a:font script="Thai" typeface="Cordia New"/>
+        <a:font script="Ethi" typeface="Nyala"/>
+        <a:font script="Beng" typeface="Vrinda"/>
+        <a:font script="Gujr" typeface="Shruti"/>
+        <a:font script="Khmr" typeface="DaunPenh"/>
+        <a:font script="Knda" typeface="Tunga"/>
+        <a:font script="Guru" typeface="Raavi"/>
+        <a:font script="Cans" typeface="Euphemia"/>
+        <a:font script="Cher" typeface="Plantagenet Cherokee"/>
+        <a:font script="Yiii" typeface="Microsoft Yi Baiti"/>
+        <a:font script="Tibt" typeface="Microsoft Himalaya"/>
+        <a:font script="Thaa" typeface="MV Boli"/>
+        <a:font script="Deva" typeface="Mangal"/>
+        <a:font script="Telu" typeface="Gautami"/>
+        <a:font script="Taml" typeface="Latha"/>
+        <a:font script="Syrc" typeface="Estrangelo Edessa"/>
+        <a:font script="Orya" typeface="Kalinga"/>
+        <a:font script="Mlym" typeface="Kartika"/>
+        <a:font script="Laoo" typeface="DokChampa"/>
+        <a:font script="Sinh" typeface="Iskoola Pota"/>
+        <a:font script="Mong" typeface="Mongolian Baiti"/>
+        <a:font script="Viet" typeface="Arial"/>
+        <a:font script="Uigh" typeface="Microsoft Uighur"/>
+        <a:font script="Geor" typeface="Sylfaen"/>
+      </a:minorFont>
+    </a:fontScheme>
+    <a:fmtScheme name="Office">
+      <a:fillStyleLst>
+        <a:solidFill>
+          <a:schemeClr val="phClr"/>
+        </a:solidFill>
+        <a:gradFill rotWithShape="1">
+          <a:gsLst>
+            <a:gs pos="0">
+              <a:schemeClr val="phClr">
+                <a:tint val="50000"/>
+                <a:satMod val="300000"/>
+              </a:schemeClr>
+            </a:gs>
+            <a:gs pos="35000">
+              <a:schemeClr val="phClr">
+                <a:tint val="37000"/>
+                <a:satMod val="300000"/>
+              </a:schemeClr>
+            </a:gs>
+            <a:gs pos="100000">
+              <a:schemeClr val="phClr">
+                <a:tint val="15000"/>
+                <a:satMod val="350000"/>
+              </a:schemeClr>
+            </a:gs>
+          </a:gsLst>
+          <a:lin ang="16200000" scaled="1"/>
+        </a:gradFill>
+        <a:gradFill rotWithShape="1">
+          <a:gsLst>
+            <a:gs pos="0">
+              <a:schemeClr val="phClr">
+                <a:tint val="100000"/>
+                <a:shade val="100000"/>
+                <a:satMod val="130000"/>
+              </a:schemeClr>
+            </a:gs>
+            <a:gs pos="100000">
+              <a:schemeClr val="phClr">
+                <a:tint val="50000"/>
+                <a:shade val="100000"/>
+                <a:satMod val="350000"/>
+              </a:schemeClr>
+            </a:gs>
+          </a:gsLst>
+          <a:lin ang="16200000" scaled="0"/>
+        </a:gradFill>
+      </a:fillStyleLst>
+      <a:lnStyleLst>
+        <a:ln w="9525" cap="flat" cmpd="sng" algn="ctr">
+          <a:solidFill>
+            <a:schemeClr val="phClr">
+              <a:shade val="95000"/>
+              <a:satMod val="105000"/>
+            </a:schemeClr>
+          </a:solidFill>
+          <a:prstDash val="solid"/>
+        </a:ln>
+        <a:ln w="25400" cap="flat" cmpd="sng" algn="ctr">
+          <a:solidFill>
+            <a:schemeClr val="phClr"/>
+          </a:solidFill>
+          <a:prstDash val="solid"/>
+        </a:ln>
+        <a:ln w="38100" cap="flat" cmpd="sng" algn="ctr">
+          <a:solidFill>
+            <a:schemeClr val="phClr"/>
+          </a:solidFill>
+          <a:prstDash val="solid"/>
+        </a:ln>
+      </a:lnStyleLst>
+      <a:effectStyleLst>
+        <a:effectStyle>
+          <a:effectLst>
+            <a:outerShdw blurRad="40000" dist="20000" dir="5400000" rotWithShape="0">
+              <a:srgbClr val="000000">
+                <a:alpha val="38000"/>
+              </a:srgbClr>
+            </a:outerShdw>
+          </a:effectLst>
+        </a:effectStyle>
+        <a:effectStyle>
+          <a:effectLst>
+            <a:outerShdw blurRad="40000" dist="23000" dir="5400000" rotWithShape="0">
+              <a:srgbClr val="000000">
+                <a:alpha val="35000"/>
+              </a:srgbClr>
+            </a:outerShdw>
+          </a:effectLst>
+        </a:effectStyle>
+        <a:effectStyle>
+          <a:effectLst>
+            <a:outerShdw blurRad="40000" dist="23000" dir="5400000" rotWithShape="0">
+              <a:srgbClr val="000000">
+                <a:alpha val="35000"/>
+              </a:srgbClr>
+            </a:outerShdw>
+          </a:effectLst>
+          <a:scene3d>
+            <a:camera prst="orthographicFront">
+              <a:rot lat="0" lon="0" rev="0"/>
+            </a:camera>
+            <a:lightRig rig="threePt" dir="t">
+              <a:rot lat="0" lon="0" rev="1200000"/>
+            </a:lightRig>
+          </a:scene3d>
+          <a:sp3d>
+            <a:bevelT w="63500" h="25400"/>
+          </a:sp3d>
+        </a:effectStyle>
+      </a:effectStyleLst>
+      <a:bgFillStyleLst>
+        <a:solidFill>
+          <a:schemeClr val="phClr"/>
+        </a:solidFill>
+        <a:gradFill rotWithShape="1">
+          <a:gsLst>
+            <a:gs pos="0">
+              <a:schemeClr val="phClr">
+                <a:tint val="40000"/>
+                <a:satMod val="350000"/>
+              </a:schemeClr>
+            </a:gs>
+            <a:gs pos="40000">
+              <a:schemeClr val="phClr">
+                <a:tint val="45000"/>
+                <a:shade val="99000"/>
+                <a:satMod val="350000"/>
+              </a:schemeClr>
+            </a:gs>
+            <a:gs pos="100000">
+              <a:schemeClr val="phClr">
+                <a:shade val="20000"/>
+                <a:satMod val="255000"/>
+              </a:schemeClr>
+            </a:gs>
+          </a:gsLst>
+          <a:path path="circle">
+            <a:fillToRect l="50000" t="-80000" r="50000" b="180000"/>
+          </a:path>
+        </a:gradFill>
+        <a:gradFill rotWithShape="1">
+          <a:gsLst>
+            <a:gs pos="0">
+              <a:schemeClr val="phClr">
+                <a:tint val="80000"/>
+                <a:satMod val="300000"/>
+              </a:schemeClr>
+            </a:gs>
+            <a:gs pos="100000">
+              <a:schemeClr val="phClr">
+                <a:shade val="30000"/>
+                <a:satMod val="200000"/>
+              </a:schemeClr>
+            </a:gs>
+          </a:gsLst>
+          <a:path path="circle">
+            <a:fillToRect l="50000" t="50000" r="50000" b="50000"/>
+          </a:path>
+        </a:gradFill>
+      </a:bgFillStyleLst>
+    </a:fmtScheme>
+  </a:themeElements>
+</a:theme>
+</file>
+
+<file path=ppt/theme/theme2.xml><?xml version="1.0" encoding="utf-8"?>
 <a:theme xmlns:a="http://schemas.openxmlformats.org/drawingml/2006/main" xmlns:r="http://schemas.openxmlformats.org/officeDocument/2006/relationships">
   <a:themeElements>
     <a:clrScheme name="Default">
@@ -28611,283 +28944,4 @@
     </a:fmtScheme>
   </a:themeElements>
 </a:theme>
-</file>
-
-<file path=ppt/theme/theme2.xml><?xml version="1.0" encoding="utf-8"?>
-<a:theme xmlns:a="http://schemas.openxmlformats.org/drawingml/2006/main" xmlns:r="http://schemas.openxmlformats.org/officeDocument/2006/relationships" name="Simple Light">
-  <a:themeElements>
-    <a:clrScheme name="Simple Light">
-      <a:dk1>
-        <a:srgbClr val="000000"/>
-      </a:dk1>
-      <a:lt1>
-        <a:srgbClr val="FFFFFF"/>
-      </a:lt1>
-      <a:dk2>
-        <a:srgbClr val="595959"/>
-      </a:dk2>
-      <a:lt2>
-        <a:srgbClr val="EEEEEE"/>
-      </a:lt2>
-      <a:accent1>
-        <a:srgbClr val="4285F4"/>
-      </a:accent1>
-      <a:accent2>
-        <a:srgbClr val="212121"/>
-      </a:accent2>
-      <a:accent3>
-        <a:srgbClr val="78909C"/>
-      </a:accent3>
-      <a:accent4>
-        <a:srgbClr val="FFAB40"/>
-      </a:accent4>
-      <a:accent5>
-        <a:srgbClr val="0097A7"/>
-      </a:accent5>
-      <a:accent6>
-        <a:srgbClr val="EEFF41"/>
-      </a:accent6>
-      <a:hlink>
-        <a:srgbClr val="0097A7"/>
-      </a:hlink>
-      <a:folHlink>
-        <a:srgbClr val="0097A7"/>
-      </a:folHlink>
-    </a:clrScheme>
-    <a:fontScheme name="Office">
-      <a:majorFont>
-        <a:latin typeface="Arial"/>
-        <a:ea typeface=""/>
-        <a:cs typeface=""/>
-        <a:font script="Jpan" typeface="ＭＳ Ｐゴシック"/>
-        <a:font script="Hang" typeface="맑은 고딕"/>
-        <a:font script="Hans" typeface="宋体"/>
-        <a:font script="Hant" typeface="新細明體"/>
-        <a:font script="Arab" typeface="Times New Roman"/>
-        <a:font script="Hebr" typeface="Times New Roman"/>
-        <a:font script="Thai" typeface="Angsana New"/>
-        <a:font script="Ethi" typeface="Nyala"/>
-        <a:font script="Beng" typeface="Vrinda"/>
-        <a:font script="Gujr" typeface="Shruti"/>
-        <a:font script="Khmr" typeface="MoolBoran"/>
-        <a:font script="Knda" typeface="Tunga"/>
-        <a:font script="Guru" typeface="Raavi"/>
-        <a:font script="Cans" typeface="Euphemia"/>
-        <a:font script="Cher" typeface="Plantagenet Cherokee"/>
-        <a:font script="Yiii" typeface="Microsoft Yi Baiti"/>
-        <a:font script="Tibt" typeface="Microsoft Himalaya"/>
-        <a:font script="Thaa" typeface="MV Boli"/>
-        <a:font script="Deva" typeface="Mangal"/>
-        <a:font script="Telu" typeface="Gautami"/>
-        <a:font script="Taml" typeface="Latha"/>
-        <a:font script="Syrc" typeface="Estrangelo Edessa"/>
-        <a:font script="Orya" typeface="Kalinga"/>
-        <a:font script="Mlym" typeface="Kartika"/>
-        <a:font script="Laoo" typeface="DokChampa"/>
-        <a:font script="Sinh" typeface="Iskoola Pota"/>
-        <a:font script="Mong" typeface="Mongolian Baiti"/>
-        <a:font script="Viet" typeface="Times New Roman"/>
-        <a:font script="Uigh" typeface="Microsoft Uighur"/>
-        <a:font script="Geor" typeface="Sylfaen"/>
-      </a:majorFont>
-      <a:minorFont>
-        <a:latin typeface="Arial"/>
-        <a:ea typeface=""/>
-        <a:cs typeface=""/>
-        <a:font script="Jpan" typeface="ＭＳ Ｐゴシック"/>
-        <a:font script="Hang" typeface="맑은 고딕"/>
-        <a:font script="Hans" typeface="宋体"/>
-        <a:font script="Hant" typeface="新細明體"/>
-        <a:font script="Arab" typeface="Arial"/>
-        <a:font script="Hebr" typeface="Arial"/>
-        <a:font script="Thai" typeface="Cordia New"/>
-        <a:font script="Ethi" typeface="Nyala"/>
-        <a:font script="Beng" typeface="Vrinda"/>
-        <a:font script="Gujr" typeface="Shruti"/>
-        <a:font script="Khmr" typeface="DaunPenh"/>
-        <a:font script="Knda" typeface="Tunga"/>
-        <a:font script="Guru" typeface="Raavi"/>
-        <a:font script="Cans" typeface="Euphemia"/>
-        <a:font script="Cher" typeface="Plantagenet Cherokee"/>
-        <a:font script="Yiii" typeface="Microsoft Yi Baiti"/>
-        <a:font script="Tibt" typeface="Microsoft Himalaya"/>
-        <a:font script="Thaa" typeface="MV Boli"/>
-        <a:font script="Deva" typeface="Mangal"/>
-        <a:font script="Telu" typeface="Gautami"/>
-        <a:font script="Taml" typeface="Latha"/>
-        <a:font script="Syrc" typeface="Estrangelo Edessa"/>
-        <a:font script="Orya" typeface="Kalinga"/>
-        <a:font script="Mlym" typeface="Kartika"/>
-        <a:font script="Laoo" typeface="DokChampa"/>
-        <a:font script="Sinh" typeface="Iskoola Pota"/>
-        <a:font script="Mong" typeface="Mongolian Baiti"/>
-        <a:font script="Viet" typeface="Arial"/>
-        <a:font script="Uigh" typeface="Microsoft Uighur"/>
-        <a:font script="Geor" typeface="Sylfaen"/>
-      </a:minorFont>
-    </a:fontScheme>
-    <a:fmtScheme name="Office">
-      <a:fillStyleLst>
-        <a:solidFill>
-          <a:schemeClr val="phClr"/>
-        </a:solidFill>
-        <a:gradFill rotWithShape="1">
-          <a:gsLst>
-            <a:gs pos="0">
-              <a:schemeClr val="phClr">
-                <a:tint val="50000"/>
-                <a:satMod val="300000"/>
-              </a:schemeClr>
-            </a:gs>
-            <a:gs pos="35000">
-              <a:schemeClr val="phClr">
-                <a:tint val="37000"/>
-                <a:satMod val="300000"/>
-              </a:schemeClr>
-            </a:gs>
-            <a:gs pos="100000">
-              <a:schemeClr val="phClr">
-                <a:tint val="15000"/>
-                <a:satMod val="350000"/>
-              </a:schemeClr>
-            </a:gs>
-          </a:gsLst>
-          <a:lin ang="16200000" scaled="1"/>
-        </a:gradFill>
-        <a:gradFill rotWithShape="1">
-          <a:gsLst>
-            <a:gs pos="0">
-              <a:schemeClr val="phClr">
-                <a:tint val="100000"/>
-                <a:shade val="100000"/>
-                <a:satMod val="130000"/>
-              </a:schemeClr>
-            </a:gs>
-            <a:gs pos="100000">
-              <a:schemeClr val="phClr">
-                <a:tint val="50000"/>
-                <a:shade val="100000"/>
-                <a:satMod val="350000"/>
-              </a:schemeClr>
-            </a:gs>
-          </a:gsLst>
-          <a:lin ang="16200000" scaled="0"/>
-        </a:gradFill>
-      </a:fillStyleLst>
-      <a:lnStyleLst>
-        <a:ln w="9525" cap="flat" cmpd="sng" algn="ctr">
-          <a:solidFill>
-            <a:schemeClr val="phClr">
-              <a:shade val="95000"/>
-              <a:satMod val="105000"/>
-            </a:schemeClr>
-          </a:solidFill>
-          <a:prstDash val="solid"/>
-        </a:ln>
-        <a:ln w="25400" cap="flat" cmpd="sng" algn="ctr">
-          <a:solidFill>
-            <a:schemeClr val="phClr"/>
-          </a:solidFill>
-          <a:prstDash val="solid"/>
-        </a:ln>
-        <a:ln w="38100" cap="flat" cmpd="sng" algn="ctr">
-          <a:solidFill>
-            <a:schemeClr val="phClr"/>
-          </a:solidFill>
-          <a:prstDash val="solid"/>
-        </a:ln>
-      </a:lnStyleLst>
-      <a:effectStyleLst>
-        <a:effectStyle>
-          <a:effectLst>
-            <a:outerShdw blurRad="40000" dist="20000" dir="5400000" rotWithShape="0">
-              <a:srgbClr val="000000">
-                <a:alpha val="38000"/>
-              </a:srgbClr>
-            </a:outerShdw>
-          </a:effectLst>
-        </a:effectStyle>
-        <a:effectStyle>
-          <a:effectLst>
-            <a:outerShdw blurRad="40000" dist="23000" dir="5400000" rotWithShape="0">
-              <a:srgbClr val="000000">
-                <a:alpha val="35000"/>
-              </a:srgbClr>
-            </a:outerShdw>
-          </a:effectLst>
-        </a:effectStyle>
-        <a:effectStyle>
-          <a:effectLst>
-            <a:outerShdw blurRad="40000" dist="23000" dir="5400000" rotWithShape="0">
-              <a:srgbClr val="000000">
-                <a:alpha val="35000"/>
-              </a:srgbClr>
-            </a:outerShdw>
-          </a:effectLst>
-          <a:scene3d>
-            <a:camera prst="orthographicFront">
-              <a:rot lat="0" lon="0" rev="0"/>
-            </a:camera>
-            <a:lightRig rig="threePt" dir="t">
-              <a:rot lat="0" lon="0" rev="1200000"/>
-            </a:lightRig>
-          </a:scene3d>
-          <a:sp3d>
-            <a:bevelT w="63500" h="25400"/>
-          </a:sp3d>
-        </a:effectStyle>
-      </a:effectStyleLst>
-      <a:bgFillStyleLst>
-        <a:solidFill>
-          <a:schemeClr val="phClr"/>
-        </a:solidFill>
-        <a:gradFill rotWithShape="1">
-          <a:gsLst>
-            <a:gs pos="0">
-              <a:schemeClr val="phClr">
-                <a:tint val="40000"/>
-                <a:satMod val="350000"/>
-              </a:schemeClr>
-            </a:gs>
-            <a:gs pos="40000">
-              <a:schemeClr val="phClr">
-                <a:tint val="45000"/>
-                <a:shade val="99000"/>
-                <a:satMod val="350000"/>
-              </a:schemeClr>
-            </a:gs>
-            <a:gs pos="100000">
-              <a:schemeClr val="phClr">
-                <a:shade val="20000"/>
-                <a:satMod val="255000"/>
-              </a:schemeClr>
-            </a:gs>
-          </a:gsLst>
-          <a:path path="circle">
-            <a:fillToRect l="50000" t="-80000" r="50000" b="180000"/>
-          </a:path>
-        </a:gradFill>
-        <a:gradFill rotWithShape="1">
-          <a:gsLst>
-            <a:gs pos="0">
-              <a:schemeClr val="phClr">
-                <a:tint val="80000"/>
-                <a:satMod val="300000"/>
-              </a:schemeClr>
-            </a:gs>
-            <a:gs pos="100000">
-              <a:schemeClr val="phClr">
-                <a:shade val="30000"/>
-                <a:satMod val="200000"/>
-              </a:schemeClr>
-            </a:gs>
-          </a:gsLst>
-          <a:path path="circle">
-            <a:fillToRect l="50000" t="50000" r="50000" b="50000"/>
-          </a:path>
-        </a:gradFill>
-      </a:bgFillStyleLst>
-    </a:fmtScheme>
-  </a:themeElements>
-</a:theme>
 </file>
--- a/presentation/presentation.pptx
+++ b/presentation/presentation.pptx
@@ -2035,7 +2035,7 @@
             </a:pPr>
             <a:r>
               <a:rPr lang="en"/>
-              <a:t>Single time series split involves dividing the time series considering a narrow period of time making a single split</a:t>
+              <a:t>Single time series split involves dividing the time series considering a narrow period of time with only one split</a:t>
             </a:r>
             <a:endParaRPr/>
           </a:p>
@@ -2156,7 +2156,7 @@
             </a:pPr>
             <a:r>
               <a:rPr lang="en"/>
-              <a:t>In the latter case I consider only 2 years instead of 4 as in the others, so as to best benefit from the trend in the short term</a:t>
+              <a:t>In the latter case I consider only 2 years instead of 4 as in the others, to best benefit from the trend in the short term</a:t>
             </a:r>
             <a:endParaRPr/>
           </a:p>
@@ -2513,7 +2513,7 @@
             </a:pPr>
             <a:r>
               <a:rPr lang="en"/>
-              <a:t>For each prediction, I am going to consider it correct if the actual price goes up or down and the predicted price follows that trend, wrong if vice versa</a:t>
+              <a:t>For each prediction, I am going to consider it correct if the actual price goes up or down and the predicted one follows that trend, wrong if vice versa</a:t>
             </a:r>
             <a:endParaRPr/>
           </a:p>
@@ -3698,7 +3698,7 @@
             </a:r>
             <a:r>
               <a:rPr lang="en"/>
-              <a:t> results and its impact varies between models</a:t>
+              <a:t> results and their impact varies between models</a:t>
             </a:r>
             <a:endParaRPr/>
           </a:p>
@@ -3979,7 +3979,7 @@
             </a:pPr>
             <a:r>
               <a:rPr lang="en"/>
-              <a:t>Then considering these results, the features used by the models for the next steps were these</a:t>
+              <a:t>Then considering these results, the features used by the models for the next steps were the following</a:t>
             </a:r>
             <a:endParaRPr/>
           </a:p>
@@ -4894,7 +4894,7 @@
             </a:pPr>
             <a:r>
               <a:rPr lang="en"/>
-              <a:t>Considering the RMSE values in fact, especially in the long run, these tends remains about the same in the short to medium term for linear models and increases for tree-based ones</a:t>
+              <a:t>Considering the RMSE values in fact, especially in the long run, these tends to remains about the same in the short to medium term for linear models and increases for tree-based ones</a:t>
             </a:r>
             <a:endParaRPr/>
           </a:p>
@@ -4917,7 +4917,7 @@
             </a:pPr>
             <a:r>
               <a:rPr lang="en"/>
-              <a:t>Since the results were averaged and considering more data at each dataset split, we can see how the periods in which the models did better compensated for the worst results in the last period</a:t>
+              <a:t>Since the results were averaged and by considering more data at each dataset split, we can see how the periods in which the models did better compensated for the worst results in the last period</a:t>
             </a:r>
             <a:endParaRPr/>
           </a:p>
@@ -28389,6 +28389,285 @@
 </file>
 
 <file path=ppt/theme/theme1.xml><?xml version="1.0" encoding="utf-8"?>
+<a:theme xmlns:a="http://schemas.openxmlformats.org/drawingml/2006/main" xmlns:r="http://schemas.openxmlformats.org/officeDocument/2006/relationships">
+  <a:themeElements>
+    <a:clrScheme name="Default">
+      <a:dk1>
+        <a:srgbClr val="000000"/>
+      </a:dk1>
+      <a:lt1>
+        <a:srgbClr val="FFFFFF"/>
+      </a:lt1>
+      <a:dk2>
+        <a:srgbClr val="158158"/>
+      </a:dk2>
+      <a:lt2>
+        <a:srgbClr val="F3F3F3"/>
+      </a:lt2>
+      <a:accent1>
+        <a:srgbClr val="058DC7"/>
+      </a:accent1>
+      <a:accent2>
+        <a:srgbClr val="50B432"/>
+      </a:accent2>
+      <a:accent3>
+        <a:srgbClr val="ED561B"/>
+      </a:accent3>
+      <a:accent4>
+        <a:srgbClr val="EDEF00"/>
+      </a:accent4>
+      <a:accent5>
+        <a:srgbClr val="24CBE5"/>
+      </a:accent5>
+      <a:accent6>
+        <a:srgbClr val="64E572"/>
+      </a:accent6>
+      <a:hlink>
+        <a:srgbClr val="2200CC"/>
+      </a:hlink>
+      <a:folHlink>
+        <a:srgbClr val="551A8B"/>
+      </a:folHlink>
+    </a:clrScheme>
+    <a:fontScheme name="Office">
+      <a:majorFont>
+        <a:latin typeface="Arial"/>
+        <a:ea typeface=""/>
+        <a:cs typeface=""/>
+        <a:font script="Jpan" typeface="ＭＳ Ｐゴシック"/>
+        <a:font script="Hang" typeface="맑은 고딕"/>
+        <a:font script="Hans" typeface="宋体"/>
+        <a:font script="Hant" typeface="新細明體"/>
+        <a:font script="Arab" typeface="Times New Roman"/>
+        <a:font script="Hebr" typeface="Times New Roman"/>
+        <a:font script="Thai" typeface="Angsana New"/>
+        <a:font script="Ethi" typeface="Nyala"/>
+        <a:font script="Beng" typeface="Vrinda"/>
+        <a:font script="Gujr" typeface="Shruti"/>
+        <a:font script="Khmr" typeface="MoolBoran"/>
+        <a:font script="Knda" typeface="Tunga"/>
+        <a:font script="Guru" typeface="Raavi"/>
+        <a:font script="Cans" typeface="Euphemia"/>
+        <a:font script="Cher" typeface="Plantagenet Cherokee"/>
+        <a:font script="Yiii" typeface="Microsoft Yi Baiti"/>
+        <a:font script="Tibt" typeface="Microsoft Himalaya"/>
+        <a:font script="Thaa" typeface="MV Boli"/>
+        <a:font script="Deva" typeface="Mangal"/>
+        <a:font script="Telu" typeface="Gautami"/>
+        <a:font script="Taml" typeface="Latha"/>
+        <a:font script="Syrc" typeface="Estrangelo Edessa"/>
+        <a:font script="Orya" typeface="Kalinga"/>
+        <a:font script="Mlym" typeface="Kartika"/>
+        <a:font script="Laoo" typeface="DokChampa"/>
+        <a:font script="Sinh" typeface="Iskoola Pota"/>
+        <a:font script="Mong" typeface="Mongolian Baiti"/>
+        <a:font script="Viet" typeface="Times New Roman"/>
+        <a:font script="Uigh" typeface="Microsoft Uighur"/>
+        <a:font script="Geor" typeface="Sylfaen"/>
+      </a:majorFont>
+      <a:minorFont>
+        <a:latin typeface="Arial"/>
+        <a:ea typeface=""/>
+        <a:cs typeface=""/>
+        <a:font script="Jpan" typeface="ＭＳ Ｐゴシック"/>
+        <a:font script="Hang" typeface="맑은 고딕"/>
+        <a:font script="Hans" typeface="宋体"/>
+        <a:font script="Hant" typeface="新細明體"/>
+        <a:font script="Arab" typeface="Arial"/>
+        <a:font script="Hebr" typeface="Arial"/>
+        <a:font script="Thai" typeface="Cordia New"/>
+        <a:font script="Ethi" typeface="Nyala"/>
+        <a:font script="Beng" typeface="Vrinda"/>
+        <a:font script="Gujr" typeface="Shruti"/>
+        <a:font script="Khmr" typeface="DaunPenh"/>
+        <a:font script="Knda" typeface="Tunga"/>
+        <a:font script="Guru" typeface="Raavi"/>
+        <a:font script="Cans" typeface="Euphemia"/>
+        <a:font script="Cher" typeface="Plantagenet Cherokee"/>
+        <a:font script="Yiii" typeface="Microsoft Yi Baiti"/>
+        <a:font script="Tibt" typeface="Microsoft Himalaya"/>
+        <a:font script="Thaa" typeface="MV Boli"/>
+        <a:font script="Deva" typeface="Mangal"/>
+        <a:font script="Telu" typeface="Gautami"/>
+        <a:font script="Taml" typeface="Latha"/>
+        <a:font script="Syrc" typeface="Estrangelo Edessa"/>
+        <a:font script="Orya" typeface="Kalinga"/>
+        <a:font script="Mlym" typeface="Kartika"/>
+        <a:font script="Laoo" typeface="DokChampa"/>
+        <a:font script="Sinh" typeface="Iskoola Pota"/>
+        <a:font script="Mong" typeface="Mongolian Baiti"/>
+        <a:font script="Viet" typeface="Arial"/>
+        <a:font script="Uigh" typeface="Microsoft Uighur"/>
+        <a:font script="Geor" typeface="Sylfaen"/>
+      </a:minorFont>
+    </a:fontScheme>
+    <a:fmtScheme name="Office">
+      <a:fillStyleLst>
+        <a:solidFill>
+          <a:schemeClr val="phClr"/>
+        </a:solidFill>
+        <a:gradFill rotWithShape="1">
+          <a:gsLst>
+            <a:gs pos="0">
+              <a:schemeClr val="phClr">
+                <a:tint val="50000"/>
+                <a:satMod val="300000"/>
+              </a:schemeClr>
+            </a:gs>
+            <a:gs pos="35000">
+              <a:schemeClr val="phClr">
+                <a:tint val="37000"/>
+                <a:satMod val="300000"/>
+              </a:schemeClr>
+            </a:gs>
+            <a:gs pos="100000">
+              <a:schemeClr val="phClr">
+                <a:tint val="15000"/>
+                <a:satMod val="350000"/>
+              </a:schemeClr>
+            </a:gs>
+          </a:gsLst>
+          <a:lin ang="16200000" scaled="1"/>
+        </a:gradFill>
+        <a:gradFill rotWithShape="1">
+          <a:gsLst>
+            <a:gs pos="0">
+              <a:schemeClr val="phClr">
+                <a:tint val="100000"/>
+                <a:shade val="100000"/>
+                <a:satMod val="130000"/>
+              </a:schemeClr>
+            </a:gs>
+            <a:gs pos="100000">
+              <a:schemeClr val="phClr">
+                <a:tint val="50000"/>
+                <a:shade val="100000"/>
+                <a:satMod val="350000"/>
+              </a:schemeClr>
+            </a:gs>
+          </a:gsLst>
+          <a:lin ang="16200000" scaled="0"/>
+        </a:gradFill>
+      </a:fillStyleLst>
+      <a:lnStyleLst>
+        <a:ln w="9525" cap="flat" cmpd="sng" algn="ctr">
+          <a:solidFill>
+            <a:schemeClr val="phClr">
+              <a:shade val="95000"/>
+              <a:satMod val="105000"/>
+            </a:schemeClr>
+          </a:solidFill>
+          <a:prstDash val="solid"/>
+        </a:ln>
+        <a:ln w="25400" cap="flat" cmpd="sng" algn="ctr">
+          <a:solidFill>
+            <a:schemeClr val="phClr"/>
+          </a:solidFill>
+          <a:prstDash val="solid"/>
+        </a:ln>
+        <a:ln w="38100" cap="flat" cmpd="sng" algn="ctr">
+          <a:solidFill>
+            <a:schemeClr val="phClr"/>
+          </a:solidFill>
+          <a:prstDash val="solid"/>
+        </a:ln>
+      </a:lnStyleLst>
+      <a:effectStyleLst>
+        <a:effectStyle>
+          <a:effectLst>
+            <a:outerShdw blurRad="40000" dist="20000" dir="5400000" rotWithShape="0">
+              <a:srgbClr val="000000">
+                <a:alpha val="38000"/>
+              </a:srgbClr>
+            </a:outerShdw>
+          </a:effectLst>
+        </a:effectStyle>
+        <a:effectStyle>
+          <a:effectLst>
+            <a:outerShdw blurRad="40000" dist="23000" dir="5400000" rotWithShape="0">
+              <a:srgbClr val="000000">
+                <a:alpha val="35000"/>
+              </a:srgbClr>
+            </a:outerShdw>
+          </a:effectLst>
+        </a:effectStyle>
+        <a:effectStyle>
+          <a:effectLst>
+            <a:outerShdw blurRad="40000" dist="23000" dir="5400000" rotWithShape="0">
+              <a:srgbClr val="000000">
+                <a:alpha val="35000"/>
+              </a:srgbClr>
+            </a:outerShdw>
+          </a:effectLst>
+          <a:scene3d>
+            <a:camera prst="orthographicFront">
+              <a:rot lat="0" lon="0" rev="0"/>
+            </a:camera>
+            <a:lightRig rig="threePt" dir="t">
+              <a:rot lat="0" lon="0" rev="1200000"/>
+            </a:lightRig>
+          </a:scene3d>
+          <a:sp3d>
+            <a:bevelT w="63500" h="25400"/>
+          </a:sp3d>
+        </a:effectStyle>
+      </a:effectStyleLst>
+      <a:bgFillStyleLst>
+        <a:solidFill>
+          <a:schemeClr val="phClr"/>
+        </a:solidFill>
+        <a:gradFill rotWithShape="1">
+          <a:gsLst>
+            <a:gs pos="0">
+              <a:schemeClr val="phClr">
+                <a:tint val="40000"/>
+                <a:satMod val="350000"/>
+              </a:schemeClr>
+            </a:gs>
+            <a:gs pos="40000">
+              <a:schemeClr val="phClr">
+                <a:tint val="45000"/>
+                <a:shade val="99000"/>
+                <a:satMod val="350000"/>
+              </a:schemeClr>
+            </a:gs>
+            <a:gs pos="100000">
+              <a:schemeClr val="phClr">
+                <a:shade val="20000"/>
+                <a:satMod val="255000"/>
+              </a:schemeClr>
+            </a:gs>
+          </a:gsLst>
+          <a:path path="circle">
+            <a:fillToRect l="50000" t="-80000" r="50000" b="180000"/>
+          </a:path>
+        </a:gradFill>
+        <a:gradFill rotWithShape="1">
+          <a:gsLst>
+            <a:gs pos="0">
+              <a:schemeClr val="phClr">
+                <a:tint val="80000"/>
+                <a:satMod val="300000"/>
+              </a:schemeClr>
+            </a:gs>
+            <a:gs pos="100000">
+              <a:schemeClr val="phClr">
+                <a:shade val="30000"/>
+                <a:satMod val="200000"/>
+              </a:schemeClr>
+            </a:gs>
+          </a:gsLst>
+          <a:path path="circle">
+            <a:fillToRect l="50000" t="50000" r="50000" b="50000"/>
+          </a:path>
+        </a:gradFill>
+      </a:bgFillStyleLst>
+    </a:fmtScheme>
+  </a:themeElements>
+</a:theme>
+</file>
+
+<file path=ppt/theme/theme2.xml><?xml version="1.0" encoding="utf-8"?>
 <a:theme xmlns:a="http://schemas.openxmlformats.org/drawingml/2006/main" xmlns:r="http://schemas.openxmlformats.org/officeDocument/2006/relationships" name="Simple Light">
   <a:themeElements>
     <a:clrScheme name="Simple Light">
@@ -28665,283 +28944,4 @@
     </a:fmtScheme>
   </a:themeElements>
 </a:theme>
-</file>
-
-<file path=ppt/theme/theme2.xml><?xml version="1.0" encoding="utf-8"?>
-<a:theme xmlns:a="http://schemas.openxmlformats.org/drawingml/2006/main" xmlns:r="http://schemas.openxmlformats.org/officeDocument/2006/relationships">
-  <a:themeElements>
-    <a:clrScheme name="Default">
-      <a:dk1>
-        <a:srgbClr val="000000"/>
-      </a:dk1>
-      <a:lt1>
-        <a:srgbClr val="FFFFFF"/>
-      </a:lt1>
-      <a:dk2>
-        <a:srgbClr val="158158"/>
-      </a:dk2>
-      <a:lt2>
-        <a:srgbClr val="F3F3F3"/>
-      </a:lt2>
-      <a:accent1>
-        <a:srgbClr val="058DC7"/>
-      </a:accent1>
-      <a:accent2>
-        <a:srgbClr val="50B432"/>
-      </a:accent2>
-      <a:accent3>
-        <a:srgbClr val="ED561B"/>
-      </a:accent3>
-      <a:accent4>
-        <a:srgbClr val="EDEF00"/>
-      </a:accent4>
-      <a:accent5>
-        <a:srgbClr val="24CBE5"/>
-      </a:accent5>
-      <a:accent6>
-        <a:srgbClr val="64E572"/>
-      </a:accent6>
-      <a:hlink>
-        <a:srgbClr val="2200CC"/>
-      </a:hlink>
-      <a:folHlink>
-        <a:srgbClr val="551A8B"/>
-      </a:folHlink>
-    </a:clrScheme>
-    <a:fontScheme name="Office">
-      <a:majorFont>
-        <a:latin typeface="Arial"/>
-        <a:ea typeface=""/>
-        <a:cs typeface=""/>
-        <a:font script="Jpan" typeface="ＭＳ Ｐゴシック"/>
-        <a:font script="Hang" typeface="맑은 고딕"/>
-        <a:font script="Hans" typeface="宋体"/>
-        <a:font script="Hant" typeface="新細明體"/>
-        <a:font script="Arab" typeface="Times New Roman"/>
-        <a:font script="Hebr" typeface="Times New Roman"/>
-        <a:font script="Thai" typeface="Angsana New"/>
-        <a:font script="Ethi" typeface="Nyala"/>
-        <a:font script="Beng" typeface="Vrinda"/>
-        <a:font script="Gujr" typeface="Shruti"/>
-        <a:font script="Khmr" typeface="MoolBoran"/>
-        <a:font script="Knda" typeface="Tunga"/>
-        <a:font script="Guru" typeface="Raavi"/>
-        <a:font script="Cans" typeface="Euphemia"/>
-        <a:font script="Cher" typeface="Plantagenet Cherokee"/>
-        <a:font script="Yiii" typeface="Microsoft Yi Baiti"/>
-        <a:font script="Tibt" typeface="Microsoft Himalaya"/>
-        <a:font script="Thaa" typeface="MV Boli"/>
-        <a:font script="Deva" typeface="Mangal"/>
-        <a:font script="Telu" typeface="Gautami"/>
-        <a:font script="Taml" typeface="Latha"/>
-        <a:font script="Syrc" typeface="Estrangelo Edessa"/>
-        <a:font script="Orya" typeface="Kalinga"/>
-        <a:font script="Mlym" typeface="Kartika"/>
-        <a:font script="Laoo" typeface="DokChampa"/>
-        <a:font script="Sinh" typeface="Iskoola Pota"/>
-        <a:font script="Mong" typeface="Mongolian Baiti"/>
-        <a:font script="Viet" typeface="Times New Roman"/>
-        <a:font script="Uigh" typeface="Microsoft Uighur"/>
-        <a:font script="Geor" typeface="Sylfaen"/>
-      </a:majorFont>
-      <a:minorFont>
-        <a:latin typeface="Arial"/>
-        <a:ea typeface=""/>
-        <a:cs typeface=""/>
-        <a:font script="Jpan" typeface="ＭＳ Ｐゴシック"/>
-        <a:font script="Hang" typeface="맑은 고딕"/>
-        <a:font script="Hans" typeface="宋体"/>
-        <a:font script="Hant" typeface="新細明體"/>
-        <a:font script="Arab" typeface="Arial"/>
-        <a:font script="Hebr" typeface="Arial"/>
-        <a:font script="Thai" typeface="Cordia New"/>
-        <a:font script="Ethi" typeface="Nyala"/>
-        <a:font script="Beng" typeface="Vrinda"/>
-        <a:font script="Gujr" typeface="Shruti"/>
-        <a:font script="Khmr" typeface="DaunPenh"/>
-        <a:font script="Knda" typeface="Tunga"/>
-        <a:font script="Guru" typeface="Raavi"/>
-        <a:font script="Cans" typeface="Euphemia"/>
-        <a:font script="Cher" typeface="Plantagenet Cherokee"/>
-        <a:font script="Yiii" typeface="Microsoft Yi Baiti"/>
-        <a:font script="Tibt" typeface="Microsoft Himalaya"/>
-        <a:font script="Thaa" typeface="MV Boli"/>
-        <a:font script="Deva" typeface="Mangal"/>
-        <a:font script="Telu" typeface="Gautami"/>
-        <a:font script="Taml" typeface="Latha"/>
-        <a:font script="Syrc" typeface="Estrangelo Edessa"/>
-        <a:font script="Orya" typeface="Kalinga"/>
-        <a:font script="Mlym" typeface="Kartika"/>
-        <a:font script="Laoo" typeface="DokChampa"/>
-        <a:font script="Sinh" typeface="Iskoola Pota"/>
-        <a:font script="Mong" typeface="Mongolian Baiti"/>
-        <a:font script="Viet" typeface="Arial"/>
-        <a:font script="Uigh" typeface="Microsoft Uighur"/>
-        <a:font script="Geor" typeface="Sylfaen"/>
-      </a:minorFont>
-    </a:fontScheme>
-    <a:fmtScheme name="Office">
-      <a:fillStyleLst>
-        <a:solidFill>
-          <a:schemeClr val="phClr"/>
-        </a:solidFill>
-        <a:gradFill rotWithShape="1">
-          <a:gsLst>
-            <a:gs pos="0">
-              <a:schemeClr val="phClr">
-                <a:tint val="50000"/>
-                <a:satMod val="300000"/>
-              </a:schemeClr>
-            </a:gs>
-            <a:gs pos="35000">
-              <a:schemeClr val="phClr">
-                <a:tint val="37000"/>
-                <a:satMod val="300000"/>
-              </a:schemeClr>
-            </a:gs>
-            <a:gs pos="100000">
-              <a:schemeClr val="phClr">
-                <a:tint val="15000"/>
-                <a:satMod val="350000"/>
-              </a:schemeClr>
-            </a:gs>
-          </a:gsLst>
-          <a:lin ang="16200000" scaled="1"/>
-        </a:gradFill>
-        <a:gradFill rotWithShape="1">
-          <a:gsLst>
-            <a:gs pos="0">
-              <a:schemeClr val="phClr">
-                <a:tint val="100000"/>
-                <a:shade val="100000"/>
-                <a:satMod val="130000"/>
-              </a:schemeClr>
-            </a:gs>
-            <a:gs pos="100000">
-              <a:schemeClr val="phClr">
-                <a:tint val="50000"/>
-                <a:shade val="100000"/>
-                <a:satMod val="350000"/>
-              </a:schemeClr>
-            </a:gs>
-          </a:gsLst>
-          <a:lin ang="16200000" scaled="0"/>
-        </a:gradFill>
-      </a:fillStyleLst>
-      <a:lnStyleLst>
-        <a:ln w="9525" cap="flat" cmpd="sng" algn="ctr">
-          <a:solidFill>
-            <a:schemeClr val="phClr">
-              <a:shade val="95000"/>
-              <a:satMod val="105000"/>
-            </a:schemeClr>
-          </a:solidFill>
-          <a:prstDash val="solid"/>
-        </a:ln>
-        <a:ln w="25400" cap="flat" cmpd="sng" algn="ctr">
-          <a:solidFill>
-            <a:schemeClr val="phClr"/>
-          </a:solidFill>
-          <a:prstDash val="solid"/>
-        </a:ln>
-        <a:ln w="38100" cap="flat" cmpd="sng" algn="ctr">
-          <a:solidFill>
-            <a:schemeClr val="phClr"/>
-          </a:solidFill>
-          <a:prstDash val="solid"/>
-        </a:ln>
-      </a:lnStyleLst>
-      <a:effectStyleLst>
-        <a:effectStyle>
-          <a:effectLst>
-            <a:outerShdw blurRad="40000" dist="20000" dir="5400000" rotWithShape="0">
-              <a:srgbClr val="000000">
-                <a:alpha val="38000"/>
-              </a:srgbClr>
-            </a:outerShdw>
-          </a:effectLst>
-        </a:effectStyle>
-        <a:effectStyle>
-          <a:effectLst>
-            <a:outerShdw blurRad="40000" dist="23000" dir="5400000" rotWithShape="0">
-              <a:srgbClr val="000000">
-                <a:alpha val="35000"/>
-              </a:srgbClr>
-            </a:outerShdw>
-          </a:effectLst>
-        </a:effectStyle>
-        <a:effectStyle>
-          <a:effectLst>
-            <a:outerShdw blurRad="40000" dist="23000" dir="5400000" rotWithShape="0">
-              <a:srgbClr val="000000">
-                <a:alpha val="35000"/>
-              </a:srgbClr>
-            </a:outerShdw>
-          </a:effectLst>
-          <a:scene3d>
-            <a:camera prst="orthographicFront">
-              <a:rot lat="0" lon="0" rev="0"/>
-            </a:camera>
-            <a:lightRig rig="threePt" dir="t">
-              <a:rot lat="0" lon="0" rev="1200000"/>
-            </a:lightRig>
-          </a:scene3d>
-          <a:sp3d>
-            <a:bevelT w="63500" h="25400"/>
-          </a:sp3d>
-        </a:effectStyle>
-      </a:effectStyleLst>
-      <a:bgFillStyleLst>
-        <a:solidFill>
-          <a:schemeClr val="phClr"/>
-        </a:solidFill>
-        <a:gradFill rotWithShape="1">
-          <a:gsLst>
-            <a:gs pos="0">
-              <a:schemeClr val="phClr">
-                <a:tint val="40000"/>
-                <a:satMod val="350000"/>
-              </a:schemeClr>
-            </a:gs>
-            <a:gs pos="40000">
-              <a:schemeClr val="phClr">
-                <a:tint val="45000"/>
-                <a:shade val="99000"/>
-                <a:satMod val="350000"/>
-              </a:schemeClr>
-            </a:gs>
-            <a:gs pos="100000">
-              <a:schemeClr val="phClr">
-                <a:shade val="20000"/>
-                <a:satMod val="255000"/>
-              </a:schemeClr>
-            </a:gs>
-          </a:gsLst>
-          <a:path path="circle">
-            <a:fillToRect l="50000" t="-80000" r="50000" b="180000"/>
-          </a:path>
-        </a:gradFill>
-        <a:gradFill rotWithShape="1">
-          <a:gsLst>
-            <a:gs pos="0">
-              <a:schemeClr val="phClr">
-                <a:tint val="80000"/>
-                <a:satMod val="300000"/>
-              </a:schemeClr>
-            </a:gs>
-            <a:gs pos="100000">
-              <a:schemeClr val="phClr">
-                <a:shade val="30000"/>
-                <a:satMod val="200000"/>
-              </a:schemeClr>
-            </a:gs>
-          </a:gsLst>
-          <a:path path="circle">
-            <a:fillToRect l="50000" t="50000" r="50000" b="50000"/>
-          </a:path>
-        </a:gradFill>
-      </a:bgFillStyleLst>
-    </a:fmtScheme>
-  </a:themeElements>
-</a:theme>
 </file>
--- a/presentation/presentation.pptx
+++ b/presentation/presentation.pptx
@@ -2825,7 +2825,15 @@
             </a:pPr>
             <a:r>
               <a:rPr lang="en"/>
-              <a:t>First of all, I saw how the default models behave with the three feature groups also by applying normalisation to them or not</a:t>
+              <a:t>First of all, I </a:t>
+            </a:r>
+            <a:r>
+              <a:rPr lang="en"/>
+              <a:t>retrieve</a:t>
+            </a:r>
+            <a:r>
+              <a:rPr lang="en"/>
+              <a:t> the data on how the default models behave with the three feature groups with or without normalization</a:t>
             </a:r>
             <a:endParaRPr/>
           </a:p>
@@ -3488,11 +3496,11 @@
             </a:pPr>
             <a:r>
               <a:rPr lang="en"/>
-              <a:t>During this</a:t>
+              <a:t>During the </a:t>
             </a:r>
             <a:r>
               <a:rPr lang="en"/>
-              <a:t> final stage all the results obtained up to that point are also compared</a:t>
+              <a:t>final stage all the results obtained up to that point are also compared</a:t>
             </a:r>
             <a:endParaRPr/>
           </a:p>
@@ -3515,7 +3523,7 @@
             </a:pPr>
             <a:r>
               <a:rPr lang="en"/>
-              <a:t>Moreover, the test set has been divided into further mini-sets to see how the models performance degrades as time increases</a:t>
+              <a:t>Moreover, the test set has been divided into further mini-sets to see how the models performance changes as time increases</a:t>
             </a:r>
             <a:endParaRPr/>
           </a:p>
@@ -5035,7 +5043,11 @@
             </a:pPr>
             <a:r>
               <a:rPr lang="en"/>
-              <a:t>This can best be seen by considering the R2 values where values tend to decrease as the time taken into consideration increases</a:t>
+              <a:t>C</a:t>
+            </a:r>
+            <a:r>
+              <a:rPr lang="en"/>
+              <a:t>onsidering the R2 metrics we can see how the values tend to decrease as the time taken into consideration increases</a:t>
             </a:r>
             <a:endParaRPr/>
           </a:p>
@@ -5293,7 +5305,7 @@
                   <a:schemeClr val="dk1"/>
                 </a:solidFill>
               </a:rPr>
-              <a:t>It should be noted that in this case linear models have a higher accuracy than tree-based models, probably because they have smoother curves that allow them to better represent price values than tree-based ones that are more jagged</a:t>
+              <a:t>It should be noted that in this case linear models have a higher accuracy than tree-based models, probably because they have smoother curves that allow them to better represent price rather than tree-based ones that are more jagged</a:t>
             </a:r>
             <a:endParaRPr/>
           </a:p>
@@ -5418,7 +5430,7 @@
                   <a:schemeClr val="dk1"/>
                 </a:solidFill>
               </a:rPr>
-              <a:t>To sum up, we can say that according to these experiments it is better to use a splitting method that considers a narrower time period</a:t>
+              <a:t>To sum up, we can say that according to these experiments it is better to use a splitting method that considers a narrower time period like single split</a:t>
             </a:r>
             <a:endParaRPr>
               <a:solidFill>
@@ -17294,7 +17306,7 @@
                 <a:cs typeface="Montserrat"/>
                 <a:sym typeface="Montserrat"/>
               </a:rPr>
-              <a:t>degrades </a:t>
+              <a:t>changes </a:t>
             </a:r>
             <a:r>
               <a:rPr lang="en" sz="1500">
@@ -28389,6 +28401,285 @@
 </file>
 
 <file path=ppt/theme/theme1.xml><?xml version="1.0" encoding="utf-8"?>
+<a:theme xmlns:a="http://schemas.openxmlformats.org/drawingml/2006/main" xmlns:r="http://schemas.openxmlformats.org/officeDocument/2006/relationships" name="Simple Light">
+  <a:themeElements>
+    <a:clrScheme name="Simple Light">
+      <a:dk1>
+        <a:srgbClr val="000000"/>
+      </a:dk1>
+      <a:lt1>
+        <a:srgbClr val="FFFFFF"/>
+      </a:lt1>
+      <a:dk2>
+        <a:srgbClr val="595959"/>
+      </a:dk2>
+      <a:lt2>
+        <a:srgbClr val="EEEEEE"/>
+      </a:lt2>
+      <a:accent1>
+        <a:srgbClr val="4285F4"/>
+      </a:accent1>
+      <a:accent2>
+        <a:srgbClr val="212121"/>
+      </a:accent2>
+      <a:accent3>
+        <a:srgbClr val="78909C"/>
+      </a:accent3>
+      <a:accent4>
+        <a:srgbClr val="FFAB40"/>
+      </a:accent4>
+      <a:accent5>
+        <a:srgbClr val="0097A7"/>
+      </a:accent5>
+      <a:accent6>
+        <a:srgbClr val="EEFF41"/>
+      </a:accent6>
+      <a:hlink>
+        <a:srgbClr val="0097A7"/>
+      </a:hlink>
+      <a:folHlink>
+        <a:srgbClr val="0097A7"/>
+      </a:folHlink>
+    </a:clrScheme>
+    <a:fontScheme name="Office">
+      <a:majorFont>
+        <a:latin typeface="Arial"/>
+        <a:ea typeface=""/>
+        <a:cs typeface=""/>
+        <a:font script="Jpan" typeface="ＭＳ Ｐゴシック"/>
+        <a:font script="Hang" typeface="맑은 고딕"/>
+        <a:font script="Hans" typeface="宋体"/>
+        <a:font script="Hant" typeface="新細明體"/>
+        <a:font script="Arab" typeface="Times New Roman"/>
+        <a:font script="Hebr" typeface="Times New Roman"/>
+        <a:font script="Thai" typeface="Angsana New"/>
+        <a:font script="Ethi" typeface="Nyala"/>
+        <a:font script="Beng" typeface="Vrinda"/>
+        <a:font script="Gujr" typeface="Shruti"/>
+        <a:font script="Khmr" typeface="MoolBoran"/>
+        <a:font script="Knda" typeface="Tunga"/>
+        <a:font script="Guru" typeface="Raavi"/>
+        <a:font script="Cans" typeface="Euphemia"/>
+        <a:font script="Cher" typeface="Plantagenet Cherokee"/>
+        <a:font script="Yiii" typeface="Microsoft Yi Baiti"/>
+        <a:font script="Tibt" typeface="Microsoft Himalaya"/>
+        <a:font script="Thaa" typeface="MV Boli"/>
+        <a:font script="Deva" typeface="Mangal"/>
+        <a:font script="Telu" typeface="Gautami"/>
+        <a:font script="Taml" typeface="Latha"/>
+        <a:font script="Syrc" typeface="Estrangelo Edessa"/>
+        <a:font script="Orya" typeface="Kalinga"/>
+        <a:font script="Mlym" typeface="Kartika"/>
+        <a:font script="Laoo" typeface="DokChampa"/>
+        <a:font script="Sinh" typeface="Iskoola Pota"/>
+        <a:font script="Mong" typeface="Mongolian Baiti"/>
+        <a:font script="Viet" typeface="Times New Roman"/>
+        <a:font script="Uigh" typeface="Microsoft Uighur"/>
+        <a:font script="Geor" typeface="Sylfaen"/>
+      </a:majorFont>
+      <a:minorFont>
+        <a:latin typeface="Arial"/>
+        <a:ea typeface=""/>
+        <a:cs typeface=""/>
+        <a:font script="Jpan" typeface="ＭＳ Ｐゴシック"/>
+        <a:font script="Hang" typeface="맑은 고딕"/>
+        <a:font script="Hans" typeface="宋体"/>
+        <a:font script="Hant" typeface="新細明體"/>
+        <a:font script="Arab" typeface="Arial"/>
+        <a:font script="Hebr" typeface="Arial"/>
+        <a:font script="Thai" typeface="Cordia New"/>
+        <a:font script="Ethi" typeface="Nyala"/>
+        <a:font script="Beng" typeface="Vrinda"/>
+        <a:font script="Gujr" typeface="Shruti"/>
+        <a:font script="Khmr" typeface="DaunPenh"/>
+        <a:font script="Knda" typeface="Tunga"/>
+        <a:font script="Guru" typeface="Raavi"/>
+        <a:font script="Cans" typeface="Euphemia"/>
+        <a:font script="Cher" typeface="Plantagenet Cherokee"/>
+        <a:font script="Yiii" typeface="Microsoft Yi Baiti"/>
+        <a:font script="Tibt" typeface="Microsoft Himalaya"/>
+        <a:font script="Thaa" typeface="MV Boli"/>
+        <a:font script="Deva" typeface="Mangal"/>
+        <a:font script="Telu" typeface="Gautami"/>
+        <a:font script="Taml" typeface="Latha"/>
+        <a:font script="Syrc" typeface="Estrangelo Edessa"/>
+        <a:font script="Orya" typeface="Kalinga"/>
+        <a:font script="Mlym" typeface="Kartika"/>
+        <a:font script="Laoo" typeface="DokChampa"/>
+        <a:font script="Sinh" typeface="Iskoola Pota"/>
+        <a:font script="Mong" typeface="Mongolian Baiti"/>
+        <a:font script="Viet" typeface="Arial"/>
+        <a:font script="Uigh" typeface="Microsoft Uighur"/>
+        <a:font script="Geor" typeface="Sylfaen"/>
+      </a:minorFont>
+    </a:fontScheme>
+    <a:fmtScheme name="Office">
+      <a:fillStyleLst>
+        <a:solidFill>
+          <a:schemeClr val="phClr"/>
+        </a:solidFill>
+        <a:gradFill rotWithShape="1">
+          <a:gsLst>
+            <a:gs pos="0">
+              <a:schemeClr val="phClr">
+                <a:tint val="50000"/>
+                <a:satMod val="300000"/>
+              </a:schemeClr>
+            </a:gs>
+            <a:gs pos="35000">
+              <a:schemeClr val="phClr">
+                <a:tint val="37000"/>
+                <a:satMod val="300000"/>
+              </a:schemeClr>
+            </a:gs>
+            <a:gs pos="100000">
+              <a:schemeClr val="phClr">
+                <a:tint val="15000"/>
+                <a:satMod val="350000"/>
+              </a:schemeClr>
+            </a:gs>
+          </a:gsLst>
+          <a:lin ang="16200000" scaled="1"/>
+        </a:gradFill>
+        <a:gradFill rotWithShape="1">
+          <a:gsLst>
+            <a:gs pos="0">
+              <a:schemeClr val="phClr">
+                <a:tint val="100000"/>
+                <a:shade val="100000"/>
+                <a:satMod val="130000"/>
+              </a:schemeClr>
+            </a:gs>
+            <a:gs pos="100000">
+              <a:schemeClr val="phClr">
+                <a:tint val="50000"/>
+                <a:shade val="100000"/>
+                <a:satMod val="350000"/>
+              </a:schemeClr>
+            </a:gs>
+          </a:gsLst>
+          <a:lin ang="16200000" scaled="0"/>
+        </a:gradFill>
+      </a:fillStyleLst>
+      <a:lnStyleLst>
+        <a:ln w="9525" cap="flat" cmpd="sng" algn="ctr">
+          <a:solidFill>
+            <a:schemeClr val="phClr">
+              <a:shade val="95000"/>
+              <a:satMod val="105000"/>
+            </a:schemeClr>
+          </a:solidFill>
+          <a:prstDash val="solid"/>
+        </a:ln>
+        <a:ln w="25400" cap="flat" cmpd="sng" algn="ctr">
+          <a:solidFill>
+            <a:schemeClr val="phClr"/>
+          </a:solidFill>
+          <a:prstDash val="solid"/>
+        </a:ln>
+        <a:ln w="38100" cap="flat" cmpd="sng" algn="ctr">
+          <a:solidFill>
+            <a:schemeClr val="phClr"/>
+          </a:solidFill>
+          <a:prstDash val="solid"/>
+        </a:ln>
+      </a:lnStyleLst>
+      <a:effectStyleLst>
+        <a:effectStyle>
+          <a:effectLst>
+            <a:outerShdw blurRad="40000" dist="20000" dir="5400000" rotWithShape="0">
+              <a:srgbClr val="000000">
+                <a:alpha val="38000"/>
+              </a:srgbClr>
+            </a:outerShdw>
+          </a:effectLst>
+        </a:effectStyle>
+        <a:effectStyle>
+          <a:effectLst>
+            <a:outerShdw blurRad="40000" dist="23000" dir="5400000" rotWithShape="0">
+              <a:srgbClr val="000000">
+                <a:alpha val="35000"/>
+              </a:srgbClr>
+            </a:outerShdw>
+          </a:effectLst>
+        </a:effectStyle>
+        <a:effectStyle>
+          <a:effectLst>
+            <a:outerShdw blurRad="40000" dist="23000" dir="5400000" rotWithShape="0">
+              <a:srgbClr val="000000">
+                <a:alpha val="35000"/>
+              </a:srgbClr>
+            </a:outerShdw>
+          </a:effectLst>
+          <a:scene3d>
+            <a:camera prst="orthographicFront">
+              <a:rot lat="0" lon="0" rev="0"/>
+            </a:camera>
+            <a:lightRig rig="threePt" dir="t">
+              <a:rot lat="0" lon="0" rev="1200000"/>
+            </a:lightRig>
+          </a:scene3d>
+          <a:sp3d>
+            <a:bevelT w="63500" h="25400"/>
+          </a:sp3d>
+        </a:effectStyle>
+      </a:effectStyleLst>
+      <a:bgFillStyleLst>
+        <a:solidFill>
+          <a:schemeClr val="phClr"/>
+        </a:solidFill>
+        <a:gradFill rotWithShape="1">
+          <a:gsLst>
+            <a:gs pos="0">
+              <a:schemeClr val="phClr">
+                <a:tint val="40000"/>
+                <a:satMod val="350000"/>
+              </a:schemeClr>
+            </a:gs>
+            <a:gs pos="40000">
+              <a:schemeClr val="phClr">
+                <a:tint val="45000"/>
+                <a:shade val="99000"/>
+                <a:satMod val="350000"/>
+              </a:schemeClr>
+            </a:gs>
+            <a:gs pos="100000">
+              <a:schemeClr val="phClr">
+                <a:shade val="20000"/>
+                <a:satMod val="255000"/>
+              </a:schemeClr>
+            </a:gs>
+          </a:gsLst>
+          <a:path path="circle">
+            <a:fillToRect l="50000" t="-80000" r="50000" b="180000"/>
+          </a:path>
+        </a:gradFill>
+        <a:gradFill rotWithShape="1">
+          <a:gsLst>
+            <a:gs pos="0">
+              <a:schemeClr val="phClr">
+                <a:tint val="80000"/>
+                <a:satMod val="300000"/>
+              </a:schemeClr>
+            </a:gs>
+            <a:gs pos="100000">
+              <a:schemeClr val="phClr">
+                <a:shade val="30000"/>
+                <a:satMod val="200000"/>
+              </a:schemeClr>
+            </a:gs>
+          </a:gsLst>
+          <a:path path="circle">
+            <a:fillToRect l="50000" t="50000" r="50000" b="50000"/>
+          </a:path>
+        </a:gradFill>
+      </a:bgFillStyleLst>
+    </a:fmtScheme>
+  </a:themeElements>
+</a:theme>
+</file>
+
+<file path=ppt/theme/theme2.xml><?xml version="1.0" encoding="utf-8"?>
 <a:theme xmlns:a="http://schemas.openxmlformats.org/drawingml/2006/main" xmlns:r="http://schemas.openxmlformats.org/officeDocument/2006/relationships">
   <a:themeElements>
     <a:clrScheme name="Default">
@@ -28665,283 +28956,4 @@
     </a:fmtScheme>
   </a:themeElements>
 </a:theme>
-</file>
-
-<file path=ppt/theme/theme2.xml><?xml version="1.0" encoding="utf-8"?>
-<a:theme xmlns:a="http://schemas.openxmlformats.org/drawingml/2006/main" xmlns:r="http://schemas.openxmlformats.org/officeDocument/2006/relationships" name="Simple Light">
-  <a:themeElements>
-    <a:clrScheme name="Simple Light">
-      <a:dk1>
-        <a:srgbClr val="000000"/>
-      </a:dk1>
-      <a:lt1>
-        <a:srgbClr val="FFFFFF"/>
-      </a:lt1>
-      <a:dk2>
-        <a:srgbClr val="595959"/>
-      </a:dk2>
-      <a:lt2>
-        <a:srgbClr val="EEEEEE"/>
-      </a:lt2>
-      <a:accent1>
-        <a:srgbClr val="4285F4"/>
-      </a:accent1>
-      <a:accent2>
-        <a:srgbClr val="212121"/>
-      </a:accent2>
-      <a:accent3>
-        <a:srgbClr val="78909C"/>
-      </a:accent3>
-      <a:accent4>
-        <a:srgbClr val="FFAB40"/>
-      </a:accent4>
-      <a:accent5>
-        <a:srgbClr val="0097A7"/>
-      </a:accent5>
-      <a:accent6>
-        <a:srgbClr val="EEFF41"/>
-      </a:accent6>
-      <a:hlink>
-        <a:srgbClr val="0097A7"/>
-      </a:hlink>
-      <a:folHlink>
-        <a:srgbClr val="0097A7"/>
-      </a:folHlink>
-    </a:clrScheme>
-    <a:fontScheme name="Office">
-      <a:majorFont>
-        <a:latin typeface="Arial"/>
-        <a:ea typeface=""/>
-        <a:cs typeface=""/>
-        <a:font script="Jpan" typeface="ＭＳ Ｐゴシック"/>
-        <a:font script="Hang" typeface="맑은 고딕"/>
-        <a:font script="Hans" typeface="宋体"/>
-        <a:font script="Hant" typeface="新細明體"/>
-        <a:font script="Arab" typeface="Times New Roman"/>
-        <a:font script="Hebr" typeface="Times New Roman"/>
-        <a:font script="Thai" typeface="Angsana New"/>
-        <a:font script="Ethi" typeface="Nyala"/>
-        <a:font script="Beng" typeface="Vrinda"/>
-        <a:font script="Gujr" typeface="Shruti"/>
-        <a:font script="Khmr" typeface="MoolBoran"/>
-        <a:font script="Knda" typeface="Tunga"/>
-        <a:font script="Guru" typeface="Raavi"/>
-        <a:font script="Cans" typeface="Euphemia"/>
-        <a:font script="Cher" typeface="Plantagenet Cherokee"/>
-        <a:font script="Yiii" typeface="Microsoft Yi Baiti"/>
-        <a:font script="Tibt" typeface="Microsoft Himalaya"/>
-        <a:font script="Thaa" typeface="MV Boli"/>
-        <a:font script="Deva" typeface="Mangal"/>
-        <a:font script="Telu" typeface="Gautami"/>
-        <a:font script="Taml" typeface="Latha"/>
-        <a:font script="Syrc" typeface="Estrangelo Edessa"/>
-        <a:font script="Orya" typeface="Kalinga"/>
-        <a:font script="Mlym" typeface="Kartika"/>
-        <a:font script="Laoo" typeface="DokChampa"/>
-        <a:font script="Sinh" typeface="Iskoola Pota"/>
-        <a:font script="Mong" typeface="Mongolian Baiti"/>
-        <a:font script="Viet" typeface="Times New Roman"/>
-        <a:font script="Uigh" typeface="Microsoft Uighur"/>
-        <a:font script="Geor" typeface="Sylfaen"/>
-      </a:majorFont>
-      <a:minorFont>
-        <a:latin typeface="Arial"/>
-        <a:ea typeface=""/>
-        <a:cs typeface=""/>
-        <a:font script="Jpan" typeface="ＭＳ Ｐゴシック"/>
-        <a:font script="Hang" typeface="맑은 고딕"/>
-        <a:font script="Hans" typeface="宋体"/>
-        <a:font script="Hant" typeface="新細明體"/>
-        <a:font script="Arab" typeface="Arial"/>
-        <a:font script="Hebr" typeface="Arial"/>
-        <a:font script="Thai" typeface="Cordia New"/>
-        <a:font script="Ethi" typeface="Nyala"/>
-        <a:font script="Beng" typeface="Vrinda"/>
-        <a:font script="Gujr" typeface="Shruti"/>
-        <a:font script="Khmr" typeface="DaunPenh"/>
-        <a:font script="Knda" typeface="Tunga"/>
-        <a:font script="Guru" typeface="Raavi"/>
-        <a:font script="Cans" typeface="Euphemia"/>
-        <a:font script="Cher" typeface="Plantagenet Cherokee"/>
-        <a:font script="Yiii" typeface="Microsoft Yi Baiti"/>
-        <a:font script="Tibt" typeface="Microsoft Himalaya"/>
-        <a:font script="Thaa" typeface="MV Boli"/>
-        <a:font script="Deva" typeface="Mangal"/>
-        <a:font script="Telu" typeface="Gautami"/>
-        <a:font script="Taml" typeface="Latha"/>
-        <a:font script="Syrc" typeface="Estrangelo Edessa"/>
-        <a:font script="Orya" typeface="Kalinga"/>
-        <a:font script="Mlym" typeface="Kartika"/>
-        <a:font script="Laoo" typeface="DokChampa"/>
-        <a:font script="Sinh" typeface="Iskoola Pota"/>
-        <a:font script="Mong" typeface="Mongolian Baiti"/>
-        <a:font script="Viet" typeface="Arial"/>
-        <a:font script="Uigh" typeface="Microsoft Uighur"/>
-        <a:font script="Geor" typeface="Sylfaen"/>
-      </a:minorFont>
-    </a:fontScheme>
-    <a:fmtScheme name="Office">
-      <a:fillStyleLst>
-        <a:solidFill>
-          <a:schemeClr val="phClr"/>
-        </a:solidFill>
-        <a:gradFill rotWithShape="1">
-          <a:gsLst>
-            <a:gs pos="0">
-              <a:schemeClr val="phClr">
-                <a:tint val="50000"/>
-                <a:satMod val="300000"/>
-              </a:schemeClr>
-            </a:gs>
-            <a:gs pos="35000">
-              <a:schemeClr val="phClr">
-                <a:tint val="37000"/>
-                <a:satMod val="300000"/>
-              </a:schemeClr>
-            </a:gs>
-            <a:gs pos="100000">
-              <a:schemeClr val="phClr">
-                <a:tint val="15000"/>
-                <a:satMod val="350000"/>
-              </a:schemeClr>
-            </a:gs>
-          </a:gsLst>
-          <a:lin ang="16200000" scaled="1"/>
-        </a:gradFill>
-        <a:gradFill rotWithShape="1">
-          <a:gsLst>
-            <a:gs pos="0">
-              <a:schemeClr val="phClr">
-                <a:tint val="100000"/>
-                <a:shade val="100000"/>
-                <a:satMod val="130000"/>
-              </a:schemeClr>
-            </a:gs>
-            <a:gs pos="100000">
-              <a:schemeClr val="phClr">
-                <a:tint val="50000"/>
-                <a:shade val="100000"/>
-                <a:satMod val="350000"/>
-              </a:schemeClr>
-            </a:gs>
-          </a:gsLst>
-          <a:lin ang="16200000" scaled="0"/>
-        </a:gradFill>
-      </a:fillStyleLst>
-      <a:lnStyleLst>
-        <a:ln w="9525" cap="flat" cmpd="sng" algn="ctr">
-          <a:solidFill>
-            <a:schemeClr val="phClr">
-              <a:shade val="95000"/>
-              <a:satMod val="105000"/>
-            </a:schemeClr>
-          </a:solidFill>
-          <a:prstDash val="solid"/>
-        </a:ln>
-        <a:ln w="25400" cap="flat" cmpd="sng" algn="ctr">
-          <a:solidFill>
-            <a:schemeClr val="phClr"/>
-          </a:solidFill>
-          <a:prstDash val="solid"/>
-        </a:ln>
-        <a:ln w="38100" cap="flat" cmpd="sng" algn="ctr">
-          <a:solidFill>
-            <a:schemeClr val="phClr"/>
-          </a:solidFill>
-          <a:prstDash val="solid"/>
-        </a:ln>
-      </a:lnStyleLst>
-      <a:effectStyleLst>
-        <a:effectStyle>
-          <a:effectLst>
-            <a:outerShdw blurRad="40000" dist="20000" dir="5400000" rotWithShape="0">
-              <a:srgbClr val="000000">
-                <a:alpha val="38000"/>
-              </a:srgbClr>
-            </a:outerShdw>
-          </a:effectLst>
-        </a:effectStyle>
-        <a:effectStyle>
-          <a:effectLst>
-            <a:outerShdw blurRad="40000" dist="23000" dir="5400000" rotWithShape="0">
-              <a:srgbClr val="000000">
-                <a:alpha val="35000"/>
-              </a:srgbClr>
-            </a:outerShdw>
-          </a:effectLst>
-        </a:effectStyle>
-        <a:effectStyle>
-          <a:effectLst>
-            <a:outerShdw blurRad="40000" dist="23000" dir="5400000" rotWithShape="0">
-              <a:srgbClr val="000000">
-                <a:alpha val="35000"/>
-              </a:srgbClr>
-            </a:outerShdw>
-          </a:effectLst>
-          <a:scene3d>
-            <a:camera prst="orthographicFront">
-              <a:rot lat="0" lon="0" rev="0"/>
-            </a:camera>
-            <a:lightRig rig="threePt" dir="t">
-              <a:rot lat="0" lon="0" rev="1200000"/>
-            </a:lightRig>
-          </a:scene3d>
-          <a:sp3d>
-            <a:bevelT w="63500" h="25400"/>
-          </a:sp3d>
-        </a:effectStyle>
-      </a:effectStyleLst>
-      <a:bgFillStyleLst>
-        <a:solidFill>
-          <a:schemeClr val="phClr"/>
-        </a:solidFill>
-        <a:gradFill rotWithShape="1">
-          <a:gsLst>
-            <a:gs pos="0">
-              <a:schemeClr val="phClr">
-                <a:tint val="40000"/>
-                <a:satMod val="350000"/>
-              </a:schemeClr>
-            </a:gs>
-            <a:gs pos="40000">
-              <a:schemeClr val="phClr">
-                <a:tint val="45000"/>
-                <a:shade val="99000"/>
-                <a:satMod val="350000"/>
-              </a:schemeClr>
-            </a:gs>
-            <a:gs pos="100000">
-              <a:schemeClr val="phClr">
-                <a:shade val="20000"/>
-                <a:satMod val="255000"/>
-              </a:schemeClr>
-            </a:gs>
-          </a:gsLst>
-          <a:path path="circle">
-            <a:fillToRect l="50000" t="-80000" r="50000" b="180000"/>
-          </a:path>
-        </a:gradFill>
-        <a:gradFill rotWithShape="1">
-          <a:gsLst>
-            <a:gs pos="0">
-              <a:schemeClr val="phClr">
-                <a:tint val="80000"/>
-                <a:satMod val="300000"/>
-              </a:schemeClr>
-            </a:gs>
-            <a:gs pos="100000">
-              <a:schemeClr val="phClr">
-                <a:shade val="30000"/>
-                <a:satMod val="200000"/>
-              </a:schemeClr>
-            </a:gs>
-          </a:gsLst>
-          <a:path path="circle">
-            <a:fillToRect l="50000" t="50000" r="50000" b="50000"/>
-          </a:path>
-        </a:gradFill>
-      </a:bgFillStyleLst>
-    </a:fmtScheme>
-  </a:themeElements>
-</a:theme>
 </file>
--- a/presentation/presentation.pptx
+++ b/presentation/presentation.pptx
@@ -312,7 +312,7 @@
       </p15:sldGuideLst>
     </p:ext>
     <p:ext uri="GoogleSlidesCustomDataVersion2">
-      <go:slidesCustomData xmlns:go="http://customooxmlschemas.google.com/" r:id="rId54" roundtripDataSignature="AMtx7mjqTjnXvBxzfUJIfmgu5rxlDanqEg=="/>
+      <go:slidesCustomData xmlns:go="http://customooxmlschemas.google.com/" r:id="rId54" roundtripDataSignature="AMtx7mgp3wc2OFOsSovYI1cFcgYG0h9Y+A=="/>
     </p:ext>
   </p:extLst>
 </p:presentation>
@@ -1093,7 +1093,7 @@
           </a:bodyPr>
           <a:lstStyle/>
           <a:p>
-            <a:pPr indent="-298450" lvl="0" marL="457200" rtl="0" algn="l">
+            <a:pPr indent="-323850" lvl="0" marL="457200" rtl="0" algn="l">
               <a:lnSpc>
                 <a:spcPct val="100000"/>
               </a:lnSpc>
@@ -1103,14 +1103,14 @@
               <a:spcAft>
                 <a:spcPts val="0"/>
               </a:spcAft>
-              <a:buSzPts val="1100"/>
+              <a:buSzPts val="1500"/>
               <a:buChar char="●"/>
             </a:pPr>
             <a:r>
-              <a:rPr lang="en"/>
+              <a:rPr lang="en" sz="1500"/>
               <a:t>The features taken under consideration were divided into several categories, from those that describe the price characteristics to those that goes into more detail about Bitcoin's blockchain</a:t>
             </a:r>
-            <a:endParaRPr/>
+            <a:endParaRPr sz="1500"/>
           </a:p>
         </p:txBody>
       </p:sp>
@@ -1211,7 +1211,7 @@
           </a:bodyPr>
           <a:lstStyle/>
           <a:p>
-            <a:pPr indent="-298450" lvl="0" marL="457200" rtl="0" algn="l">
+            <a:pPr indent="-323850" lvl="0" marL="457200" rtl="0" algn="l">
               <a:lnSpc>
                 <a:spcPct val="115000"/>
               </a:lnSpc>
@@ -1224,17 +1224,17 @@
               <a:buClr>
                 <a:schemeClr val="dk1"/>
               </a:buClr>
-              <a:buSzPts val="1100"/>
+              <a:buSzPts val="1500"/>
               <a:buChar char="●"/>
             </a:pPr>
             <a:r>
-              <a:rPr lang="en"/>
+              <a:rPr lang="en" sz="1500"/>
               <a:t>The project is structured in this way</a:t>
             </a:r>
-            <a:endParaRPr/>
-          </a:p>
-          <a:p>
-            <a:pPr indent="-298450" lvl="0" marL="457200" rtl="0" algn="l">
+            <a:endParaRPr sz="1500"/>
+          </a:p>
+          <a:p>
+            <a:pPr indent="-323850" lvl="0" marL="457200" rtl="0" algn="l">
               <a:lnSpc>
                 <a:spcPct val="115000"/>
               </a:lnSpc>
@@ -1247,17 +1247,17 @@
               <a:buClr>
                 <a:schemeClr val="dk1"/>
               </a:buClr>
-              <a:buSzPts val="1100"/>
+              <a:buSzPts val="1500"/>
               <a:buChar char="●"/>
             </a:pPr>
             <a:r>
-              <a:rPr lang="en"/>
+              <a:rPr lang="en" sz="1500"/>
               <a:t>First, I retrieved all the data and processed them in order to decide how to use the features</a:t>
             </a:r>
-            <a:endParaRPr/>
-          </a:p>
-          <a:p>
-            <a:pPr indent="-298450" lvl="0" marL="457200" rtl="0" algn="l">
+            <a:endParaRPr sz="1500"/>
+          </a:p>
+          <a:p>
+            <a:pPr indent="-323850" lvl="0" marL="457200" rtl="0" algn="l">
               <a:lnSpc>
                 <a:spcPct val="115000"/>
               </a:lnSpc>
@@ -1270,17 +1270,17 @@
               <a:buClr>
                 <a:schemeClr val="dk1"/>
               </a:buClr>
-              <a:buSzPts val="1100"/>
+              <a:buSzPts val="1500"/>
               <a:buChar char="●"/>
             </a:pPr>
             <a:r>
-              <a:rPr lang="en"/>
+              <a:rPr lang="en" sz="1500"/>
               <a:t>Then different models are trained using different methods of splitting the dataset, which we will see later</a:t>
             </a:r>
-            <a:endParaRPr/>
-          </a:p>
-          <a:p>
-            <a:pPr indent="-298450" lvl="0" marL="457200" rtl="0" algn="l">
+            <a:endParaRPr sz="1500"/>
+          </a:p>
+          <a:p>
+            <a:pPr indent="-323850" lvl="0" marL="457200" rtl="0" algn="l">
               <a:lnSpc>
                 <a:spcPct val="115000"/>
               </a:lnSpc>
@@ -1293,17 +1293,17 @@
               <a:buClr>
                 <a:schemeClr val="dk1"/>
               </a:buClr>
-              <a:buSzPts val="1100"/>
+              <a:buSzPts val="1500"/>
               <a:buChar char="●"/>
             </a:pPr>
             <a:r>
-              <a:rPr lang="en"/>
+              <a:rPr lang="en" sz="1500"/>
               <a:t>And then the final results are collected and conclusions are drawn</a:t>
             </a:r>
-            <a:endParaRPr/>
-          </a:p>
-          <a:p>
-            <a:pPr indent="-298450" lvl="0" marL="457200" rtl="0" algn="l">
+            <a:endParaRPr sz="1500"/>
+          </a:p>
+          <a:p>
+            <a:pPr indent="-323850" lvl="0" marL="457200" rtl="0" algn="l">
               <a:lnSpc>
                 <a:spcPct val="115000"/>
               </a:lnSpc>
@@ -1316,14 +1316,14 @@
               <a:buClr>
                 <a:schemeClr val="dk1"/>
               </a:buClr>
-              <a:buSzPts val="1100"/>
+              <a:buSzPts val="1500"/>
               <a:buChar char="●"/>
             </a:pPr>
             <a:r>
-              <a:rPr lang="en"/>
+              <a:rPr lang="en" sz="1500"/>
               <a:t>The project was carried out with Apache Spark but during some phases I converted the Spark dataframe to a Pandas one to make some plots</a:t>
             </a:r>
-            <a:endParaRPr/>
+            <a:endParaRPr sz="1500"/>
           </a:p>
         </p:txBody>
       </p:sp>
@@ -1424,7 +1424,7 @@
           </a:bodyPr>
           <a:lstStyle/>
           <a:p>
-            <a:pPr indent="-298450" lvl="0" marL="457200" rtl="0" algn="l">
+            <a:pPr indent="-323850" lvl="0" marL="457200" rtl="0" algn="l">
               <a:lnSpc>
                 <a:spcPct val="115000"/>
               </a:lnSpc>
@@ -1437,17 +1437,17 @@
               <a:buClr>
                 <a:schemeClr val="dk1"/>
               </a:buClr>
-              <a:buSzPts val="1100"/>
+              <a:buSzPts val="1500"/>
               <a:buChar char="●"/>
             </a:pPr>
             <a:r>
-              <a:rPr lang="en"/>
+              <a:rPr lang="en" sz="1500"/>
               <a:t>Starting from the first phase, after obtaining all the data, other features were added</a:t>
             </a:r>
-            <a:endParaRPr/>
-          </a:p>
-          <a:p>
-            <a:pPr indent="-298450" lvl="0" marL="457200" rtl="0" algn="l">
+            <a:endParaRPr sz="1500"/>
+          </a:p>
+          <a:p>
+            <a:pPr indent="-323850" lvl="0" marL="457200" rtl="0" algn="l">
               <a:lnSpc>
                 <a:spcPct val="115000"/>
               </a:lnSpc>
@@ -1460,17 +1460,17 @@
               <a:buClr>
                 <a:schemeClr val="dk1"/>
               </a:buClr>
-              <a:buSzPts val="1100"/>
+              <a:buSzPts val="1500"/>
               <a:buChar char="●"/>
             </a:pPr>
             <a:r>
-              <a:rPr lang="en"/>
+              <a:rPr lang="en" sz="1500"/>
               <a:t>Such as next-market-price that represents the price of Bitcoin for the next 15 minutes, on which predictions will be made</a:t>
             </a:r>
-            <a:endParaRPr/>
-          </a:p>
-          <a:p>
-            <a:pPr indent="-298450" lvl="0" marL="457200" rtl="0" algn="l">
+            <a:endParaRPr sz="1500"/>
+          </a:p>
+          <a:p>
+            <a:pPr indent="-323850" lvl="0" marL="457200" rtl="0" algn="l">
               <a:lnSpc>
                 <a:spcPct val="115000"/>
               </a:lnSpc>
@@ -1483,14 +1483,14 @@
               <a:buClr>
                 <a:schemeClr val="dk1"/>
               </a:buClr>
-              <a:buSzPts val="1100"/>
+              <a:buSzPts val="1500"/>
               <a:buChar char="●"/>
             </a:pPr>
             <a:r>
-              <a:rPr lang="en"/>
+              <a:rPr lang="en" sz="1500"/>
               <a:t>And some simple moving averages indicators that calculate the average price over a specified number of days</a:t>
             </a:r>
-            <a:endParaRPr/>
+            <a:endParaRPr sz="1500"/>
           </a:p>
         </p:txBody>
       </p:sp>
@@ -1591,7 +1591,7 @@
           </a:bodyPr>
           <a:lstStyle/>
           <a:p>
-            <a:pPr indent="-298450" lvl="0" marL="457200" rtl="0" algn="l">
+            <a:pPr indent="-323850" lvl="0" marL="457200" rtl="0" algn="l">
               <a:lnSpc>
                 <a:spcPct val="115000"/>
               </a:lnSpc>
@@ -1604,17 +1604,17 @@
               <a:buClr>
                 <a:schemeClr val="dk1"/>
               </a:buClr>
-              <a:buSzPts val="1100"/>
+              <a:buSzPts val="1500"/>
               <a:buChar char="●"/>
             </a:pPr>
             <a:r>
-              <a:rPr lang="en"/>
+              <a:rPr lang="en" sz="1500"/>
               <a:t>Then all the features have been divided into three distinct groups</a:t>
             </a:r>
-            <a:endParaRPr/>
-          </a:p>
-          <a:p>
-            <a:pPr indent="-298450" lvl="0" marL="457200" rtl="0" algn="l">
+            <a:endParaRPr sz="1500"/>
+          </a:p>
+          <a:p>
+            <a:pPr indent="-323850" lvl="0" marL="457200" rtl="0" algn="l">
               <a:lnSpc>
                 <a:spcPct val="115000"/>
               </a:lnSpc>
@@ -1627,17 +1627,17 @@
               <a:buClr>
                 <a:schemeClr val="dk1"/>
               </a:buClr>
-              <a:buSzPts val="1100"/>
+              <a:buSzPts val="1500"/>
               <a:buChar char="●"/>
             </a:pPr>
             <a:r>
-              <a:rPr lang="en"/>
+              <a:rPr lang="en" sz="1500"/>
               <a:t>Base features that contains all the price related features</a:t>
             </a:r>
-            <a:endParaRPr/>
-          </a:p>
-          <a:p>
-            <a:pPr indent="-298450" lvl="0" marL="457200" rtl="0" algn="l">
+            <a:endParaRPr sz="1500"/>
+          </a:p>
+          <a:p>
+            <a:pPr indent="-323850" lvl="0" marL="457200" rtl="0" algn="l">
               <a:lnSpc>
                 <a:spcPct val="115000"/>
               </a:lnSpc>
@@ -1650,17 +1650,17 @@
               <a:buClr>
                 <a:schemeClr val="dk1"/>
               </a:buClr>
-              <a:buSzPts val="1100"/>
+              <a:buSzPts val="1500"/>
               <a:buChar char="●"/>
             </a:pPr>
             <a:r>
-              <a:rPr lang="en"/>
+              <a:rPr lang="en" sz="1500"/>
               <a:t>And those that contains the previous ones plus the additional blockchain features divided based on their correlation value with the price</a:t>
             </a:r>
-            <a:endParaRPr/>
-          </a:p>
-          <a:p>
-            <a:pPr indent="-298450" lvl="0" marL="457200" rtl="0" algn="l">
+            <a:endParaRPr sz="1500"/>
+          </a:p>
+          <a:p>
+            <a:pPr indent="-323850" lvl="0" marL="457200" rtl="0" algn="l">
               <a:lnSpc>
                 <a:spcPct val="115000"/>
               </a:lnSpc>
@@ -1673,14 +1673,14 @@
               <a:buClr>
                 <a:schemeClr val="dk1"/>
               </a:buClr>
-              <a:buSzPts val="1100"/>
+              <a:buSzPts val="1500"/>
               <a:buChar char="●"/>
             </a:pPr>
             <a:r>
-              <a:rPr lang="en"/>
+              <a:rPr lang="en" sz="1500"/>
               <a:t>If this value is greater than equal to 0.6 they will be considered most correlated, least correlated otherwise</a:t>
             </a:r>
-            <a:endParaRPr/>
+            <a:endParaRPr sz="1500"/>
           </a:p>
         </p:txBody>
       </p:sp>
@@ -1781,7 +1781,7 @@
           </a:bodyPr>
           <a:lstStyle/>
           <a:p>
-            <a:pPr indent="-298450" lvl="0" marL="457200" rtl="0" algn="l">
+            <a:pPr indent="-323850" lvl="0" marL="457200" rtl="0" algn="l">
               <a:lnSpc>
                 <a:spcPct val="115000"/>
               </a:lnSpc>
@@ -1794,17 +1794,17 @@
               <a:buClr>
                 <a:schemeClr val="dk1"/>
               </a:buClr>
-              <a:buSzPts val="1100"/>
+              <a:buSzPts val="1500"/>
               <a:buChar char="●"/>
             </a:pPr>
             <a:r>
-              <a:rPr lang="en"/>
+              <a:rPr lang="en" sz="1500"/>
               <a:t>Then the whole dataset will be splitted into two sets</a:t>
             </a:r>
-            <a:endParaRPr/>
-          </a:p>
-          <a:p>
-            <a:pPr indent="-298450" lvl="0" marL="457200" rtl="0" algn="l">
+            <a:endParaRPr sz="1500"/>
+          </a:p>
+          <a:p>
+            <a:pPr indent="-323850" lvl="0" marL="457200" rtl="0" algn="l">
               <a:lnSpc>
                 <a:spcPct val="115000"/>
               </a:lnSpc>
@@ -1817,17 +1817,17 @@
               <a:buClr>
                 <a:schemeClr val="dk1"/>
               </a:buClr>
-              <a:buSzPts val="1100"/>
+              <a:buSzPts val="1500"/>
               <a:buChar char="●"/>
             </a:pPr>
             <a:r>
-              <a:rPr lang="en"/>
+              <a:rPr lang="en" sz="1500"/>
               <a:t>A Train / Validation one that will be used to train the models and validate the performances</a:t>
             </a:r>
-            <a:endParaRPr/>
-          </a:p>
-          <a:p>
-            <a:pPr indent="-298450" lvl="0" marL="457200" rtl="0" algn="l">
+            <a:endParaRPr sz="1500"/>
+          </a:p>
+          <a:p>
+            <a:pPr indent="-323850" lvl="0" marL="457200" rtl="0" algn="l">
               <a:lnSpc>
                 <a:spcPct val="115000"/>
               </a:lnSpc>
@@ -1840,14 +1840,14 @@
               <a:buClr>
                 <a:schemeClr val="dk1"/>
               </a:buClr>
-              <a:buSzPts val="1100"/>
+              <a:buSzPts val="1500"/>
               <a:buChar char="●"/>
             </a:pPr>
             <a:r>
-              <a:rPr lang="en"/>
+              <a:rPr lang="en" sz="1500"/>
               <a:t>And a Test one that will be used to perform price prediction on never-before-seen data, in our case the last 3 months of the original dataset will be used</a:t>
             </a:r>
-            <a:endParaRPr/>
+            <a:endParaRPr sz="1500"/>
           </a:p>
         </p:txBody>
       </p:sp>
@@ -1948,7 +1948,7 @@
           </a:bodyPr>
           <a:lstStyle/>
           <a:p>
-            <a:pPr indent="-298450" lvl="0" marL="457200" rtl="0" algn="l">
+            <a:pPr indent="-323850" lvl="0" marL="457200" rtl="0" algn="l">
               <a:lnSpc>
                 <a:spcPct val="115000"/>
               </a:lnSpc>
@@ -1961,17 +1961,17 @@
               <a:buClr>
                 <a:schemeClr val="dk1"/>
               </a:buClr>
-              <a:buSzPts val="1100"/>
+              <a:buSzPts val="1500"/>
               <a:buChar char="●"/>
             </a:pPr>
             <a:r>
-              <a:rPr lang="en"/>
+              <a:rPr lang="en" sz="1500"/>
               <a:t>Three different splitting methods were used to train and validate the models in order to figure out which one works best for this task</a:t>
             </a:r>
-            <a:endParaRPr/>
-          </a:p>
-          <a:p>
-            <a:pPr indent="-298450" lvl="0" marL="457200" rtl="0" algn="l">
+            <a:endParaRPr sz="1500"/>
+          </a:p>
+          <a:p>
+            <a:pPr indent="-323850" lvl="0" marL="457200" rtl="0" algn="l">
               <a:lnSpc>
                 <a:spcPct val="115000"/>
               </a:lnSpc>
@@ -1984,17 +1984,17 @@
               <a:buClr>
                 <a:schemeClr val="dk1"/>
               </a:buClr>
-              <a:buSzPts val="1100"/>
+              <a:buSzPts val="1500"/>
               <a:buChar char="●"/>
             </a:pPr>
             <a:r>
-              <a:rPr lang="en"/>
+              <a:rPr lang="en" sz="1500"/>
               <a:t>Block splits involves dividing the time series into blocks of equal length</a:t>
             </a:r>
-            <a:endParaRPr/>
-          </a:p>
-          <a:p>
-            <a:pPr indent="-298450" lvl="0" marL="457200" rtl="0" algn="l">
+            <a:endParaRPr sz="1500"/>
+          </a:p>
+          <a:p>
+            <a:pPr indent="-323850" lvl="0" marL="457200" rtl="0" algn="l">
               <a:lnSpc>
                 <a:spcPct val="115000"/>
               </a:lnSpc>
@@ -2007,17 +2007,17 @@
               <a:buClr>
                 <a:schemeClr val="dk1"/>
               </a:buClr>
-              <a:buSzPts val="1100"/>
+              <a:buSzPts val="1500"/>
               <a:buChar char="●"/>
             </a:pPr>
             <a:r>
-              <a:rPr lang="en"/>
+              <a:rPr lang="en" sz="1500"/>
               <a:t>Walk forward splits involves using a sliding window approach to create the training and validation sets</a:t>
             </a:r>
-            <a:endParaRPr/>
-          </a:p>
-          <a:p>
-            <a:pPr indent="-298450" lvl="0" marL="457200" rtl="0" algn="l">
+            <a:endParaRPr sz="1500"/>
+          </a:p>
+          <a:p>
+            <a:pPr indent="-323850" lvl="0" marL="457200" rtl="0" algn="l">
               <a:lnSpc>
                 <a:spcPct val="115000"/>
               </a:lnSpc>
@@ -2030,14 +2030,14 @@
               <a:buClr>
                 <a:schemeClr val="dk1"/>
               </a:buClr>
-              <a:buSzPts val="1100"/>
+              <a:buSzPts val="1500"/>
               <a:buChar char="●"/>
             </a:pPr>
             <a:r>
-              <a:rPr lang="en"/>
+              <a:rPr lang="en" sz="1500"/>
               <a:t>Single time series split involves dividing the time series considering a narrow period of time with only one split</a:t>
             </a:r>
-            <a:endParaRPr/>
+            <a:endParaRPr sz="1500"/>
           </a:p>
         </p:txBody>
       </p:sp>
@@ -2138,7 +2138,7 @@
           </a:bodyPr>
           <a:lstStyle/>
           <a:p>
-            <a:pPr indent="-298450" lvl="0" marL="457200" rtl="0" algn="l">
+            <a:pPr indent="-323850" lvl="0" marL="457200" rtl="0" algn="l">
               <a:lnSpc>
                 <a:spcPct val="115000"/>
               </a:lnSpc>
@@ -2151,14 +2151,14 @@
               <a:buClr>
                 <a:schemeClr val="dk1"/>
               </a:buClr>
-              <a:buSzPts val="1100"/>
+              <a:buSzPts val="1500"/>
               <a:buChar char="●"/>
             </a:pPr>
             <a:r>
-              <a:rPr lang="en"/>
+              <a:rPr lang="en" sz="1500"/>
               <a:t>In the latter case I consider only 2 years instead of 4 as in the others, to best benefit from the trend in the short term</a:t>
             </a:r>
-            <a:endParaRPr/>
+            <a:endParaRPr sz="1500"/>
           </a:p>
         </p:txBody>
       </p:sp>
@@ -2259,7 +2259,7 @@
           </a:bodyPr>
           <a:lstStyle/>
           <a:p>
-            <a:pPr indent="-298450" lvl="0" marL="457200" rtl="0" algn="l">
+            <a:pPr indent="-323850" lvl="0" marL="457200" rtl="0" algn="l">
               <a:lnSpc>
                 <a:spcPct val="100000"/>
               </a:lnSpc>
@@ -2269,14 +2269,14 @@
               <a:spcAft>
                 <a:spcPts val="0"/>
               </a:spcAft>
-              <a:buSzPts val="1100"/>
+              <a:buSzPts val="1500"/>
               <a:buChar char="●"/>
             </a:pPr>
             <a:r>
-              <a:rPr lang="en"/>
+              <a:rPr lang="en" sz="1500"/>
               <a:t>Several types of regression algorithms between linear and tree-based will be tested to see their differences using the following types of metrics to obtain a complete picture of the performance</a:t>
             </a:r>
-            <a:endParaRPr/>
+            <a:endParaRPr sz="1500"/>
           </a:p>
         </p:txBody>
       </p:sp>
@@ -2377,7 +2377,7 @@
           </a:bodyPr>
           <a:lstStyle/>
           <a:p>
-            <a:pPr indent="-298450" lvl="0" marL="457200" rtl="0" algn="l">
+            <a:pPr indent="-323850" lvl="0" marL="457200" rtl="0" algn="l">
               <a:lnSpc>
                 <a:spcPct val="100000"/>
               </a:lnSpc>
@@ -2387,14 +2387,14 @@
               <a:spcAft>
                 <a:spcPts val="0"/>
               </a:spcAft>
-              <a:buSzPts val="1100"/>
+              <a:buSzPts val="1500"/>
               <a:buChar char="●"/>
             </a:pPr>
             <a:r>
-              <a:rPr lang="en"/>
-              <a:t>Since predicting the price accurately is very difficult, I tried to compute how good the models are at predicting whether the price will go up or down</a:t>
-            </a:r>
-            <a:endParaRPr/>
+              <a:rPr lang="en" sz="1500"/>
+              <a:t>Since predicting the price accurately is very difficult, I tried to quantify how good the models are at predicting whether the price will go up or down</a:t>
+            </a:r>
+            <a:endParaRPr sz="1500"/>
           </a:p>
         </p:txBody>
       </p:sp>
@@ -2495,7 +2495,7 @@
           </a:bodyPr>
           <a:lstStyle/>
           <a:p>
-            <a:pPr indent="-298450" lvl="0" marL="457200" rtl="0" algn="l">
+            <a:pPr indent="-323850" lvl="0" marL="457200" rtl="0" algn="l">
               <a:lnSpc>
                 <a:spcPct val="115000"/>
               </a:lnSpc>
@@ -2508,17 +2508,17 @@
               <a:buClr>
                 <a:schemeClr val="dk1"/>
               </a:buClr>
-              <a:buSzPts val="1100"/>
+              <a:buSzPts val="1500"/>
               <a:buChar char="●"/>
             </a:pPr>
             <a:r>
-              <a:rPr lang="en"/>
+              <a:rPr lang="en" sz="1500"/>
               <a:t>For each prediction, I am going to consider it correct if the actual price goes up or down and the predicted one follows that trend, wrong if vice versa</a:t>
             </a:r>
-            <a:endParaRPr/>
-          </a:p>
-          <a:p>
-            <a:pPr indent="-298450" lvl="0" marL="457200" rtl="0" algn="l">
+            <a:endParaRPr sz="1500"/>
+          </a:p>
+          <a:p>
+            <a:pPr indent="-323850" lvl="0" marL="457200" rtl="0" algn="l">
               <a:lnSpc>
                 <a:spcPct val="115000"/>
               </a:lnSpc>
@@ -2531,17 +2531,17 @@
               <a:buClr>
                 <a:schemeClr val="dk1"/>
               </a:buClr>
-              <a:buSzPts val="1100"/>
+              <a:buSzPts val="1500"/>
               <a:buChar char="●"/>
             </a:pPr>
             <a:r>
-              <a:rPr lang="en"/>
+              <a:rPr lang="en" sz="1500"/>
               <a:t>After that I count the number of correct predictions among all of them</a:t>
             </a:r>
-            <a:endParaRPr/>
-          </a:p>
-          <a:p>
-            <a:pPr indent="-298450" lvl="0" marL="457200" rtl="0" algn="l">
+            <a:endParaRPr sz="1500"/>
+          </a:p>
+          <a:p>
+            <a:pPr indent="-323850" lvl="0" marL="457200" rtl="0" algn="l">
               <a:lnSpc>
                 <a:spcPct val="115000"/>
               </a:lnSpc>
@@ -2554,14 +2554,14 @@
               <a:buClr>
                 <a:schemeClr val="dk1"/>
               </a:buClr>
-              <a:buSzPts val="1100"/>
+              <a:buSzPts val="1500"/>
               <a:buChar char="●"/>
             </a:pPr>
             <a:r>
-              <a:rPr lang="en"/>
+              <a:rPr lang="en" sz="1500"/>
               <a:t>And finally I compute the overall percentage of accuracy</a:t>
             </a:r>
-            <a:endParaRPr/>
+            <a:endParaRPr sz="1500"/>
           </a:p>
         </p:txBody>
       </p:sp>
@@ -2662,7 +2662,7 @@
           </a:bodyPr>
           <a:lstStyle/>
           <a:p>
-            <a:pPr indent="-298450" lvl="0" marL="457200" rtl="0" algn="l">
+            <a:pPr indent="-323850" lvl="0" marL="457200" rtl="0" algn="l">
               <a:lnSpc>
                 <a:spcPct val="100000"/>
               </a:lnSpc>
@@ -2672,14 +2672,14 @@
               <a:spcAft>
                 <a:spcPts val="0"/>
               </a:spcAft>
-              <a:buSzPts val="1100"/>
+              <a:buSzPts val="1500"/>
               <a:buChar char="●"/>
             </a:pPr>
             <a:r>
-              <a:rPr lang="en"/>
+              <a:rPr lang="en" sz="1500"/>
               <a:t>I will first introduce what bitcoin is and what is the aim of this project</a:t>
             </a:r>
-            <a:endParaRPr/>
+            <a:endParaRPr sz="1500"/>
           </a:p>
         </p:txBody>
       </p:sp>
@@ -2780,7 +2780,7 @@
           </a:bodyPr>
           <a:lstStyle/>
           <a:p>
-            <a:pPr indent="-298450" lvl="0" marL="457200" rtl="0" algn="l">
+            <a:pPr indent="-323850" lvl="0" marL="457200" rtl="0" algn="l">
               <a:lnSpc>
                 <a:spcPct val="115000"/>
               </a:lnSpc>
@@ -2793,21 +2793,21 @@
               <a:buClr>
                 <a:schemeClr val="dk1"/>
               </a:buClr>
-              <a:buSzPts val="1100"/>
+              <a:buSzPts val="1500"/>
               <a:buChar char="●"/>
             </a:pPr>
             <a:r>
-              <a:rPr lang="en"/>
+              <a:rPr lang="en" sz="1500"/>
               <a:t>T</a:t>
             </a:r>
             <a:r>
-              <a:rPr lang="en"/>
+              <a:rPr lang="en" sz="1500"/>
               <a:t>he train / validation pipeline is structured like this</a:t>
             </a:r>
-            <a:endParaRPr/>
-          </a:p>
-          <a:p>
-            <a:pPr indent="-298450" lvl="0" marL="457200" rtl="0" algn="l">
+            <a:endParaRPr sz="1500"/>
+          </a:p>
+          <a:p>
+            <a:pPr indent="-323850" lvl="0" marL="457200" rtl="0" algn="l">
               <a:lnSpc>
                 <a:spcPct val="115000"/>
               </a:lnSpc>
@@ -2820,25 +2820,25 @@
               <a:buClr>
                 <a:schemeClr val="dk1"/>
               </a:buClr>
-              <a:buSzPts val="1100"/>
+              <a:buSzPts val="1500"/>
               <a:buChar char="●"/>
             </a:pPr>
             <a:r>
-              <a:rPr lang="en"/>
+              <a:rPr lang="en" sz="1500"/>
               <a:t>First of all, I </a:t>
             </a:r>
             <a:r>
-              <a:rPr lang="en"/>
+              <a:rPr lang="en" sz="1500"/>
               <a:t>retrieve</a:t>
             </a:r>
             <a:r>
-              <a:rPr lang="en"/>
+              <a:rPr lang="en" sz="1500"/>
               <a:t> the data on how the default models behave with the three feature groups with or without normalization</a:t>
             </a:r>
-            <a:endParaRPr/>
-          </a:p>
-          <a:p>
-            <a:pPr indent="-298450" lvl="0" marL="457200" rtl="0" algn="l">
+            <a:endParaRPr sz="1500"/>
+          </a:p>
+          <a:p>
+            <a:pPr indent="-323850" lvl="0" marL="457200" rtl="0" algn="l">
               <a:lnSpc>
                 <a:spcPct val="115000"/>
               </a:lnSpc>
@@ -2851,14 +2851,14 @@
               <a:buClr>
                 <a:schemeClr val="dk1"/>
               </a:buClr>
-              <a:buSzPts val="1100"/>
+              <a:buSzPts val="1500"/>
               <a:buChar char="●"/>
             </a:pPr>
             <a:r>
-              <a:rPr lang="en"/>
+              <a:rPr lang="en" sz="1500"/>
               <a:t>Then the features that for each model gave the most satisfactory results are chosen and proceed with the next phase which is hyper parameter tuning</a:t>
             </a:r>
-            <a:endParaRPr/>
+            <a:endParaRPr sz="1500"/>
           </a:p>
         </p:txBody>
       </p:sp>
@@ -2959,7 +2959,7 @@
           </a:bodyPr>
           <a:lstStyle/>
           <a:p>
-            <a:pPr indent="-298450" lvl="0" marL="457200" rtl="0" algn="l">
+            <a:pPr indent="-323850" lvl="0" marL="457200" rtl="0" algn="l">
               <a:lnSpc>
                 <a:spcPct val="115000"/>
               </a:lnSpc>
@@ -2972,11 +2972,11 @@
               <a:buClr>
                 <a:schemeClr val="dk1"/>
               </a:buClr>
-              <a:buSzPts val="1100"/>
+              <a:buSzPts val="1500"/>
               <a:buChar char="●"/>
             </a:pPr>
             <a:r>
-              <a:rPr lang="en">
+              <a:rPr lang="en" sz="1500">
                 <a:solidFill>
                   <a:schemeClr val="dk1"/>
                 </a:solidFill>
@@ -2984,14 +2984,14 @@
               <a:t>Here I will</a:t>
             </a:r>
             <a:r>
-              <a:rPr lang="en">
+              <a:rPr lang="en" sz="1500">
                 <a:solidFill>
                   <a:schemeClr val="dk1"/>
                 </a:solidFill>
               </a:rPr>
               <a:t> find the best model’s parameters to use</a:t>
             </a:r>
-            <a:endParaRPr/>
+            <a:endParaRPr sz="1500"/>
           </a:p>
         </p:txBody>
       </p:sp>
@@ -3092,7 +3092,7 @@
           </a:bodyPr>
           <a:lstStyle/>
           <a:p>
-            <a:pPr indent="-298450" lvl="0" marL="457200" rtl="0" algn="l">
+            <a:pPr indent="-330200" lvl="0" marL="457200" rtl="0" algn="l">
               <a:lnSpc>
                 <a:spcPct val="115000"/>
               </a:lnSpc>
@@ -3105,14 +3105,14 @@
               <a:buClr>
                 <a:schemeClr val="dk1"/>
               </a:buClr>
-              <a:buSzPts val="1100"/>
+              <a:buSzPts val="1600"/>
               <a:buChar char="●"/>
             </a:pPr>
             <a:r>
-              <a:rPr lang="en"/>
+              <a:rPr lang="en" sz="1600"/>
               <a:t>Since during this stage will be used the Block split or Walk forward split method of the dataset I compute a score for each set of parameters chosen by each split, assigning weights based on their frequency of occurrence, split belonging and RMSE value</a:t>
             </a:r>
-            <a:endParaRPr/>
+            <a:endParaRPr sz="1600"/>
           </a:p>
         </p:txBody>
       </p:sp>
@@ -3213,7 +3213,7 @@
           </a:bodyPr>
           <a:lstStyle/>
           <a:p>
-            <a:pPr indent="-298450" lvl="0" marL="457200" rtl="0" algn="l">
+            <a:pPr indent="-323850" lvl="0" marL="457200" rtl="0" algn="l">
               <a:lnSpc>
                 <a:spcPct val="115000"/>
               </a:lnSpc>
@@ -3226,14 +3226,14 @@
               <a:buClr>
                 <a:schemeClr val="dk1"/>
               </a:buClr>
-              <a:buSzPts val="1100"/>
+              <a:buSzPts val="1500"/>
               <a:buChar char="●"/>
             </a:pPr>
             <a:r>
-              <a:rPr lang="en"/>
+              <a:rPr lang="en" sz="1500"/>
               <a:t>Then, the overall score will be calculated by putting together these weights for each set of parameters and the one with the best score will be the chosen one</a:t>
             </a:r>
-            <a:endParaRPr/>
+            <a:endParaRPr sz="1500"/>
           </a:p>
         </p:txBody>
       </p:sp>
@@ -3334,7 +3334,7 @@
           </a:bodyPr>
           <a:lstStyle/>
           <a:p>
-            <a:pPr indent="-298450" lvl="0" marL="457200" rtl="0" algn="l">
+            <a:pPr indent="-323850" lvl="0" marL="457200" rtl="0" algn="l">
               <a:lnSpc>
                 <a:spcPct val="115000"/>
               </a:lnSpc>
@@ -3347,17 +3347,17 @@
               <a:buClr>
                 <a:schemeClr val="dk1"/>
               </a:buClr>
-              <a:buSzPts val="1100"/>
+              <a:buSzPts val="1500"/>
               <a:buChar char="●"/>
             </a:pPr>
             <a:r>
-              <a:rPr lang="en"/>
+              <a:rPr lang="en" sz="1500"/>
               <a:t>After that, the performance of each model is validated by performing cross validation</a:t>
             </a:r>
-            <a:endParaRPr/>
-          </a:p>
-          <a:p>
-            <a:pPr indent="-298450" lvl="0" marL="457200" rtl="0" algn="l">
+            <a:endParaRPr sz="1500"/>
+          </a:p>
+          <a:p>
+            <a:pPr indent="-323850" lvl="0" marL="457200" rtl="0" algn="l">
               <a:lnSpc>
                 <a:spcPct val="115000"/>
               </a:lnSpc>
@@ -3370,14 +3370,14 @@
               <a:buClr>
                 <a:schemeClr val="dk1"/>
               </a:buClr>
-              <a:buSzPts val="1100"/>
+              <a:buSzPts val="1500"/>
               <a:buChar char="●"/>
             </a:pPr>
             <a:r>
-              <a:rPr lang="en"/>
+              <a:rPr lang="en" sz="1500"/>
               <a:t>And if the final results are satisfactory, the models will be trained on the whole train / validation set and saved in order to make predictions on the test set</a:t>
             </a:r>
-            <a:endParaRPr/>
+            <a:endParaRPr sz="1500"/>
           </a:p>
         </p:txBody>
       </p:sp>
@@ -3478,7 +3478,7 @@
           </a:bodyPr>
           <a:lstStyle/>
           <a:p>
-            <a:pPr indent="-298450" lvl="0" marL="457200" rtl="0" algn="l">
+            <a:pPr indent="-323850" lvl="0" marL="457200" rtl="0" algn="l">
               <a:lnSpc>
                 <a:spcPct val="115000"/>
               </a:lnSpc>
@@ -3491,21 +3491,21 @@
               <a:buClr>
                 <a:schemeClr val="dk1"/>
               </a:buClr>
-              <a:buSzPts val="1100"/>
+              <a:buSzPts val="1500"/>
               <a:buChar char="●"/>
             </a:pPr>
             <a:r>
-              <a:rPr lang="en"/>
+              <a:rPr lang="en" sz="1500"/>
               <a:t>During the </a:t>
             </a:r>
             <a:r>
-              <a:rPr lang="en"/>
+              <a:rPr lang="en" sz="1500"/>
               <a:t>final stage all the results obtained up to that point are also compared</a:t>
             </a:r>
-            <a:endParaRPr/>
-          </a:p>
-          <a:p>
-            <a:pPr indent="-298450" lvl="0" marL="457200" rtl="0" algn="l">
+            <a:endParaRPr sz="1500"/>
+          </a:p>
+          <a:p>
+            <a:pPr indent="-323850" lvl="0" marL="457200" rtl="0" algn="l">
               <a:lnSpc>
                 <a:spcPct val="115000"/>
               </a:lnSpc>
@@ -3518,17 +3518,17 @@
               <a:buClr>
                 <a:schemeClr val="dk1"/>
               </a:buClr>
-              <a:buSzPts val="1100"/>
+              <a:buSzPts val="1500"/>
               <a:buChar char="●"/>
             </a:pPr>
             <a:r>
-              <a:rPr lang="en"/>
+              <a:rPr lang="en" sz="1500"/>
               <a:t>Moreover, the test set has been divided into further mini-sets to see how the models performance changes as time increases</a:t>
             </a:r>
-            <a:endParaRPr/>
-          </a:p>
-          <a:p>
-            <a:pPr indent="-298450" lvl="0" marL="457200" rtl="0" algn="l">
+            <a:endParaRPr sz="1500"/>
+          </a:p>
+          <a:p>
+            <a:pPr indent="-323850" lvl="0" marL="457200" rtl="0" algn="l">
               <a:lnSpc>
                 <a:spcPct val="115000"/>
               </a:lnSpc>
@@ -3541,14 +3541,14 @@
               <a:buClr>
                 <a:schemeClr val="dk1"/>
               </a:buClr>
-              <a:buSzPts val="1100"/>
+              <a:buSzPts val="1500"/>
               <a:buChar char="●"/>
             </a:pPr>
             <a:r>
-              <a:rPr lang="en"/>
+              <a:rPr lang="en" sz="1500"/>
               <a:t>Let’s take a look at the most relevant results obtained</a:t>
             </a:r>
-            <a:endParaRPr/>
+            <a:endParaRPr sz="1500"/>
           </a:p>
         </p:txBody>
       </p:sp>
@@ -3649,7 +3649,7 @@
           </a:bodyPr>
           <a:lstStyle/>
           <a:p>
-            <a:pPr indent="-298450" lvl="0" marL="457200" rtl="0" algn="l">
+            <a:pPr indent="-323850" lvl="0" marL="457200" rtl="0" algn="l">
               <a:lnSpc>
                 <a:spcPct val="115000"/>
               </a:lnSpc>
@@ -3662,25 +3662,25 @@
               <a:buClr>
                 <a:schemeClr val="dk1"/>
               </a:buClr>
-              <a:buSzPts val="1100"/>
+              <a:buSzPts val="1500"/>
               <a:buChar char="●"/>
             </a:pPr>
             <a:r>
-              <a:rPr lang="en"/>
-              <a:t>Considering the default models through the RMSE values of the various </a:t>
-            </a:r>
-            <a:r>
-              <a:rPr lang="en"/>
+              <a:rPr lang="en" sz="1500"/>
+              <a:t>Considering the RMSE values of the default models based on the different </a:t>
+            </a:r>
+            <a:r>
+              <a:rPr lang="en" sz="1500"/>
               <a:t>splitting</a:t>
             </a:r>
             <a:r>
-              <a:rPr lang="en"/>
+              <a:rPr lang="en" sz="1500"/>
               <a:t> methods we can see how Walk-forward splits return lower performance than block and single splits, with the latter benefiting from a shorter time horizon</a:t>
             </a:r>
-            <a:endParaRPr/>
-          </a:p>
-          <a:p>
-            <a:pPr indent="-298450" lvl="0" marL="457200" rtl="0" algn="l">
+            <a:endParaRPr sz="1500"/>
+          </a:p>
+          <a:p>
+            <a:pPr indent="-323850" lvl="0" marL="457200" rtl="0" algn="l">
               <a:lnSpc>
                 <a:spcPct val="115000"/>
               </a:lnSpc>
@@ -3693,22 +3693,22 @@
               <a:buClr>
                 <a:schemeClr val="dk1"/>
               </a:buClr>
-              <a:buSzPts val="1100"/>
+              <a:buSzPts val="1500"/>
               <a:buChar char="●"/>
             </a:pPr>
             <a:r>
-              <a:rPr lang="en"/>
+              <a:rPr lang="en" sz="1500"/>
               <a:t>Normalised features produce </a:t>
             </a:r>
             <a:r>
-              <a:rPr lang="en"/>
+              <a:rPr lang="en" sz="1500"/>
               <a:t>suboptimal</a:t>
             </a:r>
             <a:r>
-              <a:rPr lang="en"/>
+              <a:rPr lang="en" sz="1500"/>
               <a:t> results and their impact varies between models</a:t>
             </a:r>
-            <a:endParaRPr/>
+            <a:endParaRPr sz="1500"/>
           </a:p>
         </p:txBody>
       </p:sp>
@@ -3809,7 +3809,7 @@
           </a:bodyPr>
           <a:lstStyle/>
           <a:p>
-            <a:pPr indent="-298450" lvl="0" marL="457200" rtl="0" algn="l">
+            <a:pPr indent="-323850" lvl="0" marL="457200" rtl="0" algn="l">
               <a:lnSpc>
                 <a:spcPct val="115000"/>
               </a:lnSpc>
@@ -3822,17 +3822,17 @@
               <a:buClr>
                 <a:schemeClr val="dk1"/>
               </a:buClr>
-              <a:buSzPts val="1100"/>
+              <a:buSzPts val="1500"/>
               <a:buChar char="●"/>
             </a:pPr>
             <a:r>
-              <a:rPr lang="en"/>
+              <a:rPr lang="en" sz="1500"/>
               <a:t>This can best be seen by considering the R2 values where, for example, in linear models overfitting is reduced but still leads to unsatisfactory results to be fully considered</a:t>
             </a:r>
-            <a:endParaRPr/>
-          </a:p>
-          <a:p>
-            <a:pPr indent="-298450" lvl="0" marL="457200" rtl="0" algn="l">
+            <a:endParaRPr sz="1500"/>
+          </a:p>
+          <a:p>
+            <a:pPr indent="-323850" lvl="0" marL="457200" rtl="0" algn="l">
               <a:lnSpc>
                 <a:spcPct val="115000"/>
               </a:lnSpc>
@@ -3845,33 +3845,14 @@
               <a:buClr>
                 <a:schemeClr val="dk1"/>
               </a:buClr>
-              <a:buSzPts val="1100"/>
+              <a:buSzPts val="1500"/>
               <a:buChar char="●"/>
             </a:pPr>
             <a:r>
-              <a:rPr lang="en"/>
+              <a:rPr lang="en" sz="1500"/>
               <a:t>Moreover, the addition of blockchain features produces a modest improvements in some cases, underlining the persistent influence of price-based features</a:t>
             </a:r>
-            <a:endParaRPr/>
-          </a:p>
-          <a:p>
-            <a:pPr indent="0" lvl="0" marL="0" rtl="0" algn="l">
-              <a:lnSpc>
-                <a:spcPct val="100000"/>
-              </a:lnSpc>
-              <a:spcBef>
-                <a:spcPts val="1200"/>
-              </a:spcBef>
-              <a:spcAft>
-                <a:spcPts val="0"/>
-              </a:spcAft>
-              <a:buSzPts val="1100"/>
-              <a:buNone/>
-            </a:pPr>
-            <a:r>
-              <a:t/>
-            </a:r>
-            <a:endParaRPr/>
+            <a:endParaRPr sz="1500"/>
           </a:p>
         </p:txBody>
       </p:sp>
@@ -3972,7 +3953,7 @@
           </a:bodyPr>
           <a:lstStyle/>
           <a:p>
-            <a:pPr indent="-298450" lvl="0" marL="457200" rtl="0" algn="l">
+            <a:pPr indent="-323850" lvl="0" marL="457200" rtl="0" algn="l">
               <a:lnSpc>
                 <a:spcPct val="100000"/>
               </a:lnSpc>
@@ -3982,14 +3963,14 @@
               <a:spcAft>
                 <a:spcPts val="0"/>
               </a:spcAft>
-              <a:buSzPts val="1100"/>
+              <a:buSzPts val="1500"/>
               <a:buChar char="●"/>
             </a:pPr>
             <a:r>
-              <a:rPr lang="en"/>
-              <a:t>Then considering these results, the features used by the models for the next steps were the following</a:t>
-            </a:r>
-            <a:endParaRPr/>
+              <a:rPr lang="en" sz="1500"/>
+              <a:t>Considering the results obtained the features used by the models for the next steps were the following</a:t>
+            </a:r>
+            <a:endParaRPr sz="1500"/>
           </a:p>
         </p:txBody>
       </p:sp>
@@ -4090,7 +4071,7 @@
           </a:bodyPr>
           <a:lstStyle/>
           <a:p>
-            <a:pPr indent="-298450" lvl="0" marL="457200" rtl="0" algn="l">
+            <a:pPr indent="-323850" lvl="0" marL="457200" rtl="0" algn="l">
               <a:lnSpc>
                 <a:spcPct val="115000"/>
               </a:lnSpc>
@@ -4103,17 +4084,17 @@
               <a:buClr>
                 <a:schemeClr val="dk1"/>
               </a:buClr>
-              <a:buSzPts val="1100"/>
+              <a:buSzPts val="1500"/>
               <a:buChar char="●"/>
             </a:pPr>
             <a:r>
-              <a:rPr lang="en"/>
+              <a:rPr lang="en" sz="1500"/>
               <a:t>Now let’s see the comparison between the best default model and the model after performing hyperparameter tuning</a:t>
             </a:r>
-            <a:endParaRPr/>
-          </a:p>
-          <a:p>
-            <a:pPr indent="-298450" lvl="0" marL="457200" rtl="0" algn="l">
+            <a:endParaRPr sz="1500"/>
+          </a:p>
+          <a:p>
+            <a:pPr indent="-323850" lvl="0" marL="457200" rtl="0" algn="l">
               <a:lnSpc>
                 <a:spcPct val="115000"/>
               </a:lnSpc>
@@ -4126,17 +4107,17 @@
               <a:buClr>
                 <a:schemeClr val="dk1"/>
               </a:buClr>
-              <a:buSzPts val="1100"/>
+              <a:buSzPts val="1500"/>
               <a:buChar char="●"/>
             </a:pPr>
             <a:r>
-              <a:rPr lang="en"/>
+              <a:rPr lang="en" sz="1500"/>
               <a:t>We can see that the trend regarding splitting methods has remained the same, in fact single split is the best splitting method on which to train / validate the models</a:t>
             </a:r>
-            <a:endParaRPr/>
-          </a:p>
-          <a:p>
-            <a:pPr indent="-298450" lvl="0" marL="457200" rtl="0" algn="l">
+            <a:endParaRPr sz="1500"/>
+          </a:p>
+          <a:p>
+            <a:pPr indent="-323850" lvl="0" marL="457200" rtl="0" algn="l">
               <a:lnSpc>
                 <a:spcPct val="115000"/>
               </a:lnSpc>
@@ -4149,17 +4130,17 @@
               <a:buClr>
                 <a:schemeClr val="dk1"/>
               </a:buClr>
-              <a:buSzPts val="1100"/>
+              <a:buSzPts val="1500"/>
               <a:buChar char="●"/>
             </a:pPr>
             <a:r>
-              <a:rPr lang="en"/>
+              <a:rPr lang="en" sz="1500"/>
               <a:t>In general, hyper parameter tuning brought some improvements compared with the default ones</a:t>
             </a:r>
-            <a:endParaRPr/>
-          </a:p>
-          <a:p>
-            <a:pPr indent="-298450" lvl="0" marL="457200" rtl="0" algn="l">
+            <a:endParaRPr sz="1500"/>
+          </a:p>
+          <a:p>
+            <a:pPr indent="-323850" lvl="0" marL="457200" rtl="0" algn="l">
               <a:lnSpc>
                 <a:spcPct val="115000"/>
               </a:lnSpc>
@@ -4172,18 +4153,18 @@
               <a:buClr>
                 <a:schemeClr val="dk1"/>
               </a:buClr>
-              <a:buSzPts val="1100"/>
+              <a:buSzPts val="1500"/>
               <a:buChar char="●"/>
             </a:pPr>
             <a:r>
-              <a:rPr lang="en"/>
+              <a:rPr lang="en" sz="1500"/>
               <a:t>Moreover</a:t>
             </a:r>
             <a:r>
-              <a:rPr lang="en"/>
+              <a:rPr lang="en" sz="1500"/>
               <a:t>, the tree-based models are those that returned the best results</a:t>
             </a:r>
-            <a:endParaRPr/>
+            <a:endParaRPr sz="1500"/>
           </a:p>
         </p:txBody>
       </p:sp>
@@ -4284,7 +4265,7 @@
           </a:bodyPr>
           <a:lstStyle/>
           <a:p>
-            <a:pPr indent="-298450" lvl="0" marL="457200" rtl="0" algn="l">
+            <a:pPr indent="-323850" lvl="0" marL="457200" rtl="0" algn="l">
               <a:lnSpc>
                 <a:spcPct val="100000"/>
               </a:lnSpc>
@@ -4294,14 +4275,14 @@
               <a:spcAft>
                 <a:spcPts val="0"/>
               </a:spcAft>
-              <a:buSzPts val="1100"/>
+              <a:buSzPts val="1500"/>
               <a:buChar char="●"/>
             </a:pPr>
             <a:r>
-              <a:rPr lang="en"/>
+              <a:rPr lang="en" sz="1500"/>
               <a:t>Next we will see what data will be used and how to achieve the goal</a:t>
             </a:r>
-            <a:endParaRPr/>
+            <a:endParaRPr sz="1500"/>
           </a:p>
         </p:txBody>
       </p:sp>
@@ -4402,7 +4383,7 @@
           </a:bodyPr>
           <a:lstStyle/>
           <a:p>
-            <a:pPr indent="-298450" lvl="0" marL="457200" rtl="0" algn="l">
+            <a:pPr indent="-323850" lvl="0" marL="457200" rtl="0" algn="l">
               <a:lnSpc>
                 <a:spcPct val="100000"/>
               </a:lnSpc>
@@ -4412,14 +4393,14 @@
               <a:spcAft>
                 <a:spcPts val="0"/>
               </a:spcAft>
-              <a:buSzPts val="1100"/>
+              <a:buSzPts val="1500"/>
               <a:buChar char="●"/>
             </a:pPr>
             <a:r>
-              <a:rPr lang="en"/>
+              <a:rPr lang="en" sz="1500"/>
               <a:t>This is confirmed by considering the values of R2 where these trends are reflected</a:t>
             </a:r>
-            <a:endParaRPr/>
+            <a:endParaRPr sz="1500"/>
           </a:p>
         </p:txBody>
       </p:sp>
@@ -4520,7 +4501,7 @@
           </a:bodyPr>
           <a:lstStyle/>
           <a:p>
-            <a:pPr indent="-298450" lvl="0" marL="457200" rtl="0" algn="l">
+            <a:pPr indent="-323850" lvl="0" marL="457200" rtl="0" algn="l">
               <a:lnSpc>
                 <a:spcPct val="115000"/>
               </a:lnSpc>
@@ -4533,14 +4514,14 @@
               <a:buClr>
                 <a:schemeClr val="dk1"/>
               </a:buClr>
-              <a:buSzPts val="1100"/>
+              <a:buSzPts val="1500"/>
               <a:buChar char="●"/>
             </a:pPr>
             <a:r>
-              <a:rPr lang="en"/>
+              <a:rPr lang="en" sz="1500"/>
               <a:t>Looking at the accuracy, on the other hand, we can see that this has remained more or less the same for both default and tuned models at around 50%, this could be due to the period taken into consideration being too long</a:t>
             </a:r>
-            <a:endParaRPr/>
+            <a:endParaRPr sz="1500"/>
           </a:p>
         </p:txBody>
       </p:sp>
@@ -4641,7 +4622,7 @@
           </a:bodyPr>
           <a:lstStyle/>
           <a:p>
-            <a:pPr indent="-298450" lvl="0" marL="457200" rtl="0" algn="l">
+            <a:pPr indent="-323850" lvl="0" marL="457200" rtl="0" algn="l">
               <a:lnSpc>
                 <a:spcPct val="115000"/>
               </a:lnSpc>
@@ -4654,18 +4635,18 @@
               <a:buClr>
                 <a:schemeClr val="dk1"/>
               </a:buClr>
-              <a:buSzPts val="1100"/>
+              <a:buSzPts val="1500"/>
               <a:buChar char="●"/>
             </a:pPr>
             <a:r>
-              <a:rPr lang="en">
+              <a:rPr lang="en" sz="1500">
                 <a:solidFill>
                   <a:schemeClr val="dk1"/>
                 </a:solidFill>
               </a:rPr>
               <a:t>In conclusion for this phase we can confirm what was said earlier, namely that the best results were obtained using single splitting method and tree-based models</a:t>
             </a:r>
-            <a:endParaRPr/>
+            <a:endParaRPr sz="1500"/>
           </a:p>
         </p:txBody>
       </p:sp>
@@ -4766,7 +4747,7 @@
           </a:bodyPr>
           <a:lstStyle/>
           <a:p>
-            <a:pPr indent="-298450" lvl="0" marL="457200" rtl="0" algn="l">
+            <a:pPr indent="-323850" lvl="0" marL="457200" rtl="0" algn="l">
               <a:lnSpc>
                 <a:spcPct val="100000"/>
               </a:lnSpc>
@@ -4776,14 +4757,14 @@
               <a:spcAft>
                 <a:spcPts val="0"/>
               </a:spcAft>
-              <a:buSzPts val="1100"/>
+              <a:buSzPts val="1500"/>
               <a:buChar char="●"/>
             </a:pPr>
             <a:r>
-              <a:rPr lang="en"/>
+              <a:rPr lang="en" sz="1500"/>
               <a:t>Moving on to the final predictions made on the test set, we can see that tree-based models perform rather well in the short-mid term period, compared to linear models while in the long term one, especially considering the last month, all models failed to capture the price trend well</a:t>
             </a:r>
-            <a:endParaRPr/>
+            <a:endParaRPr sz="1500"/>
           </a:p>
         </p:txBody>
       </p:sp>
@@ -4884,7 +4865,7 @@
           </a:bodyPr>
           <a:lstStyle/>
           <a:p>
-            <a:pPr indent="-298450" lvl="0" marL="457200" rtl="0" algn="l">
+            <a:pPr indent="-323850" lvl="0" marL="457200" rtl="0" algn="l">
               <a:lnSpc>
                 <a:spcPct val="115000"/>
               </a:lnSpc>
@@ -4897,17 +4878,17 @@
               <a:buClr>
                 <a:schemeClr val="dk1"/>
               </a:buClr>
-              <a:buSzPts val="1100"/>
+              <a:buSzPts val="1500"/>
               <a:buChar char="●"/>
             </a:pPr>
             <a:r>
-              <a:rPr lang="en"/>
+              <a:rPr lang="en" sz="1500"/>
               <a:t>Considering the RMSE values in fact, especially in the long run, these tends to remains about the same in the short to medium term for linear models and increases for tree-based ones</a:t>
             </a:r>
-            <a:endParaRPr/>
-          </a:p>
-          <a:p>
-            <a:pPr indent="-298450" lvl="0" marL="457200" rtl="0" algn="l">
+            <a:endParaRPr sz="1500"/>
+          </a:p>
+          <a:p>
+            <a:pPr indent="-323850" lvl="0" marL="457200" rtl="0" algn="l">
               <a:lnSpc>
                 <a:spcPct val="115000"/>
               </a:lnSpc>
@@ -4920,14 +4901,14 @@
               <a:buClr>
                 <a:schemeClr val="dk1"/>
               </a:buClr>
-              <a:buSzPts val="1100"/>
+              <a:buSzPts val="1500"/>
               <a:buChar char="●"/>
             </a:pPr>
             <a:r>
-              <a:rPr lang="en"/>
+              <a:rPr lang="en" sz="1500"/>
               <a:t>Since the results were averaged and by considering more data at each dataset split, we can see how the periods in which the models did better compensated for the worst results in the last period</a:t>
             </a:r>
-            <a:endParaRPr/>
+            <a:endParaRPr sz="1500"/>
           </a:p>
         </p:txBody>
       </p:sp>
@@ -5028,7 +5009,7 @@
           </a:bodyPr>
           <a:lstStyle/>
           <a:p>
-            <a:pPr indent="-298450" lvl="0" marL="457200" rtl="0" algn="l">
+            <a:pPr indent="-323850" lvl="0" marL="457200" rtl="0" algn="l">
               <a:lnSpc>
                 <a:spcPct val="100000"/>
               </a:lnSpc>
@@ -5038,18 +5019,14 @@
               <a:spcAft>
                 <a:spcPts val="0"/>
               </a:spcAft>
-              <a:buSzPts val="1100"/>
+              <a:buSzPts val="1500"/>
               <a:buChar char="●"/>
             </a:pPr>
             <a:r>
-              <a:rPr lang="en"/>
-              <a:t>C</a:t>
-            </a:r>
-            <a:r>
-              <a:rPr lang="en"/>
-              <a:t>onsidering the R2 metrics we can see how the values tend to decrease as the time taken into consideration increases</a:t>
-            </a:r>
-            <a:endParaRPr/>
+              <a:rPr lang="en" sz="1500"/>
+              <a:t>In fact, considering the R2 metrics we can see how the values tend to decrease as the time taken into consideration increases</a:t>
+            </a:r>
+            <a:endParaRPr sz="1500"/>
           </a:p>
         </p:txBody>
       </p:sp>
@@ -5150,7 +5127,7 @@
           </a:bodyPr>
           <a:lstStyle/>
           <a:p>
-            <a:pPr indent="-298450" lvl="0" marL="457200" rtl="0" algn="l">
+            <a:pPr indent="-323850" lvl="0" marL="457200" rtl="0" algn="l">
               <a:lnSpc>
                 <a:spcPct val="115000"/>
               </a:lnSpc>
@@ -5163,11 +5140,11 @@
               <a:buClr>
                 <a:schemeClr val="dk1"/>
               </a:buClr>
-              <a:buSzPts val="1100"/>
+              <a:buSzPts val="1500"/>
               <a:buChar char="●"/>
             </a:pPr>
             <a:r>
-              <a:rPr lang="en">
+              <a:rPr lang="en" sz="1500">
                 <a:solidFill>
                   <a:schemeClr val="dk1"/>
                 </a:solidFill>
@@ -5175,14 +5152,14 @@
               <a:t>Regarding </a:t>
             </a:r>
             <a:r>
-              <a:rPr lang="en">
+              <a:rPr lang="en" sz="1500">
                 <a:solidFill>
                   <a:schemeClr val="dk1"/>
                 </a:solidFill>
               </a:rPr>
               <a:t>the accuracy, this is slightly improved compared to that obtained during the train / validation phase, in general this is higher when we consider short term period and tends to decrease in the long term one</a:t>
             </a:r>
-            <a:endParaRPr/>
+            <a:endParaRPr sz="1500"/>
           </a:p>
         </p:txBody>
       </p:sp>
@@ -5283,7 +5260,7 @@
           </a:bodyPr>
           <a:lstStyle/>
           <a:p>
-            <a:pPr indent="-298450" lvl="0" marL="457200" rtl="0" algn="l">
+            <a:pPr indent="-323850" lvl="0" marL="457200" rtl="0" algn="l">
               <a:lnSpc>
                 <a:spcPct val="115000"/>
               </a:lnSpc>
@@ -5296,18 +5273,18 @@
               <a:buClr>
                 <a:schemeClr val="dk1"/>
               </a:buClr>
-              <a:buSzPts val="1100"/>
+              <a:buSzPts val="1500"/>
               <a:buChar char="●"/>
             </a:pPr>
             <a:r>
-              <a:rPr lang="en">
+              <a:rPr lang="en" sz="1500">
                 <a:solidFill>
                   <a:schemeClr val="dk1"/>
                 </a:solidFill>
               </a:rPr>
               <a:t>It should be noted that in this case linear models have a higher accuracy than tree-based models, probably because they have smoother curves that allow them to better represent price rather than tree-based ones that are more jagged</a:t>
             </a:r>
-            <a:endParaRPr/>
+            <a:endParaRPr sz="1500"/>
           </a:p>
         </p:txBody>
       </p:sp>
@@ -5408,7 +5385,7 @@
           </a:bodyPr>
           <a:lstStyle/>
           <a:p>
-            <a:pPr indent="-298450" lvl="0" marL="457200" rtl="0" algn="l">
+            <a:pPr indent="-323850" lvl="0" marL="457200" rtl="0" algn="l">
               <a:lnSpc>
                 <a:spcPct val="115000"/>
               </a:lnSpc>
@@ -5421,25 +5398,25 @@
               <a:buClr>
                 <a:schemeClr val="dk1"/>
               </a:buClr>
-              <a:buSzPts val="1100"/>
+              <a:buSzPts val="1500"/>
               <a:buChar char="●"/>
             </a:pPr>
             <a:r>
-              <a:rPr lang="en">
+              <a:rPr lang="en" sz="1500">
                 <a:solidFill>
                   <a:schemeClr val="dk1"/>
                 </a:solidFill>
               </a:rPr>
               <a:t>To sum up, we can say that according to these experiments it is better to use a splitting method that considers a narrower time period like single split</a:t>
             </a:r>
-            <a:endParaRPr>
+            <a:endParaRPr sz="1500">
               <a:solidFill>
                 <a:schemeClr val="dk1"/>
               </a:solidFill>
             </a:endParaRPr>
           </a:p>
           <a:p>
-            <a:pPr indent="-298450" lvl="0" marL="457200" rtl="0" algn="l">
+            <a:pPr indent="-323850" lvl="0" marL="457200" rtl="0" algn="l">
               <a:lnSpc>
                 <a:spcPct val="115000"/>
               </a:lnSpc>
@@ -5452,25 +5429,25 @@
               <a:buClr>
                 <a:schemeClr val="dk1"/>
               </a:buClr>
-              <a:buSzPts val="1100"/>
+              <a:buSzPts val="1500"/>
               <a:buChar char="●"/>
             </a:pPr>
             <a:r>
-              <a:rPr lang="en">
+              <a:rPr lang="en" sz="1500">
                 <a:solidFill>
                   <a:schemeClr val="dk1"/>
                 </a:solidFill>
               </a:rPr>
               <a:t>With regard to the features used, these depend on the type of model, for example normalisation helped us to reduce overfitting in some cases, but in general the addition of blockchain-related features brought slight improvements</a:t>
             </a:r>
-            <a:endParaRPr>
+            <a:endParaRPr sz="1500">
               <a:solidFill>
                 <a:schemeClr val="dk1"/>
               </a:solidFill>
             </a:endParaRPr>
           </a:p>
           <a:p>
-            <a:pPr indent="-298450" lvl="0" marL="457200" rtl="0" algn="l">
+            <a:pPr indent="-323850" lvl="0" marL="457200" rtl="0" algn="l">
               <a:lnSpc>
                 <a:spcPct val="115000"/>
               </a:lnSpc>
@@ -5483,18 +5460,18 @@
               <a:buClr>
                 <a:schemeClr val="dk1"/>
               </a:buClr>
-              <a:buSzPts val="1100"/>
+              <a:buSzPts val="1500"/>
               <a:buChar char="●"/>
             </a:pPr>
             <a:r>
-              <a:rPr lang="en">
+              <a:rPr lang="en" sz="1500">
                 <a:solidFill>
                   <a:schemeClr val="dk1"/>
                 </a:solidFill>
               </a:rPr>
               <a:t>Then with regard to the models, we can say that in the short to medium term, the tree-based models managed to capture the price trend quite well, but as was to be expected, as the time period increases, performance begins to degrade</a:t>
             </a:r>
-            <a:endParaRPr>
+            <a:endParaRPr sz="1500">
               <a:solidFill>
                 <a:schemeClr val="dk1"/>
               </a:solidFill>
@@ -5599,7 +5576,7 @@
           </a:bodyPr>
           <a:lstStyle/>
           <a:p>
-            <a:pPr indent="-298450" lvl="0" marL="457200" rtl="0" algn="l">
+            <a:pPr indent="-323850" lvl="0" marL="457200" rtl="0" algn="l">
               <a:lnSpc>
                 <a:spcPct val="115000"/>
               </a:lnSpc>
@@ -5612,17 +5589,17 @@
               <a:buClr>
                 <a:schemeClr val="dk1"/>
               </a:buClr>
-              <a:buSzPts val="1100"/>
+              <a:buSzPts val="1500"/>
               <a:buChar char="●"/>
             </a:pPr>
             <a:r>
-              <a:rPr lang="en"/>
+              <a:rPr lang="en" sz="1500"/>
               <a:t>Answering to the initial question we can say that yes, it is at least possible to get an idea of the price trend although we have seen that this is more accurate in the short term</a:t>
             </a:r>
-            <a:endParaRPr/>
-          </a:p>
-          <a:p>
-            <a:pPr indent="-298450" lvl="0" marL="457200" rtl="0" algn="l">
+            <a:endParaRPr sz="1500"/>
+          </a:p>
+          <a:p>
+            <a:pPr indent="-323850" lvl="0" marL="457200" rtl="0" algn="l">
               <a:lnSpc>
                 <a:spcPct val="115000"/>
               </a:lnSpc>
@@ -5635,21 +5612,21 @@
               <a:buClr>
                 <a:schemeClr val="dk1"/>
               </a:buClr>
-              <a:buSzPts val="1100"/>
+              <a:buSzPts val="1500"/>
               <a:buChar char="●"/>
             </a:pPr>
             <a:r>
-              <a:rPr lang="en"/>
+              <a:rPr lang="en" sz="1500"/>
               <a:t>Some future developments could be </a:t>
             </a:r>
             <a:r>
-              <a:rPr lang="en"/>
+              <a:rPr lang="en" sz="1500"/>
               <a:t>the creation of a sliding window on features to use additional historical data or the consideration of events that could influence the price</a:t>
             </a:r>
-            <a:endParaRPr/>
-          </a:p>
-          <a:p>
-            <a:pPr indent="-298450" lvl="0" marL="457200" rtl="0" algn="l">
+            <a:endParaRPr sz="1500"/>
+          </a:p>
+          <a:p>
+            <a:pPr indent="-323850" lvl="0" marL="457200" rtl="0" algn="l">
               <a:lnSpc>
                 <a:spcPct val="115000"/>
               </a:lnSpc>
@@ -5662,14 +5639,14 @@
               <a:buClr>
                 <a:schemeClr val="dk1"/>
               </a:buClr>
-              <a:buSzPts val="1100"/>
+              <a:buSzPts val="1500"/>
               <a:buChar char="●"/>
             </a:pPr>
             <a:r>
-              <a:rPr lang="en"/>
+              <a:rPr lang="en" sz="1500"/>
               <a:t>Even the use of deep learning approaches such as CNNs and Transformer models that exploit self-attention to better capture trends</a:t>
             </a:r>
-            <a:endParaRPr/>
+            <a:endParaRPr sz="1500"/>
           </a:p>
         </p:txBody>
       </p:sp>
@@ -5770,7 +5747,7 @@
           </a:bodyPr>
           <a:lstStyle/>
           <a:p>
-            <a:pPr indent="-298450" lvl="0" marL="457200" rtl="0" algn="l">
+            <a:pPr indent="-323850" lvl="0" marL="457200" rtl="0" algn="l">
               <a:lnSpc>
                 <a:spcPct val="100000"/>
               </a:lnSpc>
@@ -5780,14 +5757,14 @@
               <a:spcAft>
                 <a:spcPts val="0"/>
               </a:spcAft>
-              <a:buSzPts val="1100"/>
+              <a:buSzPts val="1500"/>
               <a:buChar char="●"/>
             </a:pPr>
             <a:r>
-              <a:rPr lang="en"/>
+              <a:rPr lang="en" sz="1500"/>
               <a:t>Followed by a description of the main stages of the project</a:t>
             </a:r>
-            <a:endParaRPr/>
+            <a:endParaRPr sz="1500"/>
           </a:p>
         </p:txBody>
       </p:sp>
@@ -5804,7 +5781,7 @@
   <p:cSld>
     <p:spTree>
       <p:nvGrpSpPr>
-        <p:cNvPr id="461" name="Shape 461"/>
+        <p:cNvPr id="462" name="Shape 462"/>
         <p:cNvGrpSpPr/>
         <p:nvPr/>
       </p:nvGrpSpPr>
@@ -5818,7 +5795,7 @@
       </p:grpSpPr>
       <p:sp>
         <p:nvSpPr>
-          <p:cNvPr id="462" name="Google Shape;462;g26e1760ff98_1_133:notes"/>
+          <p:cNvPr id="463" name="Google Shape;463;g26e1760ff98_1_133:notes"/>
           <p:cNvSpPr/>
           <p:nvPr>
             <p:ph idx="2" type="sldImg"/>
@@ -5863,7 +5840,7 @@
       </p:sp>
       <p:sp>
         <p:nvSpPr>
-          <p:cNvPr id="463" name="Google Shape;463;g26e1760ff98_1_133:notes"/>
+          <p:cNvPr id="464" name="Google Shape;464;g26e1760ff98_1_133:notes"/>
           <p:cNvSpPr txBox="1"/>
           <p:nvPr>
             <p:ph idx="1" type="body"/>
@@ -6005,7 +5982,7 @@
           </a:bodyPr>
           <a:lstStyle/>
           <a:p>
-            <a:pPr indent="-298450" lvl="0" marL="457200" rtl="0" algn="l">
+            <a:pPr indent="-323850" lvl="0" marL="457200" rtl="0" algn="l">
               <a:lnSpc>
                 <a:spcPct val="100000"/>
               </a:lnSpc>
@@ -6015,14 +5992,14 @@
               <a:spcAft>
                 <a:spcPts val="0"/>
               </a:spcAft>
-              <a:buSzPts val="1100"/>
+              <a:buSzPts val="1500"/>
               <a:buChar char="●"/>
             </a:pPr>
             <a:r>
-              <a:rPr lang="en"/>
+              <a:rPr lang="en" sz="1500"/>
               <a:t>And finally draw the final conclusions</a:t>
             </a:r>
-            <a:endParaRPr/>
+            <a:endParaRPr sz="1500"/>
           </a:p>
         </p:txBody>
       </p:sp>
@@ -6123,7 +6100,7 @@
           </a:bodyPr>
           <a:lstStyle/>
           <a:p>
-            <a:pPr indent="-298450" lvl="0" marL="457200" rtl="0" algn="l">
+            <a:pPr indent="-323850" lvl="0" marL="457200" rtl="0" algn="l">
               <a:lnSpc>
                 <a:spcPct val="115000"/>
               </a:lnSpc>
@@ -6136,17 +6113,17 @@
               <a:buClr>
                 <a:schemeClr val="dk1"/>
               </a:buClr>
-              <a:buSzPts val="1100"/>
+              <a:buSzPts val="1500"/>
               <a:buChar char="●"/>
             </a:pPr>
             <a:r>
-              <a:rPr lang="en"/>
+              <a:rPr lang="en" sz="1500"/>
               <a:t>Let's start by explain briefly what Bitcoin is</a:t>
             </a:r>
-            <a:endParaRPr/>
-          </a:p>
-          <a:p>
-            <a:pPr indent="-298450" lvl="0" marL="457200" rtl="0" algn="l">
+            <a:endParaRPr sz="1500"/>
+          </a:p>
+          <a:p>
+            <a:pPr indent="-323850" lvl="0" marL="457200" rtl="0" algn="l">
               <a:lnSpc>
                 <a:spcPct val="115000"/>
               </a:lnSpc>
@@ -6159,17 +6136,17 @@
               <a:buClr>
                 <a:schemeClr val="dk1"/>
               </a:buClr>
-              <a:buSzPts val="1100"/>
+              <a:buSzPts val="1500"/>
               <a:buChar char="●"/>
             </a:pPr>
             <a:r>
-              <a:rPr lang="en"/>
+              <a:rPr lang="en" sz="1500"/>
               <a:t>Bitcoin is a decentralized cryptocurrency, created in 2009 by an anonymous inventor under the pseudonym of Satoshi Nakamoto</a:t>
             </a:r>
-            <a:endParaRPr/>
-          </a:p>
-          <a:p>
-            <a:pPr indent="-298450" lvl="0" marL="457200" rtl="0" algn="l">
+            <a:endParaRPr sz="1500"/>
+          </a:p>
+          <a:p>
+            <a:pPr indent="-323850" lvl="0" marL="457200" rtl="0" algn="l">
               <a:lnSpc>
                 <a:spcPct val="115000"/>
               </a:lnSpc>
@@ -6182,17 +6159,17 @@
               <a:buClr>
                 <a:schemeClr val="dk1"/>
               </a:buClr>
-              <a:buSzPts val="1100"/>
+              <a:buSzPts val="1500"/>
               <a:buChar char="●"/>
             </a:pPr>
             <a:r>
-              <a:rPr lang="en"/>
+              <a:rPr lang="en" sz="1500"/>
               <a:t>It does not have a central bank behind it but relies on a network of nodes that manage it in a distributed, peer-to-peer mode</a:t>
             </a:r>
-            <a:endParaRPr/>
-          </a:p>
-          <a:p>
-            <a:pPr indent="-298450" lvl="0" marL="457200" rtl="0" algn="l">
+            <a:endParaRPr sz="1500"/>
+          </a:p>
+          <a:p>
+            <a:pPr indent="-323850" lvl="0" marL="457200" rtl="0" algn="l">
               <a:lnSpc>
                 <a:spcPct val="115000"/>
               </a:lnSpc>
@@ -6205,17 +6182,17 @@
               <a:buClr>
                 <a:schemeClr val="dk1"/>
               </a:buClr>
-              <a:buSzPts val="1100"/>
+              <a:buSzPts val="1500"/>
               <a:buChar char="●"/>
             </a:pPr>
             <a:r>
-              <a:rPr lang="en"/>
+              <a:rPr lang="en" sz="1500"/>
               <a:t>It uses strong cryptography to validate and secure transactions and these can be made through the Internet by anyone with a bitcoin address</a:t>
             </a:r>
-            <a:endParaRPr/>
-          </a:p>
-          <a:p>
-            <a:pPr indent="-298450" lvl="0" marL="457200" rtl="0" algn="l">
+            <a:endParaRPr sz="1500"/>
+          </a:p>
+          <a:p>
+            <a:pPr indent="-323850" lvl="0" marL="457200" rtl="0" algn="l">
               <a:lnSpc>
                 <a:spcPct val="115000"/>
               </a:lnSpc>
@@ -6228,14 +6205,14 @@
               <a:buClr>
                 <a:schemeClr val="dk1"/>
               </a:buClr>
-              <a:buSzPts val="1100"/>
+              <a:buSzPts val="1500"/>
               <a:buChar char="●"/>
             </a:pPr>
             <a:r>
-              <a:rPr lang="en"/>
+              <a:rPr lang="en" sz="1500"/>
               <a:t>These are stored in a public ledger of which is constantly updated and validated by nodes in the network</a:t>
             </a:r>
-            <a:endParaRPr/>
+            <a:endParaRPr sz="1500"/>
           </a:p>
         </p:txBody>
       </p:sp>
@@ -6336,7 +6313,7 @@
           </a:bodyPr>
           <a:lstStyle/>
           <a:p>
-            <a:pPr indent="-298450" lvl="0" marL="457200" rtl="0" algn="l">
+            <a:pPr indent="-323850" lvl="0" marL="457200" rtl="0" algn="l">
               <a:lnSpc>
                 <a:spcPct val="115000"/>
               </a:lnSpc>
@@ -6349,17 +6326,17 @@
               <a:buClr>
                 <a:schemeClr val="dk1"/>
               </a:buClr>
-              <a:buSzPts val="1100"/>
+              <a:buSzPts val="1500"/>
               <a:buChar char="●"/>
             </a:pPr>
             <a:r>
-              <a:rPr lang="en"/>
+              <a:rPr lang="en" sz="1500"/>
               <a:t>It’s value is determined by the market and the number of people using it</a:t>
             </a:r>
-            <a:endParaRPr/>
-          </a:p>
-          <a:p>
-            <a:pPr indent="-298450" lvl="0" marL="457200" rtl="0" algn="l">
+            <a:endParaRPr sz="1500"/>
+          </a:p>
+          <a:p>
+            <a:pPr indent="-323850" lvl="0" marL="457200" rtl="0" algn="l">
               <a:lnSpc>
                 <a:spcPct val="115000"/>
               </a:lnSpc>
@@ -6372,25 +6349,25 @@
               <a:buClr>
                 <a:schemeClr val="dk1"/>
               </a:buClr>
-              <a:buSzPts val="1100"/>
+              <a:buSzPts val="1500"/>
               <a:buChar char="●"/>
             </a:pPr>
             <a:r>
-              <a:rPr lang="en"/>
+              <a:rPr lang="en" sz="1500"/>
               <a:t>This </a:t>
             </a:r>
             <a:r>
-              <a:rPr lang="en"/>
+              <a:rPr lang="en" sz="1500"/>
               <a:t>cryptocurrency</a:t>
             </a:r>
             <a:r>
-              <a:rPr lang="en"/>
+              <a:rPr lang="en" sz="1500"/>
               <a:t> has attracted the attention of many people in recent years, however, it's price fluctuation can be extremely unpredictable</a:t>
             </a:r>
-            <a:endParaRPr/>
-          </a:p>
-          <a:p>
-            <a:pPr indent="-298450" lvl="0" marL="457200" rtl="0" algn="l">
+            <a:endParaRPr sz="1500"/>
+          </a:p>
+          <a:p>
+            <a:pPr indent="-323850" lvl="0" marL="457200" rtl="0" algn="l">
               <a:lnSpc>
                 <a:spcPct val="115000"/>
               </a:lnSpc>
@@ -6403,14 +6380,14 @@
               <a:buClr>
                 <a:schemeClr val="dk1"/>
               </a:buClr>
-              <a:buSzPts val="1100"/>
+              <a:buSzPts val="1500"/>
               <a:buChar char="●"/>
             </a:pPr>
             <a:r>
-              <a:rPr lang="en"/>
+              <a:rPr lang="en" sz="1500"/>
               <a:t>In this context, predicting Bitcoin prices can be a competitive advantage for investors and traders, as it could allow them to make informed decisions on the right time to enter or exit the market</a:t>
             </a:r>
-            <a:endParaRPr/>
+            <a:endParaRPr sz="1500"/>
           </a:p>
         </p:txBody>
       </p:sp>
@@ -6511,7 +6488,7 @@
           </a:bodyPr>
           <a:lstStyle/>
           <a:p>
-            <a:pPr indent="-298450" lvl="0" marL="457200" rtl="0" algn="l">
+            <a:pPr indent="-323850" lvl="0" marL="457200" rtl="0" algn="l">
               <a:lnSpc>
                 <a:spcPct val="100000"/>
               </a:lnSpc>
@@ -6521,14 +6498,14 @@
               <a:spcAft>
                 <a:spcPts val="0"/>
               </a:spcAft>
-              <a:buSzPts val="1100"/>
+              <a:buSzPts val="1500"/>
               <a:buChar char="●"/>
             </a:pPr>
             <a:r>
-              <a:rPr lang="en"/>
+              <a:rPr lang="en" sz="1500"/>
               <a:t>The main goal of this project was to analyze some machine learning techniques to understand, through the processing of historical data, how accurately the price of Bitcoin can be predicted and whether this can provide added value to cryptocurrency investors and traders</a:t>
             </a:r>
-            <a:endParaRPr/>
+            <a:endParaRPr sz="1500"/>
           </a:p>
         </p:txBody>
       </p:sp>
@@ -6629,7 +6606,7 @@
           </a:bodyPr>
           <a:lstStyle/>
           <a:p>
-            <a:pPr indent="-298450" lvl="0" marL="457200" rtl="0" algn="l">
+            <a:pPr indent="-323850" lvl="0" marL="457200" rtl="0" algn="l">
               <a:lnSpc>
                 <a:spcPct val="100000"/>
               </a:lnSpc>
@@ -6639,11 +6616,11 @@
               <a:spcAft>
                 <a:spcPts val="0"/>
               </a:spcAft>
-              <a:buSzPts val="1100"/>
+              <a:buSzPts val="1500"/>
               <a:buChar char="●"/>
             </a:pPr>
             <a:r>
-              <a:rPr lang="en">
+              <a:rPr lang="en" sz="1500">
                 <a:solidFill>
                   <a:schemeClr val="dk1"/>
                 </a:solidFill>
@@ -6651,7 +6628,7 @@
               <a:t>I collected Bitcoin blockchain data using the API of the</a:t>
             </a:r>
             <a:r>
-              <a:rPr lang="en">
+              <a:rPr lang="en" sz="1500">
                 <a:solidFill>
                   <a:schemeClr val="dk1"/>
                 </a:solidFill>
@@ -6669,7 +6646,7 @@
               <a:t> </a:t>
             </a:r>
             <a:r>
-              <a:rPr lang="en" u="sng">
+              <a:rPr lang="en" sz="1500" u="sng">
                 <a:solidFill>
                   <a:schemeClr val="hlink"/>
                 </a:solidFill>
@@ -6678,21 +6655,21 @@
               <a:t>Blockchain.org</a:t>
             </a:r>
             <a:r>
-              <a:rPr lang="en">
+              <a:rPr lang="en" sz="1500">
                 <a:solidFill>
                   <a:schemeClr val="dk1"/>
                 </a:solidFill>
               </a:rPr>
               <a:t> website and price information from two popular exchanges, Binance and Kraken, </a:t>
             </a:r>
-            <a:endParaRPr>
+            <a:endParaRPr sz="1500">
               <a:solidFill>
                 <a:schemeClr val="dk1"/>
               </a:solidFill>
             </a:endParaRPr>
           </a:p>
           <a:p>
-            <a:pPr indent="-298450" lvl="0" marL="457200" rtl="0" algn="l">
+            <a:pPr indent="-323850" lvl="0" marL="457200" rtl="0" algn="l">
               <a:lnSpc>
                 <a:spcPct val="100000"/>
               </a:lnSpc>
@@ -6705,18 +6682,18 @@
               <a:buClr>
                 <a:schemeClr val="dk1"/>
               </a:buClr>
-              <a:buSzPts val="1100"/>
+              <a:buSzPts val="1500"/>
               <a:buChar char="●"/>
             </a:pPr>
             <a:r>
-              <a:rPr lang="en">
+              <a:rPr lang="en" sz="1500">
                 <a:solidFill>
                   <a:schemeClr val="dk1"/>
                 </a:solidFill>
               </a:rPr>
               <a:t>I decided to organize them in 15-minute time-frame and I’ve retrieved the most relevant data from the last four years to current days, a period for which there were moments of high volatility but also some price lateralization</a:t>
             </a:r>
-            <a:endParaRPr>
+            <a:endParaRPr sz="1500">
               <a:solidFill>
                 <a:schemeClr val="dk1"/>
               </a:solidFill>
@@ -24715,18 +24692,314 @@
               <a:spcAft>
                 <a:spcPts val="0"/>
               </a:spcAft>
+              <a:buClr>
+                <a:srgbClr val="EFEFEF"/>
+              </a:buClr>
               <a:buSzPts val="1500"/>
               <a:buFont typeface="Montserrat"/>
               <a:buChar char="●"/>
             </a:pPr>
             <a:r>
               <a:rPr b="1" lang="en" sz="1500">
+                <a:solidFill>
+                  <a:srgbClr val="EFEFEF"/>
+                </a:solidFill>
                 <a:latin typeface="Montserrat"/>
                 <a:ea typeface="Montserrat"/>
                 <a:cs typeface="Montserrat"/>
                 <a:sym typeface="Montserrat"/>
               </a:rPr>
               <a:t>Splitting method</a:t>
+            </a:r>
+            <a:endParaRPr b="1" sz="1500">
+              <a:solidFill>
+                <a:srgbClr val="EFEFEF"/>
+              </a:solidFill>
+              <a:latin typeface="Montserrat"/>
+              <a:ea typeface="Montserrat"/>
+              <a:cs typeface="Montserrat"/>
+              <a:sym typeface="Montserrat"/>
+            </a:endParaRPr>
+          </a:p>
+          <a:p>
+            <a:pPr indent="-323850" lvl="1" marL="914400" rtl="0" algn="l">
+              <a:spcBef>
+                <a:spcPts val="0"/>
+              </a:spcBef>
+              <a:spcAft>
+                <a:spcPts val="0"/>
+              </a:spcAft>
+              <a:buClr>
+                <a:srgbClr val="EFEFEF"/>
+              </a:buClr>
+              <a:buSzPts val="1500"/>
+              <a:buFont typeface="Montserrat"/>
+              <a:buChar char="○"/>
+            </a:pPr>
+            <a:r>
+              <a:rPr lang="en" sz="1500">
+                <a:solidFill>
+                  <a:srgbClr val="EFEFEF"/>
+                </a:solidFill>
+                <a:latin typeface="Montserrat"/>
+                <a:ea typeface="Montserrat"/>
+                <a:cs typeface="Montserrat"/>
+                <a:sym typeface="Montserrat"/>
+              </a:rPr>
+              <a:t>Better those that consider a shorter period (e.g. Single Split)</a:t>
+            </a:r>
+            <a:endParaRPr sz="1500">
+              <a:solidFill>
+                <a:srgbClr val="EFEFEF"/>
+              </a:solidFill>
+              <a:latin typeface="Montserrat"/>
+              <a:ea typeface="Montserrat"/>
+              <a:cs typeface="Montserrat"/>
+              <a:sym typeface="Montserrat"/>
+            </a:endParaRPr>
+          </a:p>
+          <a:p>
+            <a:pPr indent="-323850" lvl="0" marL="457200" rtl="0" algn="l">
+              <a:spcBef>
+                <a:spcPts val="0"/>
+              </a:spcBef>
+              <a:spcAft>
+                <a:spcPts val="0"/>
+              </a:spcAft>
+              <a:buClr>
+                <a:srgbClr val="EFEFEF"/>
+              </a:buClr>
+              <a:buSzPts val="1500"/>
+              <a:buFont typeface="Montserrat"/>
+              <a:buChar char="●"/>
+            </a:pPr>
+            <a:r>
+              <a:rPr b="1" lang="en" sz="1500">
+                <a:solidFill>
+                  <a:srgbClr val="EFEFEF"/>
+                </a:solidFill>
+                <a:latin typeface="Montserrat"/>
+                <a:ea typeface="Montserrat"/>
+                <a:cs typeface="Montserrat"/>
+                <a:sym typeface="Montserrat"/>
+              </a:rPr>
+              <a:t>Features</a:t>
+            </a:r>
+            <a:endParaRPr sz="1500">
+              <a:solidFill>
+                <a:srgbClr val="EFEFEF"/>
+              </a:solidFill>
+              <a:latin typeface="Montserrat"/>
+              <a:ea typeface="Montserrat"/>
+              <a:cs typeface="Montserrat"/>
+              <a:sym typeface="Montserrat"/>
+            </a:endParaRPr>
+          </a:p>
+          <a:p>
+            <a:pPr indent="-323850" lvl="1" marL="914400" rtl="0" algn="l">
+              <a:spcBef>
+                <a:spcPts val="0"/>
+              </a:spcBef>
+              <a:spcAft>
+                <a:spcPts val="0"/>
+              </a:spcAft>
+              <a:buClr>
+                <a:srgbClr val="EFEFEF"/>
+              </a:buClr>
+              <a:buSzPts val="1500"/>
+              <a:buFont typeface="Montserrat"/>
+              <a:buChar char="○"/>
+            </a:pPr>
+            <a:r>
+              <a:rPr lang="en" sz="1500">
+                <a:solidFill>
+                  <a:srgbClr val="EFEFEF"/>
+                </a:solidFill>
+                <a:latin typeface="Montserrat"/>
+                <a:ea typeface="Montserrat"/>
+                <a:cs typeface="Montserrat"/>
+                <a:sym typeface="Montserrat"/>
+              </a:rPr>
+              <a:t>Depend on the type of model</a:t>
+            </a:r>
+            <a:endParaRPr sz="1500">
+              <a:solidFill>
+                <a:srgbClr val="EFEFEF"/>
+              </a:solidFill>
+              <a:latin typeface="Montserrat"/>
+              <a:ea typeface="Montserrat"/>
+              <a:cs typeface="Montserrat"/>
+              <a:sym typeface="Montserrat"/>
+            </a:endParaRPr>
+          </a:p>
+          <a:p>
+            <a:pPr indent="-323850" lvl="1" marL="914400" rtl="0" algn="l">
+              <a:spcBef>
+                <a:spcPts val="0"/>
+              </a:spcBef>
+              <a:spcAft>
+                <a:spcPts val="0"/>
+              </a:spcAft>
+              <a:buClr>
+                <a:srgbClr val="EFEFEF"/>
+              </a:buClr>
+              <a:buSzPts val="1500"/>
+              <a:buFont typeface="Montserrat"/>
+              <a:buChar char="○"/>
+            </a:pPr>
+            <a:r>
+              <a:rPr lang="en" sz="1500">
+                <a:solidFill>
+                  <a:srgbClr val="EFEFEF"/>
+                </a:solidFill>
+                <a:latin typeface="Montserrat"/>
+                <a:ea typeface="Montserrat"/>
+                <a:cs typeface="Montserrat"/>
+                <a:sym typeface="Montserrat"/>
+              </a:rPr>
+              <a:t>In general:  blockchain-related features brought slight improvements</a:t>
+            </a:r>
+            <a:endParaRPr sz="1500">
+              <a:solidFill>
+                <a:srgbClr val="EFEFEF"/>
+              </a:solidFill>
+              <a:latin typeface="Montserrat"/>
+              <a:ea typeface="Montserrat"/>
+              <a:cs typeface="Montserrat"/>
+              <a:sym typeface="Montserrat"/>
+            </a:endParaRPr>
+          </a:p>
+          <a:p>
+            <a:pPr indent="-323850" lvl="0" marL="457200" rtl="0" algn="l">
+              <a:spcBef>
+                <a:spcPts val="0"/>
+              </a:spcBef>
+              <a:spcAft>
+                <a:spcPts val="0"/>
+              </a:spcAft>
+              <a:buClr>
+                <a:srgbClr val="EFEFEF"/>
+              </a:buClr>
+              <a:buSzPts val="1500"/>
+              <a:buFont typeface="Montserrat"/>
+              <a:buChar char="●"/>
+            </a:pPr>
+            <a:r>
+              <a:rPr b="1" lang="en" sz="1500">
+                <a:solidFill>
+                  <a:srgbClr val="EFEFEF"/>
+                </a:solidFill>
+                <a:latin typeface="Montserrat"/>
+                <a:ea typeface="Montserrat"/>
+                <a:cs typeface="Montserrat"/>
+                <a:sym typeface="Montserrat"/>
+              </a:rPr>
+              <a:t>Models</a:t>
+            </a:r>
+            <a:endParaRPr b="1" sz="1500">
+              <a:solidFill>
+                <a:srgbClr val="EFEFEF"/>
+              </a:solidFill>
+              <a:latin typeface="Montserrat"/>
+              <a:ea typeface="Montserrat"/>
+              <a:cs typeface="Montserrat"/>
+              <a:sym typeface="Montserrat"/>
+            </a:endParaRPr>
+          </a:p>
+          <a:p>
+            <a:pPr indent="-323850" lvl="1" marL="914400" rtl="0" algn="l">
+              <a:spcBef>
+                <a:spcPts val="0"/>
+              </a:spcBef>
+              <a:spcAft>
+                <a:spcPts val="0"/>
+              </a:spcAft>
+              <a:buClr>
+                <a:srgbClr val="EFEFEF"/>
+              </a:buClr>
+              <a:buSzPts val="1500"/>
+              <a:buFont typeface="Montserrat"/>
+              <a:buChar char="○"/>
+            </a:pPr>
+            <a:r>
+              <a:rPr lang="en" sz="1500">
+                <a:solidFill>
+                  <a:srgbClr val="EFEFEF"/>
+                </a:solidFill>
+                <a:latin typeface="Montserrat"/>
+                <a:ea typeface="Montserrat"/>
+                <a:cs typeface="Montserrat"/>
+                <a:sym typeface="Montserrat"/>
+              </a:rPr>
+              <a:t>Better in the short-medium term (especially tree-based models)</a:t>
+            </a:r>
+            <a:endParaRPr sz="1500">
+              <a:solidFill>
+                <a:srgbClr val="EFEFEF"/>
+              </a:solidFill>
+              <a:latin typeface="Montserrat"/>
+              <a:ea typeface="Montserrat"/>
+              <a:cs typeface="Montserrat"/>
+              <a:sym typeface="Montserrat"/>
+            </a:endParaRPr>
+          </a:p>
+          <a:p>
+            <a:pPr indent="-323850" lvl="1" marL="914400" rtl="0" algn="l">
+              <a:spcBef>
+                <a:spcPts val="0"/>
+              </a:spcBef>
+              <a:spcAft>
+                <a:spcPts val="0"/>
+              </a:spcAft>
+              <a:buClr>
+                <a:srgbClr val="EFEFEF"/>
+              </a:buClr>
+              <a:buSzPts val="1500"/>
+              <a:buFont typeface="Montserrat"/>
+              <a:buChar char="○"/>
+            </a:pPr>
+            <a:r>
+              <a:rPr lang="en" sz="1500">
+                <a:solidFill>
+                  <a:srgbClr val="EFEFEF"/>
+                </a:solidFill>
+                <a:latin typeface="Montserrat"/>
+                <a:ea typeface="Montserrat"/>
+                <a:cs typeface="Montserrat"/>
+                <a:sym typeface="Montserrat"/>
+              </a:rPr>
+              <a:t>As time period increase performance begins to degrade</a:t>
+            </a:r>
+            <a:endParaRPr sz="1500">
+              <a:solidFill>
+                <a:srgbClr val="EFEFEF"/>
+              </a:solidFill>
+              <a:latin typeface="Montserrat"/>
+              <a:ea typeface="Montserrat"/>
+              <a:cs typeface="Montserrat"/>
+              <a:sym typeface="Montserrat"/>
+            </a:endParaRPr>
+          </a:p>
+          <a:p>
+            <a:pPr indent="-323850" lvl="0" marL="457200" rtl="0" algn="l">
+              <a:spcBef>
+                <a:spcPts val="0"/>
+              </a:spcBef>
+              <a:spcAft>
+                <a:spcPts val="0"/>
+              </a:spcAft>
+              <a:buSzPts val="1500"/>
+              <a:buFont typeface="Montserrat"/>
+              <a:buChar char="●"/>
+            </a:pPr>
+            <a:r>
+              <a:rPr b="1" lang="en" sz="1500">
+                <a:latin typeface="Montserrat"/>
+                <a:ea typeface="Montserrat"/>
+                <a:cs typeface="Montserrat"/>
+                <a:sym typeface="Montserrat"/>
+              </a:rPr>
+              <a:t>Answer to the initial question</a:t>
             </a:r>
             <a:endParaRPr b="1" sz="1500">
               <a:latin typeface="Montserrat"/>
@@ -24748,13 +25021,22 @@
               <a:buChar char="○"/>
             </a:pPr>
             <a:r>
+              <a:rPr b="1" lang="en" sz="1500">
+                <a:latin typeface="Montserrat"/>
+                <a:ea typeface="Montserrat"/>
+                <a:cs typeface="Montserrat"/>
+                <a:sym typeface="Montserrat"/>
+              </a:rPr>
+              <a:t>Yes</a:t>
+            </a:r>
+            <a:r>
               <a:rPr lang="en" sz="1500">
                 <a:latin typeface="Montserrat"/>
                 <a:ea typeface="Montserrat"/>
                 <a:cs typeface="Montserrat"/>
                 <a:sym typeface="Montserrat"/>
               </a:rPr>
-              <a:t>Better those that consider a shorter period (e.g. Single Split)</a:t>
+              <a:t> (as far as the length of the period is concerned)</a:t>
             </a:r>
             <a:endParaRPr sz="1500">
               <a:latin typeface="Montserrat"/>
@@ -24764,7 +25046,7 @@
             </a:endParaRPr>
           </a:p>
           <a:p>
-            <a:pPr indent="-323850" lvl="0" marL="457200" rtl="0" algn="l">
+            <a:pPr indent="-323850" lvl="1" marL="914400" rtl="0" algn="l">
               <a:spcBef>
                 <a:spcPts val="0"/>
               </a:spcBef>
@@ -24773,16 +25055,16 @@
               </a:spcAft>
               <a:buSzPts val="1500"/>
               <a:buFont typeface="Montserrat"/>
-              <a:buChar char="●"/>
-            </a:pPr>
-            <a:r>
-              <a:rPr b="1" lang="en" sz="1500">
-                <a:latin typeface="Montserrat"/>
-                <a:ea typeface="Montserrat"/>
-                <a:cs typeface="Montserrat"/>
-                <a:sym typeface="Montserrat"/>
-              </a:rPr>
-              <a:t>Features</a:t>
+              <a:buChar char="○"/>
+            </a:pPr>
+            <a:r>
+              <a:rPr lang="en" sz="1500">
+                <a:latin typeface="Montserrat"/>
+                <a:ea typeface="Montserrat"/>
+                <a:cs typeface="Montserrat"/>
+                <a:sym typeface="Montserrat"/>
+              </a:rPr>
+              <a:t>Better to consider a narrower forecast period for higher accuracy</a:t>
             </a:r>
             <a:endParaRPr sz="1500">
               <a:latin typeface="Montserrat"/>
@@ -24792,7 +25074,41 @@
             </a:endParaRPr>
           </a:p>
           <a:p>
+            <a:pPr indent="-323850" lvl="0" marL="457200" rtl="0" algn="l">
+              <a:lnSpc>
+                <a:spcPct val="115000"/>
+              </a:lnSpc>
+              <a:spcBef>
+                <a:spcPts val="0"/>
+              </a:spcBef>
+              <a:spcAft>
+                <a:spcPts val="0"/>
+              </a:spcAft>
+              <a:buSzPts val="1500"/>
+              <a:buFont typeface="Montserrat"/>
+              <a:buChar char="●"/>
+            </a:pPr>
+            <a:r>
+              <a:rPr b="1" lang="en" sz="1500">
+                <a:latin typeface="Montserrat"/>
+                <a:ea typeface="Montserrat"/>
+                <a:cs typeface="Montserrat"/>
+                <a:sym typeface="Montserrat"/>
+              </a:rPr>
+              <a:t>Future developments</a:t>
+            </a:r>
+            <a:endParaRPr b="1" sz="1500">
+              <a:latin typeface="Montserrat"/>
+              <a:ea typeface="Montserrat"/>
+              <a:cs typeface="Montserrat"/>
+              <a:sym typeface="Montserrat"/>
+            </a:endParaRPr>
+          </a:p>
+          <a:p>
             <a:pPr indent="-323850" lvl="1" marL="914400" rtl="0" algn="l">
+              <a:lnSpc>
+                <a:spcPct val="115000"/>
+              </a:lnSpc>
               <a:spcBef>
                 <a:spcPts val="0"/>
               </a:spcBef>
@@ -24810,7 +25126,7 @@
                 <a:cs typeface="Montserrat"/>
                 <a:sym typeface="Montserrat"/>
               </a:rPr>
-              <a:t>Depend on the type of model</a:t>
+              <a:t>Create a sliding window on features (additional historical data can be used)</a:t>
             </a:r>
             <a:endParaRPr sz="1500">
               <a:latin typeface="Montserrat"/>
@@ -24838,7 +25154,16 @@
                 <a:cs typeface="Montserrat"/>
                 <a:sym typeface="Montserrat"/>
               </a:rPr>
-              <a:t>In general:  blockchain-related features brought slight improvements</a:t>
+              <a:t>Consider </a:t>
+            </a:r>
+            <a:r>
+              <a:rPr lang="en" sz="1500">
+                <a:latin typeface="Montserrat"/>
+                <a:ea typeface="Montserrat"/>
+                <a:cs typeface="Montserrat"/>
+                <a:sym typeface="Montserrat"/>
+              </a:rPr>
+              <a:t>events that could influence the price</a:t>
             </a:r>
             <a:endParaRPr sz="1500">
               <a:latin typeface="Montserrat"/>
@@ -24848,35 +25173,10 @@
             </a:endParaRPr>
           </a:p>
           <a:p>
-            <a:pPr indent="-323850" lvl="0" marL="457200" rtl="0" algn="l">
-              <a:spcBef>
-                <a:spcPts val="0"/>
-              </a:spcBef>
-              <a:spcAft>
-                <a:spcPts val="0"/>
-              </a:spcAft>
-              <a:buSzPts val="1500"/>
-              <a:buFont typeface="Montserrat"/>
-              <a:buChar char="●"/>
-            </a:pPr>
-            <a:r>
-              <a:rPr b="1" lang="en" sz="1500">
-                <a:latin typeface="Montserrat"/>
-                <a:ea typeface="Montserrat"/>
-                <a:cs typeface="Montserrat"/>
-                <a:sym typeface="Montserrat"/>
-              </a:rPr>
-              <a:t>Models</a:t>
-            </a:r>
-            <a:endParaRPr b="1" sz="1500">
-              <a:latin typeface="Montserrat"/>
-              <a:ea typeface="Montserrat"/>
-              <a:cs typeface="Montserrat"/>
-              <a:sym typeface="Montserrat"/>
-            </a:endParaRPr>
-          </a:p>
-          <a:p>
             <a:pPr indent="-323850" lvl="1" marL="914400" rtl="0" algn="l">
+              <a:lnSpc>
+                <a:spcPct val="115000"/>
+              </a:lnSpc>
               <a:spcBef>
                 <a:spcPts val="0"/>
               </a:spcBef>
@@ -24894,7 +25194,7 @@
                 <a:cs typeface="Montserrat"/>
                 <a:sym typeface="Montserrat"/>
               </a:rPr>
-              <a:t>Better in the short-medium term (especially tree-based models)</a:t>
+              <a:t>Using deep learning approaches such as CNNs or Transformers</a:t>
             </a:r>
             <a:endParaRPr sz="1500">
               <a:latin typeface="Montserrat"/>
@@ -24903,259 +25203,43 @@
               <a:sym typeface="Montserrat"/>
             </a:endParaRPr>
           </a:p>
-          <a:p>
-            <a:pPr indent="-323850" lvl="1" marL="914400" rtl="0" algn="l">
-              <a:spcBef>
-                <a:spcPts val="0"/>
-              </a:spcBef>
-              <a:spcAft>
-                <a:spcPts val="0"/>
-              </a:spcAft>
-              <a:buSzPts val="1500"/>
-              <a:buFont typeface="Montserrat"/>
-              <a:buChar char="○"/>
-            </a:pPr>
-            <a:r>
-              <a:rPr lang="en" sz="1500">
-                <a:latin typeface="Montserrat"/>
-                <a:ea typeface="Montserrat"/>
-                <a:cs typeface="Montserrat"/>
-                <a:sym typeface="Montserrat"/>
-              </a:rPr>
-              <a:t>As time period increase performance begins to degrade</a:t>
-            </a:r>
-            <a:endParaRPr sz="1500">
-              <a:latin typeface="Montserrat"/>
-              <a:ea typeface="Montserrat"/>
-              <a:cs typeface="Montserrat"/>
-              <a:sym typeface="Montserrat"/>
-            </a:endParaRPr>
-          </a:p>
-          <a:p>
-            <a:pPr indent="-323850" lvl="0" marL="457200" rtl="0" algn="l">
-              <a:spcBef>
-                <a:spcPts val="0"/>
-              </a:spcBef>
-              <a:spcAft>
-                <a:spcPts val="0"/>
-              </a:spcAft>
-              <a:buSzPts val="1500"/>
-              <a:buFont typeface="Montserrat"/>
-              <a:buChar char="●"/>
-            </a:pPr>
-            <a:r>
-              <a:rPr b="1" lang="en" sz="1500">
-                <a:latin typeface="Montserrat"/>
-                <a:ea typeface="Montserrat"/>
-                <a:cs typeface="Montserrat"/>
-                <a:sym typeface="Montserrat"/>
-              </a:rPr>
-              <a:t>Answer to the initial question</a:t>
-            </a:r>
-            <a:endParaRPr b="1" sz="1500">
-              <a:latin typeface="Montserrat"/>
-              <a:ea typeface="Montserrat"/>
-              <a:cs typeface="Montserrat"/>
-              <a:sym typeface="Montserrat"/>
-            </a:endParaRPr>
-          </a:p>
-          <a:p>
-            <a:pPr indent="-323850" lvl="1" marL="914400" rtl="0" algn="l">
-              <a:spcBef>
-                <a:spcPts val="0"/>
-              </a:spcBef>
-              <a:spcAft>
-                <a:spcPts val="0"/>
-              </a:spcAft>
-              <a:buSzPts val="1500"/>
-              <a:buFont typeface="Montserrat"/>
-              <a:buChar char="○"/>
-            </a:pPr>
-            <a:r>
-              <a:rPr b="1" lang="en" sz="1500">
-                <a:latin typeface="Montserrat"/>
-                <a:ea typeface="Montserrat"/>
-                <a:cs typeface="Montserrat"/>
-                <a:sym typeface="Montserrat"/>
-              </a:rPr>
-              <a:t>Yes</a:t>
-            </a:r>
-            <a:r>
-              <a:rPr lang="en" sz="1500">
-                <a:latin typeface="Montserrat"/>
-                <a:ea typeface="Montserrat"/>
-                <a:cs typeface="Montserrat"/>
-                <a:sym typeface="Montserrat"/>
-              </a:rPr>
-              <a:t> (as far as the length of the period is concerned)</a:t>
-            </a:r>
-            <a:endParaRPr sz="1500">
-              <a:latin typeface="Montserrat"/>
-              <a:ea typeface="Montserrat"/>
-              <a:cs typeface="Montserrat"/>
-              <a:sym typeface="Montserrat"/>
-            </a:endParaRPr>
-          </a:p>
-          <a:p>
-            <a:pPr indent="-323850" lvl="1" marL="914400" rtl="0" algn="l">
-              <a:spcBef>
-                <a:spcPts val="0"/>
-              </a:spcBef>
-              <a:spcAft>
-                <a:spcPts val="0"/>
-              </a:spcAft>
-              <a:buSzPts val="1500"/>
-              <a:buFont typeface="Montserrat"/>
-              <a:buChar char="○"/>
-            </a:pPr>
-            <a:r>
-              <a:rPr lang="en" sz="1500">
-                <a:latin typeface="Montserrat"/>
-                <a:ea typeface="Montserrat"/>
-                <a:cs typeface="Montserrat"/>
-                <a:sym typeface="Montserrat"/>
-              </a:rPr>
-              <a:t>Better to consider a narrower forecast period for higher accuracy</a:t>
-            </a:r>
-            <a:endParaRPr sz="1500">
-              <a:latin typeface="Montserrat"/>
-              <a:ea typeface="Montserrat"/>
-              <a:cs typeface="Montserrat"/>
-              <a:sym typeface="Montserrat"/>
-            </a:endParaRPr>
-          </a:p>
-          <a:p>
-            <a:pPr indent="-323850" lvl="0" marL="457200" rtl="0" algn="l">
-              <a:lnSpc>
-                <a:spcPct val="115000"/>
-              </a:lnSpc>
-              <a:spcBef>
-                <a:spcPts val="0"/>
-              </a:spcBef>
-              <a:spcAft>
-                <a:spcPts val="0"/>
-              </a:spcAft>
-              <a:buSzPts val="1500"/>
-              <a:buFont typeface="Montserrat"/>
-              <a:buChar char="●"/>
-            </a:pPr>
-            <a:r>
-              <a:rPr b="1" lang="en" sz="1500">
-                <a:latin typeface="Montserrat"/>
-                <a:ea typeface="Montserrat"/>
-                <a:cs typeface="Montserrat"/>
-                <a:sym typeface="Montserrat"/>
-              </a:rPr>
-              <a:t>Future developments</a:t>
-            </a:r>
-            <a:endParaRPr b="1" sz="1500">
-              <a:latin typeface="Montserrat"/>
-              <a:ea typeface="Montserrat"/>
-              <a:cs typeface="Montserrat"/>
-              <a:sym typeface="Montserrat"/>
-            </a:endParaRPr>
-          </a:p>
-          <a:p>
-            <a:pPr indent="-323850" lvl="1" marL="914400" rtl="0" algn="l">
-              <a:lnSpc>
-                <a:spcPct val="115000"/>
-              </a:lnSpc>
-              <a:spcBef>
-                <a:spcPts val="0"/>
-              </a:spcBef>
-              <a:spcAft>
-                <a:spcPts val="0"/>
-              </a:spcAft>
-              <a:buSzPts val="1500"/>
-              <a:buFont typeface="Montserrat"/>
-              <a:buChar char="○"/>
-            </a:pPr>
-            <a:r>
-              <a:rPr lang="en" sz="1500">
-                <a:latin typeface="Montserrat"/>
-                <a:ea typeface="Montserrat"/>
-                <a:cs typeface="Montserrat"/>
-                <a:sym typeface="Montserrat"/>
-              </a:rPr>
-              <a:t>Create a sliding window on features (additional historical data can be used)</a:t>
-            </a:r>
-            <a:endParaRPr sz="1500">
-              <a:latin typeface="Montserrat"/>
-              <a:ea typeface="Montserrat"/>
-              <a:cs typeface="Montserrat"/>
-              <a:sym typeface="Montserrat"/>
-            </a:endParaRPr>
-          </a:p>
-          <a:p>
-            <a:pPr indent="-323850" lvl="1" marL="914400" rtl="0" algn="l">
-              <a:spcBef>
-                <a:spcPts val="0"/>
-              </a:spcBef>
-              <a:spcAft>
-                <a:spcPts val="0"/>
-              </a:spcAft>
-              <a:buSzPts val="1500"/>
-              <a:buFont typeface="Montserrat"/>
-              <a:buChar char="○"/>
-            </a:pPr>
-            <a:r>
-              <a:rPr lang="en" sz="1500">
-                <a:latin typeface="Montserrat"/>
-                <a:ea typeface="Montserrat"/>
-                <a:cs typeface="Montserrat"/>
-                <a:sym typeface="Montserrat"/>
-              </a:rPr>
-              <a:t>Consider </a:t>
-            </a:r>
-            <a:r>
-              <a:rPr lang="en" sz="1500">
-                <a:latin typeface="Montserrat"/>
-                <a:ea typeface="Montserrat"/>
-                <a:cs typeface="Montserrat"/>
-                <a:sym typeface="Montserrat"/>
-              </a:rPr>
-              <a:t>events that could influence the price</a:t>
-            </a:r>
-            <a:endParaRPr sz="1500">
-              <a:latin typeface="Montserrat"/>
-              <a:ea typeface="Montserrat"/>
-              <a:cs typeface="Montserrat"/>
-              <a:sym typeface="Montserrat"/>
-            </a:endParaRPr>
-          </a:p>
-          <a:p>
-            <a:pPr indent="-323850" lvl="1" marL="914400" rtl="0" algn="l">
-              <a:lnSpc>
-                <a:spcPct val="115000"/>
-              </a:lnSpc>
-              <a:spcBef>
-                <a:spcPts val="0"/>
-              </a:spcBef>
-              <a:spcAft>
-                <a:spcPts val="0"/>
-              </a:spcAft>
-              <a:buSzPts val="1500"/>
-              <a:buFont typeface="Montserrat"/>
-              <a:buChar char="○"/>
-            </a:pPr>
-            <a:r>
-              <a:rPr lang="en" sz="1500">
-                <a:latin typeface="Montserrat"/>
-                <a:ea typeface="Montserrat"/>
-                <a:cs typeface="Montserrat"/>
-                <a:sym typeface="Montserrat"/>
-              </a:rPr>
-              <a:t>Using deep learning approaches such as CNNs or Transformers</a:t>
-            </a:r>
-            <a:endParaRPr sz="1500">
-              <a:latin typeface="Montserrat"/>
-              <a:ea typeface="Montserrat"/>
-              <a:cs typeface="Montserrat"/>
-              <a:sym typeface="Montserrat"/>
-            </a:endParaRPr>
-          </a:p>
         </p:txBody>
       </p:sp>
+      <p:pic>
+        <p:nvPicPr>
+          <p:cNvPr id="461" name="Google Shape;461;g2a8be63b007_0_181"/>
+          <p:cNvPicPr preferRelativeResize="0"/>
+          <p:nvPr/>
+        </p:nvPicPr>
+        <p:blipFill>
+          <a:blip r:embed="rId3">
+            <a:alphaModFix/>
+          </a:blip>
+          <a:stretch>
+            <a:fillRect/>
+          </a:stretch>
+        </p:blipFill>
+        <p:spPr>
+          <a:xfrm>
+            <a:off x="1696570" y="744370"/>
+            <a:ext cx="5084825" cy="2329375"/>
+          </a:xfrm>
+          <a:prstGeom prst="rect">
+            <a:avLst/>
+          </a:prstGeom>
+          <a:noFill/>
+          <a:ln>
+            <a:noFill/>
+          </a:ln>
+          <a:effectLst>
+            <a:outerShdw blurRad="57150" rotWithShape="0" algn="bl" dir="5400000" dist="19050">
+              <a:srgbClr val="000000">
+                <a:alpha val="50000"/>
+              </a:srgbClr>
+            </a:outerShdw>
+          </a:effectLst>
+        </p:spPr>
+      </p:pic>
     </p:spTree>
   </p:cSld>
   <p:clrMapOvr>
@@ -25727,7 +25811,7 @@
     </p:bg>
     <p:spTree>
       <p:nvGrpSpPr>
-        <p:cNvPr id="464" name="Shape 464"/>
+        <p:cNvPr id="465" name="Shape 465"/>
         <p:cNvGrpSpPr/>
         <p:nvPr/>
       </p:nvGrpSpPr>
@@ -25741,7 +25825,7 @@
       </p:grpSpPr>
       <p:sp>
         <p:nvSpPr>
-          <p:cNvPr id="465" name="Google Shape;465;g26e1760ff98_1_133"/>
+          <p:cNvPr id="466" name="Google Shape;466;g26e1760ff98_1_133"/>
           <p:cNvSpPr txBox="1"/>
           <p:nvPr/>
         </p:nvSpPr>
@@ -25807,7 +25891,7 @@
       </p:sp>
       <p:pic>
         <p:nvPicPr>
-          <p:cNvPr id="466" name="Google Shape;466;g26e1760ff98_1_133"/>
+          <p:cNvPr id="467" name="Google Shape;467;g26e1760ff98_1_133"/>
           <p:cNvPicPr preferRelativeResize="0"/>
           <p:nvPr/>
         </p:nvPicPr>
@@ -25835,7 +25919,7 @@
       </p:pic>
       <p:sp>
         <p:nvSpPr>
-          <p:cNvPr id="467" name="Google Shape;467;g26e1760ff98_1_133"/>
+          <p:cNvPr id="468" name="Google Shape;468;g26e1760ff98_1_133"/>
           <p:cNvSpPr txBox="1"/>
           <p:nvPr/>
         </p:nvSpPr>
@@ -25896,7 +25980,7 @@
       </p:sp>
       <p:sp>
         <p:nvSpPr>
-          <p:cNvPr id="468" name="Google Shape;468;g26e1760ff98_1_133"/>
+          <p:cNvPr id="469" name="Google Shape;469;g26e1760ff98_1_133"/>
           <p:cNvSpPr txBox="1"/>
           <p:nvPr/>
         </p:nvSpPr>
@@ -25957,7 +26041,7 @@
       </p:sp>
       <p:pic>
         <p:nvPicPr>
-          <p:cNvPr id="469" name="Google Shape;469;g26e1760ff98_1_133"/>
+          <p:cNvPr id="470" name="Google Shape;470;g26e1760ff98_1_133"/>
           <p:cNvPicPr preferRelativeResize="0"/>
           <p:nvPr/>
         </p:nvPicPr>
@@ -25985,7 +26069,7 @@
       </p:pic>
       <p:pic>
         <p:nvPicPr>
-          <p:cNvPr id="470" name="Google Shape;470;g26e1760ff98_1_133"/>
+          <p:cNvPr id="471" name="Google Shape;471;g26e1760ff98_1_133"/>
           <p:cNvPicPr preferRelativeResize="0"/>
           <p:nvPr/>
         </p:nvPicPr>
@@ -26013,7 +26097,7 @@
       </p:pic>
       <p:pic>
         <p:nvPicPr>
-          <p:cNvPr id="471" name="Google Shape;471;g26e1760ff98_1_133"/>
+          <p:cNvPr id="472" name="Google Shape;472;g26e1760ff98_1_133"/>
           <p:cNvPicPr preferRelativeResize="0"/>
           <p:nvPr/>
         </p:nvPicPr>
@@ -28401,6 +28485,285 @@
 </file>
 
 <file path=ppt/theme/theme1.xml><?xml version="1.0" encoding="utf-8"?>
+<a:theme xmlns:a="http://schemas.openxmlformats.org/drawingml/2006/main" xmlns:r="http://schemas.openxmlformats.org/officeDocument/2006/relationships">
+  <a:themeElements>
+    <a:clrScheme name="Default">
+      <a:dk1>
+        <a:srgbClr val="000000"/>
+      </a:dk1>
+      <a:lt1>
+        <a:srgbClr val="FFFFFF"/>
+      </a:lt1>
+      <a:dk2>
+        <a:srgbClr val="158158"/>
+      </a:dk2>
+      <a:lt2>
+        <a:srgbClr val="F3F3F3"/>
+      </a:lt2>
+      <a:accent1>
+        <a:srgbClr val="058DC7"/>
+      </a:accent1>
+      <a:accent2>
+        <a:srgbClr val="50B432"/>
+      </a:accent2>
+      <a:accent3>
+        <a:srgbClr val="ED561B"/>
+      </a:accent3>
+      <a:accent4>
+        <a:srgbClr val="EDEF00"/>
+      </a:accent4>
+      <a:accent5>
+        <a:srgbClr val="24CBE5"/>
+      </a:accent5>
+      <a:accent6>
+        <a:srgbClr val="64E572"/>
+      </a:accent6>
+      <a:hlink>
+        <a:srgbClr val="2200CC"/>
+      </a:hlink>
+      <a:folHlink>
+        <a:srgbClr val="551A8B"/>
+      </a:folHlink>
+    </a:clrScheme>
+    <a:fontScheme name="Office">
+      <a:majorFont>
+        <a:latin typeface="Arial"/>
+        <a:ea typeface=""/>
+        <a:cs typeface=""/>
+        <a:font script="Jpan" typeface="ＭＳ Ｐゴシック"/>
+        <a:font script="Hang" typeface="맑은 고딕"/>
+        <a:font script="Hans" typeface="宋体"/>
+        <a:font script="Hant" typeface="新細明體"/>
+        <a:font script="Arab" typeface="Times New Roman"/>
+        <a:font script="Hebr" typeface="Times New Roman"/>
+        <a:font script="Thai" typeface="Angsana New"/>
+        <a:font script="Ethi" typeface="Nyala"/>
+        <a:font script="Beng" typeface="Vrinda"/>
+        <a:font script="Gujr" typeface="Shruti"/>
+        <a:font script="Khmr" typeface="MoolBoran"/>
+        <a:font script="Knda" typeface="Tunga"/>
+        <a:font script="Guru" typeface="Raavi"/>
+        <a:font script="Cans" typeface="Euphemia"/>
+        <a:font script="Cher" typeface="Plantagenet Cherokee"/>
+        <a:font script="Yiii" typeface="Microsoft Yi Baiti"/>
+        <a:font script="Tibt" typeface="Microsoft Himalaya"/>
+        <a:font script="Thaa" typeface="MV Boli"/>
+        <a:font script="Deva" typeface="Mangal"/>
+        <a:font script="Telu" typeface="Gautami"/>
+        <a:font script="Taml" typeface="Latha"/>
+        <a:font script="Syrc" typeface="Estrangelo Edessa"/>
+        <a:font script="Orya" typeface="Kalinga"/>
+        <a:font script="Mlym" typeface="Kartika"/>
+        <a:font script="Laoo" typeface="DokChampa"/>
+        <a:font script="Sinh" typeface="Iskoola Pota"/>
+        <a:font script="Mong" typeface="Mongolian Baiti"/>
+        <a:font script="Viet" typeface="Times New Roman"/>
+        <a:font script="Uigh" typeface="Microsoft Uighur"/>
+        <a:font script="Geor" typeface="Sylfaen"/>
+      </a:majorFont>
+      <a:minorFont>
+        <a:latin typeface="Arial"/>
+        <a:ea typeface=""/>
+        <a:cs typeface=""/>
+        <a:font script="Jpan" typeface="ＭＳ Ｐゴシック"/>
+        <a:font script="Hang" typeface="맑은 고딕"/>
+        <a:font script="Hans" typeface="宋体"/>
+        <a:font script="Hant" typeface="新細明體"/>
+        <a:font script="Arab" typeface="Arial"/>
+        <a:font script="Hebr" typeface="Arial"/>
+        <a:font script="Thai" typeface="Cordia New"/>
+        <a:font script="Ethi" typeface="Nyala"/>
+        <a:font script="Beng" typeface="Vrinda"/>
+        <a:font script="Gujr" typeface="Shruti"/>
+        <a:font script="Khmr" typeface="DaunPenh"/>
+        <a:font script="Knda" typeface="Tunga"/>
+        <a:font script="Guru" typeface="Raavi"/>
+        <a:font script="Cans" typeface="Euphemia"/>
+        <a:font script="Cher" typeface="Plantagenet Cherokee"/>
+        <a:font script="Yiii" typeface="Microsoft Yi Baiti"/>
+        <a:font script="Tibt" typeface="Microsoft Himalaya"/>
+        <a:font script="Thaa" typeface="MV Boli"/>
+        <a:font script="Deva" typeface="Mangal"/>
+        <a:font script="Telu" typeface="Gautami"/>
+        <a:font script="Taml" typeface="Latha"/>
+        <a:font script="Syrc" typeface="Estrangelo Edessa"/>
+        <a:font script="Orya" typeface="Kalinga"/>
+        <a:font script="Mlym" typeface="Kartika"/>
+        <a:font script="Laoo" typeface="DokChampa"/>
+        <a:font script="Sinh" typeface="Iskoola Pota"/>
+        <a:font script="Mong" typeface="Mongolian Baiti"/>
+        <a:font script="Viet" typeface="Arial"/>
+        <a:font script="Uigh" typeface="Microsoft Uighur"/>
+        <a:font script="Geor" typeface="Sylfaen"/>
+      </a:minorFont>
+    </a:fontScheme>
+    <a:fmtScheme name="Office">
+      <a:fillStyleLst>
+        <a:solidFill>
+          <a:schemeClr val="phClr"/>
+        </a:solidFill>
+        <a:gradFill rotWithShape="1">
+          <a:gsLst>
+            <a:gs pos="0">
+              <a:schemeClr val="phClr">
+                <a:tint val="50000"/>
+                <a:satMod val="300000"/>
+              </a:schemeClr>
+            </a:gs>
+            <a:gs pos="35000">
+              <a:schemeClr val="phClr">
+                <a:tint val="37000"/>
+                <a:satMod val="300000"/>
+              </a:schemeClr>
+            </a:gs>
+            <a:gs pos="100000">
+              <a:schemeClr val="phClr">
+                <a:tint val="15000"/>
+                <a:satMod val="350000"/>
+              </a:schemeClr>
+            </a:gs>
+          </a:gsLst>
+          <a:lin ang="16200000" scaled="1"/>
+        </a:gradFill>
+        <a:gradFill rotWithShape="1">
+          <a:gsLst>
+            <a:gs pos="0">
+              <a:schemeClr val="phClr">
+                <a:tint val="100000"/>
+                <a:shade val="100000"/>
+                <a:satMod val="130000"/>
+              </a:schemeClr>
+            </a:gs>
+            <a:gs pos="100000">
+              <a:schemeClr val="phClr">
+                <a:tint val="50000"/>
+                <a:shade val="100000"/>
+                <a:satMod val="350000"/>
+              </a:schemeClr>
+            </a:gs>
+          </a:gsLst>
+          <a:lin ang="16200000" scaled="0"/>
+        </a:gradFill>
+      </a:fillStyleLst>
+      <a:lnStyleLst>
+        <a:ln w="9525" cap="flat" cmpd="sng" algn="ctr">
+          <a:solidFill>
+            <a:schemeClr val="phClr">
+              <a:shade val="95000"/>
+              <a:satMod val="105000"/>
+            </a:schemeClr>
+          </a:solidFill>
+          <a:prstDash val="solid"/>
+        </a:ln>
+        <a:ln w="25400" cap="flat" cmpd="sng" algn="ctr">
+          <a:solidFill>
+            <a:schemeClr val="phClr"/>
+          </a:solidFill>
+          <a:prstDash val="solid"/>
+        </a:ln>
+        <a:ln w="38100" cap="flat" cmpd="sng" algn="ctr">
+          <a:solidFill>
+            <a:schemeClr val="phClr"/>
+          </a:solidFill>
+          <a:prstDash val="solid"/>
+        </a:ln>
+      </a:lnStyleLst>
+      <a:effectStyleLst>
+        <a:effectStyle>
+          <a:effectLst>
+            <a:outerShdw blurRad="40000" dist="20000" dir="5400000" rotWithShape="0">
+              <a:srgbClr val="000000">
+                <a:alpha val="38000"/>
+              </a:srgbClr>
+            </a:outerShdw>
+          </a:effectLst>
+        </a:effectStyle>
+        <a:effectStyle>
+          <a:effectLst>
+            <a:outerShdw blurRad="40000" dist="23000" dir="5400000" rotWithShape="0">
+              <a:srgbClr val="000000">
+                <a:alpha val="35000"/>
+              </a:srgbClr>
+            </a:outerShdw>
+          </a:effectLst>
+        </a:effectStyle>
+        <a:effectStyle>
+          <a:effectLst>
+            <a:outerShdw blurRad="40000" dist="23000" dir="5400000" rotWithShape="0">
+              <a:srgbClr val="000000">
+                <a:alpha val="35000"/>
+              </a:srgbClr>
+            </a:outerShdw>
+          </a:effectLst>
+          <a:scene3d>
+            <a:camera prst="orthographicFront">
+              <a:rot lat="0" lon="0" rev="0"/>
+            </a:camera>
+            <a:lightRig rig="threePt" dir="t">
+              <a:rot lat="0" lon="0" rev="1200000"/>
+            </a:lightRig>
+          </a:scene3d>
+          <a:sp3d>
+            <a:bevelT w="63500" h="25400"/>
+          </a:sp3d>
+        </a:effectStyle>
+      </a:effectStyleLst>
+      <a:bgFillStyleLst>
+        <a:solidFill>
+          <a:schemeClr val="phClr"/>
+        </a:solidFill>
+        <a:gradFill rotWithShape="1">
+          <a:gsLst>
+            <a:gs pos="0">
+              <a:schemeClr val="phClr">
+                <a:tint val="40000"/>
+                <a:satMod val="350000"/>
+              </a:schemeClr>
+            </a:gs>
+            <a:gs pos="40000">
+              <a:schemeClr val="phClr">
+                <a:tint val="45000"/>
+                <a:shade val="99000"/>
+                <a:satMod val="350000"/>
+              </a:schemeClr>
+            </a:gs>
+            <a:gs pos="100000">
+              <a:schemeClr val="phClr">
+                <a:shade val="20000"/>
+                <a:satMod val="255000"/>
+              </a:schemeClr>
+            </a:gs>
+          </a:gsLst>
+          <a:path path="circle">
+            <a:fillToRect l="50000" t="-80000" r="50000" b="180000"/>
+          </a:path>
+        </a:gradFill>
+        <a:gradFill rotWithShape="1">
+          <a:gsLst>
+            <a:gs pos="0">
+              <a:schemeClr val="phClr">
+                <a:tint val="80000"/>
+                <a:satMod val="300000"/>
+              </a:schemeClr>
+            </a:gs>
+            <a:gs pos="100000">
+              <a:schemeClr val="phClr">
+                <a:shade val="30000"/>
+                <a:satMod val="200000"/>
+              </a:schemeClr>
+            </a:gs>
+          </a:gsLst>
+          <a:path path="circle">
+            <a:fillToRect l="50000" t="50000" r="50000" b="50000"/>
+          </a:path>
+        </a:gradFill>
+      </a:bgFillStyleLst>
+    </a:fmtScheme>
+  </a:themeElements>
+</a:theme>
+</file>
+
+<file path=ppt/theme/theme2.xml><?xml version="1.0" encoding="utf-8"?>
 <a:theme xmlns:a="http://schemas.openxmlformats.org/drawingml/2006/main" xmlns:r="http://schemas.openxmlformats.org/officeDocument/2006/relationships" name="Simple Light">
   <a:themeElements>
     <a:clrScheme name="Simple Light">
@@ -28677,283 +29040,4 @@
     </a:fmtScheme>
   </a:themeElements>
 </a:theme>
-</file>
-
-<file path=ppt/theme/theme2.xml><?xml version="1.0" encoding="utf-8"?>
-<a:theme xmlns:a="http://schemas.openxmlformats.org/drawingml/2006/main" xmlns:r="http://schemas.openxmlformats.org/officeDocument/2006/relationships">
-  <a:themeElements>
-    <a:clrScheme name="Default">
-      <a:dk1>
-        <a:srgbClr val="000000"/>
-      </a:dk1>
-      <a:lt1>
-        <a:srgbClr val="FFFFFF"/>
-      </a:lt1>
-      <a:dk2>
-        <a:srgbClr val="158158"/>
-      </a:dk2>
-      <a:lt2>
-        <a:srgbClr val="F3F3F3"/>
-      </a:lt2>
-      <a:accent1>
-        <a:srgbClr val="058DC7"/>
-      </a:accent1>
-      <a:accent2>
-        <a:srgbClr val="50B432"/>
-      </a:accent2>
-      <a:accent3>
-        <a:srgbClr val="ED561B"/>
-      </a:accent3>
-      <a:accent4>
-        <a:srgbClr val="EDEF00"/>
-      </a:accent4>
-      <a:accent5>
-        <a:srgbClr val="24CBE5"/>
-      </a:accent5>
-      <a:accent6>
-        <a:srgbClr val="64E572"/>
-      </a:accent6>
-      <a:hlink>
-        <a:srgbClr val="2200CC"/>
-      </a:hlink>
-      <a:folHlink>
-        <a:srgbClr val="551A8B"/>
-      </a:folHlink>
-    </a:clrScheme>
-    <a:fontScheme name="Office">
-      <a:majorFont>
-        <a:latin typeface="Arial"/>
-        <a:ea typeface=""/>
-        <a:cs typeface=""/>
-        <a:font script="Jpan" typeface="ＭＳ Ｐゴシック"/>
-        <a:font script="Hang" typeface="맑은 고딕"/>
-        <a:font script="Hans" typeface="宋体"/>
-        <a:font script="Hant" typeface="新細明體"/>
-        <a:font script="Arab" typeface="Times New Roman"/>
-        <a:font script="Hebr" typeface="Times New Roman"/>
-        <a:font script="Thai" typeface="Angsana New"/>
-        <a:font script="Ethi" typeface="Nyala"/>
-        <a:font script="Beng" typeface="Vrinda"/>
-        <a:font script="Gujr" typeface="Shruti"/>
-        <a:font script="Khmr" typeface="MoolBoran"/>
-        <a:font script="Knda" typeface="Tunga"/>
-        <a:font script="Guru" typeface="Raavi"/>
-        <a:font script="Cans" typeface="Euphemia"/>
-        <a:font script="Cher" typeface="Plantagenet Cherokee"/>
-        <a:font script="Yiii" typeface="Microsoft Yi Baiti"/>
-        <a:font script="Tibt" typeface="Microsoft Himalaya"/>
-        <a:font script="Thaa" typeface="MV Boli"/>
-        <a:font script="Deva" typeface="Mangal"/>
-        <a:font script="Telu" typeface="Gautami"/>
-        <a:font script="Taml" typeface="Latha"/>
-        <a:font script="Syrc" typeface="Estrangelo Edessa"/>
-        <a:font script="Orya" typeface="Kalinga"/>
-        <a:font script="Mlym" typeface="Kartika"/>
-        <a:font script="Laoo" typeface="DokChampa"/>
-        <a:font script="Sinh" typeface="Iskoola Pota"/>
-        <a:font script="Mong" typeface="Mongolian Baiti"/>
-        <a:font script="Viet" typeface="Times New Roman"/>
-        <a:font script="Uigh" typeface="Microsoft Uighur"/>
-        <a:font script="Geor" typeface="Sylfaen"/>
-      </a:majorFont>
-      <a:minorFont>
-        <a:latin typeface="Arial"/>
-        <a:ea typeface=""/>
-        <a:cs typeface=""/>
-        <a:font script="Jpan" typeface="ＭＳ Ｐゴシック"/>
-        <a:font script="Hang" typeface="맑은 고딕"/>
-        <a:font script="Hans" typeface="宋体"/>
-        <a:font script="Hant" typeface="新細明體"/>
-        <a:font script="Arab" typeface="Arial"/>
-        <a:font script="Hebr" typeface="Arial"/>
-        <a:font script="Thai" typeface="Cordia New"/>
-        <a:font script="Ethi" typeface="Nyala"/>
-        <a:font script="Beng" typeface="Vrinda"/>
-        <a:font script="Gujr" typeface="Shruti"/>
-        <a:font script="Khmr" typeface="DaunPenh"/>
-        <a:font script="Knda" typeface="Tunga"/>
-        <a:font script="Guru" typeface="Raavi"/>
-        <a:font script="Cans" typeface="Euphemia"/>
-        <a:font script="Cher" typeface="Plantagenet Cherokee"/>
-        <a:font script="Yiii" typeface="Microsoft Yi Baiti"/>
-        <a:font script="Tibt" typeface="Microsoft Himalaya"/>
-        <a:font script="Thaa" typeface="MV Boli"/>
-        <a:font script="Deva" typeface="Mangal"/>
-        <a:font script="Telu" typeface="Gautami"/>
-        <a:font script="Taml" typeface="Latha"/>
-        <a:font script="Syrc" typeface="Estrangelo Edessa"/>
-        <a:font script="Orya" typeface="Kalinga"/>
-        <a:font script="Mlym" typeface="Kartika"/>
-        <a:font script="Laoo" typeface="DokChampa"/>
-        <a:font script="Sinh" typeface="Iskoola Pota"/>
-        <a:font script="Mong" typeface="Mongolian Baiti"/>
-        <a:font script="Viet" typeface="Arial"/>
-        <a:font script="Uigh" typeface="Microsoft Uighur"/>
-        <a:font script="Geor" typeface="Sylfaen"/>
-      </a:minorFont>
-    </a:fontScheme>
-    <a:fmtScheme name="Office">
-      <a:fillStyleLst>
-        <a:solidFill>
-          <a:schemeClr val="phClr"/>
-        </a:solidFill>
-        <a:gradFill rotWithShape="1">
-          <a:gsLst>
-            <a:gs pos="0">
-              <a:schemeClr val="phClr">
-                <a:tint val="50000"/>
-                <a:satMod val="300000"/>
-              </a:schemeClr>
-            </a:gs>
-            <a:gs pos="35000">
-              <a:schemeClr val="phClr">
-                <a:tint val="37000"/>
-                <a:satMod val="300000"/>
-              </a:schemeClr>
-            </a:gs>
-            <a:gs pos="100000">
-              <a:schemeClr val="phClr">
-                <a:tint val="15000"/>
-                <a:satMod val="350000"/>
-              </a:schemeClr>
-            </a:gs>
-          </a:gsLst>
-          <a:lin ang="16200000" scaled="1"/>
-        </a:gradFill>
-        <a:gradFill rotWithShape="1">
-          <a:gsLst>
-            <a:gs pos="0">
-              <a:schemeClr val="phClr">
-                <a:tint val="100000"/>
-                <a:shade val="100000"/>
-                <a:satMod val="130000"/>
-              </a:schemeClr>
-            </a:gs>
-            <a:gs pos="100000">
-              <a:schemeClr val="phClr">
-                <a:tint val="50000"/>
-                <a:shade val="100000"/>
-                <a:satMod val="350000"/>
-              </a:schemeClr>
-            </a:gs>
-          </a:gsLst>
-          <a:lin ang="16200000" scaled="0"/>
-        </a:gradFill>
-      </a:fillStyleLst>
-      <a:lnStyleLst>
-        <a:ln w="9525" cap="flat" cmpd="sng" algn="ctr">
-          <a:solidFill>
-            <a:schemeClr val="phClr">
-              <a:shade val="95000"/>
-              <a:satMod val="105000"/>
-            </a:schemeClr>
-          </a:solidFill>
-          <a:prstDash val="solid"/>
-        </a:ln>
-        <a:ln w="25400" cap="flat" cmpd="sng" algn="ctr">
-          <a:solidFill>
-            <a:schemeClr val="phClr"/>
-          </a:solidFill>
-          <a:prstDash val="solid"/>
-        </a:ln>
-        <a:ln w="38100" cap="flat" cmpd="sng" algn="ctr">
-          <a:solidFill>
-            <a:schemeClr val="phClr"/>
-          </a:solidFill>
-          <a:prstDash val="solid"/>
-        </a:ln>
-      </a:lnStyleLst>
-      <a:effectStyleLst>
-        <a:effectStyle>
-          <a:effectLst>
-            <a:outerShdw blurRad="40000" dist="20000" dir="5400000" rotWithShape="0">
-              <a:srgbClr val="000000">
-                <a:alpha val="38000"/>
-              </a:srgbClr>
-            </a:outerShdw>
-          </a:effectLst>
-        </a:effectStyle>
-        <a:effectStyle>
-          <a:effectLst>
-            <a:outerShdw blurRad="40000" dist="23000" dir="5400000" rotWithShape="0">
-              <a:srgbClr val="000000">
-                <a:alpha val="35000"/>
-              </a:srgbClr>
-            </a:outerShdw>
-          </a:effectLst>
-        </a:effectStyle>
-        <a:effectStyle>
-          <a:effectLst>
-            <a:outerShdw blurRad="40000" dist="23000" dir="5400000" rotWithShape="0">
-              <a:srgbClr val="000000">
-                <a:alpha val="35000"/>
-              </a:srgbClr>
-            </a:outerShdw>
-          </a:effectLst>
-          <a:scene3d>
-            <a:camera prst="orthographicFront">
-              <a:rot lat="0" lon="0" rev="0"/>
-            </a:camera>
-            <a:lightRig rig="threePt" dir="t">
-              <a:rot lat="0" lon="0" rev="1200000"/>
-            </a:lightRig>
-          </a:scene3d>
-          <a:sp3d>
-            <a:bevelT w="63500" h="25400"/>
-          </a:sp3d>
-        </a:effectStyle>
-      </a:effectStyleLst>
-      <a:bgFillStyleLst>
-        <a:solidFill>
-          <a:schemeClr val="phClr"/>
-        </a:solidFill>
-        <a:gradFill rotWithShape="1">
-          <a:gsLst>
-            <a:gs pos="0">
-              <a:schemeClr val="phClr">
-                <a:tint val="40000"/>
-                <a:satMod val="350000"/>
-              </a:schemeClr>
-            </a:gs>
-            <a:gs pos="40000">
-              <a:schemeClr val="phClr">
-                <a:tint val="45000"/>
-                <a:shade val="99000"/>
-                <a:satMod val="350000"/>
-              </a:schemeClr>
-            </a:gs>
-            <a:gs pos="100000">
-              <a:schemeClr val="phClr">
-                <a:shade val="20000"/>
-                <a:satMod val="255000"/>
-              </a:schemeClr>
-            </a:gs>
-          </a:gsLst>
-          <a:path path="circle">
-            <a:fillToRect l="50000" t="-80000" r="50000" b="180000"/>
-          </a:path>
-        </a:gradFill>
-        <a:gradFill rotWithShape="1">
-          <a:gsLst>
-            <a:gs pos="0">
-              <a:schemeClr val="phClr">
-                <a:tint val="80000"/>
-                <a:satMod val="300000"/>
-              </a:schemeClr>
-            </a:gs>
-            <a:gs pos="100000">
-              <a:schemeClr val="phClr">
-                <a:shade val="30000"/>
-                <a:satMod val="200000"/>
-              </a:schemeClr>
-            </a:gs>
-          </a:gsLst>
-          <a:path path="circle">
-            <a:fillToRect l="50000" t="50000" r="50000" b="50000"/>
-          </a:path>
-        </a:gradFill>
-      </a:bgFillStyleLst>
-    </a:fmtScheme>
-  </a:themeElements>
-</a:theme>
 </file>
--- a/presentation/presentation.pptx
+++ b/presentation/presentation.pptx
@@ -21115,7 +21115,7 @@
                 <a:cs typeface="Montserrat"/>
                 <a:sym typeface="Montserrat"/>
               </a:rPr>
-              <a:t>Long-term:</a:t>
+              <a:t>Long term:</a:t>
             </a:r>
             <a:r>
               <a:rPr lang="en" sz="1100">
@@ -21617,7 +21617,7 @@
                 <a:cs typeface="Montserrat"/>
                 <a:sym typeface="Montserrat"/>
               </a:rPr>
-              <a:t>In the short-medium term</a:t>
+              <a:t>In the short-medium term:</a:t>
             </a:r>
             <a:endParaRPr b="1" sz="1500">
               <a:latin typeface="Montserrat"/>
@@ -21737,7 +21737,7 @@
                 <a:cs typeface="Montserrat"/>
                 <a:sym typeface="Montserrat"/>
               </a:rPr>
-              <a:t>In the long term</a:t>
+              <a:t>In the long term:</a:t>
             </a:r>
             <a:endParaRPr b="1" sz="1500">
               <a:latin typeface="Montserrat"/>
@@ -22055,7 +22055,7 @@
                 <a:cs typeface="Montserrat"/>
                 <a:sym typeface="Montserrat"/>
               </a:rPr>
-              <a:t>Long-term:</a:t>
+              <a:t>Long term:</a:t>
             </a:r>
             <a:r>
               <a:rPr lang="en" sz="1100">
@@ -22611,6 +22611,11 @@
               <a:spcAft>
                 <a:spcPts val="0"/>
               </a:spcAft>
+              <a:buClr>
+                <a:schemeClr val="dk1"/>
+              </a:buClr>
+              <a:buSzPts val="1100"/>
+              <a:buFont typeface="Arial"/>
               <a:buNone/>
             </a:pPr>
             <a:r>
@@ -22620,7 +22625,7 @@
                 <a:cs typeface="Montserrat"/>
                 <a:sym typeface="Montserrat"/>
               </a:rPr>
-              <a:t>Long-term:</a:t>
+              <a:t>Long term:</a:t>
             </a:r>
             <a:r>
               <a:rPr lang="en" sz="1100">
@@ -22632,6 +22637,26 @@
               <a:t> three months</a:t>
             </a:r>
             <a:endParaRPr sz="1100">
+              <a:latin typeface="Montserrat"/>
+              <a:ea typeface="Montserrat"/>
+              <a:cs typeface="Montserrat"/>
+              <a:sym typeface="Montserrat"/>
+            </a:endParaRPr>
+          </a:p>
+          <a:p>
+            <a:pPr indent="0" lvl="0" marL="0" rtl="0" algn="l">
+              <a:spcBef>
+                <a:spcPts val="0"/>
+              </a:spcBef>
+              <a:spcAft>
+                <a:spcPts val="0"/>
+              </a:spcAft>
+              <a:buNone/>
+            </a:pPr>
+            <a:r>
+              <a:t/>
+            </a:r>
+            <a:endParaRPr b="1" sz="1100">
               <a:latin typeface="Montserrat"/>
               <a:ea typeface="Montserrat"/>
               <a:cs typeface="Montserrat"/>
@@ -23285,6 +23310,11 @@
               <a:spcAft>
                 <a:spcPts val="0"/>
               </a:spcAft>
+              <a:buClr>
+                <a:schemeClr val="dk1"/>
+              </a:buClr>
+              <a:buSzPts val="1100"/>
+              <a:buFont typeface="Arial"/>
               <a:buNone/>
             </a:pPr>
             <a:r>
@@ -23294,7 +23324,7 @@
                 <a:cs typeface="Montserrat"/>
                 <a:sym typeface="Montserrat"/>
               </a:rPr>
-              <a:t>Long-term:</a:t>
+              <a:t>Long term:</a:t>
             </a:r>
             <a:r>
               <a:rPr lang="en" sz="1100">
@@ -23306,6 +23336,26 @@
               <a:t> three months</a:t>
             </a:r>
             <a:endParaRPr sz="1100">
+              <a:latin typeface="Montserrat"/>
+              <a:ea typeface="Montserrat"/>
+              <a:cs typeface="Montserrat"/>
+              <a:sym typeface="Montserrat"/>
+            </a:endParaRPr>
+          </a:p>
+          <a:p>
+            <a:pPr indent="0" lvl="0" marL="0" rtl="0" algn="l">
+              <a:spcBef>
+                <a:spcPts val="0"/>
+              </a:spcBef>
+              <a:spcAft>
+                <a:spcPts val="0"/>
+              </a:spcAft>
+              <a:buNone/>
+            </a:pPr>
+            <a:r>
+              <a:t/>
+            </a:r>
+            <a:endParaRPr b="1" sz="1100">
               <a:latin typeface="Montserrat"/>
               <a:ea typeface="Montserrat"/>
               <a:cs typeface="Montserrat"/>
@@ -24060,6 +24110,11 @@
               <a:spcAft>
                 <a:spcPts val="0"/>
               </a:spcAft>
+              <a:buClr>
+                <a:schemeClr val="dk1"/>
+              </a:buClr>
+              <a:buSzPts val="1100"/>
+              <a:buFont typeface="Arial"/>
               <a:buNone/>
             </a:pPr>
             <a:r>
@@ -24069,7 +24124,7 @@
                 <a:cs typeface="Montserrat"/>
                 <a:sym typeface="Montserrat"/>
               </a:rPr>
-              <a:t>Long-term:</a:t>
+              <a:t>Long term:</a:t>
             </a:r>
             <a:r>
               <a:rPr lang="en" sz="1100">
@@ -24081,6 +24136,26 @@
               <a:t> three months</a:t>
             </a:r>
             <a:endParaRPr sz="1100">
+              <a:latin typeface="Montserrat"/>
+              <a:ea typeface="Montserrat"/>
+              <a:cs typeface="Montserrat"/>
+              <a:sym typeface="Montserrat"/>
+            </a:endParaRPr>
+          </a:p>
+          <a:p>
+            <a:pPr indent="0" lvl="0" marL="0" rtl="0" algn="l">
+              <a:spcBef>
+                <a:spcPts val="0"/>
+              </a:spcBef>
+              <a:spcAft>
+                <a:spcPts val="0"/>
+              </a:spcAft>
+              <a:buNone/>
+            </a:pPr>
+            <a:r>
+              <a:t/>
+            </a:r>
+            <a:endParaRPr b="1" sz="1100">
               <a:latin typeface="Montserrat"/>
               <a:ea typeface="Montserrat"/>
               <a:cs typeface="Montserrat"/>
@@ -24456,13 +24531,22 @@
               <a:buChar char="○"/>
             </a:pPr>
             <a:r>
+              <a:rPr b="1" lang="en" sz="1500">
+                <a:latin typeface="Montserrat"/>
+                <a:ea typeface="Montserrat"/>
+                <a:cs typeface="Montserrat"/>
+                <a:sym typeface="Montserrat"/>
+              </a:rPr>
+              <a:t>In general:</a:t>
+            </a:r>
+            <a:r>
               <a:rPr lang="en" sz="1500">
                 <a:latin typeface="Montserrat"/>
                 <a:ea typeface="Montserrat"/>
                 <a:cs typeface="Montserrat"/>
                 <a:sym typeface="Montserrat"/>
               </a:rPr>
-              <a:t>In general: </a:t>
+              <a:t> </a:t>
             </a:r>
             <a:r>
               <a:rPr lang="en" sz="1500">
@@ -24536,7 +24620,25 @@
                 <a:cs typeface="Montserrat"/>
                 <a:sym typeface="Montserrat"/>
               </a:rPr>
-              <a:t>hort-medium term (especially tree-based models)</a:t>
+              <a:t>hort-medium term (especially </a:t>
+            </a:r>
+            <a:r>
+              <a:rPr b="1" lang="en" sz="1500">
+                <a:latin typeface="Montserrat"/>
+                <a:ea typeface="Montserrat"/>
+                <a:cs typeface="Montserrat"/>
+                <a:sym typeface="Montserrat"/>
+              </a:rPr>
+              <a:t>tree-based models</a:t>
+            </a:r>
+            <a:r>
+              <a:rPr lang="en" sz="1500">
+                <a:latin typeface="Montserrat"/>
+                <a:ea typeface="Montserrat"/>
+                <a:cs typeface="Montserrat"/>
+                <a:sym typeface="Montserrat"/>
+              </a:rPr>
+              <a:t>)</a:t>
             </a:r>
             <a:endParaRPr sz="1500">
               <a:latin typeface="Montserrat"/>
@@ -24848,6 +24950,18 @@
               <a:buChar char="○"/>
             </a:pPr>
             <a:r>
+              <a:rPr b="1" lang="en" sz="1500">
+                <a:solidFill>
+                  <a:srgbClr val="EFEFEF"/>
+                </a:solidFill>
+                <a:latin typeface="Montserrat"/>
+                <a:ea typeface="Montserrat"/>
+                <a:cs typeface="Montserrat"/>
+                <a:sym typeface="Montserrat"/>
+              </a:rPr>
+              <a:t>In general:  </a:t>
+            </a:r>
+            <a:r>
               <a:rPr lang="en" sz="1500">
                 <a:solidFill>
                   <a:srgbClr val="EFEFEF"/>
@@ -24857,7 +24971,7 @@
                 <a:cs typeface="Montserrat"/>
                 <a:sym typeface="Montserrat"/>
               </a:rPr>
-              <a:t>In general:  blockchain-related features brought slight improvements</a:t>
+              <a:t>blockchain-related features brought slight improvements</a:t>
             </a:r>
             <a:endParaRPr sz="1500">
               <a:solidFill>
@@ -24931,9 +25045,21 @@
                 <a:cs typeface="Montserrat"/>
                 <a:sym typeface="Montserrat"/>
               </a:rPr>
-              <a:t>Better in the short-medium term (especially tree-based models)</a:t>
-            </a:r>
-            <a:endParaRPr sz="1500">
+              <a:t>Better in the short-medium term (especially tree-b</a:t>
+            </a:r>
+            <a:r>
+              <a:rPr b="1" lang="en" sz="1500">
+                <a:solidFill>
+                  <a:srgbClr val="EFEFEF"/>
+                </a:solidFill>
+                <a:latin typeface="Montserrat"/>
+                <a:ea typeface="Montserrat"/>
+                <a:cs typeface="Montserrat"/>
+                <a:sym typeface="Montserrat"/>
+              </a:rPr>
+              <a:t>ased models)</a:t>
+            </a:r>
+            <a:endParaRPr b="1" sz="1500">
               <a:solidFill>
                 <a:srgbClr val="EFEFEF"/>
               </a:solidFill>
@@ -27051,7 +27177,16 @@
                 <a:cs typeface="Montserrat"/>
                 <a:sym typeface="Montserrat"/>
               </a:rPr>
-              <a:t>Strong cryptography (validity and security)</a:t>
+              <a:t>Uses s</a:t>
+            </a:r>
+            <a:r>
+              <a:rPr lang="en" sz="1500">
+                <a:latin typeface="Montserrat"/>
+                <a:ea typeface="Montserrat"/>
+                <a:cs typeface="Montserrat"/>
+                <a:sym typeface="Montserrat"/>
+              </a:rPr>
+              <a:t>trong cryptography (validity and security)</a:t>
             </a:r>
             <a:endParaRPr sz="1500">
               <a:latin typeface="Montserrat"/>
@@ -27448,7 +27583,7 @@
                 <a:cs typeface="Montserrat"/>
                 <a:sym typeface="Montserrat"/>
               </a:rPr>
-              <a:t>Strong cryptography (validity and security)</a:t>
+              <a:t>Uses strong cryptography (validity and security)</a:t>
             </a:r>
             <a:endParaRPr sz="1500">
               <a:latin typeface="Montserrat"/>
@@ -28485,6 +28620,285 @@
 </file>
 
 <file path=ppt/theme/theme1.xml><?xml version="1.0" encoding="utf-8"?>
+<a:theme xmlns:a="http://schemas.openxmlformats.org/drawingml/2006/main" xmlns:r="http://schemas.openxmlformats.org/officeDocument/2006/relationships" name="Simple Light">
+  <a:themeElements>
+    <a:clrScheme name="Simple Light">
+      <a:dk1>
+        <a:srgbClr val="000000"/>
+      </a:dk1>
+      <a:lt1>
+        <a:srgbClr val="FFFFFF"/>
+      </a:lt1>
+      <a:dk2>
+        <a:srgbClr val="595959"/>
+      </a:dk2>
+      <a:lt2>
+        <a:srgbClr val="EEEEEE"/>
+      </a:lt2>
+      <a:accent1>
+        <a:srgbClr val="4285F4"/>
+      </a:accent1>
+      <a:accent2>
+        <a:srgbClr val="212121"/>
+      </a:accent2>
+      <a:accent3>
+        <a:srgbClr val="78909C"/>
+      </a:accent3>
+      <a:accent4>
+        <a:srgbClr val="FFAB40"/>
+      </a:accent4>
+      <a:accent5>
+        <a:srgbClr val="0097A7"/>
+      </a:accent5>
+      <a:accent6>
+        <a:srgbClr val="EEFF41"/>
+      </a:accent6>
+      <a:hlink>
+        <a:srgbClr val="0097A7"/>
+      </a:hlink>
+      <a:folHlink>
+        <a:srgbClr val="0097A7"/>
+      </a:folHlink>
+    </a:clrScheme>
+    <a:fontScheme name="Office">
+      <a:majorFont>
+        <a:latin typeface="Arial"/>
+        <a:ea typeface=""/>
+        <a:cs typeface=""/>
+        <a:font script="Jpan" typeface="ＭＳ Ｐゴシック"/>
+        <a:font script="Hang" typeface="맑은 고딕"/>
+        <a:font script="Hans" typeface="宋体"/>
+        <a:font script="Hant" typeface="新細明體"/>
+        <a:font script="Arab" typeface="Times New Roman"/>
+        <a:font script="Hebr" typeface="Times New Roman"/>
+        <a:font script="Thai" typeface="Angsana New"/>
+        <a:font script="Ethi" typeface="Nyala"/>
+        <a:font script="Beng" typeface="Vrinda"/>
+        <a:font script="Gujr" typeface="Shruti"/>
+        <a:font script="Khmr" typeface="MoolBoran"/>
+        <a:font script="Knda" typeface="Tunga"/>
+        <a:font script="Guru" typeface="Raavi"/>
+        <a:font script="Cans" typeface="Euphemia"/>
+        <a:font script="Cher" typeface="Plantagenet Cherokee"/>
+        <a:font script="Yiii" typeface="Microsoft Yi Baiti"/>
+        <a:font script="Tibt" typeface="Microsoft Himalaya"/>
+        <a:font script="Thaa" typeface="MV Boli"/>
+        <a:font script="Deva" typeface="Mangal"/>
+        <a:font script="Telu" typeface="Gautami"/>
+        <a:font script="Taml" typeface="Latha"/>
+        <a:font script="Syrc" typeface="Estrangelo Edessa"/>
+        <a:font script="Orya" typeface="Kalinga"/>
+        <a:font script="Mlym" typeface="Kartika"/>
+        <a:font script="Laoo" typeface="DokChampa"/>
+        <a:font script="Sinh" typeface="Iskoola Pota"/>
+        <a:font script="Mong" typeface="Mongolian Baiti"/>
+        <a:font script="Viet" typeface="Times New Roman"/>
+        <a:font script="Uigh" typeface="Microsoft Uighur"/>
+        <a:font script="Geor" typeface="Sylfaen"/>
+      </a:majorFont>
+      <a:minorFont>
+        <a:latin typeface="Arial"/>
+        <a:ea typeface=""/>
+        <a:cs typeface=""/>
+        <a:font script="Jpan" typeface="ＭＳ Ｐゴシック"/>
+        <a:font script="Hang" typeface="맑은 고딕"/>
+        <a:font script="Hans" typeface="宋体"/>
+        <a:font script="Hant" typeface="新細明體"/>
+        <a:font script="Arab" typeface="Arial"/>
+        <a:font script="Hebr" typeface="Arial"/>
+        <a:font script="Thai" typeface="Cordia New"/>
+        <a:font script="Ethi" typeface="Nyala"/>
+        <a:font script="Beng" typeface="Vrinda"/>
+        <a:font script="Gujr" typeface="Shruti"/>
+        <a:font script="Khmr" typeface="DaunPenh"/>
+        <a:font script="Knda" typeface="Tunga"/>
+        <a:font script="Guru" typeface="Raavi"/>
+        <a:font script="Cans" typeface="Euphemia"/>
+        <a:font script="Cher" typeface="Plantagenet Cherokee"/>
+        <a:font script="Yiii" typeface="Microsoft Yi Baiti"/>
+        <a:font script="Tibt" typeface="Microsoft Himalaya"/>
+        <a:font script="Thaa" typeface="MV Boli"/>
+        <a:font script="Deva" typeface="Mangal"/>
+        <a:font script="Telu" typeface="Gautami"/>
+        <a:font script="Taml" typeface="Latha"/>
+        <a:font script="Syrc" typeface="Estrangelo Edessa"/>
+        <a:font script="Orya" typeface="Kalinga"/>
+        <a:font script="Mlym" typeface="Kartika"/>
+        <a:font script="Laoo" typeface="DokChampa"/>
+        <a:font script="Sinh" typeface="Iskoola Pota"/>
+        <a:font script="Mong" typeface="Mongolian Baiti"/>
+        <a:font script="Viet" typeface="Arial"/>
+        <a:font script="Uigh" typeface="Microsoft Uighur"/>
+        <a:font script="Geor" typeface="Sylfaen"/>
+      </a:minorFont>
+    </a:fontScheme>
+    <a:fmtScheme name="Office">
+      <a:fillStyleLst>
+        <a:solidFill>
+          <a:schemeClr val="phClr"/>
+        </a:solidFill>
+        <a:gradFill rotWithShape="1">
+          <a:gsLst>
+            <a:gs pos="0">
+              <a:schemeClr val="phClr">
+                <a:tint val="50000"/>
+                <a:satMod val="300000"/>
+              </a:schemeClr>
+            </a:gs>
+            <a:gs pos="35000">
+              <a:schemeClr val="phClr">
+                <a:tint val="37000"/>
+                <a:satMod val="300000"/>
+              </a:schemeClr>
+            </a:gs>
+            <a:gs pos="100000">
+              <a:schemeClr val="phClr">
+                <a:tint val="15000"/>
+                <a:satMod val="350000"/>
+              </a:schemeClr>
+            </a:gs>
+          </a:gsLst>
+          <a:lin ang="16200000" scaled="1"/>
+        </a:gradFill>
+        <a:gradFill rotWithShape="1">
+          <a:gsLst>
+            <a:gs pos="0">
+              <a:schemeClr val="phClr">
+                <a:tint val="100000"/>
+                <a:shade val="100000"/>
+                <a:satMod val="130000"/>
+              </a:schemeClr>
+            </a:gs>
+            <a:gs pos="100000">
+              <a:schemeClr val="phClr">
+                <a:tint val="50000"/>
+                <a:shade val="100000"/>
+                <a:satMod val="350000"/>
+              </a:schemeClr>
+            </a:gs>
+          </a:gsLst>
+          <a:lin ang="16200000" scaled="0"/>
+        </a:gradFill>
+      </a:fillStyleLst>
+      <a:lnStyleLst>
+        <a:ln w="9525" cap="flat" cmpd="sng" algn="ctr">
+          <a:solidFill>
+            <a:schemeClr val="phClr">
+              <a:shade val="95000"/>
+              <a:satMod val="105000"/>
+            </a:schemeClr>
+          </a:solidFill>
+          <a:prstDash val="solid"/>
+        </a:ln>
+        <a:ln w="25400" cap="flat" cmpd="sng" algn="ctr">
+          <a:solidFill>
+            <a:schemeClr val="phClr"/>
+          </a:solidFill>
+          <a:prstDash val="solid"/>
+        </a:ln>
+        <a:ln w="38100" cap="flat" cmpd="sng" algn="ctr">
+          <a:solidFill>
+            <a:schemeClr val="phClr"/>
+          </a:solidFill>
+          <a:prstDash val="solid"/>
+        </a:ln>
+      </a:lnStyleLst>
+      <a:effectStyleLst>
+        <a:effectStyle>
+          <a:effectLst>
+            <a:outerShdw blurRad="40000" dist="20000" dir="5400000" rotWithShape="0">
+              <a:srgbClr val="000000">
+                <a:alpha val="38000"/>
+              </a:srgbClr>
+            </a:outerShdw>
+          </a:effectLst>
+        </a:effectStyle>
+        <a:effectStyle>
+          <a:effectLst>
+            <a:outerShdw blurRad="40000" dist="23000" dir="5400000" rotWithShape="0">
+              <a:srgbClr val="000000">
+                <a:alpha val="35000"/>
+              </a:srgbClr>
+            </a:outerShdw>
+          </a:effectLst>
+        </a:effectStyle>
+        <a:effectStyle>
+          <a:effectLst>
+            <a:outerShdw blurRad="40000" dist="23000" dir="5400000" rotWithShape="0">
+              <a:srgbClr val="000000">
+                <a:alpha val="35000"/>
+              </a:srgbClr>
+            </a:outerShdw>
+          </a:effectLst>
+          <a:scene3d>
+            <a:camera prst="orthographicFront">
+              <a:rot lat="0" lon="0" rev="0"/>
+            </a:camera>
+            <a:lightRig rig="threePt" dir="t">
+              <a:rot lat="0" lon="0" rev="1200000"/>
+            </a:lightRig>
+          </a:scene3d>
+          <a:sp3d>
+            <a:bevelT w="63500" h="25400"/>
+          </a:sp3d>
+        </a:effectStyle>
+      </a:effectStyleLst>
+      <a:bgFillStyleLst>
+        <a:solidFill>
+          <a:schemeClr val="phClr"/>
+        </a:solidFill>
+        <a:gradFill rotWithShape="1">
+          <a:gsLst>
+            <a:gs pos="0">
+              <a:schemeClr val="phClr">
+                <a:tint val="40000"/>
+                <a:satMod val="350000"/>
+              </a:schemeClr>
+            </a:gs>
+            <a:gs pos="40000">
+              <a:schemeClr val="phClr">
+                <a:tint val="45000"/>
+                <a:shade val="99000"/>
+                <a:satMod val="350000"/>
+              </a:schemeClr>
+            </a:gs>
+            <a:gs pos="100000">
+              <a:schemeClr val="phClr">
+                <a:shade val="20000"/>
+                <a:satMod val="255000"/>
+              </a:schemeClr>
+            </a:gs>
+          </a:gsLst>
+          <a:path path="circle">
+            <a:fillToRect l="50000" t="-80000" r="50000" b="180000"/>
+          </a:path>
+        </a:gradFill>
+        <a:gradFill rotWithShape="1">
+          <a:gsLst>
+            <a:gs pos="0">
+              <a:schemeClr val="phClr">
+                <a:tint val="80000"/>
+                <a:satMod val="300000"/>
+              </a:schemeClr>
+            </a:gs>
+            <a:gs pos="100000">
+              <a:schemeClr val="phClr">
+                <a:shade val="30000"/>
+                <a:satMod val="200000"/>
+              </a:schemeClr>
+            </a:gs>
+          </a:gsLst>
+          <a:path path="circle">
+            <a:fillToRect l="50000" t="50000" r="50000" b="50000"/>
+          </a:path>
+        </a:gradFill>
+      </a:bgFillStyleLst>
+    </a:fmtScheme>
+  </a:themeElements>
+</a:theme>
+</file>
+
+<file path=ppt/theme/theme2.xml><?xml version="1.0" encoding="utf-8"?>
 <a:theme xmlns:a="http://schemas.openxmlformats.org/drawingml/2006/main" xmlns:r="http://schemas.openxmlformats.org/officeDocument/2006/relationships">
   <a:themeElements>
     <a:clrScheme name="Default">
@@ -28761,283 +29175,4 @@
     </a:fmtScheme>
   </a:themeElements>
 </a:theme>
-</file>
-
-<file path=ppt/theme/theme2.xml><?xml version="1.0" encoding="utf-8"?>
-<a:theme xmlns:a="http://schemas.openxmlformats.org/drawingml/2006/main" xmlns:r="http://schemas.openxmlformats.org/officeDocument/2006/relationships" name="Simple Light">
-  <a:themeElements>
-    <a:clrScheme name="Simple Light">
-      <a:dk1>
-        <a:srgbClr val="000000"/>
-      </a:dk1>
-      <a:lt1>
-        <a:srgbClr val="FFFFFF"/>
-      </a:lt1>
-      <a:dk2>
-        <a:srgbClr val="595959"/>
-      </a:dk2>
-      <a:lt2>
-        <a:srgbClr val="EEEEEE"/>
-      </a:lt2>
-      <a:accent1>
-        <a:srgbClr val="4285F4"/>
-      </a:accent1>
-      <a:accent2>
-        <a:srgbClr val="212121"/>
-      </a:accent2>
-      <a:accent3>
-        <a:srgbClr val="78909C"/>
-      </a:accent3>
-      <a:accent4>
-        <a:srgbClr val="FFAB40"/>
-      </a:accent4>
-      <a:accent5>
-        <a:srgbClr val="0097A7"/>
-      </a:accent5>
-      <a:accent6>
-        <a:srgbClr val="EEFF41"/>
-      </a:accent6>
-      <a:hlink>
-        <a:srgbClr val="0097A7"/>
-      </a:hlink>
-      <a:folHlink>
-        <a:srgbClr val="0097A7"/>
-      </a:folHlink>
-    </a:clrScheme>
-    <a:fontScheme name="Office">
-      <a:majorFont>
-        <a:latin typeface="Arial"/>
-        <a:ea typeface=""/>
-        <a:cs typeface=""/>
-        <a:font script="Jpan" typeface="ＭＳ Ｐゴシック"/>
-        <a:font script="Hang" typeface="맑은 고딕"/>
-        <a:font script="Hans" typeface="宋体"/>
-        <a:font script="Hant" typeface="新細明體"/>
-        <a:font script="Arab" typeface="Times New Roman"/>
-        <a:font script="Hebr" typeface="Times New Roman"/>
-        <a:font script="Thai" typeface="Angsana New"/>
-        <a:font script="Ethi" typeface="Nyala"/>
-        <a:font script="Beng" typeface="Vrinda"/>
-        <a:font script="Gujr" typeface="Shruti"/>
-        <a:font script="Khmr" typeface="MoolBoran"/>
-        <a:font script="Knda" typeface="Tunga"/>
-        <a:font script="Guru" typeface="Raavi"/>
-        <a:font script="Cans" typeface="Euphemia"/>
-        <a:font script="Cher" typeface="Plantagenet Cherokee"/>
-        <a:font script="Yiii" typeface="Microsoft Yi Baiti"/>
-        <a:font script="Tibt" typeface="Microsoft Himalaya"/>
-        <a:font script="Thaa" typeface="MV Boli"/>
-        <a:font script="Deva" typeface="Mangal"/>
-        <a:font script="Telu" typeface="Gautami"/>
-        <a:font script="Taml" typeface="Latha"/>
-        <a:font script="Syrc" typeface="Estrangelo Edessa"/>
-        <a:font script="Orya" typeface="Kalinga"/>
-        <a:font script="Mlym" typeface="Kartika"/>
-        <a:font script="Laoo" typeface="DokChampa"/>
-        <a:font script="Sinh" typeface="Iskoola Pota"/>
-        <a:font script="Mong" typeface="Mongolian Baiti"/>
-        <a:font script="Viet" typeface="Times New Roman"/>
-        <a:font script="Uigh" typeface="Microsoft Uighur"/>
-        <a:font script="Geor" typeface="Sylfaen"/>
-      </a:majorFont>
-      <a:minorFont>
-        <a:latin typeface="Arial"/>
-        <a:ea typeface=""/>
-        <a:cs typeface=""/>
-        <a:font script="Jpan" typeface="ＭＳ Ｐゴシック"/>
-        <a:font script="Hang" typeface="맑은 고딕"/>
-        <a:font script="Hans" typeface="宋体"/>
-        <a:font script="Hant" typeface="新細明體"/>
-        <a:font script="Arab" typeface="Arial"/>
-        <a:font script="Hebr" typeface="Arial"/>
-        <a:font script="Thai" typeface="Cordia New"/>
-        <a:font script="Ethi" typeface="Nyala"/>
-        <a:font script="Beng" typeface="Vrinda"/>
-        <a:font script="Gujr" typeface="Shruti"/>
-        <a:font script="Khmr" typeface="DaunPenh"/>
-        <a:font script="Knda" typeface="Tunga"/>
-        <a:font script="Guru" typeface="Raavi"/>
-        <a:font script="Cans" typeface="Euphemia"/>
-        <a:font script="Cher" typeface="Plantagenet Cherokee"/>
-        <a:font script="Yiii" typeface="Microsoft Yi Baiti"/>
-        <a:font script="Tibt" typeface="Microsoft Himalaya"/>
-        <a:font script="Thaa" typeface="MV Boli"/>
-        <a:font script="Deva" typeface="Mangal"/>
-        <a:font script="Telu" typeface="Gautami"/>
-        <a:font script="Taml" typeface="Latha"/>
-        <a:font script="Syrc" typeface="Estrangelo Edessa"/>
-        <a:font script="Orya" typeface="Kalinga"/>
-        <a:font script="Mlym" typeface="Kartika"/>
-        <a:font script="Laoo" typeface="DokChampa"/>
-        <a:font script="Sinh" typeface="Iskoola Pota"/>
-        <a:font script="Mong" typeface="Mongolian Baiti"/>
-        <a:font script="Viet" typeface="Arial"/>
-        <a:font script="Uigh" typeface="Microsoft Uighur"/>
-        <a:font script="Geor" typeface="Sylfaen"/>
-      </a:minorFont>
-    </a:fontScheme>
-    <a:fmtScheme name="Office">
-      <a:fillStyleLst>
-        <a:solidFill>
-          <a:schemeClr val="phClr"/>
-        </a:solidFill>
-        <a:gradFill rotWithShape="1">
-          <a:gsLst>
-            <a:gs pos="0">
-              <a:schemeClr val="phClr">
-                <a:tint val="50000"/>
-                <a:satMod val="300000"/>
-              </a:schemeClr>
-            </a:gs>
-            <a:gs pos="35000">
-              <a:schemeClr val="phClr">
-                <a:tint val="37000"/>
-                <a:satMod val="300000"/>
-              </a:schemeClr>
-            </a:gs>
-            <a:gs pos="100000">
-              <a:schemeClr val="phClr">
-                <a:tint val="15000"/>
-                <a:satMod val="350000"/>
-              </a:schemeClr>
-            </a:gs>
-          </a:gsLst>
-          <a:lin ang="16200000" scaled="1"/>
-        </a:gradFill>
-        <a:gradFill rotWithShape="1">
-          <a:gsLst>
-            <a:gs pos="0">
-              <a:schemeClr val="phClr">
-                <a:tint val="100000"/>
-                <a:shade val="100000"/>
-                <a:satMod val="130000"/>
-              </a:schemeClr>
-            </a:gs>
-            <a:gs pos="100000">
-              <a:schemeClr val="phClr">
-                <a:tint val="50000"/>
-                <a:shade val="100000"/>
-                <a:satMod val="350000"/>
-              </a:schemeClr>
-            </a:gs>
-          </a:gsLst>
-          <a:lin ang="16200000" scaled="0"/>
-        </a:gradFill>
-      </a:fillStyleLst>
-      <a:lnStyleLst>
-        <a:ln w="9525" cap="flat" cmpd="sng" algn="ctr">
-          <a:solidFill>
-            <a:schemeClr val="phClr">
-              <a:shade val="95000"/>
-              <a:satMod val="105000"/>
-            </a:schemeClr>
-          </a:solidFill>
-          <a:prstDash val="solid"/>
-        </a:ln>
-        <a:ln w="25400" cap="flat" cmpd="sng" algn="ctr">
-          <a:solidFill>
-            <a:schemeClr val="phClr"/>
-          </a:solidFill>
-          <a:prstDash val="solid"/>
-        </a:ln>
-        <a:ln w="38100" cap="flat" cmpd="sng" algn="ctr">
-          <a:solidFill>
-            <a:schemeClr val="phClr"/>
-          </a:solidFill>
-          <a:prstDash val="solid"/>
-        </a:ln>
-      </a:lnStyleLst>
-      <a:effectStyleLst>
-        <a:effectStyle>
-          <a:effectLst>
-            <a:outerShdw blurRad="40000" dist="20000" dir="5400000" rotWithShape="0">
-              <a:srgbClr val="000000">
-                <a:alpha val="38000"/>
-              </a:srgbClr>
-            </a:outerShdw>
-          </a:effectLst>
-        </a:effectStyle>
-        <a:effectStyle>
-          <a:effectLst>
-            <a:outerShdw blurRad="40000" dist="23000" dir="5400000" rotWithShape="0">
-              <a:srgbClr val="000000">
-                <a:alpha val="35000"/>
-              </a:srgbClr>
-            </a:outerShdw>
-          </a:effectLst>
-        </a:effectStyle>
-        <a:effectStyle>
-          <a:effectLst>
-            <a:outerShdw blurRad="40000" dist="23000" dir="5400000" rotWithShape="0">
-              <a:srgbClr val="000000">
-                <a:alpha val="35000"/>
-              </a:srgbClr>
-            </a:outerShdw>
-          </a:effectLst>
-          <a:scene3d>
-            <a:camera prst="orthographicFront">
-              <a:rot lat="0" lon="0" rev="0"/>
-            </a:camera>
-            <a:lightRig rig="threePt" dir="t">
-              <a:rot lat="0" lon="0" rev="1200000"/>
-            </a:lightRig>
-          </a:scene3d>
-          <a:sp3d>
-            <a:bevelT w="63500" h="25400"/>
-          </a:sp3d>
-        </a:effectStyle>
-      </a:effectStyleLst>
-      <a:bgFillStyleLst>
-        <a:solidFill>
-          <a:schemeClr val="phClr"/>
-        </a:solidFill>
-        <a:gradFill rotWithShape="1">
-          <a:gsLst>
-            <a:gs pos="0">
-              <a:schemeClr val="phClr">
-                <a:tint val="40000"/>
-                <a:satMod val="350000"/>
-              </a:schemeClr>
-            </a:gs>
-            <a:gs pos="40000">
-              <a:schemeClr val="phClr">
-                <a:tint val="45000"/>
-                <a:shade val="99000"/>
-                <a:satMod val="350000"/>
-              </a:schemeClr>
-            </a:gs>
-            <a:gs pos="100000">
-              <a:schemeClr val="phClr">
-                <a:shade val="20000"/>
-                <a:satMod val="255000"/>
-              </a:schemeClr>
-            </a:gs>
-          </a:gsLst>
-          <a:path path="circle">
-            <a:fillToRect l="50000" t="-80000" r="50000" b="180000"/>
-          </a:path>
-        </a:gradFill>
-        <a:gradFill rotWithShape="1">
-          <a:gsLst>
-            <a:gs pos="0">
-              <a:schemeClr val="phClr">
-                <a:tint val="80000"/>
-                <a:satMod val="300000"/>
-              </a:schemeClr>
-            </a:gs>
-            <a:gs pos="100000">
-              <a:schemeClr val="phClr">
-                <a:shade val="30000"/>
-                <a:satMod val="200000"/>
-              </a:schemeClr>
-            </a:gs>
-          </a:gsLst>
-          <a:path path="circle">
-            <a:fillToRect l="50000" t="50000" r="50000" b="50000"/>
-          </a:path>
-        </a:gradFill>
-      </a:bgFillStyleLst>
-    </a:fmtScheme>
-  </a:themeElements>
-</a:theme>
 </file>
--- a/presentation/presentation.pptx
+++ b/presentation/presentation.pptx
@@ -312,7 +312,7 @@
       </p15:sldGuideLst>
     </p:ext>
     <p:ext uri="GoogleSlidesCustomDataVersion2">
-      <go:slidesCustomData xmlns:go="http://customooxmlschemas.google.com/" r:id="rId54" roundtripDataSignature="AMtx7mgp3wc2OFOsSovYI1cFcgYG0h9Y+A=="/>
+      <go:slidesCustomData xmlns:go="http://customooxmlschemas.google.com/" r:id="rId54" roundtripDataSignature="AMtx7miXRB5jfQ15a9tEHJfKjrUYYt67mQ=="/>
     </p:ext>
   </p:extLst>
 </p:presentation>
@@ -2035,7 +2035,7 @@
             </a:pPr>
             <a:r>
               <a:rPr lang="en" sz="1500"/>
-              <a:t>Single time series split involves dividing the time series considering a narrow period of time with only one split</a:t>
+              <a:t>Single time series split involves dividing the time series considering a narrow period of time with just one split</a:t>
             </a:r>
             <a:endParaRPr sz="1500"/>
           </a:p>
@@ -2175,7 +2175,7 @@
   <p:cSld>
     <p:spTree>
       <p:nvGrpSpPr>
-        <p:cNvPr id="201" name="Shape 201"/>
+        <p:cNvPr id="199" name="Shape 199"/>
         <p:cNvGrpSpPr/>
         <p:nvPr/>
       </p:nvGrpSpPr>
@@ -2189,7 +2189,7 @@
       </p:grpSpPr>
       <p:sp>
         <p:nvSpPr>
-          <p:cNvPr id="202" name="Google Shape;202;g2a0c6f9b0a2_0_42:notes"/>
+          <p:cNvPr id="200" name="Google Shape;200;g2a0c6f9b0a2_0_42:notes"/>
           <p:cNvSpPr/>
           <p:nvPr>
             <p:ph idx="2" type="sldImg"/>
@@ -2234,7 +2234,7 @@
       </p:sp>
       <p:sp>
         <p:nvSpPr>
-          <p:cNvPr id="203" name="Google Shape;203;g2a0c6f9b0a2_0_42:notes"/>
+          <p:cNvPr id="201" name="Google Shape;201;g2a0c6f9b0a2_0_42:notes"/>
           <p:cNvSpPr txBox="1"/>
           <p:nvPr>
             <p:ph idx="1" type="body"/>
@@ -2293,7 +2293,7 @@
   <p:cSld>
     <p:spTree>
       <p:nvGrpSpPr>
-        <p:cNvPr id="209" name="Shape 209"/>
+        <p:cNvPr id="207" name="Shape 207"/>
         <p:cNvGrpSpPr/>
         <p:nvPr/>
       </p:nvGrpSpPr>
@@ -2307,7 +2307,7 @@
       </p:grpSpPr>
       <p:sp>
         <p:nvSpPr>
-          <p:cNvPr id="210" name="Google Shape;210;g26e1760ff98_1_67:notes"/>
+          <p:cNvPr id="208" name="Google Shape;208;g26e1760ff98_1_67:notes"/>
           <p:cNvSpPr/>
           <p:nvPr>
             <p:ph idx="2" type="sldImg"/>
@@ -2352,7 +2352,7 @@
       </p:sp>
       <p:sp>
         <p:nvSpPr>
-          <p:cNvPr id="211" name="Google Shape;211;g26e1760ff98_1_67:notes"/>
+          <p:cNvPr id="209" name="Google Shape;209;g26e1760ff98_1_67:notes"/>
           <p:cNvSpPr txBox="1"/>
           <p:nvPr>
             <p:ph idx="1" type="body"/>
@@ -2411,7 +2411,7 @@
   <p:cSld>
     <p:spTree>
       <p:nvGrpSpPr>
-        <p:cNvPr id="215" name="Shape 215"/>
+        <p:cNvPr id="213" name="Shape 213"/>
         <p:cNvGrpSpPr/>
         <p:nvPr/>
       </p:nvGrpSpPr>
@@ -2425,7 +2425,7 @@
       </p:grpSpPr>
       <p:sp>
         <p:nvSpPr>
-          <p:cNvPr id="216" name="Google Shape;216;g2a75948b1fc_3_47:notes"/>
+          <p:cNvPr id="214" name="Google Shape;214;g2a75948b1fc_3_47:notes"/>
           <p:cNvSpPr/>
           <p:nvPr>
             <p:ph idx="2" type="sldImg"/>
@@ -2470,7 +2470,7 @@
       </p:sp>
       <p:sp>
         <p:nvSpPr>
-          <p:cNvPr id="217" name="Google Shape;217;g2a75948b1fc_3_47:notes"/>
+          <p:cNvPr id="215" name="Google Shape;215;g2a75948b1fc_3_47:notes"/>
           <p:cNvSpPr txBox="1"/>
           <p:nvPr>
             <p:ph idx="1" type="body"/>
@@ -2696,7 +2696,7 @@
   <p:cSld>
     <p:spTree>
       <p:nvGrpSpPr>
-        <p:cNvPr id="222" name="Shape 222"/>
+        <p:cNvPr id="220" name="Shape 220"/>
         <p:cNvGrpSpPr/>
         <p:nvPr/>
       </p:nvGrpSpPr>
@@ -2710,7 +2710,7 @@
       </p:grpSpPr>
       <p:sp>
         <p:nvSpPr>
-          <p:cNvPr id="223" name="Google Shape;223;g2a0c6f9b0a2_0_61:notes"/>
+          <p:cNvPr id="221" name="Google Shape;221;g2a0c6f9b0a2_0_61:notes"/>
           <p:cNvSpPr/>
           <p:nvPr>
             <p:ph idx="2" type="sldImg"/>
@@ -2755,7 +2755,7 @@
       </p:sp>
       <p:sp>
         <p:nvSpPr>
-          <p:cNvPr id="224" name="Google Shape;224;g2a0c6f9b0a2_0_61:notes"/>
+          <p:cNvPr id="222" name="Google Shape;222;g2a0c6f9b0a2_0_61:notes"/>
           <p:cNvSpPr txBox="1"/>
           <p:nvPr>
             <p:ph idx="1" type="body"/>
@@ -2875,7 +2875,7 @@
   <p:cSld>
     <p:spTree>
       <p:nvGrpSpPr>
-        <p:cNvPr id="229" name="Shape 229"/>
+        <p:cNvPr id="227" name="Shape 227"/>
         <p:cNvGrpSpPr/>
         <p:nvPr/>
       </p:nvGrpSpPr>
@@ -2889,7 +2889,7 @@
       </p:grpSpPr>
       <p:sp>
         <p:nvSpPr>
-          <p:cNvPr id="230" name="Google Shape;230;g2a739442e3e_0_0:notes"/>
+          <p:cNvPr id="228" name="Google Shape;228;g2a739442e3e_0_0:notes"/>
           <p:cNvSpPr/>
           <p:nvPr>
             <p:ph idx="2" type="sldImg"/>
@@ -2934,7 +2934,7 @@
       </p:sp>
       <p:sp>
         <p:nvSpPr>
-          <p:cNvPr id="231" name="Google Shape;231;g2a739442e3e_0_0:notes"/>
+          <p:cNvPr id="229" name="Google Shape;229;g2a739442e3e_0_0:notes"/>
           <p:cNvSpPr txBox="1"/>
           <p:nvPr>
             <p:ph idx="1" type="body"/>
@@ -3008,7 +3008,7 @@
   <p:cSld>
     <p:spTree>
       <p:nvGrpSpPr>
-        <p:cNvPr id="238" name="Shape 238"/>
+        <p:cNvPr id="236" name="Shape 236"/>
         <p:cNvGrpSpPr/>
         <p:nvPr/>
       </p:nvGrpSpPr>
@@ -3022,7 +3022,7 @@
       </p:grpSpPr>
       <p:sp>
         <p:nvSpPr>
-          <p:cNvPr id="239" name="Google Shape;239;g2aa3efe7eea_0_1:notes"/>
+          <p:cNvPr id="237" name="Google Shape;237;g2aa3efe7eea_0_1:notes"/>
           <p:cNvSpPr/>
           <p:nvPr>
             <p:ph idx="2" type="sldImg"/>
@@ -3067,7 +3067,7 @@
       </p:sp>
       <p:sp>
         <p:nvSpPr>
-          <p:cNvPr id="240" name="Google Shape;240;g2aa3efe7eea_0_1:notes"/>
+          <p:cNvPr id="238" name="Google Shape;238;g2aa3efe7eea_0_1:notes"/>
           <p:cNvSpPr txBox="1"/>
           <p:nvPr>
             <p:ph idx="1" type="body"/>
@@ -3129,7 +3129,7 @@
   <p:cSld>
     <p:spTree>
       <p:nvGrpSpPr>
-        <p:cNvPr id="248" name="Shape 248"/>
+        <p:cNvPr id="246" name="Shape 246"/>
         <p:cNvGrpSpPr/>
         <p:nvPr/>
       </p:nvGrpSpPr>
@@ -3143,7 +3143,7 @@
       </p:grpSpPr>
       <p:sp>
         <p:nvSpPr>
-          <p:cNvPr id="249" name="Google Shape;249;g2aa3efe7eea_0_9:notes"/>
+          <p:cNvPr id="247" name="Google Shape;247;g2aa3efe7eea_0_9:notes"/>
           <p:cNvSpPr/>
           <p:nvPr>
             <p:ph idx="2" type="sldImg"/>
@@ -3188,7 +3188,7 @@
       </p:sp>
       <p:sp>
         <p:nvSpPr>
-          <p:cNvPr id="250" name="Google Shape;250;g2aa3efe7eea_0_9:notes"/>
+          <p:cNvPr id="248" name="Google Shape;248;g2aa3efe7eea_0_9:notes"/>
           <p:cNvSpPr txBox="1"/>
           <p:nvPr>
             <p:ph idx="1" type="body"/>
@@ -3250,7 +3250,7 @@
   <p:cSld>
     <p:spTree>
       <p:nvGrpSpPr>
-        <p:cNvPr id="260" name="Shape 260"/>
+        <p:cNvPr id="258" name="Shape 258"/>
         <p:cNvGrpSpPr/>
         <p:nvPr/>
       </p:nvGrpSpPr>
@@ -3264,7 +3264,7 @@
       </p:grpSpPr>
       <p:sp>
         <p:nvSpPr>
-          <p:cNvPr id="261" name="Google Shape;261;g2a0c6f9b0a2_0_75:notes"/>
+          <p:cNvPr id="259" name="Google Shape;259;g2a0c6f9b0a2_0_75:notes"/>
           <p:cNvSpPr/>
           <p:nvPr>
             <p:ph idx="2" type="sldImg"/>
@@ -3309,7 +3309,7 @@
       </p:sp>
       <p:sp>
         <p:nvSpPr>
-          <p:cNvPr id="262" name="Google Shape;262;g2a0c6f9b0a2_0_75:notes"/>
+          <p:cNvPr id="260" name="Google Shape;260;g2a0c6f9b0a2_0_75:notes"/>
           <p:cNvSpPr txBox="1"/>
           <p:nvPr>
             <p:ph idx="1" type="body"/>
@@ -3394,7 +3394,7 @@
   <p:cSld>
     <p:spTree>
       <p:nvGrpSpPr>
-        <p:cNvPr id="267" name="Shape 267"/>
+        <p:cNvPr id="265" name="Shape 265"/>
         <p:cNvGrpSpPr/>
         <p:nvPr/>
       </p:nvGrpSpPr>
@@ -3408,7 +3408,7 @@
       </p:grpSpPr>
       <p:sp>
         <p:nvSpPr>
-          <p:cNvPr id="268" name="Google Shape;268;g2a0c6f9b0a2_0_84:notes"/>
+          <p:cNvPr id="266" name="Google Shape;266;g2a0c6f9b0a2_0_84:notes"/>
           <p:cNvSpPr/>
           <p:nvPr>
             <p:ph idx="2" type="sldImg"/>
@@ -3453,7 +3453,7 @@
       </p:sp>
       <p:sp>
         <p:nvSpPr>
-          <p:cNvPr id="269" name="Google Shape;269;g2a0c6f9b0a2_0_84:notes"/>
+          <p:cNvPr id="267" name="Google Shape;267;g2a0c6f9b0a2_0_84:notes"/>
           <p:cNvSpPr txBox="1"/>
           <p:nvPr>
             <p:ph idx="1" type="body"/>
@@ -3565,7 +3565,7 @@
   <p:cSld>
     <p:spTree>
       <p:nvGrpSpPr>
-        <p:cNvPr id="275" name="Shape 275"/>
+        <p:cNvPr id="273" name="Shape 273"/>
         <p:cNvGrpSpPr/>
         <p:nvPr/>
       </p:nvGrpSpPr>
@@ -3579,7 +3579,7 @@
       </p:grpSpPr>
       <p:sp>
         <p:nvSpPr>
-          <p:cNvPr id="276" name="Google Shape;276;g2a8be63b007_0_31:notes"/>
+          <p:cNvPr id="274" name="Google Shape;274;g2a8be63b007_0_31:notes"/>
           <p:cNvSpPr/>
           <p:nvPr>
             <p:ph idx="2" type="sldImg"/>
@@ -3624,7 +3624,7 @@
       </p:sp>
       <p:sp>
         <p:nvSpPr>
-          <p:cNvPr id="277" name="Google Shape;277;g2a8be63b007_0_31:notes"/>
+          <p:cNvPr id="275" name="Google Shape;275;g2a8be63b007_0_31:notes"/>
           <p:cNvSpPr txBox="1"/>
           <p:nvPr>
             <p:ph idx="1" type="body"/>
@@ -3725,7 +3725,7 @@
   <p:cSld>
     <p:spTree>
       <p:nvGrpSpPr>
-        <p:cNvPr id="286" name="Shape 286"/>
+        <p:cNvPr id="284" name="Shape 284"/>
         <p:cNvGrpSpPr/>
         <p:nvPr/>
       </p:nvGrpSpPr>
@@ -3739,7 +3739,7 @@
       </p:grpSpPr>
       <p:sp>
         <p:nvSpPr>
-          <p:cNvPr id="287" name="Google Shape;287;g2a8639fb0e6_0_17:notes"/>
+          <p:cNvPr id="285" name="Google Shape;285;g2a8639fb0e6_0_17:notes"/>
           <p:cNvSpPr/>
           <p:nvPr>
             <p:ph idx="2" type="sldImg"/>
@@ -3784,7 +3784,7 @@
       </p:sp>
       <p:sp>
         <p:nvSpPr>
-          <p:cNvPr id="288" name="Google Shape;288;g2a8639fb0e6_0_17:notes"/>
+          <p:cNvPr id="286" name="Google Shape;286;g2a8639fb0e6_0_17:notes"/>
           <p:cNvSpPr txBox="1"/>
           <p:nvPr>
             <p:ph idx="1" type="body"/>
@@ -3869,7 +3869,7 @@
   <p:cSld>
     <p:spTree>
       <p:nvGrpSpPr>
-        <p:cNvPr id="299" name="Shape 299"/>
+        <p:cNvPr id="297" name="Shape 297"/>
         <p:cNvGrpSpPr/>
         <p:nvPr/>
       </p:nvGrpSpPr>
@@ -3883,7 +3883,7 @@
       </p:grpSpPr>
       <p:sp>
         <p:nvSpPr>
-          <p:cNvPr id="300" name="Google Shape;300;g2a8be63b007_0_18:notes"/>
+          <p:cNvPr id="298" name="Google Shape;298;g2a8be63b007_0_18:notes"/>
           <p:cNvSpPr/>
           <p:nvPr>
             <p:ph idx="2" type="sldImg"/>
@@ -3928,7 +3928,7 @@
       </p:sp>
       <p:sp>
         <p:nvSpPr>
-          <p:cNvPr id="301" name="Google Shape;301;g2a8be63b007_0_18:notes"/>
+          <p:cNvPr id="299" name="Google Shape;299;g2a8be63b007_0_18:notes"/>
           <p:cNvSpPr txBox="1"/>
           <p:nvPr>
             <p:ph idx="1" type="body"/>
@@ -3987,7 +3987,7 @@
   <p:cSld>
     <p:spTree>
       <p:nvGrpSpPr>
-        <p:cNvPr id="313" name="Shape 313"/>
+        <p:cNvPr id="311" name="Shape 311"/>
         <p:cNvGrpSpPr/>
         <p:nvPr/>
       </p:nvGrpSpPr>
@@ -4001,7 +4001,7 @@
       </p:grpSpPr>
       <p:sp>
         <p:nvSpPr>
-          <p:cNvPr id="314" name="Google Shape;314;g2a0c6f9b0a2_0_97:notes"/>
+          <p:cNvPr id="312" name="Google Shape;312;g2a0c6f9b0a2_0_97:notes"/>
           <p:cNvSpPr/>
           <p:nvPr>
             <p:ph idx="2" type="sldImg"/>
@@ -4046,7 +4046,7 @@
       </p:sp>
       <p:sp>
         <p:nvSpPr>
-          <p:cNvPr id="315" name="Google Shape;315;g2a0c6f9b0a2_0_97:notes"/>
+          <p:cNvPr id="313" name="Google Shape;313;g2a0c6f9b0a2_0_97:notes"/>
           <p:cNvSpPr txBox="1"/>
           <p:nvPr>
             <p:ph idx="1" type="body"/>
@@ -4299,7 +4299,7 @@
   <p:cSld>
     <p:spTree>
       <p:nvGrpSpPr>
-        <p:cNvPr id="324" name="Shape 324"/>
+        <p:cNvPr id="322" name="Shape 322"/>
         <p:cNvGrpSpPr/>
         <p:nvPr/>
       </p:nvGrpSpPr>
@@ -4313,7 +4313,7 @@
       </p:grpSpPr>
       <p:sp>
         <p:nvSpPr>
-          <p:cNvPr id="325" name="Google Shape;325;g2a8639fb0e6_0_35:notes"/>
+          <p:cNvPr id="323" name="Google Shape;323;g2a8639fb0e6_0_35:notes"/>
           <p:cNvSpPr/>
           <p:nvPr>
             <p:ph idx="2" type="sldImg"/>
@@ -4358,7 +4358,7 @@
       </p:sp>
       <p:sp>
         <p:nvSpPr>
-          <p:cNvPr id="326" name="Google Shape;326;g2a8639fb0e6_0_35:notes"/>
+          <p:cNvPr id="324" name="Google Shape;324;g2a8639fb0e6_0_35:notes"/>
           <p:cNvSpPr txBox="1"/>
           <p:nvPr>
             <p:ph idx="1" type="body"/>
@@ -4417,7 +4417,7 @@
   <p:cSld>
     <p:spTree>
       <p:nvGrpSpPr>
-        <p:cNvPr id="337" name="Shape 337"/>
+        <p:cNvPr id="335" name="Shape 335"/>
         <p:cNvGrpSpPr/>
         <p:nvPr/>
       </p:nvGrpSpPr>
@@ -4431,7 +4431,7 @@
       </p:grpSpPr>
       <p:sp>
         <p:nvSpPr>
-          <p:cNvPr id="338" name="Google Shape;338;g2a75948b1fc_3_59:notes"/>
+          <p:cNvPr id="336" name="Google Shape;336;g2a75948b1fc_3_59:notes"/>
           <p:cNvSpPr/>
           <p:nvPr>
             <p:ph idx="2" type="sldImg"/>
@@ -4476,7 +4476,7 @@
       </p:sp>
       <p:sp>
         <p:nvSpPr>
-          <p:cNvPr id="339" name="Google Shape;339;g2a75948b1fc_3_59:notes"/>
+          <p:cNvPr id="337" name="Google Shape;337;g2a75948b1fc_3_59:notes"/>
           <p:cNvSpPr txBox="1"/>
           <p:nvPr>
             <p:ph idx="1" type="body"/>
@@ -4538,7 +4538,7 @@
   <p:cSld>
     <p:spTree>
       <p:nvGrpSpPr>
-        <p:cNvPr id="347" name="Shape 347"/>
+        <p:cNvPr id="345" name="Shape 345"/>
         <p:cNvGrpSpPr/>
         <p:nvPr/>
       </p:nvGrpSpPr>
@@ -4552,7 +4552,7 @@
       </p:grpSpPr>
       <p:sp>
         <p:nvSpPr>
-          <p:cNvPr id="348" name="Google Shape;348;g2a8be63b007_0_53:notes"/>
+          <p:cNvPr id="346" name="Google Shape;346;g2a8be63b007_0_53:notes"/>
           <p:cNvSpPr/>
           <p:nvPr>
             <p:ph idx="2" type="sldImg"/>
@@ -4597,7 +4597,7 @@
       </p:sp>
       <p:sp>
         <p:nvSpPr>
-          <p:cNvPr id="349" name="Google Shape;349;g2a8be63b007_0_53:notes"/>
+          <p:cNvPr id="347" name="Google Shape;347;g2a8be63b007_0_53:notes"/>
           <p:cNvSpPr txBox="1"/>
           <p:nvPr>
             <p:ph idx="1" type="body"/>
@@ -4663,7 +4663,7 @@
   <p:cSld>
     <p:spTree>
       <p:nvGrpSpPr>
-        <p:cNvPr id="358" name="Shape 358"/>
+        <p:cNvPr id="356" name="Shape 356"/>
         <p:cNvGrpSpPr/>
         <p:nvPr/>
       </p:nvGrpSpPr>
@@ -4677,7 +4677,7 @@
       </p:grpSpPr>
       <p:sp>
         <p:nvSpPr>
-          <p:cNvPr id="359" name="Google Shape;359;g2a0c6f9b0a2_0_103:notes"/>
+          <p:cNvPr id="357" name="Google Shape;357;g2a0c6f9b0a2_0_103:notes"/>
           <p:cNvSpPr/>
           <p:nvPr>
             <p:ph idx="2" type="sldImg"/>
@@ -4722,7 +4722,7 @@
       </p:sp>
       <p:sp>
         <p:nvSpPr>
-          <p:cNvPr id="360" name="Google Shape;360;g2a0c6f9b0a2_0_103:notes"/>
+          <p:cNvPr id="358" name="Google Shape;358;g2a0c6f9b0a2_0_103:notes"/>
           <p:cNvSpPr txBox="1"/>
           <p:nvPr>
             <p:ph idx="1" type="body"/>
@@ -4781,7 +4781,7 @@
   <p:cSld>
     <p:spTree>
       <p:nvGrpSpPr>
-        <p:cNvPr id="377" name="Shape 377"/>
+        <p:cNvPr id="375" name="Shape 375"/>
         <p:cNvGrpSpPr/>
         <p:nvPr/>
       </p:nvGrpSpPr>
@@ -4795,7 +4795,7 @@
       </p:grpSpPr>
       <p:sp>
         <p:nvSpPr>
-          <p:cNvPr id="378" name="Google Shape;378;g2a58cb8d4e2_0_19:notes"/>
+          <p:cNvPr id="376" name="Google Shape;376;g2a58cb8d4e2_0_19:notes"/>
           <p:cNvSpPr/>
           <p:nvPr>
             <p:ph idx="2" type="sldImg"/>
@@ -4840,7 +4840,7 @@
       </p:sp>
       <p:sp>
         <p:nvSpPr>
-          <p:cNvPr id="379" name="Google Shape;379;g2a58cb8d4e2_0_19:notes"/>
+          <p:cNvPr id="377" name="Google Shape;377;g2a58cb8d4e2_0_19:notes"/>
           <p:cNvSpPr txBox="1"/>
           <p:nvPr>
             <p:ph idx="1" type="body"/>
@@ -4925,7 +4925,7 @@
   <p:cSld>
     <p:spTree>
       <p:nvGrpSpPr>
-        <p:cNvPr id="394" name="Shape 394"/>
+        <p:cNvPr id="392" name="Shape 392"/>
         <p:cNvGrpSpPr/>
         <p:nvPr/>
       </p:nvGrpSpPr>
@@ -4939,7 +4939,7 @@
       </p:grpSpPr>
       <p:sp>
         <p:nvSpPr>
-          <p:cNvPr id="395" name="Google Shape;395;g2a8639fb0e6_0_52:notes"/>
+          <p:cNvPr id="393" name="Google Shape;393;g2a8639fb0e6_0_52:notes"/>
           <p:cNvSpPr/>
           <p:nvPr>
             <p:ph idx="2" type="sldImg"/>
@@ -4984,7 +4984,7 @@
       </p:sp>
       <p:sp>
         <p:nvSpPr>
-          <p:cNvPr id="396" name="Google Shape;396;g2a8639fb0e6_0_52:notes"/>
+          <p:cNvPr id="394" name="Google Shape;394;g2a8639fb0e6_0_52:notes"/>
           <p:cNvSpPr txBox="1"/>
           <p:nvPr>
             <p:ph idx="1" type="body"/>
@@ -5024,7 +5024,7 @@
             </a:pPr>
             <a:r>
               <a:rPr lang="en" sz="1500"/>
-              <a:t>In fact, considering the R2 metrics we can see how the values tend to decrease as the time taken into consideration increases</a:t>
+              <a:t>In fact, considering the R2 metric we can see how the values tend to decrease as the time taken into consideration increases</a:t>
             </a:r>
             <a:endParaRPr sz="1500"/>
           </a:p>
@@ -14841,63 +14841,7 @@
         </p:blipFill>
         <p:spPr>
           <a:xfrm>
-            <a:off x="2314225" y="3224801"/>
-            <a:ext cx="373925" cy="373900"/>
-          </a:xfrm>
-          <a:prstGeom prst="rect">
-            <a:avLst/>
-          </a:prstGeom>
-          <a:noFill/>
-          <a:ln>
-            <a:noFill/>
-          </a:ln>
-        </p:spPr>
-      </p:pic>
-      <p:pic>
-        <p:nvPicPr>
-          <p:cNvPr id="199" name="Google Shape;199;g2aae10f2169_0_0"/>
-          <p:cNvPicPr preferRelativeResize="0"/>
-          <p:nvPr/>
-        </p:nvPicPr>
-        <p:blipFill>
-          <a:blip r:embed="rId6">
-            <a:alphaModFix/>
-          </a:blip>
-          <a:stretch>
-            <a:fillRect/>
-          </a:stretch>
-        </p:blipFill>
-        <p:spPr>
-          <a:xfrm>
             <a:off x="4116225" y="3733001"/>
-            <a:ext cx="373925" cy="373900"/>
-          </a:xfrm>
-          <a:prstGeom prst="rect">
-            <a:avLst/>
-          </a:prstGeom>
-          <a:noFill/>
-          <a:ln>
-            <a:noFill/>
-          </a:ln>
-        </p:spPr>
-      </p:pic>
-      <p:pic>
-        <p:nvPicPr>
-          <p:cNvPr id="200" name="Google Shape;200;g2aae10f2169_0_0"/>
-          <p:cNvPicPr preferRelativeResize="0"/>
-          <p:nvPr/>
-        </p:nvPicPr>
-        <p:blipFill>
-          <a:blip r:embed="rId6">
-            <a:alphaModFix/>
-          </a:blip>
-          <a:stretch>
-            <a:fillRect/>
-          </a:stretch>
-        </p:blipFill>
-        <p:spPr>
-          <a:xfrm>
-            <a:off x="7128088" y="3733001"/>
             <a:ext cx="373925" cy="373900"/>
           </a:xfrm>
           <a:prstGeom prst="rect">
@@ -14922,7 +14866,7 @@
   <p:cSld>
     <p:spTree>
       <p:nvGrpSpPr>
-        <p:cNvPr id="204" name="Shape 204"/>
+        <p:cNvPr id="202" name="Shape 202"/>
         <p:cNvGrpSpPr/>
         <p:nvPr/>
       </p:nvGrpSpPr>
@@ -14936,7 +14880,7 @@
       </p:grpSpPr>
       <p:sp>
         <p:nvSpPr>
-          <p:cNvPr id="205" name="Google Shape;205;g2a0c6f9b0a2_0_42"/>
+          <p:cNvPr id="203" name="Google Shape;203;g2a0c6f9b0a2_0_42"/>
           <p:cNvSpPr txBox="1"/>
           <p:nvPr>
             <p:ph idx="4294967295" type="title"/>
@@ -14994,7 +14938,7 @@
       </p:sp>
       <p:sp>
         <p:nvSpPr>
-          <p:cNvPr id="206" name="Google Shape;206;g2a0c6f9b0a2_0_42"/>
+          <p:cNvPr id="204" name="Google Shape;204;g2a0c6f9b0a2_0_42"/>
           <p:cNvSpPr txBox="1"/>
           <p:nvPr>
             <p:ph idx="4294967295" type="body"/>
@@ -15417,7 +15361,7 @@
       </p:sp>
       <p:pic>
         <p:nvPicPr>
-          <p:cNvPr id="207" name="Google Shape;207;g2a0c6f9b0a2_0_42"/>
+          <p:cNvPr id="205" name="Google Shape;205;g2a0c6f9b0a2_0_42"/>
           <p:cNvPicPr preferRelativeResize="0"/>
           <p:nvPr/>
         </p:nvPicPr>
@@ -15445,7 +15389,7 @@
       </p:pic>
       <p:pic>
         <p:nvPicPr>
-          <p:cNvPr id="208" name="Google Shape;208;g2a0c6f9b0a2_0_42"/>
+          <p:cNvPr id="206" name="Google Shape;206;g2a0c6f9b0a2_0_42"/>
           <p:cNvPicPr preferRelativeResize="0"/>
           <p:nvPr/>
         </p:nvPicPr>
@@ -15484,7 +15428,7 @@
   <p:cSld>
     <p:spTree>
       <p:nvGrpSpPr>
-        <p:cNvPr id="212" name="Shape 212"/>
+        <p:cNvPr id="210" name="Shape 210"/>
         <p:cNvGrpSpPr/>
         <p:nvPr/>
       </p:nvGrpSpPr>
@@ -15498,7 +15442,7 @@
       </p:grpSpPr>
       <p:sp>
         <p:nvSpPr>
-          <p:cNvPr id="213" name="Google Shape;213;g26e1760ff98_1_67"/>
+          <p:cNvPr id="211" name="Google Shape;211;g26e1760ff98_1_67"/>
           <p:cNvSpPr txBox="1"/>
           <p:nvPr>
             <p:ph idx="4294967295" type="title"/>
@@ -15556,7 +15500,7 @@
       </p:sp>
       <p:sp>
         <p:nvSpPr>
-          <p:cNvPr id="214" name="Google Shape;214;g26e1760ff98_1_67"/>
+          <p:cNvPr id="212" name="Google Shape;212;g26e1760ff98_1_67"/>
           <p:cNvSpPr txBox="1"/>
           <p:nvPr>
             <p:ph idx="4294967295" type="body"/>
@@ -15644,7 +15588,7 @@
   <p:cSld>
     <p:spTree>
       <p:nvGrpSpPr>
-        <p:cNvPr id="218" name="Shape 218"/>
+        <p:cNvPr id="216" name="Shape 216"/>
         <p:cNvGrpSpPr/>
         <p:nvPr/>
       </p:nvGrpSpPr>
@@ -15658,7 +15602,7 @@
       </p:grpSpPr>
       <p:sp>
         <p:nvSpPr>
-          <p:cNvPr id="219" name="Google Shape;219;g2a75948b1fc_3_47"/>
+          <p:cNvPr id="217" name="Google Shape;217;g2a75948b1fc_3_47"/>
           <p:cNvSpPr txBox="1"/>
           <p:nvPr>
             <p:ph idx="4294967295" type="title"/>
@@ -15716,7 +15660,7 @@
       </p:sp>
       <p:sp>
         <p:nvSpPr>
-          <p:cNvPr id="220" name="Google Shape;220;g2a75948b1fc_3_47"/>
+          <p:cNvPr id="218" name="Google Shape;218;g2a75948b1fc_3_47"/>
           <p:cNvSpPr txBox="1"/>
           <p:nvPr>
             <p:ph idx="4294967295" type="body"/>
@@ -15798,7 +15742,7 @@
       </p:sp>
       <p:pic>
         <p:nvPicPr>
-          <p:cNvPr id="221" name="Google Shape;221;g2a75948b1fc_3_47"/>
+          <p:cNvPr id="219" name="Google Shape;219;g2a75948b1fc_3_47"/>
           <p:cNvPicPr preferRelativeResize="0"/>
           <p:nvPr/>
         </p:nvPicPr>
@@ -16092,7 +16036,7 @@
   <p:cSld>
     <p:spTree>
       <p:nvGrpSpPr>
-        <p:cNvPr id="225" name="Shape 225"/>
+        <p:cNvPr id="223" name="Shape 223"/>
         <p:cNvGrpSpPr/>
         <p:nvPr/>
       </p:nvGrpSpPr>
@@ -16106,7 +16050,7 @@
       </p:grpSpPr>
       <p:sp>
         <p:nvSpPr>
-          <p:cNvPr id="226" name="Google Shape;226;g2a0c6f9b0a2_0_61"/>
+          <p:cNvPr id="224" name="Google Shape;224;g2a0c6f9b0a2_0_61"/>
           <p:cNvSpPr txBox="1"/>
           <p:nvPr>
             <p:ph idx="4294967295" type="title"/>
@@ -16164,7 +16108,7 @@
       </p:sp>
       <p:pic>
         <p:nvPicPr>
-          <p:cNvPr id="227" name="Google Shape;227;g2a0c6f9b0a2_0_61"/>
+          <p:cNvPr id="225" name="Google Shape;225;g2a0c6f9b0a2_0_61"/>
           <p:cNvPicPr preferRelativeResize="0"/>
           <p:nvPr/>
         </p:nvPicPr>
@@ -16192,7 +16136,7 @@
       </p:pic>
       <p:pic>
         <p:nvPicPr>
-          <p:cNvPr id="228" name="Google Shape;228;g2a0c6f9b0a2_0_61"/>
+          <p:cNvPr id="226" name="Google Shape;226;g2a0c6f9b0a2_0_61"/>
           <p:cNvPicPr preferRelativeResize="0"/>
           <p:nvPr/>
         </p:nvPicPr>
@@ -16231,7 +16175,7 @@
   <p:cSld>
     <p:spTree>
       <p:nvGrpSpPr>
-        <p:cNvPr id="232" name="Shape 232"/>
+        <p:cNvPr id="230" name="Shape 230"/>
         <p:cNvGrpSpPr/>
         <p:nvPr/>
       </p:nvGrpSpPr>
@@ -16245,7 +16189,7 @@
       </p:grpSpPr>
       <p:sp>
         <p:nvSpPr>
-          <p:cNvPr id="233" name="Google Shape;233;g2a739442e3e_0_0"/>
+          <p:cNvPr id="231" name="Google Shape;231;g2a739442e3e_0_0"/>
           <p:cNvSpPr txBox="1"/>
           <p:nvPr>
             <p:ph idx="4294967295" type="title"/>
@@ -16303,7 +16247,7 @@
       </p:sp>
       <p:pic>
         <p:nvPicPr>
-          <p:cNvPr id="234" name="Google Shape;234;g2a739442e3e_0_0"/>
+          <p:cNvPr id="232" name="Google Shape;232;g2a739442e3e_0_0"/>
           <p:cNvPicPr preferRelativeResize="0"/>
           <p:nvPr/>
         </p:nvPicPr>
@@ -16331,7 +16275,7 @@
       </p:pic>
       <p:pic>
         <p:nvPicPr>
-          <p:cNvPr id="235" name="Google Shape;235;g2a739442e3e_0_0"/>
+          <p:cNvPr id="233" name="Google Shape;233;g2a739442e3e_0_0"/>
           <p:cNvPicPr preferRelativeResize="0"/>
           <p:nvPr/>
         </p:nvPicPr>
@@ -16359,7 +16303,7 @@
       </p:pic>
       <p:pic>
         <p:nvPicPr>
-          <p:cNvPr id="236" name="Google Shape;236;g2a739442e3e_0_0"/>
+          <p:cNvPr id="234" name="Google Shape;234;g2a739442e3e_0_0"/>
           <p:cNvPicPr preferRelativeResize="0"/>
           <p:nvPr/>
         </p:nvPicPr>
@@ -16387,7 +16331,7 @@
       </p:pic>
       <p:pic>
         <p:nvPicPr>
-          <p:cNvPr id="237" name="Google Shape;237;g2a739442e3e_0_0"/>
+          <p:cNvPr id="235" name="Google Shape;235;g2a739442e3e_0_0"/>
           <p:cNvPicPr preferRelativeResize="0"/>
           <p:nvPr/>
         </p:nvPicPr>
@@ -16426,7 +16370,7 @@
   <p:cSld>
     <p:spTree>
       <p:nvGrpSpPr>
-        <p:cNvPr id="241" name="Shape 241"/>
+        <p:cNvPr id="239" name="Shape 239"/>
         <p:cNvGrpSpPr/>
         <p:nvPr/>
       </p:nvGrpSpPr>
@@ -16440,7 +16384,7 @@
       </p:grpSpPr>
       <p:sp>
         <p:nvSpPr>
-          <p:cNvPr id="242" name="Google Shape;242;g2aa3efe7eea_0_1"/>
+          <p:cNvPr id="240" name="Google Shape;240;g2aa3efe7eea_0_1"/>
           <p:cNvSpPr txBox="1"/>
           <p:nvPr>
             <p:ph idx="4294967295" type="title"/>
@@ -16498,7 +16442,7 @@
       </p:sp>
       <p:pic>
         <p:nvPicPr>
-          <p:cNvPr id="243" name="Google Shape;243;g2aa3efe7eea_0_1"/>
+          <p:cNvPr id="241" name="Google Shape;241;g2aa3efe7eea_0_1"/>
           <p:cNvPicPr preferRelativeResize="0"/>
           <p:nvPr/>
         </p:nvPicPr>
@@ -16526,7 +16470,7 @@
       </p:pic>
       <p:pic>
         <p:nvPicPr>
-          <p:cNvPr id="244" name="Google Shape;244;g2aa3efe7eea_0_1"/>
+          <p:cNvPr id="242" name="Google Shape;242;g2aa3efe7eea_0_1"/>
           <p:cNvPicPr preferRelativeResize="0"/>
           <p:nvPr/>
         </p:nvPicPr>
@@ -16554,7 +16498,7 @@
       </p:pic>
       <p:pic>
         <p:nvPicPr>
-          <p:cNvPr id="245" name="Google Shape;245;g2aa3efe7eea_0_1"/>
+          <p:cNvPr id="243" name="Google Shape;243;g2aa3efe7eea_0_1"/>
           <p:cNvPicPr preferRelativeResize="0"/>
           <p:nvPr/>
         </p:nvPicPr>
@@ -16582,7 +16526,7 @@
       </p:pic>
       <p:pic>
         <p:nvPicPr>
-          <p:cNvPr id="246" name="Google Shape;246;g2aa3efe7eea_0_1"/>
+          <p:cNvPr id="244" name="Google Shape;244;g2aa3efe7eea_0_1"/>
           <p:cNvPicPr preferRelativeResize="0"/>
           <p:nvPr/>
         </p:nvPicPr>
@@ -16610,7 +16554,7 @@
       </p:pic>
       <p:pic>
         <p:nvPicPr>
-          <p:cNvPr id="247" name="Google Shape;247;g2aa3efe7eea_0_1"/>
+          <p:cNvPr id="245" name="Google Shape;245;g2aa3efe7eea_0_1"/>
           <p:cNvPicPr preferRelativeResize="0"/>
           <p:nvPr/>
         </p:nvPicPr>
@@ -16649,7 +16593,7 @@
   <p:cSld>
     <p:spTree>
       <p:nvGrpSpPr>
-        <p:cNvPr id="251" name="Shape 251"/>
+        <p:cNvPr id="249" name="Shape 249"/>
         <p:cNvGrpSpPr/>
         <p:nvPr/>
       </p:nvGrpSpPr>
@@ -16663,7 +16607,7 @@
       </p:grpSpPr>
       <p:sp>
         <p:nvSpPr>
-          <p:cNvPr id="252" name="Google Shape;252;g2aa3efe7eea_0_9"/>
+          <p:cNvPr id="250" name="Google Shape;250;g2aa3efe7eea_0_9"/>
           <p:cNvSpPr txBox="1"/>
           <p:nvPr>
             <p:ph idx="4294967295" type="title"/>
@@ -16721,7 +16665,7 @@
       </p:sp>
       <p:pic>
         <p:nvPicPr>
-          <p:cNvPr id="253" name="Google Shape;253;g2aa3efe7eea_0_9"/>
+          <p:cNvPr id="251" name="Google Shape;251;g2aa3efe7eea_0_9"/>
           <p:cNvPicPr preferRelativeResize="0"/>
           <p:nvPr/>
         </p:nvPicPr>
@@ -16749,7 +16693,7 @@
       </p:pic>
       <p:pic>
         <p:nvPicPr>
-          <p:cNvPr id="254" name="Google Shape;254;g2aa3efe7eea_0_9"/>
+          <p:cNvPr id="252" name="Google Shape;252;g2aa3efe7eea_0_9"/>
           <p:cNvPicPr preferRelativeResize="0"/>
           <p:nvPr/>
         </p:nvPicPr>
@@ -16777,7 +16721,7 @@
       </p:pic>
       <p:pic>
         <p:nvPicPr>
-          <p:cNvPr id="255" name="Google Shape;255;g2aa3efe7eea_0_9"/>
+          <p:cNvPr id="253" name="Google Shape;253;g2aa3efe7eea_0_9"/>
           <p:cNvPicPr preferRelativeResize="0"/>
           <p:nvPr/>
         </p:nvPicPr>
@@ -16805,7 +16749,7 @@
       </p:pic>
       <p:pic>
         <p:nvPicPr>
-          <p:cNvPr id="256" name="Google Shape;256;g2aa3efe7eea_0_9"/>
+          <p:cNvPr id="254" name="Google Shape;254;g2aa3efe7eea_0_9"/>
           <p:cNvPicPr preferRelativeResize="0"/>
           <p:nvPr/>
         </p:nvPicPr>
@@ -16833,7 +16777,7 @@
       </p:pic>
       <p:pic>
         <p:nvPicPr>
-          <p:cNvPr id="257" name="Google Shape;257;g2aa3efe7eea_0_9"/>
+          <p:cNvPr id="255" name="Google Shape;255;g2aa3efe7eea_0_9"/>
           <p:cNvPicPr preferRelativeResize="0"/>
           <p:nvPr/>
         </p:nvPicPr>
@@ -16861,7 +16805,7 @@
       </p:pic>
       <p:pic>
         <p:nvPicPr>
-          <p:cNvPr id="258" name="Google Shape;258;g2aa3efe7eea_0_9"/>
+          <p:cNvPr id="256" name="Google Shape;256;g2aa3efe7eea_0_9"/>
           <p:cNvPicPr preferRelativeResize="0"/>
           <p:nvPr/>
         </p:nvPicPr>
@@ -16889,7 +16833,7 @@
       </p:pic>
       <p:pic>
         <p:nvPicPr>
-          <p:cNvPr id="259" name="Google Shape;259;g2aa3efe7eea_0_9"/>
+          <p:cNvPr id="257" name="Google Shape;257;g2aa3efe7eea_0_9"/>
           <p:cNvPicPr preferRelativeResize="0"/>
           <p:nvPr/>
         </p:nvPicPr>
@@ -16928,7 +16872,7 @@
   <p:cSld>
     <p:spTree>
       <p:nvGrpSpPr>
-        <p:cNvPr id="263" name="Shape 263"/>
+        <p:cNvPr id="261" name="Shape 261"/>
         <p:cNvGrpSpPr/>
         <p:nvPr/>
       </p:nvGrpSpPr>
@@ -16942,7 +16886,7 @@
       </p:grpSpPr>
       <p:sp>
         <p:nvSpPr>
-          <p:cNvPr id="264" name="Google Shape;264;g2a0c6f9b0a2_0_75"/>
+          <p:cNvPr id="262" name="Google Shape;262;g2a0c6f9b0a2_0_75"/>
           <p:cNvSpPr txBox="1"/>
           <p:nvPr>
             <p:ph idx="4294967295" type="title"/>
@@ -17009,7 +16953,7 @@
       </p:sp>
       <p:pic>
         <p:nvPicPr>
-          <p:cNvPr id="265" name="Google Shape;265;g2a0c6f9b0a2_0_75"/>
+          <p:cNvPr id="263" name="Google Shape;263;g2a0c6f9b0a2_0_75"/>
           <p:cNvPicPr preferRelativeResize="0"/>
           <p:nvPr/>
         </p:nvPicPr>
@@ -17037,7 +16981,7 @@
       </p:pic>
       <p:pic>
         <p:nvPicPr>
-          <p:cNvPr id="266" name="Google Shape;266;g2a0c6f9b0a2_0_75"/>
+          <p:cNvPr id="264" name="Google Shape;264;g2a0c6f9b0a2_0_75"/>
           <p:cNvPicPr preferRelativeResize="0"/>
           <p:nvPr/>
         </p:nvPicPr>
@@ -17076,7 +17020,7 @@
   <p:cSld>
     <p:spTree>
       <p:nvGrpSpPr>
-        <p:cNvPr id="270" name="Shape 270"/>
+        <p:cNvPr id="268" name="Shape 268"/>
         <p:cNvGrpSpPr/>
         <p:nvPr/>
       </p:nvGrpSpPr>
@@ -17090,7 +17034,7 @@
       </p:grpSpPr>
       <p:sp>
         <p:nvSpPr>
-          <p:cNvPr id="271" name="Google Shape;271;g2a0c6f9b0a2_0_84"/>
+          <p:cNvPr id="269" name="Google Shape;269;g2a0c6f9b0a2_0_84"/>
           <p:cNvSpPr txBox="1"/>
           <p:nvPr>
             <p:ph idx="4294967295" type="title"/>
@@ -17148,7 +17092,7 @@
       </p:sp>
       <p:sp>
         <p:nvSpPr>
-          <p:cNvPr id="272" name="Google Shape;272;g2a0c6f9b0a2_0_84"/>
+          <p:cNvPr id="270" name="Google Shape;270;g2a0c6f9b0a2_0_84"/>
           <p:cNvSpPr txBox="1"/>
           <p:nvPr>
             <p:ph idx="4294967295" type="body"/>
@@ -17305,7 +17249,7 @@
       </p:sp>
       <p:pic>
         <p:nvPicPr>
-          <p:cNvPr id="273" name="Google Shape;273;g2a0c6f9b0a2_0_84"/>
+          <p:cNvPr id="271" name="Google Shape;271;g2a0c6f9b0a2_0_84"/>
           <p:cNvPicPr preferRelativeResize="0"/>
           <p:nvPr/>
         </p:nvPicPr>
@@ -17332,7 +17276,7 @@
       </p:pic>
       <p:pic>
         <p:nvPicPr>
-          <p:cNvPr id="274" name="Google Shape;274;g2a0c6f9b0a2_0_84"/>
+          <p:cNvPr id="272" name="Google Shape;272;g2a0c6f9b0a2_0_84"/>
           <p:cNvPicPr preferRelativeResize="0"/>
           <p:nvPr/>
         </p:nvPicPr>
@@ -17370,7 +17314,7 @@
   <p:cSld>
     <p:spTree>
       <p:nvGrpSpPr>
-        <p:cNvPr id="278" name="Shape 278"/>
+        <p:cNvPr id="276" name="Shape 276"/>
         <p:cNvGrpSpPr/>
         <p:nvPr/>
       </p:nvGrpSpPr>
@@ -17384,7 +17328,7 @@
       </p:grpSpPr>
       <p:sp>
         <p:nvSpPr>
-          <p:cNvPr id="279" name="Google Shape;279;g2a8be63b007_0_31"/>
+          <p:cNvPr id="277" name="Google Shape;277;g2a8be63b007_0_31"/>
           <p:cNvSpPr txBox="1"/>
           <p:nvPr>
             <p:ph idx="4294967295" type="title"/>
@@ -17442,7 +17386,7 @@
       </p:sp>
       <p:pic>
         <p:nvPicPr>
-          <p:cNvPr id="280" name="Google Shape;280;g2a8be63b007_0_31"/>
+          <p:cNvPr id="278" name="Google Shape;278;g2a8be63b007_0_31"/>
           <p:cNvPicPr preferRelativeResize="0"/>
           <p:nvPr/>
         </p:nvPicPr>
@@ -17469,7 +17413,7 @@
       </p:pic>
       <p:pic>
         <p:nvPicPr>
-          <p:cNvPr id="281" name="Google Shape;281;g2a8be63b007_0_31"/>
+          <p:cNvPr id="279" name="Google Shape;279;g2a8be63b007_0_31"/>
           <p:cNvPicPr preferRelativeResize="0"/>
           <p:nvPr/>
         </p:nvPicPr>
@@ -17496,7 +17440,7 @@
       </p:pic>
       <p:pic>
         <p:nvPicPr>
-          <p:cNvPr id="282" name="Google Shape;282;g2a8be63b007_0_31"/>
+          <p:cNvPr id="280" name="Google Shape;280;g2a8be63b007_0_31"/>
           <p:cNvPicPr preferRelativeResize="0"/>
           <p:nvPr/>
         </p:nvPicPr>
@@ -17524,7 +17468,7 @@
       </p:pic>
       <p:pic>
         <p:nvPicPr>
-          <p:cNvPr id="283" name="Google Shape;283;g2a8be63b007_0_31"/>
+          <p:cNvPr id="281" name="Google Shape;281;g2a8be63b007_0_31"/>
           <p:cNvPicPr preferRelativeResize="0"/>
           <p:nvPr/>
         </p:nvPicPr>
@@ -17552,7 +17496,7 @@
       </p:pic>
       <p:sp>
         <p:nvSpPr>
-          <p:cNvPr id="284" name="Google Shape;284;g2a8be63b007_0_31"/>
+          <p:cNvPr id="282" name="Google Shape;282;g2a8be63b007_0_31"/>
           <p:cNvSpPr txBox="1"/>
           <p:nvPr>
             <p:ph idx="4294967295" type="body"/>
@@ -17779,7 +17723,7 @@
       </p:sp>
       <p:pic>
         <p:nvPicPr>
-          <p:cNvPr id="285" name="Google Shape;285;g2a8be63b007_0_31"/>
+          <p:cNvPr id="283" name="Google Shape;283;g2a8be63b007_0_31"/>
           <p:cNvPicPr preferRelativeResize="0"/>
           <p:nvPr/>
         </p:nvPicPr>
@@ -17817,7 +17761,7 @@
   <p:cSld>
     <p:spTree>
       <p:nvGrpSpPr>
-        <p:cNvPr id="289" name="Shape 289"/>
+        <p:cNvPr id="287" name="Shape 287"/>
         <p:cNvGrpSpPr/>
         <p:nvPr/>
       </p:nvGrpSpPr>
@@ -17831,7 +17775,7 @@
       </p:grpSpPr>
       <p:sp>
         <p:nvSpPr>
-          <p:cNvPr id="290" name="Google Shape;290;g2a8639fb0e6_0_17"/>
+          <p:cNvPr id="288" name="Google Shape;288;g2a8639fb0e6_0_17"/>
           <p:cNvSpPr txBox="1"/>
           <p:nvPr>
             <p:ph idx="4294967295" type="title"/>
@@ -17887,6 +17831,60 @@
           </a:p>
         </p:txBody>
       </p:sp>
+      <p:pic>
+        <p:nvPicPr>
+          <p:cNvPr id="289" name="Google Shape;289;g2a8639fb0e6_0_17"/>
+          <p:cNvPicPr preferRelativeResize="0"/>
+          <p:nvPr/>
+        </p:nvPicPr>
+        <p:blipFill rotWithShape="1">
+          <a:blip r:embed="rId3">
+            <a:alphaModFix/>
+          </a:blip>
+          <a:srcRect b="88056" l="4567" r="75379" t="3514"/>
+          <a:stretch/>
+        </p:blipFill>
+        <p:spPr>
+          <a:xfrm>
+            <a:off x="124300" y="995450"/>
+            <a:ext cx="3126902" cy="323458"/>
+          </a:xfrm>
+          <a:prstGeom prst="rect">
+            <a:avLst/>
+          </a:prstGeom>
+          <a:noFill/>
+          <a:ln>
+            <a:noFill/>
+          </a:ln>
+        </p:spPr>
+      </p:pic>
+      <p:pic>
+        <p:nvPicPr>
+          <p:cNvPr id="290" name="Google Shape;290;g2a8639fb0e6_0_17"/>
+          <p:cNvPicPr preferRelativeResize="0"/>
+          <p:nvPr/>
+        </p:nvPicPr>
+        <p:blipFill rotWithShape="1">
+          <a:blip r:embed="rId3">
+            <a:alphaModFix/>
+          </a:blip>
+          <a:srcRect b="5873" l="737" r="68799" t="13882"/>
+          <a:stretch/>
+        </p:blipFill>
+        <p:spPr>
+          <a:xfrm>
+            <a:off x="-14625" y="1376550"/>
+            <a:ext cx="3436052" cy="2227325"/>
+          </a:xfrm>
+          <a:prstGeom prst="rect">
+            <a:avLst/>
+          </a:prstGeom>
+          <a:noFill/>
+          <a:ln>
+            <a:noFill/>
+          </a:ln>
+        </p:spPr>
+      </p:pic>
       <p:pic>
         <p:nvPicPr>
           <p:cNvPr id="291" name="Google Shape;291;g2a8639fb0e6_0_17"/>
@@ -17897,13 +17895,13 @@
           <a:blip r:embed="rId3">
             <a:alphaModFix/>
           </a:blip>
-          <a:srcRect b="88056" l="4567" r="75379" t="3514"/>
+          <a:srcRect b="4392" l="58558" r="13427" t="14107"/>
           <a:stretch/>
         </p:blipFill>
         <p:spPr>
           <a:xfrm>
-            <a:off x="124300" y="995450"/>
-            <a:ext cx="3126902" cy="323458"/>
+            <a:off x="6492011" y="1376550"/>
+            <a:ext cx="2597540" cy="2265650"/>
           </a:xfrm>
           <a:prstGeom prst="rect">
             <a:avLst/>
@@ -17924,13 +17922,13 @@
           <a:blip r:embed="rId3">
             <a:alphaModFix/>
           </a:blip>
-          <a:srcRect b="5873" l="737" r="68799" t="13882"/>
+          <a:srcRect b="4863" l="30763" r="41221" t="13941"/>
           <a:stretch/>
         </p:blipFill>
         <p:spPr>
           <a:xfrm>
-            <a:off x="-14625" y="1376550"/>
-            <a:ext cx="3436052" cy="2227325"/>
+            <a:off x="3539063" y="1376550"/>
+            <a:ext cx="2842614" cy="2265650"/>
           </a:xfrm>
           <a:prstGeom prst="rect">
             <a:avLst/>
@@ -17951,13 +17949,13 @@
           <a:blip r:embed="rId3">
             <a:alphaModFix/>
           </a:blip>
-          <a:srcRect b="4392" l="58558" r="13427" t="14107"/>
+          <a:srcRect b="11999" l="2491" r="96248" t="13882"/>
           <a:stretch/>
         </p:blipFill>
         <p:spPr>
           <a:xfrm>
-            <a:off x="6492011" y="1376550"/>
-            <a:ext cx="2597540" cy="2265650"/>
+            <a:off x="3469571" y="1376550"/>
+            <a:ext cx="128773" cy="2083875"/>
           </a:xfrm>
           <a:prstGeom prst="rect">
             <a:avLst/>
@@ -17978,13 +17976,13 @@
           <a:blip r:embed="rId3">
             <a:alphaModFix/>
           </a:blip>
-          <a:srcRect b="4863" l="30763" r="41221" t="13941"/>
+          <a:srcRect b="11999" l="2372" r="96248" t="13882"/>
           <a:stretch/>
         </p:blipFill>
         <p:spPr>
           <a:xfrm>
-            <a:off x="3539063" y="1376550"/>
-            <a:ext cx="2842614" cy="2265650"/>
+            <a:off x="6440795" y="1380750"/>
+            <a:ext cx="128773" cy="2076175"/>
           </a:xfrm>
           <a:prstGeom prst="rect">
             <a:avLst/>
@@ -17998,60 +17996,6 @@
       <p:pic>
         <p:nvPicPr>
           <p:cNvPr id="295" name="Google Shape;295;g2a8639fb0e6_0_17"/>
-          <p:cNvPicPr preferRelativeResize="0"/>
-          <p:nvPr/>
-        </p:nvPicPr>
-        <p:blipFill rotWithShape="1">
-          <a:blip r:embed="rId3">
-            <a:alphaModFix/>
-          </a:blip>
-          <a:srcRect b="11999" l="2491" r="96248" t="13882"/>
-          <a:stretch/>
-        </p:blipFill>
-        <p:spPr>
-          <a:xfrm>
-            <a:off x="3469571" y="1376550"/>
-            <a:ext cx="128773" cy="2083875"/>
-          </a:xfrm>
-          <a:prstGeom prst="rect">
-            <a:avLst/>
-          </a:prstGeom>
-          <a:noFill/>
-          <a:ln>
-            <a:noFill/>
-          </a:ln>
-        </p:spPr>
-      </p:pic>
-      <p:pic>
-        <p:nvPicPr>
-          <p:cNvPr id="296" name="Google Shape;296;g2a8639fb0e6_0_17"/>
-          <p:cNvPicPr preferRelativeResize="0"/>
-          <p:nvPr/>
-        </p:nvPicPr>
-        <p:blipFill rotWithShape="1">
-          <a:blip r:embed="rId3">
-            <a:alphaModFix/>
-          </a:blip>
-          <a:srcRect b="11999" l="2372" r="96248" t="13882"/>
-          <a:stretch/>
-        </p:blipFill>
-        <p:spPr>
-          <a:xfrm>
-            <a:off x="6440795" y="1380750"/>
-            <a:ext cx="128773" cy="2076175"/>
-          </a:xfrm>
-          <a:prstGeom prst="rect">
-            <a:avLst/>
-          </a:prstGeom>
-          <a:noFill/>
-          <a:ln>
-            <a:noFill/>
-          </a:ln>
-        </p:spPr>
-      </p:pic>
-      <p:pic>
-        <p:nvPicPr>
-          <p:cNvPr id="297" name="Google Shape;297;g2a8639fb0e6_0_17"/>
           <p:cNvPicPr preferRelativeResize="0"/>
           <p:nvPr/>
         </p:nvPicPr>
@@ -18078,7 +18022,7 @@
       </p:pic>
       <p:sp>
         <p:nvSpPr>
-          <p:cNvPr id="298" name="Google Shape;298;g2a8639fb0e6_0_17"/>
+          <p:cNvPr id="296" name="Google Shape;296;g2a8639fb0e6_0_17"/>
           <p:cNvSpPr txBox="1"/>
           <p:nvPr>
             <p:ph idx="4294967295" type="body"/>
@@ -18253,7 +18197,7 @@
   <p:cSld>
     <p:spTree>
       <p:nvGrpSpPr>
-        <p:cNvPr id="302" name="Shape 302"/>
+        <p:cNvPr id="300" name="Shape 300"/>
         <p:cNvGrpSpPr/>
         <p:nvPr/>
       </p:nvGrpSpPr>
@@ -18267,7 +18211,7 @@
       </p:grpSpPr>
       <p:sp>
         <p:nvSpPr>
-          <p:cNvPr id="303" name="Google Shape;303;g2a8be63b007_0_18"/>
+          <p:cNvPr id="301" name="Google Shape;301;g2a8be63b007_0_18"/>
           <p:cNvSpPr txBox="1"/>
           <p:nvPr>
             <p:ph idx="4294967295" type="title"/>
@@ -18323,6 +18267,60 @@
           </a:p>
         </p:txBody>
       </p:sp>
+      <p:pic>
+        <p:nvPicPr>
+          <p:cNvPr id="302" name="Google Shape;302;g2a8be63b007_0_18"/>
+          <p:cNvPicPr preferRelativeResize="0"/>
+          <p:nvPr/>
+        </p:nvPicPr>
+        <p:blipFill rotWithShape="1">
+          <a:blip r:embed="rId3">
+            <a:alphaModFix/>
+          </a:blip>
+          <a:srcRect b="88056" l="4567" r="75379" t="3514"/>
+          <a:stretch/>
+        </p:blipFill>
+        <p:spPr>
+          <a:xfrm>
+            <a:off x="124300" y="995450"/>
+            <a:ext cx="3126902" cy="323458"/>
+          </a:xfrm>
+          <a:prstGeom prst="rect">
+            <a:avLst/>
+          </a:prstGeom>
+          <a:noFill/>
+          <a:ln>
+            <a:noFill/>
+          </a:ln>
+        </p:spPr>
+      </p:pic>
+      <p:pic>
+        <p:nvPicPr>
+          <p:cNvPr id="303" name="Google Shape;303;g2a8be63b007_0_18"/>
+          <p:cNvPicPr preferRelativeResize="0"/>
+          <p:nvPr/>
+        </p:nvPicPr>
+        <p:blipFill rotWithShape="1">
+          <a:blip r:embed="rId3">
+            <a:alphaModFix/>
+          </a:blip>
+          <a:srcRect b="5873" l="737" r="68799" t="13882"/>
+          <a:stretch/>
+        </p:blipFill>
+        <p:spPr>
+          <a:xfrm>
+            <a:off x="-14625" y="1376550"/>
+            <a:ext cx="3436052" cy="2227325"/>
+          </a:xfrm>
+          <a:prstGeom prst="rect">
+            <a:avLst/>
+          </a:prstGeom>
+          <a:noFill/>
+          <a:ln>
+            <a:noFill/>
+          </a:ln>
+        </p:spPr>
+      </p:pic>
       <p:pic>
         <p:nvPicPr>
           <p:cNvPr id="304" name="Google Shape;304;g2a8be63b007_0_18"/>
@@ -18333,13 +18331,13 @@
           <a:blip r:embed="rId3">
             <a:alphaModFix/>
           </a:blip>
-          <a:srcRect b="88056" l="4567" r="75379" t="3514"/>
+          <a:srcRect b="4392" l="58558" r="13427" t="14107"/>
           <a:stretch/>
         </p:blipFill>
         <p:spPr>
           <a:xfrm>
-            <a:off x="124300" y="995450"/>
-            <a:ext cx="3126902" cy="323458"/>
+            <a:off x="6492011" y="1376550"/>
+            <a:ext cx="2597540" cy="2265650"/>
           </a:xfrm>
           <a:prstGeom prst="rect">
             <a:avLst/>
@@ -18360,13 +18358,13 @@
           <a:blip r:embed="rId3">
             <a:alphaModFix/>
           </a:blip>
-          <a:srcRect b="5873" l="737" r="68799" t="13882"/>
+          <a:srcRect b="4863" l="30763" r="41221" t="13941"/>
           <a:stretch/>
         </p:blipFill>
         <p:spPr>
           <a:xfrm>
-            <a:off x="-14625" y="1376550"/>
-            <a:ext cx="3436052" cy="2227325"/>
+            <a:off x="3539063" y="1376550"/>
+            <a:ext cx="2842614" cy="2265650"/>
           </a:xfrm>
           <a:prstGeom prst="rect">
             <a:avLst/>
@@ -18387,13 +18385,13 @@
           <a:blip r:embed="rId3">
             <a:alphaModFix/>
           </a:blip>
-          <a:srcRect b="4392" l="58558" r="13427" t="14107"/>
+          <a:srcRect b="11999" l="2491" r="96248" t="13882"/>
           <a:stretch/>
         </p:blipFill>
         <p:spPr>
           <a:xfrm>
-            <a:off x="6492011" y="1376550"/>
-            <a:ext cx="2597540" cy="2265650"/>
+            <a:off x="3469571" y="1376550"/>
+            <a:ext cx="128773" cy="2083875"/>
           </a:xfrm>
           <a:prstGeom prst="rect">
             <a:avLst/>
@@ -18414,13 +18412,13 @@
           <a:blip r:embed="rId3">
             <a:alphaModFix/>
           </a:blip>
-          <a:srcRect b="4863" l="30763" r="41221" t="13941"/>
+          <a:srcRect b="11999" l="2372" r="96248" t="13882"/>
           <a:stretch/>
         </p:blipFill>
         <p:spPr>
           <a:xfrm>
-            <a:off x="3539063" y="1376550"/>
-            <a:ext cx="2842614" cy="2265650"/>
+            <a:off x="6440795" y="1380750"/>
+            <a:ext cx="128773" cy="2076175"/>
           </a:xfrm>
           <a:prstGeom prst="rect">
             <a:avLst/>
@@ -18434,60 +18432,6 @@
       <p:pic>
         <p:nvPicPr>
           <p:cNvPr id="308" name="Google Shape;308;g2a8be63b007_0_18"/>
-          <p:cNvPicPr preferRelativeResize="0"/>
-          <p:nvPr/>
-        </p:nvPicPr>
-        <p:blipFill rotWithShape="1">
-          <a:blip r:embed="rId3">
-            <a:alphaModFix/>
-          </a:blip>
-          <a:srcRect b="11999" l="2491" r="96248" t="13882"/>
-          <a:stretch/>
-        </p:blipFill>
-        <p:spPr>
-          <a:xfrm>
-            <a:off x="3469571" y="1376550"/>
-            <a:ext cx="128773" cy="2083875"/>
-          </a:xfrm>
-          <a:prstGeom prst="rect">
-            <a:avLst/>
-          </a:prstGeom>
-          <a:noFill/>
-          <a:ln>
-            <a:noFill/>
-          </a:ln>
-        </p:spPr>
-      </p:pic>
-      <p:pic>
-        <p:nvPicPr>
-          <p:cNvPr id="309" name="Google Shape;309;g2a8be63b007_0_18"/>
-          <p:cNvPicPr preferRelativeResize="0"/>
-          <p:nvPr/>
-        </p:nvPicPr>
-        <p:blipFill rotWithShape="1">
-          <a:blip r:embed="rId3">
-            <a:alphaModFix/>
-          </a:blip>
-          <a:srcRect b="11999" l="2372" r="96248" t="13882"/>
-          <a:stretch/>
-        </p:blipFill>
-        <p:spPr>
-          <a:xfrm>
-            <a:off x="6440795" y="1380750"/>
-            <a:ext cx="128773" cy="2076175"/>
-          </a:xfrm>
-          <a:prstGeom prst="rect">
-            <a:avLst/>
-          </a:prstGeom>
-          <a:noFill/>
-          <a:ln>
-            <a:noFill/>
-          </a:ln>
-        </p:spPr>
-      </p:pic>
-      <p:pic>
-        <p:nvPicPr>
-          <p:cNvPr id="310" name="Google Shape;310;g2a8be63b007_0_18"/>
           <p:cNvPicPr preferRelativeResize="0"/>
           <p:nvPr/>
         </p:nvPicPr>
@@ -18514,7 +18458,7 @@
       </p:pic>
       <p:sp>
         <p:nvSpPr>
-          <p:cNvPr id="311" name="Google Shape;311;g2a8be63b007_0_18"/>
+          <p:cNvPr id="309" name="Google Shape;309;g2a8be63b007_0_18"/>
           <p:cNvSpPr txBox="1"/>
           <p:nvPr>
             <p:ph idx="4294967295" type="body"/>
@@ -18678,7 +18622,7 @@
       </p:sp>
       <p:sp>
         <p:nvSpPr>
-          <p:cNvPr id="312" name="Google Shape;312;g2a8be63b007_0_18"/>
+          <p:cNvPr id="310" name="Google Shape;310;g2a8be63b007_0_18"/>
           <p:cNvSpPr txBox="1"/>
           <p:nvPr>
             <p:ph idx="4294967295" type="body"/>
@@ -18893,7 +18837,7 @@
   <p:cSld>
     <p:spTree>
       <p:nvGrpSpPr>
-        <p:cNvPr id="316" name="Shape 316"/>
+        <p:cNvPr id="314" name="Shape 314"/>
         <p:cNvGrpSpPr/>
         <p:nvPr/>
       </p:nvGrpSpPr>
@@ -18907,7 +18851,7 @@
       </p:grpSpPr>
       <p:sp>
         <p:nvSpPr>
-          <p:cNvPr id="317" name="Google Shape;317;g2a0c6f9b0a2_0_97"/>
+          <p:cNvPr id="315" name="Google Shape;315;g2a0c6f9b0a2_0_97"/>
           <p:cNvSpPr txBox="1"/>
           <p:nvPr>
             <p:ph idx="4294967295" type="title"/>
@@ -18965,7 +18909,7 @@
       </p:sp>
       <p:pic>
         <p:nvPicPr>
-          <p:cNvPr id="318" name="Google Shape;318;g2a0c6f9b0a2_0_97"/>
+          <p:cNvPr id="316" name="Google Shape;316;g2a0c6f9b0a2_0_97"/>
           <p:cNvPicPr preferRelativeResize="0"/>
           <p:nvPr/>
         </p:nvPicPr>
@@ -18992,7 +18936,7 @@
       </p:pic>
       <p:pic>
         <p:nvPicPr>
-          <p:cNvPr id="319" name="Google Shape;319;g2a0c6f9b0a2_0_97"/>
+          <p:cNvPr id="317" name="Google Shape;317;g2a0c6f9b0a2_0_97"/>
           <p:cNvPicPr preferRelativeResize="0"/>
           <p:nvPr/>
         </p:nvPicPr>
@@ -19019,7 +18963,7 @@
       </p:pic>
       <p:pic>
         <p:nvPicPr>
-          <p:cNvPr id="320" name="Google Shape;320;g2a0c6f9b0a2_0_97"/>
+          <p:cNvPr id="318" name="Google Shape;318;g2a0c6f9b0a2_0_97"/>
           <p:cNvPicPr preferRelativeResize="0"/>
           <p:nvPr/>
         </p:nvPicPr>
@@ -19046,7 +18990,7 @@
       </p:pic>
       <p:pic>
         <p:nvPicPr>
-          <p:cNvPr id="321" name="Google Shape;321;g2a0c6f9b0a2_0_97"/>
+          <p:cNvPr id="319" name="Google Shape;319;g2a0c6f9b0a2_0_97"/>
           <p:cNvPicPr preferRelativeResize="0"/>
           <p:nvPr/>
         </p:nvPicPr>
@@ -19074,7 +19018,7 @@
       </p:pic>
       <p:pic>
         <p:nvPicPr>
-          <p:cNvPr id="322" name="Google Shape;322;g2a0c6f9b0a2_0_97"/>
+          <p:cNvPr id="320" name="Google Shape;320;g2a0c6f9b0a2_0_97"/>
           <p:cNvPicPr preferRelativeResize="0"/>
           <p:nvPr/>
         </p:nvPicPr>
@@ -19102,7 +19046,7 @@
       </p:pic>
       <p:sp>
         <p:nvSpPr>
-          <p:cNvPr id="323" name="Google Shape;323;g2a0c6f9b0a2_0_97"/>
+          <p:cNvPr id="321" name="Google Shape;321;g2a0c6f9b0a2_0_97"/>
           <p:cNvSpPr txBox="1"/>
           <p:nvPr>
             <p:ph idx="4294967295" type="body"/>
@@ -19660,7 +19604,7 @@
   <p:cSld>
     <p:spTree>
       <p:nvGrpSpPr>
-        <p:cNvPr id="327" name="Shape 327"/>
+        <p:cNvPr id="325" name="Shape 325"/>
         <p:cNvGrpSpPr/>
         <p:nvPr/>
       </p:nvGrpSpPr>
@@ -19674,7 +19618,7 @@
       </p:grpSpPr>
       <p:sp>
         <p:nvSpPr>
-          <p:cNvPr id="328" name="Google Shape;328;g2a8639fb0e6_0_35"/>
+          <p:cNvPr id="326" name="Google Shape;326;g2a8639fb0e6_0_35"/>
           <p:cNvSpPr txBox="1"/>
           <p:nvPr>
             <p:ph idx="4294967295" type="title"/>
@@ -19730,6 +19674,60 @@
           </a:p>
         </p:txBody>
       </p:sp>
+      <p:pic>
+        <p:nvPicPr>
+          <p:cNvPr id="327" name="Google Shape;327;g2a8639fb0e6_0_35"/>
+          <p:cNvPicPr preferRelativeResize="0"/>
+          <p:nvPr/>
+        </p:nvPicPr>
+        <p:blipFill rotWithShape="1">
+          <a:blip r:embed="rId3">
+            <a:alphaModFix/>
+          </a:blip>
+          <a:srcRect b="0" l="758" r="97450" t="14908"/>
+          <a:stretch/>
+        </p:blipFill>
+        <p:spPr>
+          <a:xfrm>
+            <a:off x="0" y="1860250"/>
+            <a:ext cx="179825" cy="2103400"/>
+          </a:xfrm>
+          <a:prstGeom prst="rect">
+            <a:avLst/>
+          </a:prstGeom>
+          <a:noFill/>
+          <a:ln>
+            <a:noFill/>
+          </a:ln>
+        </p:spPr>
+      </p:pic>
+      <p:pic>
+        <p:nvPicPr>
+          <p:cNvPr id="328" name="Google Shape;328;g2a8639fb0e6_0_35"/>
+          <p:cNvPicPr preferRelativeResize="0"/>
+          <p:nvPr/>
+        </p:nvPicPr>
+        <p:blipFill rotWithShape="1">
+          <a:blip r:embed="rId3">
+            <a:alphaModFix/>
+          </a:blip>
+          <a:srcRect b="86890" l="4778" r="66811" t="0"/>
+          <a:stretch/>
+        </p:blipFill>
+        <p:spPr>
+          <a:xfrm>
+            <a:off x="179825" y="1417325"/>
+            <a:ext cx="4205051" cy="477500"/>
+          </a:xfrm>
+          <a:prstGeom prst="rect">
+            <a:avLst/>
+          </a:prstGeom>
+          <a:noFill/>
+          <a:ln>
+            <a:noFill/>
+          </a:ln>
+        </p:spPr>
+      </p:pic>
       <p:pic>
         <p:nvPicPr>
           <p:cNvPr id="329" name="Google Shape;329;g2a8639fb0e6_0_35"/>
@@ -19740,13 +19738,13 @@
           <a:blip r:embed="rId3">
             <a:alphaModFix/>
           </a:blip>
-          <a:srcRect b="0" l="758" r="97450" t="14908"/>
+          <a:srcRect b="65689" l="94755" r="0" t="18838"/>
           <a:stretch/>
         </p:blipFill>
         <p:spPr>
           <a:xfrm>
-            <a:off x="0" y="1860250"/>
-            <a:ext cx="179825" cy="2103400"/>
+            <a:off x="7991775" y="284900"/>
+            <a:ext cx="768348" cy="557850"/>
           </a:xfrm>
           <a:prstGeom prst="rect">
             <a:avLst/>
@@ -19764,16 +19762,16 @@
           <p:nvPr/>
         </p:nvPicPr>
         <p:blipFill rotWithShape="1">
-          <a:blip r:embed="rId3">
+          <a:blip r:embed="rId4">
             <a:alphaModFix/>
           </a:blip>
-          <a:srcRect b="86890" l="4778" r="66811" t="0"/>
+          <a:srcRect b="10335" l="2260" r="66938" t="13947"/>
           <a:stretch/>
         </p:blipFill>
         <p:spPr>
           <a:xfrm>
-            <a:off x="179825" y="1417325"/>
-            <a:ext cx="4205051" cy="477500"/>
+            <a:off x="3174988" y="1968000"/>
+            <a:ext cx="3078323" cy="1629550"/>
           </a:xfrm>
           <a:prstGeom prst="rect">
             <a:avLst/>
@@ -19791,16 +19789,16 @@
           <p:nvPr/>
         </p:nvPicPr>
         <p:blipFill rotWithShape="1">
-          <a:blip r:embed="rId3">
+          <a:blip r:embed="rId4">
             <a:alphaModFix/>
           </a:blip>
-          <a:srcRect b="65689" l="94755" r="0" t="18838"/>
+          <a:srcRect b="6373" l="33989" r="36462" t="13951"/>
           <a:stretch/>
         </p:blipFill>
         <p:spPr>
           <a:xfrm>
-            <a:off x="7991775" y="284900"/>
-            <a:ext cx="768348" cy="557850"/>
+            <a:off x="237800" y="1968000"/>
+            <a:ext cx="2919398" cy="1714725"/>
           </a:xfrm>
           <a:prstGeom prst="rect">
             <a:avLst/>
@@ -19821,13 +19819,13 @@
           <a:blip r:embed="rId4">
             <a:alphaModFix/>
           </a:blip>
-          <a:srcRect b="10335" l="2260" r="66938" t="13947"/>
+          <a:srcRect b="10452" l="64059" r="5669" t="15314"/>
           <a:stretch/>
         </p:blipFill>
         <p:spPr>
           <a:xfrm>
-            <a:off x="3174988" y="1968000"/>
-            <a:ext cx="3078323" cy="1629550"/>
+            <a:off x="6271100" y="1994100"/>
+            <a:ext cx="2846700" cy="1603450"/>
           </a:xfrm>
           <a:prstGeom prst="rect">
             <a:avLst/>
@@ -19848,13 +19846,13 @@
           <a:blip r:embed="rId4">
             <a:alphaModFix/>
           </a:blip>
-          <a:srcRect b="6373" l="33989" r="36462" t="13951"/>
+          <a:srcRect b="10335" l="2260" r="96764" t="13947"/>
           <a:stretch/>
         </p:blipFill>
         <p:spPr>
           <a:xfrm>
-            <a:off x="237800" y="1968000"/>
-            <a:ext cx="2919398" cy="1714725"/>
+            <a:off x="140413" y="1968000"/>
+            <a:ext cx="97398" cy="1629550"/>
           </a:xfrm>
           <a:prstGeom prst="rect">
             <a:avLst/>
@@ -19868,60 +19866,6 @@
       <p:pic>
         <p:nvPicPr>
           <p:cNvPr id="334" name="Google Shape;334;g2a8639fb0e6_0_35"/>
-          <p:cNvPicPr preferRelativeResize="0"/>
-          <p:nvPr/>
-        </p:nvPicPr>
-        <p:blipFill rotWithShape="1">
-          <a:blip r:embed="rId4">
-            <a:alphaModFix/>
-          </a:blip>
-          <a:srcRect b="10452" l="64059" r="5669" t="15314"/>
-          <a:stretch/>
-        </p:blipFill>
-        <p:spPr>
-          <a:xfrm>
-            <a:off x="6271100" y="1994100"/>
-            <a:ext cx="2846700" cy="1603450"/>
-          </a:xfrm>
-          <a:prstGeom prst="rect">
-            <a:avLst/>
-          </a:prstGeom>
-          <a:noFill/>
-          <a:ln>
-            <a:noFill/>
-          </a:ln>
-        </p:spPr>
-      </p:pic>
-      <p:pic>
-        <p:nvPicPr>
-          <p:cNvPr id="335" name="Google Shape;335;g2a8639fb0e6_0_35"/>
-          <p:cNvPicPr preferRelativeResize="0"/>
-          <p:nvPr/>
-        </p:nvPicPr>
-        <p:blipFill rotWithShape="1">
-          <a:blip r:embed="rId4">
-            <a:alphaModFix/>
-          </a:blip>
-          <a:srcRect b="10335" l="2260" r="96764" t="13947"/>
-          <a:stretch/>
-        </p:blipFill>
-        <p:spPr>
-          <a:xfrm>
-            <a:off x="140413" y="1968000"/>
-            <a:ext cx="97398" cy="1629550"/>
-          </a:xfrm>
-          <a:prstGeom prst="rect">
-            <a:avLst/>
-          </a:prstGeom>
-          <a:noFill/>
-          <a:ln>
-            <a:noFill/>
-          </a:ln>
-        </p:spPr>
-      </p:pic>
-      <p:pic>
-        <p:nvPicPr>
-          <p:cNvPr id="336" name="Google Shape;336;g2a8639fb0e6_0_35"/>
           <p:cNvPicPr preferRelativeResize="0"/>
           <p:nvPr/>
         </p:nvPicPr>
@@ -19959,7 +19903,7 @@
   <p:cSld>
     <p:spTree>
       <p:nvGrpSpPr>
-        <p:cNvPr id="340" name="Shape 340"/>
+        <p:cNvPr id="338" name="Shape 338"/>
         <p:cNvGrpSpPr/>
         <p:nvPr/>
       </p:nvGrpSpPr>
@@ -19973,7 +19917,7 @@
       </p:grpSpPr>
       <p:sp>
         <p:nvSpPr>
-          <p:cNvPr id="341" name="Google Shape;341;g2a75948b1fc_3_59"/>
+          <p:cNvPr id="339" name="Google Shape;339;g2a75948b1fc_3_59"/>
           <p:cNvSpPr txBox="1"/>
           <p:nvPr>
             <p:ph idx="4294967295" type="title"/>
@@ -20031,7 +19975,7 @@
       </p:sp>
       <p:pic>
         <p:nvPicPr>
-          <p:cNvPr id="342" name="Google Shape;342;g2a75948b1fc_3_59"/>
+          <p:cNvPr id="340" name="Google Shape;340;g2a75948b1fc_3_59"/>
           <p:cNvPicPr preferRelativeResize="0"/>
           <p:nvPr/>
         </p:nvPicPr>
@@ -20058,7 +20002,7 @@
       </p:pic>
       <p:pic>
         <p:nvPicPr>
-          <p:cNvPr id="343" name="Google Shape;343;g2a75948b1fc_3_59"/>
+          <p:cNvPr id="341" name="Google Shape;341;g2a75948b1fc_3_59"/>
           <p:cNvPicPr preferRelativeResize="0"/>
           <p:nvPr/>
         </p:nvPicPr>
@@ -20086,7 +20030,7 @@
       </p:pic>
       <p:pic>
         <p:nvPicPr>
-          <p:cNvPr id="344" name="Google Shape;344;g2a75948b1fc_3_59"/>
+          <p:cNvPr id="342" name="Google Shape;342;g2a75948b1fc_3_59"/>
           <p:cNvPicPr preferRelativeResize="0"/>
           <p:nvPr/>
         </p:nvPicPr>
@@ -20114,7 +20058,7 @@
       </p:pic>
       <p:pic>
         <p:nvPicPr>
-          <p:cNvPr id="345" name="Google Shape;345;g2a75948b1fc_3_59"/>
+          <p:cNvPr id="343" name="Google Shape;343;g2a75948b1fc_3_59"/>
           <p:cNvPicPr preferRelativeResize="0"/>
           <p:nvPr/>
         </p:nvPicPr>
@@ -20141,7 +20085,7 @@
       </p:pic>
       <p:sp>
         <p:nvSpPr>
-          <p:cNvPr id="346" name="Google Shape;346;g2a75948b1fc_3_59"/>
+          <p:cNvPr id="344" name="Google Shape;344;g2a75948b1fc_3_59"/>
           <p:cNvSpPr txBox="1"/>
           <p:nvPr>
             <p:ph idx="4294967295" type="body"/>
@@ -20245,7 +20189,7 @@
   <p:cSld>
     <p:spTree>
       <p:nvGrpSpPr>
-        <p:cNvPr id="350" name="Shape 350"/>
+        <p:cNvPr id="348" name="Shape 348"/>
         <p:cNvGrpSpPr/>
         <p:nvPr/>
       </p:nvGrpSpPr>
@@ -20259,7 +20203,7 @@
       </p:grpSpPr>
       <p:sp>
         <p:nvSpPr>
-          <p:cNvPr id="351" name="Google Shape;351;g2a8be63b007_0_53"/>
+          <p:cNvPr id="349" name="Google Shape;349;g2a8be63b007_0_53"/>
           <p:cNvSpPr txBox="1"/>
           <p:nvPr>
             <p:ph idx="4294967295" type="title"/>
@@ -20317,7 +20261,7 @@
       </p:sp>
       <p:pic>
         <p:nvPicPr>
-          <p:cNvPr id="352" name="Google Shape;352;g2a8be63b007_0_53"/>
+          <p:cNvPr id="350" name="Google Shape;350;g2a8be63b007_0_53"/>
           <p:cNvPicPr preferRelativeResize="0"/>
           <p:nvPr/>
         </p:nvPicPr>
@@ -20344,7 +20288,7 @@
       </p:pic>
       <p:pic>
         <p:nvPicPr>
-          <p:cNvPr id="353" name="Google Shape;353;g2a8be63b007_0_53"/>
+          <p:cNvPr id="351" name="Google Shape;351;g2a8be63b007_0_53"/>
           <p:cNvPicPr preferRelativeResize="0"/>
           <p:nvPr/>
         </p:nvPicPr>
@@ -20372,7 +20316,7 @@
       </p:pic>
       <p:pic>
         <p:nvPicPr>
-          <p:cNvPr id="354" name="Google Shape;354;g2a8be63b007_0_53"/>
+          <p:cNvPr id="352" name="Google Shape;352;g2a8be63b007_0_53"/>
           <p:cNvPicPr preferRelativeResize="0"/>
           <p:nvPr/>
         </p:nvPicPr>
@@ -20400,7 +20344,7 @@
       </p:pic>
       <p:pic>
         <p:nvPicPr>
-          <p:cNvPr id="355" name="Google Shape;355;g2a8be63b007_0_53"/>
+          <p:cNvPr id="353" name="Google Shape;353;g2a8be63b007_0_53"/>
           <p:cNvPicPr preferRelativeResize="0"/>
           <p:nvPr/>
         </p:nvPicPr>
@@ -20427,7 +20371,7 @@
       </p:pic>
       <p:sp>
         <p:nvSpPr>
-          <p:cNvPr id="356" name="Google Shape;356;g2a8be63b007_0_53"/>
+          <p:cNvPr id="354" name="Google Shape;354;g2a8be63b007_0_53"/>
           <p:cNvSpPr txBox="1"/>
           <p:nvPr>
             <p:ph idx="4294967295" type="body"/>
@@ -20557,7 +20501,7 @@
       </p:sp>
       <p:sp>
         <p:nvSpPr>
-          <p:cNvPr id="357" name="Google Shape;357;g2a8be63b007_0_53"/>
+          <p:cNvPr id="355" name="Google Shape;355;g2a8be63b007_0_53"/>
           <p:cNvSpPr txBox="1"/>
           <p:nvPr>
             <p:ph idx="4294967295" type="body"/>
@@ -20661,7 +20605,7 @@
   <p:cSld>
     <p:spTree>
       <p:nvGrpSpPr>
-        <p:cNvPr id="361" name="Shape 361"/>
+        <p:cNvPr id="359" name="Shape 359"/>
         <p:cNvGrpSpPr/>
         <p:nvPr/>
       </p:nvGrpSpPr>
@@ -20675,7 +20619,7 @@
       </p:grpSpPr>
       <p:sp>
         <p:nvSpPr>
-          <p:cNvPr id="362" name="Google Shape;362;g2a0c6f9b0a2_0_103"/>
+          <p:cNvPr id="360" name="Google Shape;360;g2a0c6f9b0a2_0_103"/>
           <p:cNvSpPr txBox="1"/>
           <p:nvPr>
             <p:ph idx="4294967295" type="title"/>
@@ -20733,7 +20677,7 @@
       </p:sp>
       <p:pic>
         <p:nvPicPr>
-          <p:cNvPr id="363" name="Google Shape;363;g2a0c6f9b0a2_0_103"/>
+          <p:cNvPr id="361" name="Google Shape;361;g2a0c6f9b0a2_0_103"/>
           <p:cNvPicPr preferRelativeResize="0"/>
           <p:nvPr/>
         </p:nvPicPr>
@@ -20760,7 +20704,7 @@
       </p:pic>
       <p:pic>
         <p:nvPicPr>
-          <p:cNvPr id="364" name="Google Shape;364;g2a0c6f9b0a2_0_103"/>
+          <p:cNvPr id="362" name="Google Shape;362;g2a0c6f9b0a2_0_103"/>
           <p:cNvPicPr preferRelativeResize="0"/>
           <p:nvPr/>
         </p:nvPicPr>
@@ -20787,7 +20731,7 @@
       </p:pic>
       <p:pic>
         <p:nvPicPr>
-          <p:cNvPr id="365" name="Google Shape;365;g2a0c6f9b0a2_0_103"/>
+          <p:cNvPr id="363" name="Google Shape;363;g2a0c6f9b0a2_0_103"/>
           <p:cNvPicPr preferRelativeResize="0"/>
           <p:nvPr/>
         </p:nvPicPr>
@@ -20814,7 +20758,7 @@
       </p:pic>
       <p:pic>
         <p:nvPicPr>
-          <p:cNvPr id="366" name="Google Shape;366;g2a0c6f9b0a2_0_103"/>
+          <p:cNvPr id="364" name="Google Shape;364;g2a0c6f9b0a2_0_103"/>
           <p:cNvPicPr preferRelativeResize="0"/>
           <p:nvPr/>
         </p:nvPicPr>
@@ -20842,7 +20786,7 @@
       </p:pic>
       <p:pic>
         <p:nvPicPr>
-          <p:cNvPr id="367" name="Google Shape;367;g2a0c6f9b0a2_0_103"/>
+          <p:cNvPr id="365" name="Google Shape;365;g2a0c6f9b0a2_0_103"/>
           <p:cNvPicPr preferRelativeResize="0"/>
           <p:nvPr/>
         </p:nvPicPr>
@@ -20869,7 +20813,7 @@
       </p:pic>
       <p:pic>
         <p:nvPicPr>
-          <p:cNvPr id="368" name="Google Shape;368;g2a0c6f9b0a2_0_103"/>
+          <p:cNvPr id="366" name="Google Shape;366;g2a0c6f9b0a2_0_103"/>
           <p:cNvPicPr preferRelativeResize="0"/>
           <p:nvPr/>
         </p:nvPicPr>
@@ -20896,7 +20840,7 @@
       </p:pic>
       <p:pic>
         <p:nvPicPr>
-          <p:cNvPr id="369" name="Google Shape;369;g2a0c6f9b0a2_0_103"/>
+          <p:cNvPr id="367" name="Google Shape;367;g2a0c6f9b0a2_0_103"/>
           <p:cNvPicPr preferRelativeResize="0"/>
           <p:nvPr/>
         </p:nvPicPr>
@@ -20923,7 +20867,7 @@
       </p:pic>
       <p:pic>
         <p:nvPicPr>
-          <p:cNvPr id="370" name="Google Shape;370;g2a0c6f9b0a2_0_103"/>
+          <p:cNvPr id="368" name="Google Shape;368;g2a0c6f9b0a2_0_103"/>
           <p:cNvPicPr preferRelativeResize="0"/>
           <p:nvPr/>
         </p:nvPicPr>
@@ -20950,7 +20894,7 @@
       </p:pic>
       <p:pic>
         <p:nvPicPr>
-          <p:cNvPr id="371" name="Google Shape;371;g2a0c6f9b0a2_0_103"/>
+          <p:cNvPr id="369" name="Google Shape;369;g2a0c6f9b0a2_0_103"/>
           <p:cNvPicPr preferRelativeResize="0"/>
           <p:nvPr/>
         </p:nvPicPr>
@@ -20977,7 +20921,7 @@
       </p:pic>
       <p:pic>
         <p:nvPicPr>
-          <p:cNvPr id="372" name="Google Shape;372;g2a0c6f9b0a2_0_103"/>
+          <p:cNvPr id="370" name="Google Shape;370;g2a0c6f9b0a2_0_103"/>
           <p:cNvPicPr preferRelativeResize="0"/>
           <p:nvPr/>
         </p:nvPicPr>
@@ -21004,7 +20948,7 @@
       </p:pic>
       <p:sp>
         <p:nvSpPr>
-          <p:cNvPr id="373" name="Google Shape;373;g2a0c6f9b0a2_0_103"/>
+          <p:cNvPr id="371" name="Google Shape;371;g2a0c6f9b0a2_0_103"/>
           <p:cNvSpPr txBox="1"/>
           <p:nvPr>
             <p:ph idx="4294967295" type="body"/>
@@ -21137,7 +21081,7 @@
       </p:sp>
       <p:sp>
         <p:nvSpPr>
-          <p:cNvPr id="374" name="Google Shape;374;g2a0c6f9b0a2_0_103"/>
+          <p:cNvPr id="372" name="Google Shape;372;g2a0c6f9b0a2_0_103"/>
           <p:cNvSpPr/>
           <p:nvPr/>
         </p:nvSpPr>
@@ -21190,7 +21134,7 @@
       </p:sp>
       <p:sp>
         <p:nvSpPr>
-          <p:cNvPr id="375" name="Google Shape;375;g2a0c6f9b0a2_0_103"/>
+          <p:cNvPr id="373" name="Google Shape;373;g2a0c6f9b0a2_0_103"/>
           <p:cNvSpPr/>
           <p:nvPr/>
         </p:nvSpPr>
@@ -21243,7 +21187,7 @@
       </p:sp>
       <p:pic>
         <p:nvPicPr>
-          <p:cNvPr id="376" name="Google Shape;376;g2a0c6f9b0a2_0_103"/>
+          <p:cNvPr id="374" name="Google Shape;374;g2a0c6f9b0a2_0_103"/>
           <p:cNvPicPr preferRelativeResize="0"/>
           <p:nvPr/>
         </p:nvPicPr>
@@ -21282,7 +21226,7 @@
   <p:cSld>
     <p:spTree>
       <p:nvGrpSpPr>
-        <p:cNvPr id="380" name="Shape 380"/>
+        <p:cNvPr id="378" name="Shape 378"/>
         <p:cNvGrpSpPr/>
         <p:nvPr/>
       </p:nvGrpSpPr>
@@ -21296,7 +21240,7 @@
       </p:grpSpPr>
       <p:sp>
         <p:nvSpPr>
-          <p:cNvPr id="381" name="Google Shape;381;g2a58cb8d4e2_0_19"/>
+          <p:cNvPr id="379" name="Google Shape;379;g2a58cb8d4e2_0_19"/>
           <p:cNvSpPr txBox="1"/>
           <p:nvPr>
             <p:ph idx="4294967295" type="title"/>
@@ -21354,7 +21298,7 @@
       </p:sp>
       <p:pic>
         <p:nvPicPr>
-          <p:cNvPr id="382" name="Google Shape;382;g2a58cb8d4e2_0_19"/>
+          <p:cNvPr id="380" name="Google Shape;380;g2a58cb8d4e2_0_19"/>
           <p:cNvPicPr preferRelativeResize="0"/>
           <p:nvPr/>
         </p:nvPicPr>
@@ -21381,7 +21325,7 @@
       </p:pic>
       <p:pic>
         <p:nvPicPr>
-          <p:cNvPr id="383" name="Google Shape;383;g2a58cb8d4e2_0_19"/>
+          <p:cNvPr id="381" name="Google Shape;381;g2a58cb8d4e2_0_19"/>
           <p:cNvPicPr preferRelativeResize="0"/>
           <p:nvPr/>
         </p:nvPicPr>
@@ -21394,8 +21338,8 @@
         </p:blipFill>
         <p:spPr>
           <a:xfrm>
-            <a:off x="91600" y="1420900"/>
-            <a:ext cx="4189400" cy="3222899"/>
+            <a:off x="15400" y="1420900"/>
+            <a:ext cx="4482825" cy="3222900"/>
           </a:xfrm>
           <a:prstGeom prst="rect">
             <a:avLst/>
@@ -21408,7 +21352,7 @@
       </p:pic>
       <p:pic>
         <p:nvPicPr>
-          <p:cNvPr id="384" name="Google Shape;384;g2a58cb8d4e2_0_19"/>
+          <p:cNvPr id="382" name="Google Shape;382;g2a58cb8d4e2_0_19"/>
           <p:cNvPicPr preferRelativeResize="0"/>
           <p:nvPr/>
         </p:nvPicPr>
@@ -21423,6 +21367,62 @@
           <a:xfrm>
             <a:off x="1997399" y="1032585"/>
             <a:ext cx="435139" cy="362865"/>
+          </a:xfrm>
+          <a:prstGeom prst="rect">
+            <a:avLst/>
+          </a:prstGeom>
+          <a:noFill/>
+          <a:ln>
+            <a:noFill/>
+          </a:ln>
+        </p:spPr>
+      </p:pic>
+      <p:pic>
+        <p:nvPicPr>
+          <p:cNvPr id="383" name="Google Shape;383;g2a58cb8d4e2_0_19"/>
+          <p:cNvPicPr preferRelativeResize="0"/>
+          <p:nvPr/>
+        </p:nvPicPr>
+        <p:blipFill>
+          <a:blip r:embed="rId5">
+            <a:alphaModFix/>
+          </a:blip>
+          <a:stretch>
+            <a:fillRect/>
+          </a:stretch>
+        </p:blipFill>
+        <p:spPr>
+          <a:xfrm>
+            <a:off x="743886" y="4404438"/>
+            <a:ext cx="530749" cy="380212"/>
+          </a:xfrm>
+          <a:prstGeom prst="rect">
+            <a:avLst/>
+          </a:prstGeom>
+          <a:noFill/>
+          <a:ln>
+            <a:noFill/>
+          </a:ln>
+        </p:spPr>
+      </p:pic>
+      <p:pic>
+        <p:nvPicPr>
+          <p:cNvPr id="384" name="Google Shape;384;g2a58cb8d4e2_0_19"/>
+          <p:cNvPicPr preferRelativeResize="0"/>
+          <p:nvPr/>
+        </p:nvPicPr>
+        <p:blipFill>
+          <a:blip r:embed="rId5">
+            <a:alphaModFix/>
+          </a:blip>
+          <a:stretch>
+            <a:fillRect/>
+          </a:stretch>
+        </p:blipFill>
+        <p:spPr>
+          <a:xfrm>
+            <a:off x="1672445" y="4404438"/>
+            <a:ext cx="530749" cy="380212"/>
           </a:xfrm>
           <a:prstGeom prst="rect">
             <a:avLst/>
@@ -21449,7 +21449,7 @@
         </p:blipFill>
         <p:spPr>
           <a:xfrm>
-            <a:off x="743886" y="4404438"/>
+            <a:off x="3649091" y="4404438"/>
             <a:ext cx="530749" cy="380212"/>
           </a:xfrm>
           <a:prstGeom prst="rect">
@@ -21467,18 +21467,17 @@
           <p:cNvPicPr preferRelativeResize="0"/>
           <p:nvPr/>
         </p:nvPicPr>
-        <p:blipFill>
-          <a:blip r:embed="rId5">
+        <p:blipFill rotWithShape="1">
+          <a:blip r:embed="rId3">
             <a:alphaModFix/>
           </a:blip>
-          <a:stretch>
-            <a:fillRect/>
-          </a:stretch>
+          <a:srcRect b="6616" l="33655" r="59921" t="88621"/>
+          <a:stretch/>
         </p:blipFill>
         <p:spPr>
           <a:xfrm>
-            <a:off x="1672445" y="4404438"/>
-            <a:ext cx="530749" cy="380212"/>
+            <a:off x="2224054" y="4445444"/>
+            <a:ext cx="337612" cy="198355"/>
           </a:xfrm>
           <a:prstGeom prst="rect">
             <a:avLst/>
@@ -21505,61 +21504,6 @@
         </p:blipFill>
         <p:spPr>
           <a:xfrm>
-            <a:off x="3572891" y="4404438"/>
-            <a:ext cx="530749" cy="380212"/>
-          </a:xfrm>
-          <a:prstGeom prst="rect">
-            <a:avLst/>
-          </a:prstGeom>
-          <a:noFill/>
-          <a:ln>
-            <a:noFill/>
-          </a:ln>
-        </p:spPr>
-      </p:pic>
-      <p:pic>
-        <p:nvPicPr>
-          <p:cNvPr id="388" name="Google Shape;388;g2a58cb8d4e2_0_19"/>
-          <p:cNvPicPr preferRelativeResize="0"/>
-          <p:nvPr/>
-        </p:nvPicPr>
-        <p:blipFill rotWithShape="1">
-          <a:blip r:embed="rId3">
-            <a:alphaModFix/>
-          </a:blip>
-          <a:srcRect b="6616" l="33655" r="59921" t="88621"/>
-          <a:stretch/>
-        </p:blipFill>
-        <p:spPr>
-          <a:xfrm>
-            <a:off x="2224054" y="4445444"/>
-            <a:ext cx="337612" cy="198355"/>
-          </a:xfrm>
-          <a:prstGeom prst="rect">
-            <a:avLst/>
-          </a:prstGeom>
-          <a:noFill/>
-          <a:ln>
-            <a:noFill/>
-          </a:ln>
-        </p:spPr>
-      </p:pic>
-      <p:pic>
-        <p:nvPicPr>
-          <p:cNvPr id="389" name="Google Shape;389;g2a58cb8d4e2_0_19"/>
-          <p:cNvPicPr preferRelativeResize="0"/>
-          <p:nvPr/>
-        </p:nvPicPr>
-        <p:blipFill>
-          <a:blip r:embed="rId5">
-            <a:alphaModFix/>
-          </a:blip>
-          <a:stretch>
-            <a:fillRect/>
-          </a:stretch>
-        </p:blipFill>
-        <p:spPr>
-          <a:xfrm>
             <a:off x="2654892" y="4404438"/>
             <a:ext cx="530749" cy="380212"/>
           </a:xfrm>
@@ -21574,7 +21518,7 @@
       </p:pic>
       <p:sp>
         <p:nvSpPr>
-          <p:cNvPr id="390" name="Google Shape;390;g2a58cb8d4e2_0_19"/>
+          <p:cNvPr id="388" name="Google Shape;388;g2a58cb8d4e2_0_19"/>
           <p:cNvSpPr txBox="1"/>
           <p:nvPr>
             <p:ph idx="4294967295" type="body"/>
@@ -21944,7 +21888,7 @@
       </p:sp>
       <p:sp>
         <p:nvSpPr>
-          <p:cNvPr id="391" name="Google Shape;391;g2a58cb8d4e2_0_19"/>
+          <p:cNvPr id="389" name="Google Shape;389;g2a58cb8d4e2_0_19"/>
           <p:cNvSpPr txBox="1"/>
           <p:nvPr>
             <p:ph idx="4294967295" type="body"/>
@@ -22077,7 +22021,7 @@
       </p:sp>
       <p:sp>
         <p:nvSpPr>
-          <p:cNvPr id="392" name="Google Shape;392;g2a58cb8d4e2_0_19"/>
+          <p:cNvPr id="390" name="Google Shape;390;g2a58cb8d4e2_0_19"/>
           <p:cNvSpPr/>
           <p:nvPr/>
         </p:nvSpPr>
@@ -22130,7 +22074,7 @@
       </p:sp>
       <p:sp>
         <p:nvSpPr>
-          <p:cNvPr id="393" name="Google Shape;393;g2a58cb8d4e2_0_19"/>
+          <p:cNvPr id="391" name="Google Shape;391;g2a58cb8d4e2_0_19"/>
           <p:cNvSpPr/>
           <p:nvPr/>
         </p:nvSpPr>
@@ -22194,7 +22138,7 @@
   <p:cSld>
     <p:spTree>
       <p:nvGrpSpPr>
-        <p:cNvPr id="397" name="Shape 397"/>
+        <p:cNvPr id="395" name="Shape 395"/>
         <p:cNvGrpSpPr/>
         <p:nvPr/>
       </p:nvGrpSpPr>
@@ -22208,7 +22152,7 @@
       </p:grpSpPr>
       <p:sp>
         <p:nvSpPr>
-          <p:cNvPr id="398" name="Google Shape;398;g2a8639fb0e6_0_52"/>
+          <p:cNvPr id="396" name="Google Shape;396;g2a8639fb0e6_0_52"/>
           <p:cNvSpPr txBox="1"/>
           <p:nvPr>
             <p:ph idx="4294967295" type="title"/>
@@ -22264,6 +22208,60 @@
           </a:p>
         </p:txBody>
       </p:sp>
+      <p:pic>
+        <p:nvPicPr>
+          <p:cNvPr id="397" name="Google Shape;397;g2a8639fb0e6_0_52"/>
+          <p:cNvPicPr preferRelativeResize="0"/>
+          <p:nvPr/>
+        </p:nvPicPr>
+        <p:blipFill rotWithShape="1">
+          <a:blip r:embed="rId3">
+            <a:alphaModFix/>
+          </a:blip>
+          <a:srcRect b="86192" l="4519" r="74604" t="0"/>
+          <a:stretch/>
+        </p:blipFill>
+        <p:spPr>
+          <a:xfrm>
+            <a:off x="186124" y="1261525"/>
+            <a:ext cx="3007949" cy="489576"/>
+          </a:xfrm>
+          <a:prstGeom prst="rect">
+            <a:avLst/>
+          </a:prstGeom>
+          <a:noFill/>
+          <a:ln>
+            <a:noFill/>
+          </a:ln>
+        </p:spPr>
+      </p:pic>
+      <p:pic>
+        <p:nvPicPr>
+          <p:cNvPr id="398" name="Google Shape;398;g2a8639fb0e6_0_52"/>
+          <p:cNvPicPr preferRelativeResize="0"/>
+          <p:nvPr/>
+        </p:nvPicPr>
+        <p:blipFill rotWithShape="1">
+          <a:blip r:embed="rId3">
+            <a:alphaModFix/>
+          </a:blip>
+          <a:srcRect b="13730" l="2285" r="96265" t="18260"/>
+          <a:stretch/>
+        </p:blipFill>
+        <p:spPr>
+          <a:xfrm>
+            <a:off x="2390525" y="1783800"/>
+            <a:ext cx="142828" cy="1626150"/>
+          </a:xfrm>
+          <a:prstGeom prst="rect">
+            <a:avLst/>
+          </a:prstGeom>
+          <a:noFill/>
+          <a:ln>
+            <a:noFill/>
+          </a:ln>
+        </p:spPr>
+      </p:pic>
       <p:pic>
         <p:nvPicPr>
           <p:cNvPr id="399" name="Google Shape;399;g2a8639fb0e6_0_52"/>
@@ -22274,13 +22272,13 @@
           <a:blip r:embed="rId3">
             <a:alphaModFix/>
           </a:blip>
-          <a:srcRect b="86192" l="4519" r="74604" t="0"/>
+          <a:srcRect b="13730" l="2285" r="96265" t="18260"/>
           <a:stretch/>
         </p:blipFill>
         <p:spPr>
           <a:xfrm>
-            <a:off x="186124" y="1261525"/>
-            <a:ext cx="3007949" cy="489576"/>
+            <a:off x="6844625" y="1799250"/>
+            <a:ext cx="142828" cy="1572650"/>
           </a:xfrm>
           <a:prstGeom prst="rect">
             <a:avLst/>
@@ -22301,13 +22299,13 @@
           <a:blip r:embed="rId3">
             <a:alphaModFix/>
           </a:blip>
-          <a:srcRect b="7002" l="25502" r="52636" t="14578"/>
+          <a:srcRect b="13730" l="2272" r="96265" t="18260"/>
           <a:stretch/>
         </p:blipFill>
         <p:spPr>
           <a:xfrm>
-            <a:off x="2481075" y="1672750"/>
-            <a:ext cx="2134001" cy="1883834"/>
+            <a:off x="4607575" y="1788900"/>
+            <a:ext cx="142828" cy="1593349"/>
           </a:xfrm>
           <a:prstGeom prst="rect">
             <a:avLst/>
@@ -22325,16 +22323,16 @@
           <p:nvPr/>
         </p:nvPicPr>
         <p:blipFill rotWithShape="1">
-          <a:blip r:embed="rId3">
+          <a:blip r:embed="rId4">
             <a:alphaModFix/>
           </a:blip>
-          <a:srcRect b="5722" l="813" r="74604" t="14792"/>
+          <a:srcRect b="86385" l="37562" r="58255" t="3623"/>
           <a:stretch/>
         </p:blipFill>
         <p:spPr>
           <a:xfrm>
-            <a:off x="78350" y="1704275"/>
-            <a:ext cx="2370299" cy="1886175"/>
+            <a:off x="1507425" y="1371575"/>
+            <a:ext cx="442747" cy="352550"/>
           </a:xfrm>
           <a:prstGeom prst="rect">
             <a:avLst/>
@@ -22345,23 +22343,287 @@
           </a:ln>
         </p:spPr>
       </p:pic>
+      <p:sp>
+        <p:nvSpPr>
+          <p:cNvPr id="402" name="Google Shape;402;g2a8639fb0e6_0_52"/>
+          <p:cNvSpPr txBox="1"/>
+          <p:nvPr>
+            <p:ph idx="4294967295" type="body"/>
+          </p:nvPr>
+        </p:nvSpPr>
+        <p:spPr>
+          <a:xfrm>
+            <a:off x="6011100" y="187875"/>
+            <a:ext cx="3111900" cy="910800"/>
+          </a:xfrm>
+          <a:prstGeom prst="rect">
+            <a:avLst/>
+          </a:prstGeom>
+          <a:noFill/>
+          <a:ln>
+            <a:noFill/>
+          </a:ln>
+        </p:spPr>
+        <p:txBody>
+          <a:bodyPr anchorCtr="0" anchor="t" bIns="91425" lIns="91425" spcFirstLastPara="1" rIns="91425" wrap="square" tIns="91425">
+            <a:noAutofit/>
+          </a:bodyPr>
+          <a:lstStyle/>
+          <a:p>
+            <a:pPr indent="0" lvl="0" marL="0" rtl="0" algn="l">
+              <a:spcBef>
+                <a:spcPts val="0"/>
+              </a:spcBef>
+              <a:spcAft>
+                <a:spcPts val="0"/>
+              </a:spcAft>
+              <a:buNone/>
+            </a:pPr>
+            <a:r>
+              <a:rPr b="1" lang="en" sz="1100">
+                <a:latin typeface="Montserrat"/>
+                <a:ea typeface="Montserrat"/>
+                <a:cs typeface="Montserrat"/>
+                <a:sym typeface="Montserrat"/>
+              </a:rPr>
+              <a:t>Short term:</a:t>
+            </a:r>
+            <a:r>
+              <a:rPr lang="en" sz="1100">
+                <a:latin typeface="Montserrat"/>
+                <a:ea typeface="Montserrat"/>
+                <a:cs typeface="Montserrat"/>
+                <a:sym typeface="Montserrat"/>
+              </a:rPr>
+              <a:t> [one week, fifteen days]</a:t>
+            </a:r>
+            <a:endParaRPr sz="1100">
+              <a:latin typeface="Montserrat"/>
+              <a:ea typeface="Montserrat"/>
+              <a:cs typeface="Montserrat"/>
+              <a:sym typeface="Montserrat"/>
+            </a:endParaRPr>
+          </a:p>
+          <a:p>
+            <a:pPr indent="0" lvl="0" marL="0" rtl="0" algn="l">
+              <a:spcBef>
+                <a:spcPts val="0"/>
+              </a:spcBef>
+              <a:spcAft>
+                <a:spcPts val="0"/>
+              </a:spcAft>
+              <a:buNone/>
+            </a:pPr>
+            <a:r>
+              <a:rPr b="1" lang="en" sz="1100">
+                <a:latin typeface="Montserrat"/>
+                <a:ea typeface="Montserrat"/>
+                <a:cs typeface="Montserrat"/>
+                <a:sym typeface="Montserrat"/>
+              </a:rPr>
+              <a:t>Short-mid term:</a:t>
+            </a:r>
+            <a:r>
+              <a:rPr lang="en" sz="1100">
+                <a:latin typeface="Montserrat"/>
+                <a:ea typeface="Montserrat"/>
+                <a:cs typeface="Montserrat"/>
+                <a:sym typeface="Montserrat"/>
+              </a:rPr>
+              <a:t> [one week, one month]</a:t>
+            </a:r>
+            <a:endParaRPr sz="1100">
+              <a:latin typeface="Montserrat"/>
+              <a:ea typeface="Montserrat"/>
+              <a:cs typeface="Montserrat"/>
+              <a:sym typeface="Montserrat"/>
+            </a:endParaRPr>
+          </a:p>
+          <a:p>
+            <a:pPr indent="0" lvl="0" marL="0" rtl="0" algn="l">
+              <a:spcBef>
+                <a:spcPts val="0"/>
+              </a:spcBef>
+              <a:spcAft>
+                <a:spcPts val="0"/>
+              </a:spcAft>
+              <a:buClr>
+                <a:schemeClr val="dk1"/>
+              </a:buClr>
+              <a:buSzPts val="1100"/>
+              <a:buFont typeface="Arial"/>
+              <a:buNone/>
+            </a:pPr>
+            <a:r>
+              <a:rPr b="1" lang="en" sz="1100">
+                <a:latin typeface="Montserrat"/>
+                <a:ea typeface="Montserrat"/>
+                <a:cs typeface="Montserrat"/>
+                <a:sym typeface="Montserrat"/>
+              </a:rPr>
+              <a:t>Long term:</a:t>
+            </a:r>
+            <a:r>
+              <a:rPr lang="en" sz="1100">
+                <a:latin typeface="Montserrat"/>
+                <a:ea typeface="Montserrat"/>
+                <a:cs typeface="Montserrat"/>
+                <a:sym typeface="Montserrat"/>
+              </a:rPr>
+              <a:t> three months</a:t>
+            </a:r>
+            <a:endParaRPr sz="1100">
+              <a:latin typeface="Montserrat"/>
+              <a:ea typeface="Montserrat"/>
+              <a:cs typeface="Montserrat"/>
+              <a:sym typeface="Montserrat"/>
+            </a:endParaRPr>
+          </a:p>
+          <a:p>
+            <a:pPr indent="0" lvl="0" marL="0" rtl="0" algn="l">
+              <a:spcBef>
+                <a:spcPts val="0"/>
+              </a:spcBef>
+              <a:spcAft>
+                <a:spcPts val="0"/>
+              </a:spcAft>
+              <a:buNone/>
+            </a:pPr>
+            <a:r>
+              <a:t/>
+            </a:r>
+            <a:endParaRPr b="1" sz="1100">
+              <a:latin typeface="Montserrat"/>
+              <a:ea typeface="Montserrat"/>
+              <a:cs typeface="Montserrat"/>
+              <a:sym typeface="Montserrat"/>
+            </a:endParaRPr>
+          </a:p>
+        </p:txBody>
+      </p:sp>
+      <p:sp>
+        <p:nvSpPr>
+          <p:cNvPr id="403" name="Google Shape;403;g2a8639fb0e6_0_52"/>
+          <p:cNvSpPr/>
+          <p:nvPr/>
+        </p:nvSpPr>
+        <p:spPr>
+          <a:xfrm>
+            <a:off x="6040925" y="201700"/>
+            <a:ext cx="144000" cy="701100"/>
+          </a:xfrm>
+          <a:prstGeom prst="leftBracket">
+            <a:avLst>
+              <a:gd fmla="val 8333" name="adj"/>
+            </a:avLst>
+          </a:prstGeom>
+          <a:noFill/>
+          <a:ln cap="flat" cmpd="sng" w="9525">
+            <a:solidFill>
+              <a:schemeClr val="dk2"/>
+            </a:solidFill>
+            <a:prstDash val="solid"/>
+            <a:round/>
+            <a:headEnd len="sm" w="sm" type="none"/>
+            <a:tailEnd len="sm" w="sm" type="none"/>
+          </a:ln>
+        </p:spPr>
+        <p:txBody>
+          <a:bodyPr anchorCtr="0" anchor="ctr" bIns="91425" lIns="91425" spcFirstLastPara="1" rIns="91425" wrap="square" tIns="91425">
+            <a:noAutofit/>
+          </a:bodyPr>
+          <a:lstStyle/>
+          <a:p>
+            <a:pPr indent="0" lvl="0" marL="0" rtl="0" algn="ctr">
+              <a:spcBef>
+                <a:spcPts val="0"/>
+              </a:spcBef>
+              <a:spcAft>
+                <a:spcPts val="0"/>
+              </a:spcAft>
+              <a:buNone/>
+            </a:pPr>
+            <a:r>
+              <a:t/>
+            </a:r>
+            <a:endParaRPr>
+              <a:solidFill>
+                <a:srgbClr val="9FA09F"/>
+              </a:solidFill>
+            </a:endParaRPr>
+          </a:p>
+        </p:txBody>
+      </p:sp>
+      <p:sp>
+        <p:nvSpPr>
+          <p:cNvPr id="404" name="Google Shape;404;g2a8639fb0e6_0_52"/>
+          <p:cNvSpPr/>
+          <p:nvPr/>
+        </p:nvSpPr>
+        <p:spPr>
+          <a:xfrm rot="10800000">
+            <a:off x="8844325" y="187875"/>
+            <a:ext cx="144000" cy="701100"/>
+          </a:xfrm>
+          <a:prstGeom prst="leftBracket">
+            <a:avLst>
+              <a:gd fmla="val 8333" name="adj"/>
+            </a:avLst>
+          </a:prstGeom>
+          <a:noFill/>
+          <a:ln cap="flat" cmpd="sng" w="9525">
+            <a:solidFill>
+              <a:schemeClr val="dk2"/>
+            </a:solidFill>
+            <a:prstDash val="solid"/>
+            <a:round/>
+            <a:headEnd len="sm" w="sm" type="none"/>
+            <a:tailEnd len="sm" w="sm" type="none"/>
+          </a:ln>
+        </p:spPr>
+        <p:txBody>
+          <a:bodyPr anchorCtr="0" anchor="ctr" bIns="91425" lIns="91425" spcFirstLastPara="1" rIns="91425" wrap="square" tIns="91425">
+            <a:noAutofit/>
+          </a:bodyPr>
+          <a:lstStyle/>
+          <a:p>
+            <a:pPr indent="0" lvl="0" marL="0" rtl="0" algn="ctr">
+              <a:spcBef>
+                <a:spcPts val="0"/>
+              </a:spcBef>
+              <a:spcAft>
+                <a:spcPts val="0"/>
+              </a:spcAft>
+              <a:buNone/>
+            </a:pPr>
+            <a:r>
+              <a:t/>
+            </a:r>
+            <a:endParaRPr>
+              <a:solidFill>
+                <a:srgbClr val="9FA09F"/>
+              </a:solidFill>
+            </a:endParaRPr>
+          </a:p>
+        </p:txBody>
+      </p:sp>
       <p:pic>
         <p:nvPicPr>
-          <p:cNvPr id="402" name="Google Shape;402;g2a8639fb0e6_0_52"/>
+          <p:cNvPr id="405" name="Google Shape;405;g2a8639fb0e6_0_52"/>
           <p:cNvPicPr preferRelativeResize="0"/>
           <p:nvPr/>
         </p:nvPicPr>
         <p:blipFill rotWithShape="1">
-          <a:blip r:embed="rId3">
+          <a:blip r:embed="rId5">
             <a:alphaModFix/>
           </a:blip>
-          <a:srcRect b="5063" l="47972" r="30167" t="14570"/>
+          <a:srcRect b="11198" l="71359" r="7396" t="14390"/>
           <a:stretch/>
         </p:blipFill>
         <p:spPr>
           <a:xfrm>
-            <a:off x="4708400" y="1657463"/>
-            <a:ext cx="2134011" cy="1930766"/>
+            <a:off x="4750400" y="1708150"/>
+            <a:ext cx="2094223" cy="1725675"/>
           </a:xfrm>
           <a:prstGeom prst="rect">
             <a:avLst/>
@@ -22374,21 +22636,21 @@
       </p:pic>
       <p:pic>
         <p:nvPicPr>
-          <p:cNvPr id="403" name="Google Shape;403;g2a8639fb0e6_0_52"/>
+          <p:cNvPr id="406" name="Google Shape;406;g2a8639fb0e6_0_52"/>
           <p:cNvPicPr preferRelativeResize="0"/>
           <p:nvPr/>
         </p:nvPicPr>
         <p:blipFill rotWithShape="1">
-          <a:blip r:embed="rId3">
+          <a:blip r:embed="rId5">
             <a:alphaModFix/>
           </a:blip>
-          <a:srcRect b="4407" l="70534" r="7605" t="14575"/>
+          <a:srcRect b="11198" l="48572" r="29850" t="14390"/>
           <a:stretch/>
         </p:blipFill>
         <p:spPr>
           <a:xfrm>
-            <a:off x="6941200" y="1641088"/>
-            <a:ext cx="2134001" cy="1946466"/>
+            <a:off x="2527600" y="1691209"/>
+            <a:ext cx="2079974" cy="1778054"/>
           </a:xfrm>
           <a:prstGeom prst="rect">
             <a:avLst/>
@@ -22401,7 +22663,61 @@
       </p:pic>
       <p:pic>
         <p:nvPicPr>
-          <p:cNvPr id="404" name="Google Shape;404;g2a8639fb0e6_0_52"/>
+          <p:cNvPr id="407" name="Google Shape;407;g2a8639fb0e6_0_52"/>
+          <p:cNvPicPr preferRelativeResize="0"/>
+          <p:nvPr/>
+        </p:nvPicPr>
+        <p:blipFill rotWithShape="1">
+          <a:blip r:embed="rId5">
+            <a:alphaModFix/>
+          </a:blip>
+          <a:srcRect b="11198" l="25692" r="52731" t="14390"/>
+          <a:stretch/>
+        </p:blipFill>
+        <p:spPr>
+          <a:xfrm>
+            <a:off x="222750" y="1698300"/>
+            <a:ext cx="2162028" cy="1789850"/>
+          </a:xfrm>
+          <a:prstGeom prst="rect">
+            <a:avLst/>
+          </a:prstGeom>
+          <a:noFill/>
+          <a:ln>
+            <a:noFill/>
+          </a:ln>
+        </p:spPr>
+      </p:pic>
+      <p:pic>
+        <p:nvPicPr>
+          <p:cNvPr id="408" name="Google Shape;408;g2a8639fb0e6_0_52"/>
+          <p:cNvPicPr preferRelativeResize="0"/>
+          <p:nvPr/>
+        </p:nvPicPr>
+        <p:blipFill rotWithShape="1">
+          <a:blip r:embed="rId5">
+            <a:alphaModFix/>
+          </a:blip>
+          <a:srcRect b="11198" l="3236" r="75691" t="14390"/>
+          <a:stretch/>
+        </p:blipFill>
+        <p:spPr>
+          <a:xfrm>
+            <a:off x="6987450" y="1708150"/>
+            <a:ext cx="2135552" cy="1725675"/>
+          </a:xfrm>
+          <a:prstGeom prst="rect">
+            <a:avLst/>
+          </a:prstGeom>
+          <a:noFill/>
+          <a:ln>
+            <a:noFill/>
+          </a:ln>
+        </p:spPr>
+      </p:pic>
+      <p:pic>
+        <p:nvPicPr>
+          <p:cNvPr id="409" name="Google Shape;409;g2a8639fb0e6_0_52"/>
           <p:cNvPicPr preferRelativeResize="0"/>
           <p:nvPr/>
         </p:nvPicPr>
@@ -22414,7 +22730,7 @@
         </p:blipFill>
         <p:spPr>
           <a:xfrm>
-            <a:off x="2384774" y="1755225"/>
+            <a:off x="98824" y="1783800"/>
             <a:ext cx="142828" cy="1650025"/>
           </a:xfrm>
           <a:prstGeom prst="rect">
@@ -22428,21 +22744,21 @@
       </p:pic>
       <p:pic>
         <p:nvPicPr>
-          <p:cNvPr id="405" name="Google Shape;405;g2a8639fb0e6_0_52"/>
+          <p:cNvPr id="410" name="Google Shape;410;g2a8639fb0e6_0_52"/>
           <p:cNvPicPr preferRelativeResize="0"/>
           <p:nvPr/>
         </p:nvPicPr>
         <p:blipFill rotWithShape="1">
-          <a:blip r:embed="rId3">
+          <a:blip r:embed="rId5">
             <a:alphaModFix/>
           </a:blip>
-          <a:srcRect b="13730" l="2285" r="96265" t="18260"/>
+          <a:srcRect b="11198" l="734" r="98291" t="14390"/>
           <a:stretch/>
         </p:blipFill>
         <p:spPr>
           <a:xfrm>
-            <a:off x="6824624" y="1723050"/>
-            <a:ext cx="142828" cy="1650025"/>
+            <a:off x="14125" y="1761738"/>
+            <a:ext cx="100198" cy="1647664"/>
           </a:xfrm>
           <a:prstGeom prst="rect">
             <a:avLst/>
@@ -22453,324 +22769,6 @@
           </a:ln>
         </p:spPr>
       </p:pic>
-      <p:pic>
-        <p:nvPicPr>
-          <p:cNvPr id="406" name="Google Shape;406;g2a8639fb0e6_0_52"/>
-          <p:cNvPicPr preferRelativeResize="0"/>
-          <p:nvPr/>
-        </p:nvPicPr>
-        <p:blipFill rotWithShape="1">
-          <a:blip r:embed="rId3">
-            <a:alphaModFix/>
-          </a:blip>
-          <a:srcRect b="13730" l="2272" r="96265" t="18260"/>
-          <a:stretch/>
-        </p:blipFill>
-        <p:spPr>
-          <a:xfrm>
-            <a:off x="4607574" y="1749125"/>
-            <a:ext cx="142828" cy="1635625"/>
-          </a:xfrm>
-          <a:prstGeom prst="rect">
-            <a:avLst/>
-          </a:prstGeom>
-          <a:noFill/>
-          <a:ln>
-            <a:noFill/>
-          </a:ln>
-        </p:spPr>
-      </p:pic>
-      <p:pic>
-        <p:nvPicPr>
-          <p:cNvPr id="407" name="Google Shape;407;g2a8639fb0e6_0_52"/>
-          <p:cNvPicPr preferRelativeResize="0"/>
-          <p:nvPr/>
-        </p:nvPicPr>
-        <p:blipFill rotWithShape="1">
-          <a:blip r:embed="rId4">
-            <a:alphaModFix/>
-          </a:blip>
-          <a:srcRect b="86385" l="37562" r="58255" t="3623"/>
-          <a:stretch/>
-        </p:blipFill>
-        <p:spPr>
-          <a:xfrm>
-            <a:off x="1507425" y="1371575"/>
-            <a:ext cx="442747" cy="352550"/>
-          </a:xfrm>
-          <a:prstGeom prst="rect">
-            <a:avLst/>
-          </a:prstGeom>
-          <a:noFill/>
-          <a:ln>
-            <a:noFill/>
-          </a:ln>
-        </p:spPr>
-      </p:pic>
-      <p:sp>
-        <p:nvSpPr>
-          <p:cNvPr id="408" name="Google Shape;408;g2a8639fb0e6_0_52"/>
-          <p:cNvSpPr txBox="1"/>
-          <p:nvPr>
-            <p:ph idx="4294967295" type="body"/>
-          </p:nvPr>
-        </p:nvSpPr>
-        <p:spPr>
-          <a:xfrm>
-            <a:off x="6011100" y="187875"/>
-            <a:ext cx="3111900" cy="910800"/>
-          </a:xfrm>
-          <a:prstGeom prst="rect">
-            <a:avLst/>
-          </a:prstGeom>
-          <a:noFill/>
-          <a:ln>
-            <a:noFill/>
-          </a:ln>
-        </p:spPr>
-        <p:txBody>
-          <a:bodyPr anchorCtr="0" anchor="t" bIns="91425" lIns="91425" spcFirstLastPara="1" rIns="91425" wrap="square" tIns="91425">
-            <a:noAutofit/>
-          </a:bodyPr>
-          <a:lstStyle/>
-          <a:p>
-            <a:pPr indent="0" lvl="0" marL="0" rtl="0" algn="l">
-              <a:spcBef>
-                <a:spcPts val="0"/>
-              </a:spcBef>
-              <a:spcAft>
-                <a:spcPts val="0"/>
-              </a:spcAft>
-              <a:buNone/>
-            </a:pPr>
-            <a:r>
-              <a:rPr b="1" lang="en" sz="1100">
-                <a:latin typeface="Montserrat"/>
-                <a:ea typeface="Montserrat"/>
-                <a:cs typeface="Montserrat"/>
-                <a:sym typeface="Montserrat"/>
-              </a:rPr>
-              <a:t>Short term:</a:t>
-            </a:r>
-            <a:r>
-              <a:rPr lang="en" sz="1100">
-                <a:latin typeface="Montserrat"/>
-                <a:ea typeface="Montserrat"/>
-                <a:cs typeface="Montserrat"/>
-                <a:sym typeface="Montserrat"/>
-              </a:rPr>
-              <a:t> [one week, fifteen days]</a:t>
-            </a:r>
-            <a:endParaRPr sz="1100">
-              <a:latin typeface="Montserrat"/>
-              <a:ea typeface="Montserrat"/>
-              <a:cs typeface="Montserrat"/>
-              <a:sym typeface="Montserrat"/>
-            </a:endParaRPr>
-          </a:p>
-          <a:p>
-            <a:pPr indent="0" lvl="0" marL="0" rtl="0" algn="l">
-              <a:spcBef>
-                <a:spcPts val="0"/>
-              </a:spcBef>
-              <a:spcAft>
-                <a:spcPts val="0"/>
-              </a:spcAft>
-              <a:buNone/>
-            </a:pPr>
-            <a:r>
-              <a:rPr b="1" lang="en" sz="1100">
-                <a:latin typeface="Montserrat"/>
-                <a:ea typeface="Montserrat"/>
-                <a:cs typeface="Montserrat"/>
-                <a:sym typeface="Montserrat"/>
-              </a:rPr>
-              <a:t>Short-mid term:</a:t>
-            </a:r>
-            <a:r>
-              <a:rPr lang="en" sz="1100">
-                <a:latin typeface="Montserrat"/>
-                <a:ea typeface="Montserrat"/>
-                <a:cs typeface="Montserrat"/>
-                <a:sym typeface="Montserrat"/>
-              </a:rPr>
-              <a:t> [one week, one month]</a:t>
-            </a:r>
-            <a:endParaRPr sz="1100">
-              <a:latin typeface="Montserrat"/>
-              <a:ea typeface="Montserrat"/>
-              <a:cs typeface="Montserrat"/>
-              <a:sym typeface="Montserrat"/>
-            </a:endParaRPr>
-          </a:p>
-          <a:p>
-            <a:pPr indent="0" lvl="0" marL="0" rtl="0" algn="l">
-              <a:spcBef>
-                <a:spcPts val="0"/>
-              </a:spcBef>
-              <a:spcAft>
-                <a:spcPts val="0"/>
-              </a:spcAft>
-              <a:buClr>
-                <a:schemeClr val="dk1"/>
-              </a:buClr>
-              <a:buSzPts val="1100"/>
-              <a:buFont typeface="Arial"/>
-              <a:buNone/>
-            </a:pPr>
-            <a:r>
-              <a:rPr b="1" lang="en" sz="1100">
-                <a:latin typeface="Montserrat"/>
-                <a:ea typeface="Montserrat"/>
-                <a:cs typeface="Montserrat"/>
-                <a:sym typeface="Montserrat"/>
-              </a:rPr>
-              <a:t>Long term:</a:t>
-            </a:r>
-            <a:r>
-              <a:rPr lang="en" sz="1100">
-                <a:latin typeface="Montserrat"/>
-                <a:ea typeface="Montserrat"/>
-                <a:cs typeface="Montserrat"/>
-                <a:sym typeface="Montserrat"/>
-              </a:rPr>
-              <a:t> three months</a:t>
-            </a:r>
-            <a:endParaRPr sz="1100">
-              <a:latin typeface="Montserrat"/>
-              <a:ea typeface="Montserrat"/>
-              <a:cs typeface="Montserrat"/>
-              <a:sym typeface="Montserrat"/>
-            </a:endParaRPr>
-          </a:p>
-          <a:p>
-            <a:pPr indent="0" lvl="0" marL="0" rtl="0" algn="l">
-              <a:spcBef>
-                <a:spcPts val="0"/>
-              </a:spcBef>
-              <a:spcAft>
-                <a:spcPts val="0"/>
-              </a:spcAft>
-              <a:buNone/>
-            </a:pPr>
-            <a:r>
-              <a:t/>
-            </a:r>
-            <a:endParaRPr b="1" sz="1100">
-              <a:latin typeface="Montserrat"/>
-              <a:ea typeface="Montserrat"/>
-              <a:cs typeface="Montserrat"/>
-              <a:sym typeface="Montserrat"/>
-            </a:endParaRPr>
-          </a:p>
-        </p:txBody>
-      </p:sp>
-      <p:sp>
-        <p:nvSpPr>
-          <p:cNvPr id="409" name="Google Shape;409;g2a8639fb0e6_0_52"/>
-          <p:cNvSpPr/>
-          <p:nvPr/>
-        </p:nvSpPr>
-        <p:spPr>
-          <a:xfrm>
-            <a:off x="6040925" y="201700"/>
-            <a:ext cx="144000" cy="701100"/>
-          </a:xfrm>
-          <a:prstGeom prst="leftBracket">
-            <a:avLst>
-              <a:gd fmla="val 8333" name="adj"/>
-            </a:avLst>
-          </a:prstGeom>
-          <a:noFill/>
-          <a:ln cap="flat" cmpd="sng" w="9525">
-            <a:solidFill>
-              <a:schemeClr val="dk2"/>
-            </a:solidFill>
-            <a:prstDash val="solid"/>
-            <a:round/>
-            <a:headEnd len="sm" w="sm" type="none"/>
-            <a:tailEnd len="sm" w="sm" type="none"/>
-          </a:ln>
-        </p:spPr>
-        <p:txBody>
-          <a:bodyPr anchorCtr="0" anchor="ctr" bIns="91425" lIns="91425" spcFirstLastPara="1" rIns="91425" wrap="square" tIns="91425">
-            <a:noAutofit/>
-          </a:bodyPr>
-          <a:lstStyle/>
-          <a:p>
-            <a:pPr indent="0" lvl="0" marL="0" rtl="0" algn="ctr">
-              <a:spcBef>
-                <a:spcPts val="0"/>
-              </a:spcBef>
-              <a:spcAft>
-                <a:spcPts val="0"/>
-              </a:spcAft>
-              <a:buNone/>
-            </a:pPr>
-            <a:r>
-              <a:t/>
-            </a:r>
-            <a:endParaRPr>
-              <a:solidFill>
-                <a:srgbClr val="9FA09F"/>
-              </a:solidFill>
-            </a:endParaRPr>
-          </a:p>
-        </p:txBody>
-      </p:sp>
-      <p:sp>
-        <p:nvSpPr>
-          <p:cNvPr id="410" name="Google Shape;410;g2a8639fb0e6_0_52"/>
-          <p:cNvSpPr/>
-          <p:nvPr/>
-        </p:nvSpPr>
-        <p:spPr>
-          <a:xfrm rot="10800000">
-            <a:off x="8844325" y="187875"/>
-            <a:ext cx="144000" cy="701100"/>
-          </a:xfrm>
-          <a:prstGeom prst="leftBracket">
-            <a:avLst>
-              <a:gd fmla="val 8333" name="adj"/>
-            </a:avLst>
-          </a:prstGeom>
-          <a:noFill/>
-          <a:ln cap="flat" cmpd="sng" w="9525">
-            <a:solidFill>
-              <a:schemeClr val="dk2"/>
-            </a:solidFill>
-            <a:prstDash val="solid"/>
-            <a:round/>
-            <a:headEnd len="sm" w="sm" type="none"/>
-            <a:tailEnd len="sm" w="sm" type="none"/>
-          </a:ln>
-        </p:spPr>
-        <p:txBody>
-          <a:bodyPr anchorCtr="0" anchor="ctr" bIns="91425" lIns="91425" spcFirstLastPara="1" rIns="91425" wrap="square" tIns="91425">
-            <a:noAutofit/>
-          </a:bodyPr>
-          <a:lstStyle/>
-          <a:p>
-            <a:pPr indent="0" lvl="0" marL="0" rtl="0" algn="ctr">
-              <a:spcBef>
-                <a:spcPts val="0"/>
-              </a:spcBef>
-              <a:spcAft>
-                <a:spcPts val="0"/>
-              </a:spcAft>
-              <a:buNone/>
-            </a:pPr>
-            <a:r>
-              <a:t/>
-            </a:r>
-            <a:endParaRPr>
-              <a:solidFill>
-                <a:srgbClr val="9FA09F"/>
-              </a:solidFill>
-            </a:endParaRPr>
-          </a:p>
-        </p:txBody>
-      </p:sp>
     </p:spTree>
   </p:cSld>
   <p:clrMapOvr>
@@ -28620,6 +28618,285 @@
 </file>
 
 <file path=ppt/theme/theme1.xml><?xml version="1.0" encoding="utf-8"?>
+<a:theme xmlns:a="http://schemas.openxmlformats.org/drawingml/2006/main" xmlns:r="http://schemas.openxmlformats.org/officeDocument/2006/relationships">
+  <a:themeElements>
+    <a:clrScheme name="Default">
+      <a:dk1>
+        <a:srgbClr val="000000"/>
+      </a:dk1>
+      <a:lt1>
+        <a:srgbClr val="FFFFFF"/>
+      </a:lt1>
+      <a:dk2>
+        <a:srgbClr val="158158"/>
+      </a:dk2>
+      <a:lt2>
+        <a:srgbClr val="F3F3F3"/>
+      </a:lt2>
+      <a:accent1>
+        <a:srgbClr val="058DC7"/>
+      </a:accent1>
+      <a:accent2>
+        <a:srgbClr val="50B432"/>
+      </a:accent2>
+      <a:accent3>
+        <a:srgbClr val="ED561B"/>
+      </a:accent3>
+      <a:accent4>
+        <a:srgbClr val="EDEF00"/>
+      </a:accent4>
+      <a:accent5>
+        <a:srgbClr val="24CBE5"/>
+      </a:accent5>
+      <a:accent6>
+        <a:srgbClr val="64E572"/>
+      </a:accent6>
+      <a:hlink>
+        <a:srgbClr val="2200CC"/>
+      </a:hlink>
+      <a:folHlink>
+        <a:srgbClr val="551A8B"/>
+      </a:folHlink>
+    </a:clrScheme>
+    <a:fontScheme name="Office">
+      <a:majorFont>
+        <a:latin typeface="Arial"/>
+        <a:ea typeface=""/>
+        <a:cs typeface=""/>
+        <a:font script="Jpan" typeface="ＭＳ Ｐゴシック"/>
+        <a:font script="Hang" typeface="맑은 고딕"/>
+        <a:font script="Hans" typeface="宋体"/>
+        <a:font script="Hant" typeface="新細明體"/>
+        <a:font script="Arab" typeface="Times New Roman"/>
+        <a:font script="Hebr" typeface="Times New Roman"/>
+        <a:font script="Thai" typeface="Angsana New"/>
+        <a:font script="Ethi" typeface="Nyala"/>
+        <a:font script="Beng" typeface="Vrinda"/>
+        <a:font script="Gujr" typeface="Shruti"/>
+        <a:font script="Khmr" typeface="MoolBoran"/>
+        <a:font script="Knda" typeface="Tunga"/>
+        <a:font script="Guru" typeface="Raavi"/>
+        <a:font script="Cans" typeface="Euphemia"/>
+        <a:font script="Cher" typeface="Plantagenet Cherokee"/>
+        <a:font script="Yiii" typeface="Microsoft Yi Baiti"/>
+        <a:font script="Tibt" typeface="Microsoft Himalaya"/>
+        <a:font script="Thaa" typeface="MV Boli"/>
+        <a:font script="Deva" typeface="Mangal"/>
+        <a:font script="Telu" typeface="Gautami"/>
+        <a:font script="Taml" typeface="Latha"/>
+        <a:font script="Syrc" typeface="Estrangelo Edessa"/>
+        <a:font script="Orya" typeface="Kalinga"/>
+        <a:font script="Mlym" typeface="Kartika"/>
+        <a:font script="Laoo" typeface="DokChampa"/>
+        <a:font script="Sinh" typeface="Iskoola Pota"/>
+        <a:font script="Mong" typeface="Mongolian Baiti"/>
+        <a:font script="Viet" typeface="Times New Roman"/>
+        <a:font script="Uigh" typeface="Microsoft Uighur"/>
+        <a:font script="Geor" typeface="Sylfaen"/>
+      </a:majorFont>
+      <a:minorFont>
+        <a:latin typeface="Arial"/>
+        <a:ea typeface=""/>
+        <a:cs typeface=""/>
+        <a:font script="Jpan" typeface="ＭＳ Ｐゴシック"/>
+        <a:font script="Hang" typeface="맑은 고딕"/>
+        <a:font script="Hans" typeface="宋体"/>
+        <a:font script="Hant" typeface="新細明體"/>
+        <a:font script="Arab" typeface="Arial"/>
+        <a:font script="Hebr" typeface="Arial"/>
+        <a:font script="Thai" typeface="Cordia New"/>
+        <a:font script="Ethi" typeface="Nyala"/>
+        <a:font script="Beng" typeface="Vrinda"/>
+        <a:font script="Gujr" typeface="Shruti"/>
+        <a:font script="Khmr" typeface="DaunPenh"/>
+        <a:font script="Knda" typeface="Tunga"/>
+        <a:font script="Guru" typeface="Raavi"/>
+        <a:font script="Cans" typeface="Euphemia"/>
+        <a:font script="Cher" typeface="Plantagenet Cherokee"/>
+        <a:font script="Yiii" typeface="Microsoft Yi Baiti"/>
+        <a:font script="Tibt" typeface="Microsoft Himalaya"/>
+        <a:font script="Thaa" typeface="MV Boli"/>
+        <a:font script="Deva" typeface="Mangal"/>
+        <a:font script="Telu" typeface="Gautami"/>
+        <a:font script="Taml" typeface="Latha"/>
+        <a:font script="Syrc" typeface="Estrangelo Edessa"/>
+        <a:font script="Orya" typeface="Kalinga"/>
+        <a:font script="Mlym" typeface="Kartika"/>
+        <a:font script="Laoo" typeface="DokChampa"/>
+        <a:font script="Sinh" typeface="Iskoola Pota"/>
+        <a:font script="Mong" typeface="Mongolian Baiti"/>
+        <a:font script="Viet" typeface="Arial"/>
+        <a:font script="Uigh" typeface="Microsoft Uighur"/>
+        <a:font script="Geor" typeface="Sylfaen"/>
+      </a:minorFont>
+    </a:fontScheme>
+    <a:fmtScheme name="Office">
+      <a:fillStyleLst>
+        <a:solidFill>
+          <a:schemeClr val="phClr"/>
+        </a:solidFill>
+        <a:gradFill rotWithShape="1">
+          <a:gsLst>
+            <a:gs pos="0">
+              <a:schemeClr val="phClr">
+                <a:tint val="50000"/>
+                <a:satMod val="300000"/>
+              </a:schemeClr>
+            </a:gs>
+            <a:gs pos="35000">
+              <a:schemeClr val="phClr">
+                <a:tint val="37000"/>
+                <a:satMod val="300000"/>
+              </a:schemeClr>
+            </a:gs>
+            <a:gs pos="100000">
+              <a:schemeClr val="phClr">
+                <a:tint val="15000"/>
+                <a:satMod val="350000"/>
+              </a:schemeClr>
+            </a:gs>
+          </a:gsLst>
+          <a:lin ang="16200000" scaled="1"/>
+        </a:gradFill>
+        <a:gradFill rotWithShape="1">
+          <a:gsLst>
+            <a:gs pos="0">
+              <a:schemeClr val="phClr">
+                <a:tint val="100000"/>
+                <a:shade val="100000"/>
+                <a:satMod val="130000"/>
+              </a:schemeClr>
+            </a:gs>
+            <a:gs pos="100000">
+              <a:schemeClr val="phClr">
+                <a:tint val="50000"/>
+                <a:shade val="100000"/>
+                <a:satMod val="350000"/>
+              </a:schemeClr>
+            </a:gs>
+          </a:gsLst>
+          <a:lin ang="16200000" scaled="0"/>
+        </a:gradFill>
+      </a:fillStyleLst>
+      <a:lnStyleLst>
+        <a:ln w="9525" cap="flat" cmpd="sng" algn="ctr">
+          <a:solidFill>
+            <a:schemeClr val="phClr">
+              <a:shade val="95000"/>
+              <a:satMod val="105000"/>
+            </a:schemeClr>
+          </a:solidFill>
+          <a:prstDash val="solid"/>
+        </a:ln>
+        <a:ln w="25400" cap="flat" cmpd="sng" algn="ctr">
+          <a:solidFill>
+            <a:schemeClr val="phClr"/>
+          </a:solidFill>
+          <a:prstDash val="solid"/>
+        </a:ln>
+        <a:ln w="38100" cap="flat" cmpd="sng" algn="ctr">
+          <a:solidFill>
+            <a:schemeClr val="phClr"/>
+          </a:solidFill>
+          <a:prstDash val="solid"/>
+        </a:ln>
+      </a:lnStyleLst>
+      <a:effectStyleLst>
+        <a:effectStyle>
+          <a:effectLst>
+            <a:outerShdw blurRad="40000" dist="20000" dir="5400000" rotWithShape="0">
+              <a:srgbClr val="000000">
+                <a:alpha val="38000"/>
+              </a:srgbClr>
+            </a:outerShdw>
+          </a:effectLst>
+        </a:effectStyle>
+        <a:effectStyle>
+          <a:effectLst>
+            <a:outerShdw blurRad="40000" dist="23000" dir="5400000" rotWithShape="0">
+              <a:srgbClr val="000000">
+                <a:alpha val="35000"/>
+              </a:srgbClr>
+            </a:outerShdw>
+          </a:effectLst>
+        </a:effectStyle>
+        <a:effectStyle>
+          <a:effectLst>
+            <a:outerShdw blurRad="40000" dist="23000" dir="5400000" rotWithShape="0">
+              <a:srgbClr val="000000">
+                <a:alpha val="35000"/>
+              </a:srgbClr>
+            </a:outerShdw>
+          </a:effectLst>
+          <a:scene3d>
+            <a:camera prst="orthographicFront">
+              <a:rot lat="0" lon="0" rev="0"/>
+            </a:camera>
+            <a:lightRig rig="threePt" dir="t">
+              <a:rot lat="0" lon="0" rev="1200000"/>
+            </a:lightRig>
+          </a:scene3d>
+          <a:sp3d>
+            <a:bevelT w="63500" h="25400"/>
+          </a:sp3d>
+        </a:effectStyle>
+      </a:effectStyleLst>
+      <a:bgFillStyleLst>
+        <a:solidFill>
+          <a:schemeClr val="phClr"/>
+        </a:solidFill>
+        <a:gradFill rotWithShape="1">
+          <a:gsLst>
+            <a:gs pos="0">
+              <a:schemeClr val="phClr">
+                <a:tint val="40000"/>
+                <a:satMod val="350000"/>
+              </a:schemeClr>
+            </a:gs>
+            <a:gs pos="40000">
+              <a:schemeClr val="phClr">
+                <a:tint val="45000"/>
+                <a:shade val="99000"/>
+                <a:satMod val="350000"/>
+              </a:schemeClr>
+            </a:gs>
+            <a:gs pos="100000">
+              <a:schemeClr val="phClr">
+                <a:shade val="20000"/>
+                <a:satMod val="255000"/>
+              </a:schemeClr>
+            </a:gs>
+          </a:gsLst>
+          <a:path path="circle">
+            <a:fillToRect l="50000" t="-80000" r="50000" b="180000"/>
+          </a:path>
+        </a:gradFill>
+        <a:gradFill rotWithShape="1">
+          <a:gsLst>
+            <a:gs pos="0">
+              <a:schemeClr val="phClr">
+                <a:tint val="80000"/>
+                <a:satMod val="300000"/>
+              </a:schemeClr>
+            </a:gs>
+            <a:gs pos="100000">
+              <a:schemeClr val="phClr">
+                <a:shade val="30000"/>
+                <a:satMod val="200000"/>
+              </a:schemeClr>
+            </a:gs>
+          </a:gsLst>
+          <a:path path="circle">
+            <a:fillToRect l="50000" t="50000" r="50000" b="50000"/>
+          </a:path>
+        </a:gradFill>
+      </a:bgFillStyleLst>
+    </a:fmtScheme>
+  </a:themeElements>
+</a:theme>
+</file>
+
+<file path=ppt/theme/theme2.xml><?xml version="1.0" encoding="utf-8"?>
 <a:theme xmlns:a="http://schemas.openxmlformats.org/drawingml/2006/main" xmlns:r="http://schemas.openxmlformats.org/officeDocument/2006/relationships" name="Simple Light">
   <a:themeElements>
     <a:clrScheme name="Simple Light">
@@ -28896,283 +29173,4 @@
     </a:fmtScheme>
   </a:themeElements>
 </a:theme>
-</file>
-
-<file path=ppt/theme/theme2.xml><?xml version="1.0" encoding="utf-8"?>
-<a:theme xmlns:a="http://schemas.openxmlformats.org/drawingml/2006/main" xmlns:r="http://schemas.openxmlformats.org/officeDocument/2006/relationships">
-  <a:themeElements>
-    <a:clrScheme name="Default">
-      <a:dk1>
-        <a:srgbClr val="000000"/>
-      </a:dk1>
-      <a:lt1>
-        <a:srgbClr val="FFFFFF"/>
-      </a:lt1>
-      <a:dk2>
-        <a:srgbClr val="158158"/>
-      </a:dk2>
-      <a:lt2>
-        <a:srgbClr val="F3F3F3"/>
-      </a:lt2>
-      <a:accent1>
-        <a:srgbClr val="058DC7"/>
-      </a:accent1>
-      <a:accent2>
-        <a:srgbClr val="50B432"/>
-      </a:accent2>
-      <a:accent3>
-        <a:srgbClr val="ED561B"/>
-      </a:accent3>
-      <a:accent4>
-        <a:srgbClr val="EDEF00"/>
-      </a:accent4>
-      <a:accent5>
-        <a:srgbClr val="24CBE5"/>
-      </a:accent5>
-      <a:accent6>
-        <a:srgbClr val="64E572"/>
-      </a:accent6>
-      <a:hlink>
-        <a:srgbClr val="2200CC"/>
-      </a:hlink>
-      <a:folHlink>
-        <a:srgbClr val="551A8B"/>
-      </a:folHlink>
-    </a:clrScheme>
-    <a:fontScheme name="Office">
-      <a:majorFont>
-        <a:latin typeface="Arial"/>
-        <a:ea typeface=""/>
-        <a:cs typeface=""/>
-        <a:font script="Jpan" typeface="ＭＳ Ｐゴシック"/>
-        <a:font script="Hang" typeface="맑은 고딕"/>
-        <a:font script="Hans" typeface="宋体"/>
-        <a:font script="Hant" typeface="新細明體"/>
-        <a:font script="Arab" typeface="Times New Roman"/>
-        <a:font script="Hebr" typeface="Times New Roman"/>
-        <a:font script="Thai" typeface="Angsana New"/>
-        <a:font script="Ethi" typeface="Nyala"/>
-        <a:font script="Beng" typeface="Vrinda"/>
-        <a:font script="Gujr" typeface="Shruti"/>
-        <a:font script="Khmr" typeface="MoolBoran"/>
-        <a:font script="Knda" typeface="Tunga"/>
-        <a:font script="Guru" typeface="Raavi"/>
-        <a:font script="Cans" typeface="Euphemia"/>
-        <a:font script="Cher" typeface="Plantagenet Cherokee"/>
-        <a:font script="Yiii" typeface="Microsoft Yi Baiti"/>
-        <a:font script="Tibt" typeface="Microsoft Himalaya"/>
-        <a:font script="Thaa" typeface="MV Boli"/>
-        <a:font script="Deva" typeface="Mangal"/>
-        <a:font script="Telu" typeface="Gautami"/>
-        <a:font script="Taml" typeface="Latha"/>
-        <a:font script="Syrc" typeface="Estrangelo Edessa"/>
-        <a:font script="Orya" typeface="Kalinga"/>
-        <a:font script="Mlym" typeface="Kartika"/>
-        <a:font script="Laoo" typeface="DokChampa"/>
-        <a:font script="Sinh" typeface="Iskoola Pota"/>
-        <a:font script="Mong" typeface="Mongolian Baiti"/>
-        <a:font script="Viet" typeface="Times New Roman"/>
-        <a:font script="Uigh" typeface="Microsoft Uighur"/>
-        <a:font script="Geor" typeface="Sylfaen"/>
-      </a:majorFont>
-      <a:minorFont>
-        <a:latin typeface="Arial"/>
-        <a:ea typeface=""/>
-        <a:cs typeface=""/>
-        <a:font script="Jpan" typeface="ＭＳ Ｐゴシック"/>
-        <a:font script="Hang" typeface="맑은 고딕"/>
-        <a:font script="Hans" typeface="宋体"/>
-        <a:font script="Hant" typeface="新細明體"/>
-        <a:font script="Arab" typeface="Arial"/>
-        <a:font script="Hebr" typeface="Arial"/>
-        <a:font script="Thai" typeface="Cordia New"/>
-        <a:font script="Ethi" typeface="Nyala"/>
-        <a:font script="Beng" typeface="Vrinda"/>
-        <a:font script="Gujr" typeface="Shruti"/>
-        <a:font script="Khmr" typeface="DaunPenh"/>
-        <a:font script="Knda" typeface="Tunga"/>
-        <a:font script="Guru" typeface="Raavi"/>
-        <a:font script="Cans" typeface="Euphemia"/>
-        <a:font script="Cher" typeface="Plantagenet Cherokee"/>
-        <a:font script="Yiii" typeface="Microsoft Yi Baiti"/>
-        <a:font script="Tibt" typeface="Microsoft Himalaya"/>
-        <a:font script="Thaa" typeface="MV Boli"/>
-        <a:font script="Deva" typeface="Mangal"/>
-        <a:font script="Telu" typeface="Gautami"/>
-        <a:font script="Taml" typeface="Latha"/>
-        <a:font script="Syrc" typeface="Estrangelo Edessa"/>
-        <a:font script="Orya" typeface="Kalinga"/>
-        <a:font script="Mlym" typeface="Kartika"/>
-        <a:font script="Laoo" typeface="DokChampa"/>
-        <a:font script="Sinh" typeface="Iskoola Pota"/>
-        <a:font script="Mong" typeface="Mongolian Baiti"/>
-        <a:font script="Viet" typeface="Arial"/>
-        <a:font script="Uigh" typeface="Microsoft Uighur"/>
-        <a:font script="Geor" typeface="Sylfaen"/>
-      </a:minorFont>
-    </a:fontScheme>
-    <a:fmtScheme name="Office">
-      <a:fillStyleLst>
-        <a:solidFill>
-          <a:schemeClr val="phClr"/>
-        </a:solidFill>
-        <a:gradFill rotWithShape="1">
-          <a:gsLst>
-            <a:gs pos="0">
-              <a:schemeClr val="phClr">
-                <a:tint val="50000"/>
-                <a:satMod val="300000"/>
-              </a:schemeClr>
-            </a:gs>
-            <a:gs pos="35000">
-              <a:schemeClr val="phClr">
-                <a:tint val="37000"/>
-                <a:satMod val="300000"/>
-              </a:schemeClr>
-            </a:gs>
-            <a:gs pos="100000">
-              <a:schemeClr val="phClr">
-                <a:tint val="15000"/>
-                <a:satMod val="350000"/>
-              </a:schemeClr>
-            </a:gs>
-          </a:gsLst>
-          <a:lin ang="16200000" scaled="1"/>
-        </a:gradFill>
-        <a:gradFill rotWithShape="1">
-          <a:gsLst>
-            <a:gs pos="0">
-              <a:schemeClr val="phClr">
-                <a:tint val="100000"/>
-                <a:shade val="100000"/>
-                <a:satMod val="130000"/>
-              </a:schemeClr>
-            </a:gs>
-            <a:gs pos="100000">
-              <a:schemeClr val="phClr">
-                <a:tint val="50000"/>
-                <a:shade val="100000"/>
-                <a:satMod val="350000"/>
-              </a:schemeClr>
-            </a:gs>
-          </a:gsLst>
-          <a:lin ang="16200000" scaled="0"/>
-        </a:gradFill>
-      </a:fillStyleLst>
-      <a:lnStyleLst>
-        <a:ln w="9525" cap="flat" cmpd="sng" algn="ctr">
-          <a:solidFill>
-            <a:schemeClr val="phClr">
-              <a:shade val="95000"/>
-              <a:satMod val="105000"/>
-            </a:schemeClr>
-          </a:solidFill>
-          <a:prstDash val="solid"/>
-        </a:ln>
-        <a:ln w="25400" cap="flat" cmpd="sng" algn="ctr">
-          <a:solidFill>
-            <a:schemeClr val="phClr"/>
-          </a:solidFill>
-          <a:prstDash val="solid"/>
-        </a:ln>
-        <a:ln w="38100" cap="flat" cmpd="sng" algn="ctr">
-          <a:solidFill>
-            <a:schemeClr val="phClr"/>
-          </a:solidFill>
-          <a:prstDash val="solid"/>
-        </a:ln>
-      </a:lnStyleLst>
-      <a:effectStyleLst>
-        <a:effectStyle>
-          <a:effectLst>
-            <a:outerShdw blurRad="40000" dist="20000" dir="5400000" rotWithShape="0">
-              <a:srgbClr val="000000">
-                <a:alpha val="38000"/>
-              </a:srgbClr>
-            </a:outerShdw>
-          </a:effectLst>
-        </a:effectStyle>
-        <a:effectStyle>
-          <a:effectLst>
-            <a:outerShdw blurRad="40000" dist="23000" dir="5400000" rotWithShape="0">
-              <a:srgbClr val="000000">
-                <a:alpha val="35000"/>
-              </a:srgbClr>
-            </a:outerShdw>
-          </a:effectLst>
-        </a:effectStyle>
-        <a:effectStyle>
-          <a:effectLst>
-            <a:outerShdw blurRad="40000" dist="23000" dir="5400000" rotWithShape="0">
-              <a:srgbClr val="000000">
-                <a:alpha val="35000"/>
-              </a:srgbClr>
-            </a:outerShdw>
-          </a:effectLst>
-          <a:scene3d>
-            <a:camera prst="orthographicFront">
-              <a:rot lat="0" lon="0" rev="0"/>
-            </a:camera>
-            <a:lightRig rig="threePt" dir="t">
-              <a:rot lat="0" lon="0" rev="1200000"/>
-            </a:lightRig>
-          </a:scene3d>
-          <a:sp3d>
-            <a:bevelT w="63500" h="25400"/>
-          </a:sp3d>
-        </a:effectStyle>
-      </a:effectStyleLst>
-      <a:bgFillStyleLst>
-        <a:solidFill>
-          <a:schemeClr val="phClr"/>
-        </a:solidFill>
-        <a:gradFill rotWithShape="1">
-          <a:gsLst>
-            <a:gs pos="0">
-              <a:schemeClr val="phClr">
-                <a:tint val="40000"/>
-                <a:satMod val="350000"/>
-              </a:schemeClr>
-            </a:gs>
-            <a:gs pos="40000">
-              <a:schemeClr val="phClr">
-                <a:tint val="45000"/>
-                <a:shade val="99000"/>
-                <a:satMod val="350000"/>
-              </a:schemeClr>
-            </a:gs>
-            <a:gs pos="100000">
-              <a:schemeClr val="phClr">
-                <a:shade val="20000"/>
-                <a:satMod val="255000"/>
-              </a:schemeClr>
-            </a:gs>
-          </a:gsLst>
-          <a:path path="circle">
-            <a:fillToRect l="50000" t="-80000" r="50000" b="180000"/>
-          </a:path>
-        </a:gradFill>
-        <a:gradFill rotWithShape="1">
-          <a:gsLst>
-            <a:gs pos="0">
-              <a:schemeClr val="phClr">
-                <a:tint val="80000"/>
-                <a:satMod val="300000"/>
-              </a:schemeClr>
-            </a:gs>
-            <a:gs pos="100000">
-              <a:schemeClr val="phClr">
-                <a:shade val="30000"/>
-                <a:satMod val="200000"/>
-              </a:schemeClr>
-            </a:gs>
-          </a:gsLst>
-          <a:path path="circle">
-            <a:fillToRect l="50000" t="50000" r="50000" b="50000"/>
-          </a:path>
-        </a:gradFill>
-      </a:bgFillStyleLst>
-    </a:fmtScheme>
-  </a:themeElements>
-</a:theme>
 </file>
--- a/presentation/presentation.pptx
+++ b/presentation/presentation.pptx
@@ -1845,7 +1845,7 @@
             </a:pPr>
             <a:r>
               <a:rPr lang="en" sz="1500"/>
-              <a:t>And a Test one that will be used to perform price prediction on never-before-seen data, in our case the last 3 months of the original dataset will be used</a:t>
+              <a:t>And a Test one that will be used to perform price prediction on never-before-seen data, in our case the last 3 months of the original dataset will be taken into consideration</a:t>
             </a:r>
             <a:endParaRPr sz="1500"/>
           </a:p>
@@ -1966,7 +1966,7 @@
             </a:pPr>
             <a:r>
               <a:rPr lang="en" sz="1500"/>
-              <a:t>Three different splitting methods were used to train and validate the models in order to figure out which one works best for this task</a:t>
+              <a:t>These are the different splitting methods used to train and validate the models in order to figure out which one works best for this task</a:t>
             </a:r>
             <a:endParaRPr sz="1500"/>
           </a:p>
@@ -2012,7 +2012,7 @@
             </a:pPr>
             <a:r>
               <a:rPr lang="en" sz="1500"/>
-              <a:t>Walk forward splits involves using a sliding window approach to create the training and validation sets</a:t>
+              <a:t>Walk forward involves using a sliding window approach to create the training and validation sets</a:t>
             </a:r>
             <a:endParaRPr sz="1500"/>
           </a:p>
@@ -2035,7 +2035,7 @@
             </a:pPr>
             <a:r>
               <a:rPr lang="en" sz="1500"/>
-              <a:t>Single time series split involves dividing the time series considering a narrow period of time with just one split</a:t>
+              <a:t>Single split involves dividing the time series considering a narrow period of time with just one split</a:t>
             </a:r>
             <a:endParaRPr sz="1500"/>
           </a:p>
@@ -2156,7 +2156,7 @@
             </a:pPr>
             <a:r>
               <a:rPr lang="en" sz="1500"/>
-              <a:t>In the latter case I consider only 2 years instead of 4 as in the others, to best benefit from the trend in the short term</a:t>
+              <a:t>In fact, in the latter case I consider only 2 years instead of 4 as in the others, to best benefit from the trend in the short term</a:t>
             </a:r>
             <a:endParaRPr sz="1500"/>
           </a:p>
@@ -2513,7 +2513,7 @@
             </a:pPr>
             <a:r>
               <a:rPr lang="en" sz="1500"/>
-              <a:t>For each prediction, I am going to consider it correct if the actual price goes up or down and the predicted one follows that trend, wrong if vice versa</a:t>
+              <a:t>For each prediction that will be made, I am going to consider it correct if the actual price goes up or down and the predicted one follows that trend, wrong if vice versa</a:t>
             </a:r>
             <a:endParaRPr sz="1500"/>
           </a:p>
@@ -3110,7 +3110,15 @@
             </a:pPr>
             <a:r>
               <a:rPr lang="en" sz="1600"/>
-              <a:t>Since during this stage will be used the Block split or Walk forward split method of the dataset I compute a score for each set of parameters chosen by each split, assigning weights based on their frequency of occurrence, split belonging and RMSE value</a:t>
+              <a:t>Since during this stage will be used the Block or Walk forward </a:t>
+            </a:r>
+            <a:r>
+              <a:rPr lang="en" sz="1600"/>
+              <a:t>splitting</a:t>
+            </a:r>
+            <a:r>
+              <a:rPr lang="en" sz="1600"/>
+              <a:t> method of the dataset I compute a score for each set of parameters chosen by each split, assigning weights based on their frequency of occurrence, split belonging and RMSE value</a:t>
             </a:r>
             <a:endParaRPr sz="1600"/>
           </a:p>
@@ -3352,7 +3360,7 @@
             </a:pPr>
             <a:r>
               <a:rPr lang="en" sz="1500"/>
-              <a:t>After that, the performance of each model is validated by performing cross validation</a:t>
+              <a:t>After that, the performance of each model is validated by performing cross validation also using here the splitting methods seen previously</a:t>
             </a:r>
             <a:endParaRPr sz="1500"/>
           </a:p>
@@ -3675,7 +3683,7 @@
             </a:r>
             <a:r>
               <a:rPr lang="en" sz="1500"/>
-              <a:t> methods we can see how Walk-forward splits return lower performance than block and single splits, with the latter benefiting from a shorter time horizon</a:t>
+              <a:t> methods we can see how the Walk-forward method return lower performance than block and single method, with the latter benefiting from a shorter time horizon</a:t>
             </a:r>
             <a:endParaRPr sz="1500"/>
           </a:p>
@@ -4762,7 +4770,27 @@
             </a:pPr>
             <a:r>
               <a:rPr lang="en" sz="1500"/>
-              <a:t>Moving on to the final predictions made on the test set, we can see that tree-based models perform rather well in the short-mid term period, compared to linear models while in the long term one, especially considering the last month, all models failed to capture the price trend well</a:t>
+              <a:t>Moving on to the final predictions made on the test set, we can see that tree-based models perform rather well in the short-mid term period, compared to linear models</a:t>
+            </a:r>
+            <a:endParaRPr sz="1500"/>
+          </a:p>
+          <a:p>
+            <a:pPr indent="-323850" lvl="0" marL="457200" rtl="0" algn="l">
+              <a:lnSpc>
+                <a:spcPct val="100000"/>
+              </a:lnSpc>
+              <a:spcBef>
+                <a:spcPts val="0"/>
+              </a:spcBef>
+              <a:spcAft>
+                <a:spcPts val="0"/>
+              </a:spcAft>
+              <a:buSzPts val="1500"/>
+              <a:buChar char="●"/>
+            </a:pPr>
+            <a:r>
+              <a:rPr lang="en" sz="1500"/>
+              <a:t>While in the long term one, especially considering the last month, all models failed to capture the price trend well</a:t>
             </a:r>
             <a:endParaRPr sz="1500"/>
           </a:p>
@@ -4883,7 +4911,7 @@
             </a:pPr>
             <a:r>
               <a:rPr lang="en" sz="1500"/>
-              <a:t>Considering the RMSE values in fact, especially in the long run, these tends to remains about the same in the short to medium term for linear models and increases for tree-based ones</a:t>
+              <a:t>Considering the RMSE values in fact, these tends to remains about the same in the short to medium term for linear models and increases for tree-based ones</a:t>
             </a:r>
             <a:endParaRPr sz="1500"/>
           </a:p>
@@ -5621,7 +5649,7 @@
             </a:r>
             <a:r>
               <a:rPr lang="en" sz="1500"/>
-              <a:t>the creation of a sliding window on features to use additional historical data or the consideration of events that could influence the price</a:t>
+              <a:t>the implementation of a sliding window on features to use additional historical data or the consideration of events that could influence the price</a:t>
             </a:r>
             <a:endParaRPr sz="1500"/>
           </a:p>
@@ -5644,7 +5672,7 @@
             </a:pPr>
             <a:r>
               <a:rPr lang="en" sz="1500"/>
-              <a:t>Even the use of deep learning approaches such as CNNs and Transformer models that exploit self-attention to better capture trends</a:t>
+              <a:t>Even the use of deep learning approaches such as CNNs or Transformer models that exploit self-attention to better capture trends</a:t>
             </a:r>
             <a:endParaRPr sz="1500"/>
           </a:p>
@@ -13112,7 +13140,31 @@
                 <a:cs typeface="Montserrat"/>
                 <a:sym typeface="Montserrat"/>
               </a:rPr>
-              <a:t> (but during feature engineering I converted the Spark dataframe to a Pandas one to make some plots)</a:t>
+              <a:t> (during </a:t>
+            </a:r>
+            <a:r>
+              <a:rPr lang="en">
+                <a:solidFill>
+                  <a:schemeClr val="dk2"/>
+                </a:solidFill>
+                <a:latin typeface="Montserrat"/>
+                <a:ea typeface="Montserrat"/>
+                <a:cs typeface="Montserrat"/>
+                <a:sym typeface="Montserrat"/>
+              </a:rPr>
+              <a:t>some phases</a:t>
+            </a:r>
+            <a:r>
+              <a:rPr i="0" lang="en" sz="1400" u="none" cap="none" strike="noStrike">
+                <a:solidFill>
+                  <a:schemeClr val="dk2"/>
+                </a:solidFill>
+                <a:latin typeface="Montserrat"/>
+                <a:ea typeface="Montserrat"/>
+                <a:cs typeface="Montserrat"/>
+                <a:sym typeface="Montserrat"/>
+              </a:rPr>
+              <a:t> I converted the Spark dataframe to a Pandas one to make some plots)</a:t>
             </a:r>
             <a:endParaRPr i="0" sz="1400" u="none" cap="none" strike="noStrike">
               <a:solidFill>

--- a/presentation/presentation.pptx
+++ b/presentation/presentation.pptx
@@ -5310,7 +5310,7 @@
                   <a:schemeClr val="dk1"/>
                 </a:solidFill>
               </a:rPr>
-              <a:t>It should be noted that in this case linear models have a higher accuracy than tree-based models, probably because they have smoother curves that allow them to better represent price rather than tree-based ones that are more jagged</a:t>
+              <a:t>It should be noted that in this case linear models have a higher accuracy than tree-based ones, probably because they have smoother curves that allow them to better represent price rather than tree-based ones that are more jagged</a:t>
             </a:r>
             <a:endParaRPr sz="1500"/>
           </a:p>

--- a/presentation/presentation.pptx
+++ b/presentation/presentation.pptx
@@ -1229,7 +1229,7 @@
             </a:pPr>
             <a:r>
               <a:rPr lang="en" sz="1500"/>
-              <a:t>The project is structured in this way</a:t>
+              <a:t>The project pipeline is the following</a:t>
             </a:r>
             <a:endParaRPr sz="1500"/>
           </a:p>
@@ -1678,7 +1678,7 @@
             </a:pPr>
             <a:r>
               <a:rPr lang="en" sz="1500"/>
-              <a:t>If this value is greater than equal to 0.6 they will be considered most correlated, least correlated otherwise</a:t>
+              <a:t>If this value is greater than or equal to 0.6 they will be considered most correlated, least correlated otherwise</a:t>
             </a:r>
             <a:endParaRPr sz="1500"/>
           </a:p>
@@ -2012,7 +2012,7 @@
             </a:pPr>
             <a:r>
               <a:rPr lang="en" sz="1500"/>
-              <a:t>Walk forward involves using a sliding window approach to create the training and validation sets</a:t>
+              <a:t>Walk forward uses a sliding window approach to create the training and validation sets</a:t>
             </a:r>
             <a:endParaRPr sz="1500"/>
           </a:p>
@@ -2035,7 +2035,7 @@
             </a:pPr>
             <a:r>
               <a:rPr lang="en" sz="1500"/>
-              <a:t>Single split involves dividing the time series considering a narrow period of time with just one split</a:t>
+              <a:t>Single split divides the entire time series into just two splits considering a narrow period of time</a:t>
             </a:r>
             <a:endParaRPr sz="1500"/>
           </a:p>
@@ -5185,7 +5185,7 @@
                   <a:schemeClr val="dk1"/>
                 </a:solidFill>
               </a:rPr>
-              <a:t>the accuracy, this is slightly improved compared to that obtained during the train / validation phase, in general this is higher when we consider short term period and tends to decrease in the long term one</a:t>
+              <a:t>the accuracy, this is slightly improved compared to that obtained during the train / validation phase, in general follows the trend seen previously</a:t>
             </a:r>
             <a:endParaRPr sz="1500"/>
           </a:p>
@@ -6169,7 +6169,7 @@
             </a:pPr>
             <a:r>
               <a:rPr lang="en" sz="1500"/>
-              <a:t>Bitcoin is a decentralized cryptocurrency, created in 2009 by an anonymous inventor under the pseudonym of Satoshi Nakamoto</a:t>
+              <a:t>It is a decentralized cryptocurrency, created in 2009 by an anonymous inventor under the pseudonym of Satoshi Nakamoto</a:t>
             </a:r>
             <a:endParaRPr sz="1500"/>
           </a:p>
@@ -6390,7 +6390,7 @@
             </a:r>
             <a:r>
               <a:rPr lang="en" sz="1500"/>
-              <a:t> has attracted the attention of many people in recent years, however, it's price fluctuation can be extremely unpredictable</a:t>
+              <a:t> has attracted the attention of many people in recent years, however, the price fluctuation can be extremely unpredictable</a:t>
             </a:r>
             <a:endParaRPr sz="1500"/>
           </a:p>
@@ -6719,7 +6719,7 @@
                   <a:schemeClr val="dk1"/>
                 </a:solidFill>
               </a:rPr>
-              <a:t>I decided to organize them in 15-minute time-frame and I’ve retrieved the most relevant data from the last four years to current days, a period for which there were moments of high volatility but also some price lateralization</a:t>
+              <a:t>I decided to organize them in 15-minute time-frame and I’ve retrieved the most relevant data from the last four years to current days, a period on which there were moments of high volatility but also some price lateralization</a:t>
             </a:r>
             <a:endParaRPr sz="1500">
               <a:solidFill>
